--- a/Rust调研.pptx
+++ b/Rust调研.pptx
@@ -4,10 +4,24 @@
   <p:sldMasterIdLst>
     <p:sldMasterId id="2147483678" r:id="rId1"/>
   </p:sldMasterIdLst>
+  <p:notesMasterIdLst>
+    <p:notesMasterId r:id="rId16"/>
+  </p:notesMasterIdLst>
   <p:sldIdLst>
     <p:sldId id="256" r:id="rId2"/>
     <p:sldId id="257" r:id="rId3"/>
     <p:sldId id="258" r:id="rId4"/>
+    <p:sldId id="259" r:id="rId5"/>
+    <p:sldId id="260" r:id="rId6"/>
+    <p:sldId id="262" r:id="rId7"/>
+    <p:sldId id="263" r:id="rId8"/>
+    <p:sldId id="264" r:id="rId9"/>
+    <p:sldId id="265" r:id="rId10"/>
+    <p:sldId id="266" r:id="rId11"/>
+    <p:sldId id="267" r:id="rId12"/>
+    <p:sldId id="269" r:id="rId13"/>
+    <p:sldId id="268" r:id="rId14"/>
+    <p:sldId id="261" r:id="rId15"/>
   </p:sldIdLst>
   <p:sldSz cx="12192000" cy="6858000"/>
   <p:notesSz cx="6858000" cy="9144000"/>
@@ -106,10 +120,762 @@
       </a:defRPr>
     </a:lvl9pPr>
   </p:defaultTextStyle>
+  <p:extLst>
+    <p:ext uri="{EFAFB233-063F-42B5-8137-9DF3F51BA10A}">
+      <p15:sldGuideLst xmlns:p15="http://schemas.microsoft.com/office/powerpoint/2012/main"/>
+    </p:ext>
+  </p:extLst>
 </p:presentation>
 </file>
 
 <file path=ppt/diagrams/colors1.xml><?xml version="1.0" encoding="utf-8"?>
+<dgm:colorsDef xmlns:dgm="http://schemas.openxmlformats.org/drawingml/2006/diagram" xmlns:a="http://schemas.openxmlformats.org/drawingml/2006/main" uniqueId="urn:microsoft.com/office/officeart/2005/8/colors/accent1_2">
+  <dgm:title val=""/>
+  <dgm:desc val=""/>
+  <dgm:catLst>
+    <dgm:cat type="accent1" pri="11200"/>
+  </dgm:catLst>
+  <dgm:styleLbl name="node0">
+    <dgm:fillClrLst meth="repeat">
+      <a:schemeClr val="accent1"/>
+    </dgm:fillClrLst>
+    <dgm:linClrLst meth="repeat">
+      <a:schemeClr val="lt1"/>
+    </dgm:linClrLst>
+    <dgm:effectClrLst/>
+    <dgm:txLinClrLst/>
+    <dgm:txFillClrLst/>
+    <dgm:txEffectClrLst/>
+  </dgm:styleLbl>
+  <dgm:styleLbl name="alignNode1">
+    <dgm:fillClrLst meth="repeat">
+      <a:schemeClr val="accent1"/>
+    </dgm:fillClrLst>
+    <dgm:linClrLst meth="repeat">
+      <a:schemeClr val="accent1"/>
+    </dgm:linClrLst>
+    <dgm:effectClrLst/>
+    <dgm:txLinClrLst/>
+    <dgm:txFillClrLst/>
+    <dgm:txEffectClrLst/>
+  </dgm:styleLbl>
+  <dgm:styleLbl name="node1">
+    <dgm:fillClrLst meth="repeat">
+      <a:schemeClr val="accent1"/>
+    </dgm:fillClrLst>
+    <dgm:linClrLst meth="repeat">
+      <a:schemeClr val="lt1"/>
+    </dgm:linClrLst>
+    <dgm:effectClrLst/>
+    <dgm:txLinClrLst/>
+    <dgm:txFillClrLst/>
+    <dgm:txEffectClrLst/>
+  </dgm:styleLbl>
+  <dgm:styleLbl name="lnNode1">
+    <dgm:fillClrLst meth="repeat">
+      <a:schemeClr val="accent1"/>
+    </dgm:fillClrLst>
+    <dgm:linClrLst meth="repeat">
+      <a:schemeClr val="lt1"/>
+    </dgm:linClrLst>
+    <dgm:effectClrLst/>
+    <dgm:txLinClrLst/>
+    <dgm:txFillClrLst/>
+    <dgm:txEffectClrLst/>
+  </dgm:styleLbl>
+  <dgm:styleLbl name="vennNode1">
+    <dgm:fillClrLst meth="repeat">
+      <a:schemeClr val="accent1">
+        <a:alpha val="50000"/>
+      </a:schemeClr>
+    </dgm:fillClrLst>
+    <dgm:linClrLst meth="repeat">
+      <a:schemeClr val="lt1"/>
+    </dgm:linClrLst>
+    <dgm:effectClrLst/>
+    <dgm:txLinClrLst/>
+    <dgm:txFillClrLst/>
+    <dgm:txEffectClrLst/>
+  </dgm:styleLbl>
+  <dgm:styleLbl name="node2">
+    <dgm:fillClrLst meth="repeat">
+      <a:schemeClr val="accent1"/>
+    </dgm:fillClrLst>
+    <dgm:linClrLst meth="repeat">
+      <a:schemeClr val="lt1"/>
+    </dgm:linClrLst>
+    <dgm:effectClrLst/>
+    <dgm:txLinClrLst/>
+    <dgm:txFillClrLst/>
+    <dgm:txEffectClrLst/>
+  </dgm:styleLbl>
+  <dgm:styleLbl name="node3">
+    <dgm:fillClrLst meth="repeat">
+      <a:schemeClr val="accent1"/>
+    </dgm:fillClrLst>
+    <dgm:linClrLst meth="repeat">
+      <a:schemeClr val="lt1"/>
+    </dgm:linClrLst>
+    <dgm:effectClrLst/>
+    <dgm:txLinClrLst/>
+    <dgm:txFillClrLst/>
+    <dgm:txEffectClrLst/>
+  </dgm:styleLbl>
+  <dgm:styleLbl name="node4">
+    <dgm:fillClrLst meth="repeat">
+      <a:schemeClr val="accent1"/>
+    </dgm:fillClrLst>
+    <dgm:linClrLst meth="repeat">
+      <a:schemeClr val="lt1"/>
+    </dgm:linClrLst>
+    <dgm:effectClrLst/>
+    <dgm:txLinClrLst/>
+    <dgm:txFillClrLst/>
+    <dgm:txEffectClrLst/>
+  </dgm:styleLbl>
+  <dgm:styleLbl name="fgImgPlace1">
+    <dgm:fillClrLst meth="repeat">
+      <a:schemeClr val="accent1">
+        <a:tint val="50000"/>
+      </a:schemeClr>
+    </dgm:fillClrLst>
+    <dgm:linClrLst meth="repeat">
+      <a:schemeClr val="lt1"/>
+    </dgm:linClrLst>
+    <dgm:effectClrLst/>
+    <dgm:txLinClrLst/>
+    <dgm:txFillClrLst meth="repeat">
+      <a:schemeClr val="lt1"/>
+    </dgm:txFillClrLst>
+    <dgm:txEffectClrLst/>
+  </dgm:styleLbl>
+  <dgm:styleLbl name="alignImgPlace1">
+    <dgm:fillClrLst meth="repeat">
+      <a:schemeClr val="accent1">
+        <a:tint val="50000"/>
+      </a:schemeClr>
+    </dgm:fillClrLst>
+    <dgm:linClrLst meth="repeat">
+      <a:schemeClr val="lt1"/>
+    </dgm:linClrLst>
+    <dgm:effectClrLst/>
+    <dgm:txLinClrLst/>
+    <dgm:txFillClrLst meth="repeat">
+      <a:schemeClr val="lt1"/>
+    </dgm:txFillClrLst>
+    <dgm:txEffectClrLst/>
+  </dgm:styleLbl>
+  <dgm:styleLbl name="bgImgPlace1">
+    <dgm:fillClrLst meth="repeat">
+      <a:schemeClr val="accent1">
+        <a:tint val="50000"/>
+      </a:schemeClr>
+    </dgm:fillClrLst>
+    <dgm:linClrLst meth="repeat">
+      <a:schemeClr val="lt1"/>
+    </dgm:linClrLst>
+    <dgm:effectClrLst/>
+    <dgm:txLinClrLst/>
+    <dgm:txFillClrLst meth="repeat">
+      <a:schemeClr val="lt1"/>
+    </dgm:txFillClrLst>
+    <dgm:txEffectClrLst/>
+  </dgm:styleLbl>
+  <dgm:styleLbl name="sibTrans2D1">
+    <dgm:fillClrLst meth="repeat">
+      <a:schemeClr val="accent1">
+        <a:tint val="60000"/>
+      </a:schemeClr>
+    </dgm:fillClrLst>
+    <dgm:linClrLst meth="repeat">
+      <a:schemeClr val="accent1">
+        <a:tint val="60000"/>
+      </a:schemeClr>
+    </dgm:linClrLst>
+    <dgm:effectClrLst/>
+    <dgm:txLinClrLst/>
+    <dgm:txFillClrLst/>
+    <dgm:txEffectClrLst/>
+  </dgm:styleLbl>
+  <dgm:styleLbl name="fgSibTrans2D1">
+    <dgm:fillClrLst meth="repeat">
+      <a:schemeClr val="accent1">
+        <a:tint val="60000"/>
+      </a:schemeClr>
+    </dgm:fillClrLst>
+    <dgm:linClrLst meth="repeat">
+      <a:schemeClr val="accent1">
+        <a:tint val="60000"/>
+      </a:schemeClr>
+    </dgm:linClrLst>
+    <dgm:effectClrLst/>
+    <dgm:txLinClrLst/>
+    <dgm:txFillClrLst/>
+    <dgm:txEffectClrLst/>
+  </dgm:styleLbl>
+  <dgm:styleLbl name="bgSibTrans2D1">
+    <dgm:fillClrLst meth="repeat">
+      <a:schemeClr val="accent1">
+        <a:tint val="60000"/>
+      </a:schemeClr>
+    </dgm:fillClrLst>
+    <dgm:linClrLst meth="repeat">
+      <a:schemeClr val="accent1">
+        <a:tint val="60000"/>
+      </a:schemeClr>
+    </dgm:linClrLst>
+    <dgm:effectClrLst/>
+    <dgm:txLinClrLst/>
+    <dgm:txFillClrLst/>
+    <dgm:txEffectClrLst/>
+  </dgm:styleLbl>
+  <dgm:styleLbl name="sibTrans1D1">
+    <dgm:fillClrLst meth="repeat">
+      <a:schemeClr val="accent1"/>
+    </dgm:fillClrLst>
+    <dgm:linClrLst meth="repeat">
+      <a:schemeClr val="accent1"/>
+    </dgm:linClrLst>
+    <dgm:effectClrLst/>
+    <dgm:txLinClrLst/>
+    <dgm:txFillClrLst meth="repeat">
+      <a:schemeClr val="tx1"/>
+    </dgm:txFillClrLst>
+    <dgm:txEffectClrLst/>
+  </dgm:styleLbl>
+  <dgm:styleLbl name="callout">
+    <dgm:fillClrLst meth="repeat">
+      <a:schemeClr val="accent1"/>
+    </dgm:fillClrLst>
+    <dgm:linClrLst meth="repeat">
+      <a:schemeClr val="accent1">
+        <a:tint val="50000"/>
+      </a:schemeClr>
+    </dgm:linClrLst>
+    <dgm:effectClrLst/>
+    <dgm:txLinClrLst/>
+    <dgm:txFillClrLst meth="repeat">
+      <a:schemeClr val="tx1"/>
+    </dgm:txFillClrLst>
+    <dgm:txEffectClrLst/>
+  </dgm:styleLbl>
+  <dgm:styleLbl name="asst0">
+    <dgm:fillClrLst meth="repeat">
+      <a:schemeClr val="accent1"/>
+    </dgm:fillClrLst>
+    <dgm:linClrLst meth="repeat">
+      <a:schemeClr val="lt1"/>
+    </dgm:linClrLst>
+    <dgm:effectClrLst/>
+    <dgm:txLinClrLst/>
+    <dgm:txFillClrLst/>
+    <dgm:txEffectClrLst/>
+  </dgm:styleLbl>
+  <dgm:styleLbl name="asst1">
+    <dgm:fillClrLst meth="repeat">
+      <a:schemeClr val="accent1"/>
+    </dgm:fillClrLst>
+    <dgm:linClrLst meth="repeat">
+      <a:schemeClr val="lt1"/>
+    </dgm:linClrLst>
+    <dgm:effectClrLst/>
+    <dgm:txLinClrLst/>
+    <dgm:txFillClrLst/>
+    <dgm:txEffectClrLst/>
+  </dgm:styleLbl>
+  <dgm:styleLbl name="asst2">
+    <dgm:fillClrLst meth="repeat">
+      <a:schemeClr val="accent1"/>
+    </dgm:fillClrLst>
+    <dgm:linClrLst meth="repeat">
+      <a:schemeClr val="lt1"/>
+    </dgm:linClrLst>
+    <dgm:effectClrLst/>
+    <dgm:txLinClrLst/>
+    <dgm:txFillClrLst/>
+    <dgm:txEffectClrLst/>
+  </dgm:styleLbl>
+  <dgm:styleLbl name="asst3">
+    <dgm:fillClrLst meth="repeat">
+      <a:schemeClr val="accent1"/>
+    </dgm:fillClrLst>
+    <dgm:linClrLst meth="repeat">
+      <a:schemeClr val="lt1"/>
+    </dgm:linClrLst>
+    <dgm:effectClrLst/>
+    <dgm:txLinClrLst/>
+    <dgm:txFillClrLst/>
+    <dgm:txEffectClrLst/>
+  </dgm:styleLbl>
+  <dgm:styleLbl name="asst4">
+    <dgm:fillClrLst meth="repeat">
+      <a:schemeClr val="accent1"/>
+    </dgm:fillClrLst>
+    <dgm:linClrLst meth="repeat">
+      <a:schemeClr val="lt1"/>
+    </dgm:linClrLst>
+    <dgm:effectClrLst/>
+    <dgm:txLinClrLst/>
+    <dgm:txFillClrLst/>
+    <dgm:txEffectClrLst/>
+  </dgm:styleLbl>
+  <dgm:styleLbl name="parChTrans2D1">
+    <dgm:fillClrLst meth="repeat">
+      <a:schemeClr val="accent1">
+        <a:tint val="60000"/>
+      </a:schemeClr>
+    </dgm:fillClrLst>
+    <dgm:linClrLst meth="repeat">
+      <a:schemeClr val="accent1">
+        <a:tint val="60000"/>
+      </a:schemeClr>
+    </dgm:linClrLst>
+    <dgm:effectClrLst/>
+    <dgm:txLinClrLst/>
+    <dgm:txFillClrLst meth="repeat">
+      <a:schemeClr val="lt1"/>
+    </dgm:txFillClrLst>
+    <dgm:txEffectClrLst/>
+  </dgm:styleLbl>
+  <dgm:styleLbl name="parChTrans2D2">
+    <dgm:fillClrLst meth="repeat">
+      <a:schemeClr val="accent1"/>
+    </dgm:fillClrLst>
+    <dgm:linClrLst meth="repeat">
+      <a:schemeClr val="accent1"/>
+    </dgm:linClrLst>
+    <dgm:effectClrLst/>
+    <dgm:txLinClrLst/>
+    <dgm:txFillClrLst meth="repeat">
+      <a:schemeClr val="lt1"/>
+    </dgm:txFillClrLst>
+    <dgm:txEffectClrLst/>
+  </dgm:styleLbl>
+  <dgm:styleLbl name="parChTrans2D3">
+    <dgm:fillClrLst meth="repeat">
+      <a:schemeClr val="accent1"/>
+    </dgm:fillClrLst>
+    <dgm:linClrLst meth="repeat">
+      <a:schemeClr val="accent1"/>
+    </dgm:linClrLst>
+    <dgm:effectClrLst/>
+    <dgm:txLinClrLst/>
+    <dgm:txFillClrLst meth="repeat">
+      <a:schemeClr val="lt1"/>
+    </dgm:txFillClrLst>
+    <dgm:txEffectClrLst/>
+  </dgm:styleLbl>
+  <dgm:styleLbl name="parChTrans2D4">
+    <dgm:fillClrLst meth="repeat">
+      <a:schemeClr val="accent1"/>
+    </dgm:fillClrLst>
+    <dgm:linClrLst meth="repeat">
+      <a:schemeClr val="accent1"/>
+    </dgm:linClrLst>
+    <dgm:effectClrLst/>
+    <dgm:txLinClrLst/>
+    <dgm:txFillClrLst meth="repeat">
+      <a:schemeClr val="lt1"/>
+    </dgm:txFillClrLst>
+    <dgm:txEffectClrLst/>
+  </dgm:styleLbl>
+  <dgm:styleLbl name="parChTrans1D1">
+    <dgm:fillClrLst meth="repeat">
+      <a:schemeClr val="accent1"/>
+    </dgm:fillClrLst>
+    <dgm:linClrLst meth="repeat">
+      <a:schemeClr val="accent1">
+        <a:shade val="60000"/>
+      </a:schemeClr>
+    </dgm:linClrLst>
+    <dgm:effectClrLst/>
+    <dgm:txLinClrLst/>
+    <dgm:txFillClrLst meth="repeat">
+      <a:schemeClr val="tx1"/>
+    </dgm:txFillClrLst>
+    <dgm:txEffectClrLst/>
+  </dgm:styleLbl>
+  <dgm:styleLbl name="parChTrans1D2">
+    <dgm:fillClrLst meth="repeat">
+      <a:schemeClr val="accent1"/>
+    </dgm:fillClrLst>
+    <dgm:linClrLst meth="repeat">
+      <a:schemeClr val="accent1">
+        <a:shade val="60000"/>
+      </a:schemeClr>
+    </dgm:linClrLst>
+    <dgm:effectClrLst/>
+    <dgm:txLinClrLst/>
+    <dgm:txFillClrLst meth="repeat">
+      <a:schemeClr val="tx1"/>
+    </dgm:txFillClrLst>
+    <dgm:txEffectClrLst/>
+  </dgm:styleLbl>
+  <dgm:styleLbl name="parChTrans1D3">
+    <dgm:fillClrLst meth="repeat">
+      <a:schemeClr val="accent1"/>
+    </dgm:fillClrLst>
+    <dgm:linClrLst meth="repeat">
+      <a:schemeClr val="accent1">
+        <a:shade val="80000"/>
+      </a:schemeClr>
+    </dgm:linClrLst>
+    <dgm:effectClrLst/>
+    <dgm:txLinClrLst/>
+    <dgm:txFillClrLst meth="repeat">
+      <a:schemeClr val="tx1"/>
+    </dgm:txFillClrLst>
+    <dgm:txEffectClrLst/>
+  </dgm:styleLbl>
+  <dgm:styleLbl name="parChTrans1D4">
+    <dgm:fillClrLst meth="repeat">
+      <a:schemeClr val="accent1"/>
+    </dgm:fillClrLst>
+    <dgm:linClrLst meth="repeat">
+      <a:schemeClr val="accent1">
+        <a:shade val="80000"/>
+      </a:schemeClr>
+    </dgm:linClrLst>
+    <dgm:effectClrLst/>
+    <dgm:txLinClrLst/>
+    <dgm:txFillClrLst meth="repeat">
+      <a:schemeClr val="tx1"/>
+    </dgm:txFillClrLst>
+    <dgm:txEffectClrLst/>
+  </dgm:styleLbl>
+  <dgm:styleLbl name="fgAcc1">
+    <dgm:fillClrLst meth="repeat">
+      <a:schemeClr val="lt1">
+        <a:alpha val="90000"/>
+      </a:schemeClr>
+    </dgm:fillClrLst>
+    <dgm:linClrLst meth="repeat">
+      <a:schemeClr val="accent1"/>
+    </dgm:linClrLst>
+    <dgm:effectClrLst/>
+    <dgm:txLinClrLst/>
+    <dgm:txFillClrLst meth="repeat">
+      <a:schemeClr val="dk1"/>
+    </dgm:txFillClrLst>
+    <dgm:txEffectClrLst/>
+  </dgm:styleLbl>
+  <dgm:styleLbl name="conFgAcc1">
+    <dgm:fillClrLst meth="repeat">
+      <a:schemeClr val="lt1">
+        <a:alpha val="90000"/>
+      </a:schemeClr>
+    </dgm:fillClrLst>
+    <dgm:linClrLst meth="repeat">
+      <a:schemeClr val="accent1"/>
+    </dgm:linClrLst>
+    <dgm:effectClrLst/>
+    <dgm:txLinClrLst/>
+    <dgm:txFillClrLst meth="repeat">
+      <a:schemeClr val="dk1"/>
+    </dgm:txFillClrLst>
+    <dgm:txEffectClrLst/>
+  </dgm:styleLbl>
+  <dgm:styleLbl name="alignAcc1">
+    <dgm:fillClrLst meth="repeat">
+      <a:schemeClr val="lt1">
+        <a:alpha val="90000"/>
+      </a:schemeClr>
+    </dgm:fillClrLst>
+    <dgm:linClrLst meth="repeat">
+      <a:schemeClr val="accent1"/>
+    </dgm:linClrLst>
+    <dgm:effectClrLst/>
+    <dgm:txLinClrLst/>
+    <dgm:txFillClrLst meth="repeat">
+      <a:schemeClr val="dk1"/>
+    </dgm:txFillClrLst>
+    <dgm:txEffectClrLst/>
+  </dgm:styleLbl>
+  <dgm:styleLbl name="trAlignAcc1">
+    <dgm:fillClrLst meth="repeat">
+      <a:schemeClr val="lt1">
+        <a:alpha val="40000"/>
+      </a:schemeClr>
+    </dgm:fillClrLst>
+    <dgm:linClrLst meth="repeat">
+      <a:schemeClr val="accent1"/>
+    </dgm:linClrLst>
+    <dgm:effectClrLst/>
+    <dgm:txLinClrLst/>
+    <dgm:txFillClrLst meth="repeat">
+      <a:schemeClr val="dk1"/>
+    </dgm:txFillClrLst>
+    <dgm:txEffectClrLst/>
+  </dgm:styleLbl>
+  <dgm:styleLbl name="bgAcc1">
+    <dgm:fillClrLst meth="repeat">
+      <a:schemeClr val="lt1">
+        <a:alpha val="90000"/>
+      </a:schemeClr>
+    </dgm:fillClrLst>
+    <dgm:linClrLst meth="repeat">
+      <a:schemeClr val="accent1"/>
+    </dgm:linClrLst>
+    <dgm:effectClrLst/>
+    <dgm:txLinClrLst/>
+    <dgm:txFillClrLst meth="repeat">
+      <a:schemeClr val="dk1"/>
+    </dgm:txFillClrLst>
+    <dgm:txEffectClrLst/>
+  </dgm:styleLbl>
+  <dgm:styleLbl name="solidFgAcc1">
+    <dgm:fillClrLst meth="repeat">
+      <a:schemeClr val="lt1"/>
+    </dgm:fillClrLst>
+    <dgm:linClrLst meth="repeat">
+      <a:schemeClr val="accent1"/>
+    </dgm:linClrLst>
+    <dgm:effectClrLst/>
+    <dgm:txLinClrLst/>
+    <dgm:txFillClrLst meth="repeat">
+      <a:schemeClr val="dk1"/>
+    </dgm:txFillClrLst>
+    <dgm:txEffectClrLst/>
+  </dgm:styleLbl>
+  <dgm:styleLbl name="solidAlignAcc1">
+    <dgm:fillClrLst meth="repeat">
+      <a:schemeClr val="lt1"/>
+    </dgm:fillClrLst>
+    <dgm:linClrLst meth="repeat">
+      <a:schemeClr val="accent1"/>
+    </dgm:linClrLst>
+    <dgm:effectClrLst/>
+    <dgm:txLinClrLst/>
+    <dgm:txFillClrLst meth="repeat">
+      <a:schemeClr val="dk1"/>
+    </dgm:txFillClrLst>
+    <dgm:txEffectClrLst/>
+  </dgm:styleLbl>
+  <dgm:styleLbl name="solidBgAcc1">
+    <dgm:fillClrLst meth="repeat">
+      <a:schemeClr val="lt1"/>
+    </dgm:fillClrLst>
+    <dgm:linClrLst meth="repeat">
+      <a:schemeClr val="accent1"/>
+    </dgm:linClrLst>
+    <dgm:effectClrLst/>
+    <dgm:txLinClrLst/>
+    <dgm:txFillClrLst meth="repeat">
+      <a:schemeClr val="dk1"/>
+    </dgm:txFillClrLst>
+    <dgm:txEffectClrLst/>
+  </dgm:styleLbl>
+  <dgm:styleLbl name="fgAccFollowNode1">
+    <dgm:fillClrLst meth="repeat">
+      <a:schemeClr val="accent1">
+        <a:alpha val="90000"/>
+        <a:tint val="40000"/>
+      </a:schemeClr>
+    </dgm:fillClrLst>
+    <dgm:linClrLst meth="repeat">
+      <a:schemeClr val="accent1">
+        <a:alpha val="90000"/>
+        <a:tint val="40000"/>
+      </a:schemeClr>
+    </dgm:linClrLst>
+    <dgm:effectClrLst/>
+    <dgm:txLinClrLst/>
+    <dgm:txFillClrLst meth="repeat">
+      <a:schemeClr val="dk1"/>
+    </dgm:txFillClrLst>
+    <dgm:txEffectClrLst/>
+  </dgm:styleLbl>
+  <dgm:styleLbl name="alignAccFollowNode1">
+    <dgm:fillClrLst meth="repeat">
+      <a:schemeClr val="accent1">
+        <a:alpha val="90000"/>
+        <a:tint val="40000"/>
+      </a:schemeClr>
+    </dgm:fillClrLst>
+    <dgm:linClrLst meth="repeat">
+      <a:schemeClr val="accent1">
+        <a:alpha val="90000"/>
+        <a:tint val="40000"/>
+      </a:schemeClr>
+    </dgm:linClrLst>
+    <dgm:effectClrLst/>
+    <dgm:txLinClrLst/>
+    <dgm:txFillClrLst meth="repeat">
+      <a:schemeClr val="dk1"/>
+    </dgm:txFillClrLst>
+    <dgm:txEffectClrLst/>
+  </dgm:styleLbl>
+  <dgm:styleLbl name="bgAccFollowNode1">
+    <dgm:fillClrLst meth="repeat">
+      <a:schemeClr val="accent1">
+        <a:alpha val="90000"/>
+        <a:tint val="40000"/>
+      </a:schemeClr>
+    </dgm:fillClrLst>
+    <dgm:linClrLst meth="repeat">
+      <a:schemeClr val="accent1">
+        <a:alpha val="90000"/>
+        <a:tint val="40000"/>
+      </a:schemeClr>
+    </dgm:linClrLst>
+    <dgm:effectClrLst/>
+    <dgm:txLinClrLst/>
+    <dgm:txFillClrLst meth="repeat">
+      <a:schemeClr val="dk1"/>
+    </dgm:txFillClrLst>
+    <dgm:txEffectClrLst/>
+  </dgm:styleLbl>
+  <dgm:styleLbl name="fgAcc0">
+    <dgm:fillClrLst meth="repeat">
+      <a:schemeClr val="lt1">
+        <a:alpha val="90000"/>
+      </a:schemeClr>
+    </dgm:fillClrLst>
+    <dgm:linClrLst meth="repeat">
+      <a:schemeClr val="accent1"/>
+    </dgm:linClrLst>
+    <dgm:effectClrLst/>
+    <dgm:txLinClrLst/>
+    <dgm:txFillClrLst meth="repeat">
+      <a:schemeClr val="dk1"/>
+    </dgm:txFillClrLst>
+    <dgm:txEffectClrLst/>
+  </dgm:styleLbl>
+  <dgm:styleLbl name="fgAcc2">
+    <dgm:fillClrLst meth="repeat">
+      <a:schemeClr val="lt1">
+        <a:alpha val="90000"/>
+      </a:schemeClr>
+    </dgm:fillClrLst>
+    <dgm:linClrLst meth="repeat">
+      <a:schemeClr val="accent1"/>
+    </dgm:linClrLst>
+    <dgm:effectClrLst/>
+    <dgm:txLinClrLst/>
+    <dgm:txFillClrLst meth="repeat">
+      <a:schemeClr val="dk1"/>
+    </dgm:txFillClrLst>
+    <dgm:txEffectClrLst/>
+  </dgm:styleLbl>
+  <dgm:styleLbl name="fgAcc3">
+    <dgm:fillClrLst meth="repeat">
+      <a:schemeClr val="lt1">
+        <a:alpha val="90000"/>
+      </a:schemeClr>
+    </dgm:fillClrLst>
+    <dgm:linClrLst meth="repeat">
+      <a:schemeClr val="accent1"/>
+    </dgm:linClrLst>
+    <dgm:effectClrLst/>
+    <dgm:txLinClrLst/>
+    <dgm:txFillClrLst meth="repeat">
+      <a:schemeClr val="dk1"/>
+    </dgm:txFillClrLst>
+    <dgm:txEffectClrLst/>
+  </dgm:styleLbl>
+  <dgm:styleLbl name="fgAcc4">
+    <dgm:fillClrLst meth="repeat">
+      <a:schemeClr val="lt1">
+        <a:alpha val="90000"/>
+      </a:schemeClr>
+    </dgm:fillClrLst>
+    <dgm:linClrLst meth="repeat">
+      <a:schemeClr val="accent1"/>
+    </dgm:linClrLst>
+    <dgm:effectClrLst/>
+    <dgm:txLinClrLst/>
+    <dgm:txFillClrLst meth="repeat">
+      <a:schemeClr val="dk1"/>
+    </dgm:txFillClrLst>
+    <dgm:txEffectClrLst/>
+  </dgm:styleLbl>
+  <dgm:styleLbl name="bgShp">
+    <dgm:fillClrLst meth="repeat">
+      <a:schemeClr val="accent1">
+        <a:tint val="40000"/>
+      </a:schemeClr>
+    </dgm:fillClrLst>
+    <dgm:linClrLst meth="repeat">
+      <a:schemeClr val="accent1"/>
+    </dgm:linClrLst>
+    <dgm:effectClrLst/>
+    <dgm:txLinClrLst/>
+    <dgm:txFillClrLst meth="repeat">
+      <a:schemeClr val="dk1"/>
+    </dgm:txFillClrLst>
+    <dgm:txEffectClrLst/>
+  </dgm:styleLbl>
+  <dgm:styleLbl name="dkBgShp">
+    <dgm:fillClrLst meth="repeat">
+      <a:schemeClr val="accent1">
+        <a:shade val="80000"/>
+      </a:schemeClr>
+    </dgm:fillClrLst>
+    <dgm:linClrLst meth="repeat">
+      <a:schemeClr val="accent1"/>
+    </dgm:linClrLst>
+    <dgm:effectClrLst/>
+    <dgm:txLinClrLst/>
+    <dgm:txFillClrLst meth="repeat">
+      <a:schemeClr val="lt1"/>
+    </dgm:txFillClrLst>
+    <dgm:txEffectClrLst/>
+  </dgm:styleLbl>
+  <dgm:styleLbl name="trBgShp">
+    <dgm:fillClrLst meth="repeat">
+      <a:schemeClr val="accent1">
+        <a:tint val="50000"/>
+        <a:alpha val="40000"/>
+      </a:schemeClr>
+    </dgm:fillClrLst>
+    <dgm:linClrLst meth="repeat">
+      <a:schemeClr val="accent1"/>
+    </dgm:linClrLst>
+    <dgm:effectClrLst/>
+    <dgm:txLinClrLst/>
+    <dgm:txFillClrLst meth="repeat">
+      <a:schemeClr val="lt1"/>
+    </dgm:txFillClrLst>
+    <dgm:txEffectClrLst/>
+  </dgm:styleLbl>
+  <dgm:styleLbl name="fgShp">
+    <dgm:fillClrLst meth="repeat">
+      <a:schemeClr val="accent1">
+        <a:tint val="60000"/>
+      </a:schemeClr>
+    </dgm:fillClrLst>
+    <dgm:linClrLst meth="repeat">
+      <a:schemeClr val="lt1"/>
+    </dgm:linClrLst>
+    <dgm:effectClrLst/>
+    <dgm:txLinClrLst/>
+    <dgm:txFillClrLst meth="repeat">
+      <a:schemeClr val="dk1"/>
+    </dgm:txFillClrLst>
+    <dgm:txEffectClrLst/>
+  </dgm:styleLbl>
+  <dgm:styleLbl name="revTx">
+    <dgm:fillClrLst meth="repeat">
+      <a:schemeClr val="lt1">
+        <a:alpha val="0"/>
+      </a:schemeClr>
+    </dgm:fillClrLst>
+    <dgm:linClrLst meth="repeat">
+      <a:schemeClr val="dk1">
+        <a:alpha val="0"/>
+      </a:schemeClr>
+    </dgm:linClrLst>
+    <dgm:effectClrLst/>
+    <dgm:txLinClrLst/>
+    <dgm:txFillClrLst meth="repeat">
+      <a:schemeClr val="tx1"/>
+    </dgm:txFillClrLst>
+    <dgm:txEffectClrLst/>
+  </dgm:styleLbl>
+</dgm:colorsDef>
+</file>
+
+<file path=ppt/diagrams/colors2.xml><?xml version="1.0" encoding="utf-8"?>
 <dgm:colorsDef xmlns:dgm="http://schemas.openxmlformats.org/drawingml/2006/diagram" xmlns:a="http://schemas.openxmlformats.org/drawingml/2006/main" uniqueId="urn:microsoft.com/office/officeart/2005/8/colors/accent1_2">
   <dgm:title val=""/>
   <dgm:desc val=""/>
@@ -889,7 +1655,7 @@
               <a:latin typeface="+mn-ea"/>
               <a:ea typeface="+mn-ea"/>
             </a:rPr>
-            <a:t>介绍</a:t>
+            <a:t>简介</a:t>
           </a:r>
           <a:endParaRPr lang="zh-CN" altLang="en-US" sz="4000" dirty="0">
             <a:latin typeface="+mn-ea"/>
@@ -1028,6 +1794,13 @@
         </dgm:presLayoutVars>
       </dgm:prSet>
       <dgm:spPr/>
+      <dgm:t>
+        <a:bodyPr/>
+        <a:lstStyle/>
+        <a:p>
+          <a:endParaRPr lang="zh-CN" altLang="en-US"/>
+        </a:p>
+      </dgm:t>
     </dgm:pt>
     <dgm:pt modelId="{C89A32A6-75B1-4B69-B952-545EFE2CBD58}" type="pres">
       <dgm:prSet presAssocID="{2B826EB9-6DF8-4AD2-B07A-78651F72AE56}" presName="parentText" presStyleLbl="node1" presStyleIdx="0" presStyleCnt="3" custLinFactNeighborX="-9295">
@@ -1087,13 +1860,13 @@
     </dgm:pt>
   </dgm:ptLst>
   <dgm:cxnLst>
-    <dgm:cxn modelId="{4AC01F2F-0761-439D-8B66-7C7C4D6031FF}" srcId="{983286CE-446A-4F9B-82B0-C597E376277A}" destId="{80DEAACB-5F6F-4EA6-92A9-8525E6E4DC15}" srcOrd="2" destOrd="0" parTransId="{7038D7A3-2B0D-42EA-B318-25A26AE5CCBE}" sibTransId="{DDE96CFA-41D1-4124-A0B0-3869E1D6CAE7}"/>
-    <dgm:cxn modelId="{78230898-919F-4988-94BC-F64D1D034AA2}" srcId="{983286CE-446A-4F9B-82B0-C597E376277A}" destId="{2B826EB9-6DF8-4AD2-B07A-78651F72AE56}" srcOrd="0" destOrd="0" parTransId="{580E44D2-1069-4E90-B4E1-E2161A1E1108}" sibTransId="{AC7099AB-1E01-47DC-BA2D-DD27D03B1C41}"/>
+    <dgm:cxn modelId="{3D482F73-3623-4871-9951-FB2B52BF89FC}" type="presOf" srcId="{80DEAACB-5F6F-4EA6-92A9-8525E6E4DC15}" destId="{B0DCA04B-0357-4F0A-853C-C3FA4952347E}" srcOrd="0" destOrd="0" presId="urn:microsoft.com/office/officeart/2005/8/layout/vList2"/>
+    <dgm:cxn modelId="{001B09BD-1EE7-45B4-A4A2-FBE3F423B147}" srcId="{983286CE-446A-4F9B-82B0-C597E376277A}" destId="{13B5A9A5-5A4B-468B-943F-943880A5A861}" srcOrd="1" destOrd="0" parTransId="{4C256AA1-00E3-42AF-8686-F3F5BD3A6D8E}" sibTransId="{EED0CDDD-B020-4FD8-A38E-EDE72BF2251A}"/>
     <dgm:cxn modelId="{D860AAE7-63F3-4CE3-9ACB-6F50A2645D08}" type="presOf" srcId="{13B5A9A5-5A4B-468B-943F-943880A5A861}" destId="{17FA72BE-E120-4DB5-9241-680132CD847B}" srcOrd="0" destOrd="0" presId="urn:microsoft.com/office/officeart/2005/8/layout/vList2"/>
     <dgm:cxn modelId="{5769F26A-F05F-432E-A164-48E79F01FB36}" type="presOf" srcId="{983286CE-446A-4F9B-82B0-C597E376277A}" destId="{C6D428E2-0DD2-431B-B55E-5C6E57D8CBF6}" srcOrd="0" destOrd="0" presId="urn:microsoft.com/office/officeart/2005/8/layout/vList2"/>
-    <dgm:cxn modelId="{3D482F73-3623-4871-9951-FB2B52BF89FC}" type="presOf" srcId="{80DEAACB-5F6F-4EA6-92A9-8525E6E4DC15}" destId="{B0DCA04B-0357-4F0A-853C-C3FA4952347E}" srcOrd="0" destOrd="0" presId="urn:microsoft.com/office/officeart/2005/8/layout/vList2"/>
     <dgm:cxn modelId="{64EE26AB-CB67-4C46-B18F-2CD5B73A4BD1}" type="presOf" srcId="{2B826EB9-6DF8-4AD2-B07A-78651F72AE56}" destId="{C89A32A6-75B1-4B69-B952-545EFE2CBD58}" srcOrd="0" destOrd="0" presId="urn:microsoft.com/office/officeart/2005/8/layout/vList2"/>
-    <dgm:cxn modelId="{001B09BD-1EE7-45B4-A4A2-FBE3F423B147}" srcId="{983286CE-446A-4F9B-82B0-C597E376277A}" destId="{13B5A9A5-5A4B-468B-943F-943880A5A861}" srcOrd="1" destOrd="0" parTransId="{4C256AA1-00E3-42AF-8686-F3F5BD3A6D8E}" sibTransId="{EED0CDDD-B020-4FD8-A38E-EDE72BF2251A}"/>
+    <dgm:cxn modelId="{78230898-919F-4988-94BC-F64D1D034AA2}" srcId="{983286CE-446A-4F9B-82B0-C597E376277A}" destId="{2B826EB9-6DF8-4AD2-B07A-78651F72AE56}" srcOrd="0" destOrd="0" parTransId="{580E44D2-1069-4E90-B4E1-E2161A1E1108}" sibTransId="{AC7099AB-1E01-47DC-BA2D-DD27D03B1C41}"/>
+    <dgm:cxn modelId="{4AC01F2F-0761-439D-8B66-7C7C4D6031FF}" srcId="{983286CE-446A-4F9B-82B0-C597E376277A}" destId="{80DEAACB-5F6F-4EA6-92A9-8525E6E4DC15}" srcOrd="2" destOrd="0" parTransId="{7038D7A3-2B0D-42EA-B318-25A26AE5CCBE}" sibTransId="{DDE96CFA-41D1-4124-A0B0-3869E1D6CAE7}"/>
     <dgm:cxn modelId="{F4D548B1-0358-484F-9145-325AF0FF04CC}" type="presParOf" srcId="{C6D428E2-0DD2-431B-B55E-5C6E57D8CBF6}" destId="{C89A32A6-75B1-4B69-B952-545EFE2CBD58}" srcOrd="0" destOrd="0" presId="urn:microsoft.com/office/officeart/2005/8/layout/vList2"/>
     <dgm:cxn modelId="{EE03DAE9-4F0C-4A37-A424-4A34D30BA6E2}" type="presParOf" srcId="{C6D428E2-0DD2-431B-B55E-5C6E57D8CBF6}" destId="{C0DFBEE6-DEB2-4B94-BFBE-D473B250490E}" srcOrd="1" destOrd="0" presId="urn:microsoft.com/office/officeart/2005/8/layout/vList2"/>
     <dgm:cxn modelId="{BBDC4185-26A1-49B9-8D2E-A0F372C1A8E8}" type="presParOf" srcId="{C6D428E2-0DD2-431B-B55E-5C6E57D8CBF6}" destId="{17FA72BE-E120-4DB5-9241-680132CD847B}" srcOrd="2" destOrd="0" presId="urn:microsoft.com/office/officeart/2005/8/layout/vList2"/>
@@ -1105,6 +1878,393 @@
   <dgm:extLst>
     <a:ext uri="http://schemas.microsoft.com/office/drawing/2008/diagram">
       <dsp:dataModelExt xmlns:dsp="http://schemas.microsoft.com/office/drawing/2008/diagram" relId="rId6" minVer="http://schemas.openxmlformats.org/drawingml/2006/diagram"/>
+    </a:ext>
+  </dgm:extLst>
+</dgm:dataModel>
+</file>
+
+<file path=ppt/diagrams/data2.xml><?xml version="1.0" encoding="utf-8"?>
+<dgm:dataModel xmlns:dgm="http://schemas.openxmlformats.org/drawingml/2006/diagram" xmlns:a="http://schemas.openxmlformats.org/drawingml/2006/main">
+  <dgm:ptLst>
+    <dgm:pt modelId="{010C7CB2-6680-4E4A-B99C-904D2B60123A}" type="doc">
+      <dgm:prSet loTypeId="urn:microsoft.com/office/officeart/2005/8/layout/arrow2" loCatId="process" qsTypeId="urn:microsoft.com/office/officeart/2005/8/quickstyle/simple1" qsCatId="simple" csTypeId="urn:microsoft.com/office/officeart/2005/8/colors/accent1_2" csCatId="accent1" phldr="1"/>
+      <dgm:spPr/>
+    </dgm:pt>
+    <dgm:pt modelId="{CA17F39D-21AC-4D46-8CC5-ABA9AF7C0832}">
+      <dgm:prSet phldrT="[文本]"/>
+      <dgm:spPr/>
+      <dgm:t>
+        <a:bodyPr/>
+        <a:lstStyle/>
+        <a:p>
+          <a:r>
+            <a:rPr lang="en-US" altLang="zh-CN" dirty="0" smtClean="0">
+              <a:latin typeface="+mn-ea"/>
+              <a:ea typeface="+mn-ea"/>
+            </a:rPr>
+            <a:t>2006</a:t>
+          </a:r>
+          <a:r>
+            <a:rPr lang="zh-CN" altLang="en-US" dirty="0" smtClean="0">
+              <a:latin typeface="+mn-ea"/>
+              <a:ea typeface="+mn-ea"/>
+            </a:rPr>
+            <a:t>年</a:t>
+          </a:r>
+          <a:r>
+            <a:rPr lang="en-US" altLang="zh-CN" dirty="0" err="1" smtClean="0">
+              <a:latin typeface="Times New Roman" panose="02020603050405020304" pitchFamily="18" charset="0"/>
+              <a:cs typeface="Times New Roman" panose="02020603050405020304" pitchFamily="18" charset="0"/>
+            </a:rPr>
+            <a:t>Graydon</a:t>
+          </a:r>
+          <a:r>
+            <a:rPr lang="en-US" altLang="zh-CN" dirty="0" smtClean="0">
+              <a:latin typeface="Times New Roman" panose="02020603050405020304" pitchFamily="18" charset="0"/>
+              <a:cs typeface="Times New Roman" panose="02020603050405020304" pitchFamily="18" charset="0"/>
+            </a:rPr>
+            <a:t> Hoare</a:t>
+          </a:r>
+          <a:r>
+            <a:rPr lang="zh-CN" altLang="en-US" dirty="0" smtClean="0">
+              <a:latin typeface="+mn-ea"/>
+              <a:ea typeface="+mn-ea"/>
+            </a:rPr>
+            <a:t>开发</a:t>
+          </a:r>
+          <a:endParaRPr lang="zh-CN" altLang="en-US" dirty="0">
+            <a:latin typeface="+mn-ea"/>
+            <a:ea typeface="+mn-ea"/>
+          </a:endParaRPr>
+        </a:p>
+      </dgm:t>
+    </dgm:pt>
+    <dgm:pt modelId="{D5DB9D9D-5FAC-4A22-966D-AAFBB446676C}" type="parTrans" cxnId="{E69C9D86-10F9-4460-996A-8D48D9E1ED31}">
+      <dgm:prSet/>
+      <dgm:spPr/>
+      <dgm:t>
+        <a:bodyPr/>
+        <a:lstStyle/>
+        <a:p>
+          <a:endParaRPr lang="zh-CN" altLang="en-US"/>
+        </a:p>
+      </dgm:t>
+    </dgm:pt>
+    <dgm:pt modelId="{AC64B6D3-7F3B-48C1-BEA8-3E52CBB01AF7}" type="sibTrans" cxnId="{E69C9D86-10F9-4460-996A-8D48D9E1ED31}">
+      <dgm:prSet/>
+      <dgm:spPr/>
+      <dgm:t>
+        <a:bodyPr/>
+        <a:lstStyle/>
+        <a:p>
+          <a:endParaRPr lang="zh-CN" altLang="en-US"/>
+        </a:p>
+      </dgm:t>
+    </dgm:pt>
+    <dgm:pt modelId="{807451BD-516C-4176-BD47-20B11B7816F9}">
+      <dgm:prSet phldrT="[文本]"/>
+      <dgm:spPr/>
+      <dgm:t>
+        <a:bodyPr/>
+        <a:lstStyle/>
+        <a:p>
+          <a:r>
+            <a:rPr lang="en-US" altLang="zh-CN" dirty="0" smtClean="0">
+              <a:latin typeface="+mn-ea"/>
+              <a:ea typeface="+mn-ea"/>
+            </a:rPr>
+            <a:t>2009</a:t>
+          </a:r>
+          <a:r>
+            <a:rPr lang="zh-CN" altLang="en-US" dirty="0" smtClean="0">
+              <a:latin typeface="+mn-ea"/>
+              <a:ea typeface="+mn-ea"/>
+            </a:rPr>
+            <a:t>年受到</a:t>
+          </a:r>
+          <a:r>
+            <a:rPr lang="en-US" altLang="zh-CN" dirty="0" smtClean="0">
+              <a:latin typeface="Times New Roman" panose="02020603050405020304" pitchFamily="18" charset="0"/>
+              <a:ea typeface="+mn-ea"/>
+              <a:cs typeface="Times New Roman" panose="02020603050405020304" pitchFamily="18" charset="0"/>
+            </a:rPr>
+            <a:t>Mozilla</a:t>
+          </a:r>
+          <a:r>
+            <a:rPr lang="zh-CN" altLang="en-US" dirty="0" smtClean="0">
+              <a:latin typeface="+mn-ea"/>
+              <a:ea typeface="+mn-ea"/>
+            </a:rPr>
+            <a:t>公司赞助</a:t>
+          </a:r>
+          <a:endParaRPr lang="zh-CN" altLang="en-US" dirty="0">
+            <a:latin typeface="+mn-ea"/>
+            <a:ea typeface="+mn-ea"/>
+          </a:endParaRPr>
+        </a:p>
+      </dgm:t>
+    </dgm:pt>
+    <dgm:pt modelId="{6A931022-86ED-44CE-A8F3-6F5970BC8A4F}" type="parTrans" cxnId="{AF1808A2-E295-431C-9AE2-BA66B8B4C9BB}">
+      <dgm:prSet/>
+      <dgm:spPr/>
+      <dgm:t>
+        <a:bodyPr/>
+        <a:lstStyle/>
+        <a:p>
+          <a:endParaRPr lang="zh-CN" altLang="en-US"/>
+        </a:p>
+      </dgm:t>
+    </dgm:pt>
+    <dgm:pt modelId="{13553A33-036B-48BC-8252-E72241F5CC7B}" type="sibTrans" cxnId="{AF1808A2-E295-431C-9AE2-BA66B8B4C9BB}">
+      <dgm:prSet/>
+      <dgm:spPr/>
+      <dgm:t>
+        <a:bodyPr/>
+        <a:lstStyle/>
+        <a:p>
+          <a:endParaRPr lang="zh-CN" altLang="en-US"/>
+        </a:p>
+      </dgm:t>
+    </dgm:pt>
+    <dgm:pt modelId="{A7FC8F27-AE57-4E5A-8BF1-6E51BEBB9A97}">
+      <dgm:prSet phldrT="[文本]"/>
+      <dgm:spPr/>
+      <dgm:t>
+        <a:bodyPr/>
+        <a:lstStyle/>
+        <a:p>
+          <a:r>
+            <a:rPr lang="en-US" altLang="zh-CN" dirty="0" smtClean="0">
+              <a:latin typeface="+mn-ea"/>
+              <a:ea typeface="+mn-ea"/>
+            </a:rPr>
+            <a:t>2011</a:t>
+          </a:r>
+          <a:r>
+            <a:rPr lang="zh-CN" altLang="en-US" dirty="0" smtClean="0">
+              <a:latin typeface="+mn-ea"/>
+              <a:ea typeface="+mn-ea"/>
+            </a:rPr>
+            <a:t>年完成自举</a:t>
+          </a:r>
+          <a:endParaRPr lang="zh-CN" altLang="en-US" dirty="0">
+            <a:latin typeface="+mn-ea"/>
+            <a:ea typeface="+mn-ea"/>
+          </a:endParaRPr>
+        </a:p>
+      </dgm:t>
+    </dgm:pt>
+    <dgm:pt modelId="{A1EE81A5-DFA1-4A41-96CB-C98FDE5D4342}" type="parTrans" cxnId="{C640ACF4-50BE-4BE6-9F9C-C4B388C055FE}">
+      <dgm:prSet/>
+      <dgm:spPr/>
+      <dgm:t>
+        <a:bodyPr/>
+        <a:lstStyle/>
+        <a:p>
+          <a:endParaRPr lang="zh-CN" altLang="en-US"/>
+        </a:p>
+      </dgm:t>
+    </dgm:pt>
+    <dgm:pt modelId="{1609F81C-788F-4D96-B7D6-9ACFA791CFBD}" type="sibTrans" cxnId="{C640ACF4-50BE-4BE6-9F9C-C4B388C055FE}">
+      <dgm:prSet/>
+      <dgm:spPr/>
+      <dgm:t>
+        <a:bodyPr/>
+        <a:lstStyle/>
+        <a:p>
+          <a:endParaRPr lang="zh-CN" altLang="en-US"/>
+        </a:p>
+      </dgm:t>
+    </dgm:pt>
+    <dgm:pt modelId="{5D977A63-015C-4457-9C71-1E9F8E27AE65}">
+      <dgm:prSet/>
+      <dgm:spPr/>
+      <dgm:t>
+        <a:bodyPr/>
+        <a:lstStyle/>
+        <a:p>
+          <a:endParaRPr lang="zh-CN" altLang="en-US"/>
+        </a:p>
+      </dgm:t>
+    </dgm:pt>
+    <dgm:pt modelId="{F31237F8-2C1E-4A97-987C-5EBC7AC41DF2}" type="parTrans" cxnId="{A9D31B76-6787-4604-B0CB-E54AF772DE78}">
+      <dgm:prSet/>
+      <dgm:spPr/>
+      <dgm:t>
+        <a:bodyPr/>
+        <a:lstStyle/>
+        <a:p>
+          <a:endParaRPr lang="zh-CN" altLang="en-US"/>
+        </a:p>
+      </dgm:t>
+    </dgm:pt>
+    <dgm:pt modelId="{9D110154-9C19-4CEC-AD19-BACD229A2E04}" type="sibTrans" cxnId="{A9D31B76-6787-4604-B0CB-E54AF772DE78}">
+      <dgm:prSet/>
+      <dgm:spPr/>
+      <dgm:t>
+        <a:bodyPr/>
+        <a:lstStyle/>
+        <a:p>
+          <a:endParaRPr lang="zh-CN" altLang="en-US"/>
+        </a:p>
+      </dgm:t>
+    </dgm:pt>
+    <dgm:pt modelId="{EA84B3FE-F761-4145-A323-DA94E7416C41}">
+      <dgm:prSet/>
+      <dgm:spPr/>
+      <dgm:t>
+        <a:bodyPr/>
+        <a:lstStyle/>
+        <a:p>
+          <a:endParaRPr lang="zh-CN" altLang="en-US"/>
+        </a:p>
+      </dgm:t>
+    </dgm:pt>
+    <dgm:pt modelId="{A1AAAABF-059D-49D5-8F33-DCF02BA1E07C}" type="parTrans" cxnId="{D2012F15-BC57-44A7-9679-AF40EDA1B2D9}">
+      <dgm:prSet/>
+      <dgm:spPr/>
+      <dgm:t>
+        <a:bodyPr/>
+        <a:lstStyle/>
+        <a:p>
+          <a:endParaRPr lang="zh-CN" altLang="en-US"/>
+        </a:p>
+      </dgm:t>
+    </dgm:pt>
+    <dgm:pt modelId="{71FD7C62-CF7B-46B1-9311-268DC14A93AB}" type="sibTrans" cxnId="{D2012F15-BC57-44A7-9679-AF40EDA1B2D9}">
+      <dgm:prSet/>
+      <dgm:spPr/>
+      <dgm:t>
+        <a:bodyPr/>
+        <a:lstStyle/>
+        <a:p>
+          <a:endParaRPr lang="zh-CN" altLang="en-US"/>
+        </a:p>
+      </dgm:t>
+    </dgm:pt>
+    <dgm:pt modelId="{1EB3CED2-957E-40BD-A56F-57393C9FF364}" type="pres">
+      <dgm:prSet presAssocID="{010C7CB2-6680-4E4A-B99C-904D2B60123A}" presName="arrowDiagram" presStyleCnt="0">
+        <dgm:presLayoutVars>
+          <dgm:chMax val="5"/>
+          <dgm:dir/>
+          <dgm:resizeHandles val="exact"/>
+        </dgm:presLayoutVars>
+      </dgm:prSet>
+      <dgm:spPr/>
+    </dgm:pt>
+    <dgm:pt modelId="{B52F97A3-79D9-45C4-B3F2-1FABD14756C8}" type="pres">
+      <dgm:prSet presAssocID="{010C7CB2-6680-4E4A-B99C-904D2B60123A}" presName="arrow" presStyleLbl="bgShp" presStyleIdx="0" presStyleCnt="1"/>
+      <dgm:spPr/>
+    </dgm:pt>
+    <dgm:pt modelId="{0ED4371F-C365-4F9C-8288-D1A5FCE88F2E}" type="pres">
+      <dgm:prSet presAssocID="{010C7CB2-6680-4E4A-B99C-904D2B60123A}" presName="arrowDiagram5" presStyleCnt="0"/>
+      <dgm:spPr/>
+    </dgm:pt>
+    <dgm:pt modelId="{E01A1116-EEF5-40F3-A1AB-5B2152D30435}" type="pres">
+      <dgm:prSet presAssocID="{CA17F39D-21AC-4D46-8CC5-ABA9AF7C0832}" presName="bullet5a" presStyleLbl="node1" presStyleIdx="0" presStyleCnt="5"/>
+      <dgm:spPr/>
+    </dgm:pt>
+    <dgm:pt modelId="{50D9E917-3DAC-4A3F-A991-42B18DBC85AC}" type="pres">
+      <dgm:prSet presAssocID="{CA17F39D-21AC-4D46-8CC5-ABA9AF7C0832}" presName="textBox5a" presStyleLbl="revTx" presStyleIdx="0" presStyleCnt="5">
+        <dgm:presLayoutVars>
+          <dgm:bulletEnabled val="1"/>
+        </dgm:presLayoutVars>
+      </dgm:prSet>
+      <dgm:spPr/>
+    </dgm:pt>
+    <dgm:pt modelId="{E1D17602-9636-4444-8F4C-4B133495B27E}" type="pres">
+      <dgm:prSet presAssocID="{807451BD-516C-4176-BD47-20B11B7816F9}" presName="bullet5b" presStyleLbl="node1" presStyleIdx="1" presStyleCnt="5"/>
+      <dgm:spPr/>
+    </dgm:pt>
+    <dgm:pt modelId="{3331BA0B-0227-44E7-A0EE-96E9667A38C5}" type="pres">
+      <dgm:prSet presAssocID="{807451BD-516C-4176-BD47-20B11B7816F9}" presName="textBox5b" presStyleLbl="revTx" presStyleIdx="1" presStyleCnt="5">
+        <dgm:presLayoutVars>
+          <dgm:bulletEnabled val="1"/>
+        </dgm:presLayoutVars>
+      </dgm:prSet>
+      <dgm:spPr/>
+      <dgm:t>
+        <a:bodyPr/>
+        <a:lstStyle/>
+        <a:p>
+          <a:endParaRPr lang="zh-CN" altLang="en-US"/>
+        </a:p>
+      </dgm:t>
+    </dgm:pt>
+    <dgm:pt modelId="{52320FAD-E02B-4695-8C9D-F7B2E412DB02}" type="pres">
+      <dgm:prSet presAssocID="{A7FC8F27-AE57-4E5A-8BF1-6E51BEBB9A97}" presName="bullet5c" presStyleLbl="node1" presStyleIdx="2" presStyleCnt="5"/>
+      <dgm:spPr/>
+    </dgm:pt>
+    <dgm:pt modelId="{1B0A9E80-58E0-4F1B-9807-0D08965C64F9}" type="pres">
+      <dgm:prSet presAssocID="{A7FC8F27-AE57-4E5A-8BF1-6E51BEBB9A97}" presName="textBox5c" presStyleLbl="revTx" presStyleIdx="2" presStyleCnt="5">
+        <dgm:presLayoutVars>
+          <dgm:bulletEnabled val="1"/>
+        </dgm:presLayoutVars>
+      </dgm:prSet>
+      <dgm:spPr/>
+      <dgm:t>
+        <a:bodyPr/>
+        <a:lstStyle/>
+        <a:p>
+          <a:endParaRPr lang="zh-CN" altLang="en-US"/>
+        </a:p>
+      </dgm:t>
+    </dgm:pt>
+    <dgm:pt modelId="{11C52DA7-38F9-42BA-86EC-E1190751B3A9}" type="pres">
+      <dgm:prSet presAssocID="{5D977A63-015C-4457-9C71-1E9F8E27AE65}" presName="bullet5d" presStyleLbl="node1" presStyleIdx="3" presStyleCnt="5"/>
+      <dgm:spPr/>
+    </dgm:pt>
+    <dgm:pt modelId="{A6A60C68-6B48-400D-989E-41B3A837A146}" type="pres">
+      <dgm:prSet presAssocID="{5D977A63-015C-4457-9C71-1E9F8E27AE65}" presName="textBox5d" presStyleLbl="revTx" presStyleIdx="3" presStyleCnt="5">
+        <dgm:presLayoutVars>
+          <dgm:bulletEnabled val="1"/>
+        </dgm:presLayoutVars>
+      </dgm:prSet>
+      <dgm:spPr/>
+    </dgm:pt>
+    <dgm:pt modelId="{709D4EEB-418B-4C8B-818F-B9749DC245C4}" type="pres">
+      <dgm:prSet presAssocID="{EA84B3FE-F761-4145-A323-DA94E7416C41}" presName="bullet5e" presStyleLbl="node1" presStyleIdx="4" presStyleCnt="5"/>
+      <dgm:spPr/>
+    </dgm:pt>
+    <dgm:pt modelId="{4BB30F82-E3F8-4F78-9892-353560ECF66A}" type="pres">
+      <dgm:prSet presAssocID="{EA84B3FE-F761-4145-A323-DA94E7416C41}" presName="textBox5e" presStyleLbl="revTx" presStyleIdx="4" presStyleCnt="5">
+        <dgm:presLayoutVars>
+          <dgm:bulletEnabled val="1"/>
+        </dgm:presLayoutVars>
+      </dgm:prSet>
+      <dgm:spPr/>
+    </dgm:pt>
+  </dgm:ptLst>
+  <dgm:cxnLst>
+    <dgm:cxn modelId="{AF1808A2-E295-431C-9AE2-BA66B8B4C9BB}" srcId="{010C7CB2-6680-4E4A-B99C-904D2B60123A}" destId="{807451BD-516C-4176-BD47-20B11B7816F9}" srcOrd="1" destOrd="0" parTransId="{6A931022-86ED-44CE-A8F3-6F5970BC8A4F}" sibTransId="{13553A33-036B-48BC-8252-E72241F5CC7B}"/>
+    <dgm:cxn modelId="{89415093-FD29-45AE-BE98-5B6B5FA06581}" type="presOf" srcId="{A7FC8F27-AE57-4E5A-8BF1-6E51BEBB9A97}" destId="{1B0A9E80-58E0-4F1B-9807-0D08965C64F9}" srcOrd="0" destOrd="0" presId="urn:microsoft.com/office/officeart/2005/8/layout/arrow2"/>
+    <dgm:cxn modelId="{D2012F15-BC57-44A7-9679-AF40EDA1B2D9}" srcId="{010C7CB2-6680-4E4A-B99C-904D2B60123A}" destId="{EA84B3FE-F761-4145-A323-DA94E7416C41}" srcOrd="4" destOrd="0" parTransId="{A1AAAABF-059D-49D5-8F33-DCF02BA1E07C}" sibTransId="{71FD7C62-CF7B-46B1-9311-268DC14A93AB}"/>
+    <dgm:cxn modelId="{104E9A3A-16AE-4B25-869A-07BE70439283}" type="presOf" srcId="{EA84B3FE-F761-4145-A323-DA94E7416C41}" destId="{4BB30F82-E3F8-4F78-9892-353560ECF66A}" srcOrd="0" destOrd="0" presId="urn:microsoft.com/office/officeart/2005/8/layout/arrow2"/>
+    <dgm:cxn modelId="{E69C9D86-10F9-4460-996A-8D48D9E1ED31}" srcId="{010C7CB2-6680-4E4A-B99C-904D2B60123A}" destId="{CA17F39D-21AC-4D46-8CC5-ABA9AF7C0832}" srcOrd="0" destOrd="0" parTransId="{D5DB9D9D-5FAC-4A22-966D-AAFBB446676C}" sibTransId="{AC64B6D3-7F3B-48C1-BEA8-3E52CBB01AF7}"/>
+    <dgm:cxn modelId="{D84B6AF6-02C5-46A2-AFFC-819B87D4DC98}" type="presOf" srcId="{CA17F39D-21AC-4D46-8CC5-ABA9AF7C0832}" destId="{50D9E917-3DAC-4A3F-A991-42B18DBC85AC}" srcOrd="0" destOrd="0" presId="urn:microsoft.com/office/officeart/2005/8/layout/arrow2"/>
+    <dgm:cxn modelId="{A9D31B76-6787-4604-B0CB-E54AF772DE78}" srcId="{010C7CB2-6680-4E4A-B99C-904D2B60123A}" destId="{5D977A63-015C-4457-9C71-1E9F8E27AE65}" srcOrd="3" destOrd="0" parTransId="{F31237F8-2C1E-4A97-987C-5EBC7AC41DF2}" sibTransId="{9D110154-9C19-4CEC-AD19-BACD229A2E04}"/>
+    <dgm:cxn modelId="{A1D56B4E-4908-49E0-A6B0-057C2615405C}" type="presOf" srcId="{807451BD-516C-4176-BD47-20B11B7816F9}" destId="{3331BA0B-0227-44E7-A0EE-96E9667A38C5}" srcOrd="0" destOrd="0" presId="urn:microsoft.com/office/officeart/2005/8/layout/arrow2"/>
+    <dgm:cxn modelId="{C640ACF4-50BE-4BE6-9F9C-C4B388C055FE}" srcId="{010C7CB2-6680-4E4A-B99C-904D2B60123A}" destId="{A7FC8F27-AE57-4E5A-8BF1-6E51BEBB9A97}" srcOrd="2" destOrd="0" parTransId="{A1EE81A5-DFA1-4A41-96CB-C98FDE5D4342}" sibTransId="{1609F81C-788F-4D96-B7D6-9ACFA791CFBD}"/>
+    <dgm:cxn modelId="{C3EE8304-0352-4665-9347-B24493694F05}" type="presOf" srcId="{010C7CB2-6680-4E4A-B99C-904D2B60123A}" destId="{1EB3CED2-957E-40BD-A56F-57393C9FF364}" srcOrd="0" destOrd="0" presId="urn:microsoft.com/office/officeart/2005/8/layout/arrow2"/>
+    <dgm:cxn modelId="{E39C5110-9A7D-4E33-BFDF-BD241938E1AB}" type="presOf" srcId="{5D977A63-015C-4457-9C71-1E9F8E27AE65}" destId="{A6A60C68-6B48-400D-989E-41B3A837A146}" srcOrd="0" destOrd="0" presId="urn:microsoft.com/office/officeart/2005/8/layout/arrow2"/>
+    <dgm:cxn modelId="{530751A9-CF94-48AC-990C-8F470424BE8E}" type="presParOf" srcId="{1EB3CED2-957E-40BD-A56F-57393C9FF364}" destId="{B52F97A3-79D9-45C4-B3F2-1FABD14756C8}" srcOrd="0" destOrd="0" presId="urn:microsoft.com/office/officeart/2005/8/layout/arrow2"/>
+    <dgm:cxn modelId="{4F520754-8214-4EA4-B208-6BF588CDF050}" type="presParOf" srcId="{1EB3CED2-957E-40BD-A56F-57393C9FF364}" destId="{0ED4371F-C365-4F9C-8288-D1A5FCE88F2E}" srcOrd="1" destOrd="0" presId="urn:microsoft.com/office/officeart/2005/8/layout/arrow2"/>
+    <dgm:cxn modelId="{D82AA037-FD9D-4A1D-B344-B0AB6BD4C180}" type="presParOf" srcId="{0ED4371F-C365-4F9C-8288-D1A5FCE88F2E}" destId="{E01A1116-EEF5-40F3-A1AB-5B2152D30435}" srcOrd="0" destOrd="0" presId="urn:microsoft.com/office/officeart/2005/8/layout/arrow2"/>
+    <dgm:cxn modelId="{FAF03F43-B249-46E1-A5FF-C3840010A49E}" type="presParOf" srcId="{0ED4371F-C365-4F9C-8288-D1A5FCE88F2E}" destId="{50D9E917-3DAC-4A3F-A991-42B18DBC85AC}" srcOrd="1" destOrd="0" presId="urn:microsoft.com/office/officeart/2005/8/layout/arrow2"/>
+    <dgm:cxn modelId="{547007CC-3A89-406F-8ED4-AEC4E5C1A43E}" type="presParOf" srcId="{0ED4371F-C365-4F9C-8288-D1A5FCE88F2E}" destId="{E1D17602-9636-4444-8F4C-4B133495B27E}" srcOrd="2" destOrd="0" presId="urn:microsoft.com/office/officeart/2005/8/layout/arrow2"/>
+    <dgm:cxn modelId="{2CD86A65-F376-4CE0-B2C3-7318066DD70B}" type="presParOf" srcId="{0ED4371F-C365-4F9C-8288-D1A5FCE88F2E}" destId="{3331BA0B-0227-44E7-A0EE-96E9667A38C5}" srcOrd="3" destOrd="0" presId="urn:microsoft.com/office/officeart/2005/8/layout/arrow2"/>
+    <dgm:cxn modelId="{651E8606-D8CF-4809-93BD-92FFF0EF4BDB}" type="presParOf" srcId="{0ED4371F-C365-4F9C-8288-D1A5FCE88F2E}" destId="{52320FAD-E02B-4695-8C9D-F7B2E412DB02}" srcOrd="4" destOrd="0" presId="urn:microsoft.com/office/officeart/2005/8/layout/arrow2"/>
+    <dgm:cxn modelId="{40FFF57C-8B89-4911-8B5A-BBDB84E733D6}" type="presParOf" srcId="{0ED4371F-C365-4F9C-8288-D1A5FCE88F2E}" destId="{1B0A9E80-58E0-4F1B-9807-0D08965C64F9}" srcOrd="5" destOrd="0" presId="urn:microsoft.com/office/officeart/2005/8/layout/arrow2"/>
+    <dgm:cxn modelId="{02DA011A-CB07-4880-9804-B0A61689E69C}" type="presParOf" srcId="{0ED4371F-C365-4F9C-8288-D1A5FCE88F2E}" destId="{11C52DA7-38F9-42BA-86EC-E1190751B3A9}" srcOrd="6" destOrd="0" presId="urn:microsoft.com/office/officeart/2005/8/layout/arrow2"/>
+    <dgm:cxn modelId="{3F990F65-B26F-4D31-AB06-3EC62A249CCD}" type="presParOf" srcId="{0ED4371F-C365-4F9C-8288-D1A5FCE88F2E}" destId="{A6A60C68-6B48-400D-989E-41B3A837A146}" srcOrd="7" destOrd="0" presId="urn:microsoft.com/office/officeart/2005/8/layout/arrow2"/>
+    <dgm:cxn modelId="{565FE320-6D1B-47CF-9062-C82373CE69C9}" type="presParOf" srcId="{0ED4371F-C365-4F9C-8288-D1A5FCE88F2E}" destId="{709D4EEB-418B-4C8B-818F-B9749DC245C4}" srcOrd="8" destOrd="0" presId="urn:microsoft.com/office/officeart/2005/8/layout/arrow2"/>
+    <dgm:cxn modelId="{E1C9A4C8-F6A2-43E5-8DF7-3104CC5C0397}" type="presParOf" srcId="{0ED4371F-C365-4F9C-8288-D1A5FCE88F2E}" destId="{4BB30F82-E3F8-4F78-9892-353560ECF66A}" srcOrd="9" destOrd="0" presId="urn:microsoft.com/office/officeart/2005/8/layout/arrow2"/>
+  </dgm:cxnLst>
+  <dgm:bg/>
+  <dgm:whole/>
+  <dgm:extLst>
+    <a:ext uri="http://schemas.microsoft.com/office/drawing/2008/diagram">
+      <dsp:dataModelExt xmlns:dsp="http://schemas.microsoft.com/office/drawing/2008/diagram" relId="rId7" minVer="http://schemas.openxmlformats.org/drawingml/2006/diagram"/>
     </a:ext>
   </dgm:extLst>
 </dgm:dataModel>
@@ -1195,7 +2355,7 @@
               <a:latin typeface="+mn-ea"/>
               <a:ea typeface="+mn-ea"/>
             </a:rPr>
-            <a:t>介绍</a:t>
+            <a:t>简介</a:t>
           </a:r>
           <a:endParaRPr lang="zh-CN" altLang="en-US" sz="4000" kern="1200" dirty="0">
             <a:latin typeface="+mn-ea"/>
@@ -1392,6 +2552,673 @@
 </dsp:drawing>
 </file>
 
+<file path=ppt/diagrams/drawing2.xml><?xml version="1.0" encoding="utf-8"?>
+<dsp:drawing xmlns:dgm="http://schemas.openxmlformats.org/drawingml/2006/diagram" xmlns:dsp="http://schemas.microsoft.com/office/drawing/2008/diagram" xmlns:a="http://schemas.openxmlformats.org/drawingml/2006/main">
+  <dsp:spTree>
+    <dsp:nvGrpSpPr>
+      <dsp:cNvPr id="0" name=""/>
+      <dsp:cNvGrpSpPr/>
+    </dsp:nvGrpSpPr>
+    <dsp:grpSpPr/>
+    <dsp:sp modelId="{B52F97A3-79D9-45C4-B3F2-1FABD14756C8}">
+      <dsp:nvSpPr>
+        <dsp:cNvPr id="0" name=""/>
+        <dsp:cNvSpPr/>
+      </dsp:nvSpPr>
+      <dsp:spPr>
+        <a:xfrm>
+          <a:off x="408957" y="0"/>
+          <a:ext cx="6537275" cy="4085797"/>
+        </a:xfrm>
+        <a:prstGeom prst="swooshArrow">
+          <a:avLst>
+            <a:gd name="adj1" fmla="val 25000"/>
+            <a:gd name="adj2" fmla="val 25000"/>
+          </a:avLst>
+        </a:prstGeom>
+        <a:solidFill>
+          <a:schemeClr val="accent1">
+            <a:tint val="40000"/>
+            <a:hueOff val="0"/>
+            <a:satOff val="0"/>
+            <a:lumOff val="0"/>
+            <a:alphaOff val="0"/>
+          </a:schemeClr>
+        </a:solidFill>
+        <a:ln>
+          <a:noFill/>
+        </a:ln>
+        <a:effectLst/>
+      </dsp:spPr>
+      <dsp:style>
+        <a:lnRef idx="0">
+          <a:scrgbClr r="0" g="0" b="0"/>
+        </a:lnRef>
+        <a:fillRef idx="1">
+          <a:scrgbClr r="0" g="0" b="0"/>
+        </a:fillRef>
+        <a:effectRef idx="0">
+          <a:scrgbClr r="0" g="0" b="0"/>
+        </a:effectRef>
+        <a:fontRef idx="minor"/>
+      </dsp:style>
+    </dsp:sp>
+    <dsp:sp modelId="{E01A1116-EEF5-40F3-A1AB-5B2152D30435}">
+      <dsp:nvSpPr>
+        <dsp:cNvPr id="0" name=""/>
+        <dsp:cNvSpPr/>
+      </dsp:nvSpPr>
+      <dsp:spPr>
+        <a:xfrm>
+          <a:off x="1052879" y="3038198"/>
+          <a:ext cx="150357" cy="150357"/>
+        </a:xfrm>
+        <a:prstGeom prst="ellipse">
+          <a:avLst/>
+        </a:prstGeom>
+        <a:solidFill>
+          <a:schemeClr val="accent1">
+            <a:hueOff val="0"/>
+            <a:satOff val="0"/>
+            <a:lumOff val="0"/>
+            <a:alphaOff val="0"/>
+          </a:schemeClr>
+        </a:solidFill>
+        <a:ln w="19050" cap="rnd" cmpd="sng" algn="ctr">
+          <a:solidFill>
+            <a:schemeClr val="lt1">
+              <a:hueOff val="0"/>
+              <a:satOff val="0"/>
+              <a:lumOff val="0"/>
+              <a:alphaOff val="0"/>
+            </a:schemeClr>
+          </a:solidFill>
+          <a:prstDash val="solid"/>
+        </a:ln>
+        <a:effectLst/>
+      </dsp:spPr>
+      <dsp:style>
+        <a:lnRef idx="2">
+          <a:scrgbClr r="0" g="0" b="0"/>
+        </a:lnRef>
+        <a:fillRef idx="1">
+          <a:scrgbClr r="0" g="0" b="0"/>
+        </a:fillRef>
+        <a:effectRef idx="0">
+          <a:scrgbClr r="0" g="0" b="0"/>
+        </a:effectRef>
+        <a:fontRef idx="minor">
+          <a:schemeClr val="lt1"/>
+        </a:fontRef>
+      </dsp:style>
+    </dsp:sp>
+    <dsp:sp modelId="{50D9E917-3DAC-4A3F-A991-42B18DBC85AC}">
+      <dsp:nvSpPr>
+        <dsp:cNvPr id="0" name=""/>
+        <dsp:cNvSpPr/>
+      </dsp:nvSpPr>
+      <dsp:spPr>
+        <a:xfrm>
+          <a:off x="1128058" y="3113377"/>
+          <a:ext cx="856383" cy="972419"/>
+        </a:xfrm>
+        <a:prstGeom prst="rect">
+          <a:avLst/>
+        </a:prstGeom>
+        <a:noFill/>
+        <a:ln>
+          <a:noFill/>
+        </a:ln>
+        <a:effectLst/>
+      </dsp:spPr>
+      <dsp:style>
+        <a:lnRef idx="0">
+          <a:scrgbClr r="0" g="0" b="0"/>
+        </a:lnRef>
+        <a:fillRef idx="0">
+          <a:scrgbClr r="0" g="0" b="0"/>
+        </a:fillRef>
+        <a:effectRef idx="0">
+          <a:scrgbClr r="0" g="0" b="0"/>
+        </a:effectRef>
+        <a:fontRef idx="minor"/>
+      </dsp:style>
+      <dsp:txBody>
+        <a:bodyPr spcFirstLastPara="0" vert="horz" wrap="square" lIns="79671" tIns="0" rIns="0" bIns="0" numCol="1" spcCol="1270" anchor="t" anchorCtr="0">
+          <a:noAutofit/>
+        </a:bodyPr>
+        <a:lstStyle/>
+        <a:p>
+          <a:pPr lvl="0" algn="l" defTabSz="711200">
+            <a:lnSpc>
+              <a:spcPct val="90000"/>
+            </a:lnSpc>
+            <a:spcBef>
+              <a:spcPct val="0"/>
+            </a:spcBef>
+            <a:spcAft>
+              <a:spcPct val="35000"/>
+            </a:spcAft>
+          </a:pPr>
+          <a:r>
+            <a:rPr lang="en-US" altLang="zh-CN" sz="1600" kern="1200" dirty="0" smtClean="0">
+              <a:latin typeface="+mn-ea"/>
+              <a:ea typeface="+mn-ea"/>
+            </a:rPr>
+            <a:t>2006</a:t>
+          </a:r>
+          <a:r>
+            <a:rPr lang="zh-CN" altLang="en-US" sz="1600" kern="1200" dirty="0" smtClean="0">
+              <a:latin typeface="+mn-ea"/>
+              <a:ea typeface="+mn-ea"/>
+            </a:rPr>
+            <a:t>年</a:t>
+          </a:r>
+          <a:r>
+            <a:rPr lang="en-US" altLang="zh-CN" sz="1600" kern="1200" dirty="0" err="1" smtClean="0">
+              <a:latin typeface="Times New Roman" panose="02020603050405020304" pitchFamily="18" charset="0"/>
+              <a:cs typeface="Times New Roman" panose="02020603050405020304" pitchFamily="18" charset="0"/>
+            </a:rPr>
+            <a:t>Graydon</a:t>
+          </a:r>
+          <a:r>
+            <a:rPr lang="en-US" altLang="zh-CN" sz="1600" kern="1200" dirty="0" smtClean="0">
+              <a:latin typeface="Times New Roman" panose="02020603050405020304" pitchFamily="18" charset="0"/>
+              <a:cs typeface="Times New Roman" panose="02020603050405020304" pitchFamily="18" charset="0"/>
+            </a:rPr>
+            <a:t> Hoare</a:t>
+          </a:r>
+          <a:r>
+            <a:rPr lang="zh-CN" altLang="en-US" sz="1600" kern="1200" dirty="0" smtClean="0">
+              <a:latin typeface="+mn-ea"/>
+              <a:ea typeface="+mn-ea"/>
+            </a:rPr>
+            <a:t>开发</a:t>
+          </a:r>
+          <a:endParaRPr lang="zh-CN" altLang="en-US" sz="1600" kern="1200" dirty="0">
+            <a:latin typeface="+mn-ea"/>
+            <a:ea typeface="+mn-ea"/>
+          </a:endParaRPr>
+        </a:p>
+      </dsp:txBody>
+      <dsp:txXfrm>
+        <a:off x="1128058" y="3113377"/>
+        <a:ext cx="856383" cy="972419"/>
+      </dsp:txXfrm>
+    </dsp:sp>
+    <dsp:sp modelId="{E1D17602-9636-4444-8F4C-4B133495B27E}">
+      <dsp:nvSpPr>
+        <dsp:cNvPr id="0" name=""/>
+        <dsp:cNvSpPr/>
+      </dsp:nvSpPr>
+      <dsp:spPr>
+        <a:xfrm>
+          <a:off x="1866770" y="2256177"/>
+          <a:ext cx="235341" cy="235341"/>
+        </a:xfrm>
+        <a:prstGeom prst="ellipse">
+          <a:avLst/>
+        </a:prstGeom>
+        <a:solidFill>
+          <a:schemeClr val="accent1">
+            <a:hueOff val="0"/>
+            <a:satOff val="0"/>
+            <a:lumOff val="0"/>
+            <a:alphaOff val="0"/>
+          </a:schemeClr>
+        </a:solidFill>
+        <a:ln w="19050" cap="rnd" cmpd="sng" algn="ctr">
+          <a:solidFill>
+            <a:schemeClr val="lt1">
+              <a:hueOff val="0"/>
+              <a:satOff val="0"/>
+              <a:lumOff val="0"/>
+              <a:alphaOff val="0"/>
+            </a:schemeClr>
+          </a:solidFill>
+          <a:prstDash val="solid"/>
+        </a:ln>
+        <a:effectLst/>
+      </dsp:spPr>
+      <dsp:style>
+        <a:lnRef idx="2">
+          <a:scrgbClr r="0" g="0" b="0"/>
+        </a:lnRef>
+        <a:fillRef idx="1">
+          <a:scrgbClr r="0" g="0" b="0"/>
+        </a:fillRef>
+        <a:effectRef idx="0">
+          <a:scrgbClr r="0" g="0" b="0"/>
+        </a:effectRef>
+        <a:fontRef idx="minor">
+          <a:schemeClr val="lt1"/>
+        </a:fontRef>
+      </dsp:style>
+    </dsp:sp>
+    <dsp:sp modelId="{3331BA0B-0227-44E7-A0EE-96E9667A38C5}">
+      <dsp:nvSpPr>
+        <dsp:cNvPr id="0" name=""/>
+        <dsp:cNvSpPr/>
+      </dsp:nvSpPr>
+      <dsp:spPr>
+        <a:xfrm>
+          <a:off x="1984441" y="2373848"/>
+          <a:ext cx="1085187" cy="1711948"/>
+        </a:xfrm>
+        <a:prstGeom prst="rect">
+          <a:avLst/>
+        </a:prstGeom>
+        <a:noFill/>
+        <a:ln>
+          <a:noFill/>
+        </a:ln>
+        <a:effectLst/>
+      </dsp:spPr>
+      <dsp:style>
+        <a:lnRef idx="0">
+          <a:scrgbClr r="0" g="0" b="0"/>
+        </a:lnRef>
+        <a:fillRef idx="0">
+          <a:scrgbClr r="0" g="0" b="0"/>
+        </a:fillRef>
+        <a:effectRef idx="0">
+          <a:scrgbClr r="0" g="0" b="0"/>
+        </a:effectRef>
+        <a:fontRef idx="minor"/>
+      </dsp:style>
+      <dsp:txBody>
+        <a:bodyPr spcFirstLastPara="0" vert="horz" wrap="square" lIns="124703" tIns="0" rIns="0" bIns="0" numCol="1" spcCol="1270" anchor="t" anchorCtr="0">
+          <a:noAutofit/>
+        </a:bodyPr>
+        <a:lstStyle/>
+        <a:p>
+          <a:pPr lvl="0" algn="l" defTabSz="711200">
+            <a:lnSpc>
+              <a:spcPct val="90000"/>
+            </a:lnSpc>
+            <a:spcBef>
+              <a:spcPct val="0"/>
+            </a:spcBef>
+            <a:spcAft>
+              <a:spcPct val="35000"/>
+            </a:spcAft>
+          </a:pPr>
+          <a:r>
+            <a:rPr lang="en-US" altLang="zh-CN" sz="1600" kern="1200" dirty="0" smtClean="0">
+              <a:latin typeface="+mn-ea"/>
+              <a:ea typeface="+mn-ea"/>
+            </a:rPr>
+            <a:t>2009</a:t>
+          </a:r>
+          <a:r>
+            <a:rPr lang="zh-CN" altLang="en-US" sz="1600" kern="1200" dirty="0" smtClean="0">
+              <a:latin typeface="+mn-ea"/>
+              <a:ea typeface="+mn-ea"/>
+            </a:rPr>
+            <a:t>年受到</a:t>
+          </a:r>
+          <a:r>
+            <a:rPr lang="en-US" altLang="zh-CN" sz="1600" kern="1200" dirty="0" smtClean="0">
+              <a:latin typeface="Times New Roman" panose="02020603050405020304" pitchFamily="18" charset="0"/>
+              <a:ea typeface="+mn-ea"/>
+              <a:cs typeface="Times New Roman" panose="02020603050405020304" pitchFamily="18" charset="0"/>
+            </a:rPr>
+            <a:t>Mozilla</a:t>
+          </a:r>
+          <a:r>
+            <a:rPr lang="zh-CN" altLang="en-US" sz="1600" kern="1200" dirty="0" smtClean="0">
+              <a:latin typeface="+mn-ea"/>
+              <a:ea typeface="+mn-ea"/>
+            </a:rPr>
+            <a:t>公司赞助</a:t>
+          </a:r>
+          <a:endParaRPr lang="zh-CN" altLang="en-US" sz="1600" kern="1200" dirty="0">
+            <a:latin typeface="+mn-ea"/>
+            <a:ea typeface="+mn-ea"/>
+          </a:endParaRPr>
+        </a:p>
+      </dsp:txBody>
+      <dsp:txXfrm>
+        <a:off x="1984441" y="2373848"/>
+        <a:ext cx="1085187" cy="1711948"/>
+      </dsp:txXfrm>
+    </dsp:sp>
+    <dsp:sp modelId="{52320FAD-E02B-4695-8C9D-F7B2E412DB02}">
+      <dsp:nvSpPr>
+        <dsp:cNvPr id="0" name=""/>
+        <dsp:cNvSpPr/>
+      </dsp:nvSpPr>
+      <dsp:spPr>
+        <a:xfrm>
+          <a:off x="2912734" y="1632684"/>
+          <a:ext cx="313789" cy="313789"/>
+        </a:xfrm>
+        <a:prstGeom prst="ellipse">
+          <a:avLst/>
+        </a:prstGeom>
+        <a:solidFill>
+          <a:schemeClr val="accent1">
+            <a:hueOff val="0"/>
+            <a:satOff val="0"/>
+            <a:lumOff val="0"/>
+            <a:alphaOff val="0"/>
+          </a:schemeClr>
+        </a:solidFill>
+        <a:ln w="19050" cap="rnd" cmpd="sng" algn="ctr">
+          <a:solidFill>
+            <a:schemeClr val="lt1">
+              <a:hueOff val="0"/>
+              <a:satOff val="0"/>
+              <a:lumOff val="0"/>
+              <a:alphaOff val="0"/>
+            </a:schemeClr>
+          </a:solidFill>
+          <a:prstDash val="solid"/>
+        </a:ln>
+        <a:effectLst/>
+      </dsp:spPr>
+      <dsp:style>
+        <a:lnRef idx="2">
+          <a:scrgbClr r="0" g="0" b="0"/>
+        </a:lnRef>
+        <a:fillRef idx="1">
+          <a:scrgbClr r="0" g="0" b="0"/>
+        </a:fillRef>
+        <a:effectRef idx="0">
+          <a:scrgbClr r="0" g="0" b="0"/>
+        </a:effectRef>
+        <a:fontRef idx="minor">
+          <a:schemeClr val="lt1"/>
+        </a:fontRef>
+      </dsp:style>
+    </dsp:sp>
+    <dsp:sp modelId="{1B0A9E80-58E0-4F1B-9807-0D08965C64F9}">
+      <dsp:nvSpPr>
+        <dsp:cNvPr id="0" name=""/>
+        <dsp:cNvSpPr/>
+      </dsp:nvSpPr>
+      <dsp:spPr>
+        <a:xfrm>
+          <a:off x="3069628" y="1789579"/>
+          <a:ext cx="1261694" cy="2296217"/>
+        </a:xfrm>
+        <a:prstGeom prst="rect">
+          <a:avLst/>
+        </a:prstGeom>
+        <a:noFill/>
+        <a:ln>
+          <a:noFill/>
+        </a:ln>
+        <a:effectLst/>
+      </dsp:spPr>
+      <dsp:style>
+        <a:lnRef idx="0">
+          <a:scrgbClr r="0" g="0" b="0"/>
+        </a:lnRef>
+        <a:fillRef idx="0">
+          <a:scrgbClr r="0" g="0" b="0"/>
+        </a:fillRef>
+        <a:effectRef idx="0">
+          <a:scrgbClr r="0" g="0" b="0"/>
+        </a:effectRef>
+        <a:fontRef idx="minor"/>
+      </dsp:style>
+      <dsp:txBody>
+        <a:bodyPr spcFirstLastPara="0" vert="horz" wrap="square" lIns="166270" tIns="0" rIns="0" bIns="0" numCol="1" spcCol="1270" anchor="t" anchorCtr="0">
+          <a:noAutofit/>
+        </a:bodyPr>
+        <a:lstStyle/>
+        <a:p>
+          <a:pPr lvl="0" algn="l" defTabSz="711200">
+            <a:lnSpc>
+              <a:spcPct val="90000"/>
+            </a:lnSpc>
+            <a:spcBef>
+              <a:spcPct val="0"/>
+            </a:spcBef>
+            <a:spcAft>
+              <a:spcPct val="35000"/>
+            </a:spcAft>
+          </a:pPr>
+          <a:r>
+            <a:rPr lang="en-US" altLang="zh-CN" sz="1600" kern="1200" dirty="0" smtClean="0">
+              <a:latin typeface="+mn-ea"/>
+              <a:ea typeface="+mn-ea"/>
+            </a:rPr>
+            <a:t>2011</a:t>
+          </a:r>
+          <a:r>
+            <a:rPr lang="zh-CN" altLang="en-US" sz="1600" kern="1200" dirty="0" smtClean="0">
+              <a:latin typeface="+mn-ea"/>
+              <a:ea typeface="+mn-ea"/>
+            </a:rPr>
+            <a:t>年完成自举</a:t>
+          </a:r>
+          <a:endParaRPr lang="zh-CN" altLang="en-US" sz="1600" kern="1200" dirty="0">
+            <a:latin typeface="+mn-ea"/>
+            <a:ea typeface="+mn-ea"/>
+          </a:endParaRPr>
+        </a:p>
+      </dsp:txBody>
+      <dsp:txXfrm>
+        <a:off x="3069628" y="1789579"/>
+        <a:ext cx="1261694" cy="2296217"/>
+      </dsp:txXfrm>
+    </dsp:sp>
+    <dsp:sp modelId="{11C52DA7-38F9-42BA-86EC-E1190751B3A9}">
+      <dsp:nvSpPr>
+        <dsp:cNvPr id="0" name=""/>
+        <dsp:cNvSpPr/>
+      </dsp:nvSpPr>
+      <dsp:spPr>
+        <a:xfrm>
+          <a:off x="4128667" y="1145657"/>
+          <a:ext cx="405311" cy="405311"/>
+        </a:xfrm>
+        <a:prstGeom prst="ellipse">
+          <a:avLst/>
+        </a:prstGeom>
+        <a:solidFill>
+          <a:schemeClr val="accent1">
+            <a:hueOff val="0"/>
+            <a:satOff val="0"/>
+            <a:lumOff val="0"/>
+            <a:alphaOff val="0"/>
+          </a:schemeClr>
+        </a:solidFill>
+        <a:ln w="19050" cap="rnd" cmpd="sng" algn="ctr">
+          <a:solidFill>
+            <a:schemeClr val="lt1">
+              <a:hueOff val="0"/>
+              <a:satOff val="0"/>
+              <a:lumOff val="0"/>
+              <a:alphaOff val="0"/>
+            </a:schemeClr>
+          </a:solidFill>
+          <a:prstDash val="solid"/>
+        </a:ln>
+        <a:effectLst/>
+      </dsp:spPr>
+      <dsp:style>
+        <a:lnRef idx="2">
+          <a:scrgbClr r="0" g="0" b="0"/>
+        </a:lnRef>
+        <a:fillRef idx="1">
+          <a:scrgbClr r="0" g="0" b="0"/>
+        </a:fillRef>
+        <a:effectRef idx="0">
+          <a:scrgbClr r="0" g="0" b="0"/>
+        </a:effectRef>
+        <a:fontRef idx="minor">
+          <a:schemeClr val="lt1"/>
+        </a:fontRef>
+      </dsp:style>
+    </dsp:sp>
+    <dsp:sp modelId="{A6A60C68-6B48-400D-989E-41B3A837A146}">
+      <dsp:nvSpPr>
+        <dsp:cNvPr id="0" name=""/>
+        <dsp:cNvSpPr/>
+      </dsp:nvSpPr>
+      <dsp:spPr>
+        <a:xfrm>
+          <a:off x="4331323" y="1348313"/>
+          <a:ext cx="1307455" cy="2737483"/>
+        </a:xfrm>
+        <a:prstGeom prst="rect">
+          <a:avLst/>
+        </a:prstGeom>
+        <a:noFill/>
+        <a:ln>
+          <a:noFill/>
+        </a:ln>
+        <a:effectLst/>
+      </dsp:spPr>
+      <dsp:style>
+        <a:lnRef idx="0">
+          <a:scrgbClr r="0" g="0" b="0"/>
+        </a:lnRef>
+        <a:fillRef idx="0">
+          <a:scrgbClr r="0" g="0" b="0"/>
+        </a:fillRef>
+        <a:effectRef idx="0">
+          <a:scrgbClr r="0" g="0" b="0"/>
+        </a:effectRef>
+        <a:fontRef idx="minor"/>
+      </dsp:style>
+      <dsp:txBody>
+        <a:bodyPr spcFirstLastPara="0" vert="horz" wrap="square" lIns="214766" tIns="0" rIns="0" bIns="0" numCol="1" spcCol="1270" anchor="t" anchorCtr="0">
+          <a:noAutofit/>
+        </a:bodyPr>
+        <a:lstStyle/>
+        <a:p>
+          <a:pPr lvl="0" algn="l" defTabSz="711200">
+            <a:lnSpc>
+              <a:spcPct val="90000"/>
+            </a:lnSpc>
+            <a:spcBef>
+              <a:spcPct val="0"/>
+            </a:spcBef>
+            <a:spcAft>
+              <a:spcPct val="35000"/>
+            </a:spcAft>
+          </a:pPr>
+          <a:endParaRPr lang="zh-CN" altLang="en-US" sz="1600" kern="1200"/>
+        </a:p>
+      </dsp:txBody>
+      <dsp:txXfrm>
+        <a:off x="4331323" y="1348313"/>
+        <a:ext cx="1307455" cy="2737483"/>
+      </dsp:txXfrm>
+    </dsp:sp>
+    <dsp:sp modelId="{709D4EEB-418B-4C8B-818F-B9749DC245C4}">
+      <dsp:nvSpPr>
+        <dsp:cNvPr id="0" name=""/>
+        <dsp:cNvSpPr/>
+      </dsp:nvSpPr>
+      <dsp:spPr>
+        <a:xfrm>
+          <a:off x="5380555" y="820428"/>
+          <a:ext cx="516444" cy="516444"/>
+        </a:xfrm>
+        <a:prstGeom prst="ellipse">
+          <a:avLst/>
+        </a:prstGeom>
+        <a:solidFill>
+          <a:schemeClr val="accent1">
+            <a:hueOff val="0"/>
+            <a:satOff val="0"/>
+            <a:lumOff val="0"/>
+            <a:alphaOff val="0"/>
+          </a:schemeClr>
+        </a:solidFill>
+        <a:ln w="19050" cap="rnd" cmpd="sng" algn="ctr">
+          <a:solidFill>
+            <a:schemeClr val="lt1">
+              <a:hueOff val="0"/>
+              <a:satOff val="0"/>
+              <a:lumOff val="0"/>
+              <a:alphaOff val="0"/>
+            </a:schemeClr>
+          </a:solidFill>
+          <a:prstDash val="solid"/>
+        </a:ln>
+        <a:effectLst/>
+      </dsp:spPr>
+      <dsp:style>
+        <a:lnRef idx="2">
+          <a:scrgbClr r="0" g="0" b="0"/>
+        </a:lnRef>
+        <a:fillRef idx="1">
+          <a:scrgbClr r="0" g="0" b="0"/>
+        </a:fillRef>
+        <a:effectRef idx="0">
+          <a:scrgbClr r="0" g="0" b="0"/>
+        </a:effectRef>
+        <a:fontRef idx="minor">
+          <a:schemeClr val="lt1"/>
+        </a:fontRef>
+      </dsp:style>
+    </dsp:sp>
+    <dsp:sp modelId="{4BB30F82-E3F8-4F78-9892-353560ECF66A}">
+      <dsp:nvSpPr>
+        <dsp:cNvPr id="0" name=""/>
+        <dsp:cNvSpPr/>
+      </dsp:nvSpPr>
+      <dsp:spPr>
+        <a:xfrm>
+          <a:off x="5638778" y="1078650"/>
+          <a:ext cx="1307455" cy="3007146"/>
+        </a:xfrm>
+        <a:prstGeom prst="rect">
+          <a:avLst/>
+        </a:prstGeom>
+        <a:noFill/>
+        <a:ln>
+          <a:noFill/>
+        </a:ln>
+        <a:effectLst/>
+      </dsp:spPr>
+      <dsp:style>
+        <a:lnRef idx="0">
+          <a:scrgbClr r="0" g="0" b="0"/>
+        </a:lnRef>
+        <a:fillRef idx="0">
+          <a:scrgbClr r="0" g="0" b="0"/>
+        </a:fillRef>
+        <a:effectRef idx="0">
+          <a:scrgbClr r="0" g="0" b="0"/>
+        </a:effectRef>
+        <a:fontRef idx="minor"/>
+      </dsp:style>
+      <dsp:txBody>
+        <a:bodyPr spcFirstLastPara="0" vert="horz" wrap="square" lIns="273653" tIns="0" rIns="0" bIns="0" numCol="1" spcCol="1270" anchor="t" anchorCtr="0">
+          <a:noAutofit/>
+        </a:bodyPr>
+        <a:lstStyle/>
+        <a:p>
+          <a:pPr lvl="0" algn="l" defTabSz="711200">
+            <a:lnSpc>
+              <a:spcPct val="90000"/>
+            </a:lnSpc>
+            <a:spcBef>
+              <a:spcPct val="0"/>
+            </a:spcBef>
+            <a:spcAft>
+              <a:spcPct val="35000"/>
+            </a:spcAft>
+          </a:pPr>
+          <a:endParaRPr lang="zh-CN" altLang="en-US" sz="1600" kern="1200"/>
+        </a:p>
+      </dsp:txBody>
+      <dsp:txXfrm>
+        <a:off x="5638778" y="1078650"/>
+        <a:ext cx="1307455" cy="3007146"/>
+      </dsp:txXfrm>
+    </dsp:sp>
+  </dsp:spTree>
+</dsp:drawing>
+</file>
+
 <file path=ppt/diagrams/layout1.xml><?xml version="1.0" encoding="utf-8"?>
 <dgm:layoutDef xmlns:dgm="http://schemas.openxmlformats.org/drawingml/2006/diagram" xmlns:a="http://schemas.openxmlformats.org/drawingml/2006/main" uniqueId="urn:microsoft.com/office/officeart/2005/8/layout/vList2">
   <dgm:title val=""/>
@@ -1559,6 +3386,1651 @@
 </dgm:layoutDef>
 </file>
 
+<file path=ppt/diagrams/layout2.xml><?xml version="1.0" encoding="utf-8"?>
+<dgm:layoutDef xmlns:dgm="http://schemas.openxmlformats.org/drawingml/2006/diagram" xmlns:a="http://schemas.openxmlformats.org/drawingml/2006/main" uniqueId="urn:microsoft.com/office/officeart/2005/8/layout/arrow2">
+  <dgm:title val=""/>
+  <dgm:desc val=""/>
+  <dgm:catLst>
+    <dgm:cat type="process" pri="23000"/>
+  </dgm:catLst>
+  <dgm:sampData useDef="1">
+    <dgm:dataModel>
+      <dgm:ptLst/>
+      <dgm:bg/>
+      <dgm:whole/>
+    </dgm:dataModel>
+  </dgm:sampData>
+  <dgm:styleData>
+    <dgm:dataModel>
+      <dgm:ptLst>
+        <dgm:pt modelId="0" type="doc"/>
+        <dgm:pt modelId="1"/>
+        <dgm:pt modelId="2"/>
+      </dgm:ptLst>
+      <dgm:cxnLst>
+        <dgm:cxn modelId="3" srcId="0" destId="1" srcOrd="0" destOrd="0"/>
+        <dgm:cxn modelId="4" srcId="0" destId="2" srcOrd="1" destOrd="0"/>
+      </dgm:cxnLst>
+      <dgm:bg/>
+      <dgm:whole/>
+    </dgm:dataModel>
+  </dgm:styleData>
+  <dgm:clrData>
+    <dgm:dataModel>
+      <dgm:ptLst>
+        <dgm:pt modelId="0" type="doc"/>
+        <dgm:pt modelId="1"/>
+        <dgm:pt modelId="2"/>
+        <dgm:pt modelId="3"/>
+        <dgm:pt modelId="4"/>
+      </dgm:ptLst>
+      <dgm:cxnLst>
+        <dgm:cxn modelId="5" srcId="0" destId="1" srcOrd="0" destOrd="0"/>
+        <dgm:cxn modelId="6" srcId="0" destId="2" srcOrd="1" destOrd="0"/>
+        <dgm:cxn modelId="7" srcId="0" destId="3" srcOrd="2" destOrd="0"/>
+        <dgm:cxn modelId="8" srcId="0" destId="4" srcOrd="3" destOrd="0"/>
+      </dgm:cxnLst>
+      <dgm:bg/>
+      <dgm:whole/>
+    </dgm:dataModel>
+  </dgm:clrData>
+  <dgm:layoutNode name="arrowDiagram">
+    <dgm:varLst>
+      <dgm:chMax val="5"/>
+      <dgm:dir/>
+      <dgm:resizeHandles val="exact"/>
+    </dgm:varLst>
+    <dgm:alg type="composite">
+      <dgm:param type="ar" val="1.6"/>
+    </dgm:alg>
+    <dgm:shape xmlns:r="http://schemas.openxmlformats.org/officeDocument/2006/relationships" r:blip="">
+      <dgm:adjLst/>
+    </dgm:shape>
+    <dgm:presOf/>
+    <dgm:constrLst>
+      <dgm:constr type="l" for="ch" forName="arrow"/>
+      <dgm:constr type="t" for="ch" forName="arrow"/>
+      <dgm:constr type="w" for="ch" forName="arrow" refType="w"/>
+      <dgm:constr type="h" for="ch" forName="arrow" refType="h"/>
+      <dgm:constr type="ctrX" for="ch" forName="arrowDiagram1" refType="w" fact="0.5"/>
+      <dgm:constr type="ctrY" for="ch" forName="arrowDiagram1" refType="h" fact="0.5"/>
+      <dgm:constr type="w" for="ch" forName="arrowDiagram1" refType="w"/>
+      <dgm:constr type="h" for="ch" forName="arrowDiagram1" refType="h"/>
+      <dgm:constr type="ctrX" for="ch" forName="arrowDiagram2" refType="w" fact="0.5"/>
+      <dgm:constr type="ctrY" for="ch" forName="arrowDiagram2" refType="h" fact="0.5"/>
+      <dgm:constr type="w" for="ch" forName="arrowDiagram2" refType="w"/>
+      <dgm:constr type="h" for="ch" forName="arrowDiagram2" refType="h"/>
+      <dgm:constr type="ctrX" for="ch" forName="arrowDiagram3" refType="w" fact="0.5"/>
+      <dgm:constr type="ctrY" for="ch" forName="arrowDiagram3" refType="h" fact="0.5"/>
+      <dgm:constr type="w" for="ch" forName="arrowDiagram3" refType="w"/>
+      <dgm:constr type="h" for="ch" forName="arrowDiagram3" refType="h"/>
+      <dgm:constr type="ctrX" for="ch" forName="arrowDiagram4" refType="w" fact="0.5"/>
+      <dgm:constr type="ctrY" for="ch" forName="arrowDiagram4" refType="h" fact="0.5"/>
+      <dgm:constr type="w" for="ch" forName="arrowDiagram4" refType="w"/>
+      <dgm:constr type="h" for="ch" forName="arrowDiagram4" refType="h"/>
+      <dgm:constr type="ctrX" for="ch" forName="arrowDiagram5" refType="w" fact="0.5"/>
+      <dgm:constr type="ctrY" for="ch" forName="arrowDiagram5" refType="h" fact="0.5"/>
+      <dgm:constr type="w" for="ch" forName="arrowDiagram5" refType="w"/>
+      <dgm:constr type="h" for="ch" forName="arrowDiagram5" refType="h"/>
+    </dgm:constrLst>
+    <dgm:ruleLst/>
+    <dgm:choose name="Name0">
+      <dgm:if name="Name1" axis="ch" ptType="node" func="cnt" op="gte" val="1">
+        <dgm:layoutNode name="arrow" styleLbl="bgShp">
+          <dgm:alg type="sp"/>
+          <dgm:shape xmlns:r="http://schemas.openxmlformats.org/officeDocument/2006/relationships" type="swooshArrow" r:blip="">
+            <dgm:adjLst>
+              <dgm:adj idx="2" val="0.25"/>
+            </dgm:adjLst>
+          </dgm:shape>
+          <dgm:presOf/>
+          <dgm:constrLst/>
+          <dgm:ruleLst/>
+        </dgm:layoutNode>
+        <dgm:choose name="Name2">
+          <dgm:if name="Name3" axis="ch" ptType="node" func="cnt" op="lt" val="1"/>
+          <dgm:if name="Name4" axis="ch" ptType="node" func="cnt" op="equ" val="1">
+            <dgm:layoutNode name="arrowDiagram1">
+              <dgm:varLst>
+                <dgm:bulletEnabled val="1"/>
+              </dgm:varLst>
+              <dgm:alg type="composite">
+                <dgm:param type="vertAlign" val="none"/>
+                <dgm:param type="horzAlign" val="none"/>
+              </dgm:alg>
+              <dgm:shape xmlns:r="http://schemas.openxmlformats.org/officeDocument/2006/relationships" r:blip="">
+                <dgm:adjLst/>
+              </dgm:shape>
+              <dgm:presOf/>
+              <dgm:constrLst>
+                <dgm:constr type="ctrX" for="ch" forName="bullet1" refType="w" fact="0.8"/>
+                <dgm:constr type="ctrY" for="ch" forName="bullet1" refType="h" fact="0.262"/>
+                <dgm:constr type="w" for="ch" forName="bullet1" refType="w" fact="0.074"/>
+                <dgm:constr type="h" for="ch" forName="bullet1" refType="w" refFor="ch" refForName="bullet1"/>
+                <dgm:constr type="r" for="ch" forName="textBox1" refType="ctrX" refFor="ch" refForName="bullet1"/>
+                <dgm:constr type="t" for="ch" forName="textBox1" refType="ctrY" refFor="ch" refForName="bullet1"/>
+                <dgm:constr type="w" for="ch" forName="textBox1" refType="w" fact="0.4"/>
+                <dgm:constr type="h" for="ch" forName="textBox1" refType="h" fact="0.738"/>
+                <dgm:constr type="userA" refType="h" refFor="ch" refForName="bullet1" fact="0.53"/>
+                <dgm:constr type="rMarg" for="ch" forName="textBox1" refType="userA" fact="2.834"/>
+                <dgm:constr type="primFontSz" for="ch" ptType="node" op="equ" val="65"/>
+              </dgm:constrLst>
+              <dgm:ruleLst/>
+              <dgm:forEach name="Name5" axis="ch" ptType="node" cnt="1">
+                <dgm:layoutNode name="bullet1" styleLbl="node1">
+                  <dgm:alg type="sp"/>
+                  <dgm:shape xmlns:r="http://schemas.openxmlformats.org/officeDocument/2006/relationships" type="ellipse" r:blip="">
+                    <dgm:adjLst/>
+                  </dgm:shape>
+                  <dgm:presOf/>
+                  <dgm:constrLst/>
+                  <dgm:ruleLst/>
+                </dgm:layoutNode>
+                <dgm:layoutNode name="textBox1" styleLbl="revTx">
+                  <dgm:varLst>
+                    <dgm:bulletEnabled val="1"/>
+                  </dgm:varLst>
+                  <dgm:alg type="tx">
+                    <dgm:param type="txAnchorVert" val="t"/>
+                    <dgm:param type="parTxLTRAlign" val="r"/>
+                    <dgm:param type="parTxRTLAlign" val="r"/>
+                  </dgm:alg>
+                  <dgm:shape xmlns:r="http://schemas.openxmlformats.org/officeDocument/2006/relationships" type="round2DiagRect" r:blip="">
+                    <dgm:adjLst/>
+                  </dgm:shape>
+                  <dgm:presOf axis="desOrSelf" ptType="node"/>
+                  <dgm:constrLst>
+                    <dgm:constr type="lMarg"/>
+                    <dgm:constr type="tMarg"/>
+                    <dgm:constr type="bMarg"/>
+                  </dgm:constrLst>
+                  <dgm:ruleLst>
+                    <dgm:rule type="primFontSz" val="5" fact="NaN" max="NaN"/>
+                  </dgm:ruleLst>
+                </dgm:layoutNode>
+              </dgm:forEach>
+            </dgm:layoutNode>
+          </dgm:if>
+          <dgm:if name="Name6" axis="ch" ptType="node" func="cnt" op="equ" val="2">
+            <dgm:layoutNode name="arrowDiagram2">
+              <dgm:alg type="composite">
+                <dgm:param type="vertAlign" val="none"/>
+                <dgm:param type="horzAlign" val="none"/>
+              </dgm:alg>
+              <dgm:shape xmlns:r="http://schemas.openxmlformats.org/officeDocument/2006/relationships" r:blip="">
+                <dgm:adjLst/>
+              </dgm:shape>
+              <dgm:presOf/>
+              <dgm:choose name="Name7">
+                <dgm:if name="Name8" func="var" arg="dir" op="equ" val="norm">
+                  <dgm:constrLst>
+                    <dgm:constr type="ctrX" for="ch" forName="bullet2a" refType="w" fact="0.25"/>
+                    <dgm:constr type="ctrY" for="ch" forName="bullet2a" refType="h" fact="0.573"/>
+                    <dgm:constr type="w" for="ch" forName="bullet2a" refType="w" fact="0.035"/>
+                    <dgm:constr type="h" for="ch" forName="bullet2a" refType="w" refFor="ch" refForName="bullet2a"/>
+                    <dgm:constr type="l" for="ch" forName="textBox2a" refType="ctrX" refFor="ch" refForName="bullet2a"/>
+                    <dgm:constr type="t" for="ch" forName="textBox2a" refType="ctrY" refFor="ch" refForName="bullet2a"/>
+                    <dgm:constr type="w" for="ch" forName="textBox2a" refType="w" fact="0.325"/>
+                    <dgm:constr type="h" for="ch" forName="textBox2a" refType="h" fact="0.427"/>
+                    <dgm:constr type="userA" refType="h" refFor="ch" refForName="bullet2a" fact="0.53"/>
+                    <dgm:constr type="lMarg" for="ch" forName="textBox2a" refType="userA" fact="2.834"/>
+                    <dgm:constr type="ctrX" for="ch" forName="bullet2b" refType="w" fact="0.585"/>
+                    <dgm:constr type="ctrY" for="ch" forName="bullet2b" refType="h" fact="0.338"/>
+                    <dgm:constr type="w" for="ch" forName="bullet2b" refType="w" fact="0.06"/>
+                    <dgm:constr type="h" for="ch" forName="bullet2b" refType="w" refFor="ch" refForName="bullet2b"/>
+                    <dgm:constr type="l" for="ch" forName="textBox2b" refType="ctrX" refFor="ch" refForName="bullet2b"/>
+                    <dgm:constr type="t" for="ch" forName="textBox2b" refType="ctrY" refFor="ch" refForName="bullet2b"/>
+                    <dgm:constr type="w" for="ch" forName="textBox2b" refType="w" fact="0.325"/>
+                    <dgm:constr type="h" for="ch" forName="textBox2b" refType="h" fact="0.662"/>
+                    <dgm:constr type="userB" refType="h" refFor="ch" refForName="bullet2b" fact="0.53"/>
+                    <dgm:constr type="lMarg" for="ch" forName="textBox2b" refType="userB" fact="2.834"/>
+                    <dgm:constr type="primFontSz" for="ch" ptType="node" op="equ" val="65"/>
+                  </dgm:constrLst>
+                </dgm:if>
+                <dgm:else name="Name9">
+                  <dgm:constrLst>
+                    <dgm:constr type="ctrX" for="ch" forName="bullet2a" refType="w" fact="0.25"/>
+                    <dgm:constr type="ctrY" for="ch" forName="bullet2a" refType="h" fact="0.573"/>
+                    <dgm:constr type="w" for="ch" forName="bullet2a" refType="w" fact="0.035"/>
+                    <dgm:constr type="h" for="ch" forName="bullet2a" refType="w" refFor="ch" refForName="bullet2a"/>
+                    <dgm:constr type="r" for="ch" forName="textBox2a" refType="ctrX" refFor="ch" refForName="bullet2a"/>
+                    <dgm:constr type="b" for="ch" forName="textBox2a" refType="ctrY" refFor="ch" refForName="bullet2a"/>
+                    <dgm:constr type="w" for="ch" forName="textBox2a" refType="w" fact="0.25"/>
+                    <dgm:constr type="h" for="ch" forName="textBox2a" refType="h" fact="0.573"/>
+                    <dgm:constr type="userA" refType="h" refFor="ch" refForName="bullet2a" fact="0.53"/>
+                    <dgm:constr type="rMarg" for="ch" forName="textBox2a" refType="userA" fact="2.834"/>
+                    <dgm:constr type="ctrX" for="ch" forName="bullet2b" refType="w" fact="0.585"/>
+                    <dgm:constr type="ctrY" for="ch" forName="bullet2b" refType="h" fact="0.338"/>
+                    <dgm:constr type="w" for="ch" forName="bullet2b" refType="w" fact="0.06"/>
+                    <dgm:constr type="h" for="ch" forName="bullet2b" refType="w" refFor="ch" refForName="bullet2b"/>
+                    <dgm:constr type="r" for="ch" forName="textBox2b" refType="ctrX" refFor="ch" refForName="bullet2b"/>
+                    <dgm:constr type="b" for="ch" forName="textBox2b" refType="ctrY" refFor="ch" refForName="bullet2b"/>
+                    <dgm:constr type="w" for="ch" forName="textBox2b" refType="w" fact="0.28"/>
+                    <dgm:constr type="h" for="ch" forName="textBox2b" refType="h" fact="0.338"/>
+                    <dgm:constr type="userB" refType="h" refFor="ch" refForName="bullet2b" fact="0.53"/>
+                    <dgm:constr type="rMarg" for="ch" forName="textBox2b" refType="userB" fact="2.834"/>
+                    <dgm:constr type="primFontSz" for="ch" ptType="node" op="equ" val="65"/>
+                  </dgm:constrLst>
+                </dgm:else>
+              </dgm:choose>
+              <dgm:ruleLst/>
+              <dgm:forEach name="Name10" axis="ch" ptType="node" cnt="1">
+                <dgm:layoutNode name="bullet2a" styleLbl="node1">
+                  <dgm:alg type="sp"/>
+                  <dgm:shape xmlns:r="http://schemas.openxmlformats.org/officeDocument/2006/relationships" type="ellipse" r:blip="">
+                    <dgm:adjLst/>
+                  </dgm:shape>
+                  <dgm:presOf/>
+                  <dgm:constrLst/>
+                  <dgm:ruleLst/>
+                </dgm:layoutNode>
+                <dgm:layoutNode name="textBox2a" styleLbl="revTx">
+                  <dgm:varLst>
+                    <dgm:bulletEnabled val="1"/>
+                  </dgm:varLst>
+                  <dgm:choose name="Name11">
+                    <dgm:if name="Name12" func="var" arg="dir" op="equ" val="norm">
+                      <dgm:choose name="Name13">
+                        <dgm:if name="Name14" axis="root des" ptType="all node" func="maxDepth" op="gt" val="1">
+                          <dgm:alg type="tx">
+                            <dgm:param type="txAnchorVert" val="t"/>
+                            <dgm:param type="parTxLTRAlign" val="l"/>
+                            <dgm:param type="parTxRTLAlign" val="r"/>
+                          </dgm:alg>
+                        </dgm:if>
+                        <dgm:else name="Name15">
+                          <dgm:alg type="tx">
+                            <dgm:param type="txAnchorVert" val="t"/>
+                            <dgm:param type="parTxLTRAlign" val="l"/>
+                            <dgm:param type="parTxRTLAlign" val="l"/>
+                          </dgm:alg>
+                        </dgm:else>
+                      </dgm:choose>
+                    </dgm:if>
+                    <dgm:else name="Name16">
+                      <dgm:choose name="Name17">
+                        <dgm:if name="Name18" axis="root des" ptType="all node" func="maxDepth" op="gt" val="1">
+                          <dgm:alg type="tx">
+                            <dgm:param type="txAnchorVert" val="b"/>
+                            <dgm:param type="txAnchorVertCh" val="b"/>
+                            <dgm:param type="parTxLTRAlign" val="l"/>
+                            <dgm:param type="parTxRTLAlign" val="r"/>
+                          </dgm:alg>
+                        </dgm:if>
+                        <dgm:else name="Name19">
+                          <dgm:alg type="tx">
+                            <dgm:param type="txAnchorVert" val="b"/>
+                            <dgm:param type="parTxLTRAlign" val="r"/>
+                            <dgm:param type="parTxRTLAlign" val="r"/>
+                          </dgm:alg>
+                        </dgm:else>
+                      </dgm:choose>
+                    </dgm:else>
+                  </dgm:choose>
+                  <dgm:shape xmlns:r="http://schemas.openxmlformats.org/officeDocument/2006/relationships" type="rect" r:blip="">
+                    <dgm:adjLst/>
+                  </dgm:shape>
+                  <dgm:presOf axis="desOrSelf" ptType="node"/>
+                  <dgm:choose name="Name20">
+                    <dgm:if name="Name21" func="var" arg="dir" op="equ" val="norm">
+                      <dgm:constrLst>
+                        <dgm:constr type="rMarg"/>
+                        <dgm:constr type="tMarg"/>
+                        <dgm:constr type="bMarg"/>
+                      </dgm:constrLst>
+                    </dgm:if>
+                    <dgm:else name="Name22">
+                      <dgm:constrLst>
+                        <dgm:constr type="lMarg"/>
+                        <dgm:constr type="tMarg"/>
+                        <dgm:constr type="bMarg"/>
+                      </dgm:constrLst>
+                    </dgm:else>
+                  </dgm:choose>
+                  <dgm:ruleLst>
+                    <dgm:rule type="primFontSz" val="5" fact="NaN" max="NaN"/>
+                  </dgm:ruleLst>
+                </dgm:layoutNode>
+              </dgm:forEach>
+              <dgm:forEach name="Name23" axis="ch" ptType="node" st="2" cnt="1">
+                <dgm:layoutNode name="bullet2b" styleLbl="node1">
+                  <dgm:alg type="sp"/>
+                  <dgm:shape xmlns:r="http://schemas.openxmlformats.org/officeDocument/2006/relationships" type="ellipse" r:blip="">
+                    <dgm:adjLst/>
+                  </dgm:shape>
+                  <dgm:presOf/>
+                  <dgm:constrLst/>
+                  <dgm:ruleLst/>
+                </dgm:layoutNode>
+                <dgm:layoutNode name="textBox2b" styleLbl="revTx">
+                  <dgm:varLst>
+                    <dgm:bulletEnabled val="1"/>
+                  </dgm:varLst>
+                  <dgm:choose name="Name24">
+                    <dgm:if name="Name25" func="var" arg="dir" op="equ" val="norm">
+                      <dgm:choose name="Name26">
+                        <dgm:if name="Name27" axis="root des" ptType="all node" func="maxDepth" op="gt" val="1">
+                          <dgm:alg type="tx">
+                            <dgm:param type="txAnchorVert" val="t"/>
+                            <dgm:param type="parTxLTRAlign" val="l"/>
+                            <dgm:param type="parTxRTLAlign" val="r"/>
+                          </dgm:alg>
+                        </dgm:if>
+                        <dgm:else name="Name28">
+                          <dgm:alg type="tx">
+                            <dgm:param type="txAnchorVert" val="t"/>
+                            <dgm:param type="parTxLTRAlign" val="l"/>
+                            <dgm:param type="parTxRTLAlign" val="l"/>
+                          </dgm:alg>
+                        </dgm:else>
+                      </dgm:choose>
+                    </dgm:if>
+                    <dgm:else name="Name29">
+                      <dgm:choose name="Name30">
+                        <dgm:if name="Name31" axis="root des" ptType="all node" func="maxDepth" op="gt" val="1">
+                          <dgm:alg type="tx">
+                            <dgm:param type="txAnchorVert" val="b"/>
+                            <dgm:param type="txAnchorVertCh" val="b"/>
+                            <dgm:param type="parTxLTRAlign" val="l"/>
+                            <dgm:param type="parTxRTLAlign" val="r"/>
+                          </dgm:alg>
+                        </dgm:if>
+                        <dgm:else name="Name32">
+                          <dgm:alg type="tx">
+                            <dgm:param type="txAnchorVert" val="b"/>
+                            <dgm:param type="parTxLTRAlign" val="r"/>
+                            <dgm:param type="parTxRTLAlign" val="r"/>
+                          </dgm:alg>
+                        </dgm:else>
+                      </dgm:choose>
+                    </dgm:else>
+                  </dgm:choose>
+                  <dgm:shape xmlns:r="http://schemas.openxmlformats.org/officeDocument/2006/relationships" type="rect" r:blip="">
+                    <dgm:adjLst/>
+                  </dgm:shape>
+                  <dgm:presOf axis="desOrSelf" ptType="node"/>
+                  <dgm:choose name="Name33">
+                    <dgm:if name="Name34" func="var" arg="dir" op="equ" val="norm">
+                      <dgm:constrLst>
+                        <dgm:constr type="rMarg"/>
+                        <dgm:constr type="tMarg"/>
+                        <dgm:constr type="bMarg"/>
+                      </dgm:constrLst>
+                    </dgm:if>
+                    <dgm:else name="Name35">
+                      <dgm:constrLst>
+                        <dgm:constr type="lMarg"/>
+                        <dgm:constr type="tMarg"/>
+                        <dgm:constr type="bMarg"/>
+                      </dgm:constrLst>
+                    </dgm:else>
+                  </dgm:choose>
+                  <dgm:ruleLst>
+                    <dgm:rule type="primFontSz" val="5" fact="NaN" max="NaN"/>
+                  </dgm:ruleLst>
+                </dgm:layoutNode>
+              </dgm:forEach>
+            </dgm:layoutNode>
+          </dgm:if>
+          <dgm:if name="Name36" axis="ch" ptType="node" func="cnt" op="equ" val="3">
+            <dgm:layoutNode name="arrowDiagram3">
+              <dgm:alg type="composite">
+                <dgm:param type="vertAlign" val="none"/>
+                <dgm:param type="horzAlign" val="none"/>
+              </dgm:alg>
+              <dgm:shape xmlns:r="http://schemas.openxmlformats.org/officeDocument/2006/relationships" r:blip="">
+                <dgm:adjLst/>
+              </dgm:shape>
+              <dgm:presOf/>
+              <dgm:choose name="Name37">
+                <dgm:if name="Name38" func="var" arg="dir" op="equ" val="norm">
+                  <dgm:constrLst>
+                    <dgm:constr type="ctrX" for="ch" forName="bullet3a" refType="w" fact="0.14"/>
+                    <dgm:constr type="ctrY" for="ch" forName="bullet3a" refType="h" fact="0.711"/>
+                    <dgm:constr type="w" for="ch" forName="bullet3a" refType="w" fact="0.026"/>
+                    <dgm:constr type="h" for="ch" forName="bullet3a" refType="w" refFor="ch" refForName="bullet3a"/>
+                    <dgm:constr type="l" for="ch" forName="textBox3a" refType="ctrX" refFor="ch" refForName="bullet3a"/>
+                    <dgm:constr type="t" for="ch" forName="textBox3a" refType="ctrY" refFor="ch" refForName="bullet3a"/>
+                    <dgm:constr type="w" for="ch" forName="textBox3a" refType="w" fact="0.233"/>
+                    <dgm:constr type="h" for="ch" forName="textBox3a" refType="h" fact="0.289"/>
+                    <dgm:constr type="userA" refType="h" refFor="ch" refForName="bullet3a" fact="0.53"/>
+                    <dgm:constr type="lMarg" for="ch" forName="textBox3a" refType="userA" fact="2.834"/>
+                    <dgm:constr type="ctrX" for="ch" forName="bullet3b" refType="w" fact="0.38"/>
+                    <dgm:constr type="ctrY" for="ch" forName="bullet3b" refType="h" fact="0.456"/>
+                    <dgm:constr type="w" for="ch" forName="bullet3b" refType="w" fact="0.047"/>
+                    <dgm:constr type="h" for="ch" forName="bullet3b" refType="w" refFor="ch" refForName="bullet3b"/>
+                    <dgm:constr type="l" for="ch" forName="textBox3b" refType="ctrX" refFor="ch" refForName="bullet3b"/>
+                    <dgm:constr type="t" for="ch" forName="textBox3b" refType="ctrY" refFor="ch" refForName="bullet3b"/>
+                    <dgm:constr type="w" for="ch" forName="textBox3b" refType="w" fact="0.24"/>
+                    <dgm:constr type="h" for="ch" forName="textBox3b" refType="h" fact="0.544"/>
+                    <dgm:constr type="userB" refType="h" refFor="ch" refForName="bullet3b" fact="0.53"/>
+                    <dgm:constr type="lMarg" for="ch" forName="textBox3b" refType="userB" fact="2.834"/>
+                    <dgm:constr type="ctrX" for="ch" forName="bullet3c" refType="w" fact="0.665"/>
+                    <dgm:constr type="ctrY" for="ch" forName="bullet3c" refType="h" fact="0.305"/>
+                    <dgm:constr type="w" for="ch" forName="bullet3c" refType="w" fact="0.065"/>
+                    <dgm:constr type="h" for="ch" forName="bullet3c" refType="w" refFor="ch" refForName="bullet3c"/>
+                    <dgm:constr type="l" for="ch" forName="textBox3c" refType="ctrX" refFor="ch" refForName="bullet3c"/>
+                    <dgm:constr type="t" for="ch" forName="textBox3c" refType="ctrY" refFor="ch" refForName="bullet3c"/>
+                    <dgm:constr type="w" for="ch" forName="textBox3c" refType="w" fact="0.24"/>
+                    <dgm:constr type="h" for="ch" forName="textBox3c" refType="h" fact="0.695"/>
+                    <dgm:constr type="userC" refType="h" refFor="ch" refForName="bullet3c" fact="0.53"/>
+                    <dgm:constr type="lMarg" for="ch" forName="textBox3c" refType="userC" fact="2.834"/>
+                    <dgm:constr type="primFontSz" for="ch" ptType="node" op="equ" val="65"/>
+                  </dgm:constrLst>
+                </dgm:if>
+                <dgm:else name="Name39">
+                  <dgm:constrLst>
+                    <dgm:constr type="ctrX" for="ch" forName="bullet3a" refType="w" fact="0.14"/>
+                    <dgm:constr type="ctrY" for="ch" forName="bullet3a" refType="h" fact="0.711"/>
+                    <dgm:constr type="w" for="ch" forName="bullet3a" refType="w" fact="0.026"/>
+                    <dgm:constr type="h" for="ch" forName="bullet3a" refType="w" refFor="ch" refForName="bullet3a"/>
+                    <dgm:constr type="r" for="ch" forName="textBox3a" refType="ctrX" refFor="ch" refForName="bullet3a"/>
+                    <dgm:constr type="b" for="ch" forName="textBox3a" refType="ctrY" refFor="ch" refForName="bullet3a"/>
+                    <dgm:constr type="w" for="ch" forName="textBox3a" refType="w" fact="0.14"/>
+                    <dgm:constr type="h" for="ch" forName="textBox3a" refType="h" fact="0.711"/>
+                    <dgm:constr type="userA" refType="h" refFor="ch" refForName="bullet3a" fact="0.53"/>
+                    <dgm:constr type="rMarg" for="ch" forName="textBox3a" refType="userA" fact="2.834"/>
+                    <dgm:constr type="ctrX" for="ch" forName="bullet3b" refType="w" fact="0.38"/>
+                    <dgm:constr type="ctrY" for="ch" forName="bullet3b" refType="h" fact="0.456"/>
+                    <dgm:constr type="w" for="ch" forName="bullet3b" refType="w" fact="0.047"/>
+                    <dgm:constr type="h" for="ch" forName="bullet3b" refType="w" refFor="ch" refForName="bullet3b"/>
+                    <dgm:constr type="r" for="ch" forName="textBox3b" refType="ctrX" refFor="ch" refForName="bullet3b"/>
+                    <dgm:constr type="b" for="ch" forName="textBox3b" refType="ctrY" refFor="ch" refForName="bullet3b"/>
+                    <dgm:constr type="w" for="ch" forName="textBox3b" refType="w" fact="0.24"/>
+                    <dgm:constr type="h" for="ch" forName="textBox3b" refType="h" fact="0.456"/>
+                    <dgm:constr type="userB" refType="h" refFor="ch" refForName="bullet3b" fact="0.53"/>
+                    <dgm:constr type="rMarg" for="ch" forName="textBox3b" refType="userB" fact="2.834"/>
+                    <dgm:constr type="ctrX" for="ch" forName="bullet3c" refType="w" fact="0.665"/>
+                    <dgm:constr type="ctrY" for="ch" forName="bullet3c" refType="h" fact="0.305"/>
+                    <dgm:constr type="w" for="ch" forName="bullet3c" refType="w" fact="0.065"/>
+                    <dgm:constr type="h" for="ch" forName="bullet3c" refType="w" refFor="ch" refForName="bullet3c"/>
+                    <dgm:constr type="r" for="ch" forName="textBox3c" refType="ctrX" refFor="ch" refForName="bullet3c"/>
+                    <dgm:constr type="b" for="ch" forName="textBox3c" refType="ctrY" refFor="ch" refForName="bullet3c"/>
+                    <dgm:constr type="w" for="ch" forName="textBox3c" refType="w" fact="0.24"/>
+                    <dgm:constr type="h" for="ch" forName="textBox3c" refType="h" fact="0.305"/>
+                    <dgm:constr type="userC" refType="h" refFor="ch" refForName="bullet3c" fact="0.53"/>
+                    <dgm:constr type="rMarg" for="ch" forName="textBox3c" refType="userC" fact="2.834"/>
+                    <dgm:constr type="primFontSz" for="ch" ptType="node" op="equ" val="65"/>
+                  </dgm:constrLst>
+                </dgm:else>
+              </dgm:choose>
+              <dgm:ruleLst/>
+              <dgm:forEach name="Name40" axis="ch" ptType="node" cnt="1">
+                <dgm:layoutNode name="bullet3a" styleLbl="node1">
+                  <dgm:alg type="sp"/>
+                  <dgm:shape xmlns:r="http://schemas.openxmlformats.org/officeDocument/2006/relationships" type="ellipse" r:blip="">
+                    <dgm:adjLst/>
+                  </dgm:shape>
+                  <dgm:presOf/>
+                  <dgm:constrLst/>
+                  <dgm:ruleLst/>
+                </dgm:layoutNode>
+                <dgm:layoutNode name="textBox3a" styleLbl="revTx">
+                  <dgm:varLst>
+                    <dgm:bulletEnabled val="1"/>
+                  </dgm:varLst>
+                  <dgm:choose name="Name41">
+                    <dgm:if name="Name42" func="var" arg="dir" op="equ" val="norm">
+                      <dgm:choose name="Name43">
+                        <dgm:if name="Name44" axis="root des" ptType="all node" func="maxDepth" op="gt" val="1">
+                          <dgm:alg type="tx">
+                            <dgm:param type="txAnchorVert" val="t"/>
+                            <dgm:param type="parTxLTRAlign" val="l"/>
+                            <dgm:param type="parTxRTLAlign" val="r"/>
+                          </dgm:alg>
+                        </dgm:if>
+                        <dgm:else name="Name45">
+                          <dgm:alg type="tx">
+                            <dgm:param type="txAnchorVert" val="t"/>
+                            <dgm:param type="parTxLTRAlign" val="l"/>
+                            <dgm:param type="parTxRTLAlign" val="l"/>
+                          </dgm:alg>
+                        </dgm:else>
+                      </dgm:choose>
+                    </dgm:if>
+                    <dgm:else name="Name46">
+                      <dgm:choose name="Name47">
+                        <dgm:if name="Name48" axis="root des" ptType="all node" func="maxDepth" op="gt" val="1">
+                          <dgm:alg type="tx">
+                            <dgm:param type="txAnchorVert" val="b"/>
+                            <dgm:param type="txAnchorVertCh" val="b"/>
+                            <dgm:param type="parTxLTRAlign" val="l"/>
+                            <dgm:param type="parTxRTLAlign" val="r"/>
+                          </dgm:alg>
+                        </dgm:if>
+                        <dgm:else name="Name49">
+                          <dgm:alg type="tx">
+                            <dgm:param type="txAnchorVert" val="b"/>
+                            <dgm:param type="parTxLTRAlign" val="r"/>
+                            <dgm:param type="parTxRTLAlign" val="r"/>
+                          </dgm:alg>
+                        </dgm:else>
+                      </dgm:choose>
+                    </dgm:else>
+                  </dgm:choose>
+                  <dgm:shape xmlns:r="http://schemas.openxmlformats.org/officeDocument/2006/relationships" type="rect" r:blip="">
+                    <dgm:adjLst/>
+                  </dgm:shape>
+                  <dgm:presOf axis="desOrSelf" ptType="node"/>
+                  <dgm:choose name="Name50">
+                    <dgm:if name="Name51" func="var" arg="dir" op="equ" val="norm">
+                      <dgm:constrLst>
+                        <dgm:constr type="rMarg"/>
+                        <dgm:constr type="tMarg"/>
+                        <dgm:constr type="bMarg"/>
+                      </dgm:constrLst>
+                    </dgm:if>
+                    <dgm:else name="Name52">
+                      <dgm:constrLst>
+                        <dgm:constr type="lMarg"/>
+                        <dgm:constr type="tMarg"/>
+                        <dgm:constr type="bMarg"/>
+                      </dgm:constrLst>
+                    </dgm:else>
+                  </dgm:choose>
+                  <dgm:ruleLst>
+                    <dgm:rule type="primFontSz" val="5" fact="NaN" max="NaN"/>
+                  </dgm:ruleLst>
+                </dgm:layoutNode>
+              </dgm:forEach>
+              <dgm:forEach name="Name53" axis="ch" ptType="node" st="2" cnt="1">
+                <dgm:layoutNode name="bullet3b" styleLbl="node1">
+                  <dgm:alg type="sp"/>
+                  <dgm:shape xmlns:r="http://schemas.openxmlformats.org/officeDocument/2006/relationships" type="ellipse" r:blip="">
+                    <dgm:adjLst/>
+                  </dgm:shape>
+                  <dgm:presOf/>
+                  <dgm:constrLst/>
+                  <dgm:ruleLst/>
+                </dgm:layoutNode>
+                <dgm:layoutNode name="textBox3b" styleLbl="revTx">
+                  <dgm:varLst>
+                    <dgm:bulletEnabled val="1"/>
+                  </dgm:varLst>
+                  <dgm:choose name="Name54">
+                    <dgm:if name="Name55" func="var" arg="dir" op="equ" val="norm">
+                      <dgm:choose name="Name56">
+                        <dgm:if name="Name57" axis="root des" ptType="all node" func="maxDepth" op="gt" val="1">
+                          <dgm:alg type="tx">
+                            <dgm:param type="txAnchorVert" val="t"/>
+                            <dgm:param type="parTxLTRAlign" val="l"/>
+                            <dgm:param type="parTxRTLAlign" val="r"/>
+                          </dgm:alg>
+                        </dgm:if>
+                        <dgm:else name="Name58">
+                          <dgm:alg type="tx">
+                            <dgm:param type="txAnchorVert" val="t"/>
+                            <dgm:param type="parTxLTRAlign" val="l"/>
+                            <dgm:param type="parTxRTLAlign" val="l"/>
+                          </dgm:alg>
+                        </dgm:else>
+                      </dgm:choose>
+                    </dgm:if>
+                    <dgm:else name="Name59">
+                      <dgm:choose name="Name60">
+                        <dgm:if name="Name61" axis="root des" ptType="all node" func="maxDepth" op="gt" val="1">
+                          <dgm:alg type="tx">
+                            <dgm:param type="txAnchorVert" val="b"/>
+                            <dgm:param type="txAnchorVertCh" val="b"/>
+                            <dgm:param type="parTxLTRAlign" val="l"/>
+                            <dgm:param type="parTxRTLAlign" val="r"/>
+                          </dgm:alg>
+                        </dgm:if>
+                        <dgm:else name="Name62">
+                          <dgm:alg type="tx">
+                            <dgm:param type="txAnchorVert" val="b"/>
+                            <dgm:param type="parTxLTRAlign" val="r"/>
+                            <dgm:param type="parTxRTLAlign" val="r"/>
+                          </dgm:alg>
+                        </dgm:else>
+                      </dgm:choose>
+                    </dgm:else>
+                  </dgm:choose>
+                  <dgm:shape xmlns:r="http://schemas.openxmlformats.org/officeDocument/2006/relationships" type="rect" r:blip="">
+                    <dgm:adjLst/>
+                  </dgm:shape>
+                  <dgm:presOf axis="desOrSelf" ptType="node"/>
+                  <dgm:choose name="Name63">
+                    <dgm:if name="Name64" func="var" arg="dir" op="equ" val="norm">
+                      <dgm:constrLst>
+                        <dgm:constr type="rMarg"/>
+                        <dgm:constr type="tMarg"/>
+                        <dgm:constr type="bMarg"/>
+                      </dgm:constrLst>
+                    </dgm:if>
+                    <dgm:else name="Name65">
+                      <dgm:constrLst>
+                        <dgm:constr type="lMarg"/>
+                        <dgm:constr type="tMarg"/>
+                        <dgm:constr type="bMarg"/>
+                      </dgm:constrLst>
+                    </dgm:else>
+                  </dgm:choose>
+                  <dgm:ruleLst>
+                    <dgm:rule type="primFontSz" val="5" fact="NaN" max="NaN"/>
+                  </dgm:ruleLst>
+                </dgm:layoutNode>
+              </dgm:forEach>
+              <dgm:forEach name="Name66" axis="ch" ptType="node" st="3" cnt="1">
+                <dgm:layoutNode name="bullet3c" styleLbl="node1">
+                  <dgm:alg type="sp"/>
+                  <dgm:shape xmlns:r="http://schemas.openxmlformats.org/officeDocument/2006/relationships" type="ellipse" r:blip="">
+                    <dgm:adjLst/>
+                  </dgm:shape>
+                  <dgm:presOf/>
+                  <dgm:constrLst/>
+                  <dgm:ruleLst/>
+                </dgm:layoutNode>
+                <dgm:layoutNode name="textBox3c" styleLbl="revTx">
+                  <dgm:varLst>
+                    <dgm:bulletEnabled val="1"/>
+                  </dgm:varLst>
+                  <dgm:choose name="Name67">
+                    <dgm:if name="Name68" func="var" arg="dir" op="equ" val="norm">
+                      <dgm:choose name="Name69">
+                        <dgm:if name="Name70" axis="root des" ptType="all node" func="maxDepth" op="gt" val="1">
+                          <dgm:alg type="tx">
+                            <dgm:param type="txAnchorVert" val="t"/>
+                            <dgm:param type="parTxLTRAlign" val="l"/>
+                            <dgm:param type="parTxRTLAlign" val="r"/>
+                          </dgm:alg>
+                        </dgm:if>
+                        <dgm:else name="Name71">
+                          <dgm:alg type="tx">
+                            <dgm:param type="txAnchorVert" val="t"/>
+                            <dgm:param type="parTxLTRAlign" val="l"/>
+                            <dgm:param type="parTxRTLAlign" val="l"/>
+                          </dgm:alg>
+                        </dgm:else>
+                      </dgm:choose>
+                    </dgm:if>
+                    <dgm:else name="Name72">
+                      <dgm:choose name="Name73">
+                        <dgm:if name="Name74" axis="root des" ptType="all node" func="maxDepth" op="gt" val="1">
+                          <dgm:alg type="tx">
+                            <dgm:param type="txAnchorVert" val="b"/>
+                            <dgm:param type="txAnchorVertCh" val="b"/>
+                            <dgm:param type="parTxLTRAlign" val="l"/>
+                            <dgm:param type="parTxRTLAlign" val="r"/>
+                          </dgm:alg>
+                        </dgm:if>
+                        <dgm:else name="Name75">
+                          <dgm:alg type="tx">
+                            <dgm:param type="txAnchorVert" val="b"/>
+                            <dgm:param type="parTxLTRAlign" val="r"/>
+                            <dgm:param type="parTxRTLAlign" val="r"/>
+                          </dgm:alg>
+                        </dgm:else>
+                      </dgm:choose>
+                    </dgm:else>
+                  </dgm:choose>
+                  <dgm:shape xmlns:r="http://schemas.openxmlformats.org/officeDocument/2006/relationships" type="rect" r:blip="">
+                    <dgm:adjLst/>
+                  </dgm:shape>
+                  <dgm:presOf axis="desOrSelf" ptType="node"/>
+                  <dgm:choose name="Name76">
+                    <dgm:if name="Name77" func="var" arg="dir" op="equ" val="norm">
+                      <dgm:constrLst>
+                        <dgm:constr type="rMarg"/>
+                        <dgm:constr type="tMarg"/>
+                        <dgm:constr type="bMarg"/>
+                      </dgm:constrLst>
+                    </dgm:if>
+                    <dgm:else name="Name78">
+                      <dgm:constrLst>
+                        <dgm:constr type="lMarg"/>
+                        <dgm:constr type="tMarg"/>
+                        <dgm:constr type="bMarg"/>
+                      </dgm:constrLst>
+                    </dgm:else>
+                  </dgm:choose>
+                  <dgm:ruleLst>
+                    <dgm:rule type="primFontSz" val="5" fact="NaN" max="NaN"/>
+                  </dgm:ruleLst>
+                </dgm:layoutNode>
+              </dgm:forEach>
+            </dgm:layoutNode>
+          </dgm:if>
+          <dgm:if name="Name79" axis="ch" ptType="node" func="cnt" op="equ" val="4">
+            <dgm:layoutNode name="arrowDiagram4">
+              <dgm:alg type="composite">
+                <dgm:param type="vertAlign" val="none"/>
+                <dgm:param type="horzAlign" val="none"/>
+              </dgm:alg>
+              <dgm:shape xmlns:r="http://schemas.openxmlformats.org/officeDocument/2006/relationships" r:blip="">
+                <dgm:adjLst/>
+              </dgm:shape>
+              <dgm:presOf/>
+              <dgm:choose name="Name80">
+                <dgm:if name="Name81" func="var" arg="dir" op="equ" val="norm">
+                  <dgm:constrLst>
+                    <dgm:constr type="ctrX" for="ch" forName="bullet4a" refType="w" fact="0.11"/>
+                    <dgm:constr type="ctrY" for="ch" forName="bullet4a" refType="h" fact="0.762"/>
+                    <dgm:constr type="w" for="ch" forName="bullet4a" refType="w" fact="0.023"/>
+                    <dgm:constr type="h" for="ch" forName="bullet4a" refType="w" refFor="ch" refForName="bullet4a"/>
+                    <dgm:constr type="l" for="ch" forName="textBox4a" refType="ctrX" refFor="ch" refForName="bullet4a"/>
+                    <dgm:constr type="t" for="ch" forName="textBox4a" refType="ctrY" refFor="ch" refForName="bullet4a"/>
+                    <dgm:constr type="w" for="ch" forName="textBox4a" refType="w" fact="0.171"/>
+                    <dgm:constr type="h" for="ch" forName="textBox4a" refType="h" fact="0.238"/>
+                    <dgm:constr type="userA" refType="h" refFor="ch" refForName="bullet4a" fact="0.53"/>
+                    <dgm:constr type="lMarg" for="ch" forName="textBox4a" refType="userA" fact="2.834"/>
+                    <dgm:constr type="ctrX" for="ch" forName="bullet4b" refType="w" fact="0.281"/>
+                    <dgm:constr type="ctrY" for="ch" forName="bullet4b" refType="h" fact="0.543"/>
+                    <dgm:constr type="w" for="ch" forName="bullet4b" refType="w" fact="0.04"/>
+                    <dgm:constr type="h" for="ch" forName="bullet4b" refType="w" refFor="ch" refForName="bullet4b"/>
+                    <dgm:constr type="l" for="ch" forName="textBox4b" refType="ctrX" refFor="ch" refForName="bullet4b"/>
+                    <dgm:constr type="t" for="ch" forName="textBox4b" refType="ctrY" refFor="ch" refForName="bullet4b"/>
+                    <dgm:constr type="w" for="ch" forName="textBox4b" refType="w" fact="0.21"/>
+                    <dgm:constr type="h" for="ch" forName="textBox4b" refType="h" fact="0.457"/>
+                    <dgm:constr type="userB" refType="h" refFor="ch" refForName="bullet4b" fact="0.53"/>
+                    <dgm:constr type="lMarg" for="ch" forName="textBox4b" refType="userB" fact="2.834"/>
+                    <dgm:constr type="ctrX" for="ch" forName="bullet4c" refType="w" fact="0.495"/>
+                    <dgm:constr type="ctrY" for="ch" forName="bullet4c" refType="h" fact="0.382"/>
+                    <dgm:constr type="w" for="ch" forName="bullet4c" refType="w" fact="0.053"/>
+                    <dgm:constr type="h" for="ch" forName="bullet4c" refType="w" refFor="ch" refForName="bullet4c"/>
+                    <dgm:constr type="l" for="ch" forName="textBox4c" refType="ctrX" refFor="ch" refForName="bullet4c"/>
+                    <dgm:constr type="t" for="ch" forName="textBox4c" refType="ctrY" refFor="ch" refForName="bullet4c"/>
+                    <dgm:constr type="w" for="ch" forName="textBox4c" refType="w" fact="0.21"/>
+                    <dgm:constr type="h" for="ch" forName="textBox4c" refType="h" fact="0.618"/>
+                    <dgm:constr type="userC" refType="h" refFor="ch" refForName="bullet4c" fact="0.53"/>
+                    <dgm:constr type="lMarg" for="ch" forName="textBox4c" refType="userC" fact="2.834"/>
+                    <dgm:constr type="ctrX" for="ch" forName="bullet4d" refType="w" fact="0.73"/>
+                    <dgm:constr type="ctrY" for="ch" forName="bullet4d" refType="h" fact="0.283"/>
+                    <dgm:constr type="w" for="ch" forName="bullet4d" refType="w" fact="0.071"/>
+                    <dgm:constr type="h" for="ch" forName="bullet4d" refType="w" refFor="ch" refForName="bullet4d"/>
+                    <dgm:constr type="l" for="ch" forName="textBox4d" refType="ctrX" refFor="ch" refForName="bullet4d"/>
+                    <dgm:constr type="t" for="ch" forName="textBox4d" refType="ctrY" refFor="ch" refForName="bullet4d"/>
+                    <dgm:constr type="w" for="ch" forName="textBox4d" refType="w" fact="0.21"/>
+                    <dgm:constr type="h" for="ch" forName="textBox4d" refType="h" fact="0.717"/>
+                    <dgm:constr type="userD" refType="h" refFor="ch" refForName="bullet4d" fact="0.53"/>
+                    <dgm:constr type="lMarg" for="ch" forName="textBox4d" refType="userD" fact="2.834"/>
+                    <dgm:constr type="primFontSz" for="ch" ptType="node" op="equ" val="65"/>
+                  </dgm:constrLst>
+                </dgm:if>
+                <dgm:else name="Name82">
+                  <dgm:constrLst>
+                    <dgm:constr type="ctrX" for="ch" forName="bullet4a" refType="w" fact="0.11"/>
+                    <dgm:constr type="ctrY" for="ch" forName="bullet4a" refType="h" fact="0.762"/>
+                    <dgm:constr type="w" for="ch" forName="bullet4a" refType="w" fact="0.023"/>
+                    <dgm:constr type="h" for="ch" forName="bullet4a" refType="w" refFor="ch" refForName="bullet4a"/>
+                    <dgm:constr type="r" for="ch" forName="textBox4a" refType="ctrX" refFor="ch" refForName="bullet4a"/>
+                    <dgm:constr type="b" for="ch" forName="textBox4a" refType="ctrY" refFor="ch" refForName="bullet4a"/>
+                    <dgm:constr type="w" for="ch" forName="textBox4a" refType="w" fact="0.11"/>
+                    <dgm:constr type="h" for="ch" forName="textBox4a" refType="h" fact="0.762"/>
+                    <dgm:constr type="userA" refType="h" refFor="ch" refForName="bullet4a" fact="0.53"/>
+                    <dgm:constr type="rMarg" for="ch" forName="textBox4a" refType="userA" fact="2.834"/>
+                    <dgm:constr type="ctrX" for="ch" forName="bullet4b" refType="w" fact="0.281"/>
+                    <dgm:constr type="ctrY" for="ch" forName="bullet4b" refType="h" fact="0.543"/>
+                    <dgm:constr type="w" for="ch" forName="bullet4b" refType="w" fact="0.04"/>
+                    <dgm:constr type="h" for="ch" forName="bullet4b" refType="w" refFor="ch" refForName="bullet4b"/>
+                    <dgm:constr type="r" for="ch" forName="textBox4b" refType="ctrX" refFor="ch" refForName="bullet4b"/>
+                    <dgm:constr type="b" for="ch" forName="textBox4b" refType="ctrY" refFor="ch" refForName="bullet4b"/>
+                    <dgm:constr type="w" for="ch" forName="textBox4b" refType="w" fact="0.171"/>
+                    <dgm:constr type="h" for="ch" forName="textBox4b" refType="h" fact="0.543"/>
+                    <dgm:constr type="userB" refType="h" refFor="ch" refForName="bullet4b" fact="0.53"/>
+                    <dgm:constr type="rMarg" for="ch" forName="textBox4b" refType="userB" fact="2.834"/>
+                    <dgm:constr type="ctrX" for="ch" forName="bullet4c" refType="w" fact="0.495"/>
+                    <dgm:constr type="ctrY" for="ch" forName="bullet4c" refType="h" fact="0.382"/>
+                    <dgm:constr type="w" for="ch" forName="bullet4c" refType="w" fact="0.053"/>
+                    <dgm:constr type="h" for="ch" forName="bullet4c" refType="w" refFor="ch" refForName="bullet4c"/>
+                    <dgm:constr type="r" for="ch" forName="textBox4c" refType="ctrX" refFor="ch" refForName="bullet4c"/>
+                    <dgm:constr type="b" for="ch" forName="textBox4c" refType="ctrY" refFor="ch" refForName="bullet4c"/>
+                    <dgm:constr type="w" for="ch" forName="textBox4c" refType="w" fact="0.21"/>
+                    <dgm:constr type="h" for="ch" forName="textBox4c" refType="h" fact="0.382"/>
+                    <dgm:constr type="userC" refType="h" refFor="ch" refForName="bullet4c" fact="0.53"/>
+                    <dgm:constr type="rMarg" for="ch" forName="textBox4c" refType="userC" fact="2.834"/>
+                    <dgm:constr type="ctrX" for="ch" forName="bullet4d" refType="w" fact="0.73"/>
+                    <dgm:constr type="ctrY" for="ch" forName="bullet4d" refType="h" fact="0.283"/>
+                    <dgm:constr type="w" for="ch" forName="bullet4d" refType="w" fact="0.071"/>
+                    <dgm:constr type="h" for="ch" forName="bullet4d" refType="w" refFor="ch" refForName="bullet4d"/>
+                    <dgm:constr type="r" for="ch" forName="textBox4d" refType="ctrX" refFor="ch" refForName="bullet4d"/>
+                    <dgm:constr type="b" for="ch" forName="textBox4d" refType="ctrY" refFor="ch" refForName="bullet4d"/>
+                    <dgm:constr type="w" for="ch" forName="textBox4d" refType="w" fact="0.21"/>
+                    <dgm:constr type="h" for="ch" forName="textBox4d" refType="h" fact="0.283"/>
+                    <dgm:constr type="userD" refType="h" refFor="ch" refForName="bullet4d" fact="0.53"/>
+                    <dgm:constr type="rMarg" for="ch" forName="textBox4d" refType="userD" fact="2.834"/>
+                    <dgm:constr type="primFontSz" for="ch" ptType="node" op="equ" val="65"/>
+                  </dgm:constrLst>
+                </dgm:else>
+              </dgm:choose>
+              <dgm:ruleLst/>
+              <dgm:forEach name="Name83" axis="ch" ptType="node" cnt="1">
+                <dgm:layoutNode name="bullet4a" styleLbl="node1">
+                  <dgm:alg type="sp"/>
+                  <dgm:shape xmlns:r="http://schemas.openxmlformats.org/officeDocument/2006/relationships" type="ellipse" r:blip="">
+                    <dgm:adjLst/>
+                  </dgm:shape>
+                  <dgm:presOf/>
+                  <dgm:constrLst/>
+                  <dgm:ruleLst/>
+                </dgm:layoutNode>
+                <dgm:layoutNode name="textBox4a" styleLbl="revTx">
+                  <dgm:varLst>
+                    <dgm:bulletEnabled val="1"/>
+                  </dgm:varLst>
+                  <dgm:choose name="Name84">
+                    <dgm:if name="Name85" func="var" arg="dir" op="equ" val="norm">
+                      <dgm:choose name="Name86">
+                        <dgm:if name="Name87" axis="root des" ptType="all node" func="maxDepth" op="gt" val="1">
+                          <dgm:alg type="tx">
+                            <dgm:param type="txAnchorVert" val="t"/>
+                            <dgm:param type="parTxLTRAlign" val="l"/>
+                            <dgm:param type="parTxRTLAlign" val="r"/>
+                          </dgm:alg>
+                        </dgm:if>
+                        <dgm:else name="Name88">
+                          <dgm:alg type="tx">
+                            <dgm:param type="txAnchorVert" val="t"/>
+                            <dgm:param type="parTxLTRAlign" val="l"/>
+                            <dgm:param type="parTxRTLAlign" val="l"/>
+                          </dgm:alg>
+                        </dgm:else>
+                      </dgm:choose>
+                    </dgm:if>
+                    <dgm:else name="Name89">
+                      <dgm:choose name="Name90">
+                        <dgm:if name="Name91" axis="root des" ptType="all node" func="maxDepth" op="gt" val="1">
+                          <dgm:alg type="tx">
+                            <dgm:param type="txAnchorVert" val="b"/>
+                            <dgm:param type="txAnchorVertCh" val="b"/>
+                            <dgm:param type="parTxLTRAlign" val="l"/>
+                            <dgm:param type="parTxRTLAlign" val="r"/>
+                          </dgm:alg>
+                        </dgm:if>
+                        <dgm:else name="Name92">
+                          <dgm:alg type="tx">
+                            <dgm:param type="txAnchorVert" val="b"/>
+                            <dgm:param type="parTxLTRAlign" val="r"/>
+                            <dgm:param type="parTxRTLAlign" val="r"/>
+                          </dgm:alg>
+                        </dgm:else>
+                      </dgm:choose>
+                    </dgm:else>
+                  </dgm:choose>
+                  <dgm:shape xmlns:r="http://schemas.openxmlformats.org/officeDocument/2006/relationships" type="rect" r:blip="">
+                    <dgm:adjLst/>
+                  </dgm:shape>
+                  <dgm:presOf axis="desOrSelf" ptType="node"/>
+                  <dgm:choose name="Name93">
+                    <dgm:if name="Name94" func="var" arg="dir" op="equ" val="norm">
+                      <dgm:constrLst>
+                        <dgm:constr type="rMarg"/>
+                        <dgm:constr type="tMarg"/>
+                        <dgm:constr type="bMarg"/>
+                      </dgm:constrLst>
+                    </dgm:if>
+                    <dgm:else name="Name95">
+                      <dgm:constrLst>
+                        <dgm:constr type="lMarg"/>
+                        <dgm:constr type="tMarg"/>
+                        <dgm:constr type="bMarg"/>
+                      </dgm:constrLst>
+                    </dgm:else>
+                  </dgm:choose>
+                  <dgm:ruleLst>
+                    <dgm:rule type="primFontSz" val="5" fact="NaN" max="NaN"/>
+                  </dgm:ruleLst>
+                </dgm:layoutNode>
+              </dgm:forEach>
+              <dgm:forEach name="Name96" axis="ch" ptType="node" st="2" cnt="1">
+                <dgm:layoutNode name="bullet4b" styleLbl="node1">
+                  <dgm:alg type="sp"/>
+                  <dgm:shape xmlns:r="http://schemas.openxmlformats.org/officeDocument/2006/relationships" type="ellipse" r:blip="">
+                    <dgm:adjLst/>
+                  </dgm:shape>
+                  <dgm:presOf/>
+                  <dgm:constrLst/>
+                  <dgm:ruleLst/>
+                </dgm:layoutNode>
+                <dgm:layoutNode name="textBox4b" styleLbl="revTx">
+                  <dgm:varLst>
+                    <dgm:bulletEnabled val="1"/>
+                  </dgm:varLst>
+                  <dgm:choose name="Name97">
+                    <dgm:if name="Name98" func="var" arg="dir" op="equ" val="norm">
+                      <dgm:choose name="Name99">
+                        <dgm:if name="Name100" axis="root des" ptType="all node" func="maxDepth" op="gt" val="1">
+                          <dgm:alg type="tx">
+                            <dgm:param type="txAnchorVert" val="t"/>
+                            <dgm:param type="parTxLTRAlign" val="l"/>
+                            <dgm:param type="parTxRTLAlign" val="r"/>
+                          </dgm:alg>
+                        </dgm:if>
+                        <dgm:else name="Name101">
+                          <dgm:alg type="tx">
+                            <dgm:param type="txAnchorVert" val="t"/>
+                            <dgm:param type="parTxLTRAlign" val="l"/>
+                            <dgm:param type="parTxRTLAlign" val="l"/>
+                          </dgm:alg>
+                        </dgm:else>
+                      </dgm:choose>
+                    </dgm:if>
+                    <dgm:else name="Name102">
+                      <dgm:choose name="Name103">
+                        <dgm:if name="Name104" axis="root des" ptType="all node" func="maxDepth" op="gt" val="1">
+                          <dgm:alg type="tx">
+                            <dgm:param type="txAnchorVert" val="b"/>
+                            <dgm:param type="txAnchorVertCh" val="b"/>
+                            <dgm:param type="parTxLTRAlign" val="l"/>
+                            <dgm:param type="parTxRTLAlign" val="r"/>
+                          </dgm:alg>
+                        </dgm:if>
+                        <dgm:else name="Name105">
+                          <dgm:alg type="tx">
+                            <dgm:param type="txAnchorVert" val="b"/>
+                            <dgm:param type="parTxLTRAlign" val="r"/>
+                            <dgm:param type="parTxRTLAlign" val="r"/>
+                          </dgm:alg>
+                        </dgm:else>
+                      </dgm:choose>
+                    </dgm:else>
+                  </dgm:choose>
+                  <dgm:shape xmlns:r="http://schemas.openxmlformats.org/officeDocument/2006/relationships" type="rect" r:blip="">
+                    <dgm:adjLst/>
+                  </dgm:shape>
+                  <dgm:presOf axis="desOrSelf" ptType="node"/>
+                  <dgm:choose name="Name106">
+                    <dgm:if name="Name107" func="var" arg="dir" op="equ" val="norm">
+                      <dgm:constrLst>
+                        <dgm:constr type="rMarg"/>
+                        <dgm:constr type="tMarg"/>
+                        <dgm:constr type="bMarg"/>
+                      </dgm:constrLst>
+                    </dgm:if>
+                    <dgm:else name="Name108">
+                      <dgm:constrLst>
+                        <dgm:constr type="lMarg"/>
+                        <dgm:constr type="tMarg"/>
+                        <dgm:constr type="bMarg"/>
+                      </dgm:constrLst>
+                    </dgm:else>
+                  </dgm:choose>
+                  <dgm:ruleLst>
+                    <dgm:rule type="primFontSz" val="5" fact="NaN" max="NaN"/>
+                  </dgm:ruleLst>
+                </dgm:layoutNode>
+              </dgm:forEach>
+              <dgm:forEach name="Name109" axis="ch" ptType="node" st="3" cnt="1">
+                <dgm:layoutNode name="bullet4c" styleLbl="node1">
+                  <dgm:alg type="sp"/>
+                  <dgm:shape xmlns:r="http://schemas.openxmlformats.org/officeDocument/2006/relationships" type="ellipse" r:blip="">
+                    <dgm:adjLst/>
+                  </dgm:shape>
+                  <dgm:presOf/>
+                  <dgm:constrLst/>
+                  <dgm:ruleLst/>
+                </dgm:layoutNode>
+                <dgm:layoutNode name="textBox4c" styleLbl="revTx">
+                  <dgm:varLst>
+                    <dgm:bulletEnabled val="1"/>
+                  </dgm:varLst>
+                  <dgm:choose name="Name110">
+                    <dgm:if name="Name111" func="var" arg="dir" op="equ" val="norm">
+                      <dgm:choose name="Name112">
+                        <dgm:if name="Name113" axis="root des" ptType="all node" func="maxDepth" op="gt" val="1">
+                          <dgm:alg type="tx">
+                            <dgm:param type="txAnchorVert" val="t"/>
+                            <dgm:param type="parTxLTRAlign" val="l"/>
+                            <dgm:param type="parTxRTLAlign" val="r"/>
+                          </dgm:alg>
+                        </dgm:if>
+                        <dgm:else name="Name114">
+                          <dgm:alg type="tx">
+                            <dgm:param type="txAnchorVert" val="t"/>
+                            <dgm:param type="parTxLTRAlign" val="l"/>
+                            <dgm:param type="parTxRTLAlign" val="l"/>
+                          </dgm:alg>
+                        </dgm:else>
+                      </dgm:choose>
+                    </dgm:if>
+                    <dgm:else name="Name115">
+                      <dgm:choose name="Name116">
+                        <dgm:if name="Name117" axis="root des" ptType="all node" func="maxDepth" op="gt" val="1">
+                          <dgm:alg type="tx">
+                            <dgm:param type="txAnchorVert" val="b"/>
+                            <dgm:param type="txAnchorVertCh" val="b"/>
+                            <dgm:param type="parTxLTRAlign" val="l"/>
+                            <dgm:param type="parTxRTLAlign" val="r"/>
+                          </dgm:alg>
+                        </dgm:if>
+                        <dgm:else name="Name118">
+                          <dgm:alg type="tx">
+                            <dgm:param type="txAnchorVert" val="b"/>
+                            <dgm:param type="parTxLTRAlign" val="r"/>
+                            <dgm:param type="parTxRTLAlign" val="r"/>
+                          </dgm:alg>
+                        </dgm:else>
+                      </dgm:choose>
+                    </dgm:else>
+                  </dgm:choose>
+                  <dgm:shape xmlns:r="http://schemas.openxmlformats.org/officeDocument/2006/relationships" type="rect" r:blip="">
+                    <dgm:adjLst/>
+                  </dgm:shape>
+                  <dgm:presOf axis="desOrSelf" ptType="node"/>
+                  <dgm:choose name="Name119">
+                    <dgm:if name="Name120" func="var" arg="dir" op="equ" val="norm">
+                      <dgm:constrLst>
+                        <dgm:constr type="rMarg"/>
+                        <dgm:constr type="tMarg"/>
+                        <dgm:constr type="bMarg"/>
+                      </dgm:constrLst>
+                    </dgm:if>
+                    <dgm:else name="Name121">
+                      <dgm:constrLst>
+                        <dgm:constr type="lMarg"/>
+                        <dgm:constr type="tMarg"/>
+                        <dgm:constr type="bMarg"/>
+                      </dgm:constrLst>
+                    </dgm:else>
+                  </dgm:choose>
+                  <dgm:ruleLst>
+                    <dgm:rule type="primFontSz" val="5" fact="NaN" max="NaN"/>
+                  </dgm:ruleLst>
+                </dgm:layoutNode>
+              </dgm:forEach>
+              <dgm:forEach name="Name122" axis="ch" ptType="node" st="4" cnt="1">
+                <dgm:layoutNode name="bullet4d" styleLbl="node1">
+                  <dgm:alg type="sp"/>
+                  <dgm:shape xmlns:r="http://schemas.openxmlformats.org/officeDocument/2006/relationships" type="ellipse" r:blip="">
+                    <dgm:adjLst/>
+                  </dgm:shape>
+                  <dgm:presOf/>
+                  <dgm:constrLst/>
+                  <dgm:ruleLst/>
+                </dgm:layoutNode>
+                <dgm:layoutNode name="textBox4d" styleLbl="revTx">
+                  <dgm:varLst>
+                    <dgm:bulletEnabled val="1"/>
+                  </dgm:varLst>
+                  <dgm:choose name="Name123">
+                    <dgm:if name="Name124" func="var" arg="dir" op="equ" val="norm">
+                      <dgm:choose name="Name125">
+                        <dgm:if name="Name126" axis="root des" ptType="all node" func="maxDepth" op="gt" val="1">
+                          <dgm:alg type="tx">
+                            <dgm:param type="txAnchorVert" val="t"/>
+                            <dgm:param type="parTxLTRAlign" val="l"/>
+                            <dgm:param type="parTxRTLAlign" val="r"/>
+                          </dgm:alg>
+                        </dgm:if>
+                        <dgm:else name="Name127">
+                          <dgm:alg type="tx">
+                            <dgm:param type="txAnchorVert" val="t"/>
+                            <dgm:param type="parTxLTRAlign" val="l"/>
+                            <dgm:param type="parTxRTLAlign" val="l"/>
+                          </dgm:alg>
+                        </dgm:else>
+                      </dgm:choose>
+                    </dgm:if>
+                    <dgm:else name="Name128">
+                      <dgm:choose name="Name129">
+                        <dgm:if name="Name130" axis="root des" ptType="all node" func="maxDepth" op="gt" val="1">
+                          <dgm:alg type="tx">
+                            <dgm:param type="txAnchorVert" val="b"/>
+                            <dgm:param type="txAnchorVertCh" val="b"/>
+                            <dgm:param type="parTxLTRAlign" val="l"/>
+                            <dgm:param type="parTxRTLAlign" val="r"/>
+                          </dgm:alg>
+                        </dgm:if>
+                        <dgm:else name="Name131">
+                          <dgm:alg type="tx">
+                            <dgm:param type="txAnchorVert" val="b"/>
+                            <dgm:param type="parTxLTRAlign" val="r"/>
+                            <dgm:param type="parTxRTLAlign" val="r"/>
+                          </dgm:alg>
+                        </dgm:else>
+                      </dgm:choose>
+                    </dgm:else>
+                  </dgm:choose>
+                  <dgm:shape xmlns:r="http://schemas.openxmlformats.org/officeDocument/2006/relationships" type="rect" r:blip="">
+                    <dgm:adjLst/>
+                  </dgm:shape>
+                  <dgm:presOf axis="desOrSelf" ptType="node"/>
+                  <dgm:choose name="Name132">
+                    <dgm:if name="Name133" func="var" arg="dir" op="equ" val="norm">
+                      <dgm:constrLst>
+                        <dgm:constr type="rMarg"/>
+                        <dgm:constr type="tMarg"/>
+                        <dgm:constr type="bMarg"/>
+                      </dgm:constrLst>
+                    </dgm:if>
+                    <dgm:else name="Name134">
+                      <dgm:constrLst>
+                        <dgm:constr type="lMarg"/>
+                        <dgm:constr type="tMarg"/>
+                        <dgm:constr type="bMarg"/>
+                      </dgm:constrLst>
+                    </dgm:else>
+                  </dgm:choose>
+                  <dgm:ruleLst>
+                    <dgm:rule type="primFontSz" val="5" fact="NaN" max="NaN"/>
+                  </dgm:ruleLst>
+                </dgm:layoutNode>
+              </dgm:forEach>
+            </dgm:layoutNode>
+          </dgm:if>
+          <dgm:else name="Name135">
+            <dgm:layoutNode name="arrowDiagram5">
+              <dgm:alg type="composite">
+                <dgm:param type="vertAlign" val="none"/>
+                <dgm:param type="horzAlign" val="none"/>
+              </dgm:alg>
+              <dgm:shape xmlns:r="http://schemas.openxmlformats.org/officeDocument/2006/relationships" r:blip="">
+                <dgm:adjLst/>
+              </dgm:shape>
+              <dgm:presOf/>
+              <dgm:choose name="Name136">
+                <dgm:if name="Name137" func="var" arg="dir" op="equ" val="norm">
+                  <dgm:constrLst>
+                    <dgm:constr type="ctrX" for="ch" forName="bullet5a" refType="w" fact="0.11"/>
+                    <dgm:constr type="ctrY" for="ch" forName="bullet5a" refType="h" fact="0.762"/>
+                    <dgm:constr type="w" for="ch" forName="bullet5a" refType="w" fact="0.023"/>
+                    <dgm:constr type="h" for="ch" forName="bullet5a" refType="w" refFor="ch" refForName="bullet5a"/>
+                    <dgm:constr type="l" for="ch" forName="textBox5a" refType="ctrX" refFor="ch" refForName="bullet5a"/>
+                    <dgm:constr type="t" for="ch" forName="textBox5a" refType="ctrY" refFor="ch" refForName="bullet5a"/>
+                    <dgm:constr type="w" for="ch" forName="textBox5a" refType="w" fact="0.131"/>
+                    <dgm:constr type="h" for="ch" forName="textBox5a" refType="h" fact="0.238"/>
+                    <dgm:constr type="userA" refType="h" refFor="ch" refForName="bullet5a" fact="0.53"/>
+                    <dgm:constr type="lMarg" for="ch" forName="textBox5a" refType="userA" fact="2.834"/>
+                    <dgm:constr type="ctrX" for="ch" forName="bullet5b" refType="w" fact="0.241"/>
+                    <dgm:constr type="ctrY" for="ch" forName="bullet5b" refType="h" fact="0.581"/>
+                    <dgm:constr type="w" for="ch" forName="bullet5b" refType="w" fact="0.036"/>
+                    <dgm:constr type="h" for="ch" forName="bullet5b" refType="w" refFor="ch" refForName="bullet5b"/>
+                    <dgm:constr type="l" for="ch" forName="textBox5b" refType="ctrX" refFor="ch" refForName="bullet5b"/>
+                    <dgm:constr type="t" for="ch" forName="textBox5b" refType="ctrY" refFor="ch" refForName="bullet5b"/>
+                    <dgm:constr type="w" for="ch" forName="textBox5b" refType="w" fact="0.166"/>
+                    <dgm:constr type="h" for="ch" forName="textBox5b" refType="h" fact="0.419"/>
+                    <dgm:constr type="userB" refType="h" refFor="ch" refForName="bullet5b" fact="0.53"/>
+                    <dgm:constr type="lMarg" for="ch" forName="textBox5b" refType="userB" fact="2.834"/>
+                    <dgm:constr type="ctrX" for="ch" forName="bullet5c" refType="w" fact="0.407"/>
+                    <dgm:constr type="ctrY" for="ch" forName="bullet5c" refType="h" fact="0.438"/>
+                    <dgm:constr type="w" for="ch" forName="bullet5c" refType="w" fact="0.048"/>
+                    <dgm:constr type="h" for="ch" forName="bullet5c" refType="w" refFor="ch" refForName="bullet5c"/>
+                    <dgm:constr type="l" for="ch" forName="textBox5c" refType="ctrX" refFor="ch" refForName="bullet5c"/>
+                    <dgm:constr type="t" for="ch" forName="textBox5c" refType="ctrY" refFor="ch" refForName="bullet5c"/>
+                    <dgm:constr type="w" for="ch" forName="textBox5c" refType="w" fact="0.193"/>
+                    <dgm:constr type="h" for="ch" forName="textBox5c" refType="h" fact="0.562"/>
+                    <dgm:constr type="userC" refType="h" refFor="ch" refForName="bullet5c" fact="0.53"/>
+                    <dgm:constr type="lMarg" for="ch" forName="textBox5c" refType="userC" fact="2.834"/>
+                    <dgm:constr type="ctrX" for="ch" forName="bullet5d" refType="w" fact="0.6"/>
+                    <dgm:constr type="ctrY" for="ch" forName="bullet5d" refType="h" fact="0.33"/>
+                    <dgm:constr type="w" for="ch" forName="bullet5d" refType="w" fact="0.062"/>
+                    <dgm:constr type="h" for="ch" forName="bullet5d" refType="w" refFor="ch" refForName="bullet5d"/>
+                    <dgm:constr type="l" for="ch" forName="textBox5d" refType="ctrX" refFor="ch" refForName="bullet5d"/>
+                    <dgm:constr type="t" for="ch" forName="textBox5d" refType="ctrY" refFor="ch" refForName="bullet5d"/>
+                    <dgm:constr type="w" for="ch" forName="textBox5d" refType="w" fact="0.2"/>
+                    <dgm:constr type="h" for="ch" forName="textBox5d" refType="h" fact="0.67"/>
+                    <dgm:constr type="userD" refType="h" refFor="ch" refForName="bullet5d" fact="0.53"/>
+                    <dgm:constr type="lMarg" for="ch" forName="textBox5d" refType="userD" fact="2.834"/>
+                    <dgm:constr type="ctrX" for="ch" forName="bullet5e" refType="w" fact="0.8"/>
+                    <dgm:constr type="ctrY" for="ch" forName="bullet5e" refType="h" fact="0.264"/>
+                    <dgm:constr type="w" for="ch" forName="bullet5e" refType="w" fact="0.079"/>
+                    <dgm:constr type="h" for="ch" forName="bullet5e" refType="w" refFor="ch" refForName="bullet5e"/>
+                    <dgm:constr type="l" for="ch" forName="textBox5e" refType="ctrX" refFor="ch" refForName="bullet5e"/>
+                    <dgm:constr type="t" for="ch" forName="textBox5e" refType="ctrY" refFor="ch" refForName="bullet5e"/>
+                    <dgm:constr type="w" for="ch" forName="textBox5e" refType="w" fact="0.2"/>
+                    <dgm:constr type="h" for="ch" forName="textBox5e" refType="h" fact="0.736"/>
+                    <dgm:constr type="userE" refType="h" refFor="ch" refForName="bullet5e" fact="0.53"/>
+                    <dgm:constr type="lMarg" for="ch" forName="textBox5e" refType="userE" fact="2.834"/>
+                    <dgm:constr type="primFontSz" for="ch" ptType="node" op="equ" val="65"/>
+                  </dgm:constrLst>
+                </dgm:if>
+                <dgm:else name="Name138">
+                  <dgm:constrLst>
+                    <dgm:constr type="ctrX" for="ch" forName="bullet5a" refType="w" fact="0.11"/>
+                    <dgm:constr type="ctrY" for="ch" forName="bullet5a" refType="h" fact="0.762"/>
+                    <dgm:constr type="w" for="ch" forName="bullet5a" refType="w" fact="0.023"/>
+                    <dgm:constr type="h" for="ch" forName="bullet5a" refType="w" refFor="ch" refForName="bullet5a"/>
+                    <dgm:constr type="r" for="ch" forName="textBox5a" refType="ctrX" refFor="ch" refForName="bullet5a"/>
+                    <dgm:constr type="b" for="ch" forName="textBox5a" refType="ctrY" refFor="ch" refForName="bullet5a"/>
+                    <dgm:constr type="w" for="ch" forName="textBox5a" refType="w" fact="0.11"/>
+                    <dgm:constr type="h" for="ch" forName="textBox5a" refType="h" fact="0.762"/>
+                    <dgm:constr type="userA" refType="h" refFor="ch" refForName="bullet5a" fact="0.53"/>
+                    <dgm:constr type="rMarg" for="ch" forName="textBox5a" refType="userA" fact="2.834"/>
+                    <dgm:constr type="ctrX" for="ch" forName="bullet5b" refType="w" fact="0.241"/>
+                    <dgm:constr type="ctrY" for="ch" forName="bullet5b" refType="h" fact="0.581"/>
+                    <dgm:constr type="w" for="ch" forName="bullet5b" refType="w" fact="0.036"/>
+                    <dgm:constr type="h" for="ch" forName="bullet5b" refType="w" refFor="ch" refForName="bullet5b"/>
+                    <dgm:constr type="r" for="ch" forName="textBox5b" refType="ctrX" refFor="ch" refForName="bullet5b"/>
+                    <dgm:constr type="b" for="ch" forName="textBox5b" refType="ctrY" refFor="ch" refForName="bullet5b"/>
+                    <dgm:constr type="w" for="ch" forName="textBox5b" refType="w" fact="0.131"/>
+                    <dgm:constr type="h" for="ch" forName="textBox5b" refType="h" fact="0.581"/>
+                    <dgm:constr type="userB" refType="h" refFor="ch" refForName="bullet5b" fact="0.53"/>
+                    <dgm:constr type="rMarg" for="ch" forName="textBox5b" refType="userB" fact="2.834"/>
+                    <dgm:constr type="ctrX" for="ch" forName="bullet5c" refType="w" fact="0.407"/>
+                    <dgm:constr type="ctrY" for="ch" forName="bullet5c" refType="h" fact="0.438"/>
+                    <dgm:constr type="w" for="ch" forName="bullet5c" refType="w" fact="0.048"/>
+                    <dgm:constr type="h" for="ch" forName="bullet5c" refType="w" refFor="ch" refForName="bullet5c"/>
+                    <dgm:constr type="r" for="ch" forName="textBox5c" refType="ctrX" refFor="ch" refForName="bullet5c"/>
+                    <dgm:constr type="b" for="ch" forName="textBox5c" refType="ctrY" refFor="ch" refForName="bullet5c"/>
+                    <dgm:constr type="w" for="ch" forName="textBox5c" refType="w" fact="0.166"/>
+                    <dgm:constr type="h" for="ch" forName="textBox5c" refType="h" fact="0.438"/>
+                    <dgm:constr type="userC" refType="h" refFor="ch" refForName="bullet5c" fact="0.53"/>
+                    <dgm:constr type="rMarg" for="ch" forName="textBox5c" refType="userC" fact="2.834"/>
+                    <dgm:constr type="ctrX" for="ch" forName="bullet5d" refType="w" fact="0.6"/>
+                    <dgm:constr type="ctrY" for="ch" forName="bullet5d" refType="h" fact="0.33"/>
+                    <dgm:constr type="w" for="ch" forName="bullet5d" refType="w" fact="0.062"/>
+                    <dgm:constr type="h" for="ch" forName="bullet5d" refType="w" refFor="ch" refForName="bullet5d"/>
+                    <dgm:constr type="r" for="ch" forName="textBox5d" refType="ctrX" refFor="ch" refForName="bullet5d"/>
+                    <dgm:constr type="b" for="ch" forName="textBox5d" refType="ctrY" refFor="ch" refForName="bullet5d"/>
+                    <dgm:constr type="w" for="ch" forName="textBox5d" refType="w" fact="0.193"/>
+                    <dgm:constr type="h" for="ch" forName="textBox5d" refType="h" fact="0.33"/>
+                    <dgm:constr type="userD" refType="h" refFor="ch" refForName="bullet5d" fact="0.53"/>
+                    <dgm:constr type="rMarg" for="ch" forName="textBox5d" refType="userD" fact="2.834"/>
+                    <dgm:constr type="ctrX" for="ch" forName="bullet5e" refType="w" fact="0.8"/>
+                    <dgm:constr type="ctrY" for="ch" forName="bullet5e" refType="h" fact="0.264"/>
+                    <dgm:constr type="w" for="ch" forName="bullet5e" refType="w" fact="0.079"/>
+                    <dgm:constr type="h" for="ch" forName="bullet5e" refType="w" refFor="ch" refForName="bullet5e"/>
+                    <dgm:constr type="r" for="ch" forName="textBox5e" refType="ctrX" refFor="ch" refForName="bullet5e"/>
+                    <dgm:constr type="b" for="ch" forName="textBox5e" refType="ctrY" refFor="ch" refForName="bullet5e"/>
+                    <dgm:constr type="w" for="ch" forName="textBox5e" refType="w" fact="0.2"/>
+                    <dgm:constr type="h" for="ch" forName="textBox5e" refType="h" fact="0.264"/>
+                    <dgm:constr type="userE" refType="h" refFor="ch" refForName="bullet5e" fact="0.53"/>
+                    <dgm:constr type="rMarg" for="ch" forName="textBox5e" refType="userE" fact="2.834"/>
+                    <dgm:constr type="primFontSz" for="ch" ptType="node" op="equ" val="65"/>
+                  </dgm:constrLst>
+                </dgm:else>
+              </dgm:choose>
+              <dgm:ruleLst/>
+              <dgm:forEach name="Name139" axis="ch" ptType="node" cnt="1">
+                <dgm:layoutNode name="bullet5a" styleLbl="node1">
+                  <dgm:alg type="sp"/>
+                  <dgm:shape xmlns:r="http://schemas.openxmlformats.org/officeDocument/2006/relationships" type="ellipse" r:blip="">
+                    <dgm:adjLst/>
+                  </dgm:shape>
+                  <dgm:presOf/>
+                  <dgm:constrLst/>
+                  <dgm:ruleLst/>
+                </dgm:layoutNode>
+                <dgm:layoutNode name="textBox5a" styleLbl="revTx">
+                  <dgm:varLst>
+                    <dgm:bulletEnabled val="1"/>
+                  </dgm:varLst>
+                  <dgm:choose name="Name140">
+                    <dgm:if name="Name141" func="var" arg="dir" op="equ" val="norm">
+                      <dgm:choose name="Name142">
+                        <dgm:if name="Name143" axis="root des" ptType="all node" func="maxDepth" op="gt" val="1">
+                          <dgm:alg type="tx">
+                            <dgm:param type="txAnchorVert" val="t"/>
+                            <dgm:param type="parTxLTRAlign" val="l"/>
+                            <dgm:param type="parTxRTLAlign" val="r"/>
+                          </dgm:alg>
+                        </dgm:if>
+                        <dgm:else name="Name144">
+                          <dgm:alg type="tx">
+                            <dgm:param type="txAnchorVert" val="t"/>
+                            <dgm:param type="parTxLTRAlign" val="l"/>
+                            <dgm:param type="parTxRTLAlign" val="l"/>
+                          </dgm:alg>
+                        </dgm:else>
+                      </dgm:choose>
+                    </dgm:if>
+                    <dgm:else name="Name145">
+                      <dgm:choose name="Name146">
+                        <dgm:if name="Name147" axis="root des" ptType="all node" func="maxDepth" op="gt" val="1">
+                          <dgm:alg type="tx">
+                            <dgm:param type="txAnchorVert" val="b"/>
+                            <dgm:param type="txAnchorVertCh" val="b"/>
+                            <dgm:param type="parTxLTRAlign" val="l"/>
+                            <dgm:param type="parTxRTLAlign" val="r"/>
+                          </dgm:alg>
+                        </dgm:if>
+                        <dgm:else name="Name148">
+                          <dgm:alg type="tx">
+                            <dgm:param type="txAnchorVert" val="b"/>
+                            <dgm:param type="parTxLTRAlign" val="r"/>
+                            <dgm:param type="parTxRTLAlign" val="r"/>
+                          </dgm:alg>
+                        </dgm:else>
+                      </dgm:choose>
+                    </dgm:else>
+                  </dgm:choose>
+                  <dgm:shape xmlns:r="http://schemas.openxmlformats.org/officeDocument/2006/relationships" type="rect" r:blip="">
+                    <dgm:adjLst/>
+                  </dgm:shape>
+                  <dgm:presOf axis="desOrSelf" ptType="node"/>
+                  <dgm:choose name="Name149">
+                    <dgm:if name="Name150" func="var" arg="dir" op="equ" val="norm">
+                      <dgm:constrLst>
+                        <dgm:constr type="rMarg"/>
+                        <dgm:constr type="tMarg"/>
+                        <dgm:constr type="bMarg"/>
+                      </dgm:constrLst>
+                    </dgm:if>
+                    <dgm:else name="Name151">
+                      <dgm:constrLst>
+                        <dgm:constr type="lMarg"/>
+                        <dgm:constr type="tMarg"/>
+                        <dgm:constr type="bMarg"/>
+                      </dgm:constrLst>
+                    </dgm:else>
+                  </dgm:choose>
+                  <dgm:ruleLst>
+                    <dgm:rule type="primFontSz" val="5" fact="NaN" max="NaN"/>
+                  </dgm:ruleLst>
+                </dgm:layoutNode>
+              </dgm:forEach>
+              <dgm:forEach name="Name152" axis="ch" ptType="node" st="2" cnt="1">
+                <dgm:layoutNode name="bullet5b" styleLbl="node1">
+                  <dgm:alg type="sp"/>
+                  <dgm:shape xmlns:r="http://schemas.openxmlformats.org/officeDocument/2006/relationships" type="ellipse" r:blip="">
+                    <dgm:adjLst/>
+                  </dgm:shape>
+                  <dgm:presOf/>
+                  <dgm:constrLst/>
+                  <dgm:ruleLst/>
+                </dgm:layoutNode>
+                <dgm:layoutNode name="textBox5b" styleLbl="revTx">
+                  <dgm:varLst>
+                    <dgm:bulletEnabled val="1"/>
+                  </dgm:varLst>
+                  <dgm:choose name="Name153">
+                    <dgm:if name="Name154" func="var" arg="dir" op="equ" val="norm">
+                      <dgm:choose name="Name155">
+                        <dgm:if name="Name156" axis="root des" ptType="all node" func="maxDepth" op="gt" val="1">
+                          <dgm:alg type="tx">
+                            <dgm:param type="txAnchorVert" val="t"/>
+                            <dgm:param type="parTxLTRAlign" val="l"/>
+                            <dgm:param type="parTxRTLAlign" val="r"/>
+                          </dgm:alg>
+                        </dgm:if>
+                        <dgm:else name="Name157">
+                          <dgm:alg type="tx">
+                            <dgm:param type="txAnchorVert" val="t"/>
+                            <dgm:param type="parTxLTRAlign" val="l"/>
+                            <dgm:param type="parTxRTLAlign" val="l"/>
+                          </dgm:alg>
+                        </dgm:else>
+                      </dgm:choose>
+                    </dgm:if>
+                    <dgm:else name="Name158">
+                      <dgm:choose name="Name159">
+                        <dgm:if name="Name160" axis="root des" ptType="all node" func="maxDepth" op="gt" val="1">
+                          <dgm:alg type="tx">
+                            <dgm:param type="txAnchorVert" val="b"/>
+                            <dgm:param type="txAnchorVertCh" val="b"/>
+                            <dgm:param type="parTxLTRAlign" val="l"/>
+                            <dgm:param type="parTxRTLAlign" val="r"/>
+                          </dgm:alg>
+                        </dgm:if>
+                        <dgm:else name="Name161">
+                          <dgm:alg type="tx">
+                            <dgm:param type="txAnchorVert" val="b"/>
+                            <dgm:param type="parTxLTRAlign" val="r"/>
+                            <dgm:param type="parTxRTLAlign" val="r"/>
+                          </dgm:alg>
+                        </dgm:else>
+                      </dgm:choose>
+                    </dgm:else>
+                  </dgm:choose>
+                  <dgm:shape xmlns:r="http://schemas.openxmlformats.org/officeDocument/2006/relationships" type="rect" r:blip="">
+                    <dgm:adjLst/>
+                  </dgm:shape>
+                  <dgm:presOf axis="desOrSelf" ptType="node"/>
+                  <dgm:choose name="Name162">
+                    <dgm:if name="Name163" func="var" arg="dir" op="equ" val="norm">
+                      <dgm:constrLst>
+                        <dgm:constr type="rMarg"/>
+                        <dgm:constr type="tMarg"/>
+                        <dgm:constr type="bMarg"/>
+                      </dgm:constrLst>
+                    </dgm:if>
+                    <dgm:else name="Name164">
+                      <dgm:constrLst>
+                        <dgm:constr type="lMarg"/>
+                        <dgm:constr type="tMarg"/>
+                        <dgm:constr type="bMarg"/>
+                      </dgm:constrLst>
+                    </dgm:else>
+                  </dgm:choose>
+                  <dgm:ruleLst>
+                    <dgm:rule type="primFontSz" val="5" fact="NaN" max="NaN"/>
+                  </dgm:ruleLst>
+                </dgm:layoutNode>
+              </dgm:forEach>
+              <dgm:forEach name="Name165" axis="ch" ptType="node" st="3" cnt="1">
+                <dgm:layoutNode name="bullet5c" styleLbl="node1">
+                  <dgm:alg type="sp"/>
+                  <dgm:shape xmlns:r="http://schemas.openxmlformats.org/officeDocument/2006/relationships" type="ellipse" r:blip="">
+                    <dgm:adjLst/>
+                  </dgm:shape>
+                  <dgm:presOf/>
+                  <dgm:constrLst/>
+                  <dgm:ruleLst/>
+                </dgm:layoutNode>
+                <dgm:layoutNode name="textBox5c" styleLbl="revTx">
+                  <dgm:varLst>
+                    <dgm:bulletEnabled val="1"/>
+                  </dgm:varLst>
+                  <dgm:choose name="Name166">
+                    <dgm:if name="Name167" func="var" arg="dir" op="equ" val="norm">
+                      <dgm:choose name="Name168">
+                        <dgm:if name="Name169" axis="root des" ptType="all node" func="maxDepth" op="gt" val="1">
+                          <dgm:alg type="tx">
+                            <dgm:param type="txAnchorVert" val="t"/>
+                            <dgm:param type="parTxLTRAlign" val="l"/>
+                            <dgm:param type="parTxRTLAlign" val="r"/>
+                          </dgm:alg>
+                        </dgm:if>
+                        <dgm:else name="Name170">
+                          <dgm:alg type="tx">
+                            <dgm:param type="txAnchorVert" val="t"/>
+                            <dgm:param type="parTxLTRAlign" val="l"/>
+                            <dgm:param type="parTxRTLAlign" val="l"/>
+                          </dgm:alg>
+                        </dgm:else>
+                      </dgm:choose>
+                    </dgm:if>
+                    <dgm:else name="Name171">
+                      <dgm:choose name="Name172">
+                        <dgm:if name="Name173" axis="root des" ptType="all node" func="maxDepth" op="gt" val="1">
+                          <dgm:alg type="tx">
+                            <dgm:param type="txAnchorVert" val="b"/>
+                            <dgm:param type="txAnchorVertCh" val="b"/>
+                            <dgm:param type="parTxLTRAlign" val="l"/>
+                            <dgm:param type="parTxRTLAlign" val="r"/>
+                          </dgm:alg>
+                        </dgm:if>
+                        <dgm:else name="Name174">
+                          <dgm:alg type="tx">
+                            <dgm:param type="txAnchorVert" val="b"/>
+                            <dgm:param type="parTxLTRAlign" val="r"/>
+                            <dgm:param type="parTxRTLAlign" val="r"/>
+                          </dgm:alg>
+                        </dgm:else>
+                      </dgm:choose>
+                    </dgm:else>
+                  </dgm:choose>
+                  <dgm:shape xmlns:r="http://schemas.openxmlformats.org/officeDocument/2006/relationships" type="rect" r:blip="">
+                    <dgm:adjLst/>
+                  </dgm:shape>
+                  <dgm:presOf axis="desOrSelf" ptType="node"/>
+                  <dgm:choose name="Name175">
+                    <dgm:if name="Name176" func="var" arg="dir" op="equ" val="norm">
+                      <dgm:constrLst>
+                        <dgm:constr type="rMarg"/>
+                        <dgm:constr type="tMarg"/>
+                        <dgm:constr type="bMarg"/>
+                      </dgm:constrLst>
+                    </dgm:if>
+                    <dgm:else name="Name177">
+                      <dgm:constrLst>
+                        <dgm:constr type="lMarg"/>
+                        <dgm:constr type="tMarg"/>
+                        <dgm:constr type="bMarg"/>
+                      </dgm:constrLst>
+                    </dgm:else>
+                  </dgm:choose>
+                  <dgm:ruleLst>
+                    <dgm:rule type="primFontSz" val="5" fact="NaN" max="NaN"/>
+                  </dgm:ruleLst>
+                </dgm:layoutNode>
+              </dgm:forEach>
+              <dgm:forEach name="Name178" axis="ch" ptType="node" st="4" cnt="1">
+                <dgm:layoutNode name="bullet5d" styleLbl="node1">
+                  <dgm:alg type="sp"/>
+                  <dgm:shape xmlns:r="http://schemas.openxmlformats.org/officeDocument/2006/relationships" type="ellipse" r:blip="">
+                    <dgm:adjLst/>
+                  </dgm:shape>
+                  <dgm:presOf/>
+                  <dgm:constrLst/>
+                  <dgm:ruleLst/>
+                </dgm:layoutNode>
+                <dgm:layoutNode name="textBox5d" styleLbl="revTx">
+                  <dgm:varLst>
+                    <dgm:bulletEnabled val="1"/>
+                  </dgm:varLst>
+                  <dgm:choose name="Name179">
+                    <dgm:if name="Name180" func="var" arg="dir" op="equ" val="norm">
+                      <dgm:choose name="Name181">
+                        <dgm:if name="Name182" axis="root des" ptType="all node" func="maxDepth" op="gt" val="1">
+                          <dgm:alg type="tx">
+                            <dgm:param type="txAnchorVert" val="t"/>
+                            <dgm:param type="parTxLTRAlign" val="l"/>
+                            <dgm:param type="parTxRTLAlign" val="r"/>
+                          </dgm:alg>
+                        </dgm:if>
+                        <dgm:else name="Name183">
+                          <dgm:alg type="tx">
+                            <dgm:param type="txAnchorVert" val="t"/>
+                            <dgm:param type="parTxLTRAlign" val="l"/>
+                            <dgm:param type="parTxRTLAlign" val="l"/>
+                          </dgm:alg>
+                        </dgm:else>
+                      </dgm:choose>
+                    </dgm:if>
+                    <dgm:else name="Name184">
+                      <dgm:choose name="Name185">
+                        <dgm:if name="Name186" axis="root des" ptType="all node" func="maxDepth" op="gt" val="1">
+                          <dgm:alg type="tx">
+                            <dgm:param type="txAnchorVert" val="b"/>
+                            <dgm:param type="txAnchorVertCh" val="b"/>
+                            <dgm:param type="parTxLTRAlign" val="l"/>
+                            <dgm:param type="parTxRTLAlign" val="r"/>
+                          </dgm:alg>
+                        </dgm:if>
+                        <dgm:else name="Name187">
+                          <dgm:alg type="tx">
+                            <dgm:param type="txAnchorVert" val="b"/>
+                            <dgm:param type="parTxLTRAlign" val="r"/>
+                            <dgm:param type="parTxRTLAlign" val="r"/>
+                          </dgm:alg>
+                        </dgm:else>
+                      </dgm:choose>
+                    </dgm:else>
+                  </dgm:choose>
+                  <dgm:shape xmlns:r="http://schemas.openxmlformats.org/officeDocument/2006/relationships" type="rect" r:blip="">
+                    <dgm:adjLst/>
+                  </dgm:shape>
+                  <dgm:presOf axis="desOrSelf" ptType="node"/>
+                  <dgm:choose name="Name188">
+                    <dgm:if name="Name189" func="var" arg="dir" op="equ" val="norm">
+                      <dgm:constrLst>
+                        <dgm:constr type="rMarg"/>
+                        <dgm:constr type="tMarg"/>
+                        <dgm:constr type="bMarg"/>
+                      </dgm:constrLst>
+                    </dgm:if>
+                    <dgm:else name="Name190">
+                      <dgm:constrLst>
+                        <dgm:constr type="lMarg"/>
+                        <dgm:constr type="tMarg"/>
+                        <dgm:constr type="bMarg"/>
+                      </dgm:constrLst>
+                    </dgm:else>
+                  </dgm:choose>
+                  <dgm:ruleLst>
+                    <dgm:rule type="primFontSz" val="5" fact="NaN" max="NaN"/>
+                  </dgm:ruleLst>
+                </dgm:layoutNode>
+              </dgm:forEach>
+              <dgm:forEach name="Name191" axis="ch" ptType="node" st="5" cnt="1">
+                <dgm:layoutNode name="bullet5e" styleLbl="node1">
+                  <dgm:alg type="sp"/>
+                  <dgm:shape xmlns:r="http://schemas.openxmlformats.org/officeDocument/2006/relationships" type="ellipse" r:blip="">
+                    <dgm:adjLst/>
+                  </dgm:shape>
+                  <dgm:presOf/>
+                  <dgm:constrLst/>
+                  <dgm:ruleLst/>
+                </dgm:layoutNode>
+                <dgm:layoutNode name="textBox5e" styleLbl="revTx">
+                  <dgm:varLst>
+                    <dgm:bulletEnabled val="1"/>
+                  </dgm:varLst>
+                  <dgm:choose name="Name192">
+                    <dgm:if name="Name193" func="var" arg="dir" op="equ" val="norm">
+                      <dgm:choose name="Name194">
+                        <dgm:if name="Name195" axis="root des" ptType="all node" func="maxDepth" op="gt" val="1">
+                          <dgm:alg type="tx">
+                            <dgm:param type="txAnchorVert" val="t"/>
+                            <dgm:param type="parTxLTRAlign" val="l"/>
+                            <dgm:param type="parTxRTLAlign" val="r"/>
+                          </dgm:alg>
+                        </dgm:if>
+                        <dgm:else name="Name196">
+                          <dgm:alg type="tx">
+                            <dgm:param type="txAnchorVert" val="t"/>
+                            <dgm:param type="parTxLTRAlign" val="l"/>
+                            <dgm:param type="parTxRTLAlign" val="l"/>
+                          </dgm:alg>
+                        </dgm:else>
+                      </dgm:choose>
+                    </dgm:if>
+                    <dgm:else name="Name197">
+                      <dgm:choose name="Name198">
+                        <dgm:if name="Name199" axis="root des" ptType="all node" func="maxDepth" op="gt" val="1">
+                          <dgm:alg type="tx">
+                            <dgm:param type="txAnchorVert" val="b"/>
+                            <dgm:param type="txAnchorVertCh" val="b"/>
+                            <dgm:param type="parTxLTRAlign" val="l"/>
+                            <dgm:param type="parTxRTLAlign" val="r"/>
+                          </dgm:alg>
+                        </dgm:if>
+                        <dgm:else name="Name200">
+                          <dgm:alg type="tx">
+                            <dgm:param type="txAnchorVert" val="b"/>
+                            <dgm:param type="parTxLTRAlign" val="r"/>
+                            <dgm:param type="parTxRTLAlign" val="r"/>
+                          </dgm:alg>
+                        </dgm:else>
+                      </dgm:choose>
+                    </dgm:else>
+                  </dgm:choose>
+                  <dgm:shape xmlns:r="http://schemas.openxmlformats.org/officeDocument/2006/relationships" type="rect" r:blip="">
+                    <dgm:adjLst/>
+                  </dgm:shape>
+                  <dgm:presOf axis="desOrSelf" ptType="node"/>
+                  <dgm:choose name="Name201">
+                    <dgm:if name="Name202" func="var" arg="dir" op="equ" val="norm">
+                      <dgm:constrLst>
+                        <dgm:constr type="rMarg"/>
+                        <dgm:constr type="tMarg"/>
+                        <dgm:constr type="bMarg"/>
+                      </dgm:constrLst>
+                    </dgm:if>
+                    <dgm:else name="Name203">
+                      <dgm:constrLst>
+                        <dgm:constr type="lMarg"/>
+                        <dgm:constr type="tMarg"/>
+                        <dgm:constr type="bMarg"/>
+                      </dgm:constrLst>
+                    </dgm:else>
+                  </dgm:choose>
+                  <dgm:ruleLst>
+                    <dgm:rule type="primFontSz" val="5" fact="NaN" max="NaN"/>
+                  </dgm:ruleLst>
+                </dgm:layoutNode>
+              </dgm:forEach>
+            </dgm:layoutNode>
+          </dgm:else>
+        </dgm:choose>
+      </dgm:if>
+      <dgm:else name="Name204"/>
+    </dgm:choose>
+  </dgm:layoutNode>
+</dgm:layoutDef>
+</file>
+
 <file path=ppt/diagrams/quickStyle1.xml><?xml version="1.0" encoding="utf-8"?>
 <dgm:styleDef xmlns:dgm="http://schemas.openxmlformats.org/drawingml/2006/diagram" xmlns:a="http://schemas.openxmlformats.org/drawingml/2006/main" uniqueId="urn:microsoft.com/office/officeart/2005/8/quickstyle/simple1">
   <dgm:title val=""/>
@@ -2591,6 +6063,2433 @@
     </dgm:style>
   </dgm:styleLbl>
 </dgm:styleDef>
+</file>
+
+<file path=ppt/diagrams/quickStyle2.xml><?xml version="1.0" encoding="utf-8"?>
+<dgm:styleDef xmlns:dgm="http://schemas.openxmlformats.org/drawingml/2006/diagram" xmlns:a="http://schemas.openxmlformats.org/drawingml/2006/main" uniqueId="urn:microsoft.com/office/officeart/2005/8/quickstyle/simple1">
+  <dgm:title val=""/>
+  <dgm:desc val=""/>
+  <dgm:catLst>
+    <dgm:cat type="simple" pri="10100"/>
+  </dgm:catLst>
+  <dgm:scene3d>
+    <a:camera prst="orthographicFront"/>
+    <a:lightRig rig="threePt" dir="t"/>
+  </dgm:scene3d>
+  <dgm:styleLbl name="node0">
+    <dgm:scene3d>
+      <a:camera prst="orthographicFront"/>
+      <a:lightRig rig="threePt" dir="t"/>
+    </dgm:scene3d>
+    <dgm:sp3d/>
+    <dgm:txPr/>
+    <dgm:style>
+      <a:lnRef idx="2">
+        <a:scrgbClr r="0" g="0" b="0"/>
+      </a:lnRef>
+      <a:fillRef idx="1">
+        <a:scrgbClr r="0" g="0" b="0"/>
+      </a:fillRef>
+      <a:effectRef idx="0">
+        <a:scrgbClr r="0" g="0" b="0"/>
+      </a:effectRef>
+      <a:fontRef idx="minor">
+        <a:schemeClr val="lt1"/>
+      </a:fontRef>
+    </dgm:style>
+  </dgm:styleLbl>
+  <dgm:styleLbl name="lnNode1">
+    <dgm:scene3d>
+      <a:camera prst="orthographicFront"/>
+      <a:lightRig rig="threePt" dir="t"/>
+    </dgm:scene3d>
+    <dgm:sp3d/>
+    <dgm:txPr/>
+    <dgm:style>
+      <a:lnRef idx="2">
+        <a:scrgbClr r="0" g="0" b="0"/>
+      </a:lnRef>
+      <a:fillRef idx="1">
+        <a:scrgbClr r="0" g="0" b="0"/>
+      </a:fillRef>
+      <a:effectRef idx="0">
+        <a:scrgbClr r="0" g="0" b="0"/>
+      </a:effectRef>
+      <a:fontRef idx="minor">
+        <a:schemeClr val="lt1"/>
+      </a:fontRef>
+    </dgm:style>
+  </dgm:styleLbl>
+  <dgm:styleLbl name="vennNode1">
+    <dgm:scene3d>
+      <a:camera prst="orthographicFront"/>
+      <a:lightRig rig="threePt" dir="t"/>
+    </dgm:scene3d>
+    <dgm:sp3d/>
+    <dgm:txPr/>
+    <dgm:style>
+      <a:lnRef idx="2">
+        <a:scrgbClr r="0" g="0" b="0"/>
+      </a:lnRef>
+      <a:fillRef idx="1">
+        <a:scrgbClr r="0" g="0" b="0"/>
+      </a:fillRef>
+      <a:effectRef idx="0">
+        <a:scrgbClr r="0" g="0" b="0"/>
+      </a:effectRef>
+      <a:fontRef idx="minor">
+        <a:schemeClr val="tx1"/>
+      </a:fontRef>
+    </dgm:style>
+  </dgm:styleLbl>
+  <dgm:styleLbl name="alignNode1">
+    <dgm:scene3d>
+      <a:camera prst="orthographicFront"/>
+      <a:lightRig rig="threePt" dir="t"/>
+    </dgm:scene3d>
+    <dgm:sp3d/>
+    <dgm:txPr/>
+    <dgm:style>
+      <a:lnRef idx="2">
+        <a:scrgbClr r="0" g="0" b="0"/>
+      </a:lnRef>
+      <a:fillRef idx="1">
+        <a:scrgbClr r="0" g="0" b="0"/>
+      </a:fillRef>
+      <a:effectRef idx="0">
+        <a:scrgbClr r="0" g="0" b="0"/>
+      </a:effectRef>
+      <a:fontRef idx="minor">
+        <a:schemeClr val="lt1"/>
+      </a:fontRef>
+    </dgm:style>
+  </dgm:styleLbl>
+  <dgm:styleLbl name="node1">
+    <dgm:scene3d>
+      <a:camera prst="orthographicFront"/>
+      <a:lightRig rig="threePt" dir="t"/>
+    </dgm:scene3d>
+    <dgm:sp3d/>
+    <dgm:txPr/>
+    <dgm:style>
+      <a:lnRef idx="2">
+        <a:scrgbClr r="0" g="0" b="0"/>
+      </a:lnRef>
+      <a:fillRef idx="1">
+        <a:scrgbClr r="0" g="0" b="0"/>
+      </a:fillRef>
+      <a:effectRef idx="0">
+        <a:scrgbClr r="0" g="0" b="0"/>
+      </a:effectRef>
+      <a:fontRef idx="minor">
+        <a:schemeClr val="lt1"/>
+      </a:fontRef>
+    </dgm:style>
+  </dgm:styleLbl>
+  <dgm:styleLbl name="node2">
+    <dgm:scene3d>
+      <a:camera prst="orthographicFront"/>
+      <a:lightRig rig="threePt" dir="t"/>
+    </dgm:scene3d>
+    <dgm:sp3d/>
+    <dgm:txPr/>
+    <dgm:style>
+      <a:lnRef idx="2">
+        <a:scrgbClr r="0" g="0" b="0"/>
+      </a:lnRef>
+      <a:fillRef idx="1">
+        <a:scrgbClr r="0" g="0" b="0"/>
+      </a:fillRef>
+      <a:effectRef idx="0">
+        <a:scrgbClr r="0" g="0" b="0"/>
+      </a:effectRef>
+      <a:fontRef idx="minor">
+        <a:schemeClr val="lt1"/>
+      </a:fontRef>
+    </dgm:style>
+  </dgm:styleLbl>
+  <dgm:styleLbl name="node3">
+    <dgm:scene3d>
+      <a:camera prst="orthographicFront"/>
+      <a:lightRig rig="threePt" dir="t"/>
+    </dgm:scene3d>
+    <dgm:sp3d/>
+    <dgm:txPr/>
+    <dgm:style>
+      <a:lnRef idx="2">
+        <a:scrgbClr r="0" g="0" b="0"/>
+      </a:lnRef>
+      <a:fillRef idx="1">
+        <a:scrgbClr r="0" g="0" b="0"/>
+      </a:fillRef>
+      <a:effectRef idx="0">
+        <a:scrgbClr r="0" g="0" b="0"/>
+      </a:effectRef>
+      <a:fontRef idx="minor">
+        <a:schemeClr val="lt1"/>
+      </a:fontRef>
+    </dgm:style>
+  </dgm:styleLbl>
+  <dgm:styleLbl name="node4">
+    <dgm:scene3d>
+      <a:camera prst="orthographicFront"/>
+      <a:lightRig rig="threePt" dir="t"/>
+    </dgm:scene3d>
+    <dgm:sp3d/>
+    <dgm:txPr/>
+    <dgm:style>
+      <a:lnRef idx="2">
+        <a:scrgbClr r="0" g="0" b="0"/>
+      </a:lnRef>
+      <a:fillRef idx="1">
+        <a:scrgbClr r="0" g="0" b="0"/>
+      </a:fillRef>
+      <a:effectRef idx="0">
+        <a:scrgbClr r="0" g="0" b="0"/>
+      </a:effectRef>
+      <a:fontRef idx="minor">
+        <a:schemeClr val="lt1"/>
+      </a:fontRef>
+    </dgm:style>
+  </dgm:styleLbl>
+  <dgm:styleLbl name="fgImgPlace1">
+    <dgm:scene3d>
+      <a:camera prst="orthographicFront"/>
+      <a:lightRig rig="threePt" dir="t"/>
+    </dgm:scene3d>
+    <dgm:sp3d/>
+    <dgm:txPr/>
+    <dgm:style>
+      <a:lnRef idx="2">
+        <a:scrgbClr r="0" g="0" b="0"/>
+      </a:lnRef>
+      <a:fillRef idx="1">
+        <a:scrgbClr r="0" g="0" b="0"/>
+      </a:fillRef>
+      <a:effectRef idx="0">
+        <a:scrgbClr r="0" g="0" b="0"/>
+      </a:effectRef>
+      <a:fontRef idx="minor"/>
+    </dgm:style>
+  </dgm:styleLbl>
+  <dgm:styleLbl name="alignImgPlace1">
+    <dgm:scene3d>
+      <a:camera prst="orthographicFront"/>
+      <a:lightRig rig="threePt" dir="t"/>
+    </dgm:scene3d>
+    <dgm:sp3d/>
+    <dgm:txPr/>
+    <dgm:style>
+      <a:lnRef idx="2">
+        <a:scrgbClr r="0" g="0" b="0"/>
+      </a:lnRef>
+      <a:fillRef idx="1">
+        <a:scrgbClr r="0" g="0" b="0"/>
+      </a:fillRef>
+      <a:effectRef idx="0">
+        <a:scrgbClr r="0" g="0" b="0"/>
+      </a:effectRef>
+      <a:fontRef idx="minor"/>
+    </dgm:style>
+  </dgm:styleLbl>
+  <dgm:styleLbl name="bgImgPlace1">
+    <dgm:scene3d>
+      <a:camera prst="orthographicFront"/>
+      <a:lightRig rig="threePt" dir="t"/>
+    </dgm:scene3d>
+    <dgm:sp3d/>
+    <dgm:txPr/>
+    <dgm:style>
+      <a:lnRef idx="2">
+        <a:scrgbClr r="0" g="0" b="0"/>
+      </a:lnRef>
+      <a:fillRef idx="1">
+        <a:scrgbClr r="0" g="0" b="0"/>
+      </a:fillRef>
+      <a:effectRef idx="0">
+        <a:scrgbClr r="0" g="0" b="0"/>
+      </a:effectRef>
+      <a:fontRef idx="minor"/>
+    </dgm:style>
+  </dgm:styleLbl>
+  <dgm:styleLbl name="sibTrans2D1">
+    <dgm:scene3d>
+      <a:camera prst="orthographicFront"/>
+      <a:lightRig rig="threePt" dir="t"/>
+    </dgm:scene3d>
+    <dgm:sp3d/>
+    <dgm:txPr/>
+    <dgm:style>
+      <a:lnRef idx="0">
+        <a:scrgbClr r="0" g="0" b="0"/>
+      </a:lnRef>
+      <a:fillRef idx="1">
+        <a:scrgbClr r="0" g="0" b="0"/>
+      </a:fillRef>
+      <a:effectRef idx="0">
+        <a:scrgbClr r="0" g="0" b="0"/>
+      </a:effectRef>
+      <a:fontRef idx="minor">
+        <a:schemeClr val="lt1"/>
+      </a:fontRef>
+    </dgm:style>
+  </dgm:styleLbl>
+  <dgm:styleLbl name="fgSibTrans2D1">
+    <dgm:scene3d>
+      <a:camera prst="orthographicFront"/>
+      <a:lightRig rig="threePt" dir="t"/>
+    </dgm:scene3d>
+    <dgm:sp3d/>
+    <dgm:txPr/>
+    <dgm:style>
+      <a:lnRef idx="0">
+        <a:scrgbClr r="0" g="0" b="0"/>
+      </a:lnRef>
+      <a:fillRef idx="1">
+        <a:scrgbClr r="0" g="0" b="0"/>
+      </a:fillRef>
+      <a:effectRef idx="0">
+        <a:scrgbClr r="0" g="0" b="0"/>
+      </a:effectRef>
+      <a:fontRef idx="minor">
+        <a:schemeClr val="lt1"/>
+      </a:fontRef>
+    </dgm:style>
+  </dgm:styleLbl>
+  <dgm:styleLbl name="bgSibTrans2D1">
+    <dgm:scene3d>
+      <a:camera prst="orthographicFront"/>
+      <a:lightRig rig="threePt" dir="t"/>
+    </dgm:scene3d>
+    <dgm:sp3d/>
+    <dgm:txPr/>
+    <dgm:style>
+      <a:lnRef idx="0">
+        <a:scrgbClr r="0" g="0" b="0"/>
+      </a:lnRef>
+      <a:fillRef idx="1">
+        <a:scrgbClr r="0" g="0" b="0"/>
+      </a:fillRef>
+      <a:effectRef idx="0">
+        <a:scrgbClr r="0" g="0" b="0"/>
+      </a:effectRef>
+      <a:fontRef idx="minor">
+        <a:schemeClr val="lt1"/>
+      </a:fontRef>
+    </dgm:style>
+  </dgm:styleLbl>
+  <dgm:styleLbl name="sibTrans1D1">
+    <dgm:scene3d>
+      <a:camera prst="orthographicFront"/>
+      <a:lightRig rig="threePt" dir="t"/>
+    </dgm:scene3d>
+    <dgm:sp3d/>
+    <dgm:txPr/>
+    <dgm:style>
+      <a:lnRef idx="1">
+        <a:scrgbClr r="0" g="0" b="0"/>
+      </a:lnRef>
+      <a:fillRef idx="0">
+        <a:scrgbClr r="0" g="0" b="0"/>
+      </a:fillRef>
+      <a:effectRef idx="0">
+        <a:scrgbClr r="0" g="0" b="0"/>
+      </a:effectRef>
+      <a:fontRef idx="minor"/>
+    </dgm:style>
+  </dgm:styleLbl>
+  <dgm:styleLbl name="callout">
+    <dgm:scene3d>
+      <a:camera prst="orthographicFront"/>
+      <a:lightRig rig="threePt" dir="t"/>
+    </dgm:scene3d>
+    <dgm:sp3d/>
+    <dgm:txPr/>
+    <dgm:style>
+      <a:lnRef idx="2">
+        <a:scrgbClr r="0" g="0" b="0"/>
+      </a:lnRef>
+      <a:fillRef idx="1">
+        <a:scrgbClr r="0" g="0" b="0"/>
+      </a:fillRef>
+      <a:effectRef idx="0">
+        <a:scrgbClr r="0" g="0" b="0"/>
+      </a:effectRef>
+      <a:fontRef idx="minor"/>
+    </dgm:style>
+  </dgm:styleLbl>
+  <dgm:styleLbl name="asst0">
+    <dgm:scene3d>
+      <a:camera prst="orthographicFront"/>
+      <a:lightRig rig="threePt" dir="t"/>
+    </dgm:scene3d>
+    <dgm:sp3d/>
+    <dgm:txPr/>
+    <dgm:style>
+      <a:lnRef idx="2">
+        <a:scrgbClr r="0" g="0" b="0"/>
+      </a:lnRef>
+      <a:fillRef idx="1">
+        <a:scrgbClr r="0" g="0" b="0"/>
+      </a:fillRef>
+      <a:effectRef idx="0">
+        <a:scrgbClr r="0" g="0" b="0"/>
+      </a:effectRef>
+      <a:fontRef idx="minor">
+        <a:schemeClr val="lt1"/>
+      </a:fontRef>
+    </dgm:style>
+  </dgm:styleLbl>
+  <dgm:styleLbl name="asst1">
+    <dgm:scene3d>
+      <a:camera prst="orthographicFront"/>
+      <a:lightRig rig="threePt" dir="t"/>
+    </dgm:scene3d>
+    <dgm:sp3d/>
+    <dgm:txPr/>
+    <dgm:style>
+      <a:lnRef idx="2">
+        <a:scrgbClr r="0" g="0" b="0"/>
+      </a:lnRef>
+      <a:fillRef idx="1">
+        <a:scrgbClr r="0" g="0" b="0"/>
+      </a:fillRef>
+      <a:effectRef idx="0">
+        <a:scrgbClr r="0" g="0" b="0"/>
+      </a:effectRef>
+      <a:fontRef idx="minor">
+        <a:schemeClr val="lt1"/>
+      </a:fontRef>
+    </dgm:style>
+  </dgm:styleLbl>
+  <dgm:styleLbl name="asst2">
+    <dgm:scene3d>
+      <a:camera prst="orthographicFront"/>
+      <a:lightRig rig="threePt" dir="t"/>
+    </dgm:scene3d>
+    <dgm:sp3d/>
+    <dgm:txPr/>
+    <dgm:style>
+      <a:lnRef idx="2">
+        <a:scrgbClr r="0" g="0" b="0"/>
+      </a:lnRef>
+      <a:fillRef idx="1">
+        <a:scrgbClr r="0" g="0" b="0"/>
+      </a:fillRef>
+      <a:effectRef idx="0">
+        <a:scrgbClr r="0" g="0" b="0"/>
+      </a:effectRef>
+      <a:fontRef idx="minor">
+        <a:schemeClr val="lt1"/>
+      </a:fontRef>
+    </dgm:style>
+  </dgm:styleLbl>
+  <dgm:styleLbl name="asst3">
+    <dgm:scene3d>
+      <a:camera prst="orthographicFront"/>
+      <a:lightRig rig="threePt" dir="t"/>
+    </dgm:scene3d>
+    <dgm:sp3d/>
+    <dgm:txPr/>
+    <dgm:style>
+      <a:lnRef idx="2">
+        <a:scrgbClr r="0" g="0" b="0"/>
+      </a:lnRef>
+      <a:fillRef idx="1">
+        <a:scrgbClr r="0" g="0" b="0"/>
+      </a:fillRef>
+      <a:effectRef idx="0">
+        <a:scrgbClr r="0" g="0" b="0"/>
+      </a:effectRef>
+      <a:fontRef idx="minor">
+        <a:schemeClr val="lt1"/>
+      </a:fontRef>
+    </dgm:style>
+  </dgm:styleLbl>
+  <dgm:styleLbl name="asst4">
+    <dgm:scene3d>
+      <a:camera prst="orthographicFront"/>
+      <a:lightRig rig="threePt" dir="t"/>
+    </dgm:scene3d>
+    <dgm:sp3d/>
+    <dgm:txPr/>
+    <dgm:style>
+      <a:lnRef idx="2">
+        <a:scrgbClr r="0" g="0" b="0"/>
+      </a:lnRef>
+      <a:fillRef idx="1">
+        <a:scrgbClr r="0" g="0" b="0"/>
+      </a:fillRef>
+      <a:effectRef idx="0">
+        <a:scrgbClr r="0" g="0" b="0"/>
+      </a:effectRef>
+      <a:fontRef idx="minor">
+        <a:schemeClr val="lt1"/>
+      </a:fontRef>
+    </dgm:style>
+  </dgm:styleLbl>
+  <dgm:styleLbl name="parChTrans2D1">
+    <dgm:scene3d>
+      <a:camera prst="orthographicFront"/>
+      <a:lightRig rig="threePt" dir="t"/>
+    </dgm:scene3d>
+    <dgm:sp3d/>
+    <dgm:txPr/>
+    <dgm:style>
+      <a:lnRef idx="2">
+        <a:scrgbClr r="0" g="0" b="0"/>
+      </a:lnRef>
+      <a:fillRef idx="1">
+        <a:scrgbClr r="0" g="0" b="0"/>
+      </a:fillRef>
+      <a:effectRef idx="0">
+        <a:scrgbClr r="0" g="0" b="0"/>
+      </a:effectRef>
+      <a:fontRef idx="minor">
+        <a:schemeClr val="lt1"/>
+      </a:fontRef>
+    </dgm:style>
+  </dgm:styleLbl>
+  <dgm:styleLbl name="parChTrans2D2">
+    <dgm:scene3d>
+      <a:camera prst="orthographicFront"/>
+      <a:lightRig rig="threePt" dir="t"/>
+    </dgm:scene3d>
+    <dgm:sp3d/>
+    <dgm:txPr/>
+    <dgm:style>
+      <a:lnRef idx="2">
+        <a:scrgbClr r="0" g="0" b="0"/>
+      </a:lnRef>
+      <a:fillRef idx="1">
+        <a:scrgbClr r="0" g="0" b="0"/>
+      </a:fillRef>
+      <a:effectRef idx="0">
+        <a:scrgbClr r="0" g="0" b="0"/>
+      </a:effectRef>
+      <a:fontRef idx="minor">
+        <a:schemeClr val="lt1"/>
+      </a:fontRef>
+    </dgm:style>
+  </dgm:styleLbl>
+  <dgm:styleLbl name="parChTrans2D3">
+    <dgm:scene3d>
+      <a:camera prst="orthographicFront"/>
+      <a:lightRig rig="threePt" dir="t"/>
+    </dgm:scene3d>
+    <dgm:sp3d/>
+    <dgm:txPr/>
+    <dgm:style>
+      <a:lnRef idx="2">
+        <a:scrgbClr r="0" g="0" b="0"/>
+      </a:lnRef>
+      <a:fillRef idx="1">
+        <a:scrgbClr r="0" g="0" b="0"/>
+      </a:fillRef>
+      <a:effectRef idx="0">
+        <a:scrgbClr r="0" g="0" b="0"/>
+      </a:effectRef>
+      <a:fontRef idx="minor">
+        <a:schemeClr val="lt1"/>
+      </a:fontRef>
+    </dgm:style>
+  </dgm:styleLbl>
+  <dgm:styleLbl name="parChTrans2D4">
+    <dgm:scene3d>
+      <a:camera prst="orthographicFront"/>
+      <a:lightRig rig="threePt" dir="t"/>
+    </dgm:scene3d>
+    <dgm:sp3d/>
+    <dgm:txPr/>
+    <dgm:style>
+      <a:lnRef idx="2">
+        <a:scrgbClr r="0" g="0" b="0"/>
+      </a:lnRef>
+      <a:fillRef idx="1">
+        <a:scrgbClr r="0" g="0" b="0"/>
+      </a:fillRef>
+      <a:effectRef idx="0">
+        <a:scrgbClr r="0" g="0" b="0"/>
+      </a:effectRef>
+      <a:fontRef idx="minor">
+        <a:schemeClr val="lt1"/>
+      </a:fontRef>
+    </dgm:style>
+  </dgm:styleLbl>
+  <dgm:styleLbl name="parChTrans1D1">
+    <dgm:scene3d>
+      <a:camera prst="orthographicFront"/>
+      <a:lightRig rig="threePt" dir="t"/>
+    </dgm:scene3d>
+    <dgm:sp3d/>
+    <dgm:txPr/>
+    <dgm:style>
+      <a:lnRef idx="2">
+        <a:scrgbClr r="0" g="0" b="0"/>
+      </a:lnRef>
+      <a:fillRef idx="0">
+        <a:scrgbClr r="0" g="0" b="0"/>
+      </a:fillRef>
+      <a:effectRef idx="0">
+        <a:scrgbClr r="0" g="0" b="0"/>
+      </a:effectRef>
+      <a:fontRef idx="minor"/>
+    </dgm:style>
+  </dgm:styleLbl>
+  <dgm:styleLbl name="parChTrans1D2">
+    <dgm:scene3d>
+      <a:camera prst="orthographicFront"/>
+      <a:lightRig rig="threePt" dir="t"/>
+    </dgm:scene3d>
+    <dgm:sp3d/>
+    <dgm:txPr/>
+    <dgm:style>
+      <a:lnRef idx="2">
+        <a:scrgbClr r="0" g="0" b="0"/>
+      </a:lnRef>
+      <a:fillRef idx="0">
+        <a:scrgbClr r="0" g="0" b="0"/>
+      </a:fillRef>
+      <a:effectRef idx="0">
+        <a:scrgbClr r="0" g="0" b="0"/>
+      </a:effectRef>
+      <a:fontRef idx="minor"/>
+    </dgm:style>
+  </dgm:styleLbl>
+  <dgm:styleLbl name="parChTrans1D3">
+    <dgm:scene3d>
+      <a:camera prst="orthographicFront"/>
+      <a:lightRig rig="threePt" dir="t"/>
+    </dgm:scene3d>
+    <dgm:sp3d/>
+    <dgm:txPr/>
+    <dgm:style>
+      <a:lnRef idx="2">
+        <a:scrgbClr r="0" g="0" b="0"/>
+      </a:lnRef>
+      <a:fillRef idx="0">
+        <a:scrgbClr r="0" g="0" b="0"/>
+      </a:fillRef>
+      <a:effectRef idx="0">
+        <a:scrgbClr r="0" g="0" b="0"/>
+      </a:effectRef>
+      <a:fontRef idx="minor"/>
+    </dgm:style>
+  </dgm:styleLbl>
+  <dgm:styleLbl name="parChTrans1D4">
+    <dgm:scene3d>
+      <a:camera prst="orthographicFront"/>
+      <a:lightRig rig="threePt" dir="t"/>
+    </dgm:scene3d>
+    <dgm:sp3d/>
+    <dgm:txPr/>
+    <dgm:style>
+      <a:lnRef idx="2">
+        <a:scrgbClr r="0" g="0" b="0"/>
+      </a:lnRef>
+      <a:fillRef idx="0">
+        <a:scrgbClr r="0" g="0" b="0"/>
+      </a:fillRef>
+      <a:effectRef idx="0">
+        <a:scrgbClr r="0" g="0" b="0"/>
+      </a:effectRef>
+      <a:fontRef idx="minor"/>
+    </dgm:style>
+  </dgm:styleLbl>
+  <dgm:styleLbl name="fgAcc1">
+    <dgm:scene3d>
+      <a:camera prst="orthographicFront"/>
+      <a:lightRig rig="threePt" dir="t"/>
+    </dgm:scene3d>
+    <dgm:sp3d/>
+    <dgm:txPr/>
+    <dgm:style>
+      <a:lnRef idx="2">
+        <a:scrgbClr r="0" g="0" b="0"/>
+      </a:lnRef>
+      <a:fillRef idx="1">
+        <a:scrgbClr r="0" g="0" b="0"/>
+      </a:fillRef>
+      <a:effectRef idx="0">
+        <a:scrgbClr r="0" g="0" b="0"/>
+      </a:effectRef>
+      <a:fontRef idx="minor"/>
+    </dgm:style>
+  </dgm:styleLbl>
+  <dgm:styleLbl name="conFgAcc1">
+    <dgm:scene3d>
+      <a:camera prst="orthographicFront"/>
+      <a:lightRig rig="threePt" dir="t"/>
+    </dgm:scene3d>
+    <dgm:sp3d/>
+    <dgm:txPr/>
+    <dgm:style>
+      <a:lnRef idx="2">
+        <a:scrgbClr r="0" g="0" b="0"/>
+      </a:lnRef>
+      <a:fillRef idx="1">
+        <a:scrgbClr r="0" g="0" b="0"/>
+      </a:fillRef>
+      <a:effectRef idx="0">
+        <a:scrgbClr r="0" g="0" b="0"/>
+      </a:effectRef>
+      <a:fontRef idx="minor"/>
+    </dgm:style>
+  </dgm:styleLbl>
+  <dgm:styleLbl name="alignAcc1">
+    <dgm:scene3d>
+      <a:camera prst="orthographicFront"/>
+      <a:lightRig rig="threePt" dir="t"/>
+    </dgm:scene3d>
+    <dgm:sp3d/>
+    <dgm:txPr/>
+    <dgm:style>
+      <a:lnRef idx="2">
+        <a:scrgbClr r="0" g="0" b="0"/>
+      </a:lnRef>
+      <a:fillRef idx="1">
+        <a:scrgbClr r="0" g="0" b="0"/>
+      </a:fillRef>
+      <a:effectRef idx="0">
+        <a:scrgbClr r="0" g="0" b="0"/>
+      </a:effectRef>
+      <a:fontRef idx="minor"/>
+    </dgm:style>
+  </dgm:styleLbl>
+  <dgm:styleLbl name="trAlignAcc1">
+    <dgm:scene3d>
+      <a:camera prst="orthographicFront"/>
+      <a:lightRig rig="threePt" dir="t"/>
+    </dgm:scene3d>
+    <dgm:sp3d/>
+    <dgm:txPr/>
+    <dgm:style>
+      <a:lnRef idx="1">
+        <a:scrgbClr r="0" g="0" b="0"/>
+      </a:lnRef>
+      <a:fillRef idx="1">
+        <a:scrgbClr r="0" g="0" b="0"/>
+      </a:fillRef>
+      <a:effectRef idx="0">
+        <a:scrgbClr r="0" g="0" b="0"/>
+      </a:effectRef>
+      <a:fontRef idx="minor"/>
+    </dgm:style>
+  </dgm:styleLbl>
+  <dgm:styleLbl name="bgAcc1">
+    <dgm:scene3d>
+      <a:camera prst="orthographicFront"/>
+      <a:lightRig rig="threePt" dir="t"/>
+    </dgm:scene3d>
+    <dgm:sp3d/>
+    <dgm:txPr/>
+    <dgm:style>
+      <a:lnRef idx="2">
+        <a:scrgbClr r="0" g="0" b="0"/>
+      </a:lnRef>
+      <a:fillRef idx="1">
+        <a:scrgbClr r="0" g="0" b="0"/>
+      </a:fillRef>
+      <a:effectRef idx="0">
+        <a:scrgbClr r="0" g="0" b="0"/>
+      </a:effectRef>
+      <a:fontRef idx="minor"/>
+    </dgm:style>
+  </dgm:styleLbl>
+  <dgm:styleLbl name="solidFgAcc1">
+    <dgm:scene3d>
+      <a:camera prst="orthographicFront"/>
+      <a:lightRig rig="threePt" dir="t"/>
+    </dgm:scene3d>
+    <dgm:sp3d/>
+    <dgm:txPr/>
+    <dgm:style>
+      <a:lnRef idx="2">
+        <a:scrgbClr r="0" g="0" b="0"/>
+      </a:lnRef>
+      <a:fillRef idx="1">
+        <a:scrgbClr r="0" g="0" b="0"/>
+      </a:fillRef>
+      <a:effectRef idx="0">
+        <a:scrgbClr r="0" g="0" b="0"/>
+      </a:effectRef>
+      <a:fontRef idx="minor"/>
+    </dgm:style>
+  </dgm:styleLbl>
+  <dgm:styleLbl name="solidAlignAcc1">
+    <dgm:scene3d>
+      <a:camera prst="orthographicFront"/>
+      <a:lightRig rig="threePt" dir="t"/>
+    </dgm:scene3d>
+    <dgm:sp3d/>
+    <dgm:txPr/>
+    <dgm:style>
+      <a:lnRef idx="2">
+        <a:scrgbClr r="0" g="0" b="0"/>
+      </a:lnRef>
+      <a:fillRef idx="1">
+        <a:scrgbClr r="0" g="0" b="0"/>
+      </a:fillRef>
+      <a:effectRef idx="0">
+        <a:scrgbClr r="0" g="0" b="0"/>
+      </a:effectRef>
+      <a:fontRef idx="minor"/>
+    </dgm:style>
+  </dgm:styleLbl>
+  <dgm:styleLbl name="solidBgAcc1">
+    <dgm:scene3d>
+      <a:camera prst="orthographicFront"/>
+      <a:lightRig rig="threePt" dir="t"/>
+    </dgm:scene3d>
+    <dgm:sp3d/>
+    <dgm:txPr/>
+    <dgm:style>
+      <a:lnRef idx="2">
+        <a:scrgbClr r="0" g="0" b="0"/>
+      </a:lnRef>
+      <a:fillRef idx="1">
+        <a:scrgbClr r="0" g="0" b="0"/>
+      </a:fillRef>
+      <a:effectRef idx="0">
+        <a:scrgbClr r="0" g="0" b="0"/>
+      </a:effectRef>
+      <a:fontRef idx="minor"/>
+    </dgm:style>
+  </dgm:styleLbl>
+  <dgm:styleLbl name="fgAccFollowNode1">
+    <dgm:scene3d>
+      <a:camera prst="orthographicFront"/>
+      <a:lightRig rig="threePt" dir="t"/>
+    </dgm:scene3d>
+    <dgm:sp3d/>
+    <dgm:txPr/>
+    <dgm:style>
+      <a:lnRef idx="2">
+        <a:scrgbClr r="0" g="0" b="0"/>
+      </a:lnRef>
+      <a:fillRef idx="1">
+        <a:scrgbClr r="0" g="0" b="0"/>
+      </a:fillRef>
+      <a:effectRef idx="0">
+        <a:scrgbClr r="0" g="0" b="0"/>
+      </a:effectRef>
+      <a:fontRef idx="minor"/>
+    </dgm:style>
+  </dgm:styleLbl>
+  <dgm:styleLbl name="alignAccFollowNode1">
+    <dgm:scene3d>
+      <a:camera prst="orthographicFront"/>
+      <a:lightRig rig="threePt" dir="t"/>
+    </dgm:scene3d>
+    <dgm:sp3d/>
+    <dgm:txPr/>
+    <dgm:style>
+      <a:lnRef idx="2">
+        <a:scrgbClr r="0" g="0" b="0"/>
+      </a:lnRef>
+      <a:fillRef idx="1">
+        <a:scrgbClr r="0" g="0" b="0"/>
+      </a:fillRef>
+      <a:effectRef idx="0">
+        <a:scrgbClr r="0" g="0" b="0"/>
+      </a:effectRef>
+      <a:fontRef idx="minor"/>
+    </dgm:style>
+  </dgm:styleLbl>
+  <dgm:styleLbl name="bgAccFollowNode1">
+    <dgm:scene3d>
+      <a:camera prst="orthographicFront"/>
+      <a:lightRig rig="threePt" dir="t"/>
+    </dgm:scene3d>
+    <dgm:sp3d/>
+    <dgm:txPr/>
+    <dgm:style>
+      <a:lnRef idx="2">
+        <a:scrgbClr r="0" g="0" b="0"/>
+      </a:lnRef>
+      <a:fillRef idx="1">
+        <a:scrgbClr r="0" g="0" b="0"/>
+      </a:fillRef>
+      <a:effectRef idx="0">
+        <a:scrgbClr r="0" g="0" b="0"/>
+      </a:effectRef>
+      <a:fontRef idx="minor"/>
+    </dgm:style>
+  </dgm:styleLbl>
+  <dgm:styleLbl name="fgAcc0">
+    <dgm:scene3d>
+      <a:camera prst="orthographicFront"/>
+      <a:lightRig rig="threePt" dir="t"/>
+    </dgm:scene3d>
+    <dgm:sp3d/>
+    <dgm:txPr/>
+    <dgm:style>
+      <a:lnRef idx="2">
+        <a:scrgbClr r="0" g="0" b="0"/>
+      </a:lnRef>
+      <a:fillRef idx="1">
+        <a:scrgbClr r="0" g="0" b="0"/>
+      </a:fillRef>
+      <a:effectRef idx="0">
+        <a:scrgbClr r="0" g="0" b="0"/>
+      </a:effectRef>
+      <a:fontRef idx="minor"/>
+    </dgm:style>
+  </dgm:styleLbl>
+  <dgm:styleLbl name="fgAcc2">
+    <dgm:scene3d>
+      <a:camera prst="orthographicFront"/>
+      <a:lightRig rig="threePt" dir="t"/>
+    </dgm:scene3d>
+    <dgm:sp3d/>
+    <dgm:txPr/>
+    <dgm:style>
+      <a:lnRef idx="2">
+        <a:scrgbClr r="0" g="0" b="0"/>
+      </a:lnRef>
+      <a:fillRef idx="1">
+        <a:scrgbClr r="0" g="0" b="0"/>
+      </a:fillRef>
+      <a:effectRef idx="0">
+        <a:scrgbClr r="0" g="0" b="0"/>
+      </a:effectRef>
+      <a:fontRef idx="minor"/>
+    </dgm:style>
+  </dgm:styleLbl>
+  <dgm:styleLbl name="fgAcc3">
+    <dgm:scene3d>
+      <a:camera prst="orthographicFront"/>
+      <a:lightRig rig="threePt" dir="t"/>
+    </dgm:scene3d>
+    <dgm:sp3d/>
+    <dgm:txPr/>
+    <dgm:style>
+      <a:lnRef idx="2">
+        <a:scrgbClr r="0" g="0" b="0"/>
+      </a:lnRef>
+      <a:fillRef idx="1">
+        <a:scrgbClr r="0" g="0" b="0"/>
+      </a:fillRef>
+      <a:effectRef idx="0">
+        <a:scrgbClr r="0" g="0" b="0"/>
+      </a:effectRef>
+      <a:fontRef idx="minor"/>
+    </dgm:style>
+  </dgm:styleLbl>
+  <dgm:styleLbl name="fgAcc4">
+    <dgm:scene3d>
+      <a:camera prst="orthographicFront"/>
+      <a:lightRig rig="threePt" dir="t"/>
+    </dgm:scene3d>
+    <dgm:sp3d/>
+    <dgm:txPr/>
+    <dgm:style>
+      <a:lnRef idx="2">
+        <a:scrgbClr r="0" g="0" b="0"/>
+      </a:lnRef>
+      <a:fillRef idx="1">
+        <a:scrgbClr r="0" g="0" b="0"/>
+      </a:fillRef>
+      <a:effectRef idx="0">
+        <a:scrgbClr r="0" g="0" b="0"/>
+      </a:effectRef>
+      <a:fontRef idx="minor"/>
+    </dgm:style>
+  </dgm:styleLbl>
+  <dgm:styleLbl name="bgShp">
+    <dgm:scene3d>
+      <a:camera prst="orthographicFront"/>
+      <a:lightRig rig="threePt" dir="t"/>
+    </dgm:scene3d>
+    <dgm:sp3d/>
+    <dgm:txPr/>
+    <dgm:style>
+      <a:lnRef idx="0">
+        <a:scrgbClr r="0" g="0" b="0"/>
+      </a:lnRef>
+      <a:fillRef idx="1">
+        <a:scrgbClr r="0" g="0" b="0"/>
+      </a:fillRef>
+      <a:effectRef idx="0">
+        <a:scrgbClr r="0" g="0" b="0"/>
+      </a:effectRef>
+      <a:fontRef idx="minor"/>
+    </dgm:style>
+  </dgm:styleLbl>
+  <dgm:styleLbl name="dkBgShp">
+    <dgm:scene3d>
+      <a:camera prst="orthographicFront"/>
+      <a:lightRig rig="threePt" dir="t"/>
+    </dgm:scene3d>
+    <dgm:sp3d/>
+    <dgm:txPr/>
+    <dgm:style>
+      <a:lnRef idx="0">
+        <a:scrgbClr r="0" g="0" b="0"/>
+      </a:lnRef>
+      <a:fillRef idx="1">
+        <a:scrgbClr r="0" g="0" b="0"/>
+      </a:fillRef>
+      <a:effectRef idx="0">
+        <a:scrgbClr r="0" g="0" b="0"/>
+      </a:effectRef>
+      <a:fontRef idx="minor"/>
+    </dgm:style>
+  </dgm:styleLbl>
+  <dgm:styleLbl name="trBgShp">
+    <dgm:scene3d>
+      <a:camera prst="orthographicFront"/>
+      <a:lightRig rig="threePt" dir="t"/>
+    </dgm:scene3d>
+    <dgm:sp3d/>
+    <dgm:txPr/>
+    <dgm:style>
+      <a:lnRef idx="0">
+        <a:scrgbClr r="0" g="0" b="0"/>
+      </a:lnRef>
+      <a:fillRef idx="1">
+        <a:scrgbClr r="0" g="0" b="0"/>
+      </a:fillRef>
+      <a:effectRef idx="0">
+        <a:scrgbClr r="0" g="0" b="0"/>
+      </a:effectRef>
+      <a:fontRef idx="minor"/>
+    </dgm:style>
+  </dgm:styleLbl>
+  <dgm:styleLbl name="fgShp">
+    <dgm:scene3d>
+      <a:camera prst="orthographicFront"/>
+      <a:lightRig rig="threePt" dir="t"/>
+    </dgm:scene3d>
+    <dgm:sp3d/>
+    <dgm:txPr/>
+    <dgm:style>
+      <a:lnRef idx="2">
+        <a:scrgbClr r="0" g="0" b="0"/>
+      </a:lnRef>
+      <a:fillRef idx="1">
+        <a:scrgbClr r="0" g="0" b="0"/>
+      </a:fillRef>
+      <a:effectRef idx="0">
+        <a:scrgbClr r="0" g="0" b="0"/>
+      </a:effectRef>
+      <a:fontRef idx="minor"/>
+    </dgm:style>
+  </dgm:styleLbl>
+  <dgm:styleLbl name="revTx">
+    <dgm:scene3d>
+      <a:camera prst="orthographicFront"/>
+      <a:lightRig rig="threePt" dir="t"/>
+    </dgm:scene3d>
+    <dgm:sp3d/>
+    <dgm:txPr/>
+    <dgm:style>
+      <a:lnRef idx="0">
+        <a:scrgbClr r="0" g="0" b="0"/>
+      </a:lnRef>
+      <a:fillRef idx="0">
+        <a:scrgbClr r="0" g="0" b="0"/>
+      </a:fillRef>
+      <a:effectRef idx="0">
+        <a:scrgbClr r="0" g="0" b="0"/>
+      </a:effectRef>
+      <a:fontRef idx="minor"/>
+    </dgm:style>
+  </dgm:styleLbl>
+</dgm:styleDef>
+</file>
+
+<file path=ppt/notesMasters/notesMaster1.xml><?xml version="1.0" encoding="utf-8"?>
+<p:notesMaster xmlns:a="http://schemas.openxmlformats.org/drawingml/2006/main" xmlns:r="http://schemas.openxmlformats.org/officeDocument/2006/relationships" xmlns:p="http://schemas.openxmlformats.org/presentationml/2006/main">
+  <p:cSld>
+    <p:bg>
+      <p:bgRef idx="1001">
+        <a:schemeClr val="bg1"/>
+      </p:bgRef>
+    </p:bg>
+    <p:spTree>
+      <p:nvGrpSpPr>
+        <p:cNvPr id="1" name=""/>
+        <p:cNvGrpSpPr/>
+        <p:nvPr/>
+      </p:nvGrpSpPr>
+      <p:grpSpPr>
+        <a:xfrm>
+          <a:off x="0" y="0"/>
+          <a:ext cx="0" cy="0"/>
+          <a:chOff x="0" y="0"/>
+          <a:chExt cx="0" cy="0"/>
+        </a:xfrm>
+      </p:grpSpPr>
+      <p:sp>
+        <p:nvSpPr>
+          <p:cNvPr id="2" name="页眉占位符 1"/>
+          <p:cNvSpPr>
+            <a:spLocks noGrp="1"/>
+          </p:cNvSpPr>
+          <p:nvPr>
+            <p:ph type="hdr" sz="quarter"/>
+          </p:nvPr>
+        </p:nvSpPr>
+        <p:spPr>
+          <a:xfrm>
+            <a:off x="0" y="0"/>
+            <a:ext cx="2971800" cy="458788"/>
+          </a:xfrm>
+          <a:prstGeom prst="rect">
+            <a:avLst/>
+          </a:prstGeom>
+        </p:spPr>
+        <p:txBody>
+          <a:bodyPr vert="horz" lIns="91440" tIns="45720" rIns="91440" bIns="45720" rtlCol="0"/>
+          <a:lstStyle>
+            <a:lvl1pPr algn="l">
+              <a:defRPr sz="1200"/>
+            </a:lvl1pPr>
+          </a:lstStyle>
+          <a:p>
+            <a:endParaRPr lang="zh-CN" altLang="en-US"/>
+          </a:p>
+        </p:txBody>
+      </p:sp>
+      <p:sp>
+        <p:nvSpPr>
+          <p:cNvPr id="3" name="日期占位符 2"/>
+          <p:cNvSpPr>
+            <a:spLocks noGrp="1"/>
+          </p:cNvSpPr>
+          <p:nvPr>
+            <p:ph type="dt" idx="1"/>
+          </p:nvPr>
+        </p:nvSpPr>
+        <p:spPr>
+          <a:xfrm>
+            <a:off x="3884613" y="0"/>
+            <a:ext cx="2971800" cy="458788"/>
+          </a:xfrm>
+          <a:prstGeom prst="rect">
+            <a:avLst/>
+          </a:prstGeom>
+        </p:spPr>
+        <p:txBody>
+          <a:bodyPr vert="horz" lIns="91440" tIns="45720" rIns="91440" bIns="45720" rtlCol="0"/>
+          <a:lstStyle>
+            <a:lvl1pPr algn="r">
+              <a:defRPr sz="1200"/>
+            </a:lvl1pPr>
+          </a:lstStyle>
+          <a:p>
+            <a:fld id="{05389ADD-357A-448F-B13B-6EC087BE2CAF}" type="datetimeFigureOut">
+              <a:rPr lang="zh-CN" altLang="en-US" smtClean="0"/>
+              <a:t>2021/11/24</a:t>
+            </a:fld>
+            <a:endParaRPr lang="zh-CN" altLang="en-US"/>
+          </a:p>
+        </p:txBody>
+      </p:sp>
+      <p:sp>
+        <p:nvSpPr>
+          <p:cNvPr id="4" name="幻灯片图像占位符 3"/>
+          <p:cNvSpPr>
+            <a:spLocks noGrp="1" noRot="1" noChangeAspect="1"/>
+          </p:cNvSpPr>
+          <p:nvPr>
+            <p:ph type="sldImg" idx="2"/>
+          </p:nvPr>
+        </p:nvSpPr>
+        <p:spPr>
+          <a:xfrm>
+            <a:off x="685800" y="1143000"/>
+            <a:ext cx="5486400" cy="3086100"/>
+          </a:xfrm>
+          <a:prstGeom prst="rect">
+            <a:avLst/>
+          </a:prstGeom>
+          <a:noFill/>
+          <a:ln w="12700">
+            <a:solidFill>
+              <a:prstClr val="black"/>
+            </a:solidFill>
+          </a:ln>
+        </p:spPr>
+        <p:txBody>
+          <a:bodyPr vert="horz" lIns="91440" tIns="45720" rIns="91440" bIns="45720" rtlCol="0" anchor="ctr"/>
+          <a:lstStyle/>
+          <a:p>
+            <a:endParaRPr lang="zh-CN" altLang="en-US"/>
+          </a:p>
+        </p:txBody>
+      </p:sp>
+      <p:sp>
+        <p:nvSpPr>
+          <p:cNvPr id="5" name="备注占位符 4"/>
+          <p:cNvSpPr>
+            <a:spLocks noGrp="1"/>
+          </p:cNvSpPr>
+          <p:nvPr>
+            <p:ph type="body" sz="quarter" idx="3"/>
+          </p:nvPr>
+        </p:nvSpPr>
+        <p:spPr>
+          <a:xfrm>
+            <a:off x="685800" y="4400550"/>
+            <a:ext cx="5486400" cy="3600450"/>
+          </a:xfrm>
+          <a:prstGeom prst="rect">
+            <a:avLst/>
+          </a:prstGeom>
+        </p:spPr>
+        <p:txBody>
+          <a:bodyPr vert="horz" lIns="91440" tIns="45720" rIns="91440" bIns="45720" rtlCol="0"/>
+          <a:lstStyle/>
+          <a:p>
+            <a:pPr lvl="0"/>
+            <a:r>
+              <a:rPr lang="zh-CN" altLang="en-US" smtClean="0"/>
+              <a:t>单击此处编辑母版文本样式</a:t>
+            </a:r>
+          </a:p>
+          <a:p>
+            <a:pPr lvl="1"/>
+            <a:r>
+              <a:rPr lang="zh-CN" altLang="en-US" smtClean="0"/>
+              <a:t>第二级</a:t>
+            </a:r>
+          </a:p>
+          <a:p>
+            <a:pPr lvl="2"/>
+            <a:r>
+              <a:rPr lang="zh-CN" altLang="en-US" smtClean="0"/>
+              <a:t>第三级</a:t>
+            </a:r>
+          </a:p>
+          <a:p>
+            <a:pPr lvl="3"/>
+            <a:r>
+              <a:rPr lang="zh-CN" altLang="en-US" smtClean="0"/>
+              <a:t>第四级</a:t>
+            </a:r>
+          </a:p>
+          <a:p>
+            <a:pPr lvl="4"/>
+            <a:r>
+              <a:rPr lang="zh-CN" altLang="en-US" smtClean="0"/>
+              <a:t>第五级</a:t>
+            </a:r>
+            <a:endParaRPr lang="zh-CN" altLang="en-US"/>
+          </a:p>
+        </p:txBody>
+      </p:sp>
+      <p:sp>
+        <p:nvSpPr>
+          <p:cNvPr id="6" name="页脚占位符 5"/>
+          <p:cNvSpPr>
+            <a:spLocks noGrp="1"/>
+          </p:cNvSpPr>
+          <p:nvPr>
+            <p:ph type="ftr" sz="quarter" idx="4"/>
+          </p:nvPr>
+        </p:nvSpPr>
+        <p:spPr>
+          <a:xfrm>
+            <a:off x="0" y="8685213"/>
+            <a:ext cx="2971800" cy="458787"/>
+          </a:xfrm>
+          <a:prstGeom prst="rect">
+            <a:avLst/>
+          </a:prstGeom>
+        </p:spPr>
+        <p:txBody>
+          <a:bodyPr vert="horz" lIns="91440" tIns="45720" rIns="91440" bIns="45720" rtlCol="0" anchor="b"/>
+          <a:lstStyle>
+            <a:lvl1pPr algn="l">
+              <a:defRPr sz="1200"/>
+            </a:lvl1pPr>
+          </a:lstStyle>
+          <a:p>
+            <a:endParaRPr lang="zh-CN" altLang="en-US"/>
+          </a:p>
+        </p:txBody>
+      </p:sp>
+      <p:sp>
+        <p:nvSpPr>
+          <p:cNvPr id="7" name="灯片编号占位符 6"/>
+          <p:cNvSpPr>
+            <a:spLocks noGrp="1"/>
+          </p:cNvSpPr>
+          <p:nvPr>
+            <p:ph type="sldNum" sz="quarter" idx="5"/>
+          </p:nvPr>
+        </p:nvSpPr>
+        <p:spPr>
+          <a:xfrm>
+            <a:off x="3884613" y="8685213"/>
+            <a:ext cx="2971800" cy="458787"/>
+          </a:xfrm>
+          <a:prstGeom prst="rect">
+            <a:avLst/>
+          </a:prstGeom>
+        </p:spPr>
+        <p:txBody>
+          <a:bodyPr vert="horz" lIns="91440" tIns="45720" rIns="91440" bIns="45720" rtlCol="0" anchor="b"/>
+          <a:lstStyle>
+            <a:lvl1pPr algn="r">
+              <a:defRPr sz="1200"/>
+            </a:lvl1pPr>
+          </a:lstStyle>
+          <a:p>
+            <a:fld id="{6245CCF4-CF1B-4B4B-B5D0-2221EBE362B5}" type="slidenum">
+              <a:rPr lang="zh-CN" altLang="en-US" smtClean="0"/>
+              <a:t>‹#›</a:t>
+            </a:fld>
+            <a:endParaRPr lang="zh-CN" altLang="en-US"/>
+          </a:p>
+        </p:txBody>
+      </p:sp>
+    </p:spTree>
+    <p:extLst>
+      <p:ext uri="{BB962C8B-B14F-4D97-AF65-F5344CB8AC3E}">
+        <p14:creationId xmlns:p14="http://schemas.microsoft.com/office/powerpoint/2010/main" val="4019037837"/>
+      </p:ext>
+    </p:extLst>
+  </p:cSld>
+  <p:clrMap bg1="lt1" tx1="dk1" bg2="lt2" tx2="dk2" accent1="accent1" accent2="accent2" accent3="accent3" accent4="accent4" accent5="accent5" accent6="accent6" hlink="hlink" folHlink="folHlink"/>
+  <p:notesStyle>
+    <a:lvl1pPr marL="0" algn="l" defTabSz="914400" rtl="0" eaLnBrk="1" latinLnBrk="0" hangingPunct="1">
+      <a:defRPr sz="1200" kern="1200">
+        <a:solidFill>
+          <a:schemeClr val="tx1"/>
+        </a:solidFill>
+        <a:latin typeface="+mn-lt"/>
+        <a:ea typeface="+mn-ea"/>
+        <a:cs typeface="+mn-cs"/>
+      </a:defRPr>
+    </a:lvl1pPr>
+    <a:lvl2pPr marL="457200" algn="l" defTabSz="914400" rtl="0" eaLnBrk="1" latinLnBrk="0" hangingPunct="1">
+      <a:defRPr sz="1200" kern="1200">
+        <a:solidFill>
+          <a:schemeClr val="tx1"/>
+        </a:solidFill>
+        <a:latin typeface="+mn-lt"/>
+        <a:ea typeface="+mn-ea"/>
+        <a:cs typeface="+mn-cs"/>
+      </a:defRPr>
+    </a:lvl2pPr>
+    <a:lvl3pPr marL="914400" algn="l" defTabSz="914400" rtl="0" eaLnBrk="1" latinLnBrk="0" hangingPunct="1">
+      <a:defRPr sz="1200" kern="1200">
+        <a:solidFill>
+          <a:schemeClr val="tx1"/>
+        </a:solidFill>
+        <a:latin typeface="+mn-lt"/>
+        <a:ea typeface="+mn-ea"/>
+        <a:cs typeface="+mn-cs"/>
+      </a:defRPr>
+    </a:lvl3pPr>
+    <a:lvl4pPr marL="1371600" algn="l" defTabSz="914400" rtl="0" eaLnBrk="1" latinLnBrk="0" hangingPunct="1">
+      <a:defRPr sz="1200" kern="1200">
+        <a:solidFill>
+          <a:schemeClr val="tx1"/>
+        </a:solidFill>
+        <a:latin typeface="+mn-lt"/>
+        <a:ea typeface="+mn-ea"/>
+        <a:cs typeface="+mn-cs"/>
+      </a:defRPr>
+    </a:lvl4pPr>
+    <a:lvl5pPr marL="1828800" algn="l" defTabSz="914400" rtl="0" eaLnBrk="1" latinLnBrk="0" hangingPunct="1">
+      <a:defRPr sz="1200" kern="1200">
+        <a:solidFill>
+          <a:schemeClr val="tx1"/>
+        </a:solidFill>
+        <a:latin typeface="+mn-lt"/>
+        <a:ea typeface="+mn-ea"/>
+        <a:cs typeface="+mn-cs"/>
+      </a:defRPr>
+    </a:lvl5pPr>
+    <a:lvl6pPr marL="2286000" algn="l" defTabSz="914400" rtl="0" eaLnBrk="1" latinLnBrk="0" hangingPunct="1">
+      <a:defRPr sz="1200" kern="1200">
+        <a:solidFill>
+          <a:schemeClr val="tx1"/>
+        </a:solidFill>
+        <a:latin typeface="+mn-lt"/>
+        <a:ea typeface="+mn-ea"/>
+        <a:cs typeface="+mn-cs"/>
+      </a:defRPr>
+    </a:lvl6pPr>
+    <a:lvl7pPr marL="2743200" algn="l" defTabSz="914400" rtl="0" eaLnBrk="1" latinLnBrk="0" hangingPunct="1">
+      <a:defRPr sz="1200" kern="1200">
+        <a:solidFill>
+          <a:schemeClr val="tx1"/>
+        </a:solidFill>
+        <a:latin typeface="+mn-lt"/>
+        <a:ea typeface="+mn-ea"/>
+        <a:cs typeface="+mn-cs"/>
+      </a:defRPr>
+    </a:lvl7pPr>
+    <a:lvl8pPr marL="3200400" algn="l" defTabSz="914400" rtl="0" eaLnBrk="1" latinLnBrk="0" hangingPunct="1">
+      <a:defRPr sz="1200" kern="1200">
+        <a:solidFill>
+          <a:schemeClr val="tx1"/>
+        </a:solidFill>
+        <a:latin typeface="+mn-lt"/>
+        <a:ea typeface="+mn-ea"/>
+        <a:cs typeface="+mn-cs"/>
+      </a:defRPr>
+    </a:lvl8pPr>
+    <a:lvl9pPr marL="3657600" algn="l" defTabSz="914400" rtl="0" eaLnBrk="1" latinLnBrk="0" hangingPunct="1">
+      <a:defRPr sz="1200" kern="1200">
+        <a:solidFill>
+          <a:schemeClr val="tx1"/>
+        </a:solidFill>
+        <a:latin typeface="+mn-lt"/>
+        <a:ea typeface="+mn-ea"/>
+        <a:cs typeface="+mn-cs"/>
+      </a:defRPr>
+    </a:lvl9pPr>
+  </p:notesStyle>
+</p:notesMaster>
+</file>
+
+<file path=ppt/notesSlides/notesSlide1.xml><?xml version="1.0" encoding="utf-8"?>
+<p:notes xmlns:a="http://schemas.openxmlformats.org/drawingml/2006/main" xmlns:r="http://schemas.openxmlformats.org/officeDocument/2006/relationships" xmlns:p="http://schemas.openxmlformats.org/presentationml/2006/main">
+  <p:cSld>
+    <p:spTree>
+      <p:nvGrpSpPr>
+        <p:cNvPr id="1" name=""/>
+        <p:cNvGrpSpPr/>
+        <p:nvPr/>
+      </p:nvGrpSpPr>
+      <p:grpSpPr>
+        <a:xfrm>
+          <a:off x="0" y="0"/>
+          <a:ext cx="0" cy="0"/>
+          <a:chOff x="0" y="0"/>
+          <a:chExt cx="0" cy="0"/>
+        </a:xfrm>
+      </p:grpSpPr>
+      <p:sp>
+        <p:nvSpPr>
+          <p:cNvPr id="2" name="幻灯片图像占位符 1"/>
+          <p:cNvSpPr>
+            <a:spLocks noGrp="1" noRot="1" noChangeAspect="1"/>
+          </p:cNvSpPr>
+          <p:nvPr>
+            <p:ph type="sldImg"/>
+          </p:nvPr>
+        </p:nvSpPr>
+        <p:spPr/>
+      </p:sp>
+      <p:sp>
+        <p:nvSpPr>
+          <p:cNvPr id="3" name="备注占位符 2"/>
+          <p:cNvSpPr>
+            <a:spLocks noGrp="1"/>
+          </p:cNvSpPr>
+          <p:nvPr>
+            <p:ph type="body" idx="1"/>
+          </p:nvPr>
+        </p:nvSpPr>
+        <p:spPr/>
+        <p:txBody>
+          <a:bodyPr/>
+          <a:lstStyle/>
+          <a:p>
+            <a:r>
+              <a:rPr lang="en-US" altLang="zh-CN" dirty="0" smtClean="0"/>
+              <a:t>rust</a:t>
+            </a:r>
+            <a:r>
+              <a:rPr lang="zh-CN" altLang="en-US" dirty="0" smtClean="0"/>
+              <a:t>是一门系统型编程语言。由</a:t>
+            </a:r>
+            <a:r>
+              <a:rPr lang="en-US" altLang="zh-CN" dirty="0" err="1" smtClean="0"/>
+              <a:t>Graydon</a:t>
+            </a:r>
+            <a:r>
+              <a:rPr lang="en-US" altLang="zh-CN" dirty="0" smtClean="0"/>
+              <a:t> Hoare(</a:t>
+            </a:r>
+            <a:r>
+              <a:rPr lang="zh-CN" altLang="en-US" dirty="0" smtClean="0"/>
+              <a:t>格雷顿</a:t>
+            </a:r>
+            <a:r>
+              <a:rPr lang="en-US" altLang="zh-CN" dirty="0" smtClean="0"/>
+              <a:t>.</a:t>
+            </a:r>
+            <a:r>
+              <a:rPr lang="zh-CN" altLang="en-US" dirty="0" smtClean="0"/>
+              <a:t>霍尔</a:t>
+            </a:r>
+            <a:r>
+              <a:rPr lang="en-US" altLang="zh-CN" dirty="0" smtClean="0"/>
+              <a:t>)</a:t>
+            </a:r>
+            <a:r>
+              <a:rPr lang="zh-CN" altLang="en-US" dirty="0" smtClean="0"/>
+              <a:t>于</a:t>
+            </a:r>
+            <a:r>
+              <a:rPr lang="en-US" altLang="zh-CN" dirty="0" smtClean="0"/>
+              <a:t>2006</a:t>
+            </a:r>
+            <a:r>
+              <a:rPr lang="zh-CN" altLang="en-US" dirty="0" smtClean="0"/>
+              <a:t>年开始开发，起初做为一个私人开发项目由</a:t>
+            </a:r>
+            <a:r>
+              <a:rPr lang="en-US" altLang="zh-CN" dirty="0" smtClean="0"/>
+              <a:t>GH</a:t>
+            </a:r>
+            <a:r>
+              <a:rPr lang="zh-CN" altLang="en-US" dirty="0" smtClean="0"/>
+              <a:t>进行开发，后来于</a:t>
+            </a:r>
+            <a:r>
+              <a:rPr lang="en-US" altLang="zh-CN" dirty="0" smtClean="0"/>
+              <a:t>2009</a:t>
+            </a:r>
+            <a:r>
+              <a:rPr lang="zh-CN" altLang="en-US" dirty="0" smtClean="0"/>
+              <a:t>年得到</a:t>
+            </a:r>
+            <a:r>
+              <a:rPr lang="en-US" altLang="zh-CN" dirty="0" smtClean="0"/>
+              <a:t>Mozilla</a:t>
+            </a:r>
+            <a:r>
+              <a:rPr lang="zh-CN" altLang="en-US" dirty="0" smtClean="0"/>
+              <a:t>公司赞助，并于次年正式向外界推出第一个版本</a:t>
+            </a:r>
+            <a:r>
+              <a:rPr lang="en-US" altLang="zh-CN" dirty="0" smtClean="0"/>
+              <a:t>0.1.0</a:t>
+            </a:r>
+            <a:r>
+              <a:rPr lang="zh-CN" altLang="en-US" dirty="0" smtClean="0"/>
+              <a:t>。于此同时，</a:t>
+            </a:r>
+            <a:r>
+              <a:rPr lang="en-US" altLang="zh-CN" dirty="0" err="1" smtClean="0"/>
+              <a:t>mozilla</a:t>
+            </a:r>
+            <a:r>
+              <a:rPr lang="zh-CN" altLang="en-US" dirty="0" smtClean="0"/>
+              <a:t>公司启动了</a:t>
+            </a:r>
+            <a:r>
+              <a:rPr lang="en-US" altLang="zh-CN" dirty="0" smtClean="0"/>
+              <a:t>servo</a:t>
+            </a:r>
+            <a:r>
+              <a:rPr lang="zh-CN" altLang="en-US" dirty="0" smtClean="0"/>
+              <a:t>项目的开发，该项目也是</a:t>
+            </a:r>
+            <a:r>
+              <a:rPr lang="en-US" altLang="zh-CN" dirty="0" smtClean="0"/>
+              <a:t>rust</a:t>
+            </a:r>
+            <a:r>
+              <a:rPr lang="zh-CN" altLang="en-US" dirty="0" smtClean="0"/>
+              <a:t>的第一个项目。</a:t>
+            </a:r>
+            <a:r>
+              <a:rPr lang="en-US" altLang="zh-CN" dirty="0" smtClean="0"/>
+              <a:t>2011</a:t>
+            </a:r>
+            <a:r>
+              <a:rPr lang="zh-CN" altLang="en-US" dirty="0" smtClean="0"/>
+              <a:t>年</a:t>
+            </a:r>
+            <a:r>
+              <a:rPr lang="en-US" altLang="zh-CN" dirty="0" smtClean="0"/>
+              <a:t>rust</a:t>
+            </a:r>
+            <a:r>
+              <a:rPr lang="zh-CN" altLang="en-US" dirty="0" smtClean="0"/>
+              <a:t>语言完成自举，</a:t>
+            </a:r>
+            <a:r>
+              <a:rPr lang="en-US" altLang="zh-CN" dirty="0" smtClean="0"/>
+              <a:t>2015</a:t>
+            </a:r>
+            <a:r>
+              <a:rPr lang="zh-CN" altLang="en-US" dirty="0" smtClean="0"/>
+              <a:t>年正式推出第一个稳定版本</a:t>
+            </a:r>
+            <a:r>
+              <a:rPr lang="en-US" altLang="zh-CN" dirty="0" smtClean="0"/>
+              <a:t>1.0</a:t>
+            </a:r>
+            <a:r>
+              <a:rPr lang="zh-CN" altLang="en-US" dirty="0" smtClean="0"/>
+              <a:t>，</a:t>
+            </a:r>
+            <a:r>
+              <a:rPr lang="en-US" altLang="zh-CN" dirty="0" smtClean="0"/>
+              <a:t>2018</a:t>
+            </a:r>
+            <a:r>
+              <a:rPr lang="zh-CN" altLang="en-US" dirty="0" smtClean="0"/>
+              <a:t>年开始进行第二次大的版本迭代升级，</a:t>
+            </a:r>
+            <a:r>
+              <a:rPr lang="en-US" altLang="zh-CN" sz="1200" b="0" i="0" kern="1200" dirty="0" smtClean="0">
+                <a:solidFill>
+                  <a:schemeClr val="tx1"/>
+                </a:solidFill>
+                <a:effectLst/>
+                <a:latin typeface="+mn-lt"/>
+                <a:ea typeface="+mn-ea"/>
+                <a:cs typeface="+mn-cs"/>
+              </a:rPr>
+              <a:t>Rust 2018 </a:t>
+            </a:r>
+            <a:r>
+              <a:rPr lang="zh-CN" altLang="en-US" sz="1200" b="0" i="0" kern="1200" dirty="0" smtClean="0">
+                <a:solidFill>
+                  <a:schemeClr val="tx1"/>
+                </a:solidFill>
+                <a:effectLst/>
+                <a:latin typeface="+mn-lt"/>
+                <a:ea typeface="+mn-ea"/>
+                <a:cs typeface="+mn-cs"/>
+              </a:rPr>
+              <a:t>使粗糙边缘平滑，使编写代码更简单，更容易。</a:t>
+            </a:r>
+            <a:endParaRPr lang="en-US" altLang="zh-CN" dirty="0" smtClean="0"/>
+          </a:p>
+        </p:txBody>
+      </p:sp>
+      <p:sp>
+        <p:nvSpPr>
+          <p:cNvPr id="4" name="灯片编号占位符 3"/>
+          <p:cNvSpPr>
+            <a:spLocks noGrp="1"/>
+          </p:cNvSpPr>
+          <p:nvPr>
+            <p:ph type="sldNum" sz="quarter" idx="10"/>
+          </p:nvPr>
+        </p:nvSpPr>
+        <p:spPr/>
+        <p:txBody>
+          <a:bodyPr/>
+          <a:lstStyle/>
+          <a:p>
+            <a:fld id="{6245CCF4-CF1B-4B4B-B5D0-2221EBE362B5}" type="slidenum">
+              <a:rPr lang="zh-CN" altLang="en-US" smtClean="0"/>
+              <a:t>3</a:t>
+            </a:fld>
+            <a:endParaRPr lang="zh-CN" altLang="en-US"/>
+          </a:p>
+        </p:txBody>
+      </p:sp>
+    </p:spTree>
+    <p:extLst>
+      <p:ext uri="{BB962C8B-B14F-4D97-AF65-F5344CB8AC3E}">
+        <p14:creationId xmlns:p14="http://schemas.microsoft.com/office/powerpoint/2010/main" val="1426563238"/>
+      </p:ext>
+    </p:extLst>
+  </p:cSld>
+  <p:clrMapOvr>
+    <a:masterClrMapping/>
+  </p:clrMapOvr>
+</p:notes>
+</file>
+
+<file path=ppt/notesSlides/notesSlide2.xml><?xml version="1.0" encoding="utf-8"?>
+<p:notes xmlns:a="http://schemas.openxmlformats.org/drawingml/2006/main" xmlns:r="http://schemas.openxmlformats.org/officeDocument/2006/relationships" xmlns:p="http://schemas.openxmlformats.org/presentationml/2006/main">
+  <p:cSld>
+    <p:spTree>
+      <p:nvGrpSpPr>
+        <p:cNvPr id="1" name=""/>
+        <p:cNvGrpSpPr/>
+        <p:nvPr/>
+      </p:nvGrpSpPr>
+      <p:grpSpPr>
+        <a:xfrm>
+          <a:off x="0" y="0"/>
+          <a:ext cx="0" cy="0"/>
+          <a:chOff x="0" y="0"/>
+          <a:chExt cx="0" cy="0"/>
+        </a:xfrm>
+      </p:grpSpPr>
+      <p:sp>
+        <p:nvSpPr>
+          <p:cNvPr id="2" name="幻灯片图像占位符 1"/>
+          <p:cNvSpPr>
+            <a:spLocks noGrp="1" noRot="1" noChangeAspect="1"/>
+          </p:cNvSpPr>
+          <p:nvPr>
+            <p:ph type="sldImg"/>
+          </p:nvPr>
+        </p:nvSpPr>
+        <p:spPr/>
+      </p:sp>
+      <p:sp>
+        <p:nvSpPr>
+          <p:cNvPr id="3" name="备注占位符 2"/>
+          <p:cNvSpPr>
+            <a:spLocks noGrp="1"/>
+          </p:cNvSpPr>
+          <p:nvPr>
+            <p:ph type="body" idx="1"/>
+          </p:nvPr>
+        </p:nvSpPr>
+        <p:spPr/>
+        <p:txBody>
+          <a:bodyPr/>
+          <a:lstStyle/>
+          <a:p>
+            <a:r>
+              <a:rPr lang="en-US" altLang="zh-CN" dirty="0" smtClean="0"/>
+              <a:t>Rust</a:t>
+            </a:r>
+            <a:r>
+              <a:rPr lang="zh-CN" altLang="en-US" dirty="0" smtClean="0"/>
+              <a:t>自发布以来，稳步发展，功能逐渐完善，从</a:t>
+            </a:r>
+            <a:r>
+              <a:rPr lang="en-US" altLang="zh-CN" dirty="0" smtClean="0"/>
+              <a:t>2016</a:t>
+            </a:r>
+            <a:r>
+              <a:rPr lang="zh-CN" altLang="en-US" dirty="0" smtClean="0"/>
+              <a:t>年开始到</a:t>
+            </a:r>
+            <a:r>
+              <a:rPr lang="en-US" altLang="zh-CN" dirty="0" smtClean="0"/>
+              <a:t>2021</a:t>
+            </a:r>
+            <a:r>
+              <a:rPr lang="zh-CN" altLang="en-US" dirty="0" smtClean="0"/>
+              <a:t>年已经连续六年成为</a:t>
+            </a:r>
+            <a:r>
+              <a:rPr lang="en-US" altLang="zh-CN" dirty="0" err="1" smtClean="0"/>
+              <a:t>stackoverflow</a:t>
+            </a:r>
+            <a:r>
+              <a:rPr lang="zh-CN" altLang="en-US" dirty="0" smtClean="0"/>
+              <a:t>最受欢迎的语言。链接是</a:t>
+            </a:r>
+            <a:r>
+              <a:rPr lang="en-US" altLang="zh-CN" dirty="0" smtClean="0"/>
+              <a:t>2021</a:t>
+            </a:r>
+            <a:r>
+              <a:rPr lang="zh-CN" altLang="en-US" dirty="0" smtClean="0"/>
+              <a:t>年</a:t>
+            </a:r>
+            <a:r>
+              <a:rPr lang="en-US" altLang="zh-CN" dirty="0" err="1" smtClean="0"/>
+              <a:t>stackoverflow</a:t>
+            </a:r>
+            <a:r>
+              <a:rPr lang="zh-CN" altLang="en-US" dirty="0" smtClean="0"/>
+              <a:t>的调查数据。</a:t>
+            </a:r>
+            <a:endParaRPr lang="zh-CN" altLang="en-US" dirty="0"/>
+          </a:p>
+        </p:txBody>
+      </p:sp>
+      <p:sp>
+        <p:nvSpPr>
+          <p:cNvPr id="4" name="灯片编号占位符 3"/>
+          <p:cNvSpPr>
+            <a:spLocks noGrp="1"/>
+          </p:cNvSpPr>
+          <p:nvPr>
+            <p:ph type="sldNum" sz="quarter" idx="10"/>
+          </p:nvPr>
+        </p:nvSpPr>
+        <p:spPr/>
+        <p:txBody>
+          <a:bodyPr/>
+          <a:lstStyle/>
+          <a:p>
+            <a:fld id="{6245CCF4-CF1B-4B4B-B5D0-2221EBE362B5}" type="slidenum">
+              <a:rPr lang="zh-CN" altLang="en-US" smtClean="0"/>
+              <a:t>4</a:t>
+            </a:fld>
+            <a:endParaRPr lang="zh-CN" altLang="en-US"/>
+          </a:p>
+        </p:txBody>
+      </p:sp>
+    </p:spTree>
+    <p:extLst>
+      <p:ext uri="{BB962C8B-B14F-4D97-AF65-F5344CB8AC3E}">
+        <p14:creationId xmlns:p14="http://schemas.microsoft.com/office/powerpoint/2010/main" val="31023754"/>
+      </p:ext>
+    </p:extLst>
+  </p:cSld>
+  <p:clrMapOvr>
+    <a:masterClrMapping/>
+  </p:clrMapOvr>
+</p:notes>
+</file>
+
+<file path=ppt/notesSlides/notesSlide3.xml><?xml version="1.0" encoding="utf-8"?>
+<p:notes xmlns:a="http://schemas.openxmlformats.org/drawingml/2006/main" xmlns:r="http://schemas.openxmlformats.org/officeDocument/2006/relationships" xmlns:p="http://schemas.openxmlformats.org/presentationml/2006/main">
+  <p:cSld>
+    <p:spTree>
+      <p:nvGrpSpPr>
+        <p:cNvPr id="1" name=""/>
+        <p:cNvGrpSpPr/>
+        <p:nvPr/>
+      </p:nvGrpSpPr>
+      <p:grpSpPr>
+        <a:xfrm>
+          <a:off x="0" y="0"/>
+          <a:ext cx="0" cy="0"/>
+          <a:chOff x="0" y="0"/>
+          <a:chExt cx="0" cy="0"/>
+        </a:xfrm>
+      </p:grpSpPr>
+      <p:sp>
+        <p:nvSpPr>
+          <p:cNvPr id="2" name="幻灯片图像占位符 1"/>
+          <p:cNvSpPr>
+            <a:spLocks noGrp="1" noRot="1" noChangeAspect="1"/>
+          </p:cNvSpPr>
+          <p:nvPr>
+            <p:ph type="sldImg"/>
+          </p:nvPr>
+        </p:nvSpPr>
+        <p:spPr/>
+      </p:sp>
+      <p:sp>
+        <p:nvSpPr>
+          <p:cNvPr id="3" name="备注占位符 2"/>
+          <p:cNvSpPr>
+            <a:spLocks noGrp="1"/>
+          </p:cNvSpPr>
+          <p:nvPr>
+            <p:ph type="body" idx="1"/>
+          </p:nvPr>
+        </p:nvSpPr>
+        <p:spPr/>
+        <p:txBody>
+          <a:bodyPr/>
+          <a:lstStyle/>
+          <a:p>
+            <a:r>
+              <a:rPr lang="en-US" altLang="zh-CN" dirty="0" smtClean="0"/>
+              <a:t>2021</a:t>
+            </a:r>
+            <a:r>
+              <a:rPr lang="zh-CN" altLang="en-US" dirty="0" smtClean="0"/>
+              <a:t>年亚马逊、华为、微软、谷歌、</a:t>
+            </a:r>
+            <a:r>
+              <a:rPr lang="en-US" altLang="zh-CN" dirty="0" smtClean="0"/>
+              <a:t>Mozilla</a:t>
+            </a:r>
+            <a:r>
+              <a:rPr lang="zh-CN" altLang="en-US" dirty="0" smtClean="0"/>
+              <a:t>公司共同成立了</a:t>
+            </a:r>
+            <a:r>
+              <a:rPr lang="en-US" altLang="zh-CN" dirty="0" smtClean="0"/>
+              <a:t>rust</a:t>
+            </a:r>
+            <a:r>
+              <a:rPr lang="zh-CN" altLang="en-US" dirty="0" smtClean="0"/>
+              <a:t>基金会，致力于全球推广</a:t>
+            </a:r>
+            <a:r>
+              <a:rPr lang="en-US" altLang="zh-CN" dirty="0" smtClean="0"/>
+              <a:t>rust</a:t>
+            </a:r>
+            <a:r>
+              <a:rPr lang="zh-CN" altLang="en-US" dirty="0" smtClean="0"/>
+              <a:t>语言。之后陆续有其他公司加入。</a:t>
+            </a:r>
+            <a:r>
+              <a:rPr lang="zh-CN" altLang="en-US" sz="1200" b="0" i="0" kern="1200" dirty="0" smtClean="0">
+                <a:solidFill>
+                  <a:schemeClr val="tx1"/>
+                </a:solidFill>
+                <a:effectLst/>
+                <a:latin typeface="+mn-lt"/>
+                <a:ea typeface="+mn-ea"/>
+                <a:cs typeface="+mn-cs"/>
+              </a:rPr>
+              <a:t> 那么，格雷顿</a:t>
+            </a:r>
+            <a:r>
+              <a:rPr lang="en-US" altLang="zh-CN" sz="1200" b="0" i="0" kern="1200" dirty="0" smtClean="0">
+                <a:solidFill>
+                  <a:schemeClr val="tx1"/>
+                </a:solidFill>
+                <a:effectLst/>
+                <a:latin typeface="+mn-lt"/>
+                <a:ea typeface="+mn-ea"/>
+                <a:cs typeface="+mn-cs"/>
+              </a:rPr>
+              <a:t>~</a:t>
+            </a:r>
+            <a:r>
+              <a:rPr lang="zh-CN" altLang="en-US" sz="1200" b="0" i="0" kern="1200" dirty="0" smtClean="0">
+                <a:solidFill>
+                  <a:schemeClr val="tx1"/>
+                </a:solidFill>
+                <a:effectLst/>
+                <a:latin typeface="+mn-lt"/>
+                <a:ea typeface="+mn-ea"/>
+                <a:cs typeface="+mn-cs"/>
+              </a:rPr>
+              <a:t>霍尔为什么创造</a:t>
+            </a:r>
+            <a:r>
+              <a:rPr lang="en-US" altLang="zh-CN" sz="1200" b="0" i="0" kern="1200" dirty="0" smtClean="0">
+                <a:solidFill>
+                  <a:schemeClr val="tx1"/>
+                </a:solidFill>
+                <a:effectLst/>
+                <a:latin typeface="+mn-lt"/>
+                <a:ea typeface="+mn-ea"/>
+                <a:cs typeface="+mn-cs"/>
+              </a:rPr>
+              <a:t>Rust</a:t>
+            </a:r>
+            <a:r>
+              <a:rPr lang="zh-CN" altLang="en-US" sz="1200" b="0" i="0" kern="1200" dirty="0" smtClean="0">
+                <a:solidFill>
+                  <a:schemeClr val="tx1"/>
+                </a:solidFill>
+                <a:effectLst/>
+                <a:latin typeface="+mn-lt"/>
+                <a:ea typeface="+mn-ea"/>
+                <a:cs typeface="+mn-cs"/>
+              </a:rPr>
+              <a:t>这门语言，并且</a:t>
+            </a:r>
+            <a:r>
+              <a:rPr lang="en-US" altLang="zh-CN" sz="1200" b="0" i="0" kern="1200" dirty="0" smtClean="0">
+                <a:solidFill>
+                  <a:schemeClr val="tx1"/>
+                </a:solidFill>
+                <a:effectLst/>
+                <a:latin typeface="+mn-lt"/>
+                <a:ea typeface="+mn-ea"/>
+                <a:cs typeface="+mn-cs"/>
+              </a:rPr>
+              <a:t>Rust</a:t>
+            </a:r>
+            <a:r>
+              <a:rPr lang="zh-CN" altLang="en-US" sz="1200" b="0" i="0" kern="1200" dirty="0" smtClean="0">
+                <a:solidFill>
+                  <a:schemeClr val="tx1"/>
+                </a:solidFill>
+                <a:effectLst/>
+                <a:latin typeface="+mn-lt"/>
+                <a:ea typeface="+mn-ea"/>
+                <a:cs typeface="+mn-cs"/>
+              </a:rPr>
+              <a:t>为什么能让广大开发者和巨头公司这么感兴趣呢？</a:t>
+            </a:r>
+            <a:endParaRPr lang="zh-CN" altLang="en-US" dirty="0"/>
+          </a:p>
+        </p:txBody>
+      </p:sp>
+      <p:sp>
+        <p:nvSpPr>
+          <p:cNvPr id="4" name="灯片编号占位符 3"/>
+          <p:cNvSpPr>
+            <a:spLocks noGrp="1"/>
+          </p:cNvSpPr>
+          <p:nvPr>
+            <p:ph type="sldNum" sz="quarter" idx="10"/>
+          </p:nvPr>
+        </p:nvSpPr>
+        <p:spPr/>
+        <p:txBody>
+          <a:bodyPr/>
+          <a:lstStyle/>
+          <a:p>
+            <a:fld id="{6245CCF4-CF1B-4B4B-B5D0-2221EBE362B5}" type="slidenum">
+              <a:rPr lang="zh-CN" altLang="en-US" smtClean="0"/>
+              <a:t>5</a:t>
+            </a:fld>
+            <a:endParaRPr lang="zh-CN" altLang="en-US"/>
+          </a:p>
+        </p:txBody>
+      </p:sp>
+    </p:spTree>
+    <p:extLst>
+      <p:ext uri="{BB962C8B-B14F-4D97-AF65-F5344CB8AC3E}">
+        <p14:creationId xmlns:p14="http://schemas.microsoft.com/office/powerpoint/2010/main" val="1791960603"/>
+      </p:ext>
+    </p:extLst>
+  </p:cSld>
+  <p:clrMapOvr>
+    <a:masterClrMapping/>
+  </p:clrMapOvr>
+</p:notes>
+</file>
+
+<file path=ppt/notesSlides/notesSlide4.xml><?xml version="1.0" encoding="utf-8"?>
+<p:notes xmlns:a="http://schemas.openxmlformats.org/drawingml/2006/main" xmlns:r="http://schemas.openxmlformats.org/officeDocument/2006/relationships" xmlns:p="http://schemas.openxmlformats.org/presentationml/2006/main">
+  <p:cSld>
+    <p:spTree>
+      <p:nvGrpSpPr>
+        <p:cNvPr id="1" name=""/>
+        <p:cNvGrpSpPr/>
+        <p:nvPr/>
+      </p:nvGrpSpPr>
+      <p:grpSpPr>
+        <a:xfrm>
+          <a:off x="0" y="0"/>
+          <a:ext cx="0" cy="0"/>
+          <a:chOff x="0" y="0"/>
+          <a:chExt cx="0" cy="0"/>
+        </a:xfrm>
+      </p:grpSpPr>
+      <p:sp>
+        <p:nvSpPr>
+          <p:cNvPr id="2" name="幻灯片图像占位符 1"/>
+          <p:cNvSpPr>
+            <a:spLocks noGrp="1" noRot="1" noChangeAspect="1"/>
+          </p:cNvSpPr>
+          <p:nvPr>
+            <p:ph type="sldImg"/>
+          </p:nvPr>
+        </p:nvSpPr>
+        <p:spPr/>
+      </p:sp>
+      <p:sp>
+        <p:nvSpPr>
+          <p:cNvPr id="3" name="备注占位符 2"/>
+          <p:cNvSpPr>
+            <a:spLocks noGrp="1"/>
+          </p:cNvSpPr>
+          <p:nvPr>
+            <p:ph type="body" idx="1"/>
+          </p:nvPr>
+        </p:nvSpPr>
+        <p:spPr/>
+        <p:txBody>
+          <a:bodyPr/>
+          <a:lstStyle/>
+          <a:p>
+            <a:r>
+              <a:rPr lang="zh-CN" altLang="en-US" dirty="0" smtClean="0"/>
+              <a:t>在计算机领域中，人们普遍关心的两个属性，分别是性能和安全性。早期计算机行业，计算资源匮乏，为了获取更高的性能宁愿牺牲安全性。随着计算机行业的发展，计算资源得到极大增加，不仅关注性能，更关注安全性。因此格雷顿霍尔萌生了自己开发一门语言的想法。他期望该语言能有如下表现。</a:t>
+            </a:r>
+            <a:endParaRPr lang="zh-CN" altLang="en-US" dirty="0"/>
+          </a:p>
+        </p:txBody>
+      </p:sp>
+      <p:sp>
+        <p:nvSpPr>
+          <p:cNvPr id="4" name="灯片编号占位符 3"/>
+          <p:cNvSpPr>
+            <a:spLocks noGrp="1"/>
+          </p:cNvSpPr>
+          <p:nvPr>
+            <p:ph type="sldNum" sz="quarter" idx="10"/>
+          </p:nvPr>
+        </p:nvSpPr>
+        <p:spPr/>
+        <p:txBody>
+          <a:bodyPr/>
+          <a:lstStyle/>
+          <a:p>
+            <a:fld id="{6245CCF4-CF1B-4B4B-B5D0-2221EBE362B5}" type="slidenum">
+              <a:rPr lang="zh-CN" altLang="en-US" smtClean="0"/>
+              <a:t>6</a:t>
+            </a:fld>
+            <a:endParaRPr lang="zh-CN" altLang="en-US"/>
+          </a:p>
+        </p:txBody>
+      </p:sp>
+    </p:spTree>
+    <p:extLst>
+      <p:ext uri="{BB962C8B-B14F-4D97-AF65-F5344CB8AC3E}">
+        <p14:creationId xmlns:p14="http://schemas.microsoft.com/office/powerpoint/2010/main" val="674770815"/>
+      </p:ext>
+    </p:extLst>
+  </p:cSld>
+  <p:clrMapOvr>
+    <a:masterClrMapping/>
+  </p:clrMapOvr>
+</p:notes>
+</file>
+
+<file path=ppt/notesSlides/notesSlide5.xml><?xml version="1.0" encoding="utf-8"?>
+<p:notes xmlns:a="http://schemas.openxmlformats.org/drawingml/2006/main" xmlns:r="http://schemas.openxmlformats.org/officeDocument/2006/relationships" xmlns:p="http://schemas.openxmlformats.org/presentationml/2006/main">
+  <p:cSld>
+    <p:spTree>
+      <p:nvGrpSpPr>
+        <p:cNvPr id="1" name=""/>
+        <p:cNvGrpSpPr/>
+        <p:nvPr/>
+      </p:nvGrpSpPr>
+      <p:grpSpPr>
+        <a:xfrm>
+          <a:off x="0" y="0"/>
+          <a:ext cx="0" cy="0"/>
+          <a:chOff x="0" y="0"/>
+          <a:chExt cx="0" cy="0"/>
+        </a:xfrm>
+      </p:grpSpPr>
+      <p:sp>
+        <p:nvSpPr>
+          <p:cNvPr id="2" name="幻灯片图像占位符 1"/>
+          <p:cNvSpPr>
+            <a:spLocks noGrp="1" noRot="1" noChangeAspect="1"/>
+          </p:cNvSpPr>
+          <p:nvPr>
+            <p:ph type="sldImg"/>
+          </p:nvPr>
+        </p:nvSpPr>
+        <p:spPr/>
+      </p:sp>
+      <p:sp>
+        <p:nvSpPr>
+          <p:cNvPr id="3" name="备注占位符 2"/>
+          <p:cNvSpPr>
+            <a:spLocks noGrp="1"/>
+          </p:cNvSpPr>
+          <p:nvPr>
+            <p:ph type="body" idx="1"/>
+          </p:nvPr>
+        </p:nvSpPr>
+        <p:spPr/>
+        <p:txBody>
+          <a:bodyPr/>
+          <a:lstStyle/>
+          <a:p>
+            <a:r>
+              <a:rPr lang="zh-CN" altLang="en-US" dirty="0" smtClean="0"/>
+              <a:t>相比于之前的系统编程语言必须是更加安全的、不易崩溃的，尤其是在操作内存时</a:t>
+            </a:r>
+          </a:p>
+          <a:p>
+            <a:r>
+              <a:rPr lang="zh-CN" altLang="en-US" dirty="0" smtClean="0"/>
+              <a:t>不需要有垃圾回收系统，不能为了内存安全引入性能负担</a:t>
+            </a:r>
+          </a:p>
+          <a:p>
+            <a:r>
+              <a:rPr lang="zh-CN" altLang="en-US" dirty="0" smtClean="0"/>
+              <a:t>不仅仅拥有一个主要特性、而应该拥有一系列广泛特性，这些特性之间又不缺乏一致性，这些特性之间可以很高的相互协作，从而使该语言更容易编写、维护和调试，让程序员写出更安全、更高效的代码</a:t>
+            </a:r>
+          </a:p>
+        </p:txBody>
+      </p:sp>
+      <p:sp>
+        <p:nvSpPr>
+          <p:cNvPr id="4" name="灯片编号占位符 3"/>
+          <p:cNvSpPr>
+            <a:spLocks noGrp="1"/>
+          </p:cNvSpPr>
+          <p:nvPr>
+            <p:ph type="sldNum" sz="quarter" idx="10"/>
+          </p:nvPr>
+        </p:nvSpPr>
+        <p:spPr/>
+        <p:txBody>
+          <a:bodyPr/>
+          <a:lstStyle/>
+          <a:p>
+            <a:fld id="{6245CCF4-CF1B-4B4B-B5D0-2221EBE362B5}" type="slidenum">
+              <a:rPr lang="zh-CN" altLang="en-US" smtClean="0"/>
+              <a:t>7</a:t>
+            </a:fld>
+            <a:endParaRPr lang="zh-CN" altLang="en-US"/>
+          </a:p>
+        </p:txBody>
+      </p:sp>
+    </p:spTree>
+    <p:extLst>
+      <p:ext uri="{BB962C8B-B14F-4D97-AF65-F5344CB8AC3E}">
+        <p14:creationId xmlns:p14="http://schemas.microsoft.com/office/powerpoint/2010/main" val="2428489937"/>
+      </p:ext>
+    </p:extLst>
+  </p:cSld>
+  <p:clrMapOvr>
+    <a:masterClrMapping/>
+  </p:clrMapOvr>
+</p:notes>
+</file>
+
+<file path=ppt/notesSlides/notesSlide6.xml><?xml version="1.0" encoding="utf-8"?>
+<p:notes xmlns:a="http://schemas.openxmlformats.org/drawingml/2006/main" xmlns:r="http://schemas.openxmlformats.org/officeDocument/2006/relationships" xmlns:p="http://schemas.openxmlformats.org/presentationml/2006/main">
+  <p:cSld>
+    <p:spTree>
+      <p:nvGrpSpPr>
+        <p:cNvPr id="1" name=""/>
+        <p:cNvGrpSpPr/>
+        <p:nvPr/>
+      </p:nvGrpSpPr>
+      <p:grpSpPr>
+        <a:xfrm>
+          <a:off x="0" y="0"/>
+          <a:ext cx="0" cy="0"/>
+          <a:chOff x="0" y="0"/>
+          <a:chExt cx="0" cy="0"/>
+        </a:xfrm>
+      </p:grpSpPr>
+      <p:sp>
+        <p:nvSpPr>
+          <p:cNvPr id="2" name="幻灯片图像占位符 1"/>
+          <p:cNvSpPr>
+            <a:spLocks noGrp="1" noRot="1" noChangeAspect="1"/>
+          </p:cNvSpPr>
+          <p:nvPr>
+            <p:ph type="sldImg"/>
+          </p:nvPr>
+        </p:nvSpPr>
+        <p:spPr/>
+      </p:sp>
+      <p:sp>
+        <p:nvSpPr>
+          <p:cNvPr id="3" name="备注占位符 2"/>
+          <p:cNvSpPr>
+            <a:spLocks noGrp="1"/>
+          </p:cNvSpPr>
+          <p:nvPr>
+            <p:ph type="body" idx="1"/>
+          </p:nvPr>
+        </p:nvSpPr>
+        <p:spPr/>
+        <p:txBody>
+          <a:bodyPr/>
+          <a:lstStyle/>
+          <a:p>
+            <a:r>
+              <a:rPr lang="zh-CN" altLang="en-US" dirty="0" smtClean="0"/>
+              <a:t>作者为了实现一个更安全、易用、高效的语言。为</a:t>
+            </a:r>
+            <a:r>
+              <a:rPr lang="en-US" altLang="zh-CN" dirty="0" smtClean="0"/>
+              <a:t>Rust</a:t>
+            </a:r>
+            <a:r>
+              <a:rPr lang="zh-CN" altLang="en-US" dirty="0" smtClean="0"/>
+              <a:t>设定了三条设计原则，分别是内存安全、零成本抽象、实用性。那么</a:t>
+            </a:r>
+            <a:r>
+              <a:rPr lang="en-US" altLang="zh-CN" dirty="0" smtClean="0"/>
+              <a:t>Rust</a:t>
+            </a:r>
+            <a:r>
+              <a:rPr lang="zh-CN" altLang="en-US" dirty="0" smtClean="0"/>
+              <a:t>中是如何体现这三个原则特性的呢？</a:t>
+            </a:r>
+            <a:endParaRPr lang="zh-CN" altLang="en-US" dirty="0"/>
+          </a:p>
+        </p:txBody>
+      </p:sp>
+      <p:sp>
+        <p:nvSpPr>
+          <p:cNvPr id="4" name="灯片编号占位符 3"/>
+          <p:cNvSpPr>
+            <a:spLocks noGrp="1"/>
+          </p:cNvSpPr>
+          <p:nvPr>
+            <p:ph type="sldNum" sz="quarter" idx="10"/>
+          </p:nvPr>
+        </p:nvSpPr>
+        <p:spPr/>
+        <p:txBody>
+          <a:bodyPr/>
+          <a:lstStyle/>
+          <a:p>
+            <a:fld id="{6245CCF4-CF1B-4B4B-B5D0-2221EBE362B5}" type="slidenum">
+              <a:rPr lang="zh-CN" altLang="en-US" smtClean="0"/>
+              <a:t>8</a:t>
+            </a:fld>
+            <a:endParaRPr lang="zh-CN" altLang="en-US"/>
+          </a:p>
+        </p:txBody>
+      </p:sp>
+    </p:spTree>
+    <p:extLst>
+      <p:ext uri="{BB962C8B-B14F-4D97-AF65-F5344CB8AC3E}">
+        <p14:creationId xmlns:p14="http://schemas.microsoft.com/office/powerpoint/2010/main" val="2412010110"/>
+      </p:ext>
+    </p:extLst>
+  </p:cSld>
+  <p:clrMapOvr>
+    <a:masterClrMapping/>
+  </p:clrMapOvr>
+</p:notes>
+</file>
+
+<file path=ppt/notesSlides/notesSlide7.xml><?xml version="1.0" encoding="utf-8"?>
+<p:notes xmlns:a="http://schemas.openxmlformats.org/drawingml/2006/main" xmlns:r="http://schemas.openxmlformats.org/officeDocument/2006/relationships" xmlns:p="http://schemas.openxmlformats.org/presentationml/2006/main">
+  <p:cSld>
+    <p:spTree>
+      <p:nvGrpSpPr>
+        <p:cNvPr id="1" name=""/>
+        <p:cNvGrpSpPr/>
+        <p:nvPr/>
+      </p:nvGrpSpPr>
+      <p:grpSpPr>
+        <a:xfrm>
+          <a:off x="0" y="0"/>
+          <a:ext cx="0" cy="0"/>
+          <a:chOff x="0" y="0"/>
+          <a:chExt cx="0" cy="0"/>
+        </a:xfrm>
+      </p:grpSpPr>
+      <p:sp>
+        <p:nvSpPr>
+          <p:cNvPr id="2" name="幻灯片图像占位符 1"/>
+          <p:cNvSpPr>
+            <a:spLocks noGrp="1" noRot="1" noChangeAspect="1"/>
+          </p:cNvSpPr>
+          <p:nvPr>
+            <p:ph type="sldImg"/>
+          </p:nvPr>
+        </p:nvSpPr>
+        <p:spPr/>
+      </p:sp>
+      <p:sp>
+        <p:nvSpPr>
+          <p:cNvPr id="3" name="备注占位符 2"/>
+          <p:cNvSpPr>
+            <a:spLocks noGrp="1"/>
+          </p:cNvSpPr>
+          <p:nvPr>
+            <p:ph type="body" idx="1"/>
+          </p:nvPr>
+        </p:nvSpPr>
+        <p:spPr/>
+        <p:txBody>
+          <a:bodyPr/>
+          <a:lstStyle/>
+          <a:p>
+            <a:r>
+              <a:rPr lang="zh-CN" altLang="en-US" dirty="0" smtClean="0"/>
+              <a:t>零成本，函数方法生成</a:t>
+            </a:r>
+            <a:endParaRPr lang="zh-CN" altLang="en-US" dirty="0"/>
+          </a:p>
+        </p:txBody>
+      </p:sp>
+      <p:sp>
+        <p:nvSpPr>
+          <p:cNvPr id="4" name="灯片编号占位符 3"/>
+          <p:cNvSpPr>
+            <a:spLocks noGrp="1"/>
+          </p:cNvSpPr>
+          <p:nvPr>
+            <p:ph type="sldNum" sz="quarter" idx="10"/>
+          </p:nvPr>
+        </p:nvSpPr>
+        <p:spPr/>
+        <p:txBody>
+          <a:bodyPr/>
+          <a:lstStyle/>
+          <a:p>
+            <a:fld id="{6245CCF4-CF1B-4B4B-B5D0-2221EBE362B5}" type="slidenum">
+              <a:rPr lang="zh-CN" altLang="en-US" smtClean="0"/>
+              <a:t>10</a:t>
+            </a:fld>
+            <a:endParaRPr lang="zh-CN" altLang="en-US"/>
+          </a:p>
+        </p:txBody>
+      </p:sp>
+    </p:spTree>
+    <p:extLst>
+      <p:ext uri="{BB962C8B-B14F-4D97-AF65-F5344CB8AC3E}">
+        <p14:creationId xmlns:p14="http://schemas.microsoft.com/office/powerpoint/2010/main" val="1237033852"/>
+      </p:ext>
+    </p:extLst>
+  </p:cSld>
+  <p:clrMapOvr>
+    <a:masterClrMapping/>
+  </p:clrMapOvr>
+</p:notes>
+</file>
+
+<file path=ppt/notesSlides/notesSlide8.xml><?xml version="1.0" encoding="utf-8"?>
+<p:notes xmlns:a="http://schemas.openxmlformats.org/drawingml/2006/main" xmlns:r="http://schemas.openxmlformats.org/officeDocument/2006/relationships" xmlns:p="http://schemas.openxmlformats.org/presentationml/2006/main">
+  <p:cSld>
+    <p:spTree>
+      <p:nvGrpSpPr>
+        <p:cNvPr id="1" name=""/>
+        <p:cNvGrpSpPr/>
+        <p:nvPr/>
+      </p:nvGrpSpPr>
+      <p:grpSpPr>
+        <a:xfrm>
+          <a:off x="0" y="0"/>
+          <a:ext cx="0" cy="0"/>
+          <a:chOff x="0" y="0"/>
+          <a:chExt cx="0" cy="0"/>
+        </a:xfrm>
+      </p:grpSpPr>
+      <p:sp>
+        <p:nvSpPr>
+          <p:cNvPr id="2" name="幻灯片图像占位符 1"/>
+          <p:cNvSpPr>
+            <a:spLocks noGrp="1" noRot="1" noChangeAspect="1"/>
+          </p:cNvSpPr>
+          <p:nvPr>
+            <p:ph type="sldImg"/>
+          </p:nvPr>
+        </p:nvSpPr>
+        <p:spPr/>
+      </p:sp>
+      <p:sp>
+        <p:nvSpPr>
+          <p:cNvPr id="3" name="备注占位符 2"/>
+          <p:cNvSpPr>
+            <a:spLocks noGrp="1"/>
+          </p:cNvSpPr>
+          <p:nvPr>
+            <p:ph type="body" idx="1"/>
+          </p:nvPr>
+        </p:nvSpPr>
+        <p:spPr/>
+        <p:txBody>
+          <a:bodyPr/>
+          <a:lstStyle/>
+          <a:p>
+            <a:endParaRPr lang="zh-CN" altLang="en-US" dirty="0"/>
+          </a:p>
+        </p:txBody>
+      </p:sp>
+      <p:sp>
+        <p:nvSpPr>
+          <p:cNvPr id="4" name="灯片编号占位符 3"/>
+          <p:cNvSpPr>
+            <a:spLocks noGrp="1"/>
+          </p:cNvSpPr>
+          <p:nvPr>
+            <p:ph type="sldNum" sz="quarter" idx="10"/>
+          </p:nvPr>
+        </p:nvSpPr>
+        <p:spPr/>
+        <p:txBody>
+          <a:bodyPr/>
+          <a:lstStyle/>
+          <a:p>
+            <a:fld id="{6245CCF4-CF1B-4B4B-B5D0-2221EBE362B5}" type="slidenum">
+              <a:rPr lang="zh-CN" altLang="en-US" smtClean="0"/>
+              <a:t>13</a:t>
+            </a:fld>
+            <a:endParaRPr lang="zh-CN" altLang="en-US"/>
+          </a:p>
+        </p:txBody>
+      </p:sp>
+    </p:spTree>
+    <p:extLst>
+      <p:ext uri="{BB962C8B-B14F-4D97-AF65-F5344CB8AC3E}">
+        <p14:creationId xmlns:p14="http://schemas.microsoft.com/office/powerpoint/2010/main" val="3240680672"/>
+      </p:ext>
+    </p:extLst>
+  </p:cSld>
+  <p:clrMapOvr>
+    <a:masterClrMapping/>
+  </p:clrMapOvr>
+</p:notes>
 </file>
 
 <file path=ppt/slideLayouts/slideLayout1.xml><?xml version="1.0" encoding="utf-8"?>
@@ -2779,7 +8678,7 @@
           <a:p>
             <a:fld id="{3CD8EDAB-281B-495C-B3B1-C831B56AA954}" type="datetimeFigureOut">
               <a:rPr lang="zh-CN" altLang="en-US" smtClean="0"/>
-              <a:t>2021/11/23</a:t>
+              <a:t>2021/11/24</a:t>
             </a:fld>
             <a:endParaRPr lang="zh-CN" altLang="en-US"/>
           </a:p>
@@ -3054,7 +8953,7 @@
           <a:p>
             <a:fld id="{3CD8EDAB-281B-495C-B3B1-C831B56AA954}" type="datetimeFigureOut">
               <a:rPr lang="zh-CN" altLang="en-US" smtClean="0"/>
-              <a:t>2021/11/23</a:t>
+              <a:t>2021/11/24</a:t>
             </a:fld>
             <a:endParaRPr lang="zh-CN" altLang="en-US"/>
           </a:p>
@@ -3248,7 +9147,7 @@
           <a:p>
             <a:fld id="{3CD8EDAB-281B-495C-B3B1-C831B56AA954}" type="datetimeFigureOut">
               <a:rPr lang="zh-CN" altLang="en-US" smtClean="0"/>
-              <a:t>2021/11/23</a:t>
+              <a:t>2021/11/24</a:t>
             </a:fld>
             <a:endParaRPr lang="zh-CN" altLang="en-US"/>
           </a:p>
@@ -3521,7 +9420,7 @@
           <a:p>
             <a:fld id="{3CD8EDAB-281B-495C-B3B1-C831B56AA954}" type="datetimeFigureOut">
               <a:rPr lang="zh-CN" altLang="en-US" smtClean="0"/>
-              <a:t>2021/11/23</a:t>
+              <a:t>2021/11/24</a:t>
             </a:fld>
             <a:endParaRPr lang="zh-CN" altLang="en-US"/>
           </a:p>
@@ -3862,7 +9761,7 @@
           <a:p>
             <a:fld id="{3CD8EDAB-281B-495C-B3B1-C831B56AA954}" type="datetimeFigureOut">
               <a:rPr lang="zh-CN" altLang="en-US" smtClean="0"/>
-              <a:t>2021/11/23</a:t>
+              <a:t>2021/11/24</a:t>
             </a:fld>
             <a:endParaRPr lang="zh-CN" altLang="en-US"/>
           </a:p>
@@ -4485,7 +10384,7 @@
           <a:p>
             <a:fld id="{3CD8EDAB-281B-495C-B3B1-C831B56AA954}" type="datetimeFigureOut">
               <a:rPr lang="zh-CN" altLang="en-US" smtClean="0"/>
-              <a:t>2021/11/23</a:t>
+              <a:t>2021/11/24</a:t>
             </a:fld>
             <a:endParaRPr lang="zh-CN" altLang="en-US"/>
           </a:p>
@@ -5345,7 +11244,7 @@
           <a:p>
             <a:fld id="{3CD8EDAB-281B-495C-B3B1-C831B56AA954}" type="datetimeFigureOut">
               <a:rPr lang="zh-CN" altLang="en-US" smtClean="0"/>
-              <a:t>2021/11/23</a:t>
+              <a:t>2021/11/24</a:t>
             </a:fld>
             <a:endParaRPr lang="zh-CN" altLang="en-US"/>
           </a:p>
@@ -5515,7 +11414,7 @@
           <a:p>
             <a:fld id="{3CD8EDAB-281B-495C-B3B1-C831B56AA954}" type="datetimeFigureOut">
               <a:rPr lang="zh-CN" altLang="en-US" smtClean="0"/>
-              <a:t>2021/11/23</a:t>
+              <a:t>2021/11/24</a:t>
             </a:fld>
             <a:endParaRPr lang="zh-CN" altLang="en-US"/>
           </a:p>
@@ -5695,7 +11594,7 @@
           <a:p>
             <a:fld id="{3CD8EDAB-281B-495C-B3B1-C831B56AA954}" type="datetimeFigureOut">
               <a:rPr lang="zh-CN" altLang="en-US" smtClean="0"/>
-              <a:t>2021/11/23</a:t>
+              <a:t>2021/11/24</a:t>
             </a:fld>
             <a:endParaRPr lang="zh-CN" altLang="en-US"/>
           </a:p>
@@ -5865,7 +11764,7 @@
           <a:p>
             <a:fld id="{3CD8EDAB-281B-495C-B3B1-C831B56AA954}" type="datetimeFigureOut">
               <a:rPr lang="zh-CN" altLang="en-US" smtClean="0"/>
-              <a:t>2021/11/23</a:t>
+              <a:t>2021/11/24</a:t>
             </a:fld>
             <a:endParaRPr lang="zh-CN" altLang="en-US"/>
           </a:p>
@@ -5923,6 +11822,13 @@
   <p:clrMapOvr>
     <a:masterClrMapping/>
   </p:clrMapOvr>
+  <p:timing>
+    <p:tnLst>
+      <p:par>
+        <p:cTn id="1" dur="indefinite" restart="never" nodeType="tmRoot"/>
+      </p:par>
+    </p:tnLst>
+  </p:timing>
 </p:sldLayout>
 </file>
 
@@ -6112,7 +12018,7 @@
           <a:p>
             <a:fld id="{3CD8EDAB-281B-495C-B3B1-C831B56AA954}" type="datetimeFigureOut">
               <a:rPr lang="zh-CN" altLang="en-US" smtClean="0"/>
-              <a:t>2021/11/23</a:t>
+              <a:t>2021/11/24</a:t>
             </a:fld>
             <a:endParaRPr lang="zh-CN" altLang="en-US"/>
           </a:p>
@@ -6404,7 +12310,7 @@
           <a:p>
             <a:fld id="{3CD8EDAB-281B-495C-B3B1-C831B56AA954}" type="datetimeFigureOut">
               <a:rPr lang="zh-CN" altLang="en-US" smtClean="0"/>
-              <a:t>2021/11/23</a:t>
+              <a:t>2021/11/24</a:t>
             </a:fld>
             <a:endParaRPr lang="zh-CN" altLang="en-US"/>
           </a:p>
@@ -6848,7 +12754,7 @@
           <a:p>
             <a:fld id="{3CD8EDAB-281B-495C-B3B1-C831B56AA954}" type="datetimeFigureOut">
               <a:rPr lang="zh-CN" altLang="en-US" smtClean="0"/>
-              <a:t>2021/11/23</a:t>
+              <a:t>2021/11/24</a:t>
             </a:fld>
             <a:endParaRPr lang="zh-CN" altLang="en-US"/>
           </a:p>
@@ -6966,7 +12872,7 @@
           <a:p>
             <a:fld id="{3CD8EDAB-281B-495C-B3B1-C831B56AA954}" type="datetimeFigureOut">
               <a:rPr lang="zh-CN" altLang="en-US" smtClean="0"/>
-              <a:t>2021/11/23</a:t>
+              <a:t>2021/11/24</a:t>
             </a:fld>
             <a:endParaRPr lang="zh-CN" altLang="en-US"/>
           </a:p>
@@ -7061,7 +12967,7 @@
           <a:p>
             <a:fld id="{3CD8EDAB-281B-495C-B3B1-C831B56AA954}" type="datetimeFigureOut">
               <a:rPr lang="zh-CN" altLang="en-US" smtClean="0"/>
-              <a:t>2021/11/23</a:t>
+              <a:t>2021/11/24</a:t>
             </a:fld>
             <a:endParaRPr lang="zh-CN" altLang="en-US"/>
           </a:p>
@@ -7340,7 +13246,7 @@
           <a:p>
             <a:fld id="{3CD8EDAB-281B-495C-B3B1-C831B56AA954}" type="datetimeFigureOut">
               <a:rPr lang="zh-CN" altLang="en-US" smtClean="0"/>
-              <a:t>2021/11/23</a:t>
+              <a:t>2021/11/24</a:t>
             </a:fld>
             <a:endParaRPr lang="zh-CN" altLang="en-US"/>
           </a:p>
@@ -7615,7 +13521,7 @@
           <a:p>
             <a:fld id="{3CD8EDAB-281B-495C-B3B1-C831B56AA954}" type="datetimeFigureOut">
               <a:rPr lang="zh-CN" altLang="en-US" smtClean="0"/>
-              <a:t>2021/11/23</a:t>
+              <a:t>2021/11/24</a:t>
             </a:fld>
             <a:endParaRPr lang="zh-CN" altLang="en-US"/>
           </a:p>
@@ -8044,7 +13950,7 @@
           <a:p>
             <a:fld id="{3CD8EDAB-281B-495C-B3B1-C831B56AA954}" type="datetimeFigureOut">
               <a:rPr lang="zh-CN" altLang="en-US" smtClean="0"/>
-              <a:t>2021/11/23</a:t>
+              <a:t>2021/11/24</a:t>
             </a:fld>
             <a:endParaRPr lang="zh-CN" altLang="en-US"/>
           </a:p>
@@ -8584,7 +14490,7 @@
         </p:nvSpPr>
         <p:spPr>
           <a:xfrm>
-            <a:off x="1350027" y="1792224"/>
+            <a:off x="1350027" y="2993703"/>
             <a:ext cx="8623029" cy="961285"/>
           </a:xfrm>
         </p:spPr>
@@ -8615,6 +14521,725 @@
     <p:extLst>
       <p:ext uri="{BB962C8B-B14F-4D97-AF65-F5344CB8AC3E}">
         <p14:creationId xmlns:p14="http://schemas.microsoft.com/office/powerpoint/2010/main" val="1048581862"/>
+      </p:ext>
+    </p:extLst>
+  </p:cSld>
+  <p:clrMapOvr>
+    <a:masterClrMapping/>
+  </p:clrMapOvr>
+  <p:timing>
+    <p:tnLst>
+      <p:par>
+        <p:cTn id="1" dur="indefinite" restart="never" nodeType="tmRoot"/>
+      </p:par>
+    </p:tnLst>
+  </p:timing>
+</p:sld>
+</file>
+
+<file path=ppt/slides/slide10.xml><?xml version="1.0" encoding="utf-8"?>
+<p:sld xmlns:a="http://schemas.openxmlformats.org/drawingml/2006/main" xmlns:r="http://schemas.openxmlformats.org/officeDocument/2006/relationships" xmlns:p="http://schemas.openxmlformats.org/presentationml/2006/main">
+  <p:cSld>
+    <p:spTree>
+      <p:nvGrpSpPr>
+        <p:cNvPr id="1" name=""/>
+        <p:cNvGrpSpPr/>
+        <p:nvPr/>
+      </p:nvGrpSpPr>
+      <p:grpSpPr>
+        <a:xfrm>
+          <a:off x="0" y="0"/>
+          <a:ext cx="0" cy="0"/>
+          <a:chOff x="0" y="0"/>
+          <a:chExt cx="0" cy="0"/>
+        </a:xfrm>
+      </p:grpSpPr>
+      <p:sp>
+        <p:nvSpPr>
+          <p:cNvPr id="2" name="标题 1"/>
+          <p:cNvSpPr>
+            <a:spLocks noGrp="1"/>
+          </p:cNvSpPr>
+          <p:nvPr>
+            <p:ph type="title"/>
+          </p:nvPr>
+        </p:nvSpPr>
+        <p:spPr/>
+        <p:txBody>
+          <a:bodyPr/>
+          <a:lstStyle/>
+          <a:p>
+            <a:r>
+              <a:rPr lang="en-US" altLang="zh-CN" dirty="0" smtClean="0">
+                <a:latin typeface="+mj-ea"/>
+              </a:rPr>
+              <a:t>Rust</a:t>
+            </a:r>
+            <a:r>
+              <a:rPr lang="zh-CN" altLang="en-US" dirty="0" smtClean="0">
+                <a:latin typeface="+mj-ea"/>
+              </a:rPr>
+              <a:t>简介</a:t>
+            </a:r>
+            <a:endParaRPr lang="zh-CN" altLang="en-US" dirty="0">
+              <a:latin typeface="+mj-ea"/>
+            </a:endParaRPr>
+          </a:p>
+        </p:txBody>
+      </p:sp>
+      <p:sp>
+        <p:nvSpPr>
+          <p:cNvPr id="3" name="内容占位符 2"/>
+          <p:cNvSpPr>
+            <a:spLocks noGrp="1"/>
+          </p:cNvSpPr>
+          <p:nvPr>
+            <p:ph idx="1"/>
+          </p:nvPr>
+        </p:nvSpPr>
+        <p:spPr/>
+        <p:txBody>
+          <a:bodyPr/>
+          <a:lstStyle/>
+          <a:p>
+            <a:r>
+              <a:rPr lang="zh-CN" altLang="en-US" dirty="0" smtClean="0"/>
+              <a:t>零成本抽象</a:t>
+            </a:r>
+            <a:endParaRPr lang="en-US" altLang="zh-CN" dirty="0" smtClean="0"/>
+          </a:p>
+          <a:p>
+            <a:pPr marL="0" indent="0">
+              <a:buNone/>
+            </a:pPr>
+            <a:r>
+              <a:rPr lang="en-US" altLang="zh-CN" dirty="0"/>
+              <a:t>	</a:t>
+            </a:r>
+            <a:r>
+              <a:rPr lang="en-US" altLang="zh-CN" dirty="0" smtClean="0"/>
+              <a:t>- trait</a:t>
+            </a:r>
+          </a:p>
+          <a:p>
+            <a:pPr marL="0" indent="0">
+              <a:buNone/>
+            </a:pPr>
+            <a:r>
+              <a:rPr lang="en-US" altLang="zh-CN" dirty="0"/>
+              <a:t>	</a:t>
+            </a:r>
+            <a:r>
+              <a:rPr lang="en-US" altLang="zh-CN" dirty="0" smtClean="0"/>
+              <a:t>- </a:t>
+            </a:r>
+            <a:r>
+              <a:rPr lang="zh-CN" altLang="en-US" dirty="0" smtClean="0"/>
+              <a:t>泛型</a:t>
+            </a:r>
+            <a:endParaRPr lang="en-US" altLang="zh-CN" dirty="0" smtClean="0"/>
+          </a:p>
+        </p:txBody>
+      </p:sp>
+    </p:spTree>
+    <p:extLst>
+      <p:ext uri="{BB962C8B-B14F-4D97-AF65-F5344CB8AC3E}">
+        <p14:creationId xmlns:p14="http://schemas.microsoft.com/office/powerpoint/2010/main" val="2142221469"/>
+      </p:ext>
+    </p:extLst>
+  </p:cSld>
+  <p:clrMapOvr>
+    <a:masterClrMapping/>
+  </p:clrMapOvr>
+  <p:timing>
+    <p:tnLst>
+      <p:par>
+        <p:cTn id="1" dur="indefinite" restart="never" nodeType="tmRoot"/>
+      </p:par>
+    </p:tnLst>
+  </p:timing>
+</p:sld>
+</file>
+
+<file path=ppt/slides/slide11.xml><?xml version="1.0" encoding="utf-8"?>
+<p:sld xmlns:a="http://schemas.openxmlformats.org/drawingml/2006/main" xmlns:r="http://schemas.openxmlformats.org/officeDocument/2006/relationships" xmlns:p="http://schemas.openxmlformats.org/presentationml/2006/main">
+  <p:cSld>
+    <p:spTree>
+      <p:nvGrpSpPr>
+        <p:cNvPr id="1" name=""/>
+        <p:cNvGrpSpPr/>
+        <p:nvPr/>
+      </p:nvGrpSpPr>
+      <p:grpSpPr>
+        <a:xfrm>
+          <a:off x="0" y="0"/>
+          <a:ext cx="0" cy="0"/>
+          <a:chOff x="0" y="0"/>
+          <a:chExt cx="0" cy="0"/>
+        </a:xfrm>
+      </p:grpSpPr>
+      <p:sp>
+        <p:nvSpPr>
+          <p:cNvPr id="2" name="标题 1"/>
+          <p:cNvSpPr>
+            <a:spLocks noGrp="1"/>
+          </p:cNvSpPr>
+          <p:nvPr>
+            <p:ph type="title"/>
+          </p:nvPr>
+        </p:nvSpPr>
+        <p:spPr/>
+        <p:txBody>
+          <a:bodyPr/>
+          <a:lstStyle/>
+          <a:p>
+            <a:r>
+              <a:rPr lang="en-US" altLang="zh-CN" dirty="0" smtClean="0">
+                <a:latin typeface="+mj-ea"/>
+              </a:rPr>
+              <a:t>Rust</a:t>
+            </a:r>
+            <a:r>
+              <a:rPr lang="zh-CN" altLang="en-US" dirty="0" smtClean="0">
+                <a:latin typeface="+mj-ea"/>
+              </a:rPr>
+              <a:t>简介</a:t>
+            </a:r>
+            <a:endParaRPr lang="zh-CN" altLang="en-US" dirty="0">
+              <a:latin typeface="+mj-ea"/>
+            </a:endParaRPr>
+          </a:p>
+        </p:txBody>
+      </p:sp>
+      <p:sp>
+        <p:nvSpPr>
+          <p:cNvPr id="3" name="内容占位符 2"/>
+          <p:cNvSpPr>
+            <a:spLocks noGrp="1"/>
+          </p:cNvSpPr>
+          <p:nvPr>
+            <p:ph idx="1"/>
+          </p:nvPr>
+        </p:nvSpPr>
+        <p:spPr/>
+        <p:txBody>
+          <a:bodyPr/>
+          <a:lstStyle/>
+          <a:p>
+            <a:r>
+              <a:rPr lang="zh-CN" altLang="en-US" dirty="0" smtClean="0"/>
+              <a:t>实用性</a:t>
+            </a:r>
+            <a:endParaRPr lang="en-US" altLang="zh-CN" dirty="0" smtClean="0"/>
+          </a:p>
+          <a:p>
+            <a:pPr marL="0" indent="0">
+              <a:buNone/>
+            </a:pPr>
+            <a:r>
+              <a:rPr lang="en-US" altLang="zh-CN" dirty="0"/>
+              <a:t>	</a:t>
+            </a:r>
+            <a:r>
+              <a:rPr lang="en-US" altLang="zh-CN" dirty="0" smtClean="0"/>
+              <a:t>- </a:t>
+            </a:r>
+            <a:r>
+              <a:rPr lang="zh-CN" altLang="en-US" dirty="0" smtClean="0"/>
+              <a:t>无畏并发，保证内存安全、并发安全的同时，不会牺牲性能</a:t>
+            </a:r>
+            <a:endParaRPr lang="en-US" altLang="zh-CN" dirty="0" smtClean="0"/>
+          </a:p>
+          <a:p>
+            <a:pPr marL="0" indent="0">
+              <a:buNone/>
+            </a:pPr>
+            <a:r>
+              <a:rPr lang="en-US" altLang="zh-CN" dirty="0"/>
+              <a:t>	</a:t>
+            </a:r>
+            <a:r>
+              <a:rPr lang="en-US" altLang="zh-CN" dirty="0" smtClean="0"/>
+              <a:t>- </a:t>
+            </a:r>
+            <a:r>
+              <a:rPr lang="zh-CN" altLang="en-US" dirty="0" smtClean="0"/>
+              <a:t>方便且零成本的</a:t>
+            </a:r>
+            <a:r>
+              <a:rPr lang="en-US" altLang="zh-CN" dirty="0" smtClean="0"/>
+              <a:t>FFI</a:t>
+            </a:r>
+            <a:r>
+              <a:rPr lang="zh-CN" altLang="en-US" dirty="0" smtClean="0"/>
+              <a:t>，兼容</a:t>
+            </a:r>
+            <a:r>
+              <a:rPr lang="en-US" altLang="zh-CN" dirty="0" smtClean="0"/>
+              <a:t>C-ABI</a:t>
+            </a:r>
+            <a:r>
+              <a:rPr lang="zh-CN" altLang="en-US" dirty="0" smtClean="0"/>
+              <a:t>，能够接收</a:t>
+            </a:r>
+            <a:r>
+              <a:rPr lang="en-US" altLang="zh-CN" dirty="0" smtClean="0"/>
+              <a:t>C</a:t>
+            </a:r>
+            <a:r>
+              <a:rPr lang="zh-CN" altLang="en-US" dirty="0" smtClean="0"/>
+              <a:t>语言的遗产</a:t>
+            </a:r>
+            <a:endParaRPr lang="en-US" altLang="zh-CN" dirty="0" smtClean="0"/>
+          </a:p>
+          <a:p>
+            <a:pPr marL="0" indent="0">
+              <a:buNone/>
+            </a:pPr>
+            <a:r>
+              <a:rPr lang="en-US" altLang="zh-CN" dirty="0"/>
+              <a:t>	</a:t>
+            </a:r>
+            <a:r>
+              <a:rPr lang="en-US" altLang="zh-CN" dirty="0" smtClean="0"/>
+              <a:t>- </a:t>
+            </a:r>
+            <a:r>
+              <a:rPr lang="zh-CN" altLang="en-US" dirty="0" smtClean="0"/>
+              <a:t>强大的包管理工具</a:t>
+            </a:r>
+            <a:r>
+              <a:rPr lang="en-US" altLang="zh-CN" dirty="0" smtClean="0"/>
+              <a:t>cargo</a:t>
+            </a:r>
+            <a:endParaRPr lang="zh-CN" altLang="en-US" dirty="0"/>
+          </a:p>
+        </p:txBody>
+      </p:sp>
+    </p:spTree>
+    <p:extLst>
+      <p:ext uri="{BB962C8B-B14F-4D97-AF65-F5344CB8AC3E}">
+        <p14:creationId xmlns:p14="http://schemas.microsoft.com/office/powerpoint/2010/main" val="2729804108"/>
+      </p:ext>
+    </p:extLst>
+  </p:cSld>
+  <p:clrMapOvr>
+    <a:masterClrMapping/>
+  </p:clrMapOvr>
+  <p:timing>
+    <p:tnLst>
+      <p:par>
+        <p:cTn id="1" dur="indefinite" restart="never" nodeType="tmRoot"/>
+      </p:par>
+    </p:tnLst>
+  </p:timing>
+</p:sld>
+</file>
+
+<file path=ppt/slides/slide12.xml><?xml version="1.0" encoding="utf-8"?>
+<p:sld xmlns:a="http://schemas.openxmlformats.org/drawingml/2006/main" xmlns:r="http://schemas.openxmlformats.org/officeDocument/2006/relationships" xmlns:p="http://schemas.openxmlformats.org/presentationml/2006/main">
+  <p:cSld>
+    <p:spTree>
+      <p:nvGrpSpPr>
+        <p:cNvPr id="1" name=""/>
+        <p:cNvGrpSpPr/>
+        <p:nvPr/>
+      </p:nvGrpSpPr>
+      <p:grpSpPr>
+        <a:xfrm>
+          <a:off x="0" y="0"/>
+          <a:ext cx="0" cy="0"/>
+          <a:chOff x="0" y="0"/>
+          <a:chExt cx="0" cy="0"/>
+        </a:xfrm>
+      </p:grpSpPr>
+      <p:sp>
+        <p:nvSpPr>
+          <p:cNvPr id="2" name="标题 1"/>
+          <p:cNvSpPr>
+            <a:spLocks noGrp="1"/>
+          </p:cNvSpPr>
+          <p:nvPr>
+            <p:ph type="title"/>
+          </p:nvPr>
+        </p:nvSpPr>
+        <p:spPr/>
+        <p:txBody>
+          <a:bodyPr/>
+          <a:lstStyle/>
+          <a:p>
+            <a:r>
+              <a:rPr lang="en-US" altLang="zh-CN" dirty="0" smtClean="0">
+                <a:latin typeface="+mj-ea"/>
+              </a:rPr>
+              <a:t>Rust</a:t>
+            </a:r>
+            <a:r>
+              <a:rPr lang="zh-CN" altLang="en-US" dirty="0" smtClean="0">
+                <a:latin typeface="+mj-ea"/>
+              </a:rPr>
+              <a:t>简介</a:t>
+            </a:r>
+            <a:endParaRPr lang="zh-CN" altLang="en-US" dirty="0">
+              <a:latin typeface="+mj-ea"/>
+            </a:endParaRPr>
+          </a:p>
+        </p:txBody>
+      </p:sp>
+      <p:sp>
+        <p:nvSpPr>
+          <p:cNvPr id="3" name="内容占位符 2"/>
+          <p:cNvSpPr>
+            <a:spLocks noGrp="1"/>
+          </p:cNvSpPr>
+          <p:nvPr>
+            <p:ph idx="1"/>
+          </p:nvPr>
+        </p:nvSpPr>
+        <p:spPr/>
+        <p:txBody>
+          <a:bodyPr/>
+          <a:lstStyle/>
+          <a:p>
+            <a:r>
+              <a:rPr lang="zh-CN" altLang="en-US" dirty="0" smtClean="0"/>
+              <a:t>优点</a:t>
+            </a:r>
+            <a:endParaRPr lang="en-US" altLang="zh-CN" dirty="0" smtClean="0"/>
+          </a:p>
+          <a:p>
+            <a:pPr lvl="1"/>
+            <a:r>
+              <a:rPr lang="zh-CN" altLang="en-US" dirty="0" smtClean="0"/>
+              <a:t>高效的性能</a:t>
+            </a:r>
+            <a:endParaRPr lang="en-US" altLang="zh-CN" dirty="0" smtClean="0"/>
+          </a:p>
+          <a:p>
+            <a:pPr lvl="1"/>
+            <a:r>
+              <a:rPr lang="zh-CN" altLang="en-US" dirty="0" smtClean="0"/>
+              <a:t>完备的安全检查</a:t>
+            </a:r>
+            <a:endParaRPr lang="en-US" altLang="zh-CN" dirty="0" smtClean="0"/>
+          </a:p>
+          <a:p>
+            <a:r>
+              <a:rPr lang="zh-CN" altLang="en-US" dirty="0" smtClean="0"/>
+              <a:t>缺点</a:t>
+            </a:r>
+            <a:endParaRPr lang="en-US" altLang="zh-CN" dirty="0" smtClean="0"/>
+          </a:p>
+          <a:p>
+            <a:pPr lvl="1"/>
+            <a:r>
+              <a:rPr lang="zh-CN" altLang="en-US" dirty="0" smtClean="0"/>
+              <a:t>学习曲线陡峭</a:t>
+            </a:r>
+            <a:endParaRPr lang="en-US" altLang="zh-CN" dirty="0" smtClean="0"/>
+          </a:p>
+        </p:txBody>
+      </p:sp>
+    </p:spTree>
+    <p:extLst>
+      <p:ext uri="{BB962C8B-B14F-4D97-AF65-F5344CB8AC3E}">
+        <p14:creationId xmlns:p14="http://schemas.microsoft.com/office/powerpoint/2010/main" val="718657688"/>
+      </p:ext>
+    </p:extLst>
+  </p:cSld>
+  <p:clrMapOvr>
+    <a:masterClrMapping/>
+  </p:clrMapOvr>
+  <p:timing>
+    <p:tnLst>
+      <p:par>
+        <p:cTn id="1" dur="indefinite" restart="never" nodeType="tmRoot"/>
+      </p:par>
+    </p:tnLst>
+  </p:timing>
+</p:sld>
+</file>
+
+<file path=ppt/slides/slide13.xml><?xml version="1.0" encoding="utf-8"?>
+<p:sld xmlns:a="http://schemas.openxmlformats.org/drawingml/2006/main" xmlns:r="http://schemas.openxmlformats.org/officeDocument/2006/relationships" xmlns:p="http://schemas.openxmlformats.org/presentationml/2006/main">
+  <p:cSld>
+    <p:spTree>
+      <p:nvGrpSpPr>
+        <p:cNvPr id="1" name=""/>
+        <p:cNvGrpSpPr/>
+        <p:nvPr/>
+      </p:nvGrpSpPr>
+      <p:grpSpPr>
+        <a:xfrm>
+          <a:off x="0" y="0"/>
+          <a:ext cx="0" cy="0"/>
+          <a:chOff x="0" y="0"/>
+          <a:chExt cx="0" cy="0"/>
+        </a:xfrm>
+      </p:grpSpPr>
+      <p:sp>
+        <p:nvSpPr>
+          <p:cNvPr id="2" name="标题 1"/>
+          <p:cNvSpPr>
+            <a:spLocks noGrp="1"/>
+          </p:cNvSpPr>
+          <p:nvPr>
+            <p:ph type="title"/>
+          </p:nvPr>
+        </p:nvSpPr>
+        <p:spPr/>
+        <p:txBody>
+          <a:bodyPr/>
+          <a:lstStyle/>
+          <a:p>
+            <a:r>
+              <a:rPr lang="en-US" altLang="zh-CN" dirty="0" smtClean="0">
+                <a:latin typeface="+mj-ea"/>
+              </a:rPr>
+              <a:t>Rust</a:t>
+            </a:r>
+            <a:r>
+              <a:rPr lang="zh-CN" altLang="en-US" dirty="0" smtClean="0">
+                <a:latin typeface="+mj-ea"/>
+              </a:rPr>
+              <a:t>简介</a:t>
+            </a:r>
+            <a:endParaRPr lang="zh-CN" altLang="en-US" dirty="0">
+              <a:latin typeface="+mj-ea"/>
+            </a:endParaRPr>
+          </a:p>
+        </p:txBody>
+      </p:sp>
+      <p:sp>
+        <p:nvSpPr>
+          <p:cNvPr id="3" name="内容占位符 2"/>
+          <p:cNvSpPr>
+            <a:spLocks noGrp="1"/>
+          </p:cNvSpPr>
+          <p:nvPr>
+            <p:ph idx="1"/>
+          </p:nvPr>
+        </p:nvSpPr>
+        <p:spPr/>
+        <p:txBody>
+          <a:bodyPr/>
+          <a:lstStyle/>
+          <a:p>
+            <a:r>
+              <a:rPr lang="zh-CN" altLang="en-US" dirty="0" smtClean="0"/>
+              <a:t>学习曲线陡峭</a:t>
+            </a:r>
+            <a:endParaRPr lang="zh-CN" altLang="en-US" dirty="0"/>
+          </a:p>
+        </p:txBody>
+      </p:sp>
+    </p:spTree>
+    <p:extLst>
+      <p:ext uri="{BB962C8B-B14F-4D97-AF65-F5344CB8AC3E}">
+        <p14:creationId xmlns:p14="http://schemas.microsoft.com/office/powerpoint/2010/main" val="4017042645"/>
+      </p:ext>
+    </p:extLst>
+  </p:cSld>
+  <p:clrMapOvr>
+    <a:masterClrMapping/>
+  </p:clrMapOvr>
+  <p:timing>
+    <p:tnLst>
+      <p:par>
+        <p:cTn id="1" dur="indefinite" restart="never" nodeType="tmRoot"/>
+      </p:par>
+    </p:tnLst>
+  </p:timing>
+</p:sld>
+</file>
+
+<file path=ppt/slides/slide14.xml><?xml version="1.0" encoding="utf-8"?>
+<p:sld xmlns:a="http://schemas.openxmlformats.org/drawingml/2006/main" xmlns:r="http://schemas.openxmlformats.org/officeDocument/2006/relationships" xmlns:p="http://schemas.openxmlformats.org/presentationml/2006/main">
+  <p:cSld>
+    <p:spTree>
+      <p:nvGrpSpPr>
+        <p:cNvPr id="1" name=""/>
+        <p:cNvGrpSpPr/>
+        <p:nvPr/>
+      </p:nvGrpSpPr>
+      <p:grpSpPr>
+        <a:xfrm>
+          <a:off x="0" y="0"/>
+          <a:ext cx="0" cy="0"/>
+          <a:chOff x="0" y="0"/>
+          <a:chExt cx="0" cy="0"/>
+        </a:xfrm>
+      </p:grpSpPr>
+      <p:sp>
+        <p:nvSpPr>
+          <p:cNvPr id="2" name="标题 1"/>
+          <p:cNvSpPr>
+            <a:spLocks noGrp="1"/>
+          </p:cNvSpPr>
+          <p:nvPr>
+            <p:ph type="title"/>
+          </p:nvPr>
+        </p:nvSpPr>
+        <p:spPr/>
+        <p:txBody>
+          <a:bodyPr/>
+          <a:lstStyle/>
+          <a:p>
+            <a:r>
+              <a:rPr lang="zh-CN" altLang="en-US" dirty="0" smtClean="0"/>
+              <a:t>相关资料</a:t>
+            </a:r>
+            <a:endParaRPr lang="zh-CN" altLang="en-US" dirty="0"/>
+          </a:p>
+        </p:txBody>
+      </p:sp>
+      <p:sp>
+        <p:nvSpPr>
+          <p:cNvPr id="3" name="内容占位符 2"/>
+          <p:cNvSpPr>
+            <a:spLocks noGrp="1"/>
+          </p:cNvSpPr>
+          <p:nvPr>
+            <p:ph idx="1"/>
+          </p:nvPr>
+        </p:nvSpPr>
+        <p:spPr/>
+        <p:txBody>
+          <a:bodyPr/>
+          <a:lstStyle/>
+          <a:p>
+            <a:r>
+              <a:rPr lang="en-US" altLang="zh-CN" dirty="0">
+                <a:latin typeface="Times New Roman" panose="02020603050405020304" pitchFamily="18" charset="0"/>
+                <a:cs typeface="Times New Roman" panose="02020603050405020304" pitchFamily="18" charset="0"/>
+                <a:hlinkClick r:id="rId2"/>
+              </a:rPr>
+              <a:t>http://</a:t>
+            </a:r>
+            <a:r>
+              <a:rPr lang="en-US" altLang="zh-CN" dirty="0">
+                <a:latin typeface="Times New Roman" panose="02020603050405020304" pitchFamily="18" charset="0"/>
+                <a:cs typeface="Times New Roman" panose="02020603050405020304" pitchFamily="18" charset="0"/>
+                <a:hlinkClick r:id="rId2"/>
+              </a:rPr>
+              <a:t>venge.net/graydon/talks/intro-talk-2.pdf</a:t>
+            </a:r>
+            <a:r>
+              <a:rPr lang="en-US" altLang="zh-CN" dirty="0">
+                <a:latin typeface="Times New Roman" panose="02020603050405020304" pitchFamily="18" charset="0"/>
+                <a:cs typeface="Times New Roman" panose="02020603050405020304" pitchFamily="18" charset="0"/>
+              </a:rPr>
+              <a:t> </a:t>
+            </a:r>
+            <a:r>
+              <a:rPr lang="zh-CN" altLang="en-US" dirty="0" smtClean="0">
+                <a:latin typeface="+mn-ea"/>
+                <a:ea typeface="+mn-ea"/>
+              </a:rPr>
+              <a:t>首次正式公开</a:t>
+            </a:r>
+            <a:r>
+              <a:rPr lang="en-US" altLang="zh-CN" dirty="0" smtClean="0">
+                <a:latin typeface="Times New Roman" panose="02020603050405020304" pitchFamily="18" charset="0"/>
+                <a:ea typeface="+mn-ea"/>
+                <a:cs typeface="Times New Roman" panose="02020603050405020304" pitchFamily="18" charset="0"/>
+              </a:rPr>
+              <a:t>Rust</a:t>
+            </a:r>
+            <a:r>
+              <a:rPr lang="zh-CN" altLang="en-US" dirty="0" smtClean="0">
+                <a:latin typeface="Times New Roman" panose="02020603050405020304" pitchFamily="18" charset="0"/>
+                <a:ea typeface="+mn-ea"/>
+                <a:cs typeface="Times New Roman" panose="02020603050405020304" pitchFamily="18" charset="0"/>
+              </a:rPr>
+              <a:t>，并开始进行了首个</a:t>
+            </a:r>
+            <a:r>
+              <a:rPr lang="en-US" altLang="zh-CN" dirty="0" smtClean="0">
+                <a:latin typeface="Times New Roman" panose="02020603050405020304" pitchFamily="18" charset="0"/>
+                <a:ea typeface="+mn-ea"/>
+                <a:cs typeface="Times New Roman" panose="02020603050405020304" pitchFamily="18" charset="0"/>
+              </a:rPr>
+              <a:t>Rust</a:t>
+            </a:r>
+            <a:r>
+              <a:rPr lang="zh-CN" altLang="en-US" dirty="0" smtClean="0">
+                <a:latin typeface="Times New Roman" panose="02020603050405020304" pitchFamily="18" charset="0"/>
+                <a:ea typeface="+mn-ea"/>
+                <a:cs typeface="Times New Roman" panose="02020603050405020304" pitchFamily="18" charset="0"/>
+              </a:rPr>
+              <a:t>项目</a:t>
+            </a:r>
+            <a:r>
+              <a:rPr lang="en-US" altLang="zh-CN" dirty="0" smtClean="0">
+                <a:latin typeface="Times New Roman" panose="02020603050405020304" pitchFamily="18" charset="0"/>
+                <a:ea typeface="+mn-ea"/>
+                <a:cs typeface="Times New Roman" panose="02020603050405020304" pitchFamily="18" charset="0"/>
+              </a:rPr>
+              <a:t>servo</a:t>
+            </a:r>
+            <a:r>
+              <a:rPr lang="zh-CN" altLang="en-US" dirty="0" smtClean="0">
+                <a:latin typeface="Times New Roman" panose="02020603050405020304" pitchFamily="18" charset="0"/>
+                <a:ea typeface="+mn-ea"/>
+                <a:cs typeface="Times New Roman" panose="02020603050405020304" pitchFamily="18" charset="0"/>
+              </a:rPr>
+              <a:t>的开发</a:t>
+            </a:r>
+            <a:endParaRPr lang="en-US" altLang="zh-CN" dirty="0" smtClean="0">
+              <a:latin typeface="Times New Roman" panose="02020603050405020304" pitchFamily="18" charset="0"/>
+              <a:ea typeface="+mn-ea"/>
+              <a:cs typeface="Times New Roman" panose="02020603050405020304" pitchFamily="18" charset="0"/>
+            </a:endParaRPr>
+          </a:p>
+          <a:p>
+            <a:r>
+              <a:rPr lang="en-US" altLang="zh-CN" dirty="0">
+                <a:latin typeface="Times New Roman" panose="02020603050405020304" pitchFamily="18" charset="0"/>
+                <a:cs typeface="Times New Roman" panose="02020603050405020304" pitchFamily="18" charset="0"/>
+                <a:hlinkClick r:id="rId3"/>
+              </a:rPr>
+              <a:t>https://foundation.rust-lang.org</a:t>
+            </a:r>
+            <a:r>
+              <a:rPr lang="en-US" altLang="zh-CN" dirty="0" smtClean="0">
+                <a:latin typeface="Times New Roman" panose="02020603050405020304" pitchFamily="18" charset="0"/>
+                <a:cs typeface="Times New Roman" panose="02020603050405020304" pitchFamily="18" charset="0"/>
+                <a:hlinkClick r:id="rId3"/>
+              </a:rPr>
+              <a:t>/</a:t>
+            </a:r>
+            <a:r>
+              <a:rPr lang="en-US" altLang="zh-CN" dirty="0" smtClean="0">
+                <a:latin typeface="Times New Roman" panose="02020603050405020304" pitchFamily="18" charset="0"/>
+                <a:cs typeface="Times New Roman" panose="02020603050405020304" pitchFamily="18" charset="0"/>
+              </a:rPr>
+              <a:t> Rust</a:t>
+            </a:r>
+            <a:r>
+              <a:rPr lang="zh-CN" altLang="en-US" dirty="0" smtClean="0">
+                <a:latin typeface="Times New Roman" panose="02020603050405020304" pitchFamily="18" charset="0"/>
+                <a:cs typeface="Times New Roman" panose="02020603050405020304" pitchFamily="18" charset="0"/>
+              </a:rPr>
+              <a:t>基金会官网</a:t>
+            </a:r>
+            <a:endParaRPr lang="zh-CN" altLang="en-US" dirty="0">
+              <a:latin typeface="Times New Roman" panose="02020603050405020304" pitchFamily="18" charset="0"/>
+              <a:cs typeface="Times New Roman" panose="02020603050405020304" pitchFamily="18" charset="0"/>
+            </a:endParaRPr>
+          </a:p>
+          <a:p>
+            <a:endParaRPr lang="zh-CN" altLang="en-US" dirty="0">
+              <a:latin typeface="+mn-ea"/>
+              <a:ea typeface="+mn-ea"/>
+            </a:endParaRPr>
+          </a:p>
+        </p:txBody>
+      </p:sp>
+    </p:spTree>
+    <p:extLst>
+      <p:ext uri="{BB962C8B-B14F-4D97-AF65-F5344CB8AC3E}">
+        <p14:creationId xmlns:p14="http://schemas.microsoft.com/office/powerpoint/2010/main" val="4294680260"/>
       </p:ext>
     </p:extLst>
   </p:cSld>
@@ -8655,7 +15280,7 @@
           <p:nvPr>
             <p:extLst>
               <p:ext uri="{D42A27DB-BD31-4B8C-83A1-F6EECF244321}">
-                <p14:modId xmlns:p14="http://schemas.microsoft.com/office/powerpoint/2010/main" val="2150631904"/>
+                <p14:modId xmlns:p14="http://schemas.microsoft.com/office/powerpoint/2010/main" val="1005988277"/>
               </p:ext>
             </p:extLst>
           </p:nvPr>
@@ -8728,28 +15353,493 @@
           <a:lstStyle/>
           <a:p>
             <a:r>
-              <a:rPr lang="en-US" altLang="zh-CN" dirty="0" smtClean="0"/>
+              <a:rPr lang="en-US" altLang="zh-CN" dirty="0" smtClean="0">
+                <a:latin typeface="+mj-ea"/>
+              </a:rPr>
               <a:t>Rust</a:t>
             </a:r>
             <a:r>
-              <a:rPr lang="zh-CN" altLang="en-US" dirty="0" smtClean="0"/>
+              <a:rPr lang="zh-CN" altLang="en-US" dirty="0" smtClean="0">
+                <a:latin typeface="+mj-ea"/>
+              </a:rPr>
               <a:t>介绍</a:t>
             </a:r>
-            <a:r>
-              <a:rPr lang="en-US" altLang="zh-CN" dirty="0" smtClean="0"/>
-              <a:t>——</a:t>
-            </a:r>
-            <a:r>
-              <a:rPr lang="zh-CN" altLang="en-US" dirty="0" smtClean="0"/>
-              <a:t>起源</a:t>
-            </a:r>
-            <a:endParaRPr lang="zh-CN" altLang="en-US" dirty="0"/>
+            <a:endParaRPr lang="zh-CN" altLang="en-US" dirty="0">
+              <a:latin typeface="+mj-ea"/>
+            </a:endParaRPr>
+          </a:p>
+        </p:txBody>
+      </p:sp>
+      <p:graphicFrame>
+        <p:nvGraphicFramePr>
+          <p:cNvPr id="63" name="图示 62"/>
+          <p:cNvGraphicFramePr/>
+          <p:nvPr>
+            <p:extLst>
+              <p:ext uri="{D42A27DB-BD31-4B8C-83A1-F6EECF244321}">
+                <p14:modId xmlns:p14="http://schemas.microsoft.com/office/powerpoint/2010/main" val="1052898484"/>
+              </p:ext>
+            </p:extLst>
+          </p:nvPr>
+        </p:nvGraphicFramePr>
+        <p:xfrm>
+          <a:off x="2032000" y="2052536"/>
+          <a:ext cx="7355191" cy="4085797"/>
+        </p:xfrm>
+        <a:graphic>
+          <a:graphicData uri="http://schemas.openxmlformats.org/drawingml/2006/diagram">
+            <dgm:relIds xmlns:dgm="http://schemas.openxmlformats.org/drawingml/2006/diagram" xmlns:r="http://schemas.openxmlformats.org/officeDocument/2006/relationships" r:dm="rId3" r:lo="rId4" r:qs="rId5" r:cs="rId6"/>
+          </a:graphicData>
+        </a:graphic>
+      </p:graphicFrame>
+      <p:sp>
+        <p:nvSpPr>
+          <p:cNvPr id="64" name="文本框 63"/>
+          <p:cNvSpPr txBox="1"/>
+          <p:nvPr/>
+        </p:nvSpPr>
+        <p:spPr>
+          <a:xfrm>
+            <a:off x="6546715" y="3472774"/>
+            <a:ext cx="768485" cy="1477328"/>
+          </a:xfrm>
+          <a:prstGeom prst="rect">
+            <a:avLst/>
+          </a:prstGeom>
+          <a:noFill/>
+        </p:spPr>
+        <p:txBody>
+          <a:bodyPr wrap="square" rtlCol="0">
+            <a:spAutoFit/>
+          </a:bodyPr>
+          <a:lstStyle/>
+          <a:p>
+            <a:r>
+              <a:rPr lang="en-US" altLang="zh-CN" dirty="0" smtClean="0">
+                <a:latin typeface="+mn-ea"/>
+              </a:rPr>
+              <a:t>2015</a:t>
+            </a:r>
+            <a:r>
+              <a:rPr lang="zh-CN" altLang="en-US" dirty="0" smtClean="0">
+                <a:latin typeface="+mn-ea"/>
+              </a:rPr>
+              <a:t>首个稳定版本</a:t>
+            </a:r>
+            <a:r>
+              <a:rPr lang="en-US" altLang="zh-CN" dirty="0" smtClean="0">
+                <a:latin typeface="+mn-ea"/>
+              </a:rPr>
+              <a:t>1.0</a:t>
+            </a:r>
+            <a:endParaRPr lang="zh-CN" altLang="en-US" dirty="0">
+              <a:latin typeface="+mn-ea"/>
+            </a:endParaRPr>
           </a:p>
         </p:txBody>
       </p:sp>
       <p:sp>
         <p:nvSpPr>
-          <p:cNvPr id="5" name="内容占位符 4"/>
+          <p:cNvPr id="65" name="文本框 64"/>
+          <p:cNvSpPr txBox="1"/>
+          <p:nvPr/>
+        </p:nvSpPr>
+        <p:spPr>
+          <a:xfrm>
+            <a:off x="8064230" y="3112851"/>
+            <a:ext cx="924127" cy="1200329"/>
+          </a:xfrm>
+          <a:prstGeom prst="rect">
+            <a:avLst/>
+          </a:prstGeom>
+          <a:noFill/>
+        </p:spPr>
+        <p:txBody>
+          <a:bodyPr wrap="square" rtlCol="0">
+            <a:spAutoFit/>
+          </a:bodyPr>
+          <a:lstStyle/>
+          <a:p>
+            <a:r>
+              <a:rPr lang="en-US" altLang="zh-CN" dirty="0" smtClean="0">
+                <a:latin typeface="+mn-ea"/>
+              </a:rPr>
+              <a:t>2018</a:t>
+            </a:r>
+            <a:r>
+              <a:rPr lang="zh-CN" altLang="en-US" dirty="0" smtClean="0">
+                <a:latin typeface="+mn-ea"/>
+              </a:rPr>
+              <a:t>年再次进行大版本迭代</a:t>
+            </a:r>
+            <a:endParaRPr lang="zh-CN" altLang="en-US" dirty="0">
+              <a:latin typeface="+mn-ea"/>
+            </a:endParaRPr>
+          </a:p>
+        </p:txBody>
+      </p:sp>
+    </p:spTree>
+    <p:extLst>
+      <p:ext uri="{BB962C8B-B14F-4D97-AF65-F5344CB8AC3E}">
+        <p14:creationId xmlns:p14="http://schemas.microsoft.com/office/powerpoint/2010/main" val="1599278215"/>
+      </p:ext>
+    </p:extLst>
+  </p:cSld>
+  <p:clrMapOvr>
+    <a:masterClrMapping/>
+  </p:clrMapOvr>
+  <p:timing>
+    <p:tnLst>
+      <p:par>
+        <p:cTn id="1" dur="indefinite" restart="never" nodeType="tmRoot"/>
+      </p:par>
+    </p:tnLst>
+  </p:timing>
+</p:sld>
+</file>
+
+<file path=ppt/slides/slide4.xml><?xml version="1.0" encoding="utf-8"?>
+<p:sld xmlns:a="http://schemas.openxmlformats.org/drawingml/2006/main" xmlns:r="http://schemas.openxmlformats.org/officeDocument/2006/relationships" xmlns:p="http://schemas.openxmlformats.org/presentationml/2006/main">
+  <p:cSld>
+    <p:spTree>
+      <p:nvGrpSpPr>
+        <p:cNvPr id="1" name=""/>
+        <p:cNvGrpSpPr/>
+        <p:nvPr/>
+      </p:nvGrpSpPr>
+      <p:grpSpPr>
+        <a:xfrm>
+          <a:off x="0" y="0"/>
+          <a:ext cx="0" cy="0"/>
+          <a:chOff x="0" y="0"/>
+          <a:chExt cx="0" cy="0"/>
+        </a:xfrm>
+      </p:grpSpPr>
+      <p:sp>
+        <p:nvSpPr>
+          <p:cNvPr id="2" name="标题 1"/>
+          <p:cNvSpPr>
+            <a:spLocks noGrp="1"/>
+          </p:cNvSpPr>
+          <p:nvPr>
+            <p:ph type="title"/>
+          </p:nvPr>
+        </p:nvSpPr>
+        <p:spPr/>
+        <p:txBody>
+          <a:bodyPr/>
+          <a:lstStyle/>
+          <a:p>
+            <a:r>
+              <a:rPr lang="en-US" altLang="zh-CN" dirty="0" smtClean="0">
+                <a:latin typeface="+mn-ea"/>
+                <a:ea typeface="+mn-ea"/>
+              </a:rPr>
+              <a:t>Rust</a:t>
+            </a:r>
+            <a:r>
+              <a:rPr lang="zh-CN" altLang="en-US" dirty="0" smtClean="0">
+                <a:latin typeface="+mn-ea"/>
+                <a:ea typeface="+mn-ea"/>
+              </a:rPr>
+              <a:t>简介</a:t>
+            </a:r>
+            <a:endParaRPr lang="zh-CN" altLang="en-US" dirty="0">
+              <a:latin typeface="+mn-ea"/>
+              <a:ea typeface="+mn-ea"/>
+            </a:endParaRPr>
+          </a:p>
+        </p:txBody>
+      </p:sp>
+      <p:pic>
+        <p:nvPicPr>
+          <p:cNvPr id="6" name="内容占位符 5"/>
+          <p:cNvPicPr>
+            <a:picLocks noGrp="1" noChangeAspect="1"/>
+          </p:cNvPicPr>
+          <p:nvPr>
+            <p:ph idx="1"/>
+          </p:nvPr>
+        </p:nvPicPr>
+        <p:blipFill>
+          <a:blip r:embed="rId3"/>
+          <a:stretch>
+            <a:fillRect/>
+          </a:stretch>
+        </p:blipFill>
+        <p:spPr>
+          <a:xfrm>
+            <a:off x="2407688" y="1418562"/>
+            <a:ext cx="7236042" cy="4758039"/>
+          </a:xfrm>
+          <a:prstGeom prst="rect">
+            <a:avLst/>
+          </a:prstGeom>
+        </p:spPr>
+      </p:pic>
+      <p:sp>
+        <p:nvSpPr>
+          <p:cNvPr id="7" name="文本框 6"/>
+          <p:cNvSpPr txBox="1"/>
+          <p:nvPr/>
+        </p:nvSpPr>
+        <p:spPr>
+          <a:xfrm>
+            <a:off x="1127050" y="6358270"/>
+            <a:ext cx="9760689" cy="369332"/>
+          </a:xfrm>
+          <a:prstGeom prst="rect">
+            <a:avLst/>
+          </a:prstGeom>
+          <a:noFill/>
+        </p:spPr>
+        <p:txBody>
+          <a:bodyPr wrap="square" rtlCol="0">
+            <a:spAutoFit/>
+          </a:bodyPr>
+          <a:lstStyle/>
+          <a:p>
+            <a:r>
+              <a:rPr lang="en-US" altLang="zh-CN" dirty="0">
+                <a:latin typeface="Times New Roman" panose="02020603050405020304" pitchFamily="18" charset="0"/>
+                <a:cs typeface="Times New Roman" panose="02020603050405020304" pitchFamily="18" charset="0"/>
+              </a:rPr>
+              <a:t>https://insights.stackoverflow.com/survey/2021#most-loved-dreaded-and-wanted-language-love-dread</a:t>
+            </a:r>
+            <a:endParaRPr lang="zh-CN" altLang="en-US" dirty="0">
+              <a:latin typeface="Times New Roman" panose="02020603050405020304" pitchFamily="18" charset="0"/>
+              <a:cs typeface="Times New Roman" panose="02020603050405020304" pitchFamily="18" charset="0"/>
+            </a:endParaRPr>
+          </a:p>
+        </p:txBody>
+      </p:sp>
+    </p:spTree>
+    <p:extLst>
+      <p:ext uri="{BB962C8B-B14F-4D97-AF65-F5344CB8AC3E}">
+        <p14:creationId xmlns:p14="http://schemas.microsoft.com/office/powerpoint/2010/main" val="318211916"/>
+      </p:ext>
+    </p:extLst>
+  </p:cSld>
+  <p:clrMapOvr>
+    <a:masterClrMapping/>
+  </p:clrMapOvr>
+  <p:timing>
+    <p:tnLst>
+      <p:par>
+        <p:cTn id="1" dur="indefinite" restart="never" nodeType="tmRoot"/>
+      </p:par>
+    </p:tnLst>
+  </p:timing>
+</p:sld>
+</file>
+
+<file path=ppt/slides/slide5.xml><?xml version="1.0" encoding="utf-8"?>
+<p:sld xmlns:a="http://schemas.openxmlformats.org/drawingml/2006/main" xmlns:r="http://schemas.openxmlformats.org/officeDocument/2006/relationships" xmlns:p="http://schemas.openxmlformats.org/presentationml/2006/main">
+  <p:cSld>
+    <p:spTree>
+      <p:nvGrpSpPr>
+        <p:cNvPr id="1" name=""/>
+        <p:cNvGrpSpPr/>
+        <p:nvPr/>
+      </p:nvGrpSpPr>
+      <p:grpSpPr>
+        <a:xfrm>
+          <a:off x="0" y="0"/>
+          <a:ext cx="0" cy="0"/>
+          <a:chOff x="0" y="0"/>
+          <a:chExt cx="0" cy="0"/>
+        </a:xfrm>
+      </p:grpSpPr>
+      <p:sp>
+        <p:nvSpPr>
+          <p:cNvPr id="2" name="标题 1"/>
+          <p:cNvSpPr>
+            <a:spLocks noGrp="1"/>
+          </p:cNvSpPr>
+          <p:nvPr>
+            <p:ph type="title"/>
+          </p:nvPr>
+        </p:nvSpPr>
+        <p:spPr/>
+        <p:txBody>
+          <a:bodyPr/>
+          <a:lstStyle/>
+          <a:p>
+            <a:r>
+              <a:rPr lang="en-US" altLang="zh-CN" dirty="0" smtClean="0">
+                <a:latin typeface="+mn-ea"/>
+                <a:ea typeface="+mn-ea"/>
+              </a:rPr>
+              <a:t>Rust</a:t>
+            </a:r>
+            <a:r>
+              <a:rPr lang="zh-CN" altLang="en-US" dirty="0" smtClean="0">
+                <a:latin typeface="+mn-ea"/>
+                <a:ea typeface="+mn-ea"/>
+              </a:rPr>
+              <a:t>简介</a:t>
+            </a:r>
+            <a:endParaRPr lang="zh-CN" altLang="en-US" dirty="0">
+              <a:latin typeface="+mn-ea"/>
+              <a:ea typeface="+mn-ea"/>
+            </a:endParaRPr>
+          </a:p>
+        </p:txBody>
+      </p:sp>
+      <p:pic>
+        <p:nvPicPr>
+          <p:cNvPr id="6" name="图片 5"/>
+          <p:cNvPicPr>
+            <a:picLocks noChangeAspect="1"/>
+          </p:cNvPicPr>
+          <p:nvPr/>
+        </p:nvPicPr>
+        <p:blipFill>
+          <a:blip r:embed="rId3"/>
+          <a:stretch>
+            <a:fillRect/>
+          </a:stretch>
+        </p:blipFill>
+        <p:spPr>
+          <a:xfrm>
+            <a:off x="1315534" y="1978490"/>
+            <a:ext cx="9330170" cy="2742366"/>
+          </a:xfrm>
+          <a:prstGeom prst="rect">
+            <a:avLst/>
+          </a:prstGeom>
+        </p:spPr>
+      </p:pic>
+      <p:sp>
+        <p:nvSpPr>
+          <p:cNvPr id="7" name="文本框 6"/>
+          <p:cNvSpPr txBox="1"/>
+          <p:nvPr/>
+        </p:nvSpPr>
+        <p:spPr>
+          <a:xfrm>
+            <a:off x="1818168" y="5603359"/>
+            <a:ext cx="5326912" cy="369332"/>
+          </a:xfrm>
+          <a:prstGeom prst="rect">
+            <a:avLst/>
+          </a:prstGeom>
+          <a:noFill/>
+        </p:spPr>
+        <p:txBody>
+          <a:bodyPr wrap="square" rtlCol="0">
+            <a:spAutoFit/>
+          </a:bodyPr>
+          <a:lstStyle/>
+          <a:p>
+            <a:r>
+              <a:rPr lang="en-US" altLang="zh-CN" dirty="0" smtClean="0">
+                <a:latin typeface="+mn-ea"/>
+                <a:cs typeface="Times New Roman" panose="02020603050405020304" pitchFamily="18" charset="0"/>
+              </a:rPr>
+              <a:t>2021</a:t>
+            </a:r>
+            <a:r>
+              <a:rPr lang="zh-CN" altLang="en-US" dirty="0" smtClean="0">
+                <a:latin typeface="+mn-ea"/>
+                <a:cs typeface="Times New Roman" panose="02020603050405020304" pitchFamily="18" charset="0"/>
+              </a:rPr>
+              <a:t>年成立</a:t>
+            </a:r>
+            <a:r>
+              <a:rPr lang="en-US" altLang="zh-CN" dirty="0" smtClean="0">
+                <a:latin typeface="+mn-ea"/>
+                <a:cs typeface="Times New Roman" panose="02020603050405020304" pitchFamily="18" charset="0"/>
+              </a:rPr>
+              <a:t>Rust</a:t>
+            </a:r>
+            <a:r>
+              <a:rPr lang="zh-CN" altLang="en-US" dirty="0" smtClean="0">
+                <a:latin typeface="+mn-ea"/>
+                <a:cs typeface="Times New Roman" panose="02020603050405020304" pitchFamily="18" charset="0"/>
+              </a:rPr>
+              <a:t>基金会</a:t>
+            </a:r>
+            <a:endParaRPr lang="zh-CN" altLang="en-US" dirty="0">
+              <a:latin typeface="+mn-ea"/>
+              <a:cs typeface="Times New Roman" panose="02020603050405020304" pitchFamily="18" charset="0"/>
+            </a:endParaRPr>
+          </a:p>
+        </p:txBody>
+      </p:sp>
+    </p:spTree>
+    <p:extLst>
+      <p:ext uri="{BB962C8B-B14F-4D97-AF65-F5344CB8AC3E}">
+        <p14:creationId xmlns:p14="http://schemas.microsoft.com/office/powerpoint/2010/main" val="3563083099"/>
+      </p:ext>
+    </p:extLst>
+  </p:cSld>
+  <p:clrMapOvr>
+    <a:masterClrMapping/>
+  </p:clrMapOvr>
+  <p:timing>
+    <p:tnLst>
+      <p:par>
+        <p:cTn id="1" dur="indefinite" restart="never" nodeType="tmRoot"/>
+      </p:par>
+    </p:tnLst>
+  </p:timing>
+</p:sld>
+</file>
+
+<file path=ppt/slides/slide6.xml><?xml version="1.0" encoding="utf-8"?>
+<p:sld xmlns:a="http://schemas.openxmlformats.org/drawingml/2006/main" xmlns:r="http://schemas.openxmlformats.org/officeDocument/2006/relationships" xmlns:p="http://schemas.openxmlformats.org/presentationml/2006/main">
+  <p:cSld>
+    <p:spTree>
+      <p:nvGrpSpPr>
+        <p:cNvPr id="1" name=""/>
+        <p:cNvGrpSpPr/>
+        <p:nvPr/>
+      </p:nvGrpSpPr>
+      <p:grpSpPr>
+        <a:xfrm>
+          <a:off x="0" y="0"/>
+          <a:ext cx="0" cy="0"/>
+          <a:chOff x="0" y="0"/>
+          <a:chExt cx="0" cy="0"/>
+        </a:xfrm>
+      </p:grpSpPr>
+      <p:sp>
+        <p:nvSpPr>
+          <p:cNvPr id="2" name="标题 1"/>
+          <p:cNvSpPr>
+            <a:spLocks noGrp="1"/>
+          </p:cNvSpPr>
+          <p:nvPr>
+            <p:ph type="title"/>
+          </p:nvPr>
+        </p:nvSpPr>
+        <p:spPr/>
+        <p:txBody>
+          <a:bodyPr/>
+          <a:lstStyle/>
+          <a:p>
+            <a:r>
+              <a:rPr lang="en-US" altLang="zh-CN" dirty="0" smtClean="0">
+                <a:latin typeface="+mj-ea"/>
+              </a:rPr>
+              <a:t>Rust</a:t>
+            </a:r>
+            <a:r>
+              <a:rPr lang="zh-CN" altLang="en-US" dirty="0" smtClean="0">
+                <a:latin typeface="+mj-ea"/>
+              </a:rPr>
+              <a:t>简介</a:t>
+            </a:r>
+            <a:endParaRPr lang="zh-CN" altLang="en-US" dirty="0">
+              <a:latin typeface="+mj-ea"/>
+            </a:endParaRPr>
+          </a:p>
+        </p:txBody>
+      </p:sp>
+      <p:sp>
+        <p:nvSpPr>
+          <p:cNvPr id="3" name="内容占位符 2"/>
           <p:cNvSpPr>
             <a:spLocks noGrp="1"/>
           </p:cNvSpPr>
@@ -8762,14 +15852,463 @@
           <a:bodyPr/>
           <a:lstStyle/>
           <a:p>
-            <a:endParaRPr lang="zh-CN" altLang="en-US" dirty="0"/>
+            <a:r>
+              <a:rPr lang="zh-CN" altLang="en-US" dirty="0" smtClean="0">
+                <a:latin typeface="+mn-ea"/>
+                <a:ea typeface="+mn-ea"/>
+              </a:rPr>
+              <a:t>性能</a:t>
+            </a:r>
+            <a:endParaRPr lang="en-US" altLang="zh-CN" dirty="0" smtClean="0">
+              <a:latin typeface="+mn-ea"/>
+              <a:ea typeface="+mn-ea"/>
+            </a:endParaRPr>
+          </a:p>
+          <a:p>
+            <a:r>
+              <a:rPr lang="zh-CN" altLang="en-US" dirty="0">
+                <a:solidFill>
+                  <a:srgbClr val="C00000"/>
+                </a:solidFill>
+                <a:latin typeface="+mn-ea"/>
+                <a:ea typeface="+mn-ea"/>
+              </a:rPr>
+              <a:t>安全性</a:t>
+            </a:r>
+            <a:endParaRPr lang="zh-CN" altLang="en-US" dirty="0">
+              <a:solidFill>
+                <a:srgbClr val="C00000"/>
+              </a:solidFill>
+              <a:latin typeface="+mn-ea"/>
+              <a:ea typeface="+mn-ea"/>
+            </a:endParaRPr>
           </a:p>
         </p:txBody>
       </p:sp>
     </p:spTree>
     <p:extLst>
       <p:ext uri="{BB962C8B-B14F-4D97-AF65-F5344CB8AC3E}">
-        <p14:creationId xmlns:p14="http://schemas.microsoft.com/office/powerpoint/2010/main" val="1599278215"/>
+        <p14:creationId xmlns:p14="http://schemas.microsoft.com/office/powerpoint/2010/main" val="45179864"/>
+      </p:ext>
+    </p:extLst>
+  </p:cSld>
+  <p:clrMapOvr>
+    <a:masterClrMapping/>
+  </p:clrMapOvr>
+  <p:timing>
+    <p:tnLst>
+      <p:par>
+        <p:cTn id="1" dur="indefinite" restart="never" nodeType="tmRoot"/>
+      </p:par>
+    </p:tnLst>
+  </p:timing>
+</p:sld>
+</file>
+
+<file path=ppt/slides/slide7.xml><?xml version="1.0" encoding="utf-8"?>
+<p:sld xmlns:a="http://schemas.openxmlformats.org/drawingml/2006/main" xmlns:r="http://schemas.openxmlformats.org/officeDocument/2006/relationships" xmlns:p="http://schemas.openxmlformats.org/presentationml/2006/main">
+  <p:cSld>
+    <p:spTree>
+      <p:nvGrpSpPr>
+        <p:cNvPr id="1" name=""/>
+        <p:cNvGrpSpPr/>
+        <p:nvPr/>
+      </p:nvGrpSpPr>
+      <p:grpSpPr>
+        <a:xfrm>
+          <a:off x="0" y="0"/>
+          <a:ext cx="0" cy="0"/>
+          <a:chOff x="0" y="0"/>
+          <a:chExt cx="0" cy="0"/>
+        </a:xfrm>
+      </p:grpSpPr>
+      <p:sp>
+        <p:nvSpPr>
+          <p:cNvPr id="2" name="标题 1"/>
+          <p:cNvSpPr>
+            <a:spLocks noGrp="1"/>
+          </p:cNvSpPr>
+          <p:nvPr>
+            <p:ph type="title"/>
+          </p:nvPr>
+        </p:nvSpPr>
+        <p:spPr/>
+        <p:txBody>
+          <a:bodyPr/>
+          <a:lstStyle/>
+          <a:p>
+            <a:r>
+              <a:rPr lang="en-US" altLang="zh-CN" dirty="0" smtClean="0">
+                <a:latin typeface="+mj-ea"/>
+              </a:rPr>
+              <a:t>Rust</a:t>
+            </a:r>
+            <a:r>
+              <a:rPr lang="zh-CN" altLang="en-US" dirty="0" smtClean="0">
+                <a:latin typeface="+mj-ea"/>
+              </a:rPr>
+              <a:t>简介</a:t>
+            </a:r>
+            <a:endParaRPr lang="zh-CN" altLang="en-US" dirty="0">
+              <a:latin typeface="+mj-ea"/>
+            </a:endParaRPr>
+          </a:p>
+        </p:txBody>
+      </p:sp>
+      <p:sp>
+        <p:nvSpPr>
+          <p:cNvPr id="3" name="内容占位符 2"/>
+          <p:cNvSpPr>
+            <a:spLocks noGrp="1"/>
+          </p:cNvSpPr>
+          <p:nvPr>
+            <p:ph idx="1"/>
+          </p:nvPr>
+        </p:nvSpPr>
+        <p:spPr/>
+        <p:txBody>
+          <a:bodyPr/>
+          <a:lstStyle/>
+          <a:p>
+            <a:r>
+              <a:rPr lang="zh-CN" altLang="en-US" dirty="0">
+                <a:latin typeface="+mn-ea"/>
+                <a:ea typeface="+mn-ea"/>
+              </a:rPr>
+              <a:t>相比于之前的系统编程语言必须是更加安全的、不易崩溃的，尤其是在操作内存</a:t>
+            </a:r>
+            <a:r>
+              <a:rPr lang="zh-CN" altLang="en-US" dirty="0" smtClean="0">
+                <a:latin typeface="+mn-ea"/>
+                <a:ea typeface="+mn-ea"/>
+              </a:rPr>
+              <a:t>时</a:t>
+            </a:r>
+            <a:endParaRPr lang="en-US" altLang="zh-CN" dirty="0" smtClean="0">
+              <a:latin typeface="+mn-ea"/>
+              <a:ea typeface="+mn-ea"/>
+            </a:endParaRPr>
+          </a:p>
+          <a:p>
+            <a:r>
+              <a:rPr lang="zh-CN" altLang="en-US" dirty="0">
+                <a:latin typeface="+mn-ea"/>
+                <a:ea typeface="+mn-ea"/>
+              </a:rPr>
+              <a:t>不需要有垃圾回收系统，不能为了内存安全引入性能</a:t>
+            </a:r>
+            <a:r>
+              <a:rPr lang="zh-CN" altLang="en-US" dirty="0">
+                <a:latin typeface="+mn-ea"/>
+                <a:ea typeface="+mn-ea"/>
+              </a:rPr>
+              <a:t>负担</a:t>
+            </a:r>
+            <a:endParaRPr lang="en-US" altLang="zh-CN" dirty="0">
+              <a:latin typeface="+mn-ea"/>
+              <a:ea typeface="+mn-ea"/>
+            </a:endParaRPr>
+          </a:p>
+          <a:p>
+            <a:r>
+              <a:rPr lang="zh-CN" altLang="en-US" dirty="0">
+                <a:latin typeface="+mn-ea"/>
+                <a:ea typeface="+mn-ea"/>
+              </a:rPr>
+              <a:t>不仅仅拥有一个主要特性、而应该拥有一系列广泛特性，这些特性之间又不缺乏一致性，这些特性之间可以很高的相互协作，从而使该语言更容易编写、维护</a:t>
+            </a:r>
+            <a:r>
+              <a:rPr lang="zh-CN" altLang="en-US" dirty="0" smtClean="0">
+                <a:latin typeface="+mn-ea"/>
+                <a:ea typeface="+mn-ea"/>
+              </a:rPr>
+              <a:t>和调试</a:t>
+            </a:r>
+            <a:r>
+              <a:rPr lang="zh-CN" altLang="en-US" dirty="0">
+                <a:latin typeface="+mn-ea"/>
+                <a:ea typeface="+mn-ea"/>
+              </a:rPr>
+              <a:t>，让程序员写出更安全、更高效的</a:t>
+            </a:r>
+            <a:r>
+              <a:rPr lang="zh-CN" altLang="en-US" dirty="0" smtClean="0">
+                <a:latin typeface="+mn-ea"/>
+                <a:ea typeface="+mn-ea"/>
+              </a:rPr>
+              <a:t>代码</a:t>
+            </a:r>
+            <a:endParaRPr lang="en-US" altLang="zh-CN" dirty="0" smtClean="0">
+              <a:latin typeface="+mn-ea"/>
+              <a:ea typeface="+mn-ea"/>
+            </a:endParaRPr>
+          </a:p>
+          <a:p>
+            <a:pPr marL="0" indent="0">
+              <a:buNone/>
+            </a:pPr>
+            <a:endParaRPr lang="en-US" altLang="zh-CN" dirty="0">
+              <a:latin typeface="+mn-ea"/>
+              <a:ea typeface="+mn-ea"/>
+            </a:endParaRPr>
+          </a:p>
+          <a:p>
+            <a:pPr marL="0" indent="0">
+              <a:buNone/>
+            </a:pPr>
+            <a:r>
+              <a:rPr lang="en-US" altLang="zh-CN" dirty="0" smtClean="0">
+                <a:latin typeface="+mn-ea"/>
+                <a:ea typeface="+mn-ea"/>
+              </a:rPr>
+              <a:t>//</a:t>
+            </a:r>
+            <a:r>
+              <a:rPr lang="zh-CN" altLang="en-US" dirty="0" smtClean="0">
+                <a:latin typeface="+mn-ea"/>
+                <a:ea typeface="+mn-ea"/>
+              </a:rPr>
+              <a:t>原文链接</a:t>
+            </a:r>
+            <a:endParaRPr lang="zh-CN" altLang="en-US" dirty="0">
+              <a:latin typeface="+mn-ea"/>
+              <a:ea typeface="+mn-ea"/>
+            </a:endParaRPr>
+          </a:p>
+        </p:txBody>
+      </p:sp>
+    </p:spTree>
+    <p:extLst>
+      <p:ext uri="{BB962C8B-B14F-4D97-AF65-F5344CB8AC3E}">
+        <p14:creationId xmlns:p14="http://schemas.microsoft.com/office/powerpoint/2010/main" val="1753905410"/>
+      </p:ext>
+    </p:extLst>
+  </p:cSld>
+  <p:clrMapOvr>
+    <a:masterClrMapping/>
+  </p:clrMapOvr>
+  <p:timing>
+    <p:tnLst>
+      <p:par>
+        <p:cTn id="1" dur="indefinite" restart="never" nodeType="tmRoot"/>
+      </p:par>
+    </p:tnLst>
+  </p:timing>
+</p:sld>
+</file>
+
+<file path=ppt/slides/slide8.xml><?xml version="1.0" encoding="utf-8"?>
+<p:sld xmlns:a="http://schemas.openxmlformats.org/drawingml/2006/main" xmlns:r="http://schemas.openxmlformats.org/officeDocument/2006/relationships" xmlns:p="http://schemas.openxmlformats.org/presentationml/2006/main">
+  <p:cSld>
+    <p:spTree>
+      <p:nvGrpSpPr>
+        <p:cNvPr id="1" name=""/>
+        <p:cNvGrpSpPr/>
+        <p:nvPr/>
+      </p:nvGrpSpPr>
+      <p:grpSpPr>
+        <a:xfrm>
+          <a:off x="0" y="0"/>
+          <a:ext cx="0" cy="0"/>
+          <a:chOff x="0" y="0"/>
+          <a:chExt cx="0" cy="0"/>
+        </a:xfrm>
+      </p:grpSpPr>
+      <p:sp>
+        <p:nvSpPr>
+          <p:cNvPr id="2" name="标题 1"/>
+          <p:cNvSpPr>
+            <a:spLocks noGrp="1"/>
+          </p:cNvSpPr>
+          <p:nvPr>
+            <p:ph type="title"/>
+          </p:nvPr>
+        </p:nvSpPr>
+        <p:spPr/>
+        <p:txBody>
+          <a:bodyPr/>
+          <a:lstStyle/>
+          <a:p>
+            <a:r>
+              <a:rPr lang="en-US" altLang="zh-CN" dirty="0" smtClean="0">
+                <a:latin typeface="+mj-ea"/>
+              </a:rPr>
+              <a:t>Rust</a:t>
+            </a:r>
+            <a:r>
+              <a:rPr lang="zh-CN" altLang="en-US" dirty="0" smtClean="0">
+                <a:latin typeface="+mj-ea"/>
+              </a:rPr>
+              <a:t>简介</a:t>
+            </a:r>
+            <a:endParaRPr lang="zh-CN" altLang="en-US" dirty="0">
+              <a:latin typeface="+mj-ea"/>
+            </a:endParaRPr>
+          </a:p>
+        </p:txBody>
+      </p:sp>
+      <p:sp>
+        <p:nvSpPr>
+          <p:cNvPr id="3" name="内容占位符 2"/>
+          <p:cNvSpPr>
+            <a:spLocks noGrp="1"/>
+          </p:cNvSpPr>
+          <p:nvPr>
+            <p:ph idx="1"/>
+          </p:nvPr>
+        </p:nvSpPr>
+        <p:spPr/>
+        <p:txBody>
+          <a:bodyPr/>
+          <a:lstStyle/>
+          <a:p>
+            <a:r>
+              <a:rPr lang="zh-CN" altLang="en-US" dirty="0" smtClean="0"/>
+              <a:t>内存安全</a:t>
+            </a:r>
+            <a:endParaRPr lang="en-US" altLang="zh-CN" dirty="0" smtClean="0"/>
+          </a:p>
+          <a:p>
+            <a:r>
+              <a:rPr lang="zh-CN" altLang="en-US" dirty="0" smtClean="0"/>
+              <a:t>零成本抽象</a:t>
+            </a:r>
+            <a:endParaRPr lang="en-US" altLang="zh-CN" dirty="0" smtClean="0"/>
+          </a:p>
+          <a:p>
+            <a:r>
+              <a:rPr lang="zh-CN" altLang="en-US" dirty="0" smtClean="0"/>
+              <a:t>实用性</a:t>
+            </a:r>
+            <a:endParaRPr lang="zh-CN" altLang="en-US" dirty="0"/>
+          </a:p>
+        </p:txBody>
+      </p:sp>
+    </p:spTree>
+    <p:extLst>
+      <p:ext uri="{BB962C8B-B14F-4D97-AF65-F5344CB8AC3E}">
+        <p14:creationId xmlns:p14="http://schemas.microsoft.com/office/powerpoint/2010/main" val="1394969012"/>
+      </p:ext>
+    </p:extLst>
+  </p:cSld>
+  <p:clrMapOvr>
+    <a:masterClrMapping/>
+  </p:clrMapOvr>
+  <p:timing>
+    <p:tnLst>
+      <p:par>
+        <p:cTn id="1" dur="indefinite" restart="never" nodeType="tmRoot"/>
+      </p:par>
+    </p:tnLst>
+  </p:timing>
+</p:sld>
+</file>
+
+<file path=ppt/slides/slide9.xml><?xml version="1.0" encoding="utf-8"?>
+<p:sld xmlns:a="http://schemas.openxmlformats.org/drawingml/2006/main" xmlns:r="http://schemas.openxmlformats.org/officeDocument/2006/relationships" xmlns:p="http://schemas.openxmlformats.org/presentationml/2006/main">
+  <p:cSld>
+    <p:spTree>
+      <p:nvGrpSpPr>
+        <p:cNvPr id="1" name=""/>
+        <p:cNvGrpSpPr/>
+        <p:nvPr/>
+      </p:nvGrpSpPr>
+      <p:grpSpPr>
+        <a:xfrm>
+          <a:off x="0" y="0"/>
+          <a:ext cx="0" cy="0"/>
+          <a:chOff x="0" y="0"/>
+          <a:chExt cx="0" cy="0"/>
+        </a:xfrm>
+      </p:grpSpPr>
+      <p:sp>
+        <p:nvSpPr>
+          <p:cNvPr id="2" name="标题 1"/>
+          <p:cNvSpPr>
+            <a:spLocks noGrp="1"/>
+          </p:cNvSpPr>
+          <p:nvPr>
+            <p:ph type="title"/>
+          </p:nvPr>
+        </p:nvSpPr>
+        <p:spPr/>
+        <p:txBody>
+          <a:bodyPr/>
+          <a:lstStyle/>
+          <a:p>
+            <a:r>
+              <a:rPr lang="en-US" altLang="zh-CN" dirty="0" smtClean="0">
+                <a:latin typeface="+mj-ea"/>
+              </a:rPr>
+              <a:t>Rust</a:t>
+            </a:r>
+            <a:r>
+              <a:rPr lang="zh-CN" altLang="en-US" dirty="0" smtClean="0">
+                <a:latin typeface="+mj-ea"/>
+              </a:rPr>
+              <a:t>简介</a:t>
+            </a:r>
+            <a:endParaRPr lang="zh-CN" altLang="en-US" dirty="0">
+              <a:latin typeface="+mj-ea"/>
+            </a:endParaRPr>
+          </a:p>
+        </p:txBody>
+      </p:sp>
+      <p:sp>
+        <p:nvSpPr>
+          <p:cNvPr id="3" name="内容占位符 2"/>
+          <p:cNvSpPr>
+            <a:spLocks noGrp="1"/>
+          </p:cNvSpPr>
+          <p:nvPr>
+            <p:ph idx="1"/>
+          </p:nvPr>
+        </p:nvSpPr>
+        <p:spPr/>
+        <p:txBody>
+          <a:bodyPr/>
+          <a:lstStyle/>
+          <a:p>
+            <a:r>
+              <a:rPr lang="zh-CN" altLang="en-US" dirty="0" smtClean="0"/>
+              <a:t>内存安全</a:t>
+            </a:r>
+            <a:endParaRPr lang="en-US" altLang="zh-CN" dirty="0" smtClean="0"/>
+          </a:p>
+          <a:p>
+            <a:pPr marL="0" indent="0">
+              <a:buNone/>
+            </a:pPr>
+            <a:r>
+              <a:rPr lang="en-US" altLang="zh-CN" dirty="0" smtClean="0"/>
+              <a:t>	- </a:t>
+            </a:r>
+            <a:r>
+              <a:rPr lang="zh-CN" altLang="en-US" dirty="0" smtClean="0"/>
+              <a:t>常见内存不安全，内存分配，内存访问，内存回收</a:t>
+            </a:r>
+            <a:endParaRPr lang="en-US" altLang="zh-CN" dirty="0" smtClean="0"/>
+          </a:p>
+          <a:p>
+            <a:pPr marL="0" indent="0">
+              <a:buNone/>
+            </a:pPr>
+            <a:r>
+              <a:rPr lang="en-US" altLang="zh-CN" dirty="0" smtClean="0"/>
+              <a:t>	- </a:t>
+            </a:r>
+            <a:r>
+              <a:rPr lang="zh-CN" altLang="en-US" dirty="0" smtClean="0"/>
+              <a:t>所有权、生命周期、复杂的内置类型</a:t>
+            </a:r>
+            <a:endParaRPr lang="en-US" altLang="zh-CN" dirty="0" smtClean="0"/>
+          </a:p>
+        </p:txBody>
+      </p:sp>
+    </p:spTree>
+    <p:extLst>
+      <p:ext uri="{BB962C8B-B14F-4D97-AF65-F5344CB8AC3E}">
+        <p14:creationId xmlns:p14="http://schemas.microsoft.com/office/powerpoint/2010/main" val="2551529560"/>
       </p:ext>
     </p:extLst>
   </p:cSld>
@@ -9050,4 +16589,265 @@
     </a:ext>
   </a:extLst>
 </a:theme>
+</file>
+
+<file path=ppt/theme/theme2.xml><?xml version="1.0" encoding="utf-8"?>
+<a:theme xmlns:a="http://schemas.openxmlformats.org/drawingml/2006/main" name="Office 主题">
+  <a:themeElements>
+    <a:clrScheme name="Office">
+      <a:dk1>
+        <a:sysClr val="windowText" lastClr="000000"/>
+      </a:dk1>
+      <a:lt1>
+        <a:sysClr val="window" lastClr="FFFFFF"/>
+      </a:lt1>
+      <a:dk2>
+        <a:srgbClr val="44546A"/>
+      </a:dk2>
+      <a:lt2>
+        <a:srgbClr val="E7E6E6"/>
+      </a:lt2>
+      <a:accent1>
+        <a:srgbClr val="5B9BD5"/>
+      </a:accent1>
+      <a:accent2>
+        <a:srgbClr val="ED7D31"/>
+      </a:accent2>
+      <a:accent3>
+        <a:srgbClr val="A5A5A5"/>
+      </a:accent3>
+      <a:accent4>
+        <a:srgbClr val="FFC000"/>
+      </a:accent4>
+      <a:accent5>
+        <a:srgbClr val="4472C4"/>
+      </a:accent5>
+      <a:accent6>
+        <a:srgbClr val="70AD47"/>
+      </a:accent6>
+      <a:hlink>
+        <a:srgbClr val="0563C1"/>
+      </a:hlink>
+      <a:folHlink>
+        <a:srgbClr val="954F72"/>
+      </a:folHlink>
+    </a:clrScheme>
+    <a:fontScheme name="Office">
+      <a:majorFont>
+        <a:latin typeface="Calibri Light" panose="020F0302020204030204"/>
+        <a:ea typeface=""/>
+        <a:cs typeface=""/>
+        <a:font script="Jpan" typeface="ＭＳ Ｐゴシック"/>
+        <a:font script="Hang" typeface="맑은 고딕"/>
+        <a:font script="Hans" typeface="宋体"/>
+        <a:font script="Hant" typeface="新細明體"/>
+        <a:font script="Arab" typeface="Times New Roman"/>
+        <a:font script="Hebr" typeface="Times New Roman"/>
+        <a:font script="Thai" typeface="Angsana New"/>
+        <a:font script="Ethi" typeface="Nyala"/>
+        <a:font script="Beng" typeface="Vrinda"/>
+        <a:font script="Gujr" typeface="Shruti"/>
+        <a:font script="Khmr" typeface="MoolBoran"/>
+        <a:font script="Knda" typeface="Tunga"/>
+        <a:font script="Guru" typeface="Raavi"/>
+        <a:font script="Cans" typeface="Euphemia"/>
+        <a:font script="Cher" typeface="Plantagenet Cherokee"/>
+        <a:font script="Yiii" typeface="Microsoft Yi Baiti"/>
+        <a:font script="Tibt" typeface="Microsoft Himalaya"/>
+        <a:font script="Thaa" typeface="MV Boli"/>
+        <a:font script="Deva" typeface="Mangal"/>
+        <a:font script="Telu" typeface="Gautami"/>
+        <a:font script="Taml" typeface="Latha"/>
+        <a:font script="Syrc" typeface="Estrangelo Edessa"/>
+        <a:font script="Orya" typeface="Kalinga"/>
+        <a:font script="Mlym" typeface="Kartika"/>
+        <a:font script="Laoo" typeface="DokChampa"/>
+        <a:font script="Sinh" typeface="Iskoola Pota"/>
+        <a:font script="Mong" typeface="Mongolian Baiti"/>
+        <a:font script="Viet" typeface="Times New Roman"/>
+        <a:font script="Uigh" typeface="Microsoft Uighur"/>
+        <a:font script="Geor" typeface="Sylfaen"/>
+      </a:majorFont>
+      <a:minorFont>
+        <a:latin typeface="Calibri" panose="020F0502020204030204"/>
+        <a:ea typeface=""/>
+        <a:cs typeface=""/>
+        <a:font script="Jpan" typeface="ＭＳ Ｐゴシック"/>
+        <a:font script="Hang" typeface="맑은 고딕"/>
+        <a:font script="Hans" typeface="宋体"/>
+        <a:font script="Hant" typeface="新細明體"/>
+        <a:font script="Arab" typeface="Arial"/>
+        <a:font script="Hebr" typeface="Arial"/>
+        <a:font script="Thai" typeface="Cordia New"/>
+        <a:font script="Ethi" typeface="Nyala"/>
+        <a:font script="Beng" typeface="Vrinda"/>
+        <a:font script="Gujr" typeface="Shruti"/>
+        <a:font script="Khmr" typeface="DaunPenh"/>
+        <a:font script="Knda" typeface="Tunga"/>
+        <a:font script="Guru" typeface="Raavi"/>
+        <a:font script="Cans" typeface="Euphemia"/>
+        <a:font script="Cher" typeface="Plantagenet Cherokee"/>
+        <a:font script="Yiii" typeface="Microsoft Yi Baiti"/>
+        <a:font script="Tibt" typeface="Microsoft Himalaya"/>
+        <a:font script="Thaa" typeface="MV Boli"/>
+        <a:font script="Deva" typeface="Mangal"/>
+        <a:font script="Telu" typeface="Gautami"/>
+        <a:font script="Taml" typeface="Latha"/>
+        <a:font script="Syrc" typeface="Estrangelo Edessa"/>
+        <a:font script="Orya" typeface="Kalinga"/>
+        <a:font script="Mlym" typeface="Kartika"/>
+        <a:font script="Laoo" typeface="DokChampa"/>
+        <a:font script="Sinh" typeface="Iskoola Pota"/>
+        <a:font script="Mong" typeface="Mongolian Baiti"/>
+        <a:font script="Viet" typeface="Arial"/>
+        <a:font script="Uigh" typeface="Microsoft Uighur"/>
+        <a:font script="Geor" typeface="Sylfaen"/>
+      </a:minorFont>
+    </a:fontScheme>
+    <a:fmtScheme name="Office">
+      <a:fillStyleLst>
+        <a:solidFill>
+          <a:schemeClr val="phClr"/>
+        </a:solidFill>
+        <a:gradFill rotWithShape="1">
+          <a:gsLst>
+            <a:gs pos="0">
+              <a:schemeClr val="phClr">
+                <a:lumMod val="110000"/>
+                <a:satMod val="105000"/>
+                <a:tint val="67000"/>
+              </a:schemeClr>
+            </a:gs>
+            <a:gs pos="50000">
+              <a:schemeClr val="phClr">
+                <a:lumMod val="105000"/>
+                <a:satMod val="103000"/>
+                <a:tint val="73000"/>
+              </a:schemeClr>
+            </a:gs>
+            <a:gs pos="100000">
+              <a:schemeClr val="phClr">
+                <a:lumMod val="105000"/>
+                <a:satMod val="109000"/>
+                <a:tint val="81000"/>
+              </a:schemeClr>
+            </a:gs>
+          </a:gsLst>
+          <a:lin ang="5400000" scaled="0"/>
+        </a:gradFill>
+        <a:gradFill rotWithShape="1">
+          <a:gsLst>
+            <a:gs pos="0">
+              <a:schemeClr val="phClr">
+                <a:satMod val="103000"/>
+                <a:lumMod val="102000"/>
+                <a:tint val="94000"/>
+              </a:schemeClr>
+            </a:gs>
+            <a:gs pos="50000">
+              <a:schemeClr val="phClr">
+                <a:satMod val="110000"/>
+                <a:lumMod val="100000"/>
+                <a:shade val="100000"/>
+              </a:schemeClr>
+            </a:gs>
+            <a:gs pos="100000">
+              <a:schemeClr val="phClr">
+                <a:lumMod val="99000"/>
+                <a:satMod val="120000"/>
+                <a:shade val="78000"/>
+              </a:schemeClr>
+            </a:gs>
+          </a:gsLst>
+          <a:lin ang="5400000" scaled="0"/>
+        </a:gradFill>
+      </a:fillStyleLst>
+      <a:lnStyleLst>
+        <a:ln w="6350" cap="flat" cmpd="sng" algn="ctr">
+          <a:solidFill>
+            <a:schemeClr val="phClr"/>
+          </a:solidFill>
+          <a:prstDash val="solid"/>
+          <a:miter lim="800000"/>
+        </a:ln>
+        <a:ln w="12700" cap="flat" cmpd="sng" algn="ctr">
+          <a:solidFill>
+            <a:schemeClr val="phClr"/>
+          </a:solidFill>
+          <a:prstDash val="solid"/>
+          <a:miter lim="800000"/>
+        </a:ln>
+        <a:ln w="19050" cap="flat" cmpd="sng" algn="ctr">
+          <a:solidFill>
+            <a:schemeClr val="phClr"/>
+          </a:solidFill>
+          <a:prstDash val="solid"/>
+          <a:miter lim="800000"/>
+        </a:ln>
+      </a:lnStyleLst>
+      <a:effectStyleLst>
+        <a:effectStyle>
+          <a:effectLst/>
+        </a:effectStyle>
+        <a:effectStyle>
+          <a:effectLst/>
+        </a:effectStyle>
+        <a:effectStyle>
+          <a:effectLst>
+            <a:outerShdw blurRad="57150" dist="19050" dir="5400000" algn="ctr" rotWithShape="0">
+              <a:srgbClr val="000000">
+                <a:alpha val="63000"/>
+              </a:srgbClr>
+            </a:outerShdw>
+          </a:effectLst>
+        </a:effectStyle>
+      </a:effectStyleLst>
+      <a:bgFillStyleLst>
+        <a:solidFill>
+          <a:schemeClr val="phClr"/>
+        </a:solidFill>
+        <a:solidFill>
+          <a:schemeClr val="phClr">
+            <a:tint val="95000"/>
+            <a:satMod val="170000"/>
+          </a:schemeClr>
+        </a:solidFill>
+        <a:gradFill rotWithShape="1">
+          <a:gsLst>
+            <a:gs pos="0">
+              <a:schemeClr val="phClr">
+                <a:tint val="93000"/>
+                <a:satMod val="150000"/>
+                <a:shade val="98000"/>
+                <a:lumMod val="102000"/>
+              </a:schemeClr>
+            </a:gs>
+            <a:gs pos="50000">
+              <a:schemeClr val="phClr">
+                <a:tint val="98000"/>
+                <a:satMod val="130000"/>
+                <a:shade val="90000"/>
+                <a:lumMod val="103000"/>
+              </a:schemeClr>
+            </a:gs>
+            <a:gs pos="100000">
+              <a:schemeClr val="phClr">
+                <a:shade val="63000"/>
+                <a:satMod val="120000"/>
+              </a:schemeClr>
+            </a:gs>
+          </a:gsLst>
+          <a:lin ang="5400000" scaled="0"/>
+        </a:gradFill>
+      </a:bgFillStyleLst>
+    </a:fmtScheme>
+  </a:themeElements>
+  <a:objectDefaults/>
+  <a:extraClrSchemeLst/>
+  <a:extLst>
+    <a:ext uri="{05A4C25C-085E-4340-85A3-A5531E510DB2}">
+      <thm15:themeFamily xmlns:thm15="http://schemas.microsoft.com/office/thememl/2012/main" name="Office Theme" id="{62F939B6-93AF-4DB8-9C6B-D6C7DFDC589F}" vid="{4A3C46E8-61CC-4603-A589-7422A47A8E4A}"/>
+    </a:ext>
+  </a:extLst>
+</a:theme>
 </file>
--- a/Rust调研.pptx
+++ b/Rust调研.pptx
@@ -5,7 +5,7 @@
     <p:sldMasterId id="2147483678" r:id="rId1"/>
   </p:sldMasterIdLst>
   <p:notesMasterIdLst>
-    <p:notesMasterId r:id="rId16"/>
+    <p:notesMasterId r:id="rId17"/>
   </p:notesMasterIdLst>
   <p:sldIdLst>
     <p:sldId id="256" r:id="rId2"/>
@@ -21,7 +21,8 @@
     <p:sldId id="267" r:id="rId12"/>
     <p:sldId id="269" r:id="rId13"/>
     <p:sldId id="268" r:id="rId14"/>
-    <p:sldId id="261" r:id="rId15"/>
+    <p:sldId id="270" r:id="rId15"/>
+    <p:sldId id="261" r:id="rId16"/>
   </p:sldIdLst>
   <p:sldSz cx="12192000" cy="6858000"/>
   <p:notesSz cx="6858000" cy="9144000"/>
@@ -1644,23 +1645,19 @@
         <a:lstStyle/>
         <a:p>
           <a:r>
-            <a:rPr lang="en-US" altLang="zh-CN" sz="4000" dirty="0" smtClean="0">
+            <a:rPr lang="en-US" altLang="zh-CN" sz="4000" dirty="0">
               <a:latin typeface="+mn-ea"/>
               <a:ea typeface="+mn-ea"/>
             </a:rPr>
             <a:t>Rust</a:t>
           </a:r>
           <a:r>
-            <a:rPr lang="zh-CN" altLang="en-US" sz="4000" dirty="0" smtClean="0">
+            <a:rPr lang="zh-CN" altLang="en-US" sz="4000" dirty="0">
               <a:latin typeface="+mn-ea"/>
               <a:ea typeface="+mn-ea"/>
             </a:rPr>
             <a:t>简介</a:t>
           </a:r>
-          <a:endParaRPr lang="zh-CN" altLang="en-US" sz="4000" dirty="0">
-            <a:latin typeface="+mn-ea"/>
-            <a:ea typeface="+mn-ea"/>
-          </a:endParaRPr>
         </a:p>
       </dgm:t>
     </dgm:pt>
@@ -1694,23 +1691,19 @@
         <a:lstStyle/>
         <a:p>
           <a:r>
-            <a:rPr lang="en-US" altLang="zh-CN" sz="4000" dirty="0" smtClean="0">
+            <a:rPr lang="en-US" altLang="zh-CN" sz="4000" dirty="0">
               <a:latin typeface="+mn-ea"/>
               <a:ea typeface="+mn-ea"/>
             </a:rPr>
             <a:t>Rust</a:t>
           </a:r>
           <a:r>
-            <a:rPr lang="zh-CN" altLang="en-US" sz="4000" dirty="0" smtClean="0">
+            <a:rPr lang="zh-CN" altLang="en-US" sz="4000" dirty="0">
               <a:latin typeface="+mn-ea"/>
               <a:ea typeface="+mn-ea"/>
             </a:rPr>
             <a:t>生态和应用</a:t>
           </a:r>
-          <a:endParaRPr lang="zh-CN" altLang="en-US" sz="4000" dirty="0">
-            <a:latin typeface="+mn-ea"/>
-            <a:ea typeface="+mn-ea"/>
-          </a:endParaRPr>
         </a:p>
       </dgm:t>
     </dgm:pt>
@@ -1744,23 +1737,19 @@
         <a:lstStyle/>
         <a:p>
           <a:r>
-            <a:rPr lang="en-US" altLang="zh-CN" sz="4000" dirty="0" smtClean="0">
+            <a:rPr lang="en-US" altLang="zh-CN" sz="4000" dirty="0">
               <a:latin typeface="+mn-ea"/>
               <a:ea typeface="+mn-ea"/>
             </a:rPr>
             <a:t>Rust</a:t>
           </a:r>
           <a:r>
-            <a:rPr lang="zh-CN" altLang="en-US" sz="4000" dirty="0" smtClean="0">
+            <a:rPr lang="zh-CN" altLang="en-US" sz="4000" dirty="0">
               <a:latin typeface="+mn-ea"/>
               <a:ea typeface="+mn-ea"/>
             </a:rPr>
             <a:t>学习资料</a:t>
           </a:r>
-          <a:endParaRPr lang="zh-CN" altLang="en-US" sz="4000" dirty="0">
-            <a:latin typeface="+mn-ea"/>
-            <a:ea typeface="+mn-ea"/>
-          </a:endParaRPr>
         </a:p>
       </dgm:t>
     </dgm:pt>
@@ -1794,13 +1783,6 @@
         </dgm:presLayoutVars>
       </dgm:prSet>
       <dgm:spPr/>
-      <dgm:t>
-        <a:bodyPr/>
-        <a:lstStyle/>
-        <a:p>
-          <a:endParaRPr lang="zh-CN" altLang="en-US"/>
-        </a:p>
-      </dgm:t>
     </dgm:pt>
     <dgm:pt modelId="{C89A32A6-75B1-4B69-B952-545EFE2CBD58}" type="pres">
       <dgm:prSet presAssocID="{2B826EB9-6DF8-4AD2-B07A-78651F72AE56}" presName="parentText" presStyleLbl="node1" presStyleIdx="0" presStyleCnt="3" custLinFactNeighborX="-9295">
@@ -1810,13 +1792,6 @@
         </dgm:presLayoutVars>
       </dgm:prSet>
       <dgm:spPr/>
-      <dgm:t>
-        <a:bodyPr/>
-        <a:lstStyle/>
-        <a:p>
-          <a:endParaRPr lang="zh-CN" altLang="en-US"/>
-        </a:p>
-      </dgm:t>
     </dgm:pt>
     <dgm:pt modelId="{C0DFBEE6-DEB2-4B94-BFBE-D473B250490E}" type="pres">
       <dgm:prSet presAssocID="{AC7099AB-1E01-47DC-BA2D-DD27D03B1C41}" presName="spacer" presStyleCnt="0"/>
@@ -1830,13 +1805,6 @@
         </dgm:presLayoutVars>
       </dgm:prSet>
       <dgm:spPr/>
-      <dgm:t>
-        <a:bodyPr/>
-        <a:lstStyle/>
-        <a:p>
-          <a:endParaRPr lang="zh-CN" altLang="en-US"/>
-        </a:p>
-      </dgm:t>
     </dgm:pt>
     <dgm:pt modelId="{B2F7EED2-3919-4E53-80B5-69A7987E9659}" type="pres">
       <dgm:prSet presAssocID="{EED0CDDD-B020-4FD8-A38E-EDE72BF2251A}" presName="spacer" presStyleCnt="0"/>
@@ -1850,23 +1818,16 @@
         </dgm:presLayoutVars>
       </dgm:prSet>
       <dgm:spPr/>
-      <dgm:t>
-        <a:bodyPr/>
-        <a:lstStyle/>
-        <a:p>
-          <a:endParaRPr lang="zh-CN" altLang="en-US"/>
-        </a:p>
-      </dgm:t>
     </dgm:pt>
   </dgm:ptLst>
   <dgm:cxnLst>
+    <dgm:cxn modelId="{4AC01F2F-0761-439D-8B66-7C7C4D6031FF}" srcId="{983286CE-446A-4F9B-82B0-C597E376277A}" destId="{80DEAACB-5F6F-4EA6-92A9-8525E6E4DC15}" srcOrd="2" destOrd="0" parTransId="{7038D7A3-2B0D-42EA-B318-25A26AE5CCBE}" sibTransId="{DDE96CFA-41D1-4124-A0B0-3869E1D6CAE7}"/>
+    <dgm:cxn modelId="{5769F26A-F05F-432E-A164-48E79F01FB36}" type="presOf" srcId="{983286CE-446A-4F9B-82B0-C597E376277A}" destId="{C6D428E2-0DD2-431B-B55E-5C6E57D8CBF6}" srcOrd="0" destOrd="0" presId="urn:microsoft.com/office/officeart/2005/8/layout/vList2"/>
     <dgm:cxn modelId="{3D482F73-3623-4871-9951-FB2B52BF89FC}" type="presOf" srcId="{80DEAACB-5F6F-4EA6-92A9-8525E6E4DC15}" destId="{B0DCA04B-0357-4F0A-853C-C3FA4952347E}" srcOrd="0" destOrd="0" presId="urn:microsoft.com/office/officeart/2005/8/layout/vList2"/>
+    <dgm:cxn modelId="{78230898-919F-4988-94BC-F64D1D034AA2}" srcId="{983286CE-446A-4F9B-82B0-C597E376277A}" destId="{2B826EB9-6DF8-4AD2-B07A-78651F72AE56}" srcOrd="0" destOrd="0" parTransId="{580E44D2-1069-4E90-B4E1-E2161A1E1108}" sibTransId="{AC7099AB-1E01-47DC-BA2D-DD27D03B1C41}"/>
+    <dgm:cxn modelId="{64EE26AB-CB67-4C46-B18F-2CD5B73A4BD1}" type="presOf" srcId="{2B826EB9-6DF8-4AD2-B07A-78651F72AE56}" destId="{C89A32A6-75B1-4B69-B952-545EFE2CBD58}" srcOrd="0" destOrd="0" presId="urn:microsoft.com/office/officeart/2005/8/layout/vList2"/>
     <dgm:cxn modelId="{001B09BD-1EE7-45B4-A4A2-FBE3F423B147}" srcId="{983286CE-446A-4F9B-82B0-C597E376277A}" destId="{13B5A9A5-5A4B-468B-943F-943880A5A861}" srcOrd="1" destOrd="0" parTransId="{4C256AA1-00E3-42AF-8686-F3F5BD3A6D8E}" sibTransId="{EED0CDDD-B020-4FD8-A38E-EDE72BF2251A}"/>
     <dgm:cxn modelId="{D860AAE7-63F3-4CE3-9ACB-6F50A2645D08}" type="presOf" srcId="{13B5A9A5-5A4B-468B-943F-943880A5A861}" destId="{17FA72BE-E120-4DB5-9241-680132CD847B}" srcOrd="0" destOrd="0" presId="urn:microsoft.com/office/officeart/2005/8/layout/vList2"/>
-    <dgm:cxn modelId="{5769F26A-F05F-432E-A164-48E79F01FB36}" type="presOf" srcId="{983286CE-446A-4F9B-82B0-C597E376277A}" destId="{C6D428E2-0DD2-431B-B55E-5C6E57D8CBF6}" srcOrd="0" destOrd="0" presId="urn:microsoft.com/office/officeart/2005/8/layout/vList2"/>
-    <dgm:cxn modelId="{64EE26AB-CB67-4C46-B18F-2CD5B73A4BD1}" type="presOf" srcId="{2B826EB9-6DF8-4AD2-B07A-78651F72AE56}" destId="{C89A32A6-75B1-4B69-B952-545EFE2CBD58}" srcOrd="0" destOrd="0" presId="urn:microsoft.com/office/officeart/2005/8/layout/vList2"/>
-    <dgm:cxn modelId="{78230898-919F-4988-94BC-F64D1D034AA2}" srcId="{983286CE-446A-4F9B-82B0-C597E376277A}" destId="{2B826EB9-6DF8-4AD2-B07A-78651F72AE56}" srcOrd="0" destOrd="0" parTransId="{580E44D2-1069-4E90-B4E1-E2161A1E1108}" sibTransId="{AC7099AB-1E01-47DC-BA2D-DD27D03B1C41}"/>
-    <dgm:cxn modelId="{4AC01F2F-0761-439D-8B66-7C7C4D6031FF}" srcId="{983286CE-446A-4F9B-82B0-C597E376277A}" destId="{80DEAACB-5F6F-4EA6-92A9-8525E6E4DC15}" srcOrd="2" destOrd="0" parTransId="{7038D7A3-2B0D-42EA-B318-25A26AE5CCBE}" sibTransId="{DDE96CFA-41D1-4124-A0B0-3869E1D6CAE7}"/>
     <dgm:cxn modelId="{F4D548B1-0358-484F-9145-325AF0FF04CC}" type="presParOf" srcId="{C6D428E2-0DD2-431B-B55E-5C6E57D8CBF6}" destId="{C89A32A6-75B1-4B69-B952-545EFE2CBD58}" srcOrd="0" destOrd="0" presId="urn:microsoft.com/office/officeart/2005/8/layout/vList2"/>
     <dgm:cxn modelId="{EE03DAE9-4F0C-4A37-A424-4A34D30BA6E2}" type="presParOf" srcId="{C6D428E2-0DD2-431B-B55E-5C6E57D8CBF6}" destId="{C0DFBEE6-DEB2-4B94-BFBE-D473B250490E}" srcOrd="1" destOrd="0" presId="urn:microsoft.com/office/officeart/2005/8/layout/vList2"/>
     <dgm:cxn modelId="{BBDC4185-26A1-49B9-8D2E-A0F372C1A8E8}" type="presParOf" srcId="{C6D428E2-0DD2-431B-B55E-5C6E57D8CBF6}" destId="{17FA72BE-E120-4DB5-9241-680132CD847B}" srcOrd="2" destOrd="0" presId="urn:microsoft.com/office/officeart/2005/8/layout/vList2"/>
@@ -1898,44 +1859,40 @@
         <a:lstStyle/>
         <a:p>
           <a:r>
-            <a:rPr lang="en-US" altLang="zh-CN" dirty="0" smtClean="0">
+            <a:rPr lang="en-US" altLang="zh-CN" dirty="0">
               <a:latin typeface="+mn-ea"/>
               <a:ea typeface="+mn-ea"/>
             </a:rPr>
             <a:t>2006</a:t>
           </a:r>
           <a:r>
-            <a:rPr lang="zh-CN" altLang="en-US" dirty="0" smtClean="0">
+            <a:rPr lang="zh-CN" altLang="en-US" dirty="0">
               <a:latin typeface="+mn-ea"/>
               <a:ea typeface="+mn-ea"/>
             </a:rPr>
             <a:t>年</a:t>
           </a:r>
           <a:r>
-            <a:rPr lang="en-US" altLang="zh-CN" dirty="0" err="1" smtClean="0">
+            <a:rPr lang="en-US" altLang="zh-CN" dirty="0" err="1">
               <a:latin typeface="Times New Roman" panose="02020603050405020304" pitchFamily="18" charset="0"/>
               <a:cs typeface="Times New Roman" panose="02020603050405020304" pitchFamily="18" charset="0"/>
             </a:rPr>
             <a:t>Graydon</a:t>
           </a:r>
           <a:r>
-            <a:rPr lang="en-US" altLang="zh-CN" dirty="0" smtClean="0">
+            <a:rPr lang="en-US" altLang="zh-CN" dirty="0">
               <a:latin typeface="Times New Roman" panose="02020603050405020304" pitchFamily="18" charset="0"/>
               <a:cs typeface="Times New Roman" panose="02020603050405020304" pitchFamily="18" charset="0"/>
             </a:rPr>
             <a:t> Hoare</a:t>
           </a:r>
           <a:r>
-            <a:rPr lang="zh-CN" altLang="en-US" dirty="0" smtClean="0">
+            <a:rPr lang="zh-CN" altLang="en-US" dirty="0">
               <a:latin typeface="+mn-ea"/>
               <a:ea typeface="+mn-ea"/>
             </a:rPr>
             <a:t>开发</a:t>
           </a:r>
-          <a:endParaRPr lang="zh-CN" altLang="en-US" dirty="0">
-            <a:latin typeface="+mn-ea"/>
-            <a:ea typeface="+mn-ea"/>
-          </a:endParaRPr>
         </a:p>
       </dgm:t>
     </dgm:pt>
@@ -1969,21 +1926,21 @@
         <a:lstStyle/>
         <a:p>
           <a:r>
-            <a:rPr lang="en-US" altLang="zh-CN" dirty="0" smtClean="0">
+            <a:rPr lang="en-US" altLang="zh-CN" dirty="0">
               <a:latin typeface="+mn-ea"/>
               <a:ea typeface="+mn-ea"/>
             </a:rPr>
             <a:t>2009</a:t>
           </a:r>
           <a:r>
-            <a:rPr lang="zh-CN" altLang="en-US" dirty="0" smtClean="0">
+            <a:rPr lang="zh-CN" altLang="en-US" dirty="0">
               <a:latin typeface="+mn-ea"/>
               <a:ea typeface="+mn-ea"/>
             </a:rPr>
             <a:t>年受到</a:t>
           </a:r>
           <a:r>
-            <a:rPr lang="en-US" altLang="zh-CN" dirty="0" smtClean="0">
+            <a:rPr lang="en-US" altLang="zh-CN" dirty="0">
               <a:latin typeface="Times New Roman" panose="02020603050405020304" pitchFamily="18" charset="0"/>
               <a:ea typeface="+mn-ea"/>
               <a:cs typeface="Times New Roman" panose="02020603050405020304" pitchFamily="18" charset="0"/>
@@ -1991,16 +1948,12 @@
             <a:t>Mozilla</a:t>
           </a:r>
           <a:r>
-            <a:rPr lang="zh-CN" altLang="en-US" dirty="0" smtClean="0">
+            <a:rPr lang="zh-CN" altLang="en-US" dirty="0">
               <a:latin typeface="+mn-ea"/>
               <a:ea typeface="+mn-ea"/>
             </a:rPr>
             <a:t>公司赞助</a:t>
           </a:r>
-          <a:endParaRPr lang="zh-CN" altLang="en-US" dirty="0">
-            <a:latin typeface="+mn-ea"/>
-            <a:ea typeface="+mn-ea"/>
-          </a:endParaRPr>
         </a:p>
       </dgm:t>
     </dgm:pt>
@@ -2034,23 +1987,19 @@
         <a:lstStyle/>
         <a:p>
           <a:r>
-            <a:rPr lang="en-US" altLang="zh-CN" dirty="0" smtClean="0">
+            <a:rPr lang="en-US" altLang="zh-CN" dirty="0">
               <a:latin typeface="+mn-ea"/>
               <a:ea typeface="+mn-ea"/>
             </a:rPr>
             <a:t>2011</a:t>
           </a:r>
           <a:r>
-            <a:rPr lang="zh-CN" altLang="en-US" dirty="0" smtClean="0">
+            <a:rPr lang="zh-CN" altLang="en-US" dirty="0">
               <a:latin typeface="+mn-ea"/>
               <a:ea typeface="+mn-ea"/>
             </a:rPr>
             <a:t>年完成自举</a:t>
           </a:r>
-          <a:endParaRPr lang="zh-CN" altLang="en-US" dirty="0">
-            <a:latin typeface="+mn-ea"/>
-            <a:ea typeface="+mn-ea"/>
-          </a:endParaRPr>
         </a:p>
       </dgm:t>
     </dgm:pt>
@@ -2183,13 +2132,6 @@
         </dgm:presLayoutVars>
       </dgm:prSet>
       <dgm:spPr/>
-      <dgm:t>
-        <a:bodyPr/>
-        <a:lstStyle/>
-        <a:p>
-          <a:endParaRPr lang="zh-CN" altLang="en-US"/>
-        </a:p>
-      </dgm:t>
     </dgm:pt>
     <dgm:pt modelId="{52320FAD-E02B-4695-8C9D-F7B2E412DB02}" type="pres">
       <dgm:prSet presAssocID="{A7FC8F27-AE57-4E5A-8BF1-6E51BEBB9A97}" presName="bullet5c" presStyleLbl="node1" presStyleIdx="2" presStyleCnt="5"/>
@@ -2202,13 +2144,6 @@
         </dgm:presLayoutVars>
       </dgm:prSet>
       <dgm:spPr/>
-      <dgm:t>
-        <a:bodyPr/>
-        <a:lstStyle/>
-        <a:p>
-          <a:endParaRPr lang="zh-CN" altLang="en-US"/>
-        </a:p>
-      </dgm:t>
     </dgm:pt>
     <dgm:pt modelId="{11C52DA7-38F9-42BA-86EC-E1190751B3A9}" type="pres">
       <dgm:prSet presAssocID="{5D977A63-015C-4457-9C71-1E9F8E27AE65}" presName="bullet5d" presStyleLbl="node1" presStyleIdx="3" presStyleCnt="5"/>
@@ -2236,17 +2171,17 @@
     </dgm:pt>
   </dgm:ptLst>
   <dgm:cxnLst>
-    <dgm:cxn modelId="{AF1808A2-E295-431C-9AE2-BA66B8B4C9BB}" srcId="{010C7CB2-6680-4E4A-B99C-904D2B60123A}" destId="{807451BD-516C-4176-BD47-20B11B7816F9}" srcOrd="1" destOrd="0" parTransId="{6A931022-86ED-44CE-A8F3-6F5970BC8A4F}" sibTransId="{13553A33-036B-48BC-8252-E72241F5CC7B}"/>
-    <dgm:cxn modelId="{89415093-FD29-45AE-BE98-5B6B5FA06581}" type="presOf" srcId="{A7FC8F27-AE57-4E5A-8BF1-6E51BEBB9A97}" destId="{1B0A9E80-58E0-4F1B-9807-0D08965C64F9}" srcOrd="0" destOrd="0" presId="urn:microsoft.com/office/officeart/2005/8/layout/arrow2"/>
+    <dgm:cxn modelId="{C3EE8304-0352-4665-9347-B24493694F05}" type="presOf" srcId="{010C7CB2-6680-4E4A-B99C-904D2B60123A}" destId="{1EB3CED2-957E-40BD-A56F-57393C9FF364}" srcOrd="0" destOrd="0" presId="urn:microsoft.com/office/officeart/2005/8/layout/arrow2"/>
+    <dgm:cxn modelId="{E39C5110-9A7D-4E33-BFDF-BD241938E1AB}" type="presOf" srcId="{5D977A63-015C-4457-9C71-1E9F8E27AE65}" destId="{A6A60C68-6B48-400D-989E-41B3A837A146}" srcOrd="0" destOrd="0" presId="urn:microsoft.com/office/officeart/2005/8/layout/arrow2"/>
     <dgm:cxn modelId="{D2012F15-BC57-44A7-9679-AF40EDA1B2D9}" srcId="{010C7CB2-6680-4E4A-B99C-904D2B60123A}" destId="{EA84B3FE-F761-4145-A323-DA94E7416C41}" srcOrd="4" destOrd="0" parTransId="{A1AAAABF-059D-49D5-8F33-DCF02BA1E07C}" sibTransId="{71FD7C62-CF7B-46B1-9311-268DC14A93AB}"/>
     <dgm:cxn modelId="{104E9A3A-16AE-4B25-869A-07BE70439283}" type="presOf" srcId="{EA84B3FE-F761-4145-A323-DA94E7416C41}" destId="{4BB30F82-E3F8-4F78-9892-353560ECF66A}" srcOrd="0" destOrd="0" presId="urn:microsoft.com/office/officeart/2005/8/layout/arrow2"/>
+    <dgm:cxn modelId="{A1D56B4E-4908-49E0-A6B0-057C2615405C}" type="presOf" srcId="{807451BD-516C-4176-BD47-20B11B7816F9}" destId="{3331BA0B-0227-44E7-A0EE-96E9667A38C5}" srcOrd="0" destOrd="0" presId="urn:microsoft.com/office/officeart/2005/8/layout/arrow2"/>
+    <dgm:cxn modelId="{A9D31B76-6787-4604-B0CB-E54AF772DE78}" srcId="{010C7CB2-6680-4E4A-B99C-904D2B60123A}" destId="{5D977A63-015C-4457-9C71-1E9F8E27AE65}" srcOrd="3" destOrd="0" parTransId="{F31237F8-2C1E-4A97-987C-5EBC7AC41DF2}" sibTransId="{9D110154-9C19-4CEC-AD19-BACD229A2E04}"/>
     <dgm:cxn modelId="{E69C9D86-10F9-4460-996A-8D48D9E1ED31}" srcId="{010C7CB2-6680-4E4A-B99C-904D2B60123A}" destId="{CA17F39D-21AC-4D46-8CC5-ABA9AF7C0832}" srcOrd="0" destOrd="0" parTransId="{D5DB9D9D-5FAC-4A22-966D-AAFBB446676C}" sibTransId="{AC64B6D3-7F3B-48C1-BEA8-3E52CBB01AF7}"/>
+    <dgm:cxn modelId="{89415093-FD29-45AE-BE98-5B6B5FA06581}" type="presOf" srcId="{A7FC8F27-AE57-4E5A-8BF1-6E51BEBB9A97}" destId="{1B0A9E80-58E0-4F1B-9807-0D08965C64F9}" srcOrd="0" destOrd="0" presId="urn:microsoft.com/office/officeart/2005/8/layout/arrow2"/>
+    <dgm:cxn modelId="{AF1808A2-E295-431C-9AE2-BA66B8B4C9BB}" srcId="{010C7CB2-6680-4E4A-B99C-904D2B60123A}" destId="{807451BD-516C-4176-BD47-20B11B7816F9}" srcOrd="1" destOrd="0" parTransId="{6A931022-86ED-44CE-A8F3-6F5970BC8A4F}" sibTransId="{13553A33-036B-48BC-8252-E72241F5CC7B}"/>
+    <dgm:cxn modelId="{C640ACF4-50BE-4BE6-9F9C-C4B388C055FE}" srcId="{010C7CB2-6680-4E4A-B99C-904D2B60123A}" destId="{A7FC8F27-AE57-4E5A-8BF1-6E51BEBB9A97}" srcOrd="2" destOrd="0" parTransId="{A1EE81A5-DFA1-4A41-96CB-C98FDE5D4342}" sibTransId="{1609F81C-788F-4D96-B7D6-9ACFA791CFBD}"/>
     <dgm:cxn modelId="{D84B6AF6-02C5-46A2-AFFC-819B87D4DC98}" type="presOf" srcId="{CA17F39D-21AC-4D46-8CC5-ABA9AF7C0832}" destId="{50D9E917-3DAC-4A3F-A991-42B18DBC85AC}" srcOrd="0" destOrd="0" presId="urn:microsoft.com/office/officeart/2005/8/layout/arrow2"/>
-    <dgm:cxn modelId="{A9D31B76-6787-4604-B0CB-E54AF772DE78}" srcId="{010C7CB2-6680-4E4A-B99C-904D2B60123A}" destId="{5D977A63-015C-4457-9C71-1E9F8E27AE65}" srcOrd="3" destOrd="0" parTransId="{F31237F8-2C1E-4A97-987C-5EBC7AC41DF2}" sibTransId="{9D110154-9C19-4CEC-AD19-BACD229A2E04}"/>
-    <dgm:cxn modelId="{A1D56B4E-4908-49E0-A6B0-057C2615405C}" type="presOf" srcId="{807451BD-516C-4176-BD47-20B11B7816F9}" destId="{3331BA0B-0227-44E7-A0EE-96E9667A38C5}" srcOrd="0" destOrd="0" presId="urn:microsoft.com/office/officeart/2005/8/layout/arrow2"/>
-    <dgm:cxn modelId="{C640ACF4-50BE-4BE6-9F9C-C4B388C055FE}" srcId="{010C7CB2-6680-4E4A-B99C-904D2B60123A}" destId="{A7FC8F27-AE57-4E5A-8BF1-6E51BEBB9A97}" srcOrd="2" destOrd="0" parTransId="{A1EE81A5-DFA1-4A41-96CB-C98FDE5D4342}" sibTransId="{1609F81C-788F-4D96-B7D6-9ACFA791CFBD}"/>
-    <dgm:cxn modelId="{C3EE8304-0352-4665-9347-B24493694F05}" type="presOf" srcId="{010C7CB2-6680-4E4A-B99C-904D2B60123A}" destId="{1EB3CED2-957E-40BD-A56F-57393C9FF364}" srcOrd="0" destOrd="0" presId="urn:microsoft.com/office/officeart/2005/8/layout/arrow2"/>
-    <dgm:cxn modelId="{E39C5110-9A7D-4E33-BFDF-BD241938E1AB}" type="presOf" srcId="{5D977A63-015C-4457-9C71-1E9F8E27AE65}" destId="{A6A60C68-6B48-400D-989E-41B3A837A146}" srcOrd="0" destOrd="0" presId="urn:microsoft.com/office/officeart/2005/8/layout/arrow2"/>
     <dgm:cxn modelId="{530751A9-CF94-48AC-990C-8F470424BE8E}" type="presParOf" srcId="{1EB3CED2-957E-40BD-A56F-57393C9FF364}" destId="{B52F97A3-79D9-45C4-B3F2-1FABD14756C8}" srcOrd="0" destOrd="0" presId="urn:microsoft.com/office/officeart/2005/8/layout/arrow2"/>
     <dgm:cxn modelId="{4F520754-8214-4EA4-B208-6BF588CDF050}" type="presParOf" srcId="{1EB3CED2-957E-40BD-A56F-57393C9FF364}" destId="{0ED4371F-C365-4F9C-8288-D1A5FCE88F2E}" srcOrd="1" destOrd="0" presId="urn:microsoft.com/office/officeart/2005/8/layout/arrow2"/>
     <dgm:cxn modelId="{D82AA037-FD9D-4A1D-B344-B0AB6BD4C180}" type="presParOf" srcId="{0ED4371F-C365-4F9C-8288-D1A5FCE88F2E}" destId="{E01A1116-EEF5-40F3-A1AB-5B2152D30435}" srcOrd="0" destOrd="0" presId="urn:microsoft.com/office/officeart/2005/8/layout/arrow2"/>
@@ -2332,7 +2267,7 @@
         </a:bodyPr>
         <a:lstStyle/>
         <a:p>
-          <a:pPr lvl="0" algn="l" defTabSz="1778000">
+          <a:pPr marL="0" lvl="0" indent="0" algn="l" defTabSz="1778000">
             <a:lnSpc>
               <a:spcPct val="90000"/>
             </a:lnSpc>
@@ -2342,25 +2277,22 @@
             <a:spcAft>
               <a:spcPct val="35000"/>
             </a:spcAft>
+            <a:buNone/>
           </a:pPr>
           <a:r>
-            <a:rPr lang="en-US" altLang="zh-CN" sz="4000" kern="1200" dirty="0" smtClean="0">
+            <a:rPr lang="en-US" altLang="zh-CN" sz="4000" kern="1200" dirty="0">
               <a:latin typeface="+mn-ea"/>
               <a:ea typeface="+mn-ea"/>
             </a:rPr>
             <a:t>Rust</a:t>
           </a:r>
           <a:r>
-            <a:rPr lang="zh-CN" altLang="en-US" sz="4000" kern="1200" dirty="0" smtClean="0">
+            <a:rPr lang="zh-CN" altLang="en-US" sz="4000" kern="1200" dirty="0">
               <a:latin typeface="+mn-ea"/>
               <a:ea typeface="+mn-ea"/>
             </a:rPr>
             <a:t>简介</a:t>
           </a:r>
-          <a:endParaRPr lang="zh-CN" altLang="en-US" sz="4000" kern="1200" dirty="0">
-            <a:latin typeface="+mn-ea"/>
-            <a:ea typeface="+mn-ea"/>
-          </a:endParaRPr>
         </a:p>
       </dsp:txBody>
       <dsp:txXfrm>
@@ -2422,7 +2354,7 @@
         </a:bodyPr>
         <a:lstStyle/>
         <a:p>
-          <a:pPr lvl="0" algn="l" defTabSz="1778000">
+          <a:pPr marL="0" lvl="0" indent="0" algn="l" defTabSz="1778000">
             <a:lnSpc>
               <a:spcPct val="90000"/>
             </a:lnSpc>
@@ -2432,25 +2364,22 @@
             <a:spcAft>
               <a:spcPct val="35000"/>
             </a:spcAft>
+            <a:buNone/>
           </a:pPr>
           <a:r>
-            <a:rPr lang="en-US" altLang="zh-CN" sz="4000" kern="1200" dirty="0" smtClean="0">
+            <a:rPr lang="en-US" altLang="zh-CN" sz="4000" kern="1200" dirty="0">
               <a:latin typeface="+mn-ea"/>
               <a:ea typeface="+mn-ea"/>
             </a:rPr>
             <a:t>Rust</a:t>
           </a:r>
           <a:r>
-            <a:rPr lang="zh-CN" altLang="en-US" sz="4000" kern="1200" dirty="0" smtClean="0">
+            <a:rPr lang="zh-CN" altLang="en-US" sz="4000" kern="1200" dirty="0">
               <a:latin typeface="+mn-ea"/>
               <a:ea typeface="+mn-ea"/>
             </a:rPr>
             <a:t>生态和应用</a:t>
           </a:r>
-          <a:endParaRPr lang="zh-CN" altLang="en-US" sz="4000" kern="1200" dirty="0">
-            <a:latin typeface="+mn-ea"/>
-            <a:ea typeface="+mn-ea"/>
-          </a:endParaRPr>
         </a:p>
       </dsp:txBody>
       <dsp:txXfrm>
@@ -2512,7 +2441,7 @@
         </a:bodyPr>
         <a:lstStyle/>
         <a:p>
-          <a:pPr lvl="0" algn="l" defTabSz="1778000">
+          <a:pPr marL="0" lvl="0" indent="0" algn="l" defTabSz="1778000">
             <a:lnSpc>
               <a:spcPct val="90000"/>
             </a:lnSpc>
@@ -2522,25 +2451,22 @@
             <a:spcAft>
               <a:spcPct val="35000"/>
             </a:spcAft>
+            <a:buNone/>
           </a:pPr>
           <a:r>
-            <a:rPr lang="en-US" altLang="zh-CN" sz="4000" kern="1200" dirty="0" smtClean="0">
+            <a:rPr lang="en-US" altLang="zh-CN" sz="4000" kern="1200" dirty="0">
               <a:latin typeface="+mn-ea"/>
               <a:ea typeface="+mn-ea"/>
             </a:rPr>
             <a:t>Rust</a:t>
           </a:r>
           <a:r>
-            <a:rPr lang="zh-CN" altLang="en-US" sz="4000" kern="1200" dirty="0" smtClean="0">
+            <a:rPr lang="zh-CN" altLang="en-US" sz="4000" kern="1200" dirty="0">
               <a:latin typeface="+mn-ea"/>
               <a:ea typeface="+mn-ea"/>
             </a:rPr>
             <a:t>学习资料</a:t>
           </a:r>
-          <a:endParaRPr lang="zh-CN" altLang="en-US" sz="4000" kern="1200" dirty="0">
-            <a:latin typeface="+mn-ea"/>
-            <a:ea typeface="+mn-ea"/>
-          </a:endParaRPr>
         </a:p>
       </dsp:txBody>
       <dsp:txXfrm>
@@ -2689,7 +2615,7 @@
         </a:bodyPr>
         <a:lstStyle/>
         <a:p>
-          <a:pPr lvl="0" algn="l" defTabSz="711200">
+          <a:pPr marL="0" lvl="0" indent="0" algn="l" defTabSz="711200">
             <a:lnSpc>
               <a:spcPct val="90000"/>
             </a:lnSpc>
@@ -2699,46 +2625,43 @@
             <a:spcAft>
               <a:spcPct val="35000"/>
             </a:spcAft>
+            <a:buNone/>
           </a:pPr>
           <a:r>
-            <a:rPr lang="en-US" altLang="zh-CN" sz="1600" kern="1200" dirty="0" smtClean="0">
+            <a:rPr lang="en-US" altLang="zh-CN" sz="1600" kern="1200" dirty="0">
               <a:latin typeface="+mn-ea"/>
               <a:ea typeface="+mn-ea"/>
             </a:rPr>
             <a:t>2006</a:t>
           </a:r>
           <a:r>
-            <a:rPr lang="zh-CN" altLang="en-US" sz="1600" kern="1200" dirty="0" smtClean="0">
+            <a:rPr lang="zh-CN" altLang="en-US" sz="1600" kern="1200" dirty="0">
               <a:latin typeface="+mn-ea"/>
               <a:ea typeface="+mn-ea"/>
             </a:rPr>
             <a:t>年</a:t>
           </a:r>
           <a:r>
-            <a:rPr lang="en-US" altLang="zh-CN" sz="1600" kern="1200" dirty="0" err="1" smtClean="0">
+            <a:rPr lang="en-US" altLang="zh-CN" sz="1600" kern="1200" dirty="0" err="1">
               <a:latin typeface="Times New Roman" panose="02020603050405020304" pitchFamily="18" charset="0"/>
               <a:cs typeface="Times New Roman" panose="02020603050405020304" pitchFamily="18" charset="0"/>
             </a:rPr>
             <a:t>Graydon</a:t>
           </a:r>
           <a:r>
-            <a:rPr lang="en-US" altLang="zh-CN" sz="1600" kern="1200" dirty="0" smtClean="0">
+            <a:rPr lang="en-US" altLang="zh-CN" sz="1600" kern="1200" dirty="0">
               <a:latin typeface="Times New Roman" panose="02020603050405020304" pitchFamily="18" charset="0"/>
               <a:cs typeface="Times New Roman" panose="02020603050405020304" pitchFamily="18" charset="0"/>
             </a:rPr>
             <a:t> Hoare</a:t>
           </a:r>
           <a:r>
-            <a:rPr lang="zh-CN" altLang="en-US" sz="1600" kern="1200" dirty="0" smtClean="0">
+            <a:rPr lang="zh-CN" altLang="en-US" sz="1600" kern="1200" dirty="0">
               <a:latin typeface="+mn-ea"/>
               <a:ea typeface="+mn-ea"/>
             </a:rPr>
             <a:t>开发</a:t>
           </a:r>
-          <a:endParaRPr lang="zh-CN" altLang="en-US" sz="1600" kern="1200" dirty="0">
-            <a:latin typeface="+mn-ea"/>
-            <a:ea typeface="+mn-ea"/>
-          </a:endParaRPr>
         </a:p>
       </dsp:txBody>
       <dsp:txXfrm>
@@ -2832,7 +2755,7 @@
         </a:bodyPr>
         <a:lstStyle/>
         <a:p>
-          <a:pPr lvl="0" algn="l" defTabSz="711200">
+          <a:pPr marL="0" lvl="0" indent="0" algn="l" defTabSz="711200">
             <a:lnSpc>
               <a:spcPct val="90000"/>
             </a:lnSpc>
@@ -2842,23 +2765,24 @@
             <a:spcAft>
               <a:spcPct val="35000"/>
             </a:spcAft>
+            <a:buNone/>
           </a:pPr>
           <a:r>
-            <a:rPr lang="en-US" altLang="zh-CN" sz="1600" kern="1200" dirty="0" smtClean="0">
+            <a:rPr lang="en-US" altLang="zh-CN" sz="1600" kern="1200" dirty="0">
               <a:latin typeface="+mn-ea"/>
               <a:ea typeface="+mn-ea"/>
             </a:rPr>
             <a:t>2009</a:t>
           </a:r>
           <a:r>
-            <a:rPr lang="zh-CN" altLang="en-US" sz="1600" kern="1200" dirty="0" smtClean="0">
+            <a:rPr lang="zh-CN" altLang="en-US" sz="1600" kern="1200" dirty="0">
               <a:latin typeface="+mn-ea"/>
               <a:ea typeface="+mn-ea"/>
             </a:rPr>
             <a:t>年受到</a:t>
           </a:r>
           <a:r>
-            <a:rPr lang="en-US" altLang="zh-CN" sz="1600" kern="1200" dirty="0" smtClean="0">
+            <a:rPr lang="en-US" altLang="zh-CN" sz="1600" kern="1200" dirty="0">
               <a:latin typeface="Times New Roman" panose="02020603050405020304" pitchFamily="18" charset="0"/>
               <a:ea typeface="+mn-ea"/>
               <a:cs typeface="Times New Roman" panose="02020603050405020304" pitchFamily="18" charset="0"/>
@@ -2866,16 +2790,12 @@
             <a:t>Mozilla</a:t>
           </a:r>
           <a:r>
-            <a:rPr lang="zh-CN" altLang="en-US" sz="1600" kern="1200" dirty="0" smtClean="0">
+            <a:rPr lang="zh-CN" altLang="en-US" sz="1600" kern="1200" dirty="0">
               <a:latin typeface="+mn-ea"/>
               <a:ea typeface="+mn-ea"/>
             </a:rPr>
             <a:t>公司赞助</a:t>
           </a:r>
-          <a:endParaRPr lang="zh-CN" altLang="en-US" sz="1600" kern="1200" dirty="0">
-            <a:latin typeface="+mn-ea"/>
-            <a:ea typeface="+mn-ea"/>
-          </a:endParaRPr>
         </a:p>
       </dsp:txBody>
       <dsp:txXfrm>
@@ -2969,7 +2889,7 @@
         </a:bodyPr>
         <a:lstStyle/>
         <a:p>
-          <a:pPr lvl="0" algn="l" defTabSz="711200">
+          <a:pPr marL="0" lvl="0" indent="0" algn="l" defTabSz="711200">
             <a:lnSpc>
               <a:spcPct val="90000"/>
             </a:lnSpc>
@@ -2979,25 +2899,22 @@
             <a:spcAft>
               <a:spcPct val="35000"/>
             </a:spcAft>
+            <a:buNone/>
           </a:pPr>
           <a:r>
-            <a:rPr lang="en-US" altLang="zh-CN" sz="1600" kern="1200" dirty="0" smtClean="0">
+            <a:rPr lang="en-US" altLang="zh-CN" sz="1600" kern="1200" dirty="0">
               <a:latin typeface="+mn-ea"/>
               <a:ea typeface="+mn-ea"/>
             </a:rPr>
             <a:t>2011</a:t>
           </a:r>
           <a:r>
-            <a:rPr lang="zh-CN" altLang="en-US" sz="1600" kern="1200" dirty="0" smtClean="0">
+            <a:rPr lang="zh-CN" altLang="en-US" sz="1600" kern="1200" dirty="0">
               <a:latin typeface="+mn-ea"/>
               <a:ea typeface="+mn-ea"/>
             </a:rPr>
             <a:t>年完成自举</a:t>
           </a:r>
-          <a:endParaRPr lang="zh-CN" altLang="en-US" sz="1600" kern="1200" dirty="0">
-            <a:latin typeface="+mn-ea"/>
-            <a:ea typeface="+mn-ea"/>
-          </a:endParaRPr>
         </a:p>
       </dsp:txBody>
       <dsp:txXfrm>
@@ -3091,7 +3008,7 @@
         </a:bodyPr>
         <a:lstStyle/>
         <a:p>
-          <a:pPr lvl="0" algn="l" defTabSz="711200">
+          <a:pPr marL="0" lvl="0" indent="0" algn="l" defTabSz="711200">
             <a:lnSpc>
               <a:spcPct val="90000"/>
             </a:lnSpc>
@@ -3101,6 +3018,7 @@
             <a:spcAft>
               <a:spcPct val="35000"/>
             </a:spcAft>
+            <a:buNone/>
           </a:pPr>
           <a:endParaRPr lang="zh-CN" altLang="en-US" sz="1600" kern="1200"/>
         </a:p>
@@ -3196,7 +3114,7 @@
         </a:bodyPr>
         <a:lstStyle/>
         <a:p>
-          <a:pPr lvl="0" algn="l" defTabSz="711200">
+          <a:pPr marL="0" lvl="0" indent="0" algn="l" defTabSz="711200">
             <a:lnSpc>
               <a:spcPct val="90000"/>
             </a:lnSpc>
@@ -3206,6 +3124,7 @@
             <a:spcAft>
               <a:spcPct val="35000"/>
             </a:spcAft>
+            <a:buNone/>
           </a:pPr>
           <a:endParaRPr lang="zh-CN" altLang="en-US" sz="1600" kern="1200"/>
         </a:p>
@@ -7245,38 +7164,37 @@
           <a:p>
             <a:pPr lvl="0"/>
             <a:r>
-              <a:rPr lang="zh-CN" altLang="en-US" smtClean="0"/>
+              <a:rPr lang="zh-CN" altLang="en-US"/>
               <a:t>单击此处编辑母版文本样式</a:t>
             </a:r>
           </a:p>
           <a:p>
             <a:pPr lvl="1"/>
             <a:r>
-              <a:rPr lang="zh-CN" altLang="en-US" smtClean="0"/>
+              <a:rPr lang="zh-CN" altLang="en-US"/>
               <a:t>第二级</a:t>
             </a:r>
           </a:p>
           <a:p>
             <a:pPr lvl="2"/>
             <a:r>
-              <a:rPr lang="zh-CN" altLang="en-US" smtClean="0"/>
+              <a:rPr lang="zh-CN" altLang="en-US"/>
               <a:t>第三级</a:t>
             </a:r>
           </a:p>
           <a:p>
             <a:pPr lvl="3"/>
             <a:r>
-              <a:rPr lang="zh-CN" altLang="en-US" smtClean="0"/>
+              <a:rPr lang="zh-CN" altLang="en-US"/>
               <a:t>第四级</a:t>
             </a:r>
           </a:p>
           <a:p>
             <a:pPr lvl="4"/>
             <a:r>
-              <a:rPr lang="zh-CN" altLang="en-US" smtClean="0"/>
+              <a:rPr lang="zh-CN" altLang="en-US"/>
               <a:t>第五级</a:t>
             </a:r>
-            <a:endParaRPr lang="zh-CN" altLang="en-US"/>
           </a:p>
         </p:txBody>
       </p:sp>
@@ -7494,147 +7412,147 @@
           <a:lstStyle/>
           <a:p>
             <a:r>
-              <a:rPr lang="en-US" altLang="zh-CN" dirty="0" smtClean="0"/>
+              <a:rPr lang="en-US" altLang="zh-CN" dirty="0"/>
               <a:t>rust</a:t>
             </a:r>
             <a:r>
-              <a:rPr lang="zh-CN" altLang="en-US" dirty="0" smtClean="0"/>
+              <a:rPr lang="zh-CN" altLang="en-US" dirty="0"/>
               <a:t>是一门系统型编程语言。由</a:t>
             </a:r>
             <a:r>
-              <a:rPr lang="en-US" altLang="zh-CN" dirty="0" err="1" smtClean="0"/>
+              <a:rPr lang="en-US" altLang="zh-CN" dirty="0" err="1"/>
               <a:t>Graydon</a:t>
             </a:r>
             <a:r>
-              <a:rPr lang="en-US" altLang="zh-CN" dirty="0" smtClean="0"/>
+              <a:rPr lang="en-US" altLang="zh-CN" dirty="0"/>
               <a:t> Hoare(</a:t>
             </a:r>
             <a:r>
-              <a:rPr lang="zh-CN" altLang="en-US" dirty="0" smtClean="0"/>
+              <a:rPr lang="zh-CN" altLang="en-US" dirty="0"/>
               <a:t>格雷顿</a:t>
             </a:r>
             <a:r>
-              <a:rPr lang="en-US" altLang="zh-CN" dirty="0" smtClean="0"/>
+              <a:rPr lang="en-US" altLang="zh-CN" dirty="0"/>
               <a:t>.</a:t>
             </a:r>
             <a:r>
-              <a:rPr lang="zh-CN" altLang="en-US" dirty="0" smtClean="0"/>
+              <a:rPr lang="zh-CN" altLang="en-US" dirty="0"/>
               <a:t>霍尔</a:t>
             </a:r>
             <a:r>
-              <a:rPr lang="en-US" altLang="zh-CN" dirty="0" smtClean="0"/>
+              <a:rPr lang="en-US" altLang="zh-CN" dirty="0"/>
               <a:t>)</a:t>
             </a:r>
             <a:r>
-              <a:rPr lang="zh-CN" altLang="en-US" dirty="0" smtClean="0"/>
+              <a:rPr lang="zh-CN" altLang="en-US" dirty="0"/>
               <a:t>于</a:t>
             </a:r>
             <a:r>
-              <a:rPr lang="en-US" altLang="zh-CN" dirty="0" smtClean="0"/>
+              <a:rPr lang="en-US" altLang="zh-CN" dirty="0"/>
               <a:t>2006</a:t>
             </a:r>
             <a:r>
-              <a:rPr lang="zh-CN" altLang="en-US" dirty="0" smtClean="0"/>
+              <a:rPr lang="zh-CN" altLang="en-US" dirty="0"/>
               <a:t>年开始开发，起初做为一个私人开发项目由</a:t>
             </a:r>
             <a:r>
-              <a:rPr lang="en-US" altLang="zh-CN" dirty="0" smtClean="0"/>
+              <a:rPr lang="en-US" altLang="zh-CN" dirty="0"/>
               <a:t>GH</a:t>
             </a:r>
             <a:r>
-              <a:rPr lang="zh-CN" altLang="en-US" dirty="0" smtClean="0"/>
+              <a:rPr lang="zh-CN" altLang="en-US" dirty="0"/>
               <a:t>进行开发，后来于</a:t>
             </a:r>
             <a:r>
-              <a:rPr lang="en-US" altLang="zh-CN" dirty="0" smtClean="0"/>
+              <a:rPr lang="en-US" altLang="zh-CN" dirty="0"/>
               <a:t>2009</a:t>
             </a:r>
             <a:r>
-              <a:rPr lang="zh-CN" altLang="en-US" dirty="0" smtClean="0"/>
+              <a:rPr lang="zh-CN" altLang="en-US" dirty="0"/>
               <a:t>年得到</a:t>
             </a:r>
             <a:r>
-              <a:rPr lang="en-US" altLang="zh-CN" dirty="0" smtClean="0"/>
+              <a:rPr lang="en-US" altLang="zh-CN" dirty="0"/>
               <a:t>Mozilla</a:t>
             </a:r>
             <a:r>
-              <a:rPr lang="zh-CN" altLang="en-US" dirty="0" smtClean="0"/>
+              <a:rPr lang="zh-CN" altLang="en-US" dirty="0"/>
               <a:t>公司赞助，并于次年正式向外界推出第一个版本</a:t>
             </a:r>
             <a:r>
-              <a:rPr lang="en-US" altLang="zh-CN" dirty="0" smtClean="0"/>
+              <a:rPr lang="en-US" altLang="zh-CN" dirty="0"/>
               <a:t>0.1.0</a:t>
             </a:r>
             <a:r>
-              <a:rPr lang="zh-CN" altLang="en-US" dirty="0" smtClean="0"/>
+              <a:rPr lang="zh-CN" altLang="en-US" dirty="0"/>
               <a:t>。于此同时，</a:t>
             </a:r>
             <a:r>
-              <a:rPr lang="en-US" altLang="zh-CN" dirty="0" err="1" smtClean="0"/>
+              <a:rPr lang="en-US" altLang="zh-CN" dirty="0" err="1"/>
               <a:t>mozilla</a:t>
             </a:r>
             <a:r>
-              <a:rPr lang="zh-CN" altLang="en-US" dirty="0" smtClean="0"/>
+              <a:rPr lang="zh-CN" altLang="en-US" dirty="0"/>
               <a:t>公司启动了</a:t>
             </a:r>
             <a:r>
-              <a:rPr lang="en-US" altLang="zh-CN" dirty="0" smtClean="0"/>
+              <a:rPr lang="en-US" altLang="zh-CN" dirty="0"/>
               <a:t>servo</a:t>
             </a:r>
             <a:r>
-              <a:rPr lang="zh-CN" altLang="en-US" dirty="0" smtClean="0"/>
+              <a:rPr lang="zh-CN" altLang="en-US" dirty="0"/>
               <a:t>项目的开发，该项目也是</a:t>
             </a:r>
             <a:r>
-              <a:rPr lang="en-US" altLang="zh-CN" dirty="0" smtClean="0"/>
+              <a:rPr lang="en-US" altLang="zh-CN" dirty="0"/>
               <a:t>rust</a:t>
             </a:r>
             <a:r>
-              <a:rPr lang="zh-CN" altLang="en-US" dirty="0" smtClean="0"/>
+              <a:rPr lang="zh-CN" altLang="en-US" dirty="0"/>
               <a:t>的第一个项目。</a:t>
             </a:r>
             <a:r>
-              <a:rPr lang="en-US" altLang="zh-CN" dirty="0" smtClean="0"/>
+              <a:rPr lang="en-US" altLang="zh-CN" dirty="0"/>
               <a:t>2011</a:t>
             </a:r>
             <a:r>
-              <a:rPr lang="zh-CN" altLang="en-US" dirty="0" smtClean="0"/>
+              <a:rPr lang="zh-CN" altLang="en-US" dirty="0"/>
               <a:t>年</a:t>
             </a:r>
             <a:r>
-              <a:rPr lang="en-US" altLang="zh-CN" dirty="0" smtClean="0"/>
+              <a:rPr lang="en-US" altLang="zh-CN" dirty="0"/>
               <a:t>rust</a:t>
             </a:r>
             <a:r>
-              <a:rPr lang="zh-CN" altLang="en-US" dirty="0" smtClean="0"/>
+              <a:rPr lang="zh-CN" altLang="en-US" dirty="0"/>
               <a:t>语言完成自举，</a:t>
             </a:r>
             <a:r>
-              <a:rPr lang="en-US" altLang="zh-CN" dirty="0" smtClean="0"/>
+              <a:rPr lang="en-US" altLang="zh-CN" dirty="0"/>
               <a:t>2015</a:t>
             </a:r>
             <a:r>
-              <a:rPr lang="zh-CN" altLang="en-US" dirty="0" smtClean="0"/>
+              <a:rPr lang="zh-CN" altLang="en-US" dirty="0"/>
               <a:t>年正式推出第一个稳定版本</a:t>
             </a:r>
             <a:r>
-              <a:rPr lang="en-US" altLang="zh-CN" dirty="0" smtClean="0"/>
+              <a:rPr lang="en-US" altLang="zh-CN" dirty="0"/>
               <a:t>1.0</a:t>
             </a:r>
             <a:r>
-              <a:rPr lang="zh-CN" altLang="en-US" dirty="0" smtClean="0"/>
+              <a:rPr lang="zh-CN" altLang="en-US" dirty="0"/>
               <a:t>，</a:t>
             </a:r>
             <a:r>
-              <a:rPr lang="en-US" altLang="zh-CN" dirty="0" smtClean="0"/>
+              <a:rPr lang="en-US" altLang="zh-CN" dirty="0"/>
               <a:t>2018</a:t>
             </a:r>
             <a:r>
-              <a:rPr lang="zh-CN" altLang="en-US" dirty="0" smtClean="0"/>
+              <a:rPr lang="zh-CN" altLang="en-US" dirty="0"/>
               <a:t>年开始进行第二次大的版本迭代升级，</a:t>
             </a:r>
             <a:r>
-              <a:rPr lang="en-US" altLang="zh-CN" sz="1200" b="0" i="0" kern="1200" dirty="0" smtClean="0">
+              <a:rPr lang="en-US" altLang="zh-CN" sz="1200" b="0" i="0" kern="1200" dirty="0">
                 <a:solidFill>
                   <a:schemeClr val="tx1"/>
                 </a:solidFill>
@@ -7646,7 +7564,7 @@
               <a:t>Rust 2018 </a:t>
             </a:r>
             <a:r>
-              <a:rPr lang="zh-CN" altLang="en-US" sz="1200" b="0" i="0" kern="1200" dirty="0" smtClean="0">
+              <a:rPr lang="zh-CN" altLang="en-US" sz="1200" b="0" i="0" kern="1200" dirty="0">
                 <a:solidFill>
                   <a:schemeClr val="tx1"/>
                 </a:solidFill>
@@ -7657,7 +7575,7 @@
               </a:rPr>
               <a:t>使粗糙边缘平滑，使编写代码更简单，更容易。</a:t>
             </a:r>
-            <a:endParaRPr lang="en-US" altLang="zh-CN" dirty="0" smtClean="0"/>
+            <a:endParaRPr lang="en-US" altLang="zh-CN" dirty="0"/>
           </a:p>
         </p:txBody>
       </p:sp>
@@ -7688,6 +7606,174 @@
     <p:extLst>
       <p:ext uri="{BB962C8B-B14F-4D97-AF65-F5344CB8AC3E}">
         <p14:creationId xmlns:p14="http://schemas.microsoft.com/office/powerpoint/2010/main" val="1426563238"/>
+      </p:ext>
+    </p:extLst>
+  </p:cSld>
+  <p:clrMapOvr>
+    <a:masterClrMapping/>
+  </p:clrMapOvr>
+</p:notes>
+</file>
+
+<file path=ppt/notesSlides/notesSlide10.xml><?xml version="1.0" encoding="utf-8"?>
+<p:notes xmlns:a="http://schemas.openxmlformats.org/drawingml/2006/main" xmlns:r="http://schemas.openxmlformats.org/officeDocument/2006/relationships" xmlns:p="http://schemas.openxmlformats.org/presentationml/2006/main">
+  <p:cSld>
+    <p:spTree>
+      <p:nvGrpSpPr>
+        <p:cNvPr id="1" name=""/>
+        <p:cNvGrpSpPr/>
+        <p:nvPr/>
+      </p:nvGrpSpPr>
+      <p:grpSpPr>
+        <a:xfrm>
+          <a:off x="0" y="0"/>
+          <a:ext cx="0" cy="0"/>
+          <a:chOff x="0" y="0"/>
+          <a:chExt cx="0" cy="0"/>
+        </a:xfrm>
+      </p:grpSpPr>
+      <p:sp>
+        <p:nvSpPr>
+          <p:cNvPr id="2" name="幻灯片图像占位符 1"/>
+          <p:cNvSpPr>
+            <a:spLocks noGrp="1" noRot="1" noChangeAspect="1"/>
+          </p:cNvSpPr>
+          <p:nvPr>
+            <p:ph type="sldImg"/>
+          </p:nvPr>
+        </p:nvSpPr>
+        <p:spPr/>
+      </p:sp>
+      <p:sp>
+        <p:nvSpPr>
+          <p:cNvPr id="3" name="备注占位符 2"/>
+          <p:cNvSpPr>
+            <a:spLocks noGrp="1"/>
+          </p:cNvSpPr>
+          <p:nvPr>
+            <p:ph type="body" idx="1"/>
+          </p:nvPr>
+        </p:nvSpPr>
+        <p:spPr/>
+        <p:txBody>
+          <a:bodyPr/>
+          <a:lstStyle/>
+          <a:p>
+            <a:endParaRPr lang="zh-CN" altLang="en-US" dirty="0"/>
+          </a:p>
+        </p:txBody>
+      </p:sp>
+      <p:sp>
+        <p:nvSpPr>
+          <p:cNvPr id="4" name="灯片编号占位符 3"/>
+          <p:cNvSpPr>
+            <a:spLocks noGrp="1"/>
+          </p:cNvSpPr>
+          <p:nvPr>
+            <p:ph type="sldNum" sz="quarter" idx="10"/>
+          </p:nvPr>
+        </p:nvSpPr>
+        <p:spPr/>
+        <p:txBody>
+          <a:bodyPr/>
+          <a:lstStyle/>
+          <a:p>
+            <a:fld id="{6245CCF4-CF1B-4B4B-B5D0-2221EBE362B5}" type="slidenum">
+              <a:rPr lang="zh-CN" altLang="en-US" smtClean="0"/>
+              <a:t>13</a:t>
+            </a:fld>
+            <a:endParaRPr lang="zh-CN" altLang="en-US"/>
+          </a:p>
+        </p:txBody>
+      </p:sp>
+    </p:spTree>
+    <p:extLst>
+      <p:ext uri="{BB962C8B-B14F-4D97-AF65-F5344CB8AC3E}">
+        <p14:creationId xmlns:p14="http://schemas.microsoft.com/office/powerpoint/2010/main" val="3240680672"/>
+      </p:ext>
+    </p:extLst>
+  </p:cSld>
+  <p:clrMapOvr>
+    <a:masterClrMapping/>
+  </p:clrMapOvr>
+</p:notes>
+</file>
+
+<file path=ppt/notesSlides/notesSlide11.xml><?xml version="1.0" encoding="utf-8"?>
+<p:notes xmlns:a="http://schemas.openxmlformats.org/drawingml/2006/main" xmlns:r="http://schemas.openxmlformats.org/officeDocument/2006/relationships" xmlns:p="http://schemas.openxmlformats.org/presentationml/2006/main">
+  <p:cSld>
+    <p:spTree>
+      <p:nvGrpSpPr>
+        <p:cNvPr id="1" name=""/>
+        <p:cNvGrpSpPr/>
+        <p:nvPr/>
+      </p:nvGrpSpPr>
+      <p:grpSpPr>
+        <a:xfrm>
+          <a:off x="0" y="0"/>
+          <a:ext cx="0" cy="0"/>
+          <a:chOff x="0" y="0"/>
+          <a:chExt cx="0" cy="0"/>
+        </a:xfrm>
+      </p:grpSpPr>
+      <p:sp>
+        <p:nvSpPr>
+          <p:cNvPr id="2" name="幻灯片图像占位符 1"/>
+          <p:cNvSpPr>
+            <a:spLocks noGrp="1" noRot="1" noChangeAspect="1"/>
+          </p:cNvSpPr>
+          <p:nvPr>
+            <p:ph type="sldImg"/>
+          </p:nvPr>
+        </p:nvSpPr>
+        <p:spPr/>
+      </p:sp>
+      <p:sp>
+        <p:nvSpPr>
+          <p:cNvPr id="3" name="备注占位符 2"/>
+          <p:cNvSpPr>
+            <a:spLocks noGrp="1"/>
+          </p:cNvSpPr>
+          <p:nvPr>
+            <p:ph type="body" idx="1"/>
+          </p:nvPr>
+        </p:nvSpPr>
+        <p:spPr/>
+        <p:txBody>
+          <a:bodyPr/>
+          <a:lstStyle/>
+          <a:p>
+            <a:endParaRPr kumimoji="1" lang="zh-CN" altLang="en-US"/>
+          </a:p>
+        </p:txBody>
+      </p:sp>
+      <p:sp>
+        <p:nvSpPr>
+          <p:cNvPr id="4" name="灯片编号占位符 3"/>
+          <p:cNvSpPr>
+            <a:spLocks noGrp="1"/>
+          </p:cNvSpPr>
+          <p:nvPr>
+            <p:ph type="sldNum" sz="quarter" idx="5"/>
+          </p:nvPr>
+        </p:nvSpPr>
+        <p:spPr/>
+        <p:txBody>
+          <a:bodyPr/>
+          <a:lstStyle/>
+          <a:p>
+            <a:fld id="{6245CCF4-CF1B-4B4B-B5D0-2221EBE362B5}" type="slidenum">
+              <a:rPr lang="zh-CN" altLang="en-US" smtClean="0"/>
+              <a:t>14</a:t>
+            </a:fld>
+            <a:endParaRPr lang="zh-CN" altLang="en-US"/>
+          </a:p>
+        </p:txBody>
+      </p:sp>
+    </p:spTree>
+    <p:extLst>
+      <p:ext uri="{BB962C8B-B14F-4D97-AF65-F5344CB8AC3E}">
+        <p14:creationId xmlns:p14="http://schemas.microsoft.com/office/powerpoint/2010/main" val="2526103175"/>
       </p:ext>
     </p:extLst>
   </p:cSld>
@@ -7742,54 +7828,53 @@
           <a:lstStyle/>
           <a:p>
             <a:r>
-              <a:rPr lang="en-US" altLang="zh-CN" dirty="0" smtClean="0"/>
+              <a:rPr lang="en-US" altLang="zh-CN" dirty="0"/>
               <a:t>Rust</a:t>
             </a:r>
             <a:r>
-              <a:rPr lang="zh-CN" altLang="en-US" dirty="0" smtClean="0"/>
+              <a:rPr lang="zh-CN" altLang="en-US" dirty="0"/>
               <a:t>自发布以来，稳步发展，功能逐渐完善，从</a:t>
             </a:r>
             <a:r>
-              <a:rPr lang="en-US" altLang="zh-CN" dirty="0" smtClean="0"/>
+              <a:rPr lang="en-US" altLang="zh-CN" dirty="0"/>
               <a:t>2016</a:t>
             </a:r>
             <a:r>
-              <a:rPr lang="zh-CN" altLang="en-US" dirty="0" smtClean="0"/>
+              <a:rPr lang="zh-CN" altLang="en-US" dirty="0"/>
               <a:t>年开始到</a:t>
             </a:r>
             <a:r>
-              <a:rPr lang="en-US" altLang="zh-CN" dirty="0" smtClean="0"/>
+              <a:rPr lang="en-US" altLang="zh-CN" dirty="0"/>
               <a:t>2021</a:t>
             </a:r>
             <a:r>
-              <a:rPr lang="zh-CN" altLang="en-US" dirty="0" smtClean="0"/>
+              <a:rPr lang="zh-CN" altLang="en-US" dirty="0"/>
               <a:t>年已经连续六年成为</a:t>
             </a:r>
             <a:r>
-              <a:rPr lang="en-US" altLang="zh-CN" dirty="0" err="1" smtClean="0"/>
+              <a:rPr lang="en-US" altLang="zh-CN" dirty="0" err="1"/>
               <a:t>stackoverflow</a:t>
             </a:r>
             <a:r>
-              <a:rPr lang="zh-CN" altLang="en-US" dirty="0" smtClean="0"/>
+              <a:rPr lang="zh-CN" altLang="en-US" dirty="0"/>
               <a:t>最受欢迎的语言。链接是</a:t>
             </a:r>
             <a:r>
-              <a:rPr lang="en-US" altLang="zh-CN" dirty="0" smtClean="0"/>
+              <a:rPr lang="en-US" altLang="zh-CN" dirty="0"/>
               <a:t>2021</a:t>
             </a:r>
             <a:r>
-              <a:rPr lang="zh-CN" altLang="en-US" dirty="0" smtClean="0"/>
+              <a:rPr lang="zh-CN" altLang="en-US" dirty="0"/>
               <a:t>年</a:t>
             </a:r>
             <a:r>
-              <a:rPr lang="en-US" altLang="zh-CN" dirty="0" err="1" smtClean="0"/>
+              <a:rPr lang="en-US" altLang="zh-CN" dirty="0" err="1"/>
               <a:t>stackoverflow</a:t>
             </a:r>
             <a:r>
-              <a:rPr lang="zh-CN" altLang="en-US" dirty="0" smtClean="0"/>
+              <a:rPr lang="zh-CN" altLang="en-US" dirty="0"/>
               <a:t>的调查数据。</a:t>
             </a:r>
-            <a:endParaRPr lang="zh-CN" altLang="en-US" dirty="0"/>
           </a:p>
         </p:txBody>
       </p:sp>
@@ -7874,39 +7959,39 @@
           <a:lstStyle/>
           <a:p>
             <a:r>
-              <a:rPr lang="en-US" altLang="zh-CN" dirty="0" smtClean="0"/>
+              <a:rPr lang="en-US" altLang="zh-CN" dirty="0"/>
               <a:t>2021</a:t>
             </a:r>
             <a:r>
-              <a:rPr lang="zh-CN" altLang="en-US" dirty="0" smtClean="0"/>
+              <a:rPr lang="zh-CN" altLang="en-US" dirty="0"/>
               <a:t>年亚马逊、华为、微软、谷歌、</a:t>
             </a:r>
             <a:r>
-              <a:rPr lang="en-US" altLang="zh-CN" dirty="0" smtClean="0"/>
+              <a:rPr lang="en-US" altLang="zh-CN" dirty="0"/>
               <a:t>Mozilla</a:t>
             </a:r>
             <a:r>
-              <a:rPr lang="zh-CN" altLang="en-US" dirty="0" smtClean="0"/>
+              <a:rPr lang="zh-CN" altLang="en-US" dirty="0"/>
               <a:t>公司共同成立了</a:t>
             </a:r>
             <a:r>
-              <a:rPr lang="en-US" altLang="zh-CN" dirty="0" smtClean="0"/>
+              <a:rPr lang="en-US" altLang="zh-CN" dirty="0"/>
               <a:t>rust</a:t>
             </a:r>
             <a:r>
-              <a:rPr lang="zh-CN" altLang="en-US" dirty="0" smtClean="0"/>
+              <a:rPr lang="zh-CN" altLang="en-US" dirty="0"/>
               <a:t>基金会，致力于全球推广</a:t>
             </a:r>
             <a:r>
-              <a:rPr lang="en-US" altLang="zh-CN" dirty="0" smtClean="0"/>
+              <a:rPr lang="en-US" altLang="zh-CN" dirty="0"/>
               <a:t>rust</a:t>
             </a:r>
             <a:r>
-              <a:rPr lang="zh-CN" altLang="en-US" dirty="0" smtClean="0"/>
+              <a:rPr lang="zh-CN" altLang="en-US" dirty="0"/>
               <a:t>语言。之后陆续有其他公司加入。</a:t>
             </a:r>
             <a:r>
-              <a:rPr lang="zh-CN" altLang="en-US" sz="1200" b="0" i="0" kern="1200" dirty="0" smtClean="0">
+              <a:rPr lang="zh-CN" altLang="en-US" sz="1200" b="0" i="0" kern="1200" dirty="0">
                 <a:solidFill>
                   <a:schemeClr val="tx1"/>
                 </a:solidFill>
@@ -7918,7 +8003,7 @@
               <a:t> 那么，格雷顿</a:t>
             </a:r>
             <a:r>
-              <a:rPr lang="en-US" altLang="zh-CN" sz="1200" b="0" i="0" kern="1200" dirty="0" smtClean="0">
+              <a:rPr lang="en-US" altLang="zh-CN" sz="1200" b="0" i="0" kern="1200" dirty="0">
                 <a:solidFill>
                   <a:schemeClr val="tx1"/>
                 </a:solidFill>
@@ -7930,7 +8015,7 @@
               <a:t>~</a:t>
             </a:r>
             <a:r>
-              <a:rPr lang="zh-CN" altLang="en-US" sz="1200" b="0" i="0" kern="1200" dirty="0" smtClean="0">
+              <a:rPr lang="zh-CN" altLang="en-US" sz="1200" b="0" i="0" kern="1200" dirty="0">
                 <a:solidFill>
                   <a:schemeClr val="tx1"/>
                 </a:solidFill>
@@ -7942,7 +8027,7 @@
               <a:t>霍尔为什么创造</a:t>
             </a:r>
             <a:r>
-              <a:rPr lang="en-US" altLang="zh-CN" sz="1200" b="0" i="0" kern="1200" dirty="0" smtClean="0">
+              <a:rPr lang="en-US" altLang="zh-CN" sz="1200" b="0" i="0" kern="1200" dirty="0">
                 <a:solidFill>
                   <a:schemeClr val="tx1"/>
                 </a:solidFill>
@@ -7954,7 +8039,7 @@
               <a:t>Rust</a:t>
             </a:r>
             <a:r>
-              <a:rPr lang="zh-CN" altLang="en-US" sz="1200" b="0" i="0" kern="1200" dirty="0" smtClean="0">
+              <a:rPr lang="zh-CN" altLang="en-US" sz="1200" b="0" i="0" kern="1200" dirty="0">
                 <a:solidFill>
                   <a:schemeClr val="tx1"/>
                 </a:solidFill>
@@ -7966,7 +8051,7 @@
               <a:t>这门语言，并且</a:t>
             </a:r>
             <a:r>
-              <a:rPr lang="en-US" altLang="zh-CN" sz="1200" b="0" i="0" kern="1200" dirty="0" smtClean="0">
+              <a:rPr lang="en-US" altLang="zh-CN" sz="1200" b="0" i="0" kern="1200" dirty="0">
                 <a:solidFill>
                   <a:schemeClr val="tx1"/>
                 </a:solidFill>
@@ -7978,7 +8063,7 @@
               <a:t>Rust</a:t>
             </a:r>
             <a:r>
-              <a:rPr lang="zh-CN" altLang="en-US" sz="1200" b="0" i="0" kern="1200" dirty="0" smtClean="0">
+              <a:rPr lang="zh-CN" altLang="en-US" sz="1200" b="0" i="0" kern="1200" dirty="0">
                 <a:solidFill>
                   <a:schemeClr val="tx1"/>
                 </a:solidFill>
@@ -8074,10 +8159,9 @@
           <a:lstStyle/>
           <a:p>
             <a:r>
-              <a:rPr lang="zh-CN" altLang="en-US" dirty="0" smtClean="0"/>
+              <a:rPr lang="zh-CN" altLang="en-US" dirty="0"/>
               <a:t>在计算机领域中，人们普遍关心的两个属性，分别是性能和安全性。早期计算机行业，计算资源匮乏，为了获取更高的性能宁愿牺牲安全性。随着计算机行业的发展，计算资源得到极大增加，不仅关注性能，更关注安全性。因此格雷顿霍尔萌生了自己开发一门语言的想法。他期望该语言能有如下表现。</a:t>
             </a:r>
-            <a:endParaRPr lang="zh-CN" altLang="en-US" dirty="0"/>
           </a:p>
         </p:txBody>
       </p:sp>
@@ -8162,19 +8246,19 @@
           <a:lstStyle/>
           <a:p>
             <a:r>
-              <a:rPr lang="zh-CN" altLang="en-US" dirty="0" smtClean="0"/>
+              <a:rPr lang="zh-CN" altLang="en-US" dirty="0"/>
               <a:t>相比于之前的系统编程语言必须是更加安全的、不易崩溃的，尤其是在操作内存时</a:t>
             </a:r>
           </a:p>
           <a:p>
             <a:r>
-              <a:rPr lang="zh-CN" altLang="en-US" dirty="0" smtClean="0"/>
-              <a:t>不需要有垃圾回收系统，不能为了内存安全引入性能负担</a:t>
-            </a:r>
-          </a:p>
-          <a:p>
-            <a:r>
-              <a:rPr lang="zh-CN" altLang="en-US" dirty="0" smtClean="0"/>
+              <a:rPr lang="zh-CN" altLang="en-US" dirty="0"/>
+              <a:t>不需要有垃圾回收系统，不能为了内存安全引入性能负担。不需要垃圾回收的同时也不需要开发者主动手动释放内存。</a:t>
+            </a:r>
+          </a:p>
+          <a:p>
+            <a:r>
+              <a:rPr lang="zh-CN" altLang="en-US" dirty="0"/>
               <a:t>不仅仅拥有一个主要特性、而应该拥有一系列广泛特性，这些特性之间又不缺乏一致性，这些特性之间可以很高的相互协作，从而使该语言更容易编写、维护和调试，让程序员写出更安全、更高效的代码</a:t>
             </a:r>
           </a:p>
@@ -8261,26 +8345,25 @@
           <a:lstStyle/>
           <a:p>
             <a:r>
-              <a:rPr lang="zh-CN" altLang="en-US" dirty="0" smtClean="0"/>
+              <a:rPr lang="zh-CN" altLang="en-US" dirty="0"/>
               <a:t>作者为了实现一个更安全、易用、高效的语言。为</a:t>
             </a:r>
             <a:r>
-              <a:rPr lang="en-US" altLang="zh-CN" dirty="0" smtClean="0"/>
+              <a:rPr lang="en-US" altLang="zh-CN" dirty="0"/>
               <a:t>Rust</a:t>
             </a:r>
             <a:r>
-              <a:rPr lang="zh-CN" altLang="en-US" dirty="0" smtClean="0"/>
+              <a:rPr lang="zh-CN" altLang="en-US" dirty="0"/>
               <a:t>设定了三条设计原则，分别是内存安全、零成本抽象、实用性。那么</a:t>
             </a:r>
             <a:r>
-              <a:rPr lang="en-US" altLang="zh-CN" dirty="0" smtClean="0"/>
+              <a:rPr lang="en-US" altLang="zh-CN" dirty="0"/>
               <a:t>Rust</a:t>
             </a:r>
             <a:r>
-              <a:rPr lang="zh-CN" altLang="en-US" dirty="0" smtClean="0"/>
+              <a:rPr lang="zh-CN" altLang="en-US" dirty="0"/>
               <a:t>中是如何体现这三个原则特性的呢？</a:t>
             </a:r>
-            <a:endParaRPr lang="zh-CN" altLang="en-US" dirty="0"/>
           </a:p>
         </p:txBody>
       </p:sp>
@@ -8365,10 +8448,39 @@
           <a:lstStyle/>
           <a:p>
             <a:r>
-              <a:rPr lang="zh-CN" altLang="en-US" dirty="0" smtClean="0"/>
-              <a:t>零成本，函数方法生成</a:t>
-            </a:r>
-            <a:endParaRPr lang="zh-CN" altLang="en-US" dirty="0"/>
+              <a:rPr lang="zh-CN" altLang="en-US" dirty="0"/>
+              <a:t>常见内存不安全，内存分配，内存访问，内存回收。</a:t>
+            </a:r>
+            <a:endParaRPr lang="en-US" altLang="zh-CN" dirty="0"/>
+          </a:p>
+          <a:p>
+            <a:r>
+              <a:rPr kumimoji="1" lang="zh-CN" altLang="en-US" dirty="0"/>
+              <a:t>一般常见内存不安全指是，空指针引用、使用未初始化的内存、释放后使用悬垂指针（引用未定义的未知的内存）、缓冲区溢出（索引越界）、重复释放。这些情况之所以产生内存安全问题都是因为访问了未定义的内存。为了保证内存安全，</a:t>
+            </a:r>
+            <a:r>
+              <a:rPr kumimoji="1" lang="en-US" altLang="zh-CN" dirty="0"/>
+              <a:t>rust</a:t>
+            </a:r>
+            <a:r>
+              <a:rPr kumimoji="1" lang="zh-CN" altLang="en-US" dirty="0"/>
+              <a:t>建立了强大的内存管理模型。</a:t>
+            </a:r>
+            <a:endParaRPr kumimoji="1" lang="en-US" altLang="zh-CN" dirty="0"/>
+          </a:p>
+          <a:p>
+            <a:r>
+              <a:rPr kumimoji="1" lang="zh-CN" altLang="en-US" dirty="0"/>
+              <a:t>所有权系统指的是每个被分配的内存都有一个独占其所有权的指针，只有当该指针被销毁时，其对应的内存才会被释放。</a:t>
+            </a:r>
+            <a:endParaRPr kumimoji="1" lang="en-US" altLang="zh-CN" dirty="0"/>
+          </a:p>
+          <a:p>
+            <a:r>
+              <a:rPr kumimoji="1" lang="zh-CN" altLang="en-US" dirty="0"/>
+              <a:t>借用和生命周期，每个变量都有其生命周期，一旦超出生命周期，变量会被自动释放，如果是借用则可以通过标记生命周期参数供编译器检查，防止出现悬垂引用。</a:t>
+            </a:r>
+            <a:endParaRPr kumimoji="1" lang="en-US" altLang="zh-CN" dirty="0"/>
           </a:p>
         </p:txBody>
       </p:sp>
@@ -8379,7 +8491,7 @@
             <a:spLocks noGrp="1"/>
           </p:cNvSpPr>
           <p:nvPr>
-            <p:ph type="sldNum" sz="quarter" idx="10"/>
+            <p:ph type="sldNum" sz="quarter" idx="5"/>
           </p:nvPr>
         </p:nvSpPr>
         <p:spPr/>
@@ -8389,7 +8501,7 @@
           <a:p>
             <a:fld id="{6245CCF4-CF1B-4B4B-B5D0-2221EBE362B5}" type="slidenum">
               <a:rPr lang="zh-CN" altLang="en-US" smtClean="0"/>
-              <a:t>10</a:t>
+              <a:t>9</a:t>
             </a:fld>
             <a:endParaRPr lang="zh-CN" altLang="en-US"/>
           </a:p>
@@ -8398,7 +8510,7 @@
     </p:spTree>
     <p:extLst>
       <p:ext uri="{BB962C8B-B14F-4D97-AF65-F5344CB8AC3E}">
-        <p14:creationId xmlns:p14="http://schemas.microsoft.com/office/powerpoint/2010/main" val="1237033852"/>
+        <p14:creationId xmlns:p14="http://schemas.microsoft.com/office/powerpoint/2010/main" val="840000457"/>
       </p:ext>
     </p:extLst>
   </p:cSld>
@@ -8452,7 +8564,10 @@
           <a:bodyPr/>
           <a:lstStyle/>
           <a:p>
-            <a:endParaRPr lang="zh-CN" altLang="en-US" dirty="0"/>
+            <a:r>
+              <a:rPr lang="zh-CN" altLang="en-US" dirty="0"/>
+              <a:t>零成本，函数方法生成</a:t>
+            </a:r>
           </a:p>
         </p:txBody>
       </p:sp>
@@ -8473,7 +8588,7 @@
           <a:p>
             <a:fld id="{6245CCF4-CF1B-4B4B-B5D0-2221EBE362B5}" type="slidenum">
               <a:rPr lang="zh-CN" altLang="en-US" smtClean="0"/>
-              <a:t>13</a:t>
+              <a:t>10</a:t>
             </a:fld>
             <a:endParaRPr lang="zh-CN" altLang="en-US"/>
           </a:p>
@@ -8482,7 +8597,102 @@
     </p:spTree>
     <p:extLst>
       <p:ext uri="{BB962C8B-B14F-4D97-AF65-F5344CB8AC3E}">
-        <p14:creationId xmlns:p14="http://schemas.microsoft.com/office/powerpoint/2010/main" val="3240680672"/>
+        <p14:creationId xmlns:p14="http://schemas.microsoft.com/office/powerpoint/2010/main" val="1237033852"/>
+      </p:ext>
+    </p:extLst>
+  </p:cSld>
+  <p:clrMapOvr>
+    <a:masterClrMapping/>
+  </p:clrMapOvr>
+</p:notes>
+</file>
+
+<file path=ppt/notesSlides/notesSlide9.xml><?xml version="1.0" encoding="utf-8"?>
+<p:notes xmlns:a="http://schemas.openxmlformats.org/drawingml/2006/main" xmlns:r="http://schemas.openxmlformats.org/officeDocument/2006/relationships" xmlns:p="http://schemas.openxmlformats.org/presentationml/2006/main">
+  <p:cSld>
+    <p:spTree>
+      <p:nvGrpSpPr>
+        <p:cNvPr id="1" name=""/>
+        <p:cNvGrpSpPr/>
+        <p:nvPr/>
+      </p:nvGrpSpPr>
+      <p:grpSpPr>
+        <a:xfrm>
+          <a:off x="0" y="0"/>
+          <a:ext cx="0" cy="0"/>
+          <a:chOff x="0" y="0"/>
+          <a:chExt cx="0" cy="0"/>
+        </a:xfrm>
+      </p:grpSpPr>
+      <p:sp>
+        <p:nvSpPr>
+          <p:cNvPr id="2" name="幻灯片图像占位符 1"/>
+          <p:cNvSpPr>
+            <a:spLocks noGrp="1" noRot="1" noChangeAspect="1"/>
+          </p:cNvSpPr>
+          <p:nvPr>
+            <p:ph type="sldImg"/>
+          </p:nvPr>
+        </p:nvSpPr>
+        <p:spPr/>
+      </p:sp>
+      <p:sp>
+        <p:nvSpPr>
+          <p:cNvPr id="3" name="备注占位符 2"/>
+          <p:cNvSpPr>
+            <a:spLocks noGrp="1"/>
+          </p:cNvSpPr>
+          <p:nvPr>
+            <p:ph type="body" idx="1"/>
+          </p:nvPr>
+        </p:nvSpPr>
+        <p:spPr/>
+        <p:txBody>
+          <a:bodyPr/>
+          <a:lstStyle/>
+          <a:p>
+            <a:r>
+              <a:rPr kumimoji="1" lang="zh-CN" altLang="en-US" dirty="0"/>
+              <a:t>性能、</a:t>
+            </a:r>
+            <a:r>
+              <a:rPr kumimoji="1" lang="en-US" altLang="zh-CN" dirty="0"/>
+              <a:t>benchmarks game</a:t>
+            </a:r>
+            <a:r>
+              <a:rPr kumimoji="1" lang="zh-CN" altLang="en-US" dirty="0"/>
+              <a:t>，并发</a:t>
+            </a:r>
+          </a:p>
+        </p:txBody>
+      </p:sp>
+      <p:sp>
+        <p:nvSpPr>
+          <p:cNvPr id="4" name="灯片编号占位符 3"/>
+          <p:cNvSpPr>
+            <a:spLocks noGrp="1"/>
+          </p:cNvSpPr>
+          <p:nvPr>
+            <p:ph type="sldNum" sz="quarter" idx="5"/>
+          </p:nvPr>
+        </p:nvSpPr>
+        <p:spPr/>
+        <p:txBody>
+          <a:bodyPr/>
+          <a:lstStyle/>
+          <a:p>
+            <a:fld id="{6245CCF4-CF1B-4B4B-B5D0-2221EBE362B5}" type="slidenum">
+              <a:rPr lang="zh-CN" altLang="en-US" smtClean="0"/>
+              <a:t>12</a:t>
+            </a:fld>
+            <a:endParaRPr lang="zh-CN" altLang="en-US"/>
+          </a:p>
+        </p:txBody>
+      </p:sp>
+    </p:spTree>
+    <p:extLst>
+      <p:ext uri="{BB962C8B-B14F-4D97-AF65-F5344CB8AC3E}">
+        <p14:creationId xmlns:p14="http://schemas.microsoft.com/office/powerpoint/2010/main" val="2915673832"/>
       </p:ext>
     </p:extLst>
   </p:cSld>
@@ -8534,7 +8744,7 @@
           </a:lstStyle>
           <a:p>
             <a:r>
-              <a:rPr lang="zh-CN" altLang="en-US" smtClean="0"/>
+              <a:rPr lang="zh-CN" altLang="en-US"/>
               <a:t>单击此处编辑母版标题样式</a:t>
             </a:r>
             <a:endParaRPr lang="en-US" dirty="0"/>
@@ -8654,7 +8864,7 @@
           </a:lstStyle>
           <a:p>
             <a:r>
-              <a:rPr lang="zh-CN" altLang="en-US" smtClean="0"/>
+              <a:rPr lang="zh-CN" altLang="en-US"/>
               <a:t>单击此处编辑母版副标题样式</a:t>
             </a:r>
             <a:endParaRPr lang="en-US" dirty="0"/>
@@ -8783,7 +8993,7 @@
           </a:lstStyle>
           <a:p>
             <a:r>
-              <a:rPr lang="zh-CN" altLang="en-US" smtClean="0"/>
+              <a:rPr lang="zh-CN" altLang="en-US"/>
               <a:t>单击此处编辑母版标题样式</a:t>
             </a:r>
             <a:endParaRPr lang="en-US" dirty="0"/>
@@ -8862,7 +9072,7 @@
           </a:lstStyle>
           <a:p>
             <a:r>
-              <a:rPr lang="zh-CN" altLang="en-US" smtClean="0"/>
+              <a:rPr lang="zh-CN" altLang="en-US"/>
               <a:t>单击图标添加图片</a:t>
             </a:r>
             <a:endParaRPr lang="en-US" dirty="0"/>
@@ -8930,7 +9140,7 @@
           <a:p>
             <a:pPr lvl="0"/>
             <a:r>
-              <a:rPr lang="zh-CN" altLang="en-US" smtClean="0"/>
+              <a:rPr lang="zh-CN" altLang="en-US"/>
               <a:t>单击此处编辑母版文本样式</a:t>
             </a:r>
           </a:p>
@@ -9056,7 +9266,7 @@
           </a:lstStyle>
           <a:p>
             <a:r>
-              <a:rPr lang="zh-CN" altLang="en-US" smtClean="0"/>
+              <a:rPr lang="zh-CN" altLang="en-US"/>
               <a:t>单击此处编辑母版标题样式</a:t>
             </a:r>
             <a:endParaRPr lang="en-US" dirty="0"/>
@@ -9124,7 +9334,7 @@
           <a:p>
             <a:pPr lvl="0"/>
             <a:r>
-              <a:rPr lang="zh-CN" altLang="en-US" smtClean="0"/>
+              <a:rPr lang="zh-CN" altLang="en-US"/>
               <a:t>单击此处编辑母版文本样式</a:t>
             </a:r>
           </a:p>
@@ -9250,7 +9460,7 @@
           </a:lstStyle>
           <a:p>
             <a:r>
-              <a:rPr lang="zh-CN" altLang="en-US" smtClean="0"/>
+              <a:rPr lang="zh-CN" altLang="en-US"/>
               <a:t>单击此处编辑母版标题样式</a:t>
             </a:r>
             <a:endParaRPr lang="en-US" dirty="0"/>
@@ -9330,7 +9540,7 @@
               <a:buNone/>
             </a:pPr>
             <a:r>
-              <a:rPr lang="zh-CN" altLang="en-US" smtClean="0"/>
+              <a:rPr lang="zh-CN" altLang="en-US"/>
               <a:t>单击此处编辑母版文本样式</a:t>
             </a:r>
           </a:p>
@@ -9397,7 +9607,7 @@
           <a:p>
             <a:pPr lvl="0"/>
             <a:r>
-              <a:rPr lang="zh-CN" altLang="en-US" smtClean="0"/>
+              <a:rPr lang="zh-CN" altLang="en-US"/>
               <a:t>单击此处编辑母版文本样式</a:t>
             </a:r>
           </a:p>
@@ -9617,7 +9827,7 @@
           </a:lstStyle>
           <a:p>
             <a:r>
-              <a:rPr lang="zh-CN" altLang="en-US" smtClean="0"/>
+              <a:rPr lang="zh-CN" altLang="en-US"/>
               <a:t>单击此处编辑母版标题样式</a:t>
             </a:r>
             <a:endParaRPr lang="en-US" dirty="0"/>
@@ -9738,7 +9948,7 @@
           <a:p>
             <a:pPr lvl="0"/>
             <a:r>
-              <a:rPr lang="zh-CN" altLang="en-US" smtClean="0"/>
+              <a:rPr lang="zh-CN" altLang="en-US"/>
               <a:t>单击此处编辑母版文本样式</a:t>
             </a:r>
           </a:p>
@@ -9859,7 +10069,7 @@
           </a:lstStyle>
           <a:p>
             <a:r>
-              <a:rPr lang="zh-CN" altLang="en-US" smtClean="0"/>
+              <a:rPr lang="zh-CN" altLang="en-US"/>
               <a:t>单击此处编辑母版标题样式</a:t>
             </a:r>
             <a:endParaRPr lang="en-US" dirty="0"/>
@@ -9934,7 +10144,7 @@
           <a:p>
             <a:pPr lvl="0"/>
             <a:r>
-              <a:rPr lang="zh-CN" altLang="en-US" smtClean="0"/>
+              <a:rPr lang="zh-CN" altLang="en-US"/>
               <a:t>单击此处编辑母版文本样式</a:t>
             </a:r>
           </a:p>
@@ -10001,7 +10211,7 @@
           <a:p>
             <a:pPr lvl="0"/>
             <a:r>
-              <a:rPr lang="zh-CN" altLang="en-US" smtClean="0"/>
+              <a:rPr lang="zh-CN" altLang="en-US"/>
               <a:t>单击此处编辑母版文本样式</a:t>
             </a:r>
           </a:p>
@@ -10075,7 +10285,7 @@
           <a:p>
             <a:pPr lvl="0"/>
             <a:r>
-              <a:rPr lang="zh-CN" altLang="en-US" smtClean="0"/>
+              <a:rPr lang="zh-CN" altLang="en-US"/>
               <a:t>单击此处编辑母版文本样式</a:t>
             </a:r>
           </a:p>
@@ -10142,7 +10352,7 @@
           <a:p>
             <a:pPr lvl="0"/>
             <a:r>
-              <a:rPr lang="zh-CN" altLang="en-US" smtClean="0"/>
+              <a:rPr lang="zh-CN" altLang="en-US"/>
               <a:t>单击此处编辑母版文本样式</a:t>
             </a:r>
           </a:p>
@@ -10216,7 +10426,7 @@
           <a:p>
             <a:pPr lvl="0"/>
             <a:r>
-              <a:rPr lang="zh-CN" altLang="en-US" smtClean="0"/>
+              <a:rPr lang="zh-CN" altLang="en-US"/>
               <a:t>单击此处编辑母版文本样式</a:t>
             </a:r>
           </a:p>
@@ -10283,7 +10493,7 @@
           <a:p>
             <a:pPr lvl="0"/>
             <a:r>
-              <a:rPr lang="zh-CN" altLang="en-US" smtClean="0"/>
+              <a:rPr lang="zh-CN" altLang="en-US"/>
               <a:t>单击此处编辑母版文本样式</a:t>
             </a:r>
           </a:p>
@@ -10482,7 +10692,7 @@
           </a:lstStyle>
           <a:p>
             <a:r>
-              <a:rPr lang="zh-CN" altLang="en-US" smtClean="0"/>
+              <a:rPr lang="zh-CN" altLang="en-US"/>
               <a:t>单击此处编辑母版标题样式</a:t>
             </a:r>
             <a:endParaRPr lang="en-US" dirty="0"/>
@@ -10557,7 +10767,7 @@
           <a:p>
             <a:pPr lvl="0"/>
             <a:r>
-              <a:rPr lang="zh-CN" altLang="en-US" smtClean="0"/>
+              <a:rPr lang="zh-CN" altLang="en-US"/>
               <a:t>单击此处编辑母版文本样式</a:t>
             </a:r>
           </a:p>
@@ -10635,7 +10845,7 @@
           </a:lstStyle>
           <a:p>
             <a:r>
-              <a:rPr lang="zh-CN" altLang="en-US" smtClean="0"/>
+              <a:rPr lang="zh-CN" altLang="en-US"/>
               <a:t>单击图标添加图片</a:t>
             </a:r>
             <a:endParaRPr lang="en-US" dirty="0"/>
@@ -10703,7 +10913,7 @@
           <a:p>
             <a:pPr lvl="0"/>
             <a:r>
-              <a:rPr lang="zh-CN" altLang="en-US" smtClean="0"/>
+              <a:rPr lang="zh-CN" altLang="en-US"/>
               <a:t>单击此处编辑母版文本样式</a:t>
             </a:r>
           </a:p>
@@ -10777,7 +10987,7 @@
           <a:p>
             <a:pPr lvl="0"/>
             <a:r>
-              <a:rPr lang="zh-CN" altLang="en-US" smtClean="0"/>
+              <a:rPr lang="zh-CN" altLang="en-US"/>
               <a:t>单击此处编辑母版文本样式</a:t>
             </a:r>
           </a:p>
@@ -10855,7 +11065,7 @@
           </a:lstStyle>
           <a:p>
             <a:r>
-              <a:rPr lang="zh-CN" altLang="en-US" smtClean="0"/>
+              <a:rPr lang="zh-CN" altLang="en-US"/>
               <a:t>单击图标添加图片</a:t>
             </a:r>
             <a:endParaRPr lang="en-US" dirty="0"/>
@@ -10923,7 +11133,7 @@
           <a:p>
             <a:pPr lvl="0"/>
             <a:r>
-              <a:rPr lang="zh-CN" altLang="en-US" smtClean="0"/>
+              <a:rPr lang="zh-CN" altLang="en-US"/>
               <a:t>单击此处编辑母版文本样式</a:t>
             </a:r>
           </a:p>
@@ -10997,7 +11207,7 @@
           <a:p>
             <a:pPr lvl="0"/>
             <a:r>
-              <a:rPr lang="zh-CN" altLang="en-US" smtClean="0"/>
+              <a:rPr lang="zh-CN" altLang="en-US"/>
               <a:t>单击此处编辑母版文本样式</a:t>
             </a:r>
           </a:p>
@@ -11075,7 +11285,7 @@
           </a:lstStyle>
           <a:p>
             <a:r>
-              <a:rPr lang="zh-CN" altLang="en-US" smtClean="0"/>
+              <a:rPr lang="zh-CN" altLang="en-US"/>
               <a:t>单击图标添加图片</a:t>
             </a:r>
             <a:endParaRPr lang="en-US" dirty="0"/>
@@ -11143,7 +11353,7 @@
           <a:p>
             <a:pPr lvl="0"/>
             <a:r>
-              <a:rPr lang="zh-CN" altLang="en-US" smtClean="0"/>
+              <a:rPr lang="zh-CN" altLang="en-US"/>
               <a:t>单击此处编辑母版文本样式</a:t>
             </a:r>
           </a:p>
@@ -11338,7 +11548,7 @@
           <a:lstStyle/>
           <a:p>
             <a:r>
-              <a:rPr lang="zh-CN" altLang="en-US" smtClean="0"/>
+              <a:rPr lang="zh-CN" altLang="en-US"/>
               <a:t>单击此处编辑母版标题样式</a:t>
             </a:r>
             <a:endParaRPr lang="en-US" dirty="0"/>
@@ -11362,35 +11572,35 @@
           <a:p>
             <a:pPr lvl="0"/>
             <a:r>
-              <a:rPr lang="zh-CN" altLang="en-US" smtClean="0"/>
+              <a:rPr lang="zh-CN" altLang="en-US"/>
               <a:t>单击此处编辑母版文本样式</a:t>
             </a:r>
           </a:p>
           <a:p>
             <a:pPr lvl="1"/>
             <a:r>
-              <a:rPr lang="zh-CN" altLang="en-US" smtClean="0"/>
+              <a:rPr lang="zh-CN" altLang="en-US"/>
               <a:t>第二级</a:t>
             </a:r>
           </a:p>
           <a:p>
             <a:pPr lvl="2"/>
             <a:r>
-              <a:rPr lang="zh-CN" altLang="en-US" smtClean="0"/>
+              <a:rPr lang="zh-CN" altLang="en-US"/>
               <a:t>第三级</a:t>
             </a:r>
           </a:p>
           <a:p>
             <a:pPr lvl="3"/>
             <a:r>
-              <a:rPr lang="zh-CN" altLang="en-US" smtClean="0"/>
+              <a:rPr lang="zh-CN" altLang="en-US"/>
               <a:t>第四级</a:t>
             </a:r>
           </a:p>
           <a:p>
             <a:pPr lvl="4"/>
             <a:r>
-              <a:rPr lang="zh-CN" altLang="en-US" smtClean="0"/>
+              <a:rPr lang="zh-CN" altLang="en-US"/>
               <a:t>第五级</a:t>
             </a:r>
             <a:endParaRPr lang="en-US" dirty="0"/>
@@ -11513,7 +11723,7 @@
           <a:lstStyle/>
           <a:p>
             <a:r>
-              <a:rPr lang="zh-CN" altLang="en-US" smtClean="0"/>
+              <a:rPr lang="zh-CN" altLang="en-US"/>
               <a:t>单击此处编辑母版标题样式</a:t>
             </a:r>
             <a:endParaRPr lang="en-US" dirty="0"/>
@@ -11542,35 +11752,35 @@
           <a:p>
             <a:pPr lvl="0"/>
             <a:r>
-              <a:rPr lang="zh-CN" altLang="en-US" smtClean="0"/>
+              <a:rPr lang="zh-CN" altLang="en-US"/>
               <a:t>单击此处编辑母版文本样式</a:t>
             </a:r>
           </a:p>
           <a:p>
             <a:pPr lvl="1"/>
             <a:r>
-              <a:rPr lang="zh-CN" altLang="en-US" smtClean="0"/>
+              <a:rPr lang="zh-CN" altLang="en-US"/>
               <a:t>第二级</a:t>
             </a:r>
           </a:p>
           <a:p>
             <a:pPr lvl="2"/>
             <a:r>
-              <a:rPr lang="zh-CN" altLang="en-US" smtClean="0"/>
+              <a:rPr lang="zh-CN" altLang="en-US"/>
               <a:t>第三级</a:t>
             </a:r>
           </a:p>
           <a:p>
             <a:pPr lvl="3"/>
             <a:r>
-              <a:rPr lang="zh-CN" altLang="en-US" smtClean="0"/>
+              <a:rPr lang="zh-CN" altLang="en-US"/>
               <a:t>第四级</a:t>
             </a:r>
           </a:p>
           <a:p>
             <a:pPr lvl="4"/>
             <a:r>
-              <a:rPr lang="zh-CN" altLang="en-US" smtClean="0"/>
+              <a:rPr lang="zh-CN" altLang="en-US"/>
               <a:t>第五级</a:t>
             </a:r>
             <a:endParaRPr lang="en-US" dirty="0"/>
@@ -11688,7 +11898,7 @@
           <a:lstStyle/>
           <a:p>
             <a:r>
-              <a:rPr lang="zh-CN" altLang="en-US" smtClean="0"/>
+              <a:rPr lang="zh-CN" altLang="en-US"/>
               <a:t>单击此处编辑母版标题样式</a:t>
             </a:r>
             <a:endParaRPr lang="en-US" dirty="0"/>
@@ -11712,35 +11922,35 @@
           <a:p>
             <a:pPr lvl="0"/>
             <a:r>
-              <a:rPr lang="zh-CN" altLang="en-US" smtClean="0"/>
+              <a:rPr lang="zh-CN" altLang="en-US"/>
               <a:t>单击此处编辑母版文本样式</a:t>
             </a:r>
           </a:p>
           <a:p>
             <a:pPr lvl="1"/>
             <a:r>
-              <a:rPr lang="zh-CN" altLang="en-US" smtClean="0"/>
+              <a:rPr lang="zh-CN" altLang="en-US"/>
               <a:t>第二级</a:t>
             </a:r>
           </a:p>
           <a:p>
             <a:pPr lvl="2"/>
             <a:r>
-              <a:rPr lang="zh-CN" altLang="en-US" smtClean="0"/>
+              <a:rPr lang="zh-CN" altLang="en-US"/>
               <a:t>第三级</a:t>
             </a:r>
           </a:p>
           <a:p>
             <a:pPr lvl="3"/>
             <a:r>
-              <a:rPr lang="zh-CN" altLang="en-US" smtClean="0"/>
+              <a:rPr lang="zh-CN" altLang="en-US"/>
               <a:t>第四级</a:t>
             </a:r>
           </a:p>
           <a:p>
             <a:pPr lvl="4"/>
             <a:r>
-              <a:rPr lang="zh-CN" altLang="en-US" smtClean="0"/>
+              <a:rPr lang="zh-CN" altLang="en-US"/>
               <a:t>第五级</a:t>
             </a:r>
             <a:endParaRPr lang="en-US" dirty="0"/>
@@ -11822,13 +12032,6 @@
   <p:clrMapOvr>
     <a:masterClrMapping/>
   </p:clrMapOvr>
-  <p:timing>
-    <p:tnLst>
-      <p:par>
-        <p:cTn id="1" dur="indefinite" restart="never" nodeType="tmRoot"/>
-      </p:par>
-    </p:tnLst>
-  </p:timing>
 </p:sldLayout>
 </file>
 
@@ -11874,7 +12077,7 @@
           </a:lstStyle>
           <a:p>
             <a:r>
-              <a:rPr lang="zh-CN" altLang="en-US" smtClean="0"/>
+              <a:rPr lang="zh-CN" altLang="en-US"/>
               <a:t>单击此处编辑母版标题样式</a:t>
             </a:r>
             <a:endParaRPr lang="en-US" dirty="0"/>
@@ -11995,7 +12198,7 @@
           <a:p>
             <a:pPr lvl="0"/>
             <a:r>
-              <a:rPr lang="zh-CN" altLang="en-US" smtClean="0"/>
+              <a:rPr lang="zh-CN" altLang="en-US"/>
               <a:t>单击此处编辑母版文本样式</a:t>
             </a:r>
           </a:p>
@@ -12112,7 +12315,7 @@
           <a:lstStyle/>
           <a:p>
             <a:r>
-              <a:rPr lang="zh-CN" altLang="en-US" smtClean="0"/>
+              <a:rPr lang="zh-CN" altLang="en-US"/>
               <a:t>单击此处编辑母版标题样式</a:t>
             </a:r>
             <a:endParaRPr lang="en-US" dirty="0"/>
@@ -12171,35 +12374,35 @@
           <a:p>
             <a:pPr lvl="0"/>
             <a:r>
-              <a:rPr lang="zh-CN" altLang="en-US" smtClean="0"/>
+              <a:rPr lang="zh-CN" altLang="en-US"/>
               <a:t>单击此处编辑母版文本样式</a:t>
             </a:r>
           </a:p>
           <a:p>
             <a:pPr lvl="1"/>
             <a:r>
-              <a:rPr lang="zh-CN" altLang="en-US" smtClean="0"/>
+              <a:rPr lang="zh-CN" altLang="en-US"/>
               <a:t>第二级</a:t>
             </a:r>
           </a:p>
           <a:p>
             <a:pPr lvl="2"/>
             <a:r>
-              <a:rPr lang="zh-CN" altLang="en-US" smtClean="0"/>
+              <a:rPr lang="zh-CN" altLang="en-US"/>
               <a:t>第三级</a:t>
             </a:r>
           </a:p>
           <a:p>
             <a:pPr lvl="3"/>
             <a:r>
-              <a:rPr lang="zh-CN" altLang="en-US" smtClean="0"/>
+              <a:rPr lang="zh-CN" altLang="en-US"/>
               <a:t>第四级</a:t>
             </a:r>
           </a:p>
           <a:p>
             <a:pPr lvl="4"/>
             <a:r>
-              <a:rPr lang="zh-CN" altLang="en-US" smtClean="0"/>
+              <a:rPr lang="zh-CN" altLang="en-US"/>
               <a:t>第五级</a:t>
             </a:r>
             <a:endParaRPr lang="en-US" dirty="0"/>
@@ -12258,35 +12461,35 @@
           <a:p>
             <a:pPr lvl="0"/>
             <a:r>
-              <a:rPr lang="zh-CN" altLang="en-US" smtClean="0"/>
+              <a:rPr lang="zh-CN" altLang="en-US"/>
               <a:t>单击此处编辑母版文本样式</a:t>
             </a:r>
           </a:p>
           <a:p>
             <a:pPr lvl="1"/>
             <a:r>
-              <a:rPr lang="zh-CN" altLang="en-US" smtClean="0"/>
+              <a:rPr lang="zh-CN" altLang="en-US"/>
               <a:t>第二级</a:t>
             </a:r>
           </a:p>
           <a:p>
             <a:pPr lvl="2"/>
             <a:r>
-              <a:rPr lang="zh-CN" altLang="en-US" smtClean="0"/>
+              <a:rPr lang="zh-CN" altLang="en-US"/>
               <a:t>第三级</a:t>
             </a:r>
           </a:p>
           <a:p>
             <a:pPr lvl="3"/>
             <a:r>
-              <a:rPr lang="zh-CN" altLang="en-US" smtClean="0"/>
+              <a:rPr lang="zh-CN" altLang="en-US"/>
               <a:t>第四级</a:t>
             </a:r>
           </a:p>
           <a:p>
             <a:pPr lvl="4"/>
             <a:r>
-              <a:rPr lang="zh-CN" altLang="en-US" smtClean="0"/>
+              <a:rPr lang="zh-CN" altLang="en-US"/>
               <a:t>第五级</a:t>
             </a:r>
             <a:endParaRPr lang="en-US" dirty="0"/>
@@ -12408,7 +12611,7 @@
           </a:lstStyle>
           <a:p>
             <a:r>
-              <a:rPr lang="zh-CN" altLang="en-US" smtClean="0"/>
+              <a:rPr lang="zh-CN" altLang="en-US"/>
               <a:t>单击此处编辑母版标题样式</a:t>
             </a:r>
             <a:endParaRPr lang="en-US" dirty="0"/>
@@ -12483,7 +12686,7 @@
           <a:p>
             <a:pPr lvl="0"/>
             <a:r>
-              <a:rPr lang="zh-CN" altLang="en-US" smtClean="0"/>
+              <a:rPr lang="zh-CN" altLang="en-US"/>
               <a:t>单击此处编辑母版文本样式</a:t>
             </a:r>
           </a:p>
@@ -12541,35 +12744,35 @@
           <a:p>
             <a:pPr lvl="0"/>
             <a:r>
-              <a:rPr lang="zh-CN" altLang="en-US" smtClean="0"/>
+              <a:rPr lang="zh-CN" altLang="en-US"/>
               <a:t>单击此处编辑母版文本样式</a:t>
             </a:r>
           </a:p>
           <a:p>
             <a:pPr lvl="1"/>
             <a:r>
-              <a:rPr lang="zh-CN" altLang="en-US" smtClean="0"/>
+              <a:rPr lang="zh-CN" altLang="en-US"/>
               <a:t>第二级</a:t>
             </a:r>
           </a:p>
           <a:p>
             <a:pPr lvl="2"/>
             <a:r>
-              <a:rPr lang="zh-CN" altLang="en-US" smtClean="0"/>
+              <a:rPr lang="zh-CN" altLang="en-US"/>
               <a:t>第三级</a:t>
             </a:r>
           </a:p>
           <a:p>
             <a:pPr lvl="3"/>
             <a:r>
-              <a:rPr lang="zh-CN" altLang="en-US" smtClean="0"/>
+              <a:rPr lang="zh-CN" altLang="en-US"/>
               <a:t>第四级</a:t>
             </a:r>
           </a:p>
           <a:p>
             <a:pPr lvl="4"/>
             <a:r>
-              <a:rPr lang="zh-CN" altLang="en-US" smtClean="0"/>
+              <a:rPr lang="zh-CN" altLang="en-US"/>
               <a:t>第五级</a:t>
             </a:r>
             <a:endParaRPr lang="en-US" dirty="0"/>
@@ -12644,7 +12847,7 @@
           <a:p>
             <a:pPr lvl="0"/>
             <a:r>
-              <a:rPr lang="zh-CN" altLang="en-US" smtClean="0"/>
+              <a:rPr lang="zh-CN" altLang="en-US"/>
               <a:t>单击此处编辑母版文本样式</a:t>
             </a:r>
           </a:p>
@@ -12702,35 +12905,35 @@
           <a:p>
             <a:pPr lvl="0"/>
             <a:r>
-              <a:rPr lang="zh-CN" altLang="en-US" smtClean="0"/>
+              <a:rPr lang="zh-CN" altLang="en-US"/>
               <a:t>单击此处编辑母版文本样式</a:t>
             </a:r>
           </a:p>
           <a:p>
             <a:pPr lvl="1"/>
             <a:r>
-              <a:rPr lang="zh-CN" altLang="en-US" smtClean="0"/>
+              <a:rPr lang="zh-CN" altLang="en-US"/>
               <a:t>第二级</a:t>
             </a:r>
           </a:p>
           <a:p>
             <a:pPr lvl="2"/>
             <a:r>
-              <a:rPr lang="zh-CN" altLang="en-US" smtClean="0"/>
+              <a:rPr lang="zh-CN" altLang="en-US"/>
               <a:t>第三级</a:t>
             </a:r>
           </a:p>
           <a:p>
             <a:pPr lvl="3"/>
             <a:r>
-              <a:rPr lang="zh-CN" altLang="en-US" smtClean="0"/>
+              <a:rPr lang="zh-CN" altLang="en-US"/>
               <a:t>第四级</a:t>
             </a:r>
           </a:p>
           <a:p>
             <a:pPr lvl="4"/>
             <a:r>
-              <a:rPr lang="zh-CN" altLang="en-US" smtClean="0"/>
+              <a:rPr lang="zh-CN" altLang="en-US"/>
               <a:t>第五级</a:t>
             </a:r>
             <a:endParaRPr lang="en-US" dirty="0"/>
@@ -12848,7 +13051,7 @@
           <a:lstStyle/>
           <a:p>
             <a:r>
-              <a:rPr lang="zh-CN" altLang="en-US" smtClean="0"/>
+              <a:rPr lang="zh-CN" altLang="en-US"/>
               <a:t>单击此处编辑母版标题样式</a:t>
             </a:r>
             <a:endParaRPr lang="en-US" dirty="0"/>
@@ -13070,7 +13273,7 @@
           </a:lstStyle>
           <a:p>
             <a:r>
-              <a:rPr lang="zh-CN" altLang="en-US" smtClean="0"/>
+              <a:rPr lang="zh-CN" altLang="en-US"/>
               <a:t>单击此处编辑母版标题样式</a:t>
             </a:r>
             <a:endParaRPr lang="en-US" dirty="0"/>
@@ -13129,35 +13332,35 @@
           <a:p>
             <a:pPr lvl="0"/>
             <a:r>
-              <a:rPr lang="zh-CN" altLang="en-US" smtClean="0"/>
+              <a:rPr lang="zh-CN" altLang="en-US"/>
               <a:t>单击此处编辑母版文本样式</a:t>
             </a:r>
           </a:p>
           <a:p>
             <a:pPr lvl="1"/>
             <a:r>
-              <a:rPr lang="zh-CN" altLang="en-US" smtClean="0"/>
+              <a:rPr lang="zh-CN" altLang="en-US"/>
               <a:t>第二级</a:t>
             </a:r>
           </a:p>
           <a:p>
             <a:pPr lvl="2"/>
             <a:r>
-              <a:rPr lang="zh-CN" altLang="en-US" smtClean="0"/>
+              <a:rPr lang="zh-CN" altLang="en-US"/>
               <a:t>第三级</a:t>
             </a:r>
           </a:p>
           <a:p>
             <a:pPr lvl="3"/>
             <a:r>
-              <a:rPr lang="zh-CN" altLang="en-US" smtClean="0"/>
+              <a:rPr lang="zh-CN" altLang="en-US"/>
               <a:t>第四级</a:t>
             </a:r>
           </a:p>
           <a:p>
             <a:pPr lvl="4"/>
             <a:r>
-              <a:rPr lang="zh-CN" altLang="en-US" smtClean="0"/>
+              <a:rPr lang="zh-CN" altLang="en-US"/>
               <a:t>第五级</a:t>
             </a:r>
             <a:endParaRPr lang="en-US" dirty="0"/>
@@ -13223,7 +13426,7 @@
           <a:p>
             <a:pPr lvl="0"/>
             <a:r>
-              <a:rPr lang="zh-CN" altLang="en-US" smtClean="0"/>
+              <a:rPr lang="zh-CN" altLang="en-US"/>
               <a:t>单击此处编辑母版文本样式</a:t>
             </a:r>
           </a:p>
@@ -13351,7 +13554,7 @@
           </a:lstStyle>
           <a:p>
             <a:r>
-              <a:rPr lang="zh-CN" altLang="en-US" smtClean="0"/>
+              <a:rPr lang="zh-CN" altLang="en-US"/>
               <a:t>单击此处编辑母版标题样式</a:t>
             </a:r>
             <a:endParaRPr lang="en-US" dirty="0"/>
@@ -13430,7 +13633,7 @@
           </a:lstStyle>
           <a:p>
             <a:r>
-              <a:rPr lang="zh-CN" altLang="en-US" smtClean="0"/>
+              <a:rPr lang="zh-CN" altLang="en-US"/>
               <a:t>单击图标添加图片</a:t>
             </a:r>
             <a:endParaRPr lang="en-US" dirty="0"/>
@@ -13498,7 +13701,7 @@
           <a:p>
             <a:pPr lvl="0"/>
             <a:r>
-              <a:rPr lang="zh-CN" altLang="en-US" smtClean="0"/>
+              <a:rPr lang="zh-CN" altLang="en-US"/>
               <a:t>单击此处编辑母版文本样式</a:t>
             </a:r>
           </a:p>
@@ -13845,7 +14048,7 @@
           <a:lstStyle/>
           <a:p>
             <a:r>
-              <a:rPr lang="zh-CN" altLang="en-US" smtClean="0"/>
+              <a:rPr lang="zh-CN" altLang="en-US"/>
               <a:t>单击此处编辑母版标题样式</a:t>
             </a:r>
             <a:endParaRPr lang="en-US" dirty="0"/>
@@ -13879,35 +14082,35 @@
           <a:p>
             <a:pPr lvl="0"/>
             <a:r>
-              <a:rPr lang="zh-CN" altLang="en-US" smtClean="0"/>
+              <a:rPr lang="zh-CN" altLang="en-US"/>
               <a:t>单击此处编辑母版文本样式</a:t>
             </a:r>
           </a:p>
           <a:p>
             <a:pPr lvl="1"/>
             <a:r>
-              <a:rPr lang="zh-CN" altLang="en-US" smtClean="0"/>
+              <a:rPr lang="zh-CN" altLang="en-US"/>
               <a:t>第二级</a:t>
             </a:r>
           </a:p>
           <a:p>
             <a:pPr lvl="2"/>
             <a:r>
-              <a:rPr lang="zh-CN" altLang="en-US" smtClean="0"/>
+              <a:rPr lang="zh-CN" altLang="en-US"/>
               <a:t>第三级</a:t>
             </a:r>
           </a:p>
           <a:p>
             <a:pPr lvl="3"/>
             <a:r>
-              <a:rPr lang="zh-CN" altLang="en-US" smtClean="0"/>
+              <a:rPr lang="zh-CN" altLang="en-US"/>
               <a:t>第四级</a:t>
             </a:r>
           </a:p>
           <a:p>
             <a:pPr lvl="4"/>
             <a:r>
-              <a:rPr lang="zh-CN" altLang="en-US" smtClean="0"/>
+              <a:rPr lang="zh-CN" altLang="en-US"/>
               <a:t>第五级</a:t>
             </a:r>
             <a:endParaRPr lang="en-US" dirty="0"/>
@@ -14500,20 +14703,17 @@
           <a:p>
             <a:pPr algn="ctr"/>
             <a:r>
-              <a:rPr lang="en-US" altLang="zh-CN" dirty="0" smtClean="0">
+              <a:rPr lang="en-US" altLang="zh-CN" dirty="0">
                 <a:latin typeface="+mj-ea"/>
               </a:rPr>
               <a:t>Rust</a:t>
             </a:r>
             <a:r>
-              <a:rPr lang="zh-CN" altLang="en-US" dirty="0" smtClean="0">
+              <a:rPr lang="zh-CN" altLang="en-US" dirty="0">
                 <a:latin typeface="+mj-ea"/>
               </a:rPr>
               <a:t>调研</a:t>
             </a:r>
-            <a:endParaRPr lang="zh-CN" altLang="en-US" dirty="0">
-              <a:latin typeface="+mj-ea"/>
-            </a:endParaRPr>
           </a:p>
         </p:txBody>
       </p:sp>
@@ -14527,13 +14727,6 @@
   <p:clrMapOvr>
     <a:masterClrMapping/>
   </p:clrMapOvr>
-  <p:timing>
-    <p:tnLst>
-      <p:par>
-        <p:cTn id="1" dur="indefinite" restart="never" nodeType="tmRoot"/>
-      </p:par>
-    </p:tnLst>
-  </p:timing>
 </p:sld>
 </file>
 
@@ -14570,20 +14763,17 @@
           <a:lstStyle/>
           <a:p>
             <a:r>
-              <a:rPr lang="en-US" altLang="zh-CN" dirty="0" smtClean="0">
+              <a:rPr lang="en-US" altLang="zh-CN" dirty="0">
                 <a:latin typeface="+mj-ea"/>
               </a:rPr>
               <a:t>Rust</a:t>
             </a:r>
             <a:r>
-              <a:rPr lang="zh-CN" altLang="en-US" dirty="0" smtClean="0">
+              <a:rPr lang="zh-CN" altLang="en-US" dirty="0">
                 <a:latin typeface="+mj-ea"/>
               </a:rPr>
               <a:t>简介</a:t>
             </a:r>
-            <a:endParaRPr lang="zh-CN" altLang="en-US" dirty="0">
-              <a:latin typeface="+mj-ea"/>
-            </a:endParaRPr>
           </a:p>
         </p:txBody>
       </p:sp>
@@ -14603,10 +14793,10 @@
           <a:lstStyle/>
           <a:p>
             <a:r>
-              <a:rPr lang="zh-CN" altLang="en-US" dirty="0" smtClean="0"/>
+              <a:rPr lang="zh-CN" altLang="en-US" dirty="0"/>
               <a:t>零成本抽象</a:t>
             </a:r>
-            <a:endParaRPr lang="en-US" altLang="zh-CN" dirty="0" smtClean="0"/>
+            <a:endParaRPr lang="en-US" altLang="zh-CN" dirty="0"/>
           </a:p>
           <a:p>
             <a:pPr marL="0" indent="0">
@@ -14614,11 +14804,7 @@
             </a:pPr>
             <a:r>
               <a:rPr lang="en-US" altLang="zh-CN" dirty="0"/>
-              <a:t>	</a:t>
-            </a:r>
-            <a:r>
-              <a:rPr lang="en-US" altLang="zh-CN" dirty="0" smtClean="0"/>
-              <a:t>- trait</a:t>
+              <a:t>	- trait</a:t>
             </a:r>
           </a:p>
           <a:p>
@@ -14627,17 +14813,13 @@
             </a:pPr>
             <a:r>
               <a:rPr lang="en-US" altLang="zh-CN" dirty="0"/>
-              <a:t>	</a:t>
-            </a:r>
-            <a:r>
-              <a:rPr lang="en-US" altLang="zh-CN" dirty="0" smtClean="0"/>
-              <a:t>- </a:t>
-            </a:r>
-            <a:r>
-              <a:rPr lang="zh-CN" altLang="en-US" dirty="0" smtClean="0"/>
+              <a:t>	- </a:t>
+            </a:r>
+            <a:r>
+              <a:rPr lang="zh-CN" altLang="en-US" dirty="0"/>
               <a:t>泛型</a:t>
             </a:r>
-            <a:endParaRPr lang="en-US" altLang="zh-CN" dirty="0" smtClean="0"/>
+            <a:endParaRPr lang="en-US" altLang="zh-CN" dirty="0"/>
           </a:p>
         </p:txBody>
       </p:sp>
@@ -14651,13 +14833,6 @@
   <p:clrMapOvr>
     <a:masterClrMapping/>
   </p:clrMapOvr>
-  <p:timing>
-    <p:tnLst>
-      <p:par>
-        <p:cTn id="1" dur="indefinite" restart="never" nodeType="tmRoot"/>
-      </p:par>
-    </p:tnLst>
-  </p:timing>
 </p:sld>
 </file>
 
@@ -14694,20 +14869,17 @@
           <a:lstStyle/>
           <a:p>
             <a:r>
-              <a:rPr lang="en-US" altLang="zh-CN" dirty="0" smtClean="0">
+              <a:rPr lang="en-US" altLang="zh-CN" dirty="0">
                 <a:latin typeface="+mj-ea"/>
               </a:rPr>
               <a:t>Rust</a:t>
             </a:r>
             <a:r>
-              <a:rPr lang="zh-CN" altLang="en-US" dirty="0" smtClean="0">
+              <a:rPr lang="zh-CN" altLang="en-US" dirty="0">
                 <a:latin typeface="+mj-ea"/>
               </a:rPr>
               <a:t>简介</a:t>
             </a:r>
-            <a:endParaRPr lang="zh-CN" altLang="en-US" dirty="0">
-              <a:latin typeface="+mj-ea"/>
-            </a:endParaRPr>
           </a:p>
         </p:txBody>
       </p:sp>
@@ -14727,10 +14899,10 @@
           <a:lstStyle/>
           <a:p>
             <a:r>
-              <a:rPr lang="zh-CN" altLang="en-US" dirty="0" smtClean="0"/>
+              <a:rPr lang="zh-CN" altLang="en-US" dirty="0"/>
               <a:t>实用性</a:t>
             </a:r>
-            <a:endParaRPr lang="en-US" altLang="zh-CN" dirty="0" smtClean="0"/>
+            <a:endParaRPr lang="en-US" altLang="zh-CN" dirty="0"/>
           </a:p>
           <a:p>
             <a:pPr marL="0" indent="0">
@@ -14738,17 +14910,13 @@
             </a:pPr>
             <a:r>
               <a:rPr lang="en-US" altLang="zh-CN" dirty="0"/>
-              <a:t>	</a:t>
-            </a:r>
-            <a:r>
-              <a:rPr lang="en-US" altLang="zh-CN" dirty="0" smtClean="0"/>
-              <a:t>- </a:t>
-            </a:r>
-            <a:r>
-              <a:rPr lang="zh-CN" altLang="en-US" dirty="0" smtClean="0"/>
+              <a:t>	- </a:t>
+            </a:r>
+            <a:r>
+              <a:rPr lang="zh-CN" altLang="en-US" dirty="0"/>
               <a:t>无畏并发，保证内存安全、并发安全的同时，不会牺牲性能</a:t>
             </a:r>
-            <a:endParaRPr lang="en-US" altLang="zh-CN" dirty="0" smtClean="0"/>
+            <a:endParaRPr lang="en-US" altLang="zh-CN" dirty="0"/>
           </a:p>
           <a:p>
             <a:pPr marL="0" indent="0">
@@ -14756,41 +14924,37 @@
             </a:pPr>
             <a:r>
               <a:rPr lang="en-US" altLang="zh-CN" dirty="0"/>
-              <a:t>	</a:t>
-            </a:r>
-            <a:r>
-              <a:rPr lang="en-US" altLang="zh-CN" dirty="0" smtClean="0"/>
-              <a:t>- </a:t>
-            </a:r>
-            <a:r>
-              <a:rPr lang="zh-CN" altLang="en-US" dirty="0" smtClean="0"/>
+              <a:t>	- </a:t>
+            </a:r>
+            <a:r>
+              <a:rPr lang="zh-CN" altLang="en-US" dirty="0"/>
               <a:t>方便且零成本的</a:t>
             </a:r>
             <a:r>
-              <a:rPr lang="en-US" altLang="zh-CN" dirty="0" smtClean="0"/>
+              <a:rPr lang="en-US" altLang="zh-CN" dirty="0"/>
               <a:t>FFI</a:t>
             </a:r>
             <a:r>
-              <a:rPr lang="zh-CN" altLang="en-US" dirty="0" smtClean="0"/>
+              <a:rPr lang="zh-CN" altLang="en-US" dirty="0"/>
               <a:t>，兼容</a:t>
             </a:r>
             <a:r>
-              <a:rPr lang="en-US" altLang="zh-CN" dirty="0" smtClean="0"/>
+              <a:rPr lang="en-US" altLang="zh-CN" dirty="0"/>
               <a:t>C-ABI</a:t>
             </a:r>
             <a:r>
-              <a:rPr lang="zh-CN" altLang="en-US" dirty="0" smtClean="0"/>
+              <a:rPr lang="zh-CN" altLang="en-US" dirty="0"/>
               <a:t>，能够接收</a:t>
             </a:r>
             <a:r>
-              <a:rPr lang="en-US" altLang="zh-CN" dirty="0" smtClean="0"/>
+              <a:rPr lang="en-US" altLang="zh-CN" dirty="0"/>
               <a:t>C</a:t>
             </a:r>
             <a:r>
-              <a:rPr lang="zh-CN" altLang="en-US" dirty="0" smtClean="0"/>
+              <a:rPr lang="zh-CN" altLang="en-US" dirty="0"/>
               <a:t>语言的遗产</a:t>
             </a:r>
-            <a:endParaRPr lang="en-US" altLang="zh-CN" dirty="0" smtClean="0"/>
+            <a:endParaRPr lang="en-US" altLang="zh-CN" dirty="0"/>
           </a:p>
           <a:p>
             <a:pPr marL="0" indent="0">
@@ -14798,18 +14962,14 @@
             </a:pPr>
             <a:r>
               <a:rPr lang="en-US" altLang="zh-CN" dirty="0"/>
-              <a:t>	</a:t>
-            </a:r>
-            <a:r>
-              <a:rPr lang="en-US" altLang="zh-CN" dirty="0" smtClean="0"/>
-              <a:t>- </a:t>
-            </a:r>
-            <a:r>
-              <a:rPr lang="zh-CN" altLang="en-US" dirty="0" smtClean="0"/>
+              <a:t>	- </a:t>
+            </a:r>
+            <a:r>
+              <a:rPr lang="zh-CN" altLang="en-US" dirty="0"/>
               <a:t>强大的包管理工具</a:t>
             </a:r>
             <a:r>
-              <a:rPr lang="en-US" altLang="zh-CN" dirty="0" smtClean="0"/>
+              <a:rPr lang="en-US" altLang="zh-CN" dirty="0"/>
               <a:t>cargo</a:t>
             </a:r>
             <a:endParaRPr lang="zh-CN" altLang="en-US" dirty="0"/>
@@ -14826,13 +14986,6 @@
   <p:clrMapOvr>
     <a:masterClrMapping/>
   </p:clrMapOvr>
-  <p:timing>
-    <p:tnLst>
-      <p:par>
-        <p:cTn id="1" dur="indefinite" restart="never" nodeType="tmRoot"/>
-      </p:par>
-    </p:tnLst>
-  </p:timing>
 </p:sld>
 </file>
 
@@ -14869,20 +15022,17 @@
           <a:lstStyle/>
           <a:p>
             <a:r>
-              <a:rPr lang="en-US" altLang="zh-CN" dirty="0" smtClean="0">
+              <a:rPr lang="en-US" altLang="zh-CN" dirty="0">
                 <a:latin typeface="+mj-ea"/>
               </a:rPr>
               <a:t>Rust</a:t>
             </a:r>
             <a:r>
-              <a:rPr lang="zh-CN" altLang="en-US" dirty="0" smtClean="0">
+              <a:rPr lang="zh-CN" altLang="en-US" dirty="0">
                 <a:latin typeface="+mj-ea"/>
               </a:rPr>
               <a:t>简介</a:t>
             </a:r>
-            <a:endParaRPr lang="zh-CN" altLang="en-US" dirty="0">
-              <a:latin typeface="+mj-ea"/>
-            </a:endParaRPr>
           </a:p>
         </p:txBody>
       </p:sp>
@@ -14902,41 +15052,41 @@
           <a:lstStyle/>
           <a:p>
             <a:r>
-              <a:rPr lang="zh-CN" altLang="en-US" dirty="0" smtClean="0"/>
+              <a:rPr lang="zh-CN" altLang="en-US" dirty="0"/>
               <a:t>优点</a:t>
             </a:r>
-            <a:endParaRPr lang="en-US" altLang="zh-CN" dirty="0" smtClean="0"/>
+            <a:endParaRPr lang="en-US" altLang="zh-CN" dirty="0"/>
           </a:p>
           <a:p>
             <a:pPr lvl="1"/>
             <a:r>
-              <a:rPr lang="zh-CN" altLang="en-US" dirty="0" smtClean="0"/>
+              <a:rPr lang="zh-CN" altLang="en-US" dirty="0"/>
               <a:t>高效的性能</a:t>
             </a:r>
-            <a:endParaRPr lang="en-US" altLang="zh-CN" dirty="0" smtClean="0"/>
+            <a:endParaRPr lang="en-US" altLang="zh-CN" dirty="0"/>
           </a:p>
           <a:p>
             <a:pPr lvl="1"/>
             <a:r>
-              <a:rPr lang="zh-CN" altLang="en-US" dirty="0" smtClean="0"/>
+              <a:rPr lang="zh-CN" altLang="en-US" dirty="0"/>
               <a:t>完备的安全检查</a:t>
             </a:r>
-            <a:endParaRPr lang="en-US" altLang="zh-CN" dirty="0" smtClean="0"/>
-          </a:p>
-          <a:p>
-            <a:r>
-              <a:rPr lang="zh-CN" altLang="en-US" dirty="0" smtClean="0"/>
+            <a:endParaRPr lang="en-US" altLang="zh-CN" dirty="0"/>
+          </a:p>
+          <a:p>
+            <a:r>
+              <a:rPr lang="zh-CN" altLang="en-US" dirty="0"/>
               <a:t>缺点</a:t>
             </a:r>
-            <a:endParaRPr lang="en-US" altLang="zh-CN" dirty="0" smtClean="0"/>
+            <a:endParaRPr lang="en-US" altLang="zh-CN" dirty="0"/>
           </a:p>
           <a:p>
             <a:pPr lvl="1"/>
             <a:r>
-              <a:rPr lang="zh-CN" altLang="en-US" dirty="0" smtClean="0"/>
+              <a:rPr lang="zh-CN" altLang="en-US" dirty="0"/>
               <a:t>学习曲线陡峭</a:t>
             </a:r>
-            <a:endParaRPr lang="en-US" altLang="zh-CN" dirty="0" smtClean="0"/>
+            <a:endParaRPr lang="en-US" altLang="zh-CN" dirty="0"/>
           </a:p>
         </p:txBody>
       </p:sp>
@@ -14950,13 +15100,6 @@
   <p:clrMapOvr>
     <a:masterClrMapping/>
   </p:clrMapOvr>
-  <p:timing>
-    <p:tnLst>
-      <p:par>
-        <p:cTn id="1" dur="indefinite" restart="never" nodeType="tmRoot"/>
-      </p:par>
-    </p:tnLst>
-  </p:timing>
 </p:sld>
 </file>
 
@@ -14993,20 +15136,17 @@
           <a:lstStyle/>
           <a:p>
             <a:r>
-              <a:rPr lang="en-US" altLang="zh-CN" dirty="0" smtClean="0">
+              <a:rPr lang="en-US" altLang="zh-CN" dirty="0">
                 <a:latin typeface="+mj-ea"/>
               </a:rPr>
               <a:t>Rust</a:t>
             </a:r>
             <a:r>
-              <a:rPr lang="zh-CN" altLang="en-US" dirty="0" smtClean="0">
+              <a:rPr lang="zh-CN" altLang="en-US" dirty="0">
                 <a:latin typeface="+mj-ea"/>
               </a:rPr>
               <a:t>简介</a:t>
             </a:r>
-            <a:endParaRPr lang="zh-CN" altLang="en-US" dirty="0">
-              <a:latin typeface="+mj-ea"/>
-            </a:endParaRPr>
           </a:p>
         </p:txBody>
       </p:sp>
@@ -15026,10 +15166,16 @@
           <a:lstStyle/>
           <a:p>
             <a:r>
-              <a:rPr lang="zh-CN" altLang="en-US" dirty="0" smtClean="0"/>
+              <a:rPr lang="zh-CN" altLang="en-US" dirty="0"/>
               <a:t>学习曲线陡峭</a:t>
             </a:r>
-            <a:endParaRPr lang="zh-CN" altLang="en-US" dirty="0"/>
+            <a:endParaRPr lang="en-US" altLang="zh-CN" dirty="0"/>
+          </a:p>
+          <a:p>
+            <a:r>
+              <a:rPr lang="zh-CN" altLang="en-US" dirty="0"/>
+              <a:t>生态不够丰富</a:t>
+            </a:r>
           </a:p>
         </p:txBody>
       </p:sp>
@@ -15043,13 +15189,6 @@
   <p:clrMapOvr>
     <a:masterClrMapping/>
   </p:clrMapOvr>
-  <p:timing>
-    <p:tnLst>
-      <p:par>
-        <p:cTn id="1" dur="indefinite" restart="never" nodeType="tmRoot"/>
-      </p:par>
-    </p:tnLst>
-  </p:timing>
 </p:sld>
 </file>
 
@@ -15072,7 +15211,13 @@
       </p:grpSpPr>
       <p:sp>
         <p:nvSpPr>
-          <p:cNvPr id="2" name="标题 1"/>
+          <p:cNvPr id="2" name="标题 1">
+            <a:extLst>
+              <a:ext uri="{FF2B5EF4-FFF2-40B4-BE49-F238E27FC236}">
+                <a16:creationId xmlns:a16="http://schemas.microsoft.com/office/drawing/2014/main" id="{59D38B4E-2149-114F-BB5D-14DC8F7020C9}"/>
+              </a:ext>
+            </a:extLst>
+          </p:cNvPr>
           <p:cNvSpPr>
             <a:spLocks noGrp="1"/>
           </p:cNvSpPr>
@@ -15086,10 +15231,90 @@
           <a:lstStyle/>
           <a:p>
             <a:r>
-              <a:rPr lang="zh-CN" altLang="en-US" dirty="0" smtClean="0"/>
+              <a:rPr kumimoji="1" lang="en-US" altLang="zh-CN" dirty="0"/>
+              <a:t>Rust</a:t>
+            </a:r>
+            <a:r>
+              <a:rPr kumimoji="1" lang="zh-CN" altLang="en-US" dirty="0"/>
+              <a:t>简介</a:t>
+            </a:r>
+          </a:p>
+        </p:txBody>
+      </p:sp>
+      <p:sp>
+        <p:nvSpPr>
+          <p:cNvPr id="3" name="内容占位符 2">
+            <a:extLst>
+              <a:ext uri="{FF2B5EF4-FFF2-40B4-BE49-F238E27FC236}">
+                <a16:creationId xmlns:a16="http://schemas.microsoft.com/office/drawing/2014/main" id="{335AB450-FD40-6843-881D-F4585CBA4C08}"/>
+              </a:ext>
+            </a:extLst>
+          </p:cNvPr>
+          <p:cNvSpPr>
+            <a:spLocks noGrp="1"/>
+          </p:cNvSpPr>
+          <p:nvPr>
+            <p:ph idx="1"/>
+          </p:nvPr>
+        </p:nvSpPr>
+        <p:spPr/>
+        <p:txBody>
+          <a:bodyPr/>
+          <a:lstStyle/>
+          <a:p>
+            <a:endParaRPr kumimoji="1" lang="zh-CN" altLang="en-US" dirty="0"/>
+          </a:p>
+        </p:txBody>
+      </p:sp>
+    </p:spTree>
+    <p:extLst>
+      <p:ext uri="{BB962C8B-B14F-4D97-AF65-F5344CB8AC3E}">
+        <p14:creationId xmlns:p14="http://schemas.microsoft.com/office/powerpoint/2010/main" val="3503096119"/>
+      </p:ext>
+    </p:extLst>
+  </p:cSld>
+  <p:clrMapOvr>
+    <a:masterClrMapping/>
+  </p:clrMapOvr>
+</p:sld>
+</file>
+
+<file path=ppt/slides/slide15.xml><?xml version="1.0" encoding="utf-8"?>
+<p:sld xmlns:a="http://schemas.openxmlformats.org/drawingml/2006/main" xmlns:r="http://schemas.openxmlformats.org/officeDocument/2006/relationships" xmlns:p="http://schemas.openxmlformats.org/presentationml/2006/main">
+  <p:cSld>
+    <p:spTree>
+      <p:nvGrpSpPr>
+        <p:cNvPr id="1" name=""/>
+        <p:cNvGrpSpPr/>
+        <p:nvPr/>
+      </p:nvGrpSpPr>
+      <p:grpSpPr>
+        <a:xfrm>
+          <a:off x="0" y="0"/>
+          <a:ext cx="0" cy="0"/>
+          <a:chOff x="0" y="0"/>
+          <a:chExt cx="0" cy="0"/>
+        </a:xfrm>
+      </p:grpSpPr>
+      <p:sp>
+        <p:nvSpPr>
+          <p:cNvPr id="2" name="标题 1"/>
+          <p:cNvSpPr>
+            <a:spLocks noGrp="1"/>
+          </p:cNvSpPr>
+          <p:nvPr>
+            <p:ph type="title"/>
+          </p:nvPr>
+        </p:nvSpPr>
+        <p:spPr/>
+        <p:txBody>
+          <a:bodyPr/>
+          <a:lstStyle/>
+          <a:p>
+            <a:r>
+              <a:rPr lang="zh-CN" altLang="en-US" dirty="0"/>
               <a:t>相关资料</a:t>
             </a:r>
-            <a:endParaRPr lang="zh-CN" altLang="en-US" dirty="0"/>
           </a:p>
         </p:txBody>
       </p:sp>
@@ -15114,15 +15339,7 @@
                 <a:cs typeface="Times New Roman" panose="02020603050405020304" pitchFamily="18" charset="0"/>
                 <a:hlinkClick r:id="rId2"/>
               </a:rPr>
-              <a:t>http://</a:t>
-            </a:r>
-            <a:r>
-              <a:rPr lang="en-US" altLang="zh-CN" dirty="0">
-                <a:latin typeface="Times New Roman" panose="02020603050405020304" pitchFamily="18" charset="0"/>
-                <a:cs typeface="Times New Roman" panose="02020603050405020304" pitchFamily="18" charset="0"/>
-                <a:hlinkClick r:id="rId2"/>
-              </a:rPr>
-              <a:t>venge.net/graydon/talks/intro-talk-2.pdf</a:t>
+              <a:t>http://venge.net/graydon/talks/intro-talk-2.pdf</a:t>
             </a:r>
             <a:r>
               <a:rPr lang="en-US" altLang="zh-CN" dirty="0">
@@ -15132,14 +15349,14 @@
               <a:t> </a:t>
             </a:r>
             <a:r>
-              <a:rPr lang="zh-CN" altLang="en-US" dirty="0" smtClean="0">
+              <a:rPr lang="zh-CN" altLang="en-US" dirty="0">
                 <a:latin typeface="+mn-ea"/>
                 <a:ea typeface="+mn-ea"/>
               </a:rPr>
               <a:t>首次正式公开</a:t>
             </a:r>
             <a:r>
-              <a:rPr lang="en-US" altLang="zh-CN" dirty="0" smtClean="0">
+              <a:rPr lang="en-US" altLang="zh-CN" dirty="0">
                 <a:latin typeface="Times New Roman" panose="02020603050405020304" pitchFamily="18" charset="0"/>
                 <a:ea typeface="+mn-ea"/>
                 <a:cs typeface="Times New Roman" panose="02020603050405020304" pitchFamily="18" charset="0"/>
@@ -15147,7 +15364,7 @@
               <a:t>Rust</a:t>
             </a:r>
             <a:r>
-              <a:rPr lang="zh-CN" altLang="en-US" dirty="0" smtClean="0">
+              <a:rPr lang="zh-CN" altLang="en-US" dirty="0">
                 <a:latin typeface="Times New Roman" panose="02020603050405020304" pitchFamily="18" charset="0"/>
                 <a:ea typeface="+mn-ea"/>
                 <a:cs typeface="Times New Roman" panose="02020603050405020304" pitchFamily="18" charset="0"/>
@@ -15155,7 +15372,7 @@
               <a:t>，并开始进行了首个</a:t>
             </a:r>
             <a:r>
-              <a:rPr lang="en-US" altLang="zh-CN" dirty="0" smtClean="0">
+              <a:rPr lang="en-US" altLang="zh-CN" dirty="0">
                 <a:latin typeface="Times New Roman" panose="02020603050405020304" pitchFamily="18" charset="0"/>
                 <a:ea typeface="+mn-ea"/>
                 <a:cs typeface="Times New Roman" panose="02020603050405020304" pitchFamily="18" charset="0"/>
@@ -15163,7 +15380,7 @@
               <a:t>Rust</a:t>
             </a:r>
             <a:r>
-              <a:rPr lang="zh-CN" altLang="en-US" dirty="0" smtClean="0">
+              <a:rPr lang="zh-CN" altLang="en-US" dirty="0">
                 <a:latin typeface="Times New Roman" panose="02020603050405020304" pitchFamily="18" charset="0"/>
                 <a:ea typeface="+mn-ea"/>
                 <a:cs typeface="Times New Roman" panose="02020603050405020304" pitchFamily="18" charset="0"/>
@@ -15171,7 +15388,7 @@
               <a:t>项目</a:t>
             </a:r>
             <a:r>
-              <a:rPr lang="en-US" altLang="zh-CN" dirty="0" smtClean="0">
+              <a:rPr lang="en-US" altLang="zh-CN" dirty="0">
                 <a:latin typeface="Times New Roman" panose="02020603050405020304" pitchFamily="18" charset="0"/>
                 <a:ea typeface="+mn-ea"/>
                 <a:cs typeface="Times New Roman" panose="02020603050405020304" pitchFamily="18" charset="0"/>
@@ -15179,14 +15396,14 @@
               <a:t>servo</a:t>
             </a:r>
             <a:r>
-              <a:rPr lang="zh-CN" altLang="en-US" dirty="0" smtClean="0">
+              <a:rPr lang="zh-CN" altLang="en-US" dirty="0">
                 <a:latin typeface="Times New Roman" panose="02020603050405020304" pitchFamily="18" charset="0"/>
                 <a:ea typeface="+mn-ea"/>
                 <a:cs typeface="Times New Roman" panose="02020603050405020304" pitchFamily="18" charset="0"/>
               </a:rPr>
               <a:t>的开发</a:t>
             </a:r>
-            <a:endParaRPr lang="en-US" altLang="zh-CN" dirty="0" smtClean="0">
+            <a:endParaRPr lang="en-US" altLang="zh-CN" dirty="0">
               <a:latin typeface="Times New Roman" panose="02020603050405020304" pitchFamily="18" charset="0"/>
               <a:ea typeface="+mn-ea"/>
               <a:cs typeface="Times New Roman" panose="02020603050405020304" pitchFamily="18" charset="0"/>
@@ -15199,34 +15416,22 @@
                 <a:cs typeface="Times New Roman" panose="02020603050405020304" pitchFamily="18" charset="0"/>
                 <a:hlinkClick r:id="rId3"/>
               </a:rPr>
-              <a:t>https://foundation.rust-lang.org</a:t>
-            </a:r>
-            <a:r>
-              <a:rPr lang="en-US" altLang="zh-CN" dirty="0" smtClean="0">
-                <a:latin typeface="Times New Roman" panose="02020603050405020304" pitchFamily="18" charset="0"/>
-                <a:cs typeface="Times New Roman" panose="02020603050405020304" pitchFamily="18" charset="0"/>
-                <a:hlinkClick r:id="rId3"/>
-              </a:rPr>
-              <a:t>/</a:t>
-            </a:r>
-            <a:r>
-              <a:rPr lang="en-US" altLang="zh-CN" dirty="0" smtClean="0">
+              <a:t>https://foundation.rust-lang.org/</a:t>
+            </a:r>
+            <a:r>
+              <a:rPr lang="en-US" altLang="zh-CN" dirty="0">
                 <a:latin typeface="Times New Roman" panose="02020603050405020304" pitchFamily="18" charset="0"/>
                 <a:cs typeface="Times New Roman" panose="02020603050405020304" pitchFamily="18" charset="0"/>
               </a:rPr>
               <a:t> Rust</a:t>
             </a:r>
             <a:r>
-              <a:rPr lang="zh-CN" altLang="en-US" dirty="0" smtClean="0">
+              <a:rPr lang="zh-CN" altLang="en-US" dirty="0">
                 <a:latin typeface="Times New Roman" panose="02020603050405020304" pitchFamily="18" charset="0"/>
                 <a:cs typeface="Times New Roman" panose="02020603050405020304" pitchFamily="18" charset="0"/>
               </a:rPr>
               <a:t>基金会官网</a:t>
             </a:r>
-            <a:endParaRPr lang="zh-CN" altLang="en-US" dirty="0">
-              <a:latin typeface="Times New Roman" panose="02020603050405020304" pitchFamily="18" charset="0"/>
-              <a:cs typeface="Times New Roman" panose="02020603050405020304" pitchFamily="18" charset="0"/>
-            </a:endParaRPr>
           </a:p>
           <a:p>
             <a:endParaRPr lang="zh-CN" altLang="en-US" dirty="0">
@@ -15246,13 +15451,6 @@
   <p:clrMapOvr>
     <a:masterClrMapping/>
   </p:clrMapOvr>
-  <p:timing>
-    <p:tnLst>
-      <p:par>
-        <p:cTn id="1" dur="indefinite" restart="never" nodeType="tmRoot"/>
-      </p:par>
-    </p:tnLst>
-  </p:timing>
 </p:sld>
 </file>
 
@@ -15305,13 +15503,6 @@
   <p:clrMapOvr>
     <a:masterClrMapping/>
   </p:clrMapOvr>
-  <p:timing>
-    <p:tnLst>
-      <p:par>
-        <p:cTn id="1" dur="indefinite" restart="never" nodeType="tmRoot"/>
-      </p:par>
-    </p:tnLst>
-  </p:timing>
 </p:sld>
 </file>
 
@@ -15353,20 +15544,17 @@
           <a:lstStyle/>
           <a:p>
             <a:r>
-              <a:rPr lang="en-US" altLang="zh-CN" dirty="0" smtClean="0">
+              <a:rPr lang="en-US" altLang="zh-CN" dirty="0">
                 <a:latin typeface="+mj-ea"/>
               </a:rPr>
               <a:t>Rust</a:t>
             </a:r>
             <a:r>
-              <a:rPr lang="zh-CN" altLang="en-US" dirty="0" smtClean="0">
+              <a:rPr lang="zh-CN" altLang="en-US" dirty="0">
                 <a:latin typeface="+mj-ea"/>
               </a:rPr>
               <a:t>介绍</a:t>
             </a:r>
-            <a:endParaRPr lang="zh-CN" altLang="en-US" dirty="0">
-              <a:latin typeface="+mj-ea"/>
-            </a:endParaRPr>
           </a:p>
         </p:txBody>
       </p:sp>
@@ -15415,19 +15603,19 @@
           <a:lstStyle/>
           <a:p>
             <a:r>
-              <a:rPr lang="en-US" altLang="zh-CN" dirty="0" smtClean="0">
+              <a:rPr lang="en-US" altLang="zh-CN" dirty="0">
                 <a:latin typeface="+mn-ea"/>
               </a:rPr>
               <a:t>2015</a:t>
             </a:r>
             <a:r>
-              <a:rPr lang="zh-CN" altLang="en-US" dirty="0" smtClean="0">
+              <a:rPr lang="zh-CN" altLang="en-US" dirty="0">
                 <a:latin typeface="+mn-ea"/>
               </a:rPr>
               <a:t>首个稳定版本</a:t>
             </a:r>
             <a:r>
-              <a:rPr lang="en-US" altLang="zh-CN" dirty="0" smtClean="0">
+              <a:rPr lang="en-US" altLang="zh-CN" dirty="0">
                 <a:latin typeface="+mn-ea"/>
               </a:rPr>
               <a:t>1.0</a:t>
@@ -15461,20 +15649,17 @@
           <a:lstStyle/>
           <a:p>
             <a:r>
-              <a:rPr lang="en-US" altLang="zh-CN" dirty="0" smtClean="0">
+              <a:rPr lang="en-US" altLang="zh-CN" dirty="0">
                 <a:latin typeface="+mn-ea"/>
               </a:rPr>
               <a:t>2018</a:t>
             </a:r>
             <a:r>
-              <a:rPr lang="zh-CN" altLang="en-US" dirty="0" smtClean="0">
+              <a:rPr lang="zh-CN" altLang="en-US" dirty="0">
                 <a:latin typeface="+mn-ea"/>
               </a:rPr>
               <a:t>年再次进行大版本迭代</a:t>
             </a:r>
-            <a:endParaRPr lang="zh-CN" altLang="en-US" dirty="0">
-              <a:latin typeface="+mn-ea"/>
-            </a:endParaRPr>
           </a:p>
         </p:txBody>
       </p:sp>
@@ -15488,13 +15673,6 @@
   <p:clrMapOvr>
     <a:masterClrMapping/>
   </p:clrMapOvr>
-  <p:timing>
-    <p:tnLst>
-      <p:par>
-        <p:cTn id="1" dur="indefinite" restart="never" nodeType="tmRoot"/>
-      </p:par>
-    </p:tnLst>
-  </p:timing>
 </p:sld>
 </file>
 
@@ -15531,23 +15709,19 @@
           <a:lstStyle/>
           <a:p>
             <a:r>
-              <a:rPr lang="en-US" altLang="zh-CN" dirty="0" smtClean="0">
+              <a:rPr lang="en-US" altLang="zh-CN" dirty="0">
                 <a:latin typeface="+mn-ea"/>
                 <a:ea typeface="+mn-ea"/>
               </a:rPr>
               <a:t>Rust</a:t>
             </a:r>
             <a:r>
-              <a:rPr lang="zh-CN" altLang="en-US" dirty="0" smtClean="0">
+              <a:rPr lang="zh-CN" altLang="en-US" dirty="0">
                 <a:latin typeface="+mn-ea"/>
                 <a:ea typeface="+mn-ea"/>
               </a:rPr>
               <a:t>简介</a:t>
             </a:r>
-            <a:endParaRPr lang="zh-CN" altLang="en-US" dirty="0">
-              <a:latin typeface="+mn-ea"/>
-              <a:ea typeface="+mn-ea"/>
-            </a:endParaRPr>
           </a:p>
         </p:txBody>
       </p:sp>
@@ -15623,13 +15797,6 @@
   <p:clrMapOvr>
     <a:masterClrMapping/>
   </p:clrMapOvr>
-  <p:timing>
-    <p:tnLst>
-      <p:par>
-        <p:cTn id="1" dur="indefinite" restart="never" nodeType="tmRoot"/>
-      </p:par>
-    </p:tnLst>
-  </p:timing>
 </p:sld>
 </file>
 
@@ -15666,23 +15833,19 @@
           <a:lstStyle/>
           <a:p>
             <a:r>
-              <a:rPr lang="en-US" altLang="zh-CN" dirty="0" smtClean="0">
+              <a:rPr lang="en-US" altLang="zh-CN" dirty="0">
                 <a:latin typeface="+mn-ea"/>
                 <a:ea typeface="+mn-ea"/>
               </a:rPr>
               <a:t>Rust</a:t>
             </a:r>
             <a:r>
-              <a:rPr lang="zh-CN" altLang="en-US" dirty="0" smtClean="0">
+              <a:rPr lang="zh-CN" altLang="en-US" dirty="0">
                 <a:latin typeface="+mn-ea"/>
                 <a:ea typeface="+mn-ea"/>
               </a:rPr>
               <a:t>简介</a:t>
             </a:r>
-            <a:endParaRPr lang="zh-CN" altLang="en-US" dirty="0">
-              <a:latin typeface="+mn-ea"/>
-              <a:ea typeface="+mn-ea"/>
-            </a:endParaRPr>
           </a:p>
         </p:txBody>
       </p:sp>
@@ -15733,37 +15896,33 @@
           <a:lstStyle/>
           <a:p>
             <a:r>
-              <a:rPr lang="en-US" altLang="zh-CN" dirty="0" smtClean="0">
+              <a:rPr lang="en-US" altLang="zh-CN" dirty="0">
                 <a:latin typeface="+mn-ea"/>
                 <a:cs typeface="Times New Roman" panose="02020603050405020304" pitchFamily="18" charset="0"/>
               </a:rPr>
               <a:t>2021</a:t>
             </a:r>
             <a:r>
-              <a:rPr lang="zh-CN" altLang="en-US" dirty="0" smtClean="0">
+              <a:rPr lang="zh-CN" altLang="en-US" dirty="0">
                 <a:latin typeface="+mn-ea"/>
                 <a:cs typeface="Times New Roman" panose="02020603050405020304" pitchFamily="18" charset="0"/>
               </a:rPr>
               <a:t>年成立</a:t>
             </a:r>
             <a:r>
-              <a:rPr lang="en-US" altLang="zh-CN" dirty="0" smtClean="0">
+              <a:rPr lang="en-US" altLang="zh-CN" dirty="0">
                 <a:latin typeface="+mn-ea"/>
                 <a:cs typeface="Times New Roman" panose="02020603050405020304" pitchFamily="18" charset="0"/>
               </a:rPr>
               <a:t>Rust</a:t>
             </a:r>
             <a:r>
-              <a:rPr lang="zh-CN" altLang="en-US" dirty="0" smtClean="0">
+              <a:rPr lang="zh-CN" altLang="en-US" dirty="0">
                 <a:latin typeface="+mn-ea"/>
                 <a:cs typeface="Times New Roman" panose="02020603050405020304" pitchFamily="18" charset="0"/>
               </a:rPr>
               <a:t>基金会</a:t>
             </a:r>
-            <a:endParaRPr lang="zh-CN" altLang="en-US" dirty="0">
-              <a:latin typeface="+mn-ea"/>
-              <a:cs typeface="Times New Roman" panose="02020603050405020304" pitchFamily="18" charset="0"/>
-            </a:endParaRPr>
           </a:p>
         </p:txBody>
       </p:sp>
@@ -15777,13 +15936,6 @@
   <p:clrMapOvr>
     <a:masterClrMapping/>
   </p:clrMapOvr>
-  <p:timing>
-    <p:tnLst>
-      <p:par>
-        <p:cTn id="1" dur="indefinite" restart="never" nodeType="tmRoot"/>
-      </p:par>
-    </p:tnLst>
-  </p:timing>
 </p:sld>
 </file>
 
@@ -15820,20 +15972,17 @@
           <a:lstStyle/>
           <a:p>
             <a:r>
-              <a:rPr lang="en-US" altLang="zh-CN" dirty="0" smtClean="0">
+              <a:rPr lang="en-US" altLang="zh-CN" dirty="0">
                 <a:latin typeface="+mj-ea"/>
               </a:rPr>
               <a:t>Rust</a:t>
             </a:r>
             <a:r>
-              <a:rPr lang="zh-CN" altLang="en-US" dirty="0" smtClean="0">
+              <a:rPr lang="zh-CN" altLang="en-US" dirty="0">
                 <a:latin typeface="+mj-ea"/>
               </a:rPr>
               <a:t>简介</a:t>
             </a:r>
-            <a:endParaRPr lang="zh-CN" altLang="en-US" dirty="0">
-              <a:latin typeface="+mj-ea"/>
-            </a:endParaRPr>
           </a:p>
         </p:txBody>
       </p:sp>
@@ -15853,13 +16002,13 @@
           <a:lstStyle/>
           <a:p>
             <a:r>
-              <a:rPr lang="zh-CN" altLang="en-US" dirty="0" smtClean="0">
+              <a:rPr lang="zh-CN" altLang="en-US" dirty="0">
                 <a:latin typeface="+mn-ea"/>
                 <a:ea typeface="+mn-ea"/>
               </a:rPr>
               <a:t>性能</a:t>
             </a:r>
-            <a:endParaRPr lang="en-US" altLang="zh-CN" dirty="0" smtClean="0">
+            <a:endParaRPr lang="en-US" altLang="zh-CN" dirty="0">
               <a:latin typeface="+mn-ea"/>
               <a:ea typeface="+mn-ea"/>
             </a:endParaRPr>
@@ -15875,13 +16024,6 @@
               </a:rPr>
               <a:t>安全性</a:t>
             </a:r>
-            <a:endParaRPr lang="zh-CN" altLang="en-US" dirty="0">
-              <a:solidFill>
-                <a:srgbClr val="C00000"/>
-              </a:solidFill>
-              <a:latin typeface="+mn-ea"/>
-              <a:ea typeface="+mn-ea"/>
-            </a:endParaRPr>
           </a:p>
         </p:txBody>
       </p:sp>
@@ -15895,13 +16037,6 @@
   <p:clrMapOvr>
     <a:masterClrMapping/>
   </p:clrMapOvr>
-  <p:timing>
-    <p:tnLst>
-      <p:par>
-        <p:cTn id="1" dur="indefinite" restart="never" nodeType="tmRoot"/>
-      </p:par>
-    </p:tnLst>
-  </p:timing>
 </p:sld>
 </file>
 
@@ -15938,20 +16073,17 @@
           <a:lstStyle/>
           <a:p>
             <a:r>
-              <a:rPr lang="en-US" altLang="zh-CN" dirty="0" smtClean="0">
+              <a:rPr lang="en-US" altLang="zh-CN" dirty="0">
                 <a:latin typeface="+mj-ea"/>
               </a:rPr>
               <a:t>Rust</a:t>
             </a:r>
             <a:r>
-              <a:rPr lang="zh-CN" altLang="en-US" dirty="0" smtClean="0">
+              <a:rPr lang="zh-CN" altLang="en-US" dirty="0">
                 <a:latin typeface="+mj-ea"/>
               </a:rPr>
               <a:t>简介</a:t>
             </a:r>
-            <a:endParaRPr lang="zh-CN" altLang="en-US" dirty="0">
-              <a:latin typeface="+mj-ea"/>
-            </a:endParaRPr>
           </a:p>
         </p:txBody>
       </p:sp>
@@ -15975,16 +16107,9 @@
                 <a:latin typeface="+mn-ea"/>
                 <a:ea typeface="+mn-ea"/>
               </a:rPr>
-              <a:t>相比于之前的系统编程语言必须是更加安全的、不易崩溃的，尤其是在操作内存</a:t>
-            </a:r>
-            <a:r>
-              <a:rPr lang="zh-CN" altLang="en-US" dirty="0" smtClean="0">
-                <a:latin typeface="+mn-ea"/>
-                <a:ea typeface="+mn-ea"/>
-              </a:rPr>
-              <a:t>时</a:t>
-            </a:r>
-            <a:endParaRPr lang="en-US" altLang="zh-CN" dirty="0" smtClean="0">
+              <a:t>相比于之前的系统编程语言必须是更加安全的、不易崩溃的，尤其是在操作内存时</a:t>
+            </a:r>
+            <a:endParaRPr lang="en-US" altLang="zh-CN" dirty="0">
               <a:latin typeface="+mn-ea"/>
               <a:ea typeface="+mn-ea"/>
             </a:endParaRPr>
@@ -15995,50 +16120,22 @@
                 <a:latin typeface="+mn-ea"/>
                 <a:ea typeface="+mn-ea"/>
               </a:rPr>
-              <a:t>不需要有垃圾回收系统，不能为了内存安全引入性能</a:t>
-            </a:r>
+              <a:t>不需要有垃圾回收系统，不能为了内存安全引入性能负担</a:t>
+            </a:r>
+            <a:endParaRPr lang="en-US" altLang="zh-CN" dirty="0">
+              <a:latin typeface="+mn-ea"/>
+              <a:ea typeface="+mn-ea"/>
+            </a:endParaRPr>
+          </a:p>
+          <a:p>
             <a:r>
               <a:rPr lang="zh-CN" altLang="en-US" dirty="0">
                 <a:latin typeface="+mn-ea"/>
                 <a:ea typeface="+mn-ea"/>
               </a:rPr>
-              <a:t>负担</a:t>
+              <a:t>不仅仅拥有一个主要特性、而应该拥有一系列广泛特性，这些特性之间又不缺乏一致性，这些特性之间可以很高的相互协作，从而使该语言更容易编写、维护和调试，让程序员写出更安全、更高效的代码</a:t>
             </a:r>
             <a:endParaRPr lang="en-US" altLang="zh-CN" dirty="0">
-              <a:latin typeface="+mn-ea"/>
-              <a:ea typeface="+mn-ea"/>
-            </a:endParaRPr>
-          </a:p>
-          <a:p>
-            <a:r>
-              <a:rPr lang="zh-CN" altLang="en-US" dirty="0">
-                <a:latin typeface="+mn-ea"/>
-                <a:ea typeface="+mn-ea"/>
-              </a:rPr>
-              <a:t>不仅仅拥有一个主要特性、而应该拥有一系列广泛特性，这些特性之间又不缺乏一致性，这些特性之间可以很高的相互协作，从而使该语言更容易编写、维护</a:t>
-            </a:r>
-            <a:r>
-              <a:rPr lang="zh-CN" altLang="en-US" dirty="0" smtClean="0">
-                <a:latin typeface="+mn-ea"/>
-                <a:ea typeface="+mn-ea"/>
-              </a:rPr>
-              <a:t>和调试</a:t>
-            </a:r>
-            <a:r>
-              <a:rPr lang="zh-CN" altLang="en-US" dirty="0">
-                <a:latin typeface="+mn-ea"/>
-                <a:ea typeface="+mn-ea"/>
-              </a:rPr>
-              <a:t>，让程序员写出更安全、更高效的</a:t>
-            </a:r>
-            <a:r>
-              <a:rPr lang="zh-CN" altLang="en-US" dirty="0" smtClean="0">
-                <a:latin typeface="+mn-ea"/>
-                <a:ea typeface="+mn-ea"/>
-              </a:rPr>
-              <a:t>代码</a:t>
-            </a:r>
-            <a:endParaRPr lang="en-US" altLang="zh-CN" dirty="0" smtClean="0">
               <a:latin typeface="+mn-ea"/>
               <a:ea typeface="+mn-ea"/>
             </a:endParaRPr>
@@ -16057,23 +16154,19 @@
               <a:buNone/>
             </a:pPr>
             <a:r>
-              <a:rPr lang="en-US" altLang="zh-CN" dirty="0" smtClean="0">
+              <a:rPr lang="en-US" altLang="zh-CN" dirty="0">
                 <a:latin typeface="+mn-ea"/>
                 <a:ea typeface="+mn-ea"/>
               </a:rPr>
               <a:t>//</a:t>
             </a:r>
             <a:r>
-              <a:rPr lang="zh-CN" altLang="en-US" dirty="0" smtClean="0">
+              <a:rPr lang="zh-CN" altLang="en-US" dirty="0">
                 <a:latin typeface="+mn-ea"/>
                 <a:ea typeface="+mn-ea"/>
               </a:rPr>
               <a:t>原文链接</a:t>
             </a:r>
-            <a:endParaRPr lang="zh-CN" altLang="en-US" dirty="0">
-              <a:latin typeface="+mn-ea"/>
-              <a:ea typeface="+mn-ea"/>
-            </a:endParaRPr>
           </a:p>
         </p:txBody>
       </p:sp>
@@ -16087,13 +16180,6 @@
   <p:clrMapOvr>
     <a:masterClrMapping/>
   </p:clrMapOvr>
-  <p:timing>
-    <p:tnLst>
-      <p:par>
-        <p:cTn id="1" dur="indefinite" restart="never" nodeType="tmRoot"/>
-      </p:par>
-    </p:tnLst>
-  </p:timing>
 </p:sld>
 </file>
 
@@ -16130,20 +16216,17 @@
           <a:lstStyle/>
           <a:p>
             <a:r>
-              <a:rPr lang="en-US" altLang="zh-CN" dirty="0" smtClean="0">
+              <a:rPr lang="en-US" altLang="zh-CN" dirty="0">
                 <a:latin typeface="+mj-ea"/>
               </a:rPr>
               <a:t>Rust</a:t>
             </a:r>
             <a:r>
-              <a:rPr lang="zh-CN" altLang="en-US" dirty="0" smtClean="0">
+              <a:rPr lang="zh-CN" altLang="en-US" dirty="0">
                 <a:latin typeface="+mj-ea"/>
               </a:rPr>
               <a:t>简介</a:t>
             </a:r>
-            <a:endParaRPr lang="zh-CN" altLang="en-US" dirty="0">
-              <a:latin typeface="+mj-ea"/>
-            </a:endParaRPr>
           </a:p>
         </p:txBody>
       </p:sp>
@@ -16163,24 +16246,23 @@
           <a:lstStyle/>
           <a:p>
             <a:r>
-              <a:rPr lang="zh-CN" altLang="en-US" dirty="0" smtClean="0"/>
+              <a:rPr lang="zh-CN" altLang="en-US" dirty="0"/>
               <a:t>内存安全</a:t>
             </a:r>
-            <a:endParaRPr lang="en-US" altLang="zh-CN" dirty="0" smtClean="0"/>
-          </a:p>
-          <a:p>
-            <a:r>
-              <a:rPr lang="zh-CN" altLang="en-US" dirty="0" smtClean="0"/>
+            <a:endParaRPr lang="en-US" altLang="zh-CN" dirty="0"/>
+          </a:p>
+          <a:p>
+            <a:r>
+              <a:rPr lang="zh-CN" altLang="en-US" dirty="0"/>
               <a:t>零成本抽象</a:t>
             </a:r>
-            <a:endParaRPr lang="en-US" altLang="zh-CN" dirty="0" smtClean="0"/>
-          </a:p>
-          <a:p>
-            <a:r>
-              <a:rPr lang="zh-CN" altLang="en-US" dirty="0" smtClean="0"/>
+            <a:endParaRPr lang="en-US" altLang="zh-CN" dirty="0"/>
+          </a:p>
+          <a:p>
+            <a:r>
+              <a:rPr lang="zh-CN" altLang="en-US" dirty="0"/>
               <a:t>实用性</a:t>
             </a:r>
-            <a:endParaRPr lang="zh-CN" altLang="en-US" dirty="0"/>
           </a:p>
         </p:txBody>
       </p:sp>
@@ -16194,13 +16276,6 @@
   <p:clrMapOvr>
     <a:masterClrMapping/>
   </p:clrMapOvr>
-  <p:timing>
-    <p:tnLst>
-      <p:par>
-        <p:cTn id="1" dur="indefinite" restart="never" nodeType="tmRoot"/>
-      </p:par>
-    </p:tnLst>
-  </p:timing>
 </p:sld>
 </file>
 
@@ -16237,20 +16312,17 @@
           <a:lstStyle/>
           <a:p>
             <a:r>
-              <a:rPr lang="en-US" altLang="zh-CN" dirty="0" smtClean="0">
+              <a:rPr lang="en-US" altLang="zh-CN" dirty="0">
                 <a:latin typeface="+mj-ea"/>
               </a:rPr>
               <a:t>Rust</a:t>
             </a:r>
             <a:r>
-              <a:rPr lang="zh-CN" altLang="en-US" dirty="0" smtClean="0">
+              <a:rPr lang="zh-CN" altLang="en-US" dirty="0">
                 <a:latin typeface="+mj-ea"/>
               </a:rPr>
               <a:t>简介</a:t>
             </a:r>
-            <a:endParaRPr lang="zh-CN" altLang="en-US" dirty="0">
-              <a:latin typeface="+mj-ea"/>
-            </a:endParaRPr>
           </a:p>
         </p:txBody>
       </p:sp>
@@ -16270,38 +16342,52 @@
           <a:lstStyle/>
           <a:p>
             <a:r>
-              <a:rPr lang="zh-CN" altLang="en-US" dirty="0" smtClean="0"/>
+              <a:rPr lang="zh-CN" altLang="en-US" dirty="0"/>
               <a:t>内存安全</a:t>
             </a:r>
-            <a:endParaRPr lang="en-US" altLang="zh-CN" dirty="0" smtClean="0"/>
+            <a:endParaRPr lang="en-US" altLang="zh-CN" dirty="0"/>
           </a:p>
           <a:p>
             <a:pPr marL="0" indent="0">
               <a:buNone/>
             </a:pPr>
             <a:r>
-              <a:rPr lang="en-US" altLang="zh-CN" dirty="0" smtClean="0"/>
+              <a:rPr lang="en-US" altLang="zh-CN" dirty="0"/>
               <a:t>	- </a:t>
             </a:r>
             <a:r>
-              <a:rPr lang="zh-CN" altLang="en-US" dirty="0" smtClean="0"/>
-              <a:t>常见内存不安全，内存分配，内存访问，内存回收</a:t>
-            </a:r>
-            <a:endParaRPr lang="en-US" altLang="zh-CN" dirty="0" smtClean="0"/>
+              <a:rPr lang="zh-CN" altLang="en-US" dirty="0"/>
+              <a:t>所有权</a:t>
+            </a:r>
+            <a:endParaRPr lang="en-US" altLang="zh-CN" dirty="0"/>
           </a:p>
           <a:p>
             <a:pPr marL="0" indent="0">
               <a:buNone/>
             </a:pPr>
             <a:r>
-              <a:rPr lang="en-US" altLang="zh-CN" dirty="0" smtClean="0"/>
-              <a:t>	- </a:t>
-            </a:r>
-            <a:r>
-              <a:rPr lang="zh-CN" altLang="en-US" dirty="0" smtClean="0"/>
-              <a:t>所有权、生命周期、复杂的内置类型</a:t>
-            </a:r>
-            <a:endParaRPr lang="en-US" altLang="zh-CN" dirty="0" smtClean="0"/>
+              <a:rPr lang="en-US" altLang="zh-CN" dirty="0"/>
+              <a:t>	-</a:t>
+            </a:r>
+            <a:r>
+              <a:rPr lang="zh-CN" altLang="en-US" dirty="0"/>
+              <a:t> 借用和生命周期</a:t>
+            </a:r>
+            <a:endParaRPr lang="en-US" altLang="zh-CN" dirty="0"/>
+          </a:p>
+          <a:p>
+            <a:pPr marL="0" indent="0">
+              <a:buNone/>
+            </a:pPr>
+            <a:r>
+              <a:rPr lang="en-US" altLang="zh-CN" dirty="0"/>
+              <a:t>	-</a:t>
+            </a:r>
+            <a:r>
+              <a:rPr lang="zh-CN" altLang="en-US" dirty="0"/>
+              <a:t> 复杂的内置类型</a:t>
+            </a:r>
+            <a:endParaRPr lang="en-US" altLang="zh-CN" dirty="0"/>
           </a:p>
         </p:txBody>
       </p:sp>
@@ -16315,13 +16401,6 @@
   <p:clrMapOvr>
     <a:masterClrMapping/>
   </p:clrMapOvr>
-  <p:timing>
-    <p:tnLst>
-      <p:par>
-        <p:cTn id="1" dur="indefinite" restart="never" nodeType="tmRoot"/>
-      </p:par>
-    </p:tnLst>
-  </p:timing>
 </p:sld>
 </file>
 

--- a/Rust调研.pptx
+++ b/Rust调研.pptx
@@ -5,23 +5,25 @@
     <p:sldMasterId id="2147483648" r:id="rId1"/>
   </p:sldMasterIdLst>
   <p:notesMasterIdLst>
-    <p:notesMasterId r:id="rId6"/>
+    <p:notesMasterId r:id="rId19"/>
   </p:notesMasterIdLst>
   <p:sldIdLst>
-    <p:sldId id="256" r:id="rId3"/>
-    <p:sldId id="257" r:id="rId4"/>
-    <p:sldId id="258" r:id="rId5"/>
-    <p:sldId id="259" r:id="rId7"/>
-    <p:sldId id="260" r:id="rId8"/>
-    <p:sldId id="262" r:id="rId9"/>
-    <p:sldId id="263" r:id="rId10"/>
-    <p:sldId id="264" r:id="rId11"/>
-    <p:sldId id="265" r:id="rId12"/>
-    <p:sldId id="266" r:id="rId13"/>
-    <p:sldId id="267" r:id="rId14"/>
-    <p:sldId id="269" r:id="rId15"/>
-    <p:sldId id="268" r:id="rId16"/>
-    <p:sldId id="270" r:id="rId17"/>
+    <p:sldId id="256" r:id="rId2"/>
+    <p:sldId id="257" r:id="rId3"/>
+    <p:sldId id="258" r:id="rId4"/>
+    <p:sldId id="259" r:id="rId5"/>
+    <p:sldId id="260" r:id="rId6"/>
+    <p:sldId id="262" r:id="rId7"/>
+    <p:sldId id="263" r:id="rId8"/>
+    <p:sldId id="264" r:id="rId9"/>
+    <p:sldId id="265" r:id="rId10"/>
+    <p:sldId id="266" r:id="rId11"/>
+    <p:sldId id="267" r:id="rId12"/>
+    <p:sldId id="269" r:id="rId13"/>
+    <p:sldId id="268" r:id="rId14"/>
+    <p:sldId id="274" r:id="rId15"/>
+    <p:sldId id="271" r:id="rId16"/>
+    <p:sldId id="273" r:id="rId17"/>
     <p:sldId id="261" r:id="rId18"/>
   </p:sldIdLst>
   <p:sldSz cx="12192000" cy="6858000"/>
@@ -121,11 +123,16 @@
       </a:defRPr>
     </a:lvl9pPr>
   </p:defaultTextStyle>
+  <p:extLst>
+    <p:ext uri="{EFAFB233-063F-42B5-8137-9DF3F51BA10A}">
+      <p15:sldGuideLst xmlns:p15="http://schemas.microsoft.com/office/powerpoint/2012/main"/>
+    </p:ext>
+  </p:extLst>
 </p:presentation>
 </file>
 
 <file path=ppt/diagrams/colors1.xml><?xml version="1.0" encoding="utf-8"?>
-<dgm:colorsDef xmlns:dgm="http://schemas.openxmlformats.org/drawingml/2006/diagram" xmlns:a="http://schemas.openxmlformats.org/drawingml/2006/main" uniqueId="urn:microsoft.com/office/officeart/2005/8/colors/accent1_2">
+<dgm:colorsDef xmlns:dgm="http://schemas.openxmlformats.org/drawingml/2006/diagram" xmlns:a="http://schemas.openxmlformats.org/drawingml/2006/main" uniqueId="urn:microsoft.com/office/officeart/2005/8/colors/accent1_2#1">
   <dgm:title val=""/>
   <dgm:desc val=""/>
   <dgm:catLst>
@@ -872,7 +879,7 @@
 </file>
 
 <file path=ppt/diagrams/colors2.xml><?xml version="1.0" encoding="utf-8"?>
-<dgm:colorsDef xmlns:dgm="http://schemas.openxmlformats.org/drawingml/2006/diagram" xmlns:a="http://schemas.openxmlformats.org/drawingml/2006/main" uniqueId="urn:microsoft.com/office/officeart/2005/8/colors/accent1_2">
+<dgm:colorsDef xmlns:dgm="http://schemas.openxmlformats.org/drawingml/2006/diagram" xmlns:a="http://schemas.openxmlformats.org/drawingml/2006/main" uniqueId="urn:microsoft.com/office/officeart/2005/8/colors/accent1_2#2">
   <dgm:title val=""/>
   <dgm:desc val=""/>
   <dgm:catLst>
@@ -1622,7 +1629,7 @@
 <dgm:dataModel xmlns:dgm="http://schemas.openxmlformats.org/drawingml/2006/diagram" xmlns:a="http://schemas.openxmlformats.org/drawingml/2006/main">
   <dgm:ptLst>
     <dgm:pt modelId="{983286CE-446A-4F9B-82B0-C597E376277A}" type="doc">
-      <dgm:prSet loTypeId="urn:microsoft.com/office/officeart/2005/8/layout/vList2" loCatId="list" qsTypeId="urn:microsoft.com/office/officeart/2005/8/quickstyle/simple1" qsCatId="simple" csTypeId="urn:microsoft.com/office/officeart/2005/8/colors/accent1_2" csCatId="accent1" phldr="1"/>
+      <dgm:prSet loTypeId="urn:microsoft.com/office/officeart/2005/8/layout/vList2#1" loCatId="list" qsTypeId="urn:microsoft.com/office/officeart/2005/8/quickstyle/simple1#1" qsCatId="simple" csTypeId="urn:microsoft.com/office/officeart/2005/8/colors/accent1_2#1" csCatId="accent1" phldr="1"/>
       <dgm:spPr/>
       <dgm:t>
         <a:bodyPr/>
@@ -1656,7 +1663,7 @@
         </a:p>
       </dgm:t>
     </dgm:pt>
-    <dgm:pt modelId="{580E44D2-1069-4E90-B4E1-E2161A1E1108}" cxnId="{78230898-919F-4988-94BC-F64D1D034AA2}" type="parTrans">
+    <dgm:pt modelId="{580E44D2-1069-4E90-B4E1-E2161A1E1108}" type="parTrans" cxnId="{78230898-919F-4988-94BC-F64D1D034AA2}">
       <dgm:prSet/>
       <dgm:spPr/>
       <dgm:t>
@@ -1667,7 +1674,7 @@
         </a:p>
       </dgm:t>
     </dgm:pt>
-    <dgm:pt modelId="{AC7099AB-1E01-47DC-BA2D-DD27D03B1C41}" cxnId="{78230898-919F-4988-94BC-F64D1D034AA2}" type="sibTrans">
+    <dgm:pt modelId="{AC7099AB-1E01-47DC-BA2D-DD27D03B1C41}" type="sibTrans" cxnId="{78230898-919F-4988-94BC-F64D1D034AA2}">
       <dgm:prSet/>
       <dgm:spPr/>
       <dgm:t>
@@ -1702,7 +1709,7 @@
         </a:p>
       </dgm:t>
     </dgm:pt>
-    <dgm:pt modelId="{4C256AA1-00E3-42AF-8686-F3F5BD3A6D8E}" cxnId="{001B09BD-1EE7-45B4-A4A2-FBE3F423B147}" type="parTrans">
+    <dgm:pt modelId="{4C256AA1-00E3-42AF-8686-F3F5BD3A6D8E}" type="parTrans" cxnId="{001B09BD-1EE7-45B4-A4A2-FBE3F423B147}">
       <dgm:prSet/>
       <dgm:spPr/>
       <dgm:t>
@@ -1713,7 +1720,7 @@
         </a:p>
       </dgm:t>
     </dgm:pt>
-    <dgm:pt modelId="{EED0CDDD-B020-4FD8-A38E-EDE72BF2251A}" cxnId="{001B09BD-1EE7-45B4-A4A2-FBE3F423B147}" type="sibTrans">
+    <dgm:pt modelId="{EED0CDDD-B020-4FD8-A38E-EDE72BF2251A}" type="sibTrans" cxnId="{001B09BD-1EE7-45B4-A4A2-FBE3F423B147}">
       <dgm:prSet/>
       <dgm:spPr/>
       <dgm:t>
@@ -1748,7 +1755,7 @@
         </a:p>
       </dgm:t>
     </dgm:pt>
-    <dgm:pt modelId="{7038D7A3-2B0D-42EA-B318-25A26AE5CCBE}" cxnId="{4AC01F2F-0761-439D-8B66-7C7C4D6031FF}" type="parTrans">
+    <dgm:pt modelId="{7038D7A3-2B0D-42EA-B318-25A26AE5CCBE}" type="parTrans" cxnId="{4AC01F2F-0761-439D-8B66-7C7C4D6031FF}">
       <dgm:prSet/>
       <dgm:spPr/>
       <dgm:t>
@@ -1759,7 +1766,7 @@
         </a:p>
       </dgm:t>
     </dgm:pt>
-    <dgm:pt modelId="{DDE96CFA-41D1-4124-A0B0-3869E1D6CAE7}" cxnId="{4AC01F2F-0761-439D-8B66-7C7C4D6031FF}" type="sibTrans">
+    <dgm:pt modelId="{DDE96CFA-41D1-4124-A0B0-3869E1D6CAE7}" type="sibTrans" cxnId="{4AC01F2F-0761-439D-8B66-7C7C4D6031FF}">
       <dgm:prSet/>
       <dgm:spPr/>
       <dgm:t>
@@ -1844,24 +1851,24 @@
     </dgm:pt>
   </dgm:ptLst>
   <dgm:cxnLst>
-    <dgm:cxn modelId="{3D482F73-3623-4871-9951-FB2B52BF89FC}" type="presOf" srcId="{80DEAACB-5F6F-4EA6-92A9-8525E6E4DC15}" destId="{B0DCA04B-0357-4F0A-853C-C3FA4952347E}" srcOrd="0" destOrd="0" presId="urn:microsoft.com/office/officeart/2005/8/layout/vList2"/>
+    <dgm:cxn modelId="{3D482F73-3623-4871-9951-FB2B52BF89FC}" type="presOf" srcId="{80DEAACB-5F6F-4EA6-92A9-8525E6E4DC15}" destId="{B0DCA04B-0357-4F0A-853C-C3FA4952347E}" srcOrd="0" destOrd="0" presId="urn:microsoft.com/office/officeart/2005/8/layout/vList2#1"/>
     <dgm:cxn modelId="{001B09BD-1EE7-45B4-A4A2-FBE3F423B147}" srcId="{983286CE-446A-4F9B-82B0-C597E376277A}" destId="{13B5A9A5-5A4B-468B-943F-943880A5A861}" srcOrd="1" destOrd="0" parTransId="{4C256AA1-00E3-42AF-8686-F3F5BD3A6D8E}" sibTransId="{EED0CDDD-B020-4FD8-A38E-EDE72BF2251A}"/>
-    <dgm:cxn modelId="{D860AAE7-63F3-4CE3-9ACB-6F50A2645D08}" type="presOf" srcId="{13B5A9A5-5A4B-468B-943F-943880A5A861}" destId="{17FA72BE-E120-4DB5-9241-680132CD847B}" srcOrd="0" destOrd="0" presId="urn:microsoft.com/office/officeart/2005/8/layout/vList2"/>
-    <dgm:cxn modelId="{5769F26A-F05F-432E-A164-48E79F01FB36}" type="presOf" srcId="{983286CE-446A-4F9B-82B0-C597E376277A}" destId="{C6D428E2-0DD2-431B-B55E-5C6E57D8CBF6}" srcOrd="0" destOrd="0" presId="urn:microsoft.com/office/officeart/2005/8/layout/vList2"/>
-    <dgm:cxn modelId="{64EE26AB-CB67-4C46-B18F-2CD5B73A4BD1}" type="presOf" srcId="{2B826EB9-6DF8-4AD2-B07A-78651F72AE56}" destId="{C89A32A6-75B1-4B69-B952-545EFE2CBD58}" srcOrd="0" destOrd="0" presId="urn:microsoft.com/office/officeart/2005/8/layout/vList2"/>
+    <dgm:cxn modelId="{D860AAE7-63F3-4CE3-9ACB-6F50A2645D08}" type="presOf" srcId="{13B5A9A5-5A4B-468B-943F-943880A5A861}" destId="{17FA72BE-E120-4DB5-9241-680132CD847B}" srcOrd="0" destOrd="0" presId="urn:microsoft.com/office/officeart/2005/8/layout/vList2#1"/>
+    <dgm:cxn modelId="{5769F26A-F05F-432E-A164-48E79F01FB36}" type="presOf" srcId="{983286CE-446A-4F9B-82B0-C597E376277A}" destId="{C6D428E2-0DD2-431B-B55E-5C6E57D8CBF6}" srcOrd="0" destOrd="0" presId="urn:microsoft.com/office/officeart/2005/8/layout/vList2#1"/>
+    <dgm:cxn modelId="{64EE26AB-CB67-4C46-B18F-2CD5B73A4BD1}" type="presOf" srcId="{2B826EB9-6DF8-4AD2-B07A-78651F72AE56}" destId="{C89A32A6-75B1-4B69-B952-545EFE2CBD58}" srcOrd="0" destOrd="0" presId="urn:microsoft.com/office/officeart/2005/8/layout/vList2#1"/>
     <dgm:cxn modelId="{78230898-919F-4988-94BC-F64D1D034AA2}" srcId="{983286CE-446A-4F9B-82B0-C597E376277A}" destId="{2B826EB9-6DF8-4AD2-B07A-78651F72AE56}" srcOrd="0" destOrd="0" parTransId="{580E44D2-1069-4E90-B4E1-E2161A1E1108}" sibTransId="{AC7099AB-1E01-47DC-BA2D-DD27D03B1C41}"/>
     <dgm:cxn modelId="{4AC01F2F-0761-439D-8B66-7C7C4D6031FF}" srcId="{983286CE-446A-4F9B-82B0-C597E376277A}" destId="{80DEAACB-5F6F-4EA6-92A9-8525E6E4DC15}" srcOrd="2" destOrd="0" parTransId="{7038D7A3-2B0D-42EA-B318-25A26AE5CCBE}" sibTransId="{DDE96CFA-41D1-4124-A0B0-3869E1D6CAE7}"/>
-    <dgm:cxn modelId="{F4D548B1-0358-484F-9145-325AF0FF04CC}" type="presParOf" srcId="{C6D428E2-0DD2-431B-B55E-5C6E57D8CBF6}" destId="{C89A32A6-75B1-4B69-B952-545EFE2CBD58}" srcOrd="0" destOrd="0" presId="urn:microsoft.com/office/officeart/2005/8/layout/vList2"/>
-    <dgm:cxn modelId="{EE03DAE9-4F0C-4A37-A424-4A34D30BA6E2}" type="presParOf" srcId="{C6D428E2-0DD2-431B-B55E-5C6E57D8CBF6}" destId="{C0DFBEE6-DEB2-4B94-BFBE-D473B250490E}" srcOrd="1" destOrd="0" presId="urn:microsoft.com/office/officeart/2005/8/layout/vList2"/>
-    <dgm:cxn modelId="{BBDC4185-26A1-49B9-8D2E-A0F372C1A8E8}" type="presParOf" srcId="{C6D428E2-0DD2-431B-B55E-5C6E57D8CBF6}" destId="{17FA72BE-E120-4DB5-9241-680132CD847B}" srcOrd="2" destOrd="0" presId="urn:microsoft.com/office/officeart/2005/8/layout/vList2"/>
-    <dgm:cxn modelId="{63CD73E5-C464-46BF-AA55-358DBDDC3ACE}" type="presParOf" srcId="{C6D428E2-0DD2-431B-B55E-5C6E57D8CBF6}" destId="{B2F7EED2-3919-4E53-80B5-69A7987E9659}" srcOrd="3" destOrd="0" presId="urn:microsoft.com/office/officeart/2005/8/layout/vList2"/>
-    <dgm:cxn modelId="{36AF23EF-A3C8-4C88-A280-E511E432EE8D}" type="presParOf" srcId="{C6D428E2-0DD2-431B-B55E-5C6E57D8CBF6}" destId="{B0DCA04B-0357-4F0A-853C-C3FA4952347E}" srcOrd="4" destOrd="0" presId="urn:microsoft.com/office/officeart/2005/8/layout/vList2"/>
+    <dgm:cxn modelId="{F4D548B1-0358-484F-9145-325AF0FF04CC}" type="presParOf" srcId="{C6D428E2-0DD2-431B-B55E-5C6E57D8CBF6}" destId="{C89A32A6-75B1-4B69-B952-545EFE2CBD58}" srcOrd="0" destOrd="0" presId="urn:microsoft.com/office/officeart/2005/8/layout/vList2#1"/>
+    <dgm:cxn modelId="{EE03DAE9-4F0C-4A37-A424-4A34D30BA6E2}" type="presParOf" srcId="{C6D428E2-0DD2-431B-B55E-5C6E57D8CBF6}" destId="{C0DFBEE6-DEB2-4B94-BFBE-D473B250490E}" srcOrd="1" destOrd="0" presId="urn:microsoft.com/office/officeart/2005/8/layout/vList2#1"/>
+    <dgm:cxn modelId="{BBDC4185-26A1-49B9-8D2E-A0F372C1A8E8}" type="presParOf" srcId="{C6D428E2-0DD2-431B-B55E-5C6E57D8CBF6}" destId="{17FA72BE-E120-4DB5-9241-680132CD847B}" srcOrd="2" destOrd="0" presId="urn:microsoft.com/office/officeart/2005/8/layout/vList2#1"/>
+    <dgm:cxn modelId="{63CD73E5-C464-46BF-AA55-358DBDDC3ACE}" type="presParOf" srcId="{C6D428E2-0DD2-431B-B55E-5C6E57D8CBF6}" destId="{B2F7EED2-3919-4E53-80B5-69A7987E9659}" srcOrd="3" destOrd="0" presId="urn:microsoft.com/office/officeart/2005/8/layout/vList2#1"/>
+    <dgm:cxn modelId="{36AF23EF-A3C8-4C88-A280-E511E432EE8D}" type="presParOf" srcId="{C6D428E2-0DD2-431B-B55E-5C6E57D8CBF6}" destId="{B0DCA04B-0357-4F0A-853C-C3FA4952347E}" srcOrd="4" destOrd="0" presId="urn:microsoft.com/office/officeart/2005/8/layout/vList2#1"/>
   </dgm:cxnLst>
   <dgm:bg/>
   <dgm:whole/>
   <dgm:extLst>
     <a:ext uri="http://schemas.microsoft.com/office/drawing/2008/diagram">
-      <dsp:dataModelExt xmlns:dsp="http://schemas.microsoft.com/office/drawing/2008/diagram" relId="rId5" minVer="http://schemas.openxmlformats.org/drawingml/2006/diagram"/>
+      <dsp:dataModelExt xmlns:dsp="http://schemas.microsoft.com/office/drawing/2008/diagram" relId="rId6" minVer="http://schemas.openxmlformats.org/drawingml/2006/diagram"/>
     </a:ext>
   </dgm:extLst>
 </dgm:dataModel>
@@ -1871,7 +1878,7 @@
 <dgm:dataModel xmlns:dgm="http://schemas.openxmlformats.org/drawingml/2006/diagram" xmlns:a="http://schemas.openxmlformats.org/drawingml/2006/main">
   <dgm:ptLst>
     <dgm:pt modelId="{010C7CB2-6680-4E4A-B99C-904D2B60123A}" type="doc">
-      <dgm:prSet loTypeId="urn:microsoft.com/office/officeart/2005/8/layout/arrow2" loCatId="process" qsTypeId="urn:microsoft.com/office/officeart/2005/8/quickstyle/simple1" qsCatId="simple" csTypeId="urn:microsoft.com/office/officeart/2005/8/colors/accent1_2" csCatId="accent1" phldr="1"/>
+      <dgm:prSet loTypeId="urn:microsoft.com/office/officeart/2005/8/layout/arrow2#1" loCatId="process" qsTypeId="urn:microsoft.com/office/officeart/2005/8/quickstyle/simple1#2" qsCatId="simple" csTypeId="urn:microsoft.com/office/officeart/2005/8/colors/accent1_2#2" csCatId="accent1" phldr="1"/>
       <dgm:spPr/>
     </dgm:pt>
     <dgm:pt modelId="{CA17F39D-21AC-4D46-8CC5-ABA9AF7C0832}">
@@ -1919,7 +1926,7 @@
         </a:p>
       </dgm:t>
     </dgm:pt>
-    <dgm:pt modelId="{D5DB9D9D-5FAC-4A22-966D-AAFBB446676C}" cxnId="{E69C9D86-10F9-4460-996A-8D48D9E1ED31}" type="parTrans">
+    <dgm:pt modelId="{D5DB9D9D-5FAC-4A22-966D-AAFBB446676C}" type="parTrans" cxnId="{E69C9D86-10F9-4460-996A-8D48D9E1ED31}">
       <dgm:prSet/>
       <dgm:spPr/>
       <dgm:t>
@@ -1930,7 +1937,7 @@
         </a:p>
       </dgm:t>
     </dgm:pt>
-    <dgm:pt modelId="{AC64B6D3-7F3B-48C1-BEA8-3E52CBB01AF7}" cxnId="{E69C9D86-10F9-4460-996A-8D48D9E1ED31}" type="sibTrans">
+    <dgm:pt modelId="{AC64B6D3-7F3B-48C1-BEA8-3E52CBB01AF7}" type="sibTrans" cxnId="{E69C9D86-10F9-4460-996A-8D48D9E1ED31}">
       <dgm:prSet/>
       <dgm:spPr/>
       <dgm:t>
@@ -1980,7 +1987,7 @@
         </a:p>
       </dgm:t>
     </dgm:pt>
-    <dgm:pt modelId="{6A931022-86ED-44CE-A8F3-6F5970BC8A4F}" cxnId="{AF1808A2-E295-431C-9AE2-BA66B8B4C9BB}" type="parTrans">
+    <dgm:pt modelId="{6A931022-86ED-44CE-A8F3-6F5970BC8A4F}" type="parTrans" cxnId="{AF1808A2-E295-431C-9AE2-BA66B8B4C9BB}">
       <dgm:prSet/>
       <dgm:spPr/>
       <dgm:t>
@@ -1991,7 +1998,7 @@
         </a:p>
       </dgm:t>
     </dgm:pt>
-    <dgm:pt modelId="{13553A33-036B-48BC-8252-E72241F5CC7B}" cxnId="{AF1808A2-E295-431C-9AE2-BA66B8B4C9BB}" type="sibTrans">
+    <dgm:pt modelId="{13553A33-036B-48BC-8252-E72241F5CC7B}" type="sibTrans" cxnId="{AF1808A2-E295-431C-9AE2-BA66B8B4C9BB}">
       <dgm:prSet/>
       <dgm:spPr/>
       <dgm:t>
@@ -2026,7 +2033,7 @@
         </a:p>
       </dgm:t>
     </dgm:pt>
-    <dgm:pt modelId="{A1EE81A5-DFA1-4A41-96CB-C98FDE5D4342}" cxnId="{C640ACF4-50BE-4BE6-9F9C-C4B388C055FE}" type="parTrans">
+    <dgm:pt modelId="{A1EE81A5-DFA1-4A41-96CB-C98FDE5D4342}" type="parTrans" cxnId="{C640ACF4-50BE-4BE6-9F9C-C4B388C055FE}">
       <dgm:prSet/>
       <dgm:spPr/>
       <dgm:t>
@@ -2037,7 +2044,7 @@
         </a:p>
       </dgm:t>
     </dgm:pt>
-    <dgm:pt modelId="{1609F81C-788F-4D96-B7D6-9ACFA791CFBD}" cxnId="{C640ACF4-50BE-4BE6-9F9C-C4B388C055FE}" type="sibTrans">
+    <dgm:pt modelId="{1609F81C-788F-4D96-B7D6-9ACFA791CFBD}" type="sibTrans" cxnId="{C640ACF4-50BE-4BE6-9F9C-C4B388C055FE}">
       <dgm:prSet/>
       <dgm:spPr/>
       <dgm:t>
@@ -2059,7 +2066,7 @@
         </a:p>
       </dgm:t>
     </dgm:pt>
-    <dgm:pt modelId="{F31237F8-2C1E-4A97-987C-5EBC7AC41DF2}" cxnId="{A9D31B76-6787-4604-B0CB-E54AF772DE78}" type="parTrans">
+    <dgm:pt modelId="{F31237F8-2C1E-4A97-987C-5EBC7AC41DF2}" type="parTrans" cxnId="{A9D31B76-6787-4604-B0CB-E54AF772DE78}">
       <dgm:prSet/>
       <dgm:spPr/>
       <dgm:t>
@@ -2070,7 +2077,7 @@
         </a:p>
       </dgm:t>
     </dgm:pt>
-    <dgm:pt modelId="{9D110154-9C19-4CEC-AD19-BACD229A2E04}" cxnId="{A9D31B76-6787-4604-B0CB-E54AF772DE78}" type="sibTrans">
+    <dgm:pt modelId="{9D110154-9C19-4CEC-AD19-BACD229A2E04}" type="sibTrans" cxnId="{A9D31B76-6787-4604-B0CB-E54AF772DE78}">
       <dgm:prSet/>
       <dgm:spPr/>
       <dgm:t>
@@ -2092,7 +2099,7 @@
         </a:p>
       </dgm:t>
     </dgm:pt>
-    <dgm:pt modelId="{A1AAAABF-059D-49D5-8F33-DCF02BA1E07C}" cxnId="{D2012F15-BC57-44A7-9679-AF40EDA1B2D9}" type="parTrans">
+    <dgm:pt modelId="{A1AAAABF-059D-49D5-8F33-DCF02BA1E07C}" type="parTrans" cxnId="{D2012F15-BC57-44A7-9679-AF40EDA1B2D9}">
       <dgm:prSet/>
       <dgm:spPr/>
       <dgm:t>
@@ -2103,7 +2110,7 @@
         </a:p>
       </dgm:t>
     </dgm:pt>
-    <dgm:pt modelId="{71FD7C62-CF7B-46B1-9311-268DC14A93AB}" cxnId="{D2012F15-BC57-44A7-9679-AF40EDA1B2D9}" type="sibTrans">
+    <dgm:pt modelId="{71FD7C62-CF7B-46B1-9311-268DC14A93AB}" type="sibTrans" cxnId="{D2012F15-BC57-44A7-9679-AF40EDA1B2D9}">
       <dgm:prSet/>
       <dgm:spPr/>
       <dgm:t>
@@ -2230,74 +2237,87 @@
   </dgm:ptLst>
   <dgm:cxnLst>
     <dgm:cxn modelId="{AF1808A2-E295-431C-9AE2-BA66B8B4C9BB}" srcId="{010C7CB2-6680-4E4A-B99C-904D2B60123A}" destId="{807451BD-516C-4176-BD47-20B11B7816F9}" srcOrd="1" destOrd="0" parTransId="{6A931022-86ED-44CE-A8F3-6F5970BC8A4F}" sibTransId="{13553A33-036B-48BC-8252-E72241F5CC7B}"/>
-    <dgm:cxn modelId="{89415093-FD29-45AE-BE98-5B6B5FA06581}" type="presOf" srcId="{A7FC8F27-AE57-4E5A-8BF1-6E51BEBB9A97}" destId="{1B0A9E80-58E0-4F1B-9807-0D08965C64F9}" srcOrd="0" destOrd="0" presId="urn:microsoft.com/office/officeart/2005/8/layout/arrow2"/>
+    <dgm:cxn modelId="{89415093-FD29-45AE-BE98-5B6B5FA06581}" type="presOf" srcId="{A7FC8F27-AE57-4E5A-8BF1-6E51BEBB9A97}" destId="{1B0A9E80-58E0-4F1B-9807-0D08965C64F9}" srcOrd="0" destOrd="0" presId="urn:microsoft.com/office/officeart/2005/8/layout/arrow2#1"/>
     <dgm:cxn modelId="{D2012F15-BC57-44A7-9679-AF40EDA1B2D9}" srcId="{010C7CB2-6680-4E4A-B99C-904D2B60123A}" destId="{EA84B3FE-F761-4145-A323-DA94E7416C41}" srcOrd="4" destOrd="0" parTransId="{A1AAAABF-059D-49D5-8F33-DCF02BA1E07C}" sibTransId="{71FD7C62-CF7B-46B1-9311-268DC14A93AB}"/>
-    <dgm:cxn modelId="{104E9A3A-16AE-4B25-869A-07BE70439283}" type="presOf" srcId="{EA84B3FE-F761-4145-A323-DA94E7416C41}" destId="{4BB30F82-E3F8-4F78-9892-353560ECF66A}" srcOrd="0" destOrd="0" presId="urn:microsoft.com/office/officeart/2005/8/layout/arrow2"/>
+    <dgm:cxn modelId="{104E9A3A-16AE-4B25-869A-07BE70439283}" type="presOf" srcId="{EA84B3FE-F761-4145-A323-DA94E7416C41}" destId="{4BB30F82-E3F8-4F78-9892-353560ECF66A}" srcOrd="0" destOrd="0" presId="urn:microsoft.com/office/officeart/2005/8/layout/arrow2#1"/>
     <dgm:cxn modelId="{E69C9D86-10F9-4460-996A-8D48D9E1ED31}" srcId="{010C7CB2-6680-4E4A-B99C-904D2B60123A}" destId="{CA17F39D-21AC-4D46-8CC5-ABA9AF7C0832}" srcOrd="0" destOrd="0" parTransId="{D5DB9D9D-5FAC-4A22-966D-AAFBB446676C}" sibTransId="{AC64B6D3-7F3B-48C1-BEA8-3E52CBB01AF7}"/>
-    <dgm:cxn modelId="{D84B6AF6-02C5-46A2-AFFC-819B87D4DC98}" type="presOf" srcId="{CA17F39D-21AC-4D46-8CC5-ABA9AF7C0832}" destId="{50D9E917-3DAC-4A3F-A991-42B18DBC85AC}" srcOrd="0" destOrd="0" presId="urn:microsoft.com/office/officeart/2005/8/layout/arrow2"/>
+    <dgm:cxn modelId="{D84B6AF6-02C5-46A2-AFFC-819B87D4DC98}" type="presOf" srcId="{CA17F39D-21AC-4D46-8CC5-ABA9AF7C0832}" destId="{50D9E917-3DAC-4A3F-A991-42B18DBC85AC}" srcOrd="0" destOrd="0" presId="urn:microsoft.com/office/officeart/2005/8/layout/arrow2#1"/>
     <dgm:cxn modelId="{A9D31B76-6787-4604-B0CB-E54AF772DE78}" srcId="{010C7CB2-6680-4E4A-B99C-904D2B60123A}" destId="{5D977A63-015C-4457-9C71-1E9F8E27AE65}" srcOrd="3" destOrd="0" parTransId="{F31237F8-2C1E-4A97-987C-5EBC7AC41DF2}" sibTransId="{9D110154-9C19-4CEC-AD19-BACD229A2E04}"/>
-    <dgm:cxn modelId="{A1D56B4E-4908-49E0-A6B0-057C2615405C}" type="presOf" srcId="{807451BD-516C-4176-BD47-20B11B7816F9}" destId="{3331BA0B-0227-44E7-A0EE-96E9667A38C5}" srcOrd="0" destOrd="0" presId="urn:microsoft.com/office/officeart/2005/8/layout/arrow2"/>
+    <dgm:cxn modelId="{A1D56B4E-4908-49E0-A6B0-057C2615405C}" type="presOf" srcId="{807451BD-516C-4176-BD47-20B11B7816F9}" destId="{3331BA0B-0227-44E7-A0EE-96E9667A38C5}" srcOrd="0" destOrd="0" presId="urn:microsoft.com/office/officeart/2005/8/layout/arrow2#1"/>
     <dgm:cxn modelId="{C640ACF4-50BE-4BE6-9F9C-C4B388C055FE}" srcId="{010C7CB2-6680-4E4A-B99C-904D2B60123A}" destId="{A7FC8F27-AE57-4E5A-8BF1-6E51BEBB9A97}" srcOrd="2" destOrd="0" parTransId="{A1EE81A5-DFA1-4A41-96CB-C98FDE5D4342}" sibTransId="{1609F81C-788F-4D96-B7D6-9ACFA791CFBD}"/>
-    <dgm:cxn modelId="{C3EE8304-0352-4665-9347-B24493694F05}" type="presOf" srcId="{010C7CB2-6680-4E4A-B99C-904D2B60123A}" destId="{1EB3CED2-957E-40BD-A56F-57393C9FF364}" srcOrd="0" destOrd="0" presId="urn:microsoft.com/office/officeart/2005/8/layout/arrow2"/>
-    <dgm:cxn modelId="{E39C5110-9A7D-4E33-BFDF-BD241938E1AB}" type="presOf" srcId="{5D977A63-015C-4457-9C71-1E9F8E27AE65}" destId="{A6A60C68-6B48-400D-989E-41B3A837A146}" srcOrd="0" destOrd="0" presId="urn:microsoft.com/office/officeart/2005/8/layout/arrow2"/>
-    <dgm:cxn modelId="{530751A9-CF94-48AC-990C-8F470424BE8E}" type="presParOf" srcId="{1EB3CED2-957E-40BD-A56F-57393C9FF364}" destId="{B52F97A3-79D9-45C4-B3F2-1FABD14756C8}" srcOrd="0" destOrd="0" presId="urn:microsoft.com/office/officeart/2005/8/layout/arrow2"/>
-    <dgm:cxn modelId="{4F520754-8214-4EA4-B208-6BF588CDF050}" type="presParOf" srcId="{1EB3CED2-957E-40BD-A56F-57393C9FF364}" destId="{0ED4371F-C365-4F9C-8288-D1A5FCE88F2E}" srcOrd="1" destOrd="0" presId="urn:microsoft.com/office/officeart/2005/8/layout/arrow2"/>
-    <dgm:cxn modelId="{D82AA037-FD9D-4A1D-B344-B0AB6BD4C180}" type="presParOf" srcId="{0ED4371F-C365-4F9C-8288-D1A5FCE88F2E}" destId="{E01A1116-EEF5-40F3-A1AB-5B2152D30435}" srcOrd="0" destOrd="0" presId="urn:microsoft.com/office/officeart/2005/8/layout/arrow2"/>
-    <dgm:cxn modelId="{FAF03F43-B249-46E1-A5FF-C3840010A49E}" type="presParOf" srcId="{0ED4371F-C365-4F9C-8288-D1A5FCE88F2E}" destId="{50D9E917-3DAC-4A3F-A991-42B18DBC85AC}" srcOrd="1" destOrd="0" presId="urn:microsoft.com/office/officeart/2005/8/layout/arrow2"/>
-    <dgm:cxn modelId="{547007CC-3A89-406F-8ED4-AEC4E5C1A43E}" type="presParOf" srcId="{0ED4371F-C365-4F9C-8288-D1A5FCE88F2E}" destId="{E1D17602-9636-4444-8F4C-4B133495B27E}" srcOrd="2" destOrd="0" presId="urn:microsoft.com/office/officeart/2005/8/layout/arrow2"/>
-    <dgm:cxn modelId="{2CD86A65-F376-4CE0-B2C3-7318066DD70B}" type="presParOf" srcId="{0ED4371F-C365-4F9C-8288-D1A5FCE88F2E}" destId="{3331BA0B-0227-44E7-A0EE-96E9667A38C5}" srcOrd="3" destOrd="0" presId="urn:microsoft.com/office/officeart/2005/8/layout/arrow2"/>
-    <dgm:cxn modelId="{651E8606-D8CF-4809-93BD-92FFF0EF4BDB}" type="presParOf" srcId="{0ED4371F-C365-4F9C-8288-D1A5FCE88F2E}" destId="{52320FAD-E02B-4695-8C9D-F7B2E412DB02}" srcOrd="4" destOrd="0" presId="urn:microsoft.com/office/officeart/2005/8/layout/arrow2"/>
-    <dgm:cxn modelId="{40FFF57C-8B89-4911-8B5A-BBDB84E733D6}" type="presParOf" srcId="{0ED4371F-C365-4F9C-8288-D1A5FCE88F2E}" destId="{1B0A9E80-58E0-4F1B-9807-0D08965C64F9}" srcOrd="5" destOrd="0" presId="urn:microsoft.com/office/officeart/2005/8/layout/arrow2"/>
-    <dgm:cxn modelId="{02DA011A-CB07-4880-9804-B0A61689E69C}" type="presParOf" srcId="{0ED4371F-C365-4F9C-8288-D1A5FCE88F2E}" destId="{11C52DA7-38F9-42BA-86EC-E1190751B3A9}" srcOrd="6" destOrd="0" presId="urn:microsoft.com/office/officeart/2005/8/layout/arrow2"/>
-    <dgm:cxn modelId="{3F990F65-B26F-4D31-AB06-3EC62A249CCD}" type="presParOf" srcId="{0ED4371F-C365-4F9C-8288-D1A5FCE88F2E}" destId="{A6A60C68-6B48-400D-989E-41B3A837A146}" srcOrd="7" destOrd="0" presId="urn:microsoft.com/office/officeart/2005/8/layout/arrow2"/>
-    <dgm:cxn modelId="{565FE320-6D1B-47CF-9062-C82373CE69C9}" type="presParOf" srcId="{0ED4371F-C365-4F9C-8288-D1A5FCE88F2E}" destId="{709D4EEB-418B-4C8B-818F-B9749DC245C4}" srcOrd="8" destOrd="0" presId="urn:microsoft.com/office/officeart/2005/8/layout/arrow2"/>
-    <dgm:cxn modelId="{E1C9A4C8-F6A2-43E5-8DF7-3104CC5C0397}" type="presParOf" srcId="{0ED4371F-C365-4F9C-8288-D1A5FCE88F2E}" destId="{4BB30F82-E3F8-4F78-9892-353560ECF66A}" srcOrd="9" destOrd="0" presId="urn:microsoft.com/office/officeart/2005/8/layout/arrow2"/>
+    <dgm:cxn modelId="{C3EE8304-0352-4665-9347-B24493694F05}" type="presOf" srcId="{010C7CB2-6680-4E4A-B99C-904D2B60123A}" destId="{1EB3CED2-957E-40BD-A56F-57393C9FF364}" srcOrd="0" destOrd="0" presId="urn:microsoft.com/office/officeart/2005/8/layout/arrow2#1"/>
+    <dgm:cxn modelId="{E39C5110-9A7D-4E33-BFDF-BD241938E1AB}" type="presOf" srcId="{5D977A63-015C-4457-9C71-1E9F8E27AE65}" destId="{A6A60C68-6B48-400D-989E-41B3A837A146}" srcOrd="0" destOrd="0" presId="urn:microsoft.com/office/officeart/2005/8/layout/arrow2#1"/>
+    <dgm:cxn modelId="{530751A9-CF94-48AC-990C-8F470424BE8E}" type="presParOf" srcId="{1EB3CED2-957E-40BD-A56F-57393C9FF364}" destId="{B52F97A3-79D9-45C4-B3F2-1FABD14756C8}" srcOrd="0" destOrd="0" presId="urn:microsoft.com/office/officeart/2005/8/layout/arrow2#1"/>
+    <dgm:cxn modelId="{4F520754-8214-4EA4-B208-6BF588CDF050}" type="presParOf" srcId="{1EB3CED2-957E-40BD-A56F-57393C9FF364}" destId="{0ED4371F-C365-4F9C-8288-D1A5FCE88F2E}" srcOrd="1" destOrd="0" presId="urn:microsoft.com/office/officeart/2005/8/layout/arrow2#1"/>
+    <dgm:cxn modelId="{D82AA037-FD9D-4A1D-B344-B0AB6BD4C180}" type="presParOf" srcId="{0ED4371F-C365-4F9C-8288-D1A5FCE88F2E}" destId="{E01A1116-EEF5-40F3-A1AB-5B2152D30435}" srcOrd="0" destOrd="0" presId="urn:microsoft.com/office/officeart/2005/8/layout/arrow2#1"/>
+    <dgm:cxn modelId="{FAF03F43-B249-46E1-A5FF-C3840010A49E}" type="presParOf" srcId="{0ED4371F-C365-4F9C-8288-D1A5FCE88F2E}" destId="{50D9E917-3DAC-4A3F-A991-42B18DBC85AC}" srcOrd="1" destOrd="0" presId="urn:microsoft.com/office/officeart/2005/8/layout/arrow2#1"/>
+    <dgm:cxn modelId="{547007CC-3A89-406F-8ED4-AEC4E5C1A43E}" type="presParOf" srcId="{0ED4371F-C365-4F9C-8288-D1A5FCE88F2E}" destId="{E1D17602-9636-4444-8F4C-4B133495B27E}" srcOrd="2" destOrd="0" presId="urn:microsoft.com/office/officeart/2005/8/layout/arrow2#1"/>
+    <dgm:cxn modelId="{2CD86A65-F376-4CE0-B2C3-7318066DD70B}" type="presParOf" srcId="{0ED4371F-C365-4F9C-8288-D1A5FCE88F2E}" destId="{3331BA0B-0227-44E7-A0EE-96E9667A38C5}" srcOrd="3" destOrd="0" presId="urn:microsoft.com/office/officeart/2005/8/layout/arrow2#1"/>
+    <dgm:cxn modelId="{651E8606-D8CF-4809-93BD-92FFF0EF4BDB}" type="presParOf" srcId="{0ED4371F-C365-4F9C-8288-D1A5FCE88F2E}" destId="{52320FAD-E02B-4695-8C9D-F7B2E412DB02}" srcOrd="4" destOrd="0" presId="urn:microsoft.com/office/officeart/2005/8/layout/arrow2#1"/>
+    <dgm:cxn modelId="{40FFF57C-8B89-4911-8B5A-BBDB84E733D6}" type="presParOf" srcId="{0ED4371F-C365-4F9C-8288-D1A5FCE88F2E}" destId="{1B0A9E80-58E0-4F1B-9807-0D08965C64F9}" srcOrd="5" destOrd="0" presId="urn:microsoft.com/office/officeart/2005/8/layout/arrow2#1"/>
+    <dgm:cxn modelId="{02DA011A-CB07-4880-9804-B0A61689E69C}" type="presParOf" srcId="{0ED4371F-C365-4F9C-8288-D1A5FCE88F2E}" destId="{11C52DA7-38F9-42BA-86EC-E1190751B3A9}" srcOrd="6" destOrd="0" presId="urn:microsoft.com/office/officeart/2005/8/layout/arrow2#1"/>
+    <dgm:cxn modelId="{3F990F65-B26F-4D31-AB06-3EC62A249CCD}" type="presParOf" srcId="{0ED4371F-C365-4F9C-8288-D1A5FCE88F2E}" destId="{A6A60C68-6B48-400D-989E-41B3A837A146}" srcOrd="7" destOrd="0" presId="urn:microsoft.com/office/officeart/2005/8/layout/arrow2#1"/>
+    <dgm:cxn modelId="{565FE320-6D1B-47CF-9062-C82373CE69C9}" type="presParOf" srcId="{0ED4371F-C365-4F9C-8288-D1A5FCE88F2E}" destId="{709D4EEB-418B-4C8B-818F-B9749DC245C4}" srcOrd="8" destOrd="0" presId="urn:microsoft.com/office/officeart/2005/8/layout/arrow2#1"/>
+    <dgm:cxn modelId="{E1C9A4C8-F6A2-43E5-8DF7-3104CC5C0397}" type="presParOf" srcId="{0ED4371F-C365-4F9C-8288-D1A5FCE88F2E}" destId="{4BB30F82-E3F8-4F78-9892-353560ECF66A}" srcOrd="9" destOrd="0" presId="urn:microsoft.com/office/officeart/2005/8/layout/arrow2#1"/>
   </dgm:cxnLst>
   <dgm:bg/>
   <dgm:whole/>
   <dgm:extLst>
     <a:ext uri="http://schemas.microsoft.com/office/drawing/2008/diagram">
-      <dsp:dataModelExt xmlns:dsp="http://schemas.microsoft.com/office/drawing/2008/diagram" relId="rId5" minVer="http://schemas.openxmlformats.org/drawingml/2006/diagram"/>
+      <dsp:dataModelExt xmlns:dsp="http://schemas.microsoft.com/office/drawing/2008/diagram" relId="rId7" minVer="http://schemas.openxmlformats.org/drawingml/2006/diagram"/>
     </a:ext>
   </dgm:extLst>
 </dgm:dataModel>
 </file>
 
 <file path=ppt/diagrams/drawing1.xml><?xml version="1.0" encoding="utf-8"?>
-<dsp:drawing xmlns:dgm="http://schemas.openxmlformats.org/drawingml/2006/diagram" xmlns:dsp="http://schemas.microsoft.com/office/drawing/2008/diagram" xmlns:a="http://schemas.openxmlformats.org/drawingml/2006/main" xmlns:r="http://schemas.openxmlformats.org/officeDocument/2006/relationships">
+<dsp:drawing xmlns:dgm="http://schemas.openxmlformats.org/drawingml/2006/diagram" xmlns:dsp="http://schemas.microsoft.com/office/drawing/2008/diagram" xmlns:a="http://schemas.openxmlformats.org/drawingml/2006/main">
   <dsp:spTree>
     <dsp:nvGrpSpPr>
-      <dsp:cNvPr id="2" name="Group 1"/>
+      <dsp:cNvPr id="0" name=""/>
       <dsp:cNvGrpSpPr/>
     </dsp:nvGrpSpPr>
-    <dsp:grpSpPr>
-      <a:xfrm>
-        <a:off x="0" y="0"/>
-        <a:ext cx="8160512" cy="4328160"/>
-        <a:chOff x="0" y="0"/>
-        <a:chExt cx="8160512" cy="4328160"/>
-      </a:xfrm>
-    </dsp:grpSpPr>
+    <dsp:grpSpPr/>
     <dsp:sp modelId="{C89A32A6-75B1-4B69-B952-545EFE2CBD58}">
       <dsp:nvSpPr>
-        <dsp:cNvPr id="3" name="Rounded Rectangle 2"/>
+        <dsp:cNvPr id="0" name=""/>
         <dsp:cNvSpPr/>
       </dsp:nvSpPr>
-      <dsp:spPr bwMode="white">
+      <dsp:spPr>
         <a:xfrm>
-          <a:off x="0" y="151680"/>
+          <a:off x="0" y="151679"/>
           <a:ext cx="8160512" cy="1216800"/>
         </a:xfrm>
         <a:prstGeom prst="roundRect">
           <a:avLst/>
         </a:prstGeom>
+        <a:solidFill>
+          <a:schemeClr val="accent1">
+            <a:hueOff val="0"/>
+            <a:satOff val="0"/>
+            <a:lumOff val="0"/>
+            <a:alphaOff val="0"/>
+          </a:schemeClr>
+        </a:solidFill>
+        <a:ln w="19050" cap="rnd" cmpd="sng" algn="ctr">
+          <a:solidFill>
+            <a:schemeClr val="lt1">
+              <a:hueOff val="0"/>
+              <a:satOff val="0"/>
+              <a:lumOff val="0"/>
+              <a:alphaOff val="0"/>
+            </a:schemeClr>
+          </a:solidFill>
+          <a:prstDash val="solid"/>
+        </a:ln>
+        <a:effectLst/>
       </dsp:spPr>
       <dsp:style>
         <a:lnRef idx="2">
-          <a:schemeClr val="lt1"/>
+          <a:scrgbClr r="0" g="0" b="0"/>
         </a:lnRef>
         <a:fillRef idx="1">
-          <a:schemeClr val="accent1"/>
+          <a:scrgbClr r="0" g="0" b="0"/>
         </a:fillRef>
         <a:effectRef idx="0">
           <a:scrgbClr r="0" g="0" b="0"/>
@@ -2307,40 +2327,14 @@
         </a:fontRef>
       </dsp:style>
       <dsp:txBody>
-        <a:bodyPr lIns="152400" tIns="152400" rIns="152400" bIns="152400" anchor="ctr"/>
-        <a:lstStyle>
-          <a:lvl1pPr algn="l">
-            <a:defRPr sz="6500"/>
-          </a:lvl1pPr>
-          <a:lvl2pPr marL="285750" indent="-285750" algn="l">
-            <a:defRPr sz="5000"/>
-          </a:lvl2pPr>
-          <a:lvl3pPr marL="571500" indent="-285750" algn="l">
-            <a:defRPr sz="5000"/>
-          </a:lvl3pPr>
-          <a:lvl4pPr marL="857250" indent="-285750" algn="l">
-            <a:defRPr sz="5000"/>
-          </a:lvl4pPr>
-          <a:lvl5pPr marL="1143000" indent="-285750" algn="l">
-            <a:defRPr sz="5000"/>
-          </a:lvl5pPr>
-          <a:lvl6pPr marL="1428750" indent="-285750" algn="l">
-            <a:defRPr sz="5000"/>
-          </a:lvl6pPr>
-          <a:lvl7pPr marL="1714500" indent="-285750" algn="l">
-            <a:defRPr sz="5000"/>
-          </a:lvl7pPr>
-          <a:lvl8pPr marL="2000250" indent="-285750" algn="l">
-            <a:defRPr sz="5000"/>
-          </a:lvl8pPr>
-          <a:lvl9pPr marL="2286000" indent="-285750" algn="l">
-            <a:defRPr sz="5000"/>
-          </a:lvl9pPr>
-        </a:lstStyle>
+        <a:bodyPr spcFirstLastPara="0" vert="horz" wrap="square" lIns="152400" tIns="152400" rIns="152400" bIns="152400" numCol="1" spcCol="1270" anchor="ctr" anchorCtr="0">
+          <a:noAutofit/>
+        </a:bodyPr>
+        <a:lstStyle/>
         <a:p>
-          <a:pPr lvl="0">
+          <a:pPr lvl="0" algn="l" defTabSz="1778000">
             <a:lnSpc>
-              <a:spcPct val="100000"/>
+              <a:spcPct val="90000"/>
             </a:lnSpc>
             <a:spcBef>
               <a:spcPct val="0"/>
@@ -2350,14 +2344,14 @@
             </a:spcAft>
           </a:pPr>
           <a:r>
-            <a:rPr lang="en-US" altLang="zh-CN" sz="4000" dirty="0">
+            <a:rPr lang="en-US" altLang="zh-CN" sz="4000" kern="1200" dirty="0">
               <a:latin typeface="+mn-ea"/>
               <a:ea typeface="+mn-ea"/>
             </a:rPr>
             <a:t>Rust</a:t>
           </a:r>
           <a:r>
-            <a:rPr lang="zh-CN" altLang="en-US" sz="4000" dirty="0">
+            <a:rPr lang="zh-CN" altLang="en-US" sz="4000" kern="1200" dirty="0">
               <a:latin typeface="+mn-ea"/>
               <a:ea typeface="+mn-ea"/>
             </a:rPr>
@@ -2366,16 +2360,16 @@
         </a:p>
       </dsp:txBody>
       <dsp:txXfrm>
-        <a:off x="0" y="151680"/>
-        <a:ext cx="8160512" cy="1216800"/>
+        <a:off x="59399" y="211078"/>
+        <a:ext cx="8041714" cy="1098002"/>
       </dsp:txXfrm>
     </dsp:sp>
     <dsp:sp modelId="{17FA72BE-E120-4DB5-9241-680132CD847B}">
       <dsp:nvSpPr>
-        <dsp:cNvPr id="4" name="Rounded Rectangle 3"/>
+        <dsp:cNvPr id="0" name=""/>
         <dsp:cNvSpPr/>
       </dsp:nvSpPr>
-      <dsp:spPr bwMode="white">
+      <dsp:spPr>
         <a:xfrm>
           <a:off x="0" y="1555680"/>
           <a:ext cx="8160512" cy="1216800"/>
@@ -2383,13 +2377,33 @@
         <a:prstGeom prst="roundRect">
           <a:avLst/>
         </a:prstGeom>
+        <a:solidFill>
+          <a:schemeClr val="accent1">
+            <a:hueOff val="0"/>
+            <a:satOff val="0"/>
+            <a:lumOff val="0"/>
+            <a:alphaOff val="0"/>
+          </a:schemeClr>
+        </a:solidFill>
+        <a:ln w="19050" cap="rnd" cmpd="sng" algn="ctr">
+          <a:solidFill>
+            <a:schemeClr val="lt1">
+              <a:hueOff val="0"/>
+              <a:satOff val="0"/>
+              <a:lumOff val="0"/>
+              <a:alphaOff val="0"/>
+            </a:schemeClr>
+          </a:solidFill>
+          <a:prstDash val="solid"/>
+        </a:ln>
+        <a:effectLst/>
       </dsp:spPr>
       <dsp:style>
         <a:lnRef idx="2">
-          <a:schemeClr val="lt1"/>
+          <a:scrgbClr r="0" g="0" b="0"/>
         </a:lnRef>
         <a:fillRef idx="1">
-          <a:schemeClr val="accent1"/>
+          <a:scrgbClr r="0" g="0" b="0"/>
         </a:fillRef>
         <a:effectRef idx="0">
           <a:scrgbClr r="0" g="0" b="0"/>
@@ -2399,40 +2413,14 @@
         </a:fontRef>
       </dsp:style>
       <dsp:txBody>
-        <a:bodyPr lIns="152400" tIns="152400" rIns="152400" bIns="152400" anchor="ctr"/>
-        <a:lstStyle>
-          <a:lvl1pPr algn="l">
-            <a:defRPr sz="6500"/>
-          </a:lvl1pPr>
-          <a:lvl2pPr marL="285750" indent="-285750" algn="l">
-            <a:defRPr sz="5000"/>
-          </a:lvl2pPr>
-          <a:lvl3pPr marL="571500" indent="-285750" algn="l">
-            <a:defRPr sz="5000"/>
-          </a:lvl3pPr>
-          <a:lvl4pPr marL="857250" indent="-285750" algn="l">
-            <a:defRPr sz="5000"/>
-          </a:lvl4pPr>
-          <a:lvl5pPr marL="1143000" indent="-285750" algn="l">
-            <a:defRPr sz="5000"/>
-          </a:lvl5pPr>
-          <a:lvl6pPr marL="1428750" indent="-285750" algn="l">
-            <a:defRPr sz="5000"/>
-          </a:lvl6pPr>
-          <a:lvl7pPr marL="1714500" indent="-285750" algn="l">
-            <a:defRPr sz="5000"/>
-          </a:lvl7pPr>
-          <a:lvl8pPr marL="2000250" indent="-285750" algn="l">
-            <a:defRPr sz="5000"/>
-          </a:lvl8pPr>
-          <a:lvl9pPr marL="2286000" indent="-285750" algn="l">
-            <a:defRPr sz="5000"/>
-          </a:lvl9pPr>
-        </a:lstStyle>
+        <a:bodyPr spcFirstLastPara="0" vert="horz" wrap="square" lIns="152400" tIns="152400" rIns="152400" bIns="152400" numCol="1" spcCol="1270" anchor="ctr" anchorCtr="0">
+          <a:noAutofit/>
+        </a:bodyPr>
+        <a:lstStyle/>
         <a:p>
-          <a:pPr lvl="0">
+          <a:pPr lvl="0" algn="l" defTabSz="1778000">
             <a:lnSpc>
-              <a:spcPct val="100000"/>
+              <a:spcPct val="90000"/>
             </a:lnSpc>
             <a:spcBef>
               <a:spcPct val="0"/>
@@ -2442,14 +2430,14 @@
             </a:spcAft>
           </a:pPr>
           <a:r>
-            <a:rPr lang="en-US" altLang="zh-CN" sz="4000" dirty="0">
+            <a:rPr lang="en-US" altLang="zh-CN" sz="4000" kern="1200" dirty="0">
               <a:latin typeface="+mn-ea"/>
               <a:ea typeface="+mn-ea"/>
             </a:rPr>
             <a:t>Rust</a:t>
           </a:r>
           <a:r>
-            <a:rPr lang="zh-CN" altLang="en-US" sz="4000" dirty="0">
+            <a:rPr lang="zh-CN" altLang="en-US" sz="4000" kern="1200" dirty="0">
               <a:latin typeface="+mn-ea"/>
               <a:ea typeface="+mn-ea"/>
             </a:rPr>
@@ -2458,16 +2446,16 @@
         </a:p>
       </dsp:txBody>
       <dsp:txXfrm>
-        <a:off x="0" y="1555680"/>
-        <a:ext cx="8160512" cy="1216800"/>
+        <a:off x="59399" y="1615079"/>
+        <a:ext cx="8041714" cy="1098002"/>
       </dsp:txXfrm>
     </dsp:sp>
     <dsp:sp modelId="{B0DCA04B-0357-4F0A-853C-C3FA4952347E}">
       <dsp:nvSpPr>
-        <dsp:cNvPr id="5" name="Rounded Rectangle 4"/>
+        <dsp:cNvPr id="0" name=""/>
         <dsp:cNvSpPr/>
       </dsp:nvSpPr>
-      <dsp:spPr bwMode="white">
+      <dsp:spPr>
         <a:xfrm>
           <a:off x="0" y="2959680"/>
           <a:ext cx="8160512" cy="1216800"/>
@@ -2475,13 +2463,33 @@
         <a:prstGeom prst="roundRect">
           <a:avLst/>
         </a:prstGeom>
+        <a:solidFill>
+          <a:schemeClr val="accent1">
+            <a:hueOff val="0"/>
+            <a:satOff val="0"/>
+            <a:lumOff val="0"/>
+            <a:alphaOff val="0"/>
+          </a:schemeClr>
+        </a:solidFill>
+        <a:ln w="19050" cap="rnd" cmpd="sng" algn="ctr">
+          <a:solidFill>
+            <a:schemeClr val="lt1">
+              <a:hueOff val="0"/>
+              <a:satOff val="0"/>
+              <a:lumOff val="0"/>
+              <a:alphaOff val="0"/>
+            </a:schemeClr>
+          </a:solidFill>
+          <a:prstDash val="solid"/>
+        </a:ln>
+        <a:effectLst/>
       </dsp:spPr>
       <dsp:style>
         <a:lnRef idx="2">
-          <a:schemeClr val="lt1"/>
+          <a:scrgbClr r="0" g="0" b="0"/>
         </a:lnRef>
         <a:fillRef idx="1">
-          <a:schemeClr val="accent1"/>
+          <a:scrgbClr r="0" g="0" b="0"/>
         </a:fillRef>
         <a:effectRef idx="0">
           <a:scrgbClr r="0" g="0" b="0"/>
@@ -2491,40 +2499,14 @@
         </a:fontRef>
       </dsp:style>
       <dsp:txBody>
-        <a:bodyPr lIns="152400" tIns="152400" rIns="152400" bIns="152400" anchor="ctr"/>
-        <a:lstStyle>
-          <a:lvl1pPr algn="l">
-            <a:defRPr sz="6500"/>
-          </a:lvl1pPr>
-          <a:lvl2pPr marL="285750" indent="-285750" algn="l">
-            <a:defRPr sz="5000"/>
-          </a:lvl2pPr>
-          <a:lvl3pPr marL="571500" indent="-285750" algn="l">
-            <a:defRPr sz="5000"/>
-          </a:lvl3pPr>
-          <a:lvl4pPr marL="857250" indent="-285750" algn="l">
-            <a:defRPr sz="5000"/>
-          </a:lvl4pPr>
-          <a:lvl5pPr marL="1143000" indent="-285750" algn="l">
-            <a:defRPr sz="5000"/>
-          </a:lvl5pPr>
-          <a:lvl6pPr marL="1428750" indent="-285750" algn="l">
-            <a:defRPr sz="5000"/>
-          </a:lvl6pPr>
-          <a:lvl7pPr marL="1714500" indent="-285750" algn="l">
-            <a:defRPr sz="5000"/>
-          </a:lvl7pPr>
-          <a:lvl8pPr marL="2000250" indent="-285750" algn="l">
-            <a:defRPr sz="5000"/>
-          </a:lvl8pPr>
-          <a:lvl9pPr marL="2286000" indent="-285750" algn="l">
-            <a:defRPr sz="5000"/>
-          </a:lvl9pPr>
-        </a:lstStyle>
+        <a:bodyPr spcFirstLastPara="0" vert="horz" wrap="square" lIns="152400" tIns="152400" rIns="152400" bIns="152400" numCol="1" spcCol="1270" anchor="ctr" anchorCtr="0">
+          <a:noAutofit/>
+        </a:bodyPr>
+        <a:lstStyle/>
         <a:p>
-          <a:pPr lvl="0">
+          <a:pPr lvl="0" algn="l" defTabSz="1778000">
             <a:lnSpc>
-              <a:spcPct val="100000"/>
+              <a:spcPct val="90000"/>
             </a:lnSpc>
             <a:spcBef>
               <a:spcPct val="0"/>
@@ -2534,14 +2516,14 @@
             </a:spcAft>
           </a:pPr>
           <a:r>
-            <a:rPr lang="en-US" altLang="zh-CN" sz="4000" dirty="0">
+            <a:rPr lang="en-US" altLang="zh-CN" sz="4000" kern="1200" dirty="0">
               <a:latin typeface="+mn-ea"/>
               <a:ea typeface="+mn-ea"/>
             </a:rPr>
             <a:t>Rust</a:t>
           </a:r>
           <a:r>
-            <a:rPr lang="zh-CN" altLang="en-US" sz="4000" dirty="0">
+            <a:rPr lang="zh-CN" altLang="en-US" sz="4000" kern="1200" dirty="0">
               <a:latin typeface="+mn-ea"/>
               <a:ea typeface="+mn-ea"/>
             </a:rPr>
@@ -2550,8 +2532,8 @@
         </a:p>
       </dsp:txBody>
       <dsp:txXfrm>
-        <a:off x="0" y="2959680"/>
-        <a:ext cx="8160512" cy="1216800"/>
+        <a:off x="59399" y="3019079"/>
+        <a:ext cx="8041714" cy="1098002"/>
       </dsp:txXfrm>
     </dsp:sp>
   </dsp:spTree>
@@ -2559,28 +2541,21 @@
 </file>
 
 <file path=ppt/diagrams/drawing2.xml><?xml version="1.0" encoding="utf-8"?>
-<dsp:drawing xmlns:dgm="http://schemas.openxmlformats.org/drawingml/2006/diagram" xmlns:dsp="http://schemas.microsoft.com/office/drawing/2008/diagram" xmlns:a="http://schemas.openxmlformats.org/drawingml/2006/main" xmlns:r="http://schemas.openxmlformats.org/officeDocument/2006/relationships">
+<dsp:drawing xmlns:dgm="http://schemas.openxmlformats.org/drawingml/2006/diagram" xmlns:dsp="http://schemas.microsoft.com/office/drawing/2008/diagram" xmlns:a="http://schemas.openxmlformats.org/drawingml/2006/main">
   <dsp:spTree>
     <dsp:nvGrpSpPr>
-      <dsp:cNvPr id="2" name="Group 1"/>
+      <dsp:cNvPr id="0" name=""/>
       <dsp:cNvGrpSpPr/>
     </dsp:nvGrpSpPr>
-    <dsp:grpSpPr>
-      <a:xfrm>
-        <a:off x="0" y="0"/>
-        <a:ext cx="6537275" cy="4085797"/>
-        <a:chOff x="0" y="0"/>
-        <a:chExt cx="6537275" cy="4085797"/>
-      </a:xfrm>
-    </dsp:grpSpPr>
+    <dsp:grpSpPr/>
     <dsp:sp modelId="{B52F97A3-79D9-45C4-B3F2-1FABD14756C8}">
       <dsp:nvSpPr>
-        <dsp:cNvPr id="3" name="Shape 2"/>
+        <dsp:cNvPr id="0" name=""/>
         <dsp:cNvSpPr/>
       </dsp:nvSpPr>
-      <dsp:spPr bwMode="white">
+      <dsp:spPr>
         <a:xfrm>
-          <a:off x="408958" y="0"/>
+          <a:off x="408957" y="0"/>
           <a:ext cx="6537275" cy="4085797"/>
         </a:xfrm>
         <a:prstGeom prst="swooshArrow">
@@ -2589,46 +2564,73 @@
             <a:gd name="adj2" fmla="val 25000"/>
           </a:avLst>
         </a:prstGeom>
+        <a:solidFill>
+          <a:schemeClr val="accent1">
+            <a:tint val="40000"/>
+            <a:hueOff val="0"/>
+            <a:satOff val="0"/>
+            <a:lumOff val="0"/>
+            <a:alphaOff val="0"/>
+          </a:schemeClr>
+        </a:solidFill>
+        <a:ln>
+          <a:noFill/>
+        </a:ln>
+        <a:effectLst/>
       </dsp:spPr>
       <dsp:style>
         <a:lnRef idx="0">
-          <a:schemeClr val="accent1"/>
+          <a:scrgbClr r="0" g="0" b="0"/>
         </a:lnRef>
         <a:fillRef idx="1">
-          <a:schemeClr val="accent1">
-            <a:tint val="40000"/>
-          </a:schemeClr>
+          <a:scrgbClr r="0" g="0" b="0"/>
         </a:fillRef>
         <a:effectRef idx="0">
           <a:scrgbClr r="0" g="0" b="0"/>
         </a:effectRef>
         <a:fontRef idx="minor"/>
       </dsp:style>
-      <dsp:txXfrm>
-        <a:off x="408958" y="0"/>
-        <a:ext cx="6537275" cy="4085797"/>
-      </dsp:txXfrm>
     </dsp:sp>
     <dsp:sp modelId="{E01A1116-EEF5-40F3-A1AB-5B2152D30435}">
       <dsp:nvSpPr>
-        <dsp:cNvPr id="4" name="Oval 3"/>
+        <dsp:cNvPr id="0" name=""/>
         <dsp:cNvSpPr/>
       </dsp:nvSpPr>
-      <dsp:spPr bwMode="white">
+      <dsp:spPr>
         <a:xfrm>
-          <a:off x="1052880" y="3038199"/>
+          <a:off x="1052879" y="3038198"/>
           <a:ext cx="150357" cy="150357"/>
         </a:xfrm>
         <a:prstGeom prst="ellipse">
           <a:avLst/>
         </a:prstGeom>
+        <a:solidFill>
+          <a:schemeClr val="accent1">
+            <a:hueOff val="0"/>
+            <a:satOff val="0"/>
+            <a:lumOff val="0"/>
+            <a:alphaOff val="0"/>
+          </a:schemeClr>
+        </a:solidFill>
+        <a:ln w="19050" cap="rnd" cmpd="sng" algn="ctr">
+          <a:solidFill>
+            <a:schemeClr val="lt1">
+              <a:hueOff val="0"/>
+              <a:satOff val="0"/>
+              <a:lumOff val="0"/>
+              <a:alphaOff val="0"/>
+            </a:schemeClr>
+          </a:solidFill>
+          <a:prstDash val="solid"/>
+        </a:ln>
+        <a:effectLst/>
       </dsp:spPr>
       <dsp:style>
         <a:lnRef idx="2">
-          <a:schemeClr val="lt1"/>
+          <a:scrgbClr r="0" g="0" b="0"/>
         </a:lnRef>
         <a:fillRef idx="1">
-          <a:schemeClr val="accent1"/>
+          <a:scrgbClr r="0" g="0" b="0"/>
         </a:fillRef>
         <a:effectRef idx="0">
           <a:scrgbClr r="0" g="0" b="0"/>
@@ -2637,35 +2639,32 @@
           <a:schemeClr val="lt1"/>
         </a:fontRef>
       </dsp:style>
-      <dsp:txXfrm>
-        <a:off x="1052880" y="3038199"/>
-        <a:ext cx="150357" cy="150357"/>
-      </dsp:txXfrm>
     </dsp:sp>
     <dsp:sp modelId="{50D9E917-3DAC-4A3F-A991-42B18DBC85AC}">
       <dsp:nvSpPr>
-        <dsp:cNvPr id="5" name="Rectangles 4"/>
+        <dsp:cNvPr id="0" name=""/>
         <dsp:cNvSpPr/>
       </dsp:nvSpPr>
-      <dsp:spPr bwMode="white">
+      <dsp:spPr>
         <a:xfrm>
           <a:off x="1128058" y="3113377"/>
-          <a:ext cx="856383" cy="972420"/>
+          <a:ext cx="856383" cy="972419"/>
         </a:xfrm>
         <a:prstGeom prst="rect">
           <a:avLst/>
         </a:prstGeom>
+        <a:noFill/>
+        <a:ln>
+          <a:noFill/>
+        </a:ln>
+        <a:effectLst/>
       </dsp:spPr>
       <dsp:style>
         <a:lnRef idx="0">
-          <a:schemeClr val="dk1">
-            <a:alpha val="0"/>
-          </a:schemeClr>
+          <a:scrgbClr r="0" g="0" b="0"/>
         </a:lnRef>
         <a:fillRef idx="0">
-          <a:schemeClr val="lt1">
-            <a:alpha val="0"/>
-          </a:schemeClr>
+          <a:scrgbClr r="0" g="0" b="0"/>
         </a:fillRef>
         <a:effectRef idx="0">
           <a:scrgbClr r="0" g="0" b="0"/>
@@ -2673,40 +2672,14 @@
         <a:fontRef idx="minor"/>
       </dsp:style>
       <dsp:txBody>
-        <a:bodyPr lIns="79671" tIns="0" rIns="0" bIns="0" anchor="t"/>
-        <a:lstStyle>
-          <a:lvl1pPr algn="l">
-            <a:defRPr sz="1500"/>
-          </a:lvl1pPr>
-          <a:lvl2pPr marL="57150" indent="-57150" algn="l">
-            <a:defRPr sz="1100"/>
-          </a:lvl2pPr>
-          <a:lvl3pPr marL="114300" indent="-57150" algn="l">
-            <a:defRPr sz="1100"/>
-          </a:lvl3pPr>
-          <a:lvl4pPr marL="171450" indent="-57150" algn="l">
-            <a:defRPr sz="1100"/>
-          </a:lvl4pPr>
-          <a:lvl5pPr marL="228600" indent="-57150" algn="l">
-            <a:defRPr sz="1100"/>
-          </a:lvl5pPr>
-          <a:lvl6pPr marL="285750" indent="-57150" algn="l">
-            <a:defRPr sz="1100"/>
-          </a:lvl6pPr>
-          <a:lvl7pPr marL="342900" indent="-57150" algn="l">
-            <a:defRPr sz="1100"/>
-          </a:lvl7pPr>
-          <a:lvl8pPr marL="400050" indent="-57150" algn="l">
-            <a:defRPr sz="1100"/>
-          </a:lvl8pPr>
-          <a:lvl9pPr marL="457200" indent="-57150" algn="l">
-            <a:defRPr sz="1100"/>
-          </a:lvl9pPr>
-        </a:lstStyle>
+        <a:bodyPr spcFirstLastPara="0" vert="horz" wrap="square" lIns="79671" tIns="0" rIns="0" bIns="0" numCol="1" spcCol="1270" anchor="t" anchorCtr="0">
+          <a:noAutofit/>
+        </a:bodyPr>
+        <a:lstStyle/>
         <a:p>
-          <a:pPr lvl="0">
+          <a:pPr lvl="0" algn="l" defTabSz="711200">
             <a:lnSpc>
-              <a:spcPct val="100000"/>
+              <a:spcPct val="90000"/>
             </a:lnSpc>
             <a:spcBef>
               <a:spcPct val="0"/>
@@ -2716,87 +2689,87 @@
             </a:spcAft>
           </a:pPr>
           <a:r>
-            <a:rPr lang="en-US" altLang="zh-CN" dirty="0">
-              <a:solidFill>
-                <a:schemeClr val="tx1"/>
-              </a:solidFill>
+            <a:rPr lang="en-US" altLang="zh-CN" sz="1600" kern="1200" dirty="0">
               <a:latin typeface="+mn-ea"/>
               <a:ea typeface="+mn-ea"/>
             </a:rPr>
             <a:t>2006</a:t>
           </a:r>
           <a:r>
-            <a:rPr lang="zh-CN" altLang="en-US" dirty="0">
-              <a:solidFill>
-                <a:schemeClr val="tx1"/>
-              </a:solidFill>
+            <a:rPr lang="zh-CN" altLang="en-US" sz="1600" kern="1200" dirty="0">
               <a:latin typeface="+mn-ea"/>
               <a:ea typeface="+mn-ea"/>
             </a:rPr>
             <a:t>年</a:t>
           </a:r>
           <a:r>
-            <a:rPr lang="en-US" altLang="zh-CN" dirty="0" err="1">
-              <a:solidFill>
-                <a:schemeClr val="tx1"/>
-              </a:solidFill>
+            <a:rPr lang="en-US" altLang="zh-CN" sz="1600" kern="1200" dirty="0" err="1">
               <a:latin typeface="Times New Roman" panose="02020603050405020304" pitchFamily="18" charset="0"/>
               <a:cs typeface="Times New Roman" panose="02020603050405020304" pitchFamily="18" charset="0"/>
             </a:rPr>
             <a:t>Graydon</a:t>
           </a:r>
           <a:r>
-            <a:rPr lang="en-US" altLang="zh-CN" dirty="0">
-              <a:solidFill>
-                <a:schemeClr val="tx1"/>
-              </a:solidFill>
+            <a:rPr lang="en-US" altLang="zh-CN" sz="1600" kern="1200" dirty="0">
               <a:latin typeface="Times New Roman" panose="02020603050405020304" pitchFamily="18" charset="0"/>
               <a:cs typeface="Times New Roman" panose="02020603050405020304" pitchFamily="18" charset="0"/>
             </a:rPr>
             <a:t> Hoare</a:t>
           </a:r>
           <a:r>
-            <a:rPr lang="zh-CN" altLang="en-US" dirty="0">
-              <a:solidFill>
-                <a:schemeClr val="tx1"/>
-              </a:solidFill>
+            <a:rPr lang="zh-CN" altLang="en-US" sz="1600" kern="1200" dirty="0">
               <a:latin typeface="+mn-ea"/>
               <a:ea typeface="+mn-ea"/>
             </a:rPr>
             <a:t>开发</a:t>
           </a:r>
-          <a:endParaRPr>
-            <a:solidFill>
-              <a:schemeClr val="tx1"/>
-            </a:solidFill>
-          </a:endParaRPr>
         </a:p>
       </dsp:txBody>
       <dsp:txXfrm>
         <a:off x="1128058" y="3113377"/>
-        <a:ext cx="856383" cy="972420"/>
+        <a:ext cx="856383" cy="972419"/>
       </dsp:txXfrm>
     </dsp:sp>
     <dsp:sp modelId="{E1D17602-9636-4444-8F4C-4B133495B27E}">
       <dsp:nvSpPr>
-        <dsp:cNvPr id="6" name="Oval 5"/>
+        <dsp:cNvPr id="0" name=""/>
         <dsp:cNvSpPr/>
       </dsp:nvSpPr>
-      <dsp:spPr bwMode="white">
+      <dsp:spPr>
         <a:xfrm>
           <a:off x="1866770" y="2256177"/>
-          <a:ext cx="235342" cy="235342"/>
+          <a:ext cx="235341" cy="235341"/>
         </a:xfrm>
         <a:prstGeom prst="ellipse">
           <a:avLst/>
         </a:prstGeom>
+        <a:solidFill>
+          <a:schemeClr val="accent1">
+            <a:hueOff val="0"/>
+            <a:satOff val="0"/>
+            <a:lumOff val="0"/>
+            <a:alphaOff val="0"/>
+          </a:schemeClr>
+        </a:solidFill>
+        <a:ln w="19050" cap="rnd" cmpd="sng" algn="ctr">
+          <a:solidFill>
+            <a:schemeClr val="lt1">
+              <a:hueOff val="0"/>
+              <a:satOff val="0"/>
+              <a:lumOff val="0"/>
+              <a:alphaOff val="0"/>
+            </a:schemeClr>
+          </a:solidFill>
+          <a:prstDash val="solid"/>
+        </a:ln>
+        <a:effectLst/>
       </dsp:spPr>
       <dsp:style>
         <a:lnRef idx="2">
-          <a:schemeClr val="lt1"/>
+          <a:scrgbClr r="0" g="0" b="0"/>
         </a:lnRef>
         <a:fillRef idx="1">
-          <a:schemeClr val="accent1"/>
+          <a:scrgbClr r="0" g="0" b="0"/>
         </a:fillRef>
         <a:effectRef idx="0">
           <a:scrgbClr r="0" g="0" b="0"/>
@@ -2805,35 +2778,32 @@
           <a:schemeClr val="lt1"/>
         </a:fontRef>
       </dsp:style>
-      <dsp:txXfrm>
-        <a:off x="1866770" y="2256177"/>
-        <a:ext cx="235342" cy="235342"/>
-      </dsp:txXfrm>
     </dsp:sp>
     <dsp:sp modelId="{3331BA0B-0227-44E7-A0EE-96E9667A38C5}">
       <dsp:nvSpPr>
-        <dsp:cNvPr id="7" name="Rectangles 6"/>
+        <dsp:cNvPr id="0" name=""/>
         <dsp:cNvSpPr/>
       </dsp:nvSpPr>
-      <dsp:spPr bwMode="white">
+      <dsp:spPr>
         <a:xfrm>
           <a:off x="1984441" y="2373848"/>
-          <a:ext cx="1085188" cy="1711949"/>
+          <a:ext cx="1085187" cy="1711948"/>
         </a:xfrm>
         <a:prstGeom prst="rect">
           <a:avLst/>
         </a:prstGeom>
+        <a:noFill/>
+        <a:ln>
+          <a:noFill/>
+        </a:ln>
+        <a:effectLst/>
       </dsp:spPr>
       <dsp:style>
         <a:lnRef idx="0">
-          <a:schemeClr val="dk1">
-            <a:alpha val="0"/>
-          </a:schemeClr>
+          <a:scrgbClr r="0" g="0" b="0"/>
         </a:lnRef>
         <a:fillRef idx="0">
-          <a:schemeClr val="lt1">
-            <a:alpha val="0"/>
-          </a:schemeClr>
+          <a:scrgbClr r="0" g="0" b="0"/>
         </a:fillRef>
         <a:effectRef idx="0">
           <a:scrgbClr r="0" g="0" b="0"/>
@@ -2841,40 +2811,14 @@
         <a:fontRef idx="minor"/>
       </dsp:style>
       <dsp:txBody>
-        <a:bodyPr lIns="124702" tIns="0" rIns="0" bIns="0" anchor="t"/>
-        <a:lstStyle>
-          <a:lvl1pPr algn="l">
-            <a:defRPr sz="1500"/>
-          </a:lvl1pPr>
-          <a:lvl2pPr marL="57150" indent="-57150" algn="l">
-            <a:defRPr sz="1100"/>
-          </a:lvl2pPr>
-          <a:lvl3pPr marL="114300" indent="-57150" algn="l">
-            <a:defRPr sz="1100"/>
-          </a:lvl3pPr>
-          <a:lvl4pPr marL="171450" indent="-57150" algn="l">
-            <a:defRPr sz="1100"/>
-          </a:lvl4pPr>
-          <a:lvl5pPr marL="228600" indent="-57150" algn="l">
-            <a:defRPr sz="1100"/>
-          </a:lvl5pPr>
-          <a:lvl6pPr marL="285750" indent="-57150" algn="l">
-            <a:defRPr sz="1100"/>
-          </a:lvl6pPr>
-          <a:lvl7pPr marL="342900" indent="-57150" algn="l">
-            <a:defRPr sz="1100"/>
-          </a:lvl7pPr>
-          <a:lvl8pPr marL="400050" indent="-57150" algn="l">
-            <a:defRPr sz="1100"/>
-          </a:lvl8pPr>
-          <a:lvl9pPr marL="457200" indent="-57150" algn="l">
-            <a:defRPr sz="1100"/>
-          </a:lvl9pPr>
-        </a:lstStyle>
+        <a:bodyPr spcFirstLastPara="0" vert="horz" wrap="square" lIns="124703" tIns="0" rIns="0" bIns="0" numCol="1" spcCol="1270" anchor="t" anchorCtr="0">
+          <a:noAutofit/>
+        </a:bodyPr>
+        <a:lstStyle/>
         <a:p>
-          <a:pPr lvl="0">
+          <a:pPr lvl="0" algn="l" defTabSz="711200">
             <a:lnSpc>
-              <a:spcPct val="100000"/>
+              <a:spcPct val="90000"/>
             </a:lnSpc>
             <a:spcBef>
               <a:spcPct val="0"/>
@@ -2884,30 +2828,21 @@
             </a:spcAft>
           </a:pPr>
           <a:r>
-            <a:rPr lang="en-US" altLang="zh-CN" dirty="0">
-              <a:solidFill>
-                <a:schemeClr val="tx1"/>
-              </a:solidFill>
+            <a:rPr lang="en-US" altLang="zh-CN" sz="1600" kern="1200" dirty="0">
               <a:latin typeface="+mn-ea"/>
               <a:ea typeface="+mn-ea"/>
             </a:rPr>
             <a:t>2009</a:t>
           </a:r>
           <a:r>
-            <a:rPr lang="zh-CN" altLang="en-US" dirty="0">
-              <a:solidFill>
-                <a:schemeClr val="tx1"/>
-              </a:solidFill>
+            <a:rPr lang="zh-CN" altLang="en-US" sz="1600" kern="1200" dirty="0">
               <a:latin typeface="+mn-ea"/>
               <a:ea typeface="+mn-ea"/>
             </a:rPr>
             <a:t>年受到</a:t>
           </a:r>
           <a:r>
-            <a:rPr lang="en-US" altLang="zh-CN" dirty="0">
-              <a:solidFill>
-                <a:schemeClr val="tx1"/>
-              </a:solidFill>
+            <a:rPr lang="en-US" altLang="zh-CN" sz="1600" kern="1200" dirty="0">
               <a:latin typeface="Times New Roman" panose="02020603050405020304" pitchFamily="18" charset="0"/>
               <a:ea typeface="+mn-ea"/>
               <a:cs typeface="Times New Roman" panose="02020603050405020304" pitchFamily="18" charset="0"/>
@@ -2915,33 +2850,25 @@
             <a:t>Mozilla</a:t>
           </a:r>
           <a:r>
-            <a:rPr lang="zh-CN" altLang="en-US" dirty="0">
-              <a:solidFill>
-                <a:schemeClr val="tx1"/>
-              </a:solidFill>
+            <a:rPr lang="zh-CN" altLang="en-US" sz="1600" kern="1200" dirty="0">
               <a:latin typeface="+mn-ea"/>
               <a:ea typeface="+mn-ea"/>
             </a:rPr>
             <a:t>公司赞助</a:t>
           </a:r>
-          <a:endParaRPr>
-            <a:solidFill>
-              <a:schemeClr val="tx1"/>
-            </a:solidFill>
-          </a:endParaRPr>
         </a:p>
       </dsp:txBody>
       <dsp:txXfrm>
         <a:off x="1984441" y="2373848"/>
-        <a:ext cx="1085188" cy="1711949"/>
+        <a:ext cx="1085187" cy="1711948"/>
       </dsp:txXfrm>
     </dsp:sp>
     <dsp:sp modelId="{52320FAD-E02B-4695-8C9D-F7B2E412DB02}">
       <dsp:nvSpPr>
-        <dsp:cNvPr id="8" name="Oval 7"/>
+        <dsp:cNvPr id="0" name=""/>
         <dsp:cNvSpPr/>
       </dsp:nvSpPr>
-      <dsp:spPr bwMode="white">
+      <dsp:spPr>
         <a:xfrm>
           <a:off x="2912734" y="1632684"/>
           <a:ext cx="313789" cy="313789"/>
@@ -2949,13 +2876,33 @@
         <a:prstGeom prst="ellipse">
           <a:avLst/>
         </a:prstGeom>
+        <a:solidFill>
+          <a:schemeClr val="accent1">
+            <a:hueOff val="0"/>
+            <a:satOff val="0"/>
+            <a:lumOff val="0"/>
+            <a:alphaOff val="0"/>
+          </a:schemeClr>
+        </a:solidFill>
+        <a:ln w="19050" cap="rnd" cmpd="sng" algn="ctr">
+          <a:solidFill>
+            <a:schemeClr val="lt1">
+              <a:hueOff val="0"/>
+              <a:satOff val="0"/>
+              <a:lumOff val="0"/>
+              <a:alphaOff val="0"/>
+            </a:schemeClr>
+          </a:solidFill>
+          <a:prstDash val="solid"/>
+        </a:ln>
+        <a:effectLst/>
       </dsp:spPr>
       <dsp:style>
         <a:lnRef idx="2">
-          <a:schemeClr val="lt1"/>
+          <a:scrgbClr r="0" g="0" b="0"/>
         </a:lnRef>
         <a:fillRef idx="1">
-          <a:schemeClr val="accent1"/>
+          <a:scrgbClr r="0" g="0" b="0"/>
         </a:fillRef>
         <a:effectRef idx="0">
           <a:scrgbClr r="0" g="0" b="0"/>
@@ -2964,35 +2911,32 @@
           <a:schemeClr val="lt1"/>
         </a:fontRef>
       </dsp:style>
-      <dsp:txXfrm>
-        <a:off x="2912734" y="1632684"/>
-        <a:ext cx="313789" cy="313789"/>
-      </dsp:txXfrm>
     </dsp:sp>
     <dsp:sp modelId="{1B0A9E80-58E0-4F1B-9807-0D08965C64F9}">
       <dsp:nvSpPr>
-        <dsp:cNvPr id="9" name="Rectangles 8"/>
+        <dsp:cNvPr id="0" name=""/>
         <dsp:cNvSpPr/>
       </dsp:nvSpPr>
-      <dsp:spPr bwMode="white">
+      <dsp:spPr>
         <a:xfrm>
-          <a:off x="3069629" y="1789579"/>
-          <a:ext cx="1261694" cy="2296218"/>
+          <a:off x="3069628" y="1789579"/>
+          <a:ext cx="1261694" cy="2296217"/>
         </a:xfrm>
         <a:prstGeom prst="rect">
           <a:avLst/>
         </a:prstGeom>
+        <a:noFill/>
+        <a:ln>
+          <a:noFill/>
+        </a:ln>
+        <a:effectLst/>
       </dsp:spPr>
       <dsp:style>
         <a:lnRef idx="0">
-          <a:schemeClr val="dk1">
-            <a:alpha val="0"/>
-          </a:schemeClr>
+          <a:scrgbClr r="0" g="0" b="0"/>
         </a:lnRef>
         <a:fillRef idx="0">
-          <a:schemeClr val="lt1">
-            <a:alpha val="0"/>
-          </a:schemeClr>
+          <a:scrgbClr r="0" g="0" b="0"/>
         </a:fillRef>
         <a:effectRef idx="0">
           <a:scrgbClr r="0" g="0" b="0"/>
@@ -3000,40 +2944,14 @@
         <a:fontRef idx="minor"/>
       </dsp:style>
       <dsp:txBody>
-        <a:bodyPr lIns="166270" tIns="0" rIns="0" bIns="0" anchor="t"/>
-        <a:lstStyle>
-          <a:lvl1pPr algn="l">
-            <a:defRPr sz="1500"/>
-          </a:lvl1pPr>
-          <a:lvl2pPr marL="57150" indent="-57150" algn="l">
-            <a:defRPr sz="1100"/>
-          </a:lvl2pPr>
-          <a:lvl3pPr marL="114300" indent="-57150" algn="l">
-            <a:defRPr sz="1100"/>
-          </a:lvl3pPr>
-          <a:lvl4pPr marL="171450" indent="-57150" algn="l">
-            <a:defRPr sz="1100"/>
-          </a:lvl4pPr>
-          <a:lvl5pPr marL="228600" indent="-57150" algn="l">
-            <a:defRPr sz="1100"/>
-          </a:lvl5pPr>
-          <a:lvl6pPr marL="285750" indent="-57150" algn="l">
-            <a:defRPr sz="1100"/>
-          </a:lvl6pPr>
-          <a:lvl7pPr marL="342900" indent="-57150" algn="l">
-            <a:defRPr sz="1100"/>
-          </a:lvl7pPr>
-          <a:lvl8pPr marL="400050" indent="-57150" algn="l">
-            <a:defRPr sz="1100"/>
-          </a:lvl8pPr>
-          <a:lvl9pPr marL="457200" indent="-57150" algn="l">
-            <a:defRPr sz="1100"/>
-          </a:lvl9pPr>
-        </a:lstStyle>
+        <a:bodyPr spcFirstLastPara="0" vert="horz" wrap="square" lIns="166270" tIns="0" rIns="0" bIns="0" numCol="1" spcCol="1270" anchor="t" anchorCtr="0">
+          <a:noAutofit/>
+        </a:bodyPr>
+        <a:lstStyle/>
         <a:p>
-          <a:pPr lvl="0">
+          <a:pPr lvl="0" algn="l" defTabSz="711200">
             <a:lnSpc>
-              <a:spcPct val="100000"/>
+              <a:spcPct val="90000"/>
             </a:lnSpc>
             <a:spcBef>
               <a:spcPct val="0"/>
@@ -3043,43 +2961,32 @@
             </a:spcAft>
           </a:pPr>
           <a:r>
-            <a:rPr lang="en-US" altLang="zh-CN" dirty="0">
-              <a:solidFill>
-                <a:schemeClr val="tx1"/>
-              </a:solidFill>
+            <a:rPr lang="en-US" altLang="zh-CN" sz="1600" kern="1200" dirty="0">
               <a:latin typeface="+mn-ea"/>
               <a:ea typeface="+mn-ea"/>
             </a:rPr>
             <a:t>2011</a:t>
           </a:r>
           <a:r>
-            <a:rPr lang="zh-CN" altLang="en-US" dirty="0">
-              <a:solidFill>
-                <a:schemeClr val="tx1"/>
-              </a:solidFill>
+            <a:rPr lang="zh-CN" altLang="en-US" sz="1600" kern="1200" dirty="0">
               <a:latin typeface="+mn-ea"/>
               <a:ea typeface="+mn-ea"/>
             </a:rPr>
             <a:t>年完成自举</a:t>
           </a:r>
-          <a:endParaRPr>
-            <a:solidFill>
-              <a:schemeClr val="tx1"/>
-            </a:solidFill>
-          </a:endParaRPr>
         </a:p>
       </dsp:txBody>
       <dsp:txXfrm>
-        <a:off x="3069629" y="1789579"/>
-        <a:ext cx="1261694" cy="2296218"/>
+        <a:off x="3069628" y="1789579"/>
+        <a:ext cx="1261694" cy="2296217"/>
       </dsp:txXfrm>
     </dsp:sp>
     <dsp:sp modelId="{11C52DA7-38F9-42BA-86EC-E1190751B3A9}">
       <dsp:nvSpPr>
-        <dsp:cNvPr id="10" name="Oval 9"/>
+        <dsp:cNvPr id="0" name=""/>
         <dsp:cNvSpPr/>
       </dsp:nvSpPr>
-      <dsp:spPr bwMode="white">
+      <dsp:spPr>
         <a:xfrm>
           <a:off x="4128667" y="1145657"/>
           <a:ext cx="405311" cy="405311"/>
@@ -3087,13 +2994,33 @@
         <a:prstGeom prst="ellipse">
           <a:avLst/>
         </a:prstGeom>
+        <a:solidFill>
+          <a:schemeClr val="accent1">
+            <a:hueOff val="0"/>
+            <a:satOff val="0"/>
+            <a:lumOff val="0"/>
+            <a:alphaOff val="0"/>
+          </a:schemeClr>
+        </a:solidFill>
+        <a:ln w="19050" cap="rnd" cmpd="sng" algn="ctr">
+          <a:solidFill>
+            <a:schemeClr val="lt1">
+              <a:hueOff val="0"/>
+              <a:satOff val="0"/>
+              <a:lumOff val="0"/>
+              <a:alphaOff val="0"/>
+            </a:schemeClr>
+          </a:solidFill>
+          <a:prstDash val="solid"/>
+        </a:ln>
+        <a:effectLst/>
       </dsp:spPr>
       <dsp:style>
         <a:lnRef idx="2">
-          <a:schemeClr val="lt1"/>
+          <a:scrgbClr r="0" g="0" b="0"/>
         </a:lnRef>
         <a:fillRef idx="1">
-          <a:schemeClr val="accent1"/>
+          <a:scrgbClr r="0" g="0" b="0"/>
         </a:fillRef>
         <a:effectRef idx="0">
           <a:scrgbClr r="0" g="0" b="0"/>
@@ -3102,35 +3029,32 @@
           <a:schemeClr val="lt1"/>
         </a:fontRef>
       </dsp:style>
-      <dsp:txXfrm>
-        <a:off x="4128667" y="1145657"/>
-        <a:ext cx="405311" cy="405311"/>
-      </dsp:txXfrm>
     </dsp:sp>
     <dsp:sp modelId="{A6A60C68-6B48-400D-989E-41B3A837A146}">
       <dsp:nvSpPr>
-        <dsp:cNvPr id="11" name="Rectangles 10"/>
+        <dsp:cNvPr id="0" name=""/>
         <dsp:cNvSpPr/>
       </dsp:nvSpPr>
-      <dsp:spPr bwMode="white">
+      <dsp:spPr>
         <a:xfrm>
           <a:off x="4331323" y="1348313"/>
-          <a:ext cx="1307455" cy="2737484"/>
+          <a:ext cx="1307455" cy="2737483"/>
         </a:xfrm>
         <a:prstGeom prst="rect">
           <a:avLst/>
         </a:prstGeom>
+        <a:noFill/>
+        <a:ln>
+          <a:noFill/>
+        </a:ln>
+        <a:effectLst/>
       </dsp:spPr>
       <dsp:style>
         <a:lnRef idx="0">
-          <a:schemeClr val="dk1">
-            <a:alpha val="0"/>
-          </a:schemeClr>
+          <a:scrgbClr r="0" g="0" b="0"/>
         </a:lnRef>
         <a:fillRef idx="0">
-          <a:schemeClr val="lt1">
-            <a:alpha val="0"/>
-          </a:schemeClr>
+          <a:scrgbClr r="0" g="0" b="0"/>
         </a:fillRef>
         <a:effectRef idx="0">
           <a:scrgbClr r="0" g="0" b="0"/>
@@ -3138,40 +3062,14 @@
         <a:fontRef idx="minor"/>
       </dsp:style>
       <dsp:txBody>
-        <a:bodyPr lIns="214765" tIns="0" rIns="0" bIns="0" anchor="t"/>
-        <a:lstStyle>
-          <a:lvl1pPr algn="l">
-            <a:defRPr sz="1500"/>
-          </a:lvl1pPr>
-          <a:lvl2pPr marL="114300" indent="-114300" algn="l">
-            <a:defRPr sz="1200"/>
-          </a:lvl2pPr>
-          <a:lvl3pPr marL="228600" indent="-114300" algn="l">
-            <a:defRPr sz="1200"/>
-          </a:lvl3pPr>
-          <a:lvl4pPr marL="342900" indent="-114300" algn="l">
-            <a:defRPr sz="1200"/>
-          </a:lvl4pPr>
-          <a:lvl5pPr marL="457200" indent="-114300" algn="l">
-            <a:defRPr sz="1200"/>
-          </a:lvl5pPr>
-          <a:lvl6pPr marL="571500" indent="-114300" algn="l">
-            <a:defRPr sz="1200"/>
-          </a:lvl6pPr>
-          <a:lvl7pPr marL="685800" indent="-114300" algn="l">
-            <a:defRPr sz="1200"/>
-          </a:lvl7pPr>
-          <a:lvl8pPr marL="800100" indent="-114300" algn="l">
-            <a:defRPr sz="1200"/>
-          </a:lvl8pPr>
-          <a:lvl9pPr marL="914400" indent="-114300" algn="l">
-            <a:defRPr sz="1200"/>
-          </a:lvl9pPr>
-        </a:lstStyle>
+        <a:bodyPr spcFirstLastPara="0" vert="horz" wrap="square" lIns="214766" tIns="0" rIns="0" bIns="0" numCol="1" spcCol="1270" anchor="t" anchorCtr="0">
+          <a:noAutofit/>
+        </a:bodyPr>
+        <a:lstStyle/>
         <a:p>
-          <a:pPr lvl="0">
+          <a:pPr lvl="0" algn="l" defTabSz="711200">
             <a:lnSpc>
-              <a:spcPct val="100000"/>
+              <a:spcPct val="90000"/>
             </a:lnSpc>
             <a:spcBef>
               <a:spcPct val="0"/>
@@ -3180,38 +3078,54 @@
               <a:spcPct val="35000"/>
             </a:spcAft>
           </a:pPr>
-          <a:endParaRPr lang="zh-CN" altLang="en-US">
-            <a:solidFill>
-              <a:schemeClr val="tx1"/>
-            </a:solidFill>
-          </a:endParaRPr>
+          <a:endParaRPr lang="zh-CN" altLang="en-US" sz="1600" kern="1200"/>
         </a:p>
       </dsp:txBody>
       <dsp:txXfrm>
         <a:off x="4331323" y="1348313"/>
-        <a:ext cx="1307455" cy="2737484"/>
+        <a:ext cx="1307455" cy="2737483"/>
       </dsp:txXfrm>
     </dsp:sp>
     <dsp:sp modelId="{709D4EEB-418B-4C8B-818F-B9749DC245C4}">
       <dsp:nvSpPr>
-        <dsp:cNvPr id="12" name="Oval 11"/>
+        <dsp:cNvPr id="0" name=""/>
         <dsp:cNvSpPr/>
       </dsp:nvSpPr>
-      <dsp:spPr bwMode="white">
+      <dsp:spPr>
         <a:xfrm>
-          <a:off x="5380556" y="820428"/>
-          <a:ext cx="516445" cy="516445"/>
+          <a:off x="5380555" y="820428"/>
+          <a:ext cx="516444" cy="516444"/>
         </a:xfrm>
         <a:prstGeom prst="ellipse">
           <a:avLst/>
         </a:prstGeom>
+        <a:solidFill>
+          <a:schemeClr val="accent1">
+            <a:hueOff val="0"/>
+            <a:satOff val="0"/>
+            <a:lumOff val="0"/>
+            <a:alphaOff val="0"/>
+          </a:schemeClr>
+        </a:solidFill>
+        <a:ln w="19050" cap="rnd" cmpd="sng" algn="ctr">
+          <a:solidFill>
+            <a:schemeClr val="lt1">
+              <a:hueOff val="0"/>
+              <a:satOff val="0"/>
+              <a:lumOff val="0"/>
+              <a:alphaOff val="0"/>
+            </a:schemeClr>
+          </a:solidFill>
+          <a:prstDash val="solid"/>
+        </a:ln>
+        <a:effectLst/>
       </dsp:spPr>
       <dsp:style>
         <a:lnRef idx="2">
-          <a:schemeClr val="lt1"/>
+          <a:scrgbClr r="0" g="0" b="0"/>
         </a:lnRef>
         <a:fillRef idx="1">
-          <a:schemeClr val="accent1"/>
+          <a:scrgbClr r="0" g="0" b="0"/>
         </a:fillRef>
         <a:effectRef idx="0">
           <a:scrgbClr r="0" g="0" b="0"/>
@@ -3220,35 +3134,32 @@
           <a:schemeClr val="lt1"/>
         </a:fontRef>
       </dsp:style>
-      <dsp:txXfrm>
-        <a:off x="5380556" y="820428"/>
-        <a:ext cx="516445" cy="516445"/>
-      </dsp:txXfrm>
     </dsp:sp>
     <dsp:sp modelId="{4BB30F82-E3F8-4F78-9892-353560ECF66A}">
       <dsp:nvSpPr>
-        <dsp:cNvPr id="13" name="Rectangles 12"/>
+        <dsp:cNvPr id="0" name=""/>
         <dsp:cNvSpPr/>
       </dsp:nvSpPr>
-      <dsp:spPr bwMode="white">
+      <dsp:spPr>
         <a:xfrm>
           <a:off x="5638778" y="1078650"/>
-          <a:ext cx="1307455" cy="3007147"/>
+          <a:ext cx="1307455" cy="3007146"/>
         </a:xfrm>
         <a:prstGeom prst="rect">
           <a:avLst/>
         </a:prstGeom>
+        <a:noFill/>
+        <a:ln>
+          <a:noFill/>
+        </a:ln>
+        <a:effectLst/>
       </dsp:spPr>
       <dsp:style>
         <a:lnRef idx="0">
-          <a:schemeClr val="dk1">
-            <a:alpha val="0"/>
-          </a:schemeClr>
+          <a:scrgbClr r="0" g="0" b="0"/>
         </a:lnRef>
         <a:fillRef idx="0">
-          <a:schemeClr val="lt1">
-            <a:alpha val="0"/>
-          </a:schemeClr>
+          <a:scrgbClr r="0" g="0" b="0"/>
         </a:fillRef>
         <a:effectRef idx="0">
           <a:scrgbClr r="0" g="0" b="0"/>
@@ -3256,40 +3167,14 @@
         <a:fontRef idx="minor"/>
       </dsp:style>
       <dsp:txBody>
-        <a:bodyPr lIns="273653" tIns="0" rIns="0" bIns="0" anchor="t"/>
-        <a:lstStyle>
-          <a:lvl1pPr algn="l">
-            <a:defRPr sz="1500"/>
-          </a:lvl1pPr>
-          <a:lvl2pPr marL="114300" indent="-114300" algn="l">
-            <a:defRPr sz="1200"/>
-          </a:lvl2pPr>
-          <a:lvl3pPr marL="228600" indent="-114300" algn="l">
-            <a:defRPr sz="1200"/>
-          </a:lvl3pPr>
-          <a:lvl4pPr marL="342900" indent="-114300" algn="l">
-            <a:defRPr sz="1200"/>
-          </a:lvl4pPr>
-          <a:lvl5pPr marL="457200" indent="-114300" algn="l">
-            <a:defRPr sz="1200"/>
-          </a:lvl5pPr>
-          <a:lvl6pPr marL="571500" indent="-114300" algn="l">
-            <a:defRPr sz="1200"/>
-          </a:lvl6pPr>
-          <a:lvl7pPr marL="685800" indent="-114300" algn="l">
-            <a:defRPr sz="1200"/>
-          </a:lvl7pPr>
-          <a:lvl8pPr marL="800100" indent="-114300" algn="l">
-            <a:defRPr sz="1200"/>
-          </a:lvl8pPr>
-          <a:lvl9pPr marL="914400" indent="-114300" algn="l">
-            <a:defRPr sz="1200"/>
-          </a:lvl9pPr>
-        </a:lstStyle>
+        <a:bodyPr spcFirstLastPara="0" vert="horz" wrap="square" lIns="273653" tIns="0" rIns="0" bIns="0" numCol="1" spcCol="1270" anchor="t" anchorCtr="0">
+          <a:noAutofit/>
+        </a:bodyPr>
+        <a:lstStyle/>
         <a:p>
-          <a:pPr lvl="0">
+          <a:pPr lvl="0" algn="l" defTabSz="711200">
             <a:lnSpc>
-              <a:spcPct val="100000"/>
+              <a:spcPct val="90000"/>
             </a:lnSpc>
             <a:spcBef>
               <a:spcPct val="0"/>
@@ -3298,16 +3183,12 @@
               <a:spcPct val="35000"/>
             </a:spcAft>
           </a:pPr>
-          <a:endParaRPr lang="zh-CN" altLang="en-US">
-            <a:solidFill>
-              <a:schemeClr val="tx1"/>
-            </a:solidFill>
-          </a:endParaRPr>
+          <a:endParaRPr lang="zh-CN" altLang="en-US" sz="1600" kern="1200"/>
         </a:p>
       </dsp:txBody>
       <dsp:txXfrm>
         <a:off x="5638778" y="1078650"/>
-        <a:ext cx="1307455" cy="3007147"/>
+        <a:ext cx="1307455" cy="3007146"/>
       </dsp:txXfrm>
     </dsp:sp>
   </dsp:spTree>
@@ -3315,7 +3196,7 @@
 </file>
 
 <file path=ppt/diagrams/layout1.xml><?xml version="1.0" encoding="utf-8"?>
-<dgm:layoutDef xmlns:dgm="http://schemas.openxmlformats.org/drawingml/2006/diagram" xmlns:a="http://schemas.openxmlformats.org/drawingml/2006/main" uniqueId="urn:microsoft.com/office/officeart/2005/8/layout/vList2">
+<dgm:layoutDef xmlns:dgm="http://schemas.openxmlformats.org/drawingml/2006/diagram" xmlns:a="http://schemas.openxmlformats.org/drawingml/2006/main" uniqueId="urn:microsoft.com/office/officeart/2005/8/layout/vList2#1">
   <dgm:title val=""/>
   <dgm:desc val=""/>
   <dgm:catLst>
@@ -3482,7 +3363,7 @@
 </file>
 
 <file path=ppt/diagrams/layout2.xml><?xml version="1.0" encoding="utf-8"?>
-<dgm:layoutDef xmlns:dgm="http://schemas.openxmlformats.org/drawingml/2006/diagram" xmlns:a="http://schemas.openxmlformats.org/drawingml/2006/main" uniqueId="urn:microsoft.com/office/officeart/2005/8/layout/arrow2">
+<dgm:layoutDef xmlns:dgm="http://schemas.openxmlformats.org/drawingml/2006/diagram" xmlns:a="http://schemas.openxmlformats.org/drawingml/2006/main" uniqueId="urn:microsoft.com/office/officeart/2005/8/layout/arrow2#1">
   <dgm:title val=""/>
   <dgm:desc val=""/>
   <dgm:catLst>
@@ -5127,7 +5008,7 @@
 </file>
 
 <file path=ppt/diagrams/quickStyle1.xml><?xml version="1.0" encoding="utf-8"?>
-<dgm:styleDef xmlns:dgm="http://schemas.openxmlformats.org/drawingml/2006/diagram" xmlns:a="http://schemas.openxmlformats.org/drawingml/2006/main" uniqueId="urn:microsoft.com/office/officeart/2005/8/quickstyle/simple1">
+<dgm:styleDef xmlns:dgm="http://schemas.openxmlformats.org/drawingml/2006/diagram" xmlns:a="http://schemas.openxmlformats.org/drawingml/2006/main" uniqueId="urn:microsoft.com/office/officeart/2005/8/quickstyle/simple1#1">
   <dgm:title val=""/>
   <dgm:desc val=""/>
   <dgm:catLst>
@@ -5142,6 +5023,7 @@
       <a:camera prst="orthographicFront"/>
       <a:lightRig rig="threePt" dir="t"/>
     </dgm:scene3d>
+    <dgm:sp3d/>
     <dgm:txPr/>
     <dgm:style>
       <a:lnRef idx="2">
@@ -5161,6 +5043,7 @@
       <a:camera prst="orthographicFront"/>
       <a:lightRig rig="threePt" dir="t"/>
     </dgm:scene3d>
+    <dgm:sp3d/>
     <dgm:txPr/>
     <dgm:style>
       <a:lnRef idx="2">
@@ -5180,6 +5063,7 @@
       <a:camera prst="orthographicFront"/>
       <a:lightRig rig="threePt" dir="t"/>
     </dgm:scene3d>
+    <dgm:sp3d/>
     <dgm:txPr/>
     <dgm:style>
       <a:lnRef idx="2">
@@ -5199,6 +5083,7 @@
       <a:camera prst="orthographicFront"/>
       <a:lightRig rig="threePt" dir="t"/>
     </dgm:scene3d>
+    <dgm:sp3d/>
     <dgm:txPr/>
     <dgm:style>
       <a:lnRef idx="2">
@@ -5220,6 +5105,7 @@
       <a:camera prst="orthographicFront"/>
       <a:lightRig rig="threePt" dir="t"/>
     </dgm:scene3d>
+    <dgm:sp3d/>
     <dgm:txPr/>
     <dgm:style>
       <a:lnRef idx="2">
@@ -5241,6 +5127,7 @@
       <a:camera prst="orthographicFront"/>
       <a:lightRig rig="threePt" dir="t"/>
     </dgm:scene3d>
+    <dgm:sp3d/>
     <dgm:txPr/>
     <dgm:style>
       <a:lnRef idx="2">
@@ -5262,6 +5149,7 @@
       <a:camera prst="orthographicFront"/>
       <a:lightRig rig="threePt" dir="t"/>
     </dgm:scene3d>
+    <dgm:sp3d/>
     <dgm:txPr/>
     <dgm:style>
       <a:lnRef idx="2">
@@ -5283,6 +5171,7 @@
       <a:camera prst="orthographicFront"/>
       <a:lightRig rig="threePt" dir="t"/>
     </dgm:scene3d>
+    <dgm:sp3d/>
     <dgm:txPr/>
     <dgm:style>
       <a:lnRef idx="2">
@@ -5304,6 +5193,7 @@
       <a:camera prst="orthographicFront"/>
       <a:lightRig rig="threePt" dir="t"/>
     </dgm:scene3d>
+    <dgm:sp3d/>
     <dgm:txPr/>
     <dgm:style>
       <a:lnRef idx="2">
@@ -5325,6 +5215,7 @@
       <a:camera prst="orthographicFront"/>
       <a:lightRig rig="threePt" dir="t"/>
     </dgm:scene3d>
+    <dgm:sp3d/>
     <dgm:txPr/>
     <dgm:style>
       <a:lnRef idx="2">
@@ -5344,6 +5235,7 @@
       <a:camera prst="orthographicFront"/>
       <a:lightRig rig="threePt" dir="t"/>
     </dgm:scene3d>
+    <dgm:sp3d/>
     <dgm:txPr/>
     <dgm:style>
       <a:lnRef idx="2">
@@ -5363,6 +5255,7 @@
       <a:camera prst="orthographicFront"/>
       <a:lightRig rig="threePt" dir="t"/>
     </dgm:scene3d>
+    <dgm:sp3d/>
     <dgm:txPr/>
     <dgm:style>
       <a:lnRef idx="2">
@@ -5382,6 +5275,7 @@
       <a:camera prst="orthographicFront"/>
       <a:lightRig rig="threePt" dir="t"/>
     </dgm:scene3d>
+    <dgm:sp3d/>
     <dgm:txPr/>
     <dgm:style>
       <a:lnRef idx="0">
@@ -5401,6 +5295,7 @@
       <a:camera prst="orthographicFront"/>
       <a:lightRig rig="threePt" dir="t"/>
     </dgm:scene3d>
+    <dgm:sp3d/>
     <dgm:txPr/>
     <dgm:style>
       <a:lnRef idx="0">
@@ -5422,6 +5317,7 @@
       <a:camera prst="orthographicFront"/>
       <a:lightRig rig="threePt" dir="t"/>
     </dgm:scene3d>
+    <dgm:sp3d/>
     <dgm:txPr/>
     <dgm:style>
       <a:lnRef idx="2">
@@ -5441,6 +5337,7 @@
       <a:camera prst="orthographicFront"/>
       <a:lightRig rig="threePt" dir="t"/>
     </dgm:scene3d>
+    <dgm:sp3d/>
     <dgm:txPr/>
     <dgm:style>
       <a:lnRef idx="2">
@@ -5460,6 +5357,7 @@
       <a:camera prst="orthographicFront"/>
       <a:lightRig rig="threePt" dir="t"/>
     </dgm:scene3d>
+    <dgm:sp3d/>
     <dgm:txPr/>
     <dgm:style>
       <a:lnRef idx="0">
@@ -5479,6 +5377,7 @@
       <a:camera prst="orthographicFront"/>
       <a:lightRig rig="threePt" dir="t"/>
     </dgm:scene3d>
+    <dgm:sp3d/>
     <dgm:txPr/>
     <dgm:style>
       <a:lnRef idx="2">
@@ -5498,6 +5397,7 @@
       <a:camera prst="orthographicFront"/>
       <a:lightRig rig="threePt" dir="t"/>
     </dgm:scene3d>
+    <dgm:sp3d/>
     <dgm:txPr/>
     <dgm:style>
       <a:lnRef idx="2">
@@ -5517,6 +5417,7 @@
       <a:camera prst="orthographicFront"/>
       <a:lightRig rig="threePt" dir="t"/>
     </dgm:scene3d>
+    <dgm:sp3d/>
     <dgm:txPr/>
     <dgm:style>
       <a:lnRef idx="2">
@@ -5536,6 +5437,7 @@
       <a:camera prst="orthographicFront"/>
       <a:lightRig rig="threePt" dir="t"/>
     </dgm:scene3d>
+    <dgm:sp3d/>
     <dgm:txPr/>
     <dgm:style>
       <a:lnRef idx="2">
@@ -5555,6 +5457,7 @@
       <a:camera prst="orthographicFront"/>
       <a:lightRig rig="threePt" dir="t"/>
     </dgm:scene3d>
+    <dgm:sp3d/>
     <dgm:txPr/>
     <dgm:style>
       <a:lnRef idx="2">
@@ -5574,6 +5477,7 @@
       <a:camera prst="orthographicFront"/>
       <a:lightRig rig="threePt" dir="t"/>
     </dgm:scene3d>
+    <dgm:sp3d/>
     <dgm:txPr/>
     <dgm:style>
       <a:lnRef idx="2">
@@ -5593,6 +5497,7 @@
       <a:camera prst="orthographicFront"/>
       <a:lightRig rig="threePt" dir="t"/>
     </dgm:scene3d>
+    <dgm:sp3d/>
     <dgm:txPr/>
     <dgm:style>
       <a:lnRef idx="2">
@@ -5612,6 +5517,7 @@
       <a:camera prst="orthographicFront"/>
       <a:lightRig rig="threePt" dir="t"/>
     </dgm:scene3d>
+    <dgm:sp3d/>
     <dgm:txPr/>
     <dgm:style>
       <a:lnRef idx="2">
@@ -5631,6 +5537,7 @@
       <a:camera prst="orthographicFront"/>
       <a:lightRig rig="threePt" dir="t"/>
     </dgm:scene3d>
+    <dgm:sp3d/>
     <dgm:txPr/>
     <dgm:style>
       <a:lnRef idx="0">
@@ -5652,6 +5559,7 @@
       <a:camera prst="orthographicFront"/>
       <a:lightRig rig="threePt" dir="t"/>
     </dgm:scene3d>
+    <dgm:sp3d/>
     <dgm:txPr/>
     <dgm:style>
       <a:lnRef idx="2">
@@ -5673,6 +5581,7 @@
       <a:camera prst="orthographicFront"/>
       <a:lightRig rig="threePt" dir="t"/>
     </dgm:scene3d>
+    <dgm:sp3d/>
     <dgm:txPr/>
     <dgm:style>
       <a:lnRef idx="2">
@@ -5694,6 +5603,7 @@
       <a:camera prst="orthographicFront"/>
       <a:lightRig rig="threePt" dir="t"/>
     </dgm:scene3d>
+    <dgm:sp3d/>
     <dgm:txPr/>
     <dgm:style>
       <a:lnRef idx="2">
@@ -5715,6 +5625,7 @@
       <a:camera prst="orthographicFront"/>
       <a:lightRig rig="threePt" dir="t"/>
     </dgm:scene3d>
+    <dgm:sp3d/>
     <dgm:txPr/>
     <dgm:style>
       <a:lnRef idx="2">
@@ -5736,6 +5647,7 @@
       <a:camera prst="orthographicFront"/>
       <a:lightRig rig="threePt" dir="t"/>
     </dgm:scene3d>
+    <dgm:sp3d/>
     <dgm:txPr/>
     <dgm:style>
       <a:lnRef idx="2">
@@ -5757,6 +5669,7 @@
       <a:camera prst="orthographicFront"/>
       <a:lightRig rig="threePt" dir="t"/>
     </dgm:scene3d>
+    <dgm:sp3d/>
     <dgm:txPr/>
     <dgm:style>
       <a:lnRef idx="2">
@@ -5778,6 +5691,7 @@
       <a:camera prst="orthographicFront"/>
       <a:lightRig rig="threePt" dir="t"/>
     </dgm:scene3d>
+    <dgm:sp3d/>
     <dgm:txPr/>
     <dgm:style>
       <a:lnRef idx="2">
@@ -5797,6 +5711,7 @@
       <a:camera prst="orthographicFront"/>
       <a:lightRig rig="threePt" dir="t"/>
     </dgm:scene3d>
+    <dgm:sp3d/>
     <dgm:txPr/>
     <dgm:style>
       <a:lnRef idx="2">
@@ -5816,6 +5731,7 @@
       <a:camera prst="orthographicFront"/>
       <a:lightRig rig="threePt" dir="t"/>
     </dgm:scene3d>
+    <dgm:sp3d/>
     <dgm:txPr/>
     <dgm:style>
       <a:lnRef idx="2">
@@ -5835,6 +5751,7 @@
       <a:camera prst="orthographicFront"/>
       <a:lightRig rig="threePt" dir="t"/>
     </dgm:scene3d>
+    <dgm:sp3d/>
     <dgm:txPr/>
     <dgm:style>
       <a:lnRef idx="2">
@@ -5854,6 +5771,7 @@
       <a:camera prst="orthographicFront"/>
       <a:lightRig rig="threePt" dir="t"/>
     </dgm:scene3d>
+    <dgm:sp3d/>
     <dgm:txPr/>
     <dgm:style>
       <a:lnRef idx="2">
@@ -5875,6 +5793,7 @@
       <a:camera prst="orthographicFront"/>
       <a:lightRig rig="threePt" dir="t"/>
     </dgm:scene3d>
+    <dgm:sp3d/>
     <dgm:txPr/>
     <dgm:style>
       <a:lnRef idx="2">
@@ -5896,6 +5815,7 @@
       <a:camera prst="orthographicFront"/>
       <a:lightRig rig="threePt" dir="t"/>
     </dgm:scene3d>
+    <dgm:sp3d/>
     <dgm:txPr/>
     <dgm:style>
       <a:lnRef idx="2">
@@ -5917,6 +5837,7 @@
       <a:camera prst="orthographicFront"/>
       <a:lightRig rig="threePt" dir="t"/>
     </dgm:scene3d>
+    <dgm:sp3d/>
     <dgm:txPr/>
     <dgm:style>
       <a:lnRef idx="2">
@@ -5938,6 +5859,7 @@
       <a:camera prst="orthographicFront"/>
       <a:lightRig rig="threePt" dir="t"/>
     </dgm:scene3d>
+    <dgm:sp3d/>
     <dgm:txPr/>
     <dgm:style>
       <a:lnRef idx="0">
@@ -5957,6 +5879,7 @@
       <a:camera prst="orthographicFront"/>
       <a:lightRig rig="threePt" dir="t"/>
     </dgm:scene3d>
+    <dgm:sp3d/>
     <dgm:txPr/>
     <dgm:style>
       <a:lnRef idx="1">
@@ -5976,6 +5899,7 @@
       <a:camera prst="orthographicFront"/>
       <a:lightRig rig="threePt" dir="t"/>
     </dgm:scene3d>
+    <dgm:sp3d/>
     <dgm:txPr/>
     <dgm:style>
       <a:lnRef idx="0">
@@ -5997,6 +5921,7 @@
       <a:camera prst="orthographicFront"/>
       <a:lightRig rig="threePt" dir="t"/>
     </dgm:scene3d>
+    <dgm:sp3d/>
     <dgm:txPr/>
     <dgm:style>
       <a:lnRef idx="2">
@@ -6016,6 +5941,7 @@
       <a:camera prst="orthographicFront"/>
       <a:lightRig rig="threePt" dir="t"/>
     </dgm:scene3d>
+    <dgm:sp3d/>
     <dgm:txPr/>
     <dgm:style>
       <a:lnRef idx="2">
@@ -6035,6 +5961,7 @@
       <a:camera prst="orthographicFront"/>
       <a:lightRig rig="threePt" dir="t"/>
     </dgm:scene3d>
+    <dgm:sp3d/>
     <dgm:txPr/>
     <dgm:style>
       <a:lnRef idx="2">
@@ -6054,6 +5981,7 @@
       <a:camera prst="orthographicFront"/>
       <a:lightRig rig="threePt" dir="t"/>
     </dgm:scene3d>
+    <dgm:sp3d/>
     <dgm:txPr/>
     <dgm:style>
       <a:lnRef idx="1">
@@ -6073,6 +6001,7 @@
       <a:camera prst="orthographicFront"/>
       <a:lightRig rig="threePt" dir="t"/>
     </dgm:scene3d>
+    <dgm:sp3d/>
     <dgm:txPr/>
     <dgm:style>
       <a:lnRef idx="0">
@@ -6092,6 +6021,7 @@
       <a:camera prst="orthographicFront"/>
       <a:lightRig rig="threePt" dir="t"/>
     </dgm:scene3d>
+    <dgm:sp3d/>
     <dgm:txPr/>
     <dgm:style>
       <a:lnRef idx="2">
@@ -6112,7 +6042,7 @@
 </file>
 
 <file path=ppt/diagrams/quickStyle2.xml><?xml version="1.0" encoding="utf-8"?>
-<dgm:styleDef xmlns:dgm="http://schemas.openxmlformats.org/drawingml/2006/diagram" xmlns:a="http://schemas.openxmlformats.org/drawingml/2006/main" uniqueId="urn:microsoft.com/office/officeart/2005/8/quickstyle/simple1">
+<dgm:styleDef xmlns:dgm="http://schemas.openxmlformats.org/drawingml/2006/diagram" xmlns:a="http://schemas.openxmlformats.org/drawingml/2006/main" uniqueId="urn:microsoft.com/office/officeart/2005/8/quickstyle/simple1#2">
   <dgm:title val=""/>
   <dgm:desc val=""/>
   <dgm:catLst>
@@ -6127,6 +6057,7 @@
       <a:camera prst="orthographicFront"/>
       <a:lightRig rig="threePt" dir="t"/>
     </dgm:scene3d>
+    <dgm:sp3d/>
     <dgm:txPr/>
     <dgm:style>
       <a:lnRef idx="2">
@@ -6146,6 +6077,7 @@
       <a:camera prst="orthographicFront"/>
       <a:lightRig rig="threePt" dir="t"/>
     </dgm:scene3d>
+    <dgm:sp3d/>
     <dgm:txPr/>
     <dgm:style>
       <a:lnRef idx="2">
@@ -6165,6 +6097,7 @@
       <a:camera prst="orthographicFront"/>
       <a:lightRig rig="threePt" dir="t"/>
     </dgm:scene3d>
+    <dgm:sp3d/>
     <dgm:txPr/>
     <dgm:style>
       <a:lnRef idx="2">
@@ -6184,6 +6117,7 @@
       <a:camera prst="orthographicFront"/>
       <a:lightRig rig="threePt" dir="t"/>
     </dgm:scene3d>
+    <dgm:sp3d/>
     <dgm:txPr/>
     <dgm:style>
       <a:lnRef idx="2">
@@ -6205,6 +6139,7 @@
       <a:camera prst="orthographicFront"/>
       <a:lightRig rig="threePt" dir="t"/>
     </dgm:scene3d>
+    <dgm:sp3d/>
     <dgm:txPr/>
     <dgm:style>
       <a:lnRef idx="2">
@@ -6226,6 +6161,7 @@
       <a:camera prst="orthographicFront"/>
       <a:lightRig rig="threePt" dir="t"/>
     </dgm:scene3d>
+    <dgm:sp3d/>
     <dgm:txPr/>
     <dgm:style>
       <a:lnRef idx="2">
@@ -6247,6 +6183,7 @@
       <a:camera prst="orthographicFront"/>
       <a:lightRig rig="threePt" dir="t"/>
     </dgm:scene3d>
+    <dgm:sp3d/>
     <dgm:txPr/>
     <dgm:style>
       <a:lnRef idx="2">
@@ -6268,6 +6205,7 @@
       <a:camera prst="orthographicFront"/>
       <a:lightRig rig="threePt" dir="t"/>
     </dgm:scene3d>
+    <dgm:sp3d/>
     <dgm:txPr/>
     <dgm:style>
       <a:lnRef idx="2">
@@ -6289,6 +6227,7 @@
       <a:camera prst="orthographicFront"/>
       <a:lightRig rig="threePt" dir="t"/>
     </dgm:scene3d>
+    <dgm:sp3d/>
     <dgm:txPr/>
     <dgm:style>
       <a:lnRef idx="2">
@@ -6310,6 +6249,7 @@
       <a:camera prst="orthographicFront"/>
       <a:lightRig rig="threePt" dir="t"/>
     </dgm:scene3d>
+    <dgm:sp3d/>
     <dgm:txPr/>
     <dgm:style>
       <a:lnRef idx="2">
@@ -6329,6 +6269,7 @@
       <a:camera prst="orthographicFront"/>
       <a:lightRig rig="threePt" dir="t"/>
     </dgm:scene3d>
+    <dgm:sp3d/>
     <dgm:txPr/>
     <dgm:style>
       <a:lnRef idx="2">
@@ -6348,6 +6289,7 @@
       <a:camera prst="orthographicFront"/>
       <a:lightRig rig="threePt" dir="t"/>
     </dgm:scene3d>
+    <dgm:sp3d/>
     <dgm:txPr/>
     <dgm:style>
       <a:lnRef idx="2">
@@ -6367,6 +6309,7 @@
       <a:camera prst="orthographicFront"/>
       <a:lightRig rig="threePt" dir="t"/>
     </dgm:scene3d>
+    <dgm:sp3d/>
     <dgm:txPr/>
     <dgm:style>
       <a:lnRef idx="0">
@@ -6386,6 +6329,7 @@
       <a:camera prst="orthographicFront"/>
       <a:lightRig rig="threePt" dir="t"/>
     </dgm:scene3d>
+    <dgm:sp3d/>
     <dgm:txPr/>
     <dgm:style>
       <a:lnRef idx="0">
@@ -6407,6 +6351,7 @@
       <a:camera prst="orthographicFront"/>
       <a:lightRig rig="threePt" dir="t"/>
     </dgm:scene3d>
+    <dgm:sp3d/>
     <dgm:txPr/>
     <dgm:style>
       <a:lnRef idx="2">
@@ -6426,6 +6371,7 @@
       <a:camera prst="orthographicFront"/>
       <a:lightRig rig="threePt" dir="t"/>
     </dgm:scene3d>
+    <dgm:sp3d/>
     <dgm:txPr/>
     <dgm:style>
       <a:lnRef idx="2">
@@ -6445,6 +6391,7 @@
       <a:camera prst="orthographicFront"/>
       <a:lightRig rig="threePt" dir="t"/>
     </dgm:scene3d>
+    <dgm:sp3d/>
     <dgm:txPr/>
     <dgm:style>
       <a:lnRef idx="0">
@@ -6464,6 +6411,7 @@
       <a:camera prst="orthographicFront"/>
       <a:lightRig rig="threePt" dir="t"/>
     </dgm:scene3d>
+    <dgm:sp3d/>
     <dgm:txPr/>
     <dgm:style>
       <a:lnRef idx="2">
@@ -6483,6 +6431,7 @@
       <a:camera prst="orthographicFront"/>
       <a:lightRig rig="threePt" dir="t"/>
     </dgm:scene3d>
+    <dgm:sp3d/>
     <dgm:txPr/>
     <dgm:style>
       <a:lnRef idx="2">
@@ -6502,6 +6451,7 @@
       <a:camera prst="orthographicFront"/>
       <a:lightRig rig="threePt" dir="t"/>
     </dgm:scene3d>
+    <dgm:sp3d/>
     <dgm:txPr/>
     <dgm:style>
       <a:lnRef idx="2">
@@ -6521,6 +6471,7 @@
       <a:camera prst="orthographicFront"/>
       <a:lightRig rig="threePt" dir="t"/>
     </dgm:scene3d>
+    <dgm:sp3d/>
     <dgm:txPr/>
     <dgm:style>
       <a:lnRef idx="2">
@@ -6540,6 +6491,7 @@
       <a:camera prst="orthographicFront"/>
       <a:lightRig rig="threePt" dir="t"/>
     </dgm:scene3d>
+    <dgm:sp3d/>
     <dgm:txPr/>
     <dgm:style>
       <a:lnRef idx="2">
@@ -6559,6 +6511,7 @@
       <a:camera prst="orthographicFront"/>
       <a:lightRig rig="threePt" dir="t"/>
     </dgm:scene3d>
+    <dgm:sp3d/>
     <dgm:txPr/>
     <dgm:style>
       <a:lnRef idx="2">
@@ -6578,6 +6531,7 @@
       <a:camera prst="orthographicFront"/>
       <a:lightRig rig="threePt" dir="t"/>
     </dgm:scene3d>
+    <dgm:sp3d/>
     <dgm:txPr/>
     <dgm:style>
       <a:lnRef idx="2">
@@ -6597,6 +6551,7 @@
       <a:camera prst="orthographicFront"/>
       <a:lightRig rig="threePt" dir="t"/>
     </dgm:scene3d>
+    <dgm:sp3d/>
     <dgm:txPr/>
     <dgm:style>
       <a:lnRef idx="2">
@@ -6616,6 +6571,7 @@
       <a:camera prst="orthographicFront"/>
       <a:lightRig rig="threePt" dir="t"/>
     </dgm:scene3d>
+    <dgm:sp3d/>
     <dgm:txPr/>
     <dgm:style>
       <a:lnRef idx="0">
@@ -6637,6 +6593,7 @@
       <a:camera prst="orthographicFront"/>
       <a:lightRig rig="threePt" dir="t"/>
     </dgm:scene3d>
+    <dgm:sp3d/>
     <dgm:txPr/>
     <dgm:style>
       <a:lnRef idx="2">
@@ -6658,6 +6615,7 @@
       <a:camera prst="orthographicFront"/>
       <a:lightRig rig="threePt" dir="t"/>
     </dgm:scene3d>
+    <dgm:sp3d/>
     <dgm:txPr/>
     <dgm:style>
       <a:lnRef idx="2">
@@ -6679,6 +6637,7 @@
       <a:camera prst="orthographicFront"/>
       <a:lightRig rig="threePt" dir="t"/>
     </dgm:scene3d>
+    <dgm:sp3d/>
     <dgm:txPr/>
     <dgm:style>
       <a:lnRef idx="2">
@@ -6700,6 +6659,7 @@
       <a:camera prst="orthographicFront"/>
       <a:lightRig rig="threePt" dir="t"/>
     </dgm:scene3d>
+    <dgm:sp3d/>
     <dgm:txPr/>
     <dgm:style>
       <a:lnRef idx="2">
@@ -6721,6 +6681,7 @@
       <a:camera prst="orthographicFront"/>
       <a:lightRig rig="threePt" dir="t"/>
     </dgm:scene3d>
+    <dgm:sp3d/>
     <dgm:txPr/>
     <dgm:style>
       <a:lnRef idx="2">
@@ -6742,6 +6703,7 @@
       <a:camera prst="orthographicFront"/>
       <a:lightRig rig="threePt" dir="t"/>
     </dgm:scene3d>
+    <dgm:sp3d/>
     <dgm:txPr/>
     <dgm:style>
       <a:lnRef idx="2">
@@ -6763,6 +6725,7 @@
       <a:camera prst="orthographicFront"/>
       <a:lightRig rig="threePt" dir="t"/>
     </dgm:scene3d>
+    <dgm:sp3d/>
     <dgm:txPr/>
     <dgm:style>
       <a:lnRef idx="2">
@@ -6782,6 +6745,7 @@
       <a:camera prst="orthographicFront"/>
       <a:lightRig rig="threePt" dir="t"/>
     </dgm:scene3d>
+    <dgm:sp3d/>
     <dgm:txPr/>
     <dgm:style>
       <a:lnRef idx="2">
@@ -6801,6 +6765,7 @@
       <a:camera prst="orthographicFront"/>
       <a:lightRig rig="threePt" dir="t"/>
     </dgm:scene3d>
+    <dgm:sp3d/>
     <dgm:txPr/>
     <dgm:style>
       <a:lnRef idx="2">
@@ -6820,6 +6785,7 @@
       <a:camera prst="orthographicFront"/>
       <a:lightRig rig="threePt" dir="t"/>
     </dgm:scene3d>
+    <dgm:sp3d/>
     <dgm:txPr/>
     <dgm:style>
       <a:lnRef idx="2">
@@ -6839,6 +6805,7 @@
       <a:camera prst="orthographicFront"/>
       <a:lightRig rig="threePt" dir="t"/>
     </dgm:scene3d>
+    <dgm:sp3d/>
     <dgm:txPr/>
     <dgm:style>
       <a:lnRef idx="2">
@@ -6860,6 +6827,7 @@
       <a:camera prst="orthographicFront"/>
       <a:lightRig rig="threePt" dir="t"/>
     </dgm:scene3d>
+    <dgm:sp3d/>
     <dgm:txPr/>
     <dgm:style>
       <a:lnRef idx="2">
@@ -6881,6 +6849,7 @@
       <a:camera prst="orthographicFront"/>
       <a:lightRig rig="threePt" dir="t"/>
     </dgm:scene3d>
+    <dgm:sp3d/>
     <dgm:txPr/>
     <dgm:style>
       <a:lnRef idx="2">
@@ -6902,6 +6871,7 @@
       <a:camera prst="orthographicFront"/>
       <a:lightRig rig="threePt" dir="t"/>
     </dgm:scene3d>
+    <dgm:sp3d/>
     <dgm:txPr/>
     <dgm:style>
       <a:lnRef idx="2">
@@ -6923,6 +6893,7 @@
       <a:camera prst="orthographicFront"/>
       <a:lightRig rig="threePt" dir="t"/>
     </dgm:scene3d>
+    <dgm:sp3d/>
     <dgm:txPr/>
     <dgm:style>
       <a:lnRef idx="0">
@@ -6942,6 +6913,7 @@
       <a:camera prst="orthographicFront"/>
       <a:lightRig rig="threePt" dir="t"/>
     </dgm:scene3d>
+    <dgm:sp3d/>
     <dgm:txPr/>
     <dgm:style>
       <a:lnRef idx="1">
@@ -6961,6 +6933,7 @@
       <a:camera prst="orthographicFront"/>
       <a:lightRig rig="threePt" dir="t"/>
     </dgm:scene3d>
+    <dgm:sp3d/>
     <dgm:txPr/>
     <dgm:style>
       <a:lnRef idx="0">
@@ -6982,6 +6955,7 @@
       <a:camera prst="orthographicFront"/>
       <a:lightRig rig="threePt" dir="t"/>
     </dgm:scene3d>
+    <dgm:sp3d/>
     <dgm:txPr/>
     <dgm:style>
       <a:lnRef idx="2">
@@ -7001,6 +6975,7 @@
       <a:camera prst="orthographicFront"/>
       <a:lightRig rig="threePt" dir="t"/>
     </dgm:scene3d>
+    <dgm:sp3d/>
     <dgm:txPr/>
     <dgm:style>
       <a:lnRef idx="2">
@@ -7020,6 +6995,7 @@
       <a:camera prst="orthographicFront"/>
       <a:lightRig rig="threePt" dir="t"/>
     </dgm:scene3d>
+    <dgm:sp3d/>
     <dgm:txPr/>
     <dgm:style>
       <a:lnRef idx="2">
@@ -7039,6 +7015,7 @@
       <a:camera prst="orthographicFront"/>
       <a:lightRig rig="threePt" dir="t"/>
     </dgm:scene3d>
+    <dgm:sp3d/>
     <dgm:txPr/>
     <dgm:style>
       <a:lnRef idx="1">
@@ -7058,6 +7035,7 @@
       <a:camera prst="orthographicFront"/>
       <a:lightRig rig="threePt" dir="t"/>
     </dgm:scene3d>
+    <dgm:sp3d/>
     <dgm:txPr/>
     <dgm:style>
       <a:lnRef idx="0">
@@ -7077,6 +7055,7 @@
       <a:camera prst="orthographicFront"/>
       <a:lightRig rig="threePt" dir="t"/>
     </dgm:scene3d>
+    <dgm:sp3d/>
     <dgm:txPr/>
     <dgm:style>
       <a:lnRef idx="2">
@@ -7178,6 +7157,7 @@
           <a:p>
             <a:fld id="{05389ADD-357A-448F-B13B-6EC087BE2CAF}" type="datetimeFigureOut">
               <a:rPr lang="zh-CN" altLang="en-US" smtClean="0"/>
+              <a:t>2021/11/30</a:t>
             </a:fld>
             <a:endParaRPr lang="zh-CN" altLang="en-US"/>
           </a:p>
@@ -7244,7 +7224,6 @@
               <a:rPr lang="zh-CN" altLang="en-US"/>
               <a:t>单击此处编辑母版文本样式</a:t>
             </a:r>
-            <a:endParaRPr lang="zh-CN" altLang="en-US"/>
           </a:p>
           <a:p>
             <a:pPr lvl="1"/>
@@ -7252,7 +7231,6 @@
               <a:rPr lang="zh-CN" altLang="en-US"/>
               <a:t>第二级</a:t>
             </a:r>
-            <a:endParaRPr lang="zh-CN" altLang="en-US"/>
           </a:p>
           <a:p>
             <a:pPr lvl="2"/>
@@ -7260,7 +7238,6 @@
               <a:rPr lang="zh-CN" altLang="en-US"/>
               <a:t>第三级</a:t>
             </a:r>
-            <a:endParaRPr lang="zh-CN" altLang="en-US"/>
           </a:p>
           <a:p>
             <a:pPr lvl="3"/>
@@ -7268,7 +7245,6 @@
               <a:rPr lang="zh-CN" altLang="en-US"/>
               <a:t>第四级</a:t>
             </a:r>
-            <a:endParaRPr lang="zh-CN" altLang="en-US"/>
           </a:p>
           <a:p>
             <a:pPr lvl="4"/>
@@ -7276,7 +7252,6 @@
               <a:rPr lang="zh-CN" altLang="en-US"/>
               <a:t>第五级</a:t>
             </a:r>
-            <a:endParaRPr lang="zh-CN" altLang="en-US"/>
           </a:p>
         </p:txBody>
       </p:sp>
@@ -7340,12 +7315,18 @@
           <a:p>
             <a:fld id="{6245CCF4-CF1B-4B4B-B5D0-2221EBE362B5}" type="slidenum">
               <a:rPr lang="zh-CN" altLang="en-US" smtClean="0"/>
+              <a:t>‹#›</a:t>
             </a:fld>
             <a:endParaRPr lang="zh-CN" altLang="en-US"/>
           </a:p>
         </p:txBody>
       </p:sp>
     </p:spTree>
+    <p:extLst>
+      <p:ext uri="{BB962C8B-B14F-4D97-AF65-F5344CB8AC3E}">
+        <p14:creationId xmlns:p14="http://schemas.microsoft.com/office/powerpoint/2010/main" val="2490318565"/>
+      </p:ext>
+    </p:extLst>
   </p:cSld>
   <p:clrMap bg1="lt1" tx1="dk1" bg2="lt2" tx2="dk2" accent1="accent1" accent2="accent2" accent3="accent3" accent4="accent4" accent5="accent5" accent6="accent6" hlink="hlink" folHlink="folHlink"/>
   <p:notesStyle>
@@ -7672,12 +7653,18 @@
           <a:p>
             <a:fld id="{6245CCF4-CF1B-4B4B-B5D0-2221EBE362B5}" type="slidenum">
               <a:rPr lang="zh-CN" altLang="en-US" smtClean="0"/>
+              <a:t>3</a:t>
             </a:fld>
             <a:endParaRPr lang="zh-CN" altLang="en-US"/>
           </a:p>
         </p:txBody>
       </p:sp>
     </p:spTree>
+    <p:extLst>
+      <p:ext uri="{BB962C8B-B14F-4D97-AF65-F5344CB8AC3E}">
+        <p14:creationId xmlns:p14="http://schemas.microsoft.com/office/powerpoint/2010/main" val="942547766"/>
+      </p:ext>
+    </p:extLst>
   </p:cSld>
   <p:clrMapOvr>
     <a:masterClrMapping/>
@@ -7750,12 +7737,18 @@
           <a:p>
             <a:fld id="{6245CCF4-CF1B-4B4B-B5D0-2221EBE362B5}" type="slidenum">
               <a:rPr lang="zh-CN" altLang="en-US" smtClean="0"/>
+              <a:t>13</a:t>
             </a:fld>
             <a:endParaRPr lang="zh-CN" altLang="en-US"/>
           </a:p>
         </p:txBody>
       </p:sp>
     </p:spTree>
+    <p:extLst>
+      <p:ext uri="{BB962C8B-B14F-4D97-AF65-F5344CB8AC3E}">
+        <p14:creationId xmlns:p14="http://schemas.microsoft.com/office/powerpoint/2010/main" val="2025390987"/>
+      </p:ext>
+    </p:extLst>
   </p:cSld>
   <p:clrMapOvr>
     <a:masterClrMapping/>
@@ -7807,7 +7800,7 @@
           <a:bodyPr/>
           <a:lstStyle/>
           <a:p>
-            <a:endParaRPr kumimoji="1" lang="zh-CN" altLang="en-US"/>
+            <a:endParaRPr lang="zh-CN" altLang="en-US" dirty="0"/>
           </a:p>
         </p:txBody>
       </p:sp>
@@ -7818,7 +7811,7 @@
             <a:spLocks noGrp="1"/>
           </p:cNvSpPr>
           <p:nvPr>
-            <p:ph type="sldNum" sz="quarter" idx="5"/>
+            <p:ph type="sldNum" sz="quarter" idx="10"/>
           </p:nvPr>
         </p:nvSpPr>
         <p:spPr/>
@@ -7828,12 +7821,158 @@
           <a:p>
             <a:fld id="{6245CCF4-CF1B-4B4B-B5D0-2221EBE362B5}" type="slidenum">
               <a:rPr lang="zh-CN" altLang="en-US" smtClean="0"/>
+              <a:t>14</a:t>
             </a:fld>
             <a:endParaRPr lang="zh-CN" altLang="en-US"/>
           </a:p>
         </p:txBody>
       </p:sp>
     </p:spTree>
+    <p:extLst>
+      <p:ext uri="{BB962C8B-B14F-4D97-AF65-F5344CB8AC3E}">
+        <p14:creationId xmlns:p14="http://schemas.microsoft.com/office/powerpoint/2010/main" val="4247127536"/>
+      </p:ext>
+    </p:extLst>
+  </p:cSld>
+  <p:clrMapOvr>
+    <a:masterClrMapping/>
+  </p:clrMapOvr>
+</p:notes>
+</file>
+
+<file path=ppt/notesSlides/notesSlide12.xml><?xml version="1.0" encoding="utf-8"?>
+<p:notes xmlns:a="http://schemas.openxmlformats.org/drawingml/2006/main" xmlns:r="http://schemas.openxmlformats.org/officeDocument/2006/relationships" xmlns:p="http://schemas.openxmlformats.org/presentationml/2006/main">
+  <p:cSld>
+    <p:spTree>
+      <p:nvGrpSpPr>
+        <p:cNvPr id="1" name=""/>
+        <p:cNvGrpSpPr/>
+        <p:nvPr/>
+      </p:nvGrpSpPr>
+      <p:grpSpPr>
+        <a:xfrm>
+          <a:off x="0" y="0"/>
+          <a:ext cx="0" cy="0"/>
+          <a:chOff x="0" y="0"/>
+          <a:chExt cx="0" cy="0"/>
+        </a:xfrm>
+      </p:grpSpPr>
+      <p:sp>
+        <p:nvSpPr>
+          <p:cNvPr id="2" name="幻灯片图像占位符 1"/>
+          <p:cNvSpPr>
+            <a:spLocks noGrp="1" noRot="1" noChangeAspect="1"/>
+          </p:cNvSpPr>
+          <p:nvPr>
+            <p:ph type="sldImg"/>
+          </p:nvPr>
+        </p:nvSpPr>
+        <p:spPr/>
+      </p:sp>
+      <p:sp>
+        <p:nvSpPr>
+          <p:cNvPr id="3" name="备注占位符 2"/>
+          <p:cNvSpPr>
+            <a:spLocks noGrp="1"/>
+          </p:cNvSpPr>
+          <p:nvPr>
+            <p:ph type="body" idx="1"/>
+          </p:nvPr>
+        </p:nvSpPr>
+        <p:spPr/>
+        <p:txBody>
+          <a:bodyPr/>
+          <a:lstStyle/>
+          <a:p>
+            <a:r>
+              <a:rPr lang="en-US" altLang="zh-CN" dirty="0" smtClean="0"/>
+              <a:t>Rust</a:t>
+            </a:r>
+            <a:r>
+              <a:rPr lang="zh-CN" altLang="en-US" dirty="0" smtClean="0"/>
+              <a:t>发展是依赖社区和开发团队共同推进的，</a:t>
+            </a:r>
+            <a:r>
+              <a:rPr lang="en-US" altLang="zh-CN" dirty="0" smtClean="0"/>
+              <a:t>rust</a:t>
+            </a:r>
+            <a:r>
+              <a:rPr lang="zh-CN" altLang="en-US" dirty="0" smtClean="0"/>
+              <a:t>核心团队主要集中在</a:t>
+            </a:r>
+            <a:r>
+              <a:rPr lang="en-US" altLang="zh-CN" dirty="0" smtClean="0"/>
+              <a:t>rust</a:t>
+            </a:r>
+            <a:r>
+              <a:rPr lang="zh-CN" altLang="en-US" dirty="0" smtClean="0"/>
+              <a:t>语言本身的特性开发上，而社区主要集中在</a:t>
+            </a:r>
+            <a:r>
+              <a:rPr lang="en-US" altLang="zh-CN" dirty="0" smtClean="0"/>
+              <a:t>rust</a:t>
+            </a:r>
+            <a:r>
+              <a:rPr lang="zh-CN" altLang="en-US" dirty="0" smtClean="0"/>
+              <a:t>的基础应用上。很多基础库都会以</a:t>
+            </a:r>
+            <a:r>
+              <a:rPr lang="en-US" altLang="zh-CN" dirty="0" smtClean="0"/>
+              <a:t>crate</a:t>
+            </a:r>
+            <a:r>
+              <a:rPr lang="zh-CN" altLang="en-US" dirty="0" smtClean="0"/>
+              <a:t>的形式发布到</a:t>
+            </a:r>
+            <a:r>
+              <a:rPr lang="en-US" altLang="zh-CN" dirty="0" smtClean="0"/>
+              <a:t>crates.io</a:t>
+            </a:r>
+            <a:r>
+              <a:rPr lang="zh-CN" altLang="en-US" dirty="0" smtClean="0"/>
+              <a:t>上。目前为止有</a:t>
+            </a:r>
+            <a:r>
+              <a:rPr lang="en-US" altLang="zh-CN" dirty="0" smtClean="0"/>
+              <a:t>71905</a:t>
+            </a:r>
+            <a:r>
+              <a:rPr lang="zh-CN" altLang="en-US" smtClean="0"/>
+              <a:t>个</a:t>
+            </a:r>
+            <a:endParaRPr lang="zh-CN" altLang="en-US" dirty="0"/>
+          </a:p>
+        </p:txBody>
+      </p:sp>
+      <p:sp>
+        <p:nvSpPr>
+          <p:cNvPr id="4" name="灯片编号占位符 3"/>
+          <p:cNvSpPr>
+            <a:spLocks noGrp="1"/>
+          </p:cNvSpPr>
+          <p:nvPr>
+            <p:ph type="sldNum" sz="quarter" idx="10"/>
+          </p:nvPr>
+        </p:nvSpPr>
+        <p:spPr/>
+        <p:txBody>
+          <a:bodyPr/>
+          <a:lstStyle/>
+          <a:p>
+            <a:fld id="{6245CCF4-CF1B-4B4B-B5D0-2221EBE362B5}" type="slidenum">
+              <a:rPr lang="zh-CN" altLang="en-US" smtClean="0"/>
+              <a:t>15</a:t>
+            </a:fld>
+            <a:endParaRPr lang="zh-CN" altLang="en-US"/>
+          </a:p>
+        </p:txBody>
+      </p:sp>
+    </p:spTree>
+    <p:extLst>
+      <p:ext uri="{BB962C8B-B14F-4D97-AF65-F5344CB8AC3E}">
+        <p14:creationId xmlns:p14="http://schemas.microsoft.com/office/powerpoint/2010/main" val="1322133225"/>
+      </p:ext>
+    </p:extLst>
   </p:cSld>
   <p:clrMapOvr>
     <a:masterClrMapping/>
@@ -7933,7 +8072,6 @@
               <a:rPr lang="zh-CN" altLang="en-US" dirty="0"/>
               <a:t>的调查数据。</a:t>
             </a:r>
-            <a:endParaRPr lang="zh-CN" altLang="en-US" dirty="0"/>
           </a:p>
         </p:txBody>
       </p:sp>
@@ -7954,12 +8092,18 @@
           <a:p>
             <a:fld id="{6245CCF4-CF1B-4B4B-B5D0-2221EBE362B5}" type="slidenum">
               <a:rPr lang="zh-CN" altLang="en-US" smtClean="0"/>
+              <a:t>4</a:t>
             </a:fld>
             <a:endParaRPr lang="zh-CN" altLang="en-US"/>
           </a:p>
         </p:txBody>
       </p:sp>
     </p:spTree>
+    <p:extLst>
+      <p:ext uri="{BB962C8B-B14F-4D97-AF65-F5344CB8AC3E}">
+        <p14:creationId xmlns:p14="http://schemas.microsoft.com/office/powerpoint/2010/main" val="382649545"/>
+      </p:ext>
+    </p:extLst>
   </p:cSld>
   <p:clrMapOvr>
     <a:masterClrMapping/>
@@ -8148,12 +8292,18 @@
           <a:p>
             <a:fld id="{6245CCF4-CF1B-4B4B-B5D0-2221EBE362B5}" type="slidenum">
               <a:rPr lang="zh-CN" altLang="en-US" smtClean="0"/>
+              <a:t>5</a:t>
             </a:fld>
             <a:endParaRPr lang="zh-CN" altLang="en-US"/>
           </a:p>
         </p:txBody>
       </p:sp>
     </p:spTree>
+    <p:extLst>
+      <p:ext uri="{BB962C8B-B14F-4D97-AF65-F5344CB8AC3E}">
+        <p14:creationId xmlns:p14="http://schemas.microsoft.com/office/powerpoint/2010/main" val="2930985737"/>
+      </p:ext>
+    </p:extLst>
   </p:cSld>
   <p:clrMapOvr>
     <a:masterClrMapping/>
@@ -8207,9 +8357,16 @@
           <a:p>
             <a:r>
               <a:rPr lang="zh-CN" altLang="en-US" dirty="0"/>
-              <a:t>在计算机领域中，人们普遍关心的两个属性，分别是性能和安全性。早期计算机行业，计算资源匮乏，为了获取更高的性能宁愿牺牲安全性。随着计算机行业的发展，计算资源得到极大增加，不仅关注性能，更关注安全性。因此格雷顿霍尔萌生了自己开发一门语言的想法。他期望该语言能有如下表现。</a:t>
-            </a:r>
-            <a:endParaRPr lang="zh-CN" altLang="en-US" dirty="0"/>
+              <a:t>在计算机领域中，人们普遍关心的两个属性，分别是性能和安全性。早期计算机行业，计算资源匮乏，为了获取更高的性能宁愿牺牲安全性。随着计算机行业的发展，计算资源得到极大增加，不仅关注性能，更关注安全性</a:t>
+            </a:r>
+            <a:r>
+              <a:rPr lang="zh-CN" altLang="en-US" dirty="0" smtClean="0"/>
+              <a:t>。（微软公司、空指针异常）因此</a:t>
+            </a:r>
+            <a:r>
+              <a:rPr lang="zh-CN" altLang="en-US" dirty="0"/>
+              <a:t>格雷顿霍尔萌生了自己开发一门语言的想法。他期望该语言能有如下表现。</a:t>
+            </a:r>
           </a:p>
         </p:txBody>
       </p:sp>
@@ -8230,12 +8387,18 @@
           <a:p>
             <a:fld id="{6245CCF4-CF1B-4B4B-B5D0-2221EBE362B5}" type="slidenum">
               <a:rPr lang="zh-CN" altLang="en-US" smtClean="0"/>
+              <a:t>6</a:t>
             </a:fld>
             <a:endParaRPr lang="zh-CN" altLang="en-US"/>
           </a:p>
         </p:txBody>
       </p:sp>
     </p:spTree>
+    <p:extLst>
+      <p:ext uri="{BB962C8B-B14F-4D97-AF65-F5344CB8AC3E}">
+        <p14:creationId xmlns:p14="http://schemas.microsoft.com/office/powerpoint/2010/main" val="2808651156"/>
+      </p:ext>
+    </p:extLst>
   </p:cSld>
   <p:clrMapOvr>
     <a:masterClrMapping/>
@@ -8291,19 +8454,21 @@
               <a:rPr lang="zh-CN" altLang="en-US" dirty="0"/>
               <a:t>相比于之前的系统编程语言必须是更加安全的、不易崩溃的，尤其是在操作内存时</a:t>
             </a:r>
-            <a:endParaRPr lang="zh-CN" altLang="en-US" dirty="0"/>
           </a:p>
           <a:p>
             <a:r>
               <a:rPr lang="zh-CN" altLang="en-US" dirty="0"/>
               <a:t>不需要有垃圾回收系统，不能为了内存安全引入性能负担。不需要垃圾回收的同时也不需要开发者主动手动释放内存。</a:t>
             </a:r>
-            <a:endParaRPr lang="zh-CN" altLang="en-US" dirty="0"/>
           </a:p>
           <a:p>
             <a:r>
               <a:rPr lang="zh-CN" altLang="en-US" dirty="0"/>
-              <a:t>不仅仅拥有一个主要特性、而应该拥有一系列广泛特性，这些特性之间又不缺乏一致性，这些特性之间可以很高的相互协作，从而使该语言更容易编写、维护和调试，让程序员写出更安全、更高效的代码</a:t>
+              <a:t>不仅仅拥有一个主要特性、而应该拥有一系列广泛特性，这些特性之间又不缺乏一致性，这些特性之间可以很高的相互协作，从而使该语言更容易编写、维护和调试，让程序员写出更安全、更高效的</a:t>
+            </a:r>
+            <a:r>
+              <a:rPr lang="zh-CN" altLang="en-US" dirty="0" smtClean="0"/>
+              <a:t>代码。</a:t>
             </a:r>
             <a:endParaRPr lang="zh-CN" altLang="en-US" dirty="0"/>
           </a:p>
@@ -8326,12 +8491,18 @@
           <a:p>
             <a:fld id="{6245CCF4-CF1B-4B4B-B5D0-2221EBE362B5}" type="slidenum">
               <a:rPr lang="zh-CN" altLang="en-US" smtClean="0"/>
+              <a:t>7</a:t>
             </a:fld>
             <a:endParaRPr lang="zh-CN" altLang="en-US"/>
           </a:p>
         </p:txBody>
       </p:sp>
     </p:spTree>
+    <p:extLst>
+      <p:ext uri="{BB962C8B-B14F-4D97-AF65-F5344CB8AC3E}">
+        <p14:creationId xmlns:p14="http://schemas.microsoft.com/office/powerpoint/2010/main" val="3601951598"/>
+      </p:ext>
+    </p:extLst>
   </p:cSld>
   <p:clrMapOvr>
     <a:masterClrMapping/>
@@ -8403,7 +8574,6 @@
               <a:rPr lang="zh-CN" altLang="en-US" dirty="0"/>
               <a:t>中是如何体现这三个原则特性的呢？</a:t>
             </a:r>
-            <a:endParaRPr lang="zh-CN" altLang="en-US" dirty="0"/>
           </a:p>
         </p:txBody>
       </p:sp>
@@ -8424,12 +8594,18 @@
           <a:p>
             <a:fld id="{6245CCF4-CF1B-4B4B-B5D0-2221EBE362B5}" type="slidenum">
               <a:rPr lang="zh-CN" altLang="en-US" smtClean="0"/>
+              <a:t>8</a:t>
             </a:fld>
             <a:endParaRPr lang="zh-CN" altLang="en-US"/>
           </a:p>
         </p:txBody>
       </p:sp>
     </p:spTree>
+    <p:extLst>
+      <p:ext uri="{BB962C8B-B14F-4D97-AF65-F5344CB8AC3E}">
+        <p14:creationId xmlns:p14="http://schemas.microsoft.com/office/powerpoint/2010/main" val="3198523500"/>
+      </p:ext>
+    </p:extLst>
   </p:cSld>
   <p:clrMapOvr>
     <a:masterClrMapping/>
@@ -8498,21 +8674,54 @@
             </a:r>
             <a:r>
               <a:rPr kumimoji="1" lang="zh-CN" altLang="en-US" dirty="0"/>
-              <a:t>建立了强大的内存管理模型。</a:t>
-            </a:r>
-            <a:endParaRPr kumimoji="1" lang="en-US" altLang="zh-CN" dirty="0"/>
-          </a:p>
-          <a:p>
+              <a:t>建立</a:t>
+            </a:r>
+            <a:r>
+              <a:rPr kumimoji="1" lang="zh-CN" altLang="en-US" dirty="0" smtClean="0"/>
+              <a:t>了独特的</a:t>
+            </a:r>
             <a:r>
               <a:rPr kumimoji="1" lang="zh-CN" altLang="en-US" dirty="0"/>
-              <a:t>所有权系统指的是每个被分配的内存都有一个独占其所有权的指针，只有当该指针被销毁时，其对应的内存才会被释放。</a:t>
-            </a:r>
-            <a:endParaRPr kumimoji="1" lang="en-US" altLang="zh-CN" dirty="0"/>
-          </a:p>
-          <a:p>
+              <a:t>内存管理模型</a:t>
+            </a:r>
+            <a:r>
+              <a:rPr kumimoji="1" lang="zh-CN" altLang="en-US" dirty="0" smtClean="0"/>
+              <a:t>。</a:t>
+            </a:r>
+            <a:endParaRPr kumimoji="1" lang="en-US" altLang="zh-CN" dirty="0" smtClean="0"/>
+          </a:p>
+          <a:p>
+            <a:r>
+              <a:rPr kumimoji="1" lang="zh-CN" altLang="en-US" dirty="0" smtClean="0"/>
+              <a:t>所有权</a:t>
+            </a:r>
             <a:r>
               <a:rPr kumimoji="1" lang="zh-CN" altLang="en-US" dirty="0"/>
-              <a:t>借用和生命周期，每个变量都有其生命周期，一旦超出生命周期，变量会被自动释放，如果是借用则可以通过标记生命周期参数供编译器检查，防止出现悬垂引用。</a:t>
+              <a:t>系统指的是每个被分配的内存都有一个独占其所有权的指针，只有当该指针被销毁时，其对应的内存才会被释放</a:t>
+            </a:r>
+            <a:r>
+              <a:rPr kumimoji="1" lang="zh-CN" altLang="en-US" dirty="0" smtClean="0"/>
+              <a:t>。也是基于所有权的基础上，</a:t>
+            </a:r>
+            <a:r>
+              <a:rPr kumimoji="1" lang="en-US" altLang="zh-CN" dirty="0" smtClean="0"/>
+              <a:t>rust</a:t>
+            </a:r>
+            <a:r>
+              <a:rPr kumimoji="1" lang="zh-CN" altLang="en-US" dirty="0" smtClean="0"/>
+              <a:t>实现了无需</a:t>
+            </a:r>
+            <a:r>
+              <a:rPr kumimoji="1" lang="en-US" altLang="zh-CN" dirty="0" smtClean="0"/>
+              <a:t>GC</a:t>
+            </a:r>
+            <a:r>
+              <a:rPr kumimoji="1" lang="zh-CN" altLang="en-US" dirty="0" smtClean="0"/>
+              <a:t>也无需手动管理内存的，内存模型。所有的借用</a:t>
+            </a:r>
+            <a:r>
+              <a:rPr kumimoji="1" lang="zh-CN" altLang="en-US" dirty="0"/>
+              <a:t>和生命周期，每个变量都有其生命周期，一旦超出生命周期，变量会被自动释放，如果是借用则可以通过标记生命周期参数供编译器检查，防止出现悬垂引用。</a:t>
             </a:r>
             <a:endParaRPr kumimoji="1" lang="en-US" altLang="zh-CN" dirty="0"/>
           </a:p>
@@ -8535,12 +8744,18 @@
           <a:p>
             <a:fld id="{6245CCF4-CF1B-4B4B-B5D0-2221EBE362B5}" type="slidenum">
               <a:rPr lang="zh-CN" altLang="en-US" smtClean="0"/>
+              <a:t>9</a:t>
             </a:fld>
             <a:endParaRPr lang="zh-CN" altLang="en-US"/>
           </a:p>
         </p:txBody>
       </p:sp>
     </p:spTree>
+    <p:extLst>
+      <p:ext uri="{BB962C8B-B14F-4D97-AF65-F5344CB8AC3E}">
+        <p14:creationId xmlns:p14="http://schemas.microsoft.com/office/powerpoint/2010/main" val="360185304"/>
+      </p:ext>
+    </p:extLst>
   </p:cSld>
   <p:clrMapOvr>
     <a:masterClrMapping/>
@@ -8594,7 +8809,11 @@
           <a:p>
             <a:r>
               <a:rPr lang="zh-CN" altLang="en-US" dirty="0"/>
-              <a:t>零成本，函数方法生成</a:t>
+              <a:t>零成本，函数方法</a:t>
+            </a:r>
+            <a:r>
+              <a:rPr lang="zh-CN" altLang="en-US" dirty="0" smtClean="0"/>
+              <a:t>生成。零成本</a:t>
             </a:r>
             <a:endParaRPr lang="zh-CN" altLang="en-US" dirty="0"/>
           </a:p>
@@ -8617,12 +8836,18 @@
           <a:p>
             <a:fld id="{6245CCF4-CF1B-4B4B-B5D0-2221EBE362B5}" type="slidenum">
               <a:rPr lang="zh-CN" altLang="en-US" smtClean="0"/>
+              <a:t>10</a:t>
             </a:fld>
             <a:endParaRPr lang="zh-CN" altLang="en-US"/>
           </a:p>
         </p:txBody>
       </p:sp>
     </p:spTree>
+    <p:extLst>
+      <p:ext uri="{BB962C8B-B14F-4D97-AF65-F5344CB8AC3E}">
+        <p14:creationId xmlns:p14="http://schemas.microsoft.com/office/powerpoint/2010/main" val="275810286"/>
+      </p:ext>
+    </p:extLst>
   </p:cSld>
   <p:clrMapOvr>
     <a:masterClrMapping/>
@@ -8686,7 +8911,6 @@
               <a:rPr kumimoji="1" lang="zh-CN" altLang="en-US" dirty="0"/>
               <a:t>，并发</a:t>
             </a:r>
-            <a:endParaRPr kumimoji="1" lang="zh-CN" altLang="en-US" dirty="0"/>
           </a:p>
         </p:txBody>
       </p:sp>
@@ -8707,12 +8931,18 @@
           <a:p>
             <a:fld id="{6245CCF4-CF1B-4B4B-B5D0-2221EBE362B5}" type="slidenum">
               <a:rPr lang="zh-CN" altLang="en-US" smtClean="0"/>
+              <a:t>12</a:t>
             </a:fld>
             <a:endParaRPr lang="zh-CN" altLang="en-US"/>
           </a:p>
         </p:txBody>
       </p:sp>
     </p:spTree>
+    <p:extLst>
+      <p:ext uri="{BB962C8B-B14F-4D97-AF65-F5344CB8AC3E}">
+        <p14:creationId xmlns:p14="http://schemas.microsoft.com/office/powerpoint/2010/main" val="3290587185"/>
+      </p:ext>
+    </p:extLst>
   </p:cSld>
   <p:clrMapOvr>
     <a:masterClrMapping/>
@@ -8906,6 +9136,7 @@
           <a:p>
             <a:fld id="{3CD8EDAB-281B-495C-B3B1-C831B56AA954}" type="datetimeFigureOut">
               <a:rPr lang="zh-CN" altLang="en-US" smtClean="0"/>
+              <a:t>2021/11/30</a:t>
             </a:fld>
             <a:endParaRPr lang="zh-CN" altLang="en-US"/>
           </a:p>
@@ -8947,6 +9178,7 @@
           <a:p>
             <a:fld id="{F813E51F-F931-4312-91EC-86D68240970C}" type="slidenum">
               <a:rPr lang="zh-CN" altLang="en-US" smtClean="0"/>
+              <a:t>‹#›</a:t>
             </a:fld>
             <a:endParaRPr lang="zh-CN" altLang="en-US"/>
           </a:p>
@@ -9154,7 +9386,6 @@
               <a:rPr lang="zh-CN" altLang="en-US"/>
               <a:t>单击此处编辑母版文本样式</a:t>
             </a:r>
-            <a:endParaRPr lang="zh-CN" altLang="en-US"/>
           </a:p>
         </p:txBody>
       </p:sp>
@@ -9175,6 +9406,7 @@
           <a:p>
             <a:fld id="{3CD8EDAB-281B-495C-B3B1-C831B56AA954}" type="datetimeFigureOut">
               <a:rPr lang="zh-CN" altLang="en-US" smtClean="0"/>
+              <a:t>2021/11/30</a:t>
             </a:fld>
             <a:endParaRPr lang="zh-CN" altLang="en-US"/>
           </a:p>
@@ -9216,6 +9448,7 @@
           <a:p>
             <a:fld id="{F813E51F-F931-4312-91EC-86D68240970C}" type="slidenum">
               <a:rPr lang="zh-CN" altLang="en-US" smtClean="0"/>
+              <a:t>‹#›</a:t>
             </a:fld>
             <a:endParaRPr lang="zh-CN" altLang="en-US"/>
           </a:p>
@@ -9342,7 +9575,6 @@
               <a:rPr lang="zh-CN" altLang="en-US"/>
               <a:t>单击此处编辑母版文本样式</a:t>
             </a:r>
-            <a:endParaRPr lang="zh-CN" altLang="en-US"/>
           </a:p>
         </p:txBody>
       </p:sp>
@@ -9363,6 +9595,7 @@
           <a:p>
             <a:fld id="{3CD8EDAB-281B-495C-B3B1-C831B56AA954}" type="datetimeFigureOut">
               <a:rPr lang="zh-CN" altLang="en-US" smtClean="0"/>
+              <a:t>2021/11/30</a:t>
             </a:fld>
             <a:endParaRPr lang="zh-CN" altLang="en-US"/>
           </a:p>
@@ -9404,6 +9637,7 @@
           <a:p>
             <a:fld id="{F813E51F-F931-4312-91EC-86D68240970C}" type="slidenum">
               <a:rPr lang="zh-CN" altLang="en-US" smtClean="0"/>
+              <a:t>‹#›</a:t>
             </a:fld>
             <a:endParaRPr lang="zh-CN" altLang="en-US"/>
           </a:p>
@@ -9542,7 +9776,6 @@
               <a:rPr lang="zh-CN" altLang="en-US"/>
               <a:t>单击此处编辑母版文本样式</a:t>
             </a:r>
-            <a:endParaRPr lang="zh-CN" altLang="en-US"/>
           </a:p>
         </p:txBody>
       </p:sp>
@@ -9610,7 +9843,6 @@
               <a:rPr lang="zh-CN" altLang="en-US"/>
               <a:t>单击此处编辑母版文本样式</a:t>
             </a:r>
-            <a:endParaRPr lang="zh-CN" altLang="en-US"/>
           </a:p>
         </p:txBody>
       </p:sp>
@@ -9631,6 +9863,7 @@
           <a:p>
             <a:fld id="{3CD8EDAB-281B-495C-B3B1-C831B56AA954}" type="datetimeFigureOut">
               <a:rPr lang="zh-CN" altLang="en-US" smtClean="0"/>
+              <a:t>2021/11/30</a:t>
             </a:fld>
             <a:endParaRPr lang="zh-CN" altLang="en-US"/>
           </a:p>
@@ -9672,6 +9905,7 @@
           <a:p>
             <a:fld id="{F813E51F-F931-4312-91EC-86D68240970C}" type="slidenum">
               <a:rPr lang="zh-CN" altLang="en-US" smtClean="0"/>
+              <a:t>‹#›</a:t>
             </a:fld>
             <a:endParaRPr lang="zh-CN" altLang="en-US"/>
           </a:p>
@@ -9721,7 +9955,6 @@
               <a:rPr lang="en-US" dirty="0"/>
               <a:t>“</a:t>
             </a:r>
-            <a:endParaRPr lang="en-US" dirty="0"/>
           </a:p>
         </p:txBody>
       </p:sp>
@@ -9769,7 +10002,6 @@
               <a:rPr lang="en-US" dirty="0"/>
               <a:t>”</a:t>
             </a:r>
-            <a:endParaRPr lang="en-US" dirty="0"/>
           </a:p>
         </p:txBody>
       </p:sp>
@@ -9947,7 +10179,6 @@
               <a:rPr lang="zh-CN" altLang="en-US"/>
               <a:t>单击此处编辑母版文本样式</a:t>
             </a:r>
-            <a:endParaRPr lang="zh-CN" altLang="en-US"/>
           </a:p>
         </p:txBody>
       </p:sp>
@@ -9968,6 +10199,7 @@
           <a:p>
             <a:fld id="{3CD8EDAB-281B-495C-B3B1-C831B56AA954}" type="datetimeFigureOut">
               <a:rPr lang="zh-CN" altLang="en-US" smtClean="0"/>
+              <a:t>2021/11/30</a:t>
             </a:fld>
             <a:endParaRPr lang="zh-CN" altLang="en-US"/>
           </a:p>
@@ -10009,6 +10241,7 @@
           <a:p>
             <a:fld id="{F813E51F-F931-4312-91EC-86D68240970C}" type="slidenum">
               <a:rPr lang="zh-CN" altLang="en-US" smtClean="0"/>
+              <a:t>‹#›</a:t>
             </a:fld>
             <a:endParaRPr lang="zh-CN" altLang="en-US"/>
           </a:p>
@@ -10137,7 +10370,6 @@
               <a:rPr lang="zh-CN" altLang="en-US"/>
               <a:t>单击此处编辑母版文本样式</a:t>
             </a:r>
-            <a:endParaRPr lang="zh-CN" altLang="en-US"/>
           </a:p>
         </p:txBody>
       </p:sp>
@@ -10205,7 +10437,6 @@
               <a:rPr lang="zh-CN" altLang="en-US"/>
               <a:t>单击此处编辑母版文本样式</a:t>
             </a:r>
-            <a:endParaRPr lang="zh-CN" altLang="en-US"/>
           </a:p>
         </p:txBody>
       </p:sp>
@@ -10280,7 +10511,6 @@
               <a:rPr lang="zh-CN" altLang="en-US"/>
               <a:t>单击此处编辑母版文本样式</a:t>
             </a:r>
-            <a:endParaRPr lang="zh-CN" altLang="en-US"/>
           </a:p>
         </p:txBody>
       </p:sp>
@@ -10348,7 +10578,6 @@
               <a:rPr lang="zh-CN" altLang="en-US"/>
               <a:t>单击此处编辑母版文本样式</a:t>
             </a:r>
-            <a:endParaRPr lang="zh-CN" altLang="en-US"/>
           </a:p>
         </p:txBody>
       </p:sp>
@@ -10423,7 +10652,6 @@
               <a:rPr lang="zh-CN" altLang="en-US"/>
               <a:t>单击此处编辑母版文本样式</a:t>
             </a:r>
-            <a:endParaRPr lang="zh-CN" altLang="en-US"/>
           </a:p>
         </p:txBody>
       </p:sp>
@@ -10491,7 +10719,6 @@
               <a:rPr lang="zh-CN" altLang="en-US"/>
               <a:t>单击此处编辑母版文本样式</a:t>
             </a:r>
-            <a:endParaRPr lang="zh-CN" altLang="en-US"/>
           </a:p>
         </p:txBody>
       </p:sp>
@@ -10590,6 +10817,7 @@
           <a:p>
             <a:fld id="{3CD8EDAB-281B-495C-B3B1-C831B56AA954}" type="datetimeFigureOut">
               <a:rPr lang="zh-CN" altLang="en-US" smtClean="0"/>
+              <a:t>2021/11/30</a:t>
             </a:fld>
             <a:endParaRPr lang="zh-CN" altLang="en-US"/>
           </a:p>
@@ -10631,6 +10859,7 @@
           <a:p>
             <a:fld id="{F813E51F-F931-4312-91EC-86D68240970C}" type="slidenum">
               <a:rPr lang="zh-CN" altLang="en-US" smtClean="0"/>
+              <a:t>‹#›</a:t>
             </a:fld>
             <a:endParaRPr lang="zh-CN" altLang="en-US"/>
           </a:p>
@@ -10759,7 +10988,6 @@
               <a:rPr lang="zh-CN" altLang="en-US"/>
               <a:t>单击此处编辑母版文本样式</a:t>
             </a:r>
-            <a:endParaRPr lang="zh-CN" altLang="en-US"/>
           </a:p>
         </p:txBody>
       </p:sp>
@@ -10906,7 +11134,6 @@
               <a:rPr lang="zh-CN" altLang="en-US"/>
               <a:t>单击此处编辑母版文本样式</a:t>
             </a:r>
-            <a:endParaRPr lang="zh-CN" altLang="en-US"/>
           </a:p>
         </p:txBody>
       </p:sp>
@@ -10981,7 +11208,6 @@
               <a:rPr lang="zh-CN" altLang="en-US"/>
               <a:t>单击此处编辑母版文本样式</a:t>
             </a:r>
-            <a:endParaRPr lang="zh-CN" altLang="en-US"/>
           </a:p>
         </p:txBody>
       </p:sp>
@@ -11128,7 +11354,6 @@
               <a:rPr lang="zh-CN" altLang="en-US"/>
               <a:t>单击此处编辑母版文本样式</a:t>
             </a:r>
-            <a:endParaRPr lang="zh-CN" altLang="en-US"/>
           </a:p>
         </p:txBody>
       </p:sp>
@@ -11203,7 +11428,6 @@
               <a:rPr lang="zh-CN" altLang="en-US"/>
               <a:t>单击此处编辑母版文本样式</a:t>
             </a:r>
-            <a:endParaRPr lang="zh-CN" altLang="en-US"/>
           </a:p>
         </p:txBody>
       </p:sp>
@@ -11350,7 +11574,6 @@
               <a:rPr lang="zh-CN" altLang="en-US"/>
               <a:t>单击此处编辑母版文本样式</a:t>
             </a:r>
-            <a:endParaRPr lang="zh-CN" altLang="en-US"/>
           </a:p>
         </p:txBody>
       </p:sp>
@@ -11449,6 +11672,7 @@
           <a:p>
             <a:fld id="{3CD8EDAB-281B-495C-B3B1-C831B56AA954}" type="datetimeFigureOut">
               <a:rPr lang="zh-CN" altLang="en-US" smtClean="0"/>
+              <a:t>2021/11/30</a:t>
             </a:fld>
             <a:endParaRPr lang="zh-CN" altLang="en-US"/>
           </a:p>
@@ -11490,6 +11714,7 @@
           <a:p>
             <a:fld id="{F813E51F-F931-4312-91EC-86D68240970C}" type="slidenum">
               <a:rPr lang="zh-CN" altLang="en-US" smtClean="0"/>
+              <a:t>‹#›</a:t>
             </a:fld>
             <a:endParaRPr lang="zh-CN" altLang="en-US"/>
           </a:p>
@@ -11563,7 +11788,6 @@
               <a:rPr lang="zh-CN" altLang="en-US"/>
               <a:t>单击此处编辑母版文本样式</a:t>
             </a:r>
-            <a:endParaRPr lang="zh-CN" altLang="en-US"/>
           </a:p>
           <a:p>
             <a:pPr lvl="1"/>
@@ -11571,7 +11795,6 @@
               <a:rPr lang="zh-CN" altLang="en-US"/>
               <a:t>第二级</a:t>
             </a:r>
-            <a:endParaRPr lang="zh-CN" altLang="en-US"/>
           </a:p>
           <a:p>
             <a:pPr lvl="2"/>
@@ -11579,7 +11802,6 @@
               <a:rPr lang="zh-CN" altLang="en-US"/>
               <a:t>第三级</a:t>
             </a:r>
-            <a:endParaRPr lang="zh-CN" altLang="en-US"/>
           </a:p>
           <a:p>
             <a:pPr lvl="3"/>
@@ -11587,7 +11809,6 @@
               <a:rPr lang="zh-CN" altLang="en-US"/>
               <a:t>第四级</a:t>
             </a:r>
-            <a:endParaRPr lang="zh-CN" altLang="en-US"/>
           </a:p>
           <a:p>
             <a:pPr lvl="4"/>
@@ -11616,6 +11837,7 @@
           <a:p>
             <a:fld id="{3CD8EDAB-281B-495C-B3B1-C831B56AA954}" type="datetimeFigureOut">
               <a:rPr lang="zh-CN" altLang="en-US" smtClean="0"/>
+              <a:t>2021/11/30</a:t>
             </a:fld>
             <a:endParaRPr lang="zh-CN" altLang="en-US"/>
           </a:p>
@@ -11657,6 +11879,7 @@
           <a:p>
             <a:fld id="{F813E51F-F931-4312-91EC-86D68240970C}" type="slidenum">
               <a:rPr lang="zh-CN" altLang="en-US" smtClean="0"/>
+              <a:t>‹#›</a:t>
             </a:fld>
             <a:endParaRPr lang="zh-CN" altLang="en-US"/>
           </a:p>
@@ -11740,7 +11963,6 @@
               <a:rPr lang="zh-CN" altLang="en-US"/>
               <a:t>单击此处编辑母版文本样式</a:t>
             </a:r>
-            <a:endParaRPr lang="zh-CN" altLang="en-US"/>
           </a:p>
           <a:p>
             <a:pPr lvl="1"/>
@@ -11748,7 +11970,6 @@
               <a:rPr lang="zh-CN" altLang="en-US"/>
               <a:t>第二级</a:t>
             </a:r>
-            <a:endParaRPr lang="zh-CN" altLang="en-US"/>
           </a:p>
           <a:p>
             <a:pPr lvl="2"/>
@@ -11756,7 +11977,6 @@
               <a:rPr lang="zh-CN" altLang="en-US"/>
               <a:t>第三级</a:t>
             </a:r>
-            <a:endParaRPr lang="zh-CN" altLang="en-US"/>
           </a:p>
           <a:p>
             <a:pPr lvl="3"/>
@@ -11764,7 +11984,6 @@
               <a:rPr lang="zh-CN" altLang="en-US"/>
               <a:t>第四级</a:t>
             </a:r>
-            <a:endParaRPr lang="zh-CN" altLang="en-US"/>
           </a:p>
           <a:p>
             <a:pPr lvl="4"/>
@@ -11793,6 +12012,7 @@
           <a:p>
             <a:fld id="{3CD8EDAB-281B-495C-B3B1-C831B56AA954}" type="datetimeFigureOut">
               <a:rPr lang="zh-CN" altLang="en-US" smtClean="0"/>
+              <a:t>2021/11/30</a:t>
             </a:fld>
             <a:endParaRPr lang="zh-CN" altLang="en-US"/>
           </a:p>
@@ -11834,6 +12054,7 @@
           <a:p>
             <a:fld id="{F813E51F-F931-4312-91EC-86D68240970C}" type="slidenum">
               <a:rPr lang="zh-CN" altLang="en-US" smtClean="0"/>
+              <a:t>‹#›</a:t>
             </a:fld>
             <a:endParaRPr lang="zh-CN" altLang="en-US"/>
           </a:p>
@@ -11907,7 +12128,6 @@
               <a:rPr lang="zh-CN" altLang="en-US"/>
               <a:t>单击此处编辑母版文本样式</a:t>
             </a:r>
-            <a:endParaRPr lang="zh-CN" altLang="en-US"/>
           </a:p>
           <a:p>
             <a:pPr lvl="1"/>
@@ -11915,7 +12135,6 @@
               <a:rPr lang="zh-CN" altLang="en-US"/>
               <a:t>第二级</a:t>
             </a:r>
-            <a:endParaRPr lang="zh-CN" altLang="en-US"/>
           </a:p>
           <a:p>
             <a:pPr lvl="2"/>
@@ -11923,7 +12142,6 @@
               <a:rPr lang="zh-CN" altLang="en-US"/>
               <a:t>第三级</a:t>
             </a:r>
-            <a:endParaRPr lang="zh-CN" altLang="en-US"/>
           </a:p>
           <a:p>
             <a:pPr lvl="3"/>
@@ -11931,7 +12149,6 @@
               <a:rPr lang="zh-CN" altLang="en-US"/>
               <a:t>第四级</a:t>
             </a:r>
-            <a:endParaRPr lang="zh-CN" altLang="en-US"/>
           </a:p>
           <a:p>
             <a:pPr lvl="4"/>
@@ -11960,6 +12177,7 @@
           <a:p>
             <a:fld id="{3CD8EDAB-281B-495C-B3B1-C831B56AA954}" type="datetimeFigureOut">
               <a:rPr lang="zh-CN" altLang="en-US" smtClean="0"/>
+              <a:t>2021/11/30</a:t>
             </a:fld>
             <a:endParaRPr lang="zh-CN" altLang="en-US"/>
           </a:p>
@@ -12001,6 +12219,7 @@
           <a:p>
             <a:fld id="{F813E51F-F931-4312-91EC-86D68240970C}" type="slidenum">
               <a:rPr lang="zh-CN" altLang="en-US" smtClean="0"/>
+              <a:t>‹#›</a:t>
             </a:fld>
             <a:endParaRPr lang="zh-CN" altLang="en-US"/>
           </a:p>
@@ -12180,7 +12399,6 @@
               <a:rPr lang="zh-CN" altLang="en-US"/>
               <a:t>单击此处编辑母版文本样式</a:t>
             </a:r>
-            <a:endParaRPr lang="zh-CN" altLang="en-US"/>
           </a:p>
         </p:txBody>
       </p:sp>
@@ -12201,6 +12419,7 @@
           <a:p>
             <a:fld id="{3CD8EDAB-281B-495C-B3B1-C831B56AA954}" type="datetimeFigureOut">
               <a:rPr lang="zh-CN" altLang="en-US" smtClean="0"/>
+              <a:t>2021/11/30</a:t>
             </a:fld>
             <a:endParaRPr lang="zh-CN" altLang="en-US"/>
           </a:p>
@@ -12242,6 +12461,7 @@
           <a:p>
             <a:fld id="{F813E51F-F931-4312-91EC-86D68240970C}" type="slidenum">
               <a:rPr lang="zh-CN" altLang="en-US" smtClean="0"/>
+              <a:t>‹#›</a:t>
             </a:fld>
             <a:endParaRPr lang="zh-CN" altLang="en-US"/>
           </a:p>
@@ -12350,7 +12570,6 @@
               <a:rPr lang="zh-CN" altLang="en-US"/>
               <a:t>单击此处编辑母版文本样式</a:t>
             </a:r>
-            <a:endParaRPr lang="zh-CN" altLang="en-US"/>
           </a:p>
           <a:p>
             <a:pPr lvl="1"/>
@@ -12358,7 +12577,6 @@
               <a:rPr lang="zh-CN" altLang="en-US"/>
               <a:t>第二级</a:t>
             </a:r>
-            <a:endParaRPr lang="zh-CN" altLang="en-US"/>
           </a:p>
           <a:p>
             <a:pPr lvl="2"/>
@@ -12366,7 +12584,6 @@
               <a:rPr lang="zh-CN" altLang="en-US"/>
               <a:t>第三级</a:t>
             </a:r>
-            <a:endParaRPr lang="zh-CN" altLang="en-US"/>
           </a:p>
           <a:p>
             <a:pPr lvl="3"/>
@@ -12374,7 +12591,6 @@
               <a:rPr lang="zh-CN" altLang="en-US"/>
               <a:t>第四级</a:t>
             </a:r>
-            <a:endParaRPr lang="zh-CN" altLang="en-US"/>
           </a:p>
           <a:p>
             <a:pPr lvl="4"/>
@@ -12441,7 +12657,6 @@
               <a:rPr lang="zh-CN" altLang="en-US"/>
               <a:t>单击此处编辑母版文本样式</a:t>
             </a:r>
-            <a:endParaRPr lang="zh-CN" altLang="en-US"/>
           </a:p>
           <a:p>
             <a:pPr lvl="1"/>
@@ -12449,7 +12664,6 @@
               <a:rPr lang="zh-CN" altLang="en-US"/>
               <a:t>第二级</a:t>
             </a:r>
-            <a:endParaRPr lang="zh-CN" altLang="en-US"/>
           </a:p>
           <a:p>
             <a:pPr lvl="2"/>
@@ -12457,7 +12671,6 @@
               <a:rPr lang="zh-CN" altLang="en-US"/>
               <a:t>第三级</a:t>
             </a:r>
-            <a:endParaRPr lang="zh-CN" altLang="en-US"/>
           </a:p>
           <a:p>
             <a:pPr lvl="3"/>
@@ -12465,7 +12678,6 @@
               <a:rPr lang="zh-CN" altLang="en-US"/>
               <a:t>第四级</a:t>
             </a:r>
-            <a:endParaRPr lang="zh-CN" altLang="en-US"/>
           </a:p>
           <a:p>
             <a:pPr lvl="4"/>
@@ -12494,6 +12706,7 @@
           <a:p>
             <a:fld id="{3CD8EDAB-281B-495C-B3B1-C831B56AA954}" type="datetimeFigureOut">
               <a:rPr lang="zh-CN" altLang="en-US" smtClean="0"/>
+              <a:t>2021/11/30</a:t>
             </a:fld>
             <a:endParaRPr lang="zh-CN" altLang="en-US"/>
           </a:p>
@@ -12535,6 +12748,7 @@
           <a:p>
             <a:fld id="{F813E51F-F931-4312-91EC-86D68240970C}" type="slidenum">
               <a:rPr lang="zh-CN" altLang="en-US" smtClean="0"/>
+              <a:t>‹#›</a:t>
             </a:fld>
             <a:endParaRPr lang="zh-CN" altLang="en-US"/>
           </a:p>
@@ -12663,7 +12877,6 @@
               <a:rPr lang="zh-CN" altLang="en-US"/>
               <a:t>单击此处编辑母版文本样式</a:t>
             </a:r>
-            <a:endParaRPr lang="zh-CN" altLang="en-US"/>
           </a:p>
         </p:txBody>
       </p:sp>
@@ -12722,7 +12935,6 @@
               <a:rPr lang="zh-CN" altLang="en-US"/>
               <a:t>单击此处编辑母版文本样式</a:t>
             </a:r>
-            <a:endParaRPr lang="zh-CN" altLang="en-US"/>
           </a:p>
           <a:p>
             <a:pPr lvl="1"/>
@@ -12730,7 +12942,6 @@
               <a:rPr lang="zh-CN" altLang="en-US"/>
               <a:t>第二级</a:t>
             </a:r>
-            <a:endParaRPr lang="zh-CN" altLang="en-US"/>
           </a:p>
           <a:p>
             <a:pPr lvl="2"/>
@@ -12738,7 +12949,6 @@
               <a:rPr lang="zh-CN" altLang="en-US"/>
               <a:t>第三级</a:t>
             </a:r>
-            <a:endParaRPr lang="zh-CN" altLang="en-US"/>
           </a:p>
           <a:p>
             <a:pPr lvl="3"/>
@@ -12746,7 +12956,6 @@
               <a:rPr lang="zh-CN" altLang="en-US"/>
               <a:t>第四级</a:t>
             </a:r>
-            <a:endParaRPr lang="zh-CN" altLang="en-US"/>
           </a:p>
           <a:p>
             <a:pPr lvl="4"/>
@@ -12829,7 +13038,6 @@
               <a:rPr lang="zh-CN" altLang="en-US"/>
               <a:t>单击此处编辑母版文本样式</a:t>
             </a:r>
-            <a:endParaRPr lang="zh-CN" altLang="en-US"/>
           </a:p>
         </p:txBody>
       </p:sp>
@@ -12888,7 +13096,6 @@
               <a:rPr lang="zh-CN" altLang="en-US"/>
               <a:t>单击此处编辑母版文本样式</a:t>
             </a:r>
-            <a:endParaRPr lang="zh-CN" altLang="en-US"/>
           </a:p>
           <a:p>
             <a:pPr lvl="1"/>
@@ -12896,7 +13103,6 @@
               <a:rPr lang="zh-CN" altLang="en-US"/>
               <a:t>第二级</a:t>
             </a:r>
-            <a:endParaRPr lang="zh-CN" altLang="en-US"/>
           </a:p>
           <a:p>
             <a:pPr lvl="2"/>
@@ -12904,7 +13110,6 @@
               <a:rPr lang="zh-CN" altLang="en-US"/>
               <a:t>第三级</a:t>
             </a:r>
-            <a:endParaRPr lang="zh-CN" altLang="en-US"/>
           </a:p>
           <a:p>
             <a:pPr lvl="3"/>
@@ -12912,7 +13117,6 @@
               <a:rPr lang="zh-CN" altLang="en-US"/>
               <a:t>第四级</a:t>
             </a:r>
-            <a:endParaRPr lang="zh-CN" altLang="en-US"/>
           </a:p>
           <a:p>
             <a:pPr lvl="4"/>
@@ -12941,6 +13145,7 @@
           <a:p>
             <a:fld id="{3CD8EDAB-281B-495C-B3B1-C831B56AA954}" type="datetimeFigureOut">
               <a:rPr lang="zh-CN" altLang="en-US" smtClean="0"/>
+              <a:t>2021/11/30</a:t>
             </a:fld>
             <a:endParaRPr lang="zh-CN" altLang="en-US"/>
           </a:p>
@@ -12982,6 +13187,7 @@
           <a:p>
             <a:fld id="{F813E51F-F931-4312-91EC-86D68240970C}" type="slidenum">
               <a:rPr lang="zh-CN" altLang="en-US" smtClean="0"/>
+              <a:t>‹#›</a:t>
             </a:fld>
             <a:endParaRPr lang="zh-CN" altLang="en-US"/>
           </a:p>
@@ -13052,6 +13258,7 @@
           <a:p>
             <a:fld id="{3CD8EDAB-281B-495C-B3B1-C831B56AA954}" type="datetimeFigureOut">
               <a:rPr lang="zh-CN" altLang="en-US" smtClean="0"/>
+              <a:t>2021/11/30</a:t>
             </a:fld>
             <a:endParaRPr lang="zh-CN" altLang="en-US"/>
           </a:p>
@@ -13093,6 +13300,7 @@
           <a:p>
             <a:fld id="{F813E51F-F931-4312-91EC-86D68240970C}" type="slidenum">
               <a:rPr lang="zh-CN" altLang="en-US" smtClean="0"/>
+              <a:t>‹#›</a:t>
             </a:fld>
             <a:endParaRPr lang="zh-CN" altLang="en-US"/>
           </a:p>
@@ -13140,6 +13348,7 @@
           <a:p>
             <a:fld id="{3CD8EDAB-281B-495C-B3B1-C831B56AA954}" type="datetimeFigureOut">
               <a:rPr lang="zh-CN" altLang="en-US" smtClean="0"/>
+              <a:t>2021/11/30</a:t>
             </a:fld>
             <a:endParaRPr lang="zh-CN" altLang="en-US"/>
           </a:p>
@@ -13181,6 +13390,7 @@
           <a:p>
             <a:fld id="{F813E51F-F931-4312-91EC-86D68240970C}" type="slidenum">
               <a:rPr lang="zh-CN" altLang="en-US" smtClean="0"/>
+              <a:t>‹#›</a:t>
             </a:fld>
             <a:endParaRPr lang="zh-CN" altLang="en-US"/>
           </a:p>
@@ -13298,7 +13508,6 @@
               <a:rPr lang="zh-CN" altLang="en-US"/>
               <a:t>单击此处编辑母版文本样式</a:t>
             </a:r>
-            <a:endParaRPr lang="zh-CN" altLang="en-US"/>
           </a:p>
           <a:p>
             <a:pPr lvl="1"/>
@@ -13306,7 +13515,6 @@
               <a:rPr lang="zh-CN" altLang="en-US"/>
               <a:t>第二级</a:t>
             </a:r>
-            <a:endParaRPr lang="zh-CN" altLang="en-US"/>
           </a:p>
           <a:p>
             <a:pPr lvl="2"/>
@@ -13314,7 +13522,6 @@
               <a:rPr lang="zh-CN" altLang="en-US"/>
               <a:t>第三级</a:t>
             </a:r>
-            <a:endParaRPr lang="zh-CN" altLang="en-US"/>
           </a:p>
           <a:p>
             <a:pPr lvl="3"/>
@@ -13322,7 +13529,6 @@
               <a:rPr lang="zh-CN" altLang="en-US"/>
               <a:t>第四级</a:t>
             </a:r>
-            <a:endParaRPr lang="zh-CN" altLang="en-US"/>
           </a:p>
           <a:p>
             <a:pPr lvl="4"/>
@@ -13396,7 +13602,6 @@
               <a:rPr lang="zh-CN" altLang="en-US"/>
               <a:t>单击此处编辑母版文本样式</a:t>
             </a:r>
-            <a:endParaRPr lang="zh-CN" altLang="en-US"/>
           </a:p>
         </p:txBody>
       </p:sp>
@@ -13417,6 +13622,7 @@
           <a:p>
             <a:fld id="{3CD8EDAB-281B-495C-B3B1-C831B56AA954}" type="datetimeFigureOut">
               <a:rPr lang="zh-CN" altLang="en-US" smtClean="0"/>
+              <a:t>2021/11/30</a:t>
             </a:fld>
             <a:endParaRPr lang="zh-CN" altLang="en-US"/>
           </a:p>
@@ -13458,6 +13664,7 @@
           <a:p>
             <a:fld id="{F813E51F-F931-4312-91EC-86D68240970C}" type="slidenum">
               <a:rPr lang="zh-CN" altLang="en-US" smtClean="0"/>
+              <a:t>‹#›</a:t>
             </a:fld>
             <a:endParaRPr lang="zh-CN" altLang="en-US"/>
           </a:p>
@@ -13665,7 +13872,6 @@
               <a:rPr lang="zh-CN" altLang="en-US"/>
               <a:t>单击此处编辑母版文本样式</a:t>
             </a:r>
-            <a:endParaRPr lang="zh-CN" altLang="en-US"/>
           </a:p>
         </p:txBody>
       </p:sp>
@@ -13686,6 +13892,7 @@
           <a:p>
             <a:fld id="{3CD8EDAB-281B-495C-B3B1-C831B56AA954}" type="datetimeFigureOut">
               <a:rPr lang="zh-CN" altLang="en-US" smtClean="0"/>
+              <a:t>2021/11/30</a:t>
             </a:fld>
             <a:endParaRPr lang="zh-CN" altLang="en-US"/>
           </a:p>
@@ -13727,6 +13934,7 @@
           <a:p>
             <a:fld id="{F813E51F-F931-4312-91EC-86D68240970C}" type="slidenum">
               <a:rPr lang="zh-CN" altLang="en-US" smtClean="0"/>
+              <a:t>‹#›</a:t>
             </a:fld>
             <a:endParaRPr lang="zh-CN" altLang="en-US"/>
           </a:p>
@@ -13771,7 +13979,7 @@
           <p:nvPr/>
         </p:nvPicPr>
         <p:blipFill rotWithShape="1">
-          <a:blip r:embed="rId18">
+          <a:blip r:embed="rId19">
             <a:extLst>
               <a:ext uri="{28A0092B-C50C-407E-A947-70E740481C1C}">
                 <a14:useLocalDpi xmlns:a14="http://schemas.microsoft.com/office/drawing/2010/main" val="0"/>
@@ -13802,7 +14010,7 @@
           <p:nvPr/>
         </p:nvPicPr>
         <p:blipFill rotWithShape="1">
-          <a:blip r:embed="rId19">
+          <a:blip r:embed="rId20">
             <a:extLst>
               <a:ext uri="{28A0092B-C50C-407E-A947-70E740481C1C}">
                 <a14:useLocalDpi xmlns:a14="http://schemas.microsoft.com/office/drawing/2010/main" val="0"/>
@@ -13896,7 +14104,7 @@
           <p:nvPr/>
         </p:nvPicPr>
         <p:blipFill rotWithShape="1">
-          <a:blip r:embed="rId20">
+          <a:blip r:embed="rId21">
             <a:extLst>
               <a:ext uri="{28A0092B-C50C-407E-A947-70E740481C1C}">
                 <a14:useLocalDpi xmlns:a14="http://schemas.microsoft.com/office/drawing/2010/main" val="0"/>
@@ -13927,7 +14135,7 @@
           <p:nvPr/>
         </p:nvPicPr>
         <p:blipFill rotWithShape="1">
-          <a:blip r:embed="rId21">
+          <a:blip r:embed="rId22">
             <a:extLst>
               <a:ext uri="{28A0092B-C50C-407E-A947-70E740481C1C}">
                 <a14:useLocalDpi xmlns:a14="http://schemas.microsoft.com/office/drawing/2010/main" val="0"/>
@@ -14048,7 +14256,6 @@
               <a:rPr lang="zh-CN" altLang="en-US"/>
               <a:t>单击此处编辑母版文本样式</a:t>
             </a:r>
-            <a:endParaRPr lang="zh-CN" altLang="en-US"/>
           </a:p>
           <a:p>
             <a:pPr lvl="1"/>
@@ -14056,7 +14263,6 @@
               <a:rPr lang="zh-CN" altLang="en-US"/>
               <a:t>第二级</a:t>
             </a:r>
-            <a:endParaRPr lang="zh-CN" altLang="en-US"/>
           </a:p>
           <a:p>
             <a:pPr lvl="2"/>
@@ -14064,7 +14270,6 @@
               <a:rPr lang="zh-CN" altLang="en-US"/>
               <a:t>第三级</a:t>
             </a:r>
-            <a:endParaRPr lang="zh-CN" altLang="en-US"/>
           </a:p>
           <a:p>
             <a:pPr lvl="3"/>
@@ -14072,7 +14277,6 @@
               <a:rPr lang="zh-CN" altLang="en-US"/>
               <a:t>第四级</a:t>
             </a:r>
-            <a:endParaRPr lang="zh-CN" altLang="en-US"/>
           </a:p>
           <a:p>
             <a:pPr lvl="4"/>
@@ -14120,6 +14324,7 @@
           <a:p>
             <a:fld id="{3CD8EDAB-281B-495C-B3B1-C831B56AA954}" type="datetimeFigureOut">
               <a:rPr lang="zh-CN" altLang="en-US" smtClean="0"/>
+              <a:t>2021/11/30</a:t>
             </a:fld>
             <a:endParaRPr lang="zh-CN" altLang="en-US"/>
           </a:p>
@@ -14198,6 +14403,7 @@
           <a:p>
             <a:fld id="{F813E51F-F931-4312-91EC-86D68240970C}" type="slidenum">
               <a:rPr lang="zh-CN" altLang="en-US" smtClean="0"/>
+              <a:t>‹#›</a:t>
             </a:fld>
             <a:endParaRPr lang="zh-CN" altLang="en-US"/>
           </a:p>
@@ -14674,9 +14880,6 @@
               </a:rPr>
               <a:t>调研</a:t>
             </a:r>
-            <a:endParaRPr lang="zh-CN" altLang="en-US" dirty="0">
-              <a:latin typeface="+mj-ea"/>
-            </a:endParaRPr>
           </a:p>
         </p:txBody>
       </p:sp>
@@ -14727,10 +14930,22 @@
               <a:t>Rust</a:t>
             </a:r>
             <a:r>
-              <a:rPr lang="zh-CN" altLang="en-US" dirty="0">
+              <a:rPr lang="zh-CN" altLang="en-US" dirty="0" smtClean="0">
                 <a:latin typeface="+mj-ea"/>
               </a:rPr>
               <a:t>简介</a:t>
+            </a:r>
+            <a:r>
+              <a:rPr lang="en-US" altLang="zh-CN" dirty="0" smtClean="0">
+                <a:latin typeface="+mj-ea"/>
+              </a:rPr>
+              <a:t>-</a:t>
+            </a:r>
+            <a:r>
+              <a:rPr lang="zh-CN" altLang="en-US" dirty="0" smtClean="0">
+                <a:latin typeface="+mj-ea"/>
+              </a:rPr>
+              <a:t>特性</a:t>
             </a:r>
             <a:endParaRPr lang="zh-CN" altLang="en-US" dirty="0">
               <a:latin typeface="+mj-ea"/>
@@ -14765,9 +14980,26 @@
             </a:pPr>
             <a:r>
               <a:rPr lang="en-US" altLang="zh-CN" dirty="0"/>
-              <a:t>	- trait</a:t>
-            </a:r>
-            <a:endParaRPr lang="en-US" altLang="zh-CN" dirty="0"/>
+              <a:t>	- </a:t>
+            </a:r>
+            <a:r>
+              <a:rPr lang="en-US" altLang="zh-CN" dirty="0" smtClean="0">
+                <a:latin typeface="Times New Roman" panose="02020603050405020304" pitchFamily="18" charset="0"/>
+                <a:cs typeface="Times New Roman" panose="02020603050405020304" pitchFamily="18" charset="0"/>
+              </a:rPr>
+              <a:t>trait</a:t>
+            </a:r>
+            <a:r>
+              <a:rPr lang="zh-CN" altLang="en-US" dirty="0" smtClean="0">
+                <a:latin typeface="Times New Roman" panose="02020603050405020304" pitchFamily="18" charset="0"/>
+                <a:cs typeface="Times New Roman" panose="02020603050405020304" pitchFamily="18" charset="0"/>
+              </a:rPr>
+              <a:t>（限定）</a:t>
+            </a:r>
+            <a:endParaRPr lang="en-US" altLang="zh-CN" dirty="0">
+              <a:latin typeface="Times New Roman" panose="02020603050405020304" pitchFamily="18" charset="0"/>
+              <a:cs typeface="Times New Roman" panose="02020603050405020304" pitchFamily="18" charset="0"/>
+            </a:endParaRPr>
           </a:p>
           <a:p>
             <a:pPr marL="0" indent="0">
@@ -14779,8 +15011,18 @@
             </a:r>
             <a:r>
               <a:rPr lang="zh-CN" altLang="en-US" dirty="0"/>
-              <a:t>泛型</a:t>
-            </a:r>
+              <a:t>泛</a:t>
+            </a:r>
+            <a:r>
+              <a:rPr lang="zh-CN" altLang="en-US" dirty="0" smtClean="0"/>
+              <a:t>型</a:t>
+            </a:r>
+            <a:endParaRPr lang="en-US" altLang="zh-CN" dirty="0" smtClean="0"/>
+          </a:p>
+          <a:p>
+            <a:pPr marL="0" indent="0">
+              <a:buNone/>
+            </a:pPr>
             <a:endParaRPr lang="en-US" altLang="zh-CN" dirty="0"/>
           </a:p>
         </p:txBody>
@@ -14832,10 +15074,22 @@
               <a:t>Rust</a:t>
             </a:r>
             <a:r>
-              <a:rPr lang="zh-CN" altLang="en-US" dirty="0">
+              <a:rPr lang="zh-CN" altLang="en-US" dirty="0" smtClean="0">
                 <a:latin typeface="+mj-ea"/>
               </a:rPr>
               <a:t>简介</a:t>
+            </a:r>
+            <a:r>
+              <a:rPr lang="en-US" altLang="zh-CN" dirty="0" smtClean="0">
+                <a:latin typeface="+mj-ea"/>
+              </a:rPr>
+              <a:t>-</a:t>
+            </a:r>
+            <a:r>
+              <a:rPr lang="zh-CN" altLang="en-US" dirty="0" smtClean="0">
+                <a:latin typeface="+mj-ea"/>
+              </a:rPr>
+              <a:t>特性</a:t>
             </a:r>
             <a:endParaRPr lang="zh-CN" altLang="en-US" dirty="0">
               <a:latin typeface="+mj-ea"/>
@@ -14983,10 +15237,22 @@
               <a:t>Rust</a:t>
             </a:r>
             <a:r>
-              <a:rPr lang="zh-CN" altLang="en-US" dirty="0">
+              <a:rPr lang="zh-CN" altLang="en-US" dirty="0" smtClean="0">
                 <a:latin typeface="+mj-ea"/>
               </a:rPr>
               <a:t>简介</a:t>
+            </a:r>
+            <a:r>
+              <a:rPr lang="en-US" altLang="zh-CN" dirty="0" smtClean="0">
+                <a:latin typeface="+mj-ea"/>
+              </a:rPr>
+              <a:t>-</a:t>
+            </a:r>
+            <a:r>
+              <a:rPr lang="zh-CN" altLang="en-US" dirty="0" smtClean="0">
+                <a:latin typeface="+mj-ea"/>
+              </a:rPr>
+              <a:t>优劣</a:t>
             </a:r>
             <a:endParaRPr lang="zh-CN" altLang="en-US" dirty="0">
               <a:latin typeface="+mj-ea"/>
@@ -15042,9 +15308,25 @@
             <a:pPr lvl="1"/>
             <a:r>
               <a:rPr lang="zh-CN" altLang="en-US" dirty="0"/>
-              <a:t>学习曲线陡峭</a:t>
-            </a:r>
-            <a:endParaRPr lang="en-US" altLang="zh-CN" dirty="0"/>
+              <a:t>学习曲线</a:t>
+            </a:r>
+            <a:r>
+              <a:rPr lang="zh-CN" altLang="en-US" dirty="0" smtClean="0"/>
+              <a:t>陡峭</a:t>
+            </a:r>
+            <a:endParaRPr lang="en-US" altLang="zh-CN" dirty="0" smtClean="0"/>
+          </a:p>
+          <a:p>
+            <a:pPr lvl="1"/>
+            <a:r>
+              <a:rPr lang="zh-CN" altLang="en-US" dirty="0"/>
+              <a:t>生态不够</a:t>
+            </a:r>
+            <a:r>
+              <a:rPr lang="zh-CN" altLang="en-US" dirty="0" smtClean="0"/>
+              <a:t>丰富</a:t>
+            </a:r>
+            <a:endParaRPr lang="zh-CN" altLang="en-US" dirty="0"/>
           </a:p>
         </p:txBody>
       </p:sp>
@@ -15095,10 +15377,22 @@
               <a:t>Rust</a:t>
             </a:r>
             <a:r>
-              <a:rPr lang="zh-CN" altLang="en-US" dirty="0">
+              <a:rPr lang="zh-CN" altLang="en-US" dirty="0" smtClean="0">
                 <a:latin typeface="+mj-ea"/>
               </a:rPr>
               <a:t>简介</a:t>
+            </a:r>
+            <a:r>
+              <a:rPr lang="en-US" altLang="zh-CN" dirty="0" smtClean="0">
+                <a:latin typeface="+mj-ea"/>
+              </a:rPr>
+              <a:t>-</a:t>
+            </a:r>
+            <a:r>
+              <a:rPr lang="zh-CN" altLang="en-US" dirty="0" smtClean="0">
+                <a:latin typeface="+mj-ea"/>
+              </a:rPr>
+              <a:t>优劣</a:t>
             </a:r>
             <a:endParaRPr lang="zh-CN" altLang="en-US" dirty="0">
               <a:latin typeface="+mj-ea"/>
@@ -15132,7 +15426,6 @@
               <a:rPr lang="zh-CN" altLang="en-US" dirty="0"/>
               <a:t>生态不够丰富</a:t>
             </a:r>
-            <a:endParaRPr lang="zh-CN" altLang="en-US" dirty="0"/>
           </a:p>
         </p:txBody>
       </p:sp>
@@ -15177,14 +15470,32 @@
           <a:lstStyle/>
           <a:p>
             <a:r>
-              <a:rPr kumimoji="1" lang="en-US" altLang="zh-CN" dirty="0"/>
+              <a:rPr lang="en-US" altLang="zh-CN" dirty="0">
+                <a:latin typeface="+mj-ea"/>
+              </a:rPr>
               <a:t>Rust</a:t>
             </a:r>
             <a:r>
-              <a:rPr kumimoji="1" lang="zh-CN" altLang="en-US" dirty="0"/>
+              <a:rPr lang="zh-CN" altLang="en-US" dirty="0" smtClean="0">
+                <a:latin typeface="+mj-ea"/>
+              </a:rPr>
               <a:t>简介</a:t>
             </a:r>
-            <a:endParaRPr kumimoji="1" lang="zh-CN" altLang="en-US" dirty="0"/>
+            <a:r>
+              <a:rPr lang="en-US" altLang="zh-CN" dirty="0" smtClean="0">
+                <a:latin typeface="+mj-ea"/>
+              </a:rPr>
+              <a:t>-</a:t>
+            </a:r>
+            <a:r>
+              <a:rPr lang="zh-CN" altLang="en-US" dirty="0" smtClean="0">
+                <a:latin typeface="+mj-ea"/>
+              </a:rPr>
+              <a:t>优劣</a:t>
+            </a:r>
+            <a:endParaRPr lang="zh-CN" altLang="en-US" dirty="0">
+              <a:latin typeface="+mj-ea"/>
+            </a:endParaRPr>
           </a:p>
         </p:txBody>
       </p:sp>
@@ -15203,59 +15514,23 @@
           <a:bodyPr/>
           <a:lstStyle/>
           <a:p>
-            <a:r>
-              <a:rPr kumimoji="1" lang="zh-CN" altLang="en-US" dirty="0"/>
-              <a:t>项目</a:t>
-            </a:r>
-            <a:endParaRPr kumimoji="1" lang="zh-CN" altLang="en-US" dirty="0"/>
-          </a:p>
-          <a:p>
-            <a:r>
-              <a:rPr kumimoji="1" lang="zh-CN" altLang="en-US" dirty="0"/>
-              <a:t>基础库，</a:t>
-            </a:r>
-            <a:r>
-              <a:rPr kumimoji="1" lang="en-US" altLang="zh-CN" dirty="0"/>
-              <a:t>io</a:t>
-            </a:r>
-            <a:r>
-              <a:rPr kumimoji="1" lang="zh-CN" altLang="en-US" dirty="0"/>
-              <a:t>，网络，数据库，集中在云计算</a:t>
-            </a:r>
-            <a:endParaRPr kumimoji="1" lang="zh-CN" altLang="en-US" dirty="0"/>
-          </a:p>
-          <a:p>
-            <a:r>
-              <a:rPr kumimoji="1" lang="zh-CN" altLang="en-US" dirty="0"/>
-              <a:t>上层应用，典型的产品，</a:t>
-            </a:r>
-            <a:r>
-              <a:rPr kumimoji="1" lang="en-US" altLang="zh-CN" dirty="0"/>
-              <a:t>go-docker,rust-db,linkerd-proxy,2.0</a:t>
-            </a:r>
-            <a:r>
-              <a:rPr kumimoji="1" lang="zh-CN" altLang="en-US" dirty="0"/>
-              <a:t>（</a:t>
-            </a:r>
-            <a:r>
-              <a:rPr kumimoji="1" lang="en-US" altLang="zh-CN" dirty="0"/>
-              <a:t>envoy</a:t>
-            </a:r>
-            <a:r>
-              <a:rPr kumimoji="1" lang="zh-CN" altLang="en-US" dirty="0"/>
-              <a:t>）</a:t>
-            </a:r>
-            <a:endParaRPr kumimoji="1" lang="zh-CN" altLang="en-US" dirty="0"/>
-          </a:p>
-          <a:p>
             <a:pPr marL="0" indent="0">
               <a:buNone/>
             </a:pPr>
-            <a:endParaRPr kumimoji="1" lang="zh-CN" altLang="en-US" dirty="0"/>
+            <a:r>
+              <a:rPr lang="zh-CN" altLang="en-US" dirty="0" smtClean="0"/>
+              <a:t>图（学习曲线图）</a:t>
+            </a:r>
+            <a:endParaRPr lang="en-US" altLang="zh-CN" dirty="0"/>
           </a:p>
         </p:txBody>
       </p:sp>
     </p:spTree>
+    <p:extLst>
+      <p:ext uri="{BB962C8B-B14F-4D97-AF65-F5344CB8AC3E}">
+        <p14:creationId xmlns:p14="http://schemas.microsoft.com/office/powerpoint/2010/main" val="2341056355"/>
+      </p:ext>
+    </p:extLst>
   </p:cSld>
   <p:clrMapOvr>
     <a:masterClrMapping/>
@@ -15296,8 +15571,16 @@
           <a:lstStyle/>
           <a:p>
             <a:r>
-              <a:rPr lang="zh-CN" altLang="en-US" dirty="0"/>
-              <a:t>相关资料</a:t>
+              <a:rPr kumimoji="1" lang="en-US" altLang="zh-CN" dirty="0" smtClean="0">
+                <a:latin typeface="+mj-ea"/>
+              </a:rPr>
+              <a:t>Rust</a:t>
+            </a:r>
+            <a:r>
+              <a:rPr kumimoji="1" lang="zh-CN" altLang="en-US" dirty="0" smtClean="0">
+                <a:latin typeface="+mj-ea"/>
+              </a:rPr>
+              <a:t>生态和应用</a:t>
             </a:r>
             <a:endParaRPr lang="zh-CN" altLang="en-US" dirty="0"/>
           </a:p>
@@ -15318,11 +15601,246 @@
           <a:bodyPr/>
           <a:lstStyle/>
           <a:p>
+            <a:pPr marL="0" indent="0">
+              <a:buNone/>
+            </a:pPr>
+            <a:r>
+              <a:rPr kumimoji="1" lang="zh-CN" altLang="en-US" dirty="0" smtClean="0"/>
+              <a:t>基础</a:t>
+            </a:r>
+            <a:r>
+              <a:rPr kumimoji="1" lang="zh-CN" altLang="en-US" dirty="0"/>
+              <a:t>库，</a:t>
+            </a:r>
+            <a:r>
+              <a:rPr kumimoji="1" lang="en-US" altLang="zh-CN" dirty="0" err="1"/>
+              <a:t>io</a:t>
+            </a:r>
+            <a:r>
+              <a:rPr kumimoji="1" lang="zh-CN" altLang="en-US" dirty="0"/>
+              <a:t>，网络，数据库，集中在云计算</a:t>
+            </a:r>
+          </a:p>
+          <a:p>
+            <a:pPr marL="0" indent="0">
+              <a:buNone/>
+            </a:pPr>
+            <a:r>
+              <a:rPr kumimoji="1" lang="zh-CN" altLang="en-US" dirty="0"/>
+              <a:t>上层应用，典型的产品，</a:t>
+            </a:r>
+            <a:r>
+              <a:rPr kumimoji="1" lang="en-US" altLang="zh-CN" dirty="0"/>
+              <a:t>go-docker,rust-db,linkerd-proxy,2.0</a:t>
+            </a:r>
+            <a:r>
+              <a:rPr kumimoji="1" lang="zh-CN" altLang="en-US" dirty="0"/>
+              <a:t>（</a:t>
+            </a:r>
+            <a:r>
+              <a:rPr kumimoji="1" lang="en-US" altLang="zh-CN" dirty="0"/>
+              <a:t>envoy</a:t>
+            </a:r>
+            <a:r>
+              <a:rPr kumimoji="1" lang="zh-CN" altLang="en-US" dirty="0" smtClean="0"/>
+              <a:t>）</a:t>
+            </a:r>
+            <a:endParaRPr kumimoji="1" lang="zh-CN" altLang="en-US" dirty="0"/>
+          </a:p>
+        </p:txBody>
+      </p:sp>
+    </p:spTree>
+    <p:extLst>
+      <p:ext uri="{BB962C8B-B14F-4D97-AF65-F5344CB8AC3E}">
+        <p14:creationId xmlns:p14="http://schemas.microsoft.com/office/powerpoint/2010/main" val="3376935449"/>
+      </p:ext>
+    </p:extLst>
+  </p:cSld>
+  <p:clrMapOvr>
+    <a:masterClrMapping/>
+  </p:clrMapOvr>
+</p:sld>
+</file>
+
+<file path=ppt/slides/slide16.xml><?xml version="1.0" encoding="utf-8"?>
+<p:sld xmlns:a="http://schemas.openxmlformats.org/drawingml/2006/main" xmlns:r="http://schemas.openxmlformats.org/officeDocument/2006/relationships" xmlns:p="http://schemas.openxmlformats.org/presentationml/2006/main">
+  <p:cSld>
+    <p:spTree>
+      <p:nvGrpSpPr>
+        <p:cNvPr id="1" name=""/>
+        <p:cNvGrpSpPr/>
+        <p:nvPr/>
+      </p:nvGrpSpPr>
+      <p:grpSpPr>
+        <a:xfrm>
+          <a:off x="0" y="0"/>
+          <a:ext cx="0" cy="0"/>
+          <a:chOff x="0" y="0"/>
+          <a:chExt cx="0" cy="0"/>
+        </a:xfrm>
+      </p:grpSpPr>
+      <p:sp>
+        <p:nvSpPr>
+          <p:cNvPr id="2" name="标题 1"/>
+          <p:cNvSpPr>
+            <a:spLocks noGrp="1"/>
+          </p:cNvSpPr>
+          <p:nvPr>
+            <p:ph type="title"/>
+          </p:nvPr>
+        </p:nvSpPr>
+        <p:spPr/>
+        <p:txBody>
+          <a:bodyPr/>
+          <a:lstStyle/>
+          <a:p>
+            <a:r>
+              <a:rPr kumimoji="1" lang="en-US" altLang="zh-CN" dirty="0" smtClean="0">
+                <a:latin typeface="+mj-ea"/>
+              </a:rPr>
+              <a:t>Rust</a:t>
+            </a:r>
+            <a:r>
+              <a:rPr kumimoji="1" lang="zh-CN" altLang="en-US" dirty="0" smtClean="0">
+                <a:latin typeface="+mj-ea"/>
+              </a:rPr>
+              <a:t>生态和应用</a:t>
+            </a:r>
+            <a:endParaRPr lang="zh-CN" altLang="en-US" dirty="0"/>
+          </a:p>
+        </p:txBody>
+      </p:sp>
+      <p:sp>
+        <p:nvSpPr>
+          <p:cNvPr id="3" name="内容占位符 2"/>
+          <p:cNvSpPr>
+            <a:spLocks noGrp="1"/>
+          </p:cNvSpPr>
+          <p:nvPr>
+            <p:ph idx="1"/>
+          </p:nvPr>
+        </p:nvSpPr>
+        <p:spPr/>
+        <p:txBody>
+          <a:bodyPr/>
+          <a:lstStyle/>
+          <a:p>
+            <a:r>
+              <a:rPr kumimoji="1" lang="en-US" altLang="zh-CN" dirty="0" err="1" smtClean="0">
+                <a:latin typeface="Times New Roman" panose="02020603050405020304" pitchFamily="18" charset="0"/>
+                <a:cs typeface="Times New Roman" panose="02020603050405020304" pitchFamily="18" charset="0"/>
+              </a:rPr>
+              <a:t>Tokio</a:t>
+            </a:r>
+            <a:r>
+              <a:rPr kumimoji="1" lang="zh-CN" altLang="en-US" dirty="0" smtClean="0">
+                <a:latin typeface="Times New Roman" panose="02020603050405020304" pitchFamily="18" charset="0"/>
+                <a:cs typeface="Times New Roman" panose="02020603050405020304" pitchFamily="18" charset="0"/>
+              </a:rPr>
+              <a:t>、</a:t>
+            </a:r>
+            <a:r>
+              <a:rPr kumimoji="1" lang="en-US" altLang="zh-CN" dirty="0" err="1" smtClean="0">
+                <a:latin typeface="Times New Roman" panose="02020603050405020304" pitchFamily="18" charset="0"/>
+                <a:cs typeface="Times New Roman" panose="02020603050405020304" pitchFamily="18" charset="0"/>
+              </a:rPr>
+              <a:t>Tokio_uring</a:t>
+            </a:r>
+            <a:endParaRPr kumimoji="1" lang="en-US" altLang="zh-CN" dirty="0" smtClean="0">
+              <a:latin typeface="Times New Roman" panose="02020603050405020304" pitchFamily="18" charset="0"/>
+              <a:cs typeface="Times New Roman" panose="02020603050405020304" pitchFamily="18" charset="0"/>
+            </a:endParaRPr>
+          </a:p>
+          <a:p>
+            <a:pPr marL="0" indent="0">
+              <a:buNone/>
+            </a:pPr>
+            <a:r>
+              <a:rPr kumimoji="1" lang="zh-CN" altLang="en-US" dirty="0" smtClean="0">
+                <a:latin typeface="Times New Roman" panose="02020603050405020304" pitchFamily="18" charset="0"/>
+                <a:cs typeface="Times New Roman" panose="02020603050405020304" pitchFamily="18" charset="0"/>
+              </a:rPr>
+              <a:t>基础网络库</a:t>
+            </a:r>
+            <a:endParaRPr kumimoji="1" lang="en-US" altLang="zh-CN" dirty="0">
+              <a:latin typeface="Times New Roman" panose="02020603050405020304" pitchFamily="18" charset="0"/>
+              <a:cs typeface="Times New Roman" panose="02020603050405020304" pitchFamily="18" charset="0"/>
+            </a:endParaRPr>
+          </a:p>
+        </p:txBody>
+      </p:sp>
+    </p:spTree>
+    <p:extLst>
+      <p:ext uri="{BB962C8B-B14F-4D97-AF65-F5344CB8AC3E}">
+        <p14:creationId xmlns:p14="http://schemas.microsoft.com/office/powerpoint/2010/main" val="1174511585"/>
+      </p:ext>
+    </p:extLst>
+  </p:cSld>
+  <p:clrMapOvr>
+    <a:masterClrMapping/>
+  </p:clrMapOvr>
+</p:sld>
+</file>
+
+<file path=ppt/slides/slide17.xml><?xml version="1.0" encoding="utf-8"?>
+<p:sld xmlns:a="http://schemas.openxmlformats.org/drawingml/2006/main" xmlns:r="http://schemas.openxmlformats.org/officeDocument/2006/relationships" xmlns:p="http://schemas.openxmlformats.org/presentationml/2006/main">
+  <p:cSld>
+    <p:spTree>
+      <p:nvGrpSpPr>
+        <p:cNvPr id="1" name=""/>
+        <p:cNvGrpSpPr/>
+        <p:nvPr/>
+      </p:nvGrpSpPr>
+      <p:grpSpPr>
+        <a:xfrm>
+          <a:off x="0" y="0"/>
+          <a:ext cx="0" cy="0"/>
+          <a:chOff x="0" y="0"/>
+          <a:chExt cx="0" cy="0"/>
+        </a:xfrm>
+      </p:grpSpPr>
+      <p:sp>
+        <p:nvSpPr>
+          <p:cNvPr id="2" name="标题 1"/>
+          <p:cNvSpPr>
+            <a:spLocks noGrp="1"/>
+          </p:cNvSpPr>
+          <p:nvPr>
+            <p:ph type="title"/>
+          </p:nvPr>
+        </p:nvSpPr>
+        <p:spPr/>
+        <p:txBody>
+          <a:bodyPr/>
+          <a:lstStyle/>
+          <a:p>
+            <a:r>
+              <a:rPr lang="zh-CN" altLang="en-US" dirty="0"/>
+              <a:t>相关资料</a:t>
+            </a:r>
+          </a:p>
+        </p:txBody>
+      </p:sp>
+      <p:sp>
+        <p:nvSpPr>
+          <p:cNvPr id="3" name="内容占位符 2"/>
+          <p:cNvSpPr>
+            <a:spLocks noGrp="1"/>
+          </p:cNvSpPr>
+          <p:nvPr>
+            <p:ph idx="1"/>
+          </p:nvPr>
+        </p:nvSpPr>
+        <p:spPr/>
+        <p:txBody>
+          <a:bodyPr/>
+          <a:lstStyle/>
+          <a:p>
             <a:r>
               <a:rPr lang="en-US" altLang="zh-CN" dirty="0">
                 <a:latin typeface="Times New Roman" panose="02020603050405020304" pitchFamily="18" charset="0"/>
                 <a:cs typeface="Times New Roman" panose="02020603050405020304" pitchFamily="18" charset="0"/>
-                <a:hlinkClick r:id="rId1"/>
+                <a:hlinkClick r:id="rId2"/>
               </a:rPr>
               <a:t>http://venge.net/graydon/talks/intro-talk-2.pdf</a:t>
             </a:r>
@@ -15399,7 +15917,7 @@
               <a:rPr lang="en-US" altLang="zh-CN" dirty="0">
                 <a:latin typeface="Times New Roman" panose="02020603050405020304" pitchFamily="18" charset="0"/>
                 <a:cs typeface="Times New Roman" panose="02020603050405020304" pitchFamily="18" charset="0"/>
-                <a:hlinkClick r:id="rId2"/>
+                <a:hlinkClick r:id="rId3"/>
               </a:rPr>
               <a:t>https://foundation.rust-lang.org/</a:t>
             </a:r>
@@ -15417,10 +15935,6 @@
               </a:rPr>
               <a:t>基金会官网</a:t>
             </a:r>
-            <a:endParaRPr lang="zh-CN" altLang="en-US" dirty="0">
-              <a:latin typeface="Times New Roman" panose="02020603050405020304" pitchFamily="18" charset="0"/>
-              <a:cs typeface="Times New Roman" panose="02020603050405020304" pitchFamily="18" charset="0"/>
-            </a:endParaRPr>
           </a:p>
           <a:p>
             <a:endParaRPr lang="zh-CN" altLang="en-US" dirty="0">
@@ -15467,7 +15981,7 @@
         </p:xfrm>
         <a:graphic>
           <a:graphicData uri="http://schemas.openxmlformats.org/drawingml/2006/diagram">
-            <dgm:relIds xmlns:dgm="http://schemas.openxmlformats.org/drawingml/2006/diagram" xmlns:r="http://schemas.openxmlformats.org/officeDocument/2006/relationships" r:dm="rId1" r:lo="rId2" r:qs="rId3" r:cs="rId4"/>
+            <dgm:relIds xmlns:dgm="http://schemas.openxmlformats.org/drawingml/2006/diagram" xmlns:r="http://schemas.openxmlformats.org/officeDocument/2006/relationships" r:dm="rId2" r:lo="rId3" r:qs="rId4" r:cs="rId5"/>
           </a:graphicData>
         </a:graphic>
       </p:graphicFrame>
@@ -15523,10 +16037,22 @@
               <a:t>Rust</a:t>
             </a:r>
             <a:r>
-              <a:rPr lang="zh-CN" altLang="en-US" dirty="0">
+              <a:rPr lang="zh-CN" altLang="en-US" dirty="0" smtClean="0">
                 <a:latin typeface="+mj-ea"/>
               </a:rPr>
               <a:t>介绍</a:t>
+            </a:r>
+            <a:r>
+              <a:rPr lang="en-US" altLang="zh-CN" dirty="0" smtClean="0">
+                <a:latin typeface="+mj-ea"/>
+              </a:rPr>
+              <a:t>-</a:t>
+            </a:r>
+            <a:r>
+              <a:rPr lang="zh-CN" altLang="en-US" dirty="0" smtClean="0">
+                <a:latin typeface="+mj-ea"/>
+              </a:rPr>
+              <a:t>发展历程</a:t>
             </a:r>
             <a:endParaRPr lang="zh-CN" altLang="en-US" dirty="0">
               <a:latin typeface="+mj-ea"/>
@@ -15546,7 +16072,7 @@
         </p:xfrm>
         <a:graphic>
           <a:graphicData uri="http://schemas.openxmlformats.org/drawingml/2006/diagram">
-            <dgm:relIds xmlns:dgm="http://schemas.openxmlformats.org/drawingml/2006/diagram" xmlns:r="http://schemas.openxmlformats.org/officeDocument/2006/relationships" r:dm="rId1" r:lo="rId2" r:qs="rId3" r:cs="rId4"/>
+            <dgm:relIds xmlns:dgm="http://schemas.openxmlformats.org/drawingml/2006/diagram" xmlns:r="http://schemas.openxmlformats.org/officeDocument/2006/relationships" r:dm="rId3" r:lo="rId4" r:qs="rId5" r:cs="rId6"/>
           </a:graphicData>
         </a:graphic>
       </p:graphicFrame>
@@ -15630,9 +16156,6 @@
               </a:rPr>
               <a:t>年再次进行大版本迭代</a:t>
             </a:r>
-            <a:endParaRPr lang="zh-CN" altLang="en-US" dirty="0">
-              <a:latin typeface="+mn-ea"/>
-            </a:endParaRPr>
           </a:p>
         </p:txBody>
       </p:sp>
@@ -15690,10 +16213,6 @@
               </a:rPr>
               <a:t>简介</a:t>
             </a:r>
-            <a:endParaRPr lang="zh-CN" altLang="en-US" dirty="0">
-              <a:latin typeface="+mn-ea"/>
-              <a:ea typeface="+mn-ea"/>
-            </a:endParaRPr>
           </a:p>
         </p:txBody>
       </p:sp>
@@ -15708,7 +16227,7 @@
           </p:nvPr>
         </p:nvPicPr>
         <p:blipFill>
-          <a:blip r:embed="rId1"/>
+          <a:blip r:embed="rId3"/>
           <a:stretch>
             <a:fillRect/>
           </a:stretch>
@@ -15813,10 +16332,6 @@
               </a:rPr>
               <a:t>简介</a:t>
             </a:r>
-            <a:endParaRPr lang="zh-CN" altLang="en-US" dirty="0">
-              <a:latin typeface="+mn-ea"/>
-              <a:ea typeface="+mn-ea"/>
-            </a:endParaRPr>
           </a:p>
         </p:txBody>
       </p:sp>
@@ -15829,7 +16344,7 @@
           <p:nvPr/>
         </p:nvPicPr>
         <p:blipFill>
-          <a:blip r:embed="rId1"/>
+          <a:blip r:embed="rId3"/>
           <a:stretch>
             <a:fillRect/>
           </a:stretch>
@@ -15894,10 +16409,6 @@
               </a:rPr>
               <a:t>基金会</a:t>
             </a:r>
-            <a:endParaRPr lang="zh-CN" altLang="en-US" dirty="0">
-              <a:latin typeface="+mn-ea"/>
-              <a:cs typeface="Times New Roman" panose="02020603050405020304" pitchFamily="18" charset="0"/>
-            </a:endParaRPr>
           </a:p>
         </p:txBody>
       </p:sp>
@@ -15948,10 +16459,22 @@
               <a:t>Rust</a:t>
             </a:r>
             <a:r>
-              <a:rPr lang="zh-CN" altLang="en-US" dirty="0">
+              <a:rPr lang="zh-CN" altLang="en-US" dirty="0" smtClean="0">
                 <a:latin typeface="+mj-ea"/>
               </a:rPr>
               <a:t>简介</a:t>
+            </a:r>
+            <a:r>
+              <a:rPr lang="en-US" altLang="zh-CN" dirty="0" smtClean="0">
+                <a:latin typeface="+mj-ea"/>
+              </a:rPr>
+              <a:t>-</a:t>
+            </a:r>
+            <a:r>
+              <a:rPr lang="zh-CN" altLang="en-US" dirty="0" smtClean="0">
+                <a:latin typeface="+mj-ea"/>
+              </a:rPr>
+              <a:t>特性</a:t>
             </a:r>
             <a:endParaRPr lang="zh-CN" altLang="en-US" dirty="0">
               <a:latin typeface="+mj-ea"/>
@@ -15997,13 +16520,6 @@
               </a:rPr>
               <a:t>安全性</a:t>
             </a:r>
-            <a:endParaRPr lang="zh-CN" altLang="en-US" dirty="0">
-              <a:solidFill>
-                <a:srgbClr val="C00000"/>
-              </a:solidFill>
-              <a:latin typeface="+mn-ea"/>
-              <a:ea typeface="+mn-ea"/>
-            </a:endParaRPr>
           </a:p>
         </p:txBody>
       </p:sp>
@@ -16054,10 +16570,22 @@
               <a:t>Rust</a:t>
             </a:r>
             <a:r>
-              <a:rPr lang="zh-CN" altLang="en-US" dirty="0">
+              <a:rPr lang="zh-CN" altLang="en-US" dirty="0" smtClean="0">
                 <a:latin typeface="+mj-ea"/>
               </a:rPr>
               <a:t>简介</a:t>
+            </a:r>
+            <a:r>
+              <a:rPr lang="en-US" altLang="zh-CN" dirty="0" smtClean="0">
+                <a:latin typeface="+mj-ea"/>
+              </a:rPr>
+              <a:t>-</a:t>
+            </a:r>
+            <a:r>
+              <a:rPr lang="zh-CN" altLang="en-US" dirty="0" smtClean="0">
+                <a:latin typeface="+mj-ea"/>
+              </a:rPr>
+              <a:t>特性</a:t>
             </a:r>
             <a:endParaRPr lang="zh-CN" altLang="en-US" dirty="0">
               <a:latin typeface="+mj-ea"/>
@@ -16145,10 +16673,6 @@
               </a:rPr>
               <a:t>原文链接</a:t>
             </a:r>
-            <a:endParaRPr lang="zh-CN" altLang="en-US" dirty="0">
-              <a:latin typeface="+mn-ea"/>
-              <a:ea typeface="+mn-ea"/>
-            </a:endParaRPr>
           </a:p>
         </p:txBody>
       </p:sp>
@@ -16199,10 +16723,22 @@
               <a:t>Rust</a:t>
             </a:r>
             <a:r>
-              <a:rPr lang="zh-CN" altLang="en-US" dirty="0">
+              <a:rPr lang="zh-CN" altLang="en-US" dirty="0" smtClean="0">
                 <a:latin typeface="+mj-ea"/>
               </a:rPr>
               <a:t>简介</a:t>
+            </a:r>
+            <a:r>
+              <a:rPr lang="en-US" altLang="zh-CN" dirty="0" smtClean="0">
+                <a:latin typeface="+mj-ea"/>
+              </a:rPr>
+              <a:t>-</a:t>
+            </a:r>
+            <a:r>
+              <a:rPr lang="zh-CN" altLang="en-US" dirty="0" smtClean="0">
+                <a:latin typeface="+mj-ea"/>
+              </a:rPr>
+              <a:t>特性</a:t>
             </a:r>
             <a:endParaRPr lang="zh-CN" altLang="en-US" dirty="0">
               <a:latin typeface="+mj-ea"/>
@@ -16243,7 +16779,6 @@
               <a:rPr lang="zh-CN" altLang="en-US" dirty="0"/>
               <a:t>实用性</a:t>
             </a:r>
-            <a:endParaRPr lang="zh-CN" altLang="en-US" dirty="0"/>
           </a:p>
         </p:txBody>
       </p:sp>
@@ -16294,11 +16829,23 @@
               <a:t>Rust</a:t>
             </a:r>
             <a:r>
-              <a:rPr lang="zh-CN" altLang="en-US" dirty="0">
+              <a:rPr lang="zh-CN" altLang="en-US" dirty="0" smtClean="0">
                 <a:latin typeface="+mj-ea"/>
               </a:rPr>
               <a:t>简介</a:t>
             </a:r>
+            <a:r>
+              <a:rPr lang="en-US" altLang="zh-CN" dirty="0" smtClean="0">
+                <a:latin typeface="+mj-ea"/>
+              </a:rPr>
+              <a:t>-</a:t>
+            </a:r>
+            <a:r>
+              <a:rPr lang="zh-CN" altLang="en-US" dirty="0" smtClean="0">
+                <a:latin typeface="+mj-ea"/>
+              </a:rPr>
+              <a:t>特性</a:t>
+            </a:r>
             <a:endParaRPr lang="zh-CN" altLang="en-US" dirty="0">
               <a:latin typeface="+mj-ea"/>
             </a:endParaRPr>
@@ -16317,12 +16864,18 @@
         </p:nvSpPr>
         <p:spPr/>
         <p:txBody>
-          <a:bodyPr/>
+          <a:bodyPr>
+            <a:normAutofit/>
+          </a:bodyPr>
           <a:lstStyle/>
           <a:p>
             <a:r>
-              <a:rPr lang="zh-CN" altLang="en-US" dirty="0"/>
-              <a:t>内存安全</a:t>
+              <a:rPr lang="zh-CN" altLang="en-US" dirty="0" smtClean="0"/>
+              <a:t>内存不安全</a:t>
+            </a:r>
+            <a:r>
+              <a:rPr lang="en-US" altLang="zh-CN" dirty="0" smtClean="0"/>
+              <a:t>	</a:t>
             </a:r>
             <a:endParaRPr lang="en-US" altLang="zh-CN" dirty="0"/>
           </a:p>
@@ -16335,8 +16888,8 @@
               <a:t>	- </a:t>
             </a:r>
             <a:r>
-              <a:rPr lang="zh-CN" altLang="en-US" dirty="0"/>
-              <a:t>所有权</a:t>
+              <a:rPr lang="zh-CN" altLang="en-US" dirty="0" smtClean="0"/>
+              <a:t>内存分配（使用未初始化的内存）</a:t>
             </a:r>
             <a:endParaRPr lang="en-US" altLang="zh-CN" dirty="0"/>
           </a:p>
@@ -16350,7 +16903,11 @@
             </a:r>
             <a:r>
               <a:rPr lang="zh-CN" altLang="en-US" dirty="0"/>
-              <a:t> 借用和生命周期</a:t>
+              <a:t> </a:t>
+            </a:r>
+            <a:r>
+              <a:rPr lang="zh-CN" altLang="en-US" dirty="0" smtClean="0"/>
+              <a:t>内存访问（空指针引用，索引越界，悬垂指针）</a:t>
             </a:r>
             <a:endParaRPr lang="en-US" altLang="zh-CN" dirty="0"/>
           </a:p>
@@ -16364,7 +16921,73 @@
             </a:r>
             <a:r>
               <a:rPr lang="zh-CN" altLang="en-US" dirty="0"/>
-              <a:t> 复杂的内置类型</a:t>
+              <a:t> </a:t>
+            </a:r>
+            <a:r>
+              <a:rPr lang="zh-CN" altLang="en-US" dirty="0" smtClean="0"/>
+              <a:t>内存释放 （重复释放）     </a:t>
+            </a:r>
+            <a:endParaRPr lang="en-US" altLang="zh-CN" dirty="0"/>
+          </a:p>
+          <a:p>
+            <a:pPr marL="0" indent="0">
+              <a:buNone/>
+            </a:pPr>
+            <a:endParaRPr lang="en-US" altLang="zh-CN" dirty="0"/>
+          </a:p>
+          <a:p>
+            <a:r>
+              <a:rPr lang="zh-CN" altLang="en-US" dirty="0" smtClean="0"/>
+              <a:t>内存安全</a:t>
+            </a:r>
+            <a:r>
+              <a:rPr lang="en-US" altLang="zh-CN" dirty="0"/>
+              <a:t>	</a:t>
+            </a:r>
+          </a:p>
+          <a:p>
+            <a:pPr marL="0" indent="0">
+              <a:buNone/>
+            </a:pPr>
+            <a:r>
+              <a:rPr lang="en-US" altLang="zh-CN" dirty="0"/>
+              <a:t>	- </a:t>
+            </a:r>
+            <a:r>
+              <a:rPr lang="zh-CN" altLang="en-US" dirty="0" smtClean="0"/>
+              <a:t>所有权</a:t>
+            </a:r>
+            <a:endParaRPr lang="en-US" altLang="zh-CN" dirty="0"/>
+          </a:p>
+          <a:p>
+            <a:pPr marL="0" indent="0">
+              <a:buNone/>
+            </a:pPr>
+            <a:r>
+              <a:rPr lang="en-US" altLang="zh-CN" dirty="0"/>
+              <a:t>	-</a:t>
+            </a:r>
+            <a:r>
+              <a:rPr lang="zh-CN" altLang="en-US" dirty="0"/>
+              <a:t> 借用和生命周期</a:t>
+            </a:r>
+            <a:endParaRPr lang="en-US" altLang="zh-CN" dirty="0"/>
+          </a:p>
+          <a:p>
+            <a:pPr marL="0" indent="0">
+              <a:buNone/>
+            </a:pPr>
+            <a:r>
+              <a:rPr lang="en-US" altLang="zh-CN" dirty="0"/>
+              <a:t>	-</a:t>
+            </a:r>
+            <a:r>
+              <a:rPr lang="zh-CN" altLang="en-US" dirty="0"/>
+              <a:t> 复杂的内置类型                                         </a:t>
+            </a:r>
+            <a:r>
+              <a:rPr lang="zh-CN" altLang="en-US" dirty="0" smtClean="0"/>
+              <a:t>                                    </a:t>
             </a:r>
             <a:endParaRPr lang="en-US" altLang="zh-CN" dirty="0"/>
           </a:p>
@@ -16636,6 +17259,8 @@
       </a:bgFillStyleLst>
     </a:fmtScheme>
   </a:themeElements>
+  <a:objectDefaults/>
+  <a:extraClrSchemeLst/>
   <a:extLst>
     <a:ext uri="{05A4C25C-085E-4340-85A3-A5531E510DB2}">
       <thm15:themeFamily xmlns:thm15="http://schemas.microsoft.com/office/thememl/2012/main" name="Office Theme" id="{62F939B6-93AF-4DB8-9C6B-D6C7DFDC589F}" vid="{4A3C46E8-61CC-4603-A589-7422A47A8E4A}"/>
@@ -16895,6 +17520,8 @@
       </a:bgFillStyleLst>
     </a:fmtScheme>
   </a:themeElements>
+  <a:objectDefaults/>
+  <a:extraClrSchemeLst/>
   <a:extLst>
     <a:ext uri="{05A4C25C-085E-4340-85A3-A5531E510DB2}">
       <thm15:themeFamily xmlns:thm15="http://schemas.microsoft.com/office/thememl/2012/main" name="Office Theme" id="{62F939B6-93AF-4DB8-9C6B-D6C7DFDC589F}" vid="{4A3C46E8-61CC-4603-A589-7422A47A8E4A}"/>

--- a/Rust调研.pptx
+++ b/Rust调研.pptx
@@ -5,7 +5,7 @@
     <p:sldMasterId id="2147483648" r:id="rId1"/>
   </p:sldMasterIdLst>
   <p:notesMasterIdLst>
-    <p:notesMasterId r:id="rId19"/>
+    <p:notesMasterId r:id="rId28"/>
   </p:notesMasterIdLst>
   <p:sldIdLst>
     <p:sldId id="256" r:id="rId2"/>
@@ -14,17 +14,26 @@
     <p:sldId id="259" r:id="rId5"/>
     <p:sldId id="260" r:id="rId6"/>
     <p:sldId id="262" r:id="rId7"/>
-    <p:sldId id="263" r:id="rId8"/>
-    <p:sldId id="264" r:id="rId9"/>
-    <p:sldId id="265" r:id="rId10"/>
-    <p:sldId id="266" r:id="rId11"/>
-    <p:sldId id="267" r:id="rId12"/>
-    <p:sldId id="269" r:id="rId13"/>
-    <p:sldId id="268" r:id="rId14"/>
-    <p:sldId id="274" r:id="rId15"/>
-    <p:sldId id="271" r:id="rId16"/>
-    <p:sldId id="273" r:id="rId17"/>
-    <p:sldId id="261" r:id="rId18"/>
+    <p:sldId id="276" r:id="rId8"/>
+    <p:sldId id="263" r:id="rId9"/>
+    <p:sldId id="264" r:id="rId10"/>
+    <p:sldId id="265" r:id="rId11"/>
+    <p:sldId id="275" r:id="rId12"/>
+    <p:sldId id="277" r:id="rId13"/>
+    <p:sldId id="280" r:id="rId14"/>
+    <p:sldId id="281" r:id="rId15"/>
+    <p:sldId id="278" r:id="rId16"/>
+    <p:sldId id="282" r:id="rId17"/>
+    <p:sldId id="283" r:id="rId18"/>
+    <p:sldId id="266" r:id="rId19"/>
+    <p:sldId id="279" r:id="rId20"/>
+    <p:sldId id="267" r:id="rId21"/>
+    <p:sldId id="269" r:id="rId22"/>
+    <p:sldId id="268" r:id="rId23"/>
+    <p:sldId id="274" r:id="rId24"/>
+    <p:sldId id="271" r:id="rId25"/>
+    <p:sldId id="273" r:id="rId26"/>
+    <p:sldId id="261" r:id="rId27"/>
   </p:sldIdLst>
   <p:sldSz cx="12192000" cy="6858000"/>
   <p:notesSz cx="6858000" cy="9144000"/>
@@ -2278,264 +2287,6 @@
       <dsp:cNvGrpSpPr/>
     </dsp:nvGrpSpPr>
     <dsp:grpSpPr/>
-    <dsp:sp modelId="{C89A32A6-75B1-4B69-B952-545EFE2CBD58}">
-      <dsp:nvSpPr>
-        <dsp:cNvPr id="0" name=""/>
-        <dsp:cNvSpPr/>
-      </dsp:nvSpPr>
-      <dsp:spPr>
-        <a:xfrm>
-          <a:off x="0" y="151679"/>
-          <a:ext cx="8160512" cy="1216800"/>
-        </a:xfrm>
-        <a:prstGeom prst="roundRect">
-          <a:avLst/>
-        </a:prstGeom>
-        <a:solidFill>
-          <a:schemeClr val="accent1">
-            <a:hueOff val="0"/>
-            <a:satOff val="0"/>
-            <a:lumOff val="0"/>
-            <a:alphaOff val="0"/>
-          </a:schemeClr>
-        </a:solidFill>
-        <a:ln w="19050" cap="rnd" cmpd="sng" algn="ctr">
-          <a:solidFill>
-            <a:schemeClr val="lt1">
-              <a:hueOff val="0"/>
-              <a:satOff val="0"/>
-              <a:lumOff val="0"/>
-              <a:alphaOff val="0"/>
-            </a:schemeClr>
-          </a:solidFill>
-          <a:prstDash val="solid"/>
-        </a:ln>
-        <a:effectLst/>
-      </dsp:spPr>
-      <dsp:style>
-        <a:lnRef idx="2">
-          <a:scrgbClr r="0" g="0" b="0"/>
-        </a:lnRef>
-        <a:fillRef idx="1">
-          <a:scrgbClr r="0" g="0" b="0"/>
-        </a:fillRef>
-        <a:effectRef idx="0">
-          <a:scrgbClr r="0" g="0" b="0"/>
-        </a:effectRef>
-        <a:fontRef idx="minor">
-          <a:schemeClr val="lt1"/>
-        </a:fontRef>
-      </dsp:style>
-      <dsp:txBody>
-        <a:bodyPr spcFirstLastPara="0" vert="horz" wrap="square" lIns="152400" tIns="152400" rIns="152400" bIns="152400" numCol="1" spcCol="1270" anchor="ctr" anchorCtr="0">
-          <a:noAutofit/>
-        </a:bodyPr>
-        <a:lstStyle/>
-        <a:p>
-          <a:pPr lvl="0" algn="l" defTabSz="1778000">
-            <a:lnSpc>
-              <a:spcPct val="90000"/>
-            </a:lnSpc>
-            <a:spcBef>
-              <a:spcPct val="0"/>
-            </a:spcBef>
-            <a:spcAft>
-              <a:spcPct val="35000"/>
-            </a:spcAft>
-          </a:pPr>
-          <a:r>
-            <a:rPr lang="en-US" altLang="zh-CN" sz="4000" kern="1200" dirty="0">
-              <a:latin typeface="+mn-ea"/>
-              <a:ea typeface="+mn-ea"/>
-            </a:rPr>
-            <a:t>Rust</a:t>
-          </a:r>
-          <a:r>
-            <a:rPr lang="zh-CN" altLang="en-US" sz="4000" kern="1200" dirty="0">
-              <a:latin typeface="+mn-ea"/>
-              <a:ea typeface="+mn-ea"/>
-            </a:rPr>
-            <a:t>简介</a:t>
-          </a:r>
-        </a:p>
-      </dsp:txBody>
-      <dsp:txXfrm>
-        <a:off x="59399" y="211078"/>
-        <a:ext cx="8041714" cy="1098002"/>
-      </dsp:txXfrm>
-    </dsp:sp>
-    <dsp:sp modelId="{17FA72BE-E120-4DB5-9241-680132CD847B}">
-      <dsp:nvSpPr>
-        <dsp:cNvPr id="0" name=""/>
-        <dsp:cNvSpPr/>
-      </dsp:nvSpPr>
-      <dsp:spPr>
-        <a:xfrm>
-          <a:off x="0" y="1555680"/>
-          <a:ext cx="8160512" cy="1216800"/>
-        </a:xfrm>
-        <a:prstGeom prst="roundRect">
-          <a:avLst/>
-        </a:prstGeom>
-        <a:solidFill>
-          <a:schemeClr val="accent1">
-            <a:hueOff val="0"/>
-            <a:satOff val="0"/>
-            <a:lumOff val="0"/>
-            <a:alphaOff val="0"/>
-          </a:schemeClr>
-        </a:solidFill>
-        <a:ln w="19050" cap="rnd" cmpd="sng" algn="ctr">
-          <a:solidFill>
-            <a:schemeClr val="lt1">
-              <a:hueOff val="0"/>
-              <a:satOff val="0"/>
-              <a:lumOff val="0"/>
-              <a:alphaOff val="0"/>
-            </a:schemeClr>
-          </a:solidFill>
-          <a:prstDash val="solid"/>
-        </a:ln>
-        <a:effectLst/>
-      </dsp:spPr>
-      <dsp:style>
-        <a:lnRef idx="2">
-          <a:scrgbClr r="0" g="0" b="0"/>
-        </a:lnRef>
-        <a:fillRef idx="1">
-          <a:scrgbClr r="0" g="0" b="0"/>
-        </a:fillRef>
-        <a:effectRef idx="0">
-          <a:scrgbClr r="0" g="0" b="0"/>
-        </a:effectRef>
-        <a:fontRef idx="minor">
-          <a:schemeClr val="lt1"/>
-        </a:fontRef>
-      </dsp:style>
-      <dsp:txBody>
-        <a:bodyPr spcFirstLastPara="0" vert="horz" wrap="square" lIns="152400" tIns="152400" rIns="152400" bIns="152400" numCol="1" spcCol="1270" anchor="ctr" anchorCtr="0">
-          <a:noAutofit/>
-        </a:bodyPr>
-        <a:lstStyle/>
-        <a:p>
-          <a:pPr lvl="0" algn="l" defTabSz="1778000">
-            <a:lnSpc>
-              <a:spcPct val="90000"/>
-            </a:lnSpc>
-            <a:spcBef>
-              <a:spcPct val="0"/>
-            </a:spcBef>
-            <a:spcAft>
-              <a:spcPct val="35000"/>
-            </a:spcAft>
-          </a:pPr>
-          <a:r>
-            <a:rPr lang="en-US" altLang="zh-CN" sz="4000" kern="1200" dirty="0">
-              <a:latin typeface="+mn-ea"/>
-              <a:ea typeface="+mn-ea"/>
-            </a:rPr>
-            <a:t>Rust</a:t>
-          </a:r>
-          <a:r>
-            <a:rPr lang="zh-CN" altLang="en-US" sz="4000" kern="1200" dirty="0">
-              <a:latin typeface="+mn-ea"/>
-              <a:ea typeface="+mn-ea"/>
-            </a:rPr>
-            <a:t>生态和应用</a:t>
-          </a:r>
-        </a:p>
-      </dsp:txBody>
-      <dsp:txXfrm>
-        <a:off x="59399" y="1615079"/>
-        <a:ext cx="8041714" cy="1098002"/>
-      </dsp:txXfrm>
-    </dsp:sp>
-    <dsp:sp modelId="{B0DCA04B-0357-4F0A-853C-C3FA4952347E}">
-      <dsp:nvSpPr>
-        <dsp:cNvPr id="0" name=""/>
-        <dsp:cNvSpPr/>
-      </dsp:nvSpPr>
-      <dsp:spPr>
-        <a:xfrm>
-          <a:off x="0" y="2959680"/>
-          <a:ext cx="8160512" cy="1216800"/>
-        </a:xfrm>
-        <a:prstGeom prst="roundRect">
-          <a:avLst/>
-        </a:prstGeom>
-        <a:solidFill>
-          <a:schemeClr val="accent1">
-            <a:hueOff val="0"/>
-            <a:satOff val="0"/>
-            <a:lumOff val="0"/>
-            <a:alphaOff val="0"/>
-          </a:schemeClr>
-        </a:solidFill>
-        <a:ln w="19050" cap="rnd" cmpd="sng" algn="ctr">
-          <a:solidFill>
-            <a:schemeClr val="lt1">
-              <a:hueOff val="0"/>
-              <a:satOff val="0"/>
-              <a:lumOff val="0"/>
-              <a:alphaOff val="0"/>
-            </a:schemeClr>
-          </a:solidFill>
-          <a:prstDash val="solid"/>
-        </a:ln>
-        <a:effectLst/>
-      </dsp:spPr>
-      <dsp:style>
-        <a:lnRef idx="2">
-          <a:scrgbClr r="0" g="0" b="0"/>
-        </a:lnRef>
-        <a:fillRef idx="1">
-          <a:scrgbClr r="0" g="0" b="0"/>
-        </a:fillRef>
-        <a:effectRef idx="0">
-          <a:scrgbClr r="0" g="0" b="0"/>
-        </a:effectRef>
-        <a:fontRef idx="minor">
-          <a:schemeClr val="lt1"/>
-        </a:fontRef>
-      </dsp:style>
-      <dsp:txBody>
-        <a:bodyPr spcFirstLastPara="0" vert="horz" wrap="square" lIns="152400" tIns="152400" rIns="152400" bIns="152400" numCol="1" spcCol="1270" anchor="ctr" anchorCtr="0">
-          <a:noAutofit/>
-        </a:bodyPr>
-        <a:lstStyle/>
-        <a:p>
-          <a:pPr lvl="0" algn="l" defTabSz="1778000">
-            <a:lnSpc>
-              <a:spcPct val="90000"/>
-            </a:lnSpc>
-            <a:spcBef>
-              <a:spcPct val="0"/>
-            </a:spcBef>
-            <a:spcAft>
-              <a:spcPct val="35000"/>
-            </a:spcAft>
-          </a:pPr>
-          <a:r>
-            <a:rPr lang="en-US" altLang="zh-CN" sz="4000" kern="1200" dirty="0">
-              <a:latin typeface="+mn-ea"/>
-              <a:ea typeface="+mn-ea"/>
-            </a:rPr>
-            <a:t>Rust</a:t>
-          </a:r>
-          <a:r>
-            <a:rPr lang="zh-CN" altLang="en-US" sz="4000" kern="1200" dirty="0">
-              <a:latin typeface="+mn-ea"/>
-              <a:ea typeface="+mn-ea"/>
-            </a:rPr>
-            <a:t>学习资料</a:t>
-          </a:r>
-        </a:p>
-      </dsp:txBody>
-      <dsp:txXfrm>
-        <a:off x="59399" y="3019079"/>
-        <a:ext cx="8041714" cy="1098002"/>
-      </dsp:txXfrm>
-    </dsp:sp>
   </dsp:spTree>
 </dsp:drawing>
 </file>
@@ -2548,649 +2299,6 @@
       <dsp:cNvGrpSpPr/>
     </dsp:nvGrpSpPr>
     <dsp:grpSpPr/>
-    <dsp:sp modelId="{B52F97A3-79D9-45C4-B3F2-1FABD14756C8}">
-      <dsp:nvSpPr>
-        <dsp:cNvPr id="0" name=""/>
-        <dsp:cNvSpPr/>
-      </dsp:nvSpPr>
-      <dsp:spPr>
-        <a:xfrm>
-          <a:off x="408957" y="0"/>
-          <a:ext cx="6537275" cy="4085797"/>
-        </a:xfrm>
-        <a:prstGeom prst="swooshArrow">
-          <a:avLst>
-            <a:gd name="adj1" fmla="val 25000"/>
-            <a:gd name="adj2" fmla="val 25000"/>
-          </a:avLst>
-        </a:prstGeom>
-        <a:solidFill>
-          <a:schemeClr val="accent1">
-            <a:tint val="40000"/>
-            <a:hueOff val="0"/>
-            <a:satOff val="0"/>
-            <a:lumOff val="0"/>
-            <a:alphaOff val="0"/>
-          </a:schemeClr>
-        </a:solidFill>
-        <a:ln>
-          <a:noFill/>
-        </a:ln>
-        <a:effectLst/>
-      </dsp:spPr>
-      <dsp:style>
-        <a:lnRef idx="0">
-          <a:scrgbClr r="0" g="0" b="0"/>
-        </a:lnRef>
-        <a:fillRef idx="1">
-          <a:scrgbClr r="0" g="0" b="0"/>
-        </a:fillRef>
-        <a:effectRef idx="0">
-          <a:scrgbClr r="0" g="0" b="0"/>
-        </a:effectRef>
-        <a:fontRef idx="minor"/>
-      </dsp:style>
-    </dsp:sp>
-    <dsp:sp modelId="{E01A1116-EEF5-40F3-A1AB-5B2152D30435}">
-      <dsp:nvSpPr>
-        <dsp:cNvPr id="0" name=""/>
-        <dsp:cNvSpPr/>
-      </dsp:nvSpPr>
-      <dsp:spPr>
-        <a:xfrm>
-          <a:off x="1052879" y="3038198"/>
-          <a:ext cx="150357" cy="150357"/>
-        </a:xfrm>
-        <a:prstGeom prst="ellipse">
-          <a:avLst/>
-        </a:prstGeom>
-        <a:solidFill>
-          <a:schemeClr val="accent1">
-            <a:hueOff val="0"/>
-            <a:satOff val="0"/>
-            <a:lumOff val="0"/>
-            <a:alphaOff val="0"/>
-          </a:schemeClr>
-        </a:solidFill>
-        <a:ln w="19050" cap="rnd" cmpd="sng" algn="ctr">
-          <a:solidFill>
-            <a:schemeClr val="lt1">
-              <a:hueOff val="0"/>
-              <a:satOff val="0"/>
-              <a:lumOff val="0"/>
-              <a:alphaOff val="0"/>
-            </a:schemeClr>
-          </a:solidFill>
-          <a:prstDash val="solid"/>
-        </a:ln>
-        <a:effectLst/>
-      </dsp:spPr>
-      <dsp:style>
-        <a:lnRef idx="2">
-          <a:scrgbClr r="0" g="0" b="0"/>
-        </a:lnRef>
-        <a:fillRef idx="1">
-          <a:scrgbClr r="0" g="0" b="0"/>
-        </a:fillRef>
-        <a:effectRef idx="0">
-          <a:scrgbClr r="0" g="0" b="0"/>
-        </a:effectRef>
-        <a:fontRef idx="minor">
-          <a:schemeClr val="lt1"/>
-        </a:fontRef>
-      </dsp:style>
-    </dsp:sp>
-    <dsp:sp modelId="{50D9E917-3DAC-4A3F-A991-42B18DBC85AC}">
-      <dsp:nvSpPr>
-        <dsp:cNvPr id="0" name=""/>
-        <dsp:cNvSpPr/>
-      </dsp:nvSpPr>
-      <dsp:spPr>
-        <a:xfrm>
-          <a:off x="1128058" y="3113377"/>
-          <a:ext cx="856383" cy="972419"/>
-        </a:xfrm>
-        <a:prstGeom prst="rect">
-          <a:avLst/>
-        </a:prstGeom>
-        <a:noFill/>
-        <a:ln>
-          <a:noFill/>
-        </a:ln>
-        <a:effectLst/>
-      </dsp:spPr>
-      <dsp:style>
-        <a:lnRef idx="0">
-          <a:scrgbClr r="0" g="0" b="0"/>
-        </a:lnRef>
-        <a:fillRef idx="0">
-          <a:scrgbClr r="0" g="0" b="0"/>
-        </a:fillRef>
-        <a:effectRef idx="0">
-          <a:scrgbClr r="0" g="0" b="0"/>
-        </a:effectRef>
-        <a:fontRef idx="minor"/>
-      </dsp:style>
-      <dsp:txBody>
-        <a:bodyPr spcFirstLastPara="0" vert="horz" wrap="square" lIns="79671" tIns="0" rIns="0" bIns="0" numCol="1" spcCol="1270" anchor="t" anchorCtr="0">
-          <a:noAutofit/>
-        </a:bodyPr>
-        <a:lstStyle/>
-        <a:p>
-          <a:pPr lvl="0" algn="l" defTabSz="711200">
-            <a:lnSpc>
-              <a:spcPct val="90000"/>
-            </a:lnSpc>
-            <a:spcBef>
-              <a:spcPct val="0"/>
-            </a:spcBef>
-            <a:spcAft>
-              <a:spcPct val="35000"/>
-            </a:spcAft>
-          </a:pPr>
-          <a:r>
-            <a:rPr lang="en-US" altLang="zh-CN" sz="1600" kern="1200" dirty="0">
-              <a:latin typeface="+mn-ea"/>
-              <a:ea typeface="+mn-ea"/>
-            </a:rPr>
-            <a:t>2006</a:t>
-          </a:r>
-          <a:r>
-            <a:rPr lang="zh-CN" altLang="en-US" sz="1600" kern="1200" dirty="0">
-              <a:latin typeface="+mn-ea"/>
-              <a:ea typeface="+mn-ea"/>
-            </a:rPr>
-            <a:t>年</a:t>
-          </a:r>
-          <a:r>
-            <a:rPr lang="en-US" altLang="zh-CN" sz="1600" kern="1200" dirty="0" err="1">
-              <a:latin typeface="Times New Roman" panose="02020603050405020304" pitchFamily="18" charset="0"/>
-              <a:cs typeface="Times New Roman" panose="02020603050405020304" pitchFamily="18" charset="0"/>
-            </a:rPr>
-            <a:t>Graydon</a:t>
-          </a:r>
-          <a:r>
-            <a:rPr lang="en-US" altLang="zh-CN" sz="1600" kern="1200" dirty="0">
-              <a:latin typeface="Times New Roman" panose="02020603050405020304" pitchFamily="18" charset="0"/>
-              <a:cs typeface="Times New Roman" panose="02020603050405020304" pitchFamily="18" charset="0"/>
-            </a:rPr>
-            <a:t> Hoare</a:t>
-          </a:r>
-          <a:r>
-            <a:rPr lang="zh-CN" altLang="en-US" sz="1600" kern="1200" dirty="0">
-              <a:latin typeface="+mn-ea"/>
-              <a:ea typeface="+mn-ea"/>
-            </a:rPr>
-            <a:t>开发</a:t>
-          </a:r>
-        </a:p>
-      </dsp:txBody>
-      <dsp:txXfrm>
-        <a:off x="1128058" y="3113377"/>
-        <a:ext cx="856383" cy="972419"/>
-      </dsp:txXfrm>
-    </dsp:sp>
-    <dsp:sp modelId="{E1D17602-9636-4444-8F4C-4B133495B27E}">
-      <dsp:nvSpPr>
-        <dsp:cNvPr id="0" name=""/>
-        <dsp:cNvSpPr/>
-      </dsp:nvSpPr>
-      <dsp:spPr>
-        <a:xfrm>
-          <a:off x="1866770" y="2256177"/>
-          <a:ext cx="235341" cy="235341"/>
-        </a:xfrm>
-        <a:prstGeom prst="ellipse">
-          <a:avLst/>
-        </a:prstGeom>
-        <a:solidFill>
-          <a:schemeClr val="accent1">
-            <a:hueOff val="0"/>
-            <a:satOff val="0"/>
-            <a:lumOff val="0"/>
-            <a:alphaOff val="0"/>
-          </a:schemeClr>
-        </a:solidFill>
-        <a:ln w="19050" cap="rnd" cmpd="sng" algn="ctr">
-          <a:solidFill>
-            <a:schemeClr val="lt1">
-              <a:hueOff val="0"/>
-              <a:satOff val="0"/>
-              <a:lumOff val="0"/>
-              <a:alphaOff val="0"/>
-            </a:schemeClr>
-          </a:solidFill>
-          <a:prstDash val="solid"/>
-        </a:ln>
-        <a:effectLst/>
-      </dsp:spPr>
-      <dsp:style>
-        <a:lnRef idx="2">
-          <a:scrgbClr r="0" g="0" b="0"/>
-        </a:lnRef>
-        <a:fillRef idx="1">
-          <a:scrgbClr r="0" g="0" b="0"/>
-        </a:fillRef>
-        <a:effectRef idx="0">
-          <a:scrgbClr r="0" g="0" b="0"/>
-        </a:effectRef>
-        <a:fontRef idx="minor">
-          <a:schemeClr val="lt1"/>
-        </a:fontRef>
-      </dsp:style>
-    </dsp:sp>
-    <dsp:sp modelId="{3331BA0B-0227-44E7-A0EE-96E9667A38C5}">
-      <dsp:nvSpPr>
-        <dsp:cNvPr id="0" name=""/>
-        <dsp:cNvSpPr/>
-      </dsp:nvSpPr>
-      <dsp:spPr>
-        <a:xfrm>
-          <a:off x="1984441" y="2373848"/>
-          <a:ext cx="1085187" cy="1711948"/>
-        </a:xfrm>
-        <a:prstGeom prst="rect">
-          <a:avLst/>
-        </a:prstGeom>
-        <a:noFill/>
-        <a:ln>
-          <a:noFill/>
-        </a:ln>
-        <a:effectLst/>
-      </dsp:spPr>
-      <dsp:style>
-        <a:lnRef idx="0">
-          <a:scrgbClr r="0" g="0" b="0"/>
-        </a:lnRef>
-        <a:fillRef idx="0">
-          <a:scrgbClr r="0" g="0" b="0"/>
-        </a:fillRef>
-        <a:effectRef idx="0">
-          <a:scrgbClr r="0" g="0" b="0"/>
-        </a:effectRef>
-        <a:fontRef idx="minor"/>
-      </dsp:style>
-      <dsp:txBody>
-        <a:bodyPr spcFirstLastPara="0" vert="horz" wrap="square" lIns="124703" tIns="0" rIns="0" bIns="0" numCol="1" spcCol="1270" anchor="t" anchorCtr="0">
-          <a:noAutofit/>
-        </a:bodyPr>
-        <a:lstStyle/>
-        <a:p>
-          <a:pPr lvl="0" algn="l" defTabSz="711200">
-            <a:lnSpc>
-              <a:spcPct val="90000"/>
-            </a:lnSpc>
-            <a:spcBef>
-              <a:spcPct val="0"/>
-            </a:spcBef>
-            <a:spcAft>
-              <a:spcPct val="35000"/>
-            </a:spcAft>
-          </a:pPr>
-          <a:r>
-            <a:rPr lang="en-US" altLang="zh-CN" sz="1600" kern="1200" dirty="0">
-              <a:latin typeface="+mn-ea"/>
-              <a:ea typeface="+mn-ea"/>
-            </a:rPr>
-            <a:t>2009</a:t>
-          </a:r>
-          <a:r>
-            <a:rPr lang="zh-CN" altLang="en-US" sz="1600" kern="1200" dirty="0">
-              <a:latin typeface="+mn-ea"/>
-              <a:ea typeface="+mn-ea"/>
-            </a:rPr>
-            <a:t>年受到</a:t>
-          </a:r>
-          <a:r>
-            <a:rPr lang="en-US" altLang="zh-CN" sz="1600" kern="1200" dirty="0">
-              <a:latin typeface="Times New Roman" panose="02020603050405020304" pitchFamily="18" charset="0"/>
-              <a:ea typeface="+mn-ea"/>
-              <a:cs typeface="Times New Roman" panose="02020603050405020304" pitchFamily="18" charset="0"/>
-            </a:rPr>
-            <a:t>Mozilla</a:t>
-          </a:r>
-          <a:r>
-            <a:rPr lang="zh-CN" altLang="en-US" sz="1600" kern="1200" dirty="0">
-              <a:latin typeface="+mn-ea"/>
-              <a:ea typeface="+mn-ea"/>
-            </a:rPr>
-            <a:t>公司赞助</a:t>
-          </a:r>
-        </a:p>
-      </dsp:txBody>
-      <dsp:txXfrm>
-        <a:off x="1984441" y="2373848"/>
-        <a:ext cx="1085187" cy="1711948"/>
-      </dsp:txXfrm>
-    </dsp:sp>
-    <dsp:sp modelId="{52320FAD-E02B-4695-8C9D-F7B2E412DB02}">
-      <dsp:nvSpPr>
-        <dsp:cNvPr id="0" name=""/>
-        <dsp:cNvSpPr/>
-      </dsp:nvSpPr>
-      <dsp:spPr>
-        <a:xfrm>
-          <a:off x="2912734" y="1632684"/>
-          <a:ext cx="313789" cy="313789"/>
-        </a:xfrm>
-        <a:prstGeom prst="ellipse">
-          <a:avLst/>
-        </a:prstGeom>
-        <a:solidFill>
-          <a:schemeClr val="accent1">
-            <a:hueOff val="0"/>
-            <a:satOff val="0"/>
-            <a:lumOff val="0"/>
-            <a:alphaOff val="0"/>
-          </a:schemeClr>
-        </a:solidFill>
-        <a:ln w="19050" cap="rnd" cmpd="sng" algn="ctr">
-          <a:solidFill>
-            <a:schemeClr val="lt1">
-              <a:hueOff val="0"/>
-              <a:satOff val="0"/>
-              <a:lumOff val="0"/>
-              <a:alphaOff val="0"/>
-            </a:schemeClr>
-          </a:solidFill>
-          <a:prstDash val="solid"/>
-        </a:ln>
-        <a:effectLst/>
-      </dsp:spPr>
-      <dsp:style>
-        <a:lnRef idx="2">
-          <a:scrgbClr r="0" g="0" b="0"/>
-        </a:lnRef>
-        <a:fillRef idx="1">
-          <a:scrgbClr r="0" g="0" b="0"/>
-        </a:fillRef>
-        <a:effectRef idx="0">
-          <a:scrgbClr r="0" g="0" b="0"/>
-        </a:effectRef>
-        <a:fontRef idx="minor">
-          <a:schemeClr val="lt1"/>
-        </a:fontRef>
-      </dsp:style>
-    </dsp:sp>
-    <dsp:sp modelId="{1B0A9E80-58E0-4F1B-9807-0D08965C64F9}">
-      <dsp:nvSpPr>
-        <dsp:cNvPr id="0" name=""/>
-        <dsp:cNvSpPr/>
-      </dsp:nvSpPr>
-      <dsp:spPr>
-        <a:xfrm>
-          <a:off x="3069628" y="1789579"/>
-          <a:ext cx="1261694" cy="2296217"/>
-        </a:xfrm>
-        <a:prstGeom prst="rect">
-          <a:avLst/>
-        </a:prstGeom>
-        <a:noFill/>
-        <a:ln>
-          <a:noFill/>
-        </a:ln>
-        <a:effectLst/>
-      </dsp:spPr>
-      <dsp:style>
-        <a:lnRef idx="0">
-          <a:scrgbClr r="0" g="0" b="0"/>
-        </a:lnRef>
-        <a:fillRef idx="0">
-          <a:scrgbClr r="0" g="0" b="0"/>
-        </a:fillRef>
-        <a:effectRef idx="0">
-          <a:scrgbClr r="0" g="0" b="0"/>
-        </a:effectRef>
-        <a:fontRef idx="minor"/>
-      </dsp:style>
-      <dsp:txBody>
-        <a:bodyPr spcFirstLastPara="0" vert="horz" wrap="square" lIns="166270" tIns="0" rIns="0" bIns="0" numCol="1" spcCol="1270" anchor="t" anchorCtr="0">
-          <a:noAutofit/>
-        </a:bodyPr>
-        <a:lstStyle/>
-        <a:p>
-          <a:pPr lvl="0" algn="l" defTabSz="711200">
-            <a:lnSpc>
-              <a:spcPct val="90000"/>
-            </a:lnSpc>
-            <a:spcBef>
-              <a:spcPct val="0"/>
-            </a:spcBef>
-            <a:spcAft>
-              <a:spcPct val="35000"/>
-            </a:spcAft>
-          </a:pPr>
-          <a:r>
-            <a:rPr lang="en-US" altLang="zh-CN" sz="1600" kern="1200" dirty="0">
-              <a:latin typeface="+mn-ea"/>
-              <a:ea typeface="+mn-ea"/>
-            </a:rPr>
-            <a:t>2011</a:t>
-          </a:r>
-          <a:r>
-            <a:rPr lang="zh-CN" altLang="en-US" sz="1600" kern="1200" dirty="0">
-              <a:latin typeface="+mn-ea"/>
-              <a:ea typeface="+mn-ea"/>
-            </a:rPr>
-            <a:t>年完成自举</a:t>
-          </a:r>
-        </a:p>
-      </dsp:txBody>
-      <dsp:txXfrm>
-        <a:off x="3069628" y="1789579"/>
-        <a:ext cx="1261694" cy="2296217"/>
-      </dsp:txXfrm>
-    </dsp:sp>
-    <dsp:sp modelId="{11C52DA7-38F9-42BA-86EC-E1190751B3A9}">
-      <dsp:nvSpPr>
-        <dsp:cNvPr id="0" name=""/>
-        <dsp:cNvSpPr/>
-      </dsp:nvSpPr>
-      <dsp:spPr>
-        <a:xfrm>
-          <a:off x="4128667" y="1145657"/>
-          <a:ext cx="405311" cy="405311"/>
-        </a:xfrm>
-        <a:prstGeom prst="ellipse">
-          <a:avLst/>
-        </a:prstGeom>
-        <a:solidFill>
-          <a:schemeClr val="accent1">
-            <a:hueOff val="0"/>
-            <a:satOff val="0"/>
-            <a:lumOff val="0"/>
-            <a:alphaOff val="0"/>
-          </a:schemeClr>
-        </a:solidFill>
-        <a:ln w="19050" cap="rnd" cmpd="sng" algn="ctr">
-          <a:solidFill>
-            <a:schemeClr val="lt1">
-              <a:hueOff val="0"/>
-              <a:satOff val="0"/>
-              <a:lumOff val="0"/>
-              <a:alphaOff val="0"/>
-            </a:schemeClr>
-          </a:solidFill>
-          <a:prstDash val="solid"/>
-        </a:ln>
-        <a:effectLst/>
-      </dsp:spPr>
-      <dsp:style>
-        <a:lnRef idx="2">
-          <a:scrgbClr r="0" g="0" b="0"/>
-        </a:lnRef>
-        <a:fillRef idx="1">
-          <a:scrgbClr r="0" g="0" b="0"/>
-        </a:fillRef>
-        <a:effectRef idx="0">
-          <a:scrgbClr r="0" g="0" b="0"/>
-        </a:effectRef>
-        <a:fontRef idx="minor">
-          <a:schemeClr val="lt1"/>
-        </a:fontRef>
-      </dsp:style>
-    </dsp:sp>
-    <dsp:sp modelId="{A6A60C68-6B48-400D-989E-41B3A837A146}">
-      <dsp:nvSpPr>
-        <dsp:cNvPr id="0" name=""/>
-        <dsp:cNvSpPr/>
-      </dsp:nvSpPr>
-      <dsp:spPr>
-        <a:xfrm>
-          <a:off x="4331323" y="1348313"/>
-          <a:ext cx="1307455" cy="2737483"/>
-        </a:xfrm>
-        <a:prstGeom prst="rect">
-          <a:avLst/>
-        </a:prstGeom>
-        <a:noFill/>
-        <a:ln>
-          <a:noFill/>
-        </a:ln>
-        <a:effectLst/>
-      </dsp:spPr>
-      <dsp:style>
-        <a:lnRef idx="0">
-          <a:scrgbClr r="0" g="0" b="0"/>
-        </a:lnRef>
-        <a:fillRef idx="0">
-          <a:scrgbClr r="0" g="0" b="0"/>
-        </a:fillRef>
-        <a:effectRef idx="0">
-          <a:scrgbClr r="0" g="0" b="0"/>
-        </a:effectRef>
-        <a:fontRef idx="minor"/>
-      </dsp:style>
-      <dsp:txBody>
-        <a:bodyPr spcFirstLastPara="0" vert="horz" wrap="square" lIns="214766" tIns="0" rIns="0" bIns="0" numCol="1" spcCol="1270" anchor="t" anchorCtr="0">
-          <a:noAutofit/>
-        </a:bodyPr>
-        <a:lstStyle/>
-        <a:p>
-          <a:pPr lvl="0" algn="l" defTabSz="711200">
-            <a:lnSpc>
-              <a:spcPct val="90000"/>
-            </a:lnSpc>
-            <a:spcBef>
-              <a:spcPct val="0"/>
-            </a:spcBef>
-            <a:spcAft>
-              <a:spcPct val="35000"/>
-            </a:spcAft>
-          </a:pPr>
-          <a:endParaRPr lang="zh-CN" altLang="en-US" sz="1600" kern="1200"/>
-        </a:p>
-      </dsp:txBody>
-      <dsp:txXfrm>
-        <a:off x="4331323" y="1348313"/>
-        <a:ext cx="1307455" cy="2737483"/>
-      </dsp:txXfrm>
-    </dsp:sp>
-    <dsp:sp modelId="{709D4EEB-418B-4C8B-818F-B9749DC245C4}">
-      <dsp:nvSpPr>
-        <dsp:cNvPr id="0" name=""/>
-        <dsp:cNvSpPr/>
-      </dsp:nvSpPr>
-      <dsp:spPr>
-        <a:xfrm>
-          <a:off x="5380555" y="820428"/>
-          <a:ext cx="516444" cy="516444"/>
-        </a:xfrm>
-        <a:prstGeom prst="ellipse">
-          <a:avLst/>
-        </a:prstGeom>
-        <a:solidFill>
-          <a:schemeClr val="accent1">
-            <a:hueOff val="0"/>
-            <a:satOff val="0"/>
-            <a:lumOff val="0"/>
-            <a:alphaOff val="0"/>
-          </a:schemeClr>
-        </a:solidFill>
-        <a:ln w="19050" cap="rnd" cmpd="sng" algn="ctr">
-          <a:solidFill>
-            <a:schemeClr val="lt1">
-              <a:hueOff val="0"/>
-              <a:satOff val="0"/>
-              <a:lumOff val="0"/>
-              <a:alphaOff val="0"/>
-            </a:schemeClr>
-          </a:solidFill>
-          <a:prstDash val="solid"/>
-        </a:ln>
-        <a:effectLst/>
-      </dsp:spPr>
-      <dsp:style>
-        <a:lnRef idx="2">
-          <a:scrgbClr r="0" g="0" b="0"/>
-        </a:lnRef>
-        <a:fillRef idx="1">
-          <a:scrgbClr r="0" g="0" b="0"/>
-        </a:fillRef>
-        <a:effectRef idx="0">
-          <a:scrgbClr r="0" g="0" b="0"/>
-        </a:effectRef>
-        <a:fontRef idx="minor">
-          <a:schemeClr val="lt1"/>
-        </a:fontRef>
-      </dsp:style>
-    </dsp:sp>
-    <dsp:sp modelId="{4BB30F82-E3F8-4F78-9892-353560ECF66A}">
-      <dsp:nvSpPr>
-        <dsp:cNvPr id="0" name=""/>
-        <dsp:cNvSpPr/>
-      </dsp:nvSpPr>
-      <dsp:spPr>
-        <a:xfrm>
-          <a:off x="5638778" y="1078650"/>
-          <a:ext cx="1307455" cy="3007146"/>
-        </a:xfrm>
-        <a:prstGeom prst="rect">
-          <a:avLst/>
-        </a:prstGeom>
-        <a:noFill/>
-        <a:ln>
-          <a:noFill/>
-        </a:ln>
-        <a:effectLst/>
-      </dsp:spPr>
-      <dsp:style>
-        <a:lnRef idx="0">
-          <a:scrgbClr r="0" g="0" b="0"/>
-        </a:lnRef>
-        <a:fillRef idx="0">
-          <a:scrgbClr r="0" g="0" b="0"/>
-        </a:fillRef>
-        <a:effectRef idx="0">
-          <a:scrgbClr r="0" g="0" b="0"/>
-        </a:effectRef>
-        <a:fontRef idx="minor"/>
-      </dsp:style>
-      <dsp:txBody>
-        <a:bodyPr spcFirstLastPara="0" vert="horz" wrap="square" lIns="273653" tIns="0" rIns="0" bIns="0" numCol="1" spcCol="1270" anchor="t" anchorCtr="0">
-          <a:noAutofit/>
-        </a:bodyPr>
-        <a:lstStyle/>
-        <a:p>
-          <a:pPr lvl="0" algn="l" defTabSz="711200">
-            <a:lnSpc>
-              <a:spcPct val="90000"/>
-            </a:lnSpc>
-            <a:spcBef>
-              <a:spcPct val="0"/>
-            </a:spcBef>
-            <a:spcAft>
-              <a:spcPct val="35000"/>
-            </a:spcAft>
-          </a:pPr>
-          <a:endParaRPr lang="zh-CN" altLang="en-US" sz="1600" kern="1200"/>
-        </a:p>
-      </dsp:txBody>
-      <dsp:txXfrm>
-        <a:off x="5638778" y="1078650"/>
-        <a:ext cx="1307455" cy="3007146"/>
-      </dsp:txXfrm>
-    </dsp:sp>
   </dsp:spTree>
 </dsp:drawing>
 </file>
@@ -7157,7 +6265,7 @@
           <a:p>
             <a:fld id="{05389ADD-357A-448F-B13B-6EC087BE2CAF}" type="datetimeFigureOut">
               <a:rPr lang="zh-CN" altLang="en-US" smtClean="0"/>
-              <a:t>2021/11/30</a:t>
+              <a:t>2021/12/2</a:t>
             </a:fld>
             <a:endParaRPr lang="zh-CN" altLang="en-US"/>
           </a:p>
@@ -7716,7 +6824,60 @@
           <a:bodyPr/>
           <a:lstStyle/>
           <a:p>
-            <a:endParaRPr lang="zh-CN" altLang="en-US" dirty="0"/>
+            <a:pPr marL="0" marR="0" lvl="0" indent="0" algn="l" defTabSz="914400" rtl="0" eaLnBrk="1" fontAlgn="auto" latinLnBrk="0" hangingPunct="1">
+              <a:lnSpc>
+                <a:spcPct val="100000"/>
+              </a:lnSpc>
+              <a:spcBef>
+                <a:spcPts val="0"/>
+              </a:spcBef>
+              <a:spcAft>
+                <a:spcPts val="0"/>
+              </a:spcAft>
+              <a:buClrTx/>
+              <a:buSzTx/>
+              <a:buFontTx/>
+              <a:buNone/>
+              <a:tabLst/>
+              <a:defRPr/>
+            </a:pPr>
+            <a:r>
+              <a:rPr kumimoji="1" lang="en-US" altLang="zh-CN" dirty="0" err="1" smtClean="0"/>
+              <a:t>Println</a:t>
+            </a:r>
+            <a:r>
+              <a:rPr kumimoji="1" lang="en-US" altLang="zh-CN" dirty="0" smtClean="0"/>
+              <a:t>!</a:t>
+            </a:r>
+            <a:r>
+              <a:rPr kumimoji="1" lang="zh-CN" altLang="en-US" dirty="0" smtClean="0"/>
+              <a:t>是宏编程，代码在编译之后展开使用的是变量的不可变引用。</a:t>
+            </a:r>
+            <a:r>
+              <a:rPr kumimoji="1" lang="en-US" altLang="zh-CN" dirty="0" smtClean="0"/>
+              <a:t>S</a:t>
+            </a:r>
+            <a:r>
+              <a:rPr kumimoji="1" lang="zh-CN" altLang="en-US" dirty="0" smtClean="0"/>
+              <a:t>内存被释放，此时再访问会报错。所有权转移类似于</a:t>
+            </a:r>
+            <a:r>
+              <a:rPr kumimoji="1" lang="en-US" altLang="zh-CN" dirty="0" smtClean="0"/>
+              <a:t>C++</a:t>
+            </a:r>
+            <a:r>
+              <a:rPr kumimoji="1" lang="zh-CN" altLang="en-US" dirty="0" smtClean="0"/>
+              <a:t>中的</a:t>
+            </a:r>
+            <a:r>
+              <a:rPr kumimoji="1" lang="en-US" altLang="zh-CN" dirty="0" smtClean="0"/>
+              <a:t>move</a:t>
+            </a:r>
+            <a:r>
+              <a:rPr kumimoji="1" lang="zh-CN" altLang="en-US" dirty="0" smtClean="0"/>
+              <a:t>语法。也有点类似于浅拷贝的概念，当所有权转时，只是将类型进行了赋值，并未拷贝所有内容。</a:t>
+            </a:r>
+            <a:endParaRPr kumimoji="1" lang="en-US" altLang="zh-CN" dirty="0" smtClean="0"/>
           </a:p>
         </p:txBody>
       </p:sp>
@@ -7727,7 +6888,7 @@
             <a:spLocks noGrp="1"/>
           </p:cNvSpPr>
           <p:nvPr>
-            <p:ph type="sldNum" sz="quarter" idx="10"/>
+            <p:ph type="sldNum" sz="quarter" idx="5"/>
           </p:nvPr>
         </p:nvSpPr>
         <p:spPr/>
@@ -7737,7 +6898,7 @@
           <a:p>
             <a:fld id="{6245CCF4-CF1B-4B4B-B5D0-2221EBE362B5}" type="slidenum">
               <a:rPr lang="zh-CN" altLang="en-US" smtClean="0"/>
-              <a:t>13</a:t>
+              <a:t>12</a:t>
             </a:fld>
             <a:endParaRPr lang="zh-CN" altLang="en-US"/>
           </a:p>
@@ -7746,7 +6907,7 @@
     </p:spTree>
     <p:extLst>
       <p:ext uri="{BB962C8B-B14F-4D97-AF65-F5344CB8AC3E}">
-        <p14:creationId xmlns:p14="http://schemas.microsoft.com/office/powerpoint/2010/main" val="2025390987"/>
+        <p14:creationId xmlns:p14="http://schemas.microsoft.com/office/powerpoint/2010/main" val="1993749409"/>
       </p:ext>
     </p:extLst>
   </p:cSld>
@@ -7800,7 +6961,60 @@
           <a:bodyPr/>
           <a:lstStyle/>
           <a:p>
-            <a:endParaRPr lang="zh-CN" altLang="en-US" dirty="0"/>
+            <a:pPr marL="0" marR="0" lvl="0" indent="0" algn="l" defTabSz="914400" rtl="0" eaLnBrk="1" fontAlgn="auto" latinLnBrk="0" hangingPunct="1">
+              <a:lnSpc>
+                <a:spcPct val="100000"/>
+              </a:lnSpc>
+              <a:spcBef>
+                <a:spcPts val="0"/>
+              </a:spcBef>
+              <a:spcAft>
+                <a:spcPts val="0"/>
+              </a:spcAft>
+              <a:buClrTx/>
+              <a:buSzTx/>
+              <a:buFontTx/>
+              <a:buNone/>
+              <a:tabLst/>
+              <a:defRPr/>
+            </a:pPr>
+            <a:r>
+              <a:rPr kumimoji="1" lang="en-US" altLang="zh-CN" dirty="0" err="1" smtClean="0"/>
+              <a:t>Println</a:t>
+            </a:r>
+            <a:r>
+              <a:rPr kumimoji="1" lang="en-US" altLang="zh-CN" dirty="0" smtClean="0"/>
+              <a:t>!</a:t>
+            </a:r>
+            <a:r>
+              <a:rPr kumimoji="1" lang="zh-CN" altLang="en-US" dirty="0" smtClean="0"/>
+              <a:t>是宏编程，代码在编译之后展开使用的是变量的不可变引用。</a:t>
+            </a:r>
+            <a:r>
+              <a:rPr kumimoji="1" lang="en-US" altLang="zh-CN" dirty="0" smtClean="0"/>
+              <a:t>S</a:t>
+            </a:r>
+            <a:r>
+              <a:rPr kumimoji="1" lang="zh-CN" altLang="en-US" dirty="0" smtClean="0"/>
+              <a:t>内存被释放，此时再访问会报错。所有权转移类似于</a:t>
+            </a:r>
+            <a:r>
+              <a:rPr kumimoji="1" lang="en-US" altLang="zh-CN" dirty="0" smtClean="0"/>
+              <a:t>C++</a:t>
+            </a:r>
+            <a:r>
+              <a:rPr kumimoji="1" lang="zh-CN" altLang="en-US" dirty="0" smtClean="0"/>
+              <a:t>中的</a:t>
+            </a:r>
+            <a:r>
+              <a:rPr kumimoji="1" lang="en-US" altLang="zh-CN" dirty="0" smtClean="0"/>
+              <a:t>move</a:t>
+            </a:r>
+            <a:r>
+              <a:rPr kumimoji="1" lang="zh-CN" altLang="en-US" dirty="0" smtClean="0"/>
+              <a:t>语法，也有点类似于浅拷贝的概念，当所有权转时，只是将类型进行了赋值，并未拷贝完整数据。（还是存在内存泄漏的，比如循环引用）</a:t>
+            </a:r>
+            <a:endParaRPr kumimoji="1" lang="en-US" altLang="zh-CN" dirty="0" smtClean="0"/>
           </a:p>
         </p:txBody>
       </p:sp>
@@ -7811,7 +7025,7 @@
             <a:spLocks noGrp="1"/>
           </p:cNvSpPr>
           <p:nvPr>
-            <p:ph type="sldNum" sz="quarter" idx="10"/>
+            <p:ph type="sldNum" sz="quarter" idx="5"/>
           </p:nvPr>
         </p:nvSpPr>
         <p:spPr/>
@@ -7821,7 +7035,7 @@
           <a:p>
             <a:fld id="{6245CCF4-CF1B-4B4B-B5D0-2221EBE362B5}" type="slidenum">
               <a:rPr lang="zh-CN" altLang="en-US" smtClean="0"/>
-              <a:t>14</a:t>
+              <a:t>13</a:t>
             </a:fld>
             <a:endParaRPr lang="zh-CN" altLang="en-US"/>
           </a:p>
@@ -7830,7 +7044,7 @@
     </p:spTree>
     <p:extLst>
       <p:ext uri="{BB962C8B-B14F-4D97-AF65-F5344CB8AC3E}">
-        <p14:creationId xmlns:p14="http://schemas.microsoft.com/office/powerpoint/2010/main" val="4247127536"/>
+        <p14:creationId xmlns:p14="http://schemas.microsoft.com/office/powerpoint/2010/main" val="1112388502"/>
       </p:ext>
     </p:extLst>
   </p:cSld>
@@ -7884,63 +7098,145 @@
           <a:bodyPr/>
           <a:lstStyle/>
           <a:p>
-            <a:r>
-              <a:rPr lang="en-US" altLang="zh-CN" dirty="0" smtClean="0"/>
-              <a:t>Rust</a:t>
-            </a:r>
-            <a:r>
-              <a:rPr lang="zh-CN" altLang="en-US" dirty="0" smtClean="0"/>
-              <a:t>发展是依赖社区和开发团队共同推进的，</a:t>
-            </a:r>
-            <a:r>
-              <a:rPr lang="en-US" altLang="zh-CN" dirty="0" smtClean="0"/>
-              <a:t>rust</a:t>
-            </a:r>
-            <a:r>
-              <a:rPr lang="zh-CN" altLang="en-US" dirty="0" smtClean="0"/>
-              <a:t>核心团队主要集中在</a:t>
-            </a:r>
-            <a:r>
-              <a:rPr lang="en-US" altLang="zh-CN" dirty="0" smtClean="0"/>
-              <a:t>rust</a:t>
-            </a:r>
-            <a:r>
-              <a:rPr lang="zh-CN" altLang="en-US" dirty="0" smtClean="0"/>
-              <a:t>语言本身的特性开发上，而社区主要集中在</a:t>
-            </a:r>
-            <a:r>
-              <a:rPr lang="en-US" altLang="zh-CN" dirty="0" smtClean="0"/>
-              <a:t>rust</a:t>
-            </a:r>
-            <a:r>
-              <a:rPr lang="zh-CN" altLang="en-US" dirty="0" smtClean="0"/>
-              <a:t>的基础应用上。很多基础库都会以</a:t>
-            </a:r>
-            <a:r>
-              <a:rPr lang="en-US" altLang="zh-CN" dirty="0" smtClean="0"/>
-              <a:t>crate</a:t>
-            </a:r>
-            <a:r>
-              <a:rPr lang="zh-CN" altLang="en-US" dirty="0" smtClean="0"/>
-              <a:t>的形式发布到</a:t>
-            </a:r>
-            <a:r>
-              <a:rPr lang="en-US" altLang="zh-CN" dirty="0" smtClean="0"/>
-              <a:t>crates.io</a:t>
-            </a:r>
-            <a:r>
-              <a:rPr lang="zh-CN" altLang="en-US" dirty="0" smtClean="0"/>
-              <a:t>上。目前为止有</a:t>
-            </a:r>
-            <a:r>
-              <a:rPr lang="en-US" altLang="zh-CN" dirty="0" smtClean="0"/>
-              <a:t>71905</a:t>
-            </a:r>
-            <a:r>
+            <a:pPr marL="0" marR="0" lvl="0" indent="0" algn="l" defTabSz="914400" rtl="0" eaLnBrk="1" fontAlgn="auto" latinLnBrk="0" hangingPunct="1">
+              <a:lnSpc>
+                <a:spcPct val="100000"/>
+              </a:lnSpc>
+              <a:spcBef>
+                <a:spcPts val="0"/>
+              </a:spcBef>
+              <a:spcAft>
+                <a:spcPts val="0"/>
+              </a:spcAft>
+              <a:buClrTx/>
+              <a:buSzTx/>
+              <a:buFontTx/>
+              <a:buNone/>
+              <a:tabLst/>
+              <a:defRPr/>
+            </a:pPr>
+            <a:endParaRPr kumimoji="1" lang="en-US" altLang="zh-CN" dirty="0" smtClean="0"/>
+          </a:p>
+        </p:txBody>
+      </p:sp>
+      <p:sp>
+        <p:nvSpPr>
+          <p:cNvPr id="4" name="灯片编号占位符 3"/>
+          <p:cNvSpPr>
+            <a:spLocks noGrp="1"/>
+          </p:cNvSpPr>
+          <p:nvPr>
+            <p:ph type="sldNum" sz="quarter" idx="5"/>
+          </p:nvPr>
+        </p:nvSpPr>
+        <p:spPr/>
+        <p:txBody>
+          <a:bodyPr/>
+          <a:lstStyle/>
+          <a:p>
+            <a:fld id="{6245CCF4-CF1B-4B4B-B5D0-2221EBE362B5}" type="slidenum">
               <a:rPr lang="zh-CN" altLang="en-US" smtClean="0"/>
-              <a:t>个</a:t>
-            </a:r>
-            <a:endParaRPr lang="zh-CN" altLang="en-US" dirty="0"/>
+              <a:t>14</a:t>
+            </a:fld>
+            <a:endParaRPr lang="zh-CN" altLang="en-US"/>
+          </a:p>
+        </p:txBody>
+      </p:sp>
+    </p:spTree>
+    <p:extLst>
+      <p:ext uri="{BB962C8B-B14F-4D97-AF65-F5344CB8AC3E}">
+        <p14:creationId xmlns:p14="http://schemas.microsoft.com/office/powerpoint/2010/main" val="1950926938"/>
+      </p:ext>
+    </p:extLst>
+  </p:cSld>
+  <p:clrMapOvr>
+    <a:masterClrMapping/>
+  </p:clrMapOvr>
+</p:notes>
+</file>
+
+<file path=ppt/notesSlides/notesSlide13.xml><?xml version="1.0" encoding="utf-8"?>
+<p:notes xmlns:a="http://schemas.openxmlformats.org/drawingml/2006/main" xmlns:r="http://schemas.openxmlformats.org/officeDocument/2006/relationships" xmlns:p="http://schemas.openxmlformats.org/presentationml/2006/main">
+  <p:cSld>
+    <p:spTree>
+      <p:nvGrpSpPr>
+        <p:cNvPr id="1" name=""/>
+        <p:cNvGrpSpPr/>
+        <p:nvPr/>
+      </p:nvGrpSpPr>
+      <p:grpSpPr>
+        <a:xfrm>
+          <a:off x="0" y="0"/>
+          <a:ext cx="0" cy="0"/>
+          <a:chOff x="0" y="0"/>
+          <a:chExt cx="0" cy="0"/>
+        </a:xfrm>
+      </p:grpSpPr>
+      <p:sp>
+        <p:nvSpPr>
+          <p:cNvPr id="2" name="幻灯片图像占位符 1"/>
+          <p:cNvSpPr>
+            <a:spLocks noGrp="1" noRot="1" noChangeAspect="1"/>
+          </p:cNvSpPr>
+          <p:nvPr>
+            <p:ph type="sldImg"/>
+          </p:nvPr>
+        </p:nvSpPr>
+        <p:spPr/>
+      </p:sp>
+      <p:sp>
+        <p:nvSpPr>
+          <p:cNvPr id="3" name="备注占位符 2"/>
+          <p:cNvSpPr>
+            <a:spLocks noGrp="1"/>
+          </p:cNvSpPr>
+          <p:nvPr>
+            <p:ph type="body" idx="1"/>
+          </p:nvPr>
+        </p:nvSpPr>
+        <p:spPr/>
+        <p:txBody>
+          <a:bodyPr/>
+          <a:lstStyle/>
+          <a:p>
+            <a:pPr marL="0" marR="0" lvl="0" indent="0" algn="l" defTabSz="914400" rtl="0" eaLnBrk="1" fontAlgn="auto" latinLnBrk="0" hangingPunct="1">
+              <a:lnSpc>
+                <a:spcPct val="100000"/>
+              </a:lnSpc>
+              <a:spcBef>
+                <a:spcPts val="0"/>
+              </a:spcBef>
+              <a:spcAft>
+                <a:spcPts val="0"/>
+              </a:spcAft>
+              <a:buClrTx/>
+              <a:buSzTx/>
+              <a:buFontTx/>
+              <a:buNone/>
+              <a:tabLst/>
+              <a:defRPr/>
+            </a:pPr>
+            <a:r>
+              <a:rPr kumimoji="1" lang="zh-CN" altLang="en-US" dirty="0" smtClean="0"/>
+              <a:t>与前一张</a:t>
+            </a:r>
+            <a:r>
+              <a:rPr kumimoji="1" lang="en-US" altLang="zh-CN" dirty="0" smtClean="0"/>
+              <a:t>PPT</a:t>
+            </a:r>
+            <a:r>
+              <a:rPr kumimoji="1" lang="zh-CN" altLang="en-US" dirty="0" smtClean="0"/>
+              <a:t>的区别，在于入参参数类型的变化。使用</a:t>
+            </a:r>
+            <a:r>
+              <a:rPr kumimoji="1" lang="en-US" altLang="zh-CN" dirty="0" smtClean="0"/>
+              <a:t>&amp;</a:t>
+            </a:r>
+            <a:r>
+              <a:rPr kumimoji="1" lang="zh-CN" altLang="en-US" dirty="0" smtClean="0"/>
+              <a:t>符号表示对变量的借用。借用类似于将去图书馆借书，借到书之后，书暂时属于你，你可以翻看，最后还是要还的。考虑是否添加代码解释什么是可变引用什么是不可变引用。</a:t>
+            </a:r>
+            <a:endParaRPr kumimoji="1" lang="en-US" altLang="zh-CN" dirty="0" smtClean="0"/>
           </a:p>
         </p:txBody>
       </p:sp>
@@ -7951,7 +7247,7 @@
             <a:spLocks noGrp="1"/>
           </p:cNvSpPr>
           <p:nvPr>
-            <p:ph type="sldNum" sz="quarter" idx="10"/>
+            <p:ph type="sldNum" sz="quarter" idx="5"/>
           </p:nvPr>
         </p:nvSpPr>
         <p:spPr/>
@@ -7970,7 +7266,588 @@
     </p:spTree>
     <p:extLst>
       <p:ext uri="{BB962C8B-B14F-4D97-AF65-F5344CB8AC3E}">
-        <p14:creationId xmlns:p14="http://schemas.microsoft.com/office/powerpoint/2010/main" val="1322133225"/>
+        <p14:creationId xmlns:p14="http://schemas.microsoft.com/office/powerpoint/2010/main" val="2711053859"/>
+      </p:ext>
+    </p:extLst>
+  </p:cSld>
+  <p:clrMapOvr>
+    <a:masterClrMapping/>
+  </p:clrMapOvr>
+</p:notes>
+</file>
+
+<file path=ppt/notesSlides/notesSlide14.xml><?xml version="1.0" encoding="utf-8"?>
+<p:notes xmlns:a="http://schemas.openxmlformats.org/drawingml/2006/main" xmlns:r="http://schemas.openxmlformats.org/officeDocument/2006/relationships" xmlns:p="http://schemas.openxmlformats.org/presentationml/2006/main">
+  <p:cSld>
+    <p:spTree>
+      <p:nvGrpSpPr>
+        <p:cNvPr id="1" name=""/>
+        <p:cNvGrpSpPr/>
+        <p:nvPr/>
+      </p:nvGrpSpPr>
+      <p:grpSpPr>
+        <a:xfrm>
+          <a:off x="0" y="0"/>
+          <a:ext cx="0" cy="0"/>
+          <a:chOff x="0" y="0"/>
+          <a:chExt cx="0" cy="0"/>
+        </a:xfrm>
+      </p:grpSpPr>
+      <p:sp>
+        <p:nvSpPr>
+          <p:cNvPr id="2" name="幻灯片图像占位符 1"/>
+          <p:cNvSpPr>
+            <a:spLocks noGrp="1" noRot="1" noChangeAspect="1"/>
+          </p:cNvSpPr>
+          <p:nvPr>
+            <p:ph type="sldImg"/>
+          </p:nvPr>
+        </p:nvSpPr>
+        <p:spPr/>
+      </p:sp>
+      <p:sp>
+        <p:nvSpPr>
+          <p:cNvPr id="3" name="备注占位符 2"/>
+          <p:cNvSpPr>
+            <a:spLocks noGrp="1"/>
+          </p:cNvSpPr>
+          <p:nvPr>
+            <p:ph type="body" idx="1"/>
+          </p:nvPr>
+        </p:nvSpPr>
+        <p:spPr/>
+        <p:txBody>
+          <a:bodyPr/>
+          <a:lstStyle/>
+          <a:p>
+            <a:pPr marL="0" marR="0" lvl="0" indent="0" algn="l" defTabSz="914400" rtl="0" eaLnBrk="1" fontAlgn="auto" latinLnBrk="0" hangingPunct="1">
+              <a:lnSpc>
+                <a:spcPct val="100000"/>
+              </a:lnSpc>
+              <a:spcBef>
+                <a:spcPts val="0"/>
+              </a:spcBef>
+              <a:spcAft>
+                <a:spcPts val="0"/>
+              </a:spcAft>
+              <a:buClrTx/>
+              <a:buSzTx/>
+              <a:buFontTx/>
+              <a:buNone/>
+              <a:tabLst/>
+              <a:defRPr/>
+            </a:pPr>
+            <a:r>
+              <a:rPr kumimoji="1" lang="zh-CN" altLang="en-US" dirty="0" smtClean="0"/>
+              <a:t>与前一张</a:t>
+            </a:r>
+            <a:r>
+              <a:rPr kumimoji="1" lang="en-US" altLang="zh-CN" dirty="0" smtClean="0"/>
+              <a:t>PPT</a:t>
+            </a:r>
+            <a:r>
+              <a:rPr kumimoji="1" lang="zh-CN" altLang="en-US" dirty="0" smtClean="0"/>
+              <a:t>的区别，在于入参参数类型的变化。使用</a:t>
+            </a:r>
+            <a:r>
+              <a:rPr kumimoji="1" lang="en-US" altLang="zh-CN" dirty="0" smtClean="0"/>
+              <a:t>&amp;</a:t>
+            </a:r>
+            <a:r>
+              <a:rPr kumimoji="1" lang="zh-CN" altLang="en-US" dirty="0" smtClean="0"/>
+              <a:t>符号表示对变量的借用。借用类似于将去图书馆借书，借到书之后，书暂时属于你，你可以翻看，最后还是要还的。</a:t>
+            </a:r>
+            <a:endParaRPr kumimoji="1" lang="en-US" altLang="zh-CN" dirty="0" smtClean="0"/>
+          </a:p>
+        </p:txBody>
+      </p:sp>
+      <p:sp>
+        <p:nvSpPr>
+          <p:cNvPr id="4" name="灯片编号占位符 3"/>
+          <p:cNvSpPr>
+            <a:spLocks noGrp="1"/>
+          </p:cNvSpPr>
+          <p:nvPr>
+            <p:ph type="sldNum" sz="quarter" idx="5"/>
+          </p:nvPr>
+        </p:nvSpPr>
+        <p:spPr/>
+        <p:txBody>
+          <a:bodyPr/>
+          <a:lstStyle/>
+          <a:p>
+            <a:fld id="{6245CCF4-CF1B-4B4B-B5D0-2221EBE362B5}" type="slidenum">
+              <a:rPr lang="zh-CN" altLang="en-US" smtClean="0"/>
+              <a:t>16</a:t>
+            </a:fld>
+            <a:endParaRPr lang="zh-CN" altLang="en-US"/>
+          </a:p>
+        </p:txBody>
+      </p:sp>
+    </p:spTree>
+    <p:extLst>
+      <p:ext uri="{BB962C8B-B14F-4D97-AF65-F5344CB8AC3E}">
+        <p14:creationId xmlns:p14="http://schemas.microsoft.com/office/powerpoint/2010/main" val="3650590075"/>
+      </p:ext>
+    </p:extLst>
+  </p:cSld>
+  <p:clrMapOvr>
+    <a:masterClrMapping/>
+  </p:clrMapOvr>
+</p:notes>
+</file>
+
+<file path=ppt/notesSlides/notesSlide15.xml><?xml version="1.0" encoding="utf-8"?>
+<p:notes xmlns:a="http://schemas.openxmlformats.org/drawingml/2006/main" xmlns:r="http://schemas.openxmlformats.org/officeDocument/2006/relationships" xmlns:p="http://schemas.openxmlformats.org/presentationml/2006/main">
+  <p:cSld>
+    <p:spTree>
+      <p:nvGrpSpPr>
+        <p:cNvPr id="1" name=""/>
+        <p:cNvGrpSpPr/>
+        <p:nvPr/>
+      </p:nvGrpSpPr>
+      <p:grpSpPr>
+        <a:xfrm>
+          <a:off x="0" y="0"/>
+          <a:ext cx="0" cy="0"/>
+          <a:chOff x="0" y="0"/>
+          <a:chExt cx="0" cy="0"/>
+        </a:xfrm>
+      </p:grpSpPr>
+      <p:sp>
+        <p:nvSpPr>
+          <p:cNvPr id="2" name="幻灯片图像占位符 1"/>
+          <p:cNvSpPr>
+            <a:spLocks noGrp="1" noRot="1" noChangeAspect="1"/>
+          </p:cNvSpPr>
+          <p:nvPr>
+            <p:ph type="sldImg"/>
+          </p:nvPr>
+        </p:nvSpPr>
+        <p:spPr/>
+      </p:sp>
+      <p:sp>
+        <p:nvSpPr>
+          <p:cNvPr id="3" name="备注占位符 2"/>
+          <p:cNvSpPr>
+            <a:spLocks noGrp="1"/>
+          </p:cNvSpPr>
+          <p:nvPr>
+            <p:ph type="body" idx="1"/>
+          </p:nvPr>
+        </p:nvSpPr>
+        <p:spPr/>
+        <p:txBody>
+          <a:bodyPr/>
+          <a:lstStyle/>
+          <a:p>
+            <a:pPr marL="0" marR="0" lvl="0" indent="0" algn="l" defTabSz="914400" rtl="0" eaLnBrk="1" fontAlgn="auto" latinLnBrk="0" hangingPunct="1">
+              <a:lnSpc>
+                <a:spcPct val="100000"/>
+              </a:lnSpc>
+              <a:spcBef>
+                <a:spcPts val="0"/>
+              </a:spcBef>
+              <a:spcAft>
+                <a:spcPts val="0"/>
+              </a:spcAft>
+              <a:buClrTx/>
+              <a:buSzTx/>
+              <a:buFontTx/>
+              <a:buNone/>
+              <a:tabLst/>
+              <a:defRPr/>
+            </a:pPr>
+            <a:r>
+              <a:rPr kumimoji="1" lang="zh-CN" altLang="en-US" dirty="0" smtClean="0"/>
+              <a:t>修改这个图。</a:t>
+            </a:r>
+            <a:endParaRPr kumimoji="1" lang="en-US" altLang="zh-CN" dirty="0" smtClean="0"/>
+          </a:p>
+        </p:txBody>
+      </p:sp>
+      <p:sp>
+        <p:nvSpPr>
+          <p:cNvPr id="4" name="灯片编号占位符 3"/>
+          <p:cNvSpPr>
+            <a:spLocks noGrp="1"/>
+          </p:cNvSpPr>
+          <p:nvPr>
+            <p:ph type="sldNum" sz="quarter" idx="5"/>
+          </p:nvPr>
+        </p:nvSpPr>
+        <p:spPr/>
+        <p:txBody>
+          <a:bodyPr/>
+          <a:lstStyle/>
+          <a:p>
+            <a:fld id="{6245CCF4-CF1B-4B4B-B5D0-2221EBE362B5}" type="slidenum">
+              <a:rPr lang="zh-CN" altLang="en-US" smtClean="0"/>
+              <a:t>17</a:t>
+            </a:fld>
+            <a:endParaRPr lang="zh-CN" altLang="en-US"/>
+          </a:p>
+        </p:txBody>
+      </p:sp>
+    </p:spTree>
+    <p:extLst>
+      <p:ext uri="{BB962C8B-B14F-4D97-AF65-F5344CB8AC3E}">
+        <p14:creationId xmlns:p14="http://schemas.microsoft.com/office/powerpoint/2010/main" val="3007507685"/>
+      </p:ext>
+    </p:extLst>
+  </p:cSld>
+  <p:clrMapOvr>
+    <a:masterClrMapping/>
+  </p:clrMapOvr>
+</p:notes>
+</file>
+
+<file path=ppt/notesSlides/notesSlide16.xml><?xml version="1.0" encoding="utf-8"?>
+<p:notes xmlns:a="http://schemas.openxmlformats.org/drawingml/2006/main" xmlns:r="http://schemas.openxmlformats.org/officeDocument/2006/relationships" xmlns:p="http://schemas.openxmlformats.org/presentationml/2006/main">
+  <p:cSld>
+    <p:spTree>
+      <p:nvGrpSpPr>
+        <p:cNvPr id="1" name=""/>
+        <p:cNvGrpSpPr/>
+        <p:nvPr/>
+      </p:nvGrpSpPr>
+      <p:grpSpPr>
+        <a:xfrm>
+          <a:off x="0" y="0"/>
+          <a:ext cx="0" cy="0"/>
+          <a:chOff x="0" y="0"/>
+          <a:chExt cx="0" cy="0"/>
+        </a:xfrm>
+      </p:grpSpPr>
+      <p:sp>
+        <p:nvSpPr>
+          <p:cNvPr id="2" name="幻灯片图像占位符 1"/>
+          <p:cNvSpPr>
+            <a:spLocks noGrp="1" noRot="1" noChangeAspect="1"/>
+          </p:cNvSpPr>
+          <p:nvPr>
+            <p:ph type="sldImg"/>
+          </p:nvPr>
+        </p:nvSpPr>
+        <p:spPr/>
+      </p:sp>
+      <p:sp>
+        <p:nvSpPr>
+          <p:cNvPr id="3" name="备注占位符 2"/>
+          <p:cNvSpPr>
+            <a:spLocks noGrp="1"/>
+          </p:cNvSpPr>
+          <p:nvPr>
+            <p:ph type="body" idx="1"/>
+          </p:nvPr>
+        </p:nvSpPr>
+        <p:spPr/>
+        <p:txBody>
+          <a:bodyPr/>
+          <a:lstStyle/>
+          <a:p>
+            <a:endParaRPr lang="zh-CN" altLang="en-US" dirty="0"/>
+          </a:p>
+        </p:txBody>
+      </p:sp>
+      <p:sp>
+        <p:nvSpPr>
+          <p:cNvPr id="4" name="灯片编号占位符 3"/>
+          <p:cNvSpPr>
+            <a:spLocks noGrp="1"/>
+          </p:cNvSpPr>
+          <p:nvPr>
+            <p:ph type="sldNum" sz="quarter" idx="10"/>
+          </p:nvPr>
+        </p:nvSpPr>
+        <p:spPr/>
+        <p:txBody>
+          <a:bodyPr/>
+          <a:lstStyle/>
+          <a:p>
+            <a:fld id="{6245CCF4-CF1B-4B4B-B5D0-2221EBE362B5}" type="slidenum">
+              <a:rPr lang="zh-CN" altLang="en-US" smtClean="0"/>
+              <a:t>18</a:t>
+            </a:fld>
+            <a:endParaRPr lang="zh-CN" altLang="en-US"/>
+          </a:p>
+        </p:txBody>
+      </p:sp>
+    </p:spTree>
+    <p:extLst>
+      <p:ext uri="{BB962C8B-B14F-4D97-AF65-F5344CB8AC3E}">
+        <p14:creationId xmlns:p14="http://schemas.microsoft.com/office/powerpoint/2010/main" val="275810286"/>
+      </p:ext>
+    </p:extLst>
+  </p:cSld>
+  <p:clrMapOvr>
+    <a:masterClrMapping/>
+  </p:clrMapOvr>
+</p:notes>
+</file>
+
+<file path=ppt/notesSlides/notesSlide17.xml><?xml version="1.0" encoding="utf-8"?>
+<p:notes xmlns:a="http://schemas.openxmlformats.org/drawingml/2006/main" xmlns:r="http://schemas.openxmlformats.org/officeDocument/2006/relationships" xmlns:p="http://schemas.openxmlformats.org/presentationml/2006/main">
+  <p:cSld>
+    <p:spTree>
+      <p:nvGrpSpPr>
+        <p:cNvPr id="1" name=""/>
+        <p:cNvGrpSpPr/>
+        <p:nvPr/>
+      </p:nvGrpSpPr>
+      <p:grpSpPr>
+        <a:xfrm>
+          <a:off x="0" y="0"/>
+          <a:ext cx="0" cy="0"/>
+          <a:chOff x="0" y="0"/>
+          <a:chExt cx="0" cy="0"/>
+        </a:xfrm>
+      </p:grpSpPr>
+      <p:sp>
+        <p:nvSpPr>
+          <p:cNvPr id="2" name="幻灯片图像占位符 1"/>
+          <p:cNvSpPr>
+            <a:spLocks noGrp="1" noRot="1" noChangeAspect="1"/>
+          </p:cNvSpPr>
+          <p:nvPr>
+            <p:ph type="sldImg"/>
+          </p:nvPr>
+        </p:nvSpPr>
+        <p:spPr/>
+      </p:sp>
+      <p:sp>
+        <p:nvSpPr>
+          <p:cNvPr id="3" name="备注占位符 2"/>
+          <p:cNvSpPr>
+            <a:spLocks noGrp="1"/>
+          </p:cNvSpPr>
+          <p:nvPr>
+            <p:ph type="body" idx="1"/>
+          </p:nvPr>
+        </p:nvSpPr>
+        <p:spPr/>
+        <p:txBody>
+          <a:bodyPr/>
+          <a:lstStyle/>
+          <a:p>
+            <a:r>
+              <a:rPr lang="zh-CN" altLang="en-US" dirty="0"/>
+              <a:t>零成本，函数方法</a:t>
+            </a:r>
+            <a:r>
+              <a:rPr lang="zh-CN" altLang="en-US" dirty="0" smtClean="0"/>
+              <a:t>生成。零成本</a:t>
+            </a:r>
+            <a:endParaRPr lang="zh-CN" altLang="en-US" dirty="0"/>
+          </a:p>
+        </p:txBody>
+      </p:sp>
+      <p:sp>
+        <p:nvSpPr>
+          <p:cNvPr id="4" name="灯片编号占位符 3"/>
+          <p:cNvSpPr>
+            <a:spLocks noGrp="1"/>
+          </p:cNvSpPr>
+          <p:nvPr>
+            <p:ph type="sldNum" sz="quarter" idx="10"/>
+          </p:nvPr>
+        </p:nvSpPr>
+        <p:spPr/>
+        <p:txBody>
+          <a:bodyPr/>
+          <a:lstStyle/>
+          <a:p>
+            <a:fld id="{6245CCF4-CF1B-4B4B-B5D0-2221EBE362B5}" type="slidenum">
+              <a:rPr lang="zh-CN" altLang="en-US" smtClean="0"/>
+              <a:t>19</a:t>
+            </a:fld>
+            <a:endParaRPr lang="zh-CN" altLang="en-US"/>
+          </a:p>
+        </p:txBody>
+      </p:sp>
+    </p:spTree>
+    <p:extLst>
+      <p:ext uri="{BB962C8B-B14F-4D97-AF65-F5344CB8AC3E}">
+        <p14:creationId xmlns:p14="http://schemas.microsoft.com/office/powerpoint/2010/main" val="613597641"/>
+      </p:ext>
+    </p:extLst>
+  </p:cSld>
+  <p:clrMapOvr>
+    <a:masterClrMapping/>
+  </p:clrMapOvr>
+</p:notes>
+</file>
+
+<file path=ppt/notesSlides/notesSlide18.xml><?xml version="1.0" encoding="utf-8"?>
+<p:notes xmlns:a="http://schemas.openxmlformats.org/drawingml/2006/main" xmlns:r="http://schemas.openxmlformats.org/officeDocument/2006/relationships" xmlns:p="http://schemas.openxmlformats.org/presentationml/2006/main">
+  <p:cSld>
+    <p:spTree>
+      <p:nvGrpSpPr>
+        <p:cNvPr id="1" name=""/>
+        <p:cNvGrpSpPr/>
+        <p:nvPr/>
+      </p:nvGrpSpPr>
+      <p:grpSpPr>
+        <a:xfrm>
+          <a:off x="0" y="0"/>
+          <a:ext cx="0" cy="0"/>
+          <a:chOff x="0" y="0"/>
+          <a:chExt cx="0" cy="0"/>
+        </a:xfrm>
+      </p:grpSpPr>
+      <p:sp>
+        <p:nvSpPr>
+          <p:cNvPr id="2" name="幻灯片图像占位符 1"/>
+          <p:cNvSpPr>
+            <a:spLocks noGrp="1" noRot="1" noChangeAspect="1"/>
+          </p:cNvSpPr>
+          <p:nvPr>
+            <p:ph type="sldImg"/>
+          </p:nvPr>
+        </p:nvSpPr>
+        <p:spPr/>
+      </p:sp>
+      <p:sp>
+        <p:nvSpPr>
+          <p:cNvPr id="3" name="备注占位符 2"/>
+          <p:cNvSpPr>
+            <a:spLocks noGrp="1"/>
+          </p:cNvSpPr>
+          <p:nvPr>
+            <p:ph type="body" idx="1"/>
+          </p:nvPr>
+        </p:nvSpPr>
+        <p:spPr/>
+        <p:txBody>
+          <a:bodyPr/>
+          <a:lstStyle/>
+          <a:p>
+            <a:r>
+              <a:rPr kumimoji="1" lang="zh-CN" altLang="en-US" dirty="0"/>
+              <a:t>性能、</a:t>
+            </a:r>
+            <a:r>
+              <a:rPr kumimoji="1" lang="en-US" altLang="zh-CN" dirty="0"/>
+              <a:t>benchmarks game</a:t>
+            </a:r>
+            <a:r>
+              <a:rPr kumimoji="1" lang="zh-CN" altLang="en-US" dirty="0"/>
+              <a:t>，并发</a:t>
+            </a:r>
+          </a:p>
+        </p:txBody>
+      </p:sp>
+      <p:sp>
+        <p:nvSpPr>
+          <p:cNvPr id="4" name="灯片编号占位符 3"/>
+          <p:cNvSpPr>
+            <a:spLocks noGrp="1"/>
+          </p:cNvSpPr>
+          <p:nvPr>
+            <p:ph type="sldNum" sz="quarter" idx="5"/>
+          </p:nvPr>
+        </p:nvSpPr>
+        <p:spPr/>
+        <p:txBody>
+          <a:bodyPr/>
+          <a:lstStyle/>
+          <a:p>
+            <a:fld id="{6245CCF4-CF1B-4B4B-B5D0-2221EBE362B5}" type="slidenum">
+              <a:rPr lang="zh-CN" altLang="en-US" smtClean="0"/>
+              <a:t>21</a:t>
+            </a:fld>
+            <a:endParaRPr lang="zh-CN" altLang="en-US"/>
+          </a:p>
+        </p:txBody>
+      </p:sp>
+    </p:spTree>
+    <p:extLst>
+      <p:ext uri="{BB962C8B-B14F-4D97-AF65-F5344CB8AC3E}">
+        <p14:creationId xmlns:p14="http://schemas.microsoft.com/office/powerpoint/2010/main" val="3290587185"/>
+      </p:ext>
+    </p:extLst>
+  </p:cSld>
+  <p:clrMapOvr>
+    <a:masterClrMapping/>
+  </p:clrMapOvr>
+</p:notes>
+</file>
+
+<file path=ppt/notesSlides/notesSlide19.xml><?xml version="1.0" encoding="utf-8"?>
+<p:notes xmlns:a="http://schemas.openxmlformats.org/drawingml/2006/main" xmlns:r="http://schemas.openxmlformats.org/officeDocument/2006/relationships" xmlns:p="http://schemas.openxmlformats.org/presentationml/2006/main">
+  <p:cSld>
+    <p:spTree>
+      <p:nvGrpSpPr>
+        <p:cNvPr id="1" name=""/>
+        <p:cNvGrpSpPr/>
+        <p:nvPr/>
+      </p:nvGrpSpPr>
+      <p:grpSpPr>
+        <a:xfrm>
+          <a:off x="0" y="0"/>
+          <a:ext cx="0" cy="0"/>
+          <a:chOff x="0" y="0"/>
+          <a:chExt cx="0" cy="0"/>
+        </a:xfrm>
+      </p:grpSpPr>
+      <p:sp>
+        <p:nvSpPr>
+          <p:cNvPr id="2" name="幻灯片图像占位符 1"/>
+          <p:cNvSpPr>
+            <a:spLocks noGrp="1" noRot="1" noChangeAspect="1"/>
+          </p:cNvSpPr>
+          <p:nvPr>
+            <p:ph type="sldImg"/>
+          </p:nvPr>
+        </p:nvSpPr>
+        <p:spPr/>
+      </p:sp>
+      <p:sp>
+        <p:nvSpPr>
+          <p:cNvPr id="3" name="备注占位符 2"/>
+          <p:cNvSpPr>
+            <a:spLocks noGrp="1"/>
+          </p:cNvSpPr>
+          <p:nvPr>
+            <p:ph type="body" idx="1"/>
+          </p:nvPr>
+        </p:nvSpPr>
+        <p:spPr/>
+        <p:txBody>
+          <a:bodyPr/>
+          <a:lstStyle/>
+          <a:p>
+            <a:endParaRPr lang="zh-CN" altLang="en-US" dirty="0"/>
+          </a:p>
+        </p:txBody>
+      </p:sp>
+      <p:sp>
+        <p:nvSpPr>
+          <p:cNvPr id="4" name="灯片编号占位符 3"/>
+          <p:cNvSpPr>
+            <a:spLocks noGrp="1"/>
+          </p:cNvSpPr>
+          <p:nvPr>
+            <p:ph type="sldNum" sz="quarter" idx="10"/>
+          </p:nvPr>
+        </p:nvSpPr>
+        <p:spPr/>
+        <p:txBody>
+          <a:bodyPr/>
+          <a:lstStyle/>
+          <a:p>
+            <a:fld id="{6245CCF4-CF1B-4B4B-B5D0-2221EBE362B5}" type="slidenum">
+              <a:rPr lang="zh-CN" altLang="en-US" smtClean="0"/>
+              <a:t>22</a:t>
+            </a:fld>
+            <a:endParaRPr lang="zh-CN" altLang="en-US"/>
+          </a:p>
+        </p:txBody>
+      </p:sp>
+    </p:spTree>
+    <p:extLst>
+      <p:ext uri="{BB962C8B-B14F-4D97-AF65-F5344CB8AC3E}">
+        <p14:creationId xmlns:p14="http://schemas.microsoft.com/office/powerpoint/2010/main" val="2025390987"/>
       </p:ext>
     </p:extLst>
   </p:cSld>
@@ -8102,6 +7979,230 @@
     <p:extLst>
       <p:ext uri="{BB962C8B-B14F-4D97-AF65-F5344CB8AC3E}">
         <p14:creationId xmlns:p14="http://schemas.microsoft.com/office/powerpoint/2010/main" val="382649545"/>
+      </p:ext>
+    </p:extLst>
+  </p:cSld>
+  <p:clrMapOvr>
+    <a:masterClrMapping/>
+  </p:clrMapOvr>
+</p:notes>
+</file>
+
+<file path=ppt/notesSlides/notesSlide20.xml><?xml version="1.0" encoding="utf-8"?>
+<p:notes xmlns:a="http://schemas.openxmlformats.org/drawingml/2006/main" xmlns:r="http://schemas.openxmlformats.org/officeDocument/2006/relationships" xmlns:p="http://schemas.openxmlformats.org/presentationml/2006/main">
+  <p:cSld>
+    <p:spTree>
+      <p:nvGrpSpPr>
+        <p:cNvPr id="1" name=""/>
+        <p:cNvGrpSpPr/>
+        <p:nvPr/>
+      </p:nvGrpSpPr>
+      <p:grpSpPr>
+        <a:xfrm>
+          <a:off x="0" y="0"/>
+          <a:ext cx="0" cy="0"/>
+          <a:chOff x="0" y="0"/>
+          <a:chExt cx="0" cy="0"/>
+        </a:xfrm>
+      </p:grpSpPr>
+      <p:sp>
+        <p:nvSpPr>
+          <p:cNvPr id="2" name="幻灯片图像占位符 1"/>
+          <p:cNvSpPr>
+            <a:spLocks noGrp="1" noRot="1" noChangeAspect="1"/>
+          </p:cNvSpPr>
+          <p:nvPr>
+            <p:ph type="sldImg"/>
+          </p:nvPr>
+        </p:nvSpPr>
+        <p:spPr/>
+      </p:sp>
+      <p:sp>
+        <p:nvSpPr>
+          <p:cNvPr id="3" name="备注占位符 2"/>
+          <p:cNvSpPr>
+            <a:spLocks noGrp="1"/>
+          </p:cNvSpPr>
+          <p:nvPr>
+            <p:ph type="body" idx="1"/>
+          </p:nvPr>
+        </p:nvSpPr>
+        <p:spPr/>
+        <p:txBody>
+          <a:bodyPr/>
+          <a:lstStyle/>
+          <a:p>
+            <a:endParaRPr lang="zh-CN" altLang="en-US" dirty="0"/>
+          </a:p>
+        </p:txBody>
+      </p:sp>
+      <p:sp>
+        <p:nvSpPr>
+          <p:cNvPr id="4" name="灯片编号占位符 3"/>
+          <p:cNvSpPr>
+            <a:spLocks noGrp="1"/>
+          </p:cNvSpPr>
+          <p:nvPr>
+            <p:ph type="sldNum" sz="quarter" idx="10"/>
+          </p:nvPr>
+        </p:nvSpPr>
+        <p:spPr/>
+        <p:txBody>
+          <a:bodyPr/>
+          <a:lstStyle/>
+          <a:p>
+            <a:fld id="{6245CCF4-CF1B-4B4B-B5D0-2221EBE362B5}" type="slidenum">
+              <a:rPr lang="zh-CN" altLang="en-US" smtClean="0"/>
+              <a:t>23</a:t>
+            </a:fld>
+            <a:endParaRPr lang="zh-CN" altLang="en-US"/>
+          </a:p>
+        </p:txBody>
+      </p:sp>
+    </p:spTree>
+    <p:extLst>
+      <p:ext uri="{BB962C8B-B14F-4D97-AF65-F5344CB8AC3E}">
+        <p14:creationId xmlns:p14="http://schemas.microsoft.com/office/powerpoint/2010/main" val="4247127536"/>
+      </p:ext>
+    </p:extLst>
+  </p:cSld>
+  <p:clrMapOvr>
+    <a:masterClrMapping/>
+  </p:clrMapOvr>
+</p:notes>
+</file>
+
+<file path=ppt/notesSlides/notesSlide21.xml><?xml version="1.0" encoding="utf-8"?>
+<p:notes xmlns:a="http://schemas.openxmlformats.org/drawingml/2006/main" xmlns:r="http://schemas.openxmlformats.org/officeDocument/2006/relationships" xmlns:p="http://schemas.openxmlformats.org/presentationml/2006/main">
+  <p:cSld>
+    <p:spTree>
+      <p:nvGrpSpPr>
+        <p:cNvPr id="1" name=""/>
+        <p:cNvGrpSpPr/>
+        <p:nvPr/>
+      </p:nvGrpSpPr>
+      <p:grpSpPr>
+        <a:xfrm>
+          <a:off x="0" y="0"/>
+          <a:ext cx="0" cy="0"/>
+          <a:chOff x="0" y="0"/>
+          <a:chExt cx="0" cy="0"/>
+        </a:xfrm>
+      </p:grpSpPr>
+      <p:sp>
+        <p:nvSpPr>
+          <p:cNvPr id="2" name="幻灯片图像占位符 1"/>
+          <p:cNvSpPr>
+            <a:spLocks noGrp="1" noRot="1" noChangeAspect="1"/>
+          </p:cNvSpPr>
+          <p:nvPr>
+            <p:ph type="sldImg"/>
+          </p:nvPr>
+        </p:nvSpPr>
+        <p:spPr/>
+      </p:sp>
+      <p:sp>
+        <p:nvSpPr>
+          <p:cNvPr id="3" name="备注占位符 2"/>
+          <p:cNvSpPr>
+            <a:spLocks noGrp="1"/>
+          </p:cNvSpPr>
+          <p:nvPr>
+            <p:ph type="body" idx="1"/>
+          </p:nvPr>
+        </p:nvSpPr>
+        <p:spPr/>
+        <p:txBody>
+          <a:bodyPr/>
+          <a:lstStyle/>
+          <a:p>
+            <a:r>
+              <a:rPr lang="en-US" altLang="zh-CN" dirty="0" smtClean="0"/>
+              <a:t>Rust</a:t>
+            </a:r>
+            <a:r>
+              <a:rPr lang="zh-CN" altLang="en-US" dirty="0" smtClean="0"/>
+              <a:t>发展是依赖社区和开发团队共同推进的，</a:t>
+            </a:r>
+            <a:r>
+              <a:rPr lang="en-US" altLang="zh-CN" dirty="0" smtClean="0"/>
+              <a:t>rust</a:t>
+            </a:r>
+            <a:r>
+              <a:rPr lang="zh-CN" altLang="en-US" dirty="0" smtClean="0"/>
+              <a:t>核心团队主要集中在</a:t>
+            </a:r>
+            <a:r>
+              <a:rPr lang="en-US" altLang="zh-CN" dirty="0" smtClean="0"/>
+              <a:t>rust</a:t>
+            </a:r>
+            <a:r>
+              <a:rPr lang="zh-CN" altLang="en-US" dirty="0" smtClean="0"/>
+              <a:t>语言本身的特性开发上，而社区主要集中在</a:t>
+            </a:r>
+            <a:r>
+              <a:rPr lang="en-US" altLang="zh-CN" dirty="0" smtClean="0"/>
+              <a:t>rust</a:t>
+            </a:r>
+            <a:r>
+              <a:rPr lang="zh-CN" altLang="en-US" dirty="0" smtClean="0"/>
+              <a:t>的基础应用上。很多基础库都会以</a:t>
+            </a:r>
+            <a:r>
+              <a:rPr lang="en-US" altLang="zh-CN" dirty="0" smtClean="0"/>
+              <a:t>crate</a:t>
+            </a:r>
+            <a:r>
+              <a:rPr lang="zh-CN" altLang="en-US" dirty="0" smtClean="0"/>
+              <a:t>的形式发布到</a:t>
+            </a:r>
+            <a:r>
+              <a:rPr lang="en-US" altLang="zh-CN" dirty="0" smtClean="0"/>
+              <a:t>crates.io</a:t>
+            </a:r>
+            <a:r>
+              <a:rPr lang="zh-CN" altLang="en-US" dirty="0" smtClean="0"/>
+              <a:t>上。目前为止有</a:t>
+            </a:r>
+            <a:r>
+              <a:rPr lang="en-US" altLang="zh-CN" dirty="0" smtClean="0"/>
+              <a:t>71905</a:t>
+            </a:r>
+            <a:r>
+              <a:rPr lang="zh-CN" altLang="en-US" smtClean="0"/>
+              <a:t>个</a:t>
+            </a:r>
+            <a:endParaRPr lang="zh-CN" altLang="en-US" dirty="0"/>
+          </a:p>
+        </p:txBody>
+      </p:sp>
+      <p:sp>
+        <p:nvSpPr>
+          <p:cNvPr id="4" name="灯片编号占位符 3"/>
+          <p:cNvSpPr>
+            <a:spLocks noGrp="1"/>
+          </p:cNvSpPr>
+          <p:nvPr>
+            <p:ph type="sldNum" sz="quarter" idx="10"/>
+          </p:nvPr>
+        </p:nvSpPr>
+        <p:spPr/>
+        <p:txBody>
+          <a:bodyPr/>
+          <a:lstStyle/>
+          <a:p>
+            <a:fld id="{6245CCF4-CF1B-4B4B-B5D0-2221EBE362B5}" type="slidenum">
+              <a:rPr lang="zh-CN" altLang="en-US" smtClean="0"/>
+              <a:t>24</a:t>
+            </a:fld>
+            <a:endParaRPr lang="zh-CN" altLang="en-US"/>
+          </a:p>
+        </p:txBody>
+      </p:sp>
+    </p:spTree>
+    <p:extLst>
+      <p:ext uri="{BB962C8B-B14F-4D97-AF65-F5344CB8AC3E}">
+        <p14:creationId xmlns:p14="http://schemas.microsoft.com/office/powerpoint/2010/main" val="1322133225"/>
       </p:ext>
     </p:extLst>
   </p:cSld>
@@ -8361,7 +8462,7 @@
             </a:r>
             <a:r>
               <a:rPr lang="zh-CN" altLang="en-US" dirty="0" smtClean="0"/>
-              <a:t>。（微软公司、空指针异常）因此</a:t>
+              <a:t>。因此</a:t>
             </a:r>
             <a:r>
               <a:rPr lang="zh-CN" altLang="en-US" dirty="0"/>
@@ -8452,25 +8553,72 @@
           <a:p>
             <a:r>
               <a:rPr lang="zh-CN" altLang="en-US" dirty="0"/>
-              <a:t>相比于之前的系统编程语言必须是更加安全的、不易崩溃的，尤其是在操作内存时</a:t>
-            </a:r>
-          </a:p>
-          <a:p>
+              <a:t>在计算机领域中，人们普遍关心的两个属性，分别是性能和安全性。早期计算机行业，计算资源匮乏，为了获取更高的性能宁愿牺牲安全性。随着计算机行业的发展，计算资源得到极大增加，不仅关注性能，更关注安全性</a:t>
+            </a:r>
+            <a:r>
+              <a:rPr lang="zh-CN" altLang="en-US" dirty="0" smtClean="0"/>
+              <a:t>。</a:t>
+            </a:r>
+            <a:r>
+              <a:rPr lang="en-US" altLang="zh-CN" dirty="0" smtClean="0"/>
+              <a:t>2019</a:t>
+            </a:r>
+            <a:r>
+              <a:rPr lang="zh-CN" altLang="en-US" dirty="0" smtClean="0"/>
+              <a:t>年微软公司在</a:t>
+            </a:r>
+            <a:r>
+              <a:rPr lang="en-US" altLang="zh-CN" dirty="0" err="1" smtClean="0"/>
+              <a:t>bluehat</a:t>
+            </a:r>
+            <a:r>
+              <a:rPr lang="zh-CN" altLang="en-US" dirty="0" smtClean="0"/>
+              <a:t>大会上做的演讲中提到</a:t>
+            </a:r>
+            <a:r>
+              <a:rPr lang="zh-CN" altLang="en-US" sz="1200" b="0" i="0" kern="1200" dirty="0" smtClean="0">
+                <a:solidFill>
+                  <a:schemeClr val="tx1"/>
+                </a:solidFill>
+                <a:effectLst/>
+                <a:latin typeface="+mn-lt"/>
+                <a:ea typeface="+mn-ea"/>
+                <a:cs typeface="+mn-cs"/>
+              </a:rPr>
+              <a:t>微软产品每年通过安全更新解决的所有漏洞中，大约</a:t>
+            </a:r>
+            <a:r>
+              <a:rPr lang="en-US" altLang="zh-CN" sz="1200" b="0" i="0" kern="1200" dirty="0" smtClean="0">
+                <a:solidFill>
+                  <a:schemeClr val="tx1"/>
+                </a:solidFill>
+                <a:effectLst/>
+                <a:latin typeface="+mn-lt"/>
+                <a:ea typeface="+mn-ea"/>
+                <a:cs typeface="+mn-cs"/>
+              </a:rPr>
+              <a:t>70%</a:t>
+            </a:r>
+            <a:r>
+              <a:rPr lang="zh-CN" altLang="en-US" sz="1200" b="0" i="0" kern="1200" dirty="0" smtClean="0">
+                <a:solidFill>
+                  <a:schemeClr val="tx1"/>
+                </a:solidFill>
+                <a:effectLst/>
+                <a:latin typeface="+mn-lt"/>
+                <a:ea typeface="+mn-ea"/>
+                <a:cs typeface="+mn-cs"/>
+              </a:rPr>
+              <a:t>是内存安全问题。</a:t>
+            </a:r>
+            <a:r>
+              <a:rPr lang="zh-CN" altLang="en-US" dirty="0" smtClean="0"/>
+              <a:t>因此</a:t>
+            </a:r>
             <a:r>
               <a:rPr lang="zh-CN" altLang="en-US" dirty="0"/>
-              <a:t>不需要有垃圾回收系统，不能为了内存安全引入性能负担。不需要垃圾回收的同时也不需要开发者主动手动释放内存。</a:t>
-            </a:r>
-          </a:p>
-          <a:p>
-            <a:r>
-              <a:rPr lang="zh-CN" altLang="en-US" dirty="0"/>
-              <a:t>不仅仅拥有一个主要特性、而应该拥有一系列广泛特性，这些特性之间又不缺乏一致性，这些特性之间可以很高的相互协作，从而使该语言更容易编写、维护和调试，让程序员写出更安全、更高效的</a:t>
-            </a:r>
-            <a:r>
-              <a:rPr lang="zh-CN" altLang="en-US" dirty="0" smtClean="0"/>
-              <a:t>代码。</a:t>
-            </a:r>
-            <a:endParaRPr lang="zh-CN" altLang="en-US" dirty="0"/>
+              <a:t>格雷顿霍尔萌生了自己开发一门语言的想法。他期望该语言能有如下表现。</a:t>
+            </a:r>
           </a:p>
         </p:txBody>
       </p:sp>
@@ -8500,7 +8648,7 @@
     </p:spTree>
     <p:extLst>
       <p:ext uri="{BB962C8B-B14F-4D97-AF65-F5344CB8AC3E}">
-        <p14:creationId xmlns:p14="http://schemas.microsoft.com/office/powerpoint/2010/main" val="3601951598"/>
+        <p14:creationId xmlns:p14="http://schemas.microsoft.com/office/powerpoint/2010/main" val="1296073693"/>
       </p:ext>
     </p:extLst>
   </p:cSld>
@@ -8556,24 +8704,25 @@
           <a:p>
             <a:r>
               <a:rPr lang="zh-CN" altLang="en-US" dirty="0"/>
-              <a:t>作者为了实现一个更安全、易用、高效的语言。为</a:t>
-            </a:r>
-            <a:r>
-              <a:rPr lang="en-US" altLang="zh-CN" dirty="0"/>
-              <a:t>Rust</a:t>
-            </a:r>
+              <a:t>相比于之前的系统编程语言必须是更加安全的、不易崩溃的，尤其是在操作内存时</a:t>
+            </a:r>
+          </a:p>
+          <a:p>
             <a:r>
               <a:rPr lang="zh-CN" altLang="en-US" dirty="0"/>
-              <a:t>设定了三条设计原则，分别是内存安全、零成本抽象、实用性。那么</a:t>
-            </a:r>
-            <a:r>
-              <a:rPr lang="en-US" altLang="zh-CN" dirty="0"/>
-              <a:t>Rust</a:t>
-            </a:r>
+              <a:t>不需要有垃圾回收系统，不能为了内存安全引入性能负担。不需要垃圾回收的同时也不需要开发者主动手动释放内存。</a:t>
+            </a:r>
+          </a:p>
+          <a:p>
             <a:r>
               <a:rPr lang="zh-CN" altLang="en-US" dirty="0"/>
-              <a:t>中是如何体现这三个原则特性的呢？</a:t>
-            </a:r>
+              <a:t>不仅仅拥有一个主要特性、而应该拥有一系列广泛特性，这些特性之间又不缺乏一致性，这些特性之间可以很高的相互协作，从而使该语言更容易编写、维护和调试，让程序员写出更安全、更高效的</a:t>
+            </a:r>
+            <a:r>
+              <a:rPr lang="zh-CN" altLang="en-US" dirty="0" smtClean="0"/>
+              <a:t>代码。</a:t>
+            </a:r>
+            <a:endParaRPr lang="zh-CN" altLang="en-US" dirty="0"/>
           </a:p>
         </p:txBody>
       </p:sp>
@@ -8603,7 +8752,7 @@
     </p:spTree>
     <p:extLst>
       <p:ext uri="{BB962C8B-B14F-4D97-AF65-F5344CB8AC3E}">
-        <p14:creationId xmlns:p14="http://schemas.microsoft.com/office/powerpoint/2010/main" val="3198523500"/>
+        <p14:creationId xmlns:p14="http://schemas.microsoft.com/office/powerpoint/2010/main" val="3601951598"/>
       </p:ext>
     </p:extLst>
   </p:cSld>
@@ -8659,71 +8808,29 @@
           <a:p>
             <a:r>
               <a:rPr lang="zh-CN" altLang="en-US" dirty="0"/>
-              <a:t>常见内存不安全，内存分配，内存访问，内存回收。</a:t>
-            </a:r>
-            <a:endParaRPr lang="en-US" altLang="zh-CN" dirty="0"/>
-          </a:p>
-          <a:p>
-            <a:r>
-              <a:rPr kumimoji="1" lang="zh-CN" altLang="en-US" dirty="0"/>
-              <a:t>一般常见内存不安全指是，空指针引用、使用未初始化的内存、释放后使用悬垂指针（引用未定义的未知的内存）、缓冲区溢出（索引越界）、重复释放。这些情况之所以产生内存安全问题都是因为访问了未定义的内存。为了保证内存安全，</a:t>
-            </a:r>
-            <a:r>
-              <a:rPr kumimoji="1" lang="en-US" altLang="zh-CN" dirty="0"/>
-              <a:t>rust</a:t>
-            </a:r>
-            <a:r>
-              <a:rPr kumimoji="1" lang="zh-CN" altLang="en-US" dirty="0"/>
-              <a:t>建立</a:t>
-            </a:r>
-            <a:r>
-              <a:rPr kumimoji="1" lang="zh-CN" altLang="en-US" dirty="0" smtClean="0"/>
-              <a:t>了独特的</a:t>
-            </a:r>
-            <a:r>
-              <a:rPr kumimoji="1" lang="zh-CN" altLang="en-US" dirty="0"/>
-              <a:t>内存管理模型</a:t>
-            </a:r>
-            <a:r>
-              <a:rPr kumimoji="1" lang="zh-CN" altLang="en-US" dirty="0" smtClean="0"/>
-              <a:t>。</a:t>
-            </a:r>
-            <a:endParaRPr kumimoji="1" lang="en-US" altLang="zh-CN" dirty="0" smtClean="0"/>
-          </a:p>
-          <a:p>
-            <a:r>
-              <a:rPr kumimoji="1" lang="zh-CN" altLang="en-US" dirty="0" smtClean="0"/>
-              <a:t>所有权</a:t>
-            </a:r>
-            <a:r>
-              <a:rPr kumimoji="1" lang="zh-CN" altLang="en-US" dirty="0"/>
-              <a:t>系统指的是每个被分配的内存都有一个独占其所有权的指针，只有当该指针被销毁时，其对应的内存才会被释放</a:t>
-            </a:r>
-            <a:r>
-              <a:rPr kumimoji="1" lang="zh-CN" altLang="en-US" dirty="0" smtClean="0"/>
-              <a:t>。也是基于所有权的基础上，</a:t>
-            </a:r>
-            <a:r>
-              <a:rPr kumimoji="1" lang="en-US" altLang="zh-CN" dirty="0" smtClean="0"/>
-              <a:t>rust</a:t>
-            </a:r>
-            <a:r>
-              <a:rPr kumimoji="1" lang="zh-CN" altLang="en-US" dirty="0" smtClean="0"/>
-              <a:t>实现了无需</a:t>
-            </a:r>
-            <a:r>
-              <a:rPr kumimoji="1" lang="en-US" altLang="zh-CN" dirty="0" smtClean="0"/>
-              <a:t>GC</a:t>
-            </a:r>
-            <a:r>
-              <a:rPr kumimoji="1" lang="zh-CN" altLang="en-US" dirty="0" smtClean="0"/>
-              <a:t>也无需手动管理内存的，内存模型。所有的借用</a:t>
-            </a:r>
-            <a:r>
-              <a:rPr kumimoji="1" lang="zh-CN" altLang="en-US" dirty="0"/>
-              <a:t>和生命周期，每个变量都有其生命周期，一旦超出生命周期，变量会被自动释放，如果是借用则可以通过标记生命周期参数供编译器检查，防止出现悬垂引用。</a:t>
-            </a:r>
-            <a:endParaRPr kumimoji="1" lang="en-US" altLang="zh-CN" dirty="0"/>
+              <a:t>作者为了实现一个更安全、易用、高效的语言。为</a:t>
+            </a:r>
+            <a:r>
+              <a:rPr lang="en-US" altLang="zh-CN" dirty="0"/>
+              <a:t>Rust</a:t>
+            </a:r>
+            <a:r>
+              <a:rPr lang="zh-CN" altLang="en-US" dirty="0"/>
+              <a:t>设定了三条设计原则，分别是内存安全、零成本抽象、实用性。那么</a:t>
+            </a:r>
+            <a:r>
+              <a:rPr lang="en-US" altLang="zh-CN" dirty="0"/>
+              <a:t>Rust</a:t>
+            </a:r>
+            <a:r>
+              <a:rPr lang="zh-CN" altLang="en-US" dirty="0"/>
+              <a:t>中是如何体现这三个原则特性的呢</a:t>
+            </a:r>
+            <a:r>
+              <a:rPr lang="zh-CN" altLang="en-US" dirty="0" smtClean="0"/>
+              <a:t>？</a:t>
+            </a:r>
+            <a:endParaRPr lang="zh-CN" altLang="en-US" dirty="0"/>
           </a:p>
         </p:txBody>
       </p:sp>
@@ -8734,7 +8841,7 @@
             <a:spLocks noGrp="1"/>
           </p:cNvSpPr>
           <p:nvPr>
-            <p:ph type="sldNum" sz="quarter" idx="5"/>
+            <p:ph type="sldNum" sz="quarter" idx="10"/>
           </p:nvPr>
         </p:nvSpPr>
         <p:spPr/>
@@ -8753,7 +8860,7 @@
     </p:spTree>
     <p:extLst>
       <p:ext uri="{BB962C8B-B14F-4D97-AF65-F5344CB8AC3E}">
-        <p14:creationId xmlns:p14="http://schemas.microsoft.com/office/powerpoint/2010/main" val="360185304"/>
+        <p14:creationId xmlns:p14="http://schemas.microsoft.com/office/powerpoint/2010/main" val="3198523500"/>
       </p:ext>
     </p:extLst>
   </p:cSld>
@@ -8808,14 +8915,82 @@
           <a:lstStyle/>
           <a:p>
             <a:r>
-              <a:rPr lang="zh-CN" altLang="en-US" dirty="0"/>
-              <a:t>零成本，函数方法</a:t>
-            </a:r>
-            <a:r>
-              <a:rPr lang="zh-CN" altLang="en-US" dirty="0" smtClean="0"/>
-              <a:t>生成。零成本</a:t>
-            </a:r>
-            <a:endParaRPr lang="zh-CN" altLang="en-US" dirty="0"/>
+              <a:rPr kumimoji="1" lang="zh-CN" altLang="en-US" dirty="0" smtClean="0"/>
+              <a:t>一般常见的内存不安全问题有使用未初始化的内存、空</a:t>
+            </a:r>
+            <a:r>
+              <a:rPr kumimoji="1" lang="zh-CN" altLang="en-US" dirty="0"/>
+              <a:t>指针引用</a:t>
+            </a:r>
+            <a:r>
+              <a:rPr kumimoji="1" lang="zh-CN" altLang="en-US" dirty="0" smtClean="0"/>
+              <a:t>、索引越界、指针指向已经释放的内存</a:t>
+            </a:r>
+            <a:r>
+              <a:rPr kumimoji="1" lang="en-US" altLang="zh-CN" dirty="0" smtClean="0"/>
+              <a:t>(</a:t>
+            </a:r>
+            <a:r>
+              <a:rPr kumimoji="1" lang="zh-CN" altLang="en-US" dirty="0" smtClean="0"/>
+              <a:t>悬垂指针</a:t>
+            </a:r>
+            <a:r>
+              <a:rPr kumimoji="1" lang="en-US" altLang="zh-CN" dirty="0" smtClean="0"/>
+              <a:t>)</a:t>
+            </a:r>
+            <a:r>
+              <a:rPr kumimoji="1" lang="zh-CN" altLang="en-US" dirty="0" smtClean="0"/>
+              <a:t>、</a:t>
+            </a:r>
+            <a:r>
+              <a:rPr kumimoji="1" lang="zh-CN" altLang="en-US" dirty="0"/>
+              <a:t>重复</a:t>
+            </a:r>
+            <a:r>
+              <a:rPr kumimoji="1" lang="zh-CN" altLang="en-US" dirty="0" smtClean="0"/>
+              <a:t>释放等。这些问题常见于</a:t>
+            </a:r>
+            <a:r>
+              <a:rPr kumimoji="1" lang="en-US" altLang="zh-CN" dirty="0" smtClean="0"/>
+              <a:t>C</a:t>
+            </a:r>
+            <a:r>
+              <a:rPr kumimoji="1" lang="zh-CN" altLang="en-US" dirty="0" smtClean="0"/>
+              <a:t>或者</a:t>
+            </a:r>
+            <a:r>
+              <a:rPr kumimoji="1" lang="en-US" altLang="zh-CN" dirty="0" smtClean="0"/>
+              <a:t>C++</a:t>
+            </a:r>
+            <a:r>
+              <a:rPr kumimoji="1" lang="zh-CN" altLang="en-US" dirty="0" smtClean="0"/>
+              <a:t>等内存不安全的编程语言中，这些语言将内存安全交由开发者进行保证。内存安全的编程语言一方面通过设计安全的类型系统对内存访问时的无意义操作进行限定，例如运行时索引越界检查等，保证内存安全；另一方面通过垃圾回收机制解决悬垂指针和重复释放等问题。</a:t>
+            </a:r>
+            <a:r>
+              <a:rPr kumimoji="1" lang="en-US" altLang="zh-CN" dirty="0" smtClean="0"/>
+              <a:t>Rust</a:t>
+            </a:r>
+            <a:r>
+              <a:rPr kumimoji="1" lang="zh-CN" altLang="en-US" dirty="0" smtClean="0"/>
+              <a:t>语言与多数编程语言一样，同样通过安全的类型系统对于无意义的内存访问进行限制保证内存安全。另一方面，通过引入所有权系统，保证内存访问和释放时的安全。也是通过所有权系统和借用、生命周期，</a:t>
+            </a:r>
+            <a:r>
+              <a:rPr kumimoji="1" lang="en-US" altLang="zh-CN" dirty="0" smtClean="0"/>
+              <a:t>rust</a:t>
+            </a:r>
+            <a:r>
+              <a:rPr kumimoji="1" lang="zh-CN" altLang="en-US" dirty="0" smtClean="0"/>
+              <a:t>实现了无需</a:t>
+            </a:r>
+            <a:r>
+              <a:rPr kumimoji="1" lang="en-US" altLang="zh-CN" dirty="0" smtClean="0"/>
+              <a:t>GC</a:t>
+            </a:r>
+            <a:r>
+              <a:rPr kumimoji="1" lang="zh-CN" altLang="en-US" dirty="0" smtClean="0"/>
+              <a:t>也无需手动管理内存的内存管理模型。</a:t>
+            </a:r>
+            <a:endParaRPr kumimoji="1" lang="en-US" altLang="zh-CN" dirty="0"/>
           </a:p>
         </p:txBody>
       </p:sp>
@@ -8826,7 +9001,7 @@
             <a:spLocks noGrp="1"/>
           </p:cNvSpPr>
           <p:nvPr>
-            <p:ph type="sldNum" sz="quarter" idx="10"/>
+            <p:ph type="sldNum" sz="quarter" idx="5"/>
           </p:nvPr>
         </p:nvSpPr>
         <p:spPr/>
@@ -8845,7 +9020,7 @@
     </p:spTree>
     <p:extLst>
       <p:ext uri="{BB962C8B-B14F-4D97-AF65-F5344CB8AC3E}">
-        <p14:creationId xmlns:p14="http://schemas.microsoft.com/office/powerpoint/2010/main" val="275810286"/>
+        <p14:creationId xmlns:p14="http://schemas.microsoft.com/office/powerpoint/2010/main" val="360185304"/>
       </p:ext>
     </p:extLst>
   </p:cSld>
@@ -8899,18 +9074,28 @@
           <a:bodyPr/>
           <a:lstStyle/>
           <a:p>
-            <a:r>
-              <a:rPr kumimoji="1" lang="zh-CN" altLang="en-US" dirty="0"/>
-              <a:t>性能、</a:t>
-            </a:r>
-            <a:r>
-              <a:rPr kumimoji="1" lang="en-US" altLang="zh-CN" dirty="0"/>
-              <a:t>benchmarks game</a:t>
-            </a:r>
-            <a:r>
-              <a:rPr kumimoji="1" lang="zh-CN" altLang="en-US" dirty="0"/>
-              <a:t>，并发</a:t>
-            </a:r>
+            <a:pPr marL="0" marR="0" lvl="0" indent="0" algn="l" defTabSz="914400" rtl="0" eaLnBrk="1" fontAlgn="auto" latinLnBrk="0" hangingPunct="1">
+              <a:lnSpc>
+                <a:spcPct val="100000"/>
+              </a:lnSpc>
+              <a:spcBef>
+                <a:spcPts val="0"/>
+              </a:spcBef>
+              <a:spcAft>
+                <a:spcPts val="0"/>
+              </a:spcAft>
+              <a:buClrTx/>
+              <a:buSzTx/>
+              <a:buFontTx/>
+              <a:buNone/>
+              <a:tabLst/>
+              <a:defRPr/>
+            </a:pPr>
+            <a:r>
+              <a:rPr kumimoji="1" lang="zh-CN" altLang="en-US" dirty="0" smtClean="0"/>
+              <a:t>所有权指的是每个被分配的内存都有一个独占其所有权的指针，只有当该指针被销毁时，其对应的内存才会被释放。</a:t>
+            </a:r>
+            <a:endParaRPr kumimoji="1" lang="en-US" altLang="zh-CN" dirty="0" smtClean="0"/>
           </a:p>
         </p:txBody>
       </p:sp>
@@ -8931,7 +9116,7 @@
           <a:p>
             <a:fld id="{6245CCF4-CF1B-4B4B-B5D0-2221EBE362B5}" type="slidenum">
               <a:rPr lang="zh-CN" altLang="en-US" smtClean="0"/>
-              <a:t>12</a:t>
+              <a:t>11</a:t>
             </a:fld>
             <a:endParaRPr lang="zh-CN" altLang="en-US"/>
           </a:p>
@@ -8940,7 +9125,7 @@
     </p:spTree>
     <p:extLst>
       <p:ext uri="{BB962C8B-B14F-4D97-AF65-F5344CB8AC3E}">
-        <p14:creationId xmlns:p14="http://schemas.microsoft.com/office/powerpoint/2010/main" val="3290587185"/>
+        <p14:creationId xmlns:p14="http://schemas.microsoft.com/office/powerpoint/2010/main" val="42549505"/>
       </p:ext>
     </p:extLst>
   </p:cSld>
@@ -9136,7 +9321,7 @@
           <a:p>
             <a:fld id="{3CD8EDAB-281B-495C-B3B1-C831B56AA954}" type="datetimeFigureOut">
               <a:rPr lang="zh-CN" altLang="en-US" smtClean="0"/>
-              <a:t>2021/11/30</a:t>
+              <a:t>2021/12/2</a:t>
             </a:fld>
             <a:endParaRPr lang="zh-CN" altLang="en-US"/>
           </a:p>
@@ -9406,7 +9591,7 @@
           <a:p>
             <a:fld id="{3CD8EDAB-281B-495C-B3B1-C831B56AA954}" type="datetimeFigureOut">
               <a:rPr lang="zh-CN" altLang="en-US" smtClean="0"/>
-              <a:t>2021/11/30</a:t>
+              <a:t>2021/12/2</a:t>
             </a:fld>
             <a:endParaRPr lang="zh-CN" altLang="en-US"/>
           </a:p>
@@ -9595,7 +9780,7 @@
           <a:p>
             <a:fld id="{3CD8EDAB-281B-495C-B3B1-C831B56AA954}" type="datetimeFigureOut">
               <a:rPr lang="zh-CN" altLang="en-US" smtClean="0"/>
-              <a:t>2021/11/30</a:t>
+              <a:t>2021/12/2</a:t>
             </a:fld>
             <a:endParaRPr lang="zh-CN" altLang="en-US"/>
           </a:p>
@@ -9863,7 +10048,7 @@
           <a:p>
             <a:fld id="{3CD8EDAB-281B-495C-B3B1-C831B56AA954}" type="datetimeFigureOut">
               <a:rPr lang="zh-CN" altLang="en-US" smtClean="0"/>
-              <a:t>2021/11/30</a:t>
+              <a:t>2021/12/2</a:t>
             </a:fld>
             <a:endParaRPr lang="zh-CN" altLang="en-US"/>
           </a:p>
@@ -10199,7 +10384,7 @@
           <a:p>
             <a:fld id="{3CD8EDAB-281B-495C-B3B1-C831B56AA954}" type="datetimeFigureOut">
               <a:rPr lang="zh-CN" altLang="en-US" smtClean="0"/>
-              <a:t>2021/11/30</a:t>
+              <a:t>2021/12/2</a:t>
             </a:fld>
             <a:endParaRPr lang="zh-CN" altLang="en-US"/>
           </a:p>
@@ -10817,7 +11002,7 @@
           <a:p>
             <a:fld id="{3CD8EDAB-281B-495C-B3B1-C831B56AA954}" type="datetimeFigureOut">
               <a:rPr lang="zh-CN" altLang="en-US" smtClean="0"/>
-              <a:t>2021/11/30</a:t>
+              <a:t>2021/12/2</a:t>
             </a:fld>
             <a:endParaRPr lang="zh-CN" altLang="en-US"/>
           </a:p>
@@ -11672,7 +11857,7 @@
           <a:p>
             <a:fld id="{3CD8EDAB-281B-495C-B3B1-C831B56AA954}" type="datetimeFigureOut">
               <a:rPr lang="zh-CN" altLang="en-US" smtClean="0"/>
-              <a:t>2021/11/30</a:t>
+              <a:t>2021/12/2</a:t>
             </a:fld>
             <a:endParaRPr lang="zh-CN" altLang="en-US"/>
           </a:p>
@@ -11837,7 +12022,7 @@
           <a:p>
             <a:fld id="{3CD8EDAB-281B-495C-B3B1-C831B56AA954}" type="datetimeFigureOut">
               <a:rPr lang="zh-CN" altLang="en-US" smtClean="0"/>
-              <a:t>2021/11/30</a:t>
+              <a:t>2021/12/2</a:t>
             </a:fld>
             <a:endParaRPr lang="zh-CN" altLang="en-US"/>
           </a:p>
@@ -12012,7 +12197,7 @@
           <a:p>
             <a:fld id="{3CD8EDAB-281B-495C-B3B1-C831B56AA954}" type="datetimeFigureOut">
               <a:rPr lang="zh-CN" altLang="en-US" smtClean="0"/>
-              <a:t>2021/11/30</a:t>
+              <a:t>2021/12/2</a:t>
             </a:fld>
             <a:endParaRPr lang="zh-CN" altLang="en-US"/>
           </a:p>
@@ -12177,7 +12362,7 @@
           <a:p>
             <a:fld id="{3CD8EDAB-281B-495C-B3B1-C831B56AA954}" type="datetimeFigureOut">
               <a:rPr lang="zh-CN" altLang="en-US" smtClean="0"/>
-              <a:t>2021/11/30</a:t>
+              <a:t>2021/12/2</a:t>
             </a:fld>
             <a:endParaRPr lang="zh-CN" altLang="en-US"/>
           </a:p>
@@ -12419,7 +12604,7 @@
           <a:p>
             <a:fld id="{3CD8EDAB-281B-495C-B3B1-C831B56AA954}" type="datetimeFigureOut">
               <a:rPr lang="zh-CN" altLang="en-US" smtClean="0"/>
-              <a:t>2021/11/30</a:t>
+              <a:t>2021/12/2</a:t>
             </a:fld>
             <a:endParaRPr lang="zh-CN" altLang="en-US"/>
           </a:p>
@@ -12706,7 +12891,7 @@
           <a:p>
             <a:fld id="{3CD8EDAB-281B-495C-B3B1-C831B56AA954}" type="datetimeFigureOut">
               <a:rPr lang="zh-CN" altLang="en-US" smtClean="0"/>
-              <a:t>2021/11/30</a:t>
+              <a:t>2021/12/2</a:t>
             </a:fld>
             <a:endParaRPr lang="zh-CN" altLang="en-US"/>
           </a:p>
@@ -13145,7 +13330,7 @@
           <a:p>
             <a:fld id="{3CD8EDAB-281B-495C-B3B1-C831B56AA954}" type="datetimeFigureOut">
               <a:rPr lang="zh-CN" altLang="en-US" smtClean="0"/>
-              <a:t>2021/11/30</a:t>
+              <a:t>2021/12/2</a:t>
             </a:fld>
             <a:endParaRPr lang="zh-CN" altLang="en-US"/>
           </a:p>
@@ -13258,7 +13443,7 @@
           <a:p>
             <a:fld id="{3CD8EDAB-281B-495C-B3B1-C831B56AA954}" type="datetimeFigureOut">
               <a:rPr lang="zh-CN" altLang="en-US" smtClean="0"/>
-              <a:t>2021/11/30</a:t>
+              <a:t>2021/12/2</a:t>
             </a:fld>
             <a:endParaRPr lang="zh-CN" altLang="en-US"/>
           </a:p>
@@ -13348,7 +13533,7 @@
           <a:p>
             <a:fld id="{3CD8EDAB-281B-495C-B3B1-C831B56AA954}" type="datetimeFigureOut">
               <a:rPr lang="zh-CN" altLang="en-US" smtClean="0"/>
-              <a:t>2021/11/30</a:t>
+              <a:t>2021/12/2</a:t>
             </a:fld>
             <a:endParaRPr lang="zh-CN" altLang="en-US"/>
           </a:p>
@@ -13622,7 +13807,7 @@
           <a:p>
             <a:fld id="{3CD8EDAB-281B-495C-B3B1-C831B56AA954}" type="datetimeFigureOut">
               <a:rPr lang="zh-CN" altLang="en-US" smtClean="0"/>
-              <a:t>2021/11/30</a:t>
+              <a:t>2021/12/2</a:t>
             </a:fld>
             <a:endParaRPr lang="zh-CN" altLang="en-US"/>
           </a:p>
@@ -13892,7 +14077,7 @@
           <a:p>
             <a:fld id="{3CD8EDAB-281B-495C-B3B1-C831B56AA954}" type="datetimeFigureOut">
               <a:rPr lang="zh-CN" altLang="en-US" smtClean="0"/>
-              <a:t>2021/11/30</a:t>
+              <a:t>2021/12/2</a:t>
             </a:fld>
             <a:endParaRPr lang="zh-CN" altLang="en-US"/>
           </a:p>
@@ -14324,7 +14509,7 @@
           <a:p>
             <a:fld id="{3CD8EDAB-281B-495C-B3B1-C831B56AA954}" type="datetimeFigureOut">
               <a:rPr lang="zh-CN" altLang="en-US" smtClean="0"/>
-              <a:t>2021/11/30</a:t>
+              <a:t>2021/12/2</a:t>
             </a:fld>
             <a:endParaRPr lang="zh-CN" altLang="en-US"/>
           </a:p>
@@ -14965,12 +15150,38 @@
         </p:nvSpPr>
         <p:spPr/>
         <p:txBody>
-          <a:bodyPr/>
+          <a:bodyPr>
+            <a:normAutofit/>
+          </a:bodyPr>
           <a:lstStyle/>
           <a:p>
+            <a:pPr marL="0" indent="0">
+              <a:buNone/>
+            </a:pPr>
             <a:r>
               <a:rPr lang="zh-CN" altLang="en-US" dirty="0"/>
-              <a:t>零成本抽象</a:t>
+              <a:t>内存安全</a:t>
+            </a:r>
+            <a:r>
+              <a:rPr lang="en-US" altLang="zh-CN" dirty="0"/>
+              <a:t>	</a:t>
+            </a:r>
+          </a:p>
+          <a:p>
+            <a:pPr marL="0" indent="0">
+              <a:buNone/>
+            </a:pPr>
+            <a:r>
+              <a:rPr lang="en-US" altLang="zh-CN" dirty="0"/>
+              <a:t>	</a:t>
+            </a:r>
+            <a:r>
+              <a:rPr lang="en-US" altLang="zh-CN" dirty="0" smtClean="0"/>
+              <a:t>- </a:t>
+            </a:r>
+            <a:r>
+              <a:rPr lang="zh-CN" altLang="en-US" dirty="0"/>
+              <a:t>所有权</a:t>
             </a:r>
             <a:endParaRPr lang="en-US" altLang="zh-CN" dirty="0"/>
           </a:p>
@@ -14980,26 +15191,13 @@
             </a:pPr>
             <a:r>
               <a:rPr lang="en-US" altLang="zh-CN" dirty="0"/>
-              <a:t>	- </a:t>
-            </a:r>
-            <a:r>
-              <a:rPr lang="en-US" altLang="zh-CN" dirty="0" smtClean="0">
-                <a:latin typeface="Times New Roman" panose="02020603050405020304" pitchFamily="18" charset="0"/>
-                <a:cs typeface="Times New Roman" panose="02020603050405020304" pitchFamily="18" charset="0"/>
-              </a:rPr>
-              <a:t>trait</a:t>
-            </a:r>
-            <a:r>
-              <a:rPr lang="zh-CN" altLang="en-US" dirty="0" smtClean="0">
-                <a:latin typeface="Times New Roman" panose="02020603050405020304" pitchFamily="18" charset="0"/>
-                <a:cs typeface="Times New Roman" panose="02020603050405020304" pitchFamily="18" charset="0"/>
-              </a:rPr>
-              <a:t>（限定）</a:t>
-            </a:r>
-            <a:endParaRPr lang="en-US" altLang="zh-CN" dirty="0">
-              <a:latin typeface="Times New Roman" panose="02020603050405020304" pitchFamily="18" charset="0"/>
-              <a:cs typeface="Times New Roman" panose="02020603050405020304" pitchFamily="18" charset="0"/>
-            </a:endParaRPr>
+              <a:t>	-</a:t>
+            </a:r>
+            <a:r>
+              <a:rPr lang="zh-CN" altLang="en-US" dirty="0"/>
+              <a:t> 借用和生命周期</a:t>
+            </a:r>
+            <a:endParaRPr lang="en-US" altLang="zh-CN" dirty="0"/>
           </a:p>
           <a:p>
             <a:pPr marL="0" indent="0">
@@ -15007,23 +15205,19 @@
             </a:pPr>
             <a:r>
               <a:rPr lang="en-US" altLang="zh-CN" dirty="0"/>
-              <a:t>	- </a:t>
+              <a:t>	-</a:t>
             </a:r>
             <a:r>
               <a:rPr lang="zh-CN" altLang="en-US" dirty="0"/>
-              <a:t>泛</a:t>
-            </a:r>
-            <a:r>
-              <a:rPr lang="zh-CN" altLang="en-US" dirty="0" smtClean="0"/>
-              <a:t>型</a:t>
-            </a:r>
+              <a:t> 复杂的内置类型                                                                             </a:t>
+            </a:r>
+            <a:endParaRPr lang="en-US" altLang="zh-CN" dirty="0"/>
+          </a:p>
+          <a:p>
+            <a:pPr marL="0" indent="0">
+              <a:buNone/>
+            </a:pPr>
             <a:endParaRPr lang="en-US" altLang="zh-CN" dirty="0" smtClean="0"/>
-          </a:p>
-          <a:p>
-            <a:pPr marL="0" indent="0">
-              <a:buNone/>
-            </a:pPr>
-            <a:endParaRPr lang="en-US" altLang="zh-CN" dirty="0"/>
           </a:p>
         </p:txBody>
       </p:sp>
@@ -15109,92 +15303,82 @@
         </p:nvSpPr>
         <p:spPr/>
         <p:txBody>
-          <a:bodyPr/>
+          <a:bodyPr>
+            <a:normAutofit/>
+          </a:bodyPr>
           <a:lstStyle/>
           <a:p>
             <a:r>
+              <a:rPr lang="en-US" altLang="zh-CN" dirty="0">
+                <a:latin typeface="Times New Roman" panose="02020603050405020304" pitchFamily="18" charset="0"/>
+                <a:cs typeface="Times New Roman" panose="02020603050405020304" pitchFamily="18" charset="0"/>
+              </a:rPr>
+              <a:t>Rust</a:t>
+            </a:r>
+            <a:r>
+              <a:rPr lang="en-US" altLang="zh-CN" dirty="0"/>
+              <a:t> </a:t>
+            </a:r>
+            <a:r>
               <a:rPr lang="zh-CN" altLang="en-US" dirty="0"/>
-              <a:t>实用性</a:t>
-            </a:r>
-            <a:endParaRPr lang="en-US" altLang="zh-CN" dirty="0"/>
-          </a:p>
-          <a:p>
-            <a:pPr marL="0" indent="0">
-              <a:buNone/>
-            </a:pPr>
-            <a:r>
-              <a:rPr lang="en-US" altLang="zh-CN" dirty="0"/>
-              <a:t>	- </a:t>
+              <a:t>中的每一个值都有一个被称为其 </a:t>
+            </a:r>
+            <a:r>
+              <a:rPr lang="zh-CN" altLang="en-US" b="1" dirty="0"/>
+              <a:t>所有者</a:t>
             </a:r>
             <a:r>
               <a:rPr lang="zh-CN" altLang="en-US" dirty="0"/>
-              <a:t>无畏并发，保证内存安全、并发安全的同时，不会牺牲性能</a:t>
-            </a:r>
-            <a:endParaRPr lang="en-US" altLang="zh-CN" dirty="0"/>
-          </a:p>
-          <a:p>
-            <a:pPr marL="0" indent="0">
-              <a:buNone/>
-            </a:pPr>
-            <a:r>
-              <a:rPr lang="en-US" altLang="zh-CN" dirty="0"/>
-              <a:t>	- </a:t>
+              <a:t>（</a:t>
+            </a:r>
+            <a:r>
+              <a:rPr lang="en-US" altLang="zh-CN" i="1" dirty="0">
+                <a:latin typeface="Times New Roman" panose="02020603050405020304" pitchFamily="18" charset="0"/>
+                <a:cs typeface="Times New Roman" panose="02020603050405020304" pitchFamily="18" charset="0"/>
+              </a:rPr>
+              <a:t>owner</a:t>
             </a:r>
             <a:r>
               <a:rPr lang="zh-CN" altLang="en-US" dirty="0"/>
-              <a:t>方便且零成本的</a:t>
-            </a:r>
-            <a:r>
-              <a:rPr lang="en-US" altLang="zh-CN" dirty="0"/>
-              <a:t>FFI</a:t>
-            </a:r>
+              <a:t>）的变量。</a:t>
+            </a:r>
+          </a:p>
+          <a:p>
             <a:r>
               <a:rPr lang="zh-CN" altLang="en-US" dirty="0"/>
-              <a:t>，兼容</a:t>
-            </a:r>
-            <a:r>
-              <a:rPr lang="en-US" altLang="zh-CN" dirty="0"/>
-              <a:t>C-ABI</a:t>
-            </a:r>
+              <a:t>值在任一时刻有且只有一个所有者。</a:t>
+            </a:r>
+          </a:p>
+          <a:p>
             <a:r>
               <a:rPr lang="zh-CN" altLang="en-US" dirty="0"/>
-              <a:t>，能够接收</a:t>
-            </a:r>
-            <a:r>
-              <a:rPr lang="en-US" altLang="zh-CN" dirty="0"/>
-              <a:t>C</a:t>
-            </a:r>
-            <a:r>
-              <a:rPr lang="zh-CN" altLang="en-US" dirty="0"/>
-              <a:t>语言的遗产</a:t>
-            </a:r>
-            <a:endParaRPr lang="en-US" altLang="zh-CN" dirty="0"/>
-          </a:p>
-          <a:p>
-            <a:pPr marL="0" indent="0">
-              <a:buNone/>
-            </a:pPr>
-            <a:r>
-              <a:rPr lang="en-US" altLang="zh-CN" dirty="0"/>
-              <a:t>	- </a:t>
-            </a:r>
-            <a:r>
-              <a:rPr lang="zh-CN" altLang="en-US" dirty="0"/>
-              <a:t>强大的包管理工具</a:t>
-            </a:r>
-            <a:r>
-              <a:rPr lang="en-US" altLang="zh-CN" dirty="0"/>
-              <a:t>cargo</a:t>
+              <a:t>当所有者（变量）离开作用域，这个值将被丢弃</a:t>
+            </a:r>
+            <a:r>
+              <a:rPr lang="zh-CN" altLang="en-US" dirty="0" smtClean="0"/>
+              <a:t>。</a:t>
             </a:r>
             <a:endParaRPr lang="zh-CN" altLang="en-US" dirty="0"/>
           </a:p>
         </p:txBody>
       </p:sp>
     </p:spTree>
+    <p:extLst>
+      <p:ext uri="{BB962C8B-B14F-4D97-AF65-F5344CB8AC3E}">
+        <p14:creationId xmlns:p14="http://schemas.microsoft.com/office/powerpoint/2010/main" val="675103080"/>
+      </p:ext>
+    </p:extLst>
   </p:cSld>
   <p:clrMapOvr>
     <a:masterClrMapping/>
   </p:clrMapOvr>
+  <p:timing>
+    <p:tnLst>
+      <p:par>
+        <p:cTn id="1" dur="indefinite" restart="never" nodeType="tmRoot"/>
+      </p:par>
+    </p:tnLst>
+  </p:timing>
 </p:sld>
 </file>
 
@@ -15252,7 +15436,7 @@
               <a:rPr lang="zh-CN" altLang="en-US" dirty="0" smtClean="0">
                 <a:latin typeface="+mj-ea"/>
               </a:rPr>
-              <a:t>优劣</a:t>
+              <a:t>特性</a:t>
             </a:r>
             <a:endParaRPr lang="zh-CN" altLang="en-US" dirty="0">
               <a:latin typeface="+mj-ea"/>
@@ -15260,81 +15444,49 @@
           </a:p>
         </p:txBody>
       </p:sp>
-      <p:sp>
-        <p:nvSpPr>
-          <p:cNvPr id="3" name="内容占位符 2"/>
-          <p:cNvSpPr>
-            <a:spLocks noGrp="1"/>
-          </p:cNvSpPr>
+      <p:pic>
+        <p:nvPicPr>
+          <p:cNvPr id="10" name="内容占位符 9"/>
+          <p:cNvPicPr>
+            <a:picLocks noGrp="1" noChangeAspect="1"/>
+          </p:cNvPicPr>
           <p:nvPr>
             <p:ph idx="1"/>
           </p:nvPr>
-        </p:nvSpPr>
-        <p:spPr/>
-        <p:txBody>
-          <a:bodyPr/>
-          <a:lstStyle/>
-          <a:p>
-            <a:r>
-              <a:rPr lang="zh-CN" altLang="en-US" dirty="0"/>
-              <a:t>优点</a:t>
-            </a:r>
-            <a:endParaRPr lang="en-US" altLang="zh-CN" dirty="0"/>
-          </a:p>
-          <a:p>
-            <a:pPr lvl="1"/>
-            <a:r>
-              <a:rPr lang="zh-CN" altLang="en-US" dirty="0"/>
-              <a:t>高效的性能</a:t>
-            </a:r>
-            <a:endParaRPr lang="en-US" altLang="zh-CN" dirty="0"/>
-          </a:p>
-          <a:p>
-            <a:pPr lvl="1"/>
-            <a:r>
-              <a:rPr lang="zh-CN" altLang="en-US" dirty="0"/>
-              <a:t>完备的安全检查</a:t>
-            </a:r>
-            <a:endParaRPr lang="en-US" altLang="zh-CN" dirty="0"/>
-          </a:p>
-          <a:p>
-            <a:r>
-              <a:rPr lang="zh-CN" altLang="en-US" dirty="0"/>
-              <a:t>缺点</a:t>
-            </a:r>
-            <a:endParaRPr lang="en-US" altLang="zh-CN" dirty="0"/>
-          </a:p>
-          <a:p>
-            <a:pPr lvl="1"/>
-            <a:r>
-              <a:rPr lang="zh-CN" altLang="en-US" dirty="0"/>
-              <a:t>学习曲线</a:t>
-            </a:r>
-            <a:r>
-              <a:rPr lang="zh-CN" altLang="en-US" dirty="0" smtClean="0"/>
-              <a:t>陡峭</a:t>
-            </a:r>
-            <a:endParaRPr lang="en-US" altLang="zh-CN" dirty="0" smtClean="0"/>
-          </a:p>
-          <a:p>
-            <a:pPr lvl="1"/>
-            <a:r>
-              <a:rPr lang="zh-CN" altLang="en-US" dirty="0"/>
-              <a:t>生态不够</a:t>
-            </a:r>
-            <a:r>
-              <a:rPr lang="zh-CN" altLang="en-US" dirty="0" smtClean="0"/>
-              <a:t>丰富</a:t>
-            </a:r>
-            <a:endParaRPr lang="zh-CN" altLang="en-US" dirty="0"/>
-          </a:p>
-        </p:txBody>
-      </p:sp>
+        </p:nvPicPr>
+        <p:blipFill>
+          <a:blip r:embed="rId3"/>
+          <a:stretch>
+            <a:fillRect/>
+          </a:stretch>
+        </p:blipFill>
+        <p:spPr>
+          <a:xfrm>
+            <a:off x="352827" y="1581868"/>
+            <a:ext cx="11201400" cy="4457700"/>
+          </a:xfrm>
+          <a:prstGeom prst="rect">
+            <a:avLst/>
+          </a:prstGeom>
+        </p:spPr>
+      </p:pic>
     </p:spTree>
+    <p:extLst>
+      <p:ext uri="{BB962C8B-B14F-4D97-AF65-F5344CB8AC3E}">
+        <p14:creationId xmlns:p14="http://schemas.microsoft.com/office/powerpoint/2010/main" val="776040337"/>
+      </p:ext>
+    </p:extLst>
   </p:cSld>
   <p:clrMapOvr>
     <a:masterClrMapping/>
   </p:clrMapOvr>
+  <p:timing>
+    <p:tnLst>
+      <p:par>
+        <p:cTn id="1" dur="indefinite" restart="never" nodeType="tmRoot"/>
+      </p:par>
+    </p:tnLst>
+  </p:timing>
 </p:sld>
 </file>
 
@@ -15392,7 +15544,7 @@
               <a:rPr lang="zh-CN" altLang="en-US" dirty="0" smtClean="0">
                 <a:latin typeface="+mj-ea"/>
               </a:rPr>
-              <a:t>优劣</a:t>
+              <a:t>特性</a:t>
             </a:r>
             <a:endParaRPr lang="zh-CN" altLang="en-US" dirty="0">
               <a:latin typeface="+mj-ea"/>
@@ -15400,40 +15552,113 @@
           </a:p>
         </p:txBody>
       </p:sp>
-      <p:sp>
-        <p:nvSpPr>
-          <p:cNvPr id="3" name="内容占位符 2"/>
-          <p:cNvSpPr>
-            <a:spLocks noGrp="1"/>
-          </p:cNvSpPr>
+      <p:pic>
+        <p:nvPicPr>
+          <p:cNvPr id="4" name="内容占位符 3"/>
+          <p:cNvPicPr>
+            <a:picLocks noGrp="1" noChangeAspect="1"/>
+          </p:cNvPicPr>
           <p:nvPr>
             <p:ph idx="1"/>
           </p:nvPr>
-        </p:nvSpPr>
-        <p:spPr/>
-        <p:txBody>
-          <a:bodyPr/>
+        </p:nvPicPr>
+        <p:blipFill>
+          <a:blip r:embed="rId3"/>
+          <a:stretch>
+            <a:fillRect/>
+          </a:stretch>
+        </p:blipFill>
+        <p:spPr>
+          <a:xfrm>
+            <a:off x="751700" y="2114827"/>
+            <a:ext cx="4057650" cy="3609975"/>
+          </a:xfrm>
+          <a:prstGeom prst="rect">
+            <a:avLst/>
+          </a:prstGeom>
+        </p:spPr>
+      </p:pic>
+      <p:pic>
+        <p:nvPicPr>
+          <p:cNvPr id="5" name="图片 4"/>
+          <p:cNvPicPr>
+            <a:picLocks noChangeAspect="1"/>
+          </p:cNvPicPr>
+          <p:nvPr/>
+        </p:nvPicPr>
+        <p:blipFill>
+          <a:blip r:embed="rId4"/>
+          <a:stretch>
+            <a:fillRect/>
+          </a:stretch>
+        </p:blipFill>
+        <p:spPr>
+          <a:xfrm>
+            <a:off x="7708603" y="2114827"/>
+            <a:ext cx="4008475" cy="3580904"/>
+          </a:xfrm>
+          <a:prstGeom prst="rect">
+            <a:avLst/>
+          </a:prstGeom>
+        </p:spPr>
+      </p:pic>
+      <p:sp>
+        <p:nvSpPr>
+          <p:cNvPr id="6" name="右箭头 5"/>
+          <p:cNvSpPr/>
+          <p:nvPr/>
+        </p:nvSpPr>
+        <p:spPr>
+          <a:xfrm>
+            <a:off x="5231219" y="3434316"/>
+            <a:ext cx="1871330" cy="776177"/>
+          </a:xfrm>
+          <a:prstGeom prst="rightArrow">
+            <a:avLst/>
+          </a:prstGeom>
+        </p:spPr>
+        <p:style>
+          <a:lnRef idx="2">
+            <a:schemeClr val="accent1">
+              <a:shade val="50000"/>
+            </a:schemeClr>
+          </a:lnRef>
+          <a:fillRef idx="1">
+            <a:schemeClr val="accent1"/>
+          </a:fillRef>
+          <a:effectRef idx="0">
+            <a:schemeClr val="accent1"/>
+          </a:effectRef>
+          <a:fontRef idx="minor">
+            <a:schemeClr val="lt1"/>
+          </a:fontRef>
+        </p:style>
+        <p:txBody>
+          <a:bodyPr rtlCol="0" anchor="ctr"/>
           <a:lstStyle/>
           <a:p>
-            <a:r>
-              <a:rPr lang="zh-CN" altLang="en-US" dirty="0"/>
-              <a:t>学习曲线陡峭</a:t>
-            </a:r>
-            <a:endParaRPr lang="en-US" altLang="zh-CN" dirty="0"/>
-          </a:p>
-          <a:p>
-            <a:r>
-              <a:rPr lang="zh-CN" altLang="en-US" dirty="0"/>
-              <a:t>生态不够丰富</a:t>
-            </a:r>
+            <a:pPr algn="ctr"/>
+            <a:endParaRPr lang="zh-CN" altLang="en-US"/>
           </a:p>
         </p:txBody>
       </p:sp>
     </p:spTree>
+    <p:extLst>
+      <p:ext uri="{BB962C8B-B14F-4D97-AF65-F5344CB8AC3E}">
+        <p14:creationId xmlns:p14="http://schemas.microsoft.com/office/powerpoint/2010/main" val="2637224255"/>
+      </p:ext>
+    </p:extLst>
   </p:cSld>
   <p:clrMapOvr>
     <a:masterClrMapping/>
   </p:clrMapOvr>
+  <p:timing>
+    <p:tnLst>
+      <p:par>
+        <p:cTn id="1" dur="indefinite" restart="never" nodeType="tmRoot"/>
+      </p:par>
+    </p:tnLst>
+  </p:timing>
 </p:sld>
 </file>
 
@@ -15491,7 +15716,7 @@
               <a:rPr lang="zh-CN" altLang="en-US" dirty="0" smtClean="0">
                 <a:latin typeface="+mj-ea"/>
               </a:rPr>
-              <a:t>优劣</a:t>
+              <a:t>特性</a:t>
             </a:r>
             <a:endParaRPr lang="zh-CN" altLang="en-US" dirty="0">
               <a:latin typeface="+mj-ea"/>
@@ -15519,22 +15744,92 @@
             </a:pPr>
             <a:r>
               <a:rPr lang="zh-CN" altLang="en-US" dirty="0" smtClean="0"/>
-              <a:t>图（学习曲线图）</a:t>
-            </a:r>
-            <a:endParaRPr lang="en-US" altLang="zh-CN" dirty="0"/>
+              <a:t>将创建一个指向某个变量的过程称为借用</a:t>
+            </a:r>
+            <a:endParaRPr lang="en-US" altLang="zh-CN" dirty="0" smtClean="0"/>
+          </a:p>
+          <a:p>
+            <a:pPr marL="0" indent="0">
+              <a:buNone/>
+            </a:pPr>
+            <a:r>
+              <a:rPr lang="en-US" altLang="zh-CN" dirty="0" smtClean="0"/>
+              <a:t>	- </a:t>
+            </a:r>
+            <a:r>
+              <a:rPr lang="zh-CN" altLang="en-US" dirty="0" smtClean="0"/>
+              <a:t>在</a:t>
+            </a:r>
+            <a:r>
+              <a:rPr lang="zh-CN" altLang="en-US" dirty="0"/>
+              <a:t>任意给定时间，</a:t>
+            </a:r>
+            <a:r>
+              <a:rPr lang="zh-CN" altLang="en-US" b="1" dirty="0" smtClean="0"/>
+              <a:t>要么</a:t>
+            </a:r>
+            <a:r>
+              <a:rPr lang="zh-CN" altLang="en-US" dirty="0" smtClean="0"/>
+              <a:t>只能</a:t>
+            </a:r>
+            <a:r>
+              <a:rPr lang="zh-CN" altLang="en-US" dirty="0"/>
+              <a:t>有一个可变引用，</a:t>
+            </a:r>
+            <a:r>
+              <a:rPr lang="zh-CN" altLang="en-US" b="1" dirty="0" smtClean="0"/>
+              <a:t>要么</a:t>
+            </a:r>
+            <a:r>
+              <a:rPr lang="zh-CN" altLang="en-US" dirty="0" smtClean="0"/>
+              <a:t>只能</a:t>
+            </a:r>
+            <a:r>
+              <a:rPr lang="zh-CN" altLang="en-US" dirty="0"/>
+              <a:t>有多个不可变引用。</a:t>
+            </a:r>
+          </a:p>
+          <a:p>
+            <a:pPr marL="0" indent="0">
+              <a:buNone/>
+            </a:pPr>
+            <a:r>
+              <a:rPr lang="en-US" altLang="zh-CN" dirty="0" smtClean="0"/>
+              <a:t>   - </a:t>
+            </a:r>
+            <a:r>
+              <a:rPr lang="zh-CN" altLang="en-US" dirty="0" smtClean="0"/>
+              <a:t>引用</a:t>
+            </a:r>
+            <a:r>
+              <a:rPr lang="zh-CN" altLang="en-US" dirty="0"/>
+              <a:t>必须总是有效的</a:t>
+            </a:r>
+            <a:r>
+              <a:rPr lang="zh-CN" altLang="en-US" dirty="0" smtClean="0"/>
+              <a:t>。</a:t>
+            </a:r>
+            <a:endParaRPr lang="zh-CN" altLang="en-US" dirty="0"/>
           </a:p>
         </p:txBody>
       </p:sp>
     </p:spTree>
     <p:extLst>
       <p:ext uri="{BB962C8B-B14F-4D97-AF65-F5344CB8AC3E}">
-        <p14:creationId xmlns:p14="http://schemas.microsoft.com/office/powerpoint/2010/main" val="2341056355"/>
+        <p14:creationId xmlns:p14="http://schemas.microsoft.com/office/powerpoint/2010/main" val="4173458118"/>
       </p:ext>
     </p:extLst>
   </p:cSld>
   <p:clrMapOvr>
     <a:masterClrMapping/>
   </p:clrMapOvr>
+  <p:timing>
+    <p:tnLst>
+      <p:par>
+        <p:cTn id="1" dur="indefinite" restart="never" nodeType="tmRoot"/>
+      </p:par>
+    </p:tnLst>
+  </p:timing>
 </p:sld>
 </file>
 
@@ -15571,94 +15866,78 @@
           <a:lstStyle/>
           <a:p>
             <a:r>
-              <a:rPr kumimoji="1" lang="en-US" altLang="zh-CN" dirty="0" smtClean="0">
+              <a:rPr lang="en-US" altLang="zh-CN" dirty="0">
                 <a:latin typeface="+mj-ea"/>
               </a:rPr>
               <a:t>Rust</a:t>
             </a:r>
             <a:r>
-              <a:rPr kumimoji="1" lang="zh-CN" altLang="en-US" dirty="0" smtClean="0">
+              <a:rPr lang="zh-CN" altLang="en-US" dirty="0" smtClean="0">
                 <a:latin typeface="+mj-ea"/>
               </a:rPr>
-              <a:t>生态和应用</a:t>
-            </a:r>
-            <a:endParaRPr lang="zh-CN" altLang="en-US" dirty="0"/>
-          </a:p>
-        </p:txBody>
-      </p:sp>
-      <p:sp>
-        <p:nvSpPr>
-          <p:cNvPr id="3" name="内容占位符 2"/>
-          <p:cNvSpPr>
-            <a:spLocks noGrp="1"/>
-          </p:cNvSpPr>
+              <a:t>简介</a:t>
+            </a:r>
+            <a:r>
+              <a:rPr lang="en-US" altLang="zh-CN" dirty="0" smtClean="0">
+                <a:latin typeface="+mj-ea"/>
+              </a:rPr>
+              <a:t>-</a:t>
+            </a:r>
+            <a:r>
+              <a:rPr lang="zh-CN" altLang="en-US" dirty="0" smtClean="0">
+                <a:latin typeface="+mj-ea"/>
+              </a:rPr>
+              <a:t>特性</a:t>
+            </a:r>
+            <a:endParaRPr lang="zh-CN" altLang="en-US" dirty="0">
+              <a:latin typeface="+mj-ea"/>
+            </a:endParaRPr>
+          </a:p>
+        </p:txBody>
+      </p:sp>
+      <p:pic>
+        <p:nvPicPr>
+          <p:cNvPr id="8" name="内容占位符 7"/>
+          <p:cNvPicPr>
+            <a:picLocks noGrp="1" noChangeAspect="1"/>
+          </p:cNvPicPr>
           <p:nvPr>
             <p:ph idx="1"/>
           </p:nvPr>
-        </p:nvSpPr>
-        <p:spPr/>
-        <p:txBody>
-          <a:bodyPr/>
-          <a:lstStyle/>
-          <a:p>
-            <a:pPr marL="0" indent="0">
-              <a:buNone/>
-            </a:pPr>
-            <a:r>
-              <a:rPr kumimoji="1" lang="zh-CN" altLang="en-US" dirty="0" smtClean="0"/>
-              <a:t>基础</a:t>
-            </a:r>
-            <a:r>
-              <a:rPr kumimoji="1" lang="zh-CN" altLang="en-US" dirty="0"/>
-              <a:t>库，</a:t>
-            </a:r>
-            <a:r>
-              <a:rPr kumimoji="1" lang="en-US" altLang="zh-CN" dirty="0" err="1"/>
-              <a:t>io</a:t>
-            </a:r>
-            <a:r>
-              <a:rPr kumimoji="1" lang="zh-CN" altLang="en-US" dirty="0"/>
-              <a:t>，网络，数据库，集中在云计算</a:t>
-            </a:r>
-          </a:p>
-          <a:p>
-            <a:pPr marL="0" indent="0">
-              <a:buNone/>
-            </a:pPr>
-            <a:r>
-              <a:rPr kumimoji="1" lang="zh-CN" altLang="en-US" dirty="0"/>
-              <a:t>上层应用，典型的产品，</a:t>
-            </a:r>
-            <a:r>
-              <a:rPr kumimoji="1" lang="en-US" altLang="zh-CN" dirty="0"/>
-              <a:t>go-docker,rust-db,linkerd-proxy,2.0</a:t>
-            </a:r>
-            <a:r>
-              <a:rPr kumimoji="1" lang="zh-CN" altLang="en-US" dirty="0"/>
-              <a:t>（</a:t>
-            </a:r>
-            <a:r>
-              <a:rPr kumimoji="1" lang="en-US" altLang="zh-CN" dirty="0"/>
-              <a:t>envoy</a:t>
-            </a:r>
-            <a:r>
-              <a:rPr kumimoji="1" lang="zh-CN" altLang="en-US" dirty="0" smtClean="0"/>
-              <a:t>）</a:t>
-            </a:r>
-            <a:endParaRPr kumimoji="1" lang="zh-CN" altLang="en-US" dirty="0"/>
-          </a:p>
-        </p:txBody>
-      </p:sp>
+        </p:nvPicPr>
+        <p:blipFill>
+          <a:blip r:embed="rId3"/>
+          <a:stretch>
+            <a:fillRect/>
+          </a:stretch>
+        </p:blipFill>
+        <p:spPr>
+          <a:xfrm>
+            <a:off x="85209" y="2020538"/>
+            <a:ext cx="11963400" cy="4419600"/>
+          </a:xfrm>
+          <a:prstGeom prst="rect">
+            <a:avLst/>
+          </a:prstGeom>
+        </p:spPr>
+      </p:pic>
     </p:spTree>
     <p:extLst>
       <p:ext uri="{BB962C8B-B14F-4D97-AF65-F5344CB8AC3E}">
-        <p14:creationId xmlns:p14="http://schemas.microsoft.com/office/powerpoint/2010/main" val="3376935449"/>
+        <p14:creationId xmlns:p14="http://schemas.microsoft.com/office/powerpoint/2010/main" val="4063286383"/>
       </p:ext>
     </p:extLst>
   </p:cSld>
   <p:clrMapOvr>
     <a:masterClrMapping/>
   </p:clrMapOvr>
+  <p:timing>
+    <p:tnLst>
+      <p:par>
+        <p:cTn id="1" dur="indefinite" restart="never" nodeType="tmRoot"/>
+      </p:par>
+    </p:tnLst>
+  </p:timing>
 </p:sld>
 </file>
 
@@ -15695,90 +15974,78 @@
           <a:lstStyle/>
           <a:p>
             <a:r>
-              <a:rPr kumimoji="1" lang="en-US" altLang="zh-CN" dirty="0" smtClean="0">
+              <a:rPr lang="en-US" altLang="zh-CN" dirty="0">
                 <a:latin typeface="+mj-ea"/>
               </a:rPr>
               <a:t>Rust</a:t>
             </a:r>
             <a:r>
-              <a:rPr kumimoji="1" lang="zh-CN" altLang="en-US" dirty="0" smtClean="0">
+              <a:rPr lang="zh-CN" altLang="en-US" dirty="0" smtClean="0">
                 <a:latin typeface="+mj-ea"/>
               </a:rPr>
-              <a:t>生态和应用</a:t>
-            </a:r>
-            <a:endParaRPr lang="zh-CN" altLang="en-US" dirty="0"/>
-          </a:p>
-        </p:txBody>
-      </p:sp>
-      <p:sp>
-        <p:nvSpPr>
-          <p:cNvPr id="3" name="内容占位符 2"/>
-          <p:cNvSpPr>
-            <a:spLocks noGrp="1"/>
-          </p:cNvSpPr>
+              <a:t>简介</a:t>
+            </a:r>
+            <a:r>
+              <a:rPr lang="en-US" altLang="zh-CN" dirty="0" smtClean="0">
+                <a:latin typeface="+mj-ea"/>
+              </a:rPr>
+              <a:t>-</a:t>
+            </a:r>
+            <a:r>
+              <a:rPr lang="zh-CN" altLang="en-US" dirty="0" smtClean="0">
+                <a:latin typeface="+mj-ea"/>
+              </a:rPr>
+              <a:t>特性</a:t>
+            </a:r>
+            <a:endParaRPr lang="zh-CN" altLang="en-US" dirty="0">
+              <a:latin typeface="+mj-ea"/>
+            </a:endParaRPr>
+          </a:p>
+        </p:txBody>
+      </p:sp>
+      <p:pic>
+        <p:nvPicPr>
+          <p:cNvPr id="4" name="内容占位符 3"/>
+          <p:cNvPicPr>
+            <a:picLocks noGrp="1" noChangeAspect="1"/>
+          </p:cNvPicPr>
           <p:nvPr>
             <p:ph idx="1"/>
           </p:nvPr>
-        </p:nvSpPr>
-        <p:spPr/>
-        <p:txBody>
-          <a:bodyPr/>
-          <a:lstStyle/>
-          <a:p>
-            <a:r>
-              <a:rPr kumimoji="1" lang="en-US" altLang="zh-CN" dirty="0" err="1" smtClean="0">
-                <a:latin typeface="Times New Roman" panose="02020603050405020304" pitchFamily="18" charset="0"/>
-                <a:cs typeface="Times New Roman" panose="02020603050405020304" pitchFamily="18" charset="0"/>
-              </a:rPr>
-              <a:t>Tokio</a:t>
-            </a:r>
-            <a:r>
-              <a:rPr kumimoji="1" lang="zh-CN" altLang="en-US" dirty="0" smtClean="0">
-                <a:latin typeface="Times New Roman" panose="02020603050405020304" pitchFamily="18" charset="0"/>
-                <a:cs typeface="Times New Roman" panose="02020603050405020304" pitchFamily="18" charset="0"/>
-              </a:rPr>
-              <a:t>、</a:t>
-            </a:r>
-            <a:r>
-              <a:rPr kumimoji="1" lang="en-US" altLang="zh-CN" dirty="0" err="1" smtClean="0">
-                <a:latin typeface="Times New Roman" panose="02020603050405020304" pitchFamily="18" charset="0"/>
-                <a:cs typeface="Times New Roman" panose="02020603050405020304" pitchFamily="18" charset="0"/>
-              </a:rPr>
-              <a:t>Tokio_uring</a:t>
-            </a:r>
-            <a:endParaRPr kumimoji="1" lang="en-US" altLang="zh-CN" dirty="0" smtClean="0">
-              <a:latin typeface="Times New Roman" panose="02020603050405020304" pitchFamily="18" charset="0"/>
-              <a:cs typeface="Times New Roman" panose="02020603050405020304" pitchFamily="18" charset="0"/>
-            </a:endParaRPr>
-          </a:p>
-          <a:p>
-            <a:pPr marL="0" indent="0">
-              <a:buNone/>
-            </a:pPr>
-            <a:r>
-              <a:rPr kumimoji="1" lang="zh-CN" altLang="en-US" dirty="0" smtClean="0">
-                <a:latin typeface="Times New Roman" panose="02020603050405020304" pitchFamily="18" charset="0"/>
-                <a:cs typeface="Times New Roman" panose="02020603050405020304" pitchFamily="18" charset="0"/>
-              </a:rPr>
-              <a:t>基础网络库</a:t>
-            </a:r>
-            <a:endParaRPr kumimoji="1" lang="en-US" altLang="zh-CN" dirty="0">
-              <a:latin typeface="Times New Roman" panose="02020603050405020304" pitchFamily="18" charset="0"/>
-              <a:cs typeface="Times New Roman" panose="02020603050405020304" pitchFamily="18" charset="0"/>
-            </a:endParaRPr>
-          </a:p>
-        </p:txBody>
-      </p:sp>
+        </p:nvPicPr>
+        <p:blipFill>
+          <a:blip r:embed="rId3"/>
+          <a:stretch>
+            <a:fillRect/>
+          </a:stretch>
+        </p:blipFill>
+        <p:spPr>
+          <a:xfrm>
+            <a:off x="1995266" y="2413203"/>
+            <a:ext cx="7524750" cy="3219450"/>
+          </a:xfrm>
+          <a:prstGeom prst="rect">
+            <a:avLst/>
+          </a:prstGeom>
+        </p:spPr>
+      </p:pic>
     </p:spTree>
     <p:extLst>
       <p:ext uri="{BB962C8B-B14F-4D97-AF65-F5344CB8AC3E}">
-        <p14:creationId xmlns:p14="http://schemas.microsoft.com/office/powerpoint/2010/main" val="1174511585"/>
+        <p14:creationId xmlns:p14="http://schemas.microsoft.com/office/powerpoint/2010/main" val="3669548072"/>
       </p:ext>
     </p:extLst>
   </p:cSld>
   <p:clrMapOvr>
     <a:masterClrMapping/>
   </p:clrMapOvr>
+  <p:timing>
+    <p:tnLst>
+      <p:par>
+        <p:cTn id="1" dur="indefinite" restart="never" nodeType="tmRoot"/>
+      </p:par>
+    </p:tnLst>
+  </p:timing>
 </p:sld>
 </file>
 
@@ -15815,20 +16082,106 @@
           <a:lstStyle/>
           <a:p>
             <a:r>
-              <a:rPr lang="zh-CN" altLang="en-US" dirty="0"/>
-              <a:t>相关资料</a:t>
-            </a:r>
-          </a:p>
-        </p:txBody>
-      </p:sp>
-      <p:sp>
-        <p:nvSpPr>
-          <p:cNvPr id="3" name="内容占位符 2"/>
+              <a:rPr lang="en-US" altLang="zh-CN" dirty="0">
+                <a:latin typeface="+mj-ea"/>
+              </a:rPr>
+              <a:t>Rust</a:t>
+            </a:r>
+            <a:r>
+              <a:rPr lang="zh-CN" altLang="en-US" dirty="0" smtClean="0">
+                <a:latin typeface="+mj-ea"/>
+              </a:rPr>
+              <a:t>简介</a:t>
+            </a:r>
+            <a:r>
+              <a:rPr lang="en-US" altLang="zh-CN" dirty="0" smtClean="0">
+                <a:latin typeface="+mj-ea"/>
+              </a:rPr>
+              <a:t>-</a:t>
+            </a:r>
+            <a:r>
+              <a:rPr lang="zh-CN" altLang="en-US" dirty="0" smtClean="0">
+                <a:latin typeface="+mj-ea"/>
+              </a:rPr>
+              <a:t>特性</a:t>
+            </a:r>
+            <a:endParaRPr lang="zh-CN" altLang="en-US" dirty="0">
+              <a:latin typeface="+mj-ea"/>
+            </a:endParaRPr>
+          </a:p>
+        </p:txBody>
+      </p:sp>
+      <p:pic>
+        <p:nvPicPr>
+          <p:cNvPr id="4" name="内容占位符 3"/>
+          <p:cNvPicPr>
+            <a:picLocks noGrp="1" noChangeAspect="1"/>
+          </p:cNvPicPr>
+          <p:nvPr>
+            <p:ph idx="1"/>
+          </p:nvPr>
+        </p:nvPicPr>
+        <p:blipFill>
+          <a:blip r:embed="rId3"/>
+          <a:stretch>
+            <a:fillRect/>
+          </a:stretch>
+        </p:blipFill>
+        <p:spPr>
+          <a:xfrm>
+            <a:off x="1995266" y="2413203"/>
+            <a:ext cx="7524750" cy="3219450"/>
+          </a:xfrm>
+          <a:prstGeom prst="rect">
+            <a:avLst/>
+          </a:prstGeom>
+        </p:spPr>
+      </p:pic>
+    </p:spTree>
+    <p:extLst>
+      <p:ext uri="{BB962C8B-B14F-4D97-AF65-F5344CB8AC3E}">
+        <p14:creationId xmlns:p14="http://schemas.microsoft.com/office/powerpoint/2010/main" val="2846198432"/>
+      </p:ext>
+    </p:extLst>
+  </p:cSld>
+  <p:clrMapOvr>
+    <a:masterClrMapping/>
+  </p:clrMapOvr>
+  <p:timing>
+    <p:tnLst>
+      <p:par>
+        <p:cTn id="1" dur="indefinite" restart="never" nodeType="tmRoot"/>
+      </p:par>
+    </p:tnLst>
+  </p:timing>
+</p:sld>
+</file>
+
+<file path=ppt/slides/slide18.xml><?xml version="1.0" encoding="utf-8"?>
+<p:sld xmlns:a="http://schemas.openxmlformats.org/drawingml/2006/main" xmlns:r="http://schemas.openxmlformats.org/officeDocument/2006/relationships" xmlns:p="http://schemas.openxmlformats.org/presentationml/2006/main">
+  <p:cSld>
+    <p:spTree>
+      <p:nvGrpSpPr>
+        <p:cNvPr id="1" name=""/>
+        <p:cNvGrpSpPr/>
+        <p:nvPr/>
+      </p:nvGrpSpPr>
+      <p:grpSpPr>
+        <a:xfrm>
+          <a:off x="0" y="0"/>
+          <a:ext cx="0" cy="0"/>
+          <a:chOff x="0" y="0"/>
+          <a:chExt cx="0" cy="0"/>
+        </a:xfrm>
+      </p:grpSpPr>
+      <p:sp>
+        <p:nvSpPr>
+          <p:cNvPr id="2" name="标题 1"/>
           <p:cNvSpPr>
             <a:spLocks noGrp="1"/>
           </p:cNvSpPr>
           <p:nvPr>
-            <p:ph idx="1"/>
+            <p:ph type="title"/>
           </p:nvPr>
         </p:nvSpPr>
         <p:spPr/>
@@ -15838,109 +16191,109 @@
           <a:p>
             <a:r>
               <a:rPr lang="en-US" altLang="zh-CN" dirty="0">
-                <a:latin typeface="Times New Roman" panose="02020603050405020304" pitchFamily="18" charset="0"/>
-                <a:cs typeface="Times New Roman" panose="02020603050405020304" pitchFamily="18" charset="0"/>
-                <a:hlinkClick r:id="rId2"/>
+                <a:latin typeface="+mj-ea"/>
               </a:rPr>
-              <a:t>http://venge.net/graydon/talks/intro-talk-2.pdf</a:t>
-            </a:r>
-            <a:r>
-              <a:rPr lang="en-US" altLang="zh-CN" dirty="0">
+              <a:t>Rust</a:t>
+            </a:r>
+            <a:r>
+              <a:rPr lang="zh-CN" altLang="en-US" dirty="0" smtClean="0">
+                <a:latin typeface="+mj-ea"/>
+              </a:rPr>
+              <a:t>简介</a:t>
+            </a:r>
+            <a:r>
+              <a:rPr lang="en-US" altLang="zh-CN" dirty="0" smtClean="0">
+                <a:latin typeface="+mj-ea"/>
+              </a:rPr>
+              <a:t>-</a:t>
+            </a:r>
+            <a:r>
+              <a:rPr lang="zh-CN" altLang="en-US" dirty="0" smtClean="0">
+                <a:latin typeface="+mj-ea"/>
+              </a:rPr>
+              <a:t>特性</a:t>
+            </a:r>
+            <a:endParaRPr lang="zh-CN" altLang="en-US" dirty="0">
+              <a:latin typeface="+mj-ea"/>
+            </a:endParaRPr>
+          </a:p>
+        </p:txBody>
+      </p:sp>
+      <p:sp>
+        <p:nvSpPr>
+          <p:cNvPr id="3" name="内容占位符 2"/>
+          <p:cNvSpPr>
+            <a:spLocks noGrp="1"/>
+          </p:cNvSpPr>
+          <p:nvPr>
+            <p:ph idx="1"/>
+          </p:nvPr>
+        </p:nvSpPr>
+        <p:spPr/>
+        <p:txBody>
+          <a:bodyPr/>
+          <a:lstStyle/>
+          <a:p>
+            <a:r>
+              <a:rPr lang="zh-CN" altLang="en-US" dirty="0"/>
+              <a:t>零成本抽象</a:t>
+            </a:r>
+            <a:endParaRPr lang="en-US" altLang="zh-CN" dirty="0"/>
+          </a:p>
+          <a:p>
+            <a:pPr marL="0" indent="0">
+              <a:buNone/>
+            </a:pPr>
+            <a:r>
+              <a:rPr lang="en-US" altLang="zh-CN" dirty="0"/>
+              <a:t>	- </a:t>
+            </a:r>
+            <a:r>
+              <a:rPr lang="en-US" altLang="zh-CN" dirty="0" smtClean="0">
                 <a:latin typeface="Times New Roman" panose="02020603050405020304" pitchFamily="18" charset="0"/>
                 <a:cs typeface="Times New Roman" panose="02020603050405020304" pitchFamily="18" charset="0"/>
               </a:rPr>
-              <a:t> </a:t>
-            </a:r>
-            <a:r>
-              <a:rPr lang="zh-CN" altLang="en-US" dirty="0">
-                <a:latin typeface="+mn-ea"/>
-                <a:ea typeface="+mn-ea"/>
-              </a:rPr>
-              <a:t>首次正式公开</a:t>
-            </a:r>
-            <a:r>
-              <a:rPr lang="en-US" altLang="zh-CN" dirty="0">
-                <a:latin typeface="Times New Roman" panose="02020603050405020304" pitchFamily="18" charset="0"/>
-                <a:ea typeface="+mn-ea"/>
-                <a:cs typeface="Times New Roman" panose="02020603050405020304" pitchFamily="18" charset="0"/>
-              </a:rPr>
-              <a:t>Rust</a:t>
-            </a:r>
-            <a:r>
-              <a:rPr lang="zh-CN" altLang="en-US" dirty="0">
-                <a:latin typeface="Times New Roman" panose="02020603050405020304" pitchFamily="18" charset="0"/>
-                <a:ea typeface="+mn-ea"/>
-                <a:cs typeface="Times New Roman" panose="02020603050405020304" pitchFamily="18" charset="0"/>
-              </a:rPr>
-              <a:t>，并开始进行了首个</a:t>
-            </a:r>
-            <a:r>
-              <a:rPr lang="en-US" altLang="zh-CN" dirty="0">
-                <a:latin typeface="Times New Roman" panose="02020603050405020304" pitchFamily="18" charset="0"/>
-                <a:ea typeface="+mn-ea"/>
-                <a:cs typeface="Times New Roman" panose="02020603050405020304" pitchFamily="18" charset="0"/>
-              </a:rPr>
-              <a:t>Rust</a:t>
-            </a:r>
-            <a:r>
-              <a:rPr lang="zh-CN" altLang="en-US" dirty="0">
-                <a:latin typeface="Times New Roman" panose="02020603050405020304" pitchFamily="18" charset="0"/>
-                <a:ea typeface="+mn-ea"/>
-                <a:cs typeface="Times New Roman" panose="02020603050405020304" pitchFamily="18" charset="0"/>
-              </a:rPr>
-              <a:t>项目</a:t>
-            </a:r>
-            <a:r>
-              <a:rPr lang="en-US" altLang="zh-CN" dirty="0">
-                <a:latin typeface="Times New Roman" panose="02020603050405020304" pitchFamily="18" charset="0"/>
-                <a:ea typeface="+mn-ea"/>
-                <a:cs typeface="Times New Roman" panose="02020603050405020304" pitchFamily="18" charset="0"/>
-              </a:rPr>
-              <a:t>servo</a:t>
-            </a:r>
-            <a:r>
-              <a:rPr lang="zh-CN" altLang="en-US" dirty="0">
-                <a:latin typeface="Times New Roman" panose="02020603050405020304" pitchFamily="18" charset="0"/>
-                <a:ea typeface="+mn-ea"/>
-                <a:cs typeface="Times New Roman" panose="02020603050405020304" pitchFamily="18" charset="0"/>
-              </a:rPr>
-              <a:t>的开发</a:t>
-            </a:r>
-            <a:endParaRPr lang="en-US" altLang="zh-CN" dirty="0">
-              <a:latin typeface="Times New Roman" panose="02020603050405020304" pitchFamily="18" charset="0"/>
-              <a:ea typeface="+mn-ea"/>
-              <a:cs typeface="Times New Roman" panose="02020603050405020304" pitchFamily="18" charset="0"/>
-            </a:endParaRPr>
-          </a:p>
-          <a:p>
-            <a:r>
-              <a:rPr lang="en-US" altLang="zh-CN" dirty="0">
-                <a:latin typeface="Times New Roman" panose="02020603050405020304" pitchFamily="18" charset="0"/>
-                <a:cs typeface="Times New Roman" panose="02020603050405020304" pitchFamily="18" charset="0"/>
-                <a:hlinkClick r:id="rId3"/>
-              </a:rPr>
-              <a:t>https://foundation.rust-lang.org/</a:t>
-            </a:r>
-            <a:r>
-              <a:rPr lang="en-US" altLang="zh-CN" dirty="0">
+              <a:t>trait</a:t>
+            </a:r>
+            <a:r>
+              <a:rPr lang="zh-CN" altLang="en-US" dirty="0" smtClean="0">
                 <a:latin typeface="Times New Roman" panose="02020603050405020304" pitchFamily="18" charset="0"/>
                 <a:cs typeface="Times New Roman" panose="02020603050405020304" pitchFamily="18" charset="0"/>
               </a:rPr>
-              <a:t> Rust</a:t>
-            </a:r>
-            <a:r>
-              <a:rPr lang="zh-CN" altLang="en-US" dirty="0">
-                <a:latin typeface="Times New Roman" panose="02020603050405020304" pitchFamily="18" charset="0"/>
-                <a:cs typeface="Times New Roman" panose="02020603050405020304" pitchFamily="18" charset="0"/>
-              </a:rPr>
-              <a:t>基金会官网</a:t>
-            </a:r>
-          </a:p>
-          <a:p>
-            <a:endParaRPr lang="zh-CN" altLang="en-US" dirty="0">
-              <a:latin typeface="+mn-ea"/>
-              <a:ea typeface="+mn-ea"/>
+              <a:t>（限定）</a:t>
+            </a:r>
+            <a:endParaRPr lang="en-US" altLang="zh-CN" dirty="0">
+              <a:latin typeface="Times New Roman" panose="02020603050405020304" pitchFamily="18" charset="0"/>
+              <a:cs typeface="Times New Roman" panose="02020603050405020304" pitchFamily="18" charset="0"/>
             </a:endParaRPr>
+          </a:p>
+          <a:p>
+            <a:pPr marL="0" indent="0">
+              <a:buNone/>
+            </a:pPr>
+            <a:r>
+              <a:rPr lang="en-US" altLang="zh-CN" dirty="0"/>
+              <a:t>	- </a:t>
+            </a:r>
+            <a:r>
+              <a:rPr lang="zh-CN" altLang="en-US" dirty="0"/>
+              <a:t>泛</a:t>
+            </a:r>
+            <a:r>
+              <a:rPr lang="zh-CN" altLang="en-US" dirty="0" smtClean="0"/>
+              <a:t>型</a:t>
+            </a:r>
+            <a:r>
+              <a:rPr lang="zh-CN" altLang="en-US" dirty="0" smtClean="0"/>
+              <a:t>，代码展开实现</a:t>
+            </a:r>
+            <a:endParaRPr lang="en-US" altLang="zh-CN" dirty="0" smtClean="0"/>
+          </a:p>
+          <a:p>
+            <a:pPr marL="0" indent="0">
+              <a:buNone/>
+            </a:pPr>
+            <a:endParaRPr lang="en-US" altLang="zh-CN" dirty="0"/>
           </a:p>
         </p:txBody>
       </p:sp>
@@ -15949,6 +16302,187 @@
   <p:clrMapOvr>
     <a:masterClrMapping/>
   </p:clrMapOvr>
+  <p:timing>
+    <p:tnLst>
+      <p:par>
+        <p:cTn id="1" dur="indefinite" restart="never" nodeType="tmRoot"/>
+      </p:par>
+    </p:tnLst>
+  </p:timing>
+</p:sld>
+</file>
+
+<file path=ppt/slides/slide19.xml><?xml version="1.0" encoding="utf-8"?>
+<p:sld xmlns:a="http://schemas.openxmlformats.org/drawingml/2006/main" xmlns:r="http://schemas.openxmlformats.org/officeDocument/2006/relationships" xmlns:p="http://schemas.openxmlformats.org/presentationml/2006/main">
+  <p:cSld>
+    <p:spTree>
+      <p:nvGrpSpPr>
+        <p:cNvPr id="1" name=""/>
+        <p:cNvGrpSpPr/>
+        <p:nvPr/>
+      </p:nvGrpSpPr>
+      <p:grpSpPr>
+        <a:xfrm>
+          <a:off x="0" y="0"/>
+          <a:ext cx="0" cy="0"/>
+          <a:chOff x="0" y="0"/>
+          <a:chExt cx="0" cy="0"/>
+        </a:xfrm>
+      </p:grpSpPr>
+      <p:sp>
+        <p:nvSpPr>
+          <p:cNvPr id="2" name="标题 1"/>
+          <p:cNvSpPr>
+            <a:spLocks noGrp="1"/>
+          </p:cNvSpPr>
+          <p:nvPr>
+            <p:ph type="title"/>
+          </p:nvPr>
+        </p:nvSpPr>
+        <p:spPr/>
+        <p:txBody>
+          <a:bodyPr/>
+          <a:lstStyle/>
+          <a:p>
+            <a:r>
+              <a:rPr lang="en-US" altLang="zh-CN" dirty="0">
+                <a:latin typeface="+mj-ea"/>
+              </a:rPr>
+              <a:t>Rust</a:t>
+            </a:r>
+            <a:r>
+              <a:rPr lang="zh-CN" altLang="en-US" dirty="0" smtClean="0">
+                <a:latin typeface="+mj-ea"/>
+              </a:rPr>
+              <a:t>简介</a:t>
+            </a:r>
+            <a:r>
+              <a:rPr lang="en-US" altLang="zh-CN" dirty="0" smtClean="0">
+                <a:latin typeface="+mj-ea"/>
+              </a:rPr>
+              <a:t>-</a:t>
+            </a:r>
+            <a:r>
+              <a:rPr lang="zh-CN" altLang="en-US" dirty="0" smtClean="0">
+                <a:latin typeface="+mj-ea"/>
+              </a:rPr>
+              <a:t>特性</a:t>
+            </a:r>
+            <a:endParaRPr lang="zh-CN" altLang="en-US" dirty="0">
+              <a:latin typeface="+mj-ea"/>
+            </a:endParaRPr>
+          </a:p>
+        </p:txBody>
+      </p:sp>
+      <p:sp>
+        <p:nvSpPr>
+          <p:cNvPr id="3" name="内容占位符 2"/>
+          <p:cNvSpPr>
+            <a:spLocks noGrp="1"/>
+          </p:cNvSpPr>
+          <p:nvPr>
+            <p:ph idx="1"/>
+          </p:nvPr>
+        </p:nvSpPr>
+        <p:spPr/>
+        <p:txBody>
+          <a:bodyPr/>
+          <a:lstStyle/>
+          <a:p>
+            <a:r>
+              <a:rPr lang="zh-CN" altLang="en-US" dirty="0"/>
+              <a:t>零成本抽象</a:t>
+            </a:r>
+            <a:endParaRPr lang="en-US" altLang="zh-CN" dirty="0"/>
+          </a:p>
+          <a:p>
+            <a:pPr marL="0" indent="0">
+              <a:buNone/>
+            </a:pPr>
+            <a:r>
+              <a:rPr lang="en-US" altLang="zh-CN" dirty="0"/>
+              <a:t>	- </a:t>
+            </a:r>
+            <a:r>
+              <a:rPr lang="en-US" altLang="zh-CN" dirty="0" smtClean="0">
+                <a:latin typeface="Times New Roman" panose="02020603050405020304" pitchFamily="18" charset="0"/>
+                <a:cs typeface="Times New Roman" panose="02020603050405020304" pitchFamily="18" charset="0"/>
+              </a:rPr>
+              <a:t>trait</a:t>
+            </a:r>
+            <a:r>
+              <a:rPr lang="zh-CN" altLang="en-US" dirty="0" smtClean="0">
+                <a:latin typeface="Times New Roman" panose="02020603050405020304" pitchFamily="18" charset="0"/>
+                <a:cs typeface="Times New Roman" panose="02020603050405020304" pitchFamily="18" charset="0"/>
+              </a:rPr>
+              <a:t>（限定）</a:t>
+            </a:r>
+            <a:endParaRPr lang="en-US" altLang="zh-CN" dirty="0">
+              <a:latin typeface="Times New Roman" panose="02020603050405020304" pitchFamily="18" charset="0"/>
+              <a:cs typeface="Times New Roman" panose="02020603050405020304" pitchFamily="18" charset="0"/>
+            </a:endParaRPr>
+          </a:p>
+          <a:p>
+            <a:pPr marL="0" indent="0">
+              <a:buNone/>
+            </a:pPr>
+            <a:r>
+              <a:rPr lang="en-US" altLang="zh-CN" dirty="0"/>
+              <a:t>	- </a:t>
+            </a:r>
+            <a:r>
+              <a:rPr lang="zh-CN" altLang="en-US" dirty="0"/>
+              <a:t>泛</a:t>
+            </a:r>
+            <a:r>
+              <a:rPr lang="zh-CN" altLang="en-US" dirty="0" smtClean="0"/>
+              <a:t>型</a:t>
+            </a:r>
+            <a:endParaRPr lang="en-US" altLang="zh-CN" dirty="0" smtClean="0"/>
+          </a:p>
+          <a:p>
+            <a:pPr marL="0" indent="0">
+              <a:buNone/>
+            </a:pPr>
+            <a:r>
+              <a:rPr lang="zh-CN" altLang="en-US" dirty="0" smtClean="0"/>
+              <a:t>插图，</a:t>
+            </a:r>
+            <a:r>
+              <a:rPr lang="en-US" altLang="zh-CN" dirty="0" smtClean="0"/>
+              <a:t>MIR,</a:t>
+            </a:r>
+            <a:r>
+              <a:rPr lang="zh-CN" altLang="en-US" dirty="0" smtClean="0"/>
+              <a:t>中间代码。</a:t>
+            </a:r>
+            <a:endParaRPr lang="en-US" altLang="zh-CN" dirty="0" smtClean="0"/>
+          </a:p>
+          <a:p>
+            <a:pPr marL="0" indent="0">
+              <a:buNone/>
+            </a:pPr>
+            <a:endParaRPr lang="en-US" altLang="zh-CN" dirty="0"/>
+          </a:p>
+        </p:txBody>
+      </p:sp>
+    </p:spTree>
+    <p:extLst>
+      <p:ext uri="{BB962C8B-B14F-4D97-AF65-F5344CB8AC3E}">
+        <p14:creationId xmlns:p14="http://schemas.microsoft.com/office/powerpoint/2010/main" val="3870922295"/>
+      </p:ext>
+    </p:extLst>
+  </p:cSld>
+  <p:clrMapOvr>
+    <a:masterClrMapping/>
+  </p:clrMapOvr>
+  <p:timing>
+    <p:tnLst>
+      <p:par>
+        <p:cTn id="1" dur="indefinite" restart="never" nodeType="tmRoot"/>
+      </p:par>
+    </p:tnLst>
+  </p:timing>
 </p:sld>
 </file>
 
@@ -15993,6 +16527,957 @@
 </p:sld>
 </file>
 
+<file path=ppt/slides/slide20.xml><?xml version="1.0" encoding="utf-8"?>
+<p:sld xmlns:a="http://schemas.openxmlformats.org/drawingml/2006/main" xmlns:r="http://schemas.openxmlformats.org/officeDocument/2006/relationships" xmlns:p="http://schemas.openxmlformats.org/presentationml/2006/main">
+  <p:cSld>
+    <p:spTree>
+      <p:nvGrpSpPr>
+        <p:cNvPr id="1" name=""/>
+        <p:cNvGrpSpPr/>
+        <p:nvPr/>
+      </p:nvGrpSpPr>
+      <p:grpSpPr>
+        <a:xfrm>
+          <a:off x="0" y="0"/>
+          <a:ext cx="0" cy="0"/>
+          <a:chOff x="0" y="0"/>
+          <a:chExt cx="0" cy="0"/>
+        </a:xfrm>
+      </p:grpSpPr>
+      <p:sp>
+        <p:nvSpPr>
+          <p:cNvPr id="2" name="标题 1"/>
+          <p:cNvSpPr>
+            <a:spLocks noGrp="1"/>
+          </p:cNvSpPr>
+          <p:nvPr>
+            <p:ph type="title"/>
+          </p:nvPr>
+        </p:nvSpPr>
+        <p:spPr/>
+        <p:txBody>
+          <a:bodyPr/>
+          <a:lstStyle/>
+          <a:p>
+            <a:r>
+              <a:rPr lang="en-US" altLang="zh-CN" dirty="0">
+                <a:latin typeface="+mj-ea"/>
+              </a:rPr>
+              <a:t>Rust</a:t>
+            </a:r>
+            <a:r>
+              <a:rPr lang="zh-CN" altLang="en-US" dirty="0" smtClean="0">
+                <a:latin typeface="+mj-ea"/>
+              </a:rPr>
+              <a:t>简介</a:t>
+            </a:r>
+            <a:r>
+              <a:rPr lang="en-US" altLang="zh-CN" dirty="0" smtClean="0">
+                <a:latin typeface="+mj-ea"/>
+              </a:rPr>
+              <a:t>-</a:t>
+            </a:r>
+            <a:r>
+              <a:rPr lang="zh-CN" altLang="en-US" dirty="0" smtClean="0">
+                <a:latin typeface="+mj-ea"/>
+              </a:rPr>
+              <a:t>特性</a:t>
+            </a:r>
+            <a:endParaRPr lang="zh-CN" altLang="en-US" dirty="0">
+              <a:latin typeface="+mj-ea"/>
+            </a:endParaRPr>
+          </a:p>
+        </p:txBody>
+      </p:sp>
+      <p:sp>
+        <p:nvSpPr>
+          <p:cNvPr id="3" name="内容占位符 2"/>
+          <p:cNvSpPr>
+            <a:spLocks noGrp="1"/>
+          </p:cNvSpPr>
+          <p:nvPr>
+            <p:ph idx="1"/>
+          </p:nvPr>
+        </p:nvSpPr>
+        <p:spPr/>
+        <p:txBody>
+          <a:bodyPr/>
+          <a:lstStyle/>
+          <a:p>
+            <a:r>
+              <a:rPr lang="zh-CN" altLang="en-US" dirty="0"/>
+              <a:t>实用性</a:t>
+            </a:r>
+            <a:endParaRPr lang="en-US" altLang="zh-CN" dirty="0"/>
+          </a:p>
+          <a:p>
+            <a:pPr marL="0" indent="0">
+              <a:buNone/>
+            </a:pPr>
+            <a:r>
+              <a:rPr lang="en-US" altLang="zh-CN" dirty="0"/>
+              <a:t>	- </a:t>
+            </a:r>
+            <a:r>
+              <a:rPr lang="zh-CN" altLang="en-US" dirty="0"/>
+              <a:t>无畏并发，保证内存安全、并发安全的同时，不会牺牲性能</a:t>
+            </a:r>
+            <a:endParaRPr lang="en-US" altLang="zh-CN" dirty="0"/>
+          </a:p>
+          <a:p>
+            <a:pPr marL="0" indent="0">
+              <a:buNone/>
+            </a:pPr>
+            <a:r>
+              <a:rPr lang="en-US" altLang="zh-CN" dirty="0"/>
+              <a:t>	- </a:t>
+            </a:r>
+            <a:r>
+              <a:rPr lang="zh-CN" altLang="en-US" dirty="0"/>
+              <a:t>方便且零成本的</a:t>
+            </a:r>
+            <a:r>
+              <a:rPr lang="en-US" altLang="zh-CN" dirty="0"/>
+              <a:t>FFI</a:t>
+            </a:r>
+            <a:r>
+              <a:rPr lang="zh-CN" altLang="en-US" dirty="0"/>
+              <a:t>，兼容</a:t>
+            </a:r>
+            <a:r>
+              <a:rPr lang="en-US" altLang="zh-CN" dirty="0"/>
+              <a:t>C-ABI</a:t>
+            </a:r>
+            <a:r>
+              <a:rPr lang="zh-CN" altLang="en-US" dirty="0"/>
+              <a:t>，能够接收</a:t>
+            </a:r>
+            <a:r>
+              <a:rPr lang="en-US" altLang="zh-CN" dirty="0"/>
+              <a:t>C</a:t>
+            </a:r>
+            <a:r>
+              <a:rPr lang="zh-CN" altLang="en-US" dirty="0"/>
+              <a:t>语言的遗产</a:t>
+            </a:r>
+            <a:endParaRPr lang="en-US" altLang="zh-CN" dirty="0"/>
+          </a:p>
+          <a:p>
+            <a:pPr marL="0" indent="0">
+              <a:buNone/>
+            </a:pPr>
+            <a:r>
+              <a:rPr lang="en-US" altLang="zh-CN" dirty="0"/>
+              <a:t>	- </a:t>
+            </a:r>
+            <a:r>
+              <a:rPr lang="zh-CN" altLang="en-US" dirty="0"/>
+              <a:t>强大的包管理工具</a:t>
+            </a:r>
+            <a:r>
+              <a:rPr lang="en-US" altLang="zh-CN" dirty="0"/>
+              <a:t>cargo</a:t>
+            </a:r>
+            <a:endParaRPr lang="zh-CN" altLang="en-US" dirty="0"/>
+          </a:p>
+        </p:txBody>
+      </p:sp>
+    </p:spTree>
+  </p:cSld>
+  <p:clrMapOvr>
+    <a:masterClrMapping/>
+  </p:clrMapOvr>
+  <p:timing>
+    <p:tnLst>
+      <p:par>
+        <p:cTn id="1" dur="indefinite" restart="never" nodeType="tmRoot"/>
+      </p:par>
+    </p:tnLst>
+  </p:timing>
+</p:sld>
+</file>
+
+<file path=ppt/slides/slide21.xml><?xml version="1.0" encoding="utf-8"?>
+<p:sld xmlns:a="http://schemas.openxmlformats.org/drawingml/2006/main" xmlns:r="http://schemas.openxmlformats.org/officeDocument/2006/relationships" xmlns:p="http://schemas.openxmlformats.org/presentationml/2006/main">
+  <p:cSld>
+    <p:spTree>
+      <p:nvGrpSpPr>
+        <p:cNvPr id="1" name=""/>
+        <p:cNvGrpSpPr/>
+        <p:nvPr/>
+      </p:nvGrpSpPr>
+      <p:grpSpPr>
+        <a:xfrm>
+          <a:off x="0" y="0"/>
+          <a:ext cx="0" cy="0"/>
+          <a:chOff x="0" y="0"/>
+          <a:chExt cx="0" cy="0"/>
+        </a:xfrm>
+      </p:grpSpPr>
+      <p:sp>
+        <p:nvSpPr>
+          <p:cNvPr id="2" name="标题 1"/>
+          <p:cNvSpPr>
+            <a:spLocks noGrp="1"/>
+          </p:cNvSpPr>
+          <p:nvPr>
+            <p:ph type="title"/>
+          </p:nvPr>
+        </p:nvSpPr>
+        <p:spPr/>
+        <p:txBody>
+          <a:bodyPr/>
+          <a:lstStyle/>
+          <a:p>
+            <a:r>
+              <a:rPr lang="en-US" altLang="zh-CN" dirty="0">
+                <a:latin typeface="+mj-ea"/>
+              </a:rPr>
+              <a:t>Rust</a:t>
+            </a:r>
+            <a:r>
+              <a:rPr lang="zh-CN" altLang="en-US" dirty="0" smtClean="0">
+                <a:latin typeface="+mj-ea"/>
+              </a:rPr>
+              <a:t>简介</a:t>
+            </a:r>
+            <a:r>
+              <a:rPr lang="en-US" altLang="zh-CN" dirty="0" smtClean="0">
+                <a:latin typeface="+mj-ea"/>
+              </a:rPr>
+              <a:t>-</a:t>
+            </a:r>
+            <a:r>
+              <a:rPr lang="zh-CN" altLang="en-US" dirty="0" smtClean="0">
+                <a:latin typeface="+mj-ea"/>
+              </a:rPr>
+              <a:t>优劣</a:t>
+            </a:r>
+            <a:endParaRPr lang="zh-CN" altLang="en-US" dirty="0">
+              <a:latin typeface="+mj-ea"/>
+            </a:endParaRPr>
+          </a:p>
+        </p:txBody>
+      </p:sp>
+      <p:sp>
+        <p:nvSpPr>
+          <p:cNvPr id="3" name="内容占位符 2"/>
+          <p:cNvSpPr>
+            <a:spLocks noGrp="1"/>
+          </p:cNvSpPr>
+          <p:nvPr>
+            <p:ph idx="1"/>
+          </p:nvPr>
+        </p:nvSpPr>
+        <p:spPr/>
+        <p:txBody>
+          <a:bodyPr/>
+          <a:lstStyle/>
+          <a:p>
+            <a:r>
+              <a:rPr lang="zh-CN" altLang="en-US" dirty="0"/>
+              <a:t>优点</a:t>
+            </a:r>
+            <a:endParaRPr lang="en-US" altLang="zh-CN" dirty="0"/>
+          </a:p>
+          <a:p>
+            <a:pPr lvl="1"/>
+            <a:r>
+              <a:rPr lang="zh-CN" altLang="en-US" dirty="0" smtClean="0"/>
+              <a:t>高性能</a:t>
+            </a:r>
+            <a:endParaRPr lang="en-US" altLang="zh-CN" dirty="0" smtClean="0"/>
+          </a:p>
+          <a:p>
+            <a:pPr lvl="2"/>
+            <a:r>
+              <a:rPr lang="en-US" altLang="zh-CN" dirty="0" smtClean="0"/>
+              <a:t>Benchmarks game </a:t>
+            </a:r>
+          </a:p>
+          <a:p>
+            <a:pPr lvl="2"/>
+            <a:r>
+              <a:rPr lang="en-US" altLang="zh-CN" dirty="0" err="1" smtClean="0"/>
+              <a:t>Json</a:t>
+            </a:r>
+            <a:r>
+              <a:rPr lang="zh-CN" altLang="en-US" dirty="0" smtClean="0"/>
+              <a:t>等的对比</a:t>
+            </a:r>
+            <a:endParaRPr lang="en-US" altLang="zh-CN" dirty="0"/>
+          </a:p>
+          <a:p>
+            <a:pPr lvl="1"/>
+            <a:r>
+              <a:rPr lang="zh-CN" altLang="en-US" dirty="0"/>
+              <a:t>完备的安全检查</a:t>
+            </a:r>
+            <a:endParaRPr lang="en-US" altLang="zh-CN" dirty="0"/>
+          </a:p>
+          <a:p>
+            <a:r>
+              <a:rPr lang="zh-CN" altLang="en-US" dirty="0"/>
+              <a:t>缺点</a:t>
+            </a:r>
+            <a:endParaRPr lang="en-US" altLang="zh-CN" dirty="0"/>
+          </a:p>
+          <a:p>
+            <a:pPr lvl="1"/>
+            <a:r>
+              <a:rPr lang="zh-CN" altLang="en-US" dirty="0"/>
+              <a:t>学习曲线</a:t>
+            </a:r>
+            <a:r>
+              <a:rPr lang="zh-CN" altLang="en-US" dirty="0" smtClean="0"/>
+              <a:t>陡峭</a:t>
+            </a:r>
+            <a:endParaRPr lang="en-US" altLang="zh-CN" dirty="0" smtClean="0"/>
+          </a:p>
+          <a:p>
+            <a:pPr lvl="1"/>
+            <a:r>
+              <a:rPr lang="zh-CN" altLang="en-US" dirty="0"/>
+              <a:t>生态不够</a:t>
+            </a:r>
+            <a:r>
+              <a:rPr lang="zh-CN" altLang="en-US" dirty="0" smtClean="0"/>
+              <a:t>丰富</a:t>
+            </a:r>
+            <a:endParaRPr lang="en-US" altLang="zh-CN" dirty="0" smtClean="0"/>
+          </a:p>
+          <a:p>
+            <a:pPr lvl="1"/>
+            <a:r>
+              <a:rPr lang="zh-CN" altLang="en-US" dirty="0" smtClean="0"/>
+              <a:t>开发效率不高，开发工具，调试</a:t>
+            </a:r>
+            <a:endParaRPr lang="zh-CN" altLang="en-US" dirty="0"/>
+          </a:p>
+        </p:txBody>
+      </p:sp>
+    </p:spTree>
+  </p:cSld>
+  <p:clrMapOvr>
+    <a:masterClrMapping/>
+  </p:clrMapOvr>
+</p:sld>
+</file>
+
+<file path=ppt/slides/slide22.xml><?xml version="1.0" encoding="utf-8"?>
+<p:sld xmlns:a="http://schemas.openxmlformats.org/drawingml/2006/main" xmlns:r="http://schemas.openxmlformats.org/officeDocument/2006/relationships" xmlns:p="http://schemas.openxmlformats.org/presentationml/2006/main">
+  <p:cSld>
+    <p:spTree>
+      <p:nvGrpSpPr>
+        <p:cNvPr id="1" name=""/>
+        <p:cNvGrpSpPr/>
+        <p:nvPr/>
+      </p:nvGrpSpPr>
+      <p:grpSpPr>
+        <a:xfrm>
+          <a:off x="0" y="0"/>
+          <a:ext cx="0" cy="0"/>
+          <a:chOff x="0" y="0"/>
+          <a:chExt cx="0" cy="0"/>
+        </a:xfrm>
+      </p:grpSpPr>
+      <p:sp>
+        <p:nvSpPr>
+          <p:cNvPr id="2" name="标题 1"/>
+          <p:cNvSpPr>
+            <a:spLocks noGrp="1"/>
+          </p:cNvSpPr>
+          <p:nvPr>
+            <p:ph type="title"/>
+          </p:nvPr>
+        </p:nvSpPr>
+        <p:spPr/>
+        <p:txBody>
+          <a:bodyPr/>
+          <a:lstStyle/>
+          <a:p>
+            <a:r>
+              <a:rPr lang="en-US" altLang="zh-CN" dirty="0">
+                <a:latin typeface="+mj-ea"/>
+              </a:rPr>
+              <a:t>Rust</a:t>
+            </a:r>
+            <a:r>
+              <a:rPr lang="zh-CN" altLang="en-US" dirty="0" smtClean="0">
+                <a:latin typeface="+mj-ea"/>
+              </a:rPr>
+              <a:t>简介</a:t>
+            </a:r>
+            <a:r>
+              <a:rPr lang="en-US" altLang="zh-CN" dirty="0" smtClean="0">
+                <a:latin typeface="+mj-ea"/>
+              </a:rPr>
+              <a:t>-</a:t>
+            </a:r>
+            <a:r>
+              <a:rPr lang="zh-CN" altLang="en-US" dirty="0" smtClean="0">
+                <a:latin typeface="+mj-ea"/>
+              </a:rPr>
+              <a:t>优劣</a:t>
+            </a:r>
+            <a:endParaRPr lang="zh-CN" altLang="en-US" dirty="0">
+              <a:latin typeface="+mj-ea"/>
+            </a:endParaRPr>
+          </a:p>
+        </p:txBody>
+      </p:sp>
+      <p:sp>
+        <p:nvSpPr>
+          <p:cNvPr id="3" name="内容占位符 2"/>
+          <p:cNvSpPr>
+            <a:spLocks noGrp="1"/>
+          </p:cNvSpPr>
+          <p:nvPr>
+            <p:ph idx="1"/>
+          </p:nvPr>
+        </p:nvSpPr>
+        <p:spPr/>
+        <p:txBody>
+          <a:bodyPr/>
+          <a:lstStyle/>
+          <a:p>
+            <a:r>
+              <a:rPr lang="zh-CN" altLang="en-US" dirty="0"/>
+              <a:t>学习曲线陡峭</a:t>
+            </a:r>
+            <a:endParaRPr lang="en-US" altLang="zh-CN" dirty="0"/>
+          </a:p>
+          <a:p>
+            <a:r>
+              <a:rPr lang="zh-CN" altLang="en-US" dirty="0"/>
+              <a:t>生态不够丰富</a:t>
+            </a:r>
+          </a:p>
+        </p:txBody>
+      </p:sp>
+    </p:spTree>
+  </p:cSld>
+  <p:clrMapOvr>
+    <a:masterClrMapping/>
+  </p:clrMapOvr>
+</p:sld>
+</file>
+
+<file path=ppt/slides/slide23.xml><?xml version="1.0" encoding="utf-8"?>
+<p:sld xmlns:a="http://schemas.openxmlformats.org/drawingml/2006/main" xmlns:r="http://schemas.openxmlformats.org/officeDocument/2006/relationships" xmlns:p="http://schemas.openxmlformats.org/presentationml/2006/main">
+  <p:cSld>
+    <p:spTree>
+      <p:nvGrpSpPr>
+        <p:cNvPr id="1" name=""/>
+        <p:cNvGrpSpPr/>
+        <p:nvPr/>
+      </p:nvGrpSpPr>
+      <p:grpSpPr>
+        <a:xfrm>
+          <a:off x="0" y="0"/>
+          <a:ext cx="0" cy="0"/>
+          <a:chOff x="0" y="0"/>
+          <a:chExt cx="0" cy="0"/>
+        </a:xfrm>
+      </p:grpSpPr>
+      <p:sp>
+        <p:nvSpPr>
+          <p:cNvPr id="2" name="标题 1"/>
+          <p:cNvSpPr>
+            <a:spLocks noGrp="1"/>
+          </p:cNvSpPr>
+          <p:nvPr>
+            <p:ph type="title"/>
+          </p:nvPr>
+        </p:nvSpPr>
+        <p:spPr/>
+        <p:txBody>
+          <a:bodyPr/>
+          <a:lstStyle/>
+          <a:p>
+            <a:r>
+              <a:rPr lang="en-US" altLang="zh-CN" dirty="0">
+                <a:latin typeface="+mj-ea"/>
+              </a:rPr>
+              <a:t>Rust</a:t>
+            </a:r>
+            <a:r>
+              <a:rPr lang="zh-CN" altLang="en-US" dirty="0" smtClean="0">
+                <a:latin typeface="+mj-ea"/>
+              </a:rPr>
+              <a:t>简介</a:t>
+            </a:r>
+            <a:r>
+              <a:rPr lang="en-US" altLang="zh-CN" dirty="0" smtClean="0">
+                <a:latin typeface="+mj-ea"/>
+              </a:rPr>
+              <a:t>-</a:t>
+            </a:r>
+            <a:r>
+              <a:rPr lang="zh-CN" altLang="en-US" dirty="0" smtClean="0">
+                <a:latin typeface="+mj-ea"/>
+              </a:rPr>
+              <a:t>优劣</a:t>
+            </a:r>
+            <a:endParaRPr lang="zh-CN" altLang="en-US" dirty="0">
+              <a:latin typeface="+mj-ea"/>
+            </a:endParaRPr>
+          </a:p>
+        </p:txBody>
+      </p:sp>
+      <p:sp>
+        <p:nvSpPr>
+          <p:cNvPr id="3" name="内容占位符 2"/>
+          <p:cNvSpPr>
+            <a:spLocks noGrp="1"/>
+          </p:cNvSpPr>
+          <p:nvPr>
+            <p:ph idx="1"/>
+          </p:nvPr>
+        </p:nvSpPr>
+        <p:spPr/>
+        <p:txBody>
+          <a:bodyPr/>
+          <a:lstStyle/>
+          <a:p>
+            <a:pPr marL="0" indent="0">
+              <a:buNone/>
+            </a:pPr>
+            <a:r>
+              <a:rPr lang="zh-CN" altLang="en-US" dirty="0" smtClean="0"/>
+              <a:t>图（学习曲线图）</a:t>
+            </a:r>
+            <a:endParaRPr lang="en-US" altLang="zh-CN" dirty="0"/>
+          </a:p>
+        </p:txBody>
+      </p:sp>
+    </p:spTree>
+    <p:extLst>
+      <p:ext uri="{BB962C8B-B14F-4D97-AF65-F5344CB8AC3E}">
+        <p14:creationId xmlns:p14="http://schemas.microsoft.com/office/powerpoint/2010/main" val="2341056355"/>
+      </p:ext>
+    </p:extLst>
+  </p:cSld>
+  <p:clrMapOvr>
+    <a:masterClrMapping/>
+  </p:clrMapOvr>
+</p:sld>
+</file>
+
+<file path=ppt/slides/slide24.xml><?xml version="1.0" encoding="utf-8"?>
+<p:sld xmlns:a="http://schemas.openxmlformats.org/drawingml/2006/main" xmlns:r="http://schemas.openxmlformats.org/officeDocument/2006/relationships" xmlns:p="http://schemas.openxmlformats.org/presentationml/2006/main">
+  <p:cSld>
+    <p:spTree>
+      <p:nvGrpSpPr>
+        <p:cNvPr id="1" name=""/>
+        <p:cNvGrpSpPr/>
+        <p:nvPr/>
+      </p:nvGrpSpPr>
+      <p:grpSpPr>
+        <a:xfrm>
+          <a:off x="0" y="0"/>
+          <a:ext cx="0" cy="0"/>
+          <a:chOff x="0" y="0"/>
+          <a:chExt cx="0" cy="0"/>
+        </a:xfrm>
+      </p:grpSpPr>
+      <p:sp>
+        <p:nvSpPr>
+          <p:cNvPr id="2" name="标题 1"/>
+          <p:cNvSpPr>
+            <a:spLocks noGrp="1"/>
+          </p:cNvSpPr>
+          <p:nvPr>
+            <p:ph type="title"/>
+          </p:nvPr>
+        </p:nvSpPr>
+        <p:spPr/>
+        <p:txBody>
+          <a:bodyPr/>
+          <a:lstStyle/>
+          <a:p>
+            <a:r>
+              <a:rPr kumimoji="1" lang="en-US" altLang="zh-CN" dirty="0" smtClean="0">
+                <a:latin typeface="+mj-ea"/>
+              </a:rPr>
+              <a:t>Rust</a:t>
+            </a:r>
+            <a:r>
+              <a:rPr kumimoji="1" lang="zh-CN" altLang="en-US" dirty="0" smtClean="0">
+                <a:latin typeface="+mj-ea"/>
+              </a:rPr>
+              <a:t>生态和应用</a:t>
+            </a:r>
+            <a:endParaRPr lang="zh-CN" altLang="en-US" dirty="0"/>
+          </a:p>
+        </p:txBody>
+      </p:sp>
+      <p:sp>
+        <p:nvSpPr>
+          <p:cNvPr id="3" name="内容占位符 2"/>
+          <p:cNvSpPr>
+            <a:spLocks noGrp="1"/>
+          </p:cNvSpPr>
+          <p:nvPr>
+            <p:ph idx="1"/>
+          </p:nvPr>
+        </p:nvSpPr>
+        <p:spPr/>
+        <p:txBody>
+          <a:bodyPr/>
+          <a:lstStyle/>
+          <a:p>
+            <a:pPr marL="0" indent="0">
+              <a:buNone/>
+            </a:pPr>
+            <a:r>
+              <a:rPr kumimoji="1" lang="zh-CN" altLang="en-US" dirty="0" smtClean="0"/>
+              <a:t>基础</a:t>
+            </a:r>
+            <a:r>
+              <a:rPr kumimoji="1" lang="zh-CN" altLang="en-US" dirty="0"/>
+              <a:t>库，</a:t>
+            </a:r>
+            <a:r>
+              <a:rPr kumimoji="1" lang="en-US" altLang="zh-CN" dirty="0" err="1"/>
+              <a:t>io</a:t>
+            </a:r>
+            <a:r>
+              <a:rPr kumimoji="1" lang="zh-CN" altLang="en-US" dirty="0"/>
+              <a:t>，网络，数据库，集中在云计算</a:t>
+            </a:r>
+          </a:p>
+          <a:p>
+            <a:pPr marL="0" indent="0">
+              <a:buNone/>
+            </a:pPr>
+            <a:r>
+              <a:rPr kumimoji="1" lang="zh-CN" altLang="en-US" dirty="0"/>
+              <a:t>上层应用，典型的产品，</a:t>
+            </a:r>
+            <a:r>
+              <a:rPr kumimoji="1" lang="en-US" altLang="zh-CN" dirty="0"/>
+              <a:t>go-docker,rust-db,linkerd-proxy,2.0</a:t>
+            </a:r>
+            <a:r>
+              <a:rPr kumimoji="1" lang="zh-CN" altLang="en-US" dirty="0"/>
+              <a:t>（</a:t>
+            </a:r>
+            <a:r>
+              <a:rPr kumimoji="1" lang="en-US" altLang="zh-CN" dirty="0"/>
+              <a:t>envoy</a:t>
+            </a:r>
+            <a:r>
+              <a:rPr kumimoji="1" lang="zh-CN" altLang="en-US" dirty="0" smtClean="0"/>
+              <a:t>）</a:t>
+            </a:r>
+            <a:endParaRPr kumimoji="1" lang="zh-CN" altLang="en-US" dirty="0"/>
+          </a:p>
+        </p:txBody>
+      </p:sp>
+    </p:spTree>
+    <p:extLst>
+      <p:ext uri="{BB962C8B-B14F-4D97-AF65-F5344CB8AC3E}">
+        <p14:creationId xmlns:p14="http://schemas.microsoft.com/office/powerpoint/2010/main" val="3376935449"/>
+      </p:ext>
+    </p:extLst>
+  </p:cSld>
+  <p:clrMapOvr>
+    <a:masterClrMapping/>
+  </p:clrMapOvr>
+</p:sld>
+</file>
+
+<file path=ppt/slides/slide25.xml><?xml version="1.0" encoding="utf-8"?>
+<p:sld xmlns:a="http://schemas.openxmlformats.org/drawingml/2006/main" xmlns:r="http://schemas.openxmlformats.org/officeDocument/2006/relationships" xmlns:p="http://schemas.openxmlformats.org/presentationml/2006/main">
+  <p:cSld>
+    <p:spTree>
+      <p:nvGrpSpPr>
+        <p:cNvPr id="1" name=""/>
+        <p:cNvGrpSpPr/>
+        <p:nvPr/>
+      </p:nvGrpSpPr>
+      <p:grpSpPr>
+        <a:xfrm>
+          <a:off x="0" y="0"/>
+          <a:ext cx="0" cy="0"/>
+          <a:chOff x="0" y="0"/>
+          <a:chExt cx="0" cy="0"/>
+        </a:xfrm>
+      </p:grpSpPr>
+      <p:sp>
+        <p:nvSpPr>
+          <p:cNvPr id="2" name="标题 1"/>
+          <p:cNvSpPr>
+            <a:spLocks noGrp="1"/>
+          </p:cNvSpPr>
+          <p:nvPr>
+            <p:ph type="title"/>
+          </p:nvPr>
+        </p:nvSpPr>
+        <p:spPr/>
+        <p:txBody>
+          <a:bodyPr/>
+          <a:lstStyle/>
+          <a:p>
+            <a:r>
+              <a:rPr kumimoji="1" lang="en-US" altLang="zh-CN" dirty="0" smtClean="0">
+                <a:latin typeface="+mj-ea"/>
+              </a:rPr>
+              <a:t>Rust</a:t>
+            </a:r>
+            <a:r>
+              <a:rPr kumimoji="1" lang="zh-CN" altLang="en-US" dirty="0" smtClean="0">
+                <a:latin typeface="+mj-ea"/>
+              </a:rPr>
+              <a:t>生态和应用</a:t>
+            </a:r>
+            <a:endParaRPr lang="zh-CN" altLang="en-US" dirty="0"/>
+          </a:p>
+        </p:txBody>
+      </p:sp>
+      <p:sp>
+        <p:nvSpPr>
+          <p:cNvPr id="3" name="内容占位符 2"/>
+          <p:cNvSpPr>
+            <a:spLocks noGrp="1"/>
+          </p:cNvSpPr>
+          <p:nvPr>
+            <p:ph idx="1"/>
+          </p:nvPr>
+        </p:nvSpPr>
+        <p:spPr/>
+        <p:txBody>
+          <a:bodyPr/>
+          <a:lstStyle/>
+          <a:p>
+            <a:r>
+              <a:rPr kumimoji="1" lang="en-US" altLang="zh-CN" dirty="0" err="1" smtClean="0">
+                <a:latin typeface="Times New Roman" panose="02020603050405020304" pitchFamily="18" charset="0"/>
+                <a:cs typeface="Times New Roman" panose="02020603050405020304" pitchFamily="18" charset="0"/>
+              </a:rPr>
+              <a:t>Tokio</a:t>
+            </a:r>
+            <a:r>
+              <a:rPr kumimoji="1" lang="zh-CN" altLang="en-US" dirty="0" smtClean="0">
+                <a:latin typeface="Times New Roman" panose="02020603050405020304" pitchFamily="18" charset="0"/>
+                <a:cs typeface="Times New Roman" panose="02020603050405020304" pitchFamily="18" charset="0"/>
+              </a:rPr>
+              <a:t>、</a:t>
+            </a:r>
+            <a:r>
+              <a:rPr kumimoji="1" lang="en-US" altLang="zh-CN" dirty="0" err="1" smtClean="0">
+                <a:latin typeface="Times New Roman" panose="02020603050405020304" pitchFamily="18" charset="0"/>
+                <a:cs typeface="Times New Roman" panose="02020603050405020304" pitchFamily="18" charset="0"/>
+              </a:rPr>
+              <a:t>Tokio_uring</a:t>
+            </a:r>
+            <a:endParaRPr kumimoji="1" lang="en-US" altLang="zh-CN" dirty="0" smtClean="0">
+              <a:latin typeface="Times New Roman" panose="02020603050405020304" pitchFamily="18" charset="0"/>
+              <a:cs typeface="Times New Roman" panose="02020603050405020304" pitchFamily="18" charset="0"/>
+            </a:endParaRPr>
+          </a:p>
+          <a:p>
+            <a:pPr marL="0" indent="0">
+              <a:buNone/>
+            </a:pPr>
+            <a:r>
+              <a:rPr kumimoji="1" lang="zh-CN" altLang="en-US" dirty="0" smtClean="0">
+                <a:latin typeface="Times New Roman" panose="02020603050405020304" pitchFamily="18" charset="0"/>
+                <a:cs typeface="Times New Roman" panose="02020603050405020304" pitchFamily="18" charset="0"/>
+              </a:rPr>
+              <a:t>基础网络库</a:t>
+            </a:r>
+            <a:endParaRPr kumimoji="1" lang="en-US" altLang="zh-CN" dirty="0">
+              <a:latin typeface="Times New Roman" panose="02020603050405020304" pitchFamily="18" charset="0"/>
+              <a:cs typeface="Times New Roman" panose="02020603050405020304" pitchFamily="18" charset="0"/>
+            </a:endParaRPr>
+          </a:p>
+        </p:txBody>
+      </p:sp>
+    </p:spTree>
+    <p:extLst>
+      <p:ext uri="{BB962C8B-B14F-4D97-AF65-F5344CB8AC3E}">
+        <p14:creationId xmlns:p14="http://schemas.microsoft.com/office/powerpoint/2010/main" val="1174511585"/>
+      </p:ext>
+    </p:extLst>
+  </p:cSld>
+  <p:clrMapOvr>
+    <a:masterClrMapping/>
+  </p:clrMapOvr>
+</p:sld>
+</file>
+
+<file path=ppt/slides/slide26.xml><?xml version="1.0" encoding="utf-8"?>
+<p:sld xmlns:a="http://schemas.openxmlformats.org/drawingml/2006/main" xmlns:r="http://schemas.openxmlformats.org/officeDocument/2006/relationships" xmlns:p="http://schemas.openxmlformats.org/presentationml/2006/main">
+  <p:cSld>
+    <p:spTree>
+      <p:nvGrpSpPr>
+        <p:cNvPr id="1" name=""/>
+        <p:cNvGrpSpPr/>
+        <p:nvPr/>
+      </p:nvGrpSpPr>
+      <p:grpSpPr>
+        <a:xfrm>
+          <a:off x="0" y="0"/>
+          <a:ext cx="0" cy="0"/>
+          <a:chOff x="0" y="0"/>
+          <a:chExt cx="0" cy="0"/>
+        </a:xfrm>
+      </p:grpSpPr>
+      <p:sp>
+        <p:nvSpPr>
+          <p:cNvPr id="2" name="标题 1"/>
+          <p:cNvSpPr>
+            <a:spLocks noGrp="1"/>
+          </p:cNvSpPr>
+          <p:nvPr>
+            <p:ph type="title"/>
+          </p:nvPr>
+        </p:nvSpPr>
+        <p:spPr/>
+        <p:txBody>
+          <a:bodyPr/>
+          <a:lstStyle/>
+          <a:p>
+            <a:r>
+              <a:rPr lang="zh-CN" altLang="en-US" dirty="0"/>
+              <a:t>相关资料</a:t>
+            </a:r>
+          </a:p>
+        </p:txBody>
+      </p:sp>
+      <p:sp>
+        <p:nvSpPr>
+          <p:cNvPr id="3" name="内容占位符 2"/>
+          <p:cNvSpPr>
+            <a:spLocks noGrp="1"/>
+          </p:cNvSpPr>
+          <p:nvPr>
+            <p:ph idx="1"/>
+          </p:nvPr>
+        </p:nvSpPr>
+        <p:spPr/>
+        <p:txBody>
+          <a:bodyPr/>
+          <a:lstStyle/>
+          <a:p>
+            <a:r>
+              <a:rPr lang="en-US" altLang="zh-CN" dirty="0">
+                <a:latin typeface="Times New Roman" panose="02020603050405020304" pitchFamily="18" charset="0"/>
+                <a:cs typeface="Times New Roman" panose="02020603050405020304" pitchFamily="18" charset="0"/>
+                <a:hlinkClick r:id="rId2"/>
+              </a:rPr>
+              <a:t>http://venge.net/graydon/talks/intro-talk-2.pdf</a:t>
+            </a:r>
+            <a:r>
+              <a:rPr lang="en-US" altLang="zh-CN" dirty="0">
+                <a:latin typeface="Times New Roman" panose="02020603050405020304" pitchFamily="18" charset="0"/>
+                <a:cs typeface="Times New Roman" panose="02020603050405020304" pitchFamily="18" charset="0"/>
+              </a:rPr>
+              <a:t> </a:t>
+            </a:r>
+            <a:r>
+              <a:rPr lang="zh-CN" altLang="en-US" dirty="0">
+                <a:latin typeface="+mn-ea"/>
+                <a:ea typeface="+mn-ea"/>
+              </a:rPr>
+              <a:t>首次正式公开</a:t>
+            </a:r>
+            <a:r>
+              <a:rPr lang="en-US" altLang="zh-CN" dirty="0">
+                <a:latin typeface="Times New Roman" panose="02020603050405020304" pitchFamily="18" charset="0"/>
+                <a:ea typeface="+mn-ea"/>
+                <a:cs typeface="Times New Roman" panose="02020603050405020304" pitchFamily="18" charset="0"/>
+              </a:rPr>
+              <a:t>Rust</a:t>
+            </a:r>
+            <a:r>
+              <a:rPr lang="zh-CN" altLang="en-US" dirty="0">
+                <a:latin typeface="Times New Roman" panose="02020603050405020304" pitchFamily="18" charset="0"/>
+                <a:ea typeface="+mn-ea"/>
+                <a:cs typeface="Times New Roman" panose="02020603050405020304" pitchFamily="18" charset="0"/>
+              </a:rPr>
+              <a:t>，并开始进行了首个</a:t>
+            </a:r>
+            <a:r>
+              <a:rPr lang="en-US" altLang="zh-CN" dirty="0">
+                <a:latin typeface="Times New Roman" panose="02020603050405020304" pitchFamily="18" charset="0"/>
+                <a:ea typeface="+mn-ea"/>
+                <a:cs typeface="Times New Roman" panose="02020603050405020304" pitchFamily="18" charset="0"/>
+              </a:rPr>
+              <a:t>Rust</a:t>
+            </a:r>
+            <a:r>
+              <a:rPr lang="zh-CN" altLang="en-US" dirty="0">
+                <a:latin typeface="Times New Roman" panose="02020603050405020304" pitchFamily="18" charset="0"/>
+                <a:ea typeface="+mn-ea"/>
+                <a:cs typeface="Times New Roman" panose="02020603050405020304" pitchFamily="18" charset="0"/>
+              </a:rPr>
+              <a:t>项目</a:t>
+            </a:r>
+            <a:r>
+              <a:rPr lang="en-US" altLang="zh-CN" dirty="0">
+                <a:latin typeface="Times New Roman" panose="02020603050405020304" pitchFamily="18" charset="0"/>
+                <a:ea typeface="+mn-ea"/>
+                <a:cs typeface="Times New Roman" panose="02020603050405020304" pitchFamily="18" charset="0"/>
+              </a:rPr>
+              <a:t>servo</a:t>
+            </a:r>
+            <a:r>
+              <a:rPr lang="zh-CN" altLang="en-US" dirty="0">
+                <a:latin typeface="Times New Roman" panose="02020603050405020304" pitchFamily="18" charset="0"/>
+                <a:ea typeface="+mn-ea"/>
+                <a:cs typeface="Times New Roman" panose="02020603050405020304" pitchFamily="18" charset="0"/>
+              </a:rPr>
+              <a:t>的开发</a:t>
+            </a:r>
+            <a:endParaRPr lang="en-US" altLang="zh-CN" dirty="0">
+              <a:latin typeface="Times New Roman" panose="02020603050405020304" pitchFamily="18" charset="0"/>
+              <a:ea typeface="+mn-ea"/>
+              <a:cs typeface="Times New Roman" panose="02020603050405020304" pitchFamily="18" charset="0"/>
+            </a:endParaRPr>
+          </a:p>
+          <a:p>
+            <a:r>
+              <a:rPr lang="en-US" altLang="zh-CN" dirty="0">
+                <a:latin typeface="Times New Roman" panose="02020603050405020304" pitchFamily="18" charset="0"/>
+                <a:cs typeface="Times New Roman" panose="02020603050405020304" pitchFamily="18" charset="0"/>
+                <a:hlinkClick r:id="rId3"/>
+              </a:rPr>
+              <a:t>https://foundation.rust-lang.org/</a:t>
+            </a:r>
+            <a:r>
+              <a:rPr lang="en-US" altLang="zh-CN" dirty="0">
+                <a:latin typeface="Times New Roman" panose="02020603050405020304" pitchFamily="18" charset="0"/>
+                <a:cs typeface="Times New Roman" panose="02020603050405020304" pitchFamily="18" charset="0"/>
+              </a:rPr>
+              <a:t> Rust</a:t>
+            </a:r>
+            <a:r>
+              <a:rPr lang="zh-CN" altLang="en-US" dirty="0">
+                <a:latin typeface="Times New Roman" panose="02020603050405020304" pitchFamily="18" charset="0"/>
+                <a:cs typeface="Times New Roman" panose="02020603050405020304" pitchFamily="18" charset="0"/>
+              </a:rPr>
+              <a:t>基金会官网</a:t>
+            </a:r>
+          </a:p>
+          <a:p>
+            <a:endParaRPr lang="zh-CN" altLang="en-US" dirty="0">
+              <a:latin typeface="+mn-ea"/>
+              <a:ea typeface="+mn-ea"/>
+            </a:endParaRPr>
+          </a:p>
+        </p:txBody>
+      </p:sp>
+    </p:spTree>
+  </p:cSld>
+  <p:clrMapOvr>
+    <a:masterClrMapping/>
+  </p:clrMapOvr>
+</p:sld>
+</file>
+
 <file path=ppt/slides/slide3.xml><?xml version="1.0" encoding="utf-8"?>
 <p:sld xmlns:a="http://schemas.openxmlformats.org/drawingml/2006/main" xmlns:r="http://schemas.openxmlformats.org/officeDocument/2006/relationships" xmlns:p="http://schemas.openxmlformats.org/presentationml/2006/main">
   <p:cSld>
@@ -16511,7 +17996,7 @@
           </a:p>
           <a:p>
             <a:r>
-              <a:rPr lang="zh-CN" altLang="en-US" dirty="0">
+              <a:rPr lang="zh-CN" altLang="en-US" dirty="0" smtClean="0">
                 <a:solidFill>
                   <a:srgbClr val="C00000"/>
                 </a:solidFill>
@@ -16520,6 +18005,13 @@
               </a:rPr>
               <a:t>安全性</a:t>
             </a:r>
+            <a:endParaRPr lang="en-US" altLang="zh-CN" dirty="0" smtClean="0">
+              <a:solidFill>
+                <a:srgbClr val="C00000"/>
+              </a:solidFill>
+              <a:latin typeface="+mn-ea"/>
+              <a:ea typeface="+mn-ea"/>
+            </a:endParaRPr>
           </a:p>
         </p:txBody>
       </p:sp>
@@ -16593,90 +18085,74 @@
           </a:p>
         </p:txBody>
       </p:sp>
-      <p:sp>
-        <p:nvSpPr>
-          <p:cNvPr id="3" name="内容占位符 2"/>
-          <p:cNvSpPr>
-            <a:spLocks noGrp="1"/>
-          </p:cNvSpPr>
+      <p:pic>
+        <p:nvPicPr>
+          <p:cNvPr id="4" name="内容占位符 3"/>
+          <p:cNvPicPr>
+            <a:picLocks noGrp="1" noChangeAspect="1"/>
+          </p:cNvPicPr>
           <p:nvPr>
             <p:ph idx="1"/>
           </p:nvPr>
-        </p:nvSpPr>
-        <p:spPr/>
-        <p:txBody>
-          <a:bodyPr/>
+        </p:nvPicPr>
+        <p:blipFill>
+          <a:blip r:embed="rId3"/>
+          <a:stretch>
+            <a:fillRect/>
+          </a:stretch>
+        </p:blipFill>
+        <p:spPr>
+          <a:xfrm>
+            <a:off x="1858493" y="1644423"/>
+            <a:ext cx="7469446" cy="4195762"/>
+          </a:xfrm>
+          <a:prstGeom prst="rect">
+            <a:avLst/>
+          </a:prstGeom>
+        </p:spPr>
+      </p:pic>
+      <p:sp>
+        <p:nvSpPr>
+          <p:cNvPr id="5" name="文本框 4"/>
+          <p:cNvSpPr txBox="1"/>
+          <p:nvPr/>
+        </p:nvSpPr>
+        <p:spPr>
+          <a:xfrm>
+            <a:off x="1191986" y="6270171"/>
+            <a:ext cx="8703128" cy="415498"/>
+          </a:xfrm>
+          <a:prstGeom prst="rect">
+            <a:avLst/>
+          </a:prstGeom>
+          <a:noFill/>
+        </p:spPr>
+        <p:txBody>
+          <a:bodyPr wrap="square" rtlCol="0">
+            <a:spAutoFit/>
+          </a:bodyPr>
           <a:lstStyle/>
           <a:p>
             <a:r>
-              <a:rPr lang="zh-CN" altLang="en-US" dirty="0">
-                <a:latin typeface="+mn-ea"/>
-                <a:ea typeface="+mn-ea"/>
+              <a:rPr lang="en-US" altLang="zh-CN" sz="1050" dirty="0">
+                <a:latin typeface="Times New Roman" panose="02020603050405020304" pitchFamily="18" charset="0"/>
+                <a:cs typeface="Times New Roman" panose="02020603050405020304" pitchFamily="18" charset="0"/>
               </a:rPr>
-              <a:t>相比于之前的系统编程语言必须是更加安全的、不易崩溃的，尤其是在操作内存时</a:t>
-            </a:r>
-            <a:endParaRPr lang="en-US" altLang="zh-CN" dirty="0">
-              <a:latin typeface="+mn-ea"/>
-              <a:ea typeface="+mn-ea"/>
+              <a:t>https://github.com/microsoft/MSRC-Security-Research/blob/master/presentations/2019_02_BlueHatIL/2019_01%20-%20BlueHatIL%20-%20Trends%2C%20challenge%2C%20and%20shifts%20in%20software%20vulnerability%20mitigation.pdf</a:t>
+            </a:r>
+            <a:endParaRPr lang="zh-CN" altLang="en-US" sz="1050" dirty="0">
+              <a:latin typeface="Times New Roman" panose="02020603050405020304" pitchFamily="18" charset="0"/>
+              <a:cs typeface="Times New Roman" panose="02020603050405020304" pitchFamily="18" charset="0"/>
             </a:endParaRPr>
           </a:p>
-          <a:p>
-            <a:r>
-              <a:rPr lang="zh-CN" altLang="en-US" dirty="0">
-                <a:latin typeface="+mn-ea"/>
-                <a:ea typeface="+mn-ea"/>
-              </a:rPr>
-              <a:t>不需要有垃圾回收系统，不能为了内存安全引入性能负担</a:t>
-            </a:r>
-            <a:endParaRPr lang="en-US" altLang="zh-CN" dirty="0">
-              <a:latin typeface="+mn-ea"/>
-              <a:ea typeface="+mn-ea"/>
-            </a:endParaRPr>
-          </a:p>
-          <a:p>
-            <a:r>
-              <a:rPr lang="zh-CN" altLang="en-US" dirty="0">
-                <a:latin typeface="+mn-ea"/>
-                <a:ea typeface="+mn-ea"/>
-              </a:rPr>
-              <a:t>不仅仅拥有一个主要特性、而应该拥有一系列广泛特性，这些特性之间又不缺乏一致性，这些特性之间可以很高的相互协作，从而使该语言更容易编写、维护和调试，让程序员写出更安全、更高效的代码</a:t>
-            </a:r>
-            <a:endParaRPr lang="en-US" altLang="zh-CN" dirty="0">
-              <a:latin typeface="+mn-ea"/>
-              <a:ea typeface="+mn-ea"/>
-            </a:endParaRPr>
-          </a:p>
-          <a:p>
-            <a:pPr marL="0" indent="0">
-              <a:buNone/>
-            </a:pPr>
-            <a:endParaRPr lang="en-US" altLang="zh-CN" dirty="0">
-              <a:latin typeface="+mn-ea"/>
-              <a:ea typeface="+mn-ea"/>
-            </a:endParaRPr>
-          </a:p>
-          <a:p>
-            <a:pPr marL="0" indent="0">
-              <a:buNone/>
-            </a:pPr>
-            <a:r>
-              <a:rPr lang="en-US" altLang="zh-CN" dirty="0">
-                <a:latin typeface="+mn-ea"/>
-                <a:ea typeface="+mn-ea"/>
-              </a:rPr>
-              <a:t>//</a:t>
-            </a:r>
-            <a:r>
-              <a:rPr lang="zh-CN" altLang="en-US" dirty="0">
-                <a:latin typeface="+mn-ea"/>
-                <a:ea typeface="+mn-ea"/>
-              </a:rPr>
-              <a:t>原文链接</a:t>
-            </a:r>
-          </a:p>
         </p:txBody>
       </p:sp>
     </p:spTree>
+    <p:extLst>
+      <p:ext uri="{BB962C8B-B14F-4D97-AF65-F5344CB8AC3E}">
+        <p14:creationId xmlns:p14="http://schemas.microsoft.com/office/powerpoint/2010/main" val="511325170"/>
+      </p:ext>
+    </p:extLst>
   </p:cSld>
   <p:clrMapOvr>
     <a:masterClrMapping/>
@@ -16762,22 +18238,69 @@
           <a:lstStyle/>
           <a:p>
             <a:r>
-              <a:rPr lang="zh-CN" altLang="en-US" dirty="0"/>
-              <a:t>内存安全</a:t>
-            </a:r>
-            <a:endParaRPr lang="en-US" altLang="zh-CN" dirty="0"/>
-          </a:p>
-          <a:p>
-            <a:r>
-              <a:rPr lang="zh-CN" altLang="en-US" dirty="0"/>
-              <a:t>零成本抽象</a:t>
-            </a:r>
-            <a:endParaRPr lang="en-US" altLang="zh-CN" dirty="0"/>
-          </a:p>
-          <a:p>
-            <a:r>
-              <a:rPr lang="zh-CN" altLang="en-US" dirty="0"/>
-              <a:t>实用性</a:t>
+              <a:rPr lang="zh-CN" altLang="en-US" dirty="0">
+                <a:latin typeface="+mn-ea"/>
+                <a:ea typeface="+mn-ea"/>
+              </a:rPr>
+              <a:t>相比于之前的系统编程语言必须是更加安全的、不易崩溃的，尤其是在操作内存时</a:t>
+            </a:r>
+            <a:endParaRPr lang="en-US" altLang="zh-CN" dirty="0">
+              <a:latin typeface="+mn-ea"/>
+              <a:ea typeface="+mn-ea"/>
+            </a:endParaRPr>
+          </a:p>
+          <a:p>
+            <a:r>
+              <a:rPr lang="zh-CN" altLang="en-US" dirty="0">
+                <a:latin typeface="+mn-ea"/>
+                <a:ea typeface="+mn-ea"/>
+              </a:rPr>
+              <a:t>不需要有垃圾回收系统，不能为了内存安全引入性能负担</a:t>
+            </a:r>
+            <a:endParaRPr lang="en-US" altLang="zh-CN" dirty="0">
+              <a:latin typeface="+mn-ea"/>
+              <a:ea typeface="+mn-ea"/>
+            </a:endParaRPr>
+          </a:p>
+          <a:p>
+            <a:r>
+              <a:rPr lang="zh-CN" altLang="en-US" dirty="0">
+                <a:latin typeface="+mn-ea"/>
+                <a:ea typeface="+mn-ea"/>
+              </a:rPr>
+              <a:t>不仅仅拥有一个主要特性、而应该拥有一系列广泛特性，这些特性之间又不缺乏一致性，这些特性之间可以很高的相互协作，从而使该语言更容易编写、维护和调试，让程序员写出更安全、更高效的代码</a:t>
+            </a:r>
+            <a:endParaRPr lang="en-US" altLang="zh-CN" dirty="0">
+              <a:latin typeface="+mn-ea"/>
+              <a:ea typeface="+mn-ea"/>
+            </a:endParaRPr>
+          </a:p>
+          <a:p>
+            <a:pPr marL="0" indent="0">
+              <a:buNone/>
+            </a:pPr>
+            <a:endParaRPr lang="en-US" altLang="zh-CN" dirty="0">
+              <a:latin typeface="+mn-ea"/>
+              <a:ea typeface="+mn-ea"/>
+            </a:endParaRPr>
+          </a:p>
+          <a:p>
+            <a:pPr marL="0" indent="0">
+              <a:buNone/>
+            </a:pPr>
+            <a:r>
+              <a:rPr lang="en-US" altLang="zh-CN" dirty="0">
+                <a:latin typeface="+mn-ea"/>
+                <a:ea typeface="+mn-ea"/>
+              </a:rPr>
+              <a:t>//</a:t>
+            </a:r>
+            <a:r>
+              <a:rPr lang="zh-CN" altLang="en-US" dirty="0">
+                <a:latin typeface="+mn-ea"/>
+                <a:ea typeface="+mn-ea"/>
+              </a:rPr>
+              <a:t>原文链接</a:t>
             </a:r>
           </a:p>
         </p:txBody>
@@ -16864,132 +18387,27 @@
         </p:nvSpPr>
         <p:spPr/>
         <p:txBody>
-          <a:bodyPr>
-            <a:normAutofit/>
-          </a:bodyPr>
+          <a:bodyPr/>
           <a:lstStyle/>
           <a:p>
             <a:r>
-              <a:rPr lang="zh-CN" altLang="en-US" dirty="0" smtClean="0"/>
-              <a:t>内存不安全</a:t>
-            </a:r>
-            <a:r>
-              <a:rPr lang="en-US" altLang="zh-CN" dirty="0" smtClean="0"/>
-              <a:t>	</a:t>
+              <a:rPr lang="zh-CN" altLang="en-US" dirty="0"/>
+              <a:t>内存安全</a:t>
             </a:r>
             <a:endParaRPr lang="en-US" altLang="zh-CN" dirty="0"/>
           </a:p>
           <a:p>
-            <a:pPr marL="0" indent="0">
-              <a:buNone/>
-            </a:pPr>
-            <a:r>
-              <a:rPr lang="en-US" altLang="zh-CN" dirty="0"/>
-              <a:t>	- </a:t>
-            </a:r>
-            <a:r>
-              <a:rPr lang="zh-CN" altLang="en-US" dirty="0" smtClean="0"/>
-              <a:t>内存分配（使用未初始化的内存）</a:t>
+            <a:r>
+              <a:rPr lang="zh-CN" altLang="en-US" dirty="0"/>
+              <a:t>零成本抽象</a:t>
             </a:r>
             <a:endParaRPr lang="en-US" altLang="zh-CN" dirty="0"/>
           </a:p>
           <a:p>
-            <a:pPr marL="0" indent="0">
-              <a:buNone/>
-            </a:pPr>
-            <a:r>
-              <a:rPr lang="en-US" altLang="zh-CN" dirty="0"/>
-              <a:t>	-</a:t>
-            </a:r>
             <a:r>
               <a:rPr lang="zh-CN" altLang="en-US" dirty="0"/>
-              <a:t> </a:t>
-            </a:r>
-            <a:r>
-              <a:rPr lang="zh-CN" altLang="en-US" dirty="0" smtClean="0"/>
-              <a:t>内存访问（空指针引用，索引越界，悬垂指针）</a:t>
-            </a:r>
-            <a:endParaRPr lang="en-US" altLang="zh-CN" dirty="0"/>
-          </a:p>
-          <a:p>
-            <a:pPr marL="0" indent="0">
-              <a:buNone/>
-            </a:pPr>
-            <a:r>
-              <a:rPr lang="en-US" altLang="zh-CN" dirty="0"/>
-              <a:t>	-</a:t>
-            </a:r>
-            <a:r>
-              <a:rPr lang="zh-CN" altLang="en-US" dirty="0"/>
-              <a:t> </a:t>
-            </a:r>
-            <a:r>
-              <a:rPr lang="zh-CN" altLang="en-US" dirty="0" smtClean="0"/>
-              <a:t>内存释放 （重复释放）     </a:t>
-            </a:r>
-            <a:endParaRPr lang="en-US" altLang="zh-CN" dirty="0"/>
-          </a:p>
-          <a:p>
-            <a:pPr marL="0" indent="0">
-              <a:buNone/>
-            </a:pPr>
-            <a:endParaRPr lang="en-US" altLang="zh-CN" dirty="0"/>
-          </a:p>
-          <a:p>
-            <a:r>
-              <a:rPr lang="zh-CN" altLang="en-US" dirty="0" smtClean="0"/>
-              <a:t>内存安全</a:t>
-            </a:r>
-            <a:r>
-              <a:rPr lang="en-US" altLang="zh-CN" dirty="0"/>
-              <a:t>	</a:t>
-            </a:r>
-          </a:p>
-          <a:p>
-            <a:pPr marL="0" indent="0">
-              <a:buNone/>
-            </a:pPr>
-            <a:r>
-              <a:rPr lang="en-US" altLang="zh-CN" dirty="0"/>
-              <a:t>	- </a:t>
-            </a:r>
-            <a:r>
-              <a:rPr lang="zh-CN" altLang="en-US" dirty="0" smtClean="0"/>
-              <a:t>所有权</a:t>
-            </a:r>
-            <a:endParaRPr lang="en-US" altLang="zh-CN" dirty="0"/>
-          </a:p>
-          <a:p>
-            <a:pPr marL="0" indent="0">
-              <a:buNone/>
-            </a:pPr>
-            <a:r>
-              <a:rPr lang="en-US" altLang="zh-CN" dirty="0"/>
-              <a:t>	-</a:t>
-            </a:r>
-            <a:r>
-              <a:rPr lang="zh-CN" altLang="en-US" dirty="0"/>
-              <a:t> 借用和生命周期</a:t>
-            </a:r>
-            <a:endParaRPr lang="en-US" altLang="zh-CN" dirty="0"/>
-          </a:p>
-          <a:p>
-            <a:pPr marL="0" indent="0">
-              <a:buNone/>
-            </a:pPr>
-            <a:r>
-              <a:rPr lang="en-US" altLang="zh-CN" dirty="0"/>
-              <a:t>	-</a:t>
-            </a:r>
-            <a:r>
-              <a:rPr lang="zh-CN" altLang="en-US" dirty="0"/>
-              <a:t> 复杂的内置类型                                         </a:t>
-            </a:r>
-            <a:r>
-              <a:rPr lang="zh-CN" altLang="en-US" dirty="0" smtClean="0"/>
-              <a:t>                                    </a:t>
-            </a:r>
-            <a:endParaRPr lang="en-US" altLang="zh-CN" dirty="0"/>
+              <a:t>实用性</a:t>
+            </a:r>
           </a:p>
         </p:txBody>
       </p:sp>

--- a/Rust调研.pptx
+++ b/Rust调研.pptx
@@ -5,7 +5,7 @@
     <p:sldMasterId id="2147483648" r:id="rId1"/>
   </p:sldMasterIdLst>
   <p:notesMasterIdLst>
-    <p:notesMasterId r:id="rId28"/>
+    <p:notesMasterId r:id="rId29"/>
   </p:notesMasterIdLst>
   <p:sldIdLst>
     <p:sldId id="256" r:id="rId2"/>
@@ -26,14 +26,15 @@
     <p:sldId id="282" r:id="rId17"/>
     <p:sldId id="283" r:id="rId18"/>
     <p:sldId id="266" r:id="rId19"/>
-    <p:sldId id="279" r:id="rId20"/>
-    <p:sldId id="267" r:id="rId21"/>
-    <p:sldId id="269" r:id="rId22"/>
-    <p:sldId id="268" r:id="rId23"/>
-    <p:sldId id="274" r:id="rId24"/>
-    <p:sldId id="271" r:id="rId25"/>
-    <p:sldId id="273" r:id="rId26"/>
-    <p:sldId id="261" r:id="rId27"/>
+    <p:sldId id="267" r:id="rId20"/>
+    <p:sldId id="284" r:id="rId21"/>
+    <p:sldId id="285" r:id="rId22"/>
+    <p:sldId id="286" r:id="rId23"/>
+    <p:sldId id="269" r:id="rId24"/>
+    <p:sldId id="274" r:id="rId25"/>
+    <p:sldId id="271" r:id="rId26"/>
+    <p:sldId id="273" r:id="rId27"/>
+    <p:sldId id="261" r:id="rId28"/>
   </p:sldIdLst>
   <p:sldSz cx="12192000" cy="6858000"/>
   <p:notesSz cx="6858000" cy="9144000"/>
@@ -6265,7 +6266,7 @@
           <a:p>
             <a:fld id="{05389ADD-357A-448F-B13B-6EC087BE2CAF}" type="datetimeFigureOut">
               <a:rPr lang="zh-CN" altLang="en-US" smtClean="0"/>
-              <a:t>2021/12/2</a:t>
+              <a:t>2021/12/3</a:t>
             </a:fld>
             <a:endParaRPr lang="zh-CN" altLang="en-US"/>
           </a:p>
@@ -7631,14 +7632,33 @@
           <a:lstStyle/>
           <a:p>
             <a:r>
-              <a:rPr lang="zh-CN" altLang="en-US" dirty="0"/>
-              <a:t>零成本，函数方法</a:t>
-            </a:r>
+              <a:rPr lang="en-US" altLang="zh-CN" dirty="0" smtClean="0"/>
+              <a:t>https://blog.rust-lang.org/2015/04/10/Fearless-Concurrency.html</a:t>
+            </a:r>
+          </a:p>
+          <a:p>
+            <a:pPr marL="0" marR="0" lvl="0" indent="0" algn="l" defTabSz="914400" rtl="0" eaLnBrk="1" fontAlgn="auto" latinLnBrk="0" hangingPunct="1">
+              <a:lnSpc>
+                <a:spcPct val="100000"/>
+              </a:lnSpc>
+              <a:spcBef>
+                <a:spcPts val="0"/>
+              </a:spcBef>
+              <a:spcAft>
+                <a:spcPts val="0"/>
+              </a:spcAft>
+              <a:buClrTx/>
+              <a:buSzTx/>
+              <a:buFontTx/>
+              <a:buNone/>
+              <a:tabLst/>
+              <a:defRPr/>
+            </a:pPr>
             <a:r>
               <a:rPr lang="zh-CN" altLang="en-US" dirty="0" smtClean="0"/>
-              <a:t>生成。零成本</a:t>
-            </a:r>
-            <a:endParaRPr lang="zh-CN" altLang="en-US" dirty="0"/>
+              <a:t>通过消除数据竞争处理并发安全问题。通过借用检查器将并发访问数据的问题，在编译期间暴露出来。</a:t>
+            </a:r>
+            <a:endParaRPr lang="en-US" altLang="zh-CN" dirty="0" smtClean="0"/>
           </a:p>
         </p:txBody>
       </p:sp>
@@ -7659,7 +7679,7 @@
           <a:p>
             <a:fld id="{6245CCF4-CF1B-4B4B-B5D0-2221EBE362B5}" type="slidenum">
               <a:rPr lang="zh-CN" altLang="en-US" smtClean="0"/>
-              <a:t>19</a:t>
+              <a:t>20</a:t>
             </a:fld>
             <a:endParaRPr lang="zh-CN" altLang="en-US"/>
           </a:p>
@@ -7668,7 +7688,7 @@
     </p:spTree>
     <p:extLst>
       <p:ext uri="{BB962C8B-B14F-4D97-AF65-F5344CB8AC3E}">
-        <p14:creationId xmlns:p14="http://schemas.microsoft.com/office/powerpoint/2010/main" val="613597641"/>
+        <p14:creationId xmlns:p14="http://schemas.microsoft.com/office/powerpoint/2010/main" val="1751433002"/>
       </p:ext>
     </p:extLst>
   </p:cSld>
@@ -7723,17 +7743,10 @@
           <a:lstStyle/>
           <a:p>
             <a:r>
-              <a:rPr kumimoji="1" lang="zh-CN" altLang="en-US" dirty="0"/>
-              <a:t>性能、</a:t>
-            </a:r>
-            <a:r>
-              <a:rPr kumimoji="1" lang="en-US" altLang="zh-CN" dirty="0"/>
-              <a:t>benchmarks game</a:t>
-            </a:r>
-            <a:r>
-              <a:rPr kumimoji="1" lang="zh-CN" altLang="en-US" dirty="0"/>
-              <a:t>，并发</a:t>
-            </a:r>
+              <a:rPr lang="en-US" altLang="zh-CN" dirty="0" smtClean="0"/>
+              <a:t>https://blog.rust-lang.org/2015/04/10/Fearless-Concurrency.html</a:t>
+            </a:r>
+            <a:endParaRPr lang="zh-CN" altLang="en-US" dirty="0"/>
           </a:p>
         </p:txBody>
       </p:sp>
@@ -7744,7 +7757,7 @@
             <a:spLocks noGrp="1"/>
           </p:cNvSpPr>
           <p:nvPr>
-            <p:ph type="sldNum" sz="quarter" idx="5"/>
+            <p:ph type="sldNum" sz="quarter" idx="10"/>
           </p:nvPr>
         </p:nvSpPr>
         <p:spPr/>
@@ -7763,7 +7776,7 @@
     </p:spTree>
     <p:extLst>
       <p:ext uri="{BB962C8B-B14F-4D97-AF65-F5344CB8AC3E}">
-        <p14:creationId xmlns:p14="http://schemas.microsoft.com/office/powerpoint/2010/main" val="3290587185"/>
+        <p14:creationId xmlns:p14="http://schemas.microsoft.com/office/powerpoint/2010/main" val="572656849"/>
       </p:ext>
     </p:extLst>
   </p:cSld>
@@ -7817,6 +7830,10 @@
           <a:bodyPr/>
           <a:lstStyle/>
           <a:p>
+            <a:r>
+              <a:rPr lang="en-US" altLang="zh-CN" dirty="0" smtClean="0"/>
+              <a:t>https://blog.rust-lang.org/2015/04/10/Fearless-Concurrency.html</a:t>
+            </a:r>
             <a:endParaRPr lang="zh-CN" altLang="en-US" dirty="0"/>
           </a:p>
         </p:txBody>
@@ -7847,7 +7864,7 @@
     </p:spTree>
     <p:extLst>
       <p:ext uri="{BB962C8B-B14F-4D97-AF65-F5344CB8AC3E}">
-        <p14:creationId xmlns:p14="http://schemas.microsoft.com/office/powerpoint/2010/main" val="2025390987"/>
+        <p14:creationId xmlns:p14="http://schemas.microsoft.com/office/powerpoint/2010/main" val="2757250599"/>
       </p:ext>
     </p:extLst>
   </p:cSld>
@@ -8032,7 +8049,18 @@
           <a:bodyPr/>
           <a:lstStyle/>
           <a:p>
-            <a:endParaRPr lang="zh-CN" altLang="en-US" dirty="0"/>
+            <a:r>
+              <a:rPr kumimoji="1" lang="zh-CN" altLang="en-US" dirty="0"/>
+              <a:t>性能、</a:t>
+            </a:r>
+            <a:r>
+              <a:rPr kumimoji="1" lang="en-US" altLang="zh-CN" dirty="0"/>
+              <a:t>benchmarks game</a:t>
+            </a:r>
+            <a:r>
+              <a:rPr kumimoji="1" lang="zh-CN" altLang="en-US" dirty="0"/>
+              <a:t>，并发</a:t>
+            </a:r>
           </a:p>
         </p:txBody>
       </p:sp>
@@ -8043,7 +8071,7 @@
             <a:spLocks noGrp="1"/>
           </p:cNvSpPr>
           <p:nvPr>
-            <p:ph type="sldNum" sz="quarter" idx="10"/>
+            <p:ph type="sldNum" sz="quarter" idx="5"/>
           </p:nvPr>
         </p:nvSpPr>
         <p:spPr/>
@@ -8062,7 +8090,7 @@
     </p:spTree>
     <p:extLst>
       <p:ext uri="{BB962C8B-B14F-4D97-AF65-F5344CB8AC3E}">
-        <p14:creationId xmlns:p14="http://schemas.microsoft.com/office/powerpoint/2010/main" val="4247127536"/>
+        <p14:creationId xmlns:p14="http://schemas.microsoft.com/office/powerpoint/2010/main" val="3290587185"/>
       </p:ext>
     </p:extLst>
   </p:cSld>
@@ -8116,62 +8144,6 @@
           <a:bodyPr/>
           <a:lstStyle/>
           <a:p>
-            <a:r>
-              <a:rPr lang="en-US" altLang="zh-CN" dirty="0" smtClean="0"/>
-              <a:t>Rust</a:t>
-            </a:r>
-            <a:r>
-              <a:rPr lang="zh-CN" altLang="en-US" dirty="0" smtClean="0"/>
-              <a:t>发展是依赖社区和开发团队共同推进的，</a:t>
-            </a:r>
-            <a:r>
-              <a:rPr lang="en-US" altLang="zh-CN" dirty="0" smtClean="0"/>
-              <a:t>rust</a:t>
-            </a:r>
-            <a:r>
-              <a:rPr lang="zh-CN" altLang="en-US" dirty="0" smtClean="0"/>
-              <a:t>核心团队主要集中在</a:t>
-            </a:r>
-            <a:r>
-              <a:rPr lang="en-US" altLang="zh-CN" dirty="0" smtClean="0"/>
-              <a:t>rust</a:t>
-            </a:r>
-            <a:r>
-              <a:rPr lang="zh-CN" altLang="en-US" dirty="0" smtClean="0"/>
-              <a:t>语言本身的特性开发上，而社区主要集中在</a:t>
-            </a:r>
-            <a:r>
-              <a:rPr lang="en-US" altLang="zh-CN" dirty="0" smtClean="0"/>
-              <a:t>rust</a:t>
-            </a:r>
-            <a:r>
-              <a:rPr lang="zh-CN" altLang="en-US" dirty="0" smtClean="0"/>
-              <a:t>的基础应用上。很多基础库都会以</a:t>
-            </a:r>
-            <a:r>
-              <a:rPr lang="en-US" altLang="zh-CN" dirty="0" smtClean="0"/>
-              <a:t>crate</a:t>
-            </a:r>
-            <a:r>
-              <a:rPr lang="zh-CN" altLang="en-US" dirty="0" smtClean="0"/>
-              <a:t>的形式发布到</a:t>
-            </a:r>
-            <a:r>
-              <a:rPr lang="en-US" altLang="zh-CN" dirty="0" smtClean="0"/>
-              <a:t>crates.io</a:t>
-            </a:r>
-            <a:r>
-              <a:rPr lang="zh-CN" altLang="en-US" dirty="0" smtClean="0"/>
-              <a:t>上。目前为止有</a:t>
-            </a:r>
-            <a:r>
-              <a:rPr lang="en-US" altLang="zh-CN" dirty="0" smtClean="0"/>
-              <a:t>71905</a:t>
-            </a:r>
-            <a:r>
-              <a:rPr lang="zh-CN" altLang="en-US" smtClean="0"/>
-              <a:t>个</a:t>
-            </a:r>
             <a:endParaRPr lang="zh-CN" altLang="en-US" dirty="0"/>
           </a:p>
         </p:txBody>
@@ -8194,6 +8166,146 @@
             <a:fld id="{6245CCF4-CF1B-4B4B-B5D0-2221EBE362B5}" type="slidenum">
               <a:rPr lang="zh-CN" altLang="en-US" smtClean="0"/>
               <a:t>24</a:t>
+            </a:fld>
+            <a:endParaRPr lang="zh-CN" altLang="en-US"/>
+          </a:p>
+        </p:txBody>
+      </p:sp>
+    </p:spTree>
+    <p:extLst>
+      <p:ext uri="{BB962C8B-B14F-4D97-AF65-F5344CB8AC3E}">
+        <p14:creationId xmlns:p14="http://schemas.microsoft.com/office/powerpoint/2010/main" val="4247127536"/>
+      </p:ext>
+    </p:extLst>
+  </p:cSld>
+  <p:clrMapOvr>
+    <a:masterClrMapping/>
+  </p:clrMapOvr>
+</p:notes>
+</file>
+
+<file path=ppt/notesSlides/notesSlide22.xml><?xml version="1.0" encoding="utf-8"?>
+<p:notes xmlns:a="http://schemas.openxmlformats.org/drawingml/2006/main" xmlns:r="http://schemas.openxmlformats.org/officeDocument/2006/relationships" xmlns:p="http://schemas.openxmlformats.org/presentationml/2006/main">
+  <p:cSld>
+    <p:spTree>
+      <p:nvGrpSpPr>
+        <p:cNvPr id="1" name=""/>
+        <p:cNvGrpSpPr/>
+        <p:nvPr/>
+      </p:nvGrpSpPr>
+      <p:grpSpPr>
+        <a:xfrm>
+          <a:off x="0" y="0"/>
+          <a:ext cx="0" cy="0"/>
+          <a:chOff x="0" y="0"/>
+          <a:chExt cx="0" cy="0"/>
+        </a:xfrm>
+      </p:grpSpPr>
+      <p:sp>
+        <p:nvSpPr>
+          <p:cNvPr id="2" name="幻灯片图像占位符 1"/>
+          <p:cNvSpPr>
+            <a:spLocks noGrp="1" noRot="1" noChangeAspect="1"/>
+          </p:cNvSpPr>
+          <p:nvPr>
+            <p:ph type="sldImg"/>
+          </p:nvPr>
+        </p:nvSpPr>
+        <p:spPr/>
+      </p:sp>
+      <p:sp>
+        <p:nvSpPr>
+          <p:cNvPr id="3" name="备注占位符 2"/>
+          <p:cNvSpPr>
+            <a:spLocks noGrp="1"/>
+          </p:cNvSpPr>
+          <p:nvPr>
+            <p:ph type="body" idx="1"/>
+          </p:nvPr>
+        </p:nvSpPr>
+        <p:spPr/>
+        <p:txBody>
+          <a:bodyPr/>
+          <a:lstStyle/>
+          <a:p>
+            <a:r>
+              <a:rPr lang="en-US" altLang="zh-CN" dirty="0" smtClean="0"/>
+              <a:t>Rust</a:t>
+            </a:r>
+            <a:r>
+              <a:rPr lang="zh-CN" altLang="en-US" dirty="0" smtClean="0"/>
+              <a:t>发展是依赖社区和开发团队共同推进的，</a:t>
+            </a:r>
+            <a:r>
+              <a:rPr lang="en-US" altLang="zh-CN" dirty="0" smtClean="0"/>
+              <a:t>rust</a:t>
+            </a:r>
+            <a:r>
+              <a:rPr lang="zh-CN" altLang="en-US" dirty="0" smtClean="0"/>
+              <a:t>核心团队主要集中在</a:t>
+            </a:r>
+            <a:r>
+              <a:rPr lang="en-US" altLang="zh-CN" dirty="0" smtClean="0"/>
+              <a:t>rust</a:t>
+            </a:r>
+            <a:r>
+              <a:rPr lang="zh-CN" altLang="en-US" dirty="0" smtClean="0"/>
+              <a:t>语言本身的特性开发上，而社区主要集中在</a:t>
+            </a:r>
+            <a:r>
+              <a:rPr lang="en-US" altLang="zh-CN" dirty="0" smtClean="0"/>
+              <a:t>rust</a:t>
+            </a:r>
+            <a:r>
+              <a:rPr lang="zh-CN" altLang="en-US" dirty="0" smtClean="0"/>
+              <a:t>的基础应用上。很多基础库都会以</a:t>
+            </a:r>
+            <a:r>
+              <a:rPr lang="en-US" altLang="zh-CN" dirty="0" smtClean="0"/>
+              <a:t>crate</a:t>
+            </a:r>
+            <a:r>
+              <a:rPr lang="zh-CN" altLang="en-US" dirty="0" smtClean="0"/>
+              <a:t>的形式发布到</a:t>
+            </a:r>
+            <a:r>
+              <a:rPr lang="en-US" altLang="zh-CN" dirty="0" smtClean="0"/>
+              <a:t>crates.io</a:t>
+            </a:r>
+            <a:r>
+              <a:rPr lang="zh-CN" altLang="en-US" dirty="0" smtClean="0"/>
+              <a:t>上。目前为止有</a:t>
+            </a:r>
+            <a:r>
+              <a:rPr lang="en-US" altLang="zh-CN" dirty="0" smtClean="0"/>
+              <a:t>71905</a:t>
+            </a:r>
+            <a:r>
+              <a:rPr lang="zh-CN" altLang="en-US" smtClean="0"/>
+              <a:t>个</a:t>
+            </a:r>
+            <a:endParaRPr lang="zh-CN" altLang="en-US" dirty="0"/>
+          </a:p>
+        </p:txBody>
+      </p:sp>
+      <p:sp>
+        <p:nvSpPr>
+          <p:cNvPr id="4" name="灯片编号占位符 3"/>
+          <p:cNvSpPr>
+            <a:spLocks noGrp="1"/>
+          </p:cNvSpPr>
+          <p:nvPr>
+            <p:ph type="sldNum" sz="quarter" idx="10"/>
+          </p:nvPr>
+        </p:nvSpPr>
+        <p:spPr/>
+        <p:txBody>
+          <a:bodyPr/>
+          <a:lstStyle/>
+          <a:p>
+            <a:fld id="{6245CCF4-CF1B-4B4B-B5D0-2221EBE362B5}" type="slidenum">
+              <a:rPr lang="zh-CN" altLang="en-US" smtClean="0"/>
+              <a:t>25</a:t>
             </a:fld>
             <a:endParaRPr lang="zh-CN" altLang="en-US"/>
           </a:p>
@@ -9321,7 +9433,7 @@
           <a:p>
             <a:fld id="{3CD8EDAB-281B-495C-B3B1-C831B56AA954}" type="datetimeFigureOut">
               <a:rPr lang="zh-CN" altLang="en-US" smtClean="0"/>
-              <a:t>2021/12/2</a:t>
+              <a:t>2021/12/3</a:t>
             </a:fld>
             <a:endParaRPr lang="zh-CN" altLang="en-US"/>
           </a:p>
@@ -9591,7 +9703,7 @@
           <a:p>
             <a:fld id="{3CD8EDAB-281B-495C-B3B1-C831B56AA954}" type="datetimeFigureOut">
               <a:rPr lang="zh-CN" altLang="en-US" smtClean="0"/>
-              <a:t>2021/12/2</a:t>
+              <a:t>2021/12/3</a:t>
             </a:fld>
             <a:endParaRPr lang="zh-CN" altLang="en-US"/>
           </a:p>
@@ -9780,7 +9892,7 @@
           <a:p>
             <a:fld id="{3CD8EDAB-281B-495C-B3B1-C831B56AA954}" type="datetimeFigureOut">
               <a:rPr lang="zh-CN" altLang="en-US" smtClean="0"/>
-              <a:t>2021/12/2</a:t>
+              <a:t>2021/12/3</a:t>
             </a:fld>
             <a:endParaRPr lang="zh-CN" altLang="en-US"/>
           </a:p>
@@ -10048,7 +10160,7 @@
           <a:p>
             <a:fld id="{3CD8EDAB-281B-495C-B3B1-C831B56AA954}" type="datetimeFigureOut">
               <a:rPr lang="zh-CN" altLang="en-US" smtClean="0"/>
-              <a:t>2021/12/2</a:t>
+              <a:t>2021/12/3</a:t>
             </a:fld>
             <a:endParaRPr lang="zh-CN" altLang="en-US"/>
           </a:p>
@@ -10384,7 +10496,7 @@
           <a:p>
             <a:fld id="{3CD8EDAB-281B-495C-B3B1-C831B56AA954}" type="datetimeFigureOut">
               <a:rPr lang="zh-CN" altLang="en-US" smtClean="0"/>
-              <a:t>2021/12/2</a:t>
+              <a:t>2021/12/3</a:t>
             </a:fld>
             <a:endParaRPr lang="zh-CN" altLang="en-US"/>
           </a:p>
@@ -11002,7 +11114,7 @@
           <a:p>
             <a:fld id="{3CD8EDAB-281B-495C-B3B1-C831B56AA954}" type="datetimeFigureOut">
               <a:rPr lang="zh-CN" altLang="en-US" smtClean="0"/>
-              <a:t>2021/12/2</a:t>
+              <a:t>2021/12/3</a:t>
             </a:fld>
             <a:endParaRPr lang="zh-CN" altLang="en-US"/>
           </a:p>
@@ -11857,7 +11969,7 @@
           <a:p>
             <a:fld id="{3CD8EDAB-281B-495C-B3B1-C831B56AA954}" type="datetimeFigureOut">
               <a:rPr lang="zh-CN" altLang="en-US" smtClean="0"/>
-              <a:t>2021/12/2</a:t>
+              <a:t>2021/12/3</a:t>
             </a:fld>
             <a:endParaRPr lang="zh-CN" altLang="en-US"/>
           </a:p>
@@ -12022,7 +12134,7 @@
           <a:p>
             <a:fld id="{3CD8EDAB-281B-495C-B3B1-C831B56AA954}" type="datetimeFigureOut">
               <a:rPr lang="zh-CN" altLang="en-US" smtClean="0"/>
-              <a:t>2021/12/2</a:t>
+              <a:t>2021/12/3</a:t>
             </a:fld>
             <a:endParaRPr lang="zh-CN" altLang="en-US"/>
           </a:p>
@@ -12197,7 +12309,7 @@
           <a:p>
             <a:fld id="{3CD8EDAB-281B-495C-B3B1-C831B56AA954}" type="datetimeFigureOut">
               <a:rPr lang="zh-CN" altLang="en-US" smtClean="0"/>
-              <a:t>2021/12/2</a:t>
+              <a:t>2021/12/3</a:t>
             </a:fld>
             <a:endParaRPr lang="zh-CN" altLang="en-US"/>
           </a:p>
@@ -12362,7 +12474,7 @@
           <a:p>
             <a:fld id="{3CD8EDAB-281B-495C-B3B1-C831B56AA954}" type="datetimeFigureOut">
               <a:rPr lang="zh-CN" altLang="en-US" smtClean="0"/>
-              <a:t>2021/12/2</a:t>
+              <a:t>2021/12/3</a:t>
             </a:fld>
             <a:endParaRPr lang="zh-CN" altLang="en-US"/>
           </a:p>
@@ -12604,7 +12716,7 @@
           <a:p>
             <a:fld id="{3CD8EDAB-281B-495C-B3B1-C831B56AA954}" type="datetimeFigureOut">
               <a:rPr lang="zh-CN" altLang="en-US" smtClean="0"/>
-              <a:t>2021/12/2</a:t>
+              <a:t>2021/12/3</a:t>
             </a:fld>
             <a:endParaRPr lang="zh-CN" altLang="en-US"/>
           </a:p>
@@ -12891,7 +13003,7 @@
           <a:p>
             <a:fld id="{3CD8EDAB-281B-495C-B3B1-C831B56AA954}" type="datetimeFigureOut">
               <a:rPr lang="zh-CN" altLang="en-US" smtClean="0"/>
-              <a:t>2021/12/2</a:t>
+              <a:t>2021/12/3</a:t>
             </a:fld>
             <a:endParaRPr lang="zh-CN" altLang="en-US"/>
           </a:p>
@@ -13330,7 +13442,7 @@
           <a:p>
             <a:fld id="{3CD8EDAB-281B-495C-B3B1-C831B56AA954}" type="datetimeFigureOut">
               <a:rPr lang="zh-CN" altLang="en-US" smtClean="0"/>
-              <a:t>2021/12/2</a:t>
+              <a:t>2021/12/3</a:t>
             </a:fld>
             <a:endParaRPr lang="zh-CN" altLang="en-US"/>
           </a:p>
@@ -13443,7 +13555,7 @@
           <a:p>
             <a:fld id="{3CD8EDAB-281B-495C-B3B1-C831B56AA954}" type="datetimeFigureOut">
               <a:rPr lang="zh-CN" altLang="en-US" smtClean="0"/>
-              <a:t>2021/12/2</a:t>
+              <a:t>2021/12/3</a:t>
             </a:fld>
             <a:endParaRPr lang="zh-CN" altLang="en-US"/>
           </a:p>
@@ -13533,7 +13645,7 @@
           <a:p>
             <a:fld id="{3CD8EDAB-281B-495C-B3B1-C831B56AA954}" type="datetimeFigureOut">
               <a:rPr lang="zh-CN" altLang="en-US" smtClean="0"/>
-              <a:t>2021/12/2</a:t>
+              <a:t>2021/12/3</a:t>
             </a:fld>
             <a:endParaRPr lang="zh-CN" altLang="en-US"/>
           </a:p>
@@ -13807,7 +13919,7 @@
           <a:p>
             <a:fld id="{3CD8EDAB-281B-495C-B3B1-C831B56AA954}" type="datetimeFigureOut">
               <a:rPr lang="zh-CN" altLang="en-US" smtClean="0"/>
-              <a:t>2021/12/2</a:t>
+              <a:t>2021/12/3</a:t>
             </a:fld>
             <a:endParaRPr lang="zh-CN" altLang="en-US"/>
           </a:p>
@@ -14077,7 +14189,7 @@
           <a:p>
             <a:fld id="{3CD8EDAB-281B-495C-B3B1-C831B56AA954}" type="datetimeFigureOut">
               <a:rPr lang="zh-CN" altLang="en-US" smtClean="0"/>
-              <a:t>2021/12/2</a:t>
+              <a:t>2021/12/3</a:t>
             </a:fld>
             <a:endParaRPr lang="zh-CN" altLang="en-US"/>
           </a:p>
@@ -14509,7 +14621,7 @@
           <a:p>
             <a:fld id="{3CD8EDAB-281B-495C-B3B1-C831B56AA954}" type="datetimeFigureOut">
               <a:rPr lang="zh-CN" altLang="en-US" smtClean="0"/>
-              <a:t>2021/12/2</a:t>
+              <a:t>2021/12/3</a:t>
             </a:fld>
             <a:endParaRPr lang="zh-CN" altLang="en-US"/>
           </a:p>
@@ -16281,11 +16393,7 @@
             </a:r>
             <a:r>
               <a:rPr lang="zh-CN" altLang="en-US" dirty="0" smtClean="0"/>
-              <a:t>型</a:t>
-            </a:r>
-            <a:r>
-              <a:rPr lang="zh-CN" altLang="en-US" dirty="0" smtClean="0"/>
-              <a:t>，代码展开实现</a:t>
+              <a:t>型，代码展开实现</a:t>
             </a:r>
             <a:endParaRPr lang="en-US" altLang="zh-CN" dirty="0" smtClean="0"/>
           </a:p>
@@ -16391,7 +16499,7 @@
           <a:p>
             <a:r>
               <a:rPr lang="zh-CN" altLang="en-US" dirty="0"/>
-              <a:t>零成本抽象</a:t>
+              <a:t>实用性</a:t>
             </a:r>
             <a:endParaRPr lang="en-US" altLang="zh-CN" dirty="0"/>
           </a:p>
@@ -16402,76 +16510,91 @@
             <a:r>
               <a:rPr lang="en-US" altLang="zh-CN" dirty="0"/>
               <a:t>	- </a:t>
+            </a:r>
+            <a:r>
+              <a:rPr lang="zh-CN" altLang="en-US" dirty="0"/>
+              <a:t>无畏</a:t>
+            </a:r>
+            <a:r>
+              <a:rPr lang="zh-CN" altLang="en-US" dirty="0" smtClean="0"/>
+              <a:t>并发</a:t>
+            </a:r>
+            <a:r>
+              <a:rPr lang="zh-CN" altLang="en-US" dirty="0" smtClean="0"/>
+              <a:t>，借用检查器在编译阶段检测非法的并发数据访问。</a:t>
+            </a:r>
+            <a:endParaRPr lang="en-US" altLang="zh-CN" dirty="0" smtClean="0"/>
+          </a:p>
+          <a:p>
+            <a:pPr marL="0" indent="0">
+              <a:buNone/>
+            </a:pPr>
+            <a:r>
+              <a:rPr lang="en-US" altLang="zh-CN" dirty="0"/>
+              <a:t>	- </a:t>
+            </a:r>
+            <a:r>
+              <a:rPr lang="zh-CN" altLang="en-US" dirty="0"/>
+              <a:t>方便且零成本的</a:t>
+            </a:r>
+            <a:r>
+              <a:rPr lang="en-US" altLang="zh-CN" dirty="0"/>
+              <a:t>FFI</a:t>
+            </a:r>
+            <a:r>
+              <a:rPr lang="zh-CN" altLang="en-US" dirty="0"/>
+              <a:t>，兼容</a:t>
+            </a:r>
+            <a:r>
+              <a:rPr lang="en-US" altLang="zh-CN" dirty="0"/>
+              <a:t>C-ABI</a:t>
+            </a:r>
+            <a:r>
+              <a:rPr lang="zh-CN" altLang="en-US" dirty="0"/>
+              <a:t>，能够接收</a:t>
+            </a:r>
+            <a:r>
+              <a:rPr lang="en-US" altLang="zh-CN" dirty="0"/>
+              <a:t>C</a:t>
+            </a:r>
+            <a:r>
+              <a:rPr lang="zh-CN" altLang="en-US" dirty="0"/>
+              <a:t>语言的</a:t>
+            </a:r>
+            <a:r>
+              <a:rPr lang="zh-CN" altLang="en-US" dirty="0" smtClean="0"/>
+              <a:t>遗产。</a:t>
+            </a:r>
+            <a:endParaRPr lang="en-US" altLang="zh-CN" dirty="0"/>
+          </a:p>
+          <a:p>
+            <a:pPr marL="0" indent="0">
+              <a:buNone/>
+            </a:pPr>
+            <a:r>
+              <a:rPr lang="en-US" altLang="zh-CN" dirty="0"/>
+              <a:t>	- </a:t>
+            </a:r>
+            <a:r>
+              <a:rPr lang="zh-CN" altLang="en-US" dirty="0"/>
+              <a:t>强大的包管理工具</a:t>
             </a:r>
             <a:r>
               <a:rPr lang="en-US" altLang="zh-CN" dirty="0" smtClean="0">
                 <a:latin typeface="Times New Roman" panose="02020603050405020304" pitchFamily="18" charset="0"/>
                 <a:cs typeface="Times New Roman" panose="02020603050405020304" pitchFamily="18" charset="0"/>
               </a:rPr>
-              <a:t>trait</a:t>
-            </a:r>
-            <a:r>
-              <a:rPr lang="zh-CN" altLang="en-US" dirty="0" smtClean="0">
-                <a:latin typeface="Times New Roman" panose="02020603050405020304" pitchFamily="18" charset="0"/>
-                <a:cs typeface="Times New Roman" panose="02020603050405020304" pitchFamily="18" charset="0"/>
-              </a:rPr>
-              <a:t>（限定）</a:t>
-            </a:r>
-            <a:endParaRPr lang="en-US" altLang="zh-CN" dirty="0">
-              <a:latin typeface="Times New Roman" panose="02020603050405020304" pitchFamily="18" charset="0"/>
-              <a:cs typeface="Times New Roman" panose="02020603050405020304" pitchFamily="18" charset="0"/>
-            </a:endParaRPr>
-          </a:p>
-          <a:p>
-            <a:pPr marL="0" indent="0">
-              <a:buNone/>
-            </a:pPr>
-            <a:r>
-              <a:rPr lang="en-US" altLang="zh-CN" dirty="0"/>
-              <a:t>	- </a:t>
-            </a:r>
-            <a:r>
-              <a:rPr lang="zh-CN" altLang="en-US" dirty="0"/>
-              <a:t>泛</a:t>
+              <a:t>cargo</a:t>
             </a:r>
             <a:r>
               <a:rPr lang="zh-CN" altLang="en-US" dirty="0" smtClean="0"/>
-              <a:t>型</a:t>
-            </a:r>
-            <a:endParaRPr lang="en-US" altLang="zh-CN" dirty="0" smtClean="0"/>
-          </a:p>
-          <a:p>
-            <a:pPr marL="0" indent="0">
-              <a:buNone/>
-            </a:pPr>
-            <a:r>
-              <a:rPr lang="zh-CN" altLang="en-US" dirty="0" smtClean="0"/>
-              <a:t>插图，</a:t>
-            </a:r>
-            <a:r>
-              <a:rPr lang="en-US" altLang="zh-CN" dirty="0" smtClean="0"/>
-              <a:t>MIR,</a:t>
-            </a:r>
-            <a:r>
-              <a:rPr lang="zh-CN" altLang="en-US" dirty="0" smtClean="0"/>
-              <a:t>中间代码。</a:t>
-            </a:r>
-            <a:endParaRPr lang="en-US" altLang="zh-CN" dirty="0" smtClean="0"/>
-          </a:p>
-          <a:p>
-            <a:pPr marL="0" indent="0">
-              <a:buNone/>
-            </a:pPr>
-            <a:endParaRPr lang="en-US" altLang="zh-CN" dirty="0"/>
+              <a:t>。</a:t>
+            </a:r>
+            <a:endParaRPr lang="zh-CN" altLang="en-US" dirty="0"/>
           </a:p>
         </p:txBody>
       </p:sp>
     </p:spTree>
-    <p:extLst>
-      <p:ext uri="{BB962C8B-B14F-4D97-AF65-F5344CB8AC3E}">
-        <p14:creationId xmlns:p14="http://schemas.microsoft.com/office/powerpoint/2010/main" val="3870922295"/>
-      </p:ext>
-    </p:extLst>
   </p:cSld>
   <p:clrMapOvr>
     <a:masterClrMapping/>
@@ -16604,25 +16727,29 @@
           <a:bodyPr/>
           <a:lstStyle/>
           <a:p>
-            <a:r>
-              <a:rPr lang="zh-CN" altLang="en-US" dirty="0"/>
-              <a:t>实用性</a:t>
-            </a:r>
-            <a:endParaRPr lang="en-US" altLang="zh-CN" dirty="0"/>
-          </a:p>
-          <a:p>
             <a:pPr marL="0" indent="0">
               <a:buNone/>
             </a:pPr>
             <a:r>
               <a:rPr lang="en-US" altLang="zh-CN" dirty="0"/>
-              <a:t>	- </a:t>
-            </a:r>
-            <a:r>
-              <a:rPr lang="zh-CN" altLang="en-US" dirty="0"/>
-              <a:t>无畏并发，保证内存安全、并发安全的同时，不会牺牲性能</a:t>
-            </a:r>
-            <a:endParaRPr lang="en-US" altLang="zh-CN" dirty="0"/>
+              <a:t>	</a:t>
+            </a:r>
+            <a:r>
+              <a:rPr lang="en-US" altLang="zh-CN" dirty="0" smtClean="0"/>
+              <a:t>- </a:t>
+            </a:r>
+            <a:r>
+              <a:rPr lang="en-US" altLang="zh-CN" dirty="0" smtClean="0">
+                <a:latin typeface="Times New Roman" panose="02020603050405020304" pitchFamily="18" charset="0"/>
+                <a:cs typeface="Times New Roman" panose="02020603050405020304" pitchFamily="18" charset="0"/>
+              </a:rPr>
+              <a:t>channel</a:t>
+            </a:r>
+            <a:r>
+              <a:rPr lang="zh-CN" altLang="en-US" dirty="0" smtClean="0"/>
+              <a:t>实现线程间通信</a:t>
+            </a:r>
+            <a:endParaRPr lang="en-US" altLang="zh-CN" dirty="0" smtClean="0"/>
           </a:p>
           <a:p>
             <a:pPr marL="0" indent="0">
@@ -16630,59 +16757,93 @@
             </a:pPr>
             <a:r>
               <a:rPr lang="en-US" altLang="zh-CN" dirty="0"/>
-              <a:t>	- </a:t>
-            </a:r>
-            <a:r>
-              <a:rPr lang="zh-CN" altLang="en-US" dirty="0"/>
-              <a:t>方便且零成本的</a:t>
-            </a:r>
-            <a:r>
-              <a:rPr lang="en-US" altLang="zh-CN" dirty="0"/>
-              <a:t>FFI</a:t>
-            </a:r>
-            <a:r>
-              <a:rPr lang="zh-CN" altLang="en-US" dirty="0"/>
-              <a:t>，兼容</a:t>
-            </a:r>
-            <a:r>
-              <a:rPr lang="en-US" altLang="zh-CN" dirty="0"/>
-              <a:t>C-ABI</a:t>
-            </a:r>
-            <a:r>
-              <a:rPr lang="zh-CN" altLang="en-US" dirty="0"/>
-              <a:t>，能够接收</a:t>
-            </a:r>
-            <a:r>
-              <a:rPr lang="en-US" altLang="zh-CN" dirty="0"/>
-              <a:t>C</a:t>
-            </a:r>
-            <a:r>
-              <a:rPr lang="zh-CN" altLang="en-US" dirty="0"/>
-              <a:t>语言的遗产</a:t>
-            </a:r>
-            <a:endParaRPr lang="en-US" altLang="zh-CN" dirty="0"/>
+              <a:t>	</a:t>
+            </a:r>
+            <a:r>
+              <a:rPr lang="en-US" altLang="zh-CN" dirty="0" smtClean="0"/>
+              <a:t>- </a:t>
+            </a:r>
+            <a:r>
+              <a:rPr lang="zh-CN" altLang="en-US" dirty="0" smtClean="0"/>
+              <a:t>语言层面上限定不同类型数据，线程间共享内存（</a:t>
+            </a:r>
+            <a:r>
+              <a:rPr lang="en-US" altLang="zh-CN" dirty="0" smtClean="0">
+                <a:latin typeface="Times New Roman" panose="02020603050405020304" pitchFamily="18" charset="0"/>
+                <a:cs typeface="Times New Roman" panose="02020603050405020304" pitchFamily="18" charset="0"/>
+              </a:rPr>
+              <a:t>send</a:t>
+            </a:r>
+            <a:r>
+              <a:rPr lang="en-US" altLang="zh-CN" dirty="0" smtClean="0"/>
+              <a:t>, </a:t>
+            </a:r>
+            <a:r>
+              <a:rPr lang="en-US" altLang="zh-CN" dirty="0" smtClean="0">
+                <a:latin typeface="Times New Roman" panose="02020603050405020304" pitchFamily="18" charset="0"/>
+                <a:cs typeface="Times New Roman" panose="02020603050405020304" pitchFamily="18" charset="0"/>
+              </a:rPr>
+              <a:t>sync</a:t>
+            </a:r>
+            <a:r>
+              <a:rPr lang="zh-CN" altLang="en-US" dirty="0" smtClean="0"/>
+              <a:t>）</a:t>
+            </a:r>
+            <a:endParaRPr lang="en-US" altLang="zh-CN" dirty="0" smtClean="0"/>
           </a:p>
           <a:p>
             <a:pPr marL="0" indent="0">
               <a:buNone/>
             </a:pPr>
             <a:r>
-              <a:rPr lang="en-US" altLang="zh-CN" dirty="0"/>
-              <a:t>	- </a:t>
-            </a:r>
-            <a:r>
-              <a:rPr lang="zh-CN" altLang="en-US" dirty="0"/>
-              <a:t>强大的包管理工具</a:t>
-            </a:r>
-            <a:r>
-              <a:rPr lang="en-US" altLang="zh-CN" dirty="0"/>
-              <a:t>cargo</a:t>
+              <a:rPr lang="en-US" altLang="zh-CN" dirty="0" smtClean="0"/>
+              <a:t>      - </a:t>
+            </a:r>
+            <a:r>
+              <a:rPr lang="zh-CN" altLang="en-US" dirty="0" smtClean="0"/>
+              <a:t>异步并发</a:t>
             </a:r>
             <a:endParaRPr lang="zh-CN" altLang="en-US" dirty="0"/>
           </a:p>
         </p:txBody>
       </p:sp>
+      <p:sp>
+        <p:nvSpPr>
+          <p:cNvPr id="4" name="矩形 3"/>
+          <p:cNvSpPr/>
+          <p:nvPr/>
+        </p:nvSpPr>
+        <p:spPr>
+          <a:xfrm>
+            <a:off x="1496785" y="4640721"/>
+            <a:ext cx="8553067" cy="369332"/>
+          </a:xfrm>
+          <a:prstGeom prst="rect">
+            <a:avLst/>
+          </a:prstGeom>
+        </p:spPr>
+        <p:txBody>
+          <a:bodyPr wrap="square">
+            <a:spAutoFit/>
+          </a:bodyPr>
+          <a:lstStyle/>
+          <a:p>
+            <a:r>
+              <a:rPr lang="en-US" altLang="zh-CN" dirty="0">
+                <a:latin typeface="Times New Roman" panose="02020603050405020304" pitchFamily="18" charset="0"/>
+                <a:cs typeface="Times New Roman" panose="02020603050405020304" pitchFamily="18" charset="0"/>
+              </a:rPr>
+              <a:t>https://blog.rust-lang.org/2015/04/10/Fearless-Concurrency.html</a:t>
+            </a:r>
+          </a:p>
+        </p:txBody>
+      </p:sp>
     </p:spTree>
+    <p:extLst>
+      <p:ext uri="{BB962C8B-B14F-4D97-AF65-F5344CB8AC3E}">
+        <p14:creationId xmlns:p14="http://schemas.microsoft.com/office/powerpoint/2010/main" val="169104995"/>
+      </p:ext>
+    </p:extLst>
   </p:cSld>
   <p:clrMapOvr>
     <a:masterClrMapping/>
@@ -16751,7 +16912,7 @@
               <a:rPr lang="zh-CN" altLang="en-US" dirty="0" smtClean="0">
                 <a:latin typeface="+mj-ea"/>
               </a:rPr>
-              <a:t>优劣</a:t>
+              <a:t>特性</a:t>
             </a:r>
             <a:endParaRPr lang="zh-CN" altLang="en-US" dirty="0">
               <a:latin typeface="+mj-ea"/>
@@ -16759,108 +16920,49 @@
           </a:p>
         </p:txBody>
       </p:sp>
-      <p:sp>
-        <p:nvSpPr>
-          <p:cNvPr id="3" name="内容占位符 2"/>
-          <p:cNvSpPr>
-            <a:spLocks noGrp="1"/>
-          </p:cNvSpPr>
+      <p:pic>
+        <p:nvPicPr>
+          <p:cNvPr id="4" name="内容占位符 3"/>
+          <p:cNvPicPr>
+            <a:picLocks noGrp="1" noChangeAspect="1"/>
+          </p:cNvPicPr>
           <p:nvPr>
             <p:ph idx="1"/>
           </p:nvPr>
-        </p:nvSpPr>
-        <p:spPr/>
-        <p:txBody>
-          <a:bodyPr/>
-          <a:lstStyle/>
-          <a:p>
-            <a:r>
-              <a:rPr lang="zh-CN" altLang="en-US" dirty="0"/>
-              <a:t>优点</a:t>
-            </a:r>
-            <a:endParaRPr lang="en-US" altLang="zh-CN" dirty="0"/>
-          </a:p>
-          <a:p>
-            <a:pPr lvl="1"/>
-            <a:r>
-              <a:rPr lang="zh-CN" altLang="en-US" dirty="0" smtClean="0"/>
-              <a:t>高性能</a:t>
-            </a:r>
-            <a:endParaRPr lang="en-US" altLang="zh-CN" dirty="0" smtClean="0"/>
-          </a:p>
-          <a:p>
-            <a:pPr lvl="2"/>
-            <a:r>
-              <a:rPr lang="en-US" altLang="zh-CN" dirty="0" smtClean="0"/>
-              <a:t>Benchmarks game </a:t>
-            </a:r>
-          </a:p>
-          <a:p>
-            <a:pPr lvl="2"/>
-            <a:r>
-              <a:rPr lang="en-US" altLang="zh-CN" dirty="0" err="1" smtClean="0"/>
-              <a:t>Json</a:t>
-            </a:r>
-            <a:r>
-              <a:rPr lang="zh-CN" altLang="en-US" dirty="0" smtClean="0"/>
-              <a:t>等的对比</a:t>
-            </a:r>
-            <a:endParaRPr lang="en-US" altLang="zh-CN" dirty="0"/>
-          </a:p>
-          <a:p>
-            <a:pPr lvl="1"/>
-            <a:r>
-              <a:rPr lang="zh-CN" altLang="en-US" dirty="0"/>
-              <a:t>完备的安全检查</a:t>
-            </a:r>
-            <a:endParaRPr lang="en-US" altLang="zh-CN" dirty="0"/>
-          </a:p>
-          <a:p>
-            <a:r>
-              <a:rPr lang="zh-CN" altLang="en-US" dirty="0"/>
-              <a:t>缺点</a:t>
-            </a:r>
-            <a:endParaRPr lang="en-US" altLang="zh-CN" dirty="0"/>
-          </a:p>
-          <a:p>
-            <a:pPr lvl="1"/>
-            <a:r>
-              <a:rPr lang="zh-CN" altLang="en-US" dirty="0"/>
-              <a:t>学习曲线</a:t>
-            </a:r>
-            <a:r>
-              <a:rPr lang="zh-CN" altLang="en-US" dirty="0" smtClean="0"/>
-              <a:t>陡峭</a:t>
-            </a:r>
-            <a:endParaRPr lang="en-US" altLang="zh-CN" dirty="0" smtClean="0"/>
-          </a:p>
-          <a:p>
-            <a:pPr lvl="1"/>
-            <a:r>
-              <a:rPr lang="zh-CN" altLang="en-US" dirty="0"/>
-              <a:t>生态不够</a:t>
-            </a:r>
-            <a:r>
-              <a:rPr lang="zh-CN" altLang="en-US" dirty="0" smtClean="0"/>
-              <a:t>丰富</a:t>
-            </a:r>
-            <a:endParaRPr lang="en-US" altLang="zh-CN" dirty="0" smtClean="0"/>
-          </a:p>
-          <a:p>
-            <a:pPr lvl="1"/>
-            <a:r>
-              <a:rPr lang="zh-CN" altLang="en-US" dirty="0" smtClean="0"/>
-              <a:t>开发效率不高，开发工具，调试</a:t>
-            </a:r>
-            <a:endParaRPr lang="zh-CN" altLang="en-US" dirty="0"/>
-          </a:p>
-        </p:txBody>
-      </p:sp>
+        </p:nvPicPr>
+        <p:blipFill>
+          <a:blip r:embed="rId3"/>
+          <a:stretch>
+            <a:fillRect/>
+          </a:stretch>
+        </p:blipFill>
+        <p:spPr>
+          <a:xfrm>
+            <a:off x="2067109" y="1973376"/>
+            <a:ext cx="6562725" cy="3276600"/>
+          </a:xfrm>
+          <a:prstGeom prst="rect">
+            <a:avLst/>
+          </a:prstGeom>
+        </p:spPr>
+      </p:pic>
     </p:spTree>
+    <p:extLst>
+      <p:ext uri="{BB962C8B-B14F-4D97-AF65-F5344CB8AC3E}">
+        <p14:creationId xmlns:p14="http://schemas.microsoft.com/office/powerpoint/2010/main" val="3316043783"/>
+      </p:ext>
+    </p:extLst>
   </p:cSld>
   <p:clrMapOvr>
     <a:masterClrMapping/>
   </p:clrMapOvr>
+  <p:timing>
+    <p:tnLst>
+      <p:par>
+        <p:cTn id="1" dur="indefinite" restart="never" nodeType="tmRoot"/>
+      </p:par>
+    </p:tnLst>
+  </p:timing>
 </p:sld>
 </file>
 
@@ -16918,7 +17020,7 @@
               <a:rPr lang="zh-CN" altLang="en-US" dirty="0" smtClean="0">
                 <a:latin typeface="+mj-ea"/>
               </a:rPr>
-              <a:t>优劣</a:t>
+              <a:t>特性</a:t>
             </a:r>
             <a:endParaRPr lang="zh-CN" altLang="en-US" dirty="0">
               <a:latin typeface="+mj-ea"/>
@@ -16941,25 +17043,84 @@
           <a:bodyPr/>
           <a:lstStyle/>
           <a:p>
-            <a:r>
-              <a:rPr lang="zh-CN" altLang="en-US" dirty="0"/>
-              <a:t>学习曲线陡峭</a:t>
-            </a:r>
-            <a:endParaRPr lang="en-US" altLang="zh-CN" dirty="0"/>
-          </a:p>
-          <a:p>
-            <a:r>
-              <a:rPr lang="zh-CN" altLang="en-US" dirty="0"/>
-              <a:t>生态不够丰富</a:t>
-            </a:r>
+            <a:pPr marL="0" indent="0">
+              <a:buNone/>
+            </a:pPr>
+            <a:r>
+              <a:rPr lang="en-US" altLang="zh-CN" dirty="0" smtClean="0">
+                <a:latin typeface="Times New Roman" panose="02020603050405020304" pitchFamily="18" charset="0"/>
+                <a:cs typeface="Times New Roman" panose="02020603050405020304" pitchFamily="18" charset="0"/>
+              </a:rPr>
+              <a:t>Rust</a:t>
+            </a:r>
+            <a:r>
+              <a:rPr lang="zh-CN" altLang="en-US" dirty="0" smtClean="0">
+                <a:latin typeface="Times New Roman" panose="02020603050405020304" pitchFamily="18" charset="0"/>
+                <a:cs typeface="Times New Roman" panose="02020603050405020304" pitchFamily="18" charset="0"/>
+              </a:rPr>
+              <a:t>异步并发</a:t>
+            </a:r>
+            <a:endParaRPr lang="en-US" altLang="zh-CN" dirty="0" smtClean="0">
+              <a:latin typeface="Times New Roman" panose="02020603050405020304" pitchFamily="18" charset="0"/>
+              <a:cs typeface="Times New Roman" panose="02020603050405020304" pitchFamily="18" charset="0"/>
+            </a:endParaRPr>
+          </a:p>
+          <a:p>
+            <a:pPr marL="0" indent="0">
+              <a:buNone/>
+            </a:pPr>
+            <a:r>
+              <a:rPr lang="en-US" altLang="zh-CN" dirty="0" smtClean="0">
+                <a:latin typeface="Times New Roman" panose="02020603050405020304" pitchFamily="18" charset="0"/>
+                <a:cs typeface="Times New Roman" panose="02020603050405020304" pitchFamily="18" charset="0"/>
+              </a:rPr>
+              <a:t>Rust</a:t>
+            </a:r>
+            <a:r>
+              <a:rPr lang="zh-CN" altLang="en-US" dirty="0" smtClean="0">
+                <a:latin typeface="Times New Roman" panose="02020603050405020304" pitchFamily="18" charset="0"/>
+                <a:cs typeface="Times New Roman" panose="02020603050405020304" pitchFamily="18" charset="0"/>
+              </a:rPr>
+              <a:t>异步并发通过引入协程，实现单线程并发计算。当前</a:t>
+            </a:r>
+            <a:r>
+              <a:rPr lang="en-US" altLang="zh-CN" dirty="0" smtClean="0">
+                <a:latin typeface="Times New Roman" panose="02020603050405020304" pitchFamily="18" charset="0"/>
+                <a:cs typeface="Times New Roman" panose="02020603050405020304" pitchFamily="18" charset="0"/>
+              </a:rPr>
+              <a:t>rust</a:t>
+            </a:r>
+            <a:r>
+              <a:rPr lang="zh-CN" altLang="en-US" dirty="0" smtClean="0">
+                <a:latin typeface="Times New Roman" panose="02020603050405020304" pitchFamily="18" charset="0"/>
+                <a:cs typeface="Times New Roman" panose="02020603050405020304" pitchFamily="18" charset="0"/>
+              </a:rPr>
+              <a:t>异步开发需要三方库运行时支持。由开发者分割计算过程构造异步任务，生成对应的计算任务，由三方库支持异步任务的调度处理。</a:t>
+            </a:r>
+            <a:endParaRPr lang="en-US" altLang="zh-CN" dirty="0" smtClean="0">
+              <a:latin typeface="Times New Roman" panose="02020603050405020304" pitchFamily="18" charset="0"/>
+              <a:cs typeface="Times New Roman" panose="02020603050405020304" pitchFamily="18" charset="0"/>
+            </a:endParaRPr>
           </a:p>
         </p:txBody>
       </p:sp>
     </p:spTree>
+    <p:extLst>
+      <p:ext uri="{BB962C8B-B14F-4D97-AF65-F5344CB8AC3E}">
+        <p14:creationId xmlns:p14="http://schemas.microsoft.com/office/powerpoint/2010/main" val="352776591"/>
+      </p:ext>
+    </p:extLst>
   </p:cSld>
   <p:clrMapOvr>
     <a:masterClrMapping/>
   </p:clrMapOvr>
+  <p:timing>
+    <p:tnLst>
+      <p:par>
+        <p:cTn id="1" dur="indefinite" restart="never" nodeType="tmRoot"/>
+      </p:par>
+    </p:tnLst>
+  </p:timing>
 </p:sld>
 </file>
 
@@ -17040,27 +17201,100 @@
           <a:bodyPr/>
           <a:lstStyle/>
           <a:p>
-            <a:pPr marL="0" indent="0">
-              <a:buNone/>
-            </a:pPr>
+            <a:r>
+              <a:rPr lang="zh-CN" altLang="en-US" dirty="0"/>
+              <a:t>优点</a:t>
+            </a:r>
+            <a:endParaRPr lang="en-US" altLang="zh-CN" dirty="0"/>
+          </a:p>
+          <a:p>
+            <a:pPr lvl="1"/>
             <a:r>
               <a:rPr lang="zh-CN" altLang="en-US" dirty="0" smtClean="0"/>
-              <a:t>图（学习曲线图）</a:t>
+              <a:t>高性能</a:t>
+            </a:r>
+            <a:endParaRPr lang="en-US" altLang="zh-CN" dirty="0" smtClean="0"/>
+          </a:p>
+          <a:p>
+            <a:pPr lvl="2"/>
+            <a:r>
+              <a:rPr lang="en-US" altLang="zh-CN" dirty="0" smtClean="0"/>
+              <a:t>Benchmarks game </a:t>
+            </a:r>
+          </a:p>
+          <a:p>
+            <a:pPr lvl="2"/>
+            <a:r>
+              <a:rPr lang="en-US" altLang="zh-CN" dirty="0" err="1" smtClean="0"/>
+              <a:t>Json</a:t>
+            </a:r>
+            <a:r>
+              <a:rPr lang="zh-CN" altLang="en-US" dirty="0" smtClean="0"/>
+              <a:t>等的对比</a:t>
             </a:r>
             <a:endParaRPr lang="en-US" altLang="zh-CN" dirty="0"/>
           </a:p>
+          <a:p>
+            <a:pPr lvl="1"/>
+            <a:r>
+              <a:rPr lang="zh-CN" altLang="en-US" dirty="0"/>
+              <a:t>完备的安全检查</a:t>
+            </a:r>
+            <a:endParaRPr lang="en-US" altLang="zh-CN" dirty="0"/>
+          </a:p>
+          <a:p>
+            <a:r>
+              <a:rPr lang="zh-CN" altLang="en-US" dirty="0"/>
+              <a:t>缺点</a:t>
+            </a:r>
+            <a:endParaRPr lang="en-US" altLang="zh-CN" dirty="0"/>
+          </a:p>
+          <a:p>
+            <a:pPr lvl="1"/>
+            <a:r>
+              <a:rPr lang="zh-CN" altLang="en-US" dirty="0"/>
+              <a:t>学习曲线</a:t>
+            </a:r>
+            <a:r>
+              <a:rPr lang="zh-CN" altLang="en-US" dirty="0" smtClean="0"/>
+              <a:t>陡峭</a:t>
+            </a:r>
+            <a:endParaRPr lang="en-US" altLang="zh-CN" dirty="0" smtClean="0"/>
+          </a:p>
+          <a:p>
+            <a:pPr lvl="1"/>
+            <a:r>
+              <a:rPr lang="zh-CN" altLang="en-US" dirty="0"/>
+              <a:t>生态不够</a:t>
+            </a:r>
+            <a:r>
+              <a:rPr lang="zh-CN" altLang="en-US" dirty="0" smtClean="0"/>
+              <a:t>丰富</a:t>
+            </a:r>
+            <a:endParaRPr lang="en-US" altLang="zh-CN" dirty="0" smtClean="0"/>
+          </a:p>
+          <a:p>
+            <a:pPr lvl="1"/>
+            <a:r>
+              <a:rPr lang="zh-CN" altLang="en-US" dirty="0" smtClean="0"/>
+              <a:t>开发效率不高，开发工具，调试</a:t>
+            </a:r>
+            <a:endParaRPr lang="zh-CN" altLang="en-US" dirty="0"/>
+          </a:p>
         </p:txBody>
       </p:sp>
     </p:spTree>
-    <p:extLst>
-      <p:ext uri="{BB962C8B-B14F-4D97-AF65-F5344CB8AC3E}">
-        <p14:creationId xmlns:p14="http://schemas.microsoft.com/office/powerpoint/2010/main" val="2341056355"/>
-      </p:ext>
-    </p:extLst>
   </p:cSld>
   <p:clrMapOvr>
     <a:masterClrMapping/>
   </p:clrMapOvr>
+  <p:timing>
+    <p:tnLst>
+      <p:par>
+        <p:cTn id="1" dur="indefinite" restart="never" nodeType="tmRoot"/>
+      </p:par>
+    </p:tnLst>
+  </p:timing>
 </p:sld>
 </file>
 
@@ -17097,18 +17331,32 @@
           <a:lstStyle/>
           <a:p>
             <a:r>
-              <a:rPr kumimoji="1" lang="en-US" altLang="zh-CN" dirty="0" smtClean="0">
+              <a:rPr lang="en-US" altLang="zh-CN" dirty="0">
                 <a:latin typeface="+mj-ea"/>
               </a:rPr>
               <a:t>Rust</a:t>
             </a:r>
             <a:r>
-              <a:rPr kumimoji="1" lang="zh-CN" altLang="en-US" dirty="0" smtClean="0">
+              <a:rPr lang="zh-CN" altLang="en-US" dirty="0" smtClean="0">
                 <a:latin typeface="+mj-ea"/>
               </a:rPr>
-              <a:t>生态和应用</a:t>
-            </a:r>
-            <a:endParaRPr lang="zh-CN" altLang="en-US" dirty="0"/>
+              <a:t>简介</a:t>
+            </a:r>
+            <a:r>
+              <a:rPr lang="en-US" altLang="zh-CN" dirty="0" smtClean="0">
+                <a:latin typeface="+mj-ea"/>
+              </a:rPr>
+              <a:t>-</a:t>
+            </a:r>
+            <a:r>
+              <a:rPr lang="zh-CN" altLang="en-US" dirty="0" smtClean="0">
+                <a:latin typeface="+mj-ea"/>
+              </a:rPr>
+              <a:t>优劣</a:t>
+            </a:r>
+            <a:endParaRPr lang="zh-CN" altLang="en-US" dirty="0">
+              <a:latin typeface="+mj-ea"/>
+            </a:endParaRPr>
           </a:p>
         </p:txBody>
       </p:sp>
@@ -17131,54 +17379,17 @@
               <a:buNone/>
             </a:pPr>
             <a:r>
-              <a:rPr kumimoji="1" lang="zh-CN" altLang="en-US" dirty="0" smtClean="0"/>
-              <a:t>基础</a:t>
-            </a:r>
-            <a:r>
-              <a:rPr kumimoji="1" lang="zh-CN" altLang="en-US" dirty="0"/>
-              <a:t>库，</a:t>
-            </a:r>
-            <a:r>
-              <a:rPr kumimoji="1" lang="en-US" altLang="zh-CN" dirty="0" err="1"/>
-              <a:t>io</a:t>
-            </a:r>
-            <a:r>
-              <a:rPr kumimoji="1" lang="zh-CN" altLang="en-US" dirty="0"/>
-              <a:t>，网络，数据库，集中在云计算</a:t>
-            </a:r>
-          </a:p>
-          <a:p>
-            <a:pPr marL="0" indent="0">
-              <a:buNone/>
-            </a:pPr>
-            <a:r>
-              <a:rPr kumimoji="1" lang="zh-CN" altLang="en-US" dirty="0"/>
-              <a:t>上层应用，典型的产品，</a:t>
-            </a:r>
-            <a:r>
-              <a:rPr kumimoji="1" lang="en-US" altLang="zh-CN" dirty="0"/>
-              <a:t>go-docker,rust-db,linkerd-proxy,2.0</a:t>
-            </a:r>
-            <a:r>
-              <a:rPr kumimoji="1" lang="zh-CN" altLang="en-US" dirty="0"/>
-              <a:t>（</a:t>
-            </a:r>
-            <a:r>
-              <a:rPr kumimoji="1" lang="en-US" altLang="zh-CN" dirty="0"/>
-              <a:t>envoy</a:t>
-            </a:r>
-            <a:r>
-              <a:rPr kumimoji="1" lang="zh-CN" altLang="en-US" dirty="0" smtClean="0"/>
-              <a:t>）</a:t>
-            </a:r>
-            <a:endParaRPr kumimoji="1" lang="zh-CN" altLang="en-US" dirty="0"/>
+              <a:rPr lang="zh-CN" altLang="en-US" dirty="0" smtClean="0"/>
+              <a:t>图（学习曲线图）</a:t>
+            </a:r>
+            <a:endParaRPr lang="en-US" altLang="zh-CN" dirty="0"/>
           </a:p>
         </p:txBody>
       </p:sp>
     </p:spTree>
     <p:extLst>
       <p:ext uri="{BB962C8B-B14F-4D97-AF65-F5344CB8AC3E}">
-        <p14:creationId xmlns:p14="http://schemas.microsoft.com/office/powerpoint/2010/main" val="3376935449"/>
+        <p14:creationId xmlns:p14="http://schemas.microsoft.com/office/powerpoint/2010/main" val="2341056355"/>
       </p:ext>
     </p:extLst>
   </p:cSld>
@@ -17251,6 +17462,130 @@
           <a:bodyPr/>
           <a:lstStyle/>
           <a:p>
+            <a:pPr marL="0" indent="0">
+              <a:buNone/>
+            </a:pPr>
+            <a:r>
+              <a:rPr kumimoji="1" lang="zh-CN" altLang="en-US" dirty="0" smtClean="0"/>
+              <a:t>基础</a:t>
+            </a:r>
+            <a:r>
+              <a:rPr kumimoji="1" lang="zh-CN" altLang="en-US" dirty="0"/>
+              <a:t>库，</a:t>
+            </a:r>
+            <a:r>
+              <a:rPr kumimoji="1" lang="en-US" altLang="zh-CN" dirty="0" err="1"/>
+              <a:t>io</a:t>
+            </a:r>
+            <a:r>
+              <a:rPr kumimoji="1" lang="zh-CN" altLang="en-US" dirty="0"/>
+              <a:t>，网络，数据库，集中在云计算</a:t>
+            </a:r>
+          </a:p>
+          <a:p>
+            <a:pPr marL="0" indent="0">
+              <a:buNone/>
+            </a:pPr>
+            <a:r>
+              <a:rPr kumimoji="1" lang="zh-CN" altLang="en-US" dirty="0"/>
+              <a:t>上层应用，典型的产品，</a:t>
+            </a:r>
+            <a:r>
+              <a:rPr kumimoji="1" lang="en-US" altLang="zh-CN" dirty="0"/>
+              <a:t>go-docker,rust-db,linkerd-proxy,2.0</a:t>
+            </a:r>
+            <a:r>
+              <a:rPr kumimoji="1" lang="zh-CN" altLang="en-US" dirty="0"/>
+              <a:t>（</a:t>
+            </a:r>
+            <a:r>
+              <a:rPr kumimoji="1" lang="en-US" altLang="zh-CN" dirty="0"/>
+              <a:t>envoy</a:t>
+            </a:r>
+            <a:r>
+              <a:rPr kumimoji="1" lang="zh-CN" altLang="en-US" dirty="0" smtClean="0"/>
+              <a:t>）</a:t>
+            </a:r>
+            <a:endParaRPr kumimoji="1" lang="zh-CN" altLang="en-US" dirty="0"/>
+          </a:p>
+        </p:txBody>
+      </p:sp>
+    </p:spTree>
+    <p:extLst>
+      <p:ext uri="{BB962C8B-B14F-4D97-AF65-F5344CB8AC3E}">
+        <p14:creationId xmlns:p14="http://schemas.microsoft.com/office/powerpoint/2010/main" val="3376935449"/>
+      </p:ext>
+    </p:extLst>
+  </p:cSld>
+  <p:clrMapOvr>
+    <a:masterClrMapping/>
+  </p:clrMapOvr>
+</p:sld>
+</file>
+
+<file path=ppt/slides/slide26.xml><?xml version="1.0" encoding="utf-8"?>
+<p:sld xmlns:a="http://schemas.openxmlformats.org/drawingml/2006/main" xmlns:r="http://schemas.openxmlformats.org/officeDocument/2006/relationships" xmlns:p="http://schemas.openxmlformats.org/presentationml/2006/main">
+  <p:cSld>
+    <p:spTree>
+      <p:nvGrpSpPr>
+        <p:cNvPr id="1" name=""/>
+        <p:cNvGrpSpPr/>
+        <p:nvPr/>
+      </p:nvGrpSpPr>
+      <p:grpSpPr>
+        <a:xfrm>
+          <a:off x="0" y="0"/>
+          <a:ext cx="0" cy="0"/>
+          <a:chOff x="0" y="0"/>
+          <a:chExt cx="0" cy="0"/>
+        </a:xfrm>
+      </p:grpSpPr>
+      <p:sp>
+        <p:nvSpPr>
+          <p:cNvPr id="2" name="标题 1"/>
+          <p:cNvSpPr>
+            <a:spLocks noGrp="1"/>
+          </p:cNvSpPr>
+          <p:nvPr>
+            <p:ph type="title"/>
+          </p:nvPr>
+        </p:nvSpPr>
+        <p:spPr/>
+        <p:txBody>
+          <a:bodyPr/>
+          <a:lstStyle/>
+          <a:p>
+            <a:r>
+              <a:rPr kumimoji="1" lang="en-US" altLang="zh-CN" dirty="0" smtClean="0">
+                <a:latin typeface="+mj-ea"/>
+              </a:rPr>
+              <a:t>Rust</a:t>
+            </a:r>
+            <a:r>
+              <a:rPr kumimoji="1" lang="zh-CN" altLang="en-US" dirty="0" smtClean="0">
+                <a:latin typeface="+mj-ea"/>
+              </a:rPr>
+              <a:t>生态和应用</a:t>
+            </a:r>
+            <a:endParaRPr lang="zh-CN" altLang="en-US" dirty="0"/>
+          </a:p>
+        </p:txBody>
+      </p:sp>
+      <p:sp>
+        <p:nvSpPr>
+          <p:cNvPr id="3" name="内容占位符 2"/>
+          <p:cNvSpPr>
+            <a:spLocks noGrp="1"/>
+          </p:cNvSpPr>
+          <p:nvPr>
+            <p:ph idx="1"/>
+          </p:nvPr>
+        </p:nvSpPr>
+        <p:spPr/>
+        <p:txBody>
+          <a:bodyPr/>
+          <a:lstStyle/>
+          <a:p>
             <a:r>
               <a:rPr kumimoji="1" lang="en-US" altLang="zh-CN" dirty="0" err="1" smtClean="0">
                 <a:latin typeface="Times New Roman" panose="02020603050405020304" pitchFamily="18" charset="0"/>
@@ -17308,7 +17643,7 @@
 </p:sld>
 </file>
 
-<file path=ppt/slides/slide26.xml><?xml version="1.0" encoding="utf-8"?>
+<file path=ppt/slides/slide27.xml><?xml version="1.0" encoding="utf-8"?>
 <p:sld xmlns:a="http://schemas.openxmlformats.org/drawingml/2006/main" xmlns:r="http://schemas.openxmlformats.org/officeDocument/2006/relationships" xmlns:p="http://schemas.openxmlformats.org/presentationml/2006/main">
   <p:cSld>
     <p:spTree>

--- a/Rust调研.pptx
+++ b/Rust调研.pptx
@@ -5,7 +5,7 @@
     <p:sldMasterId id="2147483648" r:id="rId1"/>
   </p:sldMasterIdLst>
   <p:notesMasterIdLst>
-    <p:notesMasterId r:id="rId29"/>
+    <p:notesMasterId r:id="rId33"/>
   </p:notesMasterIdLst>
   <p:sldIdLst>
     <p:sldId id="256" r:id="rId2"/>
@@ -24,17 +24,21 @@
     <p:sldId id="281" r:id="rId15"/>
     <p:sldId id="278" r:id="rId16"/>
     <p:sldId id="282" r:id="rId17"/>
-    <p:sldId id="283" r:id="rId18"/>
-    <p:sldId id="266" r:id="rId19"/>
+    <p:sldId id="266" r:id="rId18"/>
+    <p:sldId id="292" r:id="rId19"/>
     <p:sldId id="267" r:id="rId20"/>
     <p:sldId id="284" r:id="rId21"/>
     <p:sldId id="285" r:id="rId22"/>
     <p:sldId id="286" r:id="rId23"/>
-    <p:sldId id="269" r:id="rId24"/>
-    <p:sldId id="274" r:id="rId25"/>
-    <p:sldId id="271" r:id="rId26"/>
-    <p:sldId id="273" r:id="rId27"/>
-    <p:sldId id="261" r:id="rId28"/>
+    <p:sldId id="287" r:id="rId24"/>
+    <p:sldId id="288" r:id="rId25"/>
+    <p:sldId id="269" r:id="rId26"/>
+    <p:sldId id="274" r:id="rId27"/>
+    <p:sldId id="289" r:id="rId28"/>
+    <p:sldId id="271" r:id="rId29"/>
+    <p:sldId id="290" r:id="rId30"/>
+    <p:sldId id="291" r:id="rId31"/>
+    <p:sldId id="261" r:id="rId32"/>
   </p:sldIdLst>
   <p:sldSz cx="12192000" cy="6858000"/>
   <p:notesSz cx="6858000" cy="9144000"/>
@@ -2288,6 +2292,264 @@
       <dsp:cNvGrpSpPr/>
     </dsp:nvGrpSpPr>
     <dsp:grpSpPr/>
+    <dsp:sp modelId="{C89A32A6-75B1-4B69-B952-545EFE2CBD58}">
+      <dsp:nvSpPr>
+        <dsp:cNvPr id="0" name=""/>
+        <dsp:cNvSpPr/>
+      </dsp:nvSpPr>
+      <dsp:spPr>
+        <a:xfrm>
+          <a:off x="0" y="151679"/>
+          <a:ext cx="8160512" cy="1216800"/>
+        </a:xfrm>
+        <a:prstGeom prst="roundRect">
+          <a:avLst/>
+        </a:prstGeom>
+        <a:solidFill>
+          <a:schemeClr val="accent1">
+            <a:hueOff val="0"/>
+            <a:satOff val="0"/>
+            <a:lumOff val="0"/>
+            <a:alphaOff val="0"/>
+          </a:schemeClr>
+        </a:solidFill>
+        <a:ln w="19050" cap="rnd" cmpd="sng" algn="ctr">
+          <a:solidFill>
+            <a:schemeClr val="lt1">
+              <a:hueOff val="0"/>
+              <a:satOff val="0"/>
+              <a:lumOff val="0"/>
+              <a:alphaOff val="0"/>
+            </a:schemeClr>
+          </a:solidFill>
+          <a:prstDash val="solid"/>
+        </a:ln>
+        <a:effectLst/>
+      </dsp:spPr>
+      <dsp:style>
+        <a:lnRef idx="2">
+          <a:scrgbClr r="0" g="0" b="0"/>
+        </a:lnRef>
+        <a:fillRef idx="1">
+          <a:scrgbClr r="0" g="0" b="0"/>
+        </a:fillRef>
+        <a:effectRef idx="0">
+          <a:scrgbClr r="0" g="0" b="0"/>
+        </a:effectRef>
+        <a:fontRef idx="minor">
+          <a:schemeClr val="lt1"/>
+        </a:fontRef>
+      </dsp:style>
+      <dsp:txBody>
+        <a:bodyPr spcFirstLastPara="0" vert="horz" wrap="square" lIns="152400" tIns="152400" rIns="152400" bIns="152400" numCol="1" spcCol="1270" anchor="ctr" anchorCtr="0">
+          <a:noAutofit/>
+        </a:bodyPr>
+        <a:lstStyle/>
+        <a:p>
+          <a:pPr lvl="0" algn="l" defTabSz="1778000">
+            <a:lnSpc>
+              <a:spcPct val="90000"/>
+            </a:lnSpc>
+            <a:spcBef>
+              <a:spcPct val="0"/>
+            </a:spcBef>
+            <a:spcAft>
+              <a:spcPct val="35000"/>
+            </a:spcAft>
+          </a:pPr>
+          <a:r>
+            <a:rPr lang="en-US" altLang="zh-CN" sz="4000" kern="1200" dirty="0">
+              <a:latin typeface="+mn-ea"/>
+              <a:ea typeface="+mn-ea"/>
+            </a:rPr>
+            <a:t>Rust</a:t>
+          </a:r>
+          <a:r>
+            <a:rPr lang="zh-CN" altLang="en-US" sz="4000" kern="1200" dirty="0">
+              <a:latin typeface="+mn-ea"/>
+              <a:ea typeface="+mn-ea"/>
+            </a:rPr>
+            <a:t>简介</a:t>
+          </a:r>
+        </a:p>
+      </dsp:txBody>
+      <dsp:txXfrm>
+        <a:off x="59399" y="211078"/>
+        <a:ext cx="8041714" cy="1098002"/>
+      </dsp:txXfrm>
+    </dsp:sp>
+    <dsp:sp modelId="{17FA72BE-E120-4DB5-9241-680132CD847B}">
+      <dsp:nvSpPr>
+        <dsp:cNvPr id="0" name=""/>
+        <dsp:cNvSpPr/>
+      </dsp:nvSpPr>
+      <dsp:spPr>
+        <a:xfrm>
+          <a:off x="0" y="1555680"/>
+          <a:ext cx="8160512" cy="1216800"/>
+        </a:xfrm>
+        <a:prstGeom prst="roundRect">
+          <a:avLst/>
+        </a:prstGeom>
+        <a:solidFill>
+          <a:schemeClr val="accent1">
+            <a:hueOff val="0"/>
+            <a:satOff val="0"/>
+            <a:lumOff val="0"/>
+            <a:alphaOff val="0"/>
+          </a:schemeClr>
+        </a:solidFill>
+        <a:ln w="19050" cap="rnd" cmpd="sng" algn="ctr">
+          <a:solidFill>
+            <a:schemeClr val="lt1">
+              <a:hueOff val="0"/>
+              <a:satOff val="0"/>
+              <a:lumOff val="0"/>
+              <a:alphaOff val="0"/>
+            </a:schemeClr>
+          </a:solidFill>
+          <a:prstDash val="solid"/>
+        </a:ln>
+        <a:effectLst/>
+      </dsp:spPr>
+      <dsp:style>
+        <a:lnRef idx="2">
+          <a:scrgbClr r="0" g="0" b="0"/>
+        </a:lnRef>
+        <a:fillRef idx="1">
+          <a:scrgbClr r="0" g="0" b="0"/>
+        </a:fillRef>
+        <a:effectRef idx="0">
+          <a:scrgbClr r="0" g="0" b="0"/>
+        </a:effectRef>
+        <a:fontRef idx="minor">
+          <a:schemeClr val="lt1"/>
+        </a:fontRef>
+      </dsp:style>
+      <dsp:txBody>
+        <a:bodyPr spcFirstLastPara="0" vert="horz" wrap="square" lIns="152400" tIns="152400" rIns="152400" bIns="152400" numCol="1" spcCol="1270" anchor="ctr" anchorCtr="0">
+          <a:noAutofit/>
+        </a:bodyPr>
+        <a:lstStyle/>
+        <a:p>
+          <a:pPr lvl="0" algn="l" defTabSz="1778000">
+            <a:lnSpc>
+              <a:spcPct val="90000"/>
+            </a:lnSpc>
+            <a:spcBef>
+              <a:spcPct val="0"/>
+            </a:spcBef>
+            <a:spcAft>
+              <a:spcPct val="35000"/>
+            </a:spcAft>
+          </a:pPr>
+          <a:r>
+            <a:rPr lang="en-US" altLang="zh-CN" sz="4000" kern="1200" dirty="0">
+              <a:latin typeface="+mn-ea"/>
+              <a:ea typeface="+mn-ea"/>
+            </a:rPr>
+            <a:t>Rust</a:t>
+          </a:r>
+          <a:r>
+            <a:rPr lang="zh-CN" altLang="en-US" sz="4000" kern="1200" dirty="0">
+              <a:latin typeface="+mn-ea"/>
+              <a:ea typeface="+mn-ea"/>
+            </a:rPr>
+            <a:t>生态和应用</a:t>
+          </a:r>
+        </a:p>
+      </dsp:txBody>
+      <dsp:txXfrm>
+        <a:off x="59399" y="1615079"/>
+        <a:ext cx="8041714" cy="1098002"/>
+      </dsp:txXfrm>
+    </dsp:sp>
+    <dsp:sp modelId="{B0DCA04B-0357-4F0A-853C-C3FA4952347E}">
+      <dsp:nvSpPr>
+        <dsp:cNvPr id="0" name=""/>
+        <dsp:cNvSpPr/>
+      </dsp:nvSpPr>
+      <dsp:spPr>
+        <a:xfrm>
+          <a:off x="0" y="2959680"/>
+          <a:ext cx="8160512" cy="1216800"/>
+        </a:xfrm>
+        <a:prstGeom prst="roundRect">
+          <a:avLst/>
+        </a:prstGeom>
+        <a:solidFill>
+          <a:schemeClr val="accent1">
+            <a:hueOff val="0"/>
+            <a:satOff val="0"/>
+            <a:lumOff val="0"/>
+            <a:alphaOff val="0"/>
+          </a:schemeClr>
+        </a:solidFill>
+        <a:ln w="19050" cap="rnd" cmpd="sng" algn="ctr">
+          <a:solidFill>
+            <a:schemeClr val="lt1">
+              <a:hueOff val="0"/>
+              <a:satOff val="0"/>
+              <a:lumOff val="0"/>
+              <a:alphaOff val="0"/>
+            </a:schemeClr>
+          </a:solidFill>
+          <a:prstDash val="solid"/>
+        </a:ln>
+        <a:effectLst/>
+      </dsp:spPr>
+      <dsp:style>
+        <a:lnRef idx="2">
+          <a:scrgbClr r="0" g="0" b="0"/>
+        </a:lnRef>
+        <a:fillRef idx="1">
+          <a:scrgbClr r="0" g="0" b="0"/>
+        </a:fillRef>
+        <a:effectRef idx="0">
+          <a:scrgbClr r="0" g="0" b="0"/>
+        </a:effectRef>
+        <a:fontRef idx="minor">
+          <a:schemeClr val="lt1"/>
+        </a:fontRef>
+      </dsp:style>
+      <dsp:txBody>
+        <a:bodyPr spcFirstLastPara="0" vert="horz" wrap="square" lIns="152400" tIns="152400" rIns="152400" bIns="152400" numCol="1" spcCol="1270" anchor="ctr" anchorCtr="0">
+          <a:noAutofit/>
+        </a:bodyPr>
+        <a:lstStyle/>
+        <a:p>
+          <a:pPr lvl="0" algn="l" defTabSz="1778000">
+            <a:lnSpc>
+              <a:spcPct val="90000"/>
+            </a:lnSpc>
+            <a:spcBef>
+              <a:spcPct val="0"/>
+            </a:spcBef>
+            <a:spcAft>
+              <a:spcPct val="35000"/>
+            </a:spcAft>
+          </a:pPr>
+          <a:r>
+            <a:rPr lang="en-US" altLang="zh-CN" sz="4000" kern="1200" dirty="0">
+              <a:latin typeface="+mn-ea"/>
+              <a:ea typeface="+mn-ea"/>
+            </a:rPr>
+            <a:t>Rust</a:t>
+          </a:r>
+          <a:r>
+            <a:rPr lang="zh-CN" altLang="en-US" sz="4000" kern="1200" dirty="0">
+              <a:latin typeface="+mn-ea"/>
+              <a:ea typeface="+mn-ea"/>
+            </a:rPr>
+            <a:t>学习资料</a:t>
+          </a:r>
+        </a:p>
+      </dsp:txBody>
+      <dsp:txXfrm>
+        <a:off x="59399" y="3019079"/>
+        <a:ext cx="8041714" cy="1098002"/>
+      </dsp:txXfrm>
+    </dsp:sp>
   </dsp:spTree>
 </dsp:drawing>
 </file>
@@ -2300,6 +2562,649 @@
       <dsp:cNvGrpSpPr/>
     </dsp:nvGrpSpPr>
     <dsp:grpSpPr/>
+    <dsp:sp modelId="{B52F97A3-79D9-45C4-B3F2-1FABD14756C8}">
+      <dsp:nvSpPr>
+        <dsp:cNvPr id="0" name=""/>
+        <dsp:cNvSpPr/>
+      </dsp:nvSpPr>
+      <dsp:spPr>
+        <a:xfrm>
+          <a:off x="408957" y="0"/>
+          <a:ext cx="6537275" cy="4085797"/>
+        </a:xfrm>
+        <a:prstGeom prst="swooshArrow">
+          <a:avLst>
+            <a:gd name="adj1" fmla="val 25000"/>
+            <a:gd name="adj2" fmla="val 25000"/>
+          </a:avLst>
+        </a:prstGeom>
+        <a:solidFill>
+          <a:schemeClr val="accent1">
+            <a:tint val="40000"/>
+            <a:hueOff val="0"/>
+            <a:satOff val="0"/>
+            <a:lumOff val="0"/>
+            <a:alphaOff val="0"/>
+          </a:schemeClr>
+        </a:solidFill>
+        <a:ln>
+          <a:noFill/>
+        </a:ln>
+        <a:effectLst/>
+      </dsp:spPr>
+      <dsp:style>
+        <a:lnRef idx="0">
+          <a:scrgbClr r="0" g="0" b="0"/>
+        </a:lnRef>
+        <a:fillRef idx="1">
+          <a:scrgbClr r="0" g="0" b="0"/>
+        </a:fillRef>
+        <a:effectRef idx="0">
+          <a:scrgbClr r="0" g="0" b="0"/>
+        </a:effectRef>
+        <a:fontRef idx="minor"/>
+      </dsp:style>
+    </dsp:sp>
+    <dsp:sp modelId="{E01A1116-EEF5-40F3-A1AB-5B2152D30435}">
+      <dsp:nvSpPr>
+        <dsp:cNvPr id="0" name=""/>
+        <dsp:cNvSpPr/>
+      </dsp:nvSpPr>
+      <dsp:spPr>
+        <a:xfrm>
+          <a:off x="1052879" y="3038198"/>
+          <a:ext cx="150357" cy="150357"/>
+        </a:xfrm>
+        <a:prstGeom prst="ellipse">
+          <a:avLst/>
+        </a:prstGeom>
+        <a:solidFill>
+          <a:schemeClr val="accent1">
+            <a:hueOff val="0"/>
+            <a:satOff val="0"/>
+            <a:lumOff val="0"/>
+            <a:alphaOff val="0"/>
+          </a:schemeClr>
+        </a:solidFill>
+        <a:ln w="19050" cap="rnd" cmpd="sng" algn="ctr">
+          <a:solidFill>
+            <a:schemeClr val="lt1">
+              <a:hueOff val="0"/>
+              <a:satOff val="0"/>
+              <a:lumOff val="0"/>
+              <a:alphaOff val="0"/>
+            </a:schemeClr>
+          </a:solidFill>
+          <a:prstDash val="solid"/>
+        </a:ln>
+        <a:effectLst/>
+      </dsp:spPr>
+      <dsp:style>
+        <a:lnRef idx="2">
+          <a:scrgbClr r="0" g="0" b="0"/>
+        </a:lnRef>
+        <a:fillRef idx="1">
+          <a:scrgbClr r="0" g="0" b="0"/>
+        </a:fillRef>
+        <a:effectRef idx="0">
+          <a:scrgbClr r="0" g="0" b="0"/>
+        </a:effectRef>
+        <a:fontRef idx="minor">
+          <a:schemeClr val="lt1"/>
+        </a:fontRef>
+      </dsp:style>
+    </dsp:sp>
+    <dsp:sp modelId="{50D9E917-3DAC-4A3F-A991-42B18DBC85AC}">
+      <dsp:nvSpPr>
+        <dsp:cNvPr id="0" name=""/>
+        <dsp:cNvSpPr/>
+      </dsp:nvSpPr>
+      <dsp:spPr>
+        <a:xfrm>
+          <a:off x="1128058" y="3113377"/>
+          <a:ext cx="856383" cy="972419"/>
+        </a:xfrm>
+        <a:prstGeom prst="rect">
+          <a:avLst/>
+        </a:prstGeom>
+        <a:noFill/>
+        <a:ln>
+          <a:noFill/>
+        </a:ln>
+        <a:effectLst/>
+      </dsp:spPr>
+      <dsp:style>
+        <a:lnRef idx="0">
+          <a:scrgbClr r="0" g="0" b="0"/>
+        </a:lnRef>
+        <a:fillRef idx="0">
+          <a:scrgbClr r="0" g="0" b="0"/>
+        </a:fillRef>
+        <a:effectRef idx="0">
+          <a:scrgbClr r="0" g="0" b="0"/>
+        </a:effectRef>
+        <a:fontRef idx="minor"/>
+      </dsp:style>
+      <dsp:txBody>
+        <a:bodyPr spcFirstLastPara="0" vert="horz" wrap="square" lIns="79671" tIns="0" rIns="0" bIns="0" numCol="1" spcCol="1270" anchor="t" anchorCtr="0">
+          <a:noAutofit/>
+        </a:bodyPr>
+        <a:lstStyle/>
+        <a:p>
+          <a:pPr lvl="0" algn="l" defTabSz="711200">
+            <a:lnSpc>
+              <a:spcPct val="90000"/>
+            </a:lnSpc>
+            <a:spcBef>
+              <a:spcPct val="0"/>
+            </a:spcBef>
+            <a:spcAft>
+              <a:spcPct val="35000"/>
+            </a:spcAft>
+          </a:pPr>
+          <a:r>
+            <a:rPr lang="en-US" altLang="zh-CN" sz="1600" kern="1200" dirty="0">
+              <a:latin typeface="+mn-ea"/>
+              <a:ea typeface="+mn-ea"/>
+            </a:rPr>
+            <a:t>2006</a:t>
+          </a:r>
+          <a:r>
+            <a:rPr lang="zh-CN" altLang="en-US" sz="1600" kern="1200" dirty="0">
+              <a:latin typeface="+mn-ea"/>
+              <a:ea typeface="+mn-ea"/>
+            </a:rPr>
+            <a:t>年</a:t>
+          </a:r>
+          <a:r>
+            <a:rPr lang="en-US" altLang="zh-CN" sz="1600" kern="1200" dirty="0" err="1">
+              <a:latin typeface="Times New Roman" panose="02020603050405020304" pitchFamily="18" charset="0"/>
+              <a:cs typeface="Times New Roman" panose="02020603050405020304" pitchFamily="18" charset="0"/>
+            </a:rPr>
+            <a:t>Graydon</a:t>
+          </a:r>
+          <a:r>
+            <a:rPr lang="en-US" altLang="zh-CN" sz="1600" kern="1200" dirty="0">
+              <a:latin typeface="Times New Roman" panose="02020603050405020304" pitchFamily="18" charset="0"/>
+              <a:cs typeface="Times New Roman" panose="02020603050405020304" pitchFamily="18" charset="0"/>
+            </a:rPr>
+            <a:t> Hoare</a:t>
+          </a:r>
+          <a:r>
+            <a:rPr lang="zh-CN" altLang="en-US" sz="1600" kern="1200" dirty="0">
+              <a:latin typeface="+mn-ea"/>
+              <a:ea typeface="+mn-ea"/>
+            </a:rPr>
+            <a:t>开发</a:t>
+          </a:r>
+        </a:p>
+      </dsp:txBody>
+      <dsp:txXfrm>
+        <a:off x="1128058" y="3113377"/>
+        <a:ext cx="856383" cy="972419"/>
+      </dsp:txXfrm>
+    </dsp:sp>
+    <dsp:sp modelId="{E1D17602-9636-4444-8F4C-4B133495B27E}">
+      <dsp:nvSpPr>
+        <dsp:cNvPr id="0" name=""/>
+        <dsp:cNvSpPr/>
+      </dsp:nvSpPr>
+      <dsp:spPr>
+        <a:xfrm>
+          <a:off x="1866770" y="2256177"/>
+          <a:ext cx="235341" cy="235341"/>
+        </a:xfrm>
+        <a:prstGeom prst="ellipse">
+          <a:avLst/>
+        </a:prstGeom>
+        <a:solidFill>
+          <a:schemeClr val="accent1">
+            <a:hueOff val="0"/>
+            <a:satOff val="0"/>
+            <a:lumOff val="0"/>
+            <a:alphaOff val="0"/>
+          </a:schemeClr>
+        </a:solidFill>
+        <a:ln w="19050" cap="rnd" cmpd="sng" algn="ctr">
+          <a:solidFill>
+            <a:schemeClr val="lt1">
+              <a:hueOff val="0"/>
+              <a:satOff val="0"/>
+              <a:lumOff val="0"/>
+              <a:alphaOff val="0"/>
+            </a:schemeClr>
+          </a:solidFill>
+          <a:prstDash val="solid"/>
+        </a:ln>
+        <a:effectLst/>
+      </dsp:spPr>
+      <dsp:style>
+        <a:lnRef idx="2">
+          <a:scrgbClr r="0" g="0" b="0"/>
+        </a:lnRef>
+        <a:fillRef idx="1">
+          <a:scrgbClr r="0" g="0" b="0"/>
+        </a:fillRef>
+        <a:effectRef idx="0">
+          <a:scrgbClr r="0" g="0" b="0"/>
+        </a:effectRef>
+        <a:fontRef idx="minor">
+          <a:schemeClr val="lt1"/>
+        </a:fontRef>
+      </dsp:style>
+    </dsp:sp>
+    <dsp:sp modelId="{3331BA0B-0227-44E7-A0EE-96E9667A38C5}">
+      <dsp:nvSpPr>
+        <dsp:cNvPr id="0" name=""/>
+        <dsp:cNvSpPr/>
+      </dsp:nvSpPr>
+      <dsp:spPr>
+        <a:xfrm>
+          <a:off x="1984441" y="2373848"/>
+          <a:ext cx="1085187" cy="1711948"/>
+        </a:xfrm>
+        <a:prstGeom prst="rect">
+          <a:avLst/>
+        </a:prstGeom>
+        <a:noFill/>
+        <a:ln>
+          <a:noFill/>
+        </a:ln>
+        <a:effectLst/>
+      </dsp:spPr>
+      <dsp:style>
+        <a:lnRef idx="0">
+          <a:scrgbClr r="0" g="0" b="0"/>
+        </a:lnRef>
+        <a:fillRef idx="0">
+          <a:scrgbClr r="0" g="0" b="0"/>
+        </a:fillRef>
+        <a:effectRef idx="0">
+          <a:scrgbClr r="0" g="0" b="0"/>
+        </a:effectRef>
+        <a:fontRef idx="minor"/>
+      </dsp:style>
+      <dsp:txBody>
+        <a:bodyPr spcFirstLastPara="0" vert="horz" wrap="square" lIns="124703" tIns="0" rIns="0" bIns="0" numCol="1" spcCol="1270" anchor="t" anchorCtr="0">
+          <a:noAutofit/>
+        </a:bodyPr>
+        <a:lstStyle/>
+        <a:p>
+          <a:pPr lvl="0" algn="l" defTabSz="711200">
+            <a:lnSpc>
+              <a:spcPct val="90000"/>
+            </a:lnSpc>
+            <a:spcBef>
+              <a:spcPct val="0"/>
+            </a:spcBef>
+            <a:spcAft>
+              <a:spcPct val="35000"/>
+            </a:spcAft>
+          </a:pPr>
+          <a:r>
+            <a:rPr lang="en-US" altLang="zh-CN" sz="1600" kern="1200" dirty="0">
+              <a:latin typeface="+mn-ea"/>
+              <a:ea typeface="+mn-ea"/>
+            </a:rPr>
+            <a:t>2009</a:t>
+          </a:r>
+          <a:r>
+            <a:rPr lang="zh-CN" altLang="en-US" sz="1600" kern="1200" dirty="0">
+              <a:latin typeface="+mn-ea"/>
+              <a:ea typeface="+mn-ea"/>
+            </a:rPr>
+            <a:t>年受到</a:t>
+          </a:r>
+          <a:r>
+            <a:rPr lang="en-US" altLang="zh-CN" sz="1600" kern="1200" dirty="0">
+              <a:latin typeface="Times New Roman" panose="02020603050405020304" pitchFamily="18" charset="0"/>
+              <a:ea typeface="+mn-ea"/>
+              <a:cs typeface="Times New Roman" panose="02020603050405020304" pitchFamily="18" charset="0"/>
+            </a:rPr>
+            <a:t>Mozilla</a:t>
+          </a:r>
+          <a:r>
+            <a:rPr lang="zh-CN" altLang="en-US" sz="1600" kern="1200" dirty="0">
+              <a:latin typeface="+mn-ea"/>
+              <a:ea typeface="+mn-ea"/>
+            </a:rPr>
+            <a:t>公司赞助</a:t>
+          </a:r>
+        </a:p>
+      </dsp:txBody>
+      <dsp:txXfrm>
+        <a:off x="1984441" y="2373848"/>
+        <a:ext cx="1085187" cy="1711948"/>
+      </dsp:txXfrm>
+    </dsp:sp>
+    <dsp:sp modelId="{52320FAD-E02B-4695-8C9D-F7B2E412DB02}">
+      <dsp:nvSpPr>
+        <dsp:cNvPr id="0" name=""/>
+        <dsp:cNvSpPr/>
+      </dsp:nvSpPr>
+      <dsp:spPr>
+        <a:xfrm>
+          <a:off x="2912734" y="1632684"/>
+          <a:ext cx="313789" cy="313789"/>
+        </a:xfrm>
+        <a:prstGeom prst="ellipse">
+          <a:avLst/>
+        </a:prstGeom>
+        <a:solidFill>
+          <a:schemeClr val="accent1">
+            <a:hueOff val="0"/>
+            <a:satOff val="0"/>
+            <a:lumOff val="0"/>
+            <a:alphaOff val="0"/>
+          </a:schemeClr>
+        </a:solidFill>
+        <a:ln w="19050" cap="rnd" cmpd="sng" algn="ctr">
+          <a:solidFill>
+            <a:schemeClr val="lt1">
+              <a:hueOff val="0"/>
+              <a:satOff val="0"/>
+              <a:lumOff val="0"/>
+              <a:alphaOff val="0"/>
+            </a:schemeClr>
+          </a:solidFill>
+          <a:prstDash val="solid"/>
+        </a:ln>
+        <a:effectLst/>
+      </dsp:spPr>
+      <dsp:style>
+        <a:lnRef idx="2">
+          <a:scrgbClr r="0" g="0" b="0"/>
+        </a:lnRef>
+        <a:fillRef idx="1">
+          <a:scrgbClr r="0" g="0" b="0"/>
+        </a:fillRef>
+        <a:effectRef idx="0">
+          <a:scrgbClr r="0" g="0" b="0"/>
+        </a:effectRef>
+        <a:fontRef idx="minor">
+          <a:schemeClr val="lt1"/>
+        </a:fontRef>
+      </dsp:style>
+    </dsp:sp>
+    <dsp:sp modelId="{1B0A9E80-58E0-4F1B-9807-0D08965C64F9}">
+      <dsp:nvSpPr>
+        <dsp:cNvPr id="0" name=""/>
+        <dsp:cNvSpPr/>
+      </dsp:nvSpPr>
+      <dsp:spPr>
+        <a:xfrm>
+          <a:off x="3069628" y="1789579"/>
+          <a:ext cx="1261694" cy="2296217"/>
+        </a:xfrm>
+        <a:prstGeom prst="rect">
+          <a:avLst/>
+        </a:prstGeom>
+        <a:noFill/>
+        <a:ln>
+          <a:noFill/>
+        </a:ln>
+        <a:effectLst/>
+      </dsp:spPr>
+      <dsp:style>
+        <a:lnRef idx="0">
+          <a:scrgbClr r="0" g="0" b="0"/>
+        </a:lnRef>
+        <a:fillRef idx="0">
+          <a:scrgbClr r="0" g="0" b="0"/>
+        </a:fillRef>
+        <a:effectRef idx="0">
+          <a:scrgbClr r="0" g="0" b="0"/>
+        </a:effectRef>
+        <a:fontRef idx="minor"/>
+      </dsp:style>
+      <dsp:txBody>
+        <a:bodyPr spcFirstLastPara="0" vert="horz" wrap="square" lIns="166270" tIns="0" rIns="0" bIns="0" numCol="1" spcCol="1270" anchor="t" anchorCtr="0">
+          <a:noAutofit/>
+        </a:bodyPr>
+        <a:lstStyle/>
+        <a:p>
+          <a:pPr lvl="0" algn="l" defTabSz="711200">
+            <a:lnSpc>
+              <a:spcPct val="90000"/>
+            </a:lnSpc>
+            <a:spcBef>
+              <a:spcPct val="0"/>
+            </a:spcBef>
+            <a:spcAft>
+              <a:spcPct val="35000"/>
+            </a:spcAft>
+          </a:pPr>
+          <a:r>
+            <a:rPr lang="en-US" altLang="zh-CN" sz="1600" kern="1200" dirty="0">
+              <a:latin typeface="+mn-ea"/>
+              <a:ea typeface="+mn-ea"/>
+            </a:rPr>
+            <a:t>2011</a:t>
+          </a:r>
+          <a:r>
+            <a:rPr lang="zh-CN" altLang="en-US" sz="1600" kern="1200" dirty="0">
+              <a:latin typeface="+mn-ea"/>
+              <a:ea typeface="+mn-ea"/>
+            </a:rPr>
+            <a:t>年完成自举</a:t>
+          </a:r>
+        </a:p>
+      </dsp:txBody>
+      <dsp:txXfrm>
+        <a:off x="3069628" y="1789579"/>
+        <a:ext cx="1261694" cy="2296217"/>
+      </dsp:txXfrm>
+    </dsp:sp>
+    <dsp:sp modelId="{11C52DA7-38F9-42BA-86EC-E1190751B3A9}">
+      <dsp:nvSpPr>
+        <dsp:cNvPr id="0" name=""/>
+        <dsp:cNvSpPr/>
+      </dsp:nvSpPr>
+      <dsp:spPr>
+        <a:xfrm>
+          <a:off x="4128667" y="1145657"/>
+          <a:ext cx="405311" cy="405311"/>
+        </a:xfrm>
+        <a:prstGeom prst="ellipse">
+          <a:avLst/>
+        </a:prstGeom>
+        <a:solidFill>
+          <a:schemeClr val="accent1">
+            <a:hueOff val="0"/>
+            <a:satOff val="0"/>
+            <a:lumOff val="0"/>
+            <a:alphaOff val="0"/>
+          </a:schemeClr>
+        </a:solidFill>
+        <a:ln w="19050" cap="rnd" cmpd="sng" algn="ctr">
+          <a:solidFill>
+            <a:schemeClr val="lt1">
+              <a:hueOff val="0"/>
+              <a:satOff val="0"/>
+              <a:lumOff val="0"/>
+              <a:alphaOff val="0"/>
+            </a:schemeClr>
+          </a:solidFill>
+          <a:prstDash val="solid"/>
+        </a:ln>
+        <a:effectLst/>
+      </dsp:spPr>
+      <dsp:style>
+        <a:lnRef idx="2">
+          <a:scrgbClr r="0" g="0" b="0"/>
+        </a:lnRef>
+        <a:fillRef idx="1">
+          <a:scrgbClr r="0" g="0" b="0"/>
+        </a:fillRef>
+        <a:effectRef idx="0">
+          <a:scrgbClr r="0" g="0" b="0"/>
+        </a:effectRef>
+        <a:fontRef idx="minor">
+          <a:schemeClr val="lt1"/>
+        </a:fontRef>
+      </dsp:style>
+    </dsp:sp>
+    <dsp:sp modelId="{A6A60C68-6B48-400D-989E-41B3A837A146}">
+      <dsp:nvSpPr>
+        <dsp:cNvPr id="0" name=""/>
+        <dsp:cNvSpPr/>
+      </dsp:nvSpPr>
+      <dsp:spPr>
+        <a:xfrm>
+          <a:off x="4331323" y="1348313"/>
+          <a:ext cx="1307455" cy="2737483"/>
+        </a:xfrm>
+        <a:prstGeom prst="rect">
+          <a:avLst/>
+        </a:prstGeom>
+        <a:noFill/>
+        <a:ln>
+          <a:noFill/>
+        </a:ln>
+        <a:effectLst/>
+      </dsp:spPr>
+      <dsp:style>
+        <a:lnRef idx="0">
+          <a:scrgbClr r="0" g="0" b="0"/>
+        </a:lnRef>
+        <a:fillRef idx="0">
+          <a:scrgbClr r="0" g="0" b="0"/>
+        </a:fillRef>
+        <a:effectRef idx="0">
+          <a:scrgbClr r="0" g="0" b="0"/>
+        </a:effectRef>
+        <a:fontRef idx="minor"/>
+      </dsp:style>
+      <dsp:txBody>
+        <a:bodyPr spcFirstLastPara="0" vert="horz" wrap="square" lIns="214766" tIns="0" rIns="0" bIns="0" numCol="1" spcCol="1270" anchor="t" anchorCtr="0">
+          <a:noAutofit/>
+        </a:bodyPr>
+        <a:lstStyle/>
+        <a:p>
+          <a:pPr lvl="0" algn="l" defTabSz="711200">
+            <a:lnSpc>
+              <a:spcPct val="90000"/>
+            </a:lnSpc>
+            <a:spcBef>
+              <a:spcPct val="0"/>
+            </a:spcBef>
+            <a:spcAft>
+              <a:spcPct val="35000"/>
+            </a:spcAft>
+          </a:pPr>
+          <a:endParaRPr lang="zh-CN" altLang="en-US" sz="1600" kern="1200"/>
+        </a:p>
+      </dsp:txBody>
+      <dsp:txXfrm>
+        <a:off x="4331323" y="1348313"/>
+        <a:ext cx="1307455" cy="2737483"/>
+      </dsp:txXfrm>
+    </dsp:sp>
+    <dsp:sp modelId="{709D4EEB-418B-4C8B-818F-B9749DC245C4}">
+      <dsp:nvSpPr>
+        <dsp:cNvPr id="0" name=""/>
+        <dsp:cNvSpPr/>
+      </dsp:nvSpPr>
+      <dsp:spPr>
+        <a:xfrm>
+          <a:off x="5380555" y="820428"/>
+          <a:ext cx="516444" cy="516444"/>
+        </a:xfrm>
+        <a:prstGeom prst="ellipse">
+          <a:avLst/>
+        </a:prstGeom>
+        <a:solidFill>
+          <a:schemeClr val="accent1">
+            <a:hueOff val="0"/>
+            <a:satOff val="0"/>
+            <a:lumOff val="0"/>
+            <a:alphaOff val="0"/>
+          </a:schemeClr>
+        </a:solidFill>
+        <a:ln w="19050" cap="rnd" cmpd="sng" algn="ctr">
+          <a:solidFill>
+            <a:schemeClr val="lt1">
+              <a:hueOff val="0"/>
+              <a:satOff val="0"/>
+              <a:lumOff val="0"/>
+              <a:alphaOff val="0"/>
+            </a:schemeClr>
+          </a:solidFill>
+          <a:prstDash val="solid"/>
+        </a:ln>
+        <a:effectLst/>
+      </dsp:spPr>
+      <dsp:style>
+        <a:lnRef idx="2">
+          <a:scrgbClr r="0" g="0" b="0"/>
+        </a:lnRef>
+        <a:fillRef idx="1">
+          <a:scrgbClr r="0" g="0" b="0"/>
+        </a:fillRef>
+        <a:effectRef idx="0">
+          <a:scrgbClr r="0" g="0" b="0"/>
+        </a:effectRef>
+        <a:fontRef idx="minor">
+          <a:schemeClr val="lt1"/>
+        </a:fontRef>
+      </dsp:style>
+    </dsp:sp>
+    <dsp:sp modelId="{4BB30F82-E3F8-4F78-9892-353560ECF66A}">
+      <dsp:nvSpPr>
+        <dsp:cNvPr id="0" name=""/>
+        <dsp:cNvSpPr/>
+      </dsp:nvSpPr>
+      <dsp:spPr>
+        <a:xfrm>
+          <a:off x="5638778" y="1078650"/>
+          <a:ext cx="1307455" cy="3007146"/>
+        </a:xfrm>
+        <a:prstGeom prst="rect">
+          <a:avLst/>
+        </a:prstGeom>
+        <a:noFill/>
+        <a:ln>
+          <a:noFill/>
+        </a:ln>
+        <a:effectLst/>
+      </dsp:spPr>
+      <dsp:style>
+        <a:lnRef idx="0">
+          <a:scrgbClr r="0" g="0" b="0"/>
+        </a:lnRef>
+        <a:fillRef idx="0">
+          <a:scrgbClr r="0" g="0" b="0"/>
+        </a:fillRef>
+        <a:effectRef idx="0">
+          <a:scrgbClr r="0" g="0" b="0"/>
+        </a:effectRef>
+        <a:fontRef idx="minor"/>
+      </dsp:style>
+      <dsp:txBody>
+        <a:bodyPr spcFirstLastPara="0" vert="horz" wrap="square" lIns="273653" tIns="0" rIns="0" bIns="0" numCol="1" spcCol="1270" anchor="t" anchorCtr="0">
+          <a:noAutofit/>
+        </a:bodyPr>
+        <a:lstStyle/>
+        <a:p>
+          <a:pPr lvl="0" algn="l" defTabSz="711200">
+            <a:lnSpc>
+              <a:spcPct val="90000"/>
+            </a:lnSpc>
+            <a:spcBef>
+              <a:spcPct val="0"/>
+            </a:spcBef>
+            <a:spcAft>
+              <a:spcPct val="35000"/>
+            </a:spcAft>
+          </a:pPr>
+          <a:endParaRPr lang="zh-CN" altLang="en-US" sz="1600" kern="1200"/>
+        </a:p>
+      </dsp:txBody>
+      <dsp:txXfrm>
+        <a:off x="5638778" y="1078650"/>
+        <a:ext cx="1307455" cy="3007146"/>
+      </dsp:txXfrm>
+    </dsp:sp>
   </dsp:spTree>
 </dsp:drawing>
 </file>
@@ -6266,7 +7171,7 @@
           <a:p>
             <a:fld id="{05389ADD-357A-448F-B13B-6EC087BE2CAF}" type="datetimeFigureOut">
               <a:rPr lang="zh-CN" altLang="en-US" smtClean="0"/>
-              <a:t>2021/12/3</a:t>
+              <a:t>2021/12/7</a:t>
             </a:fld>
             <a:endParaRPr lang="zh-CN" altLang="en-US"/>
           </a:p>
@@ -7442,28 +8347,11 @@
           <a:bodyPr/>
           <a:lstStyle/>
           <a:p>
-            <a:pPr marL="0" marR="0" lvl="0" indent="0" algn="l" defTabSz="914400" rtl="0" eaLnBrk="1" fontAlgn="auto" latinLnBrk="0" hangingPunct="1">
-              <a:lnSpc>
-                <a:spcPct val="100000"/>
-              </a:lnSpc>
-              <a:spcBef>
-                <a:spcPts val="0"/>
-              </a:spcBef>
-              <a:spcAft>
-                <a:spcPts val="0"/>
-              </a:spcAft>
-              <a:buClrTx/>
-              <a:buSzTx/>
-              <a:buFontTx/>
-              <a:buNone/>
-              <a:tabLst/>
-              <a:defRPr/>
-            </a:pPr>
-            <a:r>
-              <a:rPr kumimoji="1" lang="zh-CN" altLang="en-US" dirty="0" smtClean="0"/>
-              <a:t>修改这个图。</a:t>
-            </a:r>
-            <a:endParaRPr kumimoji="1" lang="en-US" altLang="zh-CN" dirty="0" smtClean="0"/>
+            <a:r>
+              <a:rPr lang="zh-CN" altLang="en-US" dirty="0" smtClean="0"/>
+              <a:t>零成本抽象指的是在对特性高度抽象的同时，不会增加额外的负担。同时对应到具体实现时，你自己手写的代码不会比，高度抽象的代码对应的具体实现更好。例如</a:t>
+            </a:r>
+            <a:endParaRPr lang="zh-CN" altLang="en-US" dirty="0"/>
           </a:p>
         </p:txBody>
       </p:sp>
@@ -7474,7 +8362,7 @@
             <a:spLocks noGrp="1"/>
           </p:cNvSpPr>
           <p:nvPr>
-            <p:ph type="sldNum" sz="quarter" idx="5"/>
+            <p:ph type="sldNum" sz="quarter" idx="10"/>
           </p:nvPr>
         </p:nvSpPr>
         <p:spPr/>
@@ -7493,7 +8381,7 @@
     </p:spTree>
     <p:extLst>
       <p:ext uri="{BB962C8B-B14F-4D97-AF65-F5344CB8AC3E}">
-        <p14:creationId xmlns:p14="http://schemas.microsoft.com/office/powerpoint/2010/main" val="3007507685"/>
+        <p14:creationId xmlns:p14="http://schemas.microsoft.com/office/powerpoint/2010/main" val="275810286"/>
       </p:ext>
     </p:extLst>
   </p:cSld>
@@ -7577,7 +8465,7 @@
     </p:spTree>
     <p:extLst>
       <p:ext uri="{BB962C8B-B14F-4D97-AF65-F5344CB8AC3E}">
-        <p14:creationId xmlns:p14="http://schemas.microsoft.com/office/powerpoint/2010/main" val="275810286"/>
+        <p14:creationId xmlns:p14="http://schemas.microsoft.com/office/powerpoint/2010/main" val="573810226"/>
       </p:ext>
     </p:extLst>
   </p:cSld>
@@ -8049,18 +8937,175 @@
           <a:bodyPr/>
           <a:lstStyle/>
           <a:p>
-            <a:r>
-              <a:rPr kumimoji="1" lang="zh-CN" altLang="en-US" dirty="0"/>
-              <a:t>性能、</a:t>
-            </a:r>
-            <a:r>
-              <a:rPr kumimoji="1" lang="en-US" altLang="zh-CN" dirty="0"/>
-              <a:t>benchmarks game</a:t>
-            </a:r>
-            <a:r>
-              <a:rPr kumimoji="1" lang="zh-CN" altLang="en-US" dirty="0"/>
-              <a:t>，并发</a:t>
-            </a:r>
+            <a:pPr marL="0" marR="0" lvl="0" indent="0" algn="l" defTabSz="914400" rtl="0" eaLnBrk="1" fontAlgn="auto" latinLnBrk="0" hangingPunct="1">
+              <a:lnSpc>
+                <a:spcPct val="100000"/>
+              </a:lnSpc>
+              <a:spcBef>
+                <a:spcPts val="0"/>
+              </a:spcBef>
+              <a:spcAft>
+                <a:spcPts val="0"/>
+              </a:spcAft>
+              <a:buClrTx/>
+              <a:buSzTx/>
+              <a:buFontTx/>
+              <a:buNone/>
+              <a:tabLst/>
+              <a:defRPr/>
+            </a:pPr>
+            <a:r>
+              <a:rPr lang="zh-CN" altLang="en-US" dirty="0" smtClean="0">
+                <a:latin typeface="Times New Roman" panose="02020603050405020304" pitchFamily="18" charset="0"/>
+                <a:cs typeface="Times New Roman" panose="02020603050405020304" pitchFamily="18" charset="0"/>
+              </a:rPr>
+              <a:t>由业务层分割计算过程，生成异步任务，串联异步过程。将生成的任务传递给</a:t>
+            </a:r>
+            <a:r>
+              <a:rPr lang="en-US" altLang="zh-CN" dirty="0" smtClean="0">
+                <a:latin typeface="Times New Roman" panose="02020603050405020304" pitchFamily="18" charset="0"/>
+                <a:cs typeface="Times New Roman" panose="02020603050405020304" pitchFamily="18" charset="0"/>
+              </a:rPr>
+              <a:t>scheduler</a:t>
+            </a:r>
+            <a:r>
+              <a:rPr lang="zh-CN" altLang="en-US" dirty="0" smtClean="0">
+                <a:latin typeface="Times New Roman" panose="02020603050405020304" pitchFamily="18" charset="0"/>
+                <a:cs typeface="Times New Roman" panose="02020603050405020304" pitchFamily="18" charset="0"/>
+              </a:rPr>
+              <a:t>，分发任务给不同的任务队列，</a:t>
+            </a:r>
+            <a:r>
+              <a:rPr lang="en-US" altLang="zh-CN" dirty="0" smtClean="0">
+                <a:latin typeface="Times New Roman" panose="02020603050405020304" pitchFamily="18" charset="0"/>
+                <a:cs typeface="Times New Roman" panose="02020603050405020304" pitchFamily="18" charset="0"/>
+              </a:rPr>
+              <a:t>executor</a:t>
+            </a:r>
+            <a:r>
+              <a:rPr lang="zh-CN" altLang="en-US" dirty="0" smtClean="0">
+                <a:latin typeface="Times New Roman" panose="02020603050405020304" pitchFamily="18" charset="0"/>
+                <a:cs typeface="Times New Roman" panose="02020603050405020304" pitchFamily="18" charset="0"/>
+              </a:rPr>
+              <a:t>选择合适的线程，将任务与线程关联起来，执行具体的任务代码。执行过程中遇到</a:t>
+            </a:r>
+            <a:r>
+              <a:rPr lang="en-US" altLang="zh-CN" dirty="0" smtClean="0">
+                <a:latin typeface="Times New Roman" panose="02020603050405020304" pitchFamily="18" charset="0"/>
+                <a:cs typeface="Times New Roman" panose="02020603050405020304" pitchFamily="18" charset="0"/>
+              </a:rPr>
+              <a:t>pending</a:t>
+            </a:r>
+            <a:r>
+              <a:rPr lang="zh-CN" altLang="en-US" dirty="0" smtClean="0">
+                <a:latin typeface="Times New Roman" panose="02020603050405020304" pitchFamily="18" charset="0"/>
+                <a:cs typeface="Times New Roman" panose="02020603050405020304" pitchFamily="18" charset="0"/>
+              </a:rPr>
+              <a:t>状态（</a:t>
+            </a:r>
+            <a:r>
+              <a:rPr lang="en-US" altLang="zh-CN" dirty="0" smtClean="0">
+                <a:latin typeface="Times New Roman" panose="02020603050405020304" pitchFamily="18" charset="0"/>
+                <a:cs typeface="Times New Roman" panose="02020603050405020304" pitchFamily="18" charset="0"/>
+              </a:rPr>
+              <a:t>pending</a:t>
+            </a:r>
+            <a:r>
+              <a:rPr lang="zh-CN" altLang="en-US" dirty="0" smtClean="0">
+                <a:latin typeface="Times New Roman" panose="02020603050405020304" pitchFamily="18" charset="0"/>
+                <a:cs typeface="Times New Roman" panose="02020603050405020304" pitchFamily="18" charset="0"/>
+              </a:rPr>
+              <a:t>状态可以自定义），则让出执行权。等待被唤醒之后（一般由系统事件唤醒），在进入调度流程。</a:t>
+            </a:r>
+            <a:r>
+              <a:rPr lang="en-US" altLang="zh-CN" dirty="0" smtClean="0">
+                <a:latin typeface="Times New Roman" panose="02020603050405020304" pitchFamily="18" charset="0"/>
+                <a:cs typeface="Times New Roman" panose="02020603050405020304" pitchFamily="18" charset="0"/>
+              </a:rPr>
+              <a:t>Scheduler</a:t>
+            </a:r>
+            <a:r>
+              <a:rPr lang="zh-CN" altLang="en-US" dirty="0" smtClean="0">
+                <a:latin typeface="Times New Roman" panose="02020603050405020304" pitchFamily="18" charset="0"/>
+                <a:cs typeface="Times New Roman" panose="02020603050405020304" pitchFamily="18" charset="0"/>
+              </a:rPr>
+              <a:t>、</a:t>
+            </a:r>
+            <a:r>
+              <a:rPr lang="en-US" altLang="zh-CN" dirty="0" err="1" smtClean="0">
+                <a:latin typeface="Times New Roman" panose="02020603050405020304" pitchFamily="18" charset="0"/>
+                <a:cs typeface="Times New Roman" panose="02020603050405020304" pitchFamily="18" charset="0"/>
+              </a:rPr>
+              <a:t>executeor</a:t>
+            </a:r>
+            <a:r>
+              <a:rPr lang="zh-CN" altLang="en-US" dirty="0" smtClean="0">
+                <a:latin typeface="Times New Roman" panose="02020603050405020304" pitchFamily="18" charset="0"/>
+                <a:cs typeface="Times New Roman" panose="02020603050405020304" pitchFamily="18" charset="0"/>
+              </a:rPr>
+              <a:t>、</a:t>
+            </a:r>
+            <a:r>
+              <a:rPr lang="en-US" altLang="zh-CN" dirty="0" smtClean="0">
+                <a:latin typeface="Times New Roman" panose="02020603050405020304" pitchFamily="18" charset="0"/>
+                <a:cs typeface="Times New Roman" panose="02020603050405020304" pitchFamily="18" charset="0"/>
+              </a:rPr>
+              <a:t>wake</a:t>
+            </a:r>
+            <a:r>
+              <a:rPr lang="zh-CN" altLang="en-US" dirty="0" smtClean="0">
+                <a:latin typeface="Times New Roman" panose="02020603050405020304" pitchFamily="18" charset="0"/>
+                <a:cs typeface="Times New Roman" panose="02020603050405020304" pitchFamily="18" charset="0"/>
+              </a:rPr>
+              <a:t>、</a:t>
+            </a:r>
+            <a:r>
+              <a:rPr lang="en-US" altLang="zh-CN" dirty="0" smtClean="0">
+                <a:latin typeface="Times New Roman" panose="02020603050405020304" pitchFamily="18" charset="0"/>
+                <a:cs typeface="Times New Roman" panose="02020603050405020304" pitchFamily="18" charset="0"/>
+              </a:rPr>
+              <a:t>task queue</a:t>
+            </a:r>
+            <a:r>
+              <a:rPr lang="zh-CN" altLang="en-US" dirty="0" smtClean="0">
+                <a:latin typeface="+mn-ea"/>
+              </a:rPr>
+              <a:t>均需要三方库实现，</a:t>
+            </a:r>
+            <a:r>
+              <a:rPr lang="en-US" altLang="zh-CN" dirty="0" smtClean="0">
+                <a:latin typeface="+mn-ea"/>
+              </a:rPr>
+              <a:t>rust</a:t>
+            </a:r>
+            <a:r>
+              <a:rPr lang="zh-CN" altLang="en-US" dirty="0" smtClean="0">
+                <a:latin typeface="+mn-ea"/>
+              </a:rPr>
+              <a:t>语言本身只提供了基本的</a:t>
+            </a:r>
+            <a:r>
+              <a:rPr lang="en-US" altLang="zh-CN" dirty="0" smtClean="0">
+                <a:latin typeface="Times New Roman" panose="02020603050405020304" pitchFamily="18" charset="0"/>
+                <a:cs typeface="Times New Roman" panose="02020603050405020304" pitchFamily="18" charset="0"/>
+              </a:rPr>
+              <a:t>trait</a:t>
+            </a:r>
+            <a:r>
+              <a:rPr lang="zh-CN" altLang="en-US" dirty="0" smtClean="0">
+                <a:latin typeface="+mn-ea"/>
+              </a:rPr>
+              <a:t>限定</a:t>
+            </a:r>
+            <a:r>
+              <a:rPr lang="zh-CN" altLang="en-US" dirty="0" smtClean="0">
+                <a:latin typeface="+mn-lt"/>
+              </a:rPr>
+              <a:t>，编译器生成基本代码，支撑任务流转。</a:t>
+            </a:r>
+            <a:endParaRPr lang="zh-CN" altLang="en-US" dirty="0" smtClean="0">
+              <a:latin typeface="+mn-ea"/>
+            </a:endParaRPr>
           </a:p>
         </p:txBody>
       </p:sp>
@@ -8071,7 +9116,7 @@
             <a:spLocks noGrp="1"/>
           </p:cNvSpPr>
           <p:nvPr>
-            <p:ph type="sldNum" sz="quarter" idx="5"/>
+            <p:ph type="sldNum" sz="quarter" idx="10"/>
           </p:nvPr>
         </p:nvSpPr>
         <p:spPr/>
@@ -8090,7 +9135,7 @@
     </p:spTree>
     <p:extLst>
       <p:ext uri="{BB962C8B-B14F-4D97-AF65-F5344CB8AC3E}">
-        <p14:creationId xmlns:p14="http://schemas.microsoft.com/office/powerpoint/2010/main" val="3290587185"/>
+        <p14:creationId xmlns:p14="http://schemas.microsoft.com/office/powerpoint/2010/main" val="3838693349"/>
       </p:ext>
     </p:extLst>
   </p:cSld>
@@ -8144,7 +9189,29 @@
           <a:bodyPr/>
           <a:lstStyle/>
           <a:p>
-            <a:endParaRPr lang="zh-CN" altLang="en-US" dirty="0"/>
+            <a:pPr marL="0" marR="0" lvl="0" indent="0" algn="l" defTabSz="914400" rtl="0" eaLnBrk="1" fontAlgn="auto" latinLnBrk="0" hangingPunct="1">
+              <a:lnSpc>
+                <a:spcPct val="100000"/>
+              </a:lnSpc>
+              <a:spcBef>
+                <a:spcPts val="0"/>
+              </a:spcBef>
+              <a:spcAft>
+                <a:spcPts val="0"/>
+              </a:spcAft>
+              <a:buClrTx/>
+              <a:buSzTx/>
+              <a:buFontTx/>
+              <a:buNone/>
+              <a:tabLst/>
+              <a:defRPr/>
+            </a:pPr>
+            <a:r>
+              <a:rPr lang="zh-CN" altLang="en-US" dirty="0" smtClean="0">
+                <a:latin typeface="+mn-ea"/>
+              </a:rPr>
+              <a:t>示例展示，用户在使用第三方库进行异步并发计算时，只需要关注计算本身即可。细节实现均被封装，感知不到具体细节。</a:t>
+            </a:r>
           </a:p>
         </p:txBody>
       </p:sp>
@@ -8174,7 +9241,7 @@
     </p:spTree>
     <p:extLst>
       <p:ext uri="{BB962C8B-B14F-4D97-AF65-F5344CB8AC3E}">
-        <p14:creationId xmlns:p14="http://schemas.microsoft.com/office/powerpoint/2010/main" val="4247127536"/>
+        <p14:creationId xmlns:p14="http://schemas.microsoft.com/office/powerpoint/2010/main" val="3932428062"/>
       </p:ext>
     </p:extLst>
   </p:cSld>
@@ -8229,62 +9296,194 @@
           <a:lstStyle/>
           <a:p>
             <a:r>
-              <a:rPr lang="en-US" altLang="zh-CN" dirty="0" smtClean="0"/>
+              <a:rPr kumimoji="1" lang="zh-CN" altLang="en-US" dirty="0" smtClean="0"/>
+              <a:t>没有垃圾回收器</a:t>
+            </a:r>
+            <a:r>
+              <a:rPr kumimoji="1" lang="en-US" altLang="zh-CN" dirty="0" smtClean="0"/>
+              <a:t>stop the world</a:t>
+            </a:r>
+            <a:r>
+              <a:rPr kumimoji="1" lang="zh-CN" altLang="en-US" dirty="0" smtClean="0"/>
+              <a:t>，以及对零成本抽象的支持，</a:t>
+            </a:r>
+            <a:r>
+              <a:rPr kumimoji="1" lang="en-US" altLang="zh-CN" dirty="0" smtClean="0"/>
               <a:t>Rust</a:t>
             </a:r>
             <a:r>
-              <a:rPr lang="zh-CN" altLang="en-US" dirty="0" smtClean="0"/>
-              <a:t>发展是依赖社区和开发团队共同推进的，</a:t>
-            </a:r>
-            <a:r>
-              <a:rPr lang="en-US" altLang="zh-CN" dirty="0" smtClean="0"/>
-              <a:t>rust</a:t>
-            </a:r>
-            <a:r>
-              <a:rPr lang="zh-CN" altLang="en-US" dirty="0" smtClean="0"/>
-              <a:t>核心团队主要集中在</a:t>
-            </a:r>
-            <a:r>
-              <a:rPr lang="en-US" altLang="zh-CN" dirty="0" smtClean="0"/>
-              <a:t>rust</a:t>
-            </a:r>
-            <a:r>
-              <a:rPr lang="zh-CN" altLang="en-US" dirty="0" smtClean="0"/>
-              <a:t>语言本身的特性开发上，而社区主要集中在</a:t>
-            </a:r>
-            <a:r>
-              <a:rPr lang="en-US" altLang="zh-CN" dirty="0" smtClean="0"/>
-              <a:t>rust</a:t>
-            </a:r>
-            <a:r>
-              <a:rPr lang="zh-CN" altLang="en-US" dirty="0" smtClean="0"/>
-              <a:t>的基础应用上。很多基础库都会以</a:t>
-            </a:r>
-            <a:r>
-              <a:rPr lang="en-US" altLang="zh-CN" dirty="0" smtClean="0"/>
-              <a:t>crate</a:t>
-            </a:r>
-            <a:r>
-              <a:rPr lang="zh-CN" altLang="en-US" dirty="0" smtClean="0"/>
-              <a:t>的形式发布到</a:t>
-            </a:r>
-            <a:r>
-              <a:rPr lang="en-US" altLang="zh-CN" dirty="0" smtClean="0"/>
-              <a:t>crates.io</a:t>
-            </a:r>
-            <a:r>
-              <a:rPr lang="zh-CN" altLang="en-US" dirty="0" smtClean="0"/>
-              <a:t>上。目前为止有</a:t>
-            </a:r>
-            <a:r>
-              <a:rPr lang="en-US" altLang="zh-CN" dirty="0" smtClean="0"/>
-              <a:t>71905</a:t>
-            </a:r>
-            <a:r>
-              <a:rPr lang="zh-CN" altLang="en-US" smtClean="0"/>
-              <a:t>个</a:t>
-            </a:r>
-            <a:endParaRPr lang="zh-CN" altLang="en-US" dirty="0"/>
+              <a:rPr kumimoji="1" lang="zh-CN" altLang="en-US" dirty="0" smtClean="0"/>
+              <a:t>本身性能比较高。编译器完备的安全检查，类型检查，内存安全检查。</a:t>
+            </a:r>
+            <a:r>
+              <a:rPr lang="en-US" altLang="zh-CN" sz="1200" b="0" i="0" kern="1200" dirty="0" smtClean="0">
+                <a:solidFill>
+                  <a:schemeClr val="tx1"/>
+                </a:solidFill>
+                <a:effectLst/>
+                <a:latin typeface="+mn-lt"/>
+                <a:ea typeface="+mn-ea"/>
+                <a:cs typeface="+mn-cs"/>
+              </a:rPr>
+              <a:t>Rust</a:t>
+            </a:r>
+            <a:r>
+              <a:rPr lang="zh-CN" altLang="en-US" sz="1200" b="0" i="0" kern="1200" dirty="0" smtClean="0">
+                <a:solidFill>
+                  <a:schemeClr val="tx1"/>
+                </a:solidFill>
+                <a:effectLst/>
+                <a:latin typeface="+mn-lt"/>
+                <a:ea typeface="+mn-ea"/>
+                <a:cs typeface="+mn-cs"/>
+              </a:rPr>
+              <a:t>兼容 </a:t>
+            </a:r>
+            <a:r>
+              <a:rPr lang="en-US" altLang="zh-CN" sz="1200" b="0" i="0" kern="1200" dirty="0" smtClean="0">
+                <a:solidFill>
+                  <a:schemeClr val="tx1"/>
+                </a:solidFill>
+                <a:effectLst/>
+                <a:latin typeface="+mn-lt"/>
+                <a:ea typeface="+mn-ea"/>
+                <a:cs typeface="+mn-cs"/>
+              </a:rPr>
+              <a:t>C-ABI</a:t>
+            </a:r>
+            <a:r>
+              <a:rPr lang="zh-CN" altLang="en-US" sz="1200" b="0" i="0" kern="1200" dirty="0" smtClean="0">
+                <a:solidFill>
+                  <a:schemeClr val="tx1"/>
+                </a:solidFill>
+                <a:effectLst/>
+                <a:latin typeface="+mn-lt"/>
+                <a:ea typeface="+mn-ea"/>
+                <a:cs typeface="+mn-cs"/>
+              </a:rPr>
+              <a:t>，能很好的兼容</a:t>
+            </a:r>
+            <a:r>
+              <a:rPr lang="en-US" altLang="zh-CN" sz="1200" b="0" i="0" kern="1200" dirty="0" smtClean="0">
+                <a:solidFill>
+                  <a:schemeClr val="tx1"/>
+                </a:solidFill>
+                <a:effectLst/>
+                <a:latin typeface="+mn-lt"/>
+                <a:ea typeface="+mn-ea"/>
+                <a:cs typeface="+mn-cs"/>
+              </a:rPr>
+              <a:t>C</a:t>
+            </a:r>
+            <a:r>
+              <a:rPr lang="zh-CN" altLang="en-US" sz="1200" b="0" i="0" kern="1200" dirty="0" smtClean="0">
+                <a:solidFill>
+                  <a:schemeClr val="tx1"/>
+                </a:solidFill>
+                <a:effectLst/>
+                <a:latin typeface="+mn-lt"/>
+                <a:ea typeface="+mn-ea"/>
+                <a:cs typeface="+mn-cs"/>
+              </a:rPr>
+              <a:t>语言软件。并且从语言架构层面上将 </a:t>
+            </a:r>
+            <a:r>
+              <a:rPr lang="en-US" altLang="zh-CN" sz="1200" b="0" i="0" kern="1200" dirty="0" smtClean="0">
+                <a:solidFill>
+                  <a:schemeClr val="tx1"/>
+                </a:solidFill>
+                <a:effectLst/>
+                <a:latin typeface="+mn-lt"/>
+                <a:ea typeface="+mn-ea"/>
+                <a:cs typeface="+mn-cs"/>
+              </a:rPr>
+              <a:t>Rust </a:t>
+            </a:r>
+            <a:r>
+              <a:rPr lang="zh-CN" altLang="en-US" sz="1200" b="0" i="0" kern="1200" dirty="0" smtClean="0">
+                <a:solidFill>
+                  <a:schemeClr val="tx1"/>
+                </a:solidFill>
+                <a:effectLst/>
+                <a:latin typeface="+mn-lt"/>
+                <a:ea typeface="+mn-ea"/>
+                <a:cs typeface="+mn-cs"/>
+              </a:rPr>
+              <a:t>语言分成 </a:t>
+            </a:r>
+            <a:r>
+              <a:rPr lang="en-US" altLang="zh-CN" sz="1200" b="0" i="0" kern="1200" dirty="0" smtClean="0">
+                <a:solidFill>
+                  <a:schemeClr val="tx1"/>
+                </a:solidFill>
+                <a:effectLst/>
+                <a:latin typeface="+mn-lt"/>
+                <a:ea typeface="+mn-ea"/>
+                <a:cs typeface="+mn-cs"/>
+              </a:rPr>
+              <a:t>Safe Rust </a:t>
+            </a:r>
+            <a:r>
+              <a:rPr lang="zh-CN" altLang="en-US" sz="1200" b="0" i="0" kern="1200" dirty="0" smtClean="0">
+                <a:solidFill>
+                  <a:schemeClr val="tx1"/>
+                </a:solidFill>
+                <a:effectLst/>
+                <a:latin typeface="+mn-lt"/>
+                <a:ea typeface="+mn-ea"/>
+                <a:cs typeface="+mn-cs"/>
+              </a:rPr>
+              <a:t>和 </a:t>
+            </a:r>
+            <a:r>
+              <a:rPr lang="en-US" altLang="zh-CN" sz="1200" b="0" i="0" kern="1200" dirty="0" smtClean="0">
+                <a:solidFill>
+                  <a:schemeClr val="tx1"/>
+                </a:solidFill>
+                <a:effectLst/>
+                <a:latin typeface="+mn-lt"/>
+                <a:ea typeface="+mn-ea"/>
+                <a:cs typeface="+mn-cs"/>
+              </a:rPr>
+              <a:t>Unsafe Rust </a:t>
+            </a:r>
+            <a:r>
+              <a:rPr lang="zh-CN" altLang="en-US" sz="1200" b="0" i="0" kern="1200" dirty="0" smtClean="0">
+                <a:solidFill>
+                  <a:schemeClr val="tx1"/>
+                </a:solidFill>
+                <a:effectLst/>
+                <a:latin typeface="+mn-lt"/>
+                <a:ea typeface="+mn-ea"/>
+                <a:cs typeface="+mn-cs"/>
+              </a:rPr>
+              <a:t>两部分，其中 </a:t>
+            </a:r>
+            <a:r>
+              <a:rPr lang="en-US" altLang="zh-CN" sz="1200" b="0" i="0" kern="1200" dirty="0" smtClean="0">
+                <a:solidFill>
+                  <a:schemeClr val="tx1"/>
+                </a:solidFill>
+                <a:effectLst/>
+                <a:latin typeface="+mn-lt"/>
+                <a:ea typeface="+mn-ea"/>
+                <a:cs typeface="+mn-cs"/>
+              </a:rPr>
+              <a:t>Unsafe Rust </a:t>
+            </a:r>
+            <a:r>
+              <a:rPr lang="zh-CN" altLang="en-US" sz="1200" b="0" i="0" kern="1200" dirty="0" smtClean="0">
+                <a:solidFill>
+                  <a:schemeClr val="tx1"/>
+                </a:solidFill>
+                <a:effectLst/>
+                <a:latin typeface="+mn-lt"/>
+                <a:ea typeface="+mn-ea"/>
+                <a:cs typeface="+mn-cs"/>
+              </a:rPr>
+              <a:t>专门和外部系统打交道，比如操作系统内核。学习曲线陡峭，语法不容易学习。所有权、引用借用、生命周期以及宏编程等都比较难以掌握。开发效率低，也是因为所有权和生命周期的处理比较困难。</a:t>
+            </a:r>
+            <a:endParaRPr kumimoji="1" lang="zh-CN" altLang="en-US" dirty="0"/>
           </a:p>
         </p:txBody>
       </p:sp>
@@ -8295,7 +9494,7 @@
             <a:spLocks noGrp="1"/>
           </p:cNvSpPr>
           <p:nvPr>
-            <p:ph type="sldNum" sz="quarter" idx="10"/>
+            <p:ph type="sldNum" sz="quarter" idx="5"/>
           </p:nvPr>
         </p:nvSpPr>
         <p:spPr/>
@@ -8314,7 +9513,696 @@
     </p:spTree>
     <p:extLst>
       <p:ext uri="{BB962C8B-B14F-4D97-AF65-F5344CB8AC3E}">
+        <p14:creationId xmlns:p14="http://schemas.microsoft.com/office/powerpoint/2010/main" val="3290587185"/>
+      </p:ext>
+    </p:extLst>
+  </p:cSld>
+  <p:clrMapOvr>
+    <a:masterClrMapping/>
+  </p:clrMapOvr>
+</p:notes>
+</file>
+
+<file path=ppt/notesSlides/notesSlide23.xml><?xml version="1.0" encoding="utf-8"?>
+<p:notes xmlns:a="http://schemas.openxmlformats.org/drawingml/2006/main" xmlns:r="http://schemas.openxmlformats.org/officeDocument/2006/relationships" xmlns:p="http://schemas.openxmlformats.org/presentationml/2006/main">
+  <p:cSld>
+    <p:spTree>
+      <p:nvGrpSpPr>
+        <p:cNvPr id="1" name=""/>
+        <p:cNvGrpSpPr/>
+        <p:nvPr/>
+      </p:nvGrpSpPr>
+      <p:grpSpPr>
+        <a:xfrm>
+          <a:off x="0" y="0"/>
+          <a:ext cx="0" cy="0"/>
+          <a:chOff x="0" y="0"/>
+          <a:chExt cx="0" cy="0"/>
+        </a:xfrm>
+      </p:grpSpPr>
+      <p:sp>
+        <p:nvSpPr>
+          <p:cNvPr id="2" name="幻灯片图像占位符 1"/>
+          <p:cNvSpPr>
+            <a:spLocks noGrp="1" noRot="1" noChangeAspect="1"/>
+          </p:cNvSpPr>
+          <p:nvPr>
+            <p:ph type="sldImg"/>
+          </p:nvPr>
+        </p:nvSpPr>
+        <p:spPr/>
+      </p:sp>
+      <p:sp>
+        <p:nvSpPr>
+          <p:cNvPr id="3" name="备注占位符 2"/>
+          <p:cNvSpPr>
+            <a:spLocks noGrp="1"/>
+          </p:cNvSpPr>
+          <p:nvPr>
+            <p:ph type="body" idx="1"/>
+          </p:nvPr>
+        </p:nvSpPr>
+        <p:spPr/>
+        <p:txBody>
+          <a:bodyPr/>
+          <a:lstStyle/>
+          <a:p>
+            <a:r>
+              <a:rPr lang="en-US" altLang="zh-CN" dirty="0" err="1" smtClean="0"/>
+              <a:t>Benchmarksgame</a:t>
+            </a:r>
+            <a:r>
+              <a:rPr lang="zh-CN" altLang="en-US" dirty="0" smtClean="0"/>
+              <a:t>做的性能对比。</a:t>
+            </a:r>
+            <a:r>
+              <a:rPr lang="en-US" altLang="zh-CN" dirty="0" smtClean="0"/>
+              <a:t>https://benchmarksgame-team.pages.debian.net/benchmarksgame/fastest/rust.html</a:t>
+            </a:r>
+            <a:endParaRPr lang="zh-CN" altLang="en-US" dirty="0"/>
+          </a:p>
+        </p:txBody>
+      </p:sp>
+      <p:sp>
+        <p:nvSpPr>
+          <p:cNvPr id="4" name="灯片编号占位符 3"/>
+          <p:cNvSpPr>
+            <a:spLocks noGrp="1"/>
+          </p:cNvSpPr>
+          <p:nvPr>
+            <p:ph type="sldNum" sz="quarter" idx="10"/>
+          </p:nvPr>
+        </p:nvSpPr>
+        <p:spPr/>
+        <p:txBody>
+          <a:bodyPr/>
+          <a:lstStyle/>
+          <a:p>
+            <a:fld id="{6245CCF4-CF1B-4B4B-B5D0-2221EBE362B5}" type="slidenum">
+              <a:rPr lang="zh-CN" altLang="en-US" smtClean="0"/>
+              <a:t>26</a:t>
+            </a:fld>
+            <a:endParaRPr lang="zh-CN" altLang="en-US"/>
+          </a:p>
+        </p:txBody>
+      </p:sp>
+    </p:spTree>
+    <p:extLst>
+      <p:ext uri="{BB962C8B-B14F-4D97-AF65-F5344CB8AC3E}">
+        <p14:creationId xmlns:p14="http://schemas.microsoft.com/office/powerpoint/2010/main" val="4247127536"/>
+      </p:ext>
+    </p:extLst>
+  </p:cSld>
+  <p:clrMapOvr>
+    <a:masterClrMapping/>
+  </p:clrMapOvr>
+</p:notes>
+</file>
+
+<file path=ppt/notesSlides/notesSlide24.xml><?xml version="1.0" encoding="utf-8"?>
+<p:notes xmlns:a="http://schemas.openxmlformats.org/drawingml/2006/main" xmlns:r="http://schemas.openxmlformats.org/officeDocument/2006/relationships" xmlns:p="http://schemas.openxmlformats.org/presentationml/2006/main">
+  <p:cSld>
+    <p:spTree>
+      <p:nvGrpSpPr>
+        <p:cNvPr id="1" name=""/>
+        <p:cNvGrpSpPr/>
+        <p:nvPr/>
+      </p:nvGrpSpPr>
+      <p:grpSpPr>
+        <a:xfrm>
+          <a:off x="0" y="0"/>
+          <a:ext cx="0" cy="0"/>
+          <a:chOff x="0" y="0"/>
+          <a:chExt cx="0" cy="0"/>
+        </a:xfrm>
+      </p:grpSpPr>
+      <p:sp>
+        <p:nvSpPr>
+          <p:cNvPr id="2" name="幻灯片图像占位符 1"/>
+          <p:cNvSpPr>
+            <a:spLocks noGrp="1" noRot="1" noChangeAspect="1"/>
+          </p:cNvSpPr>
+          <p:nvPr>
+            <p:ph type="sldImg"/>
+          </p:nvPr>
+        </p:nvSpPr>
+        <p:spPr/>
+      </p:sp>
+      <p:sp>
+        <p:nvSpPr>
+          <p:cNvPr id="3" name="备注占位符 2"/>
+          <p:cNvSpPr>
+            <a:spLocks noGrp="1"/>
+          </p:cNvSpPr>
+          <p:nvPr>
+            <p:ph type="body" idx="1"/>
+          </p:nvPr>
+        </p:nvSpPr>
+        <p:spPr/>
+        <p:txBody>
+          <a:bodyPr/>
+          <a:lstStyle/>
+          <a:p>
+            <a:r>
+              <a:rPr lang="en-US" altLang="zh-CN" dirty="0" err="1" smtClean="0"/>
+              <a:t>Github</a:t>
+            </a:r>
+            <a:r>
+              <a:rPr lang="zh-CN" altLang="en-US" dirty="0" smtClean="0"/>
+              <a:t>上对常见的数据操作的对比，</a:t>
+            </a:r>
+            <a:r>
+              <a:rPr lang="en-US" altLang="zh-CN" dirty="0" smtClean="0"/>
+              <a:t>base64</a:t>
+            </a:r>
+            <a:r>
+              <a:rPr lang="zh-CN" altLang="en-US" dirty="0" smtClean="0"/>
+              <a:t>编码，</a:t>
+            </a:r>
+            <a:r>
+              <a:rPr lang="en-US" altLang="zh-CN" dirty="0" err="1" smtClean="0"/>
+              <a:t>json</a:t>
+            </a:r>
+            <a:r>
+              <a:rPr lang="zh-CN" altLang="en-US" dirty="0" smtClean="0"/>
+              <a:t>解析等比较。</a:t>
+            </a:r>
+            <a:r>
+              <a:rPr lang="en-US" altLang="zh-CN" dirty="0" smtClean="0"/>
+              <a:t>https://github.com/kostya/benchmarks</a:t>
+            </a:r>
+            <a:endParaRPr lang="zh-CN" altLang="en-US" dirty="0"/>
+          </a:p>
+        </p:txBody>
+      </p:sp>
+      <p:sp>
+        <p:nvSpPr>
+          <p:cNvPr id="4" name="灯片编号占位符 3"/>
+          <p:cNvSpPr>
+            <a:spLocks noGrp="1"/>
+          </p:cNvSpPr>
+          <p:nvPr>
+            <p:ph type="sldNum" sz="quarter" idx="10"/>
+          </p:nvPr>
+        </p:nvSpPr>
+        <p:spPr/>
+        <p:txBody>
+          <a:bodyPr/>
+          <a:lstStyle/>
+          <a:p>
+            <a:fld id="{6245CCF4-CF1B-4B4B-B5D0-2221EBE362B5}" type="slidenum">
+              <a:rPr lang="zh-CN" altLang="en-US" smtClean="0"/>
+              <a:t>27</a:t>
+            </a:fld>
+            <a:endParaRPr lang="zh-CN" altLang="en-US"/>
+          </a:p>
+        </p:txBody>
+      </p:sp>
+    </p:spTree>
+    <p:extLst>
+      <p:ext uri="{BB962C8B-B14F-4D97-AF65-F5344CB8AC3E}">
+        <p14:creationId xmlns:p14="http://schemas.microsoft.com/office/powerpoint/2010/main" val="2558072081"/>
+      </p:ext>
+    </p:extLst>
+  </p:cSld>
+  <p:clrMapOvr>
+    <a:masterClrMapping/>
+  </p:clrMapOvr>
+</p:notes>
+</file>
+
+<file path=ppt/notesSlides/notesSlide25.xml><?xml version="1.0" encoding="utf-8"?>
+<p:notes xmlns:a="http://schemas.openxmlformats.org/drawingml/2006/main" xmlns:r="http://schemas.openxmlformats.org/officeDocument/2006/relationships" xmlns:p="http://schemas.openxmlformats.org/presentationml/2006/main">
+  <p:cSld>
+    <p:spTree>
+      <p:nvGrpSpPr>
+        <p:cNvPr id="1" name=""/>
+        <p:cNvGrpSpPr/>
+        <p:nvPr/>
+      </p:nvGrpSpPr>
+      <p:grpSpPr>
+        <a:xfrm>
+          <a:off x="0" y="0"/>
+          <a:ext cx="0" cy="0"/>
+          <a:chOff x="0" y="0"/>
+          <a:chExt cx="0" cy="0"/>
+        </a:xfrm>
+      </p:grpSpPr>
+      <p:sp>
+        <p:nvSpPr>
+          <p:cNvPr id="2" name="幻灯片图像占位符 1"/>
+          <p:cNvSpPr>
+            <a:spLocks noGrp="1" noRot="1" noChangeAspect="1"/>
+          </p:cNvSpPr>
+          <p:nvPr>
+            <p:ph type="sldImg"/>
+          </p:nvPr>
+        </p:nvSpPr>
+        <p:spPr/>
+      </p:sp>
+      <p:sp>
+        <p:nvSpPr>
+          <p:cNvPr id="3" name="备注占位符 2"/>
+          <p:cNvSpPr>
+            <a:spLocks noGrp="1"/>
+          </p:cNvSpPr>
+          <p:nvPr>
+            <p:ph type="body" idx="1"/>
+          </p:nvPr>
+        </p:nvSpPr>
+        <p:spPr/>
+        <p:txBody>
+          <a:bodyPr/>
+          <a:lstStyle/>
+          <a:p>
+            <a:r>
+              <a:rPr lang="en-US" altLang="zh-CN" dirty="0" smtClean="0"/>
+              <a:t>Rust</a:t>
+            </a:r>
+            <a:r>
+              <a:rPr lang="zh-CN" altLang="en-US" dirty="0" smtClean="0"/>
+              <a:t>发展是依赖社区和开发团队共同推进的，</a:t>
+            </a:r>
+            <a:r>
+              <a:rPr lang="en-US" altLang="zh-CN" dirty="0" smtClean="0"/>
+              <a:t>rust</a:t>
+            </a:r>
+            <a:r>
+              <a:rPr lang="zh-CN" altLang="en-US" dirty="0" smtClean="0"/>
+              <a:t>核心团队主要集中在</a:t>
+            </a:r>
+            <a:r>
+              <a:rPr lang="en-US" altLang="zh-CN" dirty="0" smtClean="0"/>
+              <a:t>rust</a:t>
+            </a:r>
+            <a:r>
+              <a:rPr lang="zh-CN" altLang="en-US" dirty="0" smtClean="0"/>
+              <a:t>语言本身的特性开发上，而社区主要集中在</a:t>
+            </a:r>
+            <a:r>
+              <a:rPr lang="en-US" altLang="zh-CN" dirty="0" smtClean="0"/>
+              <a:t>rust</a:t>
+            </a:r>
+            <a:r>
+              <a:rPr lang="zh-CN" altLang="en-US" dirty="0" smtClean="0"/>
+              <a:t>的基础应用上。很多基础库都会以</a:t>
+            </a:r>
+            <a:r>
+              <a:rPr lang="en-US" altLang="zh-CN" dirty="0" smtClean="0"/>
+              <a:t>crate</a:t>
+            </a:r>
+            <a:r>
+              <a:rPr lang="zh-CN" altLang="en-US" dirty="0" smtClean="0"/>
+              <a:t>的形式发布到</a:t>
+            </a:r>
+            <a:r>
+              <a:rPr lang="en-US" altLang="zh-CN" dirty="0" smtClean="0"/>
+              <a:t>crates.io</a:t>
+            </a:r>
+            <a:r>
+              <a:rPr lang="zh-CN" altLang="en-US" dirty="0" smtClean="0"/>
+              <a:t>上。目前为止有</a:t>
+            </a:r>
+            <a:r>
+              <a:rPr lang="en-US" altLang="zh-CN" dirty="0" smtClean="0"/>
+              <a:t>71905</a:t>
+            </a:r>
+            <a:r>
+              <a:rPr lang="zh-CN" altLang="en-US" dirty="0" smtClean="0"/>
+              <a:t>个</a:t>
+            </a:r>
+            <a:endParaRPr lang="en-US" altLang="zh-CN" dirty="0" smtClean="0"/>
+          </a:p>
+          <a:p>
+            <a:endParaRPr lang="en-US" altLang="zh-CN" dirty="0" smtClean="0"/>
+          </a:p>
+          <a:p>
+            <a:pPr marL="0" indent="0">
+              <a:buNone/>
+            </a:pPr>
+            <a:r>
+              <a:rPr kumimoji="1" lang="zh-CN" altLang="en-US" dirty="0" smtClean="0"/>
+              <a:t>基础库，</a:t>
+            </a:r>
+            <a:r>
+              <a:rPr kumimoji="1" lang="en-US" altLang="zh-CN" dirty="0" err="1" smtClean="0"/>
+              <a:t>io</a:t>
+            </a:r>
+            <a:r>
+              <a:rPr kumimoji="1" lang="zh-CN" altLang="en-US" dirty="0" smtClean="0"/>
+              <a:t>，网络，数据库，集中在云计算</a:t>
+            </a:r>
+          </a:p>
+          <a:p>
+            <a:pPr marL="0" indent="0">
+              <a:buNone/>
+            </a:pPr>
+            <a:r>
+              <a:rPr kumimoji="1" lang="zh-CN" altLang="en-US" dirty="0" smtClean="0"/>
+              <a:t>上层应用，典型的产品，</a:t>
+            </a:r>
+            <a:r>
+              <a:rPr kumimoji="1" lang="en-US" altLang="zh-CN" dirty="0" smtClean="0"/>
+              <a:t>go-docker,rust-db,linkerd-proxy,2.0</a:t>
+            </a:r>
+            <a:r>
+              <a:rPr kumimoji="1" lang="zh-CN" altLang="en-US" dirty="0" smtClean="0"/>
+              <a:t>（</a:t>
+            </a:r>
+            <a:r>
+              <a:rPr kumimoji="1" lang="en-US" altLang="zh-CN" dirty="0" smtClean="0"/>
+              <a:t>envoy</a:t>
+            </a:r>
+            <a:r>
+              <a:rPr kumimoji="1" lang="zh-CN" altLang="en-US" dirty="0" smtClean="0"/>
+              <a:t>）</a:t>
+            </a:r>
+          </a:p>
+          <a:p>
+            <a:endParaRPr lang="zh-CN" altLang="en-US" dirty="0"/>
+          </a:p>
+        </p:txBody>
+      </p:sp>
+      <p:sp>
+        <p:nvSpPr>
+          <p:cNvPr id="4" name="灯片编号占位符 3"/>
+          <p:cNvSpPr>
+            <a:spLocks noGrp="1"/>
+          </p:cNvSpPr>
+          <p:nvPr>
+            <p:ph type="sldNum" sz="quarter" idx="10"/>
+          </p:nvPr>
+        </p:nvSpPr>
+        <p:spPr/>
+        <p:txBody>
+          <a:bodyPr/>
+          <a:lstStyle/>
+          <a:p>
+            <a:fld id="{6245CCF4-CF1B-4B4B-B5D0-2221EBE362B5}" type="slidenum">
+              <a:rPr lang="zh-CN" altLang="en-US" smtClean="0"/>
+              <a:t>28</a:t>
+            </a:fld>
+            <a:endParaRPr lang="zh-CN" altLang="en-US"/>
+          </a:p>
+        </p:txBody>
+      </p:sp>
+    </p:spTree>
+    <p:extLst>
+      <p:ext uri="{BB962C8B-B14F-4D97-AF65-F5344CB8AC3E}">
         <p14:creationId xmlns:p14="http://schemas.microsoft.com/office/powerpoint/2010/main" val="1322133225"/>
+      </p:ext>
+    </p:extLst>
+  </p:cSld>
+  <p:clrMapOvr>
+    <a:masterClrMapping/>
+  </p:clrMapOvr>
+</p:notes>
+</file>
+
+<file path=ppt/notesSlides/notesSlide26.xml><?xml version="1.0" encoding="utf-8"?>
+<p:notes xmlns:a="http://schemas.openxmlformats.org/drawingml/2006/main" xmlns:r="http://schemas.openxmlformats.org/officeDocument/2006/relationships" xmlns:p="http://schemas.openxmlformats.org/presentationml/2006/main">
+  <p:cSld>
+    <p:spTree>
+      <p:nvGrpSpPr>
+        <p:cNvPr id="1" name=""/>
+        <p:cNvGrpSpPr/>
+        <p:nvPr/>
+      </p:nvGrpSpPr>
+      <p:grpSpPr>
+        <a:xfrm>
+          <a:off x="0" y="0"/>
+          <a:ext cx="0" cy="0"/>
+          <a:chOff x="0" y="0"/>
+          <a:chExt cx="0" cy="0"/>
+        </a:xfrm>
+      </p:grpSpPr>
+      <p:sp>
+        <p:nvSpPr>
+          <p:cNvPr id="2" name="幻灯片图像占位符 1"/>
+          <p:cNvSpPr>
+            <a:spLocks noGrp="1" noRot="1" noChangeAspect="1"/>
+          </p:cNvSpPr>
+          <p:nvPr>
+            <p:ph type="sldImg"/>
+          </p:nvPr>
+        </p:nvSpPr>
+        <p:spPr/>
+      </p:sp>
+      <p:sp>
+        <p:nvSpPr>
+          <p:cNvPr id="3" name="备注占位符 2"/>
+          <p:cNvSpPr>
+            <a:spLocks noGrp="1"/>
+          </p:cNvSpPr>
+          <p:nvPr>
+            <p:ph type="body" idx="1"/>
+          </p:nvPr>
+        </p:nvSpPr>
+        <p:spPr/>
+        <p:txBody>
+          <a:bodyPr/>
+          <a:lstStyle/>
+          <a:p>
+            <a:endParaRPr lang="zh-CN" altLang="en-US" dirty="0"/>
+          </a:p>
+        </p:txBody>
+      </p:sp>
+      <p:sp>
+        <p:nvSpPr>
+          <p:cNvPr id="4" name="灯片编号占位符 3"/>
+          <p:cNvSpPr>
+            <a:spLocks noGrp="1"/>
+          </p:cNvSpPr>
+          <p:nvPr>
+            <p:ph type="sldNum" sz="quarter" idx="10"/>
+          </p:nvPr>
+        </p:nvSpPr>
+        <p:spPr/>
+        <p:txBody>
+          <a:bodyPr/>
+          <a:lstStyle/>
+          <a:p>
+            <a:fld id="{6245CCF4-CF1B-4B4B-B5D0-2221EBE362B5}" type="slidenum">
+              <a:rPr lang="zh-CN" altLang="en-US" smtClean="0"/>
+              <a:t>29</a:t>
+            </a:fld>
+            <a:endParaRPr lang="zh-CN" altLang="en-US"/>
+          </a:p>
+        </p:txBody>
+      </p:sp>
+    </p:spTree>
+    <p:extLst>
+      <p:ext uri="{BB962C8B-B14F-4D97-AF65-F5344CB8AC3E}">
+        <p14:creationId xmlns:p14="http://schemas.microsoft.com/office/powerpoint/2010/main" val="1652419754"/>
+      </p:ext>
+    </p:extLst>
+  </p:cSld>
+  <p:clrMapOvr>
+    <a:masterClrMapping/>
+  </p:clrMapOvr>
+</p:notes>
+</file>
+
+<file path=ppt/notesSlides/notesSlide27.xml><?xml version="1.0" encoding="utf-8"?>
+<p:notes xmlns:a="http://schemas.openxmlformats.org/drawingml/2006/main" xmlns:r="http://schemas.openxmlformats.org/officeDocument/2006/relationships" xmlns:p="http://schemas.openxmlformats.org/presentationml/2006/main">
+  <p:cSld>
+    <p:spTree>
+      <p:nvGrpSpPr>
+        <p:cNvPr id="1" name=""/>
+        <p:cNvGrpSpPr/>
+        <p:nvPr/>
+      </p:nvGrpSpPr>
+      <p:grpSpPr>
+        <a:xfrm>
+          <a:off x="0" y="0"/>
+          <a:ext cx="0" cy="0"/>
+          <a:chOff x="0" y="0"/>
+          <a:chExt cx="0" cy="0"/>
+        </a:xfrm>
+      </p:grpSpPr>
+      <p:sp>
+        <p:nvSpPr>
+          <p:cNvPr id="2" name="幻灯片图像占位符 1"/>
+          <p:cNvSpPr>
+            <a:spLocks noGrp="1" noRot="1" noChangeAspect="1"/>
+          </p:cNvSpPr>
+          <p:nvPr>
+            <p:ph type="sldImg"/>
+          </p:nvPr>
+        </p:nvSpPr>
+        <p:spPr/>
+      </p:sp>
+      <p:sp>
+        <p:nvSpPr>
+          <p:cNvPr id="3" name="备注占位符 2"/>
+          <p:cNvSpPr>
+            <a:spLocks noGrp="1"/>
+          </p:cNvSpPr>
+          <p:nvPr>
+            <p:ph type="body" idx="1"/>
+          </p:nvPr>
+        </p:nvSpPr>
+        <p:spPr/>
+        <p:txBody>
+          <a:bodyPr/>
+          <a:lstStyle/>
+          <a:p>
+            <a:r>
+              <a:rPr lang="en-US" altLang="zh-CN" dirty="0" err="1" smtClean="0"/>
+              <a:t>rCore</a:t>
+            </a:r>
+            <a:r>
+              <a:rPr lang="zh-CN" altLang="en-US" dirty="0" smtClean="0"/>
+              <a:t>，清华大学开源的操作系统，除此之外还有谷歌开源的</a:t>
+            </a:r>
+            <a:r>
+              <a:rPr lang="en-US" altLang="zh-CN" dirty="0" smtClean="0"/>
+              <a:t>Fuchsia</a:t>
+            </a:r>
+            <a:r>
+              <a:rPr lang="zh-CN" altLang="en-US" dirty="0" smtClean="0"/>
+              <a:t>操作系统，是除了</a:t>
+            </a:r>
+            <a:r>
+              <a:rPr lang="en-US" altLang="zh-CN" dirty="0" smtClean="0"/>
+              <a:t>rust</a:t>
+            </a:r>
+            <a:r>
+              <a:rPr lang="zh-CN" altLang="en-US" dirty="0" smtClean="0"/>
+              <a:t>本身之外的最大的</a:t>
+            </a:r>
+            <a:r>
+              <a:rPr lang="en-US" altLang="zh-CN" dirty="0" smtClean="0"/>
+              <a:t>rust</a:t>
+            </a:r>
+            <a:r>
+              <a:rPr lang="zh-CN" altLang="en-US" dirty="0" smtClean="0"/>
+              <a:t>项目。</a:t>
+            </a:r>
+            <a:endParaRPr lang="en-US" altLang="zh-CN" dirty="0" smtClean="0"/>
+          </a:p>
+          <a:p>
+            <a:r>
+              <a:rPr lang="en-US" altLang="zh-CN" dirty="0" err="1" smtClean="0"/>
+              <a:t>TiKV</a:t>
+            </a:r>
+            <a:r>
+              <a:rPr lang="zh-CN" altLang="en-US" dirty="0" smtClean="0"/>
+              <a:t>，分布式数据库</a:t>
+            </a:r>
+            <a:r>
+              <a:rPr lang="en-US" altLang="zh-CN" dirty="0" err="1" smtClean="0"/>
+              <a:t>TiDB</a:t>
+            </a:r>
+            <a:r>
+              <a:rPr lang="zh-CN" altLang="en-US" dirty="0" smtClean="0"/>
+              <a:t>的底层核心模块。</a:t>
+            </a:r>
+            <a:r>
+              <a:rPr lang="en-US" altLang="zh-CN" dirty="0" err="1" smtClean="0"/>
+              <a:t>TiDB</a:t>
+            </a:r>
+            <a:endParaRPr lang="en-US" altLang="zh-CN" dirty="0" smtClean="0"/>
+          </a:p>
+          <a:p>
+            <a:r>
+              <a:rPr lang="en-US" altLang="zh-CN" dirty="0" smtClean="0"/>
+              <a:t>Vector</a:t>
+            </a:r>
+            <a:r>
+              <a:rPr lang="zh-CN" altLang="en-US" dirty="0" smtClean="0"/>
+              <a:t>，数据管道功能类似于</a:t>
+            </a:r>
+            <a:r>
+              <a:rPr lang="en-US" altLang="zh-CN" dirty="0" err="1" smtClean="0"/>
+              <a:t>logstash</a:t>
+            </a:r>
+            <a:r>
+              <a:rPr lang="zh-CN" altLang="en-US" dirty="0" smtClean="0"/>
+              <a:t>，据说比</a:t>
+            </a:r>
+            <a:r>
+              <a:rPr lang="en-US" altLang="zh-CN" dirty="0" err="1" smtClean="0"/>
+              <a:t>logstash</a:t>
+            </a:r>
+            <a:r>
+              <a:rPr lang="zh-CN" altLang="en-US" dirty="0" smtClean="0"/>
+              <a:t>快</a:t>
+            </a:r>
+            <a:r>
+              <a:rPr lang="en-US" altLang="zh-CN" dirty="0" smtClean="0"/>
+              <a:t>10</a:t>
+            </a:r>
+            <a:r>
+              <a:rPr lang="zh-CN" altLang="en-US" dirty="0" smtClean="0"/>
+              <a:t>倍，目前国内虎扑有采用</a:t>
+            </a:r>
+            <a:r>
+              <a:rPr lang="en-US" altLang="zh-CN" dirty="0" err="1" smtClean="0"/>
+              <a:t>filebeat</a:t>
+            </a:r>
+            <a:r>
+              <a:rPr lang="en-US" altLang="zh-CN" dirty="0" smtClean="0"/>
+              <a:t>-&gt;</a:t>
+            </a:r>
+            <a:r>
+              <a:rPr lang="en-US" altLang="zh-CN" dirty="0" err="1" smtClean="0"/>
+              <a:t>kafka</a:t>
+            </a:r>
+            <a:r>
+              <a:rPr lang="en-US" altLang="zh-CN" dirty="0" smtClean="0"/>
+              <a:t>-&gt;vector-&gt;</a:t>
+            </a:r>
+            <a:r>
+              <a:rPr lang="en-US" altLang="zh-CN" dirty="0" err="1" smtClean="0"/>
+              <a:t>kafka</a:t>
+            </a:r>
+            <a:r>
+              <a:rPr lang="en-US" altLang="zh-CN" dirty="0" smtClean="0"/>
+              <a:t>-&gt;ES/</a:t>
+            </a:r>
+            <a:r>
+              <a:rPr lang="en-US" altLang="zh-CN" dirty="0" err="1" smtClean="0"/>
+              <a:t>clickhouse</a:t>
+            </a:r>
+            <a:r>
+              <a:rPr lang="zh-CN" altLang="en-US" dirty="0" smtClean="0"/>
+              <a:t>的数据采集存储方案。</a:t>
+            </a:r>
+            <a:endParaRPr lang="en-US" altLang="zh-CN" dirty="0" smtClean="0"/>
+          </a:p>
+          <a:p>
+            <a:endParaRPr lang="en-US" altLang="zh-CN" dirty="0" smtClean="0"/>
+          </a:p>
+        </p:txBody>
+      </p:sp>
+      <p:sp>
+        <p:nvSpPr>
+          <p:cNvPr id="4" name="灯片编号占位符 3"/>
+          <p:cNvSpPr>
+            <a:spLocks noGrp="1"/>
+          </p:cNvSpPr>
+          <p:nvPr>
+            <p:ph type="sldNum" sz="quarter" idx="10"/>
+          </p:nvPr>
+        </p:nvSpPr>
+        <p:spPr/>
+        <p:txBody>
+          <a:bodyPr/>
+          <a:lstStyle/>
+          <a:p>
+            <a:fld id="{6245CCF4-CF1B-4B4B-B5D0-2221EBE362B5}" type="slidenum">
+              <a:rPr lang="zh-CN" altLang="en-US" smtClean="0"/>
+              <a:t>30</a:t>
+            </a:fld>
+            <a:endParaRPr lang="zh-CN" altLang="en-US"/>
+          </a:p>
+        </p:txBody>
+      </p:sp>
+    </p:spTree>
+    <p:extLst>
+      <p:ext uri="{BB962C8B-B14F-4D97-AF65-F5344CB8AC3E}">
+        <p14:creationId xmlns:p14="http://schemas.microsoft.com/office/powerpoint/2010/main" val="1516576798"/>
       </p:ext>
     </p:extLst>
   </p:cSld>
@@ -9433,7 +11321,7 @@
           <a:p>
             <a:fld id="{3CD8EDAB-281B-495C-B3B1-C831B56AA954}" type="datetimeFigureOut">
               <a:rPr lang="zh-CN" altLang="en-US" smtClean="0"/>
-              <a:t>2021/12/3</a:t>
+              <a:t>2021/12/7</a:t>
             </a:fld>
             <a:endParaRPr lang="zh-CN" altLang="en-US"/>
           </a:p>
@@ -9703,7 +11591,7 @@
           <a:p>
             <a:fld id="{3CD8EDAB-281B-495C-B3B1-C831B56AA954}" type="datetimeFigureOut">
               <a:rPr lang="zh-CN" altLang="en-US" smtClean="0"/>
-              <a:t>2021/12/3</a:t>
+              <a:t>2021/12/7</a:t>
             </a:fld>
             <a:endParaRPr lang="zh-CN" altLang="en-US"/>
           </a:p>
@@ -9892,7 +11780,7 @@
           <a:p>
             <a:fld id="{3CD8EDAB-281B-495C-B3B1-C831B56AA954}" type="datetimeFigureOut">
               <a:rPr lang="zh-CN" altLang="en-US" smtClean="0"/>
-              <a:t>2021/12/3</a:t>
+              <a:t>2021/12/7</a:t>
             </a:fld>
             <a:endParaRPr lang="zh-CN" altLang="en-US"/>
           </a:p>
@@ -10160,7 +12048,7 @@
           <a:p>
             <a:fld id="{3CD8EDAB-281B-495C-B3B1-C831B56AA954}" type="datetimeFigureOut">
               <a:rPr lang="zh-CN" altLang="en-US" smtClean="0"/>
-              <a:t>2021/12/3</a:t>
+              <a:t>2021/12/7</a:t>
             </a:fld>
             <a:endParaRPr lang="zh-CN" altLang="en-US"/>
           </a:p>
@@ -10496,7 +12384,7 @@
           <a:p>
             <a:fld id="{3CD8EDAB-281B-495C-B3B1-C831B56AA954}" type="datetimeFigureOut">
               <a:rPr lang="zh-CN" altLang="en-US" smtClean="0"/>
-              <a:t>2021/12/3</a:t>
+              <a:t>2021/12/7</a:t>
             </a:fld>
             <a:endParaRPr lang="zh-CN" altLang="en-US"/>
           </a:p>
@@ -11114,7 +13002,7 @@
           <a:p>
             <a:fld id="{3CD8EDAB-281B-495C-B3B1-C831B56AA954}" type="datetimeFigureOut">
               <a:rPr lang="zh-CN" altLang="en-US" smtClean="0"/>
-              <a:t>2021/12/3</a:t>
+              <a:t>2021/12/7</a:t>
             </a:fld>
             <a:endParaRPr lang="zh-CN" altLang="en-US"/>
           </a:p>
@@ -11969,7 +13857,7 @@
           <a:p>
             <a:fld id="{3CD8EDAB-281B-495C-B3B1-C831B56AA954}" type="datetimeFigureOut">
               <a:rPr lang="zh-CN" altLang="en-US" smtClean="0"/>
-              <a:t>2021/12/3</a:t>
+              <a:t>2021/12/7</a:t>
             </a:fld>
             <a:endParaRPr lang="zh-CN" altLang="en-US"/>
           </a:p>
@@ -12134,7 +14022,7 @@
           <a:p>
             <a:fld id="{3CD8EDAB-281B-495C-B3B1-C831B56AA954}" type="datetimeFigureOut">
               <a:rPr lang="zh-CN" altLang="en-US" smtClean="0"/>
-              <a:t>2021/12/3</a:t>
+              <a:t>2021/12/7</a:t>
             </a:fld>
             <a:endParaRPr lang="zh-CN" altLang="en-US"/>
           </a:p>
@@ -12309,7 +14197,7 @@
           <a:p>
             <a:fld id="{3CD8EDAB-281B-495C-B3B1-C831B56AA954}" type="datetimeFigureOut">
               <a:rPr lang="zh-CN" altLang="en-US" smtClean="0"/>
-              <a:t>2021/12/3</a:t>
+              <a:t>2021/12/7</a:t>
             </a:fld>
             <a:endParaRPr lang="zh-CN" altLang="en-US"/>
           </a:p>
@@ -12474,7 +14362,7 @@
           <a:p>
             <a:fld id="{3CD8EDAB-281B-495C-B3B1-C831B56AA954}" type="datetimeFigureOut">
               <a:rPr lang="zh-CN" altLang="en-US" smtClean="0"/>
-              <a:t>2021/12/3</a:t>
+              <a:t>2021/12/7</a:t>
             </a:fld>
             <a:endParaRPr lang="zh-CN" altLang="en-US"/>
           </a:p>
@@ -12716,7 +14604,7 @@
           <a:p>
             <a:fld id="{3CD8EDAB-281B-495C-B3B1-C831B56AA954}" type="datetimeFigureOut">
               <a:rPr lang="zh-CN" altLang="en-US" smtClean="0"/>
-              <a:t>2021/12/3</a:t>
+              <a:t>2021/12/7</a:t>
             </a:fld>
             <a:endParaRPr lang="zh-CN" altLang="en-US"/>
           </a:p>
@@ -13003,7 +14891,7 @@
           <a:p>
             <a:fld id="{3CD8EDAB-281B-495C-B3B1-C831B56AA954}" type="datetimeFigureOut">
               <a:rPr lang="zh-CN" altLang="en-US" smtClean="0"/>
-              <a:t>2021/12/3</a:t>
+              <a:t>2021/12/7</a:t>
             </a:fld>
             <a:endParaRPr lang="zh-CN" altLang="en-US"/>
           </a:p>
@@ -13442,7 +15330,7 @@
           <a:p>
             <a:fld id="{3CD8EDAB-281B-495C-B3B1-C831B56AA954}" type="datetimeFigureOut">
               <a:rPr lang="zh-CN" altLang="en-US" smtClean="0"/>
-              <a:t>2021/12/3</a:t>
+              <a:t>2021/12/7</a:t>
             </a:fld>
             <a:endParaRPr lang="zh-CN" altLang="en-US"/>
           </a:p>
@@ -13555,7 +15443,7 @@
           <a:p>
             <a:fld id="{3CD8EDAB-281B-495C-B3B1-C831B56AA954}" type="datetimeFigureOut">
               <a:rPr lang="zh-CN" altLang="en-US" smtClean="0"/>
-              <a:t>2021/12/3</a:t>
+              <a:t>2021/12/7</a:t>
             </a:fld>
             <a:endParaRPr lang="zh-CN" altLang="en-US"/>
           </a:p>
@@ -13645,7 +15533,7 @@
           <a:p>
             <a:fld id="{3CD8EDAB-281B-495C-B3B1-C831B56AA954}" type="datetimeFigureOut">
               <a:rPr lang="zh-CN" altLang="en-US" smtClean="0"/>
-              <a:t>2021/12/3</a:t>
+              <a:t>2021/12/7</a:t>
             </a:fld>
             <a:endParaRPr lang="zh-CN" altLang="en-US"/>
           </a:p>
@@ -13919,7 +15807,7 @@
           <a:p>
             <a:fld id="{3CD8EDAB-281B-495C-B3B1-C831B56AA954}" type="datetimeFigureOut">
               <a:rPr lang="zh-CN" altLang="en-US" smtClean="0"/>
-              <a:t>2021/12/3</a:t>
+              <a:t>2021/12/7</a:t>
             </a:fld>
             <a:endParaRPr lang="zh-CN" altLang="en-US"/>
           </a:p>
@@ -14189,7 +16077,7 @@
           <a:p>
             <a:fld id="{3CD8EDAB-281B-495C-B3B1-C831B56AA954}" type="datetimeFigureOut">
               <a:rPr lang="zh-CN" altLang="en-US" smtClean="0"/>
-              <a:t>2021/12/3</a:t>
+              <a:t>2021/12/7</a:t>
             </a:fld>
             <a:endParaRPr lang="zh-CN" altLang="en-US"/>
           </a:p>
@@ -14621,7 +16509,7 @@
           <a:p>
             <a:fld id="{3CD8EDAB-281B-495C-B3B1-C831B56AA954}" type="datetimeFigureOut">
               <a:rPr lang="zh-CN" altLang="en-US" smtClean="0"/>
-              <a:t>2021/12/3</a:t>
+              <a:t>2021/12/7</a:t>
             </a:fld>
             <a:endParaRPr lang="zh-CN" altLang="en-US"/>
           </a:p>
@@ -15185,6 +17073,13 @@
   <p:clrMapOvr>
     <a:masterClrMapping/>
   </p:clrMapOvr>
+  <p:timing>
+    <p:tnLst>
+      <p:par>
+        <p:cTn id="1" dur="indefinite" restart="never" nodeType="tmRoot"/>
+      </p:par>
+    </p:tnLst>
+  </p:timing>
 </p:sld>
 </file>
 
@@ -15338,6 +17233,13 @@
   <p:clrMapOvr>
     <a:masterClrMapping/>
   </p:clrMapOvr>
+  <p:timing>
+    <p:tnLst>
+      <p:par>
+        <p:cTn id="1" dur="indefinite" restart="never" nodeType="tmRoot"/>
+      </p:par>
+    </p:tnLst>
+  </p:timing>
 </p:sld>
 </file>
 
@@ -16223,38 +18125,89 @@
           </a:p>
         </p:txBody>
       </p:sp>
-      <p:pic>
-        <p:nvPicPr>
-          <p:cNvPr id="4" name="内容占位符 3"/>
-          <p:cNvPicPr>
-            <a:picLocks noGrp="1" noChangeAspect="1"/>
-          </p:cNvPicPr>
+      <p:sp>
+        <p:nvSpPr>
+          <p:cNvPr id="3" name="内容占位符 2"/>
+          <p:cNvSpPr>
+            <a:spLocks noGrp="1"/>
+          </p:cNvSpPr>
           <p:nvPr>
             <p:ph idx="1"/>
           </p:nvPr>
-        </p:nvPicPr>
-        <p:blipFill>
-          <a:blip r:embed="rId3"/>
-          <a:stretch>
-            <a:fillRect/>
-          </a:stretch>
-        </p:blipFill>
-        <p:spPr>
-          <a:xfrm>
-            <a:off x="1995266" y="2413203"/>
-            <a:ext cx="7524750" cy="3219450"/>
-          </a:xfrm>
-          <a:prstGeom prst="rect">
-            <a:avLst/>
-          </a:prstGeom>
-        </p:spPr>
-      </p:pic>
+        </p:nvSpPr>
+        <p:spPr/>
+        <p:txBody>
+          <a:bodyPr/>
+          <a:lstStyle/>
+          <a:p>
+            <a:r>
+              <a:rPr lang="zh-CN" altLang="en-US" dirty="0"/>
+              <a:t>零成本</a:t>
+            </a:r>
+            <a:r>
+              <a:rPr lang="zh-CN" altLang="en-US" dirty="0" smtClean="0"/>
+              <a:t>抽象</a:t>
+            </a:r>
+            <a:endParaRPr lang="en-US" altLang="zh-CN" dirty="0"/>
+          </a:p>
+          <a:p>
+            <a:pPr marL="0" indent="0">
+              <a:buNone/>
+            </a:pPr>
+            <a:r>
+              <a:rPr lang="en-US" altLang="zh-CN" i="1" dirty="0">
+                <a:latin typeface="Times New Roman" panose="02020603050405020304" pitchFamily="18" charset="0"/>
+                <a:cs typeface="Times New Roman" panose="02020603050405020304" pitchFamily="18" charset="0"/>
+              </a:rPr>
+              <a:t>What you don’t use, you don’t pay for. And further: What you do use, you couldn’t hand code any better</a:t>
+            </a:r>
+            <a:r>
+              <a:rPr lang="en-US" altLang="zh-CN" i="1" dirty="0" smtClean="0">
+                <a:latin typeface="Times New Roman" panose="02020603050405020304" pitchFamily="18" charset="0"/>
+                <a:cs typeface="Times New Roman" panose="02020603050405020304" pitchFamily="18" charset="0"/>
+              </a:rPr>
+              <a:t>.</a:t>
+            </a:r>
+          </a:p>
+          <a:p>
+            <a:pPr marL="0" indent="0">
+              <a:buNone/>
+            </a:pPr>
+            <a:r>
+              <a:rPr lang="zh-CN" altLang="en-US" dirty="0" smtClean="0">
+                <a:latin typeface="Times New Roman" panose="02020603050405020304" pitchFamily="18" charset="0"/>
+                <a:cs typeface="Times New Roman" panose="02020603050405020304" pitchFamily="18" charset="0"/>
+              </a:rPr>
+              <a:t>不使用的东西</a:t>
+            </a:r>
+            <a:r>
+              <a:rPr lang="en-US" altLang="zh-CN" dirty="0" smtClean="0">
+                <a:latin typeface="Times New Roman" panose="02020603050405020304" pitchFamily="18" charset="0"/>
+                <a:cs typeface="Times New Roman" panose="02020603050405020304" pitchFamily="18" charset="0"/>
+              </a:rPr>
+              <a:t>,</a:t>
+            </a:r>
+            <a:r>
+              <a:rPr lang="zh-CN" altLang="en-US" dirty="0" smtClean="0">
+                <a:latin typeface="Times New Roman" panose="02020603050405020304" pitchFamily="18" charset="0"/>
+                <a:cs typeface="Times New Roman" panose="02020603050405020304" pitchFamily="18" charset="0"/>
+              </a:rPr>
+              <a:t>不必付出任何代价。你所使用的东西，你手写实现的也不会更好。</a:t>
+            </a:r>
+            <a:endParaRPr lang="en-US" altLang="zh-CN" dirty="0">
+              <a:latin typeface="Times New Roman" panose="02020603050405020304" pitchFamily="18" charset="0"/>
+              <a:cs typeface="Times New Roman" panose="02020603050405020304" pitchFamily="18" charset="0"/>
+            </a:endParaRPr>
+          </a:p>
+          <a:p>
+            <a:pPr marL="0" indent="0">
+              <a:buNone/>
+            </a:pPr>
+            <a:endParaRPr lang="en-US" altLang="zh-CN" dirty="0" smtClean="0"/>
+          </a:p>
+        </p:txBody>
+      </p:sp>
     </p:spTree>
-    <p:extLst>
-      <p:ext uri="{BB962C8B-B14F-4D97-AF65-F5344CB8AC3E}">
-        <p14:creationId xmlns:p14="http://schemas.microsoft.com/office/powerpoint/2010/main" val="2846198432"/>
-      </p:ext>
-    </p:extLst>
   </p:cSld>
   <p:clrMapOvr>
     <a:masterClrMapping/>
@@ -16296,84 +18249,64 @@
             <p:ph type="title"/>
           </p:nvPr>
         </p:nvSpPr>
+        <p:spPr>
+          <a:xfrm>
+            <a:off x="646112" y="452718"/>
+            <a:ext cx="9403742" cy="1033182"/>
+          </a:xfrm>
+        </p:spPr>
+        <p:txBody>
+          <a:bodyPr/>
+          <a:lstStyle/>
+          <a:p>
+            <a:r>
+              <a:rPr lang="en-US" altLang="zh-CN" dirty="0">
+                <a:latin typeface="+mj-ea"/>
+              </a:rPr>
+              <a:t>Rust</a:t>
+            </a:r>
+            <a:r>
+              <a:rPr lang="zh-CN" altLang="en-US" dirty="0" smtClean="0">
+                <a:latin typeface="+mj-ea"/>
+              </a:rPr>
+              <a:t>简介</a:t>
+            </a:r>
+            <a:r>
+              <a:rPr lang="en-US" altLang="zh-CN" dirty="0" smtClean="0">
+                <a:latin typeface="+mj-ea"/>
+              </a:rPr>
+              <a:t>-</a:t>
+            </a:r>
+            <a:r>
+              <a:rPr lang="zh-CN" altLang="en-US" dirty="0" smtClean="0">
+                <a:latin typeface="+mj-ea"/>
+              </a:rPr>
+              <a:t>特性</a:t>
+            </a:r>
+            <a:endParaRPr lang="zh-CN" altLang="en-US" dirty="0">
+              <a:latin typeface="+mj-ea"/>
+            </a:endParaRPr>
+          </a:p>
+        </p:txBody>
+      </p:sp>
+      <p:sp>
+        <p:nvSpPr>
+          <p:cNvPr id="3" name="内容占位符 2"/>
+          <p:cNvSpPr>
+            <a:spLocks noGrp="1"/>
+          </p:cNvSpPr>
+          <p:nvPr>
+            <p:ph idx="1"/>
+          </p:nvPr>
+        </p:nvSpPr>
         <p:spPr/>
         <p:txBody>
           <a:bodyPr/>
           <a:lstStyle/>
           <a:p>
-            <a:r>
-              <a:rPr lang="en-US" altLang="zh-CN" dirty="0">
-                <a:latin typeface="+mj-ea"/>
-              </a:rPr>
-              <a:t>Rust</a:t>
-            </a:r>
-            <a:r>
-              <a:rPr lang="zh-CN" altLang="en-US" dirty="0" smtClean="0">
-                <a:latin typeface="+mj-ea"/>
-              </a:rPr>
-              <a:t>简介</a:t>
-            </a:r>
-            <a:r>
-              <a:rPr lang="en-US" altLang="zh-CN" dirty="0" smtClean="0">
-                <a:latin typeface="+mj-ea"/>
-              </a:rPr>
-              <a:t>-</a:t>
-            </a:r>
-            <a:r>
-              <a:rPr lang="zh-CN" altLang="en-US" dirty="0" smtClean="0">
-                <a:latin typeface="+mj-ea"/>
-              </a:rPr>
-              <a:t>特性</a:t>
-            </a:r>
-            <a:endParaRPr lang="zh-CN" altLang="en-US" dirty="0">
-              <a:latin typeface="+mj-ea"/>
-            </a:endParaRPr>
-          </a:p>
-        </p:txBody>
-      </p:sp>
-      <p:sp>
-        <p:nvSpPr>
-          <p:cNvPr id="3" name="内容占位符 2"/>
-          <p:cNvSpPr>
-            <a:spLocks noGrp="1"/>
-          </p:cNvSpPr>
-          <p:nvPr>
-            <p:ph idx="1"/>
-          </p:nvPr>
-        </p:nvSpPr>
-        <p:spPr/>
-        <p:txBody>
-          <a:bodyPr/>
-          <a:lstStyle/>
-          <a:p>
-            <a:r>
-              <a:rPr lang="zh-CN" altLang="en-US" dirty="0"/>
-              <a:t>零成本抽象</a:t>
-            </a:r>
-            <a:endParaRPr lang="en-US" altLang="zh-CN" dirty="0"/>
-          </a:p>
-          <a:p>
             <a:pPr marL="0" indent="0">
               <a:buNone/>
             </a:pPr>
-            <a:r>
-              <a:rPr lang="en-US" altLang="zh-CN" dirty="0"/>
-              <a:t>	- </a:t>
-            </a:r>
-            <a:r>
-              <a:rPr lang="en-US" altLang="zh-CN" dirty="0" smtClean="0">
-                <a:latin typeface="Times New Roman" panose="02020603050405020304" pitchFamily="18" charset="0"/>
-                <a:cs typeface="Times New Roman" panose="02020603050405020304" pitchFamily="18" charset="0"/>
-              </a:rPr>
-              <a:t>trait</a:t>
-            </a:r>
-            <a:r>
-              <a:rPr lang="zh-CN" altLang="en-US" dirty="0" smtClean="0">
-                <a:latin typeface="Times New Roman" panose="02020603050405020304" pitchFamily="18" charset="0"/>
-                <a:cs typeface="Times New Roman" panose="02020603050405020304" pitchFamily="18" charset="0"/>
-              </a:rPr>
-              <a:t>（限定）</a:t>
-            </a:r>
             <a:endParaRPr lang="en-US" altLang="zh-CN" dirty="0">
               <a:latin typeface="Times New Roman" panose="02020603050405020304" pitchFamily="18" charset="0"/>
               <a:cs typeface="Times New Roman" panose="02020603050405020304" pitchFamily="18" charset="0"/>
@@ -16383,29 +18316,16 @@
             <a:pPr marL="0" indent="0">
               <a:buNone/>
             </a:pPr>
-            <a:r>
-              <a:rPr lang="en-US" altLang="zh-CN" dirty="0"/>
-              <a:t>	- </a:t>
-            </a:r>
-            <a:r>
-              <a:rPr lang="zh-CN" altLang="en-US" dirty="0"/>
-              <a:t>泛</a:t>
-            </a:r>
-            <a:r>
-              <a:rPr lang="zh-CN" altLang="en-US" dirty="0" smtClean="0"/>
-              <a:t>型，代码展开实现</a:t>
-            </a:r>
             <a:endParaRPr lang="en-US" altLang="zh-CN" dirty="0" smtClean="0"/>
           </a:p>
-          <a:p>
-            <a:pPr marL="0" indent="0">
-              <a:buNone/>
-            </a:pPr>
-            <a:endParaRPr lang="en-US" altLang="zh-CN" dirty="0"/>
-          </a:p>
         </p:txBody>
       </p:sp>
     </p:spTree>
+    <p:extLst>
+      <p:ext uri="{BB962C8B-B14F-4D97-AF65-F5344CB8AC3E}">
+        <p14:creationId xmlns:p14="http://schemas.microsoft.com/office/powerpoint/2010/main" val="4046455148"/>
+      </p:ext>
+    </p:extLst>
   </p:cSld>
   <p:clrMapOvr>
     <a:masterClrMapping/>
@@ -16517,11 +18437,7 @@
             </a:r>
             <a:r>
               <a:rPr lang="zh-CN" altLang="en-US" dirty="0" smtClean="0"/>
-              <a:t>并发</a:t>
-            </a:r>
-            <a:r>
-              <a:rPr lang="zh-CN" altLang="en-US" dirty="0" smtClean="0"/>
-              <a:t>，借用检查器在编译阶段检测非法的并发数据访问。</a:t>
+              <a:t>并发，借用检查器在编译阶段检测非法的并发数据访问。</a:t>
             </a:r>
             <a:endParaRPr lang="en-US" altLang="zh-CN" dirty="0" smtClean="0"/>
           </a:p>
@@ -16546,7 +18462,10 @@
               <a:t>，兼容</a:t>
             </a:r>
             <a:r>
-              <a:rPr lang="en-US" altLang="zh-CN" dirty="0"/>
+              <a:rPr lang="en-US" altLang="zh-CN" dirty="0">
+                <a:latin typeface="Times New Roman" panose="02020603050405020304" pitchFamily="18" charset="0"/>
+                <a:cs typeface="Times New Roman" panose="02020603050405020304" pitchFamily="18" charset="0"/>
+              </a:rPr>
               <a:t>C-ABI</a:t>
             </a:r>
             <a:r>
@@ -16554,7 +18473,10 @@
               <a:t>，能够接收</a:t>
             </a:r>
             <a:r>
-              <a:rPr lang="en-US" altLang="zh-CN" dirty="0"/>
+              <a:rPr lang="en-US" altLang="zh-CN" dirty="0">
+                <a:latin typeface="Times New Roman" panose="02020603050405020304" pitchFamily="18" charset="0"/>
+                <a:cs typeface="Times New Roman" panose="02020603050405020304" pitchFamily="18" charset="0"/>
+              </a:rPr>
               <a:t>C</a:t>
             </a:r>
             <a:r>
@@ -16647,6 +18569,13 @@
   <p:clrMapOvr>
     <a:masterClrMapping/>
   </p:clrMapOvr>
+  <p:timing>
+    <p:tnLst>
+      <p:par>
+        <p:cTn id="1" dur="indefinite" restart="never" nodeType="tmRoot"/>
+      </p:par>
+    </p:tnLst>
+  </p:timing>
 </p:sld>
 </file>
 
@@ -16804,37 +18733,6 @@
               <a:t>异步并发</a:t>
             </a:r>
             <a:endParaRPr lang="zh-CN" altLang="en-US" dirty="0"/>
-          </a:p>
-        </p:txBody>
-      </p:sp>
-      <p:sp>
-        <p:nvSpPr>
-          <p:cNvPr id="4" name="矩形 3"/>
-          <p:cNvSpPr/>
-          <p:nvPr/>
-        </p:nvSpPr>
-        <p:spPr>
-          <a:xfrm>
-            <a:off x="1496785" y="4640721"/>
-            <a:ext cx="8553067" cy="369332"/>
-          </a:xfrm>
-          <a:prstGeom prst="rect">
-            <a:avLst/>
-          </a:prstGeom>
-        </p:spPr>
-        <p:txBody>
-          <a:bodyPr wrap="square">
-            <a:spAutoFit/>
-          </a:bodyPr>
-          <a:lstStyle/>
-          <a:p>
-            <a:r>
-              <a:rPr lang="en-US" altLang="zh-CN" dirty="0">
-                <a:latin typeface="Times New Roman" panose="02020603050405020304" pitchFamily="18" charset="0"/>
-                <a:cs typeface="Times New Roman" panose="02020603050405020304" pitchFamily="18" charset="0"/>
-              </a:rPr>
-              <a:t>https://blog.rust-lang.org/2015/04/10/Fearless-Concurrency.html</a:t>
-            </a:r>
           </a:p>
         </p:txBody>
       </p:sp>
@@ -17058,7 +18956,7 @@
                 <a:latin typeface="Times New Roman" panose="02020603050405020304" pitchFamily="18" charset="0"/>
                 <a:cs typeface="Times New Roman" panose="02020603050405020304" pitchFamily="18" charset="0"/>
               </a:rPr>
-              <a:t>异步并发</a:t>
+              <a:t>异步编程</a:t>
             </a:r>
             <a:endParaRPr lang="en-US" altLang="zh-CN" dirty="0" smtClean="0">
               <a:latin typeface="Times New Roman" panose="02020603050405020304" pitchFamily="18" charset="0"/>
@@ -17081,21 +18979,42 @@
                 <a:latin typeface="Times New Roman" panose="02020603050405020304" pitchFamily="18" charset="0"/>
                 <a:cs typeface="Times New Roman" panose="02020603050405020304" pitchFamily="18" charset="0"/>
               </a:rPr>
-              <a:t>异步并发通过引入协程，实现单线程并发计算。当前</a:t>
-            </a:r>
-            <a:r>
-              <a:rPr lang="en-US" altLang="zh-CN" dirty="0" smtClean="0">
-                <a:latin typeface="Times New Roman" panose="02020603050405020304" pitchFamily="18" charset="0"/>
-                <a:cs typeface="Times New Roman" panose="02020603050405020304" pitchFamily="18" charset="0"/>
-              </a:rPr>
-              <a:t>rust</a:t>
+              <a:t>异步并发通过引入协程</a:t>
             </a:r>
             <a:r>
               <a:rPr lang="zh-CN" altLang="en-US" dirty="0" smtClean="0">
                 <a:latin typeface="Times New Roman" panose="02020603050405020304" pitchFamily="18" charset="0"/>
                 <a:cs typeface="Times New Roman" panose="02020603050405020304" pitchFamily="18" charset="0"/>
               </a:rPr>
-              <a:t>异步开发需要三方库运行时支持。由开发者分割计算过程构造异步任务，生成对应的计算任务，由三方库支持异步任务的调度处理。</a:t>
+              <a:t>，以任务作为基础单元进行并发处理。由</a:t>
+            </a:r>
+            <a:r>
+              <a:rPr lang="zh-CN" altLang="en-US" dirty="0" smtClean="0">
+                <a:latin typeface="Times New Roman" panose="02020603050405020304" pitchFamily="18" charset="0"/>
+                <a:cs typeface="Times New Roman" panose="02020603050405020304" pitchFamily="18" charset="0"/>
+              </a:rPr>
+              <a:t>开发者分割计算</a:t>
+            </a:r>
+            <a:r>
+              <a:rPr lang="zh-CN" altLang="en-US" dirty="0" smtClean="0">
+                <a:latin typeface="Times New Roman" panose="02020603050405020304" pitchFamily="18" charset="0"/>
+                <a:cs typeface="Times New Roman" panose="02020603050405020304" pitchFamily="18" charset="0"/>
+              </a:rPr>
+              <a:t>过程，</a:t>
+            </a:r>
+            <a:r>
+              <a:rPr lang="zh-CN" altLang="en-US" dirty="0" smtClean="0">
+                <a:latin typeface="Times New Roman" panose="02020603050405020304" pitchFamily="18" charset="0"/>
+                <a:cs typeface="Times New Roman" panose="02020603050405020304" pitchFamily="18" charset="0"/>
+              </a:rPr>
+              <a:t>生成对应的计算</a:t>
+            </a:r>
+            <a:r>
+              <a:rPr lang="zh-CN" altLang="en-US" dirty="0" smtClean="0">
+                <a:latin typeface="Times New Roman" panose="02020603050405020304" pitchFamily="18" charset="0"/>
+                <a:cs typeface="Times New Roman" panose="02020603050405020304" pitchFamily="18" charset="0"/>
+              </a:rPr>
+              <a:t>任务。</a:t>
             </a:r>
             <a:endParaRPr lang="en-US" altLang="zh-CN" dirty="0" smtClean="0">
               <a:latin typeface="Times New Roman" panose="02020603050405020304" pitchFamily="18" charset="0"/>
@@ -17151,7 +19070,12 @@
             <p:ph type="title"/>
           </p:nvPr>
         </p:nvSpPr>
-        <p:spPr/>
+        <p:spPr>
+          <a:xfrm>
+            <a:off x="646111" y="452718"/>
+            <a:ext cx="9404723" cy="1098496"/>
+          </a:xfrm>
+        </p:spPr>
         <p:txBody>
           <a:bodyPr/>
           <a:lstStyle/>
@@ -17178,7 +19102,7 @@
               <a:rPr lang="zh-CN" altLang="en-US" dirty="0" smtClean="0">
                 <a:latin typeface="+mj-ea"/>
               </a:rPr>
-              <a:t>优劣</a:t>
+              <a:t>特性</a:t>
             </a:r>
             <a:endParaRPr lang="zh-CN" altLang="en-US" dirty="0">
               <a:latin typeface="+mj-ea"/>
@@ -17186,104 +19110,149 @@
           </a:p>
         </p:txBody>
       </p:sp>
-      <p:sp>
-        <p:nvSpPr>
-          <p:cNvPr id="3" name="内容占位符 2"/>
-          <p:cNvSpPr>
-            <a:spLocks noGrp="1"/>
-          </p:cNvSpPr>
+      <p:pic>
+        <p:nvPicPr>
+          <p:cNvPr id="4" name="内容占位符 3"/>
+          <p:cNvPicPr>
+            <a:picLocks noGrp="1" noChangeAspect="1"/>
+          </p:cNvPicPr>
           <p:nvPr>
             <p:ph idx="1"/>
           </p:nvPr>
-        </p:nvSpPr>
-        <p:spPr/>
+        </p:nvPicPr>
+        <p:blipFill>
+          <a:blip r:embed="rId3">
+            <a:extLst>
+              <a:ext uri="{28A0092B-C50C-407E-A947-70E740481C1C}">
+                <a14:useLocalDpi xmlns:a14="http://schemas.microsoft.com/office/drawing/2010/main" val="0"/>
+              </a:ext>
+            </a:extLst>
+          </a:blip>
+          <a:stretch>
+            <a:fillRect/>
+          </a:stretch>
+        </p:blipFill>
+        <p:spPr>
+          <a:xfrm>
+            <a:off x="1621647" y="2052638"/>
+            <a:ext cx="7910481" cy="4195762"/>
+          </a:xfrm>
+        </p:spPr>
+      </p:pic>
+      <p:sp>
+        <p:nvSpPr>
+          <p:cNvPr id="5" name="文本框 4"/>
+          <p:cNvSpPr txBox="1"/>
+          <p:nvPr/>
+        </p:nvSpPr>
+        <p:spPr>
+          <a:xfrm>
+            <a:off x="10050834" y="2158409"/>
+            <a:ext cx="1708775" cy="2308324"/>
+          </a:xfrm>
+          <a:prstGeom prst="rect">
+            <a:avLst/>
+          </a:prstGeom>
+          <a:noFill/>
+        </p:spPr>
         <p:txBody>
-          <a:bodyPr/>
+          <a:bodyPr wrap="square" rtlCol="0">
+            <a:spAutoFit/>
+          </a:bodyPr>
           <a:lstStyle/>
           <a:p>
             <a:r>
-              <a:rPr lang="zh-CN" altLang="en-US" dirty="0"/>
-              <a:t>优点</a:t>
-            </a:r>
-            <a:endParaRPr lang="en-US" altLang="zh-CN" dirty="0"/>
-          </a:p>
-          <a:p>
-            <a:pPr lvl="1"/>
-            <a:r>
-              <a:rPr lang="zh-CN" altLang="en-US" dirty="0" smtClean="0"/>
-              <a:t>高性能</a:t>
-            </a:r>
-            <a:endParaRPr lang="en-US" altLang="zh-CN" dirty="0" smtClean="0"/>
-          </a:p>
-          <a:p>
-            <a:pPr lvl="2"/>
-            <a:r>
-              <a:rPr lang="en-US" altLang="zh-CN" dirty="0" smtClean="0"/>
-              <a:t>Benchmarks game </a:t>
-            </a:r>
-          </a:p>
-          <a:p>
-            <a:pPr lvl="2"/>
-            <a:r>
-              <a:rPr lang="en-US" altLang="zh-CN" dirty="0" err="1" smtClean="0"/>
-              <a:t>Json</a:t>
-            </a:r>
-            <a:r>
-              <a:rPr lang="zh-CN" altLang="en-US" dirty="0" smtClean="0"/>
-              <a:t>等的对比</a:t>
-            </a:r>
-            <a:endParaRPr lang="en-US" altLang="zh-CN" dirty="0"/>
-          </a:p>
-          <a:p>
-            <a:pPr lvl="1"/>
-            <a:r>
-              <a:rPr lang="zh-CN" altLang="en-US" dirty="0"/>
-              <a:t>完备的安全检查</a:t>
-            </a:r>
-            <a:endParaRPr lang="en-US" altLang="zh-CN" dirty="0"/>
-          </a:p>
-          <a:p>
-            <a:r>
-              <a:rPr lang="zh-CN" altLang="en-US" dirty="0"/>
-              <a:t>缺点</a:t>
-            </a:r>
-            <a:endParaRPr lang="en-US" altLang="zh-CN" dirty="0"/>
-          </a:p>
-          <a:p>
-            <a:pPr lvl="1"/>
-            <a:r>
-              <a:rPr lang="zh-CN" altLang="en-US" dirty="0"/>
-              <a:t>学习曲线</a:t>
-            </a:r>
-            <a:r>
-              <a:rPr lang="zh-CN" altLang="en-US" dirty="0" smtClean="0"/>
-              <a:t>陡峭</a:t>
-            </a:r>
-            <a:endParaRPr lang="en-US" altLang="zh-CN" dirty="0" smtClean="0"/>
-          </a:p>
-          <a:p>
-            <a:pPr lvl="1"/>
-            <a:r>
-              <a:rPr lang="zh-CN" altLang="en-US" dirty="0"/>
-              <a:t>生态不够</a:t>
-            </a:r>
-            <a:r>
-              <a:rPr lang="zh-CN" altLang="en-US" dirty="0" smtClean="0"/>
-              <a:t>丰富</a:t>
-            </a:r>
-            <a:endParaRPr lang="en-US" altLang="zh-CN" dirty="0" smtClean="0"/>
-          </a:p>
-          <a:p>
-            <a:pPr lvl="1"/>
-            <a:r>
-              <a:rPr lang="zh-CN" altLang="en-US" dirty="0" smtClean="0"/>
-              <a:t>开发效率不高，开发工具，调试</a:t>
-            </a:r>
-            <a:endParaRPr lang="zh-CN" altLang="en-US" dirty="0"/>
+              <a:rPr lang="en-US" altLang="zh-CN" dirty="0" smtClean="0">
+                <a:latin typeface="Times New Roman" panose="02020603050405020304" pitchFamily="18" charset="0"/>
+                <a:cs typeface="Times New Roman" panose="02020603050405020304" pitchFamily="18" charset="0"/>
+              </a:rPr>
+              <a:t>Scheduler</a:t>
+            </a:r>
+            <a:r>
+              <a:rPr lang="zh-CN" altLang="en-US" dirty="0" smtClean="0">
+                <a:latin typeface="Times New Roman" panose="02020603050405020304" pitchFamily="18" charset="0"/>
+                <a:cs typeface="Times New Roman" panose="02020603050405020304" pitchFamily="18" charset="0"/>
+              </a:rPr>
+              <a:t>、</a:t>
+            </a:r>
+            <a:r>
+              <a:rPr lang="en-US" altLang="zh-CN" dirty="0" err="1" smtClean="0">
+                <a:latin typeface="Times New Roman" panose="02020603050405020304" pitchFamily="18" charset="0"/>
+                <a:cs typeface="Times New Roman" panose="02020603050405020304" pitchFamily="18" charset="0"/>
+              </a:rPr>
+              <a:t>executeor</a:t>
+            </a:r>
+            <a:r>
+              <a:rPr lang="zh-CN" altLang="en-US" dirty="0" smtClean="0">
+                <a:latin typeface="Times New Roman" panose="02020603050405020304" pitchFamily="18" charset="0"/>
+                <a:cs typeface="Times New Roman" panose="02020603050405020304" pitchFamily="18" charset="0"/>
+              </a:rPr>
+              <a:t>、</a:t>
+            </a:r>
+            <a:r>
+              <a:rPr lang="en-US" altLang="zh-CN" dirty="0" smtClean="0">
+                <a:latin typeface="Times New Roman" panose="02020603050405020304" pitchFamily="18" charset="0"/>
+                <a:cs typeface="Times New Roman" panose="02020603050405020304" pitchFamily="18" charset="0"/>
+              </a:rPr>
+              <a:t>wake</a:t>
+            </a:r>
+            <a:r>
+              <a:rPr lang="zh-CN" altLang="en-US" dirty="0" smtClean="0">
+                <a:latin typeface="Times New Roman" panose="02020603050405020304" pitchFamily="18" charset="0"/>
+                <a:cs typeface="Times New Roman" panose="02020603050405020304" pitchFamily="18" charset="0"/>
+              </a:rPr>
+              <a:t>、</a:t>
+            </a:r>
+            <a:r>
+              <a:rPr lang="en-US" altLang="zh-CN" dirty="0" smtClean="0">
+                <a:latin typeface="Times New Roman" panose="02020603050405020304" pitchFamily="18" charset="0"/>
+                <a:cs typeface="Times New Roman" panose="02020603050405020304" pitchFamily="18" charset="0"/>
+              </a:rPr>
+              <a:t>task queue</a:t>
+            </a:r>
+            <a:r>
+              <a:rPr lang="zh-CN" altLang="en-US" dirty="0" smtClean="0">
+                <a:latin typeface="+mn-ea"/>
+              </a:rPr>
+              <a:t>均需要三方库实现，</a:t>
+            </a:r>
+            <a:r>
+              <a:rPr lang="en-US" altLang="zh-CN" dirty="0" smtClean="0">
+                <a:latin typeface="+mn-ea"/>
+              </a:rPr>
+              <a:t>rust</a:t>
+            </a:r>
+            <a:r>
+              <a:rPr lang="zh-CN" altLang="en-US" dirty="0" smtClean="0">
+                <a:latin typeface="+mn-ea"/>
+              </a:rPr>
+              <a:t>语言本身提供了基本的</a:t>
+            </a:r>
+            <a:r>
+              <a:rPr lang="en-US" altLang="zh-CN" dirty="0" smtClean="0">
+                <a:latin typeface="Times New Roman" panose="02020603050405020304" pitchFamily="18" charset="0"/>
+                <a:cs typeface="Times New Roman" panose="02020603050405020304" pitchFamily="18" charset="0"/>
+              </a:rPr>
+              <a:t>trait</a:t>
+            </a:r>
+            <a:r>
+              <a:rPr lang="zh-CN" altLang="en-US" dirty="0" smtClean="0">
+                <a:latin typeface="+mn-ea"/>
+              </a:rPr>
+              <a:t>限定</a:t>
+            </a:r>
+            <a:endParaRPr lang="zh-CN" altLang="en-US" dirty="0">
+              <a:latin typeface="+mn-ea"/>
+            </a:endParaRPr>
           </a:p>
         </p:txBody>
       </p:sp>
     </p:spTree>
+    <p:extLst>
+      <p:ext uri="{BB962C8B-B14F-4D97-AF65-F5344CB8AC3E}">
+        <p14:creationId xmlns:p14="http://schemas.microsoft.com/office/powerpoint/2010/main" val="3271171390"/>
+      </p:ext>
+    </p:extLst>
   </p:cSld>
   <p:clrMapOvr>
     <a:masterClrMapping/>
@@ -17352,7 +19321,7 @@
               <a:rPr lang="zh-CN" altLang="en-US" dirty="0" smtClean="0">
                 <a:latin typeface="+mj-ea"/>
               </a:rPr>
-              <a:t>优劣</a:t>
+              <a:t>特性</a:t>
             </a:r>
             <a:endParaRPr lang="zh-CN" altLang="en-US" dirty="0">
               <a:latin typeface="+mj-ea"/>
@@ -17360,42 +19329,49 @@
           </a:p>
         </p:txBody>
       </p:sp>
-      <p:sp>
-        <p:nvSpPr>
-          <p:cNvPr id="3" name="内容占位符 2"/>
-          <p:cNvSpPr>
-            <a:spLocks noGrp="1"/>
-          </p:cNvSpPr>
+      <p:pic>
+        <p:nvPicPr>
+          <p:cNvPr id="6" name="内容占位符 5"/>
+          <p:cNvPicPr>
+            <a:picLocks noGrp="1" noChangeAspect="1"/>
+          </p:cNvPicPr>
           <p:nvPr>
             <p:ph idx="1"/>
           </p:nvPr>
-        </p:nvSpPr>
-        <p:spPr/>
-        <p:txBody>
-          <a:bodyPr/>
-          <a:lstStyle/>
-          <a:p>
-            <a:pPr marL="0" indent="0">
-              <a:buNone/>
-            </a:pPr>
-            <a:r>
-              <a:rPr lang="zh-CN" altLang="en-US" dirty="0" smtClean="0"/>
-              <a:t>图（学习曲线图）</a:t>
-            </a:r>
-            <a:endParaRPr lang="en-US" altLang="zh-CN" dirty="0"/>
-          </a:p>
-        </p:txBody>
-      </p:sp>
+        </p:nvPicPr>
+        <p:blipFill>
+          <a:blip r:embed="rId3"/>
+          <a:stretch>
+            <a:fillRect/>
+          </a:stretch>
+        </p:blipFill>
+        <p:spPr>
+          <a:xfrm>
+            <a:off x="2963538" y="1536954"/>
+            <a:ext cx="4841519" cy="4711446"/>
+          </a:xfrm>
+          <a:prstGeom prst="rect">
+            <a:avLst/>
+          </a:prstGeom>
+        </p:spPr>
+      </p:pic>
     </p:spTree>
     <p:extLst>
       <p:ext uri="{BB962C8B-B14F-4D97-AF65-F5344CB8AC3E}">
-        <p14:creationId xmlns:p14="http://schemas.microsoft.com/office/powerpoint/2010/main" val="2341056355"/>
+        <p14:creationId xmlns:p14="http://schemas.microsoft.com/office/powerpoint/2010/main" val="3254542186"/>
       </p:ext>
     </p:extLst>
   </p:cSld>
   <p:clrMapOvr>
     <a:masterClrMapping/>
   </p:clrMapOvr>
+  <p:timing>
+    <p:tnLst>
+      <p:par>
+        <p:cTn id="1" dur="indefinite" restart="never" nodeType="tmRoot"/>
+      </p:par>
+    </p:tnLst>
+  </p:timing>
 </p:sld>
 </file>
 
@@ -17426,100 +19402,140 @@
             <p:ph type="title"/>
           </p:nvPr>
         </p:nvSpPr>
+        <p:spPr>
+          <a:xfrm>
+            <a:off x="646112" y="452718"/>
+            <a:ext cx="9281660" cy="1163811"/>
+          </a:xfrm>
+        </p:spPr>
+        <p:txBody>
+          <a:bodyPr/>
+          <a:lstStyle/>
+          <a:p>
+            <a:r>
+              <a:rPr lang="en-US" altLang="zh-CN" dirty="0">
+                <a:latin typeface="+mj-ea"/>
+              </a:rPr>
+              <a:t>Rust</a:t>
+            </a:r>
+            <a:r>
+              <a:rPr lang="zh-CN" altLang="en-US" dirty="0" smtClean="0">
+                <a:latin typeface="+mj-ea"/>
+              </a:rPr>
+              <a:t>简介</a:t>
+            </a:r>
+            <a:r>
+              <a:rPr lang="en-US" altLang="zh-CN" dirty="0" smtClean="0">
+                <a:latin typeface="+mj-ea"/>
+              </a:rPr>
+              <a:t>-</a:t>
+            </a:r>
+            <a:r>
+              <a:rPr lang="zh-CN" altLang="en-US" dirty="0" smtClean="0">
+                <a:latin typeface="+mj-ea"/>
+              </a:rPr>
+              <a:t>优劣</a:t>
+            </a:r>
+            <a:endParaRPr lang="zh-CN" altLang="en-US" dirty="0">
+              <a:latin typeface="+mj-ea"/>
+            </a:endParaRPr>
+          </a:p>
+        </p:txBody>
+      </p:sp>
+      <p:sp>
+        <p:nvSpPr>
+          <p:cNvPr id="3" name="内容占位符 2"/>
+          <p:cNvSpPr>
+            <a:spLocks noGrp="1"/>
+          </p:cNvSpPr>
+          <p:nvPr>
+            <p:ph idx="1"/>
+          </p:nvPr>
+        </p:nvSpPr>
         <p:spPr/>
         <p:txBody>
           <a:bodyPr/>
           <a:lstStyle/>
           <a:p>
             <a:r>
-              <a:rPr kumimoji="1" lang="en-US" altLang="zh-CN" dirty="0" smtClean="0">
-                <a:latin typeface="+mj-ea"/>
-              </a:rPr>
-              <a:t>Rust</a:t>
-            </a:r>
-            <a:r>
-              <a:rPr kumimoji="1" lang="zh-CN" altLang="en-US" dirty="0" smtClean="0">
-                <a:latin typeface="+mj-ea"/>
-              </a:rPr>
-              <a:t>生态和应用</a:t>
-            </a:r>
-            <a:endParaRPr lang="zh-CN" altLang="en-US" dirty="0"/>
+              <a:rPr lang="zh-CN" altLang="en-US" dirty="0"/>
+              <a:t>优点</a:t>
+            </a:r>
+            <a:endParaRPr lang="en-US" altLang="zh-CN" dirty="0"/>
+          </a:p>
+          <a:p>
+            <a:pPr lvl="1"/>
+            <a:r>
+              <a:rPr lang="zh-CN" altLang="en-US" dirty="0" smtClean="0"/>
+              <a:t>高性能</a:t>
+            </a:r>
+            <a:endParaRPr lang="en-US" altLang="zh-CN" dirty="0" smtClean="0"/>
+          </a:p>
+          <a:p>
+            <a:pPr lvl="1"/>
+            <a:r>
+              <a:rPr lang="zh-CN" altLang="en-US" dirty="0" smtClean="0"/>
+              <a:t>完备</a:t>
+            </a:r>
+            <a:r>
+              <a:rPr lang="zh-CN" altLang="en-US" dirty="0"/>
+              <a:t>的安全检查</a:t>
+            </a:r>
+            <a:endParaRPr lang="en-US" altLang="zh-CN" dirty="0"/>
+          </a:p>
+          <a:p>
+            <a:r>
+              <a:rPr lang="zh-CN" altLang="en-US" dirty="0"/>
+              <a:t>缺点</a:t>
+            </a:r>
+            <a:endParaRPr lang="en-US" altLang="zh-CN" dirty="0"/>
+          </a:p>
+          <a:p>
+            <a:pPr lvl="1"/>
+            <a:r>
+              <a:rPr lang="zh-CN" altLang="en-US" dirty="0"/>
+              <a:t>学习曲线</a:t>
+            </a:r>
+            <a:r>
+              <a:rPr lang="zh-CN" altLang="en-US" dirty="0" smtClean="0"/>
+              <a:t>陡峭</a:t>
+            </a:r>
+            <a:endParaRPr lang="en-US" altLang="zh-CN" dirty="0" smtClean="0"/>
+          </a:p>
+          <a:p>
+            <a:pPr lvl="1"/>
+            <a:r>
+              <a:rPr lang="zh-CN" altLang="en-US" dirty="0" smtClean="0"/>
+              <a:t>编译速度慢</a:t>
+            </a:r>
+            <a:endParaRPr lang="en-US" altLang="zh-CN" dirty="0" smtClean="0"/>
+          </a:p>
+          <a:p>
+            <a:pPr lvl="1"/>
+            <a:r>
+              <a:rPr lang="zh-CN" altLang="en-US" dirty="0"/>
+              <a:t>开发效率不高，缺少完善的开发</a:t>
+            </a:r>
+            <a:r>
+              <a:rPr lang="zh-CN" altLang="en-US" dirty="0" smtClean="0"/>
+              <a:t>工具</a:t>
+            </a:r>
+            <a:endParaRPr lang="en-US" altLang="zh-CN" dirty="0"/>
           </a:p>
         </p:txBody>
       </p:sp>
-      <p:sp>
-        <p:nvSpPr>
-          <p:cNvPr id="3" name="内容占位符 2"/>
-          <p:cNvSpPr>
-            <a:spLocks noGrp="1"/>
-          </p:cNvSpPr>
-          <p:nvPr>
-            <p:ph idx="1"/>
-          </p:nvPr>
-        </p:nvSpPr>
-        <p:spPr/>
-        <p:txBody>
-          <a:bodyPr/>
-          <a:lstStyle/>
-          <a:p>
-            <a:pPr marL="0" indent="0">
-              <a:buNone/>
-            </a:pPr>
-            <a:r>
-              <a:rPr kumimoji="1" lang="zh-CN" altLang="en-US" dirty="0" smtClean="0"/>
-              <a:t>基础</a:t>
-            </a:r>
-            <a:r>
-              <a:rPr kumimoji="1" lang="zh-CN" altLang="en-US" dirty="0"/>
-              <a:t>库，</a:t>
-            </a:r>
-            <a:r>
-              <a:rPr kumimoji="1" lang="en-US" altLang="zh-CN" dirty="0" err="1"/>
-              <a:t>io</a:t>
-            </a:r>
-            <a:r>
-              <a:rPr kumimoji="1" lang="zh-CN" altLang="en-US" dirty="0"/>
-              <a:t>，网络，数据库，集中在云计算</a:t>
-            </a:r>
-          </a:p>
-          <a:p>
-            <a:pPr marL="0" indent="0">
-              <a:buNone/>
-            </a:pPr>
-            <a:r>
-              <a:rPr kumimoji="1" lang="zh-CN" altLang="en-US" dirty="0"/>
-              <a:t>上层应用，典型的产品，</a:t>
-            </a:r>
-            <a:r>
-              <a:rPr kumimoji="1" lang="en-US" altLang="zh-CN" dirty="0"/>
-              <a:t>go-docker,rust-db,linkerd-proxy,2.0</a:t>
-            </a:r>
-            <a:r>
-              <a:rPr kumimoji="1" lang="zh-CN" altLang="en-US" dirty="0"/>
-              <a:t>（</a:t>
-            </a:r>
-            <a:r>
-              <a:rPr kumimoji="1" lang="en-US" altLang="zh-CN" dirty="0"/>
-              <a:t>envoy</a:t>
-            </a:r>
-            <a:r>
-              <a:rPr kumimoji="1" lang="zh-CN" altLang="en-US" dirty="0" smtClean="0"/>
-              <a:t>）</a:t>
-            </a:r>
-            <a:endParaRPr kumimoji="1" lang="zh-CN" altLang="en-US" dirty="0"/>
-          </a:p>
-        </p:txBody>
-      </p:sp>
     </p:spTree>
-    <p:extLst>
-      <p:ext uri="{BB962C8B-B14F-4D97-AF65-F5344CB8AC3E}">
-        <p14:creationId xmlns:p14="http://schemas.microsoft.com/office/powerpoint/2010/main" val="3376935449"/>
-      </p:ext>
-    </p:extLst>
   </p:cSld>
   <p:clrMapOvr>
     <a:masterClrMapping/>
   </p:clrMapOvr>
+  <p:timing>
+    <p:tnLst>
+      <p:par>
+        <p:cTn id="1" dur="indefinite" restart="never" nodeType="tmRoot"/>
+      </p:par>
+    </p:tnLst>
+  </p:timing>
 </p:sld>
 </file>
 
@@ -17550,96 +19566,89 @@
             <p:ph type="title"/>
           </p:nvPr>
         </p:nvSpPr>
-        <p:spPr/>
+        <p:spPr>
+          <a:xfrm>
+            <a:off x="646112" y="452718"/>
+            <a:ext cx="9281660" cy="1049511"/>
+          </a:xfrm>
+        </p:spPr>
         <p:txBody>
           <a:bodyPr/>
           <a:lstStyle/>
           <a:p>
             <a:r>
-              <a:rPr kumimoji="1" lang="en-US" altLang="zh-CN" dirty="0" smtClean="0">
+              <a:rPr lang="en-US" altLang="zh-CN" dirty="0">
                 <a:latin typeface="+mj-ea"/>
               </a:rPr>
               <a:t>Rust</a:t>
             </a:r>
             <a:r>
-              <a:rPr kumimoji="1" lang="zh-CN" altLang="en-US" dirty="0" smtClean="0">
+              <a:rPr lang="zh-CN" altLang="en-US" dirty="0" smtClean="0">
                 <a:latin typeface="+mj-ea"/>
               </a:rPr>
-              <a:t>生态和应用</a:t>
-            </a:r>
-            <a:endParaRPr lang="zh-CN" altLang="en-US" dirty="0"/>
+              <a:t>简介</a:t>
+            </a:r>
+            <a:r>
+              <a:rPr lang="en-US" altLang="zh-CN" dirty="0" smtClean="0">
+                <a:latin typeface="+mj-ea"/>
+              </a:rPr>
+              <a:t>-</a:t>
+            </a:r>
+            <a:r>
+              <a:rPr lang="zh-CN" altLang="en-US" dirty="0" smtClean="0">
+                <a:latin typeface="+mj-ea"/>
+              </a:rPr>
+              <a:t>优劣</a:t>
+            </a:r>
+            <a:endParaRPr lang="zh-CN" altLang="en-US" dirty="0">
+              <a:latin typeface="+mj-ea"/>
+            </a:endParaRPr>
           </a:p>
         </p:txBody>
       </p:sp>
-      <p:sp>
-        <p:nvSpPr>
-          <p:cNvPr id="3" name="内容占位符 2"/>
-          <p:cNvSpPr>
-            <a:spLocks noGrp="1"/>
-          </p:cNvSpPr>
+      <p:pic>
+        <p:nvPicPr>
+          <p:cNvPr id="4" name="内容占位符 3"/>
+          <p:cNvPicPr>
+            <a:picLocks noGrp="1" noChangeAspect="1"/>
+          </p:cNvPicPr>
           <p:nvPr>
             <p:ph idx="1"/>
           </p:nvPr>
-        </p:nvSpPr>
-        <p:spPr/>
-        <p:txBody>
-          <a:bodyPr/>
-          <a:lstStyle/>
-          <a:p>
-            <a:r>
-              <a:rPr kumimoji="1" lang="en-US" altLang="zh-CN" dirty="0" err="1" smtClean="0">
-                <a:latin typeface="Times New Roman" panose="02020603050405020304" pitchFamily="18" charset="0"/>
-                <a:cs typeface="Times New Roman" panose="02020603050405020304" pitchFamily="18" charset="0"/>
-              </a:rPr>
-              <a:t>Tokio</a:t>
-            </a:r>
-            <a:r>
-              <a:rPr kumimoji="1" lang="zh-CN" altLang="en-US" dirty="0" smtClean="0">
-                <a:latin typeface="Times New Roman" panose="02020603050405020304" pitchFamily="18" charset="0"/>
-                <a:cs typeface="Times New Roman" panose="02020603050405020304" pitchFamily="18" charset="0"/>
-              </a:rPr>
-              <a:t>、</a:t>
-            </a:r>
-            <a:r>
-              <a:rPr kumimoji="1" lang="en-US" altLang="zh-CN" dirty="0" err="1" smtClean="0">
-                <a:latin typeface="Times New Roman" panose="02020603050405020304" pitchFamily="18" charset="0"/>
-                <a:cs typeface="Times New Roman" panose="02020603050405020304" pitchFamily="18" charset="0"/>
-              </a:rPr>
-              <a:t>Tokio_uring</a:t>
-            </a:r>
-            <a:endParaRPr kumimoji="1" lang="en-US" altLang="zh-CN" dirty="0" smtClean="0">
-              <a:latin typeface="Times New Roman" panose="02020603050405020304" pitchFamily="18" charset="0"/>
-              <a:cs typeface="Times New Roman" panose="02020603050405020304" pitchFamily="18" charset="0"/>
-            </a:endParaRPr>
-          </a:p>
-          <a:p>
-            <a:pPr marL="0" indent="0">
-              <a:buNone/>
-            </a:pPr>
-            <a:r>
-              <a:rPr kumimoji="1" lang="zh-CN" altLang="en-US" dirty="0" smtClean="0">
-                <a:latin typeface="Times New Roman" panose="02020603050405020304" pitchFamily="18" charset="0"/>
-                <a:cs typeface="Times New Roman" panose="02020603050405020304" pitchFamily="18" charset="0"/>
-              </a:rPr>
-              <a:t>基础网络库</a:t>
-            </a:r>
-            <a:endParaRPr kumimoji="1" lang="en-US" altLang="zh-CN" dirty="0">
-              <a:latin typeface="Times New Roman" panose="02020603050405020304" pitchFamily="18" charset="0"/>
-              <a:cs typeface="Times New Roman" panose="02020603050405020304" pitchFamily="18" charset="0"/>
-            </a:endParaRPr>
-          </a:p>
-        </p:txBody>
-      </p:sp>
+        </p:nvPicPr>
+        <p:blipFill>
+          <a:blip r:embed="rId3"/>
+          <a:stretch>
+            <a:fillRect/>
+          </a:stretch>
+        </p:blipFill>
+        <p:spPr>
+          <a:xfrm>
+            <a:off x="3693571" y="1616529"/>
+            <a:ext cx="4046171" cy="4980213"/>
+          </a:xfrm>
+          <a:prstGeom prst="rect">
+            <a:avLst/>
+          </a:prstGeom>
+        </p:spPr>
+      </p:pic>
     </p:spTree>
     <p:extLst>
       <p:ext uri="{BB962C8B-B14F-4D97-AF65-F5344CB8AC3E}">
-        <p14:creationId xmlns:p14="http://schemas.microsoft.com/office/powerpoint/2010/main" val="1174511585"/>
+        <p14:creationId xmlns:p14="http://schemas.microsoft.com/office/powerpoint/2010/main" val="2341056355"/>
       </p:ext>
     </p:extLst>
   </p:cSld>
   <p:clrMapOvr>
     <a:masterClrMapping/>
   </p:clrMapOvr>
+  <p:timing>
+    <p:tnLst>
+      <p:par>
+        <p:cTn id="1" dur="indefinite" restart="never" nodeType="tmRoot"/>
+      </p:par>
+    </p:tnLst>
+  </p:timing>
 </p:sld>
 </file>
 
@@ -17670,15 +19679,137 @@
             <p:ph type="title"/>
           </p:nvPr>
         </p:nvSpPr>
+        <p:spPr>
+          <a:xfrm>
+            <a:off x="646111" y="452718"/>
+            <a:ext cx="9412289" cy="973879"/>
+          </a:xfrm>
+        </p:spPr>
+        <p:txBody>
+          <a:bodyPr/>
+          <a:lstStyle/>
+          <a:p>
+            <a:r>
+              <a:rPr lang="en-US" altLang="zh-CN" dirty="0">
+                <a:latin typeface="+mj-ea"/>
+              </a:rPr>
+              <a:t>Rust</a:t>
+            </a:r>
+            <a:r>
+              <a:rPr lang="zh-CN" altLang="en-US" dirty="0" smtClean="0">
+                <a:latin typeface="+mj-ea"/>
+              </a:rPr>
+              <a:t>简介</a:t>
+            </a:r>
+            <a:r>
+              <a:rPr lang="en-US" altLang="zh-CN" dirty="0" smtClean="0">
+                <a:latin typeface="+mj-ea"/>
+              </a:rPr>
+              <a:t>-</a:t>
+            </a:r>
+            <a:r>
+              <a:rPr lang="zh-CN" altLang="en-US" dirty="0" smtClean="0">
+                <a:latin typeface="+mj-ea"/>
+              </a:rPr>
+              <a:t>优劣</a:t>
+            </a:r>
+            <a:endParaRPr lang="zh-CN" altLang="en-US" dirty="0">
+              <a:latin typeface="+mj-ea"/>
+            </a:endParaRPr>
+          </a:p>
+        </p:txBody>
+      </p:sp>
+      <p:pic>
+        <p:nvPicPr>
+          <p:cNvPr id="5" name="内容占位符 4"/>
+          <p:cNvPicPr>
+            <a:picLocks noGrp="1" noChangeAspect="1"/>
+          </p:cNvPicPr>
+          <p:nvPr>
+            <p:ph idx="1"/>
+          </p:nvPr>
+        </p:nvPicPr>
+        <p:blipFill>
+          <a:blip r:embed="rId3"/>
+          <a:stretch>
+            <a:fillRect/>
+          </a:stretch>
+        </p:blipFill>
+        <p:spPr>
+          <a:xfrm>
+            <a:off x="3559630" y="1426597"/>
+            <a:ext cx="3461656" cy="5035576"/>
+          </a:xfrm>
+          <a:prstGeom prst="rect">
+            <a:avLst/>
+          </a:prstGeom>
+        </p:spPr>
+      </p:pic>
+    </p:spTree>
+    <p:extLst>
+      <p:ext uri="{BB962C8B-B14F-4D97-AF65-F5344CB8AC3E}">
+        <p14:creationId xmlns:p14="http://schemas.microsoft.com/office/powerpoint/2010/main" val="3629472933"/>
+      </p:ext>
+    </p:extLst>
+  </p:cSld>
+  <p:clrMapOvr>
+    <a:masterClrMapping/>
+  </p:clrMapOvr>
+  <p:timing>
+    <p:tnLst>
+      <p:par>
+        <p:cTn id="1" dur="indefinite" restart="never" nodeType="tmRoot"/>
+      </p:par>
+    </p:tnLst>
+  </p:timing>
+</p:sld>
+</file>
+
+<file path=ppt/slides/slide28.xml><?xml version="1.0" encoding="utf-8"?>
+<p:sld xmlns:a="http://schemas.openxmlformats.org/drawingml/2006/main" xmlns:r="http://schemas.openxmlformats.org/officeDocument/2006/relationships" xmlns:p="http://schemas.openxmlformats.org/presentationml/2006/main">
+  <p:cSld>
+    <p:spTree>
+      <p:nvGrpSpPr>
+        <p:cNvPr id="1" name=""/>
+        <p:cNvGrpSpPr/>
+        <p:nvPr/>
+      </p:nvGrpSpPr>
+      <p:grpSpPr>
+        <a:xfrm>
+          <a:off x="0" y="0"/>
+          <a:ext cx="0" cy="0"/>
+          <a:chOff x="0" y="0"/>
+          <a:chExt cx="0" cy="0"/>
+        </a:xfrm>
+      </p:grpSpPr>
+      <p:sp>
+        <p:nvSpPr>
+          <p:cNvPr id="2" name="标题 1"/>
+          <p:cNvSpPr>
+            <a:spLocks noGrp="1"/>
+          </p:cNvSpPr>
+          <p:nvPr>
+            <p:ph type="title"/>
+          </p:nvPr>
+        </p:nvSpPr>
         <p:spPr/>
         <p:txBody>
           <a:bodyPr/>
           <a:lstStyle/>
           <a:p>
             <a:r>
-              <a:rPr lang="zh-CN" altLang="en-US" dirty="0"/>
-              <a:t>相关资料</a:t>
-            </a:r>
+              <a:rPr kumimoji="1" lang="en-US" altLang="zh-CN" dirty="0" smtClean="0">
+                <a:latin typeface="+mj-ea"/>
+              </a:rPr>
+              <a:t>Rust</a:t>
+            </a:r>
+            <a:r>
+              <a:rPr kumimoji="1" lang="zh-CN" altLang="en-US" dirty="0" smtClean="0">
+                <a:latin typeface="+mj-ea"/>
+              </a:rPr>
+              <a:t>生态和应用</a:t>
+            </a:r>
+            <a:endParaRPr lang="zh-CN" altLang="en-US" dirty="0"/>
           </a:p>
         </p:txBody>
       </p:sp>
@@ -17697,119 +19828,812 @@
           <a:bodyPr/>
           <a:lstStyle/>
           <a:p>
-            <a:r>
-              <a:rPr lang="en-US" altLang="zh-CN" dirty="0">
-                <a:latin typeface="Times New Roman" panose="02020603050405020304" pitchFamily="18" charset="0"/>
-                <a:cs typeface="Times New Roman" panose="02020603050405020304" pitchFamily="18" charset="0"/>
-                <a:hlinkClick r:id="rId2"/>
-              </a:rPr>
-              <a:t>http://venge.net/graydon/talks/intro-talk-2.pdf</a:t>
-            </a:r>
-            <a:r>
-              <a:rPr lang="en-US" altLang="zh-CN" dirty="0">
-                <a:latin typeface="Times New Roman" panose="02020603050405020304" pitchFamily="18" charset="0"/>
-                <a:cs typeface="Times New Roman" panose="02020603050405020304" pitchFamily="18" charset="0"/>
-              </a:rPr>
-              <a:t> </a:t>
-            </a:r>
-            <a:r>
-              <a:rPr lang="zh-CN" altLang="en-US" dirty="0">
-                <a:latin typeface="+mn-ea"/>
-                <a:ea typeface="+mn-ea"/>
-              </a:rPr>
-              <a:t>首次正式公开</a:t>
-            </a:r>
-            <a:r>
-              <a:rPr lang="en-US" altLang="zh-CN" dirty="0">
-                <a:latin typeface="Times New Roman" panose="02020603050405020304" pitchFamily="18" charset="0"/>
-                <a:ea typeface="+mn-ea"/>
-                <a:cs typeface="Times New Roman" panose="02020603050405020304" pitchFamily="18" charset="0"/>
-              </a:rPr>
-              <a:t>Rust</a:t>
-            </a:r>
-            <a:r>
-              <a:rPr lang="zh-CN" altLang="en-US" dirty="0">
-                <a:latin typeface="Times New Roman" panose="02020603050405020304" pitchFamily="18" charset="0"/>
-                <a:ea typeface="+mn-ea"/>
-                <a:cs typeface="Times New Roman" panose="02020603050405020304" pitchFamily="18" charset="0"/>
-              </a:rPr>
-              <a:t>，并开始进行了首个</a:t>
-            </a:r>
-            <a:r>
-              <a:rPr lang="en-US" altLang="zh-CN" dirty="0">
-                <a:latin typeface="Times New Roman" panose="02020603050405020304" pitchFamily="18" charset="0"/>
-                <a:ea typeface="+mn-ea"/>
-                <a:cs typeface="Times New Roman" panose="02020603050405020304" pitchFamily="18" charset="0"/>
-              </a:rPr>
-              <a:t>Rust</a:t>
-            </a:r>
-            <a:r>
-              <a:rPr lang="zh-CN" altLang="en-US" dirty="0">
-                <a:latin typeface="Times New Roman" panose="02020603050405020304" pitchFamily="18" charset="0"/>
-                <a:ea typeface="+mn-ea"/>
-                <a:cs typeface="Times New Roman" panose="02020603050405020304" pitchFamily="18" charset="0"/>
-              </a:rPr>
-              <a:t>项目</a:t>
-            </a:r>
-            <a:r>
-              <a:rPr lang="en-US" altLang="zh-CN" dirty="0">
-                <a:latin typeface="Times New Roman" panose="02020603050405020304" pitchFamily="18" charset="0"/>
-                <a:ea typeface="+mn-ea"/>
-                <a:cs typeface="Times New Roman" panose="02020603050405020304" pitchFamily="18" charset="0"/>
-              </a:rPr>
-              <a:t>servo</a:t>
-            </a:r>
-            <a:r>
-              <a:rPr lang="zh-CN" altLang="en-US" dirty="0">
-                <a:latin typeface="Times New Roman" panose="02020603050405020304" pitchFamily="18" charset="0"/>
-                <a:ea typeface="+mn-ea"/>
-                <a:cs typeface="Times New Roman" panose="02020603050405020304" pitchFamily="18" charset="0"/>
-              </a:rPr>
-              <a:t>的开发</a:t>
-            </a:r>
-            <a:endParaRPr lang="en-US" altLang="zh-CN" dirty="0">
-              <a:latin typeface="Times New Roman" panose="02020603050405020304" pitchFamily="18" charset="0"/>
-              <a:ea typeface="+mn-ea"/>
-              <a:cs typeface="Times New Roman" panose="02020603050405020304" pitchFamily="18" charset="0"/>
-            </a:endParaRPr>
-          </a:p>
-          <a:p>
-            <a:r>
-              <a:rPr lang="en-US" altLang="zh-CN" dirty="0">
-                <a:latin typeface="Times New Roman" panose="02020603050405020304" pitchFamily="18" charset="0"/>
-                <a:cs typeface="Times New Roman" panose="02020603050405020304" pitchFamily="18" charset="0"/>
-                <a:hlinkClick r:id="rId3"/>
-              </a:rPr>
-              <a:t>https://foundation.rust-lang.org/</a:t>
-            </a:r>
-            <a:r>
-              <a:rPr lang="en-US" altLang="zh-CN" dirty="0">
-                <a:latin typeface="Times New Roman" panose="02020603050405020304" pitchFamily="18" charset="0"/>
-                <a:cs typeface="Times New Roman" panose="02020603050405020304" pitchFamily="18" charset="0"/>
-              </a:rPr>
-              <a:t> Rust</a:t>
-            </a:r>
-            <a:r>
-              <a:rPr lang="zh-CN" altLang="en-US" dirty="0">
-                <a:latin typeface="Times New Roman" panose="02020603050405020304" pitchFamily="18" charset="0"/>
-                <a:cs typeface="Times New Roman" panose="02020603050405020304" pitchFamily="18" charset="0"/>
-              </a:rPr>
-              <a:t>基金会官网</a:t>
-            </a:r>
-          </a:p>
-          <a:p>
-            <a:endParaRPr lang="zh-CN" altLang="en-US" dirty="0">
-              <a:latin typeface="+mn-ea"/>
-              <a:ea typeface="+mn-ea"/>
-            </a:endParaRPr>
+            <a:pPr marL="0" indent="0">
+              <a:buNone/>
+            </a:pPr>
+            <a:r>
+              <a:rPr kumimoji="1" lang="zh-CN" altLang="en-US" dirty="0" smtClean="0"/>
+              <a:t>目前已经发布的三方包已经有</a:t>
+            </a:r>
+            <a:r>
+              <a:rPr lang="en-US" altLang="zh-CN" dirty="0" smtClean="0"/>
+              <a:t>71905</a:t>
+            </a:r>
+            <a:r>
+              <a:rPr lang="zh-CN" altLang="en-US" dirty="0" smtClean="0"/>
+              <a:t>。主要集中在命令行开发、网络编程、异步开发、机器学习和算法领域。</a:t>
+            </a:r>
+            <a:endParaRPr kumimoji="1" lang="zh-CN" altLang="en-US" dirty="0"/>
           </a:p>
         </p:txBody>
       </p:sp>
     </p:spTree>
+    <p:extLst>
+      <p:ext uri="{BB962C8B-B14F-4D97-AF65-F5344CB8AC3E}">
+        <p14:creationId xmlns:p14="http://schemas.microsoft.com/office/powerpoint/2010/main" val="3376935449"/>
+      </p:ext>
+    </p:extLst>
   </p:cSld>
   <p:clrMapOvr>
     <a:masterClrMapping/>
   </p:clrMapOvr>
+  <p:timing>
+    <p:tnLst>
+      <p:par>
+        <p:cTn id="1" dur="indefinite" restart="never" nodeType="tmRoot"/>
+      </p:par>
+    </p:tnLst>
+  </p:timing>
+</p:sld>
+</file>
+
+<file path=ppt/slides/slide29.xml><?xml version="1.0" encoding="utf-8"?>
+<p:sld xmlns:a="http://schemas.openxmlformats.org/drawingml/2006/main" xmlns:r="http://schemas.openxmlformats.org/officeDocument/2006/relationships" xmlns:p="http://schemas.openxmlformats.org/presentationml/2006/main">
+  <p:cSld>
+    <p:spTree>
+      <p:nvGrpSpPr>
+        <p:cNvPr id="1" name=""/>
+        <p:cNvGrpSpPr/>
+        <p:nvPr/>
+      </p:nvGrpSpPr>
+      <p:grpSpPr>
+        <a:xfrm>
+          <a:off x="0" y="0"/>
+          <a:ext cx="0" cy="0"/>
+          <a:chOff x="0" y="0"/>
+          <a:chExt cx="0" cy="0"/>
+        </a:xfrm>
+      </p:grpSpPr>
+      <p:sp>
+        <p:nvSpPr>
+          <p:cNvPr id="2" name="标题 1"/>
+          <p:cNvSpPr>
+            <a:spLocks noGrp="1"/>
+          </p:cNvSpPr>
+          <p:nvPr>
+            <p:ph type="title"/>
+          </p:nvPr>
+        </p:nvSpPr>
+        <p:spPr/>
+        <p:txBody>
+          <a:bodyPr/>
+          <a:lstStyle/>
+          <a:p>
+            <a:r>
+              <a:rPr kumimoji="1" lang="en-US" altLang="zh-CN" dirty="0" smtClean="0">
+                <a:latin typeface="+mj-ea"/>
+              </a:rPr>
+              <a:t>Rust</a:t>
+            </a:r>
+            <a:r>
+              <a:rPr kumimoji="1" lang="zh-CN" altLang="en-US" dirty="0" smtClean="0">
+                <a:latin typeface="+mj-ea"/>
+              </a:rPr>
+              <a:t>生态和应用</a:t>
+            </a:r>
+            <a:endParaRPr lang="zh-CN" altLang="en-US" dirty="0"/>
+          </a:p>
+        </p:txBody>
+      </p:sp>
+      <p:graphicFrame>
+        <p:nvGraphicFramePr>
+          <p:cNvPr id="4" name="表格 3"/>
+          <p:cNvGraphicFramePr>
+            <a:graphicFrameLocks noGrp="1"/>
+          </p:cNvGraphicFramePr>
+          <p:nvPr>
+            <p:extLst>
+              <p:ext uri="{D42A27DB-BD31-4B8C-83A1-F6EECF244321}">
+                <p14:modId xmlns:p14="http://schemas.microsoft.com/office/powerpoint/2010/main" val="2681775327"/>
+              </p:ext>
+            </p:extLst>
+          </p:nvPr>
+        </p:nvGraphicFramePr>
+        <p:xfrm>
+          <a:off x="1806497" y="1853248"/>
+          <a:ext cx="8128000" cy="4485640"/>
+        </p:xfrm>
+        <a:graphic>
+          <a:graphicData uri="http://schemas.openxmlformats.org/drawingml/2006/table">
+            <a:tbl>
+              <a:tblPr firstRow="1" bandRow="1">
+                <a:tableStyleId>{5C22544A-7EE6-4342-B048-85BDC9FD1C3A}</a:tableStyleId>
+              </a:tblPr>
+              <a:tblGrid>
+                <a:gridCol w="2032000"/>
+                <a:gridCol w="2032000"/>
+                <a:gridCol w="2032000"/>
+                <a:gridCol w="2032000"/>
+              </a:tblGrid>
+              <a:tr h="0">
+                <a:tc>
+                  <a:txBody>
+                    <a:bodyPr/>
+                    <a:lstStyle/>
+                    <a:p>
+                      <a:r>
+                        <a:rPr lang="zh-CN" altLang="en-US" dirty="0" smtClean="0"/>
+                        <a:t>领域</a:t>
+                      </a:r>
+                      <a:endParaRPr lang="zh-CN" altLang="en-US" dirty="0"/>
+                    </a:p>
+                  </a:txBody>
+                  <a:tcPr/>
+                </a:tc>
+                <a:tc>
+                  <a:txBody>
+                    <a:bodyPr/>
+                    <a:lstStyle/>
+                    <a:p>
+                      <a:r>
+                        <a:rPr lang="zh-CN" altLang="en-US" dirty="0" smtClean="0"/>
+                        <a:t>三方库</a:t>
+                      </a:r>
+                      <a:endParaRPr lang="zh-CN" altLang="en-US" dirty="0"/>
+                    </a:p>
+                  </a:txBody>
+                  <a:tcPr/>
+                </a:tc>
+                <a:tc>
+                  <a:txBody>
+                    <a:bodyPr/>
+                    <a:lstStyle/>
+                    <a:p>
+                      <a:r>
+                        <a:rPr lang="zh-CN" altLang="en-US" dirty="0" smtClean="0"/>
+                        <a:t>说明</a:t>
+                      </a:r>
+                      <a:endParaRPr lang="zh-CN" altLang="en-US" dirty="0"/>
+                    </a:p>
+                  </a:txBody>
+                  <a:tcPr/>
+                </a:tc>
+                <a:tc>
+                  <a:txBody>
+                    <a:bodyPr/>
+                    <a:lstStyle/>
+                    <a:p>
+                      <a:r>
+                        <a:rPr lang="zh-CN" altLang="en-US" dirty="0" smtClean="0"/>
+                        <a:t>备注</a:t>
+                      </a:r>
+                      <a:endParaRPr lang="zh-CN" altLang="en-US" dirty="0"/>
+                    </a:p>
+                  </a:txBody>
+                  <a:tcPr/>
+                </a:tc>
+              </a:tr>
+              <a:tr h="370840">
+                <a:tc>
+                  <a:txBody>
+                    <a:bodyPr/>
+                    <a:lstStyle/>
+                    <a:p>
+                      <a:r>
+                        <a:rPr lang="zh-CN" altLang="en-US" dirty="0" smtClean="0"/>
+                        <a:t>序列化</a:t>
+                      </a:r>
+                      <a:endParaRPr lang="zh-CN" altLang="en-US" dirty="0"/>
+                    </a:p>
+                  </a:txBody>
+                  <a:tcPr/>
+                </a:tc>
+                <a:tc>
+                  <a:txBody>
+                    <a:bodyPr/>
+                    <a:lstStyle/>
+                    <a:p>
+                      <a:r>
+                        <a:rPr lang="en-US" altLang="zh-CN" dirty="0" err="1" smtClean="0">
+                          <a:latin typeface="Times New Roman" panose="02020603050405020304" pitchFamily="18" charset="0"/>
+                          <a:cs typeface="Times New Roman" panose="02020603050405020304" pitchFamily="18" charset="0"/>
+                        </a:rPr>
+                        <a:t>serde</a:t>
+                      </a:r>
+                      <a:endParaRPr lang="zh-CN" altLang="en-US" dirty="0">
+                        <a:latin typeface="Times New Roman" panose="02020603050405020304" pitchFamily="18" charset="0"/>
+                        <a:cs typeface="Times New Roman" panose="02020603050405020304" pitchFamily="18" charset="0"/>
+                      </a:endParaRPr>
+                    </a:p>
+                  </a:txBody>
+                  <a:tcPr/>
+                </a:tc>
+                <a:tc>
+                  <a:txBody>
+                    <a:bodyPr/>
+                    <a:lstStyle/>
+                    <a:p>
+                      <a:r>
+                        <a:rPr lang="en-US" altLang="zh-CN" dirty="0" err="1" smtClean="0">
+                          <a:latin typeface="Times New Roman" panose="02020603050405020304" pitchFamily="18" charset="0"/>
+                          <a:cs typeface="Times New Roman" panose="02020603050405020304" pitchFamily="18" charset="0"/>
+                        </a:rPr>
+                        <a:t>Json</a:t>
+                      </a:r>
+                      <a:r>
+                        <a:rPr lang="zh-CN" altLang="en-US" dirty="0" smtClean="0"/>
+                        <a:t>序列化、反序列化</a:t>
+                      </a:r>
+                      <a:endParaRPr lang="zh-CN" altLang="en-US" dirty="0"/>
+                    </a:p>
+                  </a:txBody>
+                  <a:tcPr/>
+                </a:tc>
+                <a:tc>
+                  <a:txBody>
+                    <a:bodyPr/>
+                    <a:lstStyle/>
+                    <a:p>
+                      <a:endParaRPr lang="zh-CN" altLang="en-US"/>
+                    </a:p>
+                  </a:txBody>
+                  <a:tcPr/>
+                </a:tc>
+              </a:tr>
+              <a:tr h="370840">
+                <a:tc>
+                  <a:txBody>
+                    <a:bodyPr/>
+                    <a:lstStyle/>
+                    <a:p>
+                      <a:r>
+                        <a:rPr lang="zh-CN" altLang="en-US" dirty="0" smtClean="0"/>
+                        <a:t>异步并发</a:t>
+                      </a:r>
+                      <a:endParaRPr lang="zh-CN" altLang="en-US" dirty="0"/>
+                    </a:p>
+                  </a:txBody>
+                  <a:tcPr/>
+                </a:tc>
+                <a:tc>
+                  <a:txBody>
+                    <a:bodyPr/>
+                    <a:lstStyle/>
+                    <a:p>
+                      <a:r>
+                        <a:rPr lang="en-US" altLang="zh-CN" dirty="0" err="1" smtClean="0">
+                          <a:latin typeface="Times New Roman" panose="02020603050405020304" pitchFamily="18" charset="0"/>
+                          <a:cs typeface="Times New Roman" panose="02020603050405020304" pitchFamily="18" charset="0"/>
+                        </a:rPr>
+                        <a:t>Tokio</a:t>
+                      </a:r>
+                      <a:r>
+                        <a:rPr lang="zh-CN" altLang="en-US" dirty="0" smtClean="0">
+                          <a:latin typeface="Times New Roman" panose="02020603050405020304" pitchFamily="18" charset="0"/>
+                          <a:cs typeface="Times New Roman" panose="02020603050405020304" pitchFamily="18" charset="0"/>
+                        </a:rPr>
+                        <a:t>、</a:t>
+                      </a:r>
+                      <a:r>
+                        <a:rPr lang="en-US" altLang="zh-CN" dirty="0" err="1" smtClean="0">
+                          <a:latin typeface="Times New Roman" panose="02020603050405020304" pitchFamily="18" charset="0"/>
+                          <a:cs typeface="Times New Roman" panose="02020603050405020304" pitchFamily="18" charset="0"/>
+                        </a:rPr>
+                        <a:t>async-std</a:t>
+                      </a:r>
+                      <a:endParaRPr lang="zh-CN" altLang="en-US" dirty="0">
+                        <a:latin typeface="Times New Roman" panose="02020603050405020304" pitchFamily="18" charset="0"/>
+                        <a:cs typeface="Times New Roman" panose="02020603050405020304" pitchFamily="18" charset="0"/>
+                      </a:endParaRPr>
+                    </a:p>
+                  </a:txBody>
+                  <a:tcPr/>
+                </a:tc>
+                <a:tc>
+                  <a:txBody>
+                    <a:bodyPr/>
+                    <a:lstStyle/>
+                    <a:p>
+                      <a:r>
+                        <a:rPr lang="zh-CN" altLang="en-US" dirty="0" smtClean="0"/>
+                        <a:t>异步运行时</a:t>
+                      </a:r>
+                      <a:endParaRPr lang="zh-CN" altLang="en-US" dirty="0"/>
+                    </a:p>
+                  </a:txBody>
+                  <a:tcPr/>
+                </a:tc>
+                <a:tc>
+                  <a:txBody>
+                    <a:bodyPr/>
+                    <a:lstStyle/>
+                    <a:p>
+                      <a:r>
+                        <a:rPr lang="en-US" altLang="zh-CN" dirty="0" smtClean="0">
+                          <a:latin typeface="Times New Roman" panose="02020603050405020304" pitchFamily="18" charset="0"/>
+                          <a:cs typeface="Times New Roman" panose="02020603050405020304" pitchFamily="18" charset="0"/>
+                        </a:rPr>
+                        <a:t>fs</a:t>
+                      </a:r>
+                      <a:r>
+                        <a:rPr lang="zh-CN" altLang="en-US" dirty="0" smtClean="0">
+                          <a:latin typeface="Times New Roman" panose="02020603050405020304" pitchFamily="18" charset="0"/>
+                          <a:cs typeface="Times New Roman" panose="02020603050405020304" pitchFamily="18" charset="0"/>
+                        </a:rPr>
+                        <a:t>、</a:t>
+                      </a:r>
+                      <a:r>
+                        <a:rPr lang="en-US" altLang="zh-CN" dirty="0" err="1" smtClean="0">
+                          <a:latin typeface="Times New Roman" panose="02020603050405020304" pitchFamily="18" charset="0"/>
+                          <a:cs typeface="Times New Roman" panose="02020603050405020304" pitchFamily="18" charset="0"/>
+                        </a:rPr>
+                        <a:t>io</a:t>
+                      </a:r>
+                      <a:r>
+                        <a:rPr lang="zh-CN" altLang="en-US" dirty="0" smtClean="0">
+                          <a:latin typeface="Times New Roman" panose="02020603050405020304" pitchFamily="18" charset="0"/>
+                          <a:cs typeface="Times New Roman" panose="02020603050405020304" pitchFamily="18" charset="0"/>
+                        </a:rPr>
+                        <a:t>、</a:t>
+                      </a:r>
+                      <a:r>
+                        <a:rPr lang="en-US" altLang="zh-CN" dirty="0" smtClean="0">
+                          <a:latin typeface="Times New Roman" panose="02020603050405020304" pitchFamily="18" charset="0"/>
+                          <a:cs typeface="Times New Roman" panose="02020603050405020304" pitchFamily="18" charset="0"/>
+                        </a:rPr>
+                        <a:t>time</a:t>
+                      </a:r>
+                      <a:endParaRPr lang="zh-CN" altLang="en-US" dirty="0">
+                        <a:latin typeface="Times New Roman" panose="02020603050405020304" pitchFamily="18" charset="0"/>
+                        <a:cs typeface="Times New Roman" panose="02020603050405020304" pitchFamily="18" charset="0"/>
+                      </a:endParaRPr>
+                    </a:p>
+                  </a:txBody>
+                  <a:tcPr/>
+                </a:tc>
+              </a:tr>
+              <a:tr h="370840">
+                <a:tc>
+                  <a:txBody>
+                    <a:bodyPr/>
+                    <a:lstStyle/>
+                    <a:p>
+                      <a:r>
+                        <a:rPr lang="zh-CN" altLang="en-US" dirty="0" smtClean="0"/>
+                        <a:t>数据库</a:t>
+                      </a:r>
+                      <a:endParaRPr lang="zh-CN" altLang="en-US" dirty="0"/>
+                    </a:p>
+                  </a:txBody>
+                  <a:tcPr/>
+                </a:tc>
+                <a:tc>
+                  <a:txBody>
+                    <a:bodyPr/>
+                    <a:lstStyle/>
+                    <a:p>
+                      <a:r>
+                        <a:rPr lang="en-US" altLang="zh-CN" dirty="0" err="1" smtClean="0">
+                          <a:latin typeface="Times New Roman" panose="02020603050405020304" pitchFamily="18" charset="0"/>
+                          <a:cs typeface="Times New Roman" panose="02020603050405020304" pitchFamily="18" charset="0"/>
+                        </a:rPr>
+                        <a:t>Sqlx</a:t>
+                      </a:r>
+                      <a:r>
+                        <a:rPr lang="zh-CN" altLang="en-US" dirty="0" smtClean="0">
+                          <a:latin typeface="Times New Roman" panose="02020603050405020304" pitchFamily="18" charset="0"/>
+                          <a:cs typeface="Times New Roman" panose="02020603050405020304" pitchFamily="18" charset="0"/>
+                        </a:rPr>
+                        <a:t>、</a:t>
+                      </a:r>
+                      <a:r>
+                        <a:rPr lang="en-US" altLang="zh-CN" dirty="0" err="1" smtClean="0">
+                          <a:latin typeface="Times New Roman" panose="02020603050405020304" pitchFamily="18" charset="0"/>
+                          <a:cs typeface="Times New Roman" panose="02020603050405020304" pitchFamily="18" charset="0"/>
+                        </a:rPr>
+                        <a:t>rocksdb</a:t>
+                      </a:r>
+                      <a:r>
+                        <a:rPr lang="zh-CN" altLang="en-US" dirty="0" smtClean="0">
+                          <a:latin typeface="Times New Roman" panose="02020603050405020304" pitchFamily="18" charset="0"/>
+                          <a:cs typeface="Times New Roman" panose="02020603050405020304" pitchFamily="18" charset="0"/>
+                        </a:rPr>
+                        <a:t>、</a:t>
+                      </a:r>
+                      <a:r>
+                        <a:rPr lang="en-US" altLang="zh-CN" dirty="0" smtClean="0">
+                          <a:latin typeface="Times New Roman" panose="02020603050405020304" pitchFamily="18" charset="0"/>
+                          <a:cs typeface="Times New Roman" panose="02020603050405020304" pitchFamily="18" charset="0"/>
+                        </a:rPr>
+                        <a:t>MySQL</a:t>
+                      </a:r>
+                      <a:r>
+                        <a:rPr lang="zh-CN" altLang="en-US" dirty="0" smtClean="0">
+                          <a:latin typeface="Times New Roman" panose="02020603050405020304" pitchFamily="18" charset="0"/>
+                          <a:cs typeface="Times New Roman" panose="02020603050405020304" pitchFamily="18" charset="0"/>
+                        </a:rPr>
+                        <a:t>、</a:t>
+                      </a:r>
+                      <a:r>
+                        <a:rPr lang="en-US" altLang="zh-CN" dirty="0" err="1" smtClean="0">
+                          <a:latin typeface="Times New Roman" panose="02020603050405020304" pitchFamily="18" charset="0"/>
+                          <a:cs typeface="Times New Roman" panose="02020603050405020304" pitchFamily="18" charset="0"/>
+                        </a:rPr>
+                        <a:t>elasticsearch</a:t>
+                      </a:r>
+                      <a:r>
+                        <a:rPr lang="zh-CN" altLang="en-US" dirty="0" smtClean="0">
+                          <a:latin typeface="Times New Roman" panose="02020603050405020304" pitchFamily="18" charset="0"/>
+                          <a:cs typeface="Times New Roman" panose="02020603050405020304" pitchFamily="18" charset="0"/>
+                        </a:rPr>
+                        <a:t>、</a:t>
+                      </a:r>
+                      <a:r>
+                        <a:rPr lang="en-US" altLang="zh-CN" dirty="0" err="1" smtClean="0">
+                          <a:latin typeface="Times New Roman" panose="02020603050405020304" pitchFamily="18" charset="0"/>
+                          <a:cs typeface="Times New Roman" panose="02020603050405020304" pitchFamily="18" charset="0"/>
+                        </a:rPr>
+                        <a:t>redis</a:t>
+                      </a:r>
+                      <a:endParaRPr lang="zh-CN" altLang="en-US" dirty="0">
+                        <a:latin typeface="Times New Roman" panose="02020603050405020304" pitchFamily="18" charset="0"/>
+                        <a:cs typeface="Times New Roman" panose="02020603050405020304" pitchFamily="18" charset="0"/>
+                      </a:endParaRPr>
+                    </a:p>
+                  </a:txBody>
+                  <a:tcPr/>
+                </a:tc>
+                <a:tc>
+                  <a:txBody>
+                    <a:bodyPr/>
+                    <a:lstStyle/>
+                    <a:p>
+                      <a:r>
+                        <a:rPr lang="zh-CN" altLang="en-US" dirty="0" smtClean="0"/>
+                        <a:t>常见数据库类型基本都包含</a:t>
+                      </a:r>
+                      <a:endParaRPr lang="zh-CN" altLang="en-US" dirty="0"/>
+                    </a:p>
+                  </a:txBody>
+                  <a:tcPr/>
+                </a:tc>
+                <a:tc>
+                  <a:txBody>
+                    <a:bodyPr/>
+                    <a:lstStyle/>
+                    <a:p>
+                      <a:endParaRPr lang="zh-CN" altLang="en-US" dirty="0"/>
+                    </a:p>
+                  </a:txBody>
+                  <a:tcPr/>
+                </a:tc>
+              </a:tr>
+              <a:tr h="370840">
+                <a:tc>
+                  <a:txBody>
+                    <a:bodyPr/>
+                    <a:lstStyle/>
+                    <a:p>
+                      <a:r>
+                        <a:rPr lang="en-US" altLang="zh-CN" dirty="0" smtClean="0"/>
+                        <a:t>API</a:t>
+                      </a:r>
+                      <a:endParaRPr lang="zh-CN" altLang="en-US" dirty="0"/>
+                    </a:p>
+                  </a:txBody>
+                  <a:tcPr/>
+                </a:tc>
+                <a:tc>
+                  <a:txBody>
+                    <a:bodyPr/>
+                    <a:lstStyle/>
+                    <a:p>
+                      <a:r>
+                        <a:rPr lang="en-US" altLang="zh-CN" dirty="0" smtClean="0">
+                          <a:latin typeface="Times New Roman" panose="02020603050405020304" pitchFamily="18" charset="0"/>
+                          <a:cs typeface="Times New Roman" panose="02020603050405020304" pitchFamily="18" charset="0"/>
+                        </a:rPr>
+                        <a:t>Tonic</a:t>
+                      </a:r>
+                      <a:r>
+                        <a:rPr lang="zh-CN" altLang="en-US" dirty="0" smtClean="0">
+                          <a:latin typeface="Times New Roman" panose="02020603050405020304" pitchFamily="18" charset="0"/>
+                          <a:cs typeface="Times New Roman" panose="02020603050405020304" pitchFamily="18" charset="0"/>
+                        </a:rPr>
+                        <a:t>、</a:t>
+                      </a:r>
+                      <a:r>
+                        <a:rPr lang="en-US" altLang="zh-CN" dirty="0" err="1" smtClean="0">
+                          <a:latin typeface="Times New Roman" panose="02020603050405020304" pitchFamily="18" charset="0"/>
+                          <a:cs typeface="Times New Roman" panose="02020603050405020304" pitchFamily="18" charset="0"/>
+                        </a:rPr>
+                        <a:t>httparse</a:t>
+                      </a:r>
+                      <a:r>
+                        <a:rPr lang="zh-CN" altLang="en-US" dirty="0" smtClean="0">
+                          <a:latin typeface="Times New Roman" panose="02020603050405020304" pitchFamily="18" charset="0"/>
+                          <a:cs typeface="Times New Roman" panose="02020603050405020304" pitchFamily="18" charset="0"/>
+                        </a:rPr>
+                        <a:t>、</a:t>
+                      </a:r>
+                      <a:r>
+                        <a:rPr lang="en-US" altLang="zh-CN" dirty="0" err="1" smtClean="0">
+                          <a:latin typeface="Times New Roman" panose="02020603050405020304" pitchFamily="18" charset="0"/>
+                          <a:cs typeface="Times New Roman" panose="02020603050405020304" pitchFamily="18" charset="0"/>
+                        </a:rPr>
+                        <a:t>url</a:t>
+                      </a:r>
+                      <a:r>
+                        <a:rPr lang="zh-CN" altLang="en-US" dirty="0" smtClean="0">
+                          <a:latin typeface="Times New Roman" panose="02020603050405020304" pitchFamily="18" charset="0"/>
+                          <a:cs typeface="Times New Roman" panose="02020603050405020304" pitchFamily="18" charset="0"/>
+                        </a:rPr>
+                        <a:t>、</a:t>
+                      </a:r>
+                      <a:r>
+                        <a:rPr lang="en-US" altLang="zh-CN" dirty="0" err="1" smtClean="0">
+                          <a:latin typeface="Times New Roman" panose="02020603050405020304" pitchFamily="18" charset="0"/>
+                          <a:cs typeface="Times New Roman" panose="02020603050405020304" pitchFamily="18" charset="0"/>
+                        </a:rPr>
+                        <a:t>protobuf</a:t>
+                      </a:r>
+                      <a:r>
+                        <a:rPr lang="zh-CN" altLang="en-US" dirty="0" smtClean="0">
+                          <a:latin typeface="Times New Roman" panose="02020603050405020304" pitchFamily="18" charset="0"/>
+                          <a:cs typeface="Times New Roman" panose="02020603050405020304" pitchFamily="18" charset="0"/>
+                        </a:rPr>
+                        <a:t>、</a:t>
+                      </a:r>
+                      <a:r>
+                        <a:rPr lang="en-US" altLang="zh-CN" dirty="0" smtClean="0">
+                          <a:latin typeface="Times New Roman" panose="02020603050405020304" pitchFamily="18" charset="0"/>
+                          <a:cs typeface="Times New Roman" panose="02020603050405020304" pitchFamily="18" charset="0"/>
+                        </a:rPr>
+                        <a:t>validator</a:t>
+                      </a:r>
+                      <a:endParaRPr lang="zh-CN" altLang="en-US" dirty="0">
+                        <a:latin typeface="Times New Roman" panose="02020603050405020304" pitchFamily="18" charset="0"/>
+                        <a:cs typeface="Times New Roman" panose="02020603050405020304" pitchFamily="18" charset="0"/>
+                      </a:endParaRPr>
+                    </a:p>
+                  </a:txBody>
+                  <a:tcPr/>
+                </a:tc>
+                <a:tc>
+                  <a:txBody>
+                    <a:bodyPr/>
+                    <a:lstStyle/>
+                    <a:p>
+                      <a:r>
+                        <a:rPr lang="en-US" altLang="zh-CN" dirty="0" smtClean="0">
+                          <a:latin typeface="Times New Roman" panose="02020603050405020304" pitchFamily="18" charset="0"/>
+                          <a:cs typeface="Times New Roman" panose="02020603050405020304" pitchFamily="18" charset="0"/>
+                        </a:rPr>
+                        <a:t>http</a:t>
+                      </a:r>
+                      <a:r>
+                        <a:rPr lang="zh-CN" altLang="en-US" dirty="0" smtClean="0">
+                          <a:latin typeface="+mn-lt"/>
+                          <a:cs typeface="+mn-cs"/>
+                        </a:rPr>
+                        <a:t>、</a:t>
+                      </a:r>
+                      <a:r>
+                        <a:rPr lang="en-US" altLang="zh-CN" dirty="0" err="1" smtClean="0">
+                          <a:latin typeface="Times New Roman" panose="02020603050405020304" pitchFamily="18" charset="0"/>
+                          <a:cs typeface="Times New Roman" panose="02020603050405020304" pitchFamily="18" charset="0"/>
+                        </a:rPr>
+                        <a:t>grpc</a:t>
+                      </a:r>
+                      <a:endParaRPr lang="zh-CN" altLang="en-US" dirty="0"/>
+                    </a:p>
+                  </a:txBody>
+                  <a:tcPr/>
+                </a:tc>
+                <a:tc>
+                  <a:txBody>
+                    <a:bodyPr/>
+                    <a:lstStyle/>
+                    <a:p>
+                      <a:r>
+                        <a:rPr lang="zh-CN" altLang="en-US" dirty="0" smtClean="0"/>
+                        <a:t>有异步并发运行时三方库支持，可以自研</a:t>
+                      </a:r>
+                      <a:endParaRPr lang="zh-CN" altLang="en-US" dirty="0"/>
+                    </a:p>
+                  </a:txBody>
+                  <a:tcPr/>
+                </a:tc>
+              </a:tr>
+              <a:tr h="370840">
+                <a:tc>
+                  <a:txBody>
+                    <a:bodyPr/>
+                    <a:lstStyle/>
+                    <a:p>
+                      <a:r>
+                        <a:rPr lang="zh-CN" altLang="en-US" dirty="0" smtClean="0">
+                          <a:latin typeface="Times New Roman" panose="02020603050405020304" pitchFamily="18" charset="0"/>
+                          <a:cs typeface="Times New Roman" panose="02020603050405020304" pitchFamily="18" charset="0"/>
+                        </a:rPr>
+                        <a:t>测试</a:t>
+                      </a:r>
+                      <a:endParaRPr lang="zh-CN" altLang="en-US" dirty="0">
+                        <a:latin typeface="Times New Roman" panose="02020603050405020304" pitchFamily="18" charset="0"/>
+                        <a:cs typeface="Times New Roman" panose="02020603050405020304" pitchFamily="18" charset="0"/>
+                      </a:endParaRPr>
+                    </a:p>
+                  </a:txBody>
+                  <a:tcPr/>
+                </a:tc>
+                <a:tc>
+                  <a:txBody>
+                    <a:bodyPr/>
+                    <a:lstStyle/>
+                    <a:p>
+                      <a:r>
+                        <a:rPr lang="en-US" altLang="zh-CN" dirty="0" err="1" smtClean="0">
+                          <a:latin typeface="Times New Roman" panose="02020603050405020304" pitchFamily="18" charset="0"/>
+                          <a:cs typeface="Times New Roman" panose="02020603050405020304" pitchFamily="18" charset="0"/>
+                        </a:rPr>
+                        <a:t>Mockall</a:t>
+                      </a:r>
+                      <a:r>
+                        <a:rPr lang="zh-CN" altLang="en-US" dirty="0" smtClean="0">
+                          <a:latin typeface="Times New Roman" panose="02020603050405020304" pitchFamily="18" charset="0"/>
+                          <a:cs typeface="Times New Roman" panose="02020603050405020304" pitchFamily="18" charset="0"/>
+                        </a:rPr>
+                        <a:t>、</a:t>
+                      </a:r>
+                      <a:r>
+                        <a:rPr lang="en-US" altLang="zh-CN" dirty="0" smtClean="0">
+                          <a:latin typeface="Times New Roman" panose="02020603050405020304" pitchFamily="18" charset="0"/>
+                          <a:cs typeface="Times New Roman" panose="02020603050405020304" pitchFamily="18" charset="0"/>
+                        </a:rPr>
+                        <a:t>static assertions</a:t>
+                      </a:r>
+                      <a:endParaRPr lang="zh-CN" altLang="en-US" dirty="0">
+                        <a:latin typeface="Times New Roman" panose="02020603050405020304" pitchFamily="18" charset="0"/>
+                        <a:cs typeface="Times New Roman" panose="02020603050405020304" pitchFamily="18" charset="0"/>
+                      </a:endParaRPr>
+                    </a:p>
+                  </a:txBody>
+                  <a:tcPr/>
+                </a:tc>
+                <a:tc>
+                  <a:txBody>
+                    <a:bodyPr/>
+                    <a:lstStyle/>
+                    <a:p>
+                      <a:r>
+                        <a:rPr lang="zh-CN" altLang="en-US" dirty="0" smtClean="0"/>
+                        <a:t>测试框架</a:t>
+                      </a:r>
+                      <a:endParaRPr lang="zh-CN" altLang="en-US" dirty="0"/>
+                    </a:p>
+                  </a:txBody>
+                  <a:tcPr/>
+                </a:tc>
+                <a:tc>
+                  <a:txBody>
+                    <a:bodyPr/>
+                    <a:lstStyle/>
+                    <a:p>
+                      <a:endParaRPr lang="zh-CN" altLang="en-US" dirty="0"/>
+                    </a:p>
+                  </a:txBody>
+                  <a:tcPr/>
+                </a:tc>
+              </a:tr>
+              <a:tr h="370840">
+                <a:tc>
+                  <a:txBody>
+                    <a:bodyPr/>
+                    <a:lstStyle/>
+                    <a:p>
+                      <a:r>
+                        <a:rPr lang="en-US" altLang="zh-CN" dirty="0" err="1" smtClean="0">
+                          <a:latin typeface="Times New Roman" panose="02020603050405020304" pitchFamily="18" charset="0"/>
+                          <a:cs typeface="Times New Roman" panose="02020603050405020304" pitchFamily="18" charset="0"/>
+                        </a:rPr>
+                        <a:t>ffi</a:t>
+                      </a:r>
+                      <a:r>
+                        <a:rPr lang="zh-CN" altLang="en-US" dirty="0" smtClean="0">
+                          <a:latin typeface="Times New Roman" panose="02020603050405020304" pitchFamily="18" charset="0"/>
+                          <a:cs typeface="Times New Roman" panose="02020603050405020304" pitchFamily="18" charset="0"/>
+                        </a:rPr>
+                        <a:t>开发</a:t>
+                      </a:r>
+                      <a:endParaRPr lang="zh-CN" altLang="en-US" dirty="0">
+                        <a:latin typeface="Times New Roman" panose="02020603050405020304" pitchFamily="18" charset="0"/>
+                        <a:cs typeface="Times New Roman" panose="02020603050405020304" pitchFamily="18" charset="0"/>
+                      </a:endParaRPr>
+                    </a:p>
+                  </a:txBody>
+                  <a:tcPr/>
+                </a:tc>
+                <a:tc>
+                  <a:txBody>
+                    <a:bodyPr/>
+                    <a:lstStyle/>
+                    <a:p>
+                      <a:r>
+                        <a:rPr lang="en-US" altLang="zh-CN" dirty="0" err="1" smtClean="0">
+                          <a:latin typeface="Times New Roman" panose="02020603050405020304" pitchFamily="18" charset="0"/>
+                          <a:cs typeface="Times New Roman" panose="02020603050405020304" pitchFamily="18" charset="0"/>
+                        </a:rPr>
+                        <a:t>Libc</a:t>
+                      </a:r>
+                      <a:r>
+                        <a:rPr lang="zh-CN" altLang="en-US" dirty="0" smtClean="0">
+                          <a:latin typeface="Times New Roman" panose="02020603050405020304" pitchFamily="18" charset="0"/>
+                          <a:cs typeface="Times New Roman" panose="02020603050405020304" pitchFamily="18" charset="0"/>
+                        </a:rPr>
+                        <a:t>、</a:t>
+                      </a:r>
+                      <a:r>
+                        <a:rPr lang="en-US" altLang="zh-CN" dirty="0" smtClean="0">
+                          <a:latin typeface="Times New Roman" panose="02020603050405020304" pitchFamily="18" charset="0"/>
+                          <a:cs typeface="Times New Roman" panose="02020603050405020304" pitchFamily="18" charset="0"/>
+                        </a:rPr>
+                        <a:t>cxx</a:t>
+                      </a:r>
+                      <a:endParaRPr lang="zh-CN" altLang="en-US" dirty="0">
+                        <a:latin typeface="Times New Roman" panose="02020603050405020304" pitchFamily="18" charset="0"/>
+                        <a:cs typeface="Times New Roman" panose="02020603050405020304" pitchFamily="18" charset="0"/>
+                      </a:endParaRPr>
+                    </a:p>
+                  </a:txBody>
+                  <a:tcPr/>
+                </a:tc>
+                <a:tc>
+                  <a:txBody>
+                    <a:bodyPr/>
+                    <a:lstStyle/>
+                    <a:p>
+                      <a:r>
+                        <a:rPr lang="zh-CN" altLang="en-US" dirty="0" smtClean="0"/>
+                        <a:t>支持集成</a:t>
+                      </a:r>
+                      <a:r>
+                        <a:rPr lang="en-US" altLang="zh-CN" dirty="0" smtClean="0">
+                          <a:latin typeface="Times New Roman" panose="02020603050405020304" pitchFamily="18" charset="0"/>
+                          <a:cs typeface="Times New Roman" panose="02020603050405020304" pitchFamily="18" charset="0"/>
+                        </a:rPr>
+                        <a:t>C\C++</a:t>
+                      </a:r>
+                      <a:r>
+                        <a:rPr lang="zh-CN" altLang="en-US" dirty="0" smtClean="0"/>
+                        <a:t>代码</a:t>
+                      </a:r>
+                      <a:endParaRPr lang="zh-CN" altLang="en-US" dirty="0"/>
+                    </a:p>
+                  </a:txBody>
+                  <a:tcPr/>
+                </a:tc>
+                <a:tc>
+                  <a:txBody>
+                    <a:bodyPr/>
+                    <a:lstStyle/>
+                    <a:p>
+                      <a:endParaRPr lang="zh-CN" altLang="en-US" dirty="0"/>
+                    </a:p>
+                  </a:txBody>
+                  <a:tcPr/>
+                </a:tc>
+              </a:tr>
+            </a:tbl>
+          </a:graphicData>
+        </a:graphic>
+      </p:graphicFrame>
+    </p:spTree>
+    <p:extLst>
+      <p:ext uri="{BB962C8B-B14F-4D97-AF65-F5344CB8AC3E}">
+        <p14:creationId xmlns:p14="http://schemas.microsoft.com/office/powerpoint/2010/main" val="268358880"/>
+      </p:ext>
+    </p:extLst>
+  </p:cSld>
+  <p:clrMapOvr>
+    <a:masterClrMapping/>
+  </p:clrMapOvr>
+  <p:timing>
+    <p:tnLst>
+      <p:par>
+        <p:cTn id="1" dur="indefinite" restart="never" nodeType="tmRoot"/>
+      </p:par>
+    </p:tnLst>
+  </p:timing>
 </p:sld>
 </file>
 
@@ -17984,6 +20808,844 @@
   <p:clrMapOvr>
     <a:masterClrMapping/>
   </p:clrMapOvr>
+  <p:timing>
+    <p:tnLst>
+      <p:par>
+        <p:cTn id="1" dur="indefinite" restart="never" nodeType="tmRoot"/>
+      </p:par>
+    </p:tnLst>
+  </p:timing>
+</p:sld>
+</file>
+
+<file path=ppt/slides/slide30.xml><?xml version="1.0" encoding="utf-8"?>
+<p:sld xmlns:a="http://schemas.openxmlformats.org/drawingml/2006/main" xmlns:r="http://schemas.openxmlformats.org/officeDocument/2006/relationships" xmlns:p="http://schemas.openxmlformats.org/presentationml/2006/main">
+  <p:cSld>
+    <p:spTree>
+      <p:nvGrpSpPr>
+        <p:cNvPr id="1" name=""/>
+        <p:cNvGrpSpPr/>
+        <p:nvPr/>
+      </p:nvGrpSpPr>
+      <p:grpSpPr>
+        <a:xfrm>
+          <a:off x="0" y="0"/>
+          <a:ext cx="0" cy="0"/>
+          <a:chOff x="0" y="0"/>
+          <a:chExt cx="0" cy="0"/>
+        </a:xfrm>
+      </p:grpSpPr>
+      <p:sp>
+        <p:nvSpPr>
+          <p:cNvPr id="2" name="标题 1"/>
+          <p:cNvSpPr>
+            <a:spLocks noGrp="1"/>
+          </p:cNvSpPr>
+          <p:nvPr>
+            <p:ph type="title"/>
+          </p:nvPr>
+        </p:nvSpPr>
+        <p:spPr/>
+        <p:txBody>
+          <a:bodyPr/>
+          <a:lstStyle/>
+          <a:p>
+            <a:r>
+              <a:rPr kumimoji="1" lang="en-US" altLang="zh-CN" dirty="0" smtClean="0">
+                <a:latin typeface="+mj-ea"/>
+              </a:rPr>
+              <a:t>Rust</a:t>
+            </a:r>
+            <a:r>
+              <a:rPr kumimoji="1" lang="zh-CN" altLang="en-US" dirty="0" smtClean="0">
+                <a:latin typeface="+mj-ea"/>
+              </a:rPr>
+              <a:t>生态和应用</a:t>
+            </a:r>
+            <a:endParaRPr lang="zh-CN" altLang="en-US" dirty="0"/>
+          </a:p>
+        </p:txBody>
+      </p:sp>
+      <p:graphicFrame>
+        <p:nvGraphicFramePr>
+          <p:cNvPr id="5" name="表格 4"/>
+          <p:cNvGraphicFramePr>
+            <a:graphicFrameLocks noGrp="1"/>
+          </p:cNvGraphicFramePr>
+          <p:nvPr>
+            <p:extLst>
+              <p:ext uri="{D42A27DB-BD31-4B8C-83A1-F6EECF244321}">
+                <p14:modId xmlns:p14="http://schemas.microsoft.com/office/powerpoint/2010/main" val="932191447"/>
+              </p:ext>
+            </p:extLst>
+          </p:nvPr>
+        </p:nvGraphicFramePr>
+        <p:xfrm>
+          <a:off x="473529" y="1712146"/>
+          <a:ext cx="11462655" cy="4375145"/>
+        </p:xfrm>
+        <a:graphic>
+          <a:graphicData uri="http://schemas.openxmlformats.org/drawingml/2006/table">
+            <a:tbl>
+              <a:tblPr firstRow="1" bandRow="1">
+                <a:tableStyleId>{5C22544A-7EE6-4342-B048-85BDC9FD1C3A}</a:tableStyleId>
+              </a:tblPr>
+              <a:tblGrid>
+                <a:gridCol w="3820885"/>
+                <a:gridCol w="3820885"/>
+                <a:gridCol w="3820885"/>
+              </a:tblGrid>
+              <a:tr h="0">
+                <a:tc>
+                  <a:txBody>
+                    <a:bodyPr/>
+                    <a:lstStyle/>
+                    <a:p>
+                      <a:r>
+                        <a:rPr lang="zh-CN" altLang="en-US" dirty="0" smtClean="0"/>
+                        <a:t>领域</a:t>
+                      </a:r>
+                      <a:endParaRPr lang="zh-CN" altLang="en-US" dirty="0"/>
+                    </a:p>
+                  </a:txBody>
+                  <a:tcPr/>
+                </a:tc>
+                <a:tc>
+                  <a:txBody>
+                    <a:bodyPr/>
+                    <a:lstStyle/>
+                    <a:p>
+                      <a:r>
+                        <a:rPr lang="zh-CN" altLang="en-US" dirty="0" smtClean="0"/>
+                        <a:t>应用</a:t>
+                      </a:r>
+                      <a:endParaRPr lang="zh-CN" altLang="en-US" dirty="0"/>
+                    </a:p>
+                  </a:txBody>
+                  <a:tcPr/>
+                </a:tc>
+                <a:tc>
+                  <a:txBody>
+                    <a:bodyPr/>
+                    <a:lstStyle/>
+                    <a:p>
+                      <a:r>
+                        <a:rPr lang="zh-CN" altLang="en-US" dirty="0" smtClean="0"/>
+                        <a:t>说明</a:t>
+                      </a:r>
+                      <a:endParaRPr lang="zh-CN" altLang="en-US" dirty="0"/>
+                    </a:p>
+                  </a:txBody>
+                  <a:tcPr/>
+                </a:tc>
+              </a:tr>
+              <a:tr h="746937">
+                <a:tc>
+                  <a:txBody>
+                    <a:bodyPr/>
+                    <a:lstStyle/>
+                    <a:p>
+                      <a:r>
+                        <a:rPr lang="zh-CN" altLang="en-US" dirty="0" smtClean="0"/>
+                        <a:t>操作系统</a:t>
+                      </a:r>
+                      <a:endParaRPr lang="zh-CN" altLang="en-US" dirty="0"/>
+                    </a:p>
+                  </a:txBody>
+                  <a:tcPr/>
+                </a:tc>
+                <a:tc>
+                  <a:txBody>
+                    <a:bodyPr/>
+                    <a:lstStyle/>
+                    <a:p>
+                      <a:pPr marL="0" marR="0" lvl="0" indent="0" algn="l" defTabSz="457200" rtl="0" eaLnBrk="1" fontAlgn="auto" latinLnBrk="0" hangingPunct="1">
+                        <a:lnSpc>
+                          <a:spcPct val="100000"/>
+                        </a:lnSpc>
+                        <a:spcBef>
+                          <a:spcPts val="0"/>
+                        </a:spcBef>
+                        <a:spcAft>
+                          <a:spcPts val="0"/>
+                        </a:spcAft>
+                        <a:buClrTx/>
+                        <a:buSzTx/>
+                        <a:buFontTx/>
+                        <a:buNone/>
+                        <a:tabLst/>
+                        <a:defRPr/>
+                      </a:pPr>
+                      <a:r>
+                        <a:rPr lang="en-US" altLang="zh-CN" dirty="0" err="1" smtClean="0">
+                          <a:latin typeface="Times New Roman" panose="02020603050405020304" pitchFamily="18" charset="0"/>
+                          <a:cs typeface="Times New Roman" panose="02020603050405020304" pitchFamily="18" charset="0"/>
+                        </a:rPr>
+                        <a:t>rCore</a:t>
+                      </a:r>
+                      <a:r>
+                        <a:rPr lang="en-US" altLang="zh-CN" dirty="0" smtClean="0">
+                          <a:latin typeface="Times New Roman" panose="02020603050405020304" pitchFamily="18" charset="0"/>
+                          <a:cs typeface="Times New Roman" panose="02020603050405020304" pitchFamily="18" charset="0"/>
+                        </a:rPr>
+                        <a:t>,</a:t>
+                      </a:r>
+                      <a:r>
+                        <a:rPr lang="en-US" altLang="zh-CN" dirty="0" smtClean="0"/>
+                        <a:t> </a:t>
+                      </a:r>
+                      <a:r>
+                        <a:rPr lang="en-US" altLang="zh-CN" dirty="0" err="1" smtClean="0">
+                          <a:latin typeface="Times New Roman" panose="02020603050405020304" pitchFamily="18" charset="0"/>
+                          <a:cs typeface="Times New Roman" panose="02020603050405020304" pitchFamily="18" charset="0"/>
+                        </a:rPr>
+                        <a:t>zCore</a:t>
+                      </a:r>
+                      <a:endParaRPr lang="en-US" altLang="zh-CN" sz="1800" b="1" i="0" kern="1200" dirty="0" smtClean="0">
+                        <a:solidFill>
+                          <a:schemeClr val="dk1"/>
+                        </a:solidFill>
+                        <a:effectLst/>
+                        <a:latin typeface="Times New Roman" panose="02020603050405020304" pitchFamily="18" charset="0"/>
+                        <a:ea typeface="+mn-ea"/>
+                        <a:cs typeface="Times New Roman" panose="02020603050405020304" pitchFamily="18" charset="0"/>
+                      </a:endParaRPr>
+                    </a:p>
+                  </a:txBody>
+                  <a:tcPr/>
+                </a:tc>
+                <a:tc>
+                  <a:txBody>
+                    <a:bodyPr/>
+                    <a:lstStyle/>
+                    <a:p>
+                      <a:r>
+                        <a:rPr lang="en-US" altLang="zh-CN" dirty="0" err="1" smtClean="0">
+                          <a:latin typeface="Times New Roman" panose="02020603050405020304" pitchFamily="18" charset="0"/>
+                          <a:cs typeface="Times New Roman" panose="02020603050405020304" pitchFamily="18" charset="0"/>
+                        </a:rPr>
+                        <a:t>rCore</a:t>
+                      </a:r>
+                      <a:r>
+                        <a:rPr lang="zh-CN" altLang="en-US" dirty="0" smtClean="0"/>
+                        <a:t>是用</a:t>
+                      </a:r>
+                      <a:r>
+                        <a:rPr lang="en-US" altLang="zh-CN" dirty="0" smtClean="0"/>
+                        <a:t>rust</a:t>
+                      </a:r>
+                      <a:r>
+                        <a:rPr lang="zh-CN" altLang="en-US" dirty="0" smtClean="0"/>
+                        <a:t>重新实现的</a:t>
+                      </a:r>
+                      <a:r>
+                        <a:rPr lang="en-US" altLang="zh-CN" dirty="0" err="1" smtClean="0"/>
+                        <a:t>linux</a:t>
+                      </a:r>
+                      <a:r>
+                        <a:rPr lang="zh-CN" altLang="en-US" dirty="0" smtClean="0"/>
+                        <a:t>内核。</a:t>
+                      </a:r>
+                      <a:r>
+                        <a:rPr lang="en-US" altLang="zh-CN" dirty="0" err="1" smtClean="0">
+                          <a:latin typeface="Times New Roman" panose="02020603050405020304" pitchFamily="18" charset="0"/>
+                          <a:cs typeface="Times New Roman" panose="02020603050405020304" pitchFamily="18" charset="0"/>
+                        </a:rPr>
+                        <a:t>zCore</a:t>
+                      </a:r>
+                      <a:r>
+                        <a:rPr lang="zh-CN" altLang="en-US" dirty="0" smtClean="0"/>
+                        <a:t>是用重新实现的</a:t>
+                      </a:r>
+                      <a:r>
+                        <a:rPr lang="en-US" altLang="zh-CN" dirty="0" smtClean="0"/>
+                        <a:t>Zircon</a:t>
+                      </a:r>
+                      <a:r>
+                        <a:rPr lang="zh-CN" altLang="en-US" dirty="0" smtClean="0"/>
+                        <a:t>微内核</a:t>
+                      </a:r>
+                      <a:endParaRPr lang="zh-CN" altLang="en-US" dirty="0"/>
+                    </a:p>
+                  </a:txBody>
+                  <a:tcPr/>
+                </a:tc>
+              </a:tr>
+              <a:tr h="947057">
+                <a:tc>
+                  <a:txBody>
+                    <a:bodyPr/>
+                    <a:lstStyle/>
+                    <a:p>
+                      <a:r>
+                        <a:rPr lang="zh-CN" altLang="en-US" dirty="0" smtClean="0"/>
+                        <a:t>数据库</a:t>
+                      </a:r>
+                      <a:endParaRPr lang="zh-CN" altLang="en-US" dirty="0"/>
+                    </a:p>
+                  </a:txBody>
+                  <a:tcPr/>
+                </a:tc>
+                <a:tc>
+                  <a:txBody>
+                    <a:bodyPr/>
+                    <a:lstStyle/>
+                    <a:p>
+                      <a:r>
+                        <a:rPr lang="en-US" altLang="zh-CN" dirty="0" err="1" smtClean="0">
+                          <a:latin typeface="Times New Roman" panose="02020603050405020304" pitchFamily="18" charset="0"/>
+                          <a:cs typeface="Times New Roman" panose="02020603050405020304" pitchFamily="18" charset="0"/>
+                        </a:rPr>
+                        <a:t>TiKV,Vector</a:t>
+                      </a:r>
+                      <a:endParaRPr lang="zh-CN" altLang="en-US" dirty="0">
+                        <a:latin typeface="Times New Roman" panose="02020603050405020304" pitchFamily="18" charset="0"/>
+                        <a:cs typeface="Times New Roman" panose="02020603050405020304" pitchFamily="18" charset="0"/>
+                      </a:endParaRPr>
+                    </a:p>
+                  </a:txBody>
+                  <a:tcPr/>
+                </a:tc>
+                <a:tc>
+                  <a:txBody>
+                    <a:bodyPr/>
+                    <a:lstStyle/>
+                    <a:p>
+                      <a:r>
+                        <a:rPr lang="en-US" altLang="zh-CN" dirty="0" err="1" smtClean="0">
+                          <a:latin typeface="Times New Roman" panose="02020603050405020304" pitchFamily="18" charset="0"/>
+                          <a:cs typeface="Times New Roman" panose="02020603050405020304" pitchFamily="18" charset="0"/>
+                        </a:rPr>
+                        <a:t>TiKV</a:t>
+                      </a:r>
+                      <a:r>
+                        <a:rPr lang="zh-CN" altLang="en-US" dirty="0" smtClean="0"/>
+                        <a:t>是分布式数据库</a:t>
+                      </a:r>
+                      <a:r>
+                        <a:rPr lang="en-US" altLang="zh-CN" dirty="0" err="1" smtClean="0">
+                          <a:latin typeface="Times New Roman" panose="02020603050405020304" pitchFamily="18" charset="0"/>
+                          <a:cs typeface="Times New Roman" panose="02020603050405020304" pitchFamily="18" charset="0"/>
+                        </a:rPr>
+                        <a:t>TiDB</a:t>
+                      </a:r>
+                      <a:r>
+                        <a:rPr lang="zh-CN" altLang="en-US" dirty="0" smtClean="0"/>
+                        <a:t>的底层核心模块。</a:t>
+                      </a:r>
+                      <a:r>
+                        <a:rPr lang="en-US" altLang="zh-CN" dirty="0" smtClean="0">
+                          <a:latin typeface="Times New Roman" panose="02020603050405020304" pitchFamily="18" charset="0"/>
+                          <a:cs typeface="Times New Roman" panose="02020603050405020304" pitchFamily="18" charset="0"/>
+                        </a:rPr>
+                        <a:t>Vector</a:t>
+                      </a:r>
+                      <a:r>
+                        <a:rPr lang="zh-CN" altLang="en-US" dirty="0" smtClean="0"/>
+                        <a:t>是一款数据管道产品，类似于</a:t>
+                      </a:r>
+                      <a:r>
+                        <a:rPr lang="en-US" altLang="zh-CN" dirty="0" err="1" smtClean="0">
+                          <a:latin typeface="Times New Roman" panose="02020603050405020304" pitchFamily="18" charset="0"/>
+                          <a:cs typeface="Times New Roman" panose="02020603050405020304" pitchFamily="18" charset="0"/>
+                        </a:rPr>
+                        <a:t>logstash</a:t>
+                      </a:r>
+                      <a:r>
+                        <a:rPr lang="zh-CN" altLang="en-US" dirty="0" smtClean="0">
+                          <a:latin typeface="Times New Roman" panose="02020603050405020304" pitchFamily="18" charset="0"/>
+                          <a:cs typeface="Times New Roman" panose="02020603050405020304" pitchFamily="18" charset="0"/>
+                        </a:rPr>
+                        <a:t>。</a:t>
+                      </a:r>
+                      <a:endParaRPr lang="zh-CN" altLang="en-US" dirty="0">
+                        <a:latin typeface="Times New Roman" panose="02020603050405020304" pitchFamily="18" charset="0"/>
+                        <a:cs typeface="Times New Roman" panose="02020603050405020304" pitchFamily="18" charset="0"/>
+                      </a:endParaRPr>
+                    </a:p>
+                  </a:txBody>
+                  <a:tcPr/>
+                </a:tc>
+              </a:tr>
+              <a:tr h="669471">
+                <a:tc>
+                  <a:txBody>
+                    <a:bodyPr/>
+                    <a:lstStyle/>
+                    <a:p>
+                      <a:r>
+                        <a:rPr lang="zh-CN" altLang="en-US" dirty="0" smtClean="0"/>
+                        <a:t>搜索引擎</a:t>
+                      </a:r>
+                      <a:endParaRPr lang="zh-CN" altLang="en-US" dirty="0"/>
+                    </a:p>
+                  </a:txBody>
+                  <a:tcPr/>
+                </a:tc>
+                <a:tc>
+                  <a:txBody>
+                    <a:bodyPr/>
+                    <a:lstStyle/>
+                    <a:p>
+                      <a:r>
+                        <a:rPr lang="en-US" altLang="zh-CN" dirty="0" err="1" smtClean="0">
+                          <a:latin typeface="Times New Roman" panose="02020603050405020304" pitchFamily="18" charset="0"/>
+                          <a:cs typeface="Times New Roman" panose="02020603050405020304" pitchFamily="18" charset="0"/>
+                        </a:rPr>
+                        <a:t>Rucene</a:t>
+                      </a:r>
+                      <a:endParaRPr lang="zh-CN" altLang="en-US" dirty="0">
+                        <a:latin typeface="Times New Roman" panose="02020603050405020304" pitchFamily="18" charset="0"/>
+                        <a:cs typeface="Times New Roman" panose="02020603050405020304" pitchFamily="18" charset="0"/>
+                      </a:endParaRPr>
+                    </a:p>
+                  </a:txBody>
+                  <a:tcPr/>
+                </a:tc>
+                <a:tc>
+                  <a:txBody>
+                    <a:bodyPr/>
+                    <a:lstStyle/>
+                    <a:p>
+                      <a:r>
+                        <a:rPr lang="zh-CN" altLang="en-US" dirty="0" smtClean="0"/>
+                        <a:t>知乎开源的一款搜索引擎，是对</a:t>
+                      </a:r>
+                      <a:r>
+                        <a:rPr lang="en-US" altLang="zh-CN" dirty="0" err="1" smtClean="0">
+                          <a:latin typeface="Times New Roman" panose="02020603050405020304" pitchFamily="18" charset="0"/>
+                          <a:cs typeface="Times New Roman" panose="02020603050405020304" pitchFamily="18" charset="0"/>
+                        </a:rPr>
+                        <a:t>lucene</a:t>
+                      </a:r>
+                      <a:r>
+                        <a:rPr lang="en-US" altLang="zh-CN" dirty="0" smtClean="0">
+                          <a:latin typeface="Times New Roman" panose="02020603050405020304" pitchFamily="18" charset="0"/>
+                          <a:cs typeface="Times New Roman" panose="02020603050405020304" pitchFamily="18" charset="0"/>
+                        </a:rPr>
+                        <a:t> 6.2.1</a:t>
+                      </a:r>
+                      <a:r>
+                        <a:rPr lang="zh-CN" altLang="en-US" dirty="0" smtClean="0">
+                          <a:latin typeface="Times New Roman" panose="02020603050405020304" pitchFamily="18" charset="0"/>
+                          <a:cs typeface="Times New Roman" panose="02020603050405020304" pitchFamily="18" charset="0"/>
+                        </a:rPr>
+                        <a:t>的移植</a:t>
+                      </a:r>
+                      <a:endParaRPr lang="zh-CN" altLang="en-US" dirty="0">
+                        <a:latin typeface="Times New Roman" panose="02020603050405020304" pitchFamily="18" charset="0"/>
+                        <a:cs typeface="Times New Roman" panose="02020603050405020304" pitchFamily="18" charset="0"/>
+                      </a:endParaRPr>
+                    </a:p>
+                  </a:txBody>
+                  <a:tcPr/>
+                </a:tc>
+              </a:tr>
+              <a:tr h="323424">
+                <a:tc>
+                  <a:txBody>
+                    <a:bodyPr/>
+                    <a:lstStyle/>
+                    <a:p>
+                      <a:r>
+                        <a:rPr lang="zh-CN" altLang="en-US" dirty="0" smtClean="0"/>
+                        <a:t>区块链</a:t>
+                      </a:r>
+                      <a:endParaRPr lang="zh-CN" altLang="en-US" dirty="0"/>
+                    </a:p>
+                  </a:txBody>
+                  <a:tcPr/>
+                </a:tc>
+                <a:tc>
+                  <a:txBody>
+                    <a:bodyPr/>
+                    <a:lstStyle/>
+                    <a:p>
+                      <a:r>
+                        <a:rPr lang="en-US" altLang="zh-CN" dirty="0" smtClean="0">
+                          <a:latin typeface="Times New Roman" panose="02020603050405020304" pitchFamily="18" charset="0"/>
+                          <a:cs typeface="Times New Roman" panose="02020603050405020304" pitchFamily="18" charset="0"/>
+                        </a:rPr>
+                        <a:t>Diem</a:t>
+                      </a:r>
+                      <a:endParaRPr lang="zh-CN" altLang="en-US" dirty="0">
+                        <a:latin typeface="Times New Roman" panose="02020603050405020304" pitchFamily="18" charset="0"/>
+                        <a:cs typeface="Times New Roman" panose="02020603050405020304" pitchFamily="18" charset="0"/>
+                      </a:endParaRPr>
+                    </a:p>
+                  </a:txBody>
+                  <a:tcPr/>
+                </a:tc>
+                <a:tc>
+                  <a:txBody>
+                    <a:bodyPr/>
+                    <a:lstStyle/>
+                    <a:p>
+                      <a:r>
+                        <a:rPr lang="en-US" altLang="zh-CN" dirty="0" smtClean="0">
+                          <a:latin typeface="Times New Roman" panose="02020603050405020304" pitchFamily="18" charset="0"/>
+                          <a:cs typeface="Times New Roman" panose="02020603050405020304" pitchFamily="18" charset="0"/>
+                        </a:rPr>
+                        <a:t>Diem</a:t>
+                      </a:r>
+                      <a:r>
+                        <a:rPr lang="zh-CN" altLang="en-US" dirty="0" smtClean="0"/>
+                        <a:t>前身是</a:t>
+                      </a:r>
+                      <a:r>
+                        <a:rPr lang="en-US" altLang="zh-CN" dirty="0" err="1" smtClean="0">
+                          <a:latin typeface="Times New Roman" panose="02020603050405020304" pitchFamily="18" charset="0"/>
+                          <a:cs typeface="Times New Roman" panose="02020603050405020304" pitchFamily="18" charset="0"/>
+                        </a:rPr>
+                        <a:t>libra</a:t>
+                      </a:r>
+                      <a:endParaRPr lang="zh-CN" altLang="en-US" dirty="0">
+                        <a:latin typeface="Times New Roman" panose="02020603050405020304" pitchFamily="18" charset="0"/>
+                        <a:cs typeface="Times New Roman" panose="02020603050405020304" pitchFamily="18" charset="0"/>
+                      </a:endParaRPr>
+                    </a:p>
+                  </a:txBody>
+                  <a:tcPr/>
+                </a:tc>
+              </a:tr>
+              <a:tr h="558239">
+                <a:tc>
+                  <a:txBody>
+                    <a:bodyPr/>
+                    <a:lstStyle/>
+                    <a:p>
+                      <a:r>
+                        <a:rPr lang="zh-CN" altLang="en-US" dirty="0" smtClean="0"/>
+                        <a:t>云原生</a:t>
+                      </a:r>
+                      <a:endParaRPr lang="zh-CN" altLang="en-US" dirty="0"/>
+                    </a:p>
+                  </a:txBody>
+                  <a:tcPr/>
+                </a:tc>
+                <a:tc>
+                  <a:txBody>
+                    <a:bodyPr/>
+                    <a:lstStyle/>
+                    <a:p>
+                      <a:r>
+                        <a:rPr lang="en-US" altLang="zh-CN" dirty="0" smtClean="0">
+                          <a:latin typeface="Times New Roman" panose="02020603050405020304" pitchFamily="18" charset="0"/>
+                          <a:cs typeface="Times New Roman" panose="02020603050405020304" pitchFamily="18" charset="0"/>
+                        </a:rPr>
+                        <a:t>Firecracker,linkerd2-proxy</a:t>
+                      </a:r>
+                      <a:endParaRPr lang="zh-CN" altLang="en-US" dirty="0">
+                        <a:latin typeface="Times New Roman" panose="02020603050405020304" pitchFamily="18" charset="0"/>
+                        <a:cs typeface="Times New Roman" panose="02020603050405020304" pitchFamily="18" charset="0"/>
+                      </a:endParaRPr>
+                    </a:p>
+                  </a:txBody>
+                  <a:tcPr/>
+                </a:tc>
+                <a:tc>
+                  <a:txBody>
+                    <a:bodyPr/>
+                    <a:lstStyle/>
+                    <a:p>
+                      <a:r>
+                        <a:rPr lang="en-US" altLang="zh-CN" dirty="0" smtClean="0">
+                          <a:latin typeface="Times New Roman" panose="02020603050405020304" pitchFamily="18" charset="0"/>
+                          <a:cs typeface="Times New Roman" panose="02020603050405020304" pitchFamily="18" charset="0"/>
+                        </a:rPr>
+                        <a:t>Firecracker</a:t>
+                      </a:r>
+                      <a:r>
+                        <a:rPr lang="zh-CN" altLang="en-US" dirty="0" smtClean="0">
+                          <a:latin typeface="Times New Roman" panose="02020603050405020304" pitchFamily="18" charset="0"/>
+                          <a:cs typeface="Times New Roman" panose="02020603050405020304" pitchFamily="18" charset="0"/>
+                        </a:rPr>
+                        <a:t>亚马逊开源的容器技术。</a:t>
+                      </a:r>
+                      <a:r>
+                        <a:rPr lang="en-US" altLang="zh-CN" dirty="0" smtClean="0">
+                          <a:latin typeface="Times New Roman" panose="02020603050405020304" pitchFamily="18" charset="0"/>
+                          <a:cs typeface="Times New Roman" panose="02020603050405020304" pitchFamily="18" charset="0"/>
+                        </a:rPr>
+                        <a:t>Linkerd2-proxy</a:t>
+                      </a:r>
+                      <a:r>
+                        <a:rPr lang="zh-CN" altLang="en-US" dirty="0" smtClean="0">
+                          <a:latin typeface="Times New Roman" panose="02020603050405020304" pitchFamily="18" charset="0"/>
+                          <a:cs typeface="Times New Roman" panose="02020603050405020304" pitchFamily="18" charset="0"/>
+                        </a:rPr>
+                        <a:t>服务网格</a:t>
+                      </a:r>
+                      <a:r>
+                        <a:rPr lang="en-US" altLang="zh-CN" dirty="0" smtClean="0">
+                          <a:latin typeface="Times New Roman" panose="02020603050405020304" pitchFamily="18" charset="0"/>
+                          <a:cs typeface="Times New Roman" panose="02020603050405020304" pitchFamily="18" charset="0"/>
+                        </a:rPr>
+                        <a:t>linkerd2.0</a:t>
+                      </a:r>
+                      <a:r>
+                        <a:rPr lang="zh-CN" altLang="en-US" dirty="0" smtClean="0">
+                          <a:latin typeface="Times New Roman" panose="02020603050405020304" pitchFamily="18" charset="0"/>
+                          <a:cs typeface="Times New Roman" panose="02020603050405020304" pitchFamily="18" charset="0"/>
+                        </a:rPr>
+                        <a:t>中的底层代理。</a:t>
+                      </a:r>
+                      <a:endParaRPr lang="zh-CN" altLang="en-US" dirty="0"/>
+                    </a:p>
+                  </a:txBody>
+                  <a:tcPr/>
+                </a:tc>
+              </a:tr>
+              <a:tr h="323424">
+                <a:tc>
+                  <a:txBody>
+                    <a:bodyPr/>
+                    <a:lstStyle/>
+                    <a:p>
+                      <a:r>
+                        <a:rPr lang="en-US" altLang="zh-CN" dirty="0" err="1" smtClean="0">
+                          <a:latin typeface="Times New Roman" panose="02020603050405020304" pitchFamily="18" charset="0"/>
+                          <a:cs typeface="Times New Roman" panose="02020603050405020304" pitchFamily="18" charset="0"/>
+                        </a:rPr>
+                        <a:t>webAssembly</a:t>
+                      </a:r>
+                      <a:endParaRPr lang="zh-CN" altLang="en-US" dirty="0">
+                        <a:latin typeface="Times New Roman" panose="02020603050405020304" pitchFamily="18" charset="0"/>
+                        <a:cs typeface="Times New Roman" panose="02020603050405020304" pitchFamily="18" charset="0"/>
+                      </a:endParaRPr>
+                    </a:p>
+                  </a:txBody>
+                  <a:tcPr/>
+                </a:tc>
+                <a:tc>
+                  <a:txBody>
+                    <a:bodyPr/>
+                    <a:lstStyle/>
+                    <a:p>
+                      <a:r>
+                        <a:rPr lang="en-US" altLang="zh-CN" dirty="0" err="1" smtClean="0">
+                          <a:latin typeface="Times New Roman" panose="02020603050405020304" pitchFamily="18" charset="0"/>
+                          <a:cs typeface="Times New Roman" panose="02020603050405020304" pitchFamily="18" charset="0"/>
+                        </a:rPr>
+                        <a:t>Lucet</a:t>
+                      </a:r>
+                      <a:endParaRPr lang="zh-CN" altLang="en-US" dirty="0">
+                        <a:latin typeface="Times New Roman" panose="02020603050405020304" pitchFamily="18" charset="0"/>
+                        <a:cs typeface="Times New Roman" panose="02020603050405020304" pitchFamily="18" charset="0"/>
+                      </a:endParaRPr>
+                    </a:p>
+                  </a:txBody>
+                  <a:tcPr/>
+                </a:tc>
+                <a:tc>
+                  <a:txBody>
+                    <a:bodyPr/>
+                    <a:lstStyle/>
+                    <a:p>
+                      <a:endParaRPr lang="zh-CN" altLang="en-US" dirty="0"/>
+                    </a:p>
+                  </a:txBody>
+                  <a:tcPr/>
+                </a:tc>
+              </a:tr>
+            </a:tbl>
+          </a:graphicData>
+        </a:graphic>
+      </p:graphicFrame>
+    </p:spTree>
+    <p:extLst>
+      <p:ext uri="{BB962C8B-B14F-4D97-AF65-F5344CB8AC3E}">
+        <p14:creationId xmlns:p14="http://schemas.microsoft.com/office/powerpoint/2010/main" val="3088004476"/>
+      </p:ext>
+    </p:extLst>
+  </p:cSld>
+  <p:clrMapOvr>
+    <a:masterClrMapping/>
+  </p:clrMapOvr>
+  <p:timing>
+    <p:tnLst>
+      <p:par>
+        <p:cTn id="1" dur="indefinite" restart="never" nodeType="tmRoot"/>
+      </p:par>
+    </p:tnLst>
+  </p:timing>
+</p:sld>
+</file>
+
+<file path=ppt/slides/slide31.xml><?xml version="1.0" encoding="utf-8"?>
+<p:sld xmlns:a="http://schemas.openxmlformats.org/drawingml/2006/main" xmlns:r="http://schemas.openxmlformats.org/officeDocument/2006/relationships" xmlns:p="http://schemas.openxmlformats.org/presentationml/2006/main">
+  <p:cSld>
+    <p:spTree>
+      <p:nvGrpSpPr>
+        <p:cNvPr id="1" name=""/>
+        <p:cNvGrpSpPr/>
+        <p:nvPr/>
+      </p:nvGrpSpPr>
+      <p:grpSpPr>
+        <a:xfrm>
+          <a:off x="0" y="0"/>
+          <a:ext cx="0" cy="0"/>
+          <a:chOff x="0" y="0"/>
+          <a:chExt cx="0" cy="0"/>
+        </a:xfrm>
+      </p:grpSpPr>
+      <p:sp>
+        <p:nvSpPr>
+          <p:cNvPr id="2" name="标题 1"/>
+          <p:cNvSpPr>
+            <a:spLocks noGrp="1"/>
+          </p:cNvSpPr>
+          <p:nvPr>
+            <p:ph type="title"/>
+          </p:nvPr>
+        </p:nvSpPr>
+        <p:spPr/>
+        <p:txBody>
+          <a:bodyPr/>
+          <a:lstStyle/>
+          <a:p>
+            <a:r>
+              <a:rPr lang="zh-CN" altLang="en-US" dirty="0"/>
+              <a:t>相关资料</a:t>
+            </a:r>
+          </a:p>
+        </p:txBody>
+      </p:sp>
+      <p:sp>
+        <p:nvSpPr>
+          <p:cNvPr id="3" name="内容占位符 2"/>
+          <p:cNvSpPr>
+            <a:spLocks noGrp="1"/>
+          </p:cNvSpPr>
+          <p:nvPr>
+            <p:ph idx="1"/>
+          </p:nvPr>
+        </p:nvSpPr>
+        <p:spPr/>
+        <p:txBody>
+          <a:bodyPr/>
+          <a:lstStyle/>
+          <a:p>
+            <a:r>
+              <a:rPr lang="en-US" altLang="zh-CN" dirty="0">
+                <a:latin typeface="Times New Roman" panose="02020603050405020304" pitchFamily="18" charset="0"/>
+                <a:cs typeface="Times New Roman" panose="02020603050405020304" pitchFamily="18" charset="0"/>
+                <a:hlinkClick r:id="rId2"/>
+              </a:rPr>
+              <a:t>http://venge.net/graydon/talks/intro-talk-2.pdf</a:t>
+            </a:r>
+            <a:r>
+              <a:rPr lang="en-US" altLang="zh-CN" dirty="0">
+                <a:latin typeface="Times New Roman" panose="02020603050405020304" pitchFamily="18" charset="0"/>
+                <a:cs typeface="Times New Roman" panose="02020603050405020304" pitchFamily="18" charset="0"/>
+              </a:rPr>
+              <a:t> </a:t>
+            </a:r>
+            <a:r>
+              <a:rPr lang="zh-CN" altLang="en-US" dirty="0">
+                <a:latin typeface="+mn-ea"/>
+                <a:ea typeface="+mn-ea"/>
+              </a:rPr>
+              <a:t>首次正式公开</a:t>
+            </a:r>
+            <a:r>
+              <a:rPr lang="en-US" altLang="zh-CN" dirty="0">
+                <a:latin typeface="Times New Roman" panose="02020603050405020304" pitchFamily="18" charset="0"/>
+                <a:ea typeface="+mn-ea"/>
+                <a:cs typeface="Times New Roman" panose="02020603050405020304" pitchFamily="18" charset="0"/>
+              </a:rPr>
+              <a:t>Rust</a:t>
+            </a:r>
+            <a:r>
+              <a:rPr lang="zh-CN" altLang="en-US" dirty="0">
+                <a:latin typeface="Times New Roman" panose="02020603050405020304" pitchFamily="18" charset="0"/>
+                <a:ea typeface="+mn-ea"/>
+                <a:cs typeface="Times New Roman" panose="02020603050405020304" pitchFamily="18" charset="0"/>
+              </a:rPr>
+              <a:t>，并开始进行了首个</a:t>
+            </a:r>
+            <a:r>
+              <a:rPr lang="en-US" altLang="zh-CN" dirty="0">
+                <a:latin typeface="Times New Roman" panose="02020603050405020304" pitchFamily="18" charset="0"/>
+                <a:ea typeface="+mn-ea"/>
+                <a:cs typeface="Times New Roman" panose="02020603050405020304" pitchFamily="18" charset="0"/>
+              </a:rPr>
+              <a:t>Rust</a:t>
+            </a:r>
+            <a:r>
+              <a:rPr lang="zh-CN" altLang="en-US" dirty="0">
+                <a:latin typeface="Times New Roman" panose="02020603050405020304" pitchFamily="18" charset="0"/>
+                <a:ea typeface="+mn-ea"/>
+                <a:cs typeface="Times New Roman" panose="02020603050405020304" pitchFamily="18" charset="0"/>
+              </a:rPr>
+              <a:t>项目</a:t>
+            </a:r>
+            <a:r>
+              <a:rPr lang="en-US" altLang="zh-CN" dirty="0">
+                <a:latin typeface="Times New Roman" panose="02020603050405020304" pitchFamily="18" charset="0"/>
+                <a:ea typeface="+mn-ea"/>
+                <a:cs typeface="Times New Roman" panose="02020603050405020304" pitchFamily="18" charset="0"/>
+              </a:rPr>
+              <a:t>servo</a:t>
+            </a:r>
+            <a:r>
+              <a:rPr lang="zh-CN" altLang="en-US" dirty="0">
+                <a:latin typeface="Times New Roman" panose="02020603050405020304" pitchFamily="18" charset="0"/>
+                <a:ea typeface="+mn-ea"/>
+                <a:cs typeface="Times New Roman" panose="02020603050405020304" pitchFamily="18" charset="0"/>
+              </a:rPr>
+              <a:t>的开发</a:t>
+            </a:r>
+            <a:endParaRPr lang="en-US" altLang="zh-CN" dirty="0">
+              <a:latin typeface="Times New Roman" panose="02020603050405020304" pitchFamily="18" charset="0"/>
+              <a:ea typeface="+mn-ea"/>
+              <a:cs typeface="Times New Roman" panose="02020603050405020304" pitchFamily="18" charset="0"/>
+            </a:endParaRPr>
+          </a:p>
+          <a:p>
+            <a:r>
+              <a:rPr lang="en-US" altLang="zh-CN" dirty="0">
+                <a:latin typeface="Times New Roman" panose="02020603050405020304" pitchFamily="18" charset="0"/>
+                <a:cs typeface="Times New Roman" panose="02020603050405020304" pitchFamily="18" charset="0"/>
+                <a:hlinkClick r:id="rId3"/>
+              </a:rPr>
+              <a:t>https://foundation.rust-lang.org/</a:t>
+            </a:r>
+            <a:r>
+              <a:rPr lang="en-US" altLang="zh-CN" dirty="0">
+                <a:latin typeface="Times New Roman" panose="02020603050405020304" pitchFamily="18" charset="0"/>
+                <a:cs typeface="Times New Roman" panose="02020603050405020304" pitchFamily="18" charset="0"/>
+              </a:rPr>
+              <a:t> Rust</a:t>
+            </a:r>
+            <a:r>
+              <a:rPr lang="zh-CN" altLang="en-US" dirty="0">
+                <a:latin typeface="Times New Roman" panose="02020603050405020304" pitchFamily="18" charset="0"/>
+                <a:cs typeface="Times New Roman" panose="02020603050405020304" pitchFamily="18" charset="0"/>
+              </a:rPr>
+              <a:t>基金会官网</a:t>
+            </a:r>
+          </a:p>
+          <a:p>
+            <a:endParaRPr lang="zh-CN" altLang="en-US" dirty="0">
+              <a:latin typeface="+mn-ea"/>
+              <a:ea typeface="+mn-ea"/>
+            </a:endParaRPr>
+          </a:p>
+        </p:txBody>
+      </p:sp>
+    </p:spTree>
+  </p:cSld>
+  <p:clrMapOvr>
+    <a:masterClrMapping/>
+  </p:clrMapOvr>
+  <p:timing>
+    <p:tnLst>
+      <p:par>
+        <p:cTn id="1" dur="indefinite" restart="never" nodeType="tmRoot"/>
+      </p:par>
+    </p:tnLst>
+  </p:timing>
 </p:sld>
 </file>
 
@@ -18103,6 +21765,13 @@
   <p:clrMapOvr>
     <a:masterClrMapping/>
   </p:clrMapOvr>
+  <p:timing>
+    <p:tnLst>
+      <p:par>
+        <p:cTn id="1" dur="indefinite" restart="never" nodeType="tmRoot"/>
+      </p:par>
+    </p:tnLst>
+  </p:timing>
 </p:sld>
 </file>
 
@@ -18237,6 +21906,13 @@
   <p:clrMapOvr>
     <a:masterClrMapping/>
   </p:clrMapOvr>
+  <p:timing>
+    <p:tnLst>
+      <p:par>
+        <p:cTn id="1" dur="indefinite" restart="never" nodeType="tmRoot"/>
+      </p:par>
+    </p:tnLst>
+  </p:timing>
 </p:sld>
 </file>
 
@@ -18355,6 +22031,13 @@
   <p:clrMapOvr>
     <a:masterClrMapping/>
   </p:clrMapOvr>
+  <p:timing>
+    <p:tnLst>
+      <p:par>
+        <p:cTn id="1" dur="indefinite" restart="never" nodeType="tmRoot"/>
+      </p:par>
+    </p:tnLst>
+  </p:timing>
 </p:sld>
 </file>
 
@@ -18492,6 +22175,13 @@
   <p:clrMapOvr>
     <a:masterClrMapping/>
   </p:clrMapOvr>
+  <p:timing>
+    <p:tnLst>
+      <p:par>
+        <p:cTn id="1" dur="indefinite" restart="never" nodeType="tmRoot"/>
+      </p:par>
+    </p:tnLst>
+  </p:timing>
 </p:sld>
 </file>
 
@@ -18603,40 +22293,19 @@
                 <a:latin typeface="+mn-ea"/>
                 <a:ea typeface="+mn-ea"/>
               </a:rPr>
-              <a:t>不仅仅拥有一个主要特性、而应该拥有一系列广泛特性，这些特性之间又不缺乏一致性，这些特性之间可以很高的相互协作，从而使该语言更容易编写、维护和调试，让程序员写出更安全、更高效的代码</a:t>
+              <a:t>不仅仅拥有一个主要特性、而应该拥有一系列广泛特性，这些特性之间又不缺乏一致性，这些特性之间可以很高的相互协作，从而使该语言更容易编写、维护和调试，让程序员写出更安全、更高效的</a:t>
+            </a:r>
+            <a:r>
+              <a:rPr lang="zh-CN" altLang="en-US" dirty="0" smtClean="0">
+                <a:latin typeface="+mn-ea"/>
+                <a:ea typeface="+mn-ea"/>
+              </a:rPr>
+              <a:t>代码</a:t>
             </a:r>
             <a:endParaRPr lang="en-US" altLang="zh-CN" dirty="0">
               <a:latin typeface="+mn-ea"/>
               <a:ea typeface="+mn-ea"/>
             </a:endParaRPr>
-          </a:p>
-          <a:p>
-            <a:pPr marL="0" indent="0">
-              <a:buNone/>
-            </a:pPr>
-            <a:endParaRPr lang="en-US" altLang="zh-CN" dirty="0">
-              <a:latin typeface="+mn-ea"/>
-              <a:ea typeface="+mn-ea"/>
-            </a:endParaRPr>
-          </a:p>
-          <a:p>
-            <a:pPr marL="0" indent="0">
-              <a:buNone/>
-            </a:pPr>
-            <a:r>
-              <a:rPr lang="en-US" altLang="zh-CN" dirty="0">
-                <a:latin typeface="+mn-ea"/>
-                <a:ea typeface="+mn-ea"/>
-              </a:rPr>
-              <a:t>//</a:t>
-            </a:r>
-            <a:r>
-              <a:rPr lang="zh-CN" altLang="en-US" dirty="0">
-                <a:latin typeface="+mn-ea"/>
-                <a:ea typeface="+mn-ea"/>
-              </a:rPr>
-              <a:t>原文链接</a:t>
-            </a:r>
           </a:p>
         </p:txBody>
       </p:sp>
@@ -18645,6 +22314,13 @@
   <p:clrMapOvr>
     <a:masterClrMapping/>
   </p:clrMapOvr>
+  <p:timing>
+    <p:tnLst>
+      <p:par>
+        <p:cTn id="1" dur="indefinite" restart="never" nodeType="tmRoot"/>
+      </p:par>
+    </p:tnLst>
+  </p:timing>
 </p:sld>
 </file>
 
@@ -18751,6 +22427,13 @@
   <p:clrMapOvr>
     <a:masterClrMapping/>
   </p:clrMapOvr>
+  <p:timing>
+    <p:tnLst>
+      <p:par>
+        <p:cTn id="1" dur="indefinite" restart="never" nodeType="tmRoot"/>
+      </p:par>
+    </p:tnLst>
+  </p:timing>
 </p:sld>
 </file>
 

--- a/Rust调研.pptx
+++ b/Rust调研.pptx
@@ -5,7 +5,7 @@
     <p:sldMasterId id="2147483648" r:id="rId1"/>
   </p:sldMasterIdLst>
   <p:notesMasterIdLst>
-    <p:notesMasterId r:id="rId40"/>
+    <p:notesMasterId r:id="rId43"/>
   </p:notesMasterIdLst>
   <p:sldIdLst>
     <p:sldId id="256" r:id="rId2"/>
@@ -27,25 +27,28 @@
     <p:sldId id="282" r:id="rId18"/>
     <p:sldId id="266" r:id="rId19"/>
     <p:sldId id="292" r:id="rId20"/>
-    <p:sldId id="267" r:id="rId21"/>
-    <p:sldId id="284" r:id="rId22"/>
-    <p:sldId id="285" r:id="rId23"/>
-    <p:sldId id="286" r:id="rId24"/>
-    <p:sldId id="287" r:id="rId25"/>
-    <p:sldId id="288" r:id="rId26"/>
-    <p:sldId id="269" r:id="rId27"/>
-    <p:sldId id="274" r:id="rId28"/>
-    <p:sldId id="289" r:id="rId29"/>
-    <p:sldId id="295" r:id="rId30"/>
-    <p:sldId id="271" r:id="rId31"/>
-    <p:sldId id="290" r:id="rId32"/>
-    <p:sldId id="291" r:id="rId33"/>
-    <p:sldId id="296" r:id="rId34"/>
-    <p:sldId id="297" r:id="rId35"/>
-    <p:sldId id="298" r:id="rId36"/>
-    <p:sldId id="299" r:id="rId37"/>
-    <p:sldId id="300" r:id="rId38"/>
-    <p:sldId id="261" r:id="rId39"/>
+    <p:sldId id="301" r:id="rId21"/>
+    <p:sldId id="302" r:id="rId22"/>
+    <p:sldId id="303" r:id="rId23"/>
+    <p:sldId id="267" r:id="rId24"/>
+    <p:sldId id="284" r:id="rId25"/>
+    <p:sldId id="285" r:id="rId26"/>
+    <p:sldId id="286" r:id="rId27"/>
+    <p:sldId id="287" r:id="rId28"/>
+    <p:sldId id="288" r:id="rId29"/>
+    <p:sldId id="269" r:id="rId30"/>
+    <p:sldId id="274" r:id="rId31"/>
+    <p:sldId id="289" r:id="rId32"/>
+    <p:sldId id="295" r:id="rId33"/>
+    <p:sldId id="271" r:id="rId34"/>
+    <p:sldId id="290" r:id="rId35"/>
+    <p:sldId id="291" r:id="rId36"/>
+    <p:sldId id="296" r:id="rId37"/>
+    <p:sldId id="297" r:id="rId38"/>
+    <p:sldId id="298" r:id="rId39"/>
+    <p:sldId id="299" r:id="rId40"/>
+    <p:sldId id="300" r:id="rId41"/>
+    <p:sldId id="261" r:id="rId42"/>
   </p:sldIdLst>
   <p:sldSz cx="12192000" cy="6858000"/>
   <p:notesSz cx="6858000" cy="9144000"/>
@@ -7123,7 +7126,7 @@
           <a:p>
             <a:fld id="{05389ADD-357A-448F-B13B-6EC087BE2CAF}" type="datetimeFigureOut">
               <a:rPr lang="zh-CN" altLang="en-US" smtClean="0"/>
-              <a:t>2021/12/16</a:t>
+              <a:t>2021/12/21</a:t>
             </a:fld>
             <a:endParaRPr lang="zh-CN" altLang="en-US"/>
           </a:p>
@@ -8713,10 +8716,7 @@
           <a:bodyPr/>
           <a:lstStyle/>
           <a:p>
-            <a:r>
-              <a:rPr lang="zh-CN" altLang="en-US" dirty="0"/>
-              <a:t>最好补一个图或者一段代码解释下（可能需要展开具体编译之后的生成的代码）</a:t>
-            </a:r>
+            <a:endParaRPr lang="zh-CN" altLang="en-US" dirty="0"/>
           </a:p>
         </p:txBody>
       </p:sp>
@@ -8800,26 +8800,7 @@
           <a:bodyPr/>
           <a:lstStyle/>
           <a:p>
-            <a:r>
-              <a:rPr kumimoji="1" lang="zh-CN" altLang="en-US" dirty="0"/>
-              <a:t>实用性，</a:t>
-            </a:r>
-            <a:r>
-              <a:rPr kumimoji="1" lang="en-US" altLang="zh-CN" dirty="0"/>
-              <a:t>rust</a:t>
-            </a:r>
-            <a:r>
-              <a:rPr kumimoji="1" lang="zh-CN" altLang="en-US" dirty="0"/>
-              <a:t>本身在关注性能和安全的同时也非常注重语言的实用性。这可以在并发安全的支持以和项目管理工具</a:t>
-            </a:r>
-            <a:r>
-              <a:rPr kumimoji="1" lang="en-US" altLang="zh-CN" dirty="0"/>
-              <a:t>cargo</a:t>
-            </a:r>
-            <a:r>
-              <a:rPr kumimoji="1" lang="zh-CN" altLang="en-US" dirty="0"/>
-              <a:t>上得以体现。</a:t>
-            </a:r>
+            <a:endParaRPr lang="zh-CN" altLang="en-US" dirty="0"/>
           </a:p>
         </p:txBody>
       </p:sp>
@@ -8830,7 +8811,7 @@
             <a:spLocks noGrp="1"/>
           </p:cNvSpPr>
           <p:nvPr>
-            <p:ph type="sldNum" sz="quarter" idx="5"/>
+            <p:ph type="sldNum" sz="quarter" idx="10"/>
           </p:nvPr>
         </p:nvSpPr>
         <p:spPr/>
@@ -8849,7 +8830,7 @@
     </p:spTree>
     <p:extLst>
       <p:ext uri="{BB962C8B-B14F-4D97-AF65-F5344CB8AC3E}">
-        <p14:creationId xmlns:p14="http://schemas.microsoft.com/office/powerpoint/2010/main" val="39179567"/>
+        <p14:creationId xmlns:p14="http://schemas.microsoft.com/office/powerpoint/2010/main" val="231401494"/>
       </p:ext>
     </p:extLst>
   </p:cSld>
@@ -8987,52 +8968,7 @@
           <a:bodyPr/>
           <a:lstStyle/>
           <a:p>
-            <a:pPr marL="0" marR="0" lvl="0" indent="0" algn="l" defTabSz="914400" rtl="0" eaLnBrk="1" fontAlgn="auto" latinLnBrk="0" hangingPunct="1">
-              <a:lnSpc>
-                <a:spcPct val="100000"/>
-              </a:lnSpc>
-              <a:spcBef>
-                <a:spcPts val="0"/>
-              </a:spcBef>
-              <a:spcAft>
-                <a:spcPts val="0"/>
-              </a:spcAft>
-              <a:buClrTx/>
-              <a:buSzTx/>
-              <a:buFontTx/>
-              <a:buNone/>
-              <a:tabLst/>
-              <a:defRPr/>
-            </a:pPr>
-            <a:r>
-              <a:rPr lang="zh-CN" altLang="en-US" dirty="0"/>
-              <a:t>并发安全问题主要是因为数据竞争和竞太条件导致的。</a:t>
-            </a:r>
-            <a:r>
-              <a:rPr kumimoji="1" lang="zh-CN" altLang="en-US" dirty="0"/>
-              <a:t>得益于所有权机和借用机制。同一时刻只允许有至多一个可变借用和多个不可变借用，</a:t>
-            </a:r>
-            <a:r>
-              <a:rPr lang="zh-CN" altLang="en-US" dirty="0"/>
-              <a:t>值在任一时刻有且只有一个所有者，因此消除了数据竞争。解决了因数据竞争导致的并发安全问题。通过借用检查器将并发写数据的问题，在编译期间暴露出来。同时</a:t>
-            </a:r>
-            <a:r>
-              <a:rPr lang="en-US" altLang="zh-CN" dirty="0"/>
-              <a:t>rust</a:t>
-            </a:r>
-            <a:r>
-              <a:rPr lang="zh-CN" altLang="en-US" dirty="0"/>
-              <a:t>也提供了一些机制保证了并发的安全和高性能，比较有代表性的是</a:t>
-            </a:r>
-            <a:r>
-              <a:rPr lang="en-US" altLang="zh-CN" dirty="0"/>
-              <a:t>channel</a:t>
-            </a:r>
-            <a:r>
-              <a:rPr lang="zh-CN" altLang="en-US" dirty="0"/>
-              <a:t>，语言限定可在线程间共享的类型数据，以及强大的异步并发。</a:t>
-            </a:r>
-            <a:endParaRPr lang="en-US" altLang="zh-CN" dirty="0"/>
+            <a:endParaRPr lang="zh-CN" altLang="en-US" dirty="0"/>
           </a:p>
         </p:txBody>
       </p:sp>
@@ -9062,7 +8998,7 @@
     </p:spTree>
     <p:extLst>
       <p:ext uri="{BB962C8B-B14F-4D97-AF65-F5344CB8AC3E}">
-        <p14:creationId xmlns:p14="http://schemas.microsoft.com/office/powerpoint/2010/main" val="1751433002"/>
+        <p14:creationId xmlns:p14="http://schemas.microsoft.com/office/powerpoint/2010/main" val="3054458731"/>
       </p:ext>
     </p:extLst>
   </p:cSld>
@@ -9146,7 +9082,7 @@
     </p:spTree>
     <p:extLst>
       <p:ext uri="{BB962C8B-B14F-4D97-AF65-F5344CB8AC3E}">
-        <p14:creationId xmlns:p14="http://schemas.microsoft.com/office/powerpoint/2010/main" val="572656849"/>
+        <p14:creationId xmlns:p14="http://schemas.microsoft.com/office/powerpoint/2010/main" val="2256668117"/>
       </p:ext>
     </p:extLst>
   </p:cSld>
@@ -9201,64 +9137,24 @@
           <a:lstStyle/>
           <a:p>
             <a:r>
-              <a:rPr lang="zh-CN" altLang="en-US" dirty="0"/>
-              <a:t>在很多编程语言中都存在异步并发的机制，比如</a:t>
-            </a:r>
-            <a:r>
-              <a:rPr lang="en-US" altLang="zh-CN" dirty="0" err="1"/>
-              <a:t>js,python</a:t>
-            </a:r>
-            <a:r>
-              <a:rPr lang="zh-CN" altLang="en-US" dirty="0"/>
-              <a:t>等。 异步编程，从最开始的基于事件回调的机制（</a:t>
-            </a:r>
-            <a:r>
-              <a:rPr lang="en-US" altLang="zh-CN" dirty="0" err="1"/>
-              <a:t>epoll</a:t>
-            </a:r>
-            <a:r>
-              <a:rPr lang="zh-CN" altLang="en-US" dirty="0"/>
-              <a:t>，</a:t>
-            </a:r>
-            <a:r>
-              <a:rPr lang="en-US" altLang="zh-CN" dirty="0" err="1"/>
-              <a:t>nodejs</a:t>
-            </a:r>
-            <a:r>
-              <a:rPr lang="zh-CN" altLang="en-US" dirty="0"/>
-              <a:t>），到使用</a:t>
-            </a:r>
-            <a:r>
-              <a:rPr lang="en-US" altLang="zh-CN" dirty="0"/>
-              <a:t>promise/future</a:t>
-            </a:r>
-            <a:r>
-              <a:rPr lang="zh-CN" altLang="en-US" dirty="0"/>
-              <a:t>模型，再到现在利用协程实现的</a:t>
-            </a:r>
-            <a:r>
-              <a:rPr lang="en-US" altLang="zh-CN" dirty="0"/>
-              <a:t>async/await</a:t>
-            </a:r>
-            <a:r>
-              <a:rPr lang="zh-CN" altLang="en-US" dirty="0"/>
-              <a:t>机制，总共经历了三个阶段。而利用协程实现的</a:t>
-            </a:r>
-            <a:r>
-              <a:rPr lang="en-US" altLang="zh-CN" dirty="0"/>
-              <a:t>async/await</a:t>
-            </a:r>
-            <a:r>
-              <a:rPr lang="zh-CN" altLang="en-US" dirty="0"/>
-              <a:t>模型也被称为异步编程的终极解决方案。</a:t>
-            </a:r>
-            <a:r>
-              <a:rPr lang="en-US" altLang="zh-CN" dirty="0"/>
-              <a:t>Rust</a:t>
-            </a:r>
-            <a:r>
-              <a:rPr lang="zh-CN" altLang="en-US" dirty="0"/>
-              <a:t>同样也支持该异步模型。</a:t>
+              <a:rPr kumimoji="1" lang="zh-CN" altLang="en-US" dirty="0"/>
+              <a:t>实用性，</a:t>
+            </a:r>
+            <a:r>
+              <a:rPr kumimoji="1" lang="en-US" altLang="zh-CN" dirty="0"/>
+              <a:t>rust</a:t>
+            </a:r>
+            <a:r>
+              <a:rPr kumimoji="1" lang="zh-CN" altLang="en-US" dirty="0"/>
+              <a:t>本身在关注性能和安全的同时也非常注重语言的实用性。这可以在并发安全的支持以和项目管理工具</a:t>
+            </a:r>
+            <a:r>
+              <a:rPr kumimoji="1" lang="en-US" altLang="zh-CN" dirty="0"/>
+              <a:t>cargo</a:t>
+            </a:r>
+            <a:r>
+              <a:rPr kumimoji="1" lang="zh-CN" altLang="en-US" dirty="0"/>
+              <a:t>上得以体现。</a:t>
             </a:r>
           </a:p>
         </p:txBody>
@@ -9270,7 +9166,7 @@
             <a:spLocks noGrp="1"/>
           </p:cNvSpPr>
           <p:nvPr>
-            <p:ph type="sldNum" sz="quarter" idx="10"/>
+            <p:ph type="sldNum" sz="quarter" idx="5"/>
           </p:nvPr>
         </p:nvSpPr>
         <p:spPr/>
@@ -9289,7 +9185,7 @@
     </p:spTree>
     <p:extLst>
       <p:ext uri="{BB962C8B-B14F-4D97-AF65-F5344CB8AC3E}">
-        <p14:creationId xmlns:p14="http://schemas.microsoft.com/office/powerpoint/2010/main" val="2757250599"/>
+        <p14:creationId xmlns:p14="http://schemas.microsoft.com/office/powerpoint/2010/main" val="39179567"/>
       </p:ext>
     </p:extLst>
   </p:cSld>
@@ -9361,169 +9257,34 @@
               <a:defRPr/>
             </a:pPr>
             <a:r>
-              <a:rPr lang="zh-CN" altLang="en-US" dirty="0">
-                <a:latin typeface="Times New Roman" panose="02020603050405020304" pitchFamily="18" charset="0"/>
-                <a:cs typeface="Times New Roman" panose="02020603050405020304" pitchFamily="18" charset="0"/>
-              </a:rPr>
-              <a:t>由业务层分割计算过程，生成异步任务，串联异步过程。将生成的任务传递给</a:t>
-            </a:r>
-            <a:r>
-              <a:rPr lang="en-US" altLang="zh-CN" dirty="0">
-                <a:latin typeface="Times New Roman" panose="02020603050405020304" pitchFamily="18" charset="0"/>
-                <a:cs typeface="Times New Roman" panose="02020603050405020304" pitchFamily="18" charset="0"/>
-              </a:rPr>
-              <a:t>scheduler</a:t>
-            </a:r>
-            <a:r>
-              <a:rPr lang="zh-CN" altLang="en-US" dirty="0">
-                <a:latin typeface="Times New Roman" panose="02020603050405020304" pitchFamily="18" charset="0"/>
-                <a:cs typeface="Times New Roman" panose="02020603050405020304" pitchFamily="18" charset="0"/>
-              </a:rPr>
-              <a:t>，分发任务给不同的任务队列，</a:t>
-            </a:r>
-            <a:r>
-              <a:rPr lang="en-US" altLang="zh-CN" dirty="0">
-                <a:latin typeface="Times New Roman" panose="02020603050405020304" pitchFamily="18" charset="0"/>
-                <a:cs typeface="Times New Roman" panose="02020603050405020304" pitchFamily="18" charset="0"/>
-              </a:rPr>
-              <a:t>executor</a:t>
-            </a:r>
-            <a:r>
-              <a:rPr lang="zh-CN" altLang="en-US" dirty="0">
-                <a:latin typeface="Times New Roman" panose="02020603050405020304" pitchFamily="18" charset="0"/>
-                <a:cs typeface="Times New Roman" panose="02020603050405020304" pitchFamily="18" charset="0"/>
-              </a:rPr>
-              <a:t>选择合适的线程，将任务与线程关联起来，执行具体的任务代码。执行过程中遇到</a:t>
-            </a:r>
-            <a:r>
-              <a:rPr lang="en-US" altLang="zh-CN" dirty="0">
-                <a:latin typeface="Times New Roman" panose="02020603050405020304" pitchFamily="18" charset="0"/>
-                <a:cs typeface="Times New Roman" panose="02020603050405020304" pitchFamily="18" charset="0"/>
-              </a:rPr>
-              <a:t>pending</a:t>
-            </a:r>
-            <a:r>
-              <a:rPr lang="zh-CN" altLang="en-US" dirty="0">
-                <a:latin typeface="Times New Roman" panose="02020603050405020304" pitchFamily="18" charset="0"/>
-                <a:cs typeface="Times New Roman" panose="02020603050405020304" pitchFamily="18" charset="0"/>
-              </a:rPr>
-              <a:t>状态（</a:t>
-            </a:r>
-            <a:r>
-              <a:rPr lang="en-US" altLang="zh-CN" dirty="0">
-                <a:latin typeface="Times New Roman" panose="02020603050405020304" pitchFamily="18" charset="0"/>
-                <a:cs typeface="Times New Roman" panose="02020603050405020304" pitchFamily="18" charset="0"/>
-              </a:rPr>
-              <a:t>pending</a:t>
-            </a:r>
-            <a:r>
-              <a:rPr lang="zh-CN" altLang="en-US" dirty="0">
-                <a:latin typeface="Times New Roman" panose="02020603050405020304" pitchFamily="18" charset="0"/>
-                <a:cs typeface="Times New Roman" panose="02020603050405020304" pitchFamily="18" charset="0"/>
-              </a:rPr>
-              <a:t>状态可以自定义），则让出执行权。等待被唤醒之后（一般由系统事件唤醒），在进入调度流程。</a:t>
-            </a:r>
-            <a:r>
-              <a:rPr lang="en-US" altLang="zh-CN" dirty="0">
-                <a:latin typeface="Times New Roman" panose="02020603050405020304" pitchFamily="18" charset="0"/>
-                <a:cs typeface="Times New Roman" panose="02020603050405020304" pitchFamily="18" charset="0"/>
-              </a:rPr>
-              <a:t>Scheduler</a:t>
-            </a:r>
-            <a:r>
-              <a:rPr lang="zh-CN" altLang="en-US" dirty="0">
-                <a:latin typeface="Times New Roman" panose="02020603050405020304" pitchFamily="18" charset="0"/>
-                <a:cs typeface="Times New Roman" panose="02020603050405020304" pitchFamily="18" charset="0"/>
-              </a:rPr>
-              <a:t>、</a:t>
-            </a:r>
-            <a:r>
-              <a:rPr lang="en-US" altLang="zh-CN" dirty="0" err="1">
-                <a:latin typeface="Times New Roman" panose="02020603050405020304" pitchFamily="18" charset="0"/>
-                <a:cs typeface="Times New Roman" panose="02020603050405020304" pitchFamily="18" charset="0"/>
-              </a:rPr>
-              <a:t>executeor</a:t>
-            </a:r>
-            <a:r>
-              <a:rPr lang="zh-CN" altLang="en-US" dirty="0">
-                <a:latin typeface="Times New Roman" panose="02020603050405020304" pitchFamily="18" charset="0"/>
-                <a:cs typeface="Times New Roman" panose="02020603050405020304" pitchFamily="18" charset="0"/>
-              </a:rPr>
-              <a:t>、</a:t>
-            </a:r>
-            <a:r>
-              <a:rPr lang="en-US" altLang="zh-CN" dirty="0">
-                <a:latin typeface="Times New Roman" panose="02020603050405020304" pitchFamily="18" charset="0"/>
-                <a:cs typeface="Times New Roman" panose="02020603050405020304" pitchFamily="18" charset="0"/>
-              </a:rPr>
-              <a:t>wake</a:t>
-            </a:r>
-            <a:r>
-              <a:rPr lang="zh-CN" altLang="en-US" dirty="0">
-                <a:latin typeface="Times New Roman" panose="02020603050405020304" pitchFamily="18" charset="0"/>
-                <a:cs typeface="Times New Roman" panose="02020603050405020304" pitchFamily="18" charset="0"/>
-              </a:rPr>
-              <a:t>、</a:t>
-            </a:r>
-            <a:r>
-              <a:rPr lang="en-US" altLang="zh-CN" dirty="0">
-                <a:latin typeface="Times New Roman" panose="02020603050405020304" pitchFamily="18" charset="0"/>
-                <a:cs typeface="Times New Roman" panose="02020603050405020304" pitchFamily="18" charset="0"/>
-              </a:rPr>
-              <a:t>task queue</a:t>
-            </a:r>
-            <a:r>
-              <a:rPr lang="zh-CN" altLang="en-US" dirty="0">
-                <a:latin typeface="+mn-ea"/>
-              </a:rPr>
-              <a:t>均需要三方库实现（考虑将实现的</a:t>
-            </a:r>
-            <a:r>
-              <a:rPr lang="en-US" altLang="zh-CN" dirty="0">
-                <a:latin typeface="+mn-ea"/>
-              </a:rPr>
-              <a:t>demo</a:t>
-            </a:r>
-            <a:r>
-              <a:rPr lang="zh-CN" altLang="en-US" dirty="0">
-                <a:latin typeface="+mn-ea"/>
-              </a:rPr>
-              <a:t> 运行时添加进来），</a:t>
-            </a:r>
-            <a:r>
-              <a:rPr lang="en-US" altLang="zh-CN" dirty="0">
-                <a:latin typeface="+mn-ea"/>
-              </a:rPr>
+              <a:rPr lang="zh-CN" altLang="en-US" dirty="0"/>
+              <a:t>并发安全问题主要是因为数据竞争和竞太条件导致的。</a:t>
+            </a:r>
+            <a:r>
+              <a:rPr kumimoji="1" lang="zh-CN" altLang="en-US" dirty="0"/>
+              <a:t>得益于所有权机和借用机制。同一时刻只允许有至多一个可变借用和多个不可变借用，</a:t>
+            </a:r>
+            <a:r>
+              <a:rPr lang="zh-CN" altLang="en-US" dirty="0"/>
+              <a:t>值在任一时刻有且只有一个所有者，因此消除了数据竞争。解决了因数据竞争导致的并发安全问题。通过借用检查器将并发写数据的问题，在编译期间暴露出来。同时</a:t>
+            </a:r>
+            <a:r>
+              <a:rPr lang="en-US" altLang="zh-CN" dirty="0"/>
               <a:t>rust</a:t>
             </a:r>
             <a:r>
-              <a:rPr lang="zh-CN" altLang="en-US" dirty="0">
-                <a:latin typeface="+mn-ea"/>
-              </a:rPr>
-              <a:t>语言本身只提供了基本的</a:t>
-            </a:r>
-            <a:r>
-              <a:rPr lang="en-US" altLang="zh-CN" dirty="0">
-                <a:latin typeface="Times New Roman" panose="02020603050405020304" pitchFamily="18" charset="0"/>
-                <a:cs typeface="Times New Roman" panose="02020603050405020304" pitchFamily="18" charset="0"/>
-              </a:rPr>
-              <a:t>trait</a:t>
-            </a:r>
-            <a:r>
-              <a:rPr lang="zh-CN" altLang="en-US" dirty="0">
-                <a:latin typeface="+mn-ea"/>
-              </a:rPr>
-              <a:t>限定</a:t>
-            </a:r>
-            <a:r>
-              <a:rPr lang="zh-CN" altLang="en-US" dirty="0">
-                <a:latin typeface="+mn-lt"/>
-              </a:rPr>
-              <a:t>，编译器生成基本代码，支撑任务流转。这样就实现了一个线程同时支持多个并发任务的功能。</a:t>
-            </a:r>
-            <a:endParaRPr lang="zh-CN" altLang="en-US" dirty="0">
-              <a:latin typeface="+mn-ea"/>
-            </a:endParaRPr>
+              <a:rPr lang="zh-CN" altLang="en-US" dirty="0"/>
+              <a:t>也提供了一些机制保证了并发的安全和高性能，比较有代表性的是</a:t>
+            </a:r>
+            <a:r>
+              <a:rPr lang="en-US" altLang="zh-CN" dirty="0"/>
+              <a:t>channel</a:t>
+            </a:r>
+            <a:r>
+              <a:rPr lang="zh-CN" altLang="en-US" dirty="0"/>
+              <a:t>，语言限定可在线程间共享的类型数据，以及强大的异步并发。</a:t>
+            </a:r>
+            <a:endParaRPr lang="en-US" altLang="zh-CN" dirty="0"/>
           </a:p>
         </p:txBody>
       </p:sp>
@@ -9553,7 +9314,7 @@
     </p:spTree>
     <p:extLst>
       <p:ext uri="{BB962C8B-B14F-4D97-AF65-F5344CB8AC3E}">
-        <p14:creationId xmlns:p14="http://schemas.microsoft.com/office/powerpoint/2010/main" val="3838693349"/>
+        <p14:creationId xmlns:p14="http://schemas.microsoft.com/office/powerpoint/2010/main" val="1751433002"/>
       </p:ext>
     </p:extLst>
   </p:cSld>
@@ -9607,29 +9368,7 @@
           <a:bodyPr/>
           <a:lstStyle/>
           <a:p>
-            <a:pPr marL="0" marR="0" lvl="0" indent="0" algn="l" defTabSz="914400" rtl="0" eaLnBrk="1" fontAlgn="auto" latinLnBrk="0" hangingPunct="1">
-              <a:lnSpc>
-                <a:spcPct val="100000"/>
-              </a:lnSpc>
-              <a:spcBef>
-                <a:spcPts val="0"/>
-              </a:spcBef>
-              <a:spcAft>
-                <a:spcPts val="0"/>
-              </a:spcAft>
-              <a:buClrTx/>
-              <a:buSzTx/>
-              <a:buFontTx/>
-              <a:buNone/>
-              <a:tabLst/>
-              <a:defRPr/>
-            </a:pPr>
-            <a:r>
-              <a:rPr lang="zh-CN" altLang="en-US" dirty="0">
-                <a:latin typeface="+mn-ea"/>
-              </a:rPr>
-              <a:t>示例展示，用户在使用第三方库进行异步并发计算时，只需要关注计算本身即可。细节实现均被封装，感知不到具体细节。开发者只关注业务层逻辑即可，不需要关注异步并发计算背后的逻辑。用户同样可以自主研发贴合业务的运行时机制，使服务获得更高的性能。当然同时也带来些问题，不同的运行时实现相互之间可能存在冲突。</a:t>
-            </a:r>
+            <a:endParaRPr lang="zh-CN" altLang="en-US" dirty="0"/>
           </a:p>
         </p:txBody>
       </p:sp>
@@ -9659,7 +9398,7 @@
     </p:spTree>
     <p:extLst>
       <p:ext uri="{BB962C8B-B14F-4D97-AF65-F5344CB8AC3E}">
-        <p14:creationId xmlns:p14="http://schemas.microsoft.com/office/powerpoint/2010/main" val="3932428062"/>
+        <p14:creationId xmlns:p14="http://schemas.microsoft.com/office/powerpoint/2010/main" val="572656849"/>
       </p:ext>
     </p:extLst>
   </p:cSld>
@@ -9714,218 +9453,65 @@
           <a:lstStyle/>
           <a:p>
             <a:r>
-              <a:rPr kumimoji="1" lang="zh-CN" altLang="en-US" dirty="0"/>
-              <a:t>没有垃圾回收器</a:t>
-            </a:r>
-            <a:r>
-              <a:rPr kumimoji="1" lang="en-US" altLang="zh-CN" dirty="0"/>
-              <a:t>stop the world</a:t>
-            </a:r>
-            <a:r>
-              <a:rPr kumimoji="1" lang="zh-CN" altLang="en-US" dirty="0"/>
-              <a:t>，以及对零成本抽象的支持，</a:t>
-            </a:r>
-            <a:r>
-              <a:rPr kumimoji="1" lang="en-US" altLang="zh-CN" dirty="0"/>
+              <a:rPr lang="zh-CN" altLang="en-US" dirty="0"/>
+              <a:t>在很多编程语言中都存在异步并发的机制，比如</a:t>
+            </a:r>
+            <a:r>
+              <a:rPr lang="en-US" altLang="zh-CN" dirty="0" err="1"/>
+              <a:t>js,python</a:t>
+            </a:r>
+            <a:r>
+              <a:rPr lang="zh-CN" altLang="en-US" dirty="0"/>
+              <a:t>等。 异步编程，从最开始的基于事件回调的机制（</a:t>
+            </a:r>
+            <a:r>
+              <a:rPr lang="en-US" altLang="zh-CN" dirty="0" err="1"/>
+              <a:t>epoll</a:t>
+            </a:r>
+            <a:r>
+              <a:rPr lang="zh-CN" altLang="en-US" dirty="0"/>
+              <a:t>，</a:t>
+            </a:r>
+            <a:r>
+              <a:rPr lang="en-US" altLang="zh-CN" dirty="0" err="1"/>
+              <a:t>nodejs</a:t>
+            </a:r>
+            <a:r>
+              <a:rPr lang="zh-CN" altLang="en-US" dirty="0"/>
+              <a:t>），到使用</a:t>
+            </a:r>
+            <a:r>
+              <a:rPr lang="en-US" altLang="zh-CN" dirty="0"/>
+              <a:t>promise/future</a:t>
+            </a:r>
+            <a:r>
+              <a:rPr lang="zh-CN" altLang="en-US" dirty="0"/>
+              <a:t>模型，再到现在利用协程实现的</a:t>
+            </a:r>
+            <a:r>
+              <a:rPr lang="en-US" altLang="zh-CN" dirty="0"/>
+              <a:t>async/await</a:t>
+            </a:r>
+            <a:r>
+              <a:rPr lang="zh-CN" altLang="en-US" dirty="0"/>
+              <a:t>机制，总共经历了三个阶段。而利用协程实现的</a:t>
+            </a:r>
+            <a:r>
+              <a:rPr lang="en-US" altLang="zh-CN" dirty="0"/>
+              <a:t>async/await</a:t>
+            </a:r>
+            <a:r>
+              <a:rPr lang="zh-CN" altLang="en-US" dirty="0"/>
+              <a:t>模型也被称为异步编程的终极解决方案。</a:t>
+            </a:r>
+            <a:r>
+              <a:rPr lang="en-US" altLang="zh-CN" dirty="0"/>
               <a:t>Rust</a:t>
             </a:r>
             <a:r>
-              <a:rPr kumimoji="1" lang="zh-CN" altLang="en-US" dirty="0"/>
-              <a:t>本身性能比较高。编译器完备的安全检查，类型检查，内存安全检查。</a:t>
-            </a:r>
-            <a:r>
-              <a:rPr lang="en-US" altLang="zh-CN" sz="1200" b="0" i="0" kern="1200" dirty="0">
-                <a:solidFill>
-                  <a:schemeClr val="tx1"/>
-                </a:solidFill>
-                <a:effectLst/>
-                <a:latin typeface="+mn-lt"/>
-                <a:ea typeface="+mn-ea"/>
-                <a:cs typeface="+mn-cs"/>
-              </a:rPr>
-              <a:t>Rust</a:t>
-            </a:r>
-            <a:r>
-              <a:rPr lang="zh-CN" altLang="en-US" sz="1200" b="0" i="0" kern="1200" dirty="0">
-                <a:solidFill>
-                  <a:schemeClr val="tx1"/>
-                </a:solidFill>
-                <a:effectLst/>
-                <a:latin typeface="+mn-lt"/>
-                <a:ea typeface="+mn-ea"/>
-                <a:cs typeface="+mn-cs"/>
-              </a:rPr>
-              <a:t>兼容 </a:t>
-            </a:r>
-            <a:r>
-              <a:rPr lang="en-US" altLang="zh-CN" sz="1200" b="0" i="0" kern="1200" dirty="0">
-                <a:solidFill>
-                  <a:schemeClr val="tx1"/>
-                </a:solidFill>
-                <a:effectLst/>
-                <a:latin typeface="+mn-lt"/>
-                <a:ea typeface="+mn-ea"/>
-                <a:cs typeface="+mn-cs"/>
-              </a:rPr>
-              <a:t>C-ABI</a:t>
-            </a:r>
-            <a:r>
-              <a:rPr lang="zh-CN" altLang="en-US" sz="1200" b="0" i="0" kern="1200" dirty="0">
-                <a:solidFill>
-                  <a:schemeClr val="tx1"/>
-                </a:solidFill>
-                <a:effectLst/>
-                <a:latin typeface="+mn-lt"/>
-                <a:ea typeface="+mn-ea"/>
-                <a:cs typeface="+mn-cs"/>
-              </a:rPr>
-              <a:t>，能很好的兼容</a:t>
-            </a:r>
-            <a:r>
-              <a:rPr lang="en-US" altLang="zh-CN" sz="1200" b="0" i="0" kern="1200" dirty="0">
-                <a:solidFill>
-                  <a:schemeClr val="tx1"/>
-                </a:solidFill>
-                <a:effectLst/>
-                <a:latin typeface="+mn-lt"/>
-                <a:ea typeface="+mn-ea"/>
-                <a:cs typeface="+mn-cs"/>
-              </a:rPr>
-              <a:t>C</a:t>
-            </a:r>
-            <a:r>
-              <a:rPr lang="zh-CN" altLang="en-US" sz="1200" b="0" i="0" kern="1200" dirty="0">
-                <a:solidFill>
-                  <a:schemeClr val="tx1"/>
-                </a:solidFill>
-                <a:effectLst/>
-                <a:latin typeface="+mn-lt"/>
-                <a:ea typeface="+mn-ea"/>
-                <a:cs typeface="+mn-cs"/>
-              </a:rPr>
-              <a:t>语言软件。并且从语言架构层面上将 </a:t>
-            </a:r>
-            <a:r>
-              <a:rPr lang="en-US" altLang="zh-CN" sz="1200" b="0" i="0" kern="1200" dirty="0">
-                <a:solidFill>
-                  <a:schemeClr val="tx1"/>
-                </a:solidFill>
-                <a:effectLst/>
-                <a:latin typeface="+mn-lt"/>
-                <a:ea typeface="+mn-ea"/>
-                <a:cs typeface="+mn-cs"/>
-              </a:rPr>
-              <a:t>Rust </a:t>
-            </a:r>
-            <a:r>
-              <a:rPr lang="zh-CN" altLang="en-US" sz="1200" b="0" i="0" kern="1200" dirty="0">
-                <a:solidFill>
-                  <a:schemeClr val="tx1"/>
-                </a:solidFill>
-                <a:effectLst/>
-                <a:latin typeface="+mn-lt"/>
-                <a:ea typeface="+mn-ea"/>
-                <a:cs typeface="+mn-cs"/>
-              </a:rPr>
-              <a:t>语言分成 </a:t>
-            </a:r>
-            <a:r>
-              <a:rPr lang="en-US" altLang="zh-CN" sz="1200" b="0" i="0" kern="1200" dirty="0">
-                <a:solidFill>
-                  <a:schemeClr val="tx1"/>
-                </a:solidFill>
-                <a:effectLst/>
-                <a:latin typeface="+mn-lt"/>
-                <a:ea typeface="+mn-ea"/>
-                <a:cs typeface="+mn-cs"/>
-              </a:rPr>
-              <a:t>Safe Rust </a:t>
-            </a:r>
-            <a:r>
-              <a:rPr lang="zh-CN" altLang="en-US" sz="1200" b="0" i="0" kern="1200" dirty="0">
-                <a:solidFill>
-                  <a:schemeClr val="tx1"/>
-                </a:solidFill>
-                <a:effectLst/>
-                <a:latin typeface="+mn-lt"/>
-                <a:ea typeface="+mn-ea"/>
-                <a:cs typeface="+mn-cs"/>
-              </a:rPr>
-              <a:t>和 </a:t>
-            </a:r>
-            <a:r>
-              <a:rPr lang="en-US" altLang="zh-CN" sz="1200" b="0" i="0" kern="1200" dirty="0">
-                <a:solidFill>
-                  <a:schemeClr val="tx1"/>
-                </a:solidFill>
-                <a:effectLst/>
-                <a:latin typeface="+mn-lt"/>
-                <a:ea typeface="+mn-ea"/>
-                <a:cs typeface="+mn-cs"/>
-              </a:rPr>
-              <a:t>Unsafe Rust </a:t>
-            </a:r>
-            <a:r>
-              <a:rPr lang="zh-CN" altLang="en-US" sz="1200" b="0" i="0" kern="1200" dirty="0">
-                <a:solidFill>
-                  <a:schemeClr val="tx1"/>
-                </a:solidFill>
-                <a:effectLst/>
-                <a:latin typeface="+mn-lt"/>
-                <a:ea typeface="+mn-ea"/>
-                <a:cs typeface="+mn-cs"/>
-              </a:rPr>
-              <a:t>两部分，其中 </a:t>
-            </a:r>
-            <a:r>
-              <a:rPr lang="en-US" altLang="zh-CN" sz="1200" b="0" i="0" kern="1200" dirty="0">
-                <a:solidFill>
-                  <a:schemeClr val="tx1"/>
-                </a:solidFill>
-                <a:effectLst/>
-                <a:latin typeface="+mn-lt"/>
-                <a:ea typeface="+mn-ea"/>
-                <a:cs typeface="+mn-cs"/>
-              </a:rPr>
-              <a:t>Unsafe Rust</a:t>
-            </a:r>
-            <a:r>
-              <a:rPr lang="zh-CN" altLang="en-US" sz="1200" b="0" i="0" kern="1200" dirty="0">
-                <a:solidFill>
-                  <a:schemeClr val="tx1"/>
-                </a:solidFill>
-                <a:effectLst/>
-                <a:latin typeface="+mn-lt"/>
-                <a:ea typeface="+mn-ea"/>
-                <a:cs typeface="+mn-cs"/>
-              </a:rPr>
-              <a:t>专门和外部系统打交道，比如操作系统内核。学习曲线陡峭，语法不容易学习。所有权、引用借用、生命周期以及宏编程等都比较难以掌握。编译慢，也是因为所有权和生命周期的处理比较困难。开发效率相对</a:t>
-            </a:r>
-            <a:r>
-              <a:rPr lang="en-US" altLang="zh-CN" sz="1200" b="0" i="0" kern="1200" dirty="0" err="1">
-                <a:solidFill>
-                  <a:schemeClr val="tx1"/>
-                </a:solidFill>
-                <a:effectLst/>
-                <a:latin typeface="+mn-lt"/>
-                <a:ea typeface="+mn-ea"/>
-                <a:cs typeface="+mn-cs"/>
-              </a:rPr>
-              <a:t>golang</a:t>
-            </a:r>
-            <a:r>
-              <a:rPr lang="zh-CN" altLang="en-US" sz="1200" b="0" i="0" kern="1200" dirty="0">
-                <a:solidFill>
-                  <a:schemeClr val="tx1"/>
-                </a:solidFill>
-                <a:effectLst/>
-                <a:latin typeface="+mn-lt"/>
-                <a:ea typeface="+mn-ea"/>
-                <a:cs typeface="+mn-cs"/>
-              </a:rPr>
-              <a:t>等应用型语言慢。</a:t>
-            </a:r>
-            <a:endParaRPr kumimoji="1" lang="zh-CN" altLang="en-US" dirty="0"/>
+              <a:rPr lang="zh-CN" altLang="en-US" dirty="0"/>
+              <a:t>同样也支持该异步模型。</a:t>
+            </a:r>
           </a:p>
         </p:txBody>
       </p:sp>
@@ -9936,7 +9522,7 @@
             <a:spLocks noGrp="1"/>
           </p:cNvSpPr>
           <p:nvPr>
-            <p:ph type="sldNum" sz="quarter" idx="5"/>
+            <p:ph type="sldNum" sz="quarter" idx="10"/>
           </p:nvPr>
         </p:nvSpPr>
         <p:spPr/>
@@ -9955,7 +9541,7 @@
     </p:spTree>
     <p:extLst>
       <p:ext uri="{BB962C8B-B14F-4D97-AF65-F5344CB8AC3E}">
-        <p14:creationId xmlns:p14="http://schemas.microsoft.com/office/powerpoint/2010/main" val="3290587185"/>
+        <p14:creationId xmlns:p14="http://schemas.microsoft.com/office/powerpoint/2010/main" val="2757250599"/>
       </p:ext>
     </p:extLst>
   </p:cSld>
@@ -10009,45 +9595,186 @@
           <a:bodyPr/>
           <a:lstStyle/>
           <a:p>
-            <a:r>
-              <a:rPr lang="en-US" altLang="zh-CN" dirty="0" err="1"/>
-              <a:t>Benchmarksgame</a:t>
-            </a:r>
-            <a:r>
-              <a:rPr lang="zh-CN" altLang="en-US" dirty="0"/>
-              <a:t>做的性能对比。不同算法和数据格式实现的性能对比，</a:t>
-            </a:r>
-            <a:r>
-              <a:rPr lang="en-US" altLang="zh-CN" dirty="0"/>
-              <a:t>secs</a:t>
-            </a:r>
-            <a:r>
-              <a:rPr lang="zh-CN" altLang="en-US" dirty="0"/>
-              <a:t>总体运行时间，</a:t>
-            </a:r>
-            <a:r>
-              <a:rPr lang="en-US" altLang="zh-CN" dirty="0"/>
-              <a:t>mem</a:t>
-            </a:r>
-            <a:r>
-              <a:rPr lang="zh-CN" altLang="en-US" dirty="0"/>
-              <a:t>峰值内存，</a:t>
-            </a:r>
-            <a:r>
-              <a:rPr lang="en-US" altLang="zh-CN" dirty="0"/>
-              <a:t>busy</a:t>
-            </a:r>
-            <a:r>
-              <a:rPr lang="zh-CN" altLang="en-US" dirty="0"/>
-              <a:t>所有线程占据的时间片总和。</a:t>
-            </a:r>
-            <a:endParaRPr lang="zh-CN" altLang="en-US" sz="2000" kern="1200" dirty="0">
-              <a:solidFill>
-                <a:schemeClr val="tx1"/>
-              </a:solidFill>
-              <a:latin typeface="Times New Roman" panose="02020603050405020304" pitchFamily="18" charset="0"/>
-              <a:ea typeface="+mj-ea"/>
-              <a:cs typeface="Times New Roman" panose="02020603050405020304" pitchFamily="18" charset="0"/>
+            <a:pPr marL="0" marR="0" lvl="0" indent="0" algn="l" defTabSz="914400" rtl="0" eaLnBrk="1" fontAlgn="auto" latinLnBrk="0" hangingPunct="1">
+              <a:lnSpc>
+                <a:spcPct val="100000"/>
+              </a:lnSpc>
+              <a:spcBef>
+                <a:spcPts val="0"/>
+              </a:spcBef>
+              <a:spcAft>
+                <a:spcPts val="0"/>
+              </a:spcAft>
+              <a:buClrTx/>
+              <a:buSzTx/>
+              <a:buFontTx/>
+              <a:buNone/>
+              <a:tabLst/>
+              <a:defRPr/>
+            </a:pPr>
+            <a:r>
+              <a:rPr lang="zh-CN" altLang="en-US" dirty="0">
+                <a:latin typeface="Times New Roman" panose="02020603050405020304" pitchFamily="18" charset="0"/>
+                <a:cs typeface="Times New Roman" panose="02020603050405020304" pitchFamily="18" charset="0"/>
+              </a:rPr>
+              <a:t>由业务层分割计算过程，生成异步任务，串联异步过程。将生成的任务传递给</a:t>
+            </a:r>
+            <a:r>
+              <a:rPr lang="en-US" altLang="zh-CN" dirty="0">
+                <a:latin typeface="Times New Roman" panose="02020603050405020304" pitchFamily="18" charset="0"/>
+                <a:cs typeface="Times New Roman" panose="02020603050405020304" pitchFamily="18" charset="0"/>
+              </a:rPr>
+              <a:t>scheduler</a:t>
+            </a:r>
+            <a:r>
+              <a:rPr lang="zh-CN" altLang="en-US" dirty="0">
+                <a:latin typeface="Times New Roman" panose="02020603050405020304" pitchFamily="18" charset="0"/>
+                <a:cs typeface="Times New Roman" panose="02020603050405020304" pitchFamily="18" charset="0"/>
+              </a:rPr>
+              <a:t>，分发任务给不同的任务队列，</a:t>
+            </a:r>
+            <a:r>
+              <a:rPr lang="en-US" altLang="zh-CN" dirty="0">
+                <a:latin typeface="Times New Roman" panose="02020603050405020304" pitchFamily="18" charset="0"/>
+                <a:cs typeface="Times New Roman" panose="02020603050405020304" pitchFamily="18" charset="0"/>
+              </a:rPr>
+              <a:t>executor</a:t>
+            </a:r>
+            <a:r>
+              <a:rPr lang="zh-CN" altLang="en-US" dirty="0">
+                <a:latin typeface="Times New Roman" panose="02020603050405020304" pitchFamily="18" charset="0"/>
+                <a:cs typeface="Times New Roman" panose="02020603050405020304" pitchFamily="18" charset="0"/>
+              </a:rPr>
+              <a:t>选择合适的线程，将任务与线程关联起来，执行具体的任务代码。执行过程中遇到</a:t>
+            </a:r>
+            <a:r>
+              <a:rPr lang="en-US" altLang="zh-CN" dirty="0">
+                <a:latin typeface="Times New Roman" panose="02020603050405020304" pitchFamily="18" charset="0"/>
+                <a:cs typeface="Times New Roman" panose="02020603050405020304" pitchFamily="18" charset="0"/>
+              </a:rPr>
+              <a:t>pending</a:t>
+            </a:r>
+            <a:r>
+              <a:rPr lang="zh-CN" altLang="en-US" dirty="0">
+                <a:latin typeface="Times New Roman" panose="02020603050405020304" pitchFamily="18" charset="0"/>
+                <a:cs typeface="Times New Roman" panose="02020603050405020304" pitchFamily="18" charset="0"/>
+              </a:rPr>
+              <a:t>状态（</a:t>
+            </a:r>
+            <a:r>
+              <a:rPr lang="en-US" altLang="zh-CN" dirty="0">
+                <a:latin typeface="Times New Roman" panose="02020603050405020304" pitchFamily="18" charset="0"/>
+                <a:cs typeface="Times New Roman" panose="02020603050405020304" pitchFamily="18" charset="0"/>
+              </a:rPr>
+              <a:t>pending</a:t>
+            </a:r>
+            <a:r>
+              <a:rPr lang="zh-CN" altLang="en-US" dirty="0">
+                <a:latin typeface="Times New Roman" panose="02020603050405020304" pitchFamily="18" charset="0"/>
+                <a:cs typeface="Times New Roman" panose="02020603050405020304" pitchFamily="18" charset="0"/>
+              </a:rPr>
+              <a:t>状态可以自定义），则让出执行权。等待被唤醒之后（一般由系统事件唤醒），在进入调度流程。</a:t>
+            </a:r>
+            <a:r>
+              <a:rPr lang="en-US" altLang="zh-CN" dirty="0">
+                <a:latin typeface="Times New Roman" panose="02020603050405020304" pitchFamily="18" charset="0"/>
+                <a:cs typeface="Times New Roman" panose="02020603050405020304" pitchFamily="18" charset="0"/>
+              </a:rPr>
+              <a:t>Scheduler</a:t>
+            </a:r>
+            <a:r>
+              <a:rPr lang="zh-CN" altLang="en-US" dirty="0">
+                <a:latin typeface="Times New Roman" panose="02020603050405020304" pitchFamily="18" charset="0"/>
+                <a:cs typeface="Times New Roman" panose="02020603050405020304" pitchFamily="18" charset="0"/>
+              </a:rPr>
+              <a:t>、</a:t>
+            </a:r>
+            <a:r>
+              <a:rPr lang="en-US" altLang="zh-CN" dirty="0" err="1">
+                <a:latin typeface="Times New Roman" panose="02020603050405020304" pitchFamily="18" charset="0"/>
+                <a:cs typeface="Times New Roman" panose="02020603050405020304" pitchFamily="18" charset="0"/>
+              </a:rPr>
+              <a:t>executeor</a:t>
+            </a:r>
+            <a:r>
+              <a:rPr lang="zh-CN" altLang="en-US" dirty="0">
+                <a:latin typeface="Times New Roman" panose="02020603050405020304" pitchFamily="18" charset="0"/>
+                <a:cs typeface="Times New Roman" panose="02020603050405020304" pitchFamily="18" charset="0"/>
+              </a:rPr>
+              <a:t>、</a:t>
+            </a:r>
+            <a:r>
+              <a:rPr lang="en-US" altLang="zh-CN" dirty="0">
+                <a:latin typeface="Times New Roman" panose="02020603050405020304" pitchFamily="18" charset="0"/>
+                <a:cs typeface="Times New Roman" panose="02020603050405020304" pitchFamily="18" charset="0"/>
+              </a:rPr>
+              <a:t>wake</a:t>
+            </a:r>
+            <a:r>
+              <a:rPr lang="zh-CN" altLang="en-US" dirty="0">
+                <a:latin typeface="Times New Roman" panose="02020603050405020304" pitchFamily="18" charset="0"/>
+                <a:cs typeface="Times New Roman" panose="02020603050405020304" pitchFamily="18" charset="0"/>
+              </a:rPr>
+              <a:t>、</a:t>
+            </a:r>
+            <a:r>
+              <a:rPr lang="en-US" altLang="zh-CN" dirty="0">
+                <a:latin typeface="Times New Roman" panose="02020603050405020304" pitchFamily="18" charset="0"/>
+                <a:cs typeface="Times New Roman" panose="02020603050405020304" pitchFamily="18" charset="0"/>
+              </a:rPr>
+              <a:t>task queue</a:t>
+            </a:r>
+            <a:r>
+              <a:rPr lang="zh-CN" altLang="en-US" dirty="0">
+                <a:latin typeface="+mn-ea"/>
+              </a:rPr>
+              <a:t>均需要三方库实现（考虑将实现的</a:t>
+            </a:r>
+            <a:r>
+              <a:rPr lang="en-US" altLang="zh-CN" dirty="0">
+                <a:latin typeface="+mn-ea"/>
+              </a:rPr>
+              <a:t>demo</a:t>
+            </a:r>
+            <a:r>
+              <a:rPr lang="zh-CN" altLang="en-US" dirty="0">
+                <a:latin typeface="+mn-ea"/>
+              </a:rPr>
+              <a:t> 运行时添加进来），</a:t>
+            </a:r>
+            <a:r>
+              <a:rPr lang="en-US" altLang="zh-CN" dirty="0">
+                <a:latin typeface="+mn-ea"/>
+              </a:rPr>
+              <a:t>rust</a:t>
+            </a:r>
+            <a:r>
+              <a:rPr lang="zh-CN" altLang="en-US" dirty="0">
+                <a:latin typeface="+mn-ea"/>
+              </a:rPr>
+              <a:t>语言本身只提供了基本的</a:t>
+            </a:r>
+            <a:r>
+              <a:rPr lang="en-US" altLang="zh-CN" dirty="0">
+                <a:latin typeface="Times New Roman" panose="02020603050405020304" pitchFamily="18" charset="0"/>
+                <a:cs typeface="Times New Roman" panose="02020603050405020304" pitchFamily="18" charset="0"/>
+              </a:rPr>
+              <a:t>trait</a:t>
+            </a:r>
+            <a:r>
+              <a:rPr lang="zh-CN" altLang="en-US" dirty="0">
+                <a:latin typeface="+mn-ea"/>
+              </a:rPr>
+              <a:t>限定</a:t>
+            </a:r>
+            <a:r>
+              <a:rPr lang="zh-CN" altLang="en-US" dirty="0">
+                <a:latin typeface="+mn-lt"/>
+              </a:rPr>
+              <a:t>，编译器生成基本代码，支撑任务流转。这样就实现了一个线程同时支持多个并发任务的功能。</a:t>
+            </a:r>
+            <a:endParaRPr lang="zh-CN" altLang="en-US" dirty="0">
+              <a:latin typeface="+mn-ea"/>
             </a:endParaRPr>
           </a:p>
         </p:txBody>
@@ -10078,7 +9805,7 @@
     </p:spTree>
     <p:extLst>
       <p:ext uri="{BB962C8B-B14F-4D97-AF65-F5344CB8AC3E}">
-        <p14:creationId xmlns:p14="http://schemas.microsoft.com/office/powerpoint/2010/main" val="4247127536"/>
+        <p14:creationId xmlns:p14="http://schemas.microsoft.com/office/powerpoint/2010/main" val="3838693349"/>
       </p:ext>
     </p:extLst>
   </p:cSld>
@@ -10132,35 +9859,29 @@
           <a:bodyPr/>
           <a:lstStyle/>
           <a:p>
-            <a:r>
-              <a:rPr lang="en-US" altLang="zh-CN" dirty="0" err="1"/>
-              <a:t>Github</a:t>
-            </a:r>
-            <a:r>
-              <a:rPr lang="zh-CN" altLang="en-US" dirty="0"/>
-              <a:t>上对常见的数据操作的对比，</a:t>
-            </a:r>
-            <a:r>
-              <a:rPr lang="en-US" altLang="zh-CN" dirty="0"/>
-              <a:t>base64</a:t>
-            </a:r>
-            <a:r>
-              <a:rPr lang="zh-CN" altLang="en-US" dirty="0"/>
-              <a:t>编码，</a:t>
-            </a:r>
-            <a:r>
-              <a:rPr lang="en-US" altLang="zh-CN" dirty="0" err="1"/>
-              <a:t>json</a:t>
-            </a:r>
-            <a:r>
-              <a:rPr lang="zh-CN" altLang="en-US" dirty="0"/>
-              <a:t>解析等比较。</a:t>
-            </a:r>
-            <a:r>
-              <a:rPr lang="en-US" altLang="zh-CN" dirty="0"/>
-              <a:t>https://github.com/kostya/benchmarks</a:t>
-            </a:r>
-            <a:endParaRPr lang="zh-CN" altLang="en-US" dirty="0"/>
+            <a:pPr marL="0" marR="0" lvl="0" indent="0" algn="l" defTabSz="914400" rtl="0" eaLnBrk="1" fontAlgn="auto" latinLnBrk="0" hangingPunct="1">
+              <a:lnSpc>
+                <a:spcPct val="100000"/>
+              </a:lnSpc>
+              <a:spcBef>
+                <a:spcPts val="0"/>
+              </a:spcBef>
+              <a:spcAft>
+                <a:spcPts val="0"/>
+              </a:spcAft>
+              <a:buClrTx/>
+              <a:buSzTx/>
+              <a:buFontTx/>
+              <a:buNone/>
+              <a:tabLst/>
+              <a:defRPr/>
+            </a:pPr>
+            <a:r>
+              <a:rPr lang="zh-CN" altLang="en-US" dirty="0">
+                <a:latin typeface="+mn-ea"/>
+              </a:rPr>
+              <a:t>示例展示，用户在使用第三方库进行异步并发计算时，只需要关注计算本身即可。细节实现均被封装，感知不到具体细节。开发者只关注业务层逻辑即可，不需要关注异步并发计算背后的逻辑。用户同样可以自主研发贴合业务的运行时机制，使服务获得更高的性能。当然同时也带来些问题，不同的运行时实现相互之间可能存在冲突。</a:t>
+            </a:r>
           </a:p>
         </p:txBody>
       </p:sp>
@@ -10190,7 +9911,7 @@
     </p:spTree>
     <p:extLst>
       <p:ext uri="{BB962C8B-B14F-4D97-AF65-F5344CB8AC3E}">
-        <p14:creationId xmlns:p14="http://schemas.microsoft.com/office/powerpoint/2010/main" val="2558072081"/>
+        <p14:creationId xmlns:p14="http://schemas.microsoft.com/office/powerpoint/2010/main" val="3932428062"/>
       </p:ext>
     </p:extLst>
   </p:cSld>
@@ -10244,6 +9965,218 @@
           <a:bodyPr/>
           <a:lstStyle/>
           <a:p>
+            <a:r>
+              <a:rPr kumimoji="1" lang="zh-CN" altLang="en-US" dirty="0"/>
+              <a:t>没有垃圾回收器</a:t>
+            </a:r>
+            <a:r>
+              <a:rPr kumimoji="1" lang="en-US" altLang="zh-CN" dirty="0"/>
+              <a:t>stop the world</a:t>
+            </a:r>
+            <a:r>
+              <a:rPr kumimoji="1" lang="zh-CN" altLang="en-US" dirty="0"/>
+              <a:t>，以及对零成本抽象的支持，</a:t>
+            </a:r>
+            <a:r>
+              <a:rPr kumimoji="1" lang="en-US" altLang="zh-CN" dirty="0"/>
+              <a:t>Rust</a:t>
+            </a:r>
+            <a:r>
+              <a:rPr kumimoji="1" lang="zh-CN" altLang="en-US" dirty="0"/>
+              <a:t>本身性能比较高。编译器完备的安全检查，类型检查，内存安全检查。</a:t>
+            </a:r>
+            <a:r>
+              <a:rPr lang="en-US" altLang="zh-CN" sz="1200" b="0" i="0" kern="1200" dirty="0">
+                <a:solidFill>
+                  <a:schemeClr val="tx1"/>
+                </a:solidFill>
+                <a:effectLst/>
+                <a:latin typeface="+mn-lt"/>
+                <a:ea typeface="+mn-ea"/>
+                <a:cs typeface="+mn-cs"/>
+              </a:rPr>
+              <a:t>Rust</a:t>
+            </a:r>
+            <a:r>
+              <a:rPr lang="zh-CN" altLang="en-US" sz="1200" b="0" i="0" kern="1200" dirty="0">
+                <a:solidFill>
+                  <a:schemeClr val="tx1"/>
+                </a:solidFill>
+                <a:effectLst/>
+                <a:latin typeface="+mn-lt"/>
+                <a:ea typeface="+mn-ea"/>
+                <a:cs typeface="+mn-cs"/>
+              </a:rPr>
+              <a:t>兼容 </a:t>
+            </a:r>
+            <a:r>
+              <a:rPr lang="en-US" altLang="zh-CN" sz="1200" b="0" i="0" kern="1200" dirty="0">
+                <a:solidFill>
+                  <a:schemeClr val="tx1"/>
+                </a:solidFill>
+                <a:effectLst/>
+                <a:latin typeface="+mn-lt"/>
+                <a:ea typeface="+mn-ea"/>
+                <a:cs typeface="+mn-cs"/>
+              </a:rPr>
+              <a:t>C-ABI</a:t>
+            </a:r>
+            <a:r>
+              <a:rPr lang="zh-CN" altLang="en-US" sz="1200" b="0" i="0" kern="1200" dirty="0">
+                <a:solidFill>
+                  <a:schemeClr val="tx1"/>
+                </a:solidFill>
+                <a:effectLst/>
+                <a:latin typeface="+mn-lt"/>
+                <a:ea typeface="+mn-ea"/>
+                <a:cs typeface="+mn-cs"/>
+              </a:rPr>
+              <a:t>，能很好的兼容</a:t>
+            </a:r>
+            <a:r>
+              <a:rPr lang="en-US" altLang="zh-CN" sz="1200" b="0" i="0" kern="1200" dirty="0">
+                <a:solidFill>
+                  <a:schemeClr val="tx1"/>
+                </a:solidFill>
+                <a:effectLst/>
+                <a:latin typeface="+mn-lt"/>
+                <a:ea typeface="+mn-ea"/>
+                <a:cs typeface="+mn-cs"/>
+              </a:rPr>
+              <a:t>C</a:t>
+            </a:r>
+            <a:r>
+              <a:rPr lang="zh-CN" altLang="en-US" sz="1200" b="0" i="0" kern="1200" dirty="0">
+                <a:solidFill>
+                  <a:schemeClr val="tx1"/>
+                </a:solidFill>
+                <a:effectLst/>
+                <a:latin typeface="+mn-lt"/>
+                <a:ea typeface="+mn-ea"/>
+                <a:cs typeface="+mn-cs"/>
+              </a:rPr>
+              <a:t>语言软件。并且从语言架构层面上将 </a:t>
+            </a:r>
+            <a:r>
+              <a:rPr lang="en-US" altLang="zh-CN" sz="1200" b="0" i="0" kern="1200" dirty="0">
+                <a:solidFill>
+                  <a:schemeClr val="tx1"/>
+                </a:solidFill>
+                <a:effectLst/>
+                <a:latin typeface="+mn-lt"/>
+                <a:ea typeface="+mn-ea"/>
+                <a:cs typeface="+mn-cs"/>
+              </a:rPr>
+              <a:t>Rust </a:t>
+            </a:r>
+            <a:r>
+              <a:rPr lang="zh-CN" altLang="en-US" sz="1200" b="0" i="0" kern="1200" dirty="0">
+                <a:solidFill>
+                  <a:schemeClr val="tx1"/>
+                </a:solidFill>
+                <a:effectLst/>
+                <a:latin typeface="+mn-lt"/>
+                <a:ea typeface="+mn-ea"/>
+                <a:cs typeface="+mn-cs"/>
+              </a:rPr>
+              <a:t>语言分成 </a:t>
+            </a:r>
+            <a:r>
+              <a:rPr lang="en-US" altLang="zh-CN" sz="1200" b="0" i="0" kern="1200" dirty="0">
+                <a:solidFill>
+                  <a:schemeClr val="tx1"/>
+                </a:solidFill>
+                <a:effectLst/>
+                <a:latin typeface="+mn-lt"/>
+                <a:ea typeface="+mn-ea"/>
+                <a:cs typeface="+mn-cs"/>
+              </a:rPr>
+              <a:t>Safe Rust </a:t>
+            </a:r>
+            <a:r>
+              <a:rPr lang="zh-CN" altLang="en-US" sz="1200" b="0" i="0" kern="1200" dirty="0">
+                <a:solidFill>
+                  <a:schemeClr val="tx1"/>
+                </a:solidFill>
+                <a:effectLst/>
+                <a:latin typeface="+mn-lt"/>
+                <a:ea typeface="+mn-ea"/>
+                <a:cs typeface="+mn-cs"/>
+              </a:rPr>
+              <a:t>和 </a:t>
+            </a:r>
+            <a:r>
+              <a:rPr lang="en-US" altLang="zh-CN" sz="1200" b="0" i="0" kern="1200" dirty="0">
+                <a:solidFill>
+                  <a:schemeClr val="tx1"/>
+                </a:solidFill>
+                <a:effectLst/>
+                <a:latin typeface="+mn-lt"/>
+                <a:ea typeface="+mn-ea"/>
+                <a:cs typeface="+mn-cs"/>
+              </a:rPr>
+              <a:t>Unsafe Rust </a:t>
+            </a:r>
+            <a:r>
+              <a:rPr lang="zh-CN" altLang="en-US" sz="1200" b="0" i="0" kern="1200" dirty="0">
+                <a:solidFill>
+                  <a:schemeClr val="tx1"/>
+                </a:solidFill>
+                <a:effectLst/>
+                <a:latin typeface="+mn-lt"/>
+                <a:ea typeface="+mn-ea"/>
+                <a:cs typeface="+mn-cs"/>
+              </a:rPr>
+              <a:t>两部分，其中 </a:t>
+            </a:r>
+            <a:r>
+              <a:rPr lang="en-US" altLang="zh-CN" sz="1200" b="0" i="0" kern="1200" dirty="0">
+                <a:solidFill>
+                  <a:schemeClr val="tx1"/>
+                </a:solidFill>
+                <a:effectLst/>
+                <a:latin typeface="+mn-lt"/>
+                <a:ea typeface="+mn-ea"/>
+                <a:cs typeface="+mn-cs"/>
+              </a:rPr>
+              <a:t>Unsafe Rust</a:t>
+            </a:r>
+            <a:r>
+              <a:rPr lang="zh-CN" altLang="en-US" sz="1200" b="0" i="0" kern="1200" dirty="0">
+                <a:solidFill>
+                  <a:schemeClr val="tx1"/>
+                </a:solidFill>
+                <a:effectLst/>
+                <a:latin typeface="+mn-lt"/>
+                <a:ea typeface="+mn-ea"/>
+                <a:cs typeface="+mn-cs"/>
+              </a:rPr>
+              <a:t>专门和外部系统打交道，比如操作系统内核。学习曲线陡峭，语法不容易学习。所有权、引用借用、生命周期以及宏编程等都比较难以掌握。编译慢，也是因为所有权和生命周期的处理比较困难。开发效率相对</a:t>
+            </a:r>
+            <a:r>
+              <a:rPr lang="en-US" altLang="zh-CN" sz="1200" b="0" i="0" kern="1200" dirty="0" err="1">
+                <a:solidFill>
+                  <a:schemeClr val="tx1"/>
+                </a:solidFill>
+                <a:effectLst/>
+                <a:latin typeface="+mn-lt"/>
+                <a:ea typeface="+mn-ea"/>
+                <a:cs typeface="+mn-cs"/>
+              </a:rPr>
+              <a:t>golang</a:t>
+            </a:r>
+            <a:r>
+              <a:rPr lang="zh-CN" altLang="en-US" sz="1200" b="0" i="0" kern="1200" dirty="0">
+                <a:solidFill>
+                  <a:schemeClr val="tx1"/>
+                </a:solidFill>
+                <a:effectLst/>
+                <a:latin typeface="+mn-lt"/>
+                <a:ea typeface="+mn-ea"/>
+                <a:cs typeface="+mn-cs"/>
+              </a:rPr>
+              <a:t>等应用型语言慢。</a:t>
+            </a:r>
             <a:endParaRPr kumimoji="1" lang="zh-CN" altLang="en-US" dirty="0"/>
           </a:p>
         </p:txBody>
@@ -10274,7 +10207,7 @@
     </p:spTree>
     <p:extLst>
       <p:ext uri="{BB962C8B-B14F-4D97-AF65-F5344CB8AC3E}">
-        <p14:creationId xmlns:p14="http://schemas.microsoft.com/office/powerpoint/2010/main" val="2505676362"/>
+        <p14:creationId xmlns:p14="http://schemas.microsoft.com/office/powerpoint/2010/main" val="3290587185"/>
       </p:ext>
     </p:extLst>
   </p:cSld>
@@ -10329,82 +10262,45 @@
           <a:lstStyle/>
           <a:p>
             <a:r>
+              <a:rPr lang="en-US" altLang="zh-CN" dirty="0" err="1"/>
+              <a:t>Benchmarksgame</a:t>
+            </a:r>
+            <a:r>
+              <a:rPr lang="zh-CN" altLang="en-US" dirty="0"/>
+              <a:t>做的性能对比。不同算法和数据格式实现的性能对比，</a:t>
+            </a:r>
+            <a:r>
               <a:rPr lang="en-US" altLang="zh-CN" dirty="0"/>
-              <a:t>Rust</a:t>
+              <a:t>secs</a:t>
             </a:r>
             <a:r>
               <a:rPr lang="zh-CN" altLang="en-US" dirty="0"/>
-              <a:t>发展是依赖社区和开发团队共同推进的，</a:t>
+              <a:t>总体运行时间，</a:t>
             </a:r>
             <a:r>
               <a:rPr lang="en-US" altLang="zh-CN" dirty="0"/>
-              <a:t>rust</a:t>
+              <a:t>mem</a:t>
             </a:r>
             <a:r>
               <a:rPr lang="zh-CN" altLang="en-US" dirty="0"/>
-              <a:t>核心团队主要集中在</a:t>
+              <a:t>峰值内存，</a:t>
             </a:r>
             <a:r>
               <a:rPr lang="en-US" altLang="zh-CN" dirty="0"/>
-              <a:t>rust</a:t>
+              <a:t>busy</a:t>
             </a:r>
             <a:r>
               <a:rPr lang="zh-CN" altLang="en-US" dirty="0"/>
-              <a:t>语言本身的特性开发上，而社区主要集中在</a:t>
-            </a:r>
-            <a:r>
-              <a:rPr lang="en-US" altLang="zh-CN" dirty="0"/>
-              <a:t>rust</a:t>
-            </a:r>
-            <a:r>
-              <a:rPr lang="zh-CN" altLang="en-US" dirty="0"/>
-              <a:t>的基础应用上。很多基础库都会以</a:t>
-            </a:r>
-            <a:r>
-              <a:rPr lang="en-US" altLang="zh-CN" dirty="0"/>
-              <a:t>crate</a:t>
-            </a:r>
-            <a:r>
-              <a:rPr lang="zh-CN" altLang="en-US" dirty="0"/>
-              <a:t>的形式发布到</a:t>
-            </a:r>
-            <a:r>
-              <a:rPr lang="en-US" altLang="zh-CN" dirty="0"/>
-              <a:t>crates.io</a:t>
-            </a:r>
-            <a:r>
-              <a:rPr lang="zh-CN" altLang="en-US" dirty="0"/>
-              <a:t>上。目前为止有</a:t>
-            </a:r>
-            <a:r>
-              <a:rPr lang="en-US" altLang="zh-CN" dirty="0"/>
-              <a:t>71905</a:t>
-            </a:r>
-            <a:r>
-              <a:rPr lang="zh-CN" altLang="en-US" dirty="0"/>
-              <a:t>个</a:t>
-            </a:r>
-            <a:endParaRPr lang="en-US" altLang="zh-CN" dirty="0"/>
-          </a:p>
-          <a:p>
-            <a:pPr marL="0" indent="0">
-              <a:buNone/>
-            </a:pPr>
-            <a:r>
-              <a:rPr kumimoji="1" lang="zh-CN" altLang="en-US" dirty="0"/>
-              <a:t>基础库，</a:t>
-            </a:r>
-            <a:r>
-              <a:rPr kumimoji="1" lang="en-US" altLang="zh-CN" dirty="0" err="1"/>
-              <a:t>io</a:t>
-            </a:r>
-            <a:r>
-              <a:rPr kumimoji="1" lang="zh-CN" altLang="en-US" dirty="0"/>
-              <a:t>，网络，数据库，集中在云计算。</a:t>
-            </a:r>
-          </a:p>
-          <a:p>
-            <a:endParaRPr lang="zh-CN" altLang="en-US" dirty="0"/>
+              <a:t>所有线程占据的时间片总和。</a:t>
+            </a:r>
+            <a:endParaRPr lang="zh-CN" altLang="en-US" sz="2000" kern="1200" dirty="0">
+              <a:solidFill>
+                <a:schemeClr val="tx1"/>
+              </a:solidFill>
+              <a:latin typeface="Times New Roman" panose="02020603050405020304" pitchFamily="18" charset="0"/>
+              <a:ea typeface="+mj-ea"/>
+              <a:cs typeface="Times New Roman" panose="02020603050405020304" pitchFamily="18" charset="0"/>
+            </a:endParaRPr>
           </a:p>
         </p:txBody>
       </p:sp>
@@ -10434,7 +10330,7 @@
     </p:spTree>
     <p:extLst>
       <p:ext uri="{BB962C8B-B14F-4D97-AF65-F5344CB8AC3E}">
-        <p14:creationId xmlns:p14="http://schemas.microsoft.com/office/powerpoint/2010/main" val="1322133225"/>
+        <p14:creationId xmlns:p14="http://schemas.microsoft.com/office/powerpoint/2010/main" val="4247127536"/>
       </p:ext>
     </p:extLst>
   </p:cSld>
@@ -10726,89 +10622,33 @@
           <a:p>
             <a:r>
               <a:rPr lang="en-US" altLang="zh-CN" dirty="0" err="1"/>
-              <a:t>Serde</a:t>
+              <a:t>Github</a:t>
             </a:r>
             <a:r>
               <a:rPr lang="zh-CN" altLang="en-US" dirty="0"/>
-              <a:t>是三方实现的序列化反序列化库，在</a:t>
+              <a:t>上对常见的数据操作的对比，</a:t>
+            </a:r>
+            <a:r>
+              <a:rPr lang="en-US" altLang="zh-CN" dirty="0"/>
+              <a:t>base64</a:t>
+            </a:r>
+            <a:r>
+              <a:rPr lang="zh-CN" altLang="en-US" dirty="0"/>
+              <a:t>编码，</a:t>
             </a:r>
             <a:r>
               <a:rPr lang="en-US" altLang="zh-CN" dirty="0" err="1"/>
-              <a:t>github</a:t>
+              <a:t>json</a:t>
             </a:r>
             <a:r>
               <a:rPr lang="zh-CN" altLang="en-US" dirty="0"/>
-              <a:t>上有与其他语言通功能库的比较结果</a:t>
-            </a:r>
-            <a:endParaRPr lang="en-US" altLang="zh-CN" dirty="0"/>
-          </a:p>
-          <a:p>
-            <a:r>
-              <a:rPr lang="en-US" altLang="zh-CN" dirty="0" err="1"/>
-              <a:t>Tokio</a:t>
-            </a:r>
-            <a:r>
-              <a:rPr lang="zh-CN" altLang="en-US" dirty="0"/>
-              <a:t>、</a:t>
+              <a:t>解析等比较。</a:t>
             </a:r>
             <a:r>
               <a:rPr lang="en-US" altLang="zh-CN" dirty="0"/>
-              <a:t>async-std</a:t>
-            </a:r>
-            <a:r>
-              <a:rPr lang="zh-CN" altLang="en-US" dirty="0"/>
-              <a:t>是支撑异步并发编程的运行时三方库，内部实现了</a:t>
-            </a:r>
-            <a:r>
-              <a:rPr lang="en-US" altLang="zh-CN" dirty="0"/>
-              <a:t>io</a:t>
-            </a:r>
-            <a:r>
-              <a:rPr lang="zh-CN" altLang="en-US" dirty="0"/>
-              <a:t>等操作的异步机制</a:t>
-            </a:r>
-            <a:endParaRPr lang="en-US" altLang="zh-CN" dirty="0"/>
-          </a:p>
-          <a:p>
-            <a:r>
-              <a:rPr lang="zh-CN" altLang="en-US" dirty="0"/>
-              <a:t>常见数据库客户端</a:t>
-            </a:r>
-            <a:endParaRPr lang="en-US" altLang="zh-CN" dirty="0"/>
-          </a:p>
-          <a:p>
-            <a:r>
-              <a:rPr lang="en-US" altLang="zh-CN" dirty="0"/>
-              <a:t>Tonic</a:t>
-            </a:r>
-            <a:r>
-              <a:rPr lang="zh-CN" altLang="en-US" dirty="0"/>
-              <a:t>三方实现的</a:t>
-            </a:r>
-            <a:r>
-              <a:rPr lang="en-US" altLang="zh-CN" dirty="0" err="1"/>
-              <a:t>grpc</a:t>
-            </a:r>
-            <a:r>
-              <a:rPr lang="zh-CN" altLang="en-US" dirty="0"/>
-              <a:t>库，</a:t>
-            </a:r>
-            <a:r>
-              <a:rPr lang="en-US" altLang="zh-CN" dirty="0" err="1"/>
-              <a:t>protobuf</a:t>
-            </a:r>
-            <a:r>
-              <a:rPr lang="zh-CN" altLang="en-US" dirty="0"/>
-              <a:t>是</a:t>
-            </a:r>
-            <a:r>
-              <a:rPr lang="en-US" altLang="zh-CN" dirty="0"/>
-              <a:t>proto</a:t>
-            </a:r>
-            <a:r>
-              <a:rPr lang="zh-CN" altLang="en-US" dirty="0"/>
-              <a:t>协议序列化反序列化库</a:t>
-            </a:r>
+              <a:t>https://github.com/kostya/benchmarks</a:t>
+            </a:r>
+            <a:endParaRPr lang="zh-CN" altLang="en-US" dirty="0"/>
           </a:p>
         </p:txBody>
       </p:sp>
@@ -10838,7 +10678,7 @@
     </p:spTree>
     <p:extLst>
       <p:ext uri="{BB962C8B-B14F-4D97-AF65-F5344CB8AC3E}">
-        <p14:creationId xmlns:p14="http://schemas.microsoft.com/office/powerpoint/2010/main" val="1652419754"/>
+        <p14:creationId xmlns:p14="http://schemas.microsoft.com/office/powerpoint/2010/main" val="2558072081"/>
       </p:ext>
     </p:extLst>
   </p:cSld>
@@ -10892,139 +10732,7 @@
           <a:bodyPr/>
           <a:lstStyle/>
           <a:p>
-            <a:r>
-              <a:rPr lang="en-US" altLang="zh-CN" dirty="0" err="1"/>
-              <a:t>rCore</a:t>
-            </a:r>
-            <a:r>
-              <a:rPr lang="zh-CN" altLang="en-US" dirty="0"/>
-              <a:t>，清华大学开源的操作系统，除此之外还有谷歌开源的</a:t>
-            </a:r>
-            <a:r>
-              <a:rPr lang="en-US" altLang="zh-CN" dirty="0"/>
-              <a:t>Fuchsia</a:t>
-            </a:r>
-            <a:r>
-              <a:rPr lang="zh-CN" altLang="en-US" dirty="0"/>
-              <a:t>操作系统，是除了</a:t>
-            </a:r>
-            <a:r>
-              <a:rPr lang="en-US" altLang="zh-CN" dirty="0"/>
-              <a:t>rust</a:t>
-            </a:r>
-            <a:r>
-              <a:rPr lang="zh-CN" altLang="en-US" dirty="0"/>
-              <a:t>本身之外的最大的</a:t>
-            </a:r>
-            <a:r>
-              <a:rPr lang="en-US" altLang="zh-CN" dirty="0"/>
-              <a:t>rust</a:t>
-            </a:r>
-            <a:r>
-              <a:rPr lang="zh-CN" altLang="en-US" dirty="0"/>
-              <a:t>项目。</a:t>
-            </a:r>
-            <a:endParaRPr lang="en-US" altLang="zh-CN" dirty="0"/>
-          </a:p>
-          <a:p>
-            <a:r>
-              <a:rPr lang="en-US" altLang="zh-CN" dirty="0" err="1"/>
-              <a:t>TiKV</a:t>
-            </a:r>
-            <a:r>
-              <a:rPr lang="zh-CN" altLang="en-US" dirty="0"/>
-              <a:t>，分布式数据库</a:t>
-            </a:r>
-            <a:r>
-              <a:rPr lang="en-US" altLang="zh-CN" dirty="0" err="1"/>
-              <a:t>TiDB</a:t>
-            </a:r>
-            <a:r>
-              <a:rPr lang="zh-CN" altLang="en-US" dirty="0"/>
-              <a:t>的底层核心模块。</a:t>
-            </a:r>
-            <a:endParaRPr lang="en-US" altLang="zh-CN" dirty="0"/>
-          </a:p>
-          <a:p>
-            <a:r>
-              <a:rPr lang="en-US" altLang="zh-CN" dirty="0"/>
-              <a:t>Vector</a:t>
-            </a:r>
-            <a:r>
-              <a:rPr lang="zh-CN" altLang="en-US" dirty="0"/>
-              <a:t>，数据管道功能类似于</a:t>
-            </a:r>
-            <a:r>
-              <a:rPr lang="en-US" altLang="zh-CN" dirty="0" err="1"/>
-              <a:t>logstash</a:t>
-            </a:r>
-            <a:r>
-              <a:rPr lang="zh-CN" altLang="en-US" dirty="0"/>
-              <a:t>，据说比</a:t>
-            </a:r>
-            <a:r>
-              <a:rPr lang="en-US" altLang="zh-CN" dirty="0" err="1"/>
-              <a:t>logstash</a:t>
-            </a:r>
-            <a:r>
-              <a:rPr lang="zh-CN" altLang="en-US" dirty="0"/>
-              <a:t>快</a:t>
-            </a:r>
-            <a:r>
-              <a:rPr lang="en-US" altLang="zh-CN" dirty="0"/>
-              <a:t>10</a:t>
-            </a:r>
-            <a:r>
-              <a:rPr lang="zh-CN" altLang="en-US" dirty="0"/>
-              <a:t>倍，目前国内虎扑有采用</a:t>
-            </a:r>
-            <a:r>
-              <a:rPr lang="en-US" altLang="zh-CN" dirty="0" err="1"/>
-              <a:t>filebeat</a:t>
-            </a:r>
-            <a:r>
-              <a:rPr lang="en-US" altLang="zh-CN" dirty="0"/>
-              <a:t>-&gt;</a:t>
-            </a:r>
-            <a:r>
-              <a:rPr lang="en-US" altLang="zh-CN" dirty="0" err="1"/>
-              <a:t>kafka</a:t>
-            </a:r>
-            <a:r>
-              <a:rPr lang="en-US" altLang="zh-CN" dirty="0"/>
-              <a:t>-&gt;vector-&gt;</a:t>
-            </a:r>
-            <a:r>
-              <a:rPr lang="en-US" altLang="zh-CN" dirty="0" err="1"/>
-              <a:t>kafka</a:t>
-            </a:r>
-            <a:r>
-              <a:rPr lang="en-US" altLang="zh-CN" dirty="0"/>
-              <a:t>-&gt;ES/</a:t>
-            </a:r>
-            <a:r>
-              <a:rPr lang="en-US" altLang="zh-CN" dirty="0" err="1"/>
-              <a:t>clickhouse</a:t>
-            </a:r>
-            <a:r>
-              <a:rPr lang="zh-CN" altLang="en-US" dirty="0"/>
-              <a:t>的数据采集存储方案。</a:t>
-            </a:r>
-            <a:endParaRPr lang="en-US" altLang="zh-CN" dirty="0"/>
-          </a:p>
-          <a:p>
-            <a:r>
-              <a:rPr lang="en-US" altLang="zh-CN" dirty="0" err="1"/>
-              <a:t>webAssembly</a:t>
-            </a:r>
-            <a:r>
-              <a:rPr lang="zh-CN" altLang="en-US" dirty="0"/>
-              <a:t>可以在细化下。</a:t>
-            </a:r>
-            <a:endParaRPr lang="en-US" altLang="zh-CN" dirty="0"/>
-          </a:p>
-          <a:p>
-            <a:endParaRPr lang="en-US" altLang="zh-CN" dirty="0"/>
+            <a:endParaRPr kumimoji="1" lang="zh-CN" altLang="en-US" dirty="0"/>
           </a:p>
         </p:txBody>
       </p:sp>
@@ -11035,7 +10743,7 @@
             <a:spLocks noGrp="1"/>
           </p:cNvSpPr>
           <p:nvPr>
-            <p:ph type="sldNum" sz="quarter" idx="10"/>
+            <p:ph type="sldNum" sz="quarter" idx="5"/>
           </p:nvPr>
         </p:nvSpPr>
         <p:spPr/>
@@ -11054,7 +10762,7 @@
     </p:spTree>
     <p:extLst>
       <p:ext uri="{BB962C8B-B14F-4D97-AF65-F5344CB8AC3E}">
-        <p14:creationId xmlns:p14="http://schemas.microsoft.com/office/powerpoint/2010/main" val="1516576798"/>
+        <p14:creationId xmlns:p14="http://schemas.microsoft.com/office/powerpoint/2010/main" val="2505676362"/>
       </p:ext>
     </p:extLst>
   </p:cSld>
@@ -11109,25 +10817,82 @@
           <a:lstStyle/>
           <a:p>
             <a:r>
+              <a:rPr lang="en-US" altLang="zh-CN" dirty="0"/>
+              <a:t>Rust</a:t>
+            </a:r>
+            <a:r>
+              <a:rPr lang="zh-CN" altLang="en-US" dirty="0"/>
+              <a:t>发展是依赖社区和开发团队共同推进的，</a:t>
+            </a:r>
+            <a:r>
+              <a:rPr lang="en-US" altLang="zh-CN" dirty="0"/>
+              <a:t>rust</a:t>
+            </a:r>
+            <a:r>
+              <a:rPr lang="zh-CN" altLang="en-US" dirty="0"/>
+              <a:t>核心团队主要集中在</a:t>
+            </a:r>
+            <a:r>
+              <a:rPr lang="en-US" altLang="zh-CN" dirty="0"/>
+              <a:t>rust</a:t>
+            </a:r>
+            <a:r>
+              <a:rPr lang="zh-CN" altLang="en-US" dirty="0"/>
+              <a:t>语言本身的特性开发上，而社区主要集中在</a:t>
+            </a:r>
+            <a:r>
+              <a:rPr lang="en-US" altLang="zh-CN" dirty="0"/>
+              <a:t>rust</a:t>
+            </a:r>
+            <a:r>
+              <a:rPr lang="zh-CN" altLang="en-US" dirty="0"/>
+              <a:t>的基础应用上。很多基础库都会以</a:t>
+            </a:r>
+            <a:r>
+              <a:rPr lang="en-US" altLang="zh-CN" dirty="0"/>
+              <a:t>crate</a:t>
+            </a:r>
+            <a:r>
+              <a:rPr lang="zh-CN" altLang="en-US" dirty="0"/>
+              <a:t>的形式发布到</a:t>
+            </a:r>
+            <a:r>
+              <a:rPr lang="en-US" altLang="zh-CN" dirty="0"/>
+              <a:t>crates.io</a:t>
+            </a:r>
+            <a:r>
+              <a:rPr lang="zh-CN" altLang="en-US" dirty="0"/>
+              <a:t>上。目前为止有</a:t>
+            </a:r>
+            <a:r>
+              <a:rPr lang="en-US" altLang="zh-CN" dirty="0"/>
+              <a:t>71905</a:t>
+            </a:r>
+            <a:r>
+              <a:rPr lang="zh-CN" altLang="en-US" dirty="0"/>
+              <a:t>个</a:t>
+            </a:r>
+            <a:endParaRPr lang="en-US" altLang="zh-CN" dirty="0"/>
+          </a:p>
+          <a:p>
+            <a:pPr marL="0" indent="0">
+              <a:buNone/>
+            </a:pPr>
+            <a:r>
               <a:rPr kumimoji="1" lang="zh-CN" altLang="en-US" dirty="0"/>
-              <a:t>目前只找到了</a:t>
-            </a:r>
-            <a:r>
-              <a:rPr kumimoji="1" lang="en-US" altLang="zh-CN" dirty="0"/>
-              <a:t>web</a:t>
+              <a:t>基础库，</a:t>
+            </a:r>
+            <a:r>
+              <a:rPr kumimoji="1" lang="en-US" altLang="zh-CN" dirty="0" err="1"/>
+              <a:t>io</a:t>
             </a:r>
             <a:r>
               <a:rPr kumimoji="1" lang="zh-CN" altLang="en-US" dirty="0"/>
-              <a:t>端的</a:t>
-            </a:r>
-            <a:r>
-              <a:rPr kumimoji="1" lang="en-US" altLang="zh-CN" dirty="0"/>
-              <a:t>roadmap</a:t>
-            </a:r>
-            <a:r>
-              <a:rPr kumimoji="1" lang="zh-CN" altLang="en-US" dirty="0"/>
-              <a:t>，考虑自己整理一个。</a:t>
-            </a:r>
+              <a:t>，网络，数据库，集中在云计算。</a:t>
+            </a:r>
+          </a:p>
+          <a:p>
+            <a:endParaRPr lang="zh-CN" altLang="en-US" dirty="0"/>
           </a:p>
         </p:txBody>
       </p:sp>
@@ -11138,7 +10903,7 @@
             <a:spLocks noGrp="1"/>
           </p:cNvSpPr>
           <p:nvPr>
-            <p:ph type="sldNum" sz="quarter" idx="5"/>
+            <p:ph type="sldNum" sz="quarter" idx="10"/>
           </p:nvPr>
         </p:nvSpPr>
         <p:spPr/>
@@ -11157,7 +10922,7 @@
     </p:spTree>
     <p:extLst>
       <p:ext uri="{BB962C8B-B14F-4D97-AF65-F5344CB8AC3E}">
-        <p14:creationId xmlns:p14="http://schemas.microsoft.com/office/powerpoint/2010/main" val="1902004687"/>
+        <p14:creationId xmlns:p14="http://schemas.microsoft.com/office/powerpoint/2010/main" val="1322133225"/>
       </p:ext>
     </p:extLst>
   </p:cSld>
@@ -11212,8 +10977,89 @@
           <a:lstStyle/>
           <a:p>
             <a:r>
-              <a:rPr kumimoji="1" lang="zh-CN" altLang="en-US" dirty="0"/>
-              <a:t>以上这些书都是官方推荐，难度从上到下依次递增。</a:t>
+              <a:rPr lang="en-US" altLang="zh-CN" dirty="0" err="1"/>
+              <a:t>Serde</a:t>
+            </a:r>
+            <a:r>
+              <a:rPr lang="zh-CN" altLang="en-US" dirty="0"/>
+              <a:t>是三方实现的序列化反序列化库，在</a:t>
+            </a:r>
+            <a:r>
+              <a:rPr lang="en-US" altLang="zh-CN" dirty="0" err="1"/>
+              <a:t>github</a:t>
+            </a:r>
+            <a:r>
+              <a:rPr lang="zh-CN" altLang="en-US" dirty="0"/>
+              <a:t>上有与其他语言通功能库的比较结果</a:t>
+            </a:r>
+            <a:endParaRPr lang="en-US" altLang="zh-CN" dirty="0"/>
+          </a:p>
+          <a:p>
+            <a:r>
+              <a:rPr lang="en-US" altLang="zh-CN" dirty="0" err="1"/>
+              <a:t>Tokio</a:t>
+            </a:r>
+            <a:r>
+              <a:rPr lang="zh-CN" altLang="en-US" dirty="0"/>
+              <a:t>、</a:t>
+            </a:r>
+            <a:r>
+              <a:rPr lang="en-US" altLang="zh-CN" dirty="0"/>
+              <a:t>async-std</a:t>
+            </a:r>
+            <a:r>
+              <a:rPr lang="zh-CN" altLang="en-US" dirty="0"/>
+              <a:t>是支撑异步并发编程的运行时三方库，内部实现了</a:t>
+            </a:r>
+            <a:r>
+              <a:rPr lang="en-US" altLang="zh-CN" dirty="0"/>
+              <a:t>io</a:t>
+            </a:r>
+            <a:r>
+              <a:rPr lang="zh-CN" altLang="en-US" dirty="0"/>
+              <a:t>等操作的异步机制</a:t>
+            </a:r>
+            <a:endParaRPr lang="en-US" altLang="zh-CN" dirty="0"/>
+          </a:p>
+          <a:p>
+            <a:r>
+              <a:rPr lang="zh-CN" altLang="en-US" dirty="0"/>
+              <a:t>常见数据库客户端</a:t>
+            </a:r>
+            <a:endParaRPr lang="en-US" altLang="zh-CN" dirty="0"/>
+          </a:p>
+          <a:p>
+            <a:r>
+              <a:rPr lang="en-US" altLang="zh-CN" dirty="0"/>
+              <a:t>Tonic</a:t>
+            </a:r>
+            <a:r>
+              <a:rPr lang="zh-CN" altLang="en-US" dirty="0"/>
+              <a:t>三方实现的</a:t>
+            </a:r>
+            <a:r>
+              <a:rPr lang="en-US" altLang="zh-CN" dirty="0" err="1"/>
+              <a:t>grpc</a:t>
+            </a:r>
+            <a:r>
+              <a:rPr lang="zh-CN" altLang="en-US" dirty="0"/>
+              <a:t>库，</a:t>
+            </a:r>
+            <a:r>
+              <a:rPr lang="en-US" altLang="zh-CN" dirty="0" err="1"/>
+              <a:t>protobuf</a:t>
+            </a:r>
+            <a:r>
+              <a:rPr lang="zh-CN" altLang="en-US" dirty="0"/>
+              <a:t>是</a:t>
+            </a:r>
+            <a:r>
+              <a:rPr lang="en-US" altLang="zh-CN" dirty="0"/>
+              <a:t>proto</a:t>
+            </a:r>
+            <a:r>
+              <a:rPr lang="zh-CN" altLang="en-US" dirty="0"/>
+              <a:t>协议序列化反序列化库</a:t>
             </a:r>
           </a:p>
         </p:txBody>
@@ -11225,7 +11071,7 @@
             <a:spLocks noGrp="1"/>
           </p:cNvSpPr>
           <p:nvPr>
-            <p:ph type="sldNum" sz="quarter" idx="5"/>
+            <p:ph type="sldNum" sz="quarter" idx="10"/>
           </p:nvPr>
         </p:nvSpPr>
         <p:spPr/>
@@ -11244,7 +11090,7 @@
     </p:spTree>
     <p:extLst>
       <p:ext uri="{BB962C8B-B14F-4D97-AF65-F5344CB8AC3E}">
-        <p14:creationId xmlns:p14="http://schemas.microsoft.com/office/powerpoint/2010/main" val="3440117489"/>
+        <p14:creationId xmlns:p14="http://schemas.microsoft.com/office/powerpoint/2010/main" val="1652419754"/>
       </p:ext>
     </p:extLst>
   </p:cSld>
@@ -11298,7 +11144,139 @@
           <a:bodyPr/>
           <a:lstStyle/>
           <a:p>
-            <a:endParaRPr kumimoji="1" lang="zh-CN" altLang="en-US" dirty="0"/>
+            <a:r>
+              <a:rPr lang="en-US" altLang="zh-CN" dirty="0" err="1"/>
+              <a:t>rCore</a:t>
+            </a:r>
+            <a:r>
+              <a:rPr lang="zh-CN" altLang="en-US" dirty="0"/>
+              <a:t>，清华大学开源的操作系统，除此之外还有谷歌开源的</a:t>
+            </a:r>
+            <a:r>
+              <a:rPr lang="en-US" altLang="zh-CN" dirty="0"/>
+              <a:t>Fuchsia</a:t>
+            </a:r>
+            <a:r>
+              <a:rPr lang="zh-CN" altLang="en-US" dirty="0"/>
+              <a:t>操作系统，是除了</a:t>
+            </a:r>
+            <a:r>
+              <a:rPr lang="en-US" altLang="zh-CN" dirty="0"/>
+              <a:t>rust</a:t>
+            </a:r>
+            <a:r>
+              <a:rPr lang="zh-CN" altLang="en-US" dirty="0"/>
+              <a:t>本身之外的最大的</a:t>
+            </a:r>
+            <a:r>
+              <a:rPr lang="en-US" altLang="zh-CN" dirty="0"/>
+              <a:t>rust</a:t>
+            </a:r>
+            <a:r>
+              <a:rPr lang="zh-CN" altLang="en-US" dirty="0"/>
+              <a:t>项目。</a:t>
+            </a:r>
+            <a:endParaRPr lang="en-US" altLang="zh-CN" dirty="0"/>
+          </a:p>
+          <a:p>
+            <a:r>
+              <a:rPr lang="en-US" altLang="zh-CN" dirty="0" err="1"/>
+              <a:t>TiKV</a:t>
+            </a:r>
+            <a:r>
+              <a:rPr lang="zh-CN" altLang="en-US" dirty="0"/>
+              <a:t>，分布式数据库</a:t>
+            </a:r>
+            <a:r>
+              <a:rPr lang="en-US" altLang="zh-CN" dirty="0" err="1"/>
+              <a:t>TiDB</a:t>
+            </a:r>
+            <a:r>
+              <a:rPr lang="zh-CN" altLang="en-US" dirty="0"/>
+              <a:t>的底层核心模块。</a:t>
+            </a:r>
+            <a:endParaRPr lang="en-US" altLang="zh-CN" dirty="0"/>
+          </a:p>
+          <a:p>
+            <a:r>
+              <a:rPr lang="en-US" altLang="zh-CN" dirty="0"/>
+              <a:t>Vector</a:t>
+            </a:r>
+            <a:r>
+              <a:rPr lang="zh-CN" altLang="en-US" dirty="0"/>
+              <a:t>，数据管道功能类似于</a:t>
+            </a:r>
+            <a:r>
+              <a:rPr lang="en-US" altLang="zh-CN" dirty="0" err="1"/>
+              <a:t>logstash</a:t>
+            </a:r>
+            <a:r>
+              <a:rPr lang="zh-CN" altLang="en-US" dirty="0"/>
+              <a:t>，据说比</a:t>
+            </a:r>
+            <a:r>
+              <a:rPr lang="en-US" altLang="zh-CN" dirty="0" err="1"/>
+              <a:t>logstash</a:t>
+            </a:r>
+            <a:r>
+              <a:rPr lang="zh-CN" altLang="en-US" dirty="0"/>
+              <a:t>快</a:t>
+            </a:r>
+            <a:r>
+              <a:rPr lang="en-US" altLang="zh-CN" dirty="0"/>
+              <a:t>10</a:t>
+            </a:r>
+            <a:r>
+              <a:rPr lang="zh-CN" altLang="en-US" dirty="0"/>
+              <a:t>倍，目前国内虎扑有采用</a:t>
+            </a:r>
+            <a:r>
+              <a:rPr lang="en-US" altLang="zh-CN" dirty="0" err="1"/>
+              <a:t>filebeat</a:t>
+            </a:r>
+            <a:r>
+              <a:rPr lang="en-US" altLang="zh-CN" dirty="0"/>
+              <a:t>-&gt;</a:t>
+            </a:r>
+            <a:r>
+              <a:rPr lang="en-US" altLang="zh-CN" dirty="0" err="1"/>
+              <a:t>kafka</a:t>
+            </a:r>
+            <a:r>
+              <a:rPr lang="en-US" altLang="zh-CN" dirty="0"/>
+              <a:t>-&gt;vector-&gt;</a:t>
+            </a:r>
+            <a:r>
+              <a:rPr lang="en-US" altLang="zh-CN" dirty="0" err="1"/>
+              <a:t>kafka</a:t>
+            </a:r>
+            <a:r>
+              <a:rPr lang="en-US" altLang="zh-CN" dirty="0"/>
+              <a:t>-&gt;ES/</a:t>
+            </a:r>
+            <a:r>
+              <a:rPr lang="en-US" altLang="zh-CN" dirty="0" err="1"/>
+              <a:t>clickhouse</a:t>
+            </a:r>
+            <a:r>
+              <a:rPr lang="zh-CN" altLang="en-US" dirty="0"/>
+              <a:t>的数据采集存储方案。</a:t>
+            </a:r>
+            <a:endParaRPr lang="en-US" altLang="zh-CN" dirty="0"/>
+          </a:p>
+          <a:p>
+            <a:r>
+              <a:rPr lang="en-US" altLang="zh-CN" dirty="0" err="1"/>
+              <a:t>webAssembly</a:t>
+            </a:r>
+            <a:r>
+              <a:rPr lang="zh-CN" altLang="en-US" dirty="0"/>
+              <a:t>可以在细化下。</a:t>
+            </a:r>
+            <a:endParaRPr lang="en-US" altLang="zh-CN" dirty="0"/>
+          </a:p>
+          <a:p>
+            <a:endParaRPr lang="en-US" altLang="zh-CN" dirty="0"/>
           </a:p>
         </p:txBody>
       </p:sp>
@@ -11309,7 +11287,7 @@
             <a:spLocks noGrp="1"/>
           </p:cNvSpPr>
           <p:nvPr>
-            <p:ph type="sldNum" sz="quarter" idx="5"/>
+            <p:ph type="sldNum" sz="quarter" idx="10"/>
           </p:nvPr>
         </p:nvSpPr>
         <p:spPr/>
@@ -11319,7 +11297,281 @@
           <a:p>
             <a:fld id="{6245CCF4-CF1B-4B4B-B5D0-2221EBE362B5}" type="slidenum">
               <a:rPr lang="zh-CN" altLang="en-US" smtClean="0"/>
-              <a:t>38</a:t>
+              <a:t>35</a:t>
+            </a:fld>
+            <a:endParaRPr lang="zh-CN" altLang="en-US"/>
+          </a:p>
+        </p:txBody>
+      </p:sp>
+    </p:spTree>
+    <p:extLst>
+      <p:ext uri="{BB962C8B-B14F-4D97-AF65-F5344CB8AC3E}">
+        <p14:creationId xmlns:p14="http://schemas.microsoft.com/office/powerpoint/2010/main" val="1516576798"/>
+      </p:ext>
+    </p:extLst>
+  </p:cSld>
+  <p:clrMapOvr>
+    <a:masterClrMapping/>
+  </p:clrMapOvr>
+</p:notes>
+</file>
+
+<file path=ppt/notesSlides/notesSlide35.xml><?xml version="1.0" encoding="utf-8"?>
+<p:notes xmlns:a="http://schemas.openxmlformats.org/drawingml/2006/main" xmlns:r="http://schemas.openxmlformats.org/officeDocument/2006/relationships" xmlns:p="http://schemas.openxmlformats.org/presentationml/2006/main">
+  <p:cSld>
+    <p:spTree>
+      <p:nvGrpSpPr>
+        <p:cNvPr id="1" name=""/>
+        <p:cNvGrpSpPr/>
+        <p:nvPr/>
+      </p:nvGrpSpPr>
+      <p:grpSpPr>
+        <a:xfrm>
+          <a:off x="0" y="0"/>
+          <a:ext cx="0" cy="0"/>
+          <a:chOff x="0" y="0"/>
+          <a:chExt cx="0" cy="0"/>
+        </a:xfrm>
+      </p:grpSpPr>
+      <p:sp>
+        <p:nvSpPr>
+          <p:cNvPr id="2" name="幻灯片图像占位符 1"/>
+          <p:cNvSpPr>
+            <a:spLocks noGrp="1" noRot="1" noChangeAspect="1"/>
+          </p:cNvSpPr>
+          <p:nvPr>
+            <p:ph type="sldImg"/>
+          </p:nvPr>
+        </p:nvSpPr>
+        <p:spPr/>
+      </p:sp>
+      <p:sp>
+        <p:nvSpPr>
+          <p:cNvPr id="3" name="备注占位符 2"/>
+          <p:cNvSpPr>
+            <a:spLocks noGrp="1"/>
+          </p:cNvSpPr>
+          <p:nvPr>
+            <p:ph type="body" idx="1"/>
+          </p:nvPr>
+        </p:nvSpPr>
+        <p:spPr/>
+        <p:txBody>
+          <a:bodyPr/>
+          <a:lstStyle/>
+          <a:p>
+            <a:r>
+              <a:rPr kumimoji="1" lang="zh-CN" altLang="en-US" dirty="0"/>
+              <a:t>目前只找到了</a:t>
+            </a:r>
+            <a:r>
+              <a:rPr kumimoji="1" lang="en-US" altLang="zh-CN" dirty="0"/>
+              <a:t>web</a:t>
+            </a:r>
+            <a:r>
+              <a:rPr kumimoji="1" lang="zh-CN" altLang="en-US" dirty="0"/>
+              <a:t>端的</a:t>
+            </a:r>
+            <a:r>
+              <a:rPr kumimoji="1" lang="en-US" altLang="zh-CN" dirty="0"/>
+              <a:t>roadmap</a:t>
+            </a:r>
+            <a:r>
+              <a:rPr kumimoji="1" lang="zh-CN" altLang="en-US" dirty="0"/>
+              <a:t>，考虑自己整理一个。</a:t>
+            </a:r>
+          </a:p>
+        </p:txBody>
+      </p:sp>
+      <p:sp>
+        <p:nvSpPr>
+          <p:cNvPr id="4" name="灯片编号占位符 3"/>
+          <p:cNvSpPr>
+            <a:spLocks noGrp="1"/>
+          </p:cNvSpPr>
+          <p:nvPr>
+            <p:ph type="sldNum" sz="quarter" idx="5"/>
+          </p:nvPr>
+        </p:nvSpPr>
+        <p:spPr/>
+        <p:txBody>
+          <a:bodyPr/>
+          <a:lstStyle/>
+          <a:p>
+            <a:fld id="{6245CCF4-CF1B-4B4B-B5D0-2221EBE362B5}" type="slidenum">
+              <a:rPr lang="zh-CN" altLang="en-US" smtClean="0"/>
+              <a:t>36</a:t>
+            </a:fld>
+            <a:endParaRPr lang="zh-CN" altLang="en-US"/>
+          </a:p>
+        </p:txBody>
+      </p:sp>
+    </p:spTree>
+    <p:extLst>
+      <p:ext uri="{BB962C8B-B14F-4D97-AF65-F5344CB8AC3E}">
+        <p14:creationId xmlns:p14="http://schemas.microsoft.com/office/powerpoint/2010/main" val="1902004687"/>
+      </p:ext>
+    </p:extLst>
+  </p:cSld>
+  <p:clrMapOvr>
+    <a:masterClrMapping/>
+  </p:clrMapOvr>
+</p:notes>
+</file>
+
+<file path=ppt/notesSlides/notesSlide36.xml><?xml version="1.0" encoding="utf-8"?>
+<p:notes xmlns:a="http://schemas.openxmlformats.org/drawingml/2006/main" xmlns:r="http://schemas.openxmlformats.org/officeDocument/2006/relationships" xmlns:p="http://schemas.openxmlformats.org/presentationml/2006/main">
+  <p:cSld>
+    <p:spTree>
+      <p:nvGrpSpPr>
+        <p:cNvPr id="1" name=""/>
+        <p:cNvGrpSpPr/>
+        <p:nvPr/>
+      </p:nvGrpSpPr>
+      <p:grpSpPr>
+        <a:xfrm>
+          <a:off x="0" y="0"/>
+          <a:ext cx="0" cy="0"/>
+          <a:chOff x="0" y="0"/>
+          <a:chExt cx="0" cy="0"/>
+        </a:xfrm>
+      </p:grpSpPr>
+      <p:sp>
+        <p:nvSpPr>
+          <p:cNvPr id="2" name="幻灯片图像占位符 1"/>
+          <p:cNvSpPr>
+            <a:spLocks noGrp="1" noRot="1" noChangeAspect="1"/>
+          </p:cNvSpPr>
+          <p:nvPr>
+            <p:ph type="sldImg"/>
+          </p:nvPr>
+        </p:nvSpPr>
+        <p:spPr/>
+      </p:sp>
+      <p:sp>
+        <p:nvSpPr>
+          <p:cNvPr id="3" name="备注占位符 2"/>
+          <p:cNvSpPr>
+            <a:spLocks noGrp="1"/>
+          </p:cNvSpPr>
+          <p:nvPr>
+            <p:ph type="body" idx="1"/>
+          </p:nvPr>
+        </p:nvSpPr>
+        <p:spPr/>
+        <p:txBody>
+          <a:bodyPr/>
+          <a:lstStyle/>
+          <a:p>
+            <a:r>
+              <a:rPr kumimoji="1" lang="zh-CN" altLang="en-US" dirty="0"/>
+              <a:t>以上这些书都是官方推荐，难度从上到下依次递增。</a:t>
+            </a:r>
+          </a:p>
+        </p:txBody>
+      </p:sp>
+      <p:sp>
+        <p:nvSpPr>
+          <p:cNvPr id="4" name="灯片编号占位符 3"/>
+          <p:cNvSpPr>
+            <a:spLocks noGrp="1"/>
+          </p:cNvSpPr>
+          <p:nvPr>
+            <p:ph type="sldNum" sz="quarter" idx="5"/>
+          </p:nvPr>
+        </p:nvSpPr>
+        <p:spPr/>
+        <p:txBody>
+          <a:bodyPr/>
+          <a:lstStyle/>
+          <a:p>
+            <a:fld id="{6245CCF4-CF1B-4B4B-B5D0-2221EBE362B5}" type="slidenum">
+              <a:rPr lang="zh-CN" altLang="en-US" smtClean="0"/>
+              <a:t>37</a:t>
+            </a:fld>
+            <a:endParaRPr lang="zh-CN" altLang="en-US"/>
+          </a:p>
+        </p:txBody>
+      </p:sp>
+    </p:spTree>
+    <p:extLst>
+      <p:ext uri="{BB962C8B-B14F-4D97-AF65-F5344CB8AC3E}">
+        <p14:creationId xmlns:p14="http://schemas.microsoft.com/office/powerpoint/2010/main" val="3440117489"/>
+      </p:ext>
+    </p:extLst>
+  </p:cSld>
+  <p:clrMapOvr>
+    <a:masterClrMapping/>
+  </p:clrMapOvr>
+</p:notes>
+</file>
+
+<file path=ppt/notesSlides/notesSlide37.xml><?xml version="1.0" encoding="utf-8"?>
+<p:notes xmlns:a="http://schemas.openxmlformats.org/drawingml/2006/main" xmlns:r="http://schemas.openxmlformats.org/officeDocument/2006/relationships" xmlns:p="http://schemas.openxmlformats.org/presentationml/2006/main">
+  <p:cSld>
+    <p:spTree>
+      <p:nvGrpSpPr>
+        <p:cNvPr id="1" name=""/>
+        <p:cNvGrpSpPr/>
+        <p:nvPr/>
+      </p:nvGrpSpPr>
+      <p:grpSpPr>
+        <a:xfrm>
+          <a:off x="0" y="0"/>
+          <a:ext cx="0" cy="0"/>
+          <a:chOff x="0" y="0"/>
+          <a:chExt cx="0" cy="0"/>
+        </a:xfrm>
+      </p:grpSpPr>
+      <p:sp>
+        <p:nvSpPr>
+          <p:cNvPr id="2" name="幻灯片图像占位符 1"/>
+          <p:cNvSpPr>
+            <a:spLocks noGrp="1" noRot="1" noChangeAspect="1"/>
+          </p:cNvSpPr>
+          <p:nvPr>
+            <p:ph type="sldImg"/>
+          </p:nvPr>
+        </p:nvSpPr>
+        <p:spPr/>
+      </p:sp>
+      <p:sp>
+        <p:nvSpPr>
+          <p:cNvPr id="3" name="备注占位符 2"/>
+          <p:cNvSpPr>
+            <a:spLocks noGrp="1"/>
+          </p:cNvSpPr>
+          <p:nvPr>
+            <p:ph type="body" idx="1"/>
+          </p:nvPr>
+        </p:nvSpPr>
+        <p:spPr/>
+        <p:txBody>
+          <a:bodyPr/>
+          <a:lstStyle/>
+          <a:p>
+            <a:endParaRPr kumimoji="1" lang="zh-CN" altLang="en-US" dirty="0"/>
+          </a:p>
+        </p:txBody>
+      </p:sp>
+      <p:sp>
+        <p:nvSpPr>
+          <p:cNvPr id="4" name="灯片编号占位符 3"/>
+          <p:cNvSpPr>
+            <a:spLocks noGrp="1"/>
+          </p:cNvSpPr>
+          <p:nvPr>
+            <p:ph type="sldNum" sz="quarter" idx="5"/>
+          </p:nvPr>
+        </p:nvSpPr>
+        <p:spPr/>
+        <p:txBody>
+          <a:bodyPr/>
+          <a:lstStyle/>
+          <a:p>
+            <a:fld id="{6245CCF4-CF1B-4B4B-B5D0-2221EBE362B5}" type="slidenum">
+              <a:rPr lang="zh-CN" altLang="en-US" smtClean="0"/>
+              <a:t>41</a:t>
             </a:fld>
             <a:endParaRPr lang="zh-CN" altLang="en-US"/>
           </a:p>
@@ -12311,7 +12563,7 @@
           <a:p>
             <a:fld id="{3CD8EDAB-281B-495C-B3B1-C831B56AA954}" type="datetimeFigureOut">
               <a:rPr lang="zh-CN" altLang="en-US" smtClean="0"/>
-              <a:t>2021/12/16</a:t>
+              <a:t>2021/12/21</a:t>
             </a:fld>
             <a:endParaRPr lang="zh-CN" altLang="en-US"/>
           </a:p>
@@ -12581,7 +12833,7 @@
           <a:p>
             <a:fld id="{3CD8EDAB-281B-495C-B3B1-C831B56AA954}" type="datetimeFigureOut">
               <a:rPr lang="zh-CN" altLang="en-US" smtClean="0"/>
-              <a:t>2021/12/16</a:t>
+              <a:t>2021/12/21</a:t>
             </a:fld>
             <a:endParaRPr lang="zh-CN" altLang="en-US"/>
           </a:p>
@@ -12770,7 +13022,7 @@
           <a:p>
             <a:fld id="{3CD8EDAB-281B-495C-B3B1-C831B56AA954}" type="datetimeFigureOut">
               <a:rPr lang="zh-CN" altLang="en-US" smtClean="0"/>
-              <a:t>2021/12/16</a:t>
+              <a:t>2021/12/21</a:t>
             </a:fld>
             <a:endParaRPr lang="zh-CN" altLang="en-US"/>
           </a:p>
@@ -13038,7 +13290,7 @@
           <a:p>
             <a:fld id="{3CD8EDAB-281B-495C-B3B1-C831B56AA954}" type="datetimeFigureOut">
               <a:rPr lang="zh-CN" altLang="en-US" smtClean="0"/>
-              <a:t>2021/12/16</a:t>
+              <a:t>2021/12/21</a:t>
             </a:fld>
             <a:endParaRPr lang="zh-CN" altLang="en-US"/>
           </a:p>
@@ -13374,7 +13626,7 @@
           <a:p>
             <a:fld id="{3CD8EDAB-281B-495C-B3B1-C831B56AA954}" type="datetimeFigureOut">
               <a:rPr lang="zh-CN" altLang="en-US" smtClean="0"/>
-              <a:t>2021/12/16</a:t>
+              <a:t>2021/12/21</a:t>
             </a:fld>
             <a:endParaRPr lang="zh-CN" altLang="en-US"/>
           </a:p>
@@ -13992,7 +14244,7 @@
           <a:p>
             <a:fld id="{3CD8EDAB-281B-495C-B3B1-C831B56AA954}" type="datetimeFigureOut">
               <a:rPr lang="zh-CN" altLang="en-US" smtClean="0"/>
-              <a:t>2021/12/16</a:t>
+              <a:t>2021/12/21</a:t>
             </a:fld>
             <a:endParaRPr lang="zh-CN" altLang="en-US"/>
           </a:p>
@@ -14847,7 +15099,7 @@
           <a:p>
             <a:fld id="{3CD8EDAB-281B-495C-B3B1-C831B56AA954}" type="datetimeFigureOut">
               <a:rPr lang="zh-CN" altLang="en-US" smtClean="0"/>
-              <a:t>2021/12/16</a:t>
+              <a:t>2021/12/21</a:t>
             </a:fld>
             <a:endParaRPr lang="zh-CN" altLang="en-US"/>
           </a:p>
@@ -15012,7 +15264,7 @@
           <a:p>
             <a:fld id="{3CD8EDAB-281B-495C-B3B1-C831B56AA954}" type="datetimeFigureOut">
               <a:rPr lang="zh-CN" altLang="en-US" smtClean="0"/>
-              <a:t>2021/12/16</a:t>
+              <a:t>2021/12/21</a:t>
             </a:fld>
             <a:endParaRPr lang="zh-CN" altLang="en-US"/>
           </a:p>
@@ -15187,7 +15439,7 @@
           <a:p>
             <a:fld id="{3CD8EDAB-281B-495C-B3B1-C831B56AA954}" type="datetimeFigureOut">
               <a:rPr lang="zh-CN" altLang="en-US" smtClean="0"/>
-              <a:t>2021/12/16</a:t>
+              <a:t>2021/12/21</a:t>
             </a:fld>
             <a:endParaRPr lang="zh-CN" altLang="en-US"/>
           </a:p>
@@ -15352,7 +15604,7 @@
           <a:p>
             <a:fld id="{3CD8EDAB-281B-495C-B3B1-C831B56AA954}" type="datetimeFigureOut">
               <a:rPr lang="zh-CN" altLang="en-US" smtClean="0"/>
-              <a:t>2021/12/16</a:t>
+              <a:t>2021/12/21</a:t>
             </a:fld>
             <a:endParaRPr lang="zh-CN" altLang="en-US"/>
           </a:p>
@@ -15594,7 +15846,7 @@
           <a:p>
             <a:fld id="{3CD8EDAB-281B-495C-B3B1-C831B56AA954}" type="datetimeFigureOut">
               <a:rPr lang="zh-CN" altLang="en-US" smtClean="0"/>
-              <a:t>2021/12/16</a:t>
+              <a:t>2021/12/21</a:t>
             </a:fld>
             <a:endParaRPr lang="zh-CN" altLang="en-US"/>
           </a:p>
@@ -15881,7 +16133,7 @@
           <a:p>
             <a:fld id="{3CD8EDAB-281B-495C-B3B1-C831B56AA954}" type="datetimeFigureOut">
               <a:rPr lang="zh-CN" altLang="en-US" smtClean="0"/>
-              <a:t>2021/12/16</a:t>
+              <a:t>2021/12/21</a:t>
             </a:fld>
             <a:endParaRPr lang="zh-CN" altLang="en-US"/>
           </a:p>
@@ -16320,7 +16572,7 @@
           <a:p>
             <a:fld id="{3CD8EDAB-281B-495C-B3B1-C831B56AA954}" type="datetimeFigureOut">
               <a:rPr lang="zh-CN" altLang="en-US" smtClean="0"/>
-              <a:t>2021/12/16</a:t>
+              <a:t>2021/12/21</a:t>
             </a:fld>
             <a:endParaRPr lang="zh-CN" altLang="en-US"/>
           </a:p>
@@ -16433,7 +16685,7 @@
           <a:p>
             <a:fld id="{3CD8EDAB-281B-495C-B3B1-C831B56AA954}" type="datetimeFigureOut">
               <a:rPr lang="zh-CN" altLang="en-US" smtClean="0"/>
-              <a:t>2021/12/16</a:t>
+              <a:t>2021/12/21</a:t>
             </a:fld>
             <a:endParaRPr lang="zh-CN" altLang="en-US"/>
           </a:p>
@@ -16523,7 +16775,7 @@
           <a:p>
             <a:fld id="{3CD8EDAB-281B-495C-B3B1-C831B56AA954}" type="datetimeFigureOut">
               <a:rPr lang="zh-CN" altLang="en-US" smtClean="0"/>
-              <a:t>2021/12/16</a:t>
+              <a:t>2021/12/21</a:t>
             </a:fld>
             <a:endParaRPr lang="zh-CN" altLang="en-US"/>
           </a:p>
@@ -16797,7 +17049,7 @@
           <a:p>
             <a:fld id="{3CD8EDAB-281B-495C-B3B1-C831B56AA954}" type="datetimeFigureOut">
               <a:rPr lang="zh-CN" altLang="en-US" smtClean="0"/>
-              <a:t>2021/12/16</a:t>
+              <a:t>2021/12/21</a:t>
             </a:fld>
             <a:endParaRPr lang="zh-CN" altLang="en-US"/>
           </a:p>
@@ -17067,7 +17319,7 @@
           <a:p>
             <a:fld id="{3CD8EDAB-281B-495C-B3B1-C831B56AA954}" type="datetimeFigureOut">
               <a:rPr lang="zh-CN" altLang="en-US" smtClean="0"/>
-              <a:t>2021/12/16</a:t>
+              <a:t>2021/12/21</a:t>
             </a:fld>
             <a:endParaRPr lang="zh-CN" altLang="en-US"/>
           </a:p>
@@ -17499,7 +17751,7 @@
           <a:p>
             <a:fld id="{3CD8EDAB-281B-495C-B3B1-C831B56AA954}" type="datetimeFigureOut">
               <a:rPr lang="zh-CN" altLang="en-US" smtClean="0"/>
-              <a:t>2021/12/16</a:t>
+              <a:t>2021/12/21</a:t>
             </a:fld>
             <a:endParaRPr lang="zh-CN" altLang="en-US"/>
           </a:p>
@@ -19251,37 +19503,36 @@
           </a:p>
         </p:txBody>
       </p:sp>
-      <p:sp>
-        <p:nvSpPr>
-          <p:cNvPr id="3" name="内容占位符 2"/>
-          <p:cNvSpPr>
-            <a:spLocks noGrp="1"/>
-          </p:cNvSpPr>
-          <p:nvPr>
-            <p:ph idx="1"/>
-          </p:nvPr>
-        </p:nvSpPr>
-        <p:spPr/>
-        <p:txBody>
-          <a:bodyPr/>
-          <a:lstStyle/>
-          <a:p>
-            <a:pPr marL="0" indent="0">
-              <a:buNone/>
-            </a:pPr>
-            <a:endParaRPr lang="en-US" altLang="zh-CN" dirty="0">
-              <a:latin typeface="Times New Roman" panose="02020603050405020304" pitchFamily="18" charset="0"/>
-              <a:cs typeface="Times New Roman" panose="02020603050405020304" pitchFamily="18" charset="0"/>
-            </a:endParaRPr>
-          </a:p>
-          <a:p>
-            <a:pPr marL="0" indent="0">
-              <a:buNone/>
-            </a:pPr>
-            <a:endParaRPr lang="en-US" altLang="zh-CN" dirty="0"/>
-          </a:p>
-        </p:txBody>
-      </p:sp>
+      <p:pic>
+        <p:nvPicPr>
+          <p:cNvPr id="8" name="图片 7">
+            <a:extLst>
+              <a:ext uri="{FF2B5EF4-FFF2-40B4-BE49-F238E27FC236}">
+                <a16:creationId xmlns:a16="http://schemas.microsoft.com/office/drawing/2014/main" id="{E2D03B0E-EFA5-4A43-BCD4-A3773A401688}"/>
+              </a:ext>
+            </a:extLst>
+          </p:cNvPr>
+          <p:cNvPicPr>
+            <a:picLocks noChangeAspect="1"/>
+          </p:cNvPicPr>
+          <p:nvPr/>
+        </p:nvPicPr>
+        <p:blipFill>
+          <a:blip r:embed="rId3"/>
+          <a:stretch>
+            <a:fillRect/>
+          </a:stretch>
+        </p:blipFill>
+        <p:spPr>
+          <a:xfrm>
+            <a:off x="3259491" y="1612024"/>
+            <a:ext cx="4432300" cy="4394200"/>
+          </a:xfrm>
+          <a:prstGeom prst="rect">
+            <a:avLst/>
+          </a:prstGeom>
+        </p:spPr>
+      </p:pic>
     </p:spTree>
     <p:extLst>
       <p:ext uri="{BB962C8B-B14F-4D97-AF65-F5344CB8AC3E}">
@@ -19369,7 +19620,12 @@
             <p:ph type="title"/>
           </p:nvPr>
         </p:nvSpPr>
-        <p:spPr/>
+        <p:spPr>
+          <a:xfrm>
+            <a:off x="646112" y="452718"/>
+            <a:ext cx="9403742" cy="1033182"/>
+          </a:xfrm>
+        </p:spPr>
         <p:txBody>
           <a:bodyPr/>
           <a:lstStyle/>
@@ -19401,112 +19657,42 @@
           </a:p>
         </p:txBody>
       </p:sp>
-      <p:sp>
-        <p:nvSpPr>
-          <p:cNvPr id="3" name="内容占位符 2"/>
-          <p:cNvSpPr>
-            <a:spLocks noGrp="1"/>
-          </p:cNvSpPr>
-          <p:nvPr>
-            <p:ph idx="1"/>
-          </p:nvPr>
-        </p:nvSpPr>
-        <p:spPr/>
-        <p:txBody>
-          <a:bodyPr/>
-          <a:lstStyle/>
-          <a:p>
-            <a:r>
-              <a:rPr lang="zh-CN" altLang="en-US" dirty="0"/>
-              <a:t>实用性</a:t>
-            </a:r>
-            <a:endParaRPr lang="en-US" altLang="zh-CN" dirty="0"/>
-          </a:p>
-          <a:p>
-            <a:pPr marL="0" indent="0">
-              <a:buNone/>
-            </a:pPr>
-            <a:r>
-              <a:rPr lang="en-US" altLang="zh-CN" dirty="0"/>
-              <a:t>	- </a:t>
-            </a:r>
-            <a:r>
-              <a:rPr lang="zh-CN" altLang="en-US" dirty="0"/>
-              <a:t>无畏并发，借用检查器在编译阶段检测非法的并发数据访问。</a:t>
-            </a:r>
-            <a:endParaRPr lang="en-US" altLang="zh-CN" dirty="0"/>
-          </a:p>
-          <a:p>
-            <a:pPr marL="0" indent="0">
-              <a:buNone/>
-            </a:pPr>
-            <a:r>
-              <a:rPr lang="en-US" altLang="zh-CN" dirty="0"/>
-              <a:t>	- </a:t>
-            </a:r>
-            <a:r>
-              <a:rPr lang="zh-CN" altLang="en-US" dirty="0"/>
-              <a:t>方便且零成本的</a:t>
-            </a:r>
-            <a:r>
-              <a:rPr lang="en-US" altLang="zh-CN" dirty="0"/>
-              <a:t>FFI</a:t>
-            </a:r>
-            <a:r>
-              <a:rPr lang="zh-CN" altLang="en-US" dirty="0"/>
-              <a:t>，兼容</a:t>
-            </a:r>
-            <a:r>
-              <a:rPr lang="en-US" altLang="zh-CN" dirty="0">
-                <a:latin typeface="Times New Roman" panose="02020603050405020304" pitchFamily="18" charset="0"/>
-                <a:cs typeface="Times New Roman" panose="02020603050405020304" pitchFamily="18" charset="0"/>
-              </a:rPr>
-              <a:t>C-ABI</a:t>
-            </a:r>
-            <a:r>
-              <a:rPr lang="zh-CN" altLang="en-US" dirty="0"/>
-              <a:t>，能够接收</a:t>
-            </a:r>
-            <a:r>
-              <a:rPr lang="en-US" altLang="zh-CN" dirty="0">
-                <a:latin typeface="Times New Roman" panose="02020603050405020304" pitchFamily="18" charset="0"/>
-                <a:cs typeface="Times New Roman" panose="02020603050405020304" pitchFamily="18" charset="0"/>
-              </a:rPr>
-              <a:t>C</a:t>
-            </a:r>
-            <a:r>
-              <a:rPr lang="zh-CN" altLang="en-US" dirty="0"/>
-              <a:t>语言的遗产。</a:t>
-            </a:r>
-            <a:endParaRPr lang="en-US" altLang="zh-CN" dirty="0"/>
-          </a:p>
-          <a:p>
-            <a:pPr marL="0" indent="0">
-              <a:buNone/>
-            </a:pPr>
-            <a:r>
-              <a:rPr lang="en-US" altLang="zh-CN" dirty="0"/>
-              <a:t>	- </a:t>
-            </a:r>
-            <a:r>
-              <a:rPr lang="zh-CN" altLang="en-US" dirty="0"/>
-              <a:t>强大的包管理工具</a:t>
-            </a:r>
-            <a:r>
-              <a:rPr lang="en-US" altLang="zh-CN" dirty="0">
-                <a:latin typeface="Times New Roman" panose="02020603050405020304" pitchFamily="18" charset="0"/>
-                <a:cs typeface="Times New Roman" panose="02020603050405020304" pitchFamily="18" charset="0"/>
-              </a:rPr>
-              <a:t>cargo</a:t>
-            </a:r>
-            <a:r>
-              <a:rPr lang="zh-CN" altLang="en-US" dirty="0"/>
-              <a:t>。</a:t>
-            </a:r>
-          </a:p>
-        </p:txBody>
-      </p:sp>
+      <p:pic>
+        <p:nvPicPr>
+          <p:cNvPr id="3" name="图片 2">
+            <a:extLst>
+              <a:ext uri="{FF2B5EF4-FFF2-40B4-BE49-F238E27FC236}">
+                <a16:creationId xmlns:a16="http://schemas.microsoft.com/office/drawing/2014/main" id="{1FF39DAA-87A2-594F-A5F1-FD6BFD13AB4E}"/>
+              </a:ext>
+            </a:extLst>
+          </p:cNvPr>
+          <p:cNvPicPr>
+            <a:picLocks noChangeAspect="1"/>
+          </p:cNvPicPr>
+          <p:nvPr/>
+        </p:nvPicPr>
+        <p:blipFill>
+          <a:blip r:embed="rId3"/>
+          <a:stretch>
+            <a:fillRect/>
+          </a:stretch>
+        </p:blipFill>
+        <p:spPr>
+          <a:xfrm>
+            <a:off x="1579455" y="1240469"/>
+            <a:ext cx="8731194" cy="5480896"/>
+          </a:xfrm>
+          <a:prstGeom prst="rect">
+            <a:avLst/>
+          </a:prstGeom>
+        </p:spPr>
+      </p:pic>
     </p:spTree>
+    <p:extLst>
+      <p:ext uri="{BB962C8B-B14F-4D97-AF65-F5344CB8AC3E}">
+        <p14:creationId xmlns:p14="http://schemas.microsoft.com/office/powerpoint/2010/main" val="4013023880"/>
+      </p:ext>
+    </p:extLst>
   </p:cSld>
   <p:clrMapOvr>
     <a:masterClrMapping/>
@@ -19541,6 +19727,392 @@
             <p:ph type="title"/>
           </p:nvPr>
         </p:nvSpPr>
+        <p:spPr>
+          <a:xfrm>
+            <a:off x="646112" y="452718"/>
+            <a:ext cx="9403742" cy="1033182"/>
+          </a:xfrm>
+        </p:spPr>
+        <p:txBody>
+          <a:bodyPr/>
+          <a:lstStyle/>
+          <a:p>
+            <a:r>
+              <a:rPr lang="en-US" altLang="zh-CN" dirty="0">
+                <a:latin typeface="+mj-ea"/>
+              </a:rPr>
+              <a:t>Rust</a:t>
+            </a:r>
+            <a:r>
+              <a:rPr lang="zh-CN" altLang="en-US" dirty="0">
+                <a:latin typeface="+mj-ea"/>
+              </a:rPr>
+              <a:t>简介</a:t>
+            </a:r>
+            <a:r>
+              <a:rPr lang="en-US" altLang="zh-CN" dirty="0">
+                <a:latin typeface="+mj-ea"/>
+              </a:rPr>
+              <a:t>-</a:t>
+            </a:r>
+            <a:r>
+              <a:rPr lang="zh-CN" altLang="en-US" dirty="0">
+                <a:latin typeface="+mj-ea"/>
+              </a:rPr>
+              <a:t>特性</a:t>
+            </a:r>
+          </a:p>
+        </p:txBody>
+      </p:sp>
+      <p:pic>
+        <p:nvPicPr>
+          <p:cNvPr id="4" name="图片 3">
+            <a:extLst>
+              <a:ext uri="{FF2B5EF4-FFF2-40B4-BE49-F238E27FC236}">
+                <a16:creationId xmlns:a16="http://schemas.microsoft.com/office/drawing/2014/main" id="{07BC0126-649D-634A-BF9C-32F4AC842737}"/>
+              </a:ext>
+            </a:extLst>
+          </p:cNvPr>
+          <p:cNvPicPr>
+            <a:picLocks noChangeAspect="1"/>
+          </p:cNvPicPr>
+          <p:nvPr/>
+        </p:nvPicPr>
+        <p:blipFill>
+          <a:blip r:embed="rId3"/>
+          <a:stretch>
+            <a:fillRect/>
+          </a:stretch>
+        </p:blipFill>
+        <p:spPr>
+          <a:xfrm>
+            <a:off x="2476062" y="1265107"/>
+            <a:ext cx="6583855" cy="5514503"/>
+          </a:xfrm>
+          <a:prstGeom prst="rect">
+            <a:avLst/>
+          </a:prstGeom>
+        </p:spPr>
+      </p:pic>
+    </p:spTree>
+    <p:extLst>
+      <p:ext uri="{BB962C8B-B14F-4D97-AF65-F5344CB8AC3E}">
+        <p14:creationId xmlns:p14="http://schemas.microsoft.com/office/powerpoint/2010/main" val="1610948009"/>
+      </p:ext>
+    </p:extLst>
+  </p:cSld>
+  <p:clrMapOvr>
+    <a:masterClrMapping/>
+  </p:clrMapOvr>
+</p:sld>
+</file>
+
+<file path=ppt/slides/slide22.xml><?xml version="1.0" encoding="utf-8"?>
+<p:sld xmlns:a="http://schemas.openxmlformats.org/drawingml/2006/main" xmlns:r="http://schemas.openxmlformats.org/officeDocument/2006/relationships" xmlns:p="http://schemas.openxmlformats.org/presentationml/2006/main">
+  <p:cSld>
+    <p:spTree>
+      <p:nvGrpSpPr>
+        <p:cNvPr id="1" name=""/>
+        <p:cNvGrpSpPr/>
+        <p:nvPr/>
+      </p:nvGrpSpPr>
+      <p:grpSpPr>
+        <a:xfrm>
+          <a:off x="0" y="0"/>
+          <a:ext cx="0" cy="0"/>
+          <a:chOff x="0" y="0"/>
+          <a:chExt cx="0" cy="0"/>
+        </a:xfrm>
+      </p:grpSpPr>
+      <p:sp>
+        <p:nvSpPr>
+          <p:cNvPr id="2" name="标题 1"/>
+          <p:cNvSpPr>
+            <a:spLocks noGrp="1"/>
+          </p:cNvSpPr>
+          <p:nvPr>
+            <p:ph type="title"/>
+          </p:nvPr>
+        </p:nvSpPr>
+        <p:spPr>
+          <a:xfrm>
+            <a:off x="646112" y="452718"/>
+            <a:ext cx="9403742" cy="1033182"/>
+          </a:xfrm>
+        </p:spPr>
+        <p:txBody>
+          <a:bodyPr/>
+          <a:lstStyle/>
+          <a:p>
+            <a:r>
+              <a:rPr lang="en-US" altLang="zh-CN" dirty="0">
+                <a:latin typeface="+mj-ea"/>
+              </a:rPr>
+              <a:t>Rust</a:t>
+            </a:r>
+            <a:r>
+              <a:rPr lang="zh-CN" altLang="en-US" dirty="0">
+                <a:latin typeface="+mj-ea"/>
+              </a:rPr>
+              <a:t>简介</a:t>
+            </a:r>
+            <a:r>
+              <a:rPr lang="en-US" altLang="zh-CN" dirty="0">
+                <a:latin typeface="+mj-ea"/>
+              </a:rPr>
+              <a:t>-</a:t>
+            </a:r>
+            <a:r>
+              <a:rPr lang="zh-CN" altLang="en-US" dirty="0">
+                <a:latin typeface="+mj-ea"/>
+              </a:rPr>
+              <a:t>特性</a:t>
+            </a:r>
+          </a:p>
+        </p:txBody>
+      </p:sp>
+      <p:pic>
+        <p:nvPicPr>
+          <p:cNvPr id="3" name="图片 2">
+            <a:extLst>
+              <a:ext uri="{FF2B5EF4-FFF2-40B4-BE49-F238E27FC236}">
+                <a16:creationId xmlns:a16="http://schemas.microsoft.com/office/drawing/2014/main" id="{D57326F1-575D-B346-8946-1044B41CC842}"/>
+              </a:ext>
+            </a:extLst>
+          </p:cNvPr>
+          <p:cNvPicPr>
+            <a:picLocks noChangeAspect="1"/>
+          </p:cNvPicPr>
+          <p:nvPr/>
+        </p:nvPicPr>
+        <p:blipFill>
+          <a:blip r:embed="rId3"/>
+          <a:stretch>
+            <a:fillRect/>
+          </a:stretch>
+        </p:blipFill>
+        <p:spPr>
+          <a:xfrm>
+            <a:off x="1787331" y="1019502"/>
+            <a:ext cx="8155455" cy="5838497"/>
+          </a:xfrm>
+          <a:prstGeom prst="rect">
+            <a:avLst/>
+          </a:prstGeom>
+        </p:spPr>
+      </p:pic>
+    </p:spTree>
+    <p:extLst>
+      <p:ext uri="{BB962C8B-B14F-4D97-AF65-F5344CB8AC3E}">
+        <p14:creationId xmlns:p14="http://schemas.microsoft.com/office/powerpoint/2010/main" val="3156559935"/>
+      </p:ext>
+    </p:extLst>
+  </p:cSld>
+  <p:clrMapOvr>
+    <a:masterClrMapping/>
+  </p:clrMapOvr>
+</p:sld>
+</file>
+
+<file path=ppt/slides/slide23.xml><?xml version="1.0" encoding="utf-8"?>
+<p:sld xmlns:a="http://schemas.openxmlformats.org/drawingml/2006/main" xmlns:r="http://schemas.openxmlformats.org/officeDocument/2006/relationships" xmlns:p="http://schemas.openxmlformats.org/presentationml/2006/main">
+  <p:cSld>
+    <p:spTree>
+      <p:nvGrpSpPr>
+        <p:cNvPr id="1" name=""/>
+        <p:cNvGrpSpPr/>
+        <p:nvPr/>
+      </p:nvGrpSpPr>
+      <p:grpSpPr>
+        <a:xfrm>
+          <a:off x="0" y="0"/>
+          <a:ext cx="0" cy="0"/>
+          <a:chOff x="0" y="0"/>
+          <a:chExt cx="0" cy="0"/>
+        </a:xfrm>
+      </p:grpSpPr>
+      <p:sp>
+        <p:nvSpPr>
+          <p:cNvPr id="2" name="标题 1"/>
+          <p:cNvSpPr>
+            <a:spLocks noGrp="1"/>
+          </p:cNvSpPr>
+          <p:nvPr>
+            <p:ph type="title"/>
+          </p:nvPr>
+        </p:nvSpPr>
+        <p:spPr/>
+        <p:txBody>
+          <a:bodyPr/>
+          <a:lstStyle/>
+          <a:p>
+            <a:r>
+              <a:rPr lang="en-US" altLang="zh-CN" dirty="0">
+                <a:latin typeface="+mj-ea"/>
+              </a:rPr>
+              <a:t>Rust</a:t>
+            </a:r>
+            <a:r>
+              <a:rPr lang="zh-CN" altLang="en-US" dirty="0">
+                <a:latin typeface="+mj-ea"/>
+              </a:rPr>
+              <a:t>简介</a:t>
+            </a:r>
+            <a:r>
+              <a:rPr lang="en-US" altLang="zh-CN" dirty="0">
+                <a:latin typeface="+mj-ea"/>
+              </a:rPr>
+              <a:t>-</a:t>
+            </a:r>
+            <a:r>
+              <a:rPr lang="zh-CN" altLang="en-US" dirty="0">
+                <a:latin typeface="+mj-ea"/>
+              </a:rPr>
+              <a:t>特性</a:t>
+            </a:r>
+          </a:p>
+        </p:txBody>
+      </p:sp>
+      <p:sp>
+        <p:nvSpPr>
+          <p:cNvPr id="3" name="内容占位符 2"/>
+          <p:cNvSpPr>
+            <a:spLocks noGrp="1"/>
+          </p:cNvSpPr>
+          <p:nvPr>
+            <p:ph idx="1"/>
+          </p:nvPr>
+        </p:nvSpPr>
+        <p:spPr/>
+        <p:txBody>
+          <a:bodyPr/>
+          <a:lstStyle/>
+          <a:p>
+            <a:r>
+              <a:rPr lang="zh-CN" altLang="en-US" dirty="0"/>
+              <a:t>实用性</a:t>
+            </a:r>
+            <a:endParaRPr lang="en-US" altLang="zh-CN" dirty="0"/>
+          </a:p>
+          <a:p>
+            <a:pPr marL="0" indent="0">
+              <a:buNone/>
+            </a:pPr>
+            <a:r>
+              <a:rPr lang="en-US" altLang="zh-CN" dirty="0"/>
+              <a:t>	- </a:t>
+            </a:r>
+            <a:r>
+              <a:rPr lang="zh-CN" altLang="en-US" dirty="0"/>
+              <a:t>无畏并发，借用检查器在编译阶段检测非法的并发数据访问。</a:t>
+            </a:r>
+            <a:endParaRPr lang="en-US" altLang="zh-CN" dirty="0"/>
+          </a:p>
+          <a:p>
+            <a:pPr marL="0" indent="0">
+              <a:buNone/>
+            </a:pPr>
+            <a:r>
+              <a:rPr lang="en-US" altLang="zh-CN" dirty="0"/>
+              <a:t>	- </a:t>
+            </a:r>
+            <a:r>
+              <a:rPr lang="zh-CN" altLang="en-US" dirty="0"/>
+              <a:t>方便且零成本的</a:t>
+            </a:r>
+            <a:r>
+              <a:rPr lang="en-US" altLang="zh-CN" dirty="0"/>
+              <a:t>FFI</a:t>
+            </a:r>
+            <a:r>
+              <a:rPr lang="zh-CN" altLang="en-US" dirty="0"/>
+              <a:t>，兼容</a:t>
+            </a:r>
+            <a:r>
+              <a:rPr lang="en-US" altLang="zh-CN" dirty="0">
+                <a:latin typeface="Times New Roman" panose="02020603050405020304" pitchFamily="18" charset="0"/>
+                <a:cs typeface="Times New Roman" panose="02020603050405020304" pitchFamily="18" charset="0"/>
+              </a:rPr>
+              <a:t>C-ABI</a:t>
+            </a:r>
+            <a:r>
+              <a:rPr lang="zh-CN" altLang="en-US" dirty="0"/>
+              <a:t>，能够接收</a:t>
+            </a:r>
+            <a:r>
+              <a:rPr lang="en-US" altLang="zh-CN" dirty="0">
+                <a:latin typeface="Times New Roman" panose="02020603050405020304" pitchFamily="18" charset="0"/>
+                <a:cs typeface="Times New Roman" panose="02020603050405020304" pitchFamily="18" charset="0"/>
+              </a:rPr>
+              <a:t>C</a:t>
+            </a:r>
+            <a:r>
+              <a:rPr lang="zh-CN" altLang="en-US" dirty="0"/>
+              <a:t>语言的遗产。</a:t>
+            </a:r>
+            <a:endParaRPr lang="en-US" altLang="zh-CN" dirty="0"/>
+          </a:p>
+          <a:p>
+            <a:pPr marL="0" indent="0">
+              <a:buNone/>
+            </a:pPr>
+            <a:r>
+              <a:rPr lang="en-US" altLang="zh-CN" dirty="0"/>
+              <a:t>	- </a:t>
+            </a:r>
+            <a:r>
+              <a:rPr lang="zh-CN" altLang="en-US" dirty="0"/>
+              <a:t>强大的包管理工具</a:t>
+            </a:r>
+            <a:r>
+              <a:rPr lang="en-US" altLang="zh-CN" dirty="0">
+                <a:latin typeface="Times New Roman" panose="02020603050405020304" pitchFamily="18" charset="0"/>
+                <a:cs typeface="Times New Roman" panose="02020603050405020304" pitchFamily="18" charset="0"/>
+              </a:rPr>
+              <a:t>cargo</a:t>
+            </a:r>
+            <a:r>
+              <a:rPr lang="zh-CN" altLang="en-US" dirty="0"/>
+              <a:t>。</a:t>
+            </a:r>
+          </a:p>
+        </p:txBody>
+      </p:sp>
+    </p:spTree>
+  </p:cSld>
+  <p:clrMapOvr>
+    <a:masterClrMapping/>
+  </p:clrMapOvr>
+</p:sld>
+</file>
+
+<file path=ppt/slides/slide24.xml><?xml version="1.0" encoding="utf-8"?>
+<p:sld xmlns:a="http://schemas.openxmlformats.org/drawingml/2006/main" xmlns:r="http://schemas.openxmlformats.org/officeDocument/2006/relationships" xmlns:p="http://schemas.openxmlformats.org/presentationml/2006/main">
+  <p:cSld>
+    <p:spTree>
+      <p:nvGrpSpPr>
+        <p:cNvPr id="1" name=""/>
+        <p:cNvGrpSpPr/>
+        <p:nvPr/>
+      </p:nvGrpSpPr>
+      <p:grpSpPr>
+        <a:xfrm>
+          <a:off x="0" y="0"/>
+          <a:ext cx="0" cy="0"/>
+          <a:chOff x="0" y="0"/>
+          <a:chExt cx="0" cy="0"/>
+        </a:xfrm>
+      </p:grpSpPr>
+      <p:sp>
+        <p:nvSpPr>
+          <p:cNvPr id="2" name="标题 1"/>
+          <p:cNvSpPr>
+            <a:spLocks noGrp="1"/>
+          </p:cNvSpPr>
+          <p:nvPr>
+            <p:ph type="title"/>
+          </p:nvPr>
+        </p:nvSpPr>
         <p:spPr/>
         <p:txBody>
           <a:bodyPr/>
@@ -19672,7 +20244,7 @@
 </p:sld>
 </file>
 
-<file path=ppt/slides/slide22.xml><?xml version="1.0" encoding="utf-8"?>
+<file path=ppt/slides/slide25.xml><?xml version="1.0" encoding="utf-8"?>
 <p:sld xmlns:a="http://schemas.openxmlformats.org/drawingml/2006/main" xmlns:r="http://schemas.openxmlformats.org/officeDocument/2006/relationships" xmlns:p="http://schemas.openxmlformats.org/presentationml/2006/main">
   <p:cSld>
     <p:spTree>
@@ -19770,7 +20342,7 @@
 </p:sld>
 </file>
 
-<file path=ppt/slides/slide23.xml><?xml version="1.0" encoding="utf-8"?>
+<file path=ppt/slides/slide26.xml><?xml version="1.0" encoding="utf-8"?>
 <p:sld xmlns:a="http://schemas.openxmlformats.org/drawingml/2006/main" xmlns:r="http://schemas.openxmlformats.org/officeDocument/2006/relationships" xmlns:p="http://schemas.openxmlformats.org/presentationml/2006/main">
   <p:cSld>
     <p:spTree>
@@ -19904,7 +20476,7 @@
 </p:sld>
 </file>
 
-<file path=ppt/slides/slide24.xml><?xml version="1.0" encoding="utf-8"?>
+<file path=ppt/slides/slide27.xml><?xml version="1.0" encoding="utf-8"?>
 <p:sld xmlns:a="http://schemas.openxmlformats.org/drawingml/2006/main" xmlns:r="http://schemas.openxmlformats.org/officeDocument/2006/relationships" xmlns:p="http://schemas.openxmlformats.org/presentationml/2006/main">
   <p:cSld>
     <p:spTree>
@@ -20115,7 +20687,7 @@
 </p:sld>
 </file>
 
-<file path=ppt/slides/slide25.xml><?xml version="1.0" encoding="utf-8"?>
+<file path=ppt/slides/slide28.xml><?xml version="1.0" encoding="utf-8"?>
 <p:sld xmlns:a="http://schemas.openxmlformats.org/drawingml/2006/main" xmlns:r="http://schemas.openxmlformats.org/officeDocument/2006/relationships" xmlns:p="http://schemas.openxmlformats.org/presentationml/2006/main">
   <p:cSld>
     <p:spTree>
@@ -20213,7 +20785,7 @@
 </p:sld>
 </file>
 
-<file path=ppt/slides/slide26.xml><?xml version="1.0" encoding="utf-8"?>
+<file path=ppt/slides/slide29.xml><?xml version="1.0" encoding="utf-8"?>
 <p:sld xmlns:a="http://schemas.openxmlformats.org/drawingml/2006/main" xmlns:r="http://schemas.openxmlformats.org/officeDocument/2006/relationships" xmlns:p="http://schemas.openxmlformats.org/presentationml/2006/main">
   <p:cSld>
     <p:spTree>
@@ -20355,7 +20927,99 @@
 </p:sld>
 </file>
 
-<file path=ppt/slides/slide27.xml><?xml version="1.0" encoding="utf-8"?>
+<file path=ppt/slides/slide3.xml><?xml version="1.0" encoding="utf-8"?>
+<p:sld xmlns:a="http://schemas.openxmlformats.org/drawingml/2006/main" xmlns:r="http://schemas.openxmlformats.org/officeDocument/2006/relationships" xmlns:p="http://schemas.openxmlformats.org/presentationml/2006/main">
+  <p:cSld>
+    <p:spTree>
+      <p:nvGrpSpPr>
+        <p:cNvPr id="1" name=""/>
+        <p:cNvGrpSpPr/>
+        <p:nvPr/>
+      </p:nvGrpSpPr>
+      <p:grpSpPr>
+        <a:xfrm>
+          <a:off x="0" y="0"/>
+          <a:ext cx="0" cy="0"/>
+          <a:chOff x="0" y="0"/>
+          <a:chExt cx="0" cy="0"/>
+        </a:xfrm>
+      </p:grpSpPr>
+      <p:sp>
+        <p:nvSpPr>
+          <p:cNvPr id="2" name="文本框 1">
+            <a:extLst>
+              <a:ext uri="{FF2B5EF4-FFF2-40B4-BE49-F238E27FC236}">
+                <a16:creationId xmlns:a16="http://schemas.microsoft.com/office/drawing/2014/main" id="{F4289136-891D-BF4D-83C9-307393F6F83F}"/>
+              </a:ext>
+            </a:extLst>
+          </p:cNvPr>
+          <p:cNvSpPr txBox="1"/>
+          <p:nvPr/>
+        </p:nvSpPr>
+        <p:spPr>
+          <a:xfrm>
+            <a:off x="4398124" y="3105834"/>
+            <a:ext cx="2448910" cy="646331"/>
+          </a:xfrm>
+          <a:prstGeom prst="rect">
+            <a:avLst/>
+          </a:prstGeom>
+          <a:noFill/>
+        </p:spPr>
+        <p:txBody>
+          <a:bodyPr wrap="square" rtlCol="0" anchor="ctr" anchorCtr="1">
+            <a:spAutoFit/>
+          </a:bodyPr>
+          <a:lstStyle/>
+          <a:p>
+            <a:pPr algn="ctr" defTabSz="1778000">
+              <a:lnSpc>
+                <a:spcPct val="90000"/>
+              </a:lnSpc>
+              <a:spcBef>
+                <a:spcPct val="0"/>
+              </a:spcBef>
+              <a:spcAft>
+                <a:spcPct val="35000"/>
+              </a:spcAft>
+            </a:pPr>
+            <a:r>
+              <a:rPr lang="en-US" altLang="zh-CN" sz="4000" dirty="0">
+                <a:solidFill>
+                  <a:prstClr val="white"/>
+                </a:solidFill>
+                <a:latin typeface="宋体" panose="02010600030101010101" pitchFamily="2" charset="-122"/>
+                <a:ea typeface="宋体" panose="02010600030101010101" pitchFamily="2" charset="-122"/>
+              </a:rPr>
+              <a:t>Rust</a:t>
+            </a:r>
+            <a:r>
+              <a:rPr lang="zh-CN" altLang="en-US" sz="4000" dirty="0">
+                <a:solidFill>
+                  <a:prstClr val="white"/>
+                </a:solidFill>
+                <a:latin typeface="宋体" panose="02010600030101010101" pitchFamily="2" charset="-122"/>
+                <a:ea typeface="宋体" panose="02010600030101010101" pitchFamily="2" charset="-122"/>
+              </a:rPr>
+              <a:t>简介</a:t>
+            </a:r>
+          </a:p>
+        </p:txBody>
+      </p:sp>
+    </p:spTree>
+    <p:extLst>
+      <p:ext uri="{BB962C8B-B14F-4D97-AF65-F5344CB8AC3E}">
+        <p14:creationId xmlns:p14="http://schemas.microsoft.com/office/powerpoint/2010/main" val="3544031401"/>
+      </p:ext>
+    </p:extLst>
+  </p:cSld>
+  <p:clrMapOvr>
+    <a:masterClrMapping/>
+  </p:clrMapOvr>
+</p:sld>
+</file>
+
+<file path=ppt/slides/slide30.xml><?xml version="1.0" encoding="utf-8"?>
 <p:sld xmlns:a="http://schemas.openxmlformats.org/drawingml/2006/main" xmlns:r="http://schemas.openxmlformats.org/officeDocument/2006/relationships" xmlns:p="http://schemas.openxmlformats.org/presentationml/2006/main">
   <p:cSld>
     <p:spTree>
@@ -20571,7 +21235,7 @@
 </p:sld>
 </file>
 
-<file path=ppt/slides/slide28.xml><?xml version="1.0" encoding="utf-8"?>
+<file path=ppt/slides/slide31.xml><?xml version="1.0" encoding="utf-8"?>
 <p:sld xmlns:a="http://schemas.openxmlformats.org/drawingml/2006/main" xmlns:r="http://schemas.openxmlformats.org/officeDocument/2006/relationships" xmlns:p="http://schemas.openxmlformats.org/presentationml/2006/main">
   <p:cSld>
     <p:spTree>
@@ -20674,7 +21338,7 @@
 </p:sld>
 </file>
 
-<file path=ppt/slides/slide29.xml><?xml version="1.0" encoding="utf-8"?>
+<file path=ppt/slides/slide32.xml><?xml version="1.0" encoding="utf-8"?>
 <p:sld xmlns:a="http://schemas.openxmlformats.org/drawingml/2006/main" xmlns:r="http://schemas.openxmlformats.org/officeDocument/2006/relationships" xmlns:p="http://schemas.openxmlformats.org/presentationml/2006/main">
   <p:cSld>
     <p:spTree>
@@ -20766,7 +21430,7 @@
 </p:sld>
 </file>
 
-<file path=ppt/slides/slide3.xml><?xml version="1.0" encoding="utf-8"?>
+<file path=ppt/slides/slide33.xml><?xml version="1.0" encoding="utf-8"?>
 <p:sld xmlns:a="http://schemas.openxmlformats.org/drawingml/2006/main" xmlns:r="http://schemas.openxmlformats.org/officeDocument/2006/relationships" xmlns:p="http://schemas.openxmlformats.org/presentationml/2006/main">
   <p:cSld>
     <p:spTree>
@@ -20785,98 +21449,6 @@
       </p:grpSpPr>
       <p:sp>
         <p:nvSpPr>
-          <p:cNvPr id="2" name="文本框 1">
-            <a:extLst>
-              <a:ext uri="{FF2B5EF4-FFF2-40B4-BE49-F238E27FC236}">
-                <a16:creationId xmlns:a16="http://schemas.microsoft.com/office/drawing/2014/main" id="{F4289136-891D-BF4D-83C9-307393F6F83F}"/>
-              </a:ext>
-            </a:extLst>
-          </p:cNvPr>
-          <p:cNvSpPr txBox="1"/>
-          <p:nvPr/>
-        </p:nvSpPr>
-        <p:spPr>
-          <a:xfrm>
-            <a:off x="4398124" y="3105834"/>
-            <a:ext cx="2448910" cy="646331"/>
-          </a:xfrm>
-          <a:prstGeom prst="rect">
-            <a:avLst/>
-          </a:prstGeom>
-          <a:noFill/>
-        </p:spPr>
-        <p:txBody>
-          <a:bodyPr wrap="square" rtlCol="0" anchor="ctr" anchorCtr="1">
-            <a:spAutoFit/>
-          </a:bodyPr>
-          <a:lstStyle/>
-          <a:p>
-            <a:pPr algn="ctr" defTabSz="1778000">
-              <a:lnSpc>
-                <a:spcPct val="90000"/>
-              </a:lnSpc>
-              <a:spcBef>
-                <a:spcPct val="0"/>
-              </a:spcBef>
-              <a:spcAft>
-                <a:spcPct val="35000"/>
-              </a:spcAft>
-            </a:pPr>
-            <a:r>
-              <a:rPr lang="en-US" altLang="zh-CN" sz="4000" dirty="0">
-                <a:solidFill>
-                  <a:prstClr val="white"/>
-                </a:solidFill>
-                <a:latin typeface="宋体" panose="02010600030101010101" pitchFamily="2" charset="-122"/>
-                <a:ea typeface="宋体" panose="02010600030101010101" pitchFamily="2" charset="-122"/>
-              </a:rPr>
-              <a:t>Rust</a:t>
-            </a:r>
-            <a:r>
-              <a:rPr lang="zh-CN" altLang="en-US" sz="4000" dirty="0">
-                <a:solidFill>
-                  <a:prstClr val="white"/>
-                </a:solidFill>
-                <a:latin typeface="宋体" panose="02010600030101010101" pitchFamily="2" charset="-122"/>
-                <a:ea typeface="宋体" panose="02010600030101010101" pitchFamily="2" charset="-122"/>
-              </a:rPr>
-              <a:t>简介</a:t>
-            </a:r>
-          </a:p>
-        </p:txBody>
-      </p:sp>
-    </p:spTree>
-    <p:extLst>
-      <p:ext uri="{BB962C8B-B14F-4D97-AF65-F5344CB8AC3E}">
-        <p14:creationId xmlns:p14="http://schemas.microsoft.com/office/powerpoint/2010/main" val="3544031401"/>
-      </p:ext>
-    </p:extLst>
-  </p:cSld>
-  <p:clrMapOvr>
-    <a:masterClrMapping/>
-  </p:clrMapOvr>
-</p:sld>
-</file>
-
-<file path=ppt/slides/slide30.xml><?xml version="1.0" encoding="utf-8"?>
-<p:sld xmlns:a="http://schemas.openxmlformats.org/drawingml/2006/main" xmlns:r="http://schemas.openxmlformats.org/officeDocument/2006/relationships" xmlns:p="http://schemas.openxmlformats.org/presentationml/2006/main">
-  <p:cSld>
-    <p:spTree>
-      <p:nvGrpSpPr>
-        <p:cNvPr id="1" name=""/>
-        <p:cNvGrpSpPr/>
-        <p:nvPr/>
-      </p:nvGrpSpPr>
-      <p:grpSpPr>
-        <a:xfrm>
-          <a:off x="0" y="0"/>
-          <a:ext cx="0" cy="0"/>
-          <a:chOff x="0" y="0"/>
-          <a:chExt cx="0" cy="0"/>
-        </a:xfrm>
-      </p:grpSpPr>
-      <p:sp>
-        <p:nvSpPr>
           <p:cNvPr id="2" name="标题 1"/>
           <p:cNvSpPr>
             <a:spLocks noGrp="1"/>
@@ -20970,7 +21542,7 @@
 </p:sld>
 </file>
 
-<file path=ppt/slides/slide31.xml><?xml version="1.0" encoding="utf-8"?>
+<file path=ppt/slides/slide34.xml><?xml version="1.0" encoding="utf-8"?>
 <p:sld xmlns:a="http://schemas.openxmlformats.org/drawingml/2006/main" xmlns:r="http://schemas.openxmlformats.org/officeDocument/2006/relationships" xmlns:p="http://schemas.openxmlformats.org/presentationml/2006/main">
   <p:cSld>
     <p:spTree>
@@ -21771,7 +22343,7 @@
 </p:sld>
 </file>
 
-<file path=ppt/slides/slide32.xml><?xml version="1.0" encoding="utf-8"?>
+<file path=ppt/slides/slide35.xml><?xml version="1.0" encoding="utf-8"?>
 <p:sld xmlns:a="http://schemas.openxmlformats.org/drawingml/2006/main" xmlns:r="http://schemas.openxmlformats.org/officeDocument/2006/relationships" xmlns:p="http://schemas.openxmlformats.org/presentationml/2006/main">
   <p:cSld>
     <p:spTree>
@@ -22468,551 +23040,6 @@
 </p:sld>
 </file>
 
-<file path=ppt/slides/slide33.xml><?xml version="1.0" encoding="utf-8"?>
-<p:sld xmlns:a="http://schemas.openxmlformats.org/drawingml/2006/main" xmlns:r="http://schemas.openxmlformats.org/officeDocument/2006/relationships" xmlns:p="http://schemas.openxmlformats.org/presentationml/2006/main">
-  <p:cSld>
-    <p:spTree>
-      <p:nvGrpSpPr>
-        <p:cNvPr id="1" name=""/>
-        <p:cNvGrpSpPr/>
-        <p:nvPr/>
-      </p:nvGrpSpPr>
-      <p:grpSpPr>
-        <a:xfrm>
-          <a:off x="0" y="0"/>
-          <a:ext cx="0" cy="0"/>
-          <a:chOff x="0" y="0"/>
-          <a:chExt cx="0" cy="0"/>
-        </a:xfrm>
-      </p:grpSpPr>
-      <p:sp>
-        <p:nvSpPr>
-          <p:cNvPr id="2" name="文本框 1">
-            <a:extLst>
-              <a:ext uri="{FF2B5EF4-FFF2-40B4-BE49-F238E27FC236}">
-                <a16:creationId xmlns:a16="http://schemas.microsoft.com/office/drawing/2014/main" id="{F4289136-891D-BF4D-83C9-307393F6F83F}"/>
-              </a:ext>
-            </a:extLst>
-          </p:cNvPr>
-          <p:cNvSpPr txBox="1"/>
-          <p:nvPr/>
-        </p:nvSpPr>
-        <p:spPr>
-          <a:xfrm>
-            <a:off x="3978166" y="3105834"/>
-            <a:ext cx="4235668" cy="646331"/>
-          </a:xfrm>
-          <a:prstGeom prst="rect">
-            <a:avLst/>
-          </a:prstGeom>
-          <a:noFill/>
-        </p:spPr>
-        <p:txBody>
-          <a:bodyPr wrap="square" rtlCol="0" anchor="ctr" anchorCtr="1">
-            <a:spAutoFit/>
-          </a:bodyPr>
-          <a:lstStyle/>
-          <a:p>
-            <a:pPr algn="ctr" defTabSz="1778000">
-              <a:lnSpc>
-                <a:spcPct val="90000"/>
-              </a:lnSpc>
-              <a:spcBef>
-                <a:spcPct val="0"/>
-              </a:spcBef>
-              <a:spcAft>
-                <a:spcPct val="35000"/>
-              </a:spcAft>
-            </a:pPr>
-            <a:r>
-              <a:rPr lang="en-US" altLang="zh-CN" sz="4000" dirty="0">
-                <a:solidFill>
-                  <a:prstClr val="white"/>
-                </a:solidFill>
-                <a:latin typeface="宋体" panose="02010600030101010101" pitchFamily="2" charset="-122"/>
-                <a:ea typeface="宋体" panose="02010600030101010101" pitchFamily="2" charset="-122"/>
-              </a:rPr>
-              <a:t>Rust</a:t>
-            </a:r>
-            <a:r>
-              <a:rPr lang="zh-CN" altLang="en-US" sz="4000" dirty="0">
-                <a:solidFill>
-                  <a:prstClr val="white"/>
-                </a:solidFill>
-                <a:latin typeface="宋体" panose="02010600030101010101" pitchFamily="2" charset="-122"/>
-                <a:ea typeface="宋体" panose="02010600030101010101" pitchFamily="2" charset="-122"/>
-              </a:rPr>
-              <a:t>学习资料</a:t>
-            </a:r>
-          </a:p>
-        </p:txBody>
-      </p:sp>
-    </p:spTree>
-    <p:extLst>
-      <p:ext uri="{BB962C8B-B14F-4D97-AF65-F5344CB8AC3E}">
-        <p14:creationId xmlns:p14="http://schemas.microsoft.com/office/powerpoint/2010/main" val="1238085654"/>
-      </p:ext>
-    </p:extLst>
-  </p:cSld>
-  <p:clrMapOvr>
-    <a:masterClrMapping/>
-  </p:clrMapOvr>
-</p:sld>
-</file>
-
-<file path=ppt/slides/slide34.xml><?xml version="1.0" encoding="utf-8"?>
-<p:sld xmlns:a="http://schemas.openxmlformats.org/drawingml/2006/main" xmlns:r="http://schemas.openxmlformats.org/officeDocument/2006/relationships" xmlns:p="http://schemas.openxmlformats.org/presentationml/2006/main">
-  <p:cSld>
-    <p:spTree>
-      <p:nvGrpSpPr>
-        <p:cNvPr id="1" name=""/>
-        <p:cNvGrpSpPr/>
-        <p:nvPr/>
-      </p:nvGrpSpPr>
-      <p:grpSpPr>
-        <a:xfrm>
-          <a:off x="0" y="0"/>
-          <a:ext cx="0" cy="0"/>
-          <a:chOff x="0" y="0"/>
-          <a:chExt cx="0" cy="0"/>
-        </a:xfrm>
-      </p:grpSpPr>
-      <p:sp>
-        <p:nvSpPr>
-          <p:cNvPr id="2" name="标题 1">
-            <a:extLst>
-              <a:ext uri="{FF2B5EF4-FFF2-40B4-BE49-F238E27FC236}">
-                <a16:creationId xmlns:a16="http://schemas.microsoft.com/office/drawing/2014/main" id="{6B370F1E-3E38-8D42-9FCB-DBA1985276B4}"/>
-              </a:ext>
-            </a:extLst>
-          </p:cNvPr>
-          <p:cNvSpPr>
-            <a:spLocks noGrp="1"/>
-          </p:cNvSpPr>
-          <p:nvPr>
-            <p:ph type="title"/>
-          </p:nvPr>
-        </p:nvSpPr>
-        <p:spPr/>
-        <p:txBody>
-          <a:bodyPr/>
-          <a:lstStyle/>
-          <a:p>
-            <a:r>
-              <a:rPr kumimoji="1" lang="en-US" altLang="zh-CN" dirty="0">
-                <a:latin typeface="Times New Roman" panose="02020603050405020304" pitchFamily="18" charset="0"/>
-                <a:cs typeface="Times New Roman" panose="02020603050405020304" pitchFamily="18" charset="0"/>
-              </a:rPr>
-              <a:t>Rust</a:t>
-            </a:r>
-            <a:r>
-              <a:rPr kumimoji="1" lang="zh-CN" altLang="en-US" dirty="0"/>
-              <a:t>学习资料</a:t>
-            </a:r>
-          </a:p>
-        </p:txBody>
-      </p:sp>
-      <p:sp>
-        <p:nvSpPr>
-          <p:cNvPr id="3" name="内容占位符 2">
-            <a:extLst>
-              <a:ext uri="{FF2B5EF4-FFF2-40B4-BE49-F238E27FC236}">
-                <a16:creationId xmlns:a16="http://schemas.microsoft.com/office/drawing/2014/main" id="{99A77837-8F01-E94F-88D3-3AACA1F56FB5}"/>
-              </a:ext>
-            </a:extLst>
-          </p:cNvPr>
-          <p:cNvSpPr>
-            <a:spLocks noGrp="1"/>
-          </p:cNvSpPr>
-          <p:nvPr>
-            <p:ph idx="1"/>
-          </p:nvPr>
-        </p:nvSpPr>
-        <p:spPr/>
-        <p:txBody>
-          <a:bodyPr/>
-          <a:lstStyle/>
-          <a:p>
-            <a:r>
-              <a:rPr lang="en" altLang="zh-CN" dirty="0">
-                <a:latin typeface="Times New Roman" panose="02020603050405020304" pitchFamily="18" charset="0"/>
-                <a:cs typeface="Times New Roman" panose="02020603050405020304" pitchFamily="18" charset="0"/>
-              </a:rPr>
-              <a:t>Rust</a:t>
-            </a:r>
-            <a:r>
-              <a:rPr lang="en" altLang="zh-CN" dirty="0"/>
-              <a:t> </a:t>
-            </a:r>
-            <a:r>
-              <a:rPr lang="zh-CN" altLang="en-US" dirty="0"/>
-              <a:t>程序设计语言</a:t>
-            </a:r>
-            <a:endParaRPr lang="en-US" altLang="zh-CN" dirty="0"/>
-          </a:p>
-          <a:p>
-            <a:endParaRPr lang="zh-CN" altLang="en-US" dirty="0"/>
-          </a:p>
-          <a:p>
-            <a:r>
-              <a:rPr lang="zh-CN" altLang="en-US" dirty="0"/>
-              <a:t>通过例子学 </a:t>
-            </a:r>
-            <a:r>
-              <a:rPr lang="en" altLang="zh-CN" dirty="0">
-                <a:latin typeface="Times New Roman" panose="02020603050405020304" pitchFamily="18" charset="0"/>
-                <a:cs typeface="Times New Roman" panose="02020603050405020304" pitchFamily="18" charset="0"/>
-              </a:rPr>
-              <a:t>Rust</a:t>
-            </a:r>
-          </a:p>
-          <a:p>
-            <a:endParaRPr lang="en" altLang="zh-CN" dirty="0">
-              <a:latin typeface="Times New Roman" panose="02020603050405020304" pitchFamily="18" charset="0"/>
-              <a:cs typeface="Times New Roman" panose="02020603050405020304" pitchFamily="18" charset="0"/>
-            </a:endParaRPr>
-          </a:p>
-          <a:p>
-            <a:r>
-              <a:rPr kumimoji="1" lang="en-US" altLang="zh-CN" dirty="0">
-                <a:latin typeface="Times New Roman" panose="02020603050405020304" pitchFamily="18" charset="0"/>
-                <a:cs typeface="Times New Roman" panose="02020603050405020304" pitchFamily="18" charset="0"/>
-              </a:rPr>
-              <a:t>Rust</a:t>
-            </a:r>
-            <a:r>
-              <a:rPr kumimoji="1" lang="zh-CN" altLang="en-US" dirty="0">
-                <a:latin typeface="Times New Roman" panose="02020603050405020304" pitchFamily="18" charset="0"/>
-                <a:cs typeface="Times New Roman" panose="02020603050405020304" pitchFamily="18" charset="0"/>
-              </a:rPr>
-              <a:t>参考手册</a:t>
-            </a:r>
-            <a:endParaRPr kumimoji="1" lang="en-US" altLang="zh-CN" dirty="0"/>
-          </a:p>
-          <a:p>
-            <a:endParaRPr kumimoji="1" lang="en-US" altLang="zh-CN" dirty="0"/>
-          </a:p>
-          <a:p>
-            <a:r>
-              <a:rPr lang="en" altLang="zh-CN" dirty="0">
-                <a:latin typeface="Times New Roman" panose="02020603050405020304" pitchFamily="18" charset="0"/>
-                <a:cs typeface="Times New Roman" panose="02020603050405020304" pitchFamily="18" charset="0"/>
-              </a:rPr>
-              <a:t>Rust</a:t>
-            </a:r>
-            <a:r>
-              <a:rPr lang="en" altLang="zh-CN" dirty="0"/>
-              <a:t> </a:t>
-            </a:r>
-            <a:r>
-              <a:rPr lang="zh-CN" altLang="en-US" dirty="0"/>
-              <a:t>中的异步编程（官方出品，还未写完）</a:t>
-            </a:r>
-            <a:endParaRPr lang="en-US" altLang="zh-CN" dirty="0"/>
-          </a:p>
-          <a:p>
-            <a:endParaRPr lang="en-US" altLang="zh-CN" dirty="0"/>
-          </a:p>
-          <a:p>
-            <a:r>
-              <a:rPr lang="en-US" altLang="zh-CN" dirty="0">
-                <a:latin typeface="Times New Roman" panose="02020603050405020304" pitchFamily="18" charset="0"/>
-                <a:cs typeface="Times New Roman" panose="02020603050405020304" pitchFamily="18" charset="0"/>
-              </a:rPr>
-              <a:t>Rust</a:t>
-            </a:r>
-            <a:r>
-              <a:rPr lang="zh-CN" altLang="en-US" dirty="0">
-                <a:latin typeface="Times New Roman" panose="02020603050405020304" pitchFamily="18" charset="0"/>
-                <a:cs typeface="Times New Roman" panose="02020603050405020304" pitchFamily="18" charset="0"/>
-              </a:rPr>
-              <a:t>秘典</a:t>
-            </a:r>
-            <a:r>
-              <a:rPr lang="en-US" altLang="zh-CN" dirty="0">
-                <a:latin typeface="Times New Roman" panose="02020603050405020304" pitchFamily="18" charset="0"/>
-                <a:cs typeface="Times New Roman" panose="02020603050405020304" pitchFamily="18" charset="0"/>
-              </a:rPr>
-              <a:t>(</a:t>
-            </a:r>
-            <a:r>
-              <a:rPr lang="zh-CN" altLang="en-US" dirty="0">
-                <a:latin typeface="Times New Roman" panose="02020603050405020304" pitchFamily="18" charset="0"/>
-                <a:cs typeface="Times New Roman" panose="02020603050405020304" pitchFamily="18" charset="0"/>
-              </a:rPr>
-              <a:t>死灵书</a:t>
-            </a:r>
-            <a:r>
-              <a:rPr lang="en-US" altLang="zh-CN" dirty="0">
-                <a:latin typeface="Times New Roman" panose="02020603050405020304" pitchFamily="18" charset="0"/>
-                <a:cs typeface="Times New Roman" panose="02020603050405020304" pitchFamily="18" charset="0"/>
-              </a:rPr>
-              <a:t>)</a:t>
-            </a:r>
-            <a:endParaRPr lang="zh-CN" altLang="en-US" dirty="0">
-              <a:latin typeface="Times New Roman" panose="02020603050405020304" pitchFamily="18" charset="0"/>
-              <a:cs typeface="Times New Roman" panose="02020603050405020304" pitchFamily="18" charset="0"/>
-            </a:endParaRPr>
-          </a:p>
-        </p:txBody>
-      </p:sp>
-    </p:spTree>
-    <p:extLst>
-      <p:ext uri="{BB962C8B-B14F-4D97-AF65-F5344CB8AC3E}">
-        <p14:creationId xmlns:p14="http://schemas.microsoft.com/office/powerpoint/2010/main" val="1674811586"/>
-      </p:ext>
-    </p:extLst>
-  </p:cSld>
-  <p:clrMapOvr>
-    <a:masterClrMapping/>
-  </p:clrMapOvr>
-</p:sld>
-</file>
-
-<file path=ppt/slides/slide35.xml><?xml version="1.0" encoding="utf-8"?>
-<p:sld xmlns:a="http://schemas.openxmlformats.org/drawingml/2006/main" xmlns:r="http://schemas.openxmlformats.org/officeDocument/2006/relationships" xmlns:p="http://schemas.openxmlformats.org/presentationml/2006/main">
-  <p:cSld>
-    <p:spTree>
-      <p:nvGrpSpPr>
-        <p:cNvPr id="1" name=""/>
-        <p:cNvGrpSpPr/>
-        <p:nvPr/>
-      </p:nvGrpSpPr>
-      <p:grpSpPr>
-        <a:xfrm>
-          <a:off x="0" y="0"/>
-          <a:ext cx="0" cy="0"/>
-          <a:chOff x="0" y="0"/>
-          <a:chExt cx="0" cy="0"/>
-        </a:xfrm>
-      </p:grpSpPr>
-      <p:sp>
-        <p:nvSpPr>
-          <p:cNvPr id="2" name="标题 1">
-            <a:extLst>
-              <a:ext uri="{FF2B5EF4-FFF2-40B4-BE49-F238E27FC236}">
-                <a16:creationId xmlns:a16="http://schemas.microsoft.com/office/drawing/2014/main" id="{40B1EA1E-AE1A-4C40-AC86-181A994B3797}"/>
-              </a:ext>
-            </a:extLst>
-          </p:cNvPr>
-          <p:cNvSpPr>
-            <a:spLocks noGrp="1"/>
-          </p:cNvSpPr>
-          <p:nvPr>
-            <p:ph type="title"/>
-          </p:nvPr>
-        </p:nvSpPr>
-        <p:spPr/>
-        <p:txBody>
-          <a:bodyPr/>
-          <a:lstStyle/>
-          <a:p>
-            <a:r>
-              <a:rPr kumimoji="1" lang="en-US" altLang="zh-CN" dirty="0">
-                <a:latin typeface="Times New Roman" panose="02020603050405020304" pitchFamily="18" charset="0"/>
-                <a:cs typeface="Times New Roman" panose="02020603050405020304" pitchFamily="18" charset="0"/>
-              </a:rPr>
-              <a:t>Rust</a:t>
-            </a:r>
-            <a:r>
-              <a:rPr kumimoji="1" lang="zh-CN" altLang="en-US" dirty="0"/>
-              <a:t>学习资料</a:t>
-            </a:r>
-          </a:p>
-        </p:txBody>
-      </p:sp>
-      <p:sp>
-        <p:nvSpPr>
-          <p:cNvPr id="3" name="内容占位符 2">
-            <a:extLst>
-              <a:ext uri="{FF2B5EF4-FFF2-40B4-BE49-F238E27FC236}">
-                <a16:creationId xmlns:a16="http://schemas.microsoft.com/office/drawing/2014/main" id="{7995AF3A-2024-4249-9E62-27FA84AF3153}"/>
-              </a:ext>
-            </a:extLst>
-          </p:cNvPr>
-          <p:cNvSpPr>
-            <a:spLocks noGrp="1"/>
-          </p:cNvSpPr>
-          <p:nvPr>
-            <p:ph idx="1"/>
-          </p:nvPr>
-        </p:nvSpPr>
-        <p:spPr/>
-        <p:txBody>
-          <a:bodyPr/>
-          <a:lstStyle/>
-          <a:p>
-            <a:r>
-              <a:rPr kumimoji="1" lang="en-US" altLang="zh-CN" dirty="0"/>
-              <a:t>Rust</a:t>
-            </a:r>
-            <a:r>
-              <a:rPr kumimoji="1" lang="zh-CN" altLang="en-US" dirty="0"/>
-              <a:t>官方社区</a:t>
-            </a:r>
-            <a:endParaRPr kumimoji="1" lang="en-US" altLang="zh-CN" dirty="0"/>
-          </a:p>
-          <a:p>
-            <a:pPr marL="0" indent="0">
-              <a:buNone/>
-            </a:pPr>
-            <a:r>
-              <a:rPr kumimoji="1" lang="en-US" altLang="zh-CN" dirty="0">
-                <a:latin typeface="Times New Roman" panose="02020603050405020304" pitchFamily="18" charset="0"/>
-                <a:cs typeface="Times New Roman" panose="02020603050405020304" pitchFamily="18" charset="0"/>
-              </a:rPr>
-              <a:t>	</a:t>
-            </a:r>
-            <a:r>
-              <a:rPr kumimoji="1" lang="en-US" altLang="zh-CN" dirty="0">
-                <a:latin typeface="Times New Roman" panose="02020603050405020304" pitchFamily="18" charset="0"/>
-                <a:cs typeface="Times New Roman" panose="02020603050405020304" pitchFamily="18" charset="0"/>
-                <a:hlinkClick r:id="rId2"/>
-              </a:rPr>
-              <a:t>https://www.rust-lang.org/zh-CN/community</a:t>
-            </a:r>
-            <a:endParaRPr kumimoji="1" lang="en-US" altLang="zh-CN" dirty="0">
-              <a:latin typeface="Times New Roman" panose="02020603050405020304" pitchFamily="18" charset="0"/>
-              <a:cs typeface="Times New Roman" panose="02020603050405020304" pitchFamily="18" charset="0"/>
-            </a:endParaRPr>
-          </a:p>
-          <a:p>
-            <a:pPr marL="0" indent="0">
-              <a:buNone/>
-            </a:pPr>
-            <a:r>
-              <a:rPr kumimoji="1" lang="en-US" altLang="zh-CN" dirty="0">
-                <a:latin typeface="Times New Roman" panose="02020603050405020304" pitchFamily="18" charset="0"/>
-                <a:cs typeface="Times New Roman" panose="02020603050405020304" pitchFamily="18" charset="0"/>
-              </a:rPr>
-              <a:t>	</a:t>
-            </a:r>
-            <a:r>
-              <a:rPr kumimoji="1" lang="zh-CN" altLang="en-US" dirty="0">
-                <a:latin typeface="Times New Roman" panose="02020603050405020304" pitchFamily="18" charset="0"/>
-                <a:cs typeface="Times New Roman" panose="02020603050405020304" pitchFamily="18" charset="0"/>
-              </a:rPr>
-              <a:t>内部论坛是</a:t>
-            </a:r>
-            <a:r>
-              <a:rPr kumimoji="1" lang="en-US" altLang="zh-CN" dirty="0">
-                <a:latin typeface="Times New Roman" panose="02020603050405020304" pitchFamily="18" charset="0"/>
-                <a:cs typeface="Times New Roman" panose="02020603050405020304" pitchFamily="18" charset="0"/>
-              </a:rPr>
-              <a:t>rust</a:t>
-            </a:r>
-            <a:r>
-              <a:rPr kumimoji="1" lang="zh-CN" altLang="en-US" dirty="0">
-                <a:latin typeface="Times New Roman" panose="02020603050405020304" pitchFamily="18" charset="0"/>
-                <a:cs typeface="Times New Roman" panose="02020603050405020304" pitchFamily="18" charset="0"/>
-              </a:rPr>
-              <a:t>语言开发讨论区</a:t>
-            </a:r>
-            <a:endParaRPr kumimoji="1" lang="en-US" altLang="zh-CN" dirty="0">
-              <a:latin typeface="Times New Roman" panose="02020603050405020304" pitchFamily="18" charset="0"/>
-              <a:cs typeface="Times New Roman" panose="02020603050405020304" pitchFamily="18" charset="0"/>
-            </a:endParaRPr>
-          </a:p>
-          <a:p>
-            <a:pPr marL="0" indent="0">
-              <a:buNone/>
-            </a:pPr>
-            <a:r>
-              <a:rPr kumimoji="1" lang="en-US" altLang="zh-CN" dirty="0">
-                <a:latin typeface="Times New Roman" panose="02020603050405020304" pitchFamily="18" charset="0"/>
-                <a:cs typeface="Times New Roman" panose="02020603050405020304" pitchFamily="18" charset="0"/>
-              </a:rPr>
-              <a:t>	</a:t>
-            </a:r>
-            <a:r>
-              <a:rPr kumimoji="1" lang="zh-CN" altLang="en-US" dirty="0">
-                <a:latin typeface="Times New Roman" panose="02020603050405020304" pitchFamily="18" charset="0"/>
-                <a:cs typeface="Times New Roman" panose="02020603050405020304" pitchFamily="18" charset="0"/>
-              </a:rPr>
-              <a:t>外部论坛是其他关于</a:t>
-            </a:r>
-            <a:r>
-              <a:rPr kumimoji="1" lang="en-US" altLang="zh-CN" dirty="0">
-                <a:latin typeface="Times New Roman" panose="02020603050405020304" pitchFamily="18" charset="0"/>
-                <a:cs typeface="Times New Roman" panose="02020603050405020304" pitchFamily="18" charset="0"/>
-              </a:rPr>
-              <a:t>rust</a:t>
-            </a:r>
-            <a:r>
-              <a:rPr kumimoji="1" lang="zh-CN" altLang="en-US" dirty="0">
-                <a:latin typeface="Times New Roman" panose="02020603050405020304" pitchFamily="18" charset="0"/>
-                <a:cs typeface="Times New Roman" panose="02020603050405020304" pitchFamily="18" charset="0"/>
-              </a:rPr>
-              <a:t>的讨论区</a:t>
-            </a:r>
-            <a:endParaRPr kumimoji="1" lang="en-US" altLang="zh-CN" dirty="0">
-              <a:latin typeface="Times New Roman" panose="02020603050405020304" pitchFamily="18" charset="0"/>
-              <a:cs typeface="Times New Roman" panose="02020603050405020304" pitchFamily="18" charset="0"/>
-            </a:endParaRPr>
-          </a:p>
-          <a:p>
-            <a:r>
-              <a:rPr kumimoji="1" lang="en-US" altLang="zh-CN" dirty="0">
-                <a:latin typeface="Times New Roman" panose="02020603050405020304" pitchFamily="18" charset="0"/>
-                <a:cs typeface="Times New Roman" panose="02020603050405020304" pitchFamily="18" charset="0"/>
-              </a:rPr>
-              <a:t>Rust</a:t>
-            </a:r>
-            <a:r>
-              <a:rPr kumimoji="1" lang="zh-CN" altLang="en-US" dirty="0"/>
-              <a:t>中文社区</a:t>
-            </a:r>
-            <a:endParaRPr kumimoji="1" lang="en-US" altLang="zh-CN" dirty="0"/>
-          </a:p>
-          <a:p>
-            <a:pPr marL="0" indent="0">
-              <a:buNone/>
-            </a:pPr>
-            <a:r>
-              <a:rPr kumimoji="1" lang="en" altLang="zh-CN" dirty="0"/>
-              <a:t>	</a:t>
-            </a:r>
-            <a:r>
-              <a:rPr kumimoji="1" lang="en" altLang="zh-CN" dirty="0">
-                <a:latin typeface="Times New Roman" panose="02020603050405020304" pitchFamily="18" charset="0"/>
-                <a:cs typeface="Times New Roman" panose="02020603050405020304" pitchFamily="18" charset="0"/>
-              </a:rPr>
-              <a:t>https://</a:t>
-            </a:r>
-            <a:r>
-              <a:rPr kumimoji="1" lang="en" altLang="zh-CN" dirty="0" err="1">
-                <a:latin typeface="Times New Roman" panose="02020603050405020304" pitchFamily="18" charset="0"/>
-                <a:cs typeface="Times New Roman" panose="02020603050405020304" pitchFamily="18" charset="0"/>
-              </a:rPr>
-              <a:t>rustcc.cn</a:t>
-            </a:r>
-            <a:r>
-              <a:rPr kumimoji="1" lang="en" altLang="zh-CN" dirty="0">
-                <a:latin typeface="Times New Roman" panose="02020603050405020304" pitchFamily="18" charset="0"/>
-                <a:cs typeface="Times New Roman" panose="02020603050405020304" pitchFamily="18" charset="0"/>
-              </a:rPr>
-              <a:t>/</a:t>
-            </a:r>
-            <a:endParaRPr kumimoji="1" lang="zh-CN" altLang="en-US" dirty="0">
-              <a:latin typeface="Times New Roman" panose="02020603050405020304" pitchFamily="18" charset="0"/>
-              <a:cs typeface="Times New Roman" panose="02020603050405020304" pitchFamily="18" charset="0"/>
-            </a:endParaRPr>
-          </a:p>
-        </p:txBody>
-      </p:sp>
-    </p:spTree>
-    <p:extLst>
-      <p:ext uri="{BB962C8B-B14F-4D97-AF65-F5344CB8AC3E}">
-        <p14:creationId xmlns:p14="http://schemas.microsoft.com/office/powerpoint/2010/main" val="1469448691"/>
-      </p:ext>
-    </p:extLst>
-  </p:cSld>
-  <p:clrMapOvr>
-    <a:masterClrMapping/>
-  </p:clrMapOvr>
-</p:sld>
-</file>
-
 <file path=ppt/slides/slide36.xml><?xml version="1.0" encoding="utf-8"?>
 <p:sld xmlns:a="http://schemas.openxmlformats.org/drawingml/2006/main" xmlns:r="http://schemas.openxmlformats.org/officeDocument/2006/relationships" xmlns:p="http://schemas.openxmlformats.org/presentationml/2006/main">
   <p:cSld>
@@ -23032,148 +23059,70 @@
       </p:grpSpPr>
       <p:sp>
         <p:nvSpPr>
-          <p:cNvPr id="2" name="标题 1">
+          <p:cNvPr id="2" name="文本框 1">
             <a:extLst>
               <a:ext uri="{FF2B5EF4-FFF2-40B4-BE49-F238E27FC236}">
-                <a16:creationId xmlns:a16="http://schemas.microsoft.com/office/drawing/2014/main" id="{9DA36F8F-2791-BD4B-9F23-4CFF377922BE}"/>
+                <a16:creationId xmlns:a16="http://schemas.microsoft.com/office/drawing/2014/main" id="{F4289136-891D-BF4D-83C9-307393F6F83F}"/>
               </a:ext>
             </a:extLst>
           </p:cNvPr>
-          <p:cNvSpPr>
-            <a:spLocks noGrp="1"/>
-          </p:cNvSpPr>
-          <p:nvPr>
-            <p:ph type="title"/>
-          </p:nvPr>
-        </p:nvSpPr>
-        <p:spPr/>
+          <p:cNvSpPr txBox="1"/>
+          <p:nvPr/>
+        </p:nvSpPr>
+        <p:spPr>
+          <a:xfrm>
+            <a:off x="3978166" y="3105834"/>
+            <a:ext cx="4235668" cy="646331"/>
+          </a:xfrm>
+          <a:prstGeom prst="rect">
+            <a:avLst/>
+          </a:prstGeom>
+          <a:noFill/>
+        </p:spPr>
         <p:txBody>
-          <a:bodyPr/>
+          <a:bodyPr wrap="square" rtlCol="0" anchor="ctr" anchorCtr="1">
+            <a:spAutoFit/>
+          </a:bodyPr>
           <a:lstStyle/>
           <a:p>
-            <a:r>
-              <a:rPr kumimoji="1" lang="en-US" altLang="zh-CN" dirty="0">
-                <a:latin typeface="Times New Roman" panose="02020603050405020304" pitchFamily="18" charset="0"/>
-                <a:cs typeface="Times New Roman" panose="02020603050405020304" pitchFamily="18" charset="0"/>
+            <a:pPr algn="ctr" defTabSz="1778000">
+              <a:lnSpc>
+                <a:spcPct val="90000"/>
+              </a:lnSpc>
+              <a:spcBef>
+                <a:spcPct val="0"/>
+              </a:spcBef>
+              <a:spcAft>
+                <a:spcPct val="35000"/>
+              </a:spcAft>
+            </a:pPr>
+            <a:r>
+              <a:rPr lang="en-US" altLang="zh-CN" sz="4000" dirty="0">
+                <a:solidFill>
+                  <a:prstClr val="white"/>
+                </a:solidFill>
+                <a:latin typeface="宋体" panose="02010600030101010101" pitchFamily="2" charset="-122"/>
+                <a:ea typeface="宋体" panose="02010600030101010101" pitchFamily="2" charset="-122"/>
               </a:rPr>
               <a:t>Rust</a:t>
             </a:r>
             <a:r>
-              <a:rPr kumimoji="1" lang="zh-CN" altLang="en-US" dirty="0"/>
+              <a:rPr lang="zh-CN" altLang="en-US" sz="4000" dirty="0">
+                <a:solidFill>
+                  <a:prstClr val="white"/>
+                </a:solidFill>
+                <a:latin typeface="宋体" panose="02010600030101010101" pitchFamily="2" charset="-122"/>
+                <a:ea typeface="宋体" panose="02010600030101010101" pitchFamily="2" charset="-122"/>
+              </a:rPr>
               <a:t>学习资料</a:t>
             </a:r>
-          </a:p>
-        </p:txBody>
-      </p:sp>
-      <p:sp>
-        <p:nvSpPr>
-          <p:cNvPr id="3" name="内容占位符 2">
-            <a:extLst>
-              <a:ext uri="{FF2B5EF4-FFF2-40B4-BE49-F238E27FC236}">
-                <a16:creationId xmlns:a16="http://schemas.microsoft.com/office/drawing/2014/main" id="{3202FD88-DC7B-B146-8F4E-C2088AFCE1D2}"/>
-              </a:ext>
-            </a:extLst>
-          </p:cNvPr>
-          <p:cNvSpPr>
-            <a:spLocks noGrp="1"/>
-          </p:cNvSpPr>
-          <p:nvPr>
-            <p:ph idx="1"/>
-          </p:nvPr>
-        </p:nvSpPr>
-        <p:spPr/>
-        <p:txBody>
-          <a:bodyPr/>
-          <a:lstStyle/>
-          <a:p>
-            <a:r>
-              <a:rPr kumimoji="1" lang="en" altLang="zh-CN" dirty="0">
-                <a:latin typeface="Times New Roman" panose="02020603050405020304" pitchFamily="18" charset="0"/>
-                <a:cs typeface="Times New Roman" panose="02020603050405020304" pitchFamily="18" charset="0"/>
-              </a:rPr>
-              <a:t>Awesome-rust</a:t>
-            </a:r>
-          </a:p>
-          <a:p>
-            <a:r>
-              <a:rPr kumimoji="1" lang="en" altLang="zh-CN" dirty="0">
-                <a:latin typeface="Times New Roman" panose="02020603050405020304" pitchFamily="18" charset="0"/>
-                <a:cs typeface="Times New Roman" panose="02020603050405020304" pitchFamily="18" charset="0"/>
-                <a:hlinkClick r:id="rId2"/>
-              </a:rPr>
-              <a:t>https://github.com/rust-unofficial/awesome-rust</a:t>
-            </a:r>
-            <a:endParaRPr kumimoji="1" lang="en" altLang="zh-CN" dirty="0">
-              <a:latin typeface="Times New Roman" panose="02020603050405020304" pitchFamily="18" charset="0"/>
-              <a:cs typeface="Times New Roman" panose="02020603050405020304" pitchFamily="18" charset="0"/>
-            </a:endParaRPr>
-          </a:p>
-          <a:p>
-            <a:endParaRPr kumimoji="1" lang="en" altLang="zh-CN" dirty="0">
-              <a:latin typeface="Times New Roman" panose="02020603050405020304" pitchFamily="18" charset="0"/>
-              <a:cs typeface="Times New Roman" panose="02020603050405020304" pitchFamily="18" charset="0"/>
-            </a:endParaRPr>
-          </a:p>
-          <a:p>
-            <a:r>
-              <a:rPr kumimoji="1" lang="en-US" altLang="zh-CN" dirty="0">
-                <a:latin typeface="Times New Roman" panose="02020603050405020304" pitchFamily="18" charset="0"/>
-                <a:cs typeface="Times New Roman" panose="02020603050405020304" pitchFamily="18" charset="0"/>
-              </a:rPr>
-              <a:t>Rust</a:t>
-            </a:r>
-            <a:r>
-              <a:rPr kumimoji="1" lang="zh-CN" altLang="en-US" dirty="0">
-                <a:latin typeface="Times New Roman" panose="02020603050405020304" pitchFamily="18" charset="0"/>
-                <a:cs typeface="Times New Roman" panose="02020603050405020304" pitchFamily="18" charset="0"/>
-              </a:rPr>
-              <a:t>编码规范（非官方版）</a:t>
-            </a:r>
-            <a:endParaRPr kumimoji="1" lang="en-US" altLang="zh-CN" dirty="0">
-              <a:latin typeface="Times New Roman" panose="02020603050405020304" pitchFamily="18" charset="0"/>
-              <a:cs typeface="Times New Roman" panose="02020603050405020304" pitchFamily="18" charset="0"/>
-            </a:endParaRPr>
-          </a:p>
-          <a:p>
-            <a:r>
-              <a:rPr kumimoji="1" lang="en" altLang="zh-CN" dirty="0">
-                <a:latin typeface="Times New Roman" panose="02020603050405020304" pitchFamily="18" charset="0"/>
-                <a:cs typeface="Times New Roman" panose="02020603050405020304" pitchFamily="18" charset="0"/>
-              </a:rPr>
-              <a:t>https://</a:t>
-            </a:r>
-            <a:r>
-              <a:rPr kumimoji="1" lang="en" altLang="zh-CN" dirty="0" err="1">
-                <a:latin typeface="Times New Roman" panose="02020603050405020304" pitchFamily="18" charset="0"/>
-                <a:cs typeface="Times New Roman" panose="02020603050405020304" pitchFamily="18" charset="0"/>
-              </a:rPr>
-              <a:t>github.com</a:t>
-            </a:r>
-            <a:r>
-              <a:rPr kumimoji="1" lang="en" altLang="zh-CN" dirty="0">
-                <a:latin typeface="Times New Roman" panose="02020603050405020304" pitchFamily="18" charset="0"/>
-                <a:cs typeface="Times New Roman" panose="02020603050405020304" pitchFamily="18" charset="0"/>
-              </a:rPr>
-              <a:t>/Rust-Coding-Guidelines/rust-coding-guidelines-</a:t>
-            </a:r>
-            <a:r>
-              <a:rPr kumimoji="1" lang="en" altLang="zh-CN" dirty="0" err="1">
-                <a:latin typeface="Times New Roman" panose="02020603050405020304" pitchFamily="18" charset="0"/>
-                <a:cs typeface="Times New Roman" panose="02020603050405020304" pitchFamily="18" charset="0"/>
-              </a:rPr>
-              <a:t>zh</a:t>
-            </a:r>
-            <a:endParaRPr kumimoji="1" lang="zh-CN" altLang="en-US" dirty="0">
-              <a:latin typeface="Times New Roman" panose="02020603050405020304" pitchFamily="18" charset="0"/>
-              <a:cs typeface="Times New Roman" panose="02020603050405020304" pitchFamily="18" charset="0"/>
-            </a:endParaRPr>
           </a:p>
         </p:txBody>
       </p:sp>
     </p:spTree>
     <p:extLst>
       <p:ext uri="{BB962C8B-B14F-4D97-AF65-F5344CB8AC3E}">
-        <p14:creationId xmlns:p14="http://schemas.microsoft.com/office/powerpoint/2010/main" val="1915331180"/>
+        <p14:creationId xmlns:p14="http://schemas.microsoft.com/office/powerpoint/2010/main" val="1238085654"/>
       </p:ext>
     </p:extLst>
   </p:cSld>
@@ -23205,7 +23154,7 @@
           <p:cNvPr id="2" name="标题 1">
             <a:extLst>
               <a:ext uri="{FF2B5EF4-FFF2-40B4-BE49-F238E27FC236}">
-                <a16:creationId xmlns:a16="http://schemas.microsoft.com/office/drawing/2014/main" id="{255EBB2D-17A9-3C42-8BED-479D0BC27230}"/>
+                <a16:creationId xmlns:a16="http://schemas.microsoft.com/office/drawing/2014/main" id="{6B370F1E-3E38-8D42-9FCB-DBA1985276B4}"/>
               </a:ext>
             </a:extLst>
           </p:cNvPr>
@@ -23240,7 +23189,7 @@
           <p:cNvPr id="3" name="内容占位符 2">
             <a:extLst>
               <a:ext uri="{FF2B5EF4-FFF2-40B4-BE49-F238E27FC236}">
-                <a16:creationId xmlns:a16="http://schemas.microsoft.com/office/drawing/2014/main" id="{783FCA81-68C5-CD4C-B644-2430B8D3C976}"/>
+                <a16:creationId xmlns:a16="http://schemas.microsoft.com/office/drawing/2014/main" id="{99A77837-8F01-E94F-88D3-3AACA1F56FB5}"/>
               </a:ext>
             </a:extLst>
           </p:cNvPr>
@@ -23257,16 +23206,132 @@
           <a:lstStyle/>
           <a:p>
             <a:r>
-              <a:rPr kumimoji="1" lang="zh-CN" altLang="en-US" dirty="0"/>
-              <a:t>考虑建立内部兴趣群，用于感兴趣的同学学习交流（待定）</a:t>
-            </a:r>
+              <a:rPr lang="en" altLang="zh-CN" dirty="0">
+                <a:latin typeface="Times New Roman" panose="02020603050405020304" pitchFamily="18" charset="0"/>
+                <a:cs typeface="Times New Roman" panose="02020603050405020304" pitchFamily="18" charset="0"/>
+              </a:rPr>
+              <a:t>Rust</a:t>
+            </a:r>
+            <a:r>
+              <a:rPr lang="en" altLang="zh-CN" dirty="0"/>
+              <a:t> </a:t>
+            </a:r>
+            <a:r>
+              <a:rPr lang="zh-CN" altLang="en-US" dirty="0"/>
+              <a:t>程序设计语言</a:t>
+            </a:r>
+            <a:endParaRPr lang="en-US" altLang="zh-CN" dirty="0"/>
+          </a:p>
+          <a:p>
+            <a:endParaRPr lang="zh-CN" altLang="en-US" dirty="0"/>
+          </a:p>
+          <a:p>
+            <a:r>
+              <a:rPr lang="zh-CN" altLang="en-US" dirty="0"/>
+              <a:t>通过例子学 </a:t>
+            </a:r>
+            <a:r>
+              <a:rPr lang="en" altLang="zh-CN" dirty="0">
+                <a:latin typeface="Times New Roman" panose="02020603050405020304" pitchFamily="18" charset="0"/>
+                <a:cs typeface="Times New Roman" panose="02020603050405020304" pitchFamily="18" charset="0"/>
+              </a:rPr>
+              <a:t>Rust</a:t>
+            </a:r>
+          </a:p>
+          <a:p>
+            <a:endParaRPr lang="en" altLang="zh-CN" dirty="0">
+              <a:latin typeface="Times New Roman" panose="02020603050405020304" pitchFamily="18" charset="0"/>
+              <a:cs typeface="Times New Roman" panose="02020603050405020304" pitchFamily="18" charset="0"/>
+            </a:endParaRPr>
+          </a:p>
+          <a:p>
+            <a:r>
+              <a:rPr kumimoji="1" lang="en-US" altLang="zh-CN" dirty="0">
+                <a:latin typeface="Times New Roman" panose="02020603050405020304" pitchFamily="18" charset="0"/>
+                <a:cs typeface="Times New Roman" panose="02020603050405020304" pitchFamily="18" charset="0"/>
+              </a:rPr>
+              <a:t>Rust</a:t>
+            </a:r>
+            <a:r>
+              <a:rPr kumimoji="1" lang="zh-CN" altLang="en-US" dirty="0">
+                <a:latin typeface="Times New Roman" panose="02020603050405020304" pitchFamily="18" charset="0"/>
+                <a:cs typeface="Times New Roman" panose="02020603050405020304" pitchFamily="18" charset="0"/>
+              </a:rPr>
+              <a:t>参考手册</a:t>
+            </a:r>
+            <a:endParaRPr kumimoji="1" lang="en-US" altLang="zh-CN" dirty="0"/>
+          </a:p>
+          <a:p>
+            <a:endParaRPr kumimoji="1" lang="en-US" altLang="zh-CN" dirty="0"/>
+          </a:p>
+          <a:p>
+            <a:r>
+              <a:rPr lang="en" altLang="zh-CN" dirty="0">
+                <a:latin typeface="Times New Roman" panose="02020603050405020304" pitchFamily="18" charset="0"/>
+                <a:cs typeface="Times New Roman" panose="02020603050405020304" pitchFamily="18" charset="0"/>
+              </a:rPr>
+              <a:t>Rust</a:t>
+            </a:r>
+            <a:r>
+              <a:rPr lang="en" altLang="zh-CN" dirty="0"/>
+              <a:t> </a:t>
+            </a:r>
+            <a:r>
+              <a:rPr lang="zh-CN" altLang="en-US" dirty="0"/>
+              <a:t>中的异步编程（官方出品，还未写完）</a:t>
+            </a:r>
+            <a:endParaRPr lang="en-US" altLang="zh-CN" dirty="0"/>
+          </a:p>
+          <a:p>
+            <a:endParaRPr lang="en-US" altLang="zh-CN" dirty="0"/>
+          </a:p>
+          <a:p>
+            <a:r>
+              <a:rPr lang="en-US" altLang="zh-CN" dirty="0">
+                <a:latin typeface="Times New Roman" panose="02020603050405020304" pitchFamily="18" charset="0"/>
+                <a:cs typeface="Times New Roman" panose="02020603050405020304" pitchFamily="18" charset="0"/>
+              </a:rPr>
+              <a:t>Rust</a:t>
+            </a:r>
+            <a:r>
+              <a:rPr lang="zh-CN" altLang="en-US" dirty="0">
+                <a:latin typeface="Times New Roman" panose="02020603050405020304" pitchFamily="18" charset="0"/>
+                <a:cs typeface="Times New Roman" panose="02020603050405020304" pitchFamily="18" charset="0"/>
+              </a:rPr>
+              <a:t>秘典</a:t>
+            </a:r>
+            <a:r>
+              <a:rPr lang="en-US" altLang="zh-CN" dirty="0">
+                <a:latin typeface="Times New Roman" panose="02020603050405020304" pitchFamily="18" charset="0"/>
+                <a:cs typeface="Times New Roman" panose="02020603050405020304" pitchFamily="18" charset="0"/>
+              </a:rPr>
+              <a:t>(</a:t>
+            </a:r>
+            <a:r>
+              <a:rPr lang="zh-CN" altLang="en-US" dirty="0">
+                <a:latin typeface="Times New Roman" panose="02020603050405020304" pitchFamily="18" charset="0"/>
+                <a:cs typeface="Times New Roman" panose="02020603050405020304" pitchFamily="18" charset="0"/>
+              </a:rPr>
+              <a:t>死灵书</a:t>
+            </a:r>
+            <a:r>
+              <a:rPr lang="en-US" altLang="zh-CN" dirty="0">
+                <a:latin typeface="Times New Roman" panose="02020603050405020304" pitchFamily="18" charset="0"/>
+                <a:cs typeface="Times New Roman" panose="02020603050405020304" pitchFamily="18" charset="0"/>
+              </a:rPr>
+              <a:t>)</a:t>
+            </a:r>
+            <a:endParaRPr lang="zh-CN" altLang="en-US" dirty="0">
+              <a:latin typeface="Times New Roman" panose="02020603050405020304" pitchFamily="18" charset="0"/>
+              <a:cs typeface="Times New Roman" panose="02020603050405020304" pitchFamily="18" charset="0"/>
+            </a:endParaRPr>
           </a:p>
         </p:txBody>
       </p:sp>
     </p:spTree>
     <p:extLst>
       <p:ext uri="{BB962C8B-B14F-4D97-AF65-F5344CB8AC3E}">
-        <p14:creationId xmlns:p14="http://schemas.microsoft.com/office/powerpoint/2010/main" val="787135025"/>
+        <p14:creationId xmlns:p14="http://schemas.microsoft.com/office/powerpoint/2010/main" val="1674811586"/>
       </p:ext>
     </p:extLst>
   </p:cSld>
@@ -23295,7 +23360,13 @@
       </p:grpSpPr>
       <p:sp>
         <p:nvSpPr>
-          <p:cNvPr id="2" name="标题 1"/>
+          <p:cNvPr id="2" name="标题 1">
+            <a:extLst>
+              <a:ext uri="{FF2B5EF4-FFF2-40B4-BE49-F238E27FC236}">
+                <a16:creationId xmlns:a16="http://schemas.microsoft.com/office/drawing/2014/main" id="{40B1EA1E-AE1A-4C40-AC86-181A994B3797}"/>
+              </a:ext>
+            </a:extLst>
+          </p:cNvPr>
           <p:cNvSpPr>
             <a:spLocks noGrp="1"/>
           </p:cNvSpPr>
@@ -23309,15 +23380,28 @@
           <a:lstStyle/>
           <a:p>
             <a:r>
-              <a:rPr lang="zh-CN" altLang="en-US" dirty="0"/>
-              <a:t>相关资料</a:t>
+              <a:rPr kumimoji="1" lang="en-US" altLang="zh-CN" dirty="0">
+                <a:latin typeface="Times New Roman" panose="02020603050405020304" pitchFamily="18" charset="0"/>
+                <a:cs typeface="Times New Roman" panose="02020603050405020304" pitchFamily="18" charset="0"/>
+              </a:rPr>
+              <a:t>Rust</a:t>
+            </a:r>
+            <a:r>
+              <a:rPr kumimoji="1" lang="zh-CN" altLang="en-US" dirty="0"/>
+              <a:t>学习资料</a:t>
             </a:r>
           </a:p>
         </p:txBody>
       </p:sp>
       <p:sp>
         <p:nvSpPr>
-          <p:cNvPr id="3" name="内容占位符 2"/>
+          <p:cNvPr id="3" name="内容占位符 2">
+            <a:extLst>
+              <a:ext uri="{FF2B5EF4-FFF2-40B4-BE49-F238E27FC236}">
+                <a16:creationId xmlns:a16="http://schemas.microsoft.com/office/drawing/2014/main" id="{7995AF3A-2024-4249-9E62-27FA84AF3153}"/>
+              </a:ext>
+            </a:extLst>
+          </p:cNvPr>
           <p:cNvSpPr>
             <a:spLocks noGrp="1"/>
           </p:cNvSpPr>
@@ -23327,308 +23411,343 @@
         </p:nvSpPr>
         <p:spPr/>
         <p:txBody>
-          <a:bodyPr>
-            <a:normAutofit fontScale="85000" lnSpcReduction="20000"/>
-          </a:bodyPr>
+          <a:bodyPr/>
           <a:lstStyle/>
           <a:p>
             <a:r>
-              <a:rPr lang="en-US" altLang="zh-CN" dirty="0">
+              <a:rPr kumimoji="1" lang="en-US" altLang="zh-CN" dirty="0"/>
+              <a:t>Rust</a:t>
+            </a:r>
+            <a:r>
+              <a:rPr kumimoji="1" lang="zh-CN" altLang="en-US" dirty="0"/>
+              <a:t>官方社区</a:t>
+            </a:r>
+            <a:endParaRPr kumimoji="1" lang="en-US" altLang="zh-CN" dirty="0"/>
+          </a:p>
+          <a:p>
+            <a:pPr marL="0" indent="0">
+              <a:buNone/>
+            </a:pPr>
+            <a:r>
+              <a:rPr kumimoji="1" lang="en-US" altLang="zh-CN" dirty="0">
                 <a:latin typeface="Times New Roman" panose="02020603050405020304" pitchFamily="18" charset="0"/>
                 <a:cs typeface="Times New Roman" panose="02020603050405020304" pitchFamily="18" charset="0"/>
-                <a:hlinkClick r:id="rId3"/>
-              </a:rPr>
-              <a:t>http://venge.net/graydon/talks/intro-talk-2.pdf</a:t>
-            </a:r>
-            <a:r>
-              <a:rPr lang="en-US" altLang="zh-CN" dirty="0">
+              </a:rPr>
+              <a:t>	</a:t>
+            </a:r>
+            <a:r>
+              <a:rPr kumimoji="1" lang="en-US" altLang="zh-CN" dirty="0">
                 <a:latin typeface="Times New Roman" panose="02020603050405020304" pitchFamily="18" charset="0"/>
                 <a:cs typeface="Times New Roman" panose="02020603050405020304" pitchFamily="18" charset="0"/>
-              </a:rPr>
-              <a:t> </a:t>
-            </a:r>
-            <a:r>
-              <a:rPr lang="zh-CN" altLang="en-US" dirty="0">
-                <a:latin typeface="+mn-ea"/>
-                <a:ea typeface="+mn-ea"/>
-              </a:rPr>
-              <a:t>首次正式公开</a:t>
-            </a:r>
-            <a:r>
-              <a:rPr lang="en-US" altLang="zh-CN" dirty="0">
-                <a:latin typeface="Times New Roman" panose="02020603050405020304" pitchFamily="18" charset="0"/>
-                <a:ea typeface="+mn-ea"/>
-                <a:cs typeface="Times New Roman" panose="02020603050405020304" pitchFamily="18" charset="0"/>
-              </a:rPr>
-              <a:t>Rust</a:t>
-            </a:r>
-            <a:r>
-              <a:rPr lang="zh-CN" altLang="en-US" dirty="0">
-                <a:latin typeface="Times New Roman" panose="02020603050405020304" pitchFamily="18" charset="0"/>
-                <a:ea typeface="+mn-ea"/>
-                <a:cs typeface="Times New Roman" panose="02020603050405020304" pitchFamily="18" charset="0"/>
-              </a:rPr>
-              <a:t>，并开始进行了首个</a:t>
-            </a:r>
-            <a:r>
-              <a:rPr lang="en-US" altLang="zh-CN" dirty="0">
-                <a:latin typeface="Times New Roman" panose="02020603050405020304" pitchFamily="18" charset="0"/>
-                <a:ea typeface="+mn-ea"/>
-                <a:cs typeface="Times New Roman" panose="02020603050405020304" pitchFamily="18" charset="0"/>
-              </a:rPr>
-              <a:t>Rust</a:t>
-            </a:r>
-            <a:r>
-              <a:rPr lang="zh-CN" altLang="en-US" dirty="0">
-                <a:latin typeface="Times New Roman" panose="02020603050405020304" pitchFamily="18" charset="0"/>
-                <a:ea typeface="+mn-ea"/>
-                <a:cs typeface="Times New Roman" panose="02020603050405020304" pitchFamily="18" charset="0"/>
-              </a:rPr>
-              <a:t>项目</a:t>
-            </a:r>
-            <a:r>
-              <a:rPr lang="en-US" altLang="zh-CN" dirty="0">
-                <a:latin typeface="Times New Roman" panose="02020603050405020304" pitchFamily="18" charset="0"/>
-                <a:ea typeface="+mn-ea"/>
-                <a:cs typeface="Times New Roman" panose="02020603050405020304" pitchFamily="18" charset="0"/>
-              </a:rPr>
-              <a:t>servo</a:t>
-            </a:r>
-            <a:r>
-              <a:rPr lang="zh-CN" altLang="en-US" dirty="0">
-                <a:latin typeface="Times New Roman" panose="02020603050405020304" pitchFamily="18" charset="0"/>
-                <a:ea typeface="+mn-ea"/>
-                <a:cs typeface="Times New Roman" panose="02020603050405020304" pitchFamily="18" charset="0"/>
-              </a:rPr>
-              <a:t>的开发</a:t>
-            </a:r>
-            <a:endParaRPr lang="en-US" altLang="zh-CN" dirty="0">
-              <a:latin typeface="Times New Roman" panose="02020603050405020304" pitchFamily="18" charset="0"/>
-              <a:ea typeface="+mn-ea"/>
-              <a:cs typeface="Times New Roman" panose="02020603050405020304" pitchFamily="18" charset="0"/>
-            </a:endParaRPr>
-          </a:p>
-          <a:p>
-            <a:r>
-              <a:rPr lang="en-US" altLang="zh-CN" dirty="0">
-                <a:latin typeface="Times New Roman" panose="02020603050405020304" pitchFamily="18" charset="0"/>
-                <a:cs typeface="Times New Roman" panose="02020603050405020304" pitchFamily="18" charset="0"/>
-                <a:hlinkClick r:id="rId4"/>
-              </a:rPr>
-              <a:t>https://foundation.rust-lang.org/</a:t>
-            </a:r>
-            <a:r>
-              <a:rPr lang="en-US" altLang="zh-CN" dirty="0">
-                <a:latin typeface="Times New Roman" panose="02020603050405020304" pitchFamily="18" charset="0"/>
-                <a:cs typeface="Times New Roman" panose="02020603050405020304" pitchFamily="18" charset="0"/>
-              </a:rPr>
-              <a:t> Rust</a:t>
-            </a:r>
-            <a:r>
-              <a:rPr lang="zh-CN" altLang="en-US" dirty="0">
-                <a:latin typeface="Times New Roman" panose="02020603050405020304" pitchFamily="18" charset="0"/>
-                <a:cs typeface="Times New Roman" panose="02020603050405020304" pitchFamily="18" charset="0"/>
-              </a:rPr>
-              <a:t>基金会官网</a:t>
-            </a:r>
-            <a:endParaRPr lang="en-US" altLang="zh-CN" dirty="0">
+                <a:hlinkClick r:id="rId2"/>
+              </a:rPr>
+              <a:t>https://www.rust-lang.org/zh-CN/community</a:t>
+            </a:r>
+            <a:endParaRPr kumimoji="1" lang="en-US" altLang="zh-CN" dirty="0">
               <a:latin typeface="Times New Roman" panose="02020603050405020304" pitchFamily="18" charset="0"/>
               <a:cs typeface="Times New Roman" panose="02020603050405020304" pitchFamily="18" charset="0"/>
             </a:endParaRPr>
           </a:p>
           <a:p>
-            <a:r>
-              <a:rPr lang="en-US" altLang="zh-CN" dirty="0">
+            <a:pPr marL="0" indent="0">
+              <a:buNone/>
+            </a:pPr>
+            <a:r>
+              <a:rPr kumimoji="1" lang="en-US" altLang="zh-CN" dirty="0">
                 <a:latin typeface="Times New Roman" panose="02020603050405020304" pitchFamily="18" charset="0"/>
                 <a:cs typeface="Times New Roman" panose="02020603050405020304" pitchFamily="18" charset="0"/>
-                <a:hlinkClick r:id="rId5"/>
-              </a:rPr>
-              <a:t>https://blog.rust-lang.org/2015/04/10/Fearless-Concurrency.html</a:t>
-            </a:r>
-            <a:endParaRPr lang="en-US" altLang="zh-CN" dirty="0">
+              </a:rPr>
+              <a:t>	</a:t>
+            </a:r>
+            <a:r>
+              <a:rPr kumimoji="1" lang="zh-CN" altLang="en-US" dirty="0">
+                <a:latin typeface="Times New Roman" panose="02020603050405020304" pitchFamily="18" charset="0"/>
+                <a:cs typeface="Times New Roman" panose="02020603050405020304" pitchFamily="18" charset="0"/>
+              </a:rPr>
+              <a:t>内部论坛是</a:t>
+            </a:r>
+            <a:r>
+              <a:rPr kumimoji="1" lang="en-US" altLang="zh-CN" dirty="0">
+                <a:latin typeface="Times New Roman" panose="02020603050405020304" pitchFamily="18" charset="0"/>
+                <a:cs typeface="Times New Roman" panose="02020603050405020304" pitchFamily="18" charset="0"/>
+              </a:rPr>
+              <a:t>rust</a:t>
+            </a:r>
+            <a:r>
+              <a:rPr kumimoji="1" lang="zh-CN" altLang="en-US" dirty="0">
+                <a:latin typeface="Times New Roman" panose="02020603050405020304" pitchFamily="18" charset="0"/>
+                <a:cs typeface="Times New Roman" panose="02020603050405020304" pitchFamily="18" charset="0"/>
+              </a:rPr>
+              <a:t>语言开发讨论区</a:t>
+            </a:r>
+            <a:endParaRPr kumimoji="1" lang="en-US" altLang="zh-CN" dirty="0">
               <a:latin typeface="Times New Roman" panose="02020603050405020304" pitchFamily="18" charset="0"/>
               <a:cs typeface="Times New Roman" panose="02020603050405020304" pitchFamily="18" charset="0"/>
             </a:endParaRPr>
           </a:p>
           <a:p>
-            <a:r>
-              <a:rPr lang="en-US" altLang="zh-CN" dirty="0">
+            <a:pPr marL="0" indent="0">
+              <a:buNone/>
+            </a:pPr>
+            <a:r>
+              <a:rPr kumimoji="1" lang="en-US" altLang="zh-CN" dirty="0">
                 <a:latin typeface="Times New Roman" panose="02020603050405020304" pitchFamily="18" charset="0"/>
                 <a:cs typeface="Times New Roman" panose="02020603050405020304" pitchFamily="18" charset="0"/>
-                <a:hlinkClick r:id="rId6"/>
-              </a:rPr>
-              <a:t>https://github.com/microsoft/MSRC-Security-Research/blob/master/presentations/2019_02_BlueHatIL/2019_01%20-%20BlueHatIL%20-%20Trends%2C%20challenge%2C%20and%20shifts%20in%20software%20vulnerability%20mitigation.pdf</a:t>
-            </a:r>
-            <a:endParaRPr lang="zh-CN" altLang="en-US" dirty="0">
+              </a:rPr>
+              <a:t>	</a:t>
+            </a:r>
+            <a:r>
+              <a:rPr kumimoji="1" lang="zh-CN" altLang="en-US" dirty="0">
+                <a:latin typeface="Times New Roman" panose="02020603050405020304" pitchFamily="18" charset="0"/>
+                <a:cs typeface="Times New Roman" panose="02020603050405020304" pitchFamily="18" charset="0"/>
+              </a:rPr>
+              <a:t>外部论坛是其他关于</a:t>
+            </a:r>
+            <a:r>
+              <a:rPr kumimoji="1" lang="en-US" altLang="zh-CN" dirty="0">
+                <a:latin typeface="Times New Roman" panose="02020603050405020304" pitchFamily="18" charset="0"/>
+                <a:cs typeface="Times New Roman" panose="02020603050405020304" pitchFamily="18" charset="0"/>
+              </a:rPr>
+              <a:t>rust</a:t>
+            </a:r>
+            <a:r>
+              <a:rPr kumimoji="1" lang="zh-CN" altLang="en-US" dirty="0">
+                <a:latin typeface="Times New Roman" panose="02020603050405020304" pitchFamily="18" charset="0"/>
+                <a:cs typeface="Times New Roman" panose="02020603050405020304" pitchFamily="18" charset="0"/>
+              </a:rPr>
+              <a:t>的讨论区</a:t>
+            </a:r>
+            <a:endParaRPr kumimoji="1" lang="en-US" altLang="zh-CN" dirty="0">
               <a:latin typeface="Times New Roman" panose="02020603050405020304" pitchFamily="18" charset="0"/>
               <a:cs typeface="Times New Roman" panose="02020603050405020304" pitchFamily="18" charset="0"/>
             </a:endParaRPr>
           </a:p>
           <a:p>
             <a:r>
-              <a:rPr lang="en-US" altLang="zh-CN" dirty="0">
+              <a:rPr kumimoji="1" lang="en-US" altLang="zh-CN" dirty="0">
                 <a:latin typeface="Times New Roman" panose="02020603050405020304" pitchFamily="18" charset="0"/>
                 <a:cs typeface="Times New Roman" panose="02020603050405020304" pitchFamily="18" charset="0"/>
-                <a:hlinkClick r:id="rId7"/>
-              </a:rPr>
-              <a:t>https://benchmarksgame-team.pages.debian.net/benchmarksgame/fastest/rust.html</a:t>
-            </a:r>
-            <a:endParaRPr lang="en-US" altLang="zh-CN" dirty="0">
+              </a:rPr>
+              <a:t>Rust</a:t>
+            </a:r>
+            <a:r>
+              <a:rPr kumimoji="1" lang="zh-CN" altLang="en-US" dirty="0"/>
+              <a:t>中文社区</a:t>
+            </a:r>
+            <a:endParaRPr kumimoji="1" lang="en-US" altLang="zh-CN" dirty="0"/>
+          </a:p>
+          <a:p>
+            <a:pPr marL="0" indent="0">
+              <a:buNone/>
+            </a:pPr>
+            <a:r>
+              <a:rPr kumimoji="1" lang="en" altLang="zh-CN" dirty="0"/>
+              <a:t>	</a:t>
+            </a:r>
+            <a:r>
+              <a:rPr kumimoji="1" lang="en" altLang="zh-CN" dirty="0">
+                <a:latin typeface="Times New Roman" panose="02020603050405020304" pitchFamily="18" charset="0"/>
+                <a:cs typeface="Times New Roman" panose="02020603050405020304" pitchFamily="18" charset="0"/>
+              </a:rPr>
+              <a:t>https://</a:t>
+            </a:r>
+            <a:r>
+              <a:rPr kumimoji="1" lang="en" altLang="zh-CN" dirty="0" err="1">
+                <a:latin typeface="Times New Roman" panose="02020603050405020304" pitchFamily="18" charset="0"/>
+                <a:cs typeface="Times New Roman" panose="02020603050405020304" pitchFamily="18" charset="0"/>
+              </a:rPr>
+              <a:t>rustcc.cn</a:t>
+            </a:r>
+            <a:r>
+              <a:rPr kumimoji="1" lang="en" altLang="zh-CN" dirty="0">
+                <a:latin typeface="Times New Roman" panose="02020603050405020304" pitchFamily="18" charset="0"/>
+                <a:cs typeface="Times New Roman" panose="02020603050405020304" pitchFamily="18" charset="0"/>
+              </a:rPr>
+              <a:t>/</a:t>
+            </a:r>
+            <a:endParaRPr kumimoji="1" lang="zh-CN" altLang="en-US" dirty="0">
               <a:latin typeface="Times New Roman" panose="02020603050405020304" pitchFamily="18" charset="0"/>
               <a:cs typeface="Times New Roman" panose="02020603050405020304" pitchFamily="18" charset="0"/>
             </a:endParaRPr>
           </a:p>
-          <a:p>
-            <a:r>
-              <a:rPr lang="en-US" altLang="zh-CN" dirty="0">
+        </p:txBody>
+      </p:sp>
+    </p:spTree>
+    <p:extLst>
+      <p:ext uri="{BB962C8B-B14F-4D97-AF65-F5344CB8AC3E}">
+        <p14:creationId xmlns:p14="http://schemas.microsoft.com/office/powerpoint/2010/main" val="1469448691"/>
+      </p:ext>
+    </p:extLst>
+  </p:cSld>
+  <p:clrMapOvr>
+    <a:masterClrMapping/>
+  </p:clrMapOvr>
+</p:sld>
+</file>
+
+<file path=ppt/slides/slide39.xml><?xml version="1.0" encoding="utf-8"?>
+<p:sld xmlns:a="http://schemas.openxmlformats.org/drawingml/2006/main" xmlns:r="http://schemas.openxmlformats.org/officeDocument/2006/relationships" xmlns:p="http://schemas.openxmlformats.org/presentationml/2006/main">
+  <p:cSld>
+    <p:spTree>
+      <p:nvGrpSpPr>
+        <p:cNvPr id="1" name=""/>
+        <p:cNvGrpSpPr/>
+        <p:nvPr/>
+      </p:nvGrpSpPr>
+      <p:grpSpPr>
+        <a:xfrm>
+          <a:off x="0" y="0"/>
+          <a:ext cx="0" cy="0"/>
+          <a:chOff x="0" y="0"/>
+          <a:chExt cx="0" cy="0"/>
+        </a:xfrm>
+      </p:grpSpPr>
+      <p:sp>
+        <p:nvSpPr>
+          <p:cNvPr id="2" name="标题 1">
+            <a:extLst>
+              <a:ext uri="{FF2B5EF4-FFF2-40B4-BE49-F238E27FC236}">
+                <a16:creationId xmlns:a16="http://schemas.microsoft.com/office/drawing/2014/main" id="{9DA36F8F-2791-BD4B-9F23-4CFF377922BE}"/>
+              </a:ext>
+            </a:extLst>
+          </p:cNvPr>
+          <p:cNvSpPr>
+            <a:spLocks noGrp="1"/>
+          </p:cNvSpPr>
+          <p:nvPr>
+            <p:ph type="title"/>
+          </p:nvPr>
+        </p:nvSpPr>
+        <p:spPr/>
+        <p:txBody>
+          <a:bodyPr/>
+          <a:lstStyle/>
+          <a:p>
+            <a:r>
+              <a:rPr kumimoji="1" lang="en-US" altLang="zh-CN" dirty="0">
                 <a:latin typeface="Times New Roman" panose="02020603050405020304" pitchFamily="18" charset="0"/>
                 <a:cs typeface="Times New Roman" panose="02020603050405020304" pitchFamily="18" charset="0"/>
-                <a:hlinkClick r:id="rId8"/>
-              </a:rPr>
-              <a:t>https://github.com/kostya/benchmarks</a:t>
-            </a:r>
-            <a:r>
-              <a:rPr lang="zh-CN" altLang="en-US" dirty="0">
+              </a:rPr>
+              <a:t>Rust</a:t>
+            </a:r>
+            <a:r>
+              <a:rPr kumimoji="1" lang="zh-CN" altLang="en-US" dirty="0"/>
+              <a:t>学习资料</a:t>
+            </a:r>
+          </a:p>
+        </p:txBody>
+      </p:sp>
+      <p:sp>
+        <p:nvSpPr>
+          <p:cNvPr id="3" name="内容占位符 2">
+            <a:extLst>
+              <a:ext uri="{FF2B5EF4-FFF2-40B4-BE49-F238E27FC236}">
+                <a16:creationId xmlns:a16="http://schemas.microsoft.com/office/drawing/2014/main" id="{3202FD88-DC7B-B146-8F4E-C2088AFCE1D2}"/>
+              </a:ext>
+            </a:extLst>
+          </p:cNvPr>
+          <p:cNvSpPr>
+            <a:spLocks noGrp="1"/>
+          </p:cNvSpPr>
+          <p:nvPr>
+            <p:ph idx="1"/>
+          </p:nvPr>
+        </p:nvSpPr>
+        <p:spPr/>
+        <p:txBody>
+          <a:bodyPr/>
+          <a:lstStyle/>
+          <a:p>
+            <a:r>
+              <a:rPr kumimoji="1" lang="en" altLang="zh-CN" dirty="0">
                 <a:latin typeface="Times New Roman" panose="02020603050405020304" pitchFamily="18" charset="0"/>
                 <a:cs typeface="Times New Roman" panose="02020603050405020304" pitchFamily="18" charset="0"/>
               </a:rPr>
-              <a:t> </a:t>
-            </a:r>
-            <a:r>
-              <a:rPr lang="en-US" altLang="zh-CN" dirty="0">
+              <a:t>Awesome-rust</a:t>
+            </a:r>
+          </a:p>
+          <a:p>
+            <a:r>
+              <a:rPr kumimoji="1" lang="en" altLang="zh-CN" dirty="0">
                 <a:latin typeface="Times New Roman" panose="02020603050405020304" pitchFamily="18" charset="0"/>
                 <a:cs typeface="Times New Roman" panose="02020603050405020304" pitchFamily="18" charset="0"/>
-              </a:rPr>
-              <a:t>	</a:t>
-            </a:r>
-            <a:r>
-              <a:rPr lang="zh-CN" altLang="en-US" dirty="0">
-                <a:latin typeface="Times New Roman" panose="02020603050405020304" pitchFamily="18" charset="0"/>
-                <a:cs typeface="Times New Roman" panose="02020603050405020304" pitchFamily="18" charset="0"/>
-              </a:rPr>
-              <a:t>开放常用库性能对比</a:t>
-            </a:r>
-            <a:endParaRPr lang="en-US" altLang="zh-CN" dirty="0">
+                <a:hlinkClick r:id="rId2"/>
+              </a:rPr>
+              <a:t>https://github.com/rust-unofficial/awesome-rust</a:t>
+            </a:r>
+            <a:endParaRPr kumimoji="1" lang="en" altLang="zh-CN" dirty="0">
               <a:latin typeface="Times New Roman" panose="02020603050405020304" pitchFamily="18" charset="0"/>
               <a:cs typeface="Times New Roman" panose="02020603050405020304" pitchFamily="18" charset="0"/>
             </a:endParaRPr>
           </a:p>
           <a:p>
-            <a:r>
-              <a:rPr lang="en" altLang="zh-CN" dirty="0">
-                <a:hlinkClick r:id="rId9"/>
-              </a:rPr>
-              <a:t>https://users.rust-lang.org/t/soft-question-golang-vs-rust-productivity/61053</a:t>
-            </a:r>
-            <a:r>
-              <a:rPr lang="en" altLang="zh-CN" dirty="0"/>
-              <a:t> 	</a:t>
-            </a:r>
-            <a:r>
-              <a:rPr lang="zh-CN" altLang="en" dirty="0"/>
-              <a:t>使用</a:t>
-            </a:r>
-            <a:r>
-              <a:rPr lang="en" altLang="zh-CN" dirty="0" err="1">
-                <a:latin typeface="Times New Roman" panose="02020603050405020304" pitchFamily="18" charset="0"/>
-                <a:cs typeface="Times New Roman" panose="02020603050405020304" pitchFamily="18" charset="0"/>
-              </a:rPr>
-              <a:t>golang</a:t>
-            </a:r>
-            <a:r>
-              <a:rPr lang="zh-CN" altLang="en-US" dirty="0"/>
-              <a:t>还是</a:t>
-            </a:r>
-            <a:r>
-              <a:rPr lang="en" altLang="zh-CN" dirty="0">
-                <a:latin typeface="Times New Roman" panose="02020603050405020304" pitchFamily="18" charset="0"/>
-                <a:cs typeface="Times New Roman" panose="02020603050405020304" pitchFamily="18" charset="0"/>
-              </a:rPr>
-              <a:t>rust</a:t>
-            </a:r>
-            <a:r>
-              <a:rPr lang="zh-CN" altLang="en-US" dirty="0"/>
-              <a:t>的讨论</a:t>
-            </a:r>
-            <a:endParaRPr lang="en-US" altLang="zh-CN" dirty="0"/>
-          </a:p>
-          <a:p>
-            <a:r>
-              <a:rPr lang="en-US" altLang="zh-CN" dirty="0">
-                <a:latin typeface="Times New Roman" panose="02020603050405020304" pitchFamily="18" charset="0"/>
-                <a:cs typeface="Times New Roman" panose="02020603050405020304" pitchFamily="18" charset="0"/>
-                <a:hlinkClick r:id="rId10"/>
-              </a:rPr>
-              <a:t>https://rustcc.cn/article?id=4a6054b8-f846-4ef3-8c7b-6c60664ab2b0</a:t>
-            </a:r>
-            <a:r>
-              <a:rPr lang="en-US" altLang="zh-CN" dirty="0">
-                <a:latin typeface="Times New Roman" panose="02020603050405020304" pitchFamily="18" charset="0"/>
-                <a:cs typeface="Times New Roman" panose="02020603050405020304" pitchFamily="18" charset="0"/>
-              </a:rPr>
-              <a:t>		rust</a:t>
-            </a:r>
-            <a:r>
-              <a:rPr lang="zh-CN" altLang="en-US" dirty="0">
-                <a:latin typeface="Times New Roman" panose="02020603050405020304" pitchFamily="18" charset="0"/>
-                <a:cs typeface="Times New Roman" panose="02020603050405020304" pitchFamily="18" charset="0"/>
-              </a:rPr>
-              <a:t>常见问题</a:t>
-            </a:r>
-            <a:endParaRPr lang="en-US" altLang="zh-CN" dirty="0">
+            <a:endParaRPr kumimoji="1" lang="en" altLang="zh-CN" dirty="0">
               <a:latin typeface="Times New Roman" panose="02020603050405020304" pitchFamily="18" charset="0"/>
               <a:cs typeface="Times New Roman" panose="02020603050405020304" pitchFamily="18" charset="0"/>
             </a:endParaRPr>
           </a:p>
           <a:p>
             <a:r>
-              <a:rPr lang="en-US" altLang="zh-CN" dirty="0">
+              <a:rPr kumimoji="1" lang="en-US" altLang="zh-CN" dirty="0">
                 <a:latin typeface="Times New Roman" panose="02020603050405020304" pitchFamily="18" charset="0"/>
                 <a:cs typeface="Times New Roman" panose="02020603050405020304" pitchFamily="18" charset="0"/>
-                <a:hlinkClick r:id="rId11"/>
-              </a:rPr>
-              <a:t>https://github.com/hengli-coder/rust_learning</a:t>
-            </a:r>
-            <a:r>
-              <a:rPr lang="en-US" altLang="zh-CN" dirty="0">
+              </a:rPr>
+              <a:t>Rust</a:t>
+            </a:r>
+            <a:r>
+              <a:rPr kumimoji="1" lang="zh-CN" altLang="en-US" dirty="0">
                 <a:latin typeface="Times New Roman" panose="02020603050405020304" pitchFamily="18" charset="0"/>
                 <a:cs typeface="Times New Roman" panose="02020603050405020304" pitchFamily="18" charset="0"/>
               </a:rPr>
-              <a:t>	PPT</a:t>
-            </a:r>
-            <a:r>
-              <a:rPr lang="zh-CN" altLang="en-US" dirty="0">
-                <a:latin typeface="Times New Roman" panose="02020603050405020304" pitchFamily="18" charset="0"/>
-                <a:cs typeface="Times New Roman" panose="02020603050405020304" pitchFamily="18" charset="0"/>
-              </a:rPr>
-              <a:t>中涉及的代码</a:t>
-            </a:r>
-            <a:endParaRPr lang="en-US" altLang="zh-CN" dirty="0">
+              <a:t>编码规范（非官方版）</a:t>
+            </a:r>
+            <a:endParaRPr kumimoji="1" lang="en-US" altLang="zh-CN" dirty="0">
               <a:latin typeface="Times New Roman" panose="02020603050405020304" pitchFamily="18" charset="0"/>
               <a:cs typeface="Times New Roman" panose="02020603050405020304" pitchFamily="18" charset="0"/>
             </a:endParaRPr>
           </a:p>
           <a:p>
-            <a:endParaRPr lang="en-US" altLang="zh-CN" dirty="0">
+            <a:r>
+              <a:rPr kumimoji="1" lang="en" altLang="zh-CN" dirty="0">
+                <a:latin typeface="Times New Roman" panose="02020603050405020304" pitchFamily="18" charset="0"/>
+                <a:cs typeface="Times New Roman" panose="02020603050405020304" pitchFamily="18" charset="0"/>
+              </a:rPr>
+              <a:t>https://</a:t>
+            </a:r>
+            <a:r>
+              <a:rPr kumimoji="1" lang="en" altLang="zh-CN" dirty="0" err="1">
+                <a:latin typeface="Times New Roman" panose="02020603050405020304" pitchFamily="18" charset="0"/>
+                <a:cs typeface="Times New Roman" panose="02020603050405020304" pitchFamily="18" charset="0"/>
+              </a:rPr>
+              <a:t>github.com</a:t>
+            </a:r>
+            <a:r>
+              <a:rPr kumimoji="1" lang="en" altLang="zh-CN" dirty="0">
+                <a:latin typeface="Times New Roman" panose="02020603050405020304" pitchFamily="18" charset="0"/>
+                <a:cs typeface="Times New Roman" panose="02020603050405020304" pitchFamily="18" charset="0"/>
+              </a:rPr>
+              <a:t>/Rust-Coding-Guidelines/rust-coding-guidelines-</a:t>
+            </a:r>
+            <a:r>
+              <a:rPr kumimoji="1" lang="en" altLang="zh-CN" dirty="0" err="1">
+                <a:latin typeface="Times New Roman" panose="02020603050405020304" pitchFamily="18" charset="0"/>
+                <a:cs typeface="Times New Roman" panose="02020603050405020304" pitchFamily="18" charset="0"/>
+              </a:rPr>
+              <a:t>zh</a:t>
+            </a:r>
+            <a:endParaRPr kumimoji="1" lang="zh-CN" altLang="en-US" dirty="0">
               <a:latin typeface="Times New Roman" panose="02020603050405020304" pitchFamily="18" charset="0"/>
               <a:cs typeface="Times New Roman" panose="02020603050405020304" pitchFamily="18" charset="0"/>
             </a:endParaRPr>
           </a:p>
-          <a:p>
-            <a:endParaRPr lang="zh-CN" altLang="en-US" dirty="0">
-              <a:latin typeface="Times New Roman" panose="02020603050405020304" pitchFamily="18" charset="0"/>
-              <a:cs typeface="Times New Roman" panose="02020603050405020304" pitchFamily="18" charset="0"/>
-            </a:endParaRPr>
-          </a:p>
-          <a:p>
-            <a:endParaRPr lang="zh-CN" altLang="en-US" dirty="0">
-              <a:latin typeface="+mn-ea"/>
-              <a:ea typeface="+mn-ea"/>
-            </a:endParaRPr>
-          </a:p>
         </p:txBody>
       </p:sp>
     </p:spTree>
+    <p:extLst>
+      <p:ext uri="{BB962C8B-B14F-4D97-AF65-F5344CB8AC3E}">
+        <p14:creationId xmlns:p14="http://schemas.microsoft.com/office/powerpoint/2010/main" val="1915331180"/>
+      </p:ext>
+    </p:extLst>
   </p:cSld>
   <p:clrMapOvr>
     <a:masterClrMapping/>
@@ -23796,6 +23915,459 @@
               </a:rPr>
               <a:t>年再次进行大版本迭代</a:t>
             </a:r>
+          </a:p>
+        </p:txBody>
+      </p:sp>
+    </p:spTree>
+  </p:cSld>
+  <p:clrMapOvr>
+    <a:masterClrMapping/>
+  </p:clrMapOvr>
+</p:sld>
+</file>
+
+<file path=ppt/slides/slide40.xml><?xml version="1.0" encoding="utf-8"?>
+<p:sld xmlns:a="http://schemas.openxmlformats.org/drawingml/2006/main" xmlns:r="http://schemas.openxmlformats.org/officeDocument/2006/relationships" xmlns:p="http://schemas.openxmlformats.org/presentationml/2006/main">
+  <p:cSld>
+    <p:spTree>
+      <p:nvGrpSpPr>
+        <p:cNvPr id="1" name=""/>
+        <p:cNvGrpSpPr/>
+        <p:nvPr/>
+      </p:nvGrpSpPr>
+      <p:grpSpPr>
+        <a:xfrm>
+          <a:off x="0" y="0"/>
+          <a:ext cx="0" cy="0"/>
+          <a:chOff x="0" y="0"/>
+          <a:chExt cx="0" cy="0"/>
+        </a:xfrm>
+      </p:grpSpPr>
+      <p:sp>
+        <p:nvSpPr>
+          <p:cNvPr id="2" name="标题 1">
+            <a:extLst>
+              <a:ext uri="{FF2B5EF4-FFF2-40B4-BE49-F238E27FC236}">
+                <a16:creationId xmlns:a16="http://schemas.microsoft.com/office/drawing/2014/main" id="{255EBB2D-17A9-3C42-8BED-479D0BC27230}"/>
+              </a:ext>
+            </a:extLst>
+          </p:cNvPr>
+          <p:cNvSpPr>
+            <a:spLocks noGrp="1"/>
+          </p:cNvSpPr>
+          <p:nvPr>
+            <p:ph type="title"/>
+          </p:nvPr>
+        </p:nvSpPr>
+        <p:spPr/>
+        <p:txBody>
+          <a:bodyPr/>
+          <a:lstStyle/>
+          <a:p>
+            <a:r>
+              <a:rPr kumimoji="1" lang="en-US" altLang="zh-CN" dirty="0">
+                <a:latin typeface="Times New Roman" panose="02020603050405020304" pitchFamily="18" charset="0"/>
+                <a:cs typeface="Times New Roman" panose="02020603050405020304" pitchFamily="18" charset="0"/>
+              </a:rPr>
+              <a:t>Rust</a:t>
+            </a:r>
+            <a:r>
+              <a:rPr kumimoji="1" lang="zh-CN" altLang="en-US" dirty="0"/>
+              <a:t>学习资料</a:t>
+            </a:r>
+          </a:p>
+        </p:txBody>
+      </p:sp>
+      <p:sp>
+        <p:nvSpPr>
+          <p:cNvPr id="3" name="内容占位符 2">
+            <a:extLst>
+              <a:ext uri="{FF2B5EF4-FFF2-40B4-BE49-F238E27FC236}">
+                <a16:creationId xmlns:a16="http://schemas.microsoft.com/office/drawing/2014/main" id="{783FCA81-68C5-CD4C-B644-2430B8D3C976}"/>
+              </a:ext>
+            </a:extLst>
+          </p:cNvPr>
+          <p:cNvSpPr>
+            <a:spLocks noGrp="1"/>
+          </p:cNvSpPr>
+          <p:nvPr>
+            <p:ph idx="1"/>
+          </p:nvPr>
+        </p:nvSpPr>
+        <p:spPr/>
+        <p:txBody>
+          <a:bodyPr/>
+          <a:lstStyle/>
+          <a:p>
+            <a:r>
+              <a:rPr kumimoji="1" lang="zh-CN" altLang="en-US" dirty="0"/>
+              <a:t>考虑建立内部兴趣群，用于感兴趣的同学学习交流（待定）</a:t>
+            </a:r>
+          </a:p>
+        </p:txBody>
+      </p:sp>
+    </p:spTree>
+    <p:extLst>
+      <p:ext uri="{BB962C8B-B14F-4D97-AF65-F5344CB8AC3E}">
+        <p14:creationId xmlns:p14="http://schemas.microsoft.com/office/powerpoint/2010/main" val="787135025"/>
+      </p:ext>
+    </p:extLst>
+  </p:cSld>
+  <p:clrMapOvr>
+    <a:masterClrMapping/>
+  </p:clrMapOvr>
+</p:sld>
+</file>
+
+<file path=ppt/slides/slide41.xml><?xml version="1.0" encoding="utf-8"?>
+<p:sld xmlns:a="http://schemas.openxmlformats.org/drawingml/2006/main" xmlns:r="http://schemas.openxmlformats.org/officeDocument/2006/relationships" xmlns:p="http://schemas.openxmlformats.org/presentationml/2006/main">
+  <p:cSld>
+    <p:spTree>
+      <p:nvGrpSpPr>
+        <p:cNvPr id="1" name=""/>
+        <p:cNvGrpSpPr/>
+        <p:nvPr/>
+      </p:nvGrpSpPr>
+      <p:grpSpPr>
+        <a:xfrm>
+          <a:off x="0" y="0"/>
+          <a:ext cx="0" cy="0"/>
+          <a:chOff x="0" y="0"/>
+          <a:chExt cx="0" cy="0"/>
+        </a:xfrm>
+      </p:grpSpPr>
+      <p:sp>
+        <p:nvSpPr>
+          <p:cNvPr id="2" name="标题 1"/>
+          <p:cNvSpPr>
+            <a:spLocks noGrp="1"/>
+          </p:cNvSpPr>
+          <p:nvPr>
+            <p:ph type="title"/>
+          </p:nvPr>
+        </p:nvSpPr>
+        <p:spPr/>
+        <p:txBody>
+          <a:bodyPr/>
+          <a:lstStyle/>
+          <a:p>
+            <a:r>
+              <a:rPr lang="zh-CN" altLang="en-US" dirty="0"/>
+              <a:t>相关资料</a:t>
+            </a:r>
+          </a:p>
+        </p:txBody>
+      </p:sp>
+      <p:sp>
+        <p:nvSpPr>
+          <p:cNvPr id="3" name="内容占位符 2"/>
+          <p:cNvSpPr>
+            <a:spLocks noGrp="1"/>
+          </p:cNvSpPr>
+          <p:nvPr>
+            <p:ph idx="1"/>
+          </p:nvPr>
+        </p:nvSpPr>
+        <p:spPr/>
+        <p:txBody>
+          <a:bodyPr>
+            <a:normAutofit fontScale="85000" lnSpcReduction="20000"/>
+          </a:bodyPr>
+          <a:lstStyle/>
+          <a:p>
+            <a:r>
+              <a:rPr lang="en-US" altLang="zh-CN" dirty="0">
+                <a:latin typeface="Times New Roman" panose="02020603050405020304" pitchFamily="18" charset="0"/>
+                <a:cs typeface="Times New Roman" panose="02020603050405020304" pitchFamily="18" charset="0"/>
+                <a:hlinkClick r:id="rId3"/>
+              </a:rPr>
+              <a:t>http://venge.net/graydon/talks/intro-talk-2.pdf</a:t>
+            </a:r>
+            <a:r>
+              <a:rPr lang="en-US" altLang="zh-CN" dirty="0">
+                <a:latin typeface="Times New Roman" panose="02020603050405020304" pitchFamily="18" charset="0"/>
+                <a:cs typeface="Times New Roman" panose="02020603050405020304" pitchFamily="18" charset="0"/>
+              </a:rPr>
+              <a:t> </a:t>
+            </a:r>
+            <a:r>
+              <a:rPr lang="zh-CN" altLang="en-US" dirty="0">
+                <a:latin typeface="+mn-ea"/>
+                <a:ea typeface="+mn-ea"/>
+              </a:rPr>
+              <a:t>首次正式公开</a:t>
+            </a:r>
+            <a:r>
+              <a:rPr lang="en-US" altLang="zh-CN" dirty="0">
+                <a:latin typeface="Times New Roman" panose="02020603050405020304" pitchFamily="18" charset="0"/>
+                <a:ea typeface="+mn-ea"/>
+                <a:cs typeface="Times New Roman" panose="02020603050405020304" pitchFamily="18" charset="0"/>
+              </a:rPr>
+              <a:t>Rust</a:t>
+            </a:r>
+            <a:r>
+              <a:rPr lang="zh-CN" altLang="en-US" dirty="0">
+                <a:latin typeface="Times New Roman" panose="02020603050405020304" pitchFamily="18" charset="0"/>
+                <a:ea typeface="+mn-ea"/>
+                <a:cs typeface="Times New Roman" panose="02020603050405020304" pitchFamily="18" charset="0"/>
+              </a:rPr>
+              <a:t>，并开始进行了首个</a:t>
+            </a:r>
+            <a:r>
+              <a:rPr lang="en-US" altLang="zh-CN" dirty="0">
+                <a:latin typeface="Times New Roman" panose="02020603050405020304" pitchFamily="18" charset="0"/>
+                <a:ea typeface="+mn-ea"/>
+                <a:cs typeface="Times New Roman" panose="02020603050405020304" pitchFamily="18" charset="0"/>
+              </a:rPr>
+              <a:t>Rust</a:t>
+            </a:r>
+            <a:r>
+              <a:rPr lang="zh-CN" altLang="en-US" dirty="0">
+                <a:latin typeface="Times New Roman" panose="02020603050405020304" pitchFamily="18" charset="0"/>
+                <a:ea typeface="+mn-ea"/>
+                <a:cs typeface="Times New Roman" panose="02020603050405020304" pitchFamily="18" charset="0"/>
+              </a:rPr>
+              <a:t>项目</a:t>
+            </a:r>
+            <a:r>
+              <a:rPr lang="en-US" altLang="zh-CN" dirty="0">
+                <a:latin typeface="Times New Roman" panose="02020603050405020304" pitchFamily="18" charset="0"/>
+                <a:ea typeface="+mn-ea"/>
+                <a:cs typeface="Times New Roman" panose="02020603050405020304" pitchFamily="18" charset="0"/>
+              </a:rPr>
+              <a:t>servo</a:t>
+            </a:r>
+            <a:r>
+              <a:rPr lang="zh-CN" altLang="en-US" dirty="0">
+                <a:latin typeface="Times New Roman" panose="02020603050405020304" pitchFamily="18" charset="0"/>
+                <a:ea typeface="+mn-ea"/>
+                <a:cs typeface="Times New Roman" panose="02020603050405020304" pitchFamily="18" charset="0"/>
+              </a:rPr>
+              <a:t>的开发</a:t>
+            </a:r>
+            <a:endParaRPr lang="en-US" altLang="zh-CN" dirty="0">
+              <a:latin typeface="Times New Roman" panose="02020603050405020304" pitchFamily="18" charset="0"/>
+              <a:ea typeface="+mn-ea"/>
+              <a:cs typeface="Times New Roman" panose="02020603050405020304" pitchFamily="18" charset="0"/>
+            </a:endParaRPr>
+          </a:p>
+          <a:p>
+            <a:r>
+              <a:rPr lang="en-US" altLang="zh-CN" dirty="0">
+                <a:latin typeface="Times New Roman" panose="02020603050405020304" pitchFamily="18" charset="0"/>
+                <a:cs typeface="Times New Roman" panose="02020603050405020304" pitchFamily="18" charset="0"/>
+                <a:hlinkClick r:id="rId4"/>
+              </a:rPr>
+              <a:t>https://foundation.rust-lang.org/</a:t>
+            </a:r>
+            <a:r>
+              <a:rPr lang="en-US" altLang="zh-CN" dirty="0">
+                <a:latin typeface="Times New Roman" panose="02020603050405020304" pitchFamily="18" charset="0"/>
+                <a:cs typeface="Times New Roman" panose="02020603050405020304" pitchFamily="18" charset="0"/>
+              </a:rPr>
+              <a:t> Rust</a:t>
+            </a:r>
+            <a:r>
+              <a:rPr lang="zh-CN" altLang="en-US" dirty="0">
+                <a:latin typeface="Times New Roman" panose="02020603050405020304" pitchFamily="18" charset="0"/>
+                <a:cs typeface="Times New Roman" panose="02020603050405020304" pitchFamily="18" charset="0"/>
+              </a:rPr>
+              <a:t>基金会官网</a:t>
+            </a:r>
+            <a:endParaRPr lang="en-US" altLang="zh-CN" dirty="0">
+              <a:latin typeface="Times New Roman" panose="02020603050405020304" pitchFamily="18" charset="0"/>
+              <a:cs typeface="Times New Roman" panose="02020603050405020304" pitchFamily="18" charset="0"/>
+            </a:endParaRPr>
+          </a:p>
+          <a:p>
+            <a:r>
+              <a:rPr lang="en-US" altLang="zh-CN" dirty="0">
+                <a:latin typeface="Times New Roman" panose="02020603050405020304" pitchFamily="18" charset="0"/>
+                <a:cs typeface="Times New Roman" panose="02020603050405020304" pitchFamily="18" charset="0"/>
+                <a:hlinkClick r:id="rId5"/>
+              </a:rPr>
+              <a:t>https://blog.rust-lang.org/2015/04/10/Fearless-Concurrency.html</a:t>
+            </a:r>
+            <a:endParaRPr lang="en-US" altLang="zh-CN" dirty="0">
+              <a:latin typeface="Times New Roman" panose="02020603050405020304" pitchFamily="18" charset="0"/>
+              <a:cs typeface="Times New Roman" panose="02020603050405020304" pitchFamily="18" charset="0"/>
+            </a:endParaRPr>
+          </a:p>
+          <a:p>
+            <a:r>
+              <a:rPr lang="en-US" altLang="zh-CN" dirty="0">
+                <a:latin typeface="Times New Roman" panose="02020603050405020304" pitchFamily="18" charset="0"/>
+                <a:cs typeface="Times New Roman" panose="02020603050405020304" pitchFamily="18" charset="0"/>
+                <a:hlinkClick r:id="rId6"/>
+              </a:rPr>
+              <a:t>https://github.com/microsoft/MSRC-Security-Research/blob/master/presentations/2019_02_BlueHatIL/2019_01%20-%20BlueHatIL%20-%20Trends%2C%20challenge%2C%20and%20shifts%20in%20software%20vulnerability%20mitigation.pdf</a:t>
+            </a:r>
+            <a:endParaRPr lang="zh-CN" altLang="en-US" dirty="0">
+              <a:latin typeface="Times New Roman" panose="02020603050405020304" pitchFamily="18" charset="0"/>
+              <a:cs typeface="Times New Roman" panose="02020603050405020304" pitchFamily="18" charset="0"/>
+            </a:endParaRPr>
+          </a:p>
+          <a:p>
+            <a:r>
+              <a:rPr lang="en-US" altLang="zh-CN" dirty="0">
+                <a:latin typeface="Times New Roman" panose="02020603050405020304" pitchFamily="18" charset="0"/>
+                <a:cs typeface="Times New Roman" panose="02020603050405020304" pitchFamily="18" charset="0"/>
+                <a:hlinkClick r:id="rId7"/>
+              </a:rPr>
+              <a:t>https://benchmarksgame-team.pages.debian.net/benchmarksgame/fastest/rust.html</a:t>
+            </a:r>
+            <a:endParaRPr lang="en-US" altLang="zh-CN" dirty="0">
+              <a:latin typeface="Times New Roman" panose="02020603050405020304" pitchFamily="18" charset="0"/>
+              <a:cs typeface="Times New Roman" panose="02020603050405020304" pitchFamily="18" charset="0"/>
+            </a:endParaRPr>
+          </a:p>
+          <a:p>
+            <a:r>
+              <a:rPr lang="en-US" altLang="zh-CN" dirty="0">
+                <a:latin typeface="Times New Roman" panose="02020603050405020304" pitchFamily="18" charset="0"/>
+                <a:cs typeface="Times New Roman" panose="02020603050405020304" pitchFamily="18" charset="0"/>
+                <a:hlinkClick r:id="rId8"/>
+              </a:rPr>
+              <a:t>https://github.com/kostya/benchmarks</a:t>
+            </a:r>
+            <a:r>
+              <a:rPr lang="zh-CN" altLang="en-US" dirty="0">
+                <a:latin typeface="Times New Roman" panose="02020603050405020304" pitchFamily="18" charset="0"/>
+                <a:cs typeface="Times New Roman" panose="02020603050405020304" pitchFamily="18" charset="0"/>
+              </a:rPr>
+              <a:t> </a:t>
+            </a:r>
+            <a:r>
+              <a:rPr lang="en-US" altLang="zh-CN" dirty="0">
+                <a:latin typeface="Times New Roman" panose="02020603050405020304" pitchFamily="18" charset="0"/>
+                <a:cs typeface="Times New Roman" panose="02020603050405020304" pitchFamily="18" charset="0"/>
+              </a:rPr>
+              <a:t>	</a:t>
+            </a:r>
+            <a:r>
+              <a:rPr lang="zh-CN" altLang="en-US" dirty="0">
+                <a:latin typeface="Times New Roman" panose="02020603050405020304" pitchFamily="18" charset="0"/>
+                <a:cs typeface="Times New Roman" panose="02020603050405020304" pitchFamily="18" charset="0"/>
+              </a:rPr>
+              <a:t>开放常用库性能对比</a:t>
+            </a:r>
+            <a:endParaRPr lang="en-US" altLang="zh-CN" dirty="0">
+              <a:latin typeface="Times New Roman" panose="02020603050405020304" pitchFamily="18" charset="0"/>
+              <a:cs typeface="Times New Roman" panose="02020603050405020304" pitchFamily="18" charset="0"/>
+            </a:endParaRPr>
+          </a:p>
+          <a:p>
+            <a:r>
+              <a:rPr lang="en" altLang="zh-CN" dirty="0">
+                <a:hlinkClick r:id="rId9"/>
+              </a:rPr>
+              <a:t>https://users.rust-lang.org/t/soft-question-golang-vs-rust-productivity/61053</a:t>
+            </a:r>
+            <a:r>
+              <a:rPr lang="en" altLang="zh-CN" dirty="0"/>
+              <a:t> 	</a:t>
+            </a:r>
+            <a:r>
+              <a:rPr lang="zh-CN" altLang="en" dirty="0"/>
+              <a:t>使用</a:t>
+            </a:r>
+            <a:r>
+              <a:rPr lang="en" altLang="zh-CN" dirty="0" err="1">
+                <a:latin typeface="Times New Roman" panose="02020603050405020304" pitchFamily="18" charset="0"/>
+                <a:cs typeface="Times New Roman" panose="02020603050405020304" pitchFamily="18" charset="0"/>
+              </a:rPr>
+              <a:t>golang</a:t>
+            </a:r>
+            <a:r>
+              <a:rPr lang="zh-CN" altLang="en-US" dirty="0"/>
+              <a:t>还是</a:t>
+            </a:r>
+            <a:r>
+              <a:rPr lang="en" altLang="zh-CN" dirty="0">
+                <a:latin typeface="Times New Roman" panose="02020603050405020304" pitchFamily="18" charset="0"/>
+                <a:cs typeface="Times New Roman" panose="02020603050405020304" pitchFamily="18" charset="0"/>
+              </a:rPr>
+              <a:t>rust</a:t>
+            </a:r>
+            <a:r>
+              <a:rPr lang="zh-CN" altLang="en-US" dirty="0"/>
+              <a:t>的讨论</a:t>
+            </a:r>
+            <a:endParaRPr lang="en-US" altLang="zh-CN" dirty="0"/>
+          </a:p>
+          <a:p>
+            <a:r>
+              <a:rPr lang="en-US" altLang="zh-CN" dirty="0">
+                <a:latin typeface="Times New Roman" panose="02020603050405020304" pitchFamily="18" charset="0"/>
+                <a:cs typeface="Times New Roman" panose="02020603050405020304" pitchFamily="18" charset="0"/>
+                <a:hlinkClick r:id="rId10"/>
+              </a:rPr>
+              <a:t>https://rustcc.cn/article?id=4a6054b8-f846-4ef3-8c7b-6c60664ab2b0</a:t>
+            </a:r>
+            <a:r>
+              <a:rPr lang="en-US" altLang="zh-CN" dirty="0">
+                <a:latin typeface="Times New Roman" panose="02020603050405020304" pitchFamily="18" charset="0"/>
+                <a:cs typeface="Times New Roman" panose="02020603050405020304" pitchFamily="18" charset="0"/>
+              </a:rPr>
+              <a:t>		rust</a:t>
+            </a:r>
+            <a:r>
+              <a:rPr lang="zh-CN" altLang="en-US" dirty="0">
+                <a:latin typeface="Times New Roman" panose="02020603050405020304" pitchFamily="18" charset="0"/>
+                <a:cs typeface="Times New Roman" panose="02020603050405020304" pitchFamily="18" charset="0"/>
+              </a:rPr>
+              <a:t>常见问题</a:t>
+            </a:r>
+            <a:endParaRPr lang="en-US" altLang="zh-CN" dirty="0">
+              <a:latin typeface="Times New Roman" panose="02020603050405020304" pitchFamily="18" charset="0"/>
+              <a:cs typeface="Times New Roman" panose="02020603050405020304" pitchFamily="18" charset="0"/>
+            </a:endParaRPr>
+          </a:p>
+          <a:p>
+            <a:r>
+              <a:rPr lang="en-US" altLang="zh-CN" dirty="0">
+                <a:latin typeface="Times New Roman" panose="02020603050405020304" pitchFamily="18" charset="0"/>
+                <a:cs typeface="Times New Roman" panose="02020603050405020304" pitchFamily="18" charset="0"/>
+                <a:hlinkClick r:id="rId11"/>
+              </a:rPr>
+              <a:t>https://github.com/hengli-coder/rust_learning</a:t>
+            </a:r>
+            <a:r>
+              <a:rPr lang="en-US" altLang="zh-CN" dirty="0">
+                <a:latin typeface="Times New Roman" panose="02020603050405020304" pitchFamily="18" charset="0"/>
+                <a:cs typeface="Times New Roman" panose="02020603050405020304" pitchFamily="18" charset="0"/>
+              </a:rPr>
+              <a:t>	PPT</a:t>
+            </a:r>
+            <a:r>
+              <a:rPr lang="zh-CN" altLang="en-US" dirty="0">
+                <a:latin typeface="Times New Roman" panose="02020603050405020304" pitchFamily="18" charset="0"/>
+                <a:cs typeface="Times New Roman" panose="02020603050405020304" pitchFamily="18" charset="0"/>
+              </a:rPr>
+              <a:t>中涉及的代码</a:t>
+            </a:r>
+            <a:endParaRPr lang="en-US" altLang="zh-CN" dirty="0">
+              <a:latin typeface="Times New Roman" panose="02020603050405020304" pitchFamily="18" charset="0"/>
+              <a:cs typeface="Times New Roman" panose="02020603050405020304" pitchFamily="18" charset="0"/>
+            </a:endParaRPr>
+          </a:p>
+          <a:p>
+            <a:endParaRPr lang="en-US" altLang="zh-CN" dirty="0">
+              <a:latin typeface="Times New Roman" panose="02020603050405020304" pitchFamily="18" charset="0"/>
+              <a:cs typeface="Times New Roman" panose="02020603050405020304" pitchFamily="18" charset="0"/>
+            </a:endParaRPr>
+          </a:p>
+          <a:p>
+            <a:endParaRPr lang="zh-CN" altLang="en-US" dirty="0">
+              <a:latin typeface="Times New Roman" panose="02020603050405020304" pitchFamily="18" charset="0"/>
+              <a:cs typeface="Times New Roman" panose="02020603050405020304" pitchFamily="18" charset="0"/>
+            </a:endParaRPr>
+          </a:p>
+          <a:p>
+            <a:endParaRPr lang="zh-CN" altLang="en-US" dirty="0">
+              <a:latin typeface="+mn-ea"/>
+              <a:ea typeface="+mn-ea"/>
+            </a:endParaRPr>
           </a:p>
         </p:txBody>
       </p:sp>

--- a/Rust调研.pptx
+++ b/Rust调研.pptx
@@ -7126,7 +7126,7 @@
           <a:p>
             <a:fld id="{05389ADD-357A-448F-B13B-6EC087BE2CAF}" type="datetimeFigureOut">
               <a:rPr lang="zh-CN" altLang="en-US" smtClean="0"/>
-              <a:t>2021/12/21</a:t>
+              <a:t>2021/12/23</a:t>
             </a:fld>
             <a:endParaRPr lang="zh-CN" altLang="en-US"/>
           </a:p>
@@ -8800,7 +8800,10 @@
           <a:bodyPr/>
           <a:lstStyle/>
           <a:p>
-            <a:endParaRPr lang="zh-CN" altLang="en-US" dirty="0"/>
+            <a:r>
+              <a:rPr lang="zh-CN" altLang="en-US" dirty="0"/>
+              <a:t>编译生成的汇编代码可以看出，生成了两份汇编，执行时会分别调用对应的程序。运行时零开销</a:t>
+            </a:r>
           </a:p>
         </p:txBody>
       </p:sp>
@@ -9052,7 +9055,38 @@
           <a:bodyPr/>
           <a:lstStyle/>
           <a:p>
-            <a:endParaRPr lang="zh-CN" altLang="en-US" dirty="0"/>
+            <a:r>
+              <a:rPr lang="en-US" altLang="zh-CN" dirty="0"/>
+              <a:t>Java</a:t>
+            </a:r>
+            <a:r>
+              <a:rPr lang="zh-CN" altLang="en-US" dirty="0"/>
+              <a:t>泛型是将类型包装成</a:t>
+            </a:r>
+            <a:r>
+              <a:rPr lang="en-US" altLang="zh-CN" dirty="0"/>
+              <a:t>object</a:t>
+            </a:r>
+            <a:r>
+              <a:rPr lang="zh-CN" altLang="en-US" dirty="0"/>
+              <a:t>类型，</a:t>
+            </a:r>
+            <a:r>
+              <a:rPr lang="en-US" altLang="zh-CN" dirty="0"/>
+              <a:t>object</a:t>
+            </a:r>
+            <a:r>
+              <a:rPr lang="zh-CN" altLang="en-US" dirty="0"/>
+              <a:t>类型超类，运行时判断具体类型。</a:t>
+            </a:r>
+            <a:r>
+              <a:rPr lang="en-US" altLang="zh-CN" dirty="0" err="1"/>
+              <a:t>Invokevirtual</a:t>
+            </a:r>
+            <a:r>
+              <a:rPr lang="zh-CN" altLang="en-US" dirty="0"/>
+              <a:t>字节码助记符表示虚拟机运行时判断具体类型。</a:t>
+            </a:r>
           </a:p>
         </p:txBody>
       </p:sp>
@@ -11571,6 +11605,90 @@
           <a:p>
             <a:fld id="{6245CCF4-CF1B-4B4B-B5D0-2221EBE362B5}" type="slidenum">
               <a:rPr lang="zh-CN" altLang="en-US" smtClean="0"/>
+              <a:t>39</a:t>
+            </a:fld>
+            <a:endParaRPr lang="zh-CN" altLang="en-US"/>
+          </a:p>
+        </p:txBody>
+      </p:sp>
+    </p:spTree>
+    <p:extLst>
+      <p:ext uri="{BB962C8B-B14F-4D97-AF65-F5344CB8AC3E}">
+        <p14:creationId xmlns:p14="http://schemas.microsoft.com/office/powerpoint/2010/main" val="3419729131"/>
+      </p:ext>
+    </p:extLst>
+  </p:cSld>
+  <p:clrMapOvr>
+    <a:masterClrMapping/>
+  </p:clrMapOvr>
+</p:notes>
+</file>
+
+<file path=ppt/notesSlides/notesSlide38.xml><?xml version="1.0" encoding="utf-8"?>
+<p:notes xmlns:a="http://schemas.openxmlformats.org/drawingml/2006/main" xmlns:r="http://schemas.openxmlformats.org/officeDocument/2006/relationships" xmlns:p="http://schemas.openxmlformats.org/presentationml/2006/main">
+  <p:cSld>
+    <p:spTree>
+      <p:nvGrpSpPr>
+        <p:cNvPr id="1" name=""/>
+        <p:cNvGrpSpPr/>
+        <p:nvPr/>
+      </p:nvGrpSpPr>
+      <p:grpSpPr>
+        <a:xfrm>
+          <a:off x="0" y="0"/>
+          <a:ext cx="0" cy="0"/>
+          <a:chOff x="0" y="0"/>
+          <a:chExt cx="0" cy="0"/>
+        </a:xfrm>
+      </p:grpSpPr>
+      <p:sp>
+        <p:nvSpPr>
+          <p:cNvPr id="2" name="幻灯片图像占位符 1"/>
+          <p:cNvSpPr>
+            <a:spLocks noGrp="1" noRot="1" noChangeAspect="1"/>
+          </p:cNvSpPr>
+          <p:nvPr>
+            <p:ph type="sldImg"/>
+          </p:nvPr>
+        </p:nvSpPr>
+        <p:spPr/>
+      </p:sp>
+      <p:sp>
+        <p:nvSpPr>
+          <p:cNvPr id="3" name="备注占位符 2"/>
+          <p:cNvSpPr>
+            <a:spLocks noGrp="1"/>
+          </p:cNvSpPr>
+          <p:nvPr>
+            <p:ph type="body" idx="1"/>
+          </p:nvPr>
+        </p:nvSpPr>
+        <p:spPr/>
+        <p:txBody>
+          <a:bodyPr/>
+          <a:lstStyle/>
+          <a:p>
+            <a:endParaRPr kumimoji="1" lang="zh-CN" altLang="en-US" dirty="0"/>
+          </a:p>
+        </p:txBody>
+      </p:sp>
+      <p:sp>
+        <p:nvSpPr>
+          <p:cNvPr id="4" name="灯片编号占位符 3"/>
+          <p:cNvSpPr>
+            <a:spLocks noGrp="1"/>
+          </p:cNvSpPr>
+          <p:nvPr>
+            <p:ph type="sldNum" sz="quarter" idx="5"/>
+          </p:nvPr>
+        </p:nvSpPr>
+        <p:spPr/>
+        <p:txBody>
+          <a:bodyPr/>
+          <a:lstStyle/>
+          <a:p>
+            <a:fld id="{6245CCF4-CF1B-4B4B-B5D0-2221EBE362B5}" type="slidenum">
+              <a:rPr lang="zh-CN" altLang="en-US" smtClean="0"/>
               <a:t>41</a:t>
             </a:fld>
             <a:endParaRPr lang="zh-CN" altLang="en-US"/>
@@ -12563,7 +12681,7 @@
           <a:p>
             <a:fld id="{3CD8EDAB-281B-495C-B3B1-C831B56AA954}" type="datetimeFigureOut">
               <a:rPr lang="zh-CN" altLang="en-US" smtClean="0"/>
-              <a:t>2021/12/21</a:t>
+              <a:t>2021/12/23</a:t>
             </a:fld>
             <a:endParaRPr lang="zh-CN" altLang="en-US"/>
           </a:p>
@@ -12833,7 +12951,7 @@
           <a:p>
             <a:fld id="{3CD8EDAB-281B-495C-B3B1-C831B56AA954}" type="datetimeFigureOut">
               <a:rPr lang="zh-CN" altLang="en-US" smtClean="0"/>
-              <a:t>2021/12/21</a:t>
+              <a:t>2021/12/23</a:t>
             </a:fld>
             <a:endParaRPr lang="zh-CN" altLang="en-US"/>
           </a:p>
@@ -13022,7 +13140,7 @@
           <a:p>
             <a:fld id="{3CD8EDAB-281B-495C-B3B1-C831B56AA954}" type="datetimeFigureOut">
               <a:rPr lang="zh-CN" altLang="en-US" smtClean="0"/>
-              <a:t>2021/12/21</a:t>
+              <a:t>2021/12/23</a:t>
             </a:fld>
             <a:endParaRPr lang="zh-CN" altLang="en-US"/>
           </a:p>
@@ -13290,7 +13408,7 @@
           <a:p>
             <a:fld id="{3CD8EDAB-281B-495C-B3B1-C831B56AA954}" type="datetimeFigureOut">
               <a:rPr lang="zh-CN" altLang="en-US" smtClean="0"/>
-              <a:t>2021/12/21</a:t>
+              <a:t>2021/12/23</a:t>
             </a:fld>
             <a:endParaRPr lang="zh-CN" altLang="en-US"/>
           </a:p>
@@ -13626,7 +13744,7 @@
           <a:p>
             <a:fld id="{3CD8EDAB-281B-495C-B3B1-C831B56AA954}" type="datetimeFigureOut">
               <a:rPr lang="zh-CN" altLang="en-US" smtClean="0"/>
-              <a:t>2021/12/21</a:t>
+              <a:t>2021/12/23</a:t>
             </a:fld>
             <a:endParaRPr lang="zh-CN" altLang="en-US"/>
           </a:p>
@@ -14244,7 +14362,7 @@
           <a:p>
             <a:fld id="{3CD8EDAB-281B-495C-B3B1-C831B56AA954}" type="datetimeFigureOut">
               <a:rPr lang="zh-CN" altLang="en-US" smtClean="0"/>
-              <a:t>2021/12/21</a:t>
+              <a:t>2021/12/23</a:t>
             </a:fld>
             <a:endParaRPr lang="zh-CN" altLang="en-US"/>
           </a:p>
@@ -15099,7 +15217,7 @@
           <a:p>
             <a:fld id="{3CD8EDAB-281B-495C-B3B1-C831B56AA954}" type="datetimeFigureOut">
               <a:rPr lang="zh-CN" altLang="en-US" smtClean="0"/>
-              <a:t>2021/12/21</a:t>
+              <a:t>2021/12/23</a:t>
             </a:fld>
             <a:endParaRPr lang="zh-CN" altLang="en-US"/>
           </a:p>
@@ -15264,7 +15382,7 @@
           <a:p>
             <a:fld id="{3CD8EDAB-281B-495C-B3B1-C831B56AA954}" type="datetimeFigureOut">
               <a:rPr lang="zh-CN" altLang="en-US" smtClean="0"/>
-              <a:t>2021/12/21</a:t>
+              <a:t>2021/12/23</a:t>
             </a:fld>
             <a:endParaRPr lang="zh-CN" altLang="en-US"/>
           </a:p>
@@ -15439,7 +15557,7 @@
           <a:p>
             <a:fld id="{3CD8EDAB-281B-495C-B3B1-C831B56AA954}" type="datetimeFigureOut">
               <a:rPr lang="zh-CN" altLang="en-US" smtClean="0"/>
-              <a:t>2021/12/21</a:t>
+              <a:t>2021/12/23</a:t>
             </a:fld>
             <a:endParaRPr lang="zh-CN" altLang="en-US"/>
           </a:p>
@@ -15604,7 +15722,7 @@
           <a:p>
             <a:fld id="{3CD8EDAB-281B-495C-B3B1-C831B56AA954}" type="datetimeFigureOut">
               <a:rPr lang="zh-CN" altLang="en-US" smtClean="0"/>
-              <a:t>2021/12/21</a:t>
+              <a:t>2021/12/23</a:t>
             </a:fld>
             <a:endParaRPr lang="zh-CN" altLang="en-US"/>
           </a:p>
@@ -15846,7 +15964,7 @@
           <a:p>
             <a:fld id="{3CD8EDAB-281B-495C-B3B1-C831B56AA954}" type="datetimeFigureOut">
               <a:rPr lang="zh-CN" altLang="en-US" smtClean="0"/>
-              <a:t>2021/12/21</a:t>
+              <a:t>2021/12/23</a:t>
             </a:fld>
             <a:endParaRPr lang="zh-CN" altLang="en-US"/>
           </a:p>
@@ -16133,7 +16251,7 @@
           <a:p>
             <a:fld id="{3CD8EDAB-281B-495C-B3B1-C831B56AA954}" type="datetimeFigureOut">
               <a:rPr lang="zh-CN" altLang="en-US" smtClean="0"/>
-              <a:t>2021/12/21</a:t>
+              <a:t>2021/12/23</a:t>
             </a:fld>
             <a:endParaRPr lang="zh-CN" altLang="en-US"/>
           </a:p>
@@ -16572,7 +16690,7 @@
           <a:p>
             <a:fld id="{3CD8EDAB-281B-495C-B3B1-C831B56AA954}" type="datetimeFigureOut">
               <a:rPr lang="zh-CN" altLang="en-US" smtClean="0"/>
-              <a:t>2021/12/21</a:t>
+              <a:t>2021/12/23</a:t>
             </a:fld>
             <a:endParaRPr lang="zh-CN" altLang="en-US"/>
           </a:p>
@@ -16685,7 +16803,7 @@
           <a:p>
             <a:fld id="{3CD8EDAB-281B-495C-B3B1-C831B56AA954}" type="datetimeFigureOut">
               <a:rPr lang="zh-CN" altLang="en-US" smtClean="0"/>
-              <a:t>2021/12/21</a:t>
+              <a:t>2021/12/23</a:t>
             </a:fld>
             <a:endParaRPr lang="zh-CN" altLang="en-US"/>
           </a:p>
@@ -16775,7 +16893,7 @@
           <a:p>
             <a:fld id="{3CD8EDAB-281B-495C-B3B1-C831B56AA954}" type="datetimeFigureOut">
               <a:rPr lang="zh-CN" altLang="en-US" smtClean="0"/>
-              <a:t>2021/12/21</a:t>
+              <a:t>2021/12/23</a:t>
             </a:fld>
             <a:endParaRPr lang="zh-CN" altLang="en-US"/>
           </a:p>
@@ -17049,7 +17167,7 @@
           <a:p>
             <a:fld id="{3CD8EDAB-281B-495C-B3B1-C831B56AA954}" type="datetimeFigureOut">
               <a:rPr lang="zh-CN" altLang="en-US" smtClean="0"/>
-              <a:t>2021/12/21</a:t>
+              <a:t>2021/12/23</a:t>
             </a:fld>
             <a:endParaRPr lang="zh-CN" altLang="en-US"/>
           </a:p>
@@ -17319,7 +17437,7 @@
           <a:p>
             <a:fld id="{3CD8EDAB-281B-495C-B3B1-C831B56AA954}" type="datetimeFigureOut">
               <a:rPr lang="zh-CN" altLang="en-US" smtClean="0"/>
-              <a:t>2021/12/21</a:t>
+              <a:t>2021/12/23</a:t>
             </a:fld>
             <a:endParaRPr lang="zh-CN" altLang="en-US"/>
           </a:p>
@@ -17751,7 +17869,7 @@
           <a:p>
             <a:fld id="{3CD8EDAB-281B-495C-B3B1-C831B56AA954}" type="datetimeFigureOut">
               <a:rPr lang="zh-CN" altLang="en-US" smtClean="0"/>
-              <a:t>2021/12/21</a:t>
+              <a:t>2021/12/23</a:t>
             </a:fld>
             <a:endParaRPr lang="zh-CN" altLang="en-US"/>
           </a:p>
@@ -22400,14 +22518,14 @@
           <p:nvPr>
             <p:extLst>
               <p:ext uri="{D42A27DB-BD31-4B8C-83A1-F6EECF244321}">
-                <p14:modId xmlns:p14="http://schemas.microsoft.com/office/powerpoint/2010/main" val="2066089471"/>
+                <p14:modId xmlns:p14="http://schemas.microsoft.com/office/powerpoint/2010/main" val="3750808967"/>
               </p:ext>
             </p:extLst>
           </p:nvPr>
         </p:nvGraphicFramePr>
         <p:xfrm>
           <a:off x="473529" y="1712146"/>
-          <a:ext cx="11462655" cy="4375145"/>
+          <a:ext cx="11462655" cy="4542608"/>
         </p:xfrm>
         <a:graphic>
           <a:graphicData uri="http://schemas.openxmlformats.org/drawingml/2006/table">
@@ -22575,7 +22693,10 @@
                         <a:t>是用</a:t>
                       </a:r>
                       <a:r>
-                        <a:rPr lang="en-US" altLang="zh-CN" dirty="0"/>
+                        <a:rPr lang="en-US" altLang="zh-CN" dirty="0">
+                          <a:latin typeface="Times New Roman" panose="02020603050405020304" pitchFamily="18" charset="0"/>
+                          <a:cs typeface="Times New Roman" panose="02020603050405020304" pitchFamily="18" charset="0"/>
+                        </a:rPr>
                         <a:t>rust</a:t>
                       </a:r>
                       <a:r>
@@ -22599,7 +22720,18 @@
                       </a:r>
                       <a:r>
                         <a:rPr lang="zh-CN" altLang="en-US" dirty="0"/>
-                        <a:t>是用重新实现的</a:t>
+                        <a:t>是用</a:t>
+                      </a:r>
+                      <a:r>
+                        <a:rPr lang="en-US" altLang="zh-CN" dirty="0">
+                          <a:latin typeface="Times New Roman" panose="02020603050405020304" pitchFamily="18" charset="0"/>
+                          <a:cs typeface="Times New Roman" panose="02020603050405020304" pitchFamily="18" charset="0"/>
+                        </a:rPr>
+                        <a:t>rust</a:t>
+                      </a:r>
+                      <a:r>
+                        <a:rPr lang="zh-CN" altLang="en-US" dirty="0"/>
+                        <a:t>重新实现的</a:t>
                       </a:r>
                       <a:r>
                         <a:rPr lang="en-US" altLang="zh-CN" dirty="0"/>
@@ -23671,7 +23803,7 @@
               <a:rPr kumimoji="1" lang="en" altLang="zh-CN" dirty="0">
                 <a:latin typeface="Times New Roman" panose="02020603050405020304" pitchFamily="18" charset="0"/>
                 <a:cs typeface="Times New Roman" panose="02020603050405020304" pitchFamily="18" charset="0"/>
-                <a:hlinkClick r:id="rId2"/>
+                <a:hlinkClick r:id="rId3"/>
               </a:rPr>
               <a:t>https://github.com/rust-unofficial/awesome-rust</a:t>
             </a:r>
@@ -23711,30 +23843,16 @@
               <a:rPr kumimoji="1" lang="en" altLang="zh-CN" dirty="0">
                 <a:latin typeface="Times New Roman" panose="02020603050405020304" pitchFamily="18" charset="0"/>
                 <a:cs typeface="Times New Roman" panose="02020603050405020304" pitchFamily="18" charset="0"/>
-              </a:rPr>
-              <a:t>https://</a:t>
-            </a:r>
-            <a:r>
-              <a:rPr kumimoji="1" lang="en" altLang="zh-CN" dirty="0" err="1">
-                <a:latin typeface="Times New Roman" panose="02020603050405020304" pitchFamily="18" charset="0"/>
-                <a:cs typeface="Times New Roman" panose="02020603050405020304" pitchFamily="18" charset="0"/>
-              </a:rPr>
-              <a:t>github.com</a:t>
-            </a:r>
-            <a:r>
-              <a:rPr kumimoji="1" lang="en" altLang="zh-CN" dirty="0">
-                <a:latin typeface="Times New Roman" panose="02020603050405020304" pitchFamily="18" charset="0"/>
-                <a:cs typeface="Times New Roman" panose="02020603050405020304" pitchFamily="18" charset="0"/>
-              </a:rPr>
-              <a:t>/Rust-Coding-Guidelines/rust-coding-guidelines-</a:t>
-            </a:r>
-            <a:r>
-              <a:rPr kumimoji="1" lang="en" altLang="zh-CN" dirty="0" err="1">
-                <a:latin typeface="Times New Roman" panose="02020603050405020304" pitchFamily="18" charset="0"/>
-                <a:cs typeface="Times New Roman" panose="02020603050405020304" pitchFamily="18" charset="0"/>
-              </a:rPr>
-              <a:t>zh</a:t>
-            </a:r>
+                <a:hlinkClick r:id="rId4"/>
+              </a:rPr>
+              <a:t>https://github.com/Rust-Coding-Guidelines/rust-coding-guidelines-zh</a:t>
+            </a:r>
+            <a:endParaRPr kumimoji="1" lang="en" altLang="zh-CN" dirty="0">
+              <a:latin typeface="Times New Roman" panose="02020603050405020304" pitchFamily="18" charset="0"/>
+              <a:cs typeface="Times New Roman" panose="02020603050405020304" pitchFamily="18" charset="0"/>
+            </a:endParaRPr>
+          </a:p>
+          <a:p>
             <a:endParaRPr kumimoji="1" lang="zh-CN" altLang="en-US" dirty="0">
               <a:latin typeface="Times New Roman" panose="02020603050405020304" pitchFamily="18" charset="0"/>
               <a:cs typeface="Times New Roman" panose="02020603050405020304" pitchFamily="18" charset="0"/>
